--- a/docs/中間発表.pptx
+++ b/docs/中間発表.pptx
@@ -116,6 +116,14 @@
       </a:defRPr>
     </a:lvl9pPr>
   </p:defaultTextStyle>
+  <p:extLst>
+    <p:ext uri="{EFAFB233-063F-42B5-8137-9DF3F51BA10A}">
+      <p15:sldGuideLst xmlns:p15="http://schemas.microsoft.com/office/powerpoint/2012/main"/>
+    </p:ext>
+    <p:ext uri="{2D200454-40CA-4A62-9FC3-DE9A4176ACB9}">
+      <p15:notesGuideLst xmlns:p15="http://schemas.microsoft.com/office/powerpoint/2012/main"/>
+    </p:ext>
+  </p:extLst>
 </p:presentation>
 </file>
 
@@ -1348,7 +1356,7 @@
           <a:p>
             <a:fld id="{E96D9F0A-2578-410E-B32A-F089453602AE}" type="datetimeFigureOut">
               <a:rPr kumimoji="1" lang="ja-JP" altLang="en-US" smtClean="0"/>
-              <a:t>2020/9/26</a:t>
+              <a:t>2020/9/29</a:t>
             </a:fld>
             <a:endParaRPr kumimoji="1" lang="ja-JP" altLang="en-US"/>
           </a:p>
@@ -1578,7 +1586,7 @@
           <a:p>
             <a:fld id="{E96D9F0A-2578-410E-B32A-F089453602AE}" type="datetimeFigureOut">
               <a:rPr kumimoji="1" lang="ja-JP" altLang="en-US" smtClean="0"/>
-              <a:t>2020/9/26</a:t>
+              <a:t>2020/9/29</a:t>
             </a:fld>
             <a:endParaRPr kumimoji="1" lang="ja-JP" altLang="en-US"/>
           </a:p>
@@ -1818,7 +1826,7 @@
           <a:p>
             <a:fld id="{E96D9F0A-2578-410E-B32A-F089453602AE}" type="datetimeFigureOut">
               <a:rPr kumimoji="1" lang="ja-JP" altLang="en-US" smtClean="0"/>
-              <a:t>2020/9/26</a:t>
+              <a:t>2020/9/29</a:t>
             </a:fld>
             <a:endParaRPr kumimoji="1" lang="ja-JP" altLang="en-US"/>
           </a:p>
@@ -2048,7 +2056,7 @@
           <a:p>
             <a:fld id="{E96D9F0A-2578-410E-B32A-F089453602AE}" type="datetimeFigureOut">
               <a:rPr kumimoji="1" lang="ja-JP" altLang="en-US" smtClean="0"/>
-              <a:t>2020/9/26</a:t>
+              <a:t>2020/9/29</a:t>
             </a:fld>
             <a:endParaRPr kumimoji="1" lang="ja-JP" altLang="en-US"/>
           </a:p>
@@ -2323,7 +2331,7 @@
           <a:p>
             <a:fld id="{E96D9F0A-2578-410E-B32A-F089453602AE}" type="datetimeFigureOut">
               <a:rPr kumimoji="1" lang="ja-JP" altLang="en-US" smtClean="0"/>
-              <a:t>2020/9/26</a:t>
+              <a:t>2020/9/29</a:t>
             </a:fld>
             <a:endParaRPr kumimoji="1" lang="ja-JP" altLang="en-US"/>
           </a:p>
@@ -2652,7 +2660,7 @@
           <a:p>
             <a:fld id="{E96D9F0A-2578-410E-B32A-F089453602AE}" type="datetimeFigureOut">
               <a:rPr kumimoji="1" lang="ja-JP" altLang="en-US" smtClean="0"/>
-              <a:t>2020/9/26</a:t>
+              <a:t>2020/9/29</a:t>
             </a:fld>
             <a:endParaRPr kumimoji="1" lang="ja-JP" altLang="en-US"/>
           </a:p>
@@ -3128,7 +3136,7 @@
           <a:p>
             <a:fld id="{E96D9F0A-2578-410E-B32A-F089453602AE}" type="datetimeFigureOut">
               <a:rPr kumimoji="1" lang="ja-JP" altLang="en-US" smtClean="0"/>
-              <a:t>2020/9/26</a:t>
+              <a:t>2020/9/29</a:t>
             </a:fld>
             <a:endParaRPr kumimoji="1" lang="ja-JP" altLang="en-US"/>
           </a:p>
@@ -3269,7 +3277,7 @@
           <a:p>
             <a:fld id="{E96D9F0A-2578-410E-B32A-F089453602AE}" type="datetimeFigureOut">
               <a:rPr kumimoji="1" lang="ja-JP" altLang="en-US" smtClean="0"/>
-              <a:t>2020/9/26</a:t>
+              <a:t>2020/9/29</a:t>
             </a:fld>
             <a:endParaRPr kumimoji="1" lang="ja-JP" altLang="en-US"/>
           </a:p>
@@ -3382,7 +3390,7 @@
           <a:p>
             <a:fld id="{E96D9F0A-2578-410E-B32A-F089453602AE}" type="datetimeFigureOut">
               <a:rPr kumimoji="1" lang="ja-JP" altLang="en-US" smtClean="0"/>
-              <a:t>2020/9/26</a:t>
+              <a:t>2020/9/29</a:t>
             </a:fld>
             <a:endParaRPr kumimoji="1" lang="ja-JP" altLang="en-US"/>
           </a:p>
@@ -3725,7 +3733,7 @@
           <a:p>
             <a:fld id="{E96D9F0A-2578-410E-B32A-F089453602AE}" type="datetimeFigureOut">
               <a:rPr kumimoji="1" lang="ja-JP" altLang="en-US" smtClean="0"/>
-              <a:t>2020/9/26</a:t>
+              <a:t>2020/9/29</a:t>
             </a:fld>
             <a:endParaRPr kumimoji="1" lang="ja-JP" altLang="en-US"/>
           </a:p>
@@ -4013,7 +4021,7 @@
           <a:p>
             <a:fld id="{E96D9F0A-2578-410E-B32A-F089453602AE}" type="datetimeFigureOut">
               <a:rPr kumimoji="1" lang="ja-JP" altLang="en-US" smtClean="0"/>
-              <a:t>2020/9/26</a:t>
+              <a:t>2020/9/29</a:t>
             </a:fld>
             <a:endParaRPr kumimoji="1" lang="ja-JP" altLang="en-US"/>
           </a:p>
@@ -4286,7 +4294,7 @@
           <a:p>
             <a:fld id="{E96D9F0A-2578-410E-B32A-F089453602AE}" type="datetimeFigureOut">
               <a:rPr kumimoji="1" lang="ja-JP" altLang="en-US" smtClean="0"/>
-              <a:t>2020/9/26</a:t>
+              <a:t>2020/9/29</a:t>
             </a:fld>
             <a:endParaRPr kumimoji="1" lang="ja-JP" altLang="en-US"/>
           </a:p>
@@ -5453,7 +5461,7 @@
           <a:bodyPr/>
           <a:lstStyle/>
           <a:p>
-            <a:endParaRPr kumimoji="1" lang="ja-JP" altLang="en-US"/>
+            <a:endParaRPr kumimoji="1" lang="ja-JP" altLang="en-US" dirty="0"/>
           </a:p>
         </p:txBody>
       </p:sp>
@@ -5515,39 +5523,6 @@
           </a:p>
         </p:txBody>
       </p:sp>
-      <p:sp>
-        <p:nvSpPr>
-          <p:cNvPr id="3" name="コンテンツ プレースホルダー 2">
-            <a:extLst>
-              <a:ext uri="{FF2B5EF4-FFF2-40B4-BE49-F238E27FC236}">
-                <a16:creationId xmlns:a16="http://schemas.microsoft.com/office/drawing/2014/main" id="{A09E4860-50C2-4007-BACA-E5178843979E}"/>
-              </a:ext>
-            </a:extLst>
-          </p:cNvPr>
-          <p:cNvSpPr>
-            <a:spLocks noGrp="1"/>
-          </p:cNvSpPr>
-          <p:nvPr>
-            <p:ph idx="1"/>
-          </p:nvPr>
-        </p:nvSpPr>
-        <p:spPr>
-          <a:xfrm>
-            <a:off x="838200" y="1825625"/>
-            <a:ext cx="2622176" cy="4351338"/>
-          </a:xfrm>
-        </p:spPr>
-        <p:txBody>
-          <a:bodyPr/>
-          <a:lstStyle/>
-          <a:p>
-            <a:r>
-              <a:rPr kumimoji="1" lang="ja-JP" altLang="en-US" dirty="0"/>
-              <a:t>ああ</a:t>
-            </a:r>
-          </a:p>
-        </p:txBody>
-      </p:sp>
       <p:pic>
         <p:nvPicPr>
           <p:cNvPr id="6" name="図 5" descr="グラフ&#10;&#10;自動的に生成された説明">
@@ -5576,14 +5551,134 @@
         </p:blipFill>
         <p:spPr>
           <a:xfrm>
-            <a:off x="1717738" y="1561756"/>
-            <a:ext cx="9988118" cy="4153243"/>
+            <a:off x="166585" y="1561756"/>
+            <a:ext cx="11858829" cy="4931119"/>
           </a:xfrm>
           <a:prstGeom prst="rect">
             <a:avLst/>
           </a:prstGeom>
         </p:spPr>
       </p:pic>
+      <p:sp>
+        <p:nvSpPr>
+          <p:cNvPr id="7" name="テキスト ボックス 6">
+            <a:extLst>
+              <a:ext uri="{FF2B5EF4-FFF2-40B4-BE49-F238E27FC236}">
+                <a16:creationId xmlns:a16="http://schemas.microsoft.com/office/drawing/2014/main" id="{23EDACD2-EFF7-4676-8EB3-9D64D1573179}"/>
+              </a:ext>
+            </a:extLst>
+          </p:cNvPr>
+          <p:cNvSpPr txBox="1"/>
+          <p:nvPr/>
+        </p:nvSpPr>
+        <p:spPr>
+          <a:xfrm>
+            <a:off x="1319753" y="1692832"/>
+            <a:ext cx="1404594" cy="369332"/>
+          </a:xfrm>
+          <a:prstGeom prst="rect">
+            <a:avLst/>
+          </a:prstGeom>
+          <a:noFill/>
+        </p:spPr>
+        <p:txBody>
+          <a:bodyPr wrap="square" rtlCol="0">
+            <a:spAutoFit/>
+          </a:bodyPr>
+          <a:lstStyle/>
+          <a:p>
+            <a:r>
+              <a:rPr lang="en-US" altLang="ja-JP" dirty="0"/>
+              <a:t>20</a:t>
+            </a:r>
+            <a:r>
+              <a:rPr kumimoji="1" lang="ja-JP" altLang="en-US" dirty="0"/>
+              <a:t>価</a:t>
+            </a:r>
+          </a:p>
+        </p:txBody>
+      </p:sp>
+      <p:sp>
+        <p:nvSpPr>
+          <p:cNvPr id="9" name="テキスト ボックス 8">
+            <a:extLst>
+              <a:ext uri="{FF2B5EF4-FFF2-40B4-BE49-F238E27FC236}">
+                <a16:creationId xmlns:a16="http://schemas.microsoft.com/office/drawing/2014/main" id="{AD773A8D-1CB8-4C1D-A923-FD288B30F058}"/>
+              </a:ext>
+            </a:extLst>
+          </p:cNvPr>
+          <p:cNvSpPr txBox="1"/>
+          <p:nvPr/>
+        </p:nvSpPr>
+        <p:spPr>
+          <a:xfrm>
+            <a:off x="4081806" y="1690688"/>
+            <a:ext cx="1404594" cy="369332"/>
+          </a:xfrm>
+          <a:prstGeom prst="rect">
+            <a:avLst/>
+          </a:prstGeom>
+          <a:noFill/>
+        </p:spPr>
+        <p:txBody>
+          <a:bodyPr wrap="square" rtlCol="0">
+            <a:spAutoFit/>
+          </a:bodyPr>
+          <a:lstStyle/>
+          <a:p>
+            <a:r>
+              <a:rPr kumimoji="1" lang="en-US" altLang="ja-JP" dirty="0"/>
+              <a:t>1</a:t>
+            </a:r>
+            <a:r>
+              <a:rPr kumimoji="1" lang="ja-JP" altLang="en-US" dirty="0"/>
+              <a:t>価</a:t>
+            </a:r>
+          </a:p>
+        </p:txBody>
+      </p:sp>
+      <p:cxnSp>
+        <p:nvCxnSpPr>
+          <p:cNvPr id="11" name="直線矢印コネクタ 10">
+            <a:extLst>
+              <a:ext uri="{FF2B5EF4-FFF2-40B4-BE49-F238E27FC236}">
+                <a16:creationId xmlns:a16="http://schemas.microsoft.com/office/drawing/2014/main" id="{702FB98B-88E9-40BE-9D46-A7761D73C00B}"/>
+              </a:ext>
+            </a:extLst>
+          </p:cNvPr>
+          <p:cNvCxnSpPr>
+            <a:endCxn id="9" idx="1"/>
+          </p:cNvCxnSpPr>
+          <p:nvPr/>
+        </p:nvCxnSpPr>
+        <p:spPr>
+          <a:xfrm flipV="1">
+            <a:off x="2022050" y="1875354"/>
+            <a:ext cx="2059756" cy="2144"/>
+          </a:xfrm>
+          <a:prstGeom prst="straightConnector1">
+            <a:avLst/>
+          </a:prstGeom>
+          <a:ln w="19050">
+            <a:headEnd type="triangle"/>
+            <a:tailEnd type="triangle"/>
+          </a:ln>
+        </p:spPr>
+        <p:style>
+          <a:lnRef idx="1">
+            <a:schemeClr val="dk1"/>
+          </a:lnRef>
+          <a:fillRef idx="0">
+            <a:schemeClr val="dk1"/>
+          </a:fillRef>
+          <a:effectRef idx="0">
+            <a:schemeClr val="dk1"/>
+          </a:effectRef>
+          <a:fontRef idx="minor">
+            <a:schemeClr val="tx1"/>
+          </a:fontRef>
+        </p:style>
+      </p:cxnSp>
     </p:spTree>
     <p:extLst>
       <p:ext uri="{BB962C8B-B14F-4D97-AF65-F5344CB8AC3E}">

--- a/docs/中間発表.pptx
+++ b/docs/中間発表.pptx
@@ -2,22 +2,24 @@
 <file path=ppt/presentation.xml><?xml version="1.0" encoding="utf-8"?>
 <p:presentation xmlns:a="http://schemas.openxmlformats.org/drawingml/2006/main" xmlns:r="http://schemas.openxmlformats.org/officeDocument/2006/relationships" xmlns:p="http://schemas.openxmlformats.org/presentationml/2006/main" saveSubsetFonts="1">
   <p:sldMasterIdLst>
-    <p:sldMasterId id="2147483648" r:id="rId1"/>
+    <p:sldMasterId id="2147483738" r:id="rId1"/>
   </p:sldMasterIdLst>
   <p:notesMasterIdLst>
-    <p:notesMasterId r:id="rId12"/>
+    <p:notesMasterId r:id="rId14"/>
   </p:notesMasterIdLst>
   <p:sldIdLst>
     <p:sldId id="256" r:id="rId2"/>
-    <p:sldId id="257" r:id="rId3"/>
-    <p:sldId id="258" r:id="rId4"/>
-    <p:sldId id="263" r:id="rId5"/>
-    <p:sldId id="264" r:id="rId6"/>
-    <p:sldId id="265" r:id="rId7"/>
-    <p:sldId id="259" r:id="rId8"/>
-    <p:sldId id="261" r:id="rId9"/>
-    <p:sldId id="260" r:id="rId10"/>
-    <p:sldId id="262" r:id="rId11"/>
+    <p:sldId id="267" r:id="rId3"/>
+    <p:sldId id="266" r:id="rId4"/>
+    <p:sldId id="257" r:id="rId5"/>
+    <p:sldId id="258" r:id="rId6"/>
+    <p:sldId id="263" r:id="rId7"/>
+    <p:sldId id="264" r:id="rId8"/>
+    <p:sldId id="265" r:id="rId9"/>
+    <p:sldId id="259" r:id="rId10"/>
+    <p:sldId id="261" r:id="rId11"/>
+    <p:sldId id="260" r:id="rId12"/>
+    <p:sldId id="262" r:id="rId13"/>
   </p:sldIdLst>
   <p:sldSz cx="12192000" cy="6858000"/>
   <p:notesSz cx="6858000" cy="9144000"/>
@@ -554,7 +556,7 @@
           <a:p>
             <a:r>
               <a:rPr kumimoji="1" lang="ja-JP" altLang="en-US" dirty="0"/>
-              <a:t>タイトルは適当。</a:t>
+              <a:t>全体的にシミュレーションは通過点って認識でいきたい</a:t>
             </a:r>
           </a:p>
         </p:txBody>
@@ -641,7 +643,7 @@
           <a:p>
             <a:r>
               <a:rPr kumimoji="1" lang="ja-JP" altLang="en-US" dirty="0"/>
-              <a:t>何をシミュレーションするのか、全体の流れを視覚的に伝えたい。</a:t>
+              <a:t>ちょうどいい画像思いつかん</a:t>
             </a:r>
           </a:p>
         </p:txBody>
@@ -663,7 +665,7 @@
           <a:p>
             <a:fld id="{54FC74C9-A3B3-42D0-9EC6-DE7CEAAF28CE}" type="slidenum">
               <a:rPr kumimoji="1" lang="ja-JP" altLang="en-US" smtClean="0"/>
-              <a:t>2</a:t>
+              <a:t>3</a:t>
             </a:fld>
             <a:endParaRPr kumimoji="1" lang="ja-JP" altLang="en-US"/>
           </a:p>
@@ -672,7 +674,7 @@
     </p:spTree>
     <p:extLst>
       <p:ext uri="{BB962C8B-B14F-4D97-AF65-F5344CB8AC3E}">
-        <p14:creationId xmlns:p14="http://schemas.microsoft.com/office/powerpoint/2010/main" val="540404762"/>
+        <p14:creationId xmlns:p14="http://schemas.microsoft.com/office/powerpoint/2010/main" val="1687909619"/>
       </p:ext>
     </p:extLst>
   </p:cSld>
@@ -728,7 +730,7 @@
           <a:p>
             <a:r>
               <a:rPr kumimoji="1" lang="ja-JP" altLang="en-US" dirty="0"/>
-              <a:t>シミュレーションの流れを説明。</a:t>
+              <a:t>何をシミュレーションするのか、全体の流れを視覚的に伝えたい。</a:t>
             </a:r>
           </a:p>
         </p:txBody>
@@ -750,7 +752,7 @@
           <a:p>
             <a:fld id="{54FC74C9-A3B3-42D0-9EC6-DE7CEAAF28CE}" type="slidenum">
               <a:rPr kumimoji="1" lang="ja-JP" altLang="en-US" smtClean="0"/>
-              <a:t>3</a:t>
+              <a:t>4</a:t>
             </a:fld>
             <a:endParaRPr kumimoji="1" lang="ja-JP" altLang="en-US"/>
           </a:p>
@@ -759,7 +761,7 @@
     </p:spTree>
     <p:extLst>
       <p:ext uri="{BB962C8B-B14F-4D97-AF65-F5344CB8AC3E}">
-        <p14:creationId xmlns:p14="http://schemas.microsoft.com/office/powerpoint/2010/main" val="1622991078"/>
+        <p14:creationId xmlns:p14="http://schemas.microsoft.com/office/powerpoint/2010/main" val="540404762"/>
       </p:ext>
     </p:extLst>
   </p:cSld>
@@ -815,7 +817,7 @@
           <a:p>
             <a:r>
               <a:rPr kumimoji="1" lang="ja-JP" altLang="en-US" dirty="0"/>
-              <a:t>軽く触れる程度でいいかも。</a:t>
+              <a:t>シミュレーションの流れを説明。</a:t>
             </a:r>
           </a:p>
         </p:txBody>
@@ -837,7 +839,7 @@
           <a:p>
             <a:fld id="{54FC74C9-A3B3-42D0-9EC6-DE7CEAAF28CE}" type="slidenum">
               <a:rPr kumimoji="1" lang="ja-JP" altLang="en-US" smtClean="0"/>
-              <a:t>4</a:t>
+              <a:t>5</a:t>
             </a:fld>
             <a:endParaRPr kumimoji="1" lang="ja-JP" altLang="en-US"/>
           </a:p>
@@ -846,7 +848,7 @@
     </p:spTree>
     <p:extLst>
       <p:ext uri="{BB962C8B-B14F-4D97-AF65-F5344CB8AC3E}">
-        <p14:creationId xmlns:p14="http://schemas.microsoft.com/office/powerpoint/2010/main" val="1871160809"/>
+        <p14:creationId xmlns:p14="http://schemas.microsoft.com/office/powerpoint/2010/main" val="1622991078"/>
       </p:ext>
     </p:extLst>
   </p:cSld>
@@ -902,7 +904,7 @@
           <a:p>
             <a:r>
               <a:rPr kumimoji="1" lang="ja-JP" altLang="en-US" dirty="0"/>
-              <a:t>具体的な計算方法とともに、感覚的に理解できるようにかみ砕いて説明したい。</a:t>
+              <a:t>軽く触れる程度でいいかも。　→　書かんでいいかも</a:t>
             </a:r>
           </a:p>
         </p:txBody>
@@ -924,7 +926,7 @@
           <a:p>
             <a:fld id="{54FC74C9-A3B3-42D0-9EC6-DE7CEAAF28CE}" type="slidenum">
               <a:rPr kumimoji="1" lang="ja-JP" altLang="en-US" smtClean="0"/>
-              <a:t>5</a:t>
+              <a:t>6</a:t>
             </a:fld>
             <a:endParaRPr kumimoji="1" lang="ja-JP" altLang="en-US"/>
           </a:p>
@@ -933,7 +935,7 @@
     </p:spTree>
     <p:extLst>
       <p:ext uri="{BB962C8B-B14F-4D97-AF65-F5344CB8AC3E}">
-        <p14:creationId xmlns:p14="http://schemas.microsoft.com/office/powerpoint/2010/main" val="2097994152"/>
+        <p14:creationId xmlns:p14="http://schemas.microsoft.com/office/powerpoint/2010/main" val="1871160809"/>
       </p:ext>
     </p:extLst>
   </p:cSld>
@@ -989,15 +991,7 @@
           <a:p>
             <a:r>
               <a:rPr kumimoji="1" lang="ja-JP" altLang="en-US" dirty="0"/>
-              <a:t>同時プロット、３</a:t>
-            </a:r>
-            <a:r>
-              <a:rPr kumimoji="1" lang="en-US" altLang="ja-JP" dirty="0"/>
-              <a:t>D</a:t>
-            </a:r>
-            <a:r>
-              <a:rPr kumimoji="1" lang="ja-JP" altLang="en-US" dirty="0"/>
-              <a:t>プロット、ベクトル表示は説明するとして、途中経過を言うか否か。言わなくていいとは思っている。</a:t>
+              <a:t>具体的な計算方法とともに、感覚的に理解できるようにかみ砕いて説明したい。</a:t>
             </a:r>
           </a:p>
         </p:txBody>
@@ -1019,7 +1013,7 @@
           <a:p>
             <a:fld id="{54FC74C9-A3B3-42D0-9EC6-DE7CEAAF28CE}" type="slidenum">
               <a:rPr kumimoji="1" lang="ja-JP" altLang="en-US" smtClean="0"/>
-              <a:t>6</a:t>
+              <a:t>7</a:t>
             </a:fld>
             <a:endParaRPr kumimoji="1" lang="ja-JP" altLang="en-US"/>
           </a:p>
@@ -1028,7 +1022,7 @@
     </p:spTree>
     <p:extLst>
       <p:ext uri="{BB962C8B-B14F-4D97-AF65-F5344CB8AC3E}">
-        <p14:creationId xmlns:p14="http://schemas.microsoft.com/office/powerpoint/2010/main" val="3845150362"/>
+        <p14:creationId xmlns:p14="http://schemas.microsoft.com/office/powerpoint/2010/main" val="2097994152"/>
       </p:ext>
     </p:extLst>
   </p:cSld>
@@ -1084,7 +1078,15 @@
           <a:p>
             <a:r>
               <a:rPr kumimoji="1" lang="ja-JP" altLang="en-US" dirty="0"/>
-              <a:t>現状どこまで進んでいるか。結果だけ紹介して、改善策は次のスライドから。</a:t>
+              <a:t>同時プロット、３</a:t>
+            </a:r>
+            <a:r>
+              <a:rPr kumimoji="1" lang="en-US" altLang="ja-JP" dirty="0"/>
+              <a:t>D</a:t>
+            </a:r>
+            <a:r>
+              <a:rPr kumimoji="1" lang="ja-JP" altLang="en-US" dirty="0"/>
+              <a:t>プロット、ベクトル表示は説明するとして、途中経過を言うか否か。言わなくていいとは思っている。　→いらない気がする</a:t>
             </a:r>
           </a:p>
         </p:txBody>
@@ -1106,7 +1108,7 @@
           <a:p>
             <a:fld id="{54FC74C9-A3B3-42D0-9EC6-DE7CEAAF28CE}" type="slidenum">
               <a:rPr kumimoji="1" lang="ja-JP" altLang="en-US" smtClean="0"/>
-              <a:t>7</a:t>
+              <a:t>8</a:t>
             </a:fld>
             <a:endParaRPr kumimoji="1" lang="ja-JP" altLang="en-US"/>
           </a:p>
@@ -1115,7 +1117,7 @@
     </p:spTree>
     <p:extLst>
       <p:ext uri="{BB962C8B-B14F-4D97-AF65-F5344CB8AC3E}">
-        <p14:creationId xmlns:p14="http://schemas.microsoft.com/office/powerpoint/2010/main" val="786945491"/>
+        <p14:creationId xmlns:p14="http://schemas.microsoft.com/office/powerpoint/2010/main" val="3845150362"/>
       </p:ext>
     </p:extLst>
   </p:cSld>
@@ -1169,7 +1171,10 @@
           <a:bodyPr/>
           <a:lstStyle/>
           <a:p>
-            <a:endParaRPr kumimoji="1" lang="ja-JP" altLang="en-US" dirty="0"/>
+            <a:r>
+              <a:rPr kumimoji="1" lang="ja-JP" altLang="en-US" dirty="0"/>
+              <a:t>現状どこまで進んでいるか。結果だけ紹介して、改善策は次のスライドから。</a:t>
+            </a:r>
           </a:p>
         </p:txBody>
       </p:sp>
@@ -1190,7 +1195,91 @@
           <a:p>
             <a:fld id="{54FC74C9-A3B3-42D0-9EC6-DE7CEAAF28CE}" type="slidenum">
               <a:rPr kumimoji="1" lang="ja-JP" altLang="en-US" smtClean="0"/>
-              <a:t>10</a:t>
+              <a:t>9</a:t>
+            </a:fld>
+            <a:endParaRPr kumimoji="1" lang="ja-JP" altLang="en-US"/>
+          </a:p>
+        </p:txBody>
+      </p:sp>
+    </p:spTree>
+    <p:extLst>
+      <p:ext uri="{BB962C8B-B14F-4D97-AF65-F5344CB8AC3E}">
+        <p14:creationId xmlns:p14="http://schemas.microsoft.com/office/powerpoint/2010/main" val="786945491"/>
+      </p:ext>
+    </p:extLst>
+  </p:cSld>
+  <p:clrMapOvr>
+    <a:masterClrMapping/>
+  </p:clrMapOvr>
+</p:notes>
+</file>
+
+<file path=ppt/notesSlides/notesSlide9.xml><?xml version="1.0" encoding="utf-8"?>
+<p:notes xmlns:a="http://schemas.openxmlformats.org/drawingml/2006/main" xmlns:r="http://schemas.openxmlformats.org/officeDocument/2006/relationships" xmlns:p="http://schemas.openxmlformats.org/presentationml/2006/main">
+  <p:cSld>
+    <p:spTree>
+      <p:nvGrpSpPr>
+        <p:cNvPr id="1" name=""/>
+        <p:cNvGrpSpPr/>
+        <p:nvPr/>
+      </p:nvGrpSpPr>
+      <p:grpSpPr>
+        <a:xfrm>
+          <a:off x="0" y="0"/>
+          <a:ext cx="0" cy="0"/>
+          <a:chOff x="0" y="0"/>
+          <a:chExt cx="0" cy="0"/>
+        </a:xfrm>
+      </p:grpSpPr>
+      <p:sp>
+        <p:nvSpPr>
+          <p:cNvPr id="2" name="スライド イメージ プレースホルダー 1"/>
+          <p:cNvSpPr>
+            <a:spLocks noGrp="1" noRot="1" noChangeAspect="1"/>
+          </p:cNvSpPr>
+          <p:nvPr>
+            <p:ph type="sldImg"/>
+          </p:nvPr>
+        </p:nvSpPr>
+        <p:spPr/>
+      </p:sp>
+      <p:sp>
+        <p:nvSpPr>
+          <p:cNvPr id="3" name="ノート プレースホルダー 2"/>
+          <p:cNvSpPr>
+            <a:spLocks noGrp="1"/>
+          </p:cNvSpPr>
+          <p:nvPr>
+            <p:ph type="body" idx="1"/>
+          </p:nvPr>
+        </p:nvSpPr>
+        <p:spPr/>
+        <p:txBody>
+          <a:bodyPr/>
+          <a:lstStyle/>
+          <a:p>
+            <a:endParaRPr kumimoji="1" lang="ja-JP" altLang="en-US" dirty="0"/>
+          </a:p>
+        </p:txBody>
+      </p:sp>
+      <p:sp>
+        <p:nvSpPr>
+          <p:cNvPr id="4" name="スライド番号プレースホルダー 3"/>
+          <p:cNvSpPr>
+            <a:spLocks noGrp="1"/>
+          </p:cNvSpPr>
+          <p:nvPr>
+            <p:ph type="sldNum" sz="quarter" idx="5"/>
+          </p:nvPr>
+        </p:nvSpPr>
+        <p:spPr/>
+        <p:txBody>
+          <a:bodyPr/>
+          <a:lstStyle/>
+          <a:p>
+            <a:fld id="{54FC74C9-A3B3-42D0-9EC6-DE7CEAAF28CE}" type="slidenum">
+              <a:rPr kumimoji="1" lang="ja-JP" altLang="en-US" smtClean="0"/>
+              <a:t>12</a:t>
             </a:fld>
             <a:endParaRPr kumimoji="1" lang="ja-JP" altLang="en-US"/>
           </a:p>
@@ -1231,7 +1320,7 @@
           <p:cNvPr id="2" name="タイトル 1">
             <a:extLst>
               <a:ext uri="{FF2B5EF4-FFF2-40B4-BE49-F238E27FC236}">
-                <a16:creationId xmlns:a16="http://schemas.microsoft.com/office/drawing/2014/main" id="{41DC7B97-D94E-4C78-8766-405BD2D2B533}"/>
+                <a16:creationId xmlns:a16="http://schemas.microsoft.com/office/drawing/2014/main" id="{510DA879-F20B-4071-A25F-6972856F9428}"/>
               </a:ext>
             </a:extLst>
           </p:cNvPr>
@@ -1268,7 +1357,7 @@
           <p:cNvPr id="3" name="字幕 2">
             <a:extLst>
               <a:ext uri="{FF2B5EF4-FFF2-40B4-BE49-F238E27FC236}">
-                <a16:creationId xmlns:a16="http://schemas.microsoft.com/office/drawing/2014/main" id="{93343F70-861D-45DD-A51A-3FEB1AB761C7}"/>
+                <a16:creationId xmlns:a16="http://schemas.microsoft.com/office/drawing/2014/main" id="{FCB5F80D-A109-4E34-BE38-141451E9E346}"/>
               </a:ext>
             </a:extLst>
           </p:cNvPr>
@@ -1338,7 +1427,7 @@
           <p:cNvPr id="4" name="日付プレースホルダー 3">
             <a:extLst>
               <a:ext uri="{FF2B5EF4-FFF2-40B4-BE49-F238E27FC236}">
-                <a16:creationId xmlns:a16="http://schemas.microsoft.com/office/drawing/2014/main" id="{4C083DDF-AC7A-4C48-80B3-523CFDE71159}"/>
+                <a16:creationId xmlns:a16="http://schemas.microsoft.com/office/drawing/2014/main" id="{0DAE8D0C-4628-42D8-B945-8523A3FC2E34}"/>
               </a:ext>
             </a:extLst>
           </p:cNvPr>
@@ -1367,7 +1456,7 @@
           <p:cNvPr id="5" name="フッター プレースホルダー 4">
             <a:extLst>
               <a:ext uri="{FF2B5EF4-FFF2-40B4-BE49-F238E27FC236}">
-                <a16:creationId xmlns:a16="http://schemas.microsoft.com/office/drawing/2014/main" id="{66C1021B-EECF-46F9-B71E-CFA4BC39CCB6}"/>
+                <a16:creationId xmlns:a16="http://schemas.microsoft.com/office/drawing/2014/main" id="{D55DC059-98AE-4BC7-AF66-EBB5B9CB46EC}"/>
               </a:ext>
             </a:extLst>
           </p:cNvPr>
@@ -1392,7 +1481,7 @@
           <p:cNvPr id="6" name="スライド番号プレースホルダー 5">
             <a:extLst>
               <a:ext uri="{FF2B5EF4-FFF2-40B4-BE49-F238E27FC236}">
-                <a16:creationId xmlns:a16="http://schemas.microsoft.com/office/drawing/2014/main" id="{58AB095F-3212-42AB-B321-7D8E560DA747}"/>
+                <a16:creationId xmlns:a16="http://schemas.microsoft.com/office/drawing/2014/main" id="{99E1CFCB-F1A3-4A15-B321-4AB8414C7661}"/>
               </a:ext>
             </a:extLst>
           </p:cNvPr>
@@ -1419,7 +1508,7 @@
     </p:spTree>
     <p:extLst>
       <p:ext uri="{BB962C8B-B14F-4D97-AF65-F5344CB8AC3E}">
-        <p14:creationId xmlns:p14="http://schemas.microsoft.com/office/powerpoint/2010/main" val="878342891"/>
+        <p14:creationId xmlns:p14="http://schemas.microsoft.com/office/powerpoint/2010/main" val="2424792219"/>
       </p:ext>
     </p:extLst>
   </p:cSld>
@@ -1451,7 +1540,7 @@
           <p:cNvPr id="2" name="タイトル 1">
             <a:extLst>
               <a:ext uri="{FF2B5EF4-FFF2-40B4-BE49-F238E27FC236}">
-                <a16:creationId xmlns:a16="http://schemas.microsoft.com/office/drawing/2014/main" id="{39E0BBE9-4D30-432A-88A1-444FD92B38D4}"/>
+                <a16:creationId xmlns:a16="http://schemas.microsoft.com/office/drawing/2014/main" id="{B249BCC1-A357-446E-ACA9-B9B198FD2D80}"/>
               </a:ext>
             </a:extLst>
           </p:cNvPr>
@@ -1479,7 +1568,7 @@
           <p:cNvPr id="3" name="縦書きテキスト プレースホルダー 2">
             <a:extLst>
               <a:ext uri="{FF2B5EF4-FFF2-40B4-BE49-F238E27FC236}">
-                <a16:creationId xmlns:a16="http://schemas.microsoft.com/office/drawing/2014/main" id="{B9B1CF56-61DD-4528-A3D3-045AAA0AE3B6}"/>
+                <a16:creationId xmlns:a16="http://schemas.microsoft.com/office/drawing/2014/main" id="{4DE3BDEE-6F32-454C-A308-CE3902073EDC}"/>
               </a:ext>
             </a:extLst>
           </p:cNvPr>
@@ -1568,7 +1657,7 @@
           <p:cNvPr id="4" name="日付プレースホルダー 3">
             <a:extLst>
               <a:ext uri="{FF2B5EF4-FFF2-40B4-BE49-F238E27FC236}">
-                <a16:creationId xmlns:a16="http://schemas.microsoft.com/office/drawing/2014/main" id="{F5F09F93-E5B6-46A1-98AB-6953D9346279}"/>
+                <a16:creationId xmlns:a16="http://schemas.microsoft.com/office/drawing/2014/main" id="{D493A3C3-B465-440E-8D4E-F960F8F9B2CD}"/>
               </a:ext>
             </a:extLst>
           </p:cNvPr>
@@ -1597,7 +1686,7 @@
           <p:cNvPr id="5" name="フッター プレースホルダー 4">
             <a:extLst>
               <a:ext uri="{FF2B5EF4-FFF2-40B4-BE49-F238E27FC236}">
-                <a16:creationId xmlns:a16="http://schemas.microsoft.com/office/drawing/2014/main" id="{D21622D8-1184-42B3-9E6D-2EC730D003F8}"/>
+                <a16:creationId xmlns:a16="http://schemas.microsoft.com/office/drawing/2014/main" id="{0F8AAC13-C627-431A-871C-3928BD28E84B}"/>
               </a:ext>
             </a:extLst>
           </p:cNvPr>
@@ -1622,7 +1711,7 @@
           <p:cNvPr id="6" name="スライド番号プレースホルダー 5">
             <a:extLst>
               <a:ext uri="{FF2B5EF4-FFF2-40B4-BE49-F238E27FC236}">
-                <a16:creationId xmlns:a16="http://schemas.microsoft.com/office/drawing/2014/main" id="{63B3BEAC-0C5C-4ACB-94B4-FEF8695FFEAB}"/>
+                <a16:creationId xmlns:a16="http://schemas.microsoft.com/office/drawing/2014/main" id="{AD6B2F6A-3C4E-4100-BA5A-1CAA4D6F7122}"/>
               </a:ext>
             </a:extLst>
           </p:cNvPr>
@@ -1649,7 +1738,7 @@
     </p:spTree>
     <p:extLst>
       <p:ext uri="{BB962C8B-B14F-4D97-AF65-F5344CB8AC3E}">
-        <p14:creationId xmlns:p14="http://schemas.microsoft.com/office/powerpoint/2010/main" val="702365965"/>
+        <p14:creationId xmlns:p14="http://schemas.microsoft.com/office/powerpoint/2010/main" val="2851760082"/>
       </p:ext>
     </p:extLst>
   </p:cSld>
@@ -1681,7 +1770,7 @@
           <p:cNvPr id="2" name="縦書きタイトル 1">
             <a:extLst>
               <a:ext uri="{FF2B5EF4-FFF2-40B4-BE49-F238E27FC236}">
-                <a16:creationId xmlns:a16="http://schemas.microsoft.com/office/drawing/2014/main" id="{0B22743A-FD3F-4B02-A1E5-7813F09026CC}"/>
+                <a16:creationId xmlns:a16="http://schemas.microsoft.com/office/drawing/2014/main" id="{743448F1-C069-4466-BBE9-C3B5CB7EBBB3}"/>
               </a:ext>
             </a:extLst>
           </p:cNvPr>
@@ -1714,7 +1803,7 @@
           <p:cNvPr id="3" name="縦書きテキスト プレースホルダー 2">
             <a:extLst>
               <a:ext uri="{FF2B5EF4-FFF2-40B4-BE49-F238E27FC236}">
-                <a16:creationId xmlns:a16="http://schemas.microsoft.com/office/drawing/2014/main" id="{3308698C-3B27-44DE-8D82-A3BC7E9A86EB}"/>
+                <a16:creationId xmlns:a16="http://schemas.microsoft.com/office/drawing/2014/main" id="{872BD30E-99FA-4C1B-B02C-E2925F9520FD}"/>
               </a:ext>
             </a:extLst>
           </p:cNvPr>
@@ -1808,7 +1897,7 @@
           <p:cNvPr id="4" name="日付プレースホルダー 3">
             <a:extLst>
               <a:ext uri="{FF2B5EF4-FFF2-40B4-BE49-F238E27FC236}">
-                <a16:creationId xmlns:a16="http://schemas.microsoft.com/office/drawing/2014/main" id="{3639E4F4-95C7-4C6B-9979-95E197786B00}"/>
+                <a16:creationId xmlns:a16="http://schemas.microsoft.com/office/drawing/2014/main" id="{8ED836E0-E251-4DAD-8C18-8193AA6F2D84}"/>
               </a:ext>
             </a:extLst>
           </p:cNvPr>
@@ -1837,7 +1926,7 @@
           <p:cNvPr id="5" name="フッター プレースホルダー 4">
             <a:extLst>
               <a:ext uri="{FF2B5EF4-FFF2-40B4-BE49-F238E27FC236}">
-                <a16:creationId xmlns:a16="http://schemas.microsoft.com/office/drawing/2014/main" id="{CFBEDA05-E6C0-41D5-94B6-3C0644360150}"/>
+                <a16:creationId xmlns:a16="http://schemas.microsoft.com/office/drawing/2014/main" id="{45374121-0883-4FFA-99F2-AB0EB07E9751}"/>
               </a:ext>
             </a:extLst>
           </p:cNvPr>
@@ -1862,7 +1951,7 @@
           <p:cNvPr id="6" name="スライド番号プレースホルダー 5">
             <a:extLst>
               <a:ext uri="{FF2B5EF4-FFF2-40B4-BE49-F238E27FC236}">
-                <a16:creationId xmlns:a16="http://schemas.microsoft.com/office/drawing/2014/main" id="{5CB5AACF-9169-42A4-8532-09FFBED4C8AE}"/>
+                <a16:creationId xmlns:a16="http://schemas.microsoft.com/office/drawing/2014/main" id="{55E6E662-02E1-43F0-BC62-18716B00003C}"/>
               </a:ext>
             </a:extLst>
           </p:cNvPr>
@@ -1889,7 +1978,7 @@
     </p:spTree>
     <p:extLst>
       <p:ext uri="{BB962C8B-B14F-4D97-AF65-F5344CB8AC3E}">
-        <p14:creationId xmlns:p14="http://schemas.microsoft.com/office/powerpoint/2010/main" val="1586955263"/>
+        <p14:creationId xmlns:p14="http://schemas.microsoft.com/office/powerpoint/2010/main" val="504447618"/>
       </p:ext>
     </p:extLst>
   </p:cSld>
@@ -1921,7 +2010,7 @@
           <p:cNvPr id="2" name="タイトル 1">
             <a:extLst>
               <a:ext uri="{FF2B5EF4-FFF2-40B4-BE49-F238E27FC236}">
-                <a16:creationId xmlns:a16="http://schemas.microsoft.com/office/drawing/2014/main" id="{DBB7AD44-64EA-4980-9CA6-A7C0CDC97C4D}"/>
+                <a16:creationId xmlns:a16="http://schemas.microsoft.com/office/drawing/2014/main" id="{D1EEFF86-F44E-4AA4-9A2D-BE7A5341B87C}"/>
               </a:ext>
             </a:extLst>
           </p:cNvPr>
@@ -1949,7 +2038,7 @@
           <p:cNvPr id="3" name="コンテンツ プレースホルダー 2">
             <a:extLst>
               <a:ext uri="{FF2B5EF4-FFF2-40B4-BE49-F238E27FC236}">
-                <a16:creationId xmlns:a16="http://schemas.microsoft.com/office/drawing/2014/main" id="{45722C8B-3A1F-42AB-BCF7-FF7E5BCD7C71}"/>
+                <a16:creationId xmlns:a16="http://schemas.microsoft.com/office/drawing/2014/main" id="{AC71D313-8C7F-434D-85C7-ABF829D9FF5E}"/>
               </a:ext>
             </a:extLst>
           </p:cNvPr>
@@ -2038,7 +2127,7 @@
           <p:cNvPr id="4" name="日付プレースホルダー 3">
             <a:extLst>
               <a:ext uri="{FF2B5EF4-FFF2-40B4-BE49-F238E27FC236}">
-                <a16:creationId xmlns:a16="http://schemas.microsoft.com/office/drawing/2014/main" id="{058B3A9A-C4A0-4487-992A-5D8E8EC87E29}"/>
+                <a16:creationId xmlns:a16="http://schemas.microsoft.com/office/drawing/2014/main" id="{CE61B7C0-C548-48D7-80FE-314588B14C0E}"/>
               </a:ext>
             </a:extLst>
           </p:cNvPr>
@@ -2067,7 +2156,7 @@
           <p:cNvPr id="5" name="フッター プレースホルダー 4">
             <a:extLst>
               <a:ext uri="{FF2B5EF4-FFF2-40B4-BE49-F238E27FC236}">
-                <a16:creationId xmlns:a16="http://schemas.microsoft.com/office/drawing/2014/main" id="{BA98F99D-1689-4C82-8109-147C80C88AAB}"/>
+                <a16:creationId xmlns:a16="http://schemas.microsoft.com/office/drawing/2014/main" id="{1798EDA2-7B3D-4460-B4D5-5CA34BD91B3C}"/>
               </a:ext>
             </a:extLst>
           </p:cNvPr>
@@ -2092,7 +2181,7 @@
           <p:cNvPr id="6" name="スライド番号プレースホルダー 5">
             <a:extLst>
               <a:ext uri="{FF2B5EF4-FFF2-40B4-BE49-F238E27FC236}">
-                <a16:creationId xmlns:a16="http://schemas.microsoft.com/office/drawing/2014/main" id="{564E8ABA-AA85-4715-A220-E52D7E99E7CA}"/>
+                <a16:creationId xmlns:a16="http://schemas.microsoft.com/office/drawing/2014/main" id="{83A90E39-FA7E-4D3E-856A-8D846326A2D5}"/>
               </a:ext>
             </a:extLst>
           </p:cNvPr>
@@ -2119,7 +2208,7 @@
     </p:spTree>
     <p:extLst>
       <p:ext uri="{BB962C8B-B14F-4D97-AF65-F5344CB8AC3E}">
-        <p14:creationId xmlns:p14="http://schemas.microsoft.com/office/powerpoint/2010/main" val="776287291"/>
+        <p14:creationId xmlns:p14="http://schemas.microsoft.com/office/powerpoint/2010/main" val="1598129995"/>
       </p:ext>
     </p:extLst>
   </p:cSld>
@@ -2151,7 +2240,7 @@
           <p:cNvPr id="2" name="タイトル 1">
             <a:extLst>
               <a:ext uri="{FF2B5EF4-FFF2-40B4-BE49-F238E27FC236}">
-                <a16:creationId xmlns:a16="http://schemas.microsoft.com/office/drawing/2014/main" id="{AACE8542-2E7B-4280-99A7-89DEDB8225F9}"/>
+                <a16:creationId xmlns:a16="http://schemas.microsoft.com/office/drawing/2014/main" id="{98EDF5D5-388E-4823-8DB4-2219D390D90D}"/>
               </a:ext>
             </a:extLst>
           </p:cNvPr>
@@ -2188,7 +2277,7 @@
           <p:cNvPr id="3" name="テキスト プレースホルダー 2">
             <a:extLst>
               <a:ext uri="{FF2B5EF4-FFF2-40B4-BE49-F238E27FC236}">
-                <a16:creationId xmlns:a16="http://schemas.microsoft.com/office/drawing/2014/main" id="{D76E9D34-CDD3-4F80-AEE8-FECD4BAD458D}"/>
+                <a16:creationId xmlns:a16="http://schemas.microsoft.com/office/drawing/2014/main" id="{AB41C787-0CDF-4639-AEF2-BCC5F2E52500}"/>
               </a:ext>
             </a:extLst>
           </p:cNvPr>
@@ -2313,7 +2402,7 @@
           <p:cNvPr id="4" name="日付プレースホルダー 3">
             <a:extLst>
               <a:ext uri="{FF2B5EF4-FFF2-40B4-BE49-F238E27FC236}">
-                <a16:creationId xmlns:a16="http://schemas.microsoft.com/office/drawing/2014/main" id="{5F1A9F97-5599-4610-A14B-681984248EAC}"/>
+                <a16:creationId xmlns:a16="http://schemas.microsoft.com/office/drawing/2014/main" id="{9C872233-8513-4A7B-B07E-703CACBD6E7C}"/>
               </a:ext>
             </a:extLst>
           </p:cNvPr>
@@ -2342,7 +2431,7 @@
           <p:cNvPr id="5" name="フッター プレースホルダー 4">
             <a:extLst>
               <a:ext uri="{FF2B5EF4-FFF2-40B4-BE49-F238E27FC236}">
-                <a16:creationId xmlns:a16="http://schemas.microsoft.com/office/drawing/2014/main" id="{51933D97-26D1-4980-95C6-590C905B1A3E}"/>
+                <a16:creationId xmlns:a16="http://schemas.microsoft.com/office/drawing/2014/main" id="{CD70973E-00CD-4136-B29B-190E882214B9}"/>
               </a:ext>
             </a:extLst>
           </p:cNvPr>
@@ -2367,7 +2456,7 @@
           <p:cNvPr id="6" name="スライド番号プレースホルダー 5">
             <a:extLst>
               <a:ext uri="{FF2B5EF4-FFF2-40B4-BE49-F238E27FC236}">
-                <a16:creationId xmlns:a16="http://schemas.microsoft.com/office/drawing/2014/main" id="{CBC67B2C-F048-4394-958E-2C0F1A739CA3}"/>
+                <a16:creationId xmlns:a16="http://schemas.microsoft.com/office/drawing/2014/main" id="{6F222033-E08B-484A-82DD-54FB4591FC2A}"/>
               </a:ext>
             </a:extLst>
           </p:cNvPr>
@@ -2394,7 +2483,7 @@
     </p:spTree>
     <p:extLst>
       <p:ext uri="{BB962C8B-B14F-4D97-AF65-F5344CB8AC3E}">
-        <p14:creationId xmlns:p14="http://schemas.microsoft.com/office/powerpoint/2010/main" val="193765105"/>
+        <p14:creationId xmlns:p14="http://schemas.microsoft.com/office/powerpoint/2010/main" val="1004864030"/>
       </p:ext>
     </p:extLst>
   </p:cSld>
@@ -2426,7 +2515,7 @@
           <p:cNvPr id="2" name="タイトル 1">
             <a:extLst>
               <a:ext uri="{FF2B5EF4-FFF2-40B4-BE49-F238E27FC236}">
-                <a16:creationId xmlns:a16="http://schemas.microsoft.com/office/drawing/2014/main" id="{FACC2D25-6A95-4E04-B1CA-3828F1C71286}"/>
+                <a16:creationId xmlns:a16="http://schemas.microsoft.com/office/drawing/2014/main" id="{1E18D9D8-F2FE-4B94-9CA2-DDB5379D5254}"/>
               </a:ext>
             </a:extLst>
           </p:cNvPr>
@@ -2454,7 +2543,7 @@
           <p:cNvPr id="3" name="コンテンツ プレースホルダー 2">
             <a:extLst>
               <a:ext uri="{FF2B5EF4-FFF2-40B4-BE49-F238E27FC236}">
-                <a16:creationId xmlns:a16="http://schemas.microsoft.com/office/drawing/2014/main" id="{D95C6093-C19D-4655-AE5B-13289DF72148}"/>
+                <a16:creationId xmlns:a16="http://schemas.microsoft.com/office/drawing/2014/main" id="{FD2F726E-A588-4E1E-9964-7140106716E5}"/>
               </a:ext>
             </a:extLst>
           </p:cNvPr>
@@ -2548,7 +2637,7 @@
           <p:cNvPr id="4" name="コンテンツ プレースホルダー 3">
             <a:extLst>
               <a:ext uri="{FF2B5EF4-FFF2-40B4-BE49-F238E27FC236}">
-                <a16:creationId xmlns:a16="http://schemas.microsoft.com/office/drawing/2014/main" id="{203B4DD1-D15E-4A43-97DB-11E43A6C3244}"/>
+                <a16:creationId xmlns:a16="http://schemas.microsoft.com/office/drawing/2014/main" id="{9B91DBAD-685A-4DB6-9FA8-A1775600BF6A}"/>
               </a:ext>
             </a:extLst>
           </p:cNvPr>
@@ -2642,7 +2731,7 @@
           <p:cNvPr id="5" name="日付プレースホルダー 4">
             <a:extLst>
               <a:ext uri="{FF2B5EF4-FFF2-40B4-BE49-F238E27FC236}">
-                <a16:creationId xmlns:a16="http://schemas.microsoft.com/office/drawing/2014/main" id="{20DDA5C9-DDFD-47E1-A5A2-473FEE2A5209}"/>
+                <a16:creationId xmlns:a16="http://schemas.microsoft.com/office/drawing/2014/main" id="{21720E82-2DD6-4A66-8DE8-0C8FAB7D0855}"/>
               </a:ext>
             </a:extLst>
           </p:cNvPr>
@@ -2671,7 +2760,7 @@
           <p:cNvPr id="6" name="フッター プレースホルダー 5">
             <a:extLst>
               <a:ext uri="{FF2B5EF4-FFF2-40B4-BE49-F238E27FC236}">
-                <a16:creationId xmlns:a16="http://schemas.microsoft.com/office/drawing/2014/main" id="{DBB3B050-57E5-40A3-AC1C-4F8F5AC6D2E7}"/>
+                <a16:creationId xmlns:a16="http://schemas.microsoft.com/office/drawing/2014/main" id="{608C32BA-33E4-473D-BE1C-42CD5E6F75F6}"/>
               </a:ext>
             </a:extLst>
           </p:cNvPr>
@@ -2696,7 +2785,7 @@
           <p:cNvPr id="7" name="スライド番号プレースホルダー 6">
             <a:extLst>
               <a:ext uri="{FF2B5EF4-FFF2-40B4-BE49-F238E27FC236}">
-                <a16:creationId xmlns:a16="http://schemas.microsoft.com/office/drawing/2014/main" id="{9058B70D-FDAE-4692-ACA2-CEEE41382AA1}"/>
+                <a16:creationId xmlns:a16="http://schemas.microsoft.com/office/drawing/2014/main" id="{63AC51E3-2953-426D-9134-7E7164E63A15}"/>
               </a:ext>
             </a:extLst>
           </p:cNvPr>
@@ -2723,7 +2812,7 @@
     </p:spTree>
     <p:extLst>
       <p:ext uri="{BB962C8B-B14F-4D97-AF65-F5344CB8AC3E}">
-        <p14:creationId xmlns:p14="http://schemas.microsoft.com/office/powerpoint/2010/main" val="3819495855"/>
+        <p14:creationId xmlns:p14="http://schemas.microsoft.com/office/powerpoint/2010/main" val="360364213"/>
       </p:ext>
     </p:extLst>
   </p:cSld>
@@ -2755,7 +2844,7 @@
           <p:cNvPr id="2" name="タイトル 1">
             <a:extLst>
               <a:ext uri="{FF2B5EF4-FFF2-40B4-BE49-F238E27FC236}">
-                <a16:creationId xmlns:a16="http://schemas.microsoft.com/office/drawing/2014/main" id="{8D8158FC-55FF-4CCE-A6CD-ACBDE53408A0}"/>
+                <a16:creationId xmlns:a16="http://schemas.microsoft.com/office/drawing/2014/main" id="{F22DAE6C-C38A-44AC-821E-7C77231C565E}"/>
               </a:ext>
             </a:extLst>
           </p:cNvPr>
@@ -2788,7 +2877,7 @@
           <p:cNvPr id="3" name="テキスト プレースホルダー 2">
             <a:extLst>
               <a:ext uri="{FF2B5EF4-FFF2-40B4-BE49-F238E27FC236}">
-                <a16:creationId xmlns:a16="http://schemas.microsoft.com/office/drawing/2014/main" id="{C399E9B8-0CF0-4F3A-A1DB-0FA0A466CA05}"/>
+                <a16:creationId xmlns:a16="http://schemas.microsoft.com/office/drawing/2014/main" id="{23F0B7A1-53C7-4B40-AEC1-16DF33BF1C76}"/>
               </a:ext>
             </a:extLst>
           </p:cNvPr>
@@ -2859,7 +2948,7 @@
           <p:cNvPr id="4" name="コンテンツ プレースホルダー 3">
             <a:extLst>
               <a:ext uri="{FF2B5EF4-FFF2-40B4-BE49-F238E27FC236}">
-                <a16:creationId xmlns:a16="http://schemas.microsoft.com/office/drawing/2014/main" id="{BCCF3823-398C-4334-832B-10A729CE1025}"/>
+                <a16:creationId xmlns:a16="http://schemas.microsoft.com/office/drawing/2014/main" id="{66B77734-4113-474B-91E2-8A34BFA2C0B5}"/>
               </a:ext>
             </a:extLst>
           </p:cNvPr>
@@ -2953,7 +3042,7 @@
           <p:cNvPr id="5" name="テキスト プレースホルダー 4">
             <a:extLst>
               <a:ext uri="{FF2B5EF4-FFF2-40B4-BE49-F238E27FC236}">
-                <a16:creationId xmlns:a16="http://schemas.microsoft.com/office/drawing/2014/main" id="{F8579883-34BA-4681-9EF8-0264F65FA4DE}"/>
+                <a16:creationId xmlns:a16="http://schemas.microsoft.com/office/drawing/2014/main" id="{44BC6AA5-7FE4-4D8F-9945-3013FE848359}"/>
               </a:ext>
             </a:extLst>
           </p:cNvPr>
@@ -3024,7 +3113,7 @@
           <p:cNvPr id="6" name="コンテンツ プレースホルダー 5">
             <a:extLst>
               <a:ext uri="{FF2B5EF4-FFF2-40B4-BE49-F238E27FC236}">
-                <a16:creationId xmlns:a16="http://schemas.microsoft.com/office/drawing/2014/main" id="{B8FDE9D2-4355-4CD2-830D-8AF86AE2C172}"/>
+                <a16:creationId xmlns:a16="http://schemas.microsoft.com/office/drawing/2014/main" id="{CC0C64E2-9CE0-4345-8E74-24DB4915291A}"/>
               </a:ext>
             </a:extLst>
           </p:cNvPr>
@@ -3118,7 +3207,7 @@
           <p:cNvPr id="7" name="日付プレースホルダー 6">
             <a:extLst>
               <a:ext uri="{FF2B5EF4-FFF2-40B4-BE49-F238E27FC236}">
-                <a16:creationId xmlns:a16="http://schemas.microsoft.com/office/drawing/2014/main" id="{E6A275C3-68B4-4EB7-BCC9-17B683981934}"/>
+                <a16:creationId xmlns:a16="http://schemas.microsoft.com/office/drawing/2014/main" id="{EEDE11B6-7F1D-4C2D-8110-EB2E02AA359B}"/>
               </a:ext>
             </a:extLst>
           </p:cNvPr>
@@ -3147,7 +3236,7 @@
           <p:cNvPr id="8" name="フッター プレースホルダー 7">
             <a:extLst>
               <a:ext uri="{FF2B5EF4-FFF2-40B4-BE49-F238E27FC236}">
-                <a16:creationId xmlns:a16="http://schemas.microsoft.com/office/drawing/2014/main" id="{A76437DD-4DF4-4F49-A112-A2422D1B0305}"/>
+                <a16:creationId xmlns:a16="http://schemas.microsoft.com/office/drawing/2014/main" id="{598D9DFF-D7F2-4D83-9D70-1B954F70E14B}"/>
               </a:ext>
             </a:extLst>
           </p:cNvPr>
@@ -3172,7 +3261,7 @@
           <p:cNvPr id="9" name="スライド番号プレースホルダー 8">
             <a:extLst>
               <a:ext uri="{FF2B5EF4-FFF2-40B4-BE49-F238E27FC236}">
-                <a16:creationId xmlns:a16="http://schemas.microsoft.com/office/drawing/2014/main" id="{CD4BBCF6-BD92-41F2-8DA0-1001BBD10891}"/>
+                <a16:creationId xmlns:a16="http://schemas.microsoft.com/office/drawing/2014/main" id="{8B0381BA-A66D-4750-9790-9F571693D079}"/>
               </a:ext>
             </a:extLst>
           </p:cNvPr>
@@ -3199,7 +3288,7 @@
     </p:spTree>
     <p:extLst>
       <p:ext uri="{BB962C8B-B14F-4D97-AF65-F5344CB8AC3E}">
-        <p14:creationId xmlns:p14="http://schemas.microsoft.com/office/powerpoint/2010/main" val="1292384646"/>
+        <p14:creationId xmlns:p14="http://schemas.microsoft.com/office/powerpoint/2010/main" val="3833239782"/>
       </p:ext>
     </p:extLst>
   </p:cSld>
@@ -3231,7 +3320,7 @@
           <p:cNvPr id="2" name="タイトル 1">
             <a:extLst>
               <a:ext uri="{FF2B5EF4-FFF2-40B4-BE49-F238E27FC236}">
-                <a16:creationId xmlns:a16="http://schemas.microsoft.com/office/drawing/2014/main" id="{A1A321AB-9DA3-46D8-B7CC-47FE16551E46}"/>
+                <a16:creationId xmlns:a16="http://schemas.microsoft.com/office/drawing/2014/main" id="{D6C14D85-1B4C-4454-941A-B77EFC4B4ED7}"/>
               </a:ext>
             </a:extLst>
           </p:cNvPr>
@@ -3259,7 +3348,7 @@
           <p:cNvPr id="3" name="日付プレースホルダー 2">
             <a:extLst>
               <a:ext uri="{FF2B5EF4-FFF2-40B4-BE49-F238E27FC236}">
-                <a16:creationId xmlns:a16="http://schemas.microsoft.com/office/drawing/2014/main" id="{B8E26B55-9BAA-4399-BC09-210B01FEE766}"/>
+                <a16:creationId xmlns:a16="http://schemas.microsoft.com/office/drawing/2014/main" id="{1F753020-B81F-4C79-980F-E1BF5BF2067F}"/>
               </a:ext>
             </a:extLst>
           </p:cNvPr>
@@ -3288,7 +3377,7 @@
           <p:cNvPr id="4" name="フッター プレースホルダー 3">
             <a:extLst>
               <a:ext uri="{FF2B5EF4-FFF2-40B4-BE49-F238E27FC236}">
-                <a16:creationId xmlns:a16="http://schemas.microsoft.com/office/drawing/2014/main" id="{159CA5DE-966F-4E71-9F07-7D931BCA7996}"/>
+                <a16:creationId xmlns:a16="http://schemas.microsoft.com/office/drawing/2014/main" id="{EE7C7705-F93B-4DCD-9C57-5BA9FEDE33E4}"/>
               </a:ext>
             </a:extLst>
           </p:cNvPr>
@@ -3313,7 +3402,7 @@
           <p:cNvPr id="5" name="スライド番号プレースホルダー 4">
             <a:extLst>
               <a:ext uri="{FF2B5EF4-FFF2-40B4-BE49-F238E27FC236}">
-                <a16:creationId xmlns:a16="http://schemas.microsoft.com/office/drawing/2014/main" id="{D61372B7-DACD-4D4D-8D9A-C27A2BCB59A7}"/>
+                <a16:creationId xmlns:a16="http://schemas.microsoft.com/office/drawing/2014/main" id="{D4602FBC-1900-4501-A3AE-463E20A54E9E}"/>
               </a:ext>
             </a:extLst>
           </p:cNvPr>
@@ -3340,7 +3429,7 @@
     </p:spTree>
     <p:extLst>
       <p:ext uri="{BB962C8B-B14F-4D97-AF65-F5344CB8AC3E}">
-        <p14:creationId xmlns:p14="http://schemas.microsoft.com/office/powerpoint/2010/main" val="3308067168"/>
+        <p14:creationId xmlns:p14="http://schemas.microsoft.com/office/powerpoint/2010/main" val="4056155915"/>
       </p:ext>
     </p:extLst>
   </p:cSld>
@@ -3372,7 +3461,7 @@
           <p:cNvPr id="2" name="日付プレースホルダー 1">
             <a:extLst>
               <a:ext uri="{FF2B5EF4-FFF2-40B4-BE49-F238E27FC236}">
-                <a16:creationId xmlns:a16="http://schemas.microsoft.com/office/drawing/2014/main" id="{93D97CC2-FE23-419B-A321-198DC813AF72}"/>
+                <a16:creationId xmlns:a16="http://schemas.microsoft.com/office/drawing/2014/main" id="{D9838957-8C43-4431-A6BF-B9FBB9E994DD}"/>
               </a:ext>
             </a:extLst>
           </p:cNvPr>
@@ -3401,7 +3490,7 @@
           <p:cNvPr id="3" name="フッター プレースホルダー 2">
             <a:extLst>
               <a:ext uri="{FF2B5EF4-FFF2-40B4-BE49-F238E27FC236}">
-                <a16:creationId xmlns:a16="http://schemas.microsoft.com/office/drawing/2014/main" id="{206F2F3A-9BBD-4753-9CAC-4E1D838742F0}"/>
+                <a16:creationId xmlns:a16="http://schemas.microsoft.com/office/drawing/2014/main" id="{2EEDBEB9-AF0E-461E-BC37-ACD84316F297}"/>
               </a:ext>
             </a:extLst>
           </p:cNvPr>
@@ -3426,7 +3515,7 @@
           <p:cNvPr id="4" name="スライド番号プレースホルダー 3">
             <a:extLst>
               <a:ext uri="{FF2B5EF4-FFF2-40B4-BE49-F238E27FC236}">
-                <a16:creationId xmlns:a16="http://schemas.microsoft.com/office/drawing/2014/main" id="{42353D7A-810E-4A21-A98C-4CE43DDDF75D}"/>
+                <a16:creationId xmlns:a16="http://schemas.microsoft.com/office/drawing/2014/main" id="{11086802-DBB8-43B4-82B2-3F40FF11C3B4}"/>
               </a:ext>
             </a:extLst>
           </p:cNvPr>
@@ -3453,7 +3542,7 @@
     </p:spTree>
     <p:extLst>
       <p:ext uri="{BB962C8B-B14F-4D97-AF65-F5344CB8AC3E}">
-        <p14:creationId xmlns:p14="http://schemas.microsoft.com/office/powerpoint/2010/main" val="2457560147"/>
+        <p14:creationId xmlns:p14="http://schemas.microsoft.com/office/powerpoint/2010/main" val="1816455060"/>
       </p:ext>
     </p:extLst>
   </p:cSld>
@@ -3485,7 +3574,7 @@
           <p:cNvPr id="2" name="タイトル 1">
             <a:extLst>
               <a:ext uri="{FF2B5EF4-FFF2-40B4-BE49-F238E27FC236}">
-                <a16:creationId xmlns:a16="http://schemas.microsoft.com/office/drawing/2014/main" id="{3098B2BA-65A2-4F59-9A0C-737AF02F25B3}"/>
+                <a16:creationId xmlns:a16="http://schemas.microsoft.com/office/drawing/2014/main" id="{4CA9092F-07FE-490C-9155-277ABB9F311E}"/>
               </a:ext>
             </a:extLst>
           </p:cNvPr>
@@ -3522,7 +3611,7 @@
           <p:cNvPr id="3" name="コンテンツ プレースホルダー 2">
             <a:extLst>
               <a:ext uri="{FF2B5EF4-FFF2-40B4-BE49-F238E27FC236}">
-                <a16:creationId xmlns:a16="http://schemas.microsoft.com/office/drawing/2014/main" id="{16357319-30FA-4288-8F11-5C6901C44F3D}"/>
+                <a16:creationId xmlns:a16="http://schemas.microsoft.com/office/drawing/2014/main" id="{F622A15E-999D-4F43-BEC3-DA7C67B0FFAD}"/>
               </a:ext>
             </a:extLst>
           </p:cNvPr>
@@ -3644,7 +3733,7 @@
           <p:cNvPr id="4" name="テキスト プレースホルダー 3">
             <a:extLst>
               <a:ext uri="{FF2B5EF4-FFF2-40B4-BE49-F238E27FC236}">
-                <a16:creationId xmlns:a16="http://schemas.microsoft.com/office/drawing/2014/main" id="{832BFDA3-F143-4E70-919B-C0838D2C4FFC}"/>
+                <a16:creationId xmlns:a16="http://schemas.microsoft.com/office/drawing/2014/main" id="{97F6379F-78CC-4435-B851-B49A3D340F8C}"/>
               </a:ext>
             </a:extLst>
           </p:cNvPr>
@@ -3715,7 +3804,7 @@
           <p:cNvPr id="5" name="日付プレースホルダー 4">
             <a:extLst>
               <a:ext uri="{FF2B5EF4-FFF2-40B4-BE49-F238E27FC236}">
-                <a16:creationId xmlns:a16="http://schemas.microsoft.com/office/drawing/2014/main" id="{DE2CE8AC-5953-49E3-9EB8-DBD977E78512}"/>
+                <a16:creationId xmlns:a16="http://schemas.microsoft.com/office/drawing/2014/main" id="{0A893129-A943-452D-857C-9236869EBF02}"/>
               </a:ext>
             </a:extLst>
           </p:cNvPr>
@@ -3744,7 +3833,7 @@
           <p:cNvPr id="6" name="フッター プレースホルダー 5">
             <a:extLst>
               <a:ext uri="{FF2B5EF4-FFF2-40B4-BE49-F238E27FC236}">
-                <a16:creationId xmlns:a16="http://schemas.microsoft.com/office/drawing/2014/main" id="{0DB10E2F-C9A2-46B9-9302-633565113C48}"/>
+                <a16:creationId xmlns:a16="http://schemas.microsoft.com/office/drawing/2014/main" id="{4F51B2A6-E006-4F5C-9577-AF45E4102616}"/>
               </a:ext>
             </a:extLst>
           </p:cNvPr>
@@ -3769,7 +3858,7 @@
           <p:cNvPr id="7" name="スライド番号プレースホルダー 6">
             <a:extLst>
               <a:ext uri="{FF2B5EF4-FFF2-40B4-BE49-F238E27FC236}">
-                <a16:creationId xmlns:a16="http://schemas.microsoft.com/office/drawing/2014/main" id="{A5FAC798-9D1E-442E-8E54-C7FC05DB6718}"/>
+                <a16:creationId xmlns:a16="http://schemas.microsoft.com/office/drawing/2014/main" id="{69A00AC6-6E63-4297-BBDF-4134D1853D2C}"/>
               </a:ext>
             </a:extLst>
           </p:cNvPr>
@@ -3796,7 +3885,7 @@
     </p:spTree>
     <p:extLst>
       <p:ext uri="{BB962C8B-B14F-4D97-AF65-F5344CB8AC3E}">
-        <p14:creationId xmlns:p14="http://schemas.microsoft.com/office/powerpoint/2010/main" val="2188024063"/>
+        <p14:creationId xmlns:p14="http://schemas.microsoft.com/office/powerpoint/2010/main" val="762683197"/>
       </p:ext>
     </p:extLst>
   </p:cSld>
@@ -3828,7 +3917,7 @@
           <p:cNvPr id="2" name="タイトル 1">
             <a:extLst>
               <a:ext uri="{FF2B5EF4-FFF2-40B4-BE49-F238E27FC236}">
-                <a16:creationId xmlns:a16="http://schemas.microsoft.com/office/drawing/2014/main" id="{A273EB67-DC98-46A5-A36D-20BE90C1D695}"/>
+                <a16:creationId xmlns:a16="http://schemas.microsoft.com/office/drawing/2014/main" id="{48242945-6E00-4FCC-A5EA-1B367F2CC4FE}"/>
               </a:ext>
             </a:extLst>
           </p:cNvPr>
@@ -3865,7 +3954,7 @@
           <p:cNvPr id="3" name="図プレースホルダー 2">
             <a:extLst>
               <a:ext uri="{FF2B5EF4-FFF2-40B4-BE49-F238E27FC236}">
-                <a16:creationId xmlns:a16="http://schemas.microsoft.com/office/drawing/2014/main" id="{3F36FC54-E5B1-4677-AA30-DD5DCD1EA308}"/>
+                <a16:creationId xmlns:a16="http://schemas.microsoft.com/office/drawing/2014/main" id="{4C4EACA9-8FC6-4B5E-9515-081ABC488C09}"/>
               </a:ext>
             </a:extLst>
           </p:cNvPr>
@@ -3932,7 +4021,7 @@
           <p:cNvPr id="4" name="テキスト プレースホルダー 3">
             <a:extLst>
               <a:ext uri="{FF2B5EF4-FFF2-40B4-BE49-F238E27FC236}">
-                <a16:creationId xmlns:a16="http://schemas.microsoft.com/office/drawing/2014/main" id="{39BCE35C-96C8-4D92-ABB5-43EE4C4BE111}"/>
+                <a16:creationId xmlns:a16="http://schemas.microsoft.com/office/drawing/2014/main" id="{4BBB8ECA-77BE-4CBA-936A-8BDC1CF2DC39}"/>
               </a:ext>
             </a:extLst>
           </p:cNvPr>
@@ -4003,7 +4092,7 @@
           <p:cNvPr id="5" name="日付プレースホルダー 4">
             <a:extLst>
               <a:ext uri="{FF2B5EF4-FFF2-40B4-BE49-F238E27FC236}">
-                <a16:creationId xmlns:a16="http://schemas.microsoft.com/office/drawing/2014/main" id="{F96A1ADC-9905-49E6-B3ED-A2F8BE27170B}"/>
+                <a16:creationId xmlns:a16="http://schemas.microsoft.com/office/drawing/2014/main" id="{89D7C392-86F1-4F0C-A51A-2C56725B9021}"/>
               </a:ext>
             </a:extLst>
           </p:cNvPr>
@@ -4032,7 +4121,7 @@
           <p:cNvPr id="6" name="フッター プレースホルダー 5">
             <a:extLst>
               <a:ext uri="{FF2B5EF4-FFF2-40B4-BE49-F238E27FC236}">
-                <a16:creationId xmlns:a16="http://schemas.microsoft.com/office/drawing/2014/main" id="{124C7B7B-0581-4B71-81E7-5125CB2E4660}"/>
+                <a16:creationId xmlns:a16="http://schemas.microsoft.com/office/drawing/2014/main" id="{8546847C-2A30-45EB-9A9D-FA70FC63EDB3}"/>
               </a:ext>
             </a:extLst>
           </p:cNvPr>
@@ -4057,7 +4146,7 @@
           <p:cNvPr id="7" name="スライド番号プレースホルダー 6">
             <a:extLst>
               <a:ext uri="{FF2B5EF4-FFF2-40B4-BE49-F238E27FC236}">
-                <a16:creationId xmlns:a16="http://schemas.microsoft.com/office/drawing/2014/main" id="{C538D850-CBBE-44F0-A6C4-B78D2429241B}"/>
+                <a16:creationId xmlns:a16="http://schemas.microsoft.com/office/drawing/2014/main" id="{9DB68522-072A-4DDC-93E4-E5BB0C09D70B}"/>
               </a:ext>
             </a:extLst>
           </p:cNvPr>
@@ -4084,7 +4173,7 @@
     </p:spTree>
     <p:extLst>
       <p:ext uri="{BB962C8B-B14F-4D97-AF65-F5344CB8AC3E}">
-        <p14:creationId xmlns:p14="http://schemas.microsoft.com/office/powerpoint/2010/main" val="1422310441"/>
+        <p14:creationId xmlns:p14="http://schemas.microsoft.com/office/powerpoint/2010/main" val="889800337"/>
       </p:ext>
     </p:extLst>
   </p:cSld>
@@ -4121,7 +4210,7 @@
           <p:cNvPr id="2" name="タイトル プレースホルダー 1">
             <a:extLst>
               <a:ext uri="{FF2B5EF4-FFF2-40B4-BE49-F238E27FC236}">
-                <a16:creationId xmlns:a16="http://schemas.microsoft.com/office/drawing/2014/main" id="{7AD4C4DF-875D-4360-AABF-B833E9605904}"/>
+                <a16:creationId xmlns:a16="http://schemas.microsoft.com/office/drawing/2014/main" id="{43A98EEC-F5AC-4FCE-97C2-0C466914FB5D}"/>
               </a:ext>
             </a:extLst>
           </p:cNvPr>
@@ -4159,7 +4248,7 @@
           <p:cNvPr id="3" name="テキスト プレースホルダー 2">
             <a:extLst>
               <a:ext uri="{FF2B5EF4-FFF2-40B4-BE49-F238E27FC236}">
-                <a16:creationId xmlns:a16="http://schemas.microsoft.com/office/drawing/2014/main" id="{662AEE5F-17BA-4E83-917C-D383E763D21D}"/>
+                <a16:creationId xmlns:a16="http://schemas.microsoft.com/office/drawing/2014/main" id="{67C040A1-22DA-4464-B054-61A49E00FE12}"/>
               </a:ext>
             </a:extLst>
           </p:cNvPr>
@@ -4258,7 +4347,7 @@
           <p:cNvPr id="4" name="日付プレースホルダー 3">
             <a:extLst>
               <a:ext uri="{FF2B5EF4-FFF2-40B4-BE49-F238E27FC236}">
-                <a16:creationId xmlns:a16="http://schemas.microsoft.com/office/drawing/2014/main" id="{22DD36D7-7740-4774-8C4B-D10DEE23FAEC}"/>
+                <a16:creationId xmlns:a16="http://schemas.microsoft.com/office/drawing/2014/main" id="{18ABEB7C-BE1D-499A-913F-17D4CAA47009}"/>
               </a:ext>
             </a:extLst>
           </p:cNvPr>
@@ -4305,7 +4394,7 @@
           <p:cNvPr id="5" name="フッター プレースホルダー 4">
             <a:extLst>
               <a:ext uri="{FF2B5EF4-FFF2-40B4-BE49-F238E27FC236}">
-                <a16:creationId xmlns:a16="http://schemas.microsoft.com/office/drawing/2014/main" id="{DF543B82-A7AF-4522-833F-5D9C76DC6D78}"/>
+                <a16:creationId xmlns:a16="http://schemas.microsoft.com/office/drawing/2014/main" id="{36B886B0-635F-455C-94E6-DC6C018D7451}"/>
               </a:ext>
             </a:extLst>
           </p:cNvPr>
@@ -4348,7 +4437,7 @@
           <p:cNvPr id="6" name="スライド番号プレースホルダー 5">
             <a:extLst>
               <a:ext uri="{FF2B5EF4-FFF2-40B4-BE49-F238E27FC236}">
-                <a16:creationId xmlns:a16="http://schemas.microsoft.com/office/drawing/2014/main" id="{DAFF480B-3D7B-46D8-B48A-E4E95067B241}"/>
+                <a16:creationId xmlns:a16="http://schemas.microsoft.com/office/drawing/2014/main" id="{126F3505-CE59-4242-B1A2-19B7A680FED0}"/>
               </a:ext>
             </a:extLst>
           </p:cNvPr>
@@ -4393,23 +4482,23 @@
     </p:spTree>
     <p:extLst>
       <p:ext uri="{BB962C8B-B14F-4D97-AF65-F5344CB8AC3E}">
-        <p14:creationId xmlns:p14="http://schemas.microsoft.com/office/powerpoint/2010/main" val="2488766100"/>
+        <p14:creationId xmlns:p14="http://schemas.microsoft.com/office/powerpoint/2010/main" val="3052021227"/>
       </p:ext>
     </p:extLst>
   </p:cSld>
   <p:clrMap bg1="lt1" tx1="dk1" bg2="lt2" tx2="dk2" accent1="accent1" accent2="accent2" accent3="accent3" accent4="accent4" accent5="accent5" accent6="accent6" hlink="hlink" folHlink="folHlink"/>
   <p:sldLayoutIdLst>
-    <p:sldLayoutId id="2147483649" r:id="rId1"/>
-    <p:sldLayoutId id="2147483650" r:id="rId2"/>
-    <p:sldLayoutId id="2147483651" r:id="rId3"/>
-    <p:sldLayoutId id="2147483652" r:id="rId4"/>
-    <p:sldLayoutId id="2147483653" r:id="rId5"/>
-    <p:sldLayoutId id="2147483654" r:id="rId6"/>
-    <p:sldLayoutId id="2147483655" r:id="rId7"/>
-    <p:sldLayoutId id="2147483656" r:id="rId8"/>
-    <p:sldLayoutId id="2147483657" r:id="rId9"/>
-    <p:sldLayoutId id="2147483658" r:id="rId10"/>
-    <p:sldLayoutId id="2147483659" r:id="rId11"/>
+    <p:sldLayoutId id="2147483739" r:id="rId1"/>
+    <p:sldLayoutId id="2147483740" r:id="rId2"/>
+    <p:sldLayoutId id="2147483741" r:id="rId3"/>
+    <p:sldLayoutId id="2147483742" r:id="rId4"/>
+    <p:sldLayoutId id="2147483743" r:id="rId5"/>
+    <p:sldLayoutId id="2147483744" r:id="rId6"/>
+    <p:sldLayoutId id="2147483745" r:id="rId7"/>
+    <p:sldLayoutId id="2147483746" r:id="rId8"/>
+    <p:sldLayoutId id="2147483747" r:id="rId9"/>
+    <p:sldLayoutId id="2147483748" r:id="rId10"/>
+    <p:sldLayoutId id="2147483749" r:id="rId11"/>
   </p:sldLayoutIdLst>
   <p:txStyles>
     <p:titleStyle>
@@ -4730,7 +4819,7 @@
         <p:spPr/>
         <p:txBody>
           <a:bodyPr>
-            <a:normAutofit fontScale="90000"/>
+            <a:normAutofit/>
           </a:bodyPr>
           <a:lstStyle/>
           <a:p>
@@ -4740,7 +4829,7 @@
             </a:r>
             <a:r>
               <a:rPr lang="ja-JP" altLang="en-US" dirty="0"/>
-              <a:t>実験におけるイオン分析器のシミュレーション</a:t>
+              <a:t>実験におけるイオン分析器の分解能の向上</a:t>
             </a:r>
             <a:endParaRPr kumimoji="1" lang="ja-JP" altLang="en-US" dirty="0"/>
           </a:p>
@@ -4825,6 +4914,219 @@
           <p:cNvPr id="2" name="タイトル 1">
             <a:extLst>
               <a:ext uri="{FF2B5EF4-FFF2-40B4-BE49-F238E27FC236}">
+                <a16:creationId xmlns:a16="http://schemas.microsoft.com/office/drawing/2014/main" id="{C38A0B81-CF8A-4895-89BC-4945BF821BEF}"/>
+              </a:ext>
+            </a:extLst>
+          </p:cNvPr>
+          <p:cNvSpPr>
+            <a:spLocks noGrp="1"/>
+          </p:cNvSpPr>
+          <p:nvPr>
+            <p:ph type="title"/>
+          </p:nvPr>
+        </p:nvSpPr>
+        <p:spPr/>
+        <p:txBody>
+          <a:bodyPr/>
+          <a:lstStyle/>
+          <a:p>
+            <a:r>
+              <a:rPr kumimoji="1" lang="ja-JP" altLang="en-US" dirty="0"/>
+              <a:t>展望　初期設定</a:t>
+            </a:r>
+          </a:p>
+        </p:txBody>
+      </p:sp>
+      <p:sp>
+        <p:nvSpPr>
+          <p:cNvPr id="3" name="コンテンツ プレースホルダー 2">
+            <a:extLst>
+              <a:ext uri="{FF2B5EF4-FFF2-40B4-BE49-F238E27FC236}">
+                <a16:creationId xmlns:a16="http://schemas.microsoft.com/office/drawing/2014/main" id="{E3EF6BA6-92DD-4609-9DF7-F9D8D8D8CC9B}"/>
+              </a:ext>
+            </a:extLst>
+          </p:cNvPr>
+          <p:cNvSpPr>
+            <a:spLocks noGrp="1"/>
+          </p:cNvSpPr>
+          <p:nvPr>
+            <p:ph idx="1"/>
+          </p:nvPr>
+        </p:nvSpPr>
+        <p:spPr/>
+        <p:txBody>
+          <a:bodyPr/>
+          <a:lstStyle/>
+          <a:p>
+            <a:endParaRPr kumimoji="1" lang="ja-JP" altLang="en-US" dirty="0"/>
+          </a:p>
+        </p:txBody>
+      </p:sp>
+    </p:spTree>
+    <p:extLst>
+      <p:ext uri="{BB962C8B-B14F-4D97-AF65-F5344CB8AC3E}">
+        <p14:creationId xmlns:p14="http://schemas.microsoft.com/office/powerpoint/2010/main" val="1638164689"/>
+      </p:ext>
+    </p:extLst>
+  </p:cSld>
+  <p:clrMapOvr>
+    <a:masterClrMapping/>
+  </p:clrMapOvr>
+</p:sld>
+</file>
+
+<file path=ppt/slides/slide11.xml><?xml version="1.0" encoding="utf-8"?>
+<p:sld xmlns:a="http://schemas.openxmlformats.org/drawingml/2006/main" xmlns:r="http://schemas.openxmlformats.org/officeDocument/2006/relationships" xmlns:p="http://schemas.openxmlformats.org/presentationml/2006/main">
+  <p:cSld>
+    <p:spTree>
+      <p:nvGrpSpPr>
+        <p:cNvPr id="1" name=""/>
+        <p:cNvGrpSpPr/>
+        <p:nvPr/>
+      </p:nvGrpSpPr>
+      <p:grpSpPr>
+        <a:xfrm>
+          <a:off x="0" y="0"/>
+          <a:ext cx="0" cy="0"/>
+          <a:chOff x="0" y="0"/>
+          <a:chExt cx="0" cy="0"/>
+        </a:xfrm>
+      </p:grpSpPr>
+      <p:sp>
+        <p:nvSpPr>
+          <p:cNvPr id="2" name="タイトル 1">
+            <a:extLst>
+              <a:ext uri="{FF2B5EF4-FFF2-40B4-BE49-F238E27FC236}">
+                <a16:creationId xmlns:a16="http://schemas.microsoft.com/office/drawing/2014/main" id="{F2702505-D70F-41E1-AE7F-A5752453F7AD}"/>
+              </a:ext>
+            </a:extLst>
+          </p:cNvPr>
+          <p:cNvSpPr>
+            <a:spLocks noGrp="1"/>
+          </p:cNvSpPr>
+          <p:nvPr>
+            <p:ph type="title"/>
+          </p:nvPr>
+        </p:nvSpPr>
+        <p:spPr/>
+        <p:txBody>
+          <a:bodyPr/>
+          <a:lstStyle/>
+          <a:p>
+            <a:r>
+              <a:rPr kumimoji="1" lang="ja-JP" altLang="en-US" dirty="0"/>
+              <a:t>展望</a:t>
+            </a:r>
+          </a:p>
+        </p:txBody>
+      </p:sp>
+      <p:sp>
+        <p:nvSpPr>
+          <p:cNvPr id="3" name="コンテンツ プレースホルダー 2">
+            <a:extLst>
+              <a:ext uri="{FF2B5EF4-FFF2-40B4-BE49-F238E27FC236}">
+                <a16:creationId xmlns:a16="http://schemas.microsoft.com/office/drawing/2014/main" id="{6B423193-A369-4705-9F75-A1F404D8119C}"/>
+              </a:ext>
+            </a:extLst>
+          </p:cNvPr>
+          <p:cNvSpPr>
+            <a:spLocks noGrp="1"/>
+          </p:cNvSpPr>
+          <p:nvPr>
+            <p:ph idx="1"/>
+          </p:nvPr>
+        </p:nvSpPr>
+        <p:spPr>
+          <a:xfrm>
+            <a:off x="838200" y="1825625"/>
+            <a:ext cx="2523565" cy="4351338"/>
+          </a:xfrm>
+        </p:spPr>
+        <p:txBody>
+          <a:bodyPr/>
+          <a:lstStyle/>
+          <a:p>
+            <a:r>
+              <a:rPr kumimoji="1" lang="ja-JP" altLang="en-US" dirty="0"/>
+              <a:t>ああ</a:t>
+            </a:r>
+          </a:p>
+        </p:txBody>
+      </p:sp>
+      <p:pic>
+        <p:nvPicPr>
+          <p:cNvPr id="4" name="図 3">
+            <a:extLst>
+              <a:ext uri="{FF2B5EF4-FFF2-40B4-BE49-F238E27FC236}">
+                <a16:creationId xmlns:a16="http://schemas.microsoft.com/office/drawing/2014/main" id="{5C75AE44-7E3F-434A-9017-81226BB33A4C}"/>
+              </a:ext>
+            </a:extLst>
+          </p:cNvPr>
+          <p:cNvPicPr/>
+          <p:nvPr/>
+        </p:nvPicPr>
+        <p:blipFill>
+          <a:blip r:embed="rId2">
+            <a:extLst>
+              <a:ext uri="{28A0092B-C50C-407E-A947-70E740481C1C}">
+                <a14:useLocalDpi xmlns:a14="http://schemas.microsoft.com/office/drawing/2010/main" val="0"/>
+              </a:ext>
+            </a:extLst>
+          </a:blip>
+          <a:srcRect/>
+          <a:stretch>
+            <a:fillRect/>
+          </a:stretch>
+        </p:blipFill>
+        <p:spPr bwMode="auto">
+          <a:xfrm>
+            <a:off x="4787564" y="1507191"/>
+            <a:ext cx="5659120" cy="4187825"/>
+          </a:xfrm>
+          <a:prstGeom prst="rect">
+            <a:avLst/>
+          </a:prstGeom>
+          <a:noFill/>
+          <a:ln>
+            <a:noFill/>
+          </a:ln>
+        </p:spPr>
+      </p:pic>
+    </p:spTree>
+    <p:extLst>
+      <p:ext uri="{BB962C8B-B14F-4D97-AF65-F5344CB8AC3E}">
+        <p14:creationId xmlns:p14="http://schemas.microsoft.com/office/powerpoint/2010/main" val="2809293443"/>
+      </p:ext>
+    </p:extLst>
+  </p:cSld>
+  <p:clrMapOvr>
+    <a:masterClrMapping/>
+  </p:clrMapOvr>
+</p:sld>
+</file>
+
+<file path=ppt/slides/slide12.xml><?xml version="1.0" encoding="utf-8"?>
+<p:sld xmlns:a="http://schemas.openxmlformats.org/drawingml/2006/main" xmlns:r="http://schemas.openxmlformats.org/officeDocument/2006/relationships" xmlns:p="http://schemas.openxmlformats.org/presentationml/2006/main">
+  <p:cSld>
+    <p:spTree>
+      <p:nvGrpSpPr>
+        <p:cNvPr id="1" name=""/>
+        <p:cNvGrpSpPr/>
+        <p:nvPr/>
+      </p:nvGrpSpPr>
+      <p:grpSpPr>
+        <a:xfrm>
+          <a:off x="0" y="0"/>
+          <a:ext cx="0" cy="0"/>
+          <a:chOff x="0" y="0"/>
+          <a:chExt cx="0" cy="0"/>
+        </a:xfrm>
+      </p:grpSpPr>
+      <p:sp>
+        <p:nvSpPr>
+          <p:cNvPr id="2" name="タイトル 1">
+            <a:extLst>
+              <a:ext uri="{FF2B5EF4-FFF2-40B4-BE49-F238E27FC236}">
                 <a16:creationId xmlns:a16="http://schemas.microsoft.com/office/drawing/2014/main" id="{8427CE5C-C84D-4731-B6E3-862A96EA5C2B}"/>
               </a:ext>
             </a:extLst>
@@ -4908,7 +5210,7 @@
           <p:cNvPr id="2" name="タイトル 1">
             <a:extLst>
               <a:ext uri="{FF2B5EF4-FFF2-40B4-BE49-F238E27FC236}">
-                <a16:creationId xmlns:a16="http://schemas.microsoft.com/office/drawing/2014/main" id="{4DDB3C16-DACE-4F46-995E-604AFF9C124B}"/>
+                <a16:creationId xmlns:a16="http://schemas.microsoft.com/office/drawing/2014/main" id="{914EDC32-94DC-4A5D-817A-284B39B21BBD}"/>
               </a:ext>
             </a:extLst>
           </p:cNvPr>
@@ -4919,18 +5221,544 @@
             <p:ph type="title"/>
           </p:nvPr>
         </p:nvSpPr>
-        <p:spPr/>
-        <p:txBody>
-          <a:bodyPr/>
+        <p:spPr>
+          <a:xfrm>
+            <a:off x="0" y="18256"/>
+            <a:ext cx="10515600" cy="662782"/>
+          </a:xfrm>
+        </p:spPr>
+        <p:txBody>
+          <a:bodyPr>
+            <a:normAutofit/>
+          </a:bodyPr>
+          <a:lstStyle/>
+          <a:p>
+            <a:r>
+              <a:rPr lang="en-US" altLang="ja-JP" sz="3200" dirty="0"/>
+              <a:t>1.</a:t>
+            </a:r>
+            <a:r>
+              <a:rPr lang="ja-JP" altLang="en-US" sz="3200" dirty="0"/>
+              <a:t>はじめに</a:t>
+            </a:r>
+            <a:endParaRPr kumimoji="1" lang="ja-JP" altLang="en-US" sz="3200" dirty="0"/>
+          </a:p>
+        </p:txBody>
+      </p:sp>
+      <p:pic>
+        <p:nvPicPr>
+          <p:cNvPr id="4" name="Picture 4">
+            <a:extLst>
+              <a:ext uri="{FF2B5EF4-FFF2-40B4-BE49-F238E27FC236}">
+                <a16:creationId xmlns:a16="http://schemas.microsoft.com/office/drawing/2014/main" id="{62D27C19-04AA-4947-A50D-F55DA7239EF6}"/>
+              </a:ext>
+            </a:extLst>
+          </p:cNvPr>
+          <p:cNvPicPr>
+            <a:picLocks noChangeAspect="1" noChangeArrowheads="1"/>
+          </p:cNvPicPr>
+          <p:nvPr/>
+        </p:nvPicPr>
+        <p:blipFill>
+          <a:blip r:embed="rId2">
+            <a:extLst>
+              <a:ext uri="{28A0092B-C50C-407E-A947-70E740481C1C}">
+                <a14:useLocalDpi xmlns:a14="http://schemas.microsoft.com/office/drawing/2010/main" val="0"/>
+              </a:ext>
+            </a:extLst>
+          </a:blip>
+          <a:srcRect/>
+          <a:stretch>
+            <a:fillRect/>
+          </a:stretch>
+        </p:blipFill>
+        <p:spPr bwMode="auto">
+          <a:xfrm>
+            <a:off x="7693407" y="1243012"/>
+            <a:ext cx="3533775" cy="4371975"/>
+          </a:xfrm>
+          <a:prstGeom prst="rect">
+            <a:avLst/>
+          </a:prstGeom>
+          <a:noFill/>
+          <a:extLst>
+            <a:ext uri="{909E8E84-426E-40DD-AFC4-6F175D3DCCD1}">
+              <a14:hiddenFill xmlns:a14="http://schemas.microsoft.com/office/drawing/2010/main">
+                <a:solidFill>
+                  <a:srgbClr val="FFFFFF"/>
+                </a:solidFill>
+              </a14:hiddenFill>
+            </a:ext>
+          </a:extLst>
+        </p:spPr>
+      </p:pic>
+      <p:sp>
+        <p:nvSpPr>
+          <p:cNvPr id="6" name="テキスト ボックス 5">
+            <a:extLst>
+              <a:ext uri="{FF2B5EF4-FFF2-40B4-BE49-F238E27FC236}">
+                <a16:creationId xmlns:a16="http://schemas.microsoft.com/office/drawing/2014/main" id="{447DCB5B-9326-40E4-AC7D-84FDD91590D8}"/>
+              </a:ext>
+            </a:extLst>
+          </p:cNvPr>
+          <p:cNvSpPr txBox="1"/>
+          <p:nvPr/>
+        </p:nvSpPr>
+        <p:spPr>
+          <a:xfrm>
+            <a:off x="476547" y="781347"/>
+            <a:ext cx="6554568" cy="461665"/>
+          </a:xfrm>
+          <a:prstGeom prst="rect">
+            <a:avLst/>
+          </a:prstGeom>
+          <a:noFill/>
+        </p:spPr>
+        <p:txBody>
+          <a:bodyPr wrap="square" rtlCol="0">
+            <a:spAutoFit/>
+          </a:bodyPr>
+          <a:lstStyle/>
+          <a:p>
+            <a:r>
+              <a:rPr lang="ja-JP" altLang="en-US" sz="2400" dirty="0"/>
+              <a:t>不安定原子核の大きさと形を決定したい</a:t>
+            </a:r>
+            <a:endParaRPr kumimoji="1" lang="ja-JP" altLang="en-US" sz="2400" dirty="0"/>
+          </a:p>
+        </p:txBody>
+      </p:sp>
+      <p:sp>
+        <p:nvSpPr>
+          <p:cNvPr id="8" name="テキスト ボックス 7">
+            <a:extLst>
+              <a:ext uri="{FF2B5EF4-FFF2-40B4-BE49-F238E27FC236}">
+                <a16:creationId xmlns:a16="http://schemas.microsoft.com/office/drawing/2014/main" id="{FE5829C1-C781-43FC-A81F-C27D096EA12E}"/>
+              </a:ext>
+            </a:extLst>
+          </p:cNvPr>
+          <p:cNvSpPr txBox="1"/>
+          <p:nvPr/>
+        </p:nvSpPr>
+        <p:spPr>
+          <a:xfrm>
+            <a:off x="1714003" y="5430321"/>
+            <a:ext cx="3533775" cy="369332"/>
+          </a:xfrm>
+          <a:prstGeom prst="rect">
+            <a:avLst/>
+          </a:prstGeom>
+          <a:noFill/>
+        </p:spPr>
+        <p:txBody>
+          <a:bodyPr wrap="square">
+            <a:spAutoFit/>
+          </a:bodyPr>
+          <a:lstStyle/>
+          <a:p>
+            <a:r>
+              <a:rPr lang="en-US" altLang="ja-JP" dirty="0"/>
+              <a:t>SCRIT</a:t>
+            </a:r>
+            <a:r>
+              <a:rPr lang="ja-JP" altLang="en-US" dirty="0"/>
+              <a:t>（</a:t>
+            </a:r>
+            <a:r>
+              <a:rPr lang="en-US" altLang="ja-JP" i="0" dirty="0">
+                <a:solidFill>
+                  <a:srgbClr val="574D4D"/>
+                </a:solidFill>
+                <a:effectLst/>
+                <a:latin typeface="HiraKakuPro-W6"/>
+              </a:rPr>
+              <a:t>Self Confining RI Target</a:t>
+            </a:r>
+            <a:r>
+              <a:rPr lang="ja-JP" altLang="en-US" dirty="0"/>
+              <a:t>）</a:t>
+            </a:r>
+          </a:p>
+        </p:txBody>
+      </p:sp>
+      <p:sp>
+        <p:nvSpPr>
+          <p:cNvPr id="9" name="テキスト ボックス 8">
+            <a:extLst>
+              <a:ext uri="{FF2B5EF4-FFF2-40B4-BE49-F238E27FC236}">
+                <a16:creationId xmlns:a16="http://schemas.microsoft.com/office/drawing/2014/main" id="{9A81C1EC-03FB-4BF3-941E-645FF281FD0A}"/>
+              </a:ext>
+            </a:extLst>
+          </p:cNvPr>
+          <p:cNvSpPr txBox="1"/>
+          <p:nvPr/>
+        </p:nvSpPr>
+        <p:spPr>
+          <a:xfrm>
+            <a:off x="964818" y="1740023"/>
+            <a:ext cx="5032147" cy="646331"/>
+          </a:xfrm>
+          <a:prstGeom prst="rect">
+            <a:avLst/>
+          </a:prstGeom>
+          <a:noFill/>
+        </p:spPr>
+        <p:txBody>
+          <a:bodyPr wrap="none" rtlCol="0">
+            <a:spAutoFit/>
+          </a:bodyPr>
           <a:lstStyle/>
           <a:p>
             <a:r>
               <a:rPr kumimoji="1" lang="ja-JP" altLang="en-US" dirty="0"/>
-              <a:t>目的</a:t>
-            </a:r>
-          </a:p>
-        </p:txBody>
-      </p:sp>
+              <a:t>問題点：</a:t>
+            </a:r>
+            <a:endParaRPr kumimoji="1" lang="en-US" altLang="ja-JP" dirty="0"/>
+          </a:p>
+          <a:p>
+            <a:r>
+              <a:rPr kumimoji="1" lang="ja-JP" altLang="en-US" dirty="0"/>
+              <a:t>半減期が短く固体ターゲットを作る時間がない</a:t>
+            </a:r>
+          </a:p>
+        </p:txBody>
+      </p:sp>
+      <p:sp>
+        <p:nvSpPr>
+          <p:cNvPr id="10" name="テキスト ボックス 9">
+            <a:extLst>
+              <a:ext uri="{FF2B5EF4-FFF2-40B4-BE49-F238E27FC236}">
+                <a16:creationId xmlns:a16="http://schemas.microsoft.com/office/drawing/2014/main" id="{E4F007F5-28E5-43AF-B60D-2A162EA7D0D3}"/>
+              </a:ext>
+            </a:extLst>
+          </p:cNvPr>
+          <p:cNvSpPr txBox="1"/>
+          <p:nvPr/>
+        </p:nvSpPr>
+        <p:spPr>
+          <a:xfrm>
+            <a:off x="1195650" y="3706425"/>
+            <a:ext cx="4570482" cy="646331"/>
+          </a:xfrm>
+          <a:prstGeom prst="rect">
+            <a:avLst/>
+          </a:prstGeom>
+          <a:noFill/>
+        </p:spPr>
+        <p:txBody>
+          <a:bodyPr wrap="none" rtlCol="0">
+            <a:spAutoFit/>
+          </a:bodyPr>
+          <a:lstStyle/>
+          <a:p>
+            <a:r>
+              <a:rPr kumimoji="1" lang="ja-JP" altLang="en-US" dirty="0"/>
+              <a:t>解決策：</a:t>
+            </a:r>
+            <a:endParaRPr kumimoji="1" lang="en-US" altLang="ja-JP" dirty="0"/>
+          </a:p>
+          <a:p>
+            <a:r>
+              <a:rPr lang="ja-JP" altLang="en-US" dirty="0"/>
+              <a:t>イオンのままトラップして電子散乱しよう</a:t>
+            </a:r>
+            <a:endParaRPr kumimoji="1" lang="ja-JP" altLang="en-US" dirty="0"/>
+          </a:p>
+        </p:txBody>
+      </p:sp>
+      <p:sp>
+        <p:nvSpPr>
+          <p:cNvPr id="11" name="テキスト ボックス 10">
+            <a:extLst>
+              <a:ext uri="{FF2B5EF4-FFF2-40B4-BE49-F238E27FC236}">
+                <a16:creationId xmlns:a16="http://schemas.microsoft.com/office/drawing/2014/main" id="{F5502A51-7C2E-4D96-A3E8-EE0D072572A9}"/>
+              </a:ext>
+            </a:extLst>
+          </p:cNvPr>
+          <p:cNvSpPr txBox="1"/>
+          <p:nvPr/>
+        </p:nvSpPr>
+        <p:spPr>
+          <a:xfrm>
+            <a:off x="7031115" y="5799653"/>
+            <a:ext cx="5179215" cy="261610"/>
+          </a:xfrm>
+          <a:prstGeom prst="rect">
+            <a:avLst/>
+          </a:prstGeom>
+          <a:noFill/>
+        </p:spPr>
+        <p:txBody>
+          <a:bodyPr wrap="square" rtlCol="0">
+            <a:spAutoFit/>
+          </a:bodyPr>
+          <a:lstStyle/>
+          <a:p>
+            <a:r>
+              <a:rPr lang="ja-JP" altLang="en-US" sz="1100" dirty="0"/>
+              <a:t>出典（</a:t>
+            </a:r>
+            <a:r>
+              <a:rPr lang="en-US" altLang="ja-JP" sz="1100" dirty="0"/>
+              <a:t> </a:t>
+            </a:r>
+            <a:r>
+              <a:rPr lang="en-US" altLang="ja-JP" sz="1100" dirty="0">
+                <a:hlinkClick r:id="rId3"/>
+              </a:rPr>
+              <a:t>http://apollo.lns.tohoku.ac.jp/scrit/SCRIT_Sendai_J/Physics.html</a:t>
+            </a:r>
+            <a:r>
+              <a:rPr lang="ja-JP" altLang="en-US" sz="1100" dirty="0"/>
+              <a:t>）</a:t>
+            </a:r>
+            <a:endParaRPr kumimoji="1" lang="ja-JP" altLang="en-US" sz="1100" dirty="0"/>
+          </a:p>
+        </p:txBody>
+      </p:sp>
+      <p:sp>
+        <p:nvSpPr>
+          <p:cNvPr id="12" name="矢印: 下 11">
+            <a:extLst>
+              <a:ext uri="{FF2B5EF4-FFF2-40B4-BE49-F238E27FC236}">
+                <a16:creationId xmlns:a16="http://schemas.microsoft.com/office/drawing/2014/main" id="{E1506AC9-4368-4053-B070-6A15C14E7EAD}"/>
+              </a:ext>
+            </a:extLst>
+          </p:cNvPr>
+          <p:cNvSpPr/>
+          <p:nvPr/>
+        </p:nvSpPr>
+        <p:spPr>
+          <a:xfrm>
+            <a:off x="2689934" y="2565647"/>
+            <a:ext cx="1367161" cy="646331"/>
+          </a:xfrm>
+          <a:prstGeom prst="downArrow">
+            <a:avLst/>
+          </a:prstGeom>
+          <a:solidFill>
+            <a:schemeClr val="bg1"/>
+          </a:solidFill>
+          <a:ln>
+            <a:solidFill>
+              <a:schemeClr val="tx1"/>
+            </a:solidFill>
+          </a:ln>
+        </p:spPr>
+        <p:style>
+          <a:lnRef idx="2">
+            <a:schemeClr val="accent1">
+              <a:shade val="50000"/>
+            </a:schemeClr>
+          </a:lnRef>
+          <a:fillRef idx="1">
+            <a:schemeClr val="accent1"/>
+          </a:fillRef>
+          <a:effectRef idx="0">
+            <a:schemeClr val="accent1"/>
+          </a:effectRef>
+          <a:fontRef idx="minor">
+            <a:schemeClr val="lt1"/>
+          </a:fontRef>
+        </p:style>
+        <p:txBody>
+          <a:bodyPr rtlCol="0" anchor="ctr"/>
+          <a:lstStyle/>
+          <a:p>
+            <a:pPr algn="ctr"/>
+            <a:endParaRPr kumimoji="1" lang="ja-JP" altLang="en-US"/>
+          </a:p>
+        </p:txBody>
+      </p:sp>
+      <p:sp>
+        <p:nvSpPr>
+          <p:cNvPr id="14" name="矢印: 下 13">
+            <a:extLst>
+              <a:ext uri="{FF2B5EF4-FFF2-40B4-BE49-F238E27FC236}">
+                <a16:creationId xmlns:a16="http://schemas.microsoft.com/office/drawing/2014/main" id="{B1790516-05E0-4CA8-BCE1-889AB1B1F252}"/>
+              </a:ext>
+            </a:extLst>
+          </p:cNvPr>
+          <p:cNvSpPr/>
+          <p:nvPr/>
+        </p:nvSpPr>
+        <p:spPr>
+          <a:xfrm>
+            <a:off x="2689933" y="4586131"/>
+            <a:ext cx="1367161" cy="646331"/>
+          </a:xfrm>
+          <a:prstGeom prst="downArrow">
+            <a:avLst/>
+          </a:prstGeom>
+          <a:solidFill>
+            <a:schemeClr val="bg1"/>
+          </a:solidFill>
+          <a:ln>
+            <a:solidFill>
+              <a:schemeClr val="tx1"/>
+            </a:solidFill>
+          </a:ln>
+        </p:spPr>
+        <p:style>
+          <a:lnRef idx="2">
+            <a:schemeClr val="accent1">
+              <a:shade val="50000"/>
+            </a:schemeClr>
+          </a:lnRef>
+          <a:fillRef idx="1">
+            <a:schemeClr val="accent1"/>
+          </a:fillRef>
+          <a:effectRef idx="0">
+            <a:schemeClr val="accent1"/>
+          </a:effectRef>
+          <a:fontRef idx="minor">
+            <a:schemeClr val="lt1"/>
+          </a:fontRef>
+        </p:style>
+        <p:txBody>
+          <a:bodyPr rtlCol="0" anchor="ctr"/>
+          <a:lstStyle/>
+          <a:p>
+            <a:pPr algn="ctr"/>
+            <a:endParaRPr kumimoji="1" lang="ja-JP" altLang="en-US"/>
+          </a:p>
+        </p:txBody>
+      </p:sp>
+    </p:spTree>
+    <p:extLst>
+      <p:ext uri="{BB962C8B-B14F-4D97-AF65-F5344CB8AC3E}">
+        <p14:creationId xmlns:p14="http://schemas.microsoft.com/office/powerpoint/2010/main" val="1202225180"/>
+      </p:ext>
+    </p:extLst>
+  </p:cSld>
+  <p:clrMapOvr>
+    <a:masterClrMapping/>
+  </p:clrMapOvr>
+</p:sld>
+</file>
+
+<file path=ppt/slides/slide3.xml><?xml version="1.0" encoding="utf-8"?>
+<p:sld xmlns:a="http://schemas.openxmlformats.org/drawingml/2006/main" xmlns:r="http://schemas.openxmlformats.org/officeDocument/2006/relationships" xmlns:p="http://schemas.openxmlformats.org/presentationml/2006/main">
+  <p:cSld>
+    <p:spTree>
+      <p:nvGrpSpPr>
+        <p:cNvPr id="1" name=""/>
+        <p:cNvGrpSpPr/>
+        <p:nvPr/>
+      </p:nvGrpSpPr>
+      <p:grpSpPr>
+        <a:xfrm>
+          <a:off x="0" y="0"/>
+          <a:ext cx="0" cy="0"/>
+          <a:chOff x="0" y="0"/>
+          <a:chExt cx="0" cy="0"/>
+        </a:xfrm>
+      </p:grpSpPr>
+      <p:sp>
+        <p:nvSpPr>
+          <p:cNvPr id="11" name="テキスト ボックス 10">
+            <a:extLst>
+              <a:ext uri="{FF2B5EF4-FFF2-40B4-BE49-F238E27FC236}">
+                <a16:creationId xmlns:a16="http://schemas.microsoft.com/office/drawing/2014/main" id="{22EB38E1-467E-4790-89B2-53332EE0737A}"/>
+              </a:ext>
+            </a:extLst>
+          </p:cNvPr>
+          <p:cNvSpPr txBox="1"/>
+          <p:nvPr/>
+        </p:nvSpPr>
+        <p:spPr>
+          <a:xfrm>
+            <a:off x="476547" y="781347"/>
+            <a:ext cx="6554568" cy="461665"/>
+          </a:xfrm>
+          <a:prstGeom prst="rect">
+            <a:avLst/>
+          </a:prstGeom>
+          <a:noFill/>
+        </p:spPr>
+        <p:txBody>
+          <a:bodyPr wrap="square" rtlCol="0">
+            <a:spAutoFit/>
+          </a:bodyPr>
+          <a:lstStyle/>
+          <a:p>
+            <a:r>
+              <a:rPr kumimoji="1" lang="ja-JP" altLang="en-US" sz="2400" dirty="0"/>
+              <a:t>捕獲できたイオンの分析器の現状</a:t>
+            </a:r>
+          </a:p>
+        </p:txBody>
+      </p:sp>
+      <p:sp>
+        <p:nvSpPr>
+          <p:cNvPr id="15" name="タイトル 1">
+            <a:extLst>
+              <a:ext uri="{FF2B5EF4-FFF2-40B4-BE49-F238E27FC236}">
+                <a16:creationId xmlns:a16="http://schemas.microsoft.com/office/drawing/2014/main" id="{870DFE3C-2A1C-4D76-A7C0-A868140C2C37}"/>
+              </a:ext>
+            </a:extLst>
+          </p:cNvPr>
+          <p:cNvSpPr>
+            <a:spLocks noGrp="1"/>
+          </p:cNvSpPr>
+          <p:nvPr>
+            <p:ph type="title"/>
+          </p:nvPr>
+        </p:nvSpPr>
+        <p:spPr>
+          <a:xfrm>
+            <a:off x="0" y="18256"/>
+            <a:ext cx="10515600" cy="662782"/>
+          </a:xfrm>
+        </p:spPr>
+        <p:txBody>
+          <a:bodyPr>
+            <a:normAutofit/>
+          </a:bodyPr>
+          <a:lstStyle/>
+          <a:p>
+            <a:r>
+              <a:rPr lang="en-US" altLang="ja-JP" sz="3200" dirty="0"/>
+              <a:t>1.</a:t>
+            </a:r>
+            <a:r>
+              <a:rPr lang="ja-JP" altLang="en-US" sz="3200" dirty="0"/>
+              <a:t>はじめに</a:t>
+            </a:r>
+            <a:endParaRPr kumimoji="1" lang="ja-JP" altLang="en-US" sz="3200" dirty="0"/>
+          </a:p>
+        </p:txBody>
+      </p:sp>
+    </p:spTree>
+    <p:extLst>
+      <p:ext uri="{BB962C8B-B14F-4D97-AF65-F5344CB8AC3E}">
+        <p14:creationId xmlns:p14="http://schemas.microsoft.com/office/powerpoint/2010/main" val="1139264165"/>
+      </p:ext>
+    </p:extLst>
+  </p:cSld>
+  <p:clrMapOvr>
+    <a:masterClrMapping/>
+  </p:clrMapOvr>
+</p:sld>
+</file>
+
+<file path=ppt/slides/slide4.xml><?xml version="1.0" encoding="utf-8"?>
+<p:sld xmlns:a="http://schemas.openxmlformats.org/drawingml/2006/main" xmlns:r="http://schemas.openxmlformats.org/officeDocument/2006/relationships" xmlns:p="http://schemas.openxmlformats.org/presentationml/2006/main">
+  <p:cSld>
+    <p:spTree>
+      <p:nvGrpSpPr>
+        <p:cNvPr id="1" name=""/>
+        <p:cNvGrpSpPr/>
+        <p:nvPr/>
+      </p:nvGrpSpPr>
+      <p:grpSpPr>
+        <a:xfrm>
+          <a:off x="0" y="0"/>
+          <a:ext cx="0" cy="0"/>
+          <a:chOff x="0" y="0"/>
+          <a:chExt cx="0" cy="0"/>
+        </a:xfrm>
+      </p:grpSpPr>
       <p:sp>
         <p:nvSpPr>
           <p:cNvPr id="5" name="正方形/長方形 4">
@@ -5073,6 +5901,45 @@
           </a:p>
         </p:txBody>
       </p:sp>
+      <p:sp>
+        <p:nvSpPr>
+          <p:cNvPr id="12" name="タイトル 1">
+            <a:extLst>
+              <a:ext uri="{FF2B5EF4-FFF2-40B4-BE49-F238E27FC236}">
+                <a16:creationId xmlns:a16="http://schemas.microsoft.com/office/drawing/2014/main" id="{55D983C1-E01E-4294-8F23-02257B419F79}"/>
+              </a:ext>
+            </a:extLst>
+          </p:cNvPr>
+          <p:cNvSpPr>
+            <a:spLocks noGrp="1"/>
+          </p:cNvSpPr>
+          <p:nvPr>
+            <p:ph type="title"/>
+          </p:nvPr>
+        </p:nvSpPr>
+        <p:spPr>
+          <a:xfrm>
+            <a:off x="0" y="18256"/>
+            <a:ext cx="10515600" cy="662782"/>
+          </a:xfrm>
+        </p:spPr>
+        <p:txBody>
+          <a:bodyPr>
+            <a:normAutofit/>
+          </a:bodyPr>
+          <a:lstStyle/>
+          <a:p>
+            <a:r>
+              <a:rPr kumimoji="1" lang="en-US" altLang="ja-JP" sz="3200" dirty="0"/>
+              <a:t>2.</a:t>
+            </a:r>
+            <a:r>
+              <a:rPr kumimoji="1" lang="ja-JP" altLang="en-US" sz="3200" dirty="0"/>
+              <a:t>目的</a:t>
+            </a:r>
+          </a:p>
+        </p:txBody>
+      </p:sp>
     </p:spTree>
     <p:extLst>
       <p:ext uri="{BB962C8B-B14F-4D97-AF65-F5344CB8AC3E}">
@@ -5086,7 +5953,7 @@
 </p:sld>
 </file>
 
-<file path=ppt/slides/slide3.xml><?xml version="1.0" encoding="utf-8"?>
+<file path=ppt/slides/slide5.xml><?xml version="1.0" encoding="utf-8"?>
 <p:sld xmlns:a="http://schemas.openxmlformats.org/drawingml/2006/main" xmlns:r="http://schemas.openxmlformats.org/officeDocument/2006/relationships" xmlns:p="http://schemas.openxmlformats.org/presentationml/2006/main">
   <p:cSld>
     <p:spTree>
@@ -5216,184 +6083,6 @@
 </p:sld>
 </file>
 
-<file path=ppt/slides/slide4.xml><?xml version="1.0" encoding="utf-8"?>
-<p:sld xmlns:a="http://schemas.openxmlformats.org/drawingml/2006/main" xmlns:r="http://schemas.openxmlformats.org/officeDocument/2006/relationships" xmlns:p="http://schemas.openxmlformats.org/presentationml/2006/main">
-  <p:cSld>
-    <p:spTree>
-      <p:nvGrpSpPr>
-        <p:cNvPr id="1" name=""/>
-        <p:cNvGrpSpPr/>
-        <p:nvPr/>
-      </p:nvGrpSpPr>
-      <p:grpSpPr>
-        <a:xfrm>
-          <a:off x="0" y="0"/>
-          <a:ext cx="0" cy="0"/>
-          <a:chOff x="0" y="0"/>
-          <a:chExt cx="0" cy="0"/>
-        </a:xfrm>
-      </p:grpSpPr>
-      <p:sp>
-        <p:nvSpPr>
-          <p:cNvPr id="2" name="タイトル 1">
-            <a:extLst>
-              <a:ext uri="{FF2B5EF4-FFF2-40B4-BE49-F238E27FC236}">
-                <a16:creationId xmlns:a16="http://schemas.microsoft.com/office/drawing/2014/main" id="{F25E3B86-ADED-4895-AFAF-D678EF1AF5EF}"/>
-              </a:ext>
-            </a:extLst>
-          </p:cNvPr>
-          <p:cNvSpPr>
-            <a:spLocks noGrp="1"/>
-          </p:cNvSpPr>
-          <p:nvPr>
-            <p:ph type="title"/>
-          </p:nvPr>
-        </p:nvSpPr>
-        <p:spPr/>
-        <p:txBody>
-          <a:bodyPr/>
-          <a:lstStyle/>
-          <a:p>
-            <a:r>
-              <a:rPr kumimoji="1" lang="en-US" altLang="ja-JP" dirty="0"/>
-              <a:t>input</a:t>
-            </a:r>
-            <a:endParaRPr kumimoji="1" lang="ja-JP" altLang="en-US" dirty="0"/>
-          </a:p>
-        </p:txBody>
-      </p:sp>
-      <p:sp>
-        <p:nvSpPr>
-          <p:cNvPr id="3" name="コンテンツ プレースホルダー 2">
-            <a:extLst>
-              <a:ext uri="{FF2B5EF4-FFF2-40B4-BE49-F238E27FC236}">
-                <a16:creationId xmlns:a16="http://schemas.microsoft.com/office/drawing/2014/main" id="{D816E7D0-4F67-4E4D-8A2B-FF8DC3A5C9E1}"/>
-              </a:ext>
-            </a:extLst>
-          </p:cNvPr>
-          <p:cNvSpPr>
-            <a:spLocks noGrp="1"/>
-          </p:cNvSpPr>
-          <p:nvPr>
-            <p:ph idx="1"/>
-          </p:nvPr>
-        </p:nvSpPr>
-        <p:spPr/>
-        <p:txBody>
-          <a:bodyPr/>
-          <a:lstStyle/>
-          <a:p>
-            <a:r>
-              <a:rPr kumimoji="1" lang="ja-JP" altLang="en-US" dirty="0"/>
-              <a:t>初期値を保持するファイルとして</a:t>
-            </a:r>
-            <a:r>
-              <a:rPr kumimoji="1" lang="en-US" altLang="ja-JP" dirty="0"/>
-              <a:t>Json</a:t>
-            </a:r>
-            <a:r>
-              <a:rPr kumimoji="1" lang="ja-JP" altLang="en-US" dirty="0"/>
-              <a:t>を用いた</a:t>
-            </a:r>
-          </a:p>
-        </p:txBody>
-      </p:sp>
-    </p:spTree>
-    <p:extLst>
-      <p:ext uri="{BB962C8B-B14F-4D97-AF65-F5344CB8AC3E}">
-        <p14:creationId xmlns:p14="http://schemas.microsoft.com/office/powerpoint/2010/main" val="4289354201"/>
-      </p:ext>
-    </p:extLst>
-  </p:cSld>
-  <p:clrMapOvr>
-    <a:masterClrMapping/>
-  </p:clrMapOvr>
-</p:sld>
-</file>
-
-<file path=ppt/slides/slide5.xml><?xml version="1.0" encoding="utf-8"?>
-<p:sld xmlns:a="http://schemas.openxmlformats.org/drawingml/2006/main" xmlns:r="http://schemas.openxmlformats.org/officeDocument/2006/relationships" xmlns:p="http://schemas.openxmlformats.org/presentationml/2006/main">
-  <p:cSld>
-    <p:spTree>
-      <p:nvGrpSpPr>
-        <p:cNvPr id="1" name=""/>
-        <p:cNvGrpSpPr/>
-        <p:nvPr/>
-      </p:nvGrpSpPr>
-      <p:grpSpPr>
-        <a:xfrm>
-          <a:off x="0" y="0"/>
-          <a:ext cx="0" cy="0"/>
-          <a:chOff x="0" y="0"/>
-          <a:chExt cx="0" cy="0"/>
-        </a:xfrm>
-      </p:grpSpPr>
-      <p:sp>
-        <p:nvSpPr>
-          <p:cNvPr id="2" name="タイトル 1">
-            <a:extLst>
-              <a:ext uri="{FF2B5EF4-FFF2-40B4-BE49-F238E27FC236}">
-                <a16:creationId xmlns:a16="http://schemas.microsoft.com/office/drawing/2014/main" id="{D3AF2F8D-3B70-420B-8241-4BA6DAD5892E}"/>
-              </a:ext>
-            </a:extLst>
-          </p:cNvPr>
-          <p:cNvSpPr>
-            <a:spLocks noGrp="1"/>
-          </p:cNvSpPr>
-          <p:nvPr>
-            <p:ph type="title"/>
-          </p:nvPr>
-        </p:nvSpPr>
-        <p:spPr/>
-        <p:txBody>
-          <a:bodyPr/>
-          <a:lstStyle/>
-          <a:p>
-            <a:r>
-              <a:rPr kumimoji="1" lang="ja-JP" altLang="en-US" dirty="0"/>
-              <a:t>運動計算　ルンゲクッタ法</a:t>
-            </a:r>
-          </a:p>
-        </p:txBody>
-      </p:sp>
-      <p:sp>
-        <p:nvSpPr>
-          <p:cNvPr id="3" name="コンテンツ プレースホルダー 2">
-            <a:extLst>
-              <a:ext uri="{FF2B5EF4-FFF2-40B4-BE49-F238E27FC236}">
-                <a16:creationId xmlns:a16="http://schemas.microsoft.com/office/drawing/2014/main" id="{06EA7E47-7DB3-44CC-967C-013C38956E4E}"/>
-              </a:ext>
-            </a:extLst>
-          </p:cNvPr>
-          <p:cNvSpPr>
-            <a:spLocks noGrp="1"/>
-          </p:cNvSpPr>
-          <p:nvPr>
-            <p:ph idx="1"/>
-          </p:nvPr>
-        </p:nvSpPr>
-        <p:spPr/>
-        <p:txBody>
-          <a:bodyPr/>
-          <a:lstStyle/>
-          <a:p>
-            <a:endParaRPr kumimoji="1" lang="ja-JP" altLang="en-US"/>
-          </a:p>
-        </p:txBody>
-      </p:sp>
-    </p:spTree>
-    <p:extLst>
-      <p:ext uri="{BB962C8B-B14F-4D97-AF65-F5344CB8AC3E}">
-        <p14:creationId xmlns:p14="http://schemas.microsoft.com/office/powerpoint/2010/main" val="3030269916"/>
-      </p:ext>
-    </p:extLst>
-  </p:cSld>
-  <p:clrMapOvr>
-    <a:masterClrMapping/>
-  </p:clrMapOvr>
-</p:sld>
-</file>
-
 <file path=ppt/slides/slide6.xml><?xml version="1.0" encoding="utf-8"?>
 <p:sld xmlns:a="http://schemas.openxmlformats.org/drawingml/2006/main" xmlns:r="http://schemas.openxmlformats.org/officeDocument/2006/relationships" xmlns:p="http://schemas.openxmlformats.org/presentationml/2006/main">
   <p:cSld>
@@ -5416,7 +6105,7 @@
           <p:cNvPr id="2" name="タイトル 1">
             <a:extLst>
               <a:ext uri="{FF2B5EF4-FFF2-40B4-BE49-F238E27FC236}">
-                <a16:creationId xmlns:a16="http://schemas.microsoft.com/office/drawing/2014/main" id="{4FE4ACD1-2AFD-4C09-B598-208C27BEFF8B}"/>
+                <a16:creationId xmlns:a16="http://schemas.microsoft.com/office/drawing/2014/main" id="{F25E3B86-ADED-4895-AFAF-D678EF1AF5EF}"/>
               </a:ext>
             </a:extLst>
           </p:cNvPr>
@@ -5433,8 +6122,8 @@
           <a:lstStyle/>
           <a:p>
             <a:r>
-              <a:rPr lang="en-US" altLang="ja-JP" dirty="0"/>
-              <a:t>output</a:t>
+              <a:rPr kumimoji="1" lang="en-US" altLang="ja-JP" dirty="0"/>
+              <a:t>input</a:t>
             </a:r>
             <a:endParaRPr kumimoji="1" lang="ja-JP" altLang="en-US" dirty="0"/>
           </a:p>
@@ -5445,7 +6134,7 @@
           <p:cNvPr id="3" name="コンテンツ プレースホルダー 2">
             <a:extLst>
               <a:ext uri="{FF2B5EF4-FFF2-40B4-BE49-F238E27FC236}">
-                <a16:creationId xmlns:a16="http://schemas.microsoft.com/office/drawing/2014/main" id="{EC449DC5-F0FE-46DB-984E-DF48D2C2E292}"/>
+                <a16:creationId xmlns:a16="http://schemas.microsoft.com/office/drawing/2014/main" id="{D816E7D0-4F67-4E4D-8A2B-FF8DC3A5C9E1}"/>
               </a:ext>
             </a:extLst>
           </p:cNvPr>
@@ -5461,14 +6150,25 @@
           <a:bodyPr/>
           <a:lstStyle/>
           <a:p>
-            <a:endParaRPr kumimoji="1" lang="ja-JP" altLang="en-US" dirty="0"/>
+            <a:r>
+              <a:rPr kumimoji="1" lang="ja-JP" altLang="en-US" dirty="0"/>
+              <a:t>初期値を保持するファイルとして</a:t>
+            </a:r>
+            <a:r>
+              <a:rPr kumimoji="1" lang="en-US" altLang="ja-JP" dirty="0"/>
+              <a:t>Json</a:t>
+            </a:r>
+            <a:r>
+              <a:rPr kumimoji="1" lang="ja-JP" altLang="en-US" dirty="0"/>
+              <a:t>を用いた</a:t>
+            </a:r>
           </a:p>
         </p:txBody>
       </p:sp>
     </p:spTree>
     <p:extLst>
       <p:ext uri="{BB962C8B-B14F-4D97-AF65-F5344CB8AC3E}">
-        <p14:creationId xmlns:p14="http://schemas.microsoft.com/office/powerpoint/2010/main" val="4005171099"/>
+        <p14:creationId xmlns:p14="http://schemas.microsoft.com/office/powerpoint/2010/main" val="4289354201"/>
       </p:ext>
     </p:extLst>
   </p:cSld>
@@ -5500,7 +6200,7 @@
           <p:cNvPr id="2" name="タイトル 1">
             <a:extLst>
               <a:ext uri="{FF2B5EF4-FFF2-40B4-BE49-F238E27FC236}">
-                <a16:creationId xmlns:a16="http://schemas.microsoft.com/office/drawing/2014/main" id="{06377A0F-76E0-47BF-BA71-E115BE754D23}"/>
+                <a16:creationId xmlns:a16="http://schemas.microsoft.com/office/drawing/2014/main" id="{D3AF2F8D-3B70-420B-8241-4BA6DAD5892E}"/>
               </a:ext>
             </a:extLst>
           </p:cNvPr>
@@ -5518,171 +6218,40 @@
           <a:p>
             <a:r>
               <a:rPr kumimoji="1" lang="ja-JP" altLang="en-US" dirty="0"/>
-              <a:t>進捗</a:t>
-            </a:r>
-          </a:p>
-        </p:txBody>
-      </p:sp>
-      <p:pic>
-        <p:nvPicPr>
-          <p:cNvPr id="6" name="図 5" descr="グラフ&#10;&#10;自動的に生成された説明">
-            <a:extLst>
-              <a:ext uri="{FF2B5EF4-FFF2-40B4-BE49-F238E27FC236}">
-                <a16:creationId xmlns:a16="http://schemas.microsoft.com/office/drawing/2014/main" id="{9FBDD498-CEE5-4F70-BCD9-52D001693E68}"/>
-              </a:ext>
-            </a:extLst>
-          </p:cNvPr>
-          <p:cNvPicPr>
-            <a:picLocks noChangeAspect="1"/>
-          </p:cNvPicPr>
-          <p:nvPr/>
-        </p:nvPicPr>
-        <p:blipFill>
-          <a:blip r:embed="rId3">
-            <a:extLst>
-              <a:ext uri="{28A0092B-C50C-407E-A947-70E740481C1C}">
-                <a14:useLocalDpi xmlns:a14="http://schemas.microsoft.com/office/drawing/2010/main" val="0"/>
-              </a:ext>
-            </a:extLst>
-          </a:blip>
-          <a:stretch>
-            <a:fillRect/>
-          </a:stretch>
-        </p:blipFill>
-        <p:spPr>
-          <a:xfrm>
-            <a:off x="166585" y="1561756"/>
-            <a:ext cx="11858829" cy="4931119"/>
-          </a:xfrm>
-          <a:prstGeom prst="rect">
-            <a:avLst/>
-          </a:prstGeom>
-        </p:spPr>
-      </p:pic>
-      <p:sp>
-        <p:nvSpPr>
-          <p:cNvPr id="7" name="テキスト ボックス 6">
-            <a:extLst>
-              <a:ext uri="{FF2B5EF4-FFF2-40B4-BE49-F238E27FC236}">
-                <a16:creationId xmlns:a16="http://schemas.microsoft.com/office/drawing/2014/main" id="{23EDACD2-EFF7-4676-8EB3-9D64D1573179}"/>
-              </a:ext>
-            </a:extLst>
-          </p:cNvPr>
-          <p:cNvSpPr txBox="1"/>
-          <p:nvPr/>
-        </p:nvSpPr>
-        <p:spPr>
-          <a:xfrm>
-            <a:off x="1319753" y="1692832"/>
-            <a:ext cx="1404594" cy="369332"/>
-          </a:xfrm>
-          <a:prstGeom prst="rect">
-            <a:avLst/>
-          </a:prstGeom>
-          <a:noFill/>
-        </p:spPr>
-        <p:txBody>
-          <a:bodyPr wrap="square" rtlCol="0">
-            <a:spAutoFit/>
-          </a:bodyPr>
-          <a:lstStyle/>
-          <a:p>
-            <a:r>
-              <a:rPr lang="en-US" altLang="ja-JP" dirty="0"/>
-              <a:t>20</a:t>
-            </a:r>
-            <a:r>
-              <a:rPr kumimoji="1" lang="ja-JP" altLang="en-US" dirty="0"/>
-              <a:t>価</a:t>
-            </a:r>
-          </a:p>
-        </p:txBody>
-      </p:sp>
-      <p:sp>
-        <p:nvSpPr>
-          <p:cNvPr id="9" name="テキスト ボックス 8">
-            <a:extLst>
-              <a:ext uri="{FF2B5EF4-FFF2-40B4-BE49-F238E27FC236}">
-                <a16:creationId xmlns:a16="http://schemas.microsoft.com/office/drawing/2014/main" id="{AD773A8D-1CB8-4C1D-A923-FD288B30F058}"/>
-              </a:ext>
-            </a:extLst>
-          </p:cNvPr>
-          <p:cNvSpPr txBox="1"/>
-          <p:nvPr/>
-        </p:nvSpPr>
-        <p:spPr>
-          <a:xfrm>
-            <a:off x="4081806" y="1690688"/>
-            <a:ext cx="1404594" cy="369332"/>
-          </a:xfrm>
-          <a:prstGeom prst="rect">
-            <a:avLst/>
-          </a:prstGeom>
-          <a:noFill/>
-        </p:spPr>
-        <p:txBody>
-          <a:bodyPr wrap="square" rtlCol="0">
-            <a:spAutoFit/>
-          </a:bodyPr>
-          <a:lstStyle/>
-          <a:p>
-            <a:r>
-              <a:rPr kumimoji="1" lang="en-US" altLang="ja-JP" dirty="0"/>
-              <a:t>1</a:t>
-            </a:r>
-            <a:r>
-              <a:rPr kumimoji="1" lang="ja-JP" altLang="en-US" dirty="0"/>
-              <a:t>価</a:t>
-            </a:r>
-          </a:p>
-        </p:txBody>
-      </p:sp>
-      <p:cxnSp>
-        <p:nvCxnSpPr>
-          <p:cNvPr id="11" name="直線矢印コネクタ 10">
-            <a:extLst>
-              <a:ext uri="{FF2B5EF4-FFF2-40B4-BE49-F238E27FC236}">
-                <a16:creationId xmlns:a16="http://schemas.microsoft.com/office/drawing/2014/main" id="{702FB98B-88E9-40BE-9D46-A7761D73C00B}"/>
-              </a:ext>
-            </a:extLst>
-          </p:cNvPr>
-          <p:cNvCxnSpPr>
-            <a:endCxn id="9" idx="1"/>
-          </p:cNvCxnSpPr>
-          <p:nvPr/>
-        </p:nvCxnSpPr>
-        <p:spPr>
-          <a:xfrm flipV="1">
-            <a:off x="2022050" y="1875354"/>
-            <a:ext cx="2059756" cy="2144"/>
-          </a:xfrm>
-          <a:prstGeom prst="straightConnector1">
-            <a:avLst/>
-          </a:prstGeom>
-          <a:ln w="19050">
-            <a:headEnd type="triangle"/>
-            <a:tailEnd type="triangle"/>
-          </a:ln>
-        </p:spPr>
-        <p:style>
-          <a:lnRef idx="1">
-            <a:schemeClr val="dk1"/>
-          </a:lnRef>
-          <a:fillRef idx="0">
-            <a:schemeClr val="dk1"/>
-          </a:fillRef>
-          <a:effectRef idx="0">
-            <a:schemeClr val="dk1"/>
-          </a:effectRef>
-          <a:fontRef idx="minor">
-            <a:schemeClr val="tx1"/>
-          </a:fontRef>
-        </p:style>
-      </p:cxnSp>
+              <a:t>運動計算　ルンゲクッタ法</a:t>
+            </a:r>
+          </a:p>
+        </p:txBody>
+      </p:sp>
+      <p:sp>
+        <p:nvSpPr>
+          <p:cNvPr id="3" name="コンテンツ プレースホルダー 2">
+            <a:extLst>
+              <a:ext uri="{FF2B5EF4-FFF2-40B4-BE49-F238E27FC236}">
+                <a16:creationId xmlns:a16="http://schemas.microsoft.com/office/drawing/2014/main" id="{06EA7E47-7DB3-44CC-967C-013C38956E4E}"/>
+              </a:ext>
+            </a:extLst>
+          </p:cNvPr>
+          <p:cNvSpPr>
+            <a:spLocks noGrp="1"/>
+          </p:cNvSpPr>
+          <p:nvPr>
+            <p:ph idx="1"/>
+          </p:nvPr>
+        </p:nvSpPr>
+        <p:spPr/>
+        <p:txBody>
+          <a:bodyPr/>
+          <a:lstStyle/>
+          <a:p>
+            <a:endParaRPr kumimoji="1" lang="ja-JP" altLang="en-US"/>
+          </a:p>
+        </p:txBody>
+      </p:sp>
     </p:spTree>
     <p:extLst>
       <p:ext uri="{BB962C8B-B14F-4D97-AF65-F5344CB8AC3E}">
-        <p14:creationId xmlns:p14="http://schemas.microsoft.com/office/powerpoint/2010/main" val="2497012554"/>
+        <p14:creationId xmlns:p14="http://schemas.microsoft.com/office/powerpoint/2010/main" val="3030269916"/>
       </p:ext>
     </p:extLst>
   </p:cSld>
@@ -5714,7 +6283,7 @@
           <p:cNvPr id="2" name="タイトル 1">
             <a:extLst>
               <a:ext uri="{FF2B5EF4-FFF2-40B4-BE49-F238E27FC236}">
-                <a16:creationId xmlns:a16="http://schemas.microsoft.com/office/drawing/2014/main" id="{C38A0B81-CF8A-4895-89BC-4945BF821BEF}"/>
+                <a16:creationId xmlns:a16="http://schemas.microsoft.com/office/drawing/2014/main" id="{4FE4ACD1-2AFD-4C09-B598-208C27BEFF8B}"/>
               </a:ext>
             </a:extLst>
           </p:cNvPr>
@@ -5731,9 +6300,10 @@
           <a:lstStyle/>
           <a:p>
             <a:r>
-              <a:rPr kumimoji="1" lang="ja-JP" altLang="en-US" dirty="0"/>
-              <a:t>展望　初期設定</a:t>
-            </a:r>
+              <a:rPr lang="en-US" altLang="ja-JP" dirty="0"/>
+              <a:t>output</a:t>
+            </a:r>
+            <a:endParaRPr kumimoji="1" lang="ja-JP" altLang="en-US" dirty="0"/>
           </a:p>
         </p:txBody>
       </p:sp>
@@ -5742,7 +6312,7 @@
           <p:cNvPr id="3" name="コンテンツ プレースホルダー 2">
             <a:extLst>
               <a:ext uri="{FF2B5EF4-FFF2-40B4-BE49-F238E27FC236}">
-                <a16:creationId xmlns:a16="http://schemas.microsoft.com/office/drawing/2014/main" id="{E3EF6BA6-92DD-4609-9DF7-F9D8D8D8CC9B}"/>
+                <a16:creationId xmlns:a16="http://schemas.microsoft.com/office/drawing/2014/main" id="{EC449DC5-F0FE-46DB-984E-DF48D2C2E292}"/>
               </a:ext>
             </a:extLst>
           </p:cNvPr>
@@ -5765,7 +6335,7 @@
     </p:spTree>
     <p:extLst>
       <p:ext uri="{BB962C8B-B14F-4D97-AF65-F5344CB8AC3E}">
-        <p14:creationId xmlns:p14="http://schemas.microsoft.com/office/powerpoint/2010/main" val="1638164689"/>
+        <p14:creationId xmlns:p14="http://schemas.microsoft.com/office/powerpoint/2010/main" val="4005171099"/>
       </p:ext>
     </p:extLst>
   </p:cSld>
@@ -5797,7 +6367,7 @@
           <p:cNvPr id="2" name="タイトル 1">
             <a:extLst>
               <a:ext uri="{FF2B5EF4-FFF2-40B4-BE49-F238E27FC236}">
-                <a16:creationId xmlns:a16="http://schemas.microsoft.com/office/drawing/2014/main" id="{F2702505-D70F-41E1-AE7F-A5752453F7AD}"/>
+                <a16:creationId xmlns:a16="http://schemas.microsoft.com/office/drawing/2014/main" id="{06377A0F-76E0-47BF-BA71-E115BE754D23}"/>
               </a:ext>
             </a:extLst>
           </p:cNvPr>
@@ -5815,87 +6385,192 @@
           <a:p>
             <a:r>
               <a:rPr kumimoji="1" lang="ja-JP" altLang="en-US" dirty="0"/>
-              <a:t>展望</a:t>
-            </a:r>
-          </a:p>
-        </p:txBody>
-      </p:sp>
-      <p:sp>
-        <p:nvSpPr>
-          <p:cNvPr id="3" name="コンテンツ プレースホルダー 2">
-            <a:extLst>
-              <a:ext uri="{FF2B5EF4-FFF2-40B4-BE49-F238E27FC236}">
-                <a16:creationId xmlns:a16="http://schemas.microsoft.com/office/drawing/2014/main" id="{6B423193-A369-4705-9F75-A1F404D8119C}"/>
-              </a:ext>
-            </a:extLst>
-          </p:cNvPr>
-          <p:cNvSpPr>
-            <a:spLocks noGrp="1"/>
-          </p:cNvSpPr>
-          <p:nvPr>
-            <p:ph idx="1"/>
-          </p:nvPr>
-        </p:nvSpPr>
-        <p:spPr>
+              <a:t>進捗</a:t>
+            </a:r>
+          </a:p>
+        </p:txBody>
+      </p:sp>
+      <p:grpSp>
+        <p:nvGrpSpPr>
+          <p:cNvPr id="3" name="グループ化 2">
+            <a:extLst>
+              <a:ext uri="{FF2B5EF4-FFF2-40B4-BE49-F238E27FC236}">
+                <a16:creationId xmlns:a16="http://schemas.microsoft.com/office/drawing/2014/main" id="{D2922C5C-C4BC-4916-BD6E-3E396ACA51B1}"/>
+              </a:ext>
+            </a:extLst>
+          </p:cNvPr>
+          <p:cNvGrpSpPr/>
+          <p:nvPr/>
+        </p:nvGrpSpPr>
+        <p:grpSpPr>
           <a:xfrm>
-            <a:off x="838200" y="1825625"/>
-            <a:ext cx="2523565" cy="4351338"/>
+            <a:off x="0" y="1446346"/>
+            <a:ext cx="11858829" cy="4931119"/>
+            <a:chOff x="0" y="1446346"/>
+            <a:chExt cx="11858829" cy="4931119"/>
           </a:xfrm>
-        </p:spPr>
-        <p:txBody>
-          <a:bodyPr/>
-          <a:lstStyle/>
-          <a:p>
-            <a:r>
-              <a:rPr kumimoji="1" lang="ja-JP" altLang="en-US" dirty="0"/>
-              <a:t>ああ</a:t>
-            </a:r>
-          </a:p>
-        </p:txBody>
-      </p:sp>
-      <p:pic>
-        <p:nvPicPr>
-          <p:cNvPr id="4" name="図 3">
-            <a:extLst>
-              <a:ext uri="{FF2B5EF4-FFF2-40B4-BE49-F238E27FC236}">
-                <a16:creationId xmlns:a16="http://schemas.microsoft.com/office/drawing/2014/main" id="{5C75AE44-7E3F-434A-9017-81226BB33A4C}"/>
-              </a:ext>
-            </a:extLst>
-          </p:cNvPr>
-          <p:cNvPicPr/>
-          <p:nvPr/>
-        </p:nvPicPr>
-        <p:blipFill>
-          <a:blip r:embed="rId2">
-            <a:extLst>
-              <a:ext uri="{28A0092B-C50C-407E-A947-70E740481C1C}">
-                <a14:useLocalDpi xmlns:a14="http://schemas.microsoft.com/office/drawing/2010/main" val="0"/>
-              </a:ext>
-            </a:extLst>
-          </a:blip>
-          <a:srcRect/>
-          <a:stretch>
-            <a:fillRect/>
-          </a:stretch>
-        </p:blipFill>
-        <p:spPr bwMode="auto">
-          <a:xfrm>
-            <a:off x="4787564" y="1507191"/>
-            <a:ext cx="5659120" cy="4187825"/>
-          </a:xfrm>
-          <a:prstGeom prst="rect">
-            <a:avLst/>
-          </a:prstGeom>
-          <a:noFill/>
-          <a:ln>
+        </p:grpSpPr>
+        <p:pic>
+          <p:nvPicPr>
+            <p:cNvPr id="6" name="図 5" descr="グラフ&#10;&#10;自動的に生成された説明">
+              <a:extLst>
+                <a:ext uri="{FF2B5EF4-FFF2-40B4-BE49-F238E27FC236}">
+                  <a16:creationId xmlns:a16="http://schemas.microsoft.com/office/drawing/2014/main" id="{9FBDD498-CEE5-4F70-BCD9-52D001693E68}"/>
+                </a:ext>
+              </a:extLst>
+            </p:cNvPr>
+            <p:cNvPicPr>
+              <a:picLocks noChangeAspect="1"/>
+            </p:cNvPicPr>
+            <p:nvPr/>
+          </p:nvPicPr>
+          <p:blipFill>
+            <a:blip r:embed="rId3">
+              <a:extLst>
+                <a:ext uri="{28A0092B-C50C-407E-A947-70E740481C1C}">
+                  <a14:useLocalDpi xmlns:a14="http://schemas.microsoft.com/office/drawing/2010/main" val="0"/>
+                </a:ext>
+              </a:extLst>
+            </a:blip>
+            <a:stretch>
+              <a:fillRect/>
+            </a:stretch>
+          </p:blipFill>
+          <p:spPr>
+            <a:xfrm>
+              <a:off x="0" y="1446346"/>
+              <a:ext cx="11858829" cy="4931119"/>
+            </a:xfrm>
+            <a:prstGeom prst="rect">
+              <a:avLst/>
+            </a:prstGeom>
+          </p:spPr>
+        </p:pic>
+        <p:sp>
+          <p:nvSpPr>
+            <p:cNvPr id="7" name="テキスト ボックス 6">
+              <a:extLst>
+                <a:ext uri="{FF2B5EF4-FFF2-40B4-BE49-F238E27FC236}">
+                  <a16:creationId xmlns:a16="http://schemas.microsoft.com/office/drawing/2014/main" id="{23EDACD2-EFF7-4676-8EB3-9D64D1573179}"/>
+                </a:ext>
+              </a:extLst>
+            </p:cNvPr>
+            <p:cNvSpPr txBox="1"/>
+            <p:nvPr/>
+          </p:nvSpPr>
+          <p:spPr>
+            <a:xfrm>
+              <a:off x="1319753" y="1692832"/>
+              <a:ext cx="1404594" cy="369332"/>
+            </a:xfrm>
+            <a:prstGeom prst="rect">
+              <a:avLst/>
+            </a:prstGeom>
             <a:noFill/>
-          </a:ln>
-        </p:spPr>
-      </p:pic>
+          </p:spPr>
+          <p:txBody>
+            <a:bodyPr wrap="square" rtlCol="0">
+              <a:spAutoFit/>
+            </a:bodyPr>
+            <a:lstStyle/>
+            <a:p>
+              <a:r>
+                <a:rPr lang="en-US" altLang="ja-JP" dirty="0"/>
+                <a:t>20</a:t>
+              </a:r>
+              <a:r>
+                <a:rPr kumimoji="1" lang="ja-JP" altLang="en-US" dirty="0"/>
+                <a:t>価</a:t>
+              </a:r>
+            </a:p>
+          </p:txBody>
+        </p:sp>
+        <p:sp>
+          <p:nvSpPr>
+            <p:cNvPr id="9" name="テキスト ボックス 8">
+              <a:extLst>
+                <a:ext uri="{FF2B5EF4-FFF2-40B4-BE49-F238E27FC236}">
+                  <a16:creationId xmlns:a16="http://schemas.microsoft.com/office/drawing/2014/main" id="{AD773A8D-1CB8-4C1D-A923-FD288B30F058}"/>
+                </a:ext>
+              </a:extLst>
+            </p:cNvPr>
+            <p:cNvSpPr txBox="1"/>
+            <p:nvPr/>
+          </p:nvSpPr>
+          <p:spPr>
+            <a:xfrm>
+              <a:off x="4081806" y="1690688"/>
+              <a:ext cx="1404594" cy="369332"/>
+            </a:xfrm>
+            <a:prstGeom prst="rect">
+              <a:avLst/>
+            </a:prstGeom>
+            <a:noFill/>
+          </p:spPr>
+          <p:txBody>
+            <a:bodyPr wrap="square" rtlCol="0">
+              <a:spAutoFit/>
+            </a:bodyPr>
+            <a:lstStyle/>
+            <a:p>
+              <a:r>
+                <a:rPr kumimoji="1" lang="en-US" altLang="ja-JP" dirty="0"/>
+                <a:t>1</a:t>
+              </a:r>
+              <a:r>
+                <a:rPr kumimoji="1" lang="ja-JP" altLang="en-US" dirty="0"/>
+                <a:t>価</a:t>
+              </a:r>
+            </a:p>
+          </p:txBody>
+        </p:sp>
+        <p:cxnSp>
+          <p:nvCxnSpPr>
+            <p:cNvPr id="11" name="直線矢印コネクタ 10">
+              <a:extLst>
+                <a:ext uri="{FF2B5EF4-FFF2-40B4-BE49-F238E27FC236}">
+                  <a16:creationId xmlns:a16="http://schemas.microsoft.com/office/drawing/2014/main" id="{702FB98B-88E9-40BE-9D46-A7761D73C00B}"/>
+                </a:ext>
+              </a:extLst>
+            </p:cNvPr>
+            <p:cNvCxnSpPr>
+              <a:endCxn id="9" idx="1"/>
+            </p:cNvCxnSpPr>
+            <p:nvPr/>
+          </p:nvCxnSpPr>
+          <p:spPr>
+            <a:xfrm flipV="1">
+              <a:off x="2022050" y="1875354"/>
+              <a:ext cx="2059756" cy="2144"/>
+            </a:xfrm>
+            <a:prstGeom prst="straightConnector1">
+              <a:avLst/>
+            </a:prstGeom>
+            <a:ln w="19050">
+              <a:headEnd type="triangle"/>
+              <a:tailEnd type="triangle"/>
+            </a:ln>
+          </p:spPr>
+          <p:style>
+            <a:lnRef idx="1">
+              <a:schemeClr val="dk1"/>
+            </a:lnRef>
+            <a:fillRef idx="0">
+              <a:schemeClr val="dk1"/>
+            </a:fillRef>
+            <a:effectRef idx="0">
+              <a:schemeClr val="dk1"/>
+            </a:effectRef>
+            <a:fontRef idx="minor">
+              <a:schemeClr val="tx1"/>
+            </a:fontRef>
+          </p:style>
+        </p:cxnSp>
+      </p:grpSp>
     </p:spTree>
     <p:extLst>
       <p:ext uri="{BB962C8B-B14F-4D97-AF65-F5344CB8AC3E}">
-        <p14:creationId xmlns:p14="http://schemas.microsoft.com/office/powerpoint/2010/main" val="2809293443"/>
+        <p14:creationId xmlns:p14="http://schemas.microsoft.com/office/powerpoint/2010/main" val="2497012554"/>
       </p:ext>
     </p:extLst>
   </p:cSld>

--- a/docs/中間発表.pptx
+++ b/docs/中間発表.pptx
@@ -211,7 +211,7 @@
           <a:p>
             <a:fld id="{CE120EBB-8C6C-4DEA-8F69-236F8EB798F4}" type="datetimeFigureOut">
               <a:rPr kumimoji="1" lang="ja-JP" altLang="en-US" smtClean="0"/>
-              <a:t>2020/9/29</a:t>
+              <a:t>2020/10/1</a:t>
             </a:fld>
             <a:endParaRPr kumimoji="1" lang="ja-JP" altLang="en-US"/>
           </a:p>
@@ -1445,7 +1445,7 @@
           <a:p>
             <a:fld id="{E96D9F0A-2578-410E-B32A-F089453602AE}" type="datetimeFigureOut">
               <a:rPr kumimoji="1" lang="ja-JP" altLang="en-US" smtClean="0"/>
-              <a:t>2020/9/29</a:t>
+              <a:t>2020/10/1</a:t>
             </a:fld>
             <a:endParaRPr kumimoji="1" lang="ja-JP" altLang="en-US"/>
           </a:p>
@@ -1675,7 +1675,7 @@
           <a:p>
             <a:fld id="{E96D9F0A-2578-410E-B32A-F089453602AE}" type="datetimeFigureOut">
               <a:rPr kumimoji="1" lang="ja-JP" altLang="en-US" smtClean="0"/>
-              <a:t>2020/9/29</a:t>
+              <a:t>2020/10/1</a:t>
             </a:fld>
             <a:endParaRPr kumimoji="1" lang="ja-JP" altLang="en-US"/>
           </a:p>
@@ -1915,7 +1915,7 @@
           <a:p>
             <a:fld id="{E96D9F0A-2578-410E-B32A-F089453602AE}" type="datetimeFigureOut">
               <a:rPr kumimoji="1" lang="ja-JP" altLang="en-US" smtClean="0"/>
-              <a:t>2020/9/29</a:t>
+              <a:t>2020/10/1</a:t>
             </a:fld>
             <a:endParaRPr kumimoji="1" lang="ja-JP" altLang="en-US"/>
           </a:p>
@@ -2145,7 +2145,7 @@
           <a:p>
             <a:fld id="{E96D9F0A-2578-410E-B32A-F089453602AE}" type="datetimeFigureOut">
               <a:rPr kumimoji="1" lang="ja-JP" altLang="en-US" smtClean="0"/>
-              <a:t>2020/9/29</a:t>
+              <a:t>2020/10/1</a:t>
             </a:fld>
             <a:endParaRPr kumimoji="1" lang="ja-JP" altLang="en-US"/>
           </a:p>
@@ -2420,7 +2420,7 @@
           <a:p>
             <a:fld id="{E96D9F0A-2578-410E-B32A-F089453602AE}" type="datetimeFigureOut">
               <a:rPr kumimoji="1" lang="ja-JP" altLang="en-US" smtClean="0"/>
-              <a:t>2020/9/29</a:t>
+              <a:t>2020/10/1</a:t>
             </a:fld>
             <a:endParaRPr kumimoji="1" lang="ja-JP" altLang="en-US"/>
           </a:p>
@@ -2749,7 +2749,7 @@
           <a:p>
             <a:fld id="{E96D9F0A-2578-410E-B32A-F089453602AE}" type="datetimeFigureOut">
               <a:rPr kumimoji="1" lang="ja-JP" altLang="en-US" smtClean="0"/>
-              <a:t>2020/9/29</a:t>
+              <a:t>2020/10/1</a:t>
             </a:fld>
             <a:endParaRPr kumimoji="1" lang="ja-JP" altLang="en-US"/>
           </a:p>
@@ -3225,7 +3225,7 @@
           <a:p>
             <a:fld id="{E96D9F0A-2578-410E-B32A-F089453602AE}" type="datetimeFigureOut">
               <a:rPr kumimoji="1" lang="ja-JP" altLang="en-US" smtClean="0"/>
-              <a:t>2020/9/29</a:t>
+              <a:t>2020/10/1</a:t>
             </a:fld>
             <a:endParaRPr kumimoji="1" lang="ja-JP" altLang="en-US"/>
           </a:p>
@@ -3366,7 +3366,7 @@
           <a:p>
             <a:fld id="{E96D9F0A-2578-410E-B32A-F089453602AE}" type="datetimeFigureOut">
               <a:rPr kumimoji="1" lang="ja-JP" altLang="en-US" smtClean="0"/>
-              <a:t>2020/9/29</a:t>
+              <a:t>2020/10/1</a:t>
             </a:fld>
             <a:endParaRPr kumimoji="1" lang="ja-JP" altLang="en-US"/>
           </a:p>
@@ -3479,7 +3479,7 @@
           <a:p>
             <a:fld id="{E96D9F0A-2578-410E-B32A-F089453602AE}" type="datetimeFigureOut">
               <a:rPr kumimoji="1" lang="ja-JP" altLang="en-US" smtClean="0"/>
-              <a:t>2020/9/29</a:t>
+              <a:t>2020/10/1</a:t>
             </a:fld>
             <a:endParaRPr kumimoji="1" lang="ja-JP" altLang="en-US"/>
           </a:p>
@@ -3822,7 +3822,7 @@
           <a:p>
             <a:fld id="{E96D9F0A-2578-410E-B32A-F089453602AE}" type="datetimeFigureOut">
               <a:rPr kumimoji="1" lang="ja-JP" altLang="en-US" smtClean="0"/>
-              <a:t>2020/9/29</a:t>
+              <a:t>2020/10/1</a:t>
             </a:fld>
             <a:endParaRPr kumimoji="1" lang="ja-JP" altLang="en-US"/>
           </a:p>
@@ -4110,7 +4110,7 @@
           <a:p>
             <a:fld id="{E96D9F0A-2578-410E-B32A-F089453602AE}" type="datetimeFigureOut">
               <a:rPr kumimoji="1" lang="ja-JP" altLang="en-US" smtClean="0"/>
-              <a:t>2020/9/29</a:t>
+              <a:t>2020/10/1</a:t>
             </a:fld>
             <a:endParaRPr kumimoji="1" lang="ja-JP" altLang="en-US"/>
           </a:p>
@@ -4383,7 +4383,7 @@
           <a:p>
             <a:fld id="{E96D9F0A-2578-410E-B32A-F089453602AE}" type="datetimeFigureOut">
               <a:rPr kumimoji="1" lang="ja-JP" altLang="en-US" smtClean="0"/>
-              <a:t>2020/9/29</a:t>
+              <a:t>2020/10/1</a:t>
             </a:fld>
             <a:endParaRPr kumimoji="1" lang="ja-JP" altLang="en-US"/>
           </a:p>
@@ -5039,7 +5039,7 @@
         <p:spPr>
           <a:xfrm>
             <a:off x="838200" y="1825625"/>
-            <a:ext cx="2523565" cy="4351338"/>
+            <a:ext cx="4601066" cy="4351338"/>
           </a:xfrm>
         </p:spPr>
         <p:txBody>
@@ -5048,8 +5048,19 @@
           <a:p>
             <a:r>
               <a:rPr kumimoji="1" lang="ja-JP" altLang="en-US" dirty="0"/>
-              <a:t>ああ</a:t>
-            </a:r>
+              <a:t>電場をラプラス方程式を解いて求めた</a:t>
+            </a:r>
+            <a:endParaRPr kumimoji="1" lang="en-US" altLang="ja-JP" dirty="0"/>
+          </a:p>
+          <a:p>
+            <a:endParaRPr kumimoji="1" lang="en-US" altLang="ja-JP" dirty="0"/>
+          </a:p>
+          <a:p>
+            <a:r>
+              <a:rPr lang="ja-JP" altLang="en-US" dirty="0"/>
+              <a:t>磁場も同様に計算していく</a:t>
+            </a:r>
+            <a:endParaRPr kumimoji="1" lang="ja-JP" altLang="en-US" dirty="0"/>
           </a:p>
         </p:txBody>
       </p:sp>
@@ -5080,7 +5091,7 @@
         </p:blipFill>
         <p:spPr bwMode="auto">
           <a:xfrm>
-            <a:off x="4787564" y="1507191"/>
+            <a:off x="6352414" y="1441203"/>
             <a:ext cx="5659120" cy="4187825"/>
           </a:xfrm>
           <a:prstGeom prst="rect">
@@ -5171,7 +5182,46 @@
           <a:bodyPr/>
           <a:lstStyle/>
           <a:p>
-            <a:endParaRPr kumimoji="1" lang="ja-JP" altLang="en-US"/>
+            <a:r>
+              <a:rPr kumimoji="1" lang="en-US" altLang="ja-JP" dirty="0"/>
+              <a:t>MCP</a:t>
+            </a:r>
+            <a:r>
+              <a:rPr kumimoji="1" lang="ja-JP" altLang="en-US" dirty="0"/>
+              <a:t>の読み出し電極分割</a:t>
+            </a:r>
+            <a:endParaRPr kumimoji="1" lang="en-US" altLang="ja-JP" dirty="0"/>
+          </a:p>
+          <a:p>
+            <a:r>
+              <a:rPr kumimoji="1" lang="en-US" altLang="ja-JP" dirty="0"/>
+              <a:t>Si</a:t>
+            </a:r>
+            <a:r>
+              <a:rPr kumimoji="1" lang="ja-JP" altLang="en-US" dirty="0"/>
+              <a:t>ストリップ検出器</a:t>
+            </a:r>
+            <a:endParaRPr kumimoji="1" lang="en-US" altLang="ja-JP" dirty="0"/>
+          </a:p>
+          <a:p>
+            <a:r>
+              <a:rPr kumimoji="1" lang="en-US" altLang="ja-JP" dirty="0"/>
+              <a:t>MPPC</a:t>
+            </a:r>
+          </a:p>
+          <a:p>
+            <a:r>
+              <a:rPr kumimoji="1" lang="ja-JP" altLang="en-US" dirty="0"/>
+              <a:t>シンチレーション光の</a:t>
+            </a:r>
+            <a:r>
+              <a:rPr kumimoji="1" lang="en-US" altLang="ja-JP" dirty="0"/>
+              <a:t>CCD</a:t>
+            </a:r>
+            <a:r>
+              <a:rPr kumimoji="1" lang="ja-JP" altLang="en-US" dirty="0"/>
+              <a:t>読み出し</a:t>
+            </a:r>
           </a:p>
         </p:txBody>
       </p:sp>
@@ -5773,7 +5823,7 @@
         </p:nvSpPr>
         <p:spPr>
           <a:xfrm>
-            <a:off x="1030941" y="3429000"/>
+            <a:off x="8471646" y="808348"/>
             <a:ext cx="1792941" cy="748553"/>
           </a:xfrm>
           <a:prstGeom prst="rect">
@@ -5821,7 +5871,7 @@
         </p:nvSpPr>
         <p:spPr>
           <a:xfrm>
-            <a:off x="5199529" y="3429000"/>
+            <a:off x="8471645" y="2579059"/>
             <a:ext cx="1792941" cy="748553"/>
           </a:xfrm>
           <a:prstGeom prst="rect">
@@ -5868,7 +5918,7 @@
         </p:nvSpPr>
         <p:spPr>
           <a:xfrm>
-            <a:off x="9368117" y="3428999"/>
+            <a:off x="8471645" y="4349770"/>
             <a:ext cx="1792941" cy="748553"/>
           </a:xfrm>
           <a:prstGeom prst="rect">

--- a/docs/中間発表.pptx
+++ b/docs/中間発表.pptx
@@ -5,7 +5,7 @@
     <p:sldMasterId id="2147483738" r:id="rId1"/>
   </p:sldMasterIdLst>
   <p:notesMasterIdLst>
-    <p:notesMasterId r:id="rId14"/>
+    <p:notesMasterId r:id="rId19"/>
   </p:notesMasterIdLst>
   <p:sldIdLst>
     <p:sldId id="256" r:id="rId2"/>
@@ -15,11 +15,16 @@
     <p:sldId id="258" r:id="rId6"/>
     <p:sldId id="263" r:id="rId7"/>
     <p:sldId id="264" r:id="rId8"/>
-    <p:sldId id="265" r:id="rId9"/>
-    <p:sldId id="259" r:id="rId10"/>
-    <p:sldId id="261" r:id="rId11"/>
-    <p:sldId id="260" r:id="rId12"/>
-    <p:sldId id="262" r:id="rId13"/>
+    <p:sldId id="272" r:id="rId9"/>
+    <p:sldId id="269" r:id="rId10"/>
+    <p:sldId id="270" r:id="rId11"/>
+    <p:sldId id="271" r:id="rId12"/>
+    <p:sldId id="265" r:id="rId13"/>
+    <p:sldId id="268" r:id="rId14"/>
+    <p:sldId id="259" r:id="rId15"/>
+    <p:sldId id="261" r:id="rId16"/>
+    <p:sldId id="260" r:id="rId17"/>
+    <p:sldId id="262" r:id="rId18"/>
   </p:sldIdLst>
   <p:sldSz cx="12192000" cy="6858000"/>
   <p:notesSz cx="6858000" cy="9144000"/>
@@ -597,6 +602,90 @@
 </p:notes>
 </file>
 
+<file path=ppt/notesSlides/notesSlide10.xml><?xml version="1.0" encoding="utf-8"?>
+<p:notes xmlns:a="http://schemas.openxmlformats.org/drawingml/2006/main" xmlns:r="http://schemas.openxmlformats.org/officeDocument/2006/relationships" xmlns:p="http://schemas.openxmlformats.org/presentationml/2006/main">
+  <p:cSld>
+    <p:spTree>
+      <p:nvGrpSpPr>
+        <p:cNvPr id="1" name=""/>
+        <p:cNvGrpSpPr/>
+        <p:nvPr/>
+      </p:nvGrpSpPr>
+      <p:grpSpPr>
+        <a:xfrm>
+          <a:off x="0" y="0"/>
+          <a:ext cx="0" cy="0"/>
+          <a:chOff x="0" y="0"/>
+          <a:chExt cx="0" cy="0"/>
+        </a:xfrm>
+      </p:grpSpPr>
+      <p:sp>
+        <p:nvSpPr>
+          <p:cNvPr id="2" name="スライド イメージ プレースホルダー 1"/>
+          <p:cNvSpPr>
+            <a:spLocks noGrp="1" noRot="1" noChangeAspect="1"/>
+          </p:cNvSpPr>
+          <p:nvPr>
+            <p:ph type="sldImg"/>
+          </p:nvPr>
+        </p:nvSpPr>
+        <p:spPr/>
+      </p:sp>
+      <p:sp>
+        <p:nvSpPr>
+          <p:cNvPr id="3" name="ノート プレースホルダー 2"/>
+          <p:cNvSpPr>
+            <a:spLocks noGrp="1"/>
+          </p:cNvSpPr>
+          <p:nvPr>
+            <p:ph type="body" idx="1"/>
+          </p:nvPr>
+        </p:nvSpPr>
+        <p:spPr/>
+        <p:txBody>
+          <a:bodyPr/>
+          <a:lstStyle/>
+          <a:p>
+            <a:endParaRPr kumimoji="1" lang="ja-JP" altLang="en-US" dirty="0"/>
+          </a:p>
+        </p:txBody>
+      </p:sp>
+      <p:sp>
+        <p:nvSpPr>
+          <p:cNvPr id="4" name="スライド番号プレースホルダー 3"/>
+          <p:cNvSpPr>
+            <a:spLocks noGrp="1"/>
+          </p:cNvSpPr>
+          <p:nvPr>
+            <p:ph type="sldNum" sz="quarter" idx="5"/>
+          </p:nvPr>
+        </p:nvSpPr>
+        <p:spPr/>
+        <p:txBody>
+          <a:bodyPr/>
+          <a:lstStyle/>
+          <a:p>
+            <a:fld id="{54FC74C9-A3B3-42D0-9EC6-DE7CEAAF28CE}" type="slidenum">
+              <a:rPr kumimoji="1" lang="ja-JP" altLang="en-US" smtClean="0"/>
+              <a:t>17</a:t>
+            </a:fld>
+            <a:endParaRPr kumimoji="1" lang="ja-JP" altLang="en-US"/>
+          </a:p>
+        </p:txBody>
+      </p:sp>
+    </p:spTree>
+    <p:extLst>
+      <p:ext uri="{BB962C8B-B14F-4D97-AF65-F5344CB8AC3E}">
+        <p14:creationId xmlns:p14="http://schemas.microsoft.com/office/powerpoint/2010/main" val="1172141275"/>
+      </p:ext>
+    </p:extLst>
+  </p:cSld>
+  <p:clrMapOvr>
+    <a:masterClrMapping/>
+  </p:clrMapOvr>
+</p:notes>
+</file>
+
 <file path=ppt/notesSlides/notesSlide2.xml><?xml version="1.0" encoding="utf-8"?>
 <p:notes xmlns:a="http://schemas.openxmlformats.org/drawingml/2006/main" xmlns:r="http://schemas.openxmlformats.org/officeDocument/2006/relationships" xmlns:p="http://schemas.openxmlformats.org/presentationml/2006/main">
   <p:cSld>
@@ -1108,7 +1197,7 @@
           <a:p>
             <a:fld id="{54FC74C9-A3B3-42D0-9EC6-DE7CEAAF28CE}" type="slidenum">
               <a:rPr kumimoji="1" lang="ja-JP" altLang="en-US" smtClean="0"/>
-              <a:t>8</a:t>
+              <a:t>12</a:t>
             </a:fld>
             <a:endParaRPr kumimoji="1" lang="ja-JP" altLang="en-US"/>
           </a:p>
@@ -1171,10 +1260,7 @@
           <a:bodyPr/>
           <a:lstStyle/>
           <a:p>
-            <a:r>
-              <a:rPr kumimoji="1" lang="ja-JP" altLang="en-US" dirty="0"/>
-              <a:t>現状どこまで進んでいるか。結果だけ紹介して、改善策は次のスライドから。</a:t>
-            </a:r>
+            <a:endParaRPr kumimoji="1" lang="ja-JP" altLang="en-US" dirty="0"/>
           </a:p>
         </p:txBody>
       </p:sp>
@@ -1195,7 +1281,7 @@
           <a:p>
             <a:fld id="{54FC74C9-A3B3-42D0-9EC6-DE7CEAAF28CE}" type="slidenum">
               <a:rPr kumimoji="1" lang="ja-JP" altLang="en-US" smtClean="0"/>
-              <a:t>9</a:t>
+              <a:t>13</a:t>
             </a:fld>
             <a:endParaRPr kumimoji="1" lang="ja-JP" altLang="en-US"/>
           </a:p>
@@ -1204,7 +1290,7 @@
     </p:spTree>
     <p:extLst>
       <p:ext uri="{BB962C8B-B14F-4D97-AF65-F5344CB8AC3E}">
-        <p14:creationId xmlns:p14="http://schemas.microsoft.com/office/powerpoint/2010/main" val="786945491"/>
+        <p14:creationId xmlns:p14="http://schemas.microsoft.com/office/powerpoint/2010/main" val="1163046550"/>
       </p:ext>
     </p:extLst>
   </p:cSld>
@@ -1258,7 +1344,10 @@
           <a:bodyPr/>
           <a:lstStyle/>
           <a:p>
-            <a:endParaRPr kumimoji="1" lang="ja-JP" altLang="en-US" dirty="0"/>
+            <a:r>
+              <a:rPr kumimoji="1" lang="ja-JP" altLang="en-US" dirty="0"/>
+              <a:t>現状どこまで進んでいるか。結果だけ紹介して、改善策は次のスライドから。</a:t>
+            </a:r>
           </a:p>
         </p:txBody>
       </p:sp>
@@ -1279,7 +1368,7 @@
           <a:p>
             <a:fld id="{54FC74C9-A3B3-42D0-9EC6-DE7CEAAF28CE}" type="slidenum">
               <a:rPr kumimoji="1" lang="ja-JP" altLang="en-US" smtClean="0"/>
-              <a:t>12</a:t>
+              <a:t>14</a:t>
             </a:fld>
             <a:endParaRPr kumimoji="1" lang="ja-JP" altLang="en-US"/>
           </a:p>
@@ -1288,7 +1377,7 @@
     </p:spTree>
     <p:extLst>
       <p:ext uri="{BB962C8B-B14F-4D97-AF65-F5344CB8AC3E}">
-        <p14:creationId xmlns:p14="http://schemas.microsoft.com/office/powerpoint/2010/main" val="1172141275"/>
+        <p14:creationId xmlns:p14="http://schemas.microsoft.com/office/powerpoint/2010/main" val="786945491"/>
       </p:ext>
     </p:extLst>
   </p:cSld>
@@ -4909,12 +4998,47 @@
           <a:chExt cx="0" cy="0"/>
         </a:xfrm>
       </p:grpSpPr>
+      <p:pic>
+        <p:nvPicPr>
+          <p:cNvPr id="9" name="図 8" descr="グラフ, 棒グラフ&#10;&#10;自動的に生成された説明">
+            <a:extLst>
+              <a:ext uri="{FF2B5EF4-FFF2-40B4-BE49-F238E27FC236}">
+                <a16:creationId xmlns:a16="http://schemas.microsoft.com/office/drawing/2014/main" id="{2DF5FAD5-5984-437F-B616-215E7F6EFBFC}"/>
+              </a:ext>
+            </a:extLst>
+          </p:cNvPr>
+          <p:cNvPicPr>
+            <a:picLocks noChangeAspect="1"/>
+          </p:cNvPicPr>
+          <p:nvPr/>
+        </p:nvPicPr>
+        <p:blipFill rotWithShape="1">
+          <a:blip r:embed="rId2">
+            <a:extLst>
+              <a:ext uri="{28A0092B-C50C-407E-A947-70E740481C1C}">
+                <a14:useLocalDpi xmlns:a14="http://schemas.microsoft.com/office/drawing/2010/main" val="0"/>
+              </a:ext>
+            </a:extLst>
+          </a:blip>
+          <a:srcRect t="6166" r="66366" b="41396"/>
+          <a:stretch/>
+        </p:blipFill>
+        <p:spPr>
+          <a:xfrm>
+            <a:off x="-1" y="1187785"/>
+            <a:ext cx="6948025" cy="5670216"/>
+          </a:xfrm>
+          <a:prstGeom prst="rect">
+            <a:avLst/>
+          </a:prstGeom>
+        </p:spPr>
+      </p:pic>
       <p:sp>
         <p:nvSpPr>
           <p:cNvPr id="2" name="タイトル 1">
             <a:extLst>
               <a:ext uri="{FF2B5EF4-FFF2-40B4-BE49-F238E27FC236}">
-                <a16:creationId xmlns:a16="http://schemas.microsoft.com/office/drawing/2014/main" id="{C38A0B81-CF8A-4895-89BC-4945BF821BEF}"/>
+                <a16:creationId xmlns:a16="http://schemas.microsoft.com/office/drawing/2014/main" id="{D8B36686-885C-4948-B2E9-45D724E7C195}"/>
               </a:ext>
             </a:extLst>
           </p:cNvPr>
@@ -4925,47 +5049,70 @@
             <p:ph type="title"/>
           </p:nvPr>
         </p:nvSpPr>
-        <p:spPr/>
+        <p:spPr>
+          <a:xfrm>
+            <a:off x="0" y="0"/>
+            <a:ext cx="10515600" cy="1325563"/>
+          </a:xfrm>
+        </p:spPr>
         <p:txBody>
           <a:bodyPr/>
           <a:lstStyle/>
           <a:p>
             <a:r>
               <a:rPr kumimoji="1" lang="ja-JP" altLang="en-US" dirty="0"/>
-              <a:t>展望　初期設定</a:t>
+              <a:t>電場のテスト結果</a:t>
             </a:r>
           </a:p>
         </p:txBody>
       </p:sp>
-      <p:sp>
-        <p:nvSpPr>
-          <p:cNvPr id="3" name="コンテンツ プレースホルダー 2">
+      <p:cxnSp>
+        <p:nvCxnSpPr>
+          <p:cNvPr id="6" name="直線コネクタ 5">
             <a:extLst>
               <a:ext uri="{FF2B5EF4-FFF2-40B4-BE49-F238E27FC236}">
-                <a16:creationId xmlns:a16="http://schemas.microsoft.com/office/drawing/2014/main" id="{E3EF6BA6-92DD-4609-9DF7-F9D8D8D8CC9B}"/>
+                <a16:creationId xmlns:a16="http://schemas.microsoft.com/office/drawing/2014/main" id="{0F1D9E34-342A-4310-B921-004715425008}"/>
               </a:ext>
             </a:extLst>
           </p:cNvPr>
-          <p:cNvSpPr>
-            <a:spLocks noGrp="1"/>
-          </p:cNvSpPr>
-          <p:nvPr>
-            <p:ph idx="1"/>
-          </p:nvPr>
-        </p:nvSpPr>
-        <p:spPr/>
-        <p:txBody>
-          <a:bodyPr/>
-          <a:lstStyle/>
-          <a:p>
-            <a:endParaRPr kumimoji="1" lang="ja-JP" altLang="en-US" dirty="0"/>
-          </a:p>
-        </p:txBody>
-      </p:sp>
+          <p:cNvCxnSpPr>
+            <a:cxnSpLocks/>
+          </p:cNvCxnSpPr>
+          <p:nvPr/>
+        </p:nvCxnSpPr>
+        <p:spPr>
+          <a:xfrm>
+            <a:off x="946190" y="5391036"/>
+            <a:ext cx="2824532" cy="0"/>
+          </a:xfrm>
+          <a:prstGeom prst="line">
+            <a:avLst/>
+          </a:prstGeom>
+          <a:ln w="57150">
+            <a:solidFill>
+              <a:srgbClr val="FF0000"/>
+            </a:solidFill>
+          </a:ln>
+        </p:spPr>
+        <p:style>
+          <a:lnRef idx="1">
+            <a:schemeClr val="accent1"/>
+          </a:lnRef>
+          <a:fillRef idx="0">
+            <a:schemeClr val="accent1"/>
+          </a:fillRef>
+          <a:effectRef idx="0">
+            <a:schemeClr val="accent1"/>
+          </a:effectRef>
+          <a:fontRef idx="minor">
+            <a:schemeClr val="tx1"/>
+          </a:fontRef>
+        </p:style>
+      </p:cxnSp>
     </p:spTree>
     <p:extLst>
       <p:ext uri="{BB962C8B-B14F-4D97-AF65-F5344CB8AC3E}">
-        <p14:creationId xmlns:p14="http://schemas.microsoft.com/office/powerpoint/2010/main" val="1638164689"/>
+        <p14:creationId xmlns:p14="http://schemas.microsoft.com/office/powerpoint/2010/main" val="2722212237"/>
       </p:ext>
     </p:extLst>
   </p:cSld>
@@ -4997,6 +5144,1057 @@
           <p:cNvPr id="2" name="タイトル 1">
             <a:extLst>
               <a:ext uri="{FF2B5EF4-FFF2-40B4-BE49-F238E27FC236}">
+                <a16:creationId xmlns:a16="http://schemas.microsoft.com/office/drawing/2014/main" id="{B168BFA6-2070-486D-B8DE-DF363FB34128}"/>
+              </a:ext>
+            </a:extLst>
+          </p:cNvPr>
+          <p:cNvSpPr>
+            <a:spLocks noGrp="1"/>
+          </p:cNvSpPr>
+          <p:nvPr>
+            <p:ph type="title"/>
+          </p:nvPr>
+        </p:nvSpPr>
+        <p:spPr>
+          <a:xfrm>
+            <a:off x="0" y="0"/>
+            <a:ext cx="10515600" cy="1325563"/>
+          </a:xfrm>
+        </p:spPr>
+        <p:txBody>
+          <a:bodyPr/>
+          <a:lstStyle/>
+          <a:p>
+            <a:r>
+              <a:rPr kumimoji="1" lang="ja-JP" altLang="en-US" dirty="0"/>
+              <a:t>磁場のテスト結果</a:t>
+            </a:r>
+          </a:p>
+        </p:txBody>
+      </p:sp>
+      <p:pic>
+        <p:nvPicPr>
+          <p:cNvPr id="5" name="図 4" descr="グラフィカル ユーザー インターフェイス&#10;&#10;自動的に生成された説明">
+            <a:extLst>
+              <a:ext uri="{FF2B5EF4-FFF2-40B4-BE49-F238E27FC236}">
+                <a16:creationId xmlns:a16="http://schemas.microsoft.com/office/drawing/2014/main" id="{8BB091C4-E152-42EA-9060-4507BEC834D8}"/>
+              </a:ext>
+            </a:extLst>
+          </p:cNvPr>
+          <p:cNvPicPr>
+            <a:picLocks noChangeAspect="1"/>
+          </p:cNvPicPr>
+          <p:nvPr/>
+        </p:nvPicPr>
+        <p:blipFill rotWithShape="1">
+          <a:blip r:embed="rId2">
+            <a:extLst>
+              <a:ext uri="{28A0092B-C50C-407E-A947-70E740481C1C}">
+                <a14:useLocalDpi xmlns:a14="http://schemas.microsoft.com/office/drawing/2010/main" val="0"/>
+              </a:ext>
+            </a:extLst>
+          </a:blip>
+          <a:srcRect t="19040" r="50000" b="10279"/>
+          <a:stretch/>
+        </p:blipFill>
+        <p:spPr>
+          <a:xfrm>
+            <a:off x="0" y="1102745"/>
+            <a:ext cx="7840494" cy="5755256"/>
+          </a:xfrm>
+          <a:prstGeom prst="rect">
+            <a:avLst/>
+          </a:prstGeom>
+        </p:spPr>
+      </p:pic>
+      <p:cxnSp>
+        <p:nvCxnSpPr>
+          <p:cNvPr id="7" name="直線コネクタ 6">
+            <a:extLst>
+              <a:ext uri="{FF2B5EF4-FFF2-40B4-BE49-F238E27FC236}">
+                <a16:creationId xmlns:a16="http://schemas.microsoft.com/office/drawing/2014/main" id="{7B9AED53-9FCA-4F2B-BF3B-EE1F9567EC53}"/>
+              </a:ext>
+            </a:extLst>
+          </p:cNvPr>
+          <p:cNvCxnSpPr>
+            <a:cxnSpLocks/>
+          </p:cNvCxnSpPr>
+          <p:nvPr/>
+        </p:nvCxnSpPr>
+        <p:spPr>
+          <a:xfrm>
+            <a:off x="4877168" y="5900083"/>
+            <a:ext cx="2233751" cy="0"/>
+          </a:xfrm>
+          <a:prstGeom prst="line">
+            <a:avLst/>
+          </a:prstGeom>
+          <a:ln w="57150">
+            <a:solidFill>
+              <a:srgbClr val="FF0000"/>
+            </a:solidFill>
+          </a:ln>
+        </p:spPr>
+        <p:style>
+          <a:lnRef idx="1">
+            <a:schemeClr val="accent1"/>
+          </a:lnRef>
+          <a:fillRef idx="0">
+            <a:schemeClr val="accent1"/>
+          </a:fillRef>
+          <a:effectRef idx="0">
+            <a:schemeClr val="accent1"/>
+          </a:effectRef>
+          <a:fontRef idx="minor">
+            <a:schemeClr val="tx1"/>
+          </a:fontRef>
+        </p:style>
+      </p:cxnSp>
+    </p:spTree>
+    <p:extLst>
+      <p:ext uri="{BB962C8B-B14F-4D97-AF65-F5344CB8AC3E}">
+        <p14:creationId xmlns:p14="http://schemas.microsoft.com/office/powerpoint/2010/main" val="3707471709"/>
+      </p:ext>
+    </p:extLst>
+  </p:cSld>
+  <p:clrMapOvr>
+    <a:masterClrMapping/>
+  </p:clrMapOvr>
+</p:sld>
+</file>
+
+<file path=ppt/slides/slide12.xml><?xml version="1.0" encoding="utf-8"?>
+<p:sld xmlns:a="http://schemas.openxmlformats.org/drawingml/2006/main" xmlns:r="http://schemas.openxmlformats.org/officeDocument/2006/relationships" xmlns:p="http://schemas.openxmlformats.org/presentationml/2006/main">
+  <p:cSld>
+    <p:spTree>
+      <p:nvGrpSpPr>
+        <p:cNvPr id="1" name=""/>
+        <p:cNvGrpSpPr/>
+        <p:nvPr/>
+      </p:nvGrpSpPr>
+      <p:grpSpPr>
+        <a:xfrm>
+          <a:off x="0" y="0"/>
+          <a:ext cx="0" cy="0"/>
+          <a:chOff x="0" y="0"/>
+          <a:chExt cx="0" cy="0"/>
+        </a:xfrm>
+      </p:grpSpPr>
+      <p:sp>
+        <p:nvSpPr>
+          <p:cNvPr id="2" name="タイトル 1">
+            <a:extLst>
+              <a:ext uri="{FF2B5EF4-FFF2-40B4-BE49-F238E27FC236}">
+                <a16:creationId xmlns:a16="http://schemas.microsoft.com/office/drawing/2014/main" id="{4FE4ACD1-2AFD-4C09-B598-208C27BEFF8B}"/>
+              </a:ext>
+            </a:extLst>
+          </p:cNvPr>
+          <p:cNvSpPr>
+            <a:spLocks noGrp="1"/>
+          </p:cNvSpPr>
+          <p:nvPr>
+            <p:ph type="title"/>
+          </p:nvPr>
+        </p:nvSpPr>
+        <p:spPr/>
+        <p:txBody>
+          <a:bodyPr/>
+          <a:lstStyle/>
+          <a:p>
+            <a:r>
+              <a:rPr lang="en-US" altLang="ja-JP" dirty="0"/>
+              <a:t>output</a:t>
+            </a:r>
+            <a:endParaRPr kumimoji="1" lang="ja-JP" altLang="en-US" dirty="0"/>
+          </a:p>
+        </p:txBody>
+      </p:sp>
+      <p:sp>
+        <p:nvSpPr>
+          <p:cNvPr id="3" name="コンテンツ プレースホルダー 2">
+            <a:extLst>
+              <a:ext uri="{FF2B5EF4-FFF2-40B4-BE49-F238E27FC236}">
+                <a16:creationId xmlns:a16="http://schemas.microsoft.com/office/drawing/2014/main" id="{EC449DC5-F0FE-46DB-984E-DF48D2C2E292}"/>
+              </a:ext>
+            </a:extLst>
+          </p:cNvPr>
+          <p:cNvSpPr>
+            <a:spLocks noGrp="1"/>
+          </p:cNvSpPr>
+          <p:nvPr>
+            <p:ph idx="1"/>
+          </p:nvPr>
+        </p:nvSpPr>
+        <p:spPr/>
+        <p:txBody>
+          <a:bodyPr/>
+          <a:lstStyle/>
+          <a:p>
+            <a:endParaRPr kumimoji="1" lang="ja-JP" altLang="en-US" dirty="0"/>
+          </a:p>
+        </p:txBody>
+      </p:sp>
+    </p:spTree>
+    <p:extLst>
+      <p:ext uri="{BB962C8B-B14F-4D97-AF65-F5344CB8AC3E}">
+        <p14:creationId xmlns:p14="http://schemas.microsoft.com/office/powerpoint/2010/main" val="4005171099"/>
+      </p:ext>
+    </p:extLst>
+  </p:cSld>
+  <p:clrMapOvr>
+    <a:masterClrMapping/>
+  </p:clrMapOvr>
+</p:sld>
+</file>
+
+<file path=ppt/slides/slide13.xml><?xml version="1.0" encoding="utf-8"?>
+<p:sld xmlns:a="http://schemas.openxmlformats.org/drawingml/2006/main" xmlns:r="http://schemas.openxmlformats.org/officeDocument/2006/relationships" xmlns:p="http://schemas.openxmlformats.org/presentationml/2006/main">
+  <p:cSld>
+    <p:spTree>
+      <p:nvGrpSpPr>
+        <p:cNvPr id="1" name=""/>
+        <p:cNvGrpSpPr/>
+        <p:nvPr/>
+      </p:nvGrpSpPr>
+      <p:grpSpPr>
+        <a:xfrm>
+          <a:off x="0" y="0"/>
+          <a:ext cx="0" cy="0"/>
+          <a:chOff x="0" y="0"/>
+          <a:chExt cx="0" cy="0"/>
+        </a:xfrm>
+      </p:grpSpPr>
+      <p:sp>
+        <p:nvSpPr>
+          <p:cNvPr id="2" name="タイトル 1">
+            <a:extLst>
+              <a:ext uri="{FF2B5EF4-FFF2-40B4-BE49-F238E27FC236}">
+                <a16:creationId xmlns:a16="http://schemas.microsoft.com/office/drawing/2014/main" id="{C3895112-EE63-4012-830F-E28C049C4824}"/>
+              </a:ext>
+            </a:extLst>
+          </p:cNvPr>
+          <p:cNvSpPr>
+            <a:spLocks noGrp="1"/>
+          </p:cNvSpPr>
+          <p:nvPr>
+            <p:ph type="title"/>
+          </p:nvPr>
+        </p:nvSpPr>
+        <p:spPr>
+          <a:xfrm>
+            <a:off x="0" y="0"/>
+            <a:ext cx="10515600" cy="1325563"/>
+          </a:xfrm>
+        </p:spPr>
+        <p:txBody>
+          <a:bodyPr/>
+          <a:lstStyle/>
+          <a:p>
+            <a:r>
+              <a:rPr kumimoji="1" lang="ja-JP" altLang="en-US" dirty="0"/>
+              <a:t>初期条件</a:t>
+            </a:r>
+          </a:p>
+        </p:txBody>
+      </p:sp>
+      <p:sp>
+        <p:nvSpPr>
+          <p:cNvPr id="6" name="テキスト ボックス 5">
+            <a:extLst>
+              <a:ext uri="{FF2B5EF4-FFF2-40B4-BE49-F238E27FC236}">
+                <a16:creationId xmlns:a16="http://schemas.microsoft.com/office/drawing/2014/main" id="{11C1712D-772C-420B-AB31-F4E370D565E6}"/>
+              </a:ext>
+            </a:extLst>
+          </p:cNvPr>
+          <p:cNvSpPr txBox="1"/>
+          <p:nvPr/>
+        </p:nvSpPr>
+        <p:spPr>
+          <a:xfrm>
+            <a:off x="0" y="2412620"/>
+            <a:ext cx="1970202" cy="2862322"/>
+          </a:xfrm>
+          <a:prstGeom prst="rect">
+            <a:avLst/>
+          </a:prstGeom>
+          <a:noFill/>
+        </p:spPr>
+        <p:txBody>
+          <a:bodyPr wrap="square" rtlCol="0">
+            <a:spAutoFit/>
+          </a:bodyPr>
+          <a:lstStyle/>
+          <a:p>
+            <a:r>
+              <a:rPr lang="ja-JP" altLang="en-US" sz="2000" dirty="0"/>
+              <a:t>電場、磁場　⇒</a:t>
+            </a:r>
+            <a:endParaRPr lang="en-US" altLang="ja-JP" sz="2000" dirty="0"/>
+          </a:p>
+          <a:p>
+            <a:r>
+              <a:rPr lang="ja-JP" altLang="en-US" sz="2000" dirty="0"/>
+              <a:t>　</a:t>
+            </a:r>
+            <a:endParaRPr lang="en-US" altLang="ja-JP" sz="2000" dirty="0"/>
+          </a:p>
+          <a:p>
+            <a:endParaRPr lang="en-US" altLang="ja-JP" sz="2000" dirty="0"/>
+          </a:p>
+          <a:p>
+            <a:endParaRPr lang="en-US" altLang="ja-JP" sz="2000" dirty="0"/>
+          </a:p>
+          <a:p>
+            <a:endParaRPr lang="en-US" altLang="ja-JP" sz="2000" dirty="0"/>
+          </a:p>
+          <a:p>
+            <a:r>
+              <a:rPr lang="ja-JP" altLang="en-US" sz="2000" dirty="0"/>
+              <a:t>入射イオン　⇒</a:t>
+            </a:r>
+            <a:endParaRPr lang="en-US" altLang="ja-JP" sz="2000" dirty="0"/>
+          </a:p>
+          <a:p>
+            <a:endParaRPr lang="en-US" altLang="ja-JP" sz="2000" dirty="0"/>
+          </a:p>
+          <a:p>
+            <a:r>
+              <a:rPr lang="ja-JP" altLang="en-US" sz="2000" dirty="0"/>
+              <a:t>　</a:t>
+            </a:r>
+            <a:endParaRPr kumimoji="1" lang="en-US" altLang="ja-JP" sz="2000" dirty="0"/>
+          </a:p>
+          <a:p>
+            <a:r>
+              <a:rPr lang="ja-JP" altLang="en-US" sz="2000" dirty="0"/>
+              <a:t>　初速度　　⇒　</a:t>
+            </a:r>
+            <a:endParaRPr kumimoji="1" lang="en-US" altLang="ja-JP" sz="2000" dirty="0"/>
+          </a:p>
+        </p:txBody>
+      </p:sp>
+      <p:sp>
+        <p:nvSpPr>
+          <p:cNvPr id="7" name="テキスト ボックス 6">
+            <a:extLst>
+              <a:ext uri="{FF2B5EF4-FFF2-40B4-BE49-F238E27FC236}">
+                <a16:creationId xmlns:a16="http://schemas.microsoft.com/office/drawing/2014/main" id="{7B9AA92B-0A86-411B-8D33-D0CB2A5E47BD}"/>
+              </a:ext>
+            </a:extLst>
+          </p:cNvPr>
+          <p:cNvSpPr txBox="1"/>
+          <p:nvPr/>
+        </p:nvSpPr>
+        <p:spPr>
+          <a:xfrm>
+            <a:off x="1970202" y="2412620"/>
+            <a:ext cx="3563332" cy="3170099"/>
+          </a:xfrm>
+          <a:prstGeom prst="rect">
+            <a:avLst/>
+          </a:prstGeom>
+          <a:noFill/>
+        </p:spPr>
+        <p:txBody>
+          <a:bodyPr wrap="square" rtlCol="0">
+            <a:spAutoFit/>
+          </a:bodyPr>
+          <a:lstStyle/>
+          <a:p>
+            <a:r>
+              <a:rPr lang="en-US" altLang="ja-JP" sz="2000" dirty="0"/>
+              <a:t>150mm×100mm</a:t>
+            </a:r>
+            <a:r>
+              <a:rPr lang="ja-JP" altLang="en-US" sz="2000" dirty="0"/>
+              <a:t>の範囲内に一様電場、一様磁場</a:t>
+            </a:r>
+            <a:endParaRPr lang="en-US" altLang="ja-JP" sz="2000" dirty="0"/>
+          </a:p>
+          <a:p>
+            <a:r>
+              <a:rPr lang="ja-JP" altLang="en-US" sz="2000" dirty="0"/>
+              <a:t>電場：</a:t>
+            </a:r>
+            <a:r>
+              <a:rPr lang="en-US" altLang="ja-JP" sz="2000" dirty="0"/>
+              <a:t>15000[V/m]</a:t>
+            </a:r>
+          </a:p>
+          <a:p>
+            <a:r>
+              <a:rPr lang="ja-JP" altLang="en-US" sz="2000" dirty="0"/>
+              <a:t>磁場：</a:t>
+            </a:r>
+            <a:r>
+              <a:rPr lang="en-US" altLang="ja-JP" sz="2000" dirty="0"/>
+              <a:t>0.099[T]</a:t>
+            </a:r>
+          </a:p>
+          <a:p>
+            <a:endParaRPr lang="en-US" altLang="ja-JP" sz="2000" dirty="0"/>
+          </a:p>
+          <a:p>
+            <a:r>
+              <a:rPr lang="ja-JP" altLang="en-US" sz="2000" dirty="0"/>
+              <a:t>種類：質量数</a:t>
+            </a:r>
+            <a:r>
+              <a:rPr lang="en-US" altLang="ja-JP" sz="2000" dirty="0"/>
+              <a:t>132</a:t>
+            </a:r>
+            <a:r>
+              <a:rPr lang="ja-JP" altLang="en-US" sz="2000" dirty="0"/>
+              <a:t>の</a:t>
+            </a:r>
+            <a:r>
+              <a:rPr lang="en-US" altLang="ja-JP" sz="2000" dirty="0"/>
+              <a:t>Sn</a:t>
+            </a:r>
+            <a:r>
+              <a:rPr lang="ja-JP" altLang="en-US" sz="2000" dirty="0"/>
+              <a:t>イオン</a:t>
+            </a:r>
+            <a:endParaRPr lang="en-US" altLang="ja-JP" sz="2000" dirty="0"/>
+          </a:p>
+          <a:p>
+            <a:r>
+              <a:rPr kumimoji="1" lang="ja-JP" altLang="en-US" sz="2000" dirty="0"/>
+              <a:t>価数</a:t>
+            </a:r>
+            <a:r>
+              <a:rPr lang="ja-JP" altLang="en-US" sz="2000" dirty="0"/>
+              <a:t>：</a:t>
+            </a:r>
+            <a:r>
+              <a:rPr lang="en-US" altLang="ja-JP" sz="2000" dirty="0"/>
+              <a:t>1</a:t>
+            </a:r>
+            <a:r>
+              <a:rPr lang="ja-JP" altLang="en-US" sz="2000" dirty="0"/>
+              <a:t>価～</a:t>
+            </a:r>
+            <a:r>
+              <a:rPr lang="en-US" altLang="ja-JP" sz="2000" dirty="0"/>
+              <a:t>20</a:t>
+            </a:r>
+            <a:r>
+              <a:rPr lang="ja-JP" altLang="en-US" sz="2000" dirty="0"/>
+              <a:t>価</a:t>
+            </a:r>
+            <a:endParaRPr lang="en-US" altLang="ja-JP" sz="2000" dirty="0"/>
+          </a:p>
+          <a:p>
+            <a:endParaRPr kumimoji="1" lang="en-US" altLang="ja-JP" sz="2000" dirty="0"/>
+          </a:p>
+          <a:p>
+            <a:r>
+              <a:rPr lang="en-US" altLang="ja-JP" sz="2000" dirty="0"/>
+              <a:t>10keV</a:t>
+            </a:r>
+            <a:r>
+              <a:rPr lang="ja-JP" altLang="en-US" sz="2000" dirty="0"/>
+              <a:t>のポテンシャルから計算された値</a:t>
+            </a:r>
+            <a:endParaRPr kumimoji="1" lang="ja-JP" altLang="en-US" sz="2000" dirty="0"/>
+          </a:p>
+        </p:txBody>
+      </p:sp>
+      <p:pic>
+        <p:nvPicPr>
+          <p:cNvPr id="8" name="図 7">
+            <a:extLst>
+              <a:ext uri="{FF2B5EF4-FFF2-40B4-BE49-F238E27FC236}">
+                <a16:creationId xmlns:a16="http://schemas.microsoft.com/office/drawing/2014/main" id="{6B4FAA7B-6EE2-4960-A7A0-8C6F646BBD04}"/>
+              </a:ext>
+            </a:extLst>
+          </p:cNvPr>
+          <p:cNvPicPr>
+            <a:picLocks noChangeAspect="1"/>
+          </p:cNvPicPr>
+          <p:nvPr/>
+        </p:nvPicPr>
+        <p:blipFill rotWithShape="1">
+          <a:blip r:embed="rId3"/>
+          <a:srcRect l="19388" t="8511" r="26117" b="10071"/>
+          <a:stretch/>
+        </p:blipFill>
+        <p:spPr>
+          <a:xfrm>
+            <a:off x="5457217" y="926329"/>
+            <a:ext cx="6734783" cy="5659978"/>
+          </a:xfrm>
+          <a:prstGeom prst="rect">
+            <a:avLst/>
+          </a:prstGeom>
+        </p:spPr>
+      </p:pic>
+    </p:spTree>
+    <p:extLst>
+      <p:ext uri="{BB962C8B-B14F-4D97-AF65-F5344CB8AC3E}">
+        <p14:creationId xmlns:p14="http://schemas.microsoft.com/office/powerpoint/2010/main" val="3602367315"/>
+      </p:ext>
+    </p:extLst>
+  </p:cSld>
+  <p:clrMapOvr>
+    <a:masterClrMapping/>
+  </p:clrMapOvr>
+</p:sld>
+</file>
+
+<file path=ppt/slides/slide14.xml><?xml version="1.0" encoding="utf-8"?>
+<p:sld xmlns:a="http://schemas.openxmlformats.org/drawingml/2006/main" xmlns:r="http://schemas.openxmlformats.org/officeDocument/2006/relationships" xmlns:p="http://schemas.openxmlformats.org/presentationml/2006/main">
+  <p:cSld>
+    <p:spTree>
+      <p:nvGrpSpPr>
+        <p:cNvPr id="1" name=""/>
+        <p:cNvGrpSpPr/>
+        <p:nvPr/>
+      </p:nvGrpSpPr>
+      <p:grpSpPr>
+        <a:xfrm>
+          <a:off x="0" y="0"/>
+          <a:ext cx="0" cy="0"/>
+          <a:chOff x="0" y="0"/>
+          <a:chExt cx="0" cy="0"/>
+        </a:xfrm>
+      </p:grpSpPr>
+      <p:pic>
+        <p:nvPicPr>
+          <p:cNvPr id="8" name="図 7">
+            <a:extLst>
+              <a:ext uri="{FF2B5EF4-FFF2-40B4-BE49-F238E27FC236}">
+                <a16:creationId xmlns:a16="http://schemas.microsoft.com/office/drawing/2014/main" id="{C5531AD9-3928-4DEC-9341-ABD698B2C9A9}"/>
+              </a:ext>
+            </a:extLst>
+          </p:cNvPr>
+          <p:cNvPicPr/>
+          <p:nvPr/>
+        </p:nvPicPr>
+        <p:blipFill>
+          <a:blip r:embed="rId3">
+            <a:extLst>
+              <a:ext uri="{28A0092B-C50C-407E-A947-70E740481C1C}">
+                <a14:useLocalDpi xmlns:a14="http://schemas.microsoft.com/office/drawing/2010/main" val="0"/>
+              </a:ext>
+            </a:extLst>
+          </a:blip>
+          <a:srcRect/>
+          <a:stretch>
+            <a:fillRect/>
+          </a:stretch>
+        </p:blipFill>
+        <p:spPr bwMode="auto">
+          <a:xfrm>
+            <a:off x="1386191" y="1321036"/>
+            <a:ext cx="9419617" cy="5445361"/>
+          </a:xfrm>
+          <a:prstGeom prst="rect">
+            <a:avLst/>
+          </a:prstGeom>
+          <a:noFill/>
+          <a:ln>
+            <a:noFill/>
+          </a:ln>
+        </p:spPr>
+      </p:pic>
+      <p:sp>
+        <p:nvSpPr>
+          <p:cNvPr id="2" name="タイトル 1">
+            <a:extLst>
+              <a:ext uri="{FF2B5EF4-FFF2-40B4-BE49-F238E27FC236}">
+                <a16:creationId xmlns:a16="http://schemas.microsoft.com/office/drawing/2014/main" id="{06377A0F-76E0-47BF-BA71-E115BE754D23}"/>
+              </a:ext>
+            </a:extLst>
+          </p:cNvPr>
+          <p:cNvSpPr>
+            <a:spLocks noGrp="1"/>
+          </p:cNvSpPr>
+          <p:nvPr>
+            <p:ph type="title"/>
+          </p:nvPr>
+        </p:nvSpPr>
+        <p:spPr>
+          <a:xfrm>
+            <a:off x="0" y="0"/>
+            <a:ext cx="10515600" cy="1325563"/>
+          </a:xfrm>
+        </p:spPr>
+        <p:txBody>
+          <a:bodyPr/>
+          <a:lstStyle/>
+          <a:p>
+            <a:r>
+              <a:rPr lang="ja-JP" altLang="en-US" dirty="0"/>
+              <a:t>シミュレーション結果</a:t>
+            </a:r>
+            <a:endParaRPr kumimoji="1" lang="ja-JP" altLang="en-US" dirty="0"/>
+          </a:p>
+        </p:txBody>
+      </p:sp>
+      <p:grpSp>
+        <p:nvGrpSpPr>
+          <p:cNvPr id="3" name="グループ化 2">
+            <a:extLst>
+              <a:ext uri="{FF2B5EF4-FFF2-40B4-BE49-F238E27FC236}">
+                <a16:creationId xmlns:a16="http://schemas.microsoft.com/office/drawing/2014/main" id="{D2922C5C-C4BC-4916-BD6E-3E396ACA51B1}"/>
+              </a:ext>
+            </a:extLst>
+          </p:cNvPr>
+          <p:cNvGrpSpPr/>
+          <p:nvPr/>
+        </p:nvGrpSpPr>
+        <p:grpSpPr>
+          <a:xfrm>
+            <a:off x="2160786" y="1136370"/>
+            <a:ext cx="5848195" cy="369332"/>
+            <a:chOff x="1037651" y="1692832"/>
+            <a:chExt cx="5848195" cy="369332"/>
+          </a:xfrm>
+        </p:grpSpPr>
+        <p:sp>
+          <p:nvSpPr>
+            <p:cNvPr id="7" name="テキスト ボックス 6">
+              <a:extLst>
+                <a:ext uri="{FF2B5EF4-FFF2-40B4-BE49-F238E27FC236}">
+                  <a16:creationId xmlns:a16="http://schemas.microsoft.com/office/drawing/2014/main" id="{23EDACD2-EFF7-4676-8EB3-9D64D1573179}"/>
+                </a:ext>
+              </a:extLst>
+            </p:cNvPr>
+            <p:cNvSpPr txBox="1"/>
+            <p:nvPr/>
+          </p:nvSpPr>
+          <p:spPr>
+            <a:xfrm>
+              <a:off x="1037651" y="1692832"/>
+              <a:ext cx="684145" cy="369332"/>
+            </a:xfrm>
+            <a:prstGeom prst="rect">
+              <a:avLst/>
+            </a:prstGeom>
+            <a:noFill/>
+          </p:spPr>
+          <p:txBody>
+            <a:bodyPr wrap="square" rtlCol="0">
+              <a:spAutoFit/>
+            </a:bodyPr>
+            <a:lstStyle/>
+            <a:p>
+              <a:r>
+                <a:rPr lang="en-US" altLang="ja-JP" dirty="0"/>
+                <a:t>20</a:t>
+              </a:r>
+              <a:r>
+                <a:rPr kumimoji="1" lang="ja-JP" altLang="en-US" dirty="0"/>
+                <a:t>価</a:t>
+              </a:r>
+            </a:p>
+          </p:txBody>
+        </p:sp>
+        <p:sp>
+          <p:nvSpPr>
+            <p:cNvPr id="9" name="テキスト ボックス 8">
+              <a:extLst>
+                <a:ext uri="{FF2B5EF4-FFF2-40B4-BE49-F238E27FC236}">
+                  <a16:creationId xmlns:a16="http://schemas.microsoft.com/office/drawing/2014/main" id="{AD773A8D-1CB8-4C1D-A923-FD288B30F058}"/>
+                </a:ext>
+              </a:extLst>
+            </p:cNvPr>
+            <p:cNvSpPr txBox="1"/>
+            <p:nvPr/>
+          </p:nvSpPr>
+          <p:spPr>
+            <a:xfrm>
+              <a:off x="5481252" y="1692832"/>
+              <a:ext cx="1404594" cy="369332"/>
+            </a:xfrm>
+            <a:prstGeom prst="rect">
+              <a:avLst/>
+            </a:prstGeom>
+            <a:noFill/>
+          </p:spPr>
+          <p:txBody>
+            <a:bodyPr wrap="square" rtlCol="0">
+              <a:spAutoFit/>
+            </a:bodyPr>
+            <a:lstStyle/>
+            <a:p>
+              <a:r>
+                <a:rPr kumimoji="1" lang="en-US" altLang="ja-JP" dirty="0"/>
+                <a:t>1</a:t>
+              </a:r>
+              <a:r>
+                <a:rPr kumimoji="1" lang="ja-JP" altLang="en-US" dirty="0"/>
+                <a:t>価</a:t>
+              </a:r>
+            </a:p>
+          </p:txBody>
+        </p:sp>
+        <p:cxnSp>
+          <p:nvCxnSpPr>
+            <p:cNvPr id="11" name="直線矢印コネクタ 10">
+              <a:extLst>
+                <a:ext uri="{FF2B5EF4-FFF2-40B4-BE49-F238E27FC236}">
+                  <a16:creationId xmlns:a16="http://schemas.microsoft.com/office/drawing/2014/main" id="{702FB98B-88E9-40BE-9D46-A7761D73C00B}"/>
+                </a:ext>
+              </a:extLst>
+            </p:cNvPr>
+            <p:cNvCxnSpPr>
+              <a:cxnSpLocks/>
+              <a:stCxn id="7" idx="3"/>
+              <a:endCxn id="9" idx="1"/>
+            </p:cNvCxnSpPr>
+            <p:nvPr/>
+          </p:nvCxnSpPr>
+          <p:spPr>
+            <a:xfrm>
+              <a:off x="1721796" y="1877498"/>
+              <a:ext cx="3759456" cy="0"/>
+            </a:xfrm>
+            <a:prstGeom prst="straightConnector1">
+              <a:avLst/>
+            </a:prstGeom>
+            <a:ln w="19050">
+              <a:headEnd type="triangle"/>
+              <a:tailEnd type="triangle"/>
+            </a:ln>
+          </p:spPr>
+          <p:style>
+            <a:lnRef idx="1">
+              <a:schemeClr val="dk1"/>
+            </a:lnRef>
+            <a:fillRef idx="0">
+              <a:schemeClr val="dk1"/>
+            </a:fillRef>
+            <a:effectRef idx="0">
+              <a:schemeClr val="dk1"/>
+            </a:effectRef>
+            <a:fontRef idx="minor">
+              <a:schemeClr val="tx1"/>
+            </a:fontRef>
+          </p:style>
+        </p:cxnSp>
+      </p:grpSp>
+    </p:spTree>
+    <p:extLst>
+      <p:ext uri="{BB962C8B-B14F-4D97-AF65-F5344CB8AC3E}">
+        <p14:creationId xmlns:p14="http://schemas.microsoft.com/office/powerpoint/2010/main" val="2497012554"/>
+      </p:ext>
+    </p:extLst>
+  </p:cSld>
+  <p:clrMapOvr>
+    <a:masterClrMapping/>
+  </p:clrMapOvr>
+</p:sld>
+</file>
+
+<file path=ppt/slides/slide15.xml><?xml version="1.0" encoding="utf-8"?>
+<p:sld xmlns:a="http://schemas.openxmlformats.org/drawingml/2006/main" xmlns:r="http://schemas.openxmlformats.org/officeDocument/2006/relationships" xmlns:p="http://schemas.openxmlformats.org/presentationml/2006/main">
+  <p:cSld>
+    <p:spTree>
+      <p:nvGrpSpPr>
+        <p:cNvPr id="1" name=""/>
+        <p:cNvGrpSpPr/>
+        <p:nvPr/>
+      </p:nvGrpSpPr>
+      <p:grpSpPr>
+        <a:xfrm>
+          <a:off x="0" y="0"/>
+          <a:ext cx="0" cy="0"/>
+          <a:chOff x="0" y="0"/>
+          <a:chExt cx="0" cy="0"/>
+        </a:xfrm>
+      </p:grpSpPr>
+      <p:sp>
+        <p:nvSpPr>
+          <p:cNvPr id="2" name="タイトル 1">
+            <a:extLst>
+              <a:ext uri="{FF2B5EF4-FFF2-40B4-BE49-F238E27FC236}">
+                <a16:creationId xmlns:a16="http://schemas.microsoft.com/office/drawing/2014/main" id="{C38A0B81-CF8A-4895-89BC-4945BF821BEF}"/>
+              </a:ext>
+            </a:extLst>
+          </p:cNvPr>
+          <p:cNvSpPr>
+            <a:spLocks noGrp="1"/>
+          </p:cNvSpPr>
+          <p:nvPr>
+            <p:ph type="title"/>
+          </p:nvPr>
+        </p:nvSpPr>
+        <p:spPr>
+          <a:xfrm>
+            <a:off x="0" y="0"/>
+            <a:ext cx="10515600" cy="1325563"/>
+          </a:xfrm>
+        </p:spPr>
+        <p:txBody>
+          <a:bodyPr/>
+          <a:lstStyle/>
+          <a:p>
+            <a:r>
+              <a:rPr kumimoji="1" lang="ja-JP" altLang="en-US" dirty="0"/>
+              <a:t>展望　初期設定</a:t>
+            </a:r>
+          </a:p>
+        </p:txBody>
+      </p:sp>
+      <p:pic>
+        <p:nvPicPr>
+          <p:cNvPr id="5" name="図 4">
+            <a:extLst>
+              <a:ext uri="{FF2B5EF4-FFF2-40B4-BE49-F238E27FC236}">
+                <a16:creationId xmlns:a16="http://schemas.microsoft.com/office/drawing/2014/main" id="{75F1F207-6D34-4139-BA1F-766965E51F4F}"/>
+              </a:ext>
+            </a:extLst>
+          </p:cNvPr>
+          <p:cNvPicPr>
+            <a:picLocks noChangeAspect="1"/>
+          </p:cNvPicPr>
+          <p:nvPr/>
+        </p:nvPicPr>
+        <p:blipFill rotWithShape="1">
+          <a:blip r:embed="rId2"/>
+          <a:srcRect l="7910" r="60280" b="67845"/>
+          <a:stretch/>
+        </p:blipFill>
+        <p:spPr>
+          <a:xfrm>
+            <a:off x="5296157" y="1690688"/>
+            <a:ext cx="6716926" cy="2824161"/>
+          </a:xfrm>
+          <a:prstGeom prst="rect">
+            <a:avLst/>
+          </a:prstGeom>
+        </p:spPr>
+      </p:pic>
+      <p:sp>
+        <p:nvSpPr>
+          <p:cNvPr id="6" name="テキスト ボックス 5">
+            <a:extLst>
+              <a:ext uri="{FF2B5EF4-FFF2-40B4-BE49-F238E27FC236}">
+                <a16:creationId xmlns:a16="http://schemas.microsoft.com/office/drawing/2014/main" id="{9E38A504-7AFF-463A-BB6C-CEF11FB9DDA6}"/>
+              </a:ext>
+            </a:extLst>
+          </p:cNvPr>
+          <p:cNvSpPr txBox="1"/>
+          <p:nvPr/>
+        </p:nvSpPr>
+        <p:spPr>
+          <a:xfrm>
+            <a:off x="838200" y="3326860"/>
+            <a:ext cx="4457957" cy="646331"/>
+          </a:xfrm>
+          <a:prstGeom prst="rect">
+            <a:avLst/>
+          </a:prstGeom>
+          <a:noFill/>
+        </p:spPr>
+        <p:txBody>
+          <a:bodyPr wrap="square" rtlCol="0">
+            <a:spAutoFit/>
+          </a:bodyPr>
+          <a:lstStyle/>
+          <a:p>
+            <a:r>
+              <a:rPr kumimoji="1" lang="ja-JP" altLang="en-US" dirty="0"/>
+              <a:t>原因：</a:t>
+            </a:r>
+            <a:r>
+              <a:rPr lang="ja-JP" altLang="en-US" dirty="0"/>
+              <a:t>①最大電場が小さい</a:t>
+            </a:r>
+            <a:endParaRPr lang="en-US" altLang="ja-JP" dirty="0"/>
+          </a:p>
+          <a:p>
+            <a:r>
+              <a:rPr kumimoji="1" lang="ja-JP" altLang="en-US" dirty="0"/>
+              <a:t>　　　②初速が速い</a:t>
+            </a:r>
+            <a:endParaRPr kumimoji="1" lang="en-US" altLang="ja-JP" dirty="0"/>
+          </a:p>
+        </p:txBody>
+      </p:sp>
+      <p:pic>
+        <p:nvPicPr>
+          <p:cNvPr id="8" name="図 7">
+            <a:extLst>
+              <a:ext uri="{FF2B5EF4-FFF2-40B4-BE49-F238E27FC236}">
+                <a16:creationId xmlns:a16="http://schemas.microsoft.com/office/drawing/2014/main" id="{7C5FD9B6-F64C-43AC-816A-E3E84CB42049}"/>
+              </a:ext>
+            </a:extLst>
+          </p:cNvPr>
+          <p:cNvPicPr>
+            <a:picLocks noChangeAspect="1"/>
+          </p:cNvPicPr>
+          <p:nvPr/>
+        </p:nvPicPr>
+        <p:blipFill>
+          <a:blip r:embed="rId3"/>
+          <a:stretch>
+            <a:fillRect/>
+          </a:stretch>
+        </p:blipFill>
+        <p:spPr>
+          <a:xfrm>
+            <a:off x="1755353" y="4160444"/>
+            <a:ext cx="1432684" cy="664522"/>
+          </a:xfrm>
+          <a:prstGeom prst="rect">
+            <a:avLst/>
+          </a:prstGeom>
+        </p:spPr>
+      </p:pic>
+      <p:sp>
+        <p:nvSpPr>
+          <p:cNvPr id="9" name="テキスト ボックス 8">
+            <a:extLst>
+              <a:ext uri="{FF2B5EF4-FFF2-40B4-BE49-F238E27FC236}">
+                <a16:creationId xmlns:a16="http://schemas.microsoft.com/office/drawing/2014/main" id="{99B72E85-99AF-4EB4-B388-6E0DF98A206B}"/>
+              </a:ext>
+            </a:extLst>
+          </p:cNvPr>
+          <p:cNvSpPr txBox="1"/>
+          <p:nvPr/>
+        </p:nvSpPr>
+        <p:spPr>
+          <a:xfrm>
+            <a:off x="1093344" y="1884016"/>
+            <a:ext cx="3365570" cy="923330"/>
+          </a:xfrm>
+          <a:prstGeom prst="rect">
+            <a:avLst/>
+          </a:prstGeom>
+          <a:noFill/>
+        </p:spPr>
+        <p:txBody>
+          <a:bodyPr wrap="square" rtlCol="0">
+            <a:spAutoFit/>
+          </a:bodyPr>
+          <a:lstStyle/>
+          <a:p>
+            <a:r>
+              <a:rPr kumimoji="1" lang="en-US" altLang="ja-JP" dirty="0"/>
+              <a:t>12</a:t>
+            </a:r>
+            <a:r>
+              <a:rPr kumimoji="1" lang="ja-JP" altLang="en-US" dirty="0"/>
+              <a:t>価～</a:t>
+            </a:r>
+            <a:r>
+              <a:rPr kumimoji="1" lang="en-US" altLang="ja-JP" dirty="0"/>
+              <a:t>20</a:t>
+            </a:r>
+            <a:r>
+              <a:rPr kumimoji="1" lang="ja-JP" altLang="en-US" dirty="0"/>
+              <a:t>価のイオンが十分にセパレートできていない</a:t>
+            </a:r>
+            <a:endParaRPr kumimoji="1" lang="en-US" altLang="ja-JP" dirty="0"/>
+          </a:p>
+          <a:p>
+            <a:endParaRPr kumimoji="1" lang="ja-JP" altLang="en-US" dirty="0"/>
+          </a:p>
+        </p:txBody>
+      </p:sp>
+      <p:sp>
+        <p:nvSpPr>
+          <p:cNvPr id="11" name="テキスト ボックス 10">
+            <a:extLst>
+              <a:ext uri="{FF2B5EF4-FFF2-40B4-BE49-F238E27FC236}">
+                <a16:creationId xmlns:a16="http://schemas.microsoft.com/office/drawing/2014/main" id="{8796EDFD-4C31-4B41-A716-C9CA0A92E4E1}"/>
+              </a:ext>
+            </a:extLst>
+          </p:cNvPr>
+          <p:cNvSpPr txBox="1"/>
+          <p:nvPr/>
+        </p:nvSpPr>
+        <p:spPr>
+          <a:xfrm>
+            <a:off x="838200" y="5047013"/>
+            <a:ext cx="5496612" cy="1200329"/>
+          </a:xfrm>
+          <a:prstGeom prst="rect">
+            <a:avLst/>
+          </a:prstGeom>
+          <a:noFill/>
+        </p:spPr>
+        <p:txBody>
+          <a:bodyPr wrap="square" rtlCol="0">
+            <a:spAutoFit/>
+          </a:bodyPr>
+          <a:lstStyle/>
+          <a:p>
+            <a:r>
+              <a:rPr kumimoji="1" lang="ja-JP" altLang="en-US" dirty="0"/>
+              <a:t>改善策：①最大電場を大きくする</a:t>
+            </a:r>
+            <a:endParaRPr kumimoji="1" lang="en-US" altLang="ja-JP" dirty="0"/>
+          </a:p>
+          <a:p>
+            <a:r>
+              <a:rPr lang="ja-JP" altLang="en-US" dirty="0"/>
+              <a:t>　　　　②</a:t>
+            </a:r>
+            <a:r>
+              <a:rPr lang="en-US" altLang="ja-JP" dirty="0"/>
+              <a:t>SCRIT</a:t>
+            </a:r>
+            <a:r>
+              <a:rPr lang="ja-JP" altLang="en-US" dirty="0"/>
+              <a:t>内のポテンシャルを低くする</a:t>
+            </a:r>
+            <a:endParaRPr lang="en-US" altLang="ja-JP" dirty="0"/>
+          </a:p>
+          <a:p>
+            <a:r>
+              <a:rPr kumimoji="1" lang="ja-JP" altLang="en-US" dirty="0"/>
+              <a:t>　　　　③並べるチャンネルトロンの数を増やす</a:t>
+            </a:r>
+            <a:endParaRPr kumimoji="1" lang="en-US" altLang="ja-JP" dirty="0"/>
+          </a:p>
+          <a:p>
+            <a:r>
+              <a:rPr lang="ja-JP" altLang="en-US" dirty="0"/>
+              <a:t>　　　　④チャンネルトロンをずらす</a:t>
+            </a:r>
+            <a:endParaRPr kumimoji="1" lang="en-US" altLang="ja-JP" dirty="0"/>
+          </a:p>
+        </p:txBody>
+      </p:sp>
+    </p:spTree>
+    <p:extLst>
+      <p:ext uri="{BB962C8B-B14F-4D97-AF65-F5344CB8AC3E}">
+        <p14:creationId xmlns:p14="http://schemas.microsoft.com/office/powerpoint/2010/main" val="1638164689"/>
+      </p:ext>
+    </p:extLst>
+  </p:cSld>
+  <p:clrMapOvr>
+    <a:masterClrMapping/>
+  </p:clrMapOvr>
+</p:sld>
+</file>
+
+<file path=ppt/slides/slide16.xml><?xml version="1.0" encoding="utf-8"?>
+<p:sld xmlns:a="http://schemas.openxmlformats.org/drawingml/2006/main" xmlns:r="http://schemas.openxmlformats.org/officeDocument/2006/relationships" xmlns:p="http://schemas.openxmlformats.org/presentationml/2006/main">
+  <p:cSld>
+    <p:spTree>
+      <p:nvGrpSpPr>
+        <p:cNvPr id="1" name=""/>
+        <p:cNvGrpSpPr/>
+        <p:nvPr/>
+      </p:nvGrpSpPr>
+      <p:grpSpPr>
+        <a:xfrm>
+          <a:off x="0" y="0"/>
+          <a:ext cx="0" cy="0"/>
+          <a:chOff x="0" y="0"/>
+          <a:chExt cx="0" cy="0"/>
+        </a:xfrm>
+      </p:grpSpPr>
+      <p:sp>
+        <p:nvSpPr>
+          <p:cNvPr id="2" name="タイトル 1">
+            <a:extLst>
+              <a:ext uri="{FF2B5EF4-FFF2-40B4-BE49-F238E27FC236}">
                 <a16:creationId xmlns:a16="http://schemas.microsoft.com/office/drawing/2014/main" id="{F2702505-D70F-41E1-AE7F-A5752453F7AD}"/>
               </a:ext>
             </a:extLst>
@@ -5008,7 +6206,12 @@
             <p:ph type="title"/>
           </p:nvPr>
         </p:nvSpPr>
-        <p:spPr/>
+        <p:spPr>
+          <a:xfrm>
+            <a:off x="0" y="18255"/>
+            <a:ext cx="10515600" cy="1325563"/>
+          </a:xfrm>
+        </p:spPr>
         <p:txBody>
           <a:bodyPr/>
           <a:lstStyle/>
@@ -5116,7 +6319,7 @@
 </p:sld>
 </file>
 
-<file path=ppt/slides/slide12.xml><?xml version="1.0" encoding="utf-8"?>
+<file path=ppt/slides/slide17.xml><?xml version="1.0" encoding="utf-8"?>
 <p:sld xmlns:a="http://schemas.openxmlformats.org/drawingml/2006/main" xmlns:r="http://schemas.openxmlformats.org/officeDocument/2006/relationships" xmlns:p="http://schemas.openxmlformats.org/presentationml/2006/main">
   <p:cSld>
     <p:spTree>
@@ -5149,7 +6352,12 @@
             <p:ph type="title"/>
           </p:nvPr>
         </p:nvSpPr>
-        <p:spPr/>
+        <p:spPr>
+          <a:xfrm>
+            <a:off x="0" y="0"/>
+            <a:ext cx="10515600" cy="1325563"/>
+          </a:xfrm>
+        </p:spPr>
         <p:txBody>
           <a:bodyPr/>
           <a:lstStyle/>
@@ -5163,65 +6371,216 @@
       </p:sp>
       <p:sp>
         <p:nvSpPr>
-          <p:cNvPr id="3" name="コンテンツ プレースホルダー 2">
+          <p:cNvPr id="4" name="テキスト ボックス 3">
             <a:extLst>
               <a:ext uri="{FF2B5EF4-FFF2-40B4-BE49-F238E27FC236}">
-                <a16:creationId xmlns:a16="http://schemas.microsoft.com/office/drawing/2014/main" id="{0B05D410-DC85-4730-B09A-FF219A0435D8}"/>
+                <a16:creationId xmlns:a16="http://schemas.microsoft.com/office/drawing/2014/main" id="{813983EE-4830-405B-B791-A3C3DB552BBC}"/>
               </a:ext>
             </a:extLst>
           </p:cNvPr>
-          <p:cNvSpPr>
-            <a:spLocks noGrp="1"/>
-          </p:cNvSpPr>
-          <p:nvPr>
-            <p:ph idx="1"/>
-          </p:nvPr>
-        </p:nvSpPr>
-        <p:spPr/>
+          <p:cNvSpPr txBox="1"/>
+          <p:nvPr/>
+        </p:nvSpPr>
+        <p:spPr>
+          <a:xfrm>
+            <a:off x="1093509" y="1800520"/>
+            <a:ext cx="5916891" cy="369332"/>
+          </a:xfrm>
+          <a:prstGeom prst="rect">
+            <a:avLst/>
+          </a:prstGeom>
+          <a:noFill/>
+        </p:spPr>
         <p:txBody>
-          <a:bodyPr/>
+          <a:bodyPr wrap="square" rtlCol="0">
+            <a:spAutoFit/>
+          </a:bodyPr>
           <a:lstStyle/>
           <a:p>
             <a:r>
-              <a:rPr kumimoji="1" lang="en-US" altLang="ja-JP" dirty="0"/>
+              <a:rPr lang="ja-JP" altLang="ja-JP" sz="1800" dirty="0">
+                <a:effectLst/>
+                <a:ea typeface="ＭＳ 明朝" panose="02020609040205080304" pitchFamily="17" charset="-128"/>
+                <a:cs typeface="Times New Roman" panose="02020603050405020304" pitchFamily="18" charset="0"/>
+              </a:rPr>
+              <a:t>検出方法を決定し、装置の設計、製作に移行していく</a:t>
+            </a:r>
+            <a:endParaRPr kumimoji="1" lang="ja-JP" altLang="en-US" dirty="0"/>
+          </a:p>
+        </p:txBody>
+      </p:sp>
+      <p:sp>
+        <p:nvSpPr>
+          <p:cNvPr id="5" name="テキスト ボックス 4">
+            <a:extLst>
+              <a:ext uri="{FF2B5EF4-FFF2-40B4-BE49-F238E27FC236}">
+                <a16:creationId xmlns:a16="http://schemas.microsoft.com/office/drawing/2014/main" id="{1E297969-C015-437D-B6B9-35D808AC3D89}"/>
+              </a:ext>
+            </a:extLst>
+          </p:cNvPr>
+          <p:cNvSpPr txBox="1"/>
+          <p:nvPr/>
+        </p:nvSpPr>
+        <p:spPr>
+          <a:xfrm>
+            <a:off x="980387" y="3799002"/>
+            <a:ext cx="6740165" cy="1477328"/>
+          </a:xfrm>
+          <a:prstGeom prst="rect">
+            <a:avLst/>
+          </a:prstGeom>
+          <a:noFill/>
+        </p:spPr>
+        <p:txBody>
+          <a:bodyPr wrap="square" rtlCol="0">
+            <a:spAutoFit/>
+          </a:bodyPr>
+          <a:lstStyle/>
+          <a:p>
+            <a:pPr marL="228600" algn="just"/>
+            <a:r>
+              <a:rPr kumimoji="1" lang="ja-JP" altLang="en-US" dirty="0"/>
+              <a:t>検出器の選択肢：①</a:t>
+            </a:r>
+            <a:r>
+              <a:rPr lang="en-US" altLang="ja-JP" sz="1800" kern="100" dirty="0">
+                <a:effectLst/>
+                <a:latin typeface="游明朝" panose="02020400000000000000" pitchFamily="18" charset="-128"/>
+                <a:ea typeface="ＭＳ 明朝" panose="02020609040205080304" pitchFamily="17" charset="-128"/>
+                <a:cs typeface="Times New Roman" panose="02020603050405020304" pitchFamily="18" charset="0"/>
+              </a:rPr>
               <a:t>MCP</a:t>
             </a:r>
             <a:r>
-              <a:rPr kumimoji="1" lang="ja-JP" altLang="en-US" dirty="0"/>
+              <a:rPr lang="ja-JP" altLang="ja-JP" sz="1800" kern="100" dirty="0">
+                <a:effectLst/>
+                <a:latin typeface="游明朝" panose="02020400000000000000" pitchFamily="18" charset="-128"/>
+                <a:ea typeface="ＭＳ 明朝" panose="02020609040205080304" pitchFamily="17" charset="-128"/>
+                <a:cs typeface="Times New Roman" panose="02020603050405020304" pitchFamily="18" charset="0"/>
+              </a:rPr>
               <a:t>の読み出し電極分割</a:t>
             </a:r>
-            <a:endParaRPr kumimoji="1" lang="en-US" altLang="ja-JP" dirty="0"/>
-          </a:p>
-          <a:p>
-            <a:r>
-              <a:rPr kumimoji="1" lang="en-US" altLang="ja-JP" dirty="0"/>
+            <a:endParaRPr lang="ja-JP" altLang="ja-JP" sz="1800" kern="100" dirty="0">
+              <a:effectLst/>
+              <a:latin typeface="游明朝" panose="02020400000000000000" pitchFamily="18" charset="-128"/>
+              <a:ea typeface="游明朝" panose="02020400000000000000" pitchFamily="18" charset="-128"/>
+              <a:cs typeface="Times New Roman" panose="02020603050405020304" pitchFamily="18" charset="0"/>
+            </a:endParaRPr>
+          </a:p>
+          <a:p>
+            <a:pPr marL="228600" algn="just"/>
+            <a:r>
+              <a:rPr lang="ja-JP" altLang="en-US" kern="100" dirty="0">
+                <a:latin typeface="游明朝" panose="02020400000000000000" pitchFamily="18" charset="-128"/>
+                <a:ea typeface="ＭＳ 明朝" panose="02020609040205080304" pitchFamily="17" charset="-128"/>
+                <a:cs typeface="Times New Roman" panose="02020603050405020304" pitchFamily="18" charset="0"/>
+              </a:rPr>
+              <a:t>　　　　　　　　②</a:t>
+            </a:r>
+            <a:r>
+              <a:rPr lang="en-US" altLang="ja-JP" sz="1800" kern="100" dirty="0">
+                <a:effectLst/>
+                <a:latin typeface="游明朝" panose="02020400000000000000" pitchFamily="18" charset="-128"/>
+                <a:ea typeface="ＭＳ 明朝" panose="02020609040205080304" pitchFamily="17" charset="-128"/>
+                <a:cs typeface="Times New Roman" panose="02020603050405020304" pitchFamily="18" charset="0"/>
+              </a:rPr>
               <a:t>Si</a:t>
             </a:r>
             <a:r>
-              <a:rPr kumimoji="1" lang="ja-JP" altLang="en-US" dirty="0"/>
+              <a:rPr lang="ja-JP" altLang="ja-JP" sz="1800" kern="100" dirty="0">
+                <a:effectLst/>
+                <a:latin typeface="游明朝" panose="02020400000000000000" pitchFamily="18" charset="-128"/>
+                <a:ea typeface="ＭＳ 明朝" panose="02020609040205080304" pitchFamily="17" charset="-128"/>
+                <a:cs typeface="Times New Roman" panose="02020603050405020304" pitchFamily="18" charset="0"/>
+              </a:rPr>
               <a:t>ストリップ検出器</a:t>
             </a:r>
-            <a:endParaRPr kumimoji="1" lang="en-US" altLang="ja-JP" dirty="0"/>
-          </a:p>
-          <a:p>
-            <a:r>
-              <a:rPr kumimoji="1" lang="en-US" altLang="ja-JP" dirty="0"/>
+            <a:endParaRPr lang="ja-JP" altLang="ja-JP" sz="1800" kern="100" dirty="0">
+              <a:effectLst/>
+              <a:latin typeface="游明朝" panose="02020400000000000000" pitchFamily="18" charset="-128"/>
+              <a:ea typeface="游明朝" panose="02020400000000000000" pitchFamily="18" charset="-128"/>
+              <a:cs typeface="Times New Roman" panose="02020603050405020304" pitchFamily="18" charset="0"/>
+            </a:endParaRPr>
+          </a:p>
+          <a:p>
+            <a:pPr marL="228600" algn="just"/>
+            <a:r>
+              <a:rPr lang="ja-JP" altLang="en-US" kern="100" dirty="0">
+                <a:latin typeface="游明朝" panose="02020400000000000000" pitchFamily="18" charset="-128"/>
+                <a:ea typeface="ＭＳ 明朝" panose="02020609040205080304" pitchFamily="17" charset="-128"/>
+                <a:cs typeface="Times New Roman" panose="02020603050405020304" pitchFamily="18" charset="0"/>
+              </a:rPr>
+              <a:t>　　　　　　　　③</a:t>
+            </a:r>
+            <a:r>
+              <a:rPr lang="en-US" altLang="ja-JP" sz="1800" kern="100" dirty="0">
+                <a:effectLst/>
+                <a:latin typeface="游明朝" panose="02020400000000000000" pitchFamily="18" charset="-128"/>
+                <a:ea typeface="ＭＳ 明朝" panose="02020609040205080304" pitchFamily="17" charset="-128"/>
+                <a:cs typeface="Times New Roman" panose="02020603050405020304" pitchFamily="18" charset="0"/>
+              </a:rPr>
               <a:t>MPPC</a:t>
             </a:r>
-          </a:p>
-          <a:p>
-            <a:r>
-              <a:rPr kumimoji="1" lang="ja-JP" altLang="en-US" dirty="0"/>
+            <a:endParaRPr lang="en-US" altLang="ja-JP" kern="100" dirty="0">
+              <a:latin typeface="游明朝" panose="02020400000000000000" pitchFamily="18" charset="-128"/>
+              <a:ea typeface="游明朝" panose="02020400000000000000" pitchFamily="18" charset="-128"/>
+              <a:cs typeface="Times New Roman" panose="02020603050405020304" pitchFamily="18" charset="0"/>
+            </a:endParaRPr>
+          </a:p>
+          <a:p>
+            <a:pPr marL="228600" algn="just"/>
+            <a:r>
+              <a:rPr lang="ja-JP" altLang="en-US" kern="100" dirty="0">
+                <a:latin typeface="游明朝" panose="02020400000000000000" pitchFamily="18" charset="-128"/>
+                <a:ea typeface="游明朝" panose="02020400000000000000" pitchFamily="18" charset="-128"/>
+                <a:cs typeface="Times New Roman" panose="02020603050405020304" pitchFamily="18" charset="0"/>
+              </a:rPr>
+              <a:t>　　　　　　　　</a:t>
+            </a:r>
+            <a:r>
+              <a:rPr lang="ja-JP" altLang="en-US" kern="100" dirty="0">
+                <a:latin typeface="游明朝" panose="02020400000000000000" pitchFamily="18" charset="-128"/>
+                <a:ea typeface="ＭＳ 明朝" panose="02020609040205080304" pitchFamily="17" charset="-128"/>
+                <a:cs typeface="Times New Roman" panose="02020603050405020304" pitchFamily="18" charset="0"/>
+              </a:rPr>
+              <a:t>④</a:t>
+            </a:r>
+            <a:r>
+              <a:rPr lang="ja-JP" altLang="ja-JP" sz="1800" kern="100" dirty="0">
+                <a:effectLst/>
+                <a:latin typeface="游明朝" panose="02020400000000000000" pitchFamily="18" charset="-128"/>
+                <a:ea typeface="ＭＳ 明朝" panose="02020609040205080304" pitchFamily="17" charset="-128"/>
+                <a:cs typeface="Times New Roman" panose="02020603050405020304" pitchFamily="18" charset="0"/>
+              </a:rPr>
               <a:t>シンチレーション光の</a:t>
             </a:r>
             <a:r>
-              <a:rPr kumimoji="1" lang="en-US" altLang="ja-JP" dirty="0"/>
+              <a:rPr lang="en-US" altLang="ja-JP" sz="1800" kern="100" dirty="0">
+                <a:effectLst/>
+                <a:latin typeface="游明朝" panose="02020400000000000000" pitchFamily="18" charset="-128"/>
+                <a:ea typeface="ＭＳ 明朝" panose="02020609040205080304" pitchFamily="17" charset="-128"/>
+                <a:cs typeface="Times New Roman" panose="02020603050405020304" pitchFamily="18" charset="0"/>
+              </a:rPr>
               <a:t>CCD</a:t>
             </a:r>
             <a:r>
-              <a:rPr kumimoji="1" lang="ja-JP" altLang="en-US" dirty="0"/>
+              <a:rPr lang="ja-JP" altLang="ja-JP" sz="1800" kern="100" dirty="0">
+                <a:effectLst/>
+                <a:latin typeface="游明朝" panose="02020400000000000000" pitchFamily="18" charset="-128"/>
+                <a:ea typeface="ＭＳ 明朝" panose="02020609040205080304" pitchFamily="17" charset="-128"/>
+                <a:cs typeface="Times New Roman" panose="02020603050405020304" pitchFamily="18" charset="0"/>
+              </a:rPr>
               <a:t>読み出し</a:t>
             </a:r>
+            <a:endParaRPr lang="ja-JP" altLang="ja-JP" sz="1800" kern="100" dirty="0">
+              <a:effectLst/>
+              <a:latin typeface="游明朝" panose="02020400000000000000" pitchFamily="18" charset="-128"/>
+              <a:ea typeface="游明朝" panose="02020400000000000000" pitchFamily="18" charset="-128"/>
+              <a:cs typeface="Times New Roman" panose="02020603050405020304" pitchFamily="18" charset="0"/>
+            </a:endParaRPr>
+          </a:p>
+          <a:p>
+            <a:endParaRPr kumimoji="1" lang="ja-JP" altLang="en-US" dirty="0"/>
           </a:p>
         </p:txBody>
       </p:sp>
@@ -5811,148 +7170,6 @@
       </p:grpSpPr>
       <p:sp>
         <p:nvSpPr>
-          <p:cNvPr id="5" name="正方形/長方形 4">
-            <a:extLst>
-              <a:ext uri="{FF2B5EF4-FFF2-40B4-BE49-F238E27FC236}">
-                <a16:creationId xmlns:a16="http://schemas.microsoft.com/office/drawing/2014/main" id="{A5B5DC3D-67C6-44A8-92F1-4245B2446A51}"/>
-              </a:ext>
-            </a:extLst>
-          </p:cNvPr>
-          <p:cNvSpPr/>
-          <p:nvPr/>
-        </p:nvSpPr>
-        <p:spPr>
-          <a:xfrm>
-            <a:off x="8471646" y="808348"/>
-            <a:ext cx="1792941" cy="748553"/>
-          </a:xfrm>
-          <a:prstGeom prst="rect">
-            <a:avLst/>
-          </a:prstGeom>
-        </p:spPr>
-        <p:style>
-          <a:lnRef idx="2">
-            <a:schemeClr val="dk1"/>
-          </a:lnRef>
-          <a:fillRef idx="1">
-            <a:schemeClr val="lt1"/>
-          </a:fillRef>
-          <a:effectRef idx="0">
-            <a:schemeClr val="dk1"/>
-          </a:effectRef>
-          <a:fontRef idx="minor">
-            <a:schemeClr val="dk1"/>
-          </a:fontRef>
-        </p:style>
-        <p:txBody>
-          <a:bodyPr rtlCol="0" anchor="ctr"/>
-          <a:lstStyle/>
-          <a:p>
-            <a:pPr algn="ctr"/>
-            <a:r>
-              <a:rPr kumimoji="1" lang="en-US" altLang="ja-JP" dirty="0"/>
-              <a:t>SCRIT</a:t>
-            </a:r>
-            <a:endParaRPr kumimoji="1" lang="ja-JP" altLang="en-US" dirty="0"/>
-          </a:p>
-        </p:txBody>
-      </p:sp>
-      <p:sp>
-        <p:nvSpPr>
-          <p:cNvPr id="7" name="正方形/長方形 6">
-            <a:extLst>
-              <a:ext uri="{FF2B5EF4-FFF2-40B4-BE49-F238E27FC236}">
-                <a16:creationId xmlns:a16="http://schemas.microsoft.com/office/drawing/2014/main" id="{2300A92E-522F-4F13-AB21-5FA530470987}"/>
-              </a:ext>
-            </a:extLst>
-          </p:cNvPr>
-          <p:cNvSpPr/>
-          <p:nvPr/>
-        </p:nvSpPr>
-        <p:spPr>
-          <a:xfrm>
-            <a:off x="8471645" y="2579059"/>
-            <a:ext cx="1792941" cy="748553"/>
-          </a:xfrm>
-          <a:prstGeom prst="rect">
-            <a:avLst/>
-          </a:prstGeom>
-        </p:spPr>
-        <p:style>
-          <a:lnRef idx="2">
-            <a:schemeClr val="dk1"/>
-          </a:lnRef>
-          <a:fillRef idx="1">
-            <a:schemeClr val="lt1"/>
-          </a:fillRef>
-          <a:effectRef idx="0">
-            <a:schemeClr val="dk1"/>
-          </a:effectRef>
-          <a:fontRef idx="minor">
-            <a:schemeClr val="dk1"/>
-          </a:fontRef>
-        </p:style>
-        <p:txBody>
-          <a:bodyPr rtlCol="0" anchor="ctr"/>
-          <a:lstStyle/>
-          <a:p>
-            <a:pPr algn="ctr"/>
-            <a:r>
-              <a:rPr kumimoji="1" lang="ja-JP" altLang="en-US" dirty="0"/>
-              <a:t>イオン分別器</a:t>
-            </a:r>
-          </a:p>
-        </p:txBody>
-      </p:sp>
-      <p:sp>
-        <p:nvSpPr>
-          <p:cNvPr id="9" name="正方形/長方形 8">
-            <a:extLst>
-              <a:ext uri="{FF2B5EF4-FFF2-40B4-BE49-F238E27FC236}">
-                <a16:creationId xmlns:a16="http://schemas.microsoft.com/office/drawing/2014/main" id="{2BAF414C-0791-49A3-A0AE-7CB8E069B7FF}"/>
-              </a:ext>
-            </a:extLst>
-          </p:cNvPr>
-          <p:cNvSpPr/>
-          <p:nvPr/>
-        </p:nvSpPr>
-        <p:spPr>
-          <a:xfrm>
-            <a:off x="8471645" y="4349770"/>
-            <a:ext cx="1792941" cy="748553"/>
-          </a:xfrm>
-          <a:prstGeom prst="rect">
-            <a:avLst/>
-          </a:prstGeom>
-        </p:spPr>
-        <p:style>
-          <a:lnRef idx="2">
-            <a:schemeClr val="dk1"/>
-          </a:lnRef>
-          <a:fillRef idx="1">
-            <a:schemeClr val="lt1"/>
-          </a:fillRef>
-          <a:effectRef idx="0">
-            <a:schemeClr val="dk1"/>
-          </a:effectRef>
-          <a:fontRef idx="minor">
-            <a:schemeClr val="dk1"/>
-          </a:fontRef>
-        </p:style>
-        <p:txBody>
-          <a:bodyPr rtlCol="0" anchor="ctr"/>
-          <a:lstStyle/>
-          <a:p>
-            <a:pPr algn="ctr"/>
-            <a:r>
-              <a:rPr kumimoji="1" lang="ja-JP" altLang="en-US" dirty="0"/>
-              <a:t>イオン検出器</a:t>
-            </a:r>
-          </a:p>
-        </p:txBody>
-      </p:sp>
-      <p:sp>
-        <p:nvSpPr>
           <p:cNvPr id="12" name="タイトル 1">
             <a:extLst>
               <a:ext uri="{FF2B5EF4-FFF2-40B4-BE49-F238E27FC236}">
@@ -5987,6 +7204,514 @@
               <a:rPr kumimoji="1" lang="ja-JP" altLang="en-US" sz="3200" dirty="0"/>
               <a:t>目的</a:t>
             </a:r>
+          </a:p>
+        </p:txBody>
+      </p:sp>
+      <p:grpSp>
+        <p:nvGrpSpPr>
+          <p:cNvPr id="16" name="グループ化 15">
+            <a:extLst>
+              <a:ext uri="{FF2B5EF4-FFF2-40B4-BE49-F238E27FC236}">
+                <a16:creationId xmlns:a16="http://schemas.microsoft.com/office/drawing/2014/main" id="{87B95EDD-CD85-4332-A703-2159E1497DE1}"/>
+              </a:ext>
+            </a:extLst>
+          </p:cNvPr>
+          <p:cNvGrpSpPr/>
+          <p:nvPr/>
+        </p:nvGrpSpPr>
+        <p:grpSpPr>
+          <a:xfrm>
+            <a:off x="6835407" y="349647"/>
+            <a:ext cx="4367662" cy="5040145"/>
+            <a:chOff x="6444882" y="843150"/>
+            <a:chExt cx="4367662" cy="5040145"/>
+          </a:xfrm>
+        </p:grpSpPr>
+        <p:grpSp>
+          <p:nvGrpSpPr>
+            <p:cNvPr id="6" name="グループ化 5">
+              <a:extLst>
+                <a:ext uri="{FF2B5EF4-FFF2-40B4-BE49-F238E27FC236}">
+                  <a16:creationId xmlns:a16="http://schemas.microsoft.com/office/drawing/2014/main" id="{3EAFB6AF-7AE4-4A46-AF59-80C787C02D5E}"/>
+                </a:ext>
+              </a:extLst>
+            </p:cNvPr>
+            <p:cNvGrpSpPr/>
+            <p:nvPr/>
+          </p:nvGrpSpPr>
+          <p:grpSpPr>
+            <a:xfrm>
+              <a:off x="6444882" y="1505932"/>
+              <a:ext cx="1792941" cy="4289975"/>
+              <a:chOff x="8471645" y="808348"/>
+              <a:chExt cx="1792941" cy="4289975"/>
+            </a:xfrm>
+          </p:grpSpPr>
+          <p:sp>
+            <p:nvSpPr>
+              <p:cNvPr id="5" name="正方形/長方形 4">
+                <a:extLst>
+                  <a:ext uri="{FF2B5EF4-FFF2-40B4-BE49-F238E27FC236}">
+                    <a16:creationId xmlns:a16="http://schemas.microsoft.com/office/drawing/2014/main" id="{A5B5DC3D-67C6-44A8-92F1-4245B2446A51}"/>
+                  </a:ext>
+                </a:extLst>
+              </p:cNvPr>
+              <p:cNvSpPr/>
+              <p:nvPr/>
+            </p:nvSpPr>
+            <p:spPr>
+              <a:xfrm>
+                <a:off x="8471645" y="808348"/>
+                <a:ext cx="1792941" cy="748553"/>
+              </a:xfrm>
+              <a:prstGeom prst="rect">
+                <a:avLst/>
+              </a:prstGeom>
+            </p:spPr>
+            <p:style>
+              <a:lnRef idx="2">
+                <a:schemeClr val="dk1"/>
+              </a:lnRef>
+              <a:fillRef idx="1">
+                <a:schemeClr val="lt1"/>
+              </a:fillRef>
+              <a:effectRef idx="0">
+                <a:schemeClr val="dk1"/>
+              </a:effectRef>
+              <a:fontRef idx="minor">
+                <a:schemeClr val="dk1"/>
+              </a:fontRef>
+            </p:style>
+            <p:txBody>
+              <a:bodyPr rtlCol="0" anchor="ctr"/>
+              <a:lstStyle/>
+              <a:p>
+                <a:pPr algn="ctr"/>
+                <a:r>
+                  <a:rPr kumimoji="1" lang="en-US" altLang="ja-JP" dirty="0"/>
+                  <a:t>SCRIT</a:t>
+                </a:r>
+                <a:endParaRPr kumimoji="1" lang="ja-JP" altLang="en-US" dirty="0"/>
+              </a:p>
+            </p:txBody>
+          </p:sp>
+          <p:sp>
+            <p:nvSpPr>
+              <p:cNvPr id="7" name="正方形/長方形 6">
+                <a:extLst>
+                  <a:ext uri="{FF2B5EF4-FFF2-40B4-BE49-F238E27FC236}">
+                    <a16:creationId xmlns:a16="http://schemas.microsoft.com/office/drawing/2014/main" id="{2300A92E-522F-4F13-AB21-5FA530470987}"/>
+                  </a:ext>
+                </a:extLst>
+              </p:cNvPr>
+              <p:cNvSpPr/>
+              <p:nvPr/>
+            </p:nvSpPr>
+            <p:spPr>
+              <a:xfrm>
+                <a:off x="8471645" y="2579059"/>
+                <a:ext cx="1792941" cy="748553"/>
+              </a:xfrm>
+              <a:prstGeom prst="rect">
+                <a:avLst/>
+              </a:prstGeom>
+            </p:spPr>
+            <p:style>
+              <a:lnRef idx="2">
+                <a:schemeClr val="dk1"/>
+              </a:lnRef>
+              <a:fillRef idx="1">
+                <a:schemeClr val="lt1"/>
+              </a:fillRef>
+              <a:effectRef idx="0">
+                <a:schemeClr val="dk1"/>
+              </a:effectRef>
+              <a:fontRef idx="minor">
+                <a:schemeClr val="dk1"/>
+              </a:fontRef>
+            </p:style>
+            <p:txBody>
+              <a:bodyPr rtlCol="0" anchor="ctr"/>
+              <a:lstStyle/>
+              <a:p>
+                <a:pPr algn="ctr"/>
+                <a:r>
+                  <a:rPr kumimoji="1" lang="ja-JP" altLang="en-US" dirty="0"/>
+                  <a:t>イオン分別器</a:t>
+                </a:r>
+              </a:p>
+            </p:txBody>
+          </p:sp>
+          <p:sp>
+            <p:nvSpPr>
+              <p:cNvPr id="9" name="正方形/長方形 8">
+                <a:extLst>
+                  <a:ext uri="{FF2B5EF4-FFF2-40B4-BE49-F238E27FC236}">
+                    <a16:creationId xmlns:a16="http://schemas.microsoft.com/office/drawing/2014/main" id="{2BAF414C-0791-49A3-A0AE-7CB8E069B7FF}"/>
+                  </a:ext>
+                </a:extLst>
+              </p:cNvPr>
+              <p:cNvSpPr/>
+              <p:nvPr/>
+            </p:nvSpPr>
+            <p:spPr>
+              <a:xfrm>
+                <a:off x="8471645" y="4349770"/>
+                <a:ext cx="1792941" cy="748553"/>
+              </a:xfrm>
+              <a:prstGeom prst="rect">
+                <a:avLst/>
+              </a:prstGeom>
+            </p:spPr>
+            <p:style>
+              <a:lnRef idx="2">
+                <a:schemeClr val="dk1"/>
+              </a:lnRef>
+              <a:fillRef idx="1">
+                <a:schemeClr val="lt1"/>
+              </a:fillRef>
+              <a:effectRef idx="0">
+                <a:schemeClr val="dk1"/>
+              </a:effectRef>
+              <a:fontRef idx="minor">
+                <a:schemeClr val="dk1"/>
+              </a:fontRef>
+            </p:style>
+            <p:txBody>
+              <a:bodyPr rtlCol="0" anchor="ctr"/>
+              <a:lstStyle/>
+              <a:p>
+                <a:pPr algn="ctr"/>
+                <a:r>
+                  <a:rPr kumimoji="1" lang="ja-JP" altLang="en-US" dirty="0"/>
+                  <a:t>イオン検出器</a:t>
+                </a:r>
+              </a:p>
+            </p:txBody>
+          </p:sp>
+          <p:sp>
+            <p:nvSpPr>
+              <p:cNvPr id="2" name="矢印: 下 1">
+                <a:extLst>
+                  <a:ext uri="{FF2B5EF4-FFF2-40B4-BE49-F238E27FC236}">
+                    <a16:creationId xmlns:a16="http://schemas.microsoft.com/office/drawing/2014/main" id="{8D345A78-28C0-47A1-886F-3A5E17A9AD16}"/>
+                  </a:ext>
+                </a:extLst>
+              </p:cNvPr>
+              <p:cNvSpPr/>
+              <p:nvPr/>
+            </p:nvSpPr>
+            <p:spPr>
+              <a:xfrm>
+                <a:off x="9202744" y="1566393"/>
+                <a:ext cx="330741" cy="1022158"/>
+              </a:xfrm>
+              <a:prstGeom prst="downArrow">
+                <a:avLst/>
+              </a:prstGeom>
+            </p:spPr>
+            <p:style>
+              <a:lnRef idx="2">
+                <a:schemeClr val="dk1">
+                  <a:shade val="50000"/>
+                </a:schemeClr>
+              </a:lnRef>
+              <a:fillRef idx="1">
+                <a:schemeClr val="dk1"/>
+              </a:fillRef>
+              <a:effectRef idx="0">
+                <a:schemeClr val="dk1"/>
+              </a:effectRef>
+              <a:fontRef idx="minor">
+                <a:schemeClr val="lt1"/>
+              </a:fontRef>
+            </p:style>
+            <p:txBody>
+              <a:bodyPr rtlCol="0" anchor="ctr"/>
+              <a:lstStyle/>
+              <a:p>
+                <a:pPr algn="ctr"/>
+                <a:endParaRPr kumimoji="1" lang="ja-JP" altLang="en-US"/>
+              </a:p>
+            </p:txBody>
+          </p:sp>
+          <p:sp>
+            <p:nvSpPr>
+              <p:cNvPr id="4" name="矢印: 下 3">
+                <a:extLst>
+                  <a:ext uri="{FF2B5EF4-FFF2-40B4-BE49-F238E27FC236}">
+                    <a16:creationId xmlns:a16="http://schemas.microsoft.com/office/drawing/2014/main" id="{7AAA92F3-9999-4CF7-B7F4-7006987ACAD8}"/>
+                  </a:ext>
+                </a:extLst>
+              </p:cNvPr>
+              <p:cNvSpPr/>
+              <p:nvPr/>
+            </p:nvSpPr>
+            <p:spPr>
+              <a:xfrm>
+                <a:off x="9202744" y="3327612"/>
+                <a:ext cx="330741" cy="1022158"/>
+              </a:xfrm>
+              <a:prstGeom prst="downArrow">
+                <a:avLst/>
+              </a:prstGeom>
+            </p:spPr>
+            <p:style>
+              <a:lnRef idx="2">
+                <a:schemeClr val="dk1">
+                  <a:shade val="50000"/>
+                </a:schemeClr>
+              </a:lnRef>
+              <a:fillRef idx="1">
+                <a:schemeClr val="dk1"/>
+              </a:fillRef>
+              <a:effectRef idx="0">
+                <a:schemeClr val="dk1"/>
+              </a:effectRef>
+              <a:fontRef idx="minor">
+                <a:schemeClr val="lt1"/>
+              </a:fontRef>
+            </p:style>
+            <p:txBody>
+              <a:bodyPr rtlCol="0" anchor="ctr"/>
+              <a:lstStyle/>
+              <a:p>
+                <a:pPr algn="ctr"/>
+                <a:endParaRPr kumimoji="1" lang="ja-JP" altLang="en-US"/>
+              </a:p>
+            </p:txBody>
+          </p:sp>
+        </p:grpSp>
+        <p:sp>
+          <p:nvSpPr>
+            <p:cNvPr id="11" name="テキスト ボックス 10">
+              <a:extLst>
+                <a:ext uri="{FF2B5EF4-FFF2-40B4-BE49-F238E27FC236}">
+                  <a16:creationId xmlns:a16="http://schemas.microsoft.com/office/drawing/2014/main" id="{2DC7C296-8C02-4B66-AF06-DD351D6746AF}"/>
+                </a:ext>
+              </a:extLst>
+            </p:cNvPr>
+            <p:cNvSpPr txBox="1"/>
+            <p:nvPr/>
+          </p:nvSpPr>
+          <p:spPr>
+            <a:xfrm>
+              <a:off x="8625526" y="2026762"/>
+              <a:ext cx="2187018" cy="646331"/>
+            </a:xfrm>
+            <a:prstGeom prst="rect">
+              <a:avLst/>
+            </a:prstGeom>
+            <a:noFill/>
+          </p:spPr>
+          <p:txBody>
+            <a:bodyPr wrap="square" rtlCol="0">
+              <a:spAutoFit/>
+            </a:bodyPr>
+            <a:lstStyle/>
+            <a:p>
+              <a:r>
+                <a:rPr kumimoji="1" lang="en-US" altLang="ja-JP" dirty="0"/>
+                <a:t>10keV</a:t>
+              </a:r>
+              <a:r>
+                <a:rPr kumimoji="1" lang="ja-JP" altLang="en-US" dirty="0"/>
+                <a:t>のポテンシャルから加速</a:t>
+              </a:r>
+            </a:p>
+          </p:txBody>
+        </p:sp>
+        <p:sp>
+          <p:nvSpPr>
+            <p:cNvPr id="13" name="テキスト ボックス 12">
+              <a:extLst>
+                <a:ext uri="{FF2B5EF4-FFF2-40B4-BE49-F238E27FC236}">
+                  <a16:creationId xmlns:a16="http://schemas.microsoft.com/office/drawing/2014/main" id="{B792AA3F-2FD5-4443-BF38-FC3F7D974CD5}"/>
+                </a:ext>
+              </a:extLst>
+            </p:cNvPr>
+            <p:cNvSpPr txBox="1"/>
+            <p:nvPr/>
+          </p:nvSpPr>
+          <p:spPr>
+            <a:xfrm>
+              <a:off x="8625526" y="3702030"/>
+              <a:ext cx="2092751" cy="646331"/>
+            </a:xfrm>
+            <a:prstGeom prst="rect">
+              <a:avLst/>
+            </a:prstGeom>
+            <a:noFill/>
+          </p:spPr>
+          <p:txBody>
+            <a:bodyPr wrap="square" rtlCol="0">
+              <a:spAutoFit/>
+            </a:bodyPr>
+            <a:lstStyle/>
+            <a:p>
+              <a:r>
+                <a:rPr kumimoji="1" lang="en-US" altLang="ja-JP" dirty="0"/>
+                <a:t>E×B</a:t>
+              </a:r>
+              <a:r>
+                <a:rPr kumimoji="1" lang="ja-JP" altLang="en-US" dirty="0"/>
+                <a:t>フィルタでイオンを分ける</a:t>
+              </a:r>
+            </a:p>
+          </p:txBody>
+        </p:sp>
+        <p:sp>
+          <p:nvSpPr>
+            <p:cNvPr id="14" name="テキスト ボックス 13">
+              <a:extLst>
+                <a:ext uri="{FF2B5EF4-FFF2-40B4-BE49-F238E27FC236}">
+                  <a16:creationId xmlns:a16="http://schemas.microsoft.com/office/drawing/2014/main" id="{60D338B2-5A51-47DA-BBFD-79B688DCE5B4}"/>
+                </a:ext>
+              </a:extLst>
+            </p:cNvPr>
+            <p:cNvSpPr txBox="1"/>
+            <p:nvPr/>
+          </p:nvSpPr>
+          <p:spPr>
+            <a:xfrm>
+              <a:off x="8625526" y="4959965"/>
+              <a:ext cx="2187018" cy="923330"/>
+            </a:xfrm>
+            <a:prstGeom prst="rect">
+              <a:avLst/>
+            </a:prstGeom>
+            <a:noFill/>
+          </p:spPr>
+          <p:txBody>
+            <a:bodyPr wrap="square" rtlCol="0">
+              <a:spAutoFit/>
+            </a:bodyPr>
+            <a:lstStyle/>
+            <a:p>
+              <a:r>
+                <a:rPr kumimoji="1" lang="ja-JP" altLang="en-US" dirty="0"/>
+                <a:t>チャンネルトロンが</a:t>
+              </a:r>
+              <a:r>
+                <a:rPr kumimoji="1" lang="en-US" altLang="ja-JP" dirty="0"/>
+                <a:t>1</a:t>
+              </a:r>
+              <a:r>
+                <a:rPr kumimoji="1" lang="ja-JP" altLang="en-US" dirty="0"/>
+                <a:t>列に並べられている</a:t>
+              </a:r>
+            </a:p>
+          </p:txBody>
+        </p:sp>
+        <p:sp>
+          <p:nvSpPr>
+            <p:cNvPr id="15" name="矢印: 上向き折線 14">
+              <a:extLst>
+                <a:ext uri="{FF2B5EF4-FFF2-40B4-BE49-F238E27FC236}">
+                  <a16:creationId xmlns:a16="http://schemas.microsoft.com/office/drawing/2014/main" id="{654F1ED8-46C8-4EB6-ADF5-E7541D709177}"/>
+                </a:ext>
+              </a:extLst>
+            </p:cNvPr>
+            <p:cNvSpPr/>
+            <p:nvPr/>
+          </p:nvSpPr>
+          <p:spPr>
+            <a:xfrm rot="10800000">
+              <a:off x="7175980" y="843150"/>
+              <a:ext cx="1910869" cy="646330"/>
+            </a:xfrm>
+            <a:prstGeom prst="bentUpArrow">
+              <a:avLst/>
+            </a:prstGeom>
+          </p:spPr>
+          <p:style>
+            <a:lnRef idx="2">
+              <a:schemeClr val="dk1">
+                <a:shade val="50000"/>
+              </a:schemeClr>
+            </a:lnRef>
+            <a:fillRef idx="1">
+              <a:schemeClr val="dk1"/>
+            </a:fillRef>
+            <a:effectRef idx="0">
+              <a:schemeClr val="dk1"/>
+            </a:effectRef>
+            <a:fontRef idx="minor">
+              <a:schemeClr val="lt1"/>
+            </a:fontRef>
+          </p:style>
+          <p:txBody>
+            <a:bodyPr rtlCol="0" anchor="ctr"/>
+            <a:lstStyle/>
+            <a:p>
+              <a:pPr algn="ctr"/>
+              <a:endParaRPr kumimoji="1" lang="ja-JP" altLang="en-US"/>
+            </a:p>
+          </p:txBody>
+        </p:sp>
+      </p:grpSp>
+      <p:pic>
+        <p:nvPicPr>
+          <p:cNvPr id="20" name="図 19">
+            <a:extLst>
+              <a:ext uri="{FF2B5EF4-FFF2-40B4-BE49-F238E27FC236}">
+                <a16:creationId xmlns:a16="http://schemas.microsoft.com/office/drawing/2014/main" id="{3E48CD87-196B-45F0-B89F-FE7C707FFF6C}"/>
+              </a:ext>
+            </a:extLst>
+          </p:cNvPr>
+          <p:cNvPicPr>
+            <a:picLocks noChangeAspect="1"/>
+          </p:cNvPicPr>
+          <p:nvPr/>
+        </p:nvPicPr>
+        <p:blipFill rotWithShape="1">
+          <a:blip r:embed="rId3"/>
+          <a:srcRect l="33532" r="34968"/>
+          <a:stretch/>
+        </p:blipFill>
+        <p:spPr>
+          <a:xfrm>
+            <a:off x="7566505" y="5389792"/>
+            <a:ext cx="578601" cy="1143000"/>
+          </a:xfrm>
+          <a:prstGeom prst="rect">
+            <a:avLst/>
+          </a:prstGeom>
+        </p:spPr>
+      </p:pic>
+      <p:sp>
+        <p:nvSpPr>
+          <p:cNvPr id="21" name="テキスト ボックス 20">
+            <a:extLst>
+              <a:ext uri="{FF2B5EF4-FFF2-40B4-BE49-F238E27FC236}">
+                <a16:creationId xmlns:a16="http://schemas.microsoft.com/office/drawing/2014/main" id="{5405BBDA-A631-4894-9BDF-4B0E01AA1EB9}"/>
+              </a:ext>
+            </a:extLst>
+          </p:cNvPr>
+          <p:cNvSpPr txBox="1"/>
+          <p:nvPr/>
+        </p:nvSpPr>
+        <p:spPr>
+          <a:xfrm>
+            <a:off x="8905875" y="5845571"/>
+            <a:ext cx="1819275" cy="369332"/>
+          </a:xfrm>
+          <a:prstGeom prst="rect">
+            <a:avLst/>
+          </a:prstGeom>
+          <a:noFill/>
+        </p:spPr>
+        <p:txBody>
+          <a:bodyPr wrap="square" rtlCol="0">
+            <a:spAutoFit/>
+          </a:bodyPr>
+          <a:lstStyle/>
+          <a:p>
+            <a:r>
+              <a:rPr lang="ja-JP" altLang="en-US" dirty="0"/>
+              <a:t>信号</a:t>
+            </a:r>
+            <a:endParaRPr kumimoji="1" lang="ja-JP" altLang="en-US" dirty="0"/>
           </a:p>
         </p:txBody>
       </p:sp>
@@ -6261,7 +7986,12 @@
             <p:ph type="title"/>
           </p:nvPr>
         </p:nvSpPr>
-        <p:spPr/>
+        <p:spPr>
+          <a:xfrm>
+            <a:off x="0" y="18255"/>
+            <a:ext cx="10515600" cy="1325563"/>
+          </a:xfrm>
+        </p:spPr>
         <p:txBody>
           <a:bodyPr/>
           <a:lstStyle/>
@@ -6275,26 +8005,1381 @@
       </p:sp>
       <p:sp>
         <p:nvSpPr>
-          <p:cNvPr id="3" name="コンテンツ プレースホルダー 2">
+          <p:cNvPr id="4" name="テキスト ボックス 3">
             <a:extLst>
               <a:ext uri="{FF2B5EF4-FFF2-40B4-BE49-F238E27FC236}">
-                <a16:creationId xmlns:a16="http://schemas.microsoft.com/office/drawing/2014/main" id="{06EA7E47-7DB3-44CC-967C-013C38956E4E}"/>
+                <a16:creationId xmlns:a16="http://schemas.microsoft.com/office/drawing/2014/main" id="{C1DD4EA0-3CF3-4E64-ADE8-DBA9C4C0B6CA}"/>
               </a:ext>
             </a:extLst>
           </p:cNvPr>
-          <p:cNvSpPr>
-            <a:spLocks noGrp="1"/>
-          </p:cNvSpPr>
-          <p:nvPr>
-            <p:ph idx="1"/>
-          </p:nvPr>
-        </p:nvSpPr>
-        <p:spPr/>
+          <p:cNvSpPr txBox="1"/>
+          <p:nvPr/>
+        </p:nvSpPr>
+        <p:spPr>
+          <a:xfrm>
+            <a:off x="161728" y="1381906"/>
+            <a:ext cx="3459637" cy="646331"/>
+          </a:xfrm>
+          <a:prstGeom prst="rect">
+            <a:avLst/>
+          </a:prstGeom>
+          <a:noFill/>
+        </p:spPr>
         <p:txBody>
-          <a:bodyPr/>
+          <a:bodyPr wrap="square" rtlCol="0">
+            <a:spAutoFit/>
+          </a:bodyPr>
           <a:lstStyle/>
           <a:p>
-            <a:endParaRPr kumimoji="1" lang="ja-JP" altLang="en-US"/>
+            <a:r>
+              <a:rPr kumimoji="1" lang="ja-JP" altLang="en-US" dirty="0"/>
+              <a:t>ルンゲクッタ法の公式：</a:t>
+            </a:r>
+            <a:endParaRPr kumimoji="1" lang="en-US" altLang="ja-JP" dirty="0"/>
+          </a:p>
+          <a:p>
+            <a:endParaRPr kumimoji="1" lang="ja-JP" altLang="en-US" dirty="0"/>
+          </a:p>
+        </p:txBody>
+      </p:sp>
+      <mc:AlternateContent xmlns:mc="http://schemas.openxmlformats.org/markup-compatibility/2006">
+        <mc:Choice xmlns:a14="http://schemas.microsoft.com/office/drawing/2010/main" Requires="a14">
+          <p:sp>
+            <p:nvSpPr>
+              <p:cNvPr id="5" name="テキスト ボックス 4">
+                <a:extLst>
+                  <a:ext uri="{FF2B5EF4-FFF2-40B4-BE49-F238E27FC236}">
+                    <a16:creationId xmlns:a16="http://schemas.microsoft.com/office/drawing/2014/main" id="{E0F87FDF-F600-4024-870C-07476F0B887D}"/>
+                  </a:ext>
+                </a:extLst>
+              </p:cNvPr>
+              <p:cNvSpPr txBox="1"/>
+              <p:nvPr/>
+            </p:nvSpPr>
+            <p:spPr>
+              <a:xfrm>
+                <a:off x="543173" y="2973098"/>
+                <a:ext cx="3789576" cy="1172244"/>
+              </a:xfrm>
+              <a:prstGeom prst="rect">
+                <a:avLst/>
+              </a:prstGeom>
+              <a:noFill/>
+            </p:spPr>
+            <p:txBody>
+              <a:bodyPr wrap="square" rtlCol="0">
+                <a:spAutoFit/>
+              </a:bodyPr>
+              <a:lstStyle/>
+              <a:p>
+                <a14:m>
+                  <m:oMathPara xmlns:m="http://schemas.openxmlformats.org/officeDocument/2006/math">
+                    <m:oMathParaPr>
+                      <m:jc m:val="centerGroup"/>
+                    </m:oMathParaPr>
+                    <m:oMath xmlns:m="http://schemas.openxmlformats.org/officeDocument/2006/math">
+                      <m:f>
+                        <m:fPr>
+                          <m:ctrlPr>
+                            <a:rPr kumimoji="1" lang="en-US" altLang="ja-JP" i="1" smtClean="0">
+                              <a:latin typeface="Cambria Math" panose="02040503050406030204" pitchFamily="18" charset="0"/>
+                            </a:rPr>
+                          </m:ctrlPr>
+                        </m:fPr>
+                        <m:num>
+                          <m:r>
+                            <a:rPr kumimoji="1" lang="en-US" altLang="ja-JP" i="1" smtClean="0">
+                              <a:latin typeface="Cambria Math" panose="02040503050406030204" pitchFamily="18" charset="0"/>
+                            </a:rPr>
+                            <m:t>𝑑𝑦</m:t>
+                          </m:r>
+                        </m:num>
+                        <m:den>
+                          <m:r>
+                            <a:rPr kumimoji="1" lang="en-US" altLang="ja-JP" i="1" smtClean="0">
+                              <a:latin typeface="Cambria Math" panose="02040503050406030204" pitchFamily="18" charset="0"/>
+                            </a:rPr>
+                            <m:t>𝑑𝑥</m:t>
+                          </m:r>
+                        </m:den>
+                      </m:f>
+                      <m:r>
+                        <a:rPr kumimoji="1" lang="en-US" altLang="ja-JP" b="0" i="1" smtClean="0">
+                          <a:latin typeface="Cambria Math" panose="02040503050406030204" pitchFamily="18" charset="0"/>
+                        </a:rPr>
+                        <m:t>=</m:t>
+                      </m:r>
+                      <m:r>
+                        <a:rPr kumimoji="1" lang="en-US" altLang="ja-JP" b="0" i="1" smtClean="0">
+                          <a:latin typeface="Cambria Math" panose="02040503050406030204" pitchFamily="18" charset="0"/>
+                        </a:rPr>
+                        <m:t>𝑓</m:t>
+                      </m:r>
+                      <m:d>
+                        <m:dPr>
+                          <m:ctrlPr>
+                            <a:rPr kumimoji="1" lang="en-US" altLang="ja-JP" b="0" i="1" smtClean="0">
+                              <a:latin typeface="Cambria Math" panose="02040503050406030204" pitchFamily="18" charset="0"/>
+                            </a:rPr>
+                          </m:ctrlPr>
+                        </m:dPr>
+                        <m:e>
+                          <m:r>
+                            <a:rPr kumimoji="1" lang="en-US" altLang="ja-JP" b="0" i="1" smtClean="0">
+                              <a:latin typeface="Cambria Math" panose="02040503050406030204" pitchFamily="18" charset="0"/>
+                            </a:rPr>
+                            <m:t>𝑥</m:t>
+                          </m:r>
+                          <m:r>
+                            <a:rPr kumimoji="1" lang="en-US" altLang="ja-JP" b="0" i="1" smtClean="0">
+                              <a:latin typeface="Cambria Math" panose="02040503050406030204" pitchFamily="18" charset="0"/>
+                            </a:rPr>
+                            <m:t>,</m:t>
+                          </m:r>
+                          <m:r>
+                            <a:rPr kumimoji="1" lang="en-US" altLang="ja-JP" b="0" i="1" smtClean="0">
+                              <a:latin typeface="Cambria Math" panose="02040503050406030204" pitchFamily="18" charset="0"/>
+                            </a:rPr>
+                            <m:t>𝑦</m:t>
+                          </m:r>
+                        </m:e>
+                      </m:d>
+                    </m:oMath>
+                  </m:oMathPara>
+                </a14:m>
+                <a:endParaRPr kumimoji="1" lang="en-US" altLang="ja-JP" b="0" dirty="0"/>
+              </a:p>
+              <a:p>
+                <a:endParaRPr kumimoji="1" lang="en-US" altLang="ja-JP" dirty="0"/>
+              </a:p>
+              <a:p>
+                <a:endParaRPr kumimoji="1" lang="ja-JP" altLang="en-US" dirty="0"/>
+              </a:p>
+            </p:txBody>
+          </p:sp>
+        </mc:Choice>
+        <mc:Fallback>
+          <p:sp>
+            <p:nvSpPr>
+              <p:cNvPr id="5" name="テキスト ボックス 4">
+                <a:extLst>
+                  <a:ext uri="{FF2B5EF4-FFF2-40B4-BE49-F238E27FC236}">
+                    <a16:creationId xmlns:a16="http://schemas.microsoft.com/office/drawing/2014/main" id="{E0F87FDF-F600-4024-870C-07476F0B887D}"/>
+                  </a:ext>
+                </a:extLst>
+              </p:cNvPr>
+              <p:cNvSpPr txBox="1">
+                <a:spLocks noRot="1" noChangeAspect="1" noMove="1" noResize="1" noEditPoints="1" noAdjustHandles="1" noChangeArrowheads="1" noChangeShapeType="1" noTextEdit="1"/>
+              </p:cNvSpPr>
+              <p:nvPr/>
+            </p:nvSpPr>
+            <p:spPr>
+              <a:xfrm>
+                <a:off x="543173" y="2973098"/>
+                <a:ext cx="3789576" cy="1172244"/>
+              </a:xfrm>
+              <a:prstGeom prst="rect">
+                <a:avLst/>
+              </a:prstGeom>
+              <a:blipFill>
+                <a:blip r:embed="rId3"/>
+                <a:stretch>
+                  <a:fillRect/>
+                </a:stretch>
+              </a:blipFill>
+            </p:spPr>
+            <p:txBody>
+              <a:bodyPr/>
+              <a:lstStyle/>
+              <a:p>
+                <a:r>
+                  <a:rPr lang="ja-JP" altLang="en-US">
+                    <a:noFill/>
+                  </a:rPr>
+                  <a:t> </a:t>
+                </a:r>
+              </a:p>
+            </p:txBody>
+          </p:sp>
+        </mc:Fallback>
+      </mc:AlternateContent>
+      <mc:AlternateContent xmlns:mc="http://schemas.openxmlformats.org/markup-compatibility/2006">
+        <mc:Choice xmlns:a14="http://schemas.microsoft.com/office/drawing/2010/main" Requires="a14">
+          <p:sp>
+            <p:nvSpPr>
+              <p:cNvPr id="7" name="コンテンツ プレースホルダー 2">
+                <a:extLst>
+                  <a:ext uri="{FF2B5EF4-FFF2-40B4-BE49-F238E27FC236}">
+                    <a16:creationId xmlns:a16="http://schemas.microsoft.com/office/drawing/2014/main" id="{7905D14A-6DAD-42DA-8BFF-29CEF07E5F1C}"/>
+                  </a:ext>
+                </a:extLst>
+              </p:cNvPr>
+              <p:cNvSpPr>
+                <a:spLocks noGrp="1"/>
+              </p:cNvSpPr>
+              <p:nvPr>
+                <p:ph idx="1"/>
+              </p:nvPr>
+            </p:nvSpPr>
+            <p:spPr>
+              <a:xfrm>
+                <a:off x="6096000" y="1817266"/>
+                <a:ext cx="6096000" cy="3982326"/>
+              </a:xfrm>
+            </p:spPr>
+            <p:txBody>
+              <a:bodyPr>
+                <a:normAutofit/>
+              </a:bodyPr>
+              <a:lstStyle/>
+              <a:p>
+                <a:pPr marL="0" indent="0">
+                  <a:buNone/>
+                </a:pPr>
+                <a14:m>
+                  <m:oMathPara xmlns:m="http://schemas.openxmlformats.org/officeDocument/2006/math">
+                    <m:oMathParaPr>
+                      <m:jc m:val="centerGroup"/>
+                    </m:oMathParaPr>
+                    <m:oMath xmlns:m="http://schemas.openxmlformats.org/officeDocument/2006/math">
+                      <m:sSub>
+                        <m:sSubPr>
+                          <m:ctrlPr>
+                            <a:rPr kumimoji="1" lang="en-US" altLang="ja-JP" sz="1800" i="1" smtClean="0">
+                              <a:latin typeface="Cambria Math" panose="02040503050406030204" pitchFamily="18" charset="0"/>
+                            </a:rPr>
+                          </m:ctrlPr>
+                        </m:sSubPr>
+                        <m:e>
+                          <m:r>
+                            <a:rPr kumimoji="1" lang="en-US" altLang="ja-JP" sz="1800" b="0" i="1" smtClean="0">
+                              <a:latin typeface="Cambria Math" panose="02040503050406030204" pitchFamily="18" charset="0"/>
+                            </a:rPr>
+                            <m:t>𝑦</m:t>
+                          </m:r>
+                        </m:e>
+                        <m:sub>
+                          <m:r>
+                            <a:rPr kumimoji="1" lang="en-US" altLang="ja-JP" sz="1800" b="0" i="1" smtClean="0">
+                              <a:latin typeface="Cambria Math" panose="02040503050406030204" pitchFamily="18" charset="0"/>
+                            </a:rPr>
+                            <m:t>𝑛</m:t>
+                          </m:r>
+                          <m:r>
+                            <a:rPr kumimoji="1" lang="en-US" altLang="ja-JP" sz="1800" b="0" i="1" smtClean="0">
+                              <a:latin typeface="Cambria Math" panose="02040503050406030204" pitchFamily="18" charset="0"/>
+                            </a:rPr>
+                            <m:t>+1</m:t>
+                          </m:r>
+                        </m:sub>
+                      </m:sSub>
+                      <m:r>
+                        <a:rPr kumimoji="1" lang="en-US" altLang="ja-JP" sz="1800" b="0" i="0" smtClean="0">
+                          <a:latin typeface="Cambria Math" panose="02040503050406030204" pitchFamily="18" charset="0"/>
+                        </a:rPr>
+                        <m:t>=</m:t>
+                      </m:r>
+                      <m:sSub>
+                        <m:sSubPr>
+                          <m:ctrlPr>
+                            <a:rPr kumimoji="1" lang="en-US" altLang="ja-JP" sz="1800" b="0" i="1" smtClean="0">
+                              <a:latin typeface="Cambria Math" panose="02040503050406030204" pitchFamily="18" charset="0"/>
+                            </a:rPr>
+                          </m:ctrlPr>
+                        </m:sSubPr>
+                        <m:e>
+                          <m:r>
+                            <a:rPr kumimoji="1" lang="en-US" altLang="ja-JP" sz="1800" b="0" i="1" smtClean="0">
+                              <a:latin typeface="Cambria Math" panose="02040503050406030204" pitchFamily="18" charset="0"/>
+                            </a:rPr>
+                            <m:t>𝑦</m:t>
+                          </m:r>
+                        </m:e>
+                        <m:sub>
+                          <m:r>
+                            <a:rPr kumimoji="1" lang="en-US" altLang="ja-JP" sz="1800" b="0" i="1" smtClean="0">
+                              <a:latin typeface="Cambria Math" panose="02040503050406030204" pitchFamily="18" charset="0"/>
+                            </a:rPr>
+                            <m:t>𝑛</m:t>
+                          </m:r>
+                        </m:sub>
+                      </m:sSub>
+                      <m:r>
+                        <a:rPr kumimoji="1" lang="en-US" altLang="ja-JP" sz="1800" b="0" i="1" smtClean="0">
+                          <a:latin typeface="Cambria Math" panose="02040503050406030204" pitchFamily="18" charset="0"/>
+                        </a:rPr>
+                        <m:t>+</m:t>
+                      </m:r>
+                      <m:f>
+                        <m:fPr>
+                          <m:ctrlPr>
+                            <a:rPr kumimoji="1" lang="en-US" altLang="ja-JP" sz="1800" b="0" i="1" smtClean="0">
+                              <a:latin typeface="Cambria Math" panose="02040503050406030204" pitchFamily="18" charset="0"/>
+                            </a:rPr>
+                          </m:ctrlPr>
+                        </m:fPr>
+                        <m:num>
+                          <m:r>
+                            <a:rPr kumimoji="1" lang="en-US" altLang="ja-JP" sz="1800" b="0" i="1" smtClean="0">
+                              <a:latin typeface="Cambria Math" panose="02040503050406030204" pitchFamily="18" charset="0"/>
+                            </a:rPr>
+                            <m:t>1</m:t>
+                          </m:r>
+                        </m:num>
+                        <m:den>
+                          <m:r>
+                            <a:rPr kumimoji="1" lang="en-US" altLang="ja-JP" sz="1800" b="0" i="1" smtClean="0">
+                              <a:latin typeface="Cambria Math" panose="02040503050406030204" pitchFamily="18" charset="0"/>
+                            </a:rPr>
+                            <m:t>6</m:t>
+                          </m:r>
+                        </m:den>
+                      </m:f>
+                      <m:d>
+                        <m:dPr>
+                          <m:ctrlPr>
+                            <a:rPr kumimoji="1" lang="en-US" altLang="ja-JP" sz="1800" b="0" i="1" smtClean="0">
+                              <a:latin typeface="Cambria Math" panose="02040503050406030204" pitchFamily="18" charset="0"/>
+                            </a:rPr>
+                          </m:ctrlPr>
+                        </m:dPr>
+                        <m:e>
+                          <m:sSub>
+                            <m:sSubPr>
+                              <m:ctrlPr>
+                                <a:rPr kumimoji="1" lang="en-US" altLang="ja-JP" sz="1800" b="0" i="1" smtClean="0">
+                                  <a:latin typeface="Cambria Math" panose="02040503050406030204" pitchFamily="18" charset="0"/>
+                                </a:rPr>
+                              </m:ctrlPr>
+                            </m:sSubPr>
+                            <m:e>
+                              <m:r>
+                                <a:rPr kumimoji="1" lang="en-US" altLang="ja-JP" sz="1800" b="0" i="1" smtClean="0">
+                                  <a:latin typeface="Cambria Math" panose="02040503050406030204" pitchFamily="18" charset="0"/>
+                                </a:rPr>
+                                <m:t>𝑘</m:t>
+                              </m:r>
+                            </m:e>
+                            <m:sub>
+                              <m:r>
+                                <a:rPr kumimoji="1" lang="en-US" altLang="ja-JP" sz="1800" b="0" i="1" smtClean="0">
+                                  <a:latin typeface="Cambria Math" panose="02040503050406030204" pitchFamily="18" charset="0"/>
+                                </a:rPr>
+                                <m:t>1</m:t>
+                              </m:r>
+                            </m:sub>
+                          </m:sSub>
+                          <m:r>
+                            <a:rPr kumimoji="1" lang="en-US" altLang="ja-JP" sz="1800" b="0" i="1" smtClean="0">
+                              <a:latin typeface="Cambria Math" panose="02040503050406030204" pitchFamily="18" charset="0"/>
+                            </a:rPr>
+                            <m:t>+2</m:t>
+                          </m:r>
+                          <m:sSub>
+                            <m:sSubPr>
+                              <m:ctrlPr>
+                                <a:rPr kumimoji="1" lang="en-US" altLang="ja-JP" sz="1800" b="0" i="1" smtClean="0">
+                                  <a:latin typeface="Cambria Math" panose="02040503050406030204" pitchFamily="18" charset="0"/>
+                                </a:rPr>
+                              </m:ctrlPr>
+                            </m:sSubPr>
+                            <m:e>
+                              <m:r>
+                                <a:rPr kumimoji="1" lang="en-US" altLang="ja-JP" sz="1800" b="0" i="1" smtClean="0">
+                                  <a:latin typeface="Cambria Math" panose="02040503050406030204" pitchFamily="18" charset="0"/>
+                                </a:rPr>
+                                <m:t>𝑘</m:t>
+                              </m:r>
+                            </m:e>
+                            <m:sub>
+                              <m:r>
+                                <a:rPr kumimoji="1" lang="en-US" altLang="ja-JP" sz="1800" b="0" i="1" smtClean="0">
+                                  <a:latin typeface="Cambria Math" panose="02040503050406030204" pitchFamily="18" charset="0"/>
+                                </a:rPr>
+                                <m:t>2</m:t>
+                              </m:r>
+                            </m:sub>
+                          </m:sSub>
+                          <m:r>
+                            <a:rPr kumimoji="1" lang="en-US" altLang="ja-JP" sz="1800" b="0" i="1" smtClean="0">
+                              <a:latin typeface="Cambria Math" panose="02040503050406030204" pitchFamily="18" charset="0"/>
+                            </a:rPr>
+                            <m:t>+2</m:t>
+                          </m:r>
+                          <m:sSub>
+                            <m:sSubPr>
+                              <m:ctrlPr>
+                                <a:rPr kumimoji="1" lang="en-US" altLang="ja-JP" sz="1800" b="0" i="1" smtClean="0">
+                                  <a:latin typeface="Cambria Math" panose="02040503050406030204" pitchFamily="18" charset="0"/>
+                                </a:rPr>
+                              </m:ctrlPr>
+                            </m:sSubPr>
+                            <m:e>
+                              <m:r>
+                                <a:rPr kumimoji="1" lang="en-US" altLang="ja-JP" sz="1800" b="0" i="1" smtClean="0">
+                                  <a:latin typeface="Cambria Math" panose="02040503050406030204" pitchFamily="18" charset="0"/>
+                                </a:rPr>
+                                <m:t>𝑘</m:t>
+                              </m:r>
+                            </m:e>
+                            <m:sub>
+                              <m:r>
+                                <a:rPr kumimoji="1" lang="en-US" altLang="ja-JP" sz="1800" b="0" i="1" smtClean="0">
+                                  <a:latin typeface="Cambria Math" panose="02040503050406030204" pitchFamily="18" charset="0"/>
+                                </a:rPr>
+                                <m:t>3</m:t>
+                              </m:r>
+                            </m:sub>
+                          </m:sSub>
+                          <m:r>
+                            <a:rPr kumimoji="1" lang="en-US" altLang="ja-JP" sz="1800" b="0" i="1" smtClean="0">
+                              <a:latin typeface="Cambria Math" panose="02040503050406030204" pitchFamily="18" charset="0"/>
+                            </a:rPr>
+                            <m:t>+</m:t>
+                          </m:r>
+                          <m:sSub>
+                            <m:sSubPr>
+                              <m:ctrlPr>
+                                <a:rPr kumimoji="1" lang="en-US" altLang="ja-JP" sz="1800" b="0" i="1" smtClean="0">
+                                  <a:latin typeface="Cambria Math" panose="02040503050406030204" pitchFamily="18" charset="0"/>
+                                </a:rPr>
+                              </m:ctrlPr>
+                            </m:sSubPr>
+                            <m:e>
+                              <m:r>
+                                <a:rPr kumimoji="1" lang="en-US" altLang="ja-JP" sz="1800" b="0" i="1" smtClean="0">
+                                  <a:latin typeface="Cambria Math" panose="02040503050406030204" pitchFamily="18" charset="0"/>
+                                </a:rPr>
+                                <m:t>𝑘</m:t>
+                              </m:r>
+                            </m:e>
+                            <m:sub>
+                              <m:r>
+                                <a:rPr kumimoji="1" lang="en-US" altLang="ja-JP" sz="1800" b="0" i="1" smtClean="0">
+                                  <a:latin typeface="Cambria Math" panose="02040503050406030204" pitchFamily="18" charset="0"/>
+                                </a:rPr>
+                                <m:t>4</m:t>
+                              </m:r>
+                            </m:sub>
+                          </m:sSub>
+                        </m:e>
+                      </m:d>
+                      <m:r>
+                        <a:rPr kumimoji="1" lang="en-US" altLang="ja-JP" sz="1800" b="0" i="1" smtClean="0">
+                          <a:latin typeface="Cambria Math" panose="02040503050406030204" pitchFamily="18" charset="0"/>
+                          <a:ea typeface="Cambria Math" panose="02040503050406030204" pitchFamily="18" charset="0"/>
+                        </a:rPr>
+                        <m:t>∆</m:t>
+                      </m:r>
+                      <m:r>
+                        <a:rPr kumimoji="1" lang="en-US" altLang="ja-JP" sz="1800" b="0" i="1" smtClean="0">
+                          <a:latin typeface="Cambria Math" panose="02040503050406030204" pitchFamily="18" charset="0"/>
+                          <a:ea typeface="Cambria Math" panose="02040503050406030204" pitchFamily="18" charset="0"/>
+                        </a:rPr>
+                        <m:t>h</m:t>
+                      </m:r>
+                    </m:oMath>
+                  </m:oMathPara>
+                </a14:m>
+                <a:endParaRPr kumimoji="1" lang="en-US" altLang="ja-JP" sz="1800" dirty="0"/>
+              </a:p>
+              <a:p>
+                <a:pPr marL="0" indent="0">
+                  <a:buNone/>
+                </a:pPr>
+                <a:endParaRPr kumimoji="1" lang="en-US" altLang="ja-JP" sz="1800" dirty="0"/>
+              </a:p>
+              <a:p>
+                <a:pPr marL="0" indent="0">
+                  <a:buNone/>
+                </a:pPr>
+                <a14:m>
+                  <m:oMathPara xmlns:m="http://schemas.openxmlformats.org/officeDocument/2006/math">
+                    <m:oMathParaPr>
+                      <m:jc m:val="centerGroup"/>
+                    </m:oMathParaPr>
+                    <m:oMath xmlns:m="http://schemas.openxmlformats.org/officeDocument/2006/math">
+                      <m:sSub>
+                        <m:sSubPr>
+                          <m:ctrlPr>
+                            <a:rPr kumimoji="1" lang="en-US" altLang="ja-JP" sz="1800" i="1" smtClean="0">
+                              <a:latin typeface="Cambria Math" panose="02040503050406030204" pitchFamily="18" charset="0"/>
+                            </a:rPr>
+                          </m:ctrlPr>
+                        </m:sSubPr>
+                        <m:e>
+                          <m:r>
+                            <a:rPr kumimoji="1" lang="en-US" altLang="ja-JP" sz="1800" b="0" i="1" smtClean="0">
+                              <a:latin typeface="Cambria Math" panose="02040503050406030204" pitchFamily="18" charset="0"/>
+                            </a:rPr>
+                            <m:t>𝑘</m:t>
+                          </m:r>
+                        </m:e>
+                        <m:sub>
+                          <m:r>
+                            <a:rPr kumimoji="1" lang="en-US" altLang="ja-JP" sz="1800" b="0" i="1" smtClean="0">
+                              <a:latin typeface="Cambria Math" panose="02040503050406030204" pitchFamily="18" charset="0"/>
+                            </a:rPr>
+                            <m:t>1</m:t>
+                          </m:r>
+                        </m:sub>
+                      </m:sSub>
+                      <m:r>
+                        <a:rPr kumimoji="1" lang="en-US" altLang="ja-JP" sz="1800" b="0" i="1" smtClean="0">
+                          <a:latin typeface="Cambria Math" panose="02040503050406030204" pitchFamily="18" charset="0"/>
+                        </a:rPr>
+                        <m:t>=</m:t>
+                      </m:r>
+                      <m:r>
+                        <a:rPr kumimoji="1" lang="en-US" altLang="ja-JP" sz="1800" b="0" i="1" smtClean="0">
+                          <a:latin typeface="Cambria Math" panose="02040503050406030204" pitchFamily="18" charset="0"/>
+                        </a:rPr>
+                        <m:t>𝑓</m:t>
+                      </m:r>
+                      <m:d>
+                        <m:dPr>
+                          <m:ctrlPr>
+                            <a:rPr kumimoji="1" lang="en-US" altLang="ja-JP" sz="1800" b="0" i="1" smtClean="0">
+                              <a:latin typeface="Cambria Math" panose="02040503050406030204" pitchFamily="18" charset="0"/>
+                            </a:rPr>
+                          </m:ctrlPr>
+                        </m:dPr>
+                        <m:e>
+                          <m:sSub>
+                            <m:sSubPr>
+                              <m:ctrlPr>
+                                <a:rPr kumimoji="1" lang="en-US" altLang="ja-JP" sz="1800" b="0" i="1" smtClean="0">
+                                  <a:latin typeface="Cambria Math" panose="02040503050406030204" pitchFamily="18" charset="0"/>
+                                </a:rPr>
+                              </m:ctrlPr>
+                            </m:sSubPr>
+                            <m:e>
+                              <m:r>
+                                <a:rPr kumimoji="1" lang="en-US" altLang="ja-JP" sz="1800" b="0" i="1" smtClean="0">
+                                  <a:latin typeface="Cambria Math" panose="02040503050406030204" pitchFamily="18" charset="0"/>
+                                </a:rPr>
+                                <m:t>𝑦</m:t>
+                              </m:r>
+                            </m:e>
+                            <m:sub>
+                              <m:r>
+                                <a:rPr kumimoji="1" lang="en-US" altLang="ja-JP" sz="1800" b="0" i="1" smtClean="0">
+                                  <a:latin typeface="Cambria Math" panose="02040503050406030204" pitchFamily="18" charset="0"/>
+                                </a:rPr>
+                                <m:t>𝑛</m:t>
+                              </m:r>
+                            </m:sub>
+                          </m:sSub>
+                          <m:r>
+                            <a:rPr kumimoji="1" lang="en-US" altLang="ja-JP" sz="1800" b="0" i="1" smtClean="0">
+                              <a:latin typeface="Cambria Math" panose="02040503050406030204" pitchFamily="18" charset="0"/>
+                            </a:rPr>
+                            <m:t>,</m:t>
+                          </m:r>
+                          <m:sSub>
+                            <m:sSubPr>
+                              <m:ctrlPr>
+                                <a:rPr kumimoji="1" lang="en-US" altLang="ja-JP" sz="1800" b="0" i="1" smtClean="0">
+                                  <a:latin typeface="Cambria Math" panose="02040503050406030204" pitchFamily="18" charset="0"/>
+                                </a:rPr>
+                              </m:ctrlPr>
+                            </m:sSubPr>
+                            <m:e>
+                              <m:r>
+                                <a:rPr kumimoji="1" lang="en-US" altLang="ja-JP" sz="1800" b="0" i="1" smtClean="0">
+                                  <a:latin typeface="Cambria Math" panose="02040503050406030204" pitchFamily="18" charset="0"/>
+                                </a:rPr>
+                                <m:t>𝑥</m:t>
+                              </m:r>
+                            </m:e>
+                            <m:sub>
+                              <m:r>
+                                <a:rPr kumimoji="1" lang="en-US" altLang="ja-JP" sz="1800" b="0" i="1" smtClean="0">
+                                  <a:latin typeface="Cambria Math" panose="02040503050406030204" pitchFamily="18" charset="0"/>
+                                </a:rPr>
+                                <m:t>𝑛</m:t>
+                              </m:r>
+                            </m:sub>
+                          </m:sSub>
+                        </m:e>
+                      </m:d>
+                    </m:oMath>
+                  </m:oMathPara>
+                </a14:m>
+                <a:endParaRPr kumimoji="1" lang="en-US" altLang="ja-JP" sz="1800" dirty="0"/>
+              </a:p>
+              <a:p>
+                <a:pPr marL="0" indent="0">
+                  <a:buNone/>
+                </a:pPr>
+                <a:endParaRPr kumimoji="1" lang="en-US" altLang="ja-JP" sz="1800" dirty="0"/>
+              </a:p>
+              <a:p>
+                <a:pPr marL="0" indent="0">
+                  <a:buNone/>
+                </a:pPr>
+                <a14:m>
+                  <m:oMathPara xmlns:m="http://schemas.openxmlformats.org/officeDocument/2006/math">
+                    <m:oMathParaPr>
+                      <m:jc m:val="centerGroup"/>
+                    </m:oMathParaPr>
+                    <m:oMath xmlns:m="http://schemas.openxmlformats.org/officeDocument/2006/math">
+                      <m:sSub>
+                        <m:sSubPr>
+                          <m:ctrlPr>
+                            <a:rPr kumimoji="1" lang="en-US" altLang="ja-JP" sz="1800" i="1" smtClean="0">
+                              <a:latin typeface="Cambria Math" panose="02040503050406030204" pitchFamily="18" charset="0"/>
+                            </a:rPr>
+                          </m:ctrlPr>
+                        </m:sSubPr>
+                        <m:e>
+                          <m:r>
+                            <a:rPr kumimoji="1" lang="en-US" altLang="ja-JP" sz="1800" b="0" i="1" smtClean="0">
+                              <a:latin typeface="Cambria Math" panose="02040503050406030204" pitchFamily="18" charset="0"/>
+                            </a:rPr>
+                            <m:t>𝑘</m:t>
+                          </m:r>
+                        </m:e>
+                        <m:sub>
+                          <m:r>
+                            <a:rPr kumimoji="1" lang="en-US" altLang="ja-JP" sz="1800" b="0" i="1" smtClean="0">
+                              <a:latin typeface="Cambria Math" panose="02040503050406030204" pitchFamily="18" charset="0"/>
+                            </a:rPr>
+                            <m:t>2</m:t>
+                          </m:r>
+                        </m:sub>
+                      </m:sSub>
+                      <m:r>
+                        <a:rPr kumimoji="1" lang="en-US" altLang="ja-JP" sz="1800" b="0" i="1" smtClean="0">
+                          <a:latin typeface="Cambria Math" panose="02040503050406030204" pitchFamily="18" charset="0"/>
+                        </a:rPr>
+                        <m:t>=</m:t>
+                      </m:r>
+                      <m:r>
+                        <a:rPr lang="en-US" altLang="ja-JP" sz="1800" i="1">
+                          <a:latin typeface="Cambria Math" panose="02040503050406030204" pitchFamily="18" charset="0"/>
+                        </a:rPr>
+                        <m:t>𝑓</m:t>
+                      </m:r>
+                      <m:d>
+                        <m:dPr>
+                          <m:ctrlPr>
+                            <a:rPr lang="en-US" altLang="ja-JP" sz="1800" i="1">
+                              <a:latin typeface="Cambria Math" panose="02040503050406030204" pitchFamily="18" charset="0"/>
+                            </a:rPr>
+                          </m:ctrlPr>
+                        </m:dPr>
+                        <m:e>
+                          <m:sSub>
+                            <m:sSubPr>
+                              <m:ctrlPr>
+                                <a:rPr lang="en-US" altLang="ja-JP" sz="1800" i="1">
+                                  <a:latin typeface="Cambria Math" panose="02040503050406030204" pitchFamily="18" charset="0"/>
+                                </a:rPr>
+                              </m:ctrlPr>
+                            </m:sSubPr>
+                            <m:e>
+                              <m:r>
+                                <a:rPr lang="en-US" altLang="ja-JP" sz="1800" b="0" i="1" smtClean="0">
+                                  <a:latin typeface="Cambria Math" panose="02040503050406030204" pitchFamily="18" charset="0"/>
+                                </a:rPr>
+                                <m:t>𝑦</m:t>
+                              </m:r>
+                            </m:e>
+                            <m:sub>
+                              <m:r>
+                                <a:rPr lang="en-US" altLang="ja-JP" sz="1800" b="0" i="1" smtClean="0">
+                                  <a:latin typeface="Cambria Math" panose="02040503050406030204" pitchFamily="18" charset="0"/>
+                                </a:rPr>
+                                <m:t>𝑛</m:t>
+                              </m:r>
+                            </m:sub>
+                          </m:sSub>
+                          <m:r>
+                            <a:rPr lang="en-US" altLang="ja-JP" sz="1800" b="0" i="1" smtClean="0">
+                              <a:latin typeface="Cambria Math" panose="02040503050406030204" pitchFamily="18" charset="0"/>
+                            </a:rPr>
+                            <m:t>+</m:t>
+                          </m:r>
+                          <m:sSub>
+                            <m:sSubPr>
+                              <m:ctrlPr>
+                                <a:rPr lang="en-US" altLang="ja-JP" sz="1800" b="0" i="1" smtClean="0">
+                                  <a:latin typeface="Cambria Math" panose="02040503050406030204" pitchFamily="18" charset="0"/>
+                                </a:rPr>
+                              </m:ctrlPr>
+                            </m:sSubPr>
+                            <m:e>
+                              <m:r>
+                                <a:rPr lang="en-US" altLang="ja-JP" sz="1800" b="0" i="1" smtClean="0">
+                                  <a:latin typeface="Cambria Math" panose="02040503050406030204" pitchFamily="18" charset="0"/>
+                                </a:rPr>
+                                <m:t>𝑘</m:t>
+                              </m:r>
+                            </m:e>
+                            <m:sub>
+                              <m:r>
+                                <a:rPr lang="en-US" altLang="ja-JP" sz="1800" b="0" i="1" smtClean="0">
+                                  <a:latin typeface="Cambria Math" panose="02040503050406030204" pitchFamily="18" charset="0"/>
+                                </a:rPr>
+                                <m:t>1</m:t>
+                              </m:r>
+                            </m:sub>
+                          </m:sSub>
+                          <m:f>
+                            <m:fPr>
+                              <m:ctrlPr>
+                                <a:rPr lang="en-US" altLang="ja-JP" sz="1800" b="0" i="1" smtClean="0">
+                                  <a:latin typeface="Cambria Math" panose="02040503050406030204" pitchFamily="18" charset="0"/>
+                                </a:rPr>
+                              </m:ctrlPr>
+                            </m:fPr>
+                            <m:num>
+                              <m:r>
+                                <a:rPr lang="en-US" altLang="ja-JP" sz="1800" i="1">
+                                  <a:latin typeface="Cambria Math" panose="02040503050406030204" pitchFamily="18" charset="0"/>
+                                  <a:ea typeface="Cambria Math" panose="02040503050406030204" pitchFamily="18" charset="0"/>
+                                </a:rPr>
+                                <m:t>∆</m:t>
+                              </m:r>
+                              <m:r>
+                                <a:rPr lang="en-US" altLang="ja-JP" sz="1800" b="0" i="1" smtClean="0">
+                                  <a:latin typeface="Cambria Math" panose="02040503050406030204" pitchFamily="18" charset="0"/>
+                                  <a:ea typeface="Cambria Math" panose="02040503050406030204" pitchFamily="18" charset="0"/>
+                                </a:rPr>
+                                <m:t>h</m:t>
+                              </m:r>
+                            </m:num>
+                            <m:den>
+                              <m:r>
+                                <a:rPr lang="en-US" altLang="ja-JP" sz="1800" b="0" i="1" smtClean="0">
+                                  <a:latin typeface="Cambria Math" panose="02040503050406030204" pitchFamily="18" charset="0"/>
+                                </a:rPr>
+                                <m:t>2</m:t>
+                              </m:r>
+                            </m:den>
+                          </m:f>
+                          <m:r>
+                            <a:rPr lang="en-US" altLang="ja-JP" sz="1800" i="1">
+                              <a:latin typeface="Cambria Math" panose="02040503050406030204" pitchFamily="18" charset="0"/>
+                            </a:rPr>
+                            <m:t>,</m:t>
+                          </m:r>
+                          <m:sSub>
+                            <m:sSubPr>
+                              <m:ctrlPr>
+                                <a:rPr lang="en-US" altLang="ja-JP" sz="1800" i="1">
+                                  <a:latin typeface="Cambria Math" panose="02040503050406030204" pitchFamily="18" charset="0"/>
+                                </a:rPr>
+                              </m:ctrlPr>
+                            </m:sSubPr>
+                            <m:e>
+                              <m:r>
+                                <a:rPr lang="en-US" altLang="ja-JP" sz="1800" b="0" i="1" smtClean="0">
+                                  <a:latin typeface="Cambria Math" panose="02040503050406030204" pitchFamily="18" charset="0"/>
+                                </a:rPr>
+                                <m:t>𝑥</m:t>
+                              </m:r>
+                            </m:e>
+                            <m:sub>
+                              <m:r>
+                                <a:rPr lang="en-US" altLang="ja-JP" sz="1800" i="1">
+                                  <a:latin typeface="Cambria Math" panose="02040503050406030204" pitchFamily="18" charset="0"/>
+                                </a:rPr>
+                                <m:t>𝑛</m:t>
+                              </m:r>
+                            </m:sub>
+                          </m:sSub>
+                          <m:r>
+                            <a:rPr lang="en-US" altLang="ja-JP" sz="1800" i="1">
+                              <a:latin typeface="Cambria Math" panose="02040503050406030204" pitchFamily="18" charset="0"/>
+                            </a:rPr>
+                            <m:t>+</m:t>
+                          </m:r>
+                          <m:f>
+                            <m:fPr>
+                              <m:ctrlPr>
+                                <a:rPr lang="en-US" altLang="ja-JP" sz="1800" i="1">
+                                  <a:latin typeface="Cambria Math" panose="02040503050406030204" pitchFamily="18" charset="0"/>
+                                </a:rPr>
+                              </m:ctrlPr>
+                            </m:fPr>
+                            <m:num>
+                              <m:r>
+                                <a:rPr lang="en-US" altLang="ja-JP" sz="1800" i="1">
+                                  <a:latin typeface="Cambria Math" panose="02040503050406030204" pitchFamily="18" charset="0"/>
+                                  <a:ea typeface="Cambria Math" panose="02040503050406030204" pitchFamily="18" charset="0"/>
+                                </a:rPr>
+                                <m:t>∆</m:t>
+                              </m:r>
+                              <m:r>
+                                <a:rPr lang="en-US" altLang="ja-JP" sz="1800" b="0" i="1" smtClean="0">
+                                  <a:latin typeface="Cambria Math" panose="02040503050406030204" pitchFamily="18" charset="0"/>
+                                  <a:ea typeface="Cambria Math" panose="02040503050406030204" pitchFamily="18" charset="0"/>
+                                </a:rPr>
+                                <m:t>h</m:t>
+                              </m:r>
+                            </m:num>
+                            <m:den>
+                              <m:r>
+                                <a:rPr lang="en-US" altLang="ja-JP" sz="1800" i="1">
+                                  <a:latin typeface="Cambria Math" panose="02040503050406030204" pitchFamily="18" charset="0"/>
+                                </a:rPr>
+                                <m:t>2</m:t>
+                              </m:r>
+                            </m:den>
+                          </m:f>
+                        </m:e>
+                      </m:d>
+                    </m:oMath>
+                  </m:oMathPara>
+                </a14:m>
+                <a:endParaRPr lang="en-US" altLang="ja-JP" sz="1800" dirty="0"/>
+              </a:p>
+              <a:p>
+                <a:pPr marL="0" indent="0">
+                  <a:buNone/>
+                </a:pPr>
+                <a:endParaRPr lang="en-US" altLang="ja-JP" sz="1800" dirty="0"/>
+              </a:p>
+              <a:p>
+                <a:pPr marL="0" indent="0">
+                  <a:buNone/>
+                </a:pPr>
+                <a14:m>
+                  <m:oMathPara xmlns:m="http://schemas.openxmlformats.org/officeDocument/2006/math">
+                    <m:oMathParaPr>
+                      <m:jc m:val="centerGroup"/>
+                    </m:oMathParaPr>
+                    <m:oMath xmlns:m="http://schemas.openxmlformats.org/officeDocument/2006/math">
+                      <m:sSub>
+                        <m:sSubPr>
+                          <m:ctrlPr>
+                            <a:rPr kumimoji="1" lang="en-US" altLang="ja-JP" sz="1800" i="1" smtClean="0">
+                              <a:latin typeface="Cambria Math" panose="02040503050406030204" pitchFamily="18" charset="0"/>
+                            </a:rPr>
+                          </m:ctrlPr>
+                        </m:sSubPr>
+                        <m:e>
+                          <m:r>
+                            <a:rPr kumimoji="1" lang="en-US" altLang="ja-JP" sz="1800" b="0" i="1" smtClean="0">
+                              <a:latin typeface="Cambria Math" panose="02040503050406030204" pitchFamily="18" charset="0"/>
+                            </a:rPr>
+                            <m:t>𝑘</m:t>
+                          </m:r>
+                        </m:e>
+                        <m:sub>
+                          <m:r>
+                            <a:rPr kumimoji="1" lang="en-US" altLang="ja-JP" sz="1800" b="0" i="1" smtClean="0">
+                              <a:latin typeface="Cambria Math" panose="02040503050406030204" pitchFamily="18" charset="0"/>
+                            </a:rPr>
+                            <m:t>3</m:t>
+                          </m:r>
+                        </m:sub>
+                      </m:sSub>
+                      <m:r>
+                        <a:rPr kumimoji="1" lang="en-US" altLang="ja-JP" sz="1800" b="0" i="1" smtClean="0">
+                          <a:latin typeface="Cambria Math" panose="02040503050406030204" pitchFamily="18" charset="0"/>
+                        </a:rPr>
+                        <m:t>=</m:t>
+                      </m:r>
+                      <m:r>
+                        <a:rPr lang="en-US" altLang="ja-JP" sz="1800" i="1">
+                          <a:latin typeface="Cambria Math" panose="02040503050406030204" pitchFamily="18" charset="0"/>
+                        </a:rPr>
+                        <m:t>𝑓</m:t>
+                      </m:r>
+                      <m:d>
+                        <m:dPr>
+                          <m:ctrlPr>
+                            <a:rPr lang="en-US" altLang="ja-JP" sz="1800" i="1">
+                              <a:latin typeface="Cambria Math" panose="02040503050406030204" pitchFamily="18" charset="0"/>
+                            </a:rPr>
+                          </m:ctrlPr>
+                        </m:dPr>
+                        <m:e>
+                          <m:sSub>
+                            <m:sSubPr>
+                              <m:ctrlPr>
+                                <a:rPr lang="en-US" altLang="ja-JP" sz="1800" i="1">
+                                  <a:latin typeface="Cambria Math" panose="02040503050406030204" pitchFamily="18" charset="0"/>
+                                </a:rPr>
+                              </m:ctrlPr>
+                            </m:sSubPr>
+                            <m:e>
+                              <m:r>
+                                <a:rPr lang="en-US" altLang="ja-JP" sz="1800" b="0" i="1" smtClean="0">
+                                  <a:latin typeface="Cambria Math" panose="02040503050406030204" pitchFamily="18" charset="0"/>
+                                </a:rPr>
+                                <m:t>𝑦</m:t>
+                              </m:r>
+                            </m:e>
+                            <m:sub>
+                              <m:r>
+                                <a:rPr lang="en-US" altLang="ja-JP" sz="1800" i="1">
+                                  <a:latin typeface="Cambria Math" panose="02040503050406030204" pitchFamily="18" charset="0"/>
+                                </a:rPr>
+                                <m:t>𝑛</m:t>
+                              </m:r>
+                            </m:sub>
+                          </m:sSub>
+                          <m:r>
+                            <a:rPr lang="en-US" altLang="ja-JP" sz="1800" i="1">
+                              <a:latin typeface="Cambria Math" panose="02040503050406030204" pitchFamily="18" charset="0"/>
+                            </a:rPr>
+                            <m:t>+</m:t>
+                          </m:r>
+                          <m:sSub>
+                            <m:sSubPr>
+                              <m:ctrlPr>
+                                <a:rPr lang="en-US" altLang="ja-JP" sz="1800" i="1">
+                                  <a:latin typeface="Cambria Math" panose="02040503050406030204" pitchFamily="18" charset="0"/>
+                                </a:rPr>
+                              </m:ctrlPr>
+                            </m:sSubPr>
+                            <m:e>
+                              <m:r>
+                                <a:rPr lang="en-US" altLang="ja-JP" sz="1800" i="1">
+                                  <a:latin typeface="Cambria Math" panose="02040503050406030204" pitchFamily="18" charset="0"/>
+                                </a:rPr>
+                                <m:t>𝑘</m:t>
+                              </m:r>
+                            </m:e>
+                            <m:sub>
+                              <m:r>
+                                <a:rPr lang="en-US" altLang="ja-JP" sz="1800" b="0" i="1" smtClean="0">
+                                  <a:latin typeface="Cambria Math" panose="02040503050406030204" pitchFamily="18" charset="0"/>
+                                </a:rPr>
+                                <m:t>2</m:t>
+                              </m:r>
+                            </m:sub>
+                          </m:sSub>
+                          <m:f>
+                            <m:fPr>
+                              <m:ctrlPr>
+                                <a:rPr lang="en-US" altLang="ja-JP" sz="1800" i="1">
+                                  <a:latin typeface="Cambria Math" panose="02040503050406030204" pitchFamily="18" charset="0"/>
+                                </a:rPr>
+                              </m:ctrlPr>
+                            </m:fPr>
+                            <m:num>
+                              <m:r>
+                                <a:rPr lang="en-US" altLang="ja-JP" sz="1800" i="1">
+                                  <a:latin typeface="Cambria Math" panose="02040503050406030204" pitchFamily="18" charset="0"/>
+                                  <a:ea typeface="Cambria Math" panose="02040503050406030204" pitchFamily="18" charset="0"/>
+                                </a:rPr>
+                                <m:t>∆</m:t>
+                              </m:r>
+                              <m:r>
+                                <a:rPr lang="en-US" altLang="ja-JP" sz="1800" b="0" i="1" smtClean="0">
+                                  <a:latin typeface="Cambria Math" panose="02040503050406030204" pitchFamily="18" charset="0"/>
+                                  <a:ea typeface="Cambria Math" panose="02040503050406030204" pitchFamily="18" charset="0"/>
+                                </a:rPr>
+                                <m:t>h</m:t>
+                              </m:r>
+                            </m:num>
+                            <m:den>
+                              <m:r>
+                                <a:rPr lang="en-US" altLang="ja-JP" sz="1800" i="1">
+                                  <a:latin typeface="Cambria Math" panose="02040503050406030204" pitchFamily="18" charset="0"/>
+                                </a:rPr>
+                                <m:t>2</m:t>
+                              </m:r>
+                            </m:den>
+                          </m:f>
+                          <m:r>
+                            <a:rPr lang="en-US" altLang="ja-JP" sz="1800" i="1">
+                              <a:latin typeface="Cambria Math" panose="02040503050406030204" pitchFamily="18" charset="0"/>
+                            </a:rPr>
+                            <m:t>,</m:t>
+                          </m:r>
+                          <m:sSub>
+                            <m:sSubPr>
+                              <m:ctrlPr>
+                                <a:rPr lang="en-US" altLang="ja-JP" sz="1800" i="1">
+                                  <a:latin typeface="Cambria Math" panose="02040503050406030204" pitchFamily="18" charset="0"/>
+                                </a:rPr>
+                              </m:ctrlPr>
+                            </m:sSubPr>
+                            <m:e>
+                              <m:r>
+                                <a:rPr lang="en-US" altLang="ja-JP" sz="1800" b="0" i="1" smtClean="0">
+                                  <a:latin typeface="Cambria Math" panose="02040503050406030204" pitchFamily="18" charset="0"/>
+                                </a:rPr>
+                                <m:t>𝑥</m:t>
+                              </m:r>
+                            </m:e>
+                            <m:sub>
+                              <m:r>
+                                <a:rPr lang="en-US" altLang="ja-JP" sz="1800" i="1">
+                                  <a:latin typeface="Cambria Math" panose="02040503050406030204" pitchFamily="18" charset="0"/>
+                                </a:rPr>
+                                <m:t>𝑛</m:t>
+                              </m:r>
+                            </m:sub>
+                          </m:sSub>
+                          <m:r>
+                            <a:rPr lang="en-US" altLang="ja-JP" sz="1800" i="1">
+                              <a:latin typeface="Cambria Math" panose="02040503050406030204" pitchFamily="18" charset="0"/>
+                            </a:rPr>
+                            <m:t>+</m:t>
+                          </m:r>
+                          <m:f>
+                            <m:fPr>
+                              <m:ctrlPr>
+                                <a:rPr lang="en-US" altLang="ja-JP" sz="1800" i="1">
+                                  <a:latin typeface="Cambria Math" panose="02040503050406030204" pitchFamily="18" charset="0"/>
+                                </a:rPr>
+                              </m:ctrlPr>
+                            </m:fPr>
+                            <m:num>
+                              <m:r>
+                                <a:rPr lang="en-US" altLang="ja-JP" sz="1800" i="1">
+                                  <a:latin typeface="Cambria Math" panose="02040503050406030204" pitchFamily="18" charset="0"/>
+                                  <a:ea typeface="Cambria Math" panose="02040503050406030204" pitchFamily="18" charset="0"/>
+                                </a:rPr>
+                                <m:t>∆</m:t>
+                              </m:r>
+                              <m:r>
+                                <a:rPr lang="en-US" altLang="ja-JP" sz="1800" b="0" i="1" smtClean="0">
+                                  <a:latin typeface="Cambria Math" panose="02040503050406030204" pitchFamily="18" charset="0"/>
+                                  <a:ea typeface="Cambria Math" panose="02040503050406030204" pitchFamily="18" charset="0"/>
+                                </a:rPr>
+                                <m:t>h</m:t>
+                              </m:r>
+                            </m:num>
+                            <m:den>
+                              <m:r>
+                                <a:rPr lang="en-US" altLang="ja-JP" sz="1800" i="1">
+                                  <a:latin typeface="Cambria Math" panose="02040503050406030204" pitchFamily="18" charset="0"/>
+                                </a:rPr>
+                                <m:t>2</m:t>
+                              </m:r>
+                            </m:den>
+                          </m:f>
+                        </m:e>
+                      </m:d>
+                    </m:oMath>
+                  </m:oMathPara>
+                </a14:m>
+                <a:endParaRPr kumimoji="1" lang="en-US" altLang="ja-JP" sz="1800" dirty="0"/>
+              </a:p>
+              <a:p>
+                <a:pPr marL="0" indent="0">
+                  <a:buNone/>
+                </a:pPr>
+                <a:endParaRPr kumimoji="1" lang="en-US" altLang="ja-JP" sz="1800" dirty="0"/>
+              </a:p>
+              <a:p>
+                <a:pPr marL="0" indent="0">
+                  <a:buNone/>
+                </a:pPr>
+                <a14:m>
+                  <m:oMathPara xmlns:m="http://schemas.openxmlformats.org/officeDocument/2006/math">
+                    <m:oMathParaPr>
+                      <m:jc m:val="centerGroup"/>
+                    </m:oMathParaPr>
+                    <m:oMath xmlns:m="http://schemas.openxmlformats.org/officeDocument/2006/math">
+                      <m:sSub>
+                        <m:sSubPr>
+                          <m:ctrlPr>
+                            <a:rPr kumimoji="1" lang="en-US" altLang="ja-JP" sz="1800" i="1" smtClean="0">
+                              <a:latin typeface="Cambria Math" panose="02040503050406030204" pitchFamily="18" charset="0"/>
+                            </a:rPr>
+                          </m:ctrlPr>
+                        </m:sSubPr>
+                        <m:e>
+                          <m:r>
+                            <a:rPr kumimoji="1" lang="en-US" altLang="ja-JP" sz="1800" b="0" i="1" smtClean="0">
+                              <a:latin typeface="Cambria Math" panose="02040503050406030204" pitchFamily="18" charset="0"/>
+                            </a:rPr>
+                            <m:t>𝑘</m:t>
+                          </m:r>
+                        </m:e>
+                        <m:sub>
+                          <m:r>
+                            <a:rPr kumimoji="1" lang="en-US" altLang="ja-JP" sz="1800" b="0" i="1" smtClean="0">
+                              <a:latin typeface="Cambria Math" panose="02040503050406030204" pitchFamily="18" charset="0"/>
+                            </a:rPr>
+                            <m:t>4</m:t>
+                          </m:r>
+                        </m:sub>
+                      </m:sSub>
+                      <m:r>
+                        <a:rPr kumimoji="1" lang="en-US" altLang="ja-JP" sz="1800" b="0" i="1" smtClean="0">
+                          <a:latin typeface="Cambria Math" panose="02040503050406030204" pitchFamily="18" charset="0"/>
+                        </a:rPr>
+                        <m:t>=</m:t>
+                      </m:r>
+                      <m:r>
+                        <a:rPr lang="en-US" altLang="ja-JP" sz="1800" i="1">
+                          <a:latin typeface="Cambria Math" panose="02040503050406030204" pitchFamily="18" charset="0"/>
+                        </a:rPr>
+                        <m:t>𝑓</m:t>
+                      </m:r>
+                      <m:d>
+                        <m:dPr>
+                          <m:ctrlPr>
+                            <a:rPr lang="en-US" altLang="ja-JP" sz="1800" i="1">
+                              <a:latin typeface="Cambria Math" panose="02040503050406030204" pitchFamily="18" charset="0"/>
+                            </a:rPr>
+                          </m:ctrlPr>
+                        </m:dPr>
+                        <m:e>
+                          <m:sSub>
+                            <m:sSubPr>
+                              <m:ctrlPr>
+                                <a:rPr lang="en-US" altLang="ja-JP" sz="1800" i="1">
+                                  <a:latin typeface="Cambria Math" panose="02040503050406030204" pitchFamily="18" charset="0"/>
+                                </a:rPr>
+                              </m:ctrlPr>
+                            </m:sSubPr>
+                            <m:e>
+                              <m:r>
+                                <a:rPr lang="en-US" altLang="ja-JP" sz="1800" b="0" i="1" smtClean="0">
+                                  <a:latin typeface="Cambria Math" panose="02040503050406030204" pitchFamily="18" charset="0"/>
+                                </a:rPr>
+                                <m:t>𝑦</m:t>
+                              </m:r>
+                            </m:e>
+                            <m:sub>
+                              <m:r>
+                                <a:rPr lang="en-US" altLang="ja-JP" sz="1800" i="1">
+                                  <a:latin typeface="Cambria Math" panose="02040503050406030204" pitchFamily="18" charset="0"/>
+                                </a:rPr>
+                                <m:t>𝑛</m:t>
+                              </m:r>
+                            </m:sub>
+                          </m:sSub>
+                          <m:r>
+                            <a:rPr lang="en-US" altLang="ja-JP" sz="1800" i="1">
+                              <a:latin typeface="Cambria Math" panose="02040503050406030204" pitchFamily="18" charset="0"/>
+                            </a:rPr>
+                            <m:t>+</m:t>
+                          </m:r>
+                          <m:sSub>
+                            <m:sSubPr>
+                              <m:ctrlPr>
+                                <a:rPr lang="en-US" altLang="ja-JP" sz="1800" i="1">
+                                  <a:latin typeface="Cambria Math" panose="02040503050406030204" pitchFamily="18" charset="0"/>
+                                </a:rPr>
+                              </m:ctrlPr>
+                            </m:sSubPr>
+                            <m:e>
+                              <m:r>
+                                <a:rPr lang="en-US" altLang="ja-JP" sz="1800" i="1">
+                                  <a:latin typeface="Cambria Math" panose="02040503050406030204" pitchFamily="18" charset="0"/>
+                                </a:rPr>
+                                <m:t>𝑘</m:t>
+                              </m:r>
+                            </m:e>
+                            <m:sub>
+                              <m:r>
+                                <a:rPr lang="en-US" altLang="ja-JP" sz="1800" b="0" i="1" smtClean="0">
+                                  <a:latin typeface="Cambria Math" panose="02040503050406030204" pitchFamily="18" charset="0"/>
+                                </a:rPr>
+                                <m:t>3</m:t>
+                              </m:r>
+                            </m:sub>
+                          </m:sSub>
+                          <m:r>
+                            <a:rPr lang="en-US" altLang="ja-JP" sz="1800" i="1">
+                              <a:latin typeface="Cambria Math" panose="02040503050406030204" pitchFamily="18" charset="0"/>
+                              <a:ea typeface="Cambria Math" panose="02040503050406030204" pitchFamily="18" charset="0"/>
+                            </a:rPr>
+                            <m:t>∆</m:t>
+                          </m:r>
+                          <m:r>
+                            <a:rPr lang="en-US" altLang="ja-JP" sz="1800" b="0" i="1" smtClean="0">
+                              <a:latin typeface="Cambria Math" panose="02040503050406030204" pitchFamily="18" charset="0"/>
+                              <a:ea typeface="Cambria Math" panose="02040503050406030204" pitchFamily="18" charset="0"/>
+                            </a:rPr>
+                            <m:t>h</m:t>
+                          </m:r>
+                          <m:r>
+                            <a:rPr lang="en-US" altLang="ja-JP" sz="1800" i="1">
+                              <a:latin typeface="Cambria Math" panose="02040503050406030204" pitchFamily="18" charset="0"/>
+                            </a:rPr>
+                            <m:t>,</m:t>
+                          </m:r>
+                          <m:sSub>
+                            <m:sSubPr>
+                              <m:ctrlPr>
+                                <a:rPr lang="en-US" altLang="ja-JP" sz="1800" i="1">
+                                  <a:latin typeface="Cambria Math" panose="02040503050406030204" pitchFamily="18" charset="0"/>
+                                </a:rPr>
+                              </m:ctrlPr>
+                            </m:sSubPr>
+                            <m:e>
+                              <m:r>
+                                <a:rPr lang="en-US" altLang="ja-JP" sz="1800" b="0" i="1" smtClean="0">
+                                  <a:latin typeface="Cambria Math" panose="02040503050406030204" pitchFamily="18" charset="0"/>
+                                </a:rPr>
+                                <m:t>𝑥</m:t>
+                              </m:r>
+                            </m:e>
+                            <m:sub>
+                              <m:r>
+                                <a:rPr lang="en-US" altLang="ja-JP" sz="1800" i="1">
+                                  <a:latin typeface="Cambria Math" panose="02040503050406030204" pitchFamily="18" charset="0"/>
+                                </a:rPr>
+                                <m:t>𝑛</m:t>
+                              </m:r>
+                            </m:sub>
+                          </m:sSub>
+                          <m:r>
+                            <a:rPr lang="en-US" altLang="ja-JP" sz="1800" i="1">
+                              <a:latin typeface="Cambria Math" panose="02040503050406030204" pitchFamily="18" charset="0"/>
+                            </a:rPr>
+                            <m:t>+</m:t>
+                          </m:r>
+                          <m:r>
+                            <a:rPr lang="en-US" altLang="ja-JP" sz="1800" i="1">
+                              <a:latin typeface="Cambria Math" panose="02040503050406030204" pitchFamily="18" charset="0"/>
+                              <a:ea typeface="Cambria Math" panose="02040503050406030204" pitchFamily="18" charset="0"/>
+                            </a:rPr>
+                            <m:t>∆</m:t>
+                          </m:r>
+                          <m:r>
+                            <a:rPr lang="en-US" altLang="ja-JP" sz="1800" b="0" i="1" smtClean="0">
+                              <a:latin typeface="Cambria Math" panose="02040503050406030204" pitchFamily="18" charset="0"/>
+                              <a:ea typeface="Cambria Math" panose="02040503050406030204" pitchFamily="18" charset="0"/>
+                            </a:rPr>
+                            <m:t>h</m:t>
+                          </m:r>
+                        </m:e>
+                      </m:d>
+                    </m:oMath>
+                  </m:oMathPara>
+                </a14:m>
+                <a:endParaRPr kumimoji="1" lang="ja-JP" altLang="en-US" sz="1800" dirty="0"/>
+              </a:p>
+            </p:txBody>
+          </p:sp>
+        </mc:Choice>
+        <mc:Fallback>
+          <p:sp>
+            <p:nvSpPr>
+              <p:cNvPr id="7" name="コンテンツ プレースホルダー 2">
+                <a:extLst>
+                  <a:ext uri="{FF2B5EF4-FFF2-40B4-BE49-F238E27FC236}">
+                    <a16:creationId xmlns:a16="http://schemas.microsoft.com/office/drawing/2014/main" id="{7905D14A-6DAD-42DA-8BFF-29CEF07E5F1C}"/>
+                  </a:ext>
+                </a:extLst>
+              </p:cNvPr>
+              <p:cNvSpPr>
+                <a:spLocks noGrp="1" noRot="1" noChangeAspect="1" noMove="1" noResize="1" noEditPoints="1" noAdjustHandles="1" noChangeArrowheads="1" noChangeShapeType="1" noTextEdit="1"/>
+              </p:cNvSpPr>
+              <p:nvPr>
+                <p:ph idx="1"/>
+              </p:nvPr>
+            </p:nvSpPr>
+            <p:spPr>
+              <a:xfrm>
+                <a:off x="6096000" y="1817266"/>
+                <a:ext cx="6096000" cy="3982326"/>
+              </a:xfrm>
+              <a:blipFill>
+                <a:blip r:embed="rId4"/>
+                <a:stretch>
+                  <a:fillRect/>
+                </a:stretch>
+              </a:blipFill>
+            </p:spPr>
+            <p:txBody>
+              <a:bodyPr/>
+              <a:lstStyle/>
+              <a:p>
+                <a:r>
+                  <a:rPr lang="ja-JP" altLang="en-US">
+                    <a:noFill/>
+                  </a:rPr>
+                  <a:t> </a:t>
+                </a:r>
+              </a:p>
+            </p:txBody>
+          </p:sp>
+        </mc:Fallback>
+      </mc:AlternateContent>
+      <p:pic>
+        <p:nvPicPr>
+          <p:cNvPr id="9" name="図 8">
+            <a:extLst>
+              <a:ext uri="{FF2B5EF4-FFF2-40B4-BE49-F238E27FC236}">
+                <a16:creationId xmlns:a16="http://schemas.microsoft.com/office/drawing/2014/main" id="{299E59C8-339F-40A7-ABC1-1ED3048BA141}"/>
+              </a:ext>
+            </a:extLst>
+          </p:cNvPr>
+          <p:cNvPicPr>
+            <a:picLocks noChangeAspect="1"/>
+          </p:cNvPicPr>
+          <p:nvPr/>
+        </p:nvPicPr>
+        <p:blipFill>
+          <a:blip r:embed="rId5"/>
+          <a:stretch>
+            <a:fillRect/>
+          </a:stretch>
+        </p:blipFill>
+        <p:spPr>
+          <a:xfrm rot="16200000">
+            <a:off x="4350978" y="2988538"/>
+            <a:ext cx="1432684" cy="880924"/>
+          </a:xfrm>
+          <a:prstGeom prst="rect">
+            <a:avLst/>
+          </a:prstGeom>
+        </p:spPr>
+      </p:pic>
+      <p:sp>
+        <p:nvSpPr>
+          <p:cNvPr id="10" name="テキスト ボックス 9">
+            <a:extLst>
+              <a:ext uri="{FF2B5EF4-FFF2-40B4-BE49-F238E27FC236}">
+                <a16:creationId xmlns:a16="http://schemas.microsoft.com/office/drawing/2014/main" id="{86120F95-B7A3-4806-82FA-D43951913C06}"/>
+              </a:ext>
+            </a:extLst>
+          </p:cNvPr>
+          <p:cNvSpPr txBox="1"/>
+          <p:nvPr/>
+        </p:nvSpPr>
+        <p:spPr>
+          <a:xfrm>
+            <a:off x="1541111" y="5153261"/>
+            <a:ext cx="4199813" cy="923330"/>
+          </a:xfrm>
+          <a:prstGeom prst="rect">
+            <a:avLst/>
+          </a:prstGeom>
+          <a:noFill/>
+        </p:spPr>
+        <p:txBody>
+          <a:bodyPr wrap="square" rtlCol="0">
+            <a:spAutoFit/>
+          </a:bodyPr>
+          <a:lstStyle/>
+          <a:p>
+            <a:pPr algn="ctr"/>
+            <a:r>
+              <a:rPr kumimoji="1" lang="ja-JP" altLang="en-US" dirty="0"/>
+              <a:t>連立ならば、同時進行させればいい</a:t>
+            </a:r>
+            <a:endParaRPr kumimoji="1" lang="en-US" altLang="ja-JP" dirty="0"/>
+          </a:p>
+          <a:p>
+            <a:pPr algn="ctr"/>
+            <a:r>
+              <a:rPr lang="ja-JP" altLang="en-US" dirty="0"/>
+              <a:t>＋</a:t>
+            </a:r>
+            <a:endParaRPr lang="en-US" altLang="ja-JP" dirty="0"/>
+          </a:p>
+          <a:p>
+            <a:pPr algn="ctr"/>
+            <a:r>
+              <a:rPr kumimoji="1" lang="ja-JP" altLang="en-US" dirty="0"/>
+              <a:t>行列のまま代入するだけでいい</a:t>
+            </a:r>
           </a:p>
         </p:txBody>
       </p:sp>
@@ -6328,64 +9413,2847 @@
           <a:chExt cx="0" cy="0"/>
         </a:xfrm>
       </p:grpSpPr>
-      <p:sp>
-        <p:nvSpPr>
-          <p:cNvPr id="2" name="タイトル 1">
+      <mc:AlternateContent xmlns:mc="http://schemas.openxmlformats.org/markup-compatibility/2006">
+        <mc:Choice xmlns:a14="http://schemas.microsoft.com/office/drawing/2010/main" Requires="a14">
+          <p:sp>
+            <p:nvSpPr>
+              <p:cNvPr id="4" name="コンテンツ プレースホルダー 2">
+                <a:extLst>
+                  <a:ext uri="{FF2B5EF4-FFF2-40B4-BE49-F238E27FC236}">
+                    <a16:creationId xmlns:a16="http://schemas.microsoft.com/office/drawing/2014/main" id="{775550CC-164E-4BA6-B653-5521DEE38F7E}"/>
+                  </a:ext>
+                </a:extLst>
+              </p:cNvPr>
+              <p:cNvSpPr>
+                <a:spLocks noGrp="1"/>
+              </p:cNvSpPr>
+              <p:nvPr>
+                <p:ph idx="1"/>
+              </p:nvPr>
+            </p:nvSpPr>
+            <p:spPr>
+              <a:xfrm>
+                <a:off x="0" y="4042534"/>
+                <a:ext cx="6096000" cy="2781299"/>
+              </a:xfrm>
+            </p:spPr>
+            <p:txBody>
+              <a:bodyPr>
+                <a:normAutofit/>
+              </a:bodyPr>
+              <a:lstStyle/>
+              <a:p>
+                <a:pPr marL="0" indent="0">
+                  <a:buNone/>
+                </a:pPr>
+                <a14:m>
+                  <m:oMathPara xmlns:m="http://schemas.openxmlformats.org/officeDocument/2006/math">
+                    <m:oMathParaPr>
+                      <m:jc m:val="centerGroup"/>
+                    </m:oMathParaPr>
+                    <m:oMath xmlns:m="http://schemas.openxmlformats.org/officeDocument/2006/math">
+                      <m:sSub>
+                        <m:sSubPr>
+                          <m:ctrlPr>
+                            <a:rPr kumimoji="1" lang="en-US" altLang="ja-JP" sz="1800" i="1" smtClean="0">
+                              <a:latin typeface="Cambria Math" panose="02040503050406030204" pitchFamily="18" charset="0"/>
+                            </a:rPr>
+                          </m:ctrlPr>
+                        </m:sSubPr>
+                        <m:e>
+                          <m:r>
+                            <a:rPr kumimoji="1" lang="en-US" altLang="ja-JP" sz="1800" b="0" i="1" smtClean="0">
+                              <a:latin typeface="Cambria Math" panose="02040503050406030204" pitchFamily="18" charset="0"/>
+                            </a:rPr>
+                            <m:t>𝑘</m:t>
+                          </m:r>
+                        </m:e>
+                        <m:sub>
+                          <m:r>
+                            <a:rPr kumimoji="1" lang="en-US" altLang="ja-JP" sz="1800" b="0" i="1" smtClean="0">
+                              <a:latin typeface="Cambria Math" panose="02040503050406030204" pitchFamily="18" charset="0"/>
+                            </a:rPr>
+                            <m:t>𝑟</m:t>
+                          </m:r>
+                          <m:r>
+                            <a:rPr kumimoji="1" lang="en-US" altLang="ja-JP" sz="1800" b="0" i="1" smtClean="0">
+                              <a:latin typeface="Cambria Math" panose="02040503050406030204" pitchFamily="18" charset="0"/>
+                            </a:rPr>
+                            <m:t>1</m:t>
+                          </m:r>
+                        </m:sub>
+                      </m:sSub>
+                      <m:r>
+                        <a:rPr kumimoji="1" lang="en-US" altLang="ja-JP" sz="1800" b="0" i="1" smtClean="0">
+                          <a:latin typeface="Cambria Math" panose="02040503050406030204" pitchFamily="18" charset="0"/>
+                        </a:rPr>
+                        <m:t>=</m:t>
+                      </m:r>
+                      <m:sSub>
+                        <m:sSubPr>
+                          <m:ctrlPr>
+                            <a:rPr kumimoji="1" lang="en-US" altLang="ja-JP" sz="1800" b="0" i="1" smtClean="0">
+                              <a:latin typeface="Cambria Math" panose="02040503050406030204" pitchFamily="18" charset="0"/>
+                            </a:rPr>
+                          </m:ctrlPr>
+                        </m:sSubPr>
+                        <m:e>
+                          <m:r>
+                            <a:rPr kumimoji="1" lang="en-US" altLang="ja-JP" sz="1800" b="0" i="1" smtClean="0">
+                              <a:latin typeface="Cambria Math" panose="02040503050406030204" pitchFamily="18" charset="0"/>
+                            </a:rPr>
+                            <m:t>𝑣</m:t>
+                          </m:r>
+                        </m:e>
+                        <m:sub>
+                          <m:r>
+                            <a:rPr kumimoji="1" lang="en-US" altLang="ja-JP" sz="1800" b="0" i="1" smtClean="0">
+                              <a:latin typeface="Cambria Math" panose="02040503050406030204" pitchFamily="18" charset="0"/>
+                            </a:rPr>
+                            <m:t>𝑛</m:t>
+                          </m:r>
+                        </m:sub>
+                      </m:sSub>
+                    </m:oMath>
+                  </m:oMathPara>
+                </a14:m>
+                <a:endParaRPr kumimoji="1" lang="en-US" altLang="ja-JP" sz="1800" dirty="0"/>
+              </a:p>
+              <a:p>
+                <a:pPr marL="0" indent="0">
+                  <a:buNone/>
+                </a:pPr>
+                <a:endParaRPr lang="en-US" altLang="ja-JP" sz="1800" dirty="0"/>
+              </a:p>
+              <a:p>
+                <a:pPr marL="0" indent="0">
+                  <a:buNone/>
+                </a:pPr>
+                <a14:m>
+                  <m:oMathPara xmlns:m="http://schemas.openxmlformats.org/officeDocument/2006/math">
+                    <m:oMathParaPr>
+                      <m:jc m:val="centerGroup"/>
+                    </m:oMathParaPr>
+                    <m:oMath xmlns:m="http://schemas.openxmlformats.org/officeDocument/2006/math">
+                      <m:sSub>
+                        <m:sSubPr>
+                          <m:ctrlPr>
+                            <a:rPr kumimoji="1" lang="en-US" altLang="ja-JP" sz="1800" i="1" smtClean="0">
+                              <a:latin typeface="Cambria Math" panose="02040503050406030204" pitchFamily="18" charset="0"/>
+                            </a:rPr>
+                          </m:ctrlPr>
+                        </m:sSubPr>
+                        <m:e>
+                          <m:r>
+                            <a:rPr kumimoji="1" lang="en-US" altLang="ja-JP" sz="1800" b="0" i="1" smtClean="0">
+                              <a:latin typeface="Cambria Math" panose="02040503050406030204" pitchFamily="18" charset="0"/>
+                            </a:rPr>
+                            <m:t>𝑘</m:t>
+                          </m:r>
+                        </m:e>
+                        <m:sub>
+                          <m:r>
+                            <a:rPr kumimoji="1" lang="en-US" altLang="ja-JP" sz="1800" b="0" i="1" smtClean="0">
+                              <a:latin typeface="Cambria Math" panose="02040503050406030204" pitchFamily="18" charset="0"/>
+                            </a:rPr>
+                            <m:t>𝑣</m:t>
+                          </m:r>
+                          <m:r>
+                            <a:rPr kumimoji="1" lang="en-US" altLang="ja-JP" sz="1800" b="0" i="1" smtClean="0">
+                              <a:latin typeface="Cambria Math" panose="02040503050406030204" pitchFamily="18" charset="0"/>
+                            </a:rPr>
+                            <m:t>1</m:t>
+                          </m:r>
+                        </m:sub>
+                      </m:sSub>
+                      <m:r>
+                        <a:rPr kumimoji="1" lang="en-US" altLang="ja-JP" sz="1800" b="0" i="1" smtClean="0">
+                          <a:latin typeface="Cambria Math" panose="02040503050406030204" pitchFamily="18" charset="0"/>
+                        </a:rPr>
+                        <m:t>=</m:t>
+                      </m:r>
+                      <m:r>
+                        <a:rPr kumimoji="1" lang="en-US" altLang="ja-JP" sz="1800" b="0" i="1" smtClean="0">
+                          <a:latin typeface="Cambria Math" panose="02040503050406030204" pitchFamily="18" charset="0"/>
+                        </a:rPr>
+                        <m:t>𝑓</m:t>
+                      </m:r>
+                      <m:d>
+                        <m:dPr>
+                          <m:ctrlPr>
+                            <a:rPr kumimoji="1" lang="en-US" altLang="ja-JP" sz="1800" b="0" i="1" smtClean="0">
+                              <a:latin typeface="Cambria Math" panose="02040503050406030204" pitchFamily="18" charset="0"/>
+                            </a:rPr>
+                          </m:ctrlPr>
+                        </m:dPr>
+                        <m:e>
+                          <m:sSub>
+                            <m:sSubPr>
+                              <m:ctrlPr>
+                                <a:rPr kumimoji="1" lang="en-US" altLang="ja-JP" sz="1800" b="0" i="1" smtClean="0">
+                                  <a:latin typeface="Cambria Math" panose="02040503050406030204" pitchFamily="18" charset="0"/>
+                                </a:rPr>
+                              </m:ctrlPr>
+                            </m:sSubPr>
+                            <m:e>
+                              <m:r>
+                                <a:rPr kumimoji="1" lang="en-US" altLang="ja-JP" sz="1800" b="1" i="1" smtClean="0">
+                                  <a:latin typeface="Cambria Math" panose="02040503050406030204" pitchFamily="18" charset="0"/>
+                                </a:rPr>
+                                <m:t>𝒗</m:t>
+                              </m:r>
+                            </m:e>
+                            <m:sub>
+                              <m:r>
+                                <a:rPr kumimoji="1" lang="en-US" altLang="ja-JP" sz="1800" b="0" i="1" smtClean="0">
+                                  <a:latin typeface="Cambria Math" panose="02040503050406030204" pitchFamily="18" charset="0"/>
+                                </a:rPr>
+                                <m:t>𝑛</m:t>
+                              </m:r>
+                            </m:sub>
+                          </m:sSub>
+                          <m:r>
+                            <a:rPr kumimoji="1" lang="en-US" altLang="ja-JP" sz="1800" b="0" i="1" smtClean="0">
+                              <a:latin typeface="Cambria Math" panose="02040503050406030204" pitchFamily="18" charset="0"/>
+                            </a:rPr>
+                            <m:t>,</m:t>
+                          </m:r>
+                          <m:sSub>
+                            <m:sSubPr>
+                              <m:ctrlPr>
+                                <a:rPr kumimoji="1" lang="en-US" altLang="ja-JP" sz="1800" b="0" i="1" smtClean="0">
+                                  <a:latin typeface="Cambria Math" panose="02040503050406030204" pitchFamily="18" charset="0"/>
+                                </a:rPr>
+                              </m:ctrlPr>
+                            </m:sSubPr>
+                            <m:e>
+                              <m:r>
+                                <a:rPr kumimoji="1" lang="en-US" altLang="ja-JP" sz="1800" b="0" i="1" smtClean="0">
+                                  <a:latin typeface="Cambria Math" panose="02040503050406030204" pitchFamily="18" charset="0"/>
+                                </a:rPr>
+                                <m:t>𝑟</m:t>
+                              </m:r>
+                            </m:e>
+                            <m:sub>
+                              <m:r>
+                                <a:rPr kumimoji="1" lang="en-US" altLang="ja-JP" sz="1800" b="0" i="1" smtClean="0">
+                                  <a:latin typeface="Cambria Math" panose="02040503050406030204" pitchFamily="18" charset="0"/>
+                                </a:rPr>
+                                <m:t>𝑛</m:t>
+                              </m:r>
+                            </m:sub>
+                          </m:sSub>
+                          <m:r>
+                            <a:rPr kumimoji="1" lang="en-US" altLang="ja-JP" sz="1800" b="0" i="1" smtClean="0">
+                              <a:latin typeface="Cambria Math" panose="02040503050406030204" pitchFamily="18" charset="0"/>
+                            </a:rPr>
+                            <m:t>,</m:t>
+                          </m:r>
+                          <m:sSub>
+                            <m:sSubPr>
+                              <m:ctrlPr>
+                                <a:rPr kumimoji="1" lang="en-US" altLang="ja-JP" sz="1800" b="0" i="1" smtClean="0">
+                                  <a:latin typeface="Cambria Math" panose="02040503050406030204" pitchFamily="18" charset="0"/>
+                                </a:rPr>
+                              </m:ctrlPr>
+                            </m:sSubPr>
+                            <m:e>
+                              <m:r>
+                                <a:rPr kumimoji="1" lang="en-US" altLang="ja-JP" sz="1800" b="0" i="1" smtClean="0">
+                                  <a:latin typeface="Cambria Math" panose="02040503050406030204" pitchFamily="18" charset="0"/>
+                                </a:rPr>
+                                <m:t>𝑡</m:t>
+                              </m:r>
+                            </m:e>
+                            <m:sub>
+                              <m:r>
+                                <a:rPr kumimoji="1" lang="en-US" altLang="ja-JP" sz="1800" b="0" i="1" smtClean="0">
+                                  <a:latin typeface="Cambria Math" panose="02040503050406030204" pitchFamily="18" charset="0"/>
+                                </a:rPr>
+                                <m:t>𝑛</m:t>
+                              </m:r>
+                            </m:sub>
+                          </m:sSub>
+                        </m:e>
+                      </m:d>
+                    </m:oMath>
+                  </m:oMathPara>
+                </a14:m>
+                <a:endParaRPr kumimoji="1" lang="en-US" altLang="ja-JP" sz="1800" dirty="0"/>
+              </a:p>
+              <a:p>
+                <a:pPr marL="0" indent="0">
+                  <a:buNone/>
+                </a:pPr>
+                <a:endParaRPr kumimoji="1" lang="en-US" altLang="ja-JP" sz="1800" dirty="0"/>
+              </a:p>
+              <a:p>
+                <a:pPr marL="0" indent="0">
+                  <a:buNone/>
+                </a:pPr>
+                <a14:m>
+                  <m:oMathPara xmlns:m="http://schemas.openxmlformats.org/officeDocument/2006/math">
+                    <m:oMathParaPr>
+                      <m:jc m:val="centerGroup"/>
+                    </m:oMathParaPr>
+                    <m:oMath xmlns:m="http://schemas.openxmlformats.org/officeDocument/2006/math">
+                      <m:sSub>
+                        <m:sSubPr>
+                          <m:ctrlPr>
+                            <a:rPr kumimoji="1" lang="en-US" altLang="ja-JP" sz="1800" i="1" smtClean="0">
+                              <a:latin typeface="Cambria Math" panose="02040503050406030204" pitchFamily="18" charset="0"/>
+                            </a:rPr>
+                          </m:ctrlPr>
+                        </m:sSubPr>
+                        <m:e>
+                          <m:r>
+                            <a:rPr kumimoji="1" lang="en-US" altLang="ja-JP" sz="1800" b="0" i="1" smtClean="0">
+                              <a:latin typeface="Cambria Math" panose="02040503050406030204" pitchFamily="18" charset="0"/>
+                            </a:rPr>
+                            <m:t>𝑘</m:t>
+                          </m:r>
+                        </m:e>
+                        <m:sub>
+                          <m:r>
+                            <a:rPr kumimoji="1" lang="en-US" altLang="ja-JP" sz="1800" b="0" i="1" smtClean="0">
+                              <a:latin typeface="Cambria Math" panose="02040503050406030204" pitchFamily="18" charset="0"/>
+                            </a:rPr>
+                            <m:t>𝑟</m:t>
+                          </m:r>
+                          <m:r>
+                            <a:rPr kumimoji="1" lang="en-US" altLang="ja-JP" sz="1800" b="0" i="1" smtClean="0">
+                              <a:latin typeface="Cambria Math" panose="02040503050406030204" pitchFamily="18" charset="0"/>
+                            </a:rPr>
+                            <m:t>2</m:t>
+                          </m:r>
+                        </m:sub>
+                      </m:sSub>
+                      <m:r>
+                        <a:rPr kumimoji="1" lang="en-US" altLang="ja-JP" sz="1800" b="0" i="1" smtClean="0">
+                          <a:latin typeface="Cambria Math" panose="02040503050406030204" pitchFamily="18" charset="0"/>
+                        </a:rPr>
+                        <m:t>=</m:t>
+                      </m:r>
+                      <m:r>
+                        <a:rPr kumimoji="1" lang="en-US" altLang="ja-JP" sz="1800" b="0" i="1" smtClean="0">
+                          <a:latin typeface="Cambria Math" panose="02040503050406030204" pitchFamily="18" charset="0"/>
+                        </a:rPr>
+                        <m:t> </m:t>
+                      </m:r>
+                      <m:sSub>
+                        <m:sSubPr>
+                          <m:ctrlPr>
+                            <a:rPr kumimoji="1" lang="en-US" altLang="ja-JP" sz="1800" b="0" i="1" smtClean="0">
+                              <a:latin typeface="Cambria Math" panose="02040503050406030204" pitchFamily="18" charset="0"/>
+                            </a:rPr>
+                          </m:ctrlPr>
+                        </m:sSubPr>
+                        <m:e>
+                          <m:r>
+                            <a:rPr kumimoji="1" lang="en-US" altLang="ja-JP" sz="1800" b="0" i="1" smtClean="0">
+                              <a:latin typeface="Cambria Math" panose="02040503050406030204" pitchFamily="18" charset="0"/>
+                            </a:rPr>
+                            <m:t>𝑣</m:t>
+                          </m:r>
+                        </m:e>
+                        <m:sub>
+                          <m:r>
+                            <a:rPr kumimoji="1" lang="en-US" altLang="ja-JP" sz="1800" b="0" i="1" smtClean="0">
+                              <a:latin typeface="Cambria Math" panose="02040503050406030204" pitchFamily="18" charset="0"/>
+                            </a:rPr>
+                            <m:t>𝑛</m:t>
+                          </m:r>
+                        </m:sub>
+                      </m:sSub>
+                      <m:r>
+                        <a:rPr kumimoji="1" lang="en-US" altLang="ja-JP" sz="1800" b="0" i="1" smtClean="0">
+                          <a:latin typeface="Cambria Math" panose="02040503050406030204" pitchFamily="18" charset="0"/>
+                        </a:rPr>
+                        <m:t>+ </m:t>
+                      </m:r>
+                      <m:sSub>
+                        <m:sSubPr>
+                          <m:ctrlPr>
+                            <a:rPr lang="en-US" altLang="ja-JP" sz="1800" i="1">
+                              <a:latin typeface="Cambria Math" panose="02040503050406030204" pitchFamily="18" charset="0"/>
+                            </a:rPr>
+                          </m:ctrlPr>
+                        </m:sSubPr>
+                        <m:e>
+                          <m:r>
+                            <a:rPr lang="en-US" altLang="ja-JP" sz="1800" i="1">
+                              <a:latin typeface="Cambria Math" panose="02040503050406030204" pitchFamily="18" charset="0"/>
+                            </a:rPr>
+                            <m:t>𝑘</m:t>
+                          </m:r>
+                        </m:e>
+                        <m:sub>
+                          <m:r>
+                            <a:rPr lang="en-US" altLang="ja-JP" sz="1800" i="1">
+                              <a:latin typeface="Cambria Math" panose="02040503050406030204" pitchFamily="18" charset="0"/>
+                            </a:rPr>
+                            <m:t>𝑣</m:t>
+                          </m:r>
+                          <m:r>
+                            <a:rPr lang="en-US" altLang="ja-JP" sz="1800" i="1">
+                              <a:latin typeface="Cambria Math" panose="02040503050406030204" pitchFamily="18" charset="0"/>
+                            </a:rPr>
+                            <m:t>1</m:t>
+                          </m:r>
+                        </m:sub>
+                      </m:sSub>
+                      <m:f>
+                        <m:fPr>
+                          <m:ctrlPr>
+                            <a:rPr lang="en-US" altLang="ja-JP" sz="1800" i="1">
+                              <a:latin typeface="Cambria Math" panose="02040503050406030204" pitchFamily="18" charset="0"/>
+                            </a:rPr>
+                          </m:ctrlPr>
+                        </m:fPr>
+                        <m:num>
+                          <m:r>
+                            <a:rPr lang="en-US" altLang="ja-JP" sz="1800" i="1">
+                              <a:latin typeface="Cambria Math" panose="02040503050406030204" pitchFamily="18" charset="0"/>
+                              <a:ea typeface="Cambria Math" panose="02040503050406030204" pitchFamily="18" charset="0"/>
+                            </a:rPr>
+                            <m:t>∆</m:t>
+                          </m:r>
+                          <m:r>
+                            <a:rPr lang="en-US" altLang="ja-JP" sz="1800" i="1">
+                              <a:latin typeface="Cambria Math" panose="02040503050406030204" pitchFamily="18" charset="0"/>
+                              <a:ea typeface="Cambria Math" panose="02040503050406030204" pitchFamily="18" charset="0"/>
+                            </a:rPr>
+                            <m:t>𝑡</m:t>
+                          </m:r>
+                        </m:num>
+                        <m:den>
+                          <m:r>
+                            <a:rPr lang="en-US" altLang="ja-JP" sz="1800" i="1">
+                              <a:latin typeface="Cambria Math" panose="02040503050406030204" pitchFamily="18" charset="0"/>
+                            </a:rPr>
+                            <m:t>2</m:t>
+                          </m:r>
+                        </m:den>
+                      </m:f>
+                    </m:oMath>
+                  </m:oMathPara>
+                </a14:m>
+                <a:endParaRPr lang="en-US" altLang="ja-JP" sz="1800" dirty="0"/>
+              </a:p>
+              <a:p>
+                <a:pPr marL="0" indent="0">
+                  <a:buNone/>
+                </a:pPr>
+                <a:endParaRPr lang="en-US" altLang="ja-JP" sz="1800" dirty="0"/>
+              </a:p>
+              <a:p>
+                <a:pPr marL="0" indent="0">
+                  <a:buNone/>
+                </a:pPr>
+                <a14:m>
+                  <m:oMathPara xmlns:m="http://schemas.openxmlformats.org/officeDocument/2006/math">
+                    <m:oMathParaPr>
+                      <m:jc m:val="centerGroup"/>
+                    </m:oMathParaPr>
+                    <m:oMath xmlns:m="http://schemas.openxmlformats.org/officeDocument/2006/math">
+                      <m:sSub>
+                        <m:sSubPr>
+                          <m:ctrlPr>
+                            <a:rPr kumimoji="1" lang="en-US" altLang="ja-JP" sz="1800" i="1" smtClean="0">
+                              <a:latin typeface="Cambria Math" panose="02040503050406030204" pitchFamily="18" charset="0"/>
+                            </a:rPr>
+                          </m:ctrlPr>
+                        </m:sSubPr>
+                        <m:e>
+                          <m:r>
+                            <a:rPr kumimoji="1" lang="en-US" altLang="ja-JP" sz="1800" b="0" i="1" smtClean="0">
+                              <a:latin typeface="Cambria Math" panose="02040503050406030204" pitchFamily="18" charset="0"/>
+                            </a:rPr>
+                            <m:t>𝑘</m:t>
+                          </m:r>
+                        </m:e>
+                        <m:sub>
+                          <m:r>
+                            <a:rPr kumimoji="1" lang="en-US" altLang="ja-JP" sz="1800" b="0" i="1" smtClean="0">
+                              <a:latin typeface="Cambria Math" panose="02040503050406030204" pitchFamily="18" charset="0"/>
+                            </a:rPr>
+                            <m:t>𝑣</m:t>
+                          </m:r>
+                          <m:r>
+                            <a:rPr kumimoji="1" lang="en-US" altLang="ja-JP" sz="1800" b="0" i="1" smtClean="0">
+                              <a:latin typeface="Cambria Math" panose="02040503050406030204" pitchFamily="18" charset="0"/>
+                            </a:rPr>
+                            <m:t>2</m:t>
+                          </m:r>
+                        </m:sub>
+                      </m:sSub>
+                      <m:r>
+                        <a:rPr kumimoji="1" lang="en-US" altLang="ja-JP" sz="1800" b="0" i="1" smtClean="0">
+                          <a:latin typeface="Cambria Math" panose="02040503050406030204" pitchFamily="18" charset="0"/>
+                        </a:rPr>
+                        <m:t>=</m:t>
+                      </m:r>
+                      <m:r>
+                        <a:rPr lang="en-US" altLang="ja-JP" sz="1800" i="1">
+                          <a:latin typeface="Cambria Math" panose="02040503050406030204" pitchFamily="18" charset="0"/>
+                        </a:rPr>
+                        <m:t>𝑓</m:t>
+                      </m:r>
+                      <m:d>
+                        <m:dPr>
+                          <m:ctrlPr>
+                            <a:rPr lang="en-US" altLang="ja-JP" sz="1800" i="1">
+                              <a:latin typeface="Cambria Math" panose="02040503050406030204" pitchFamily="18" charset="0"/>
+                            </a:rPr>
+                          </m:ctrlPr>
+                        </m:dPr>
+                        <m:e>
+                          <m:sSub>
+                            <m:sSubPr>
+                              <m:ctrlPr>
+                                <a:rPr lang="en-US" altLang="ja-JP" sz="1800" i="1">
+                                  <a:latin typeface="Cambria Math" panose="02040503050406030204" pitchFamily="18" charset="0"/>
+                                </a:rPr>
+                              </m:ctrlPr>
+                            </m:sSubPr>
+                            <m:e>
+                              <m:r>
+                                <a:rPr lang="en-US" altLang="ja-JP" sz="1800" b="1" i="1" smtClean="0">
+                                  <a:latin typeface="Cambria Math" panose="02040503050406030204" pitchFamily="18" charset="0"/>
+                                </a:rPr>
+                                <m:t>𝒗</m:t>
+                              </m:r>
+                            </m:e>
+                            <m:sub>
+                              <m:r>
+                                <a:rPr lang="en-US" altLang="ja-JP" sz="1800" b="0" i="1" smtClean="0">
+                                  <a:latin typeface="Cambria Math" panose="02040503050406030204" pitchFamily="18" charset="0"/>
+                                </a:rPr>
+                                <m:t>𝑛</m:t>
+                              </m:r>
+                            </m:sub>
+                          </m:sSub>
+                          <m:r>
+                            <a:rPr lang="en-US" altLang="ja-JP" sz="1800" b="0" i="1" smtClean="0">
+                              <a:latin typeface="Cambria Math" panose="02040503050406030204" pitchFamily="18" charset="0"/>
+                            </a:rPr>
+                            <m:t>+</m:t>
+                          </m:r>
+                          <m:sSub>
+                            <m:sSubPr>
+                              <m:ctrlPr>
+                                <a:rPr lang="en-US" altLang="ja-JP" sz="1800" b="0" i="1" smtClean="0">
+                                  <a:latin typeface="Cambria Math" panose="02040503050406030204" pitchFamily="18" charset="0"/>
+                                </a:rPr>
+                              </m:ctrlPr>
+                            </m:sSubPr>
+                            <m:e>
+                              <m:r>
+                                <a:rPr lang="en-US" altLang="ja-JP" sz="1800" b="0" i="1" smtClean="0">
+                                  <a:latin typeface="Cambria Math" panose="02040503050406030204" pitchFamily="18" charset="0"/>
+                                </a:rPr>
+                                <m:t>𝑘</m:t>
+                              </m:r>
+                            </m:e>
+                            <m:sub>
+                              <m:r>
+                                <a:rPr lang="en-US" altLang="ja-JP" sz="1800" b="0" i="1" smtClean="0">
+                                  <a:latin typeface="Cambria Math" panose="02040503050406030204" pitchFamily="18" charset="0"/>
+                                </a:rPr>
+                                <m:t>𝑣</m:t>
+                              </m:r>
+                              <m:r>
+                                <a:rPr lang="en-US" altLang="ja-JP" sz="1800" b="0" i="1" smtClean="0">
+                                  <a:latin typeface="Cambria Math" panose="02040503050406030204" pitchFamily="18" charset="0"/>
+                                </a:rPr>
+                                <m:t>1</m:t>
+                              </m:r>
+                            </m:sub>
+                          </m:sSub>
+                          <m:f>
+                            <m:fPr>
+                              <m:ctrlPr>
+                                <a:rPr lang="en-US" altLang="ja-JP" sz="1800" b="0" i="1" smtClean="0">
+                                  <a:latin typeface="Cambria Math" panose="02040503050406030204" pitchFamily="18" charset="0"/>
+                                </a:rPr>
+                              </m:ctrlPr>
+                            </m:fPr>
+                            <m:num>
+                              <m:r>
+                                <a:rPr lang="en-US" altLang="ja-JP" sz="1800" i="1">
+                                  <a:latin typeface="Cambria Math" panose="02040503050406030204" pitchFamily="18" charset="0"/>
+                                  <a:ea typeface="Cambria Math" panose="02040503050406030204" pitchFamily="18" charset="0"/>
+                                </a:rPr>
+                                <m:t>∆</m:t>
+                              </m:r>
+                              <m:r>
+                                <a:rPr lang="en-US" altLang="ja-JP" sz="1800" b="0" i="1" smtClean="0">
+                                  <a:latin typeface="Cambria Math" panose="02040503050406030204" pitchFamily="18" charset="0"/>
+                                  <a:ea typeface="Cambria Math" panose="02040503050406030204" pitchFamily="18" charset="0"/>
+                                </a:rPr>
+                                <m:t>𝑡</m:t>
+                              </m:r>
+                            </m:num>
+                            <m:den>
+                              <m:r>
+                                <a:rPr lang="en-US" altLang="ja-JP" sz="1800" b="0" i="1" smtClean="0">
+                                  <a:latin typeface="Cambria Math" panose="02040503050406030204" pitchFamily="18" charset="0"/>
+                                </a:rPr>
+                                <m:t>2</m:t>
+                              </m:r>
+                            </m:den>
+                          </m:f>
+                          <m:r>
+                            <a:rPr lang="en-US" altLang="ja-JP" sz="1800" i="1">
+                              <a:latin typeface="Cambria Math" panose="02040503050406030204" pitchFamily="18" charset="0"/>
+                            </a:rPr>
+                            <m:t>,</m:t>
+                          </m:r>
+                          <m:sSub>
+                            <m:sSubPr>
+                              <m:ctrlPr>
+                                <a:rPr lang="en-US" altLang="ja-JP" sz="1800" i="1">
+                                  <a:latin typeface="Cambria Math" panose="02040503050406030204" pitchFamily="18" charset="0"/>
+                                </a:rPr>
+                              </m:ctrlPr>
+                            </m:sSubPr>
+                            <m:e>
+                              <m:r>
+                                <a:rPr lang="en-US" altLang="ja-JP" sz="1800" b="1" i="1" smtClean="0">
+                                  <a:latin typeface="Cambria Math" panose="02040503050406030204" pitchFamily="18" charset="0"/>
+                                </a:rPr>
+                                <m:t>𝒓</m:t>
+                              </m:r>
+                            </m:e>
+                            <m:sub>
+                              <m:r>
+                                <a:rPr lang="en-US" altLang="ja-JP" sz="1800" i="1">
+                                  <a:latin typeface="Cambria Math" panose="02040503050406030204" pitchFamily="18" charset="0"/>
+                                </a:rPr>
+                                <m:t>𝑛</m:t>
+                              </m:r>
+                            </m:sub>
+                          </m:sSub>
+                          <m:r>
+                            <a:rPr lang="en-US" altLang="ja-JP" sz="1800" i="1">
+                              <a:latin typeface="Cambria Math" panose="02040503050406030204" pitchFamily="18" charset="0"/>
+                            </a:rPr>
+                            <m:t>+</m:t>
+                          </m:r>
+                          <m:sSub>
+                            <m:sSubPr>
+                              <m:ctrlPr>
+                                <a:rPr lang="en-US" altLang="ja-JP" sz="1800" i="1">
+                                  <a:latin typeface="Cambria Math" panose="02040503050406030204" pitchFamily="18" charset="0"/>
+                                </a:rPr>
+                              </m:ctrlPr>
+                            </m:sSubPr>
+                            <m:e>
+                              <m:r>
+                                <a:rPr lang="en-US" altLang="ja-JP" sz="1800" i="1">
+                                  <a:latin typeface="Cambria Math" panose="02040503050406030204" pitchFamily="18" charset="0"/>
+                                </a:rPr>
+                                <m:t>𝑘</m:t>
+                              </m:r>
+                            </m:e>
+                            <m:sub>
+                              <m:r>
+                                <a:rPr lang="en-US" altLang="ja-JP" sz="1800" b="0" i="1" smtClean="0">
+                                  <a:latin typeface="Cambria Math" panose="02040503050406030204" pitchFamily="18" charset="0"/>
+                                </a:rPr>
+                                <m:t>𝑟</m:t>
+                              </m:r>
+                              <m:r>
+                                <a:rPr lang="en-US" altLang="ja-JP" sz="1800" i="1">
+                                  <a:latin typeface="Cambria Math" panose="02040503050406030204" pitchFamily="18" charset="0"/>
+                                </a:rPr>
+                                <m:t>1</m:t>
+                              </m:r>
+                            </m:sub>
+                          </m:sSub>
+                          <m:f>
+                            <m:fPr>
+                              <m:ctrlPr>
+                                <a:rPr lang="en-US" altLang="ja-JP" sz="1800" i="1">
+                                  <a:latin typeface="Cambria Math" panose="02040503050406030204" pitchFamily="18" charset="0"/>
+                                </a:rPr>
+                              </m:ctrlPr>
+                            </m:fPr>
+                            <m:num>
+                              <m:r>
+                                <a:rPr lang="en-US" altLang="ja-JP" sz="1800" i="1">
+                                  <a:latin typeface="Cambria Math" panose="02040503050406030204" pitchFamily="18" charset="0"/>
+                                  <a:ea typeface="Cambria Math" panose="02040503050406030204" pitchFamily="18" charset="0"/>
+                                </a:rPr>
+                                <m:t>∆</m:t>
+                              </m:r>
+                              <m:r>
+                                <a:rPr lang="en-US" altLang="ja-JP" sz="1800" i="1">
+                                  <a:latin typeface="Cambria Math" panose="02040503050406030204" pitchFamily="18" charset="0"/>
+                                  <a:ea typeface="Cambria Math" panose="02040503050406030204" pitchFamily="18" charset="0"/>
+                                </a:rPr>
+                                <m:t>𝑡</m:t>
+                              </m:r>
+                            </m:num>
+                            <m:den>
+                              <m:r>
+                                <a:rPr lang="en-US" altLang="ja-JP" sz="1800" i="1">
+                                  <a:latin typeface="Cambria Math" panose="02040503050406030204" pitchFamily="18" charset="0"/>
+                                </a:rPr>
+                                <m:t>2</m:t>
+                              </m:r>
+                            </m:den>
+                          </m:f>
+                          <m:r>
+                            <a:rPr lang="en-US" altLang="ja-JP" sz="1800" b="0" i="1" smtClean="0">
+                              <a:latin typeface="Cambria Math" panose="02040503050406030204" pitchFamily="18" charset="0"/>
+                            </a:rPr>
+                            <m:t>,</m:t>
+                          </m:r>
+                          <m:sSub>
+                            <m:sSubPr>
+                              <m:ctrlPr>
+                                <a:rPr lang="en-US" altLang="ja-JP" sz="1800" i="1">
+                                  <a:latin typeface="Cambria Math" panose="02040503050406030204" pitchFamily="18" charset="0"/>
+                                </a:rPr>
+                              </m:ctrlPr>
+                            </m:sSubPr>
+                            <m:e>
+                              <m:r>
+                                <a:rPr lang="en-US" altLang="ja-JP" sz="1800" b="0" i="1" smtClean="0">
+                                  <a:latin typeface="Cambria Math" panose="02040503050406030204" pitchFamily="18" charset="0"/>
+                                </a:rPr>
+                                <m:t>𝑡</m:t>
+                              </m:r>
+                            </m:e>
+                            <m:sub>
+                              <m:r>
+                                <a:rPr lang="en-US" altLang="ja-JP" sz="1800" i="1">
+                                  <a:latin typeface="Cambria Math" panose="02040503050406030204" pitchFamily="18" charset="0"/>
+                                </a:rPr>
+                                <m:t>𝑛</m:t>
+                              </m:r>
+                            </m:sub>
+                          </m:sSub>
+                          <m:r>
+                            <a:rPr lang="en-US" altLang="ja-JP" sz="1800" i="1">
+                              <a:latin typeface="Cambria Math" panose="02040503050406030204" pitchFamily="18" charset="0"/>
+                            </a:rPr>
+                            <m:t>+</m:t>
+                          </m:r>
+                          <m:f>
+                            <m:fPr>
+                              <m:ctrlPr>
+                                <a:rPr lang="en-US" altLang="ja-JP" sz="1800" i="1">
+                                  <a:latin typeface="Cambria Math" panose="02040503050406030204" pitchFamily="18" charset="0"/>
+                                </a:rPr>
+                              </m:ctrlPr>
+                            </m:fPr>
+                            <m:num>
+                              <m:r>
+                                <a:rPr lang="en-US" altLang="ja-JP" sz="1800" i="1">
+                                  <a:latin typeface="Cambria Math" panose="02040503050406030204" pitchFamily="18" charset="0"/>
+                                  <a:ea typeface="Cambria Math" panose="02040503050406030204" pitchFamily="18" charset="0"/>
+                                </a:rPr>
+                                <m:t>∆</m:t>
+                              </m:r>
+                              <m:r>
+                                <a:rPr lang="en-US" altLang="ja-JP" sz="1800" b="0" i="1" smtClean="0">
+                                  <a:latin typeface="Cambria Math" panose="02040503050406030204" pitchFamily="18" charset="0"/>
+                                  <a:ea typeface="Cambria Math" panose="02040503050406030204" pitchFamily="18" charset="0"/>
+                                </a:rPr>
+                                <m:t>𝑡</m:t>
+                              </m:r>
+                            </m:num>
+                            <m:den>
+                              <m:r>
+                                <a:rPr lang="en-US" altLang="ja-JP" sz="1800" i="1">
+                                  <a:latin typeface="Cambria Math" panose="02040503050406030204" pitchFamily="18" charset="0"/>
+                                </a:rPr>
+                                <m:t>2</m:t>
+                              </m:r>
+                            </m:den>
+                          </m:f>
+                        </m:e>
+                      </m:d>
+                    </m:oMath>
+                  </m:oMathPara>
+                </a14:m>
+                <a:endParaRPr lang="en-US" altLang="ja-JP" sz="1800" dirty="0"/>
+              </a:p>
+            </p:txBody>
+          </p:sp>
+        </mc:Choice>
+        <mc:Fallback>
+          <p:sp>
+            <p:nvSpPr>
+              <p:cNvPr id="4" name="コンテンツ プレースホルダー 2">
+                <a:extLst>
+                  <a:ext uri="{FF2B5EF4-FFF2-40B4-BE49-F238E27FC236}">
+                    <a16:creationId xmlns:a16="http://schemas.microsoft.com/office/drawing/2014/main" id="{775550CC-164E-4BA6-B653-5521DEE38F7E}"/>
+                  </a:ext>
+                </a:extLst>
+              </p:cNvPr>
+              <p:cNvSpPr>
+                <a:spLocks noGrp="1" noRot="1" noChangeAspect="1" noMove="1" noResize="1" noEditPoints="1" noAdjustHandles="1" noChangeArrowheads="1" noChangeShapeType="1" noTextEdit="1"/>
+              </p:cNvSpPr>
+              <p:nvPr>
+                <p:ph idx="1"/>
+              </p:nvPr>
+            </p:nvSpPr>
+            <p:spPr>
+              <a:xfrm>
+                <a:off x="0" y="4042534"/>
+                <a:ext cx="6096000" cy="2781299"/>
+              </a:xfrm>
+              <a:blipFill>
+                <a:blip r:embed="rId2"/>
+                <a:stretch>
+                  <a:fillRect/>
+                </a:stretch>
+              </a:blipFill>
+            </p:spPr>
+            <p:txBody>
+              <a:bodyPr/>
+              <a:lstStyle/>
+              <a:p>
+                <a:r>
+                  <a:rPr lang="ja-JP" altLang="en-US">
+                    <a:noFill/>
+                  </a:rPr>
+                  <a:t> </a:t>
+                </a:r>
+              </a:p>
+            </p:txBody>
+          </p:sp>
+        </mc:Fallback>
+      </mc:AlternateContent>
+      <mc:AlternateContent xmlns:mc="http://schemas.openxmlformats.org/markup-compatibility/2006">
+        <mc:Choice xmlns:a14="http://schemas.microsoft.com/office/drawing/2010/main" Requires="a14">
+          <p:sp>
+            <p:nvSpPr>
+              <p:cNvPr id="6" name="テキスト ボックス 5">
+                <a:extLst>
+                  <a:ext uri="{FF2B5EF4-FFF2-40B4-BE49-F238E27FC236}">
+                    <a16:creationId xmlns:a16="http://schemas.microsoft.com/office/drawing/2014/main" id="{5E9A606C-4A20-4C66-9639-02EAB573501F}"/>
+                  </a:ext>
+                </a:extLst>
+              </p:cNvPr>
+              <p:cNvSpPr txBox="1"/>
+              <p:nvPr/>
+            </p:nvSpPr>
+            <p:spPr>
+              <a:xfrm>
+                <a:off x="2306424" y="159892"/>
+                <a:ext cx="3789576" cy="1172244"/>
+              </a:xfrm>
+              <a:prstGeom prst="rect">
+                <a:avLst/>
+              </a:prstGeom>
+              <a:noFill/>
+            </p:spPr>
+            <p:txBody>
+              <a:bodyPr wrap="square" rtlCol="0">
+                <a:spAutoFit/>
+              </a:bodyPr>
+              <a:lstStyle/>
+              <a:p>
+                <a:pPr/>
+                <a14:m>
+                  <m:oMathPara xmlns:m="http://schemas.openxmlformats.org/officeDocument/2006/math">
+                    <m:oMathParaPr>
+                      <m:jc m:val="centerGroup"/>
+                    </m:oMathParaPr>
+                    <m:oMath xmlns:m="http://schemas.openxmlformats.org/officeDocument/2006/math">
+                      <m:f>
+                        <m:fPr>
+                          <m:ctrlPr>
+                            <a:rPr kumimoji="1" lang="en-US" altLang="ja-JP" i="1" smtClean="0">
+                              <a:latin typeface="Cambria Math" panose="02040503050406030204" pitchFamily="18" charset="0"/>
+                            </a:rPr>
+                          </m:ctrlPr>
+                        </m:fPr>
+                        <m:num>
+                          <m:r>
+                            <a:rPr kumimoji="1" lang="en-US" altLang="ja-JP" i="1" smtClean="0">
+                              <a:latin typeface="Cambria Math" panose="02040503050406030204" pitchFamily="18" charset="0"/>
+                            </a:rPr>
+                            <m:t>𝑑</m:t>
+                          </m:r>
+                          <m:r>
+                            <a:rPr kumimoji="1" lang="en-US" altLang="ja-JP" b="0" i="1" smtClean="0">
+                              <a:latin typeface="Cambria Math" panose="02040503050406030204" pitchFamily="18" charset="0"/>
+                            </a:rPr>
+                            <m:t>𝑣</m:t>
+                          </m:r>
+                        </m:num>
+                        <m:den>
+                          <m:r>
+                            <a:rPr kumimoji="1" lang="en-US" altLang="ja-JP" i="1" smtClean="0">
+                              <a:latin typeface="Cambria Math" panose="02040503050406030204" pitchFamily="18" charset="0"/>
+                            </a:rPr>
+                            <m:t>𝑑</m:t>
+                          </m:r>
+                          <m:r>
+                            <a:rPr kumimoji="1" lang="en-US" altLang="ja-JP" b="0" i="1" smtClean="0">
+                              <a:latin typeface="Cambria Math" panose="02040503050406030204" pitchFamily="18" charset="0"/>
+                            </a:rPr>
+                            <m:t>𝑡</m:t>
+                          </m:r>
+                        </m:den>
+                      </m:f>
+                      <m:r>
+                        <a:rPr kumimoji="1" lang="en-US" altLang="ja-JP" b="0" i="1" smtClean="0">
+                          <a:latin typeface="Cambria Math" panose="02040503050406030204" pitchFamily="18" charset="0"/>
+                        </a:rPr>
+                        <m:t>=</m:t>
+                      </m:r>
+                      <m:r>
+                        <a:rPr kumimoji="1" lang="en-US" altLang="ja-JP" b="0" i="1" smtClean="0">
+                          <a:latin typeface="Cambria Math" panose="02040503050406030204" pitchFamily="18" charset="0"/>
+                        </a:rPr>
+                        <m:t>𝑓</m:t>
+                      </m:r>
+                      <m:d>
+                        <m:dPr>
+                          <m:ctrlPr>
+                            <a:rPr kumimoji="1" lang="en-US" altLang="ja-JP" b="0" i="1" smtClean="0">
+                              <a:latin typeface="Cambria Math" panose="02040503050406030204" pitchFamily="18" charset="0"/>
+                            </a:rPr>
+                          </m:ctrlPr>
+                        </m:dPr>
+                        <m:e>
+                          <m:r>
+                            <a:rPr kumimoji="1" lang="en-US" altLang="ja-JP" b="0" i="1" smtClean="0">
+                              <a:latin typeface="Cambria Math" panose="02040503050406030204" pitchFamily="18" charset="0"/>
+                            </a:rPr>
+                            <m:t>𝑣</m:t>
+                          </m:r>
+                          <m:r>
+                            <a:rPr kumimoji="1" lang="en-US" altLang="ja-JP" b="0" i="1" smtClean="0">
+                              <a:latin typeface="Cambria Math" panose="02040503050406030204" pitchFamily="18" charset="0"/>
+                            </a:rPr>
+                            <m:t>,</m:t>
+                          </m:r>
+                          <m:r>
+                            <a:rPr kumimoji="1" lang="en-US" altLang="ja-JP" b="0" i="1" smtClean="0">
+                              <a:latin typeface="Cambria Math" panose="02040503050406030204" pitchFamily="18" charset="0"/>
+                            </a:rPr>
+                            <m:t>𝑟</m:t>
+                          </m:r>
+                          <m:r>
+                            <a:rPr kumimoji="1" lang="en-US" altLang="ja-JP" b="0" i="1" smtClean="0">
+                              <a:latin typeface="Cambria Math" panose="02040503050406030204" pitchFamily="18" charset="0"/>
+                            </a:rPr>
+                            <m:t>,</m:t>
+                          </m:r>
+                          <m:r>
+                            <a:rPr kumimoji="1" lang="en-US" altLang="ja-JP" b="0" i="1" smtClean="0">
+                              <a:latin typeface="Cambria Math" panose="02040503050406030204" pitchFamily="18" charset="0"/>
+                            </a:rPr>
+                            <m:t>𝑡</m:t>
+                          </m:r>
+                        </m:e>
+                      </m:d>
+                    </m:oMath>
+                  </m:oMathPara>
+                </a14:m>
+                <a:endParaRPr kumimoji="1" lang="en-US" altLang="ja-JP" b="0" dirty="0"/>
+              </a:p>
+              <a:p>
+                <a:endParaRPr kumimoji="1" lang="en-US" altLang="ja-JP" dirty="0"/>
+              </a:p>
+              <a:p>
+                <a:endParaRPr kumimoji="1" lang="ja-JP" altLang="en-US" dirty="0"/>
+              </a:p>
+            </p:txBody>
+          </p:sp>
+        </mc:Choice>
+        <mc:Fallback>
+          <p:sp>
+            <p:nvSpPr>
+              <p:cNvPr id="6" name="テキスト ボックス 5">
+                <a:extLst>
+                  <a:ext uri="{FF2B5EF4-FFF2-40B4-BE49-F238E27FC236}">
+                    <a16:creationId xmlns:a16="http://schemas.microsoft.com/office/drawing/2014/main" id="{5E9A606C-4A20-4C66-9639-02EAB573501F}"/>
+                  </a:ext>
+                </a:extLst>
+              </p:cNvPr>
+              <p:cNvSpPr txBox="1">
+                <a:spLocks noRot="1" noChangeAspect="1" noMove="1" noResize="1" noEditPoints="1" noAdjustHandles="1" noChangeArrowheads="1" noChangeShapeType="1" noTextEdit="1"/>
+              </p:cNvSpPr>
+              <p:nvPr/>
+            </p:nvSpPr>
+            <p:spPr>
+              <a:xfrm>
+                <a:off x="2306424" y="159892"/>
+                <a:ext cx="3789576" cy="1172244"/>
+              </a:xfrm>
+              <a:prstGeom prst="rect">
+                <a:avLst/>
+              </a:prstGeom>
+              <a:blipFill>
+                <a:blip r:embed="rId3"/>
+                <a:stretch>
+                  <a:fillRect/>
+                </a:stretch>
+              </a:blipFill>
+            </p:spPr>
+            <p:txBody>
+              <a:bodyPr/>
+              <a:lstStyle/>
+              <a:p>
+                <a:r>
+                  <a:rPr lang="ja-JP" altLang="en-US">
+                    <a:noFill/>
+                  </a:rPr>
+                  <a:t> </a:t>
+                </a:r>
+              </a:p>
+            </p:txBody>
+          </p:sp>
+        </mc:Fallback>
+      </mc:AlternateContent>
+      <p:pic>
+        <p:nvPicPr>
+          <p:cNvPr id="8" name="図 7">
             <a:extLst>
               <a:ext uri="{FF2B5EF4-FFF2-40B4-BE49-F238E27FC236}">
-                <a16:creationId xmlns:a16="http://schemas.microsoft.com/office/drawing/2014/main" id="{4FE4ACD1-2AFD-4C09-B598-208C27BEFF8B}"/>
+                <a16:creationId xmlns:a16="http://schemas.microsoft.com/office/drawing/2014/main" id="{D4CD659B-7464-4AE7-A37A-FE60E1C14A54}"/>
               </a:ext>
             </a:extLst>
           </p:cNvPr>
-          <p:cNvSpPr>
-            <a:spLocks noGrp="1"/>
-          </p:cNvSpPr>
-          <p:nvPr>
-            <p:ph type="title"/>
-          </p:nvPr>
-        </p:nvSpPr>
-        <p:spPr/>
-        <p:txBody>
-          <a:bodyPr/>
-          <a:lstStyle/>
-          <a:p>
-            <a:r>
-              <a:rPr lang="en-US" altLang="ja-JP" dirty="0"/>
-              <a:t>output</a:t>
-            </a:r>
-            <a:endParaRPr kumimoji="1" lang="ja-JP" altLang="en-US" dirty="0"/>
-          </a:p>
-        </p:txBody>
-      </p:sp>
-      <p:sp>
-        <p:nvSpPr>
-          <p:cNvPr id="3" name="コンテンツ プレースホルダー 2">
-            <a:extLst>
-              <a:ext uri="{FF2B5EF4-FFF2-40B4-BE49-F238E27FC236}">
-                <a16:creationId xmlns:a16="http://schemas.microsoft.com/office/drawing/2014/main" id="{EC449DC5-F0FE-46DB-984E-DF48D2C2E292}"/>
-              </a:ext>
-            </a:extLst>
-          </p:cNvPr>
-          <p:cNvSpPr>
-            <a:spLocks noGrp="1"/>
-          </p:cNvSpPr>
-          <p:nvPr>
-            <p:ph idx="1"/>
-          </p:nvPr>
-        </p:nvSpPr>
-        <p:spPr/>
-        <p:txBody>
-          <a:bodyPr/>
-          <a:lstStyle/>
-          <a:p>
-            <a:endParaRPr kumimoji="1" lang="ja-JP" altLang="en-US" dirty="0"/>
-          </a:p>
-        </p:txBody>
-      </p:sp>
+          <p:cNvPicPr>
+            <a:picLocks noChangeAspect="1"/>
+          </p:cNvPicPr>
+          <p:nvPr/>
+        </p:nvPicPr>
+        <p:blipFill>
+          <a:blip r:embed="rId4"/>
+          <a:stretch>
+            <a:fillRect/>
+          </a:stretch>
+        </p:blipFill>
+        <p:spPr>
+          <a:xfrm rot="5400000">
+            <a:off x="4937659" y="777132"/>
+            <a:ext cx="883997" cy="1432684"/>
+          </a:xfrm>
+          <a:prstGeom prst="rect">
+            <a:avLst/>
+          </a:prstGeom>
+        </p:spPr>
+      </p:pic>
+      <mc:AlternateContent xmlns:mc="http://schemas.openxmlformats.org/markup-compatibility/2006">
+        <mc:Choice xmlns:a14="http://schemas.microsoft.com/office/drawing/2010/main" Requires="a14">
+          <p:sp>
+            <p:nvSpPr>
+              <p:cNvPr id="10" name="テキスト ボックス 9">
+                <a:extLst>
+                  <a:ext uri="{FF2B5EF4-FFF2-40B4-BE49-F238E27FC236}">
+                    <a16:creationId xmlns:a16="http://schemas.microsoft.com/office/drawing/2014/main" id="{AFBB71BD-AAE5-41F9-BCBF-1FB3222D7237}"/>
+                  </a:ext>
+                </a:extLst>
+              </p:cNvPr>
+              <p:cNvSpPr txBox="1"/>
+              <p:nvPr/>
+            </p:nvSpPr>
+            <p:spPr>
+              <a:xfrm>
+                <a:off x="4977624" y="163825"/>
+                <a:ext cx="3789576" cy="1172244"/>
+              </a:xfrm>
+              <a:prstGeom prst="rect">
+                <a:avLst/>
+              </a:prstGeom>
+              <a:noFill/>
+            </p:spPr>
+            <p:txBody>
+              <a:bodyPr wrap="square" rtlCol="0">
+                <a:spAutoFit/>
+              </a:bodyPr>
+              <a:lstStyle/>
+              <a:p>
+                <a:pPr/>
+                <a14:m>
+                  <m:oMathPara xmlns:m="http://schemas.openxmlformats.org/officeDocument/2006/math">
+                    <m:oMathParaPr>
+                      <m:jc m:val="centerGroup"/>
+                    </m:oMathParaPr>
+                    <m:oMath xmlns:m="http://schemas.openxmlformats.org/officeDocument/2006/math">
+                      <m:f>
+                        <m:fPr>
+                          <m:ctrlPr>
+                            <a:rPr kumimoji="1" lang="en-US" altLang="ja-JP" i="1" smtClean="0">
+                              <a:latin typeface="Cambria Math" panose="02040503050406030204" pitchFamily="18" charset="0"/>
+                            </a:rPr>
+                          </m:ctrlPr>
+                        </m:fPr>
+                        <m:num>
+                          <m:r>
+                            <a:rPr kumimoji="1" lang="en-US" altLang="ja-JP" i="1" smtClean="0">
+                              <a:latin typeface="Cambria Math" panose="02040503050406030204" pitchFamily="18" charset="0"/>
+                            </a:rPr>
+                            <m:t>𝑑</m:t>
+                          </m:r>
+                          <m:r>
+                            <a:rPr kumimoji="1" lang="en-US" altLang="ja-JP" b="0" i="1" smtClean="0">
+                              <a:latin typeface="Cambria Math" panose="02040503050406030204" pitchFamily="18" charset="0"/>
+                            </a:rPr>
+                            <m:t>𝑟</m:t>
+                          </m:r>
+                        </m:num>
+                        <m:den>
+                          <m:r>
+                            <a:rPr kumimoji="1" lang="en-US" altLang="ja-JP" i="1" smtClean="0">
+                              <a:latin typeface="Cambria Math" panose="02040503050406030204" pitchFamily="18" charset="0"/>
+                            </a:rPr>
+                            <m:t>𝑑</m:t>
+                          </m:r>
+                          <m:r>
+                            <a:rPr kumimoji="1" lang="en-US" altLang="ja-JP" b="0" i="1" smtClean="0">
+                              <a:latin typeface="Cambria Math" panose="02040503050406030204" pitchFamily="18" charset="0"/>
+                            </a:rPr>
+                            <m:t>𝑡</m:t>
+                          </m:r>
+                        </m:den>
+                      </m:f>
+                      <m:r>
+                        <a:rPr kumimoji="1" lang="en-US" altLang="ja-JP" b="0" i="1" smtClean="0">
+                          <a:latin typeface="Cambria Math" panose="02040503050406030204" pitchFamily="18" charset="0"/>
+                        </a:rPr>
+                        <m:t>=</m:t>
+                      </m:r>
+                      <m:r>
+                        <a:rPr kumimoji="1" lang="en-US" altLang="ja-JP" b="0" i="1" smtClean="0">
+                          <a:latin typeface="Cambria Math" panose="02040503050406030204" pitchFamily="18" charset="0"/>
+                        </a:rPr>
+                        <m:t>𝑣</m:t>
+                      </m:r>
+                      <m:d>
+                        <m:dPr>
+                          <m:ctrlPr>
+                            <a:rPr kumimoji="1" lang="en-US" altLang="ja-JP" b="0" i="1" smtClean="0">
+                              <a:latin typeface="Cambria Math" panose="02040503050406030204" pitchFamily="18" charset="0"/>
+                            </a:rPr>
+                          </m:ctrlPr>
+                        </m:dPr>
+                        <m:e>
+                          <m:r>
+                            <a:rPr kumimoji="1" lang="en-US" altLang="ja-JP" b="0" i="1" smtClean="0">
+                              <a:latin typeface="Cambria Math" panose="02040503050406030204" pitchFamily="18" charset="0"/>
+                            </a:rPr>
+                            <m:t>𝑣</m:t>
+                          </m:r>
+                          <m:r>
+                            <a:rPr kumimoji="1" lang="en-US" altLang="ja-JP" b="0" i="1" smtClean="0">
+                              <a:latin typeface="Cambria Math" panose="02040503050406030204" pitchFamily="18" charset="0"/>
+                            </a:rPr>
+                            <m:t>,</m:t>
+                          </m:r>
+                          <m:r>
+                            <a:rPr kumimoji="1" lang="en-US" altLang="ja-JP" b="0" i="1" smtClean="0">
+                              <a:latin typeface="Cambria Math" panose="02040503050406030204" pitchFamily="18" charset="0"/>
+                            </a:rPr>
+                            <m:t>𝑟</m:t>
+                          </m:r>
+                          <m:r>
+                            <a:rPr kumimoji="1" lang="en-US" altLang="ja-JP" b="0" i="1" smtClean="0">
+                              <a:latin typeface="Cambria Math" panose="02040503050406030204" pitchFamily="18" charset="0"/>
+                            </a:rPr>
+                            <m:t>,</m:t>
+                          </m:r>
+                          <m:r>
+                            <a:rPr kumimoji="1" lang="en-US" altLang="ja-JP" b="0" i="1" smtClean="0">
+                              <a:latin typeface="Cambria Math" panose="02040503050406030204" pitchFamily="18" charset="0"/>
+                            </a:rPr>
+                            <m:t>𝑡</m:t>
+                          </m:r>
+                        </m:e>
+                      </m:d>
+                    </m:oMath>
+                  </m:oMathPara>
+                </a14:m>
+                <a:endParaRPr kumimoji="1" lang="en-US" altLang="ja-JP" b="0" dirty="0"/>
+              </a:p>
+              <a:p>
+                <a:endParaRPr kumimoji="1" lang="en-US" altLang="ja-JP" dirty="0"/>
+              </a:p>
+              <a:p>
+                <a:endParaRPr kumimoji="1" lang="ja-JP" altLang="en-US" dirty="0"/>
+              </a:p>
+            </p:txBody>
+          </p:sp>
+        </mc:Choice>
+        <mc:Fallback>
+          <p:sp>
+            <p:nvSpPr>
+              <p:cNvPr id="10" name="テキスト ボックス 9">
+                <a:extLst>
+                  <a:ext uri="{FF2B5EF4-FFF2-40B4-BE49-F238E27FC236}">
+                    <a16:creationId xmlns:a16="http://schemas.microsoft.com/office/drawing/2014/main" id="{AFBB71BD-AAE5-41F9-BCBF-1FB3222D7237}"/>
+                  </a:ext>
+                </a:extLst>
+              </p:cNvPr>
+              <p:cNvSpPr txBox="1">
+                <a:spLocks noRot="1" noChangeAspect="1" noMove="1" noResize="1" noEditPoints="1" noAdjustHandles="1" noChangeArrowheads="1" noChangeShapeType="1" noTextEdit="1"/>
+              </p:cNvSpPr>
+              <p:nvPr/>
+            </p:nvSpPr>
+            <p:spPr>
+              <a:xfrm>
+                <a:off x="4977624" y="163825"/>
+                <a:ext cx="3789576" cy="1172244"/>
+              </a:xfrm>
+              <a:prstGeom prst="rect">
+                <a:avLst/>
+              </a:prstGeom>
+              <a:blipFill>
+                <a:blip r:embed="rId5"/>
+                <a:stretch>
+                  <a:fillRect/>
+                </a:stretch>
+              </a:blipFill>
+            </p:spPr>
+            <p:txBody>
+              <a:bodyPr/>
+              <a:lstStyle/>
+              <a:p>
+                <a:r>
+                  <a:rPr lang="ja-JP" altLang="en-US">
+                    <a:noFill/>
+                  </a:rPr>
+                  <a:t> </a:t>
+                </a:r>
+              </a:p>
+            </p:txBody>
+          </p:sp>
+        </mc:Fallback>
+      </mc:AlternateContent>
+      <mc:AlternateContent xmlns:mc="http://schemas.openxmlformats.org/markup-compatibility/2006">
+        <mc:Choice xmlns:a14="http://schemas.microsoft.com/office/drawing/2010/main" Requires="a14">
+          <p:sp>
+            <p:nvSpPr>
+              <p:cNvPr id="11" name="テキスト ボックス 10">
+                <a:extLst>
+                  <a:ext uri="{FF2B5EF4-FFF2-40B4-BE49-F238E27FC236}">
+                    <a16:creationId xmlns:a16="http://schemas.microsoft.com/office/drawing/2014/main" id="{3CD5CD9B-4F65-4619-80D3-99113AD422F7}"/>
+                  </a:ext>
+                </a:extLst>
+              </p:cNvPr>
+              <p:cNvSpPr txBox="1"/>
+              <p:nvPr/>
+            </p:nvSpPr>
+            <p:spPr>
+              <a:xfrm>
+                <a:off x="5536812" y="4042534"/>
+                <a:ext cx="5553074" cy="2618281"/>
+              </a:xfrm>
+              <a:prstGeom prst="rect">
+                <a:avLst/>
+              </a:prstGeom>
+              <a:noFill/>
+            </p:spPr>
+            <p:txBody>
+              <a:bodyPr wrap="square" rtlCol="0">
+                <a:spAutoFit/>
+              </a:bodyPr>
+              <a:lstStyle/>
+              <a:p>
+                <a:pPr marL="0" indent="0">
+                  <a:buNone/>
+                </a:pPr>
+                <a14:m>
+                  <m:oMathPara xmlns:m="http://schemas.openxmlformats.org/officeDocument/2006/math">
+                    <m:oMathParaPr>
+                      <m:jc m:val="centerGroup"/>
+                    </m:oMathParaPr>
+                    <m:oMath xmlns:m="http://schemas.openxmlformats.org/officeDocument/2006/math">
+                      <m:sSub>
+                        <m:sSubPr>
+                          <m:ctrlPr>
+                            <a:rPr kumimoji="1" lang="en-US" altLang="ja-JP" sz="1800" i="1" smtClean="0">
+                              <a:latin typeface="Cambria Math" panose="02040503050406030204" pitchFamily="18" charset="0"/>
+                            </a:rPr>
+                          </m:ctrlPr>
+                        </m:sSubPr>
+                        <m:e>
+                          <m:r>
+                            <a:rPr kumimoji="1" lang="en-US" altLang="ja-JP" sz="1800" b="0" i="1" smtClean="0">
+                              <a:latin typeface="Cambria Math" panose="02040503050406030204" pitchFamily="18" charset="0"/>
+                            </a:rPr>
+                            <m:t>𝑘</m:t>
+                          </m:r>
+                        </m:e>
+                        <m:sub>
+                          <m:r>
+                            <a:rPr kumimoji="1" lang="en-US" altLang="ja-JP" sz="1800" b="0" i="1" smtClean="0">
+                              <a:latin typeface="Cambria Math" panose="02040503050406030204" pitchFamily="18" charset="0"/>
+                            </a:rPr>
+                            <m:t>𝑟</m:t>
+                          </m:r>
+                          <m:r>
+                            <a:rPr kumimoji="1" lang="en-US" altLang="ja-JP" sz="1800" b="0" i="1" smtClean="0">
+                              <a:latin typeface="Cambria Math" panose="02040503050406030204" pitchFamily="18" charset="0"/>
+                            </a:rPr>
+                            <m:t>3</m:t>
+                          </m:r>
+                        </m:sub>
+                      </m:sSub>
+                      <m:r>
+                        <a:rPr kumimoji="1" lang="en-US" altLang="ja-JP" sz="1800" b="0" i="1" smtClean="0">
+                          <a:latin typeface="Cambria Math" panose="02040503050406030204" pitchFamily="18" charset="0"/>
+                        </a:rPr>
+                        <m:t>= </m:t>
+                      </m:r>
+                      <m:sSub>
+                        <m:sSubPr>
+                          <m:ctrlPr>
+                            <a:rPr lang="en-US" altLang="ja-JP" sz="1800" i="1">
+                              <a:latin typeface="Cambria Math" panose="02040503050406030204" pitchFamily="18" charset="0"/>
+                            </a:rPr>
+                          </m:ctrlPr>
+                        </m:sSubPr>
+                        <m:e>
+                          <m:r>
+                            <a:rPr lang="en-US" altLang="ja-JP" sz="1800" i="1">
+                              <a:latin typeface="Cambria Math" panose="02040503050406030204" pitchFamily="18" charset="0"/>
+                            </a:rPr>
+                            <m:t>𝑣</m:t>
+                          </m:r>
+                        </m:e>
+                        <m:sub>
+                          <m:r>
+                            <a:rPr lang="en-US" altLang="ja-JP" sz="1800" i="1">
+                              <a:latin typeface="Cambria Math" panose="02040503050406030204" pitchFamily="18" charset="0"/>
+                            </a:rPr>
+                            <m:t>𝑛</m:t>
+                          </m:r>
+                        </m:sub>
+                      </m:sSub>
+                      <m:r>
+                        <a:rPr lang="en-US" altLang="ja-JP" sz="1800" i="1">
+                          <a:latin typeface="Cambria Math" panose="02040503050406030204" pitchFamily="18" charset="0"/>
+                        </a:rPr>
+                        <m:t>+ </m:t>
+                      </m:r>
+                      <m:sSub>
+                        <m:sSubPr>
+                          <m:ctrlPr>
+                            <a:rPr lang="en-US" altLang="ja-JP" sz="1800" i="1">
+                              <a:latin typeface="Cambria Math" panose="02040503050406030204" pitchFamily="18" charset="0"/>
+                            </a:rPr>
+                          </m:ctrlPr>
+                        </m:sSubPr>
+                        <m:e>
+                          <m:r>
+                            <a:rPr lang="en-US" altLang="ja-JP" sz="1800" i="1">
+                              <a:latin typeface="Cambria Math" panose="02040503050406030204" pitchFamily="18" charset="0"/>
+                            </a:rPr>
+                            <m:t>𝑘</m:t>
+                          </m:r>
+                        </m:e>
+                        <m:sub>
+                          <m:r>
+                            <a:rPr lang="en-US" altLang="ja-JP" sz="1800" i="1">
+                              <a:latin typeface="Cambria Math" panose="02040503050406030204" pitchFamily="18" charset="0"/>
+                            </a:rPr>
+                            <m:t>𝑣</m:t>
+                          </m:r>
+                          <m:r>
+                            <a:rPr lang="en-US" altLang="ja-JP" sz="1800" b="0" i="1" smtClean="0">
+                              <a:latin typeface="Cambria Math" panose="02040503050406030204" pitchFamily="18" charset="0"/>
+                            </a:rPr>
+                            <m:t>2</m:t>
+                          </m:r>
+                        </m:sub>
+                      </m:sSub>
+                      <m:f>
+                        <m:fPr>
+                          <m:ctrlPr>
+                            <a:rPr lang="en-US" altLang="ja-JP" sz="1800" i="1">
+                              <a:latin typeface="Cambria Math" panose="02040503050406030204" pitchFamily="18" charset="0"/>
+                            </a:rPr>
+                          </m:ctrlPr>
+                        </m:fPr>
+                        <m:num>
+                          <m:r>
+                            <a:rPr lang="en-US" altLang="ja-JP" sz="1800" i="1">
+                              <a:latin typeface="Cambria Math" panose="02040503050406030204" pitchFamily="18" charset="0"/>
+                              <a:ea typeface="Cambria Math" panose="02040503050406030204" pitchFamily="18" charset="0"/>
+                            </a:rPr>
+                            <m:t>∆</m:t>
+                          </m:r>
+                          <m:r>
+                            <a:rPr lang="en-US" altLang="ja-JP" sz="1800" i="1">
+                              <a:latin typeface="Cambria Math" panose="02040503050406030204" pitchFamily="18" charset="0"/>
+                              <a:ea typeface="Cambria Math" panose="02040503050406030204" pitchFamily="18" charset="0"/>
+                            </a:rPr>
+                            <m:t>𝑡</m:t>
+                          </m:r>
+                        </m:num>
+                        <m:den>
+                          <m:r>
+                            <a:rPr lang="en-US" altLang="ja-JP" sz="1800" i="1">
+                              <a:latin typeface="Cambria Math" panose="02040503050406030204" pitchFamily="18" charset="0"/>
+                            </a:rPr>
+                            <m:t>2</m:t>
+                          </m:r>
+                        </m:den>
+                      </m:f>
+                    </m:oMath>
+                  </m:oMathPara>
+                </a14:m>
+                <a:endParaRPr kumimoji="1" lang="en-US" altLang="ja-JP" sz="1800" dirty="0"/>
+              </a:p>
+              <a:p>
+                <a:pPr marL="0" indent="0">
+                  <a:buNone/>
+                </a:pPr>
+                <a:endParaRPr lang="en-US" altLang="ja-JP" sz="1800" dirty="0"/>
+              </a:p>
+              <a:p>
+                <a:pPr marL="0" indent="0">
+                  <a:buNone/>
+                </a:pPr>
+                <a14:m>
+                  <m:oMathPara xmlns:m="http://schemas.openxmlformats.org/officeDocument/2006/math">
+                    <m:oMathParaPr>
+                      <m:jc m:val="centerGroup"/>
+                    </m:oMathParaPr>
+                    <m:oMath xmlns:m="http://schemas.openxmlformats.org/officeDocument/2006/math">
+                      <m:sSub>
+                        <m:sSubPr>
+                          <m:ctrlPr>
+                            <a:rPr kumimoji="1" lang="en-US" altLang="ja-JP" sz="1800" i="1" smtClean="0">
+                              <a:latin typeface="Cambria Math" panose="02040503050406030204" pitchFamily="18" charset="0"/>
+                            </a:rPr>
+                          </m:ctrlPr>
+                        </m:sSubPr>
+                        <m:e>
+                          <m:r>
+                            <a:rPr kumimoji="1" lang="en-US" altLang="ja-JP" sz="1800" b="0" i="1" smtClean="0">
+                              <a:latin typeface="Cambria Math" panose="02040503050406030204" pitchFamily="18" charset="0"/>
+                            </a:rPr>
+                            <m:t>𝑘</m:t>
+                          </m:r>
+                        </m:e>
+                        <m:sub>
+                          <m:r>
+                            <a:rPr kumimoji="1" lang="en-US" altLang="ja-JP" sz="1800" b="0" i="1" smtClean="0">
+                              <a:latin typeface="Cambria Math" panose="02040503050406030204" pitchFamily="18" charset="0"/>
+                            </a:rPr>
+                            <m:t>𝑣</m:t>
+                          </m:r>
+                          <m:r>
+                            <a:rPr kumimoji="1" lang="en-US" altLang="ja-JP" sz="1800" b="0" i="1" smtClean="0">
+                              <a:latin typeface="Cambria Math" panose="02040503050406030204" pitchFamily="18" charset="0"/>
+                            </a:rPr>
+                            <m:t>3</m:t>
+                          </m:r>
+                        </m:sub>
+                      </m:sSub>
+                      <m:r>
+                        <a:rPr kumimoji="1" lang="en-US" altLang="ja-JP" sz="1800" b="0" i="1" smtClean="0">
+                          <a:latin typeface="Cambria Math" panose="02040503050406030204" pitchFamily="18" charset="0"/>
+                        </a:rPr>
+                        <m:t>=</m:t>
+                      </m:r>
+                      <m:r>
+                        <a:rPr lang="en-US" altLang="ja-JP" sz="1800" i="1">
+                          <a:latin typeface="Cambria Math" panose="02040503050406030204" pitchFamily="18" charset="0"/>
+                        </a:rPr>
+                        <m:t>𝑓</m:t>
+                      </m:r>
+                      <m:d>
+                        <m:dPr>
+                          <m:ctrlPr>
+                            <a:rPr lang="en-US" altLang="ja-JP" sz="1800" i="1">
+                              <a:latin typeface="Cambria Math" panose="02040503050406030204" pitchFamily="18" charset="0"/>
+                            </a:rPr>
+                          </m:ctrlPr>
+                        </m:dPr>
+                        <m:e>
+                          <m:sSub>
+                            <m:sSubPr>
+                              <m:ctrlPr>
+                                <a:rPr lang="en-US" altLang="ja-JP" sz="1800" i="1">
+                                  <a:latin typeface="Cambria Math" panose="02040503050406030204" pitchFamily="18" charset="0"/>
+                                </a:rPr>
+                              </m:ctrlPr>
+                            </m:sSubPr>
+                            <m:e>
+                              <m:r>
+                                <a:rPr lang="en-US" altLang="ja-JP" sz="1800" b="1" i="1">
+                                  <a:latin typeface="Cambria Math" panose="02040503050406030204" pitchFamily="18" charset="0"/>
+                                </a:rPr>
+                                <m:t>𝒗</m:t>
+                              </m:r>
+                            </m:e>
+                            <m:sub>
+                              <m:r>
+                                <a:rPr lang="en-US" altLang="ja-JP" sz="1800" i="1">
+                                  <a:latin typeface="Cambria Math" panose="02040503050406030204" pitchFamily="18" charset="0"/>
+                                </a:rPr>
+                                <m:t>𝑛</m:t>
+                              </m:r>
+                            </m:sub>
+                          </m:sSub>
+                          <m:r>
+                            <a:rPr lang="en-US" altLang="ja-JP" sz="1800" i="1">
+                              <a:latin typeface="Cambria Math" panose="02040503050406030204" pitchFamily="18" charset="0"/>
+                            </a:rPr>
+                            <m:t>+</m:t>
+                          </m:r>
+                          <m:sSub>
+                            <m:sSubPr>
+                              <m:ctrlPr>
+                                <a:rPr lang="en-US" altLang="ja-JP" sz="1800" i="1">
+                                  <a:latin typeface="Cambria Math" panose="02040503050406030204" pitchFamily="18" charset="0"/>
+                                </a:rPr>
+                              </m:ctrlPr>
+                            </m:sSubPr>
+                            <m:e>
+                              <m:r>
+                                <a:rPr lang="en-US" altLang="ja-JP" sz="1800" i="1">
+                                  <a:latin typeface="Cambria Math" panose="02040503050406030204" pitchFamily="18" charset="0"/>
+                                </a:rPr>
+                                <m:t>𝑘</m:t>
+                              </m:r>
+                            </m:e>
+                            <m:sub>
+                              <m:r>
+                                <a:rPr lang="en-US" altLang="ja-JP" sz="1800" i="1">
+                                  <a:latin typeface="Cambria Math" panose="02040503050406030204" pitchFamily="18" charset="0"/>
+                                </a:rPr>
+                                <m:t>𝑣</m:t>
+                              </m:r>
+                              <m:r>
+                                <a:rPr lang="en-US" altLang="ja-JP" sz="1800" b="0" i="1" smtClean="0">
+                                  <a:latin typeface="Cambria Math" panose="02040503050406030204" pitchFamily="18" charset="0"/>
+                                </a:rPr>
+                                <m:t>2</m:t>
+                              </m:r>
+                            </m:sub>
+                          </m:sSub>
+                          <m:f>
+                            <m:fPr>
+                              <m:ctrlPr>
+                                <a:rPr lang="en-US" altLang="ja-JP" sz="1800" i="1">
+                                  <a:latin typeface="Cambria Math" panose="02040503050406030204" pitchFamily="18" charset="0"/>
+                                </a:rPr>
+                              </m:ctrlPr>
+                            </m:fPr>
+                            <m:num>
+                              <m:r>
+                                <a:rPr lang="en-US" altLang="ja-JP" sz="1800" i="1">
+                                  <a:latin typeface="Cambria Math" panose="02040503050406030204" pitchFamily="18" charset="0"/>
+                                  <a:ea typeface="Cambria Math" panose="02040503050406030204" pitchFamily="18" charset="0"/>
+                                </a:rPr>
+                                <m:t>∆</m:t>
+                              </m:r>
+                              <m:r>
+                                <a:rPr lang="en-US" altLang="ja-JP" sz="1800" i="1">
+                                  <a:latin typeface="Cambria Math" panose="02040503050406030204" pitchFamily="18" charset="0"/>
+                                  <a:ea typeface="Cambria Math" panose="02040503050406030204" pitchFamily="18" charset="0"/>
+                                </a:rPr>
+                                <m:t>𝑡</m:t>
+                              </m:r>
+                            </m:num>
+                            <m:den>
+                              <m:r>
+                                <a:rPr lang="en-US" altLang="ja-JP" sz="1800" i="1">
+                                  <a:latin typeface="Cambria Math" panose="02040503050406030204" pitchFamily="18" charset="0"/>
+                                </a:rPr>
+                                <m:t>2</m:t>
+                              </m:r>
+                            </m:den>
+                          </m:f>
+                          <m:r>
+                            <a:rPr lang="en-US" altLang="ja-JP" sz="1800" i="1">
+                              <a:latin typeface="Cambria Math" panose="02040503050406030204" pitchFamily="18" charset="0"/>
+                            </a:rPr>
+                            <m:t>,</m:t>
+                          </m:r>
+                          <m:sSub>
+                            <m:sSubPr>
+                              <m:ctrlPr>
+                                <a:rPr lang="en-US" altLang="ja-JP" sz="1800" i="1">
+                                  <a:latin typeface="Cambria Math" panose="02040503050406030204" pitchFamily="18" charset="0"/>
+                                </a:rPr>
+                              </m:ctrlPr>
+                            </m:sSubPr>
+                            <m:e>
+                              <m:r>
+                                <a:rPr lang="en-US" altLang="ja-JP" sz="1800" b="1" i="1">
+                                  <a:latin typeface="Cambria Math" panose="02040503050406030204" pitchFamily="18" charset="0"/>
+                                </a:rPr>
+                                <m:t>𝒓</m:t>
+                              </m:r>
+                            </m:e>
+                            <m:sub>
+                              <m:r>
+                                <a:rPr lang="en-US" altLang="ja-JP" sz="1800" i="1">
+                                  <a:latin typeface="Cambria Math" panose="02040503050406030204" pitchFamily="18" charset="0"/>
+                                </a:rPr>
+                                <m:t>𝑛</m:t>
+                              </m:r>
+                            </m:sub>
+                          </m:sSub>
+                          <m:r>
+                            <a:rPr lang="en-US" altLang="ja-JP" sz="1800" i="1">
+                              <a:latin typeface="Cambria Math" panose="02040503050406030204" pitchFamily="18" charset="0"/>
+                            </a:rPr>
+                            <m:t>+</m:t>
+                          </m:r>
+                          <m:sSub>
+                            <m:sSubPr>
+                              <m:ctrlPr>
+                                <a:rPr lang="en-US" altLang="ja-JP" sz="1800" i="1">
+                                  <a:latin typeface="Cambria Math" panose="02040503050406030204" pitchFamily="18" charset="0"/>
+                                </a:rPr>
+                              </m:ctrlPr>
+                            </m:sSubPr>
+                            <m:e>
+                              <m:r>
+                                <a:rPr lang="en-US" altLang="ja-JP" sz="1800" i="1">
+                                  <a:latin typeface="Cambria Math" panose="02040503050406030204" pitchFamily="18" charset="0"/>
+                                </a:rPr>
+                                <m:t>𝑘</m:t>
+                              </m:r>
+                            </m:e>
+                            <m:sub>
+                              <m:r>
+                                <a:rPr lang="en-US" altLang="ja-JP" sz="1800" i="1">
+                                  <a:latin typeface="Cambria Math" panose="02040503050406030204" pitchFamily="18" charset="0"/>
+                                </a:rPr>
+                                <m:t>𝑟</m:t>
+                              </m:r>
+                              <m:r>
+                                <a:rPr lang="en-US" altLang="ja-JP" sz="1800" b="0" i="1" smtClean="0">
+                                  <a:latin typeface="Cambria Math" panose="02040503050406030204" pitchFamily="18" charset="0"/>
+                                </a:rPr>
+                                <m:t>2</m:t>
+                              </m:r>
+                            </m:sub>
+                          </m:sSub>
+                          <m:f>
+                            <m:fPr>
+                              <m:ctrlPr>
+                                <a:rPr lang="en-US" altLang="ja-JP" sz="1800" i="1">
+                                  <a:latin typeface="Cambria Math" panose="02040503050406030204" pitchFamily="18" charset="0"/>
+                                </a:rPr>
+                              </m:ctrlPr>
+                            </m:fPr>
+                            <m:num>
+                              <m:r>
+                                <a:rPr lang="en-US" altLang="ja-JP" sz="1800" i="1">
+                                  <a:latin typeface="Cambria Math" panose="02040503050406030204" pitchFamily="18" charset="0"/>
+                                  <a:ea typeface="Cambria Math" panose="02040503050406030204" pitchFamily="18" charset="0"/>
+                                </a:rPr>
+                                <m:t>∆</m:t>
+                              </m:r>
+                              <m:r>
+                                <a:rPr lang="en-US" altLang="ja-JP" sz="1800" i="1">
+                                  <a:latin typeface="Cambria Math" panose="02040503050406030204" pitchFamily="18" charset="0"/>
+                                  <a:ea typeface="Cambria Math" panose="02040503050406030204" pitchFamily="18" charset="0"/>
+                                </a:rPr>
+                                <m:t>𝑡</m:t>
+                              </m:r>
+                            </m:num>
+                            <m:den>
+                              <m:r>
+                                <a:rPr lang="en-US" altLang="ja-JP" sz="1800" i="1">
+                                  <a:latin typeface="Cambria Math" panose="02040503050406030204" pitchFamily="18" charset="0"/>
+                                </a:rPr>
+                                <m:t>2</m:t>
+                              </m:r>
+                            </m:den>
+                          </m:f>
+                          <m:r>
+                            <a:rPr lang="en-US" altLang="ja-JP" sz="1800" i="1">
+                              <a:latin typeface="Cambria Math" panose="02040503050406030204" pitchFamily="18" charset="0"/>
+                            </a:rPr>
+                            <m:t>,</m:t>
+                          </m:r>
+                          <m:sSub>
+                            <m:sSubPr>
+                              <m:ctrlPr>
+                                <a:rPr lang="en-US" altLang="ja-JP" sz="1800" i="1">
+                                  <a:latin typeface="Cambria Math" panose="02040503050406030204" pitchFamily="18" charset="0"/>
+                                </a:rPr>
+                              </m:ctrlPr>
+                            </m:sSubPr>
+                            <m:e>
+                              <m:r>
+                                <a:rPr lang="en-US" altLang="ja-JP" sz="1800" i="1">
+                                  <a:latin typeface="Cambria Math" panose="02040503050406030204" pitchFamily="18" charset="0"/>
+                                </a:rPr>
+                                <m:t>𝑡</m:t>
+                              </m:r>
+                            </m:e>
+                            <m:sub>
+                              <m:r>
+                                <a:rPr lang="en-US" altLang="ja-JP" sz="1800" i="1">
+                                  <a:latin typeface="Cambria Math" panose="02040503050406030204" pitchFamily="18" charset="0"/>
+                                </a:rPr>
+                                <m:t>𝑛</m:t>
+                              </m:r>
+                            </m:sub>
+                          </m:sSub>
+                          <m:r>
+                            <a:rPr lang="en-US" altLang="ja-JP" sz="1800" i="1">
+                              <a:latin typeface="Cambria Math" panose="02040503050406030204" pitchFamily="18" charset="0"/>
+                            </a:rPr>
+                            <m:t>+</m:t>
+                          </m:r>
+                          <m:f>
+                            <m:fPr>
+                              <m:ctrlPr>
+                                <a:rPr lang="en-US" altLang="ja-JP" sz="1800" i="1">
+                                  <a:latin typeface="Cambria Math" panose="02040503050406030204" pitchFamily="18" charset="0"/>
+                                </a:rPr>
+                              </m:ctrlPr>
+                            </m:fPr>
+                            <m:num>
+                              <m:r>
+                                <a:rPr lang="en-US" altLang="ja-JP" sz="1800" i="1">
+                                  <a:latin typeface="Cambria Math" panose="02040503050406030204" pitchFamily="18" charset="0"/>
+                                  <a:ea typeface="Cambria Math" panose="02040503050406030204" pitchFamily="18" charset="0"/>
+                                </a:rPr>
+                                <m:t>∆</m:t>
+                              </m:r>
+                              <m:r>
+                                <a:rPr lang="en-US" altLang="ja-JP" sz="1800" i="1">
+                                  <a:latin typeface="Cambria Math" panose="02040503050406030204" pitchFamily="18" charset="0"/>
+                                  <a:ea typeface="Cambria Math" panose="02040503050406030204" pitchFamily="18" charset="0"/>
+                                </a:rPr>
+                                <m:t>𝑡</m:t>
+                              </m:r>
+                            </m:num>
+                            <m:den>
+                              <m:r>
+                                <a:rPr lang="en-US" altLang="ja-JP" sz="1800" i="1">
+                                  <a:latin typeface="Cambria Math" panose="02040503050406030204" pitchFamily="18" charset="0"/>
+                                </a:rPr>
+                                <m:t>2</m:t>
+                              </m:r>
+                            </m:den>
+                          </m:f>
+                        </m:e>
+                      </m:d>
+                    </m:oMath>
+                  </m:oMathPara>
+                </a14:m>
+                <a:endParaRPr kumimoji="1" lang="en-US" altLang="ja-JP" sz="1800" dirty="0"/>
+              </a:p>
+              <a:p>
+                <a:pPr marL="0" indent="0">
+                  <a:buNone/>
+                </a:pPr>
+                <a:endParaRPr kumimoji="1" lang="en-US" altLang="ja-JP" sz="1800" dirty="0"/>
+              </a:p>
+              <a:p>
+                <a:pPr marL="0" indent="0">
+                  <a:buNone/>
+                </a:pPr>
+                <a14:m>
+                  <m:oMathPara xmlns:m="http://schemas.openxmlformats.org/officeDocument/2006/math">
+                    <m:oMathParaPr>
+                      <m:jc m:val="centerGroup"/>
+                    </m:oMathParaPr>
+                    <m:oMath xmlns:m="http://schemas.openxmlformats.org/officeDocument/2006/math">
+                      <m:sSub>
+                        <m:sSubPr>
+                          <m:ctrlPr>
+                            <a:rPr kumimoji="1" lang="en-US" altLang="ja-JP" sz="1800" i="1" smtClean="0">
+                              <a:latin typeface="Cambria Math" panose="02040503050406030204" pitchFamily="18" charset="0"/>
+                            </a:rPr>
+                          </m:ctrlPr>
+                        </m:sSubPr>
+                        <m:e>
+                          <m:r>
+                            <a:rPr kumimoji="1" lang="en-US" altLang="ja-JP" sz="1800" b="0" i="1" smtClean="0">
+                              <a:latin typeface="Cambria Math" panose="02040503050406030204" pitchFamily="18" charset="0"/>
+                            </a:rPr>
+                            <m:t>𝑘</m:t>
+                          </m:r>
+                        </m:e>
+                        <m:sub>
+                          <m:r>
+                            <a:rPr kumimoji="1" lang="en-US" altLang="ja-JP" sz="1800" b="0" i="1" smtClean="0">
+                              <a:latin typeface="Cambria Math" panose="02040503050406030204" pitchFamily="18" charset="0"/>
+                            </a:rPr>
+                            <m:t>𝑟</m:t>
+                          </m:r>
+                          <m:r>
+                            <a:rPr kumimoji="1" lang="en-US" altLang="ja-JP" sz="1800" b="0" i="1" smtClean="0">
+                              <a:latin typeface="Cambria Math" panose="02040503050406030204" pitchFamily="18" charset="0"/>
+                            </a:rPr>
+                            <m:t>4</m:t>
+                          </m:r>
+                        </m:sub>
+                      </m:sSub>
+                      <m:r>
+                        <a:rPr kumimoji="1" lang="en-US" altLang="ja-JP" sz="1800" b="0" i="1" smtClean="0">
+                          <a:latin typeface="Cambria Math" panose="02040503050406030204" pitchFamily="18" charset="0"/>
+                        </a:rPr>
+                        <m:t>=</m:t>
+                      </m:r>
+                      <m:sSub>
+                        <m:sSubPr>
+                          <m:ctrlPr>
+                            <a:rPr lang="en-US" altLang="ja-JP" sz="1800" i="1">
+                              <a:latin typeface="Cambria Math" panose="02040503050406030204" pitchFamily="18" charset="0"/>
+                            </a:rPr>
+                          </m:ctrlPr>
+                        </m:sSubPr>
+                        <m:e>
+                          <m:r>
+                            <a:rPr lang="en-US" altLang="ja-JP" sz="1800" i="1">
+                              <a:latin typeface="Cambria Math" panose="02040503050406030204" pitchFamily="18" charset="0"/>
+                            </a:rPr>
+                            <m:t>𝑣</m:t>
+                          </m:r>
+                        </m:e>
+                        <m:sub>
+                          <m:r>
+                            <a:rPr lang="en-US" altLang="ja-JP" sz="1800" i="1">
+                              <a:latin typeface="Cambria Math" panose="02040503050406030204" pitchFamily="18" charset="0"/>
+                            </a:rPr>
+                            <m:t>𝑛</m:t>
+                          </m:r>
+                        </m:sub>
+                      </m:sSub>
+                      <m:r>
+                        <a:rPr lang="en-US" altLang="ja-JP" sz="1800" i="1">
+                          <a:latin typeface="Cambria Math" panose="02040503050406030204" pitchFamily="18" charset="0"/>
+                        </a:rPr>
+                        <m:t>+ </m:t>
+                      </m:r>
+                      <m:sSub>
+                        <m:sSubPr>
+                          <m:ctrlPr>
+                            <a:rPr lang="en-US" altLang="ja-JP" sz="1800" i="1">
+                              <a:latin typeface="Cambria Math" panose="02040503050406030204" pitchFamily="18" charset="0"/>
+                            </a:rPr>
+                          </m:ctrlPr>
+                        </m:sSubPr>
+                        <m:e>
+                          <m:r>
+                            <a:rPr lang="en-US" altLang="ja-JP" sz="1800" i="1">
+                              <a:latin typeface="Cambria Math" panose="02040503050406030204" pitchFamily="18" charset="0"/>
+                            </a:rPr>
+                            <m:t>𝑘</m:t>
+                          </m:r>
+                        </m:e>
+                        <m:sub>
+                          <m:r>
+                            <a:rPr lang="en-US" altLang="ja-JP" sz="1800" i="1">
+                              <a:latin typeface="Cambria Math" panose="02040503050406030204" pitchFamily="18" charset="0"/>
+                            </a:rPr>
+                            <m:t>𝑣</m:t>
+                          </m:r>
+                          <m:r>
+                            <a:rPr lang="en-US" altLang="ja-JP" sz="1800" b="0" i="1" smtClean="0">
+                              <a:latin typeface="Cambria Math" panose="02040503050406030204" pitchFamily="18" charset="0"/>
+                            </a:rPr>
+                            <m:t>3</m:t>
+                          </m:r>
+                        </m:sub>
+                      </m:sSub>
+                      <m:r>
+                        <a:rPr lang="en-US" altLang="ja-JP" sz="1800" i="1">
+                          <a:latin typeface="Cambria Math" panose="02040503050406030204" pitchFamily="18" charset="0"/>
+                          <a:ea typeface="Cambria Math" panose="02040503050406030204" pitchFamily="18" charset="0"/>
+                        </a:rPr>
+                        <m:t>∆</m:t>
+                      </m:r>
+                      <m:r>
+                        <a:rPr lang="en-US" altLang="ja-JP" sz="1800" i="1">
+                          <a:latin typeface="Cambria Math" panose="02040503050406030204" pitchFamily="18" charset="0"/>
+                          <a:ea typeface="Cambria Math" panose="02040503050406030204" pitchFamily="18" charset="0"/>
+                        </a:rPr>
+                        <m:t>𝑡</m:t>
+                      </m:r>
+                    </m:oMath>
+                  </m:oMathPara>
+                </a14:m>
+                <a:endParaRPr kumimoji="1" lang="en-US" altLang="ja-JP" sz="1800" dirty="0"/>
+              </a:p>
+              <a:p>
+                <a:pPr marL="0" indent="0">
+                  <a:buNone/>
+                </a:pPr>
+                <a:endParaRPr lang="en-US" altLang="ja-JP" sz="1800" dirty="0"/>
+              </a:p>
+              <a:p>
+                <a:pPr marL="0" indent="0">
+                  <a:buNone/>
+                </a:pPr>
+                <a14:m>
+                  <m:oMathPara xmlns:m="http://schemas.openxmlformats.org/officeDocument/2006/math">
+                    <m:oMathParaPr>
+                      <m:jc m:val="centerGroup"/>
+                    </m:oMathParaPr>
+                    <m:oMath xmlns:m="http://schemas.openxmlformats.org/officeDocument/2006/math">
+                      <m:sSub>
+                        <m:sSubPr>
+                          <m:ctrlPr>
+                            <a:rPr kumimoji="1" lang="en-US" altLang="ja-JP" sz="1800" i="1" smtClean="0">
+                              <a:latin typeface="Cambria Math" panose="02040503050406030204" pitchFamily="18" charset="0"/>
+                            </a:rPr>
+                          </m:ctrlPr>
+                        </m:sSubPr>
+                        <m:e>
+                          <m:r>
+                            <a:rPr kumimoji="1" lang="en-US" altLang="ja-JP" sz="1800" b="0" i="1" smtClean="0">
+                              <a:latin typeface="Cambria Math" panose="02040503050406030204" pitchFamily="18" charset="0"/>
+                            </a:rPr>
+                            <m:t>𝑘</m:t>
+                          </m:r>
+                        </m:e>
+                        <m:sub>
+                          <m:r>
+                            <a:rPr kumimoji="1" lang="en-US" altLang="ja-JP" sz="1800" b="0" i="1" smtClean="0">
+                              <a:latin typeface="Cambria Math" panose="02040503050406030204" pitchFamily="18" charset="0"/>
+                            </a:rPr>
+                            <m:t>𝑣</m:t>
+                          </m:r>
+                          <m:r>
+                            <a:rPr kumimoji="1" lang="en-US" altLang="ja-JP" sz="1800" b="0" i="1" smtClean="0">
+                              <a:latin typeface="Cambria Math" panose="02040503050406030204" pitchFamily="18" charset="0"/>
+                            </a:rPr>
+                            <m:t>4</m:t>
+                          </m:r>
+                        </m:sub>
+                      </m:sSub>
+                      <m:r>
+                        <a:rPr kumimoji="1" lang="en-US" altLang="ja-JP" sz="1800" b="0" i="1" smtClean="0">
+                          <a:latin typeface="Cambria Math" panose="02040503050406030204" pitchFamily="18" charset="0"/>
+                        </a:rPr>
+                        <m:t>=</m:t>
+                      </m:r>
+                      <m:r>
+                        <a:rPr lang="en-US" altLang="ja-JP" sz="1800" i="1">
+                          <a:latin typeface="Cambria Math" panose="02040503050406030204" pitchFamily="18" charset="0"/>
+                        </a:rPr>
+                        <m:t>𝑓</m:t>
+                      </m:r>
+                      <m:d>
+                        <m:dPr>
+                          <m:ctrlPr>
+                            <a:rPr lang="en-US" altLang="ja-JP" sz="1800" i="1">
+                              <a:latin typeface="Cambria Math" panose="02040503050406030204" pitchFamily="18" charset="0"/>
+                            </a:rPr>
+                          </m:ctrlPr>
+                        </m:dPr>
+                        <m:e>
+                          <m:sSub>
+                            <m:sSubPr>
+                              <m:ctrlPr>
+                                <a:rPr lang="en-US" altLang="ja-JP" sz="1800" i="1">
+                                  <a:latin typeface="Cambria Math" panose="02040503050406030204" pitchFamily="18" charset="0"/>
+                                </a:rPr>
+                              </m:ctrlPr>
+                            </m:sSubPr>
+                            <m:e>
+                              <m:r>
+                                <a:rPr lang="en-US" altLang="ja-JP" sz="1800" b="1" i="1" smtClean="0">
+                                  <a:latin typeface="Cambria Math" panose="02040503050406030204" pitchFamily="18" charset="0"/>
+                                </a:rPr>
+                                <m:t>𝒗</m:t>
+                              </m:r>
+                            </m:e>
+                            <m:sub>
+                              <m:r>
+                                <a:rPr lang="en-US" altLang="ja-JP" sz="1800" i="1">
+                                  <a:latin typeface="Cambria Math" panose="02040503050406030204" pitchFamily="18" charset="0"/>
+                                </a:rPr>
+                                <m:t>𝑛</m:t>
+                              </m:r>
+                            </m:sub>
+                          </m:sSub>
+                          <m:r>
+                            <a:rPr lang="en-US" altLang="ja-JP" sz="1800" i="1">
+                              <a:latin typeface="Cambria Math" panose="02040503050406030204" pitchFamily="18" charset="0"/>
+                            </a:rPr>
+                            <m:t>+</m:t>
+                          </m:r>
+                          <m:sSub>
+                            <m:sSubPr>
+                              <m:ctrlPr>
+                                <a:rPr lang="en-US" altLang="ja-JP" sz="1800" i="1">
+                                  <a:latin typeface="Cambria Math" panose="02040503050406030204" pitchFamily="18" charset="0"/>
+                                </a:rPr>
+                              </m:ctrlPr>
+                            </m:sSubPr>
+                            <m:e>
+                              <m:r>
+                                <a:rPr lang="en-US" altLang="ja-JP" sz="1800" i="1">
+                                  <a:latin typeface="Cambria Math" panose="02040503050406030204" pitchFamily="18" charset="0"/>
+                                </a:rPr>
+                                <m:t>𝑘</m:t>
+                              </m:r>
+                            </m:e>
+                            <m:sub>
+                              <m:r>
+                                <a:rPr lang="en-US" altLang="ja-JP" sz="1800" b="0" i="1" smtClean="0">
+                                  <a:latin typeface="Cambria Math" panose="02040503050406030204" pitchFamily="18" charset="0"/>
+                                </a:rPr>
+                                <m:t>𝑣</m:t>
+                              </m:r>
+                              <m:r>
+                                <a:rPr lang="en-US" altLang="ja-JP" sz="1800" b="0" i="1" smtClean="0">
+                                  <a:latin typeface="Cambria Math" panose="02040503050406030204" pitchFamily="18" charset="0"/>
+                                </a:rPr>
+                                <m:t>3</m:t>
+                              </m:r>
+                            </m:sub>
+                          </m:sSub>
+                          <m:r>
+                            <a:rPr lang="en-US" altLang="ja-JP" sz="1800" i="1">
+                              <a:latin typeface="Cambria Math" panose="02040503050406030204" pitchFamily="18" charset="0"/>
+                              <a:ea typeface="Cambria Math" panose="02040503050406030204" pitchFamily="18" charset="0"/>
+                            </a:rPr>
+                            <m:t>∆</m:t>
+                          </m:r>
+                          <m:r>
+                            <a:rPr lang="en-US" altLang="ja-JP" sz="1800" b="0" i="1" smtClean="0">
+                              <a:latin typeface="Cambria Math" panose="02040503050406030204" pitchFamily="18" charset="0"/>
+                              <a:ea typeface="Cambria Math" panose="02040503050406030204" pitchFamily="18" charset="0"/>
+                            </a:rPr>
+                            <m:t>𝑡</m:t>
+                          </m:r>
+                          <m:r>
+                            <a:rPr lang="en-US" altLang="ja-JP" sz="1800" i="1">
+                              <a:latin typeface="Cambria Math" panose="02040503050406030204" pitchFamily="18" charset="0"/>
+                            </a:rPr>
+                            <m:t>,</m:t>
+                          </m:r>
+                          <m:sSub>
+                            <m:sSubPr>
+                              <m:ctrlPr>
+                                <a:rPr lang="en-US" altLang="ja-JP" sz="1800" i="1">
+                                  <a:latin typeface="Cambria Math" panose="02040503050406030204" pitchFamily="18" charset="0"/>
+                                </a:rPr>
+                              </m:ctrlPr>
+                            </m:sSubPr>
+                            <m:e>
+                              <m:r>
+                                <a:rPr lang="en-US" altLang="ja-JP" sz="1800" b="1" i="1" smtClean="0">
+                                  <a:latin typeface="Cambria Math" panose="02040503050406030204" pitchFamily="18" charset="0"/>
+                                </a:rPr>
+                                <m:t>𝒓</m:t>
+                              </m:r>
+                            </m:e>
+                            <m:sub>
+                              <m:r>
+                                <a:rPr lang="en-US" altLang="ja-JP" sz="1800" i="1">
+                                  <a:latin typeface="Cambria Math" panose="02040503050406030204" pitchFamily="18" charset="0"/>
+                                </a:rPr>
+                                <m:t>𝑛</m:t>
+                              </m:r>
+                            </m:sub>
+                          </m:sSub>
+                          <m:r>
+                            <a:rPr lang="en-US" altLang="ja-JP" sz="1800" i="1">
+                              <a:latin typeface="Cambria Math" panose="02040503050406030204" pitchFamily="18" charset="0"/>
+                            </a:rPr>
+                            <m:t>+</m:t>
+                          </m:r>
+                          <m:sSub>
+                            <m:sSubPr>
+                              <m:ctrlPr>
+                                <a:rPr lang="en-US" altLang="ja-JP" sz="1800" i="1">
+                                  <a:latin typeface="Cambria Math" panose="02040503050406030204" pitchFamily="18" charset="0"/>
+                                </a:rPr>
+                              </m:ctrlPr>
+                            </m:sSubPr>
+                            <m:e>
+                              <m:r>
+                                <a:rPr lang="en-US" altLang="ja-JP" sz="1800" i="1">
+                                  <a:latin typeface="Cambria Math" panose="02040503050406030204" pitchFamily="18" charset="0"/>
+                                </a:rPr>
+                                <m:t>𝑘</m:t>
+                              </m:r>
+                            </m:e>
+                            <m:sub>
+                              <m:r>
+                                <a:rPr lang="en-US" altLang="ja-JP" sz="1800" b="0" i="1" smtClean="0">
+                                  <a:latin typeface="Cambria Math" panose="02040503050406030204" pitchFamily="18" charset="0"/>
+                                </a:rPr>
+                                <m:t>𝑟</m:t>
+                              </m:r>
+                              <m:r>
+                                <a:rPr lang="en-US" altLang="ja-JP" sz="1800" i="1">
+                                  <a:latin typeface="Cambria Math" panose="02040503050406030204" pitchFamily="18" charset="0"/>
+                                </a:rPr>
+                                <m:t>3</m:t>
+                              </m:r>
+                            </m:sub>
+                          </m:sSub>
+                          <m:r>
+                            <a:rPr lang="en-US" altLang="ja-JP" sz="1800" i="1">
+                              <a:latin typeface="Cambria Math" panose="02040503050406030204" pitchFamily="18" charset="0"/>
+                              <a:ea typeface="Cambria Math" panose="02040503050406030204" pitchFamily="18" charset="0"/>
+                            </a:rPr>
+                            <m:t>∆</m:t>
+                          </m:r>
+                          <m:r>
+                            <a:rPr lang="en-US" altLang="ja-JP" sz="1800" i="1">
+                              <a:latin typeface="Cambria Math" panose="02040503050406030204" pitchFamily="18" charset="0"/>
+                              <a:ea typeface="Cambria Math" panose="02040503050406030204" pitchFamily="18" charset="0"/>
+                            </a:rPr>
+                            <m:t>𝑡</m:t>
+                          </m:r>
+                          <m:r>
+                            <a:rPr lang="en-US" altLang="ja-JP" sz="1800" b="0" i="1" smtClean="0">
+                              <a:latin typeface="Cambria Math" panose="02040503050406030204" pitchFamily="18" charset="0"/>
+                              <a:ea typeface="Cambria Math" panose="02040503050406030204" pitchFamily="18" charset="0"/>
+                            </a:rPr>
+                            <m:t>,</m:t>
+                          </m:r>
+                          <m:sSub>
+                            <m:sSubPr>
+                              <m:ctrlPr>
+                                <a:rPr lang="en-US" altLang="ja-JP" sz="1800" i="1">
+                                  <a:latin typeface="Cambria Math" panose="02040503050406030204" pitchFamily="18" charset="0"/>
+                                </a:rPr>
+                              </m:ctrlPr>
+                            </m:sSubPr>
+                            <m:e>
+                              <m:r>
+                                <a:rPr lang="en-US" altLang="ja-JP" sz="1800" b="0" i="1" smtClean="0">
+                                  <a:latin typeface="Cambria Math" panose="02040503050406030204" pitchFamily="18" charset="0"/>
+                                </a:rPr>
+                                <m:t>𝑡</m:t>
+                              </m:r>
+                            </m:e>
+                            <m:sub>
+                              <m:r>
+                                <a:rPr lang="en-US" altLang="ja-JP" sz="1800" i="1">
+                                  <a:latin typeface="Cambria Math" panose="02040503050406030204" pitchFamily="18" charset="0"/>
+                                </a:rPr>
+                                <m:t>𝑛</m:t>
+                              </m:r>
+                            </m:sub>
+                          </m:sSub>
+                          <m:r>
+                            <a:rPr lang="en-US" altLang="ja-JP" sz="1800" i="1">
+                              <a:latin typeface="Cambria Math" panose="02040503050406030204" pitchFamily="18" charset="0"/>
+                            </a:rPr>
+                            <m:t>+</m:t>
+                          </m:r>
+                          <m:r>
+                            <a:rPr lang="en-US" altLang="ja-JP" sz="1800" i="1">
+                              <a:latin typeface="Cambria Math" panose="02040503050406030204" pitchFamily="18" charset="0"/>
+                              <a:ea typeface="Cambria Math" panose="02040503050406030204" pitchFamily="18" charset="0"/>
+                            </a:rPr>
+                            <m:t>∆</m:t>
+                          </m:r>
+                          <m:r>
+                            <a:rPr lang="en-US" altLang="ja-JP" sz="1800" b="0" i="1" smtClean="0">
+                              <a:latin typeface="Cambria Math" panose="02040503050406030204" pitchFamily="18" charset="0"/>
+                              <a:ea typeface="Cambria Math" panose="02040503050406030204" pitchFamily="18" charset="0"/>
+                            </a:rPr>
+                            <m:t>𝑡</m:t>
+                          </m:r>
+                        </m:e>
+                      </m:d>
+                    </m:oMath>
+                  </m:oMathPara>
+                </a14:m>
+                <a:endParaRPr kumimoji="1" lang="ja-JP" altLang="en-US" dirty="0"/>
+              </a:p>
+            </p:txBody>
+          </p:sp>
+        </mc:Choice>
+        <mc:Fallback>
+          <p:sp>
+            <p:nvSpPr>
+              <p:cNvPr id="11" name="テキスト ボックス 10">
+                <a:extLst>
+                  <a:ext uri="{FF2B5EF4-FFF2-40B4-BE49-F238E27FC236}">
+                    <a16:creationId xmlns:a16="http://schemas.microsoft.com/office/drawing/2014/main" id="{3CD5CD9B-4F65-4619-80D3-99113AD422F7}"/>
+                  </a:ext>
+                </a:extLst>
+              </p:cNvPr>
+              <p:cNvSpPr txBox="1">
+                <a:spLocks noRot="1" noChangeAspect="1" noMove="1" noResize="1" noEditPoints="1" noAdjustHandles="1" noChangeArrowheads="1" noChangeShapeType="1" noTextEdit="1"/>
+              </p:cNvSpPr>
+              <p:nvPr/>
+            </p:nvSpPr>
+            <p:spPr>
+              <a:xfrm>
+                <a:off x="5536812" y="4042534"/>
+                <a:ext cx="5553074" cy="2618281"/>
+              </a:xfrm>
+              <a:prstGeom prst="rect">
+                <a:avLst/>
+              </a:prstGeom>
+              <a:blipFill>
+                <a:blip r:embed="rId6"/>
+                <a:stretch>
+                  <a:fillRect b="-930"/>
+                </a:stretch>
+              </a:blipFill>
+            </p:spPr>
+            <p:txBody>
+              <a:bodyPr/>
+              <a:lstStyle/>
+              <a:p>
+                <a:r>
+                  <a:rPr lang="ja-JP" altLang="en-US">
+                    <a:noFill/>
+                  </a:rPr>
+                  <a:t> </a:t>
+                </a:r>
+              </a:p>
+            </p:txBody>
+          </p:sp>
+        </mc:Fallback>
+      </mc:AlternateContent>
+      <mc:AlternateContent xmlns:mc="http://schemas.openxmlformats.org/markup-compatibility/2006">
+        <mc:Choice xmlns:a14="http://schemas.microsoft.com/office/drawing/2010/main" Requires="a14">
+          <p:sp>
+            <p:nvSpPr>
+              <p:cNvPr id="12" name="テキスト ボックス 11">
+                <a:extLst>
+                  <a:ext uri="{FF2B5EF4-FFF2-40B4-BE49-F238E27FC236}">
+                    <a16:creationId xmlns:a16="http://schemas.microsoft.com/office/drawing/2014/main" id="{9116FC03-980C-4A33-87C7-1F78F58A0DC5}"/>
+                  </a:ext>
+                </a:extLst>
+              </p:cNvPr>
+              <p:cNvSpPr txBox="1"/>
+              <p:nvPr/>
+            </p:nvSpPr>
+            <p:spPr>
+              <a:xfrm>
+                <a:off x="3200401" y="2162522"/>
+                <a:ext cx="4933950" cy="1687129"/>
+              </a:xfrm>
+              <a:prstGeom prst="rect">
+                <a:avLst/>
+              </a:prstGeom>
+              <a:noFill/>
+            </p:spPr>
+            <p:txBody>
+              <a:bodyPr wrap="square" rtlCol="0">
+                <a:spAutoFit/>
+              </a:bodyPr>
+              <a:lstStyle/>
+              <a:p>
+                <a:pPr marL="0" indent="0">
+                  <a:buNone/>
+                </a:pPr>
+                <a14:m>
+                  <m:oMathPara xmlns:m="http://schemas.openxmlformats.org/officeDocument/2006/math">
+                    <m:oMathParaPr>
+                      <m:jc m:val="centerGroup"/>
+                    </m:oMathParaPr>
+                    <m:oMath xmlns:m="http://schemas.openxmlformats.org/officeDocument/2006/math">
+                      <m:sSub>
+                        <m:sSubPr>
+                          <m:ctrlPr>
+                            <a:rPr kumimoji="1" lang="en-US" altLang="ja-JP" sz="1800" i="1" smtClean="0">
+                              <a:latin typeface="Cambria Math" panose="02040503050406030204" pitchFamily="18" charset="0"/>
+                            </a:rPr>
+                          </m:ctrlPr>
+                        </m:sSubPr>
+                        <m:e>
+                          <m:r>
+                            <a:rPr kumimoji="1" lang="en-US" altLang="ja-JP" sz="1800" b="1" i="1" smtClean="0">
+                              <a:latin typeface="Cambria Math" panose="02040503050406030204" pitchFamily="18" charset="0"/>
+                            </a:rPr>
+                            <m:t>𝒗</m:t>
+                          </m:r>
+                        </m:e>
+                        <m:sub>
+                          <m:r>
+                            <a:rPr kumimoji="1" lang="en-US" altLang="ja-JP" sz="1800" b="0" i="1" smtClean="0">
+                              <a:latin typeface="Cambria Math" panose="02040503050406030204" pitchFamily="18" charset="0"/>
+                            </a:rPr>
+                            <m:t>𝑛</m:t>
+                          </m:r>
+                          <m:r>
+                            <a:rPr kumimoji="1" lang="en-US" altLang="ja-JP" sz="1800" b="0" i="1" smtClean="0">
+                              <a:latin typeface="Cambria Math" panose="02040503050406030204" pitchFamily="18" charset="0"/>
+                            </a:rPr>
+                            <m:t>+1</m:t>
+                          </m:r>
+                        </m:sub>
+                      </m:sSub>
+                      <m:r>
+                        <a:rPr kumimoji="1" lang="en-US" altLang="ja-JP" sz="1800" b="0" i="0" smtClean="0">
+                          <a:latin typeface="Cambria Math" panose="02040503050406030204" pitchFamily="18" charset="0"/>
+                        </a:rPr>
+                        <m:t>=</m:t>
+                      </m:r>
+                      <m:sSub>
+                        <m:sSubPr>
+                          <m:ctrlPr>
+                            <a:rPr kumimoji="1" lang="en-US" altLang="ja-JP" sz="1800" b="0" i="1" smtClean="0">
+                              <a:latin typeface="Cambria Math" panose="02040503050406030204" pitchFamily="18" charset="0"/>
+                            </a:rPr>
+                          </m:ctrlPr>
+                        </m:sSubPr>
+                        <m:e>
+                          <m:r>
+                            <a:rPr kumimoji="1" lang="en-US" altLang="ja-JP" sz="1800" b="1" i="1" smtClean="0">
+                              <a:latin typeface="Cambria Math" panose="02040503050406030204" pitchFamily="18" charset="0"/>
+                            </a:rPr>
+                            <m:t>𝒗</m:t>
+                          </m:r>
+                        </m:e>
+                        <m:sub>
+                          <m:r>
+                            <a:rPr kumimoji="1" lang="en-US" altLang="ja-JP" sz="1800" b="0" i="1" smtClean="0">
+                              <a:latin typeface="Cambria Math" panose="02040503050406030204" pitchFamily="18" charset="0"/>
+                            </a:rPr>
+                            <m:t>𝑛</m:t>
+                          </m:r>
+                        </m:sub>
+                      </m:sSub>
+                      <m:r>
+                        <a:rPr kumimoji="1" lang="en-US" altLang="ja-JP" sz="1800" b="0" i="1" smtClean="0">
+                          <a:latin typeface="Cambria Math" panose="02040503050406030204" pitchFamily="18" charset="0"/>
+                        </a:rPr>
+                        <m:t>+</m:t>
+                      </m:r>
+                      <m:f>
+                        <m:fPr>
+                          <m:ctrlPr>
+                            <a:rPr kumimoji="1" lang="en-US" altLang="ja-JP" sz="1800" b="0" i="1" smtClean="0">
+                              <a:latin typeface="Cambria Math" panose="02040503050406030204" pitchFamily="18" charset="0"/>
+                            </a:rPr>
+                          </m:ctrlPr>
+                        </m:fPr>
+                        <m:num>
+                          <m:r>
+                            <a:rPr kumimoji="1" lang="en-US" altLang="ja-JP" sz="1800" b="0" i="1" smtClean="0">
+                              <a:latin typeface="Cambria Math" panose="02040503050406030204" pitchFamily="18" charset="0"/>
+                            </a:rPr>
+                            <m:t>1</m:t>
+                          </m:r>
+                        </m:num>
+                        <m:den>
+                          <m:r>
+                            <a:rPr kumimoji="1" lang="en-US" altLang="ja-JP" sz="1800" b="0" i="1" smtClean="0">
+                              <a:latin typeface="Cambria Math" panose="02040503050406030204" pitchFamily="18" charset="0"/>
+                            </a:rPr>
+                            <m:t>6</m:t>
+                          </m:r>
+                        </m:den>
+                      </m:f>
+                      <m:d>
+                        <m:dPr>
+                          <m:ctrlPr>
+                            <a:rPr kumimoji="1" lang="en-US" altLang="ja-JP" sz="1800" b="0" i="1" smtClean="0">
+                              <a:latin typeface="Cambria Math" panose="02040503050406030204" pitchFamily="18" charset="0"/>
+                            </a:rPr>
+                          </m:ctrlPr>
+                        </m:dPr>
+                        <m:e>
+                          <m:sSub>
+                            <m:sSubPr>
+                              <m:ctrlPr>
+                                <a:rPr kumimoji="1" lang="en-US" altLang="ja-JP" sz="1800" b="0" i="1" smtClean="0">
+                                  <a:latin typeface="Cambria Math" panose="02040503050406030204" pitchFamily="18" charset="0"/>
+                                </a:rPr>
+                              </m:ctrlPr>
+                            </m:sSubPr>
+                            <m:e>
+                              <m:r>
+                                <a:rPr kumimoji="1" lang="en-US" altLang="ja-JP" sz="1800" b="0" i="1" smtClean="0">
+                                  <a:latin typeface="Cambria Math" panose="02040503050406030204" pitchFamily="18" charset="0"/>
+                                </a:rPr>
+                                <m:t>𝑘</m:t>
+                              </m:r>
+                            </m:e>
+                            <m:sub>
+                              <m:r>
+                                <a:rPr kumimoji="1" lang="en-US" altLang="ja-JP" sz="1800" b="0" i="1" smtClean="0">
+                                  <a:latin typeface="Cambria Math" panose="02040503050406030204" pitchFamily="18" charset="0"/>
+                                </a:rPr>
+                                <m:t>𝑣</m:t>
+                              </m:r>
+                              <m:r>
+                                <a:rPr kumimoji="1" lang="en-US" altLang="ja-JP" sz="1800" b="0" i="1" smtClean="0">
+                                  <a:latin typeface="Cambria Math" panose="02040503050406030204" pitchFamily="18" charset="0"/>
+                                </a:rPr>
+                                <m:t>1</m:t>
+                              </m:r>
+                            </m:sub>
+                          </m:sSub>
+                          <m:r>
+                            <a:rPr kumimoji="1" lang="en-US" altLang="ja-JP" sz="1800" b="0" i="1" smtClean="0">
+                              <a:latin typeface="Cambria Math" panose="02040503050406030204" pitchFamily="18" charset="0"/>
+                            </a:rPr>
+                            <m:t>+2</m:t>
+                          </m:r>
+                          <m:sSub>
+                            <m:sSubPr>
+                              <m:ctrlPr>
+                                <a:rPr kumimoji="1" lang="en-US" altLang="ja-JP" sz="1800" b="0" i="1" smtClean="0">
+                                  <a:latin typeface="Cambria Math" panose="02040503050406030204" pitchFamily="18" charset="0"/>
+                                </a:rPr>
+                              </m:ctrlPr>
+                            </m:sSubPr>
+                            <m:e>
+                              <m:r>
+                                <a:rPr kumimoji="1" lang="en-US" altLang="ja-JP" sz="1800" b="0" i="1" smtClean="0">
+                                  <a:latin typeface="Cambria Math" panose="02040503050406030204" pitchFamily="18" charset="0"/>
+                                </a:rPr>
+                                <m:t>𝑘</m:t>
+                              </m:r>
+                            </m:e>
+                            <m:sub>
+                              <m:r>
+                                <a:rPr kumimoji="1" lang="en-US" altLang="ja-JP" sz="1800" b="0" i="1" smtClean="0">
+                                  <a:latin typeface="Cambria Math" panose="02040503050406030204" pitchFamily="18" charset="0"/>
+                                </a:rPr>
+                                <m:t>𝑣</m:t>
+                              </m:r>
+                              <m:r>
+                                <a:rPr kumimoji="1" lang="en-US" altLang="ja-JP" sz="1800" b="0" i="1" smtClean="0">
+                                  <a:latin typeface="Cambria Math" panose="02040503050406030204" pitchFamily="18" charset="0"/>
+                                </a:rPr>
+                                <m:t>2</m:t>
+                              </m:r>
+                            </m:sub>
+                          </m:sSub>
+                          <m:r>
+                            <a:rPr kumimoji="1" lang="en-US" altLang="ja-JP" sz="1800" b="0" i="1" smtClean="0">
+                              <a:latin typeface="Cambria Math" panose="02040503050406030204" pitchFamily="18" charset="0"/>
+                            </a:rPr>
+                            <m:t>+2</m:t>
+                          </m:r>
+                          <m:sSub>
+                            <m:sSubPr>
+                              <m:ctrlPr>
+                                <a:rPr kumimoji="1" lang="en-US" altLang="ja-JP" sz="1800" b="0" i="1" smtClean="0">
+                                  <a:latin typeface="Cambria Math" panose="02040503050406030204" pitchFamily="18" charset="0"/>
+                                </a:rPr>
+                              </m:ctrlPr>
+                            </m:sSubPr>
+                            <m:e>
+                              <m:r>
+                                <a:rPr kumimoji="1" lang="en-US" altLang="ja-JP" sz="1800" b="0" i="1" smtClean="0">
+                                  <a:latin typeface="Cambria Math" panose="02040503050406030204" pitchFamily="18" charset="0"/>
+                                </a:rPr>
+                                <m:t>𝑘</m:t>
+                              </m:r>
+                            </m:e>
+                            <m:sub>
+                              <m:r>
+                                <a:rPr kumimoji="1" lang="en-US" altLang="ja-JP" sz="1800" b="0" i="1" smtClean="0">
+                                  <a:latin typeface="Cambria Math" panose="02040503050406030204" pitchFamily="18" charset="0"/>
+                                </a:rPr>
+                                <m:t>𝑣</m:t>
+                              </m:r>
+                              <m:r>
+                                <a:rPr kumimoji="1" lang="en-US" altLang="ja-JP" sz="1800" b="0" i="1" smtClean="0">
+                                  <a:latin typeface="Cambria Math" panose="02040503050406030204" pitchFamily="18" charset="0"/>
+                                </a:rPr>
+                                <m:t>3</m:t>
+                              </m:r>
+                            </m:sub>
+                          </m:sSub>
+                          <m:r>
+                            <a:rPr kumimoji="1" lang="en-US" altLang="ja-JP" sz="1800" b="0" i="1" smtClean="0">
+                              <a:latin typeface="Cambria Math" panose="02040503050406030204" pitchFamily="18" charset="0"/>
+                            </a:rPr>
+                            <m:t>+</m:t>
+                          </m:r>
+                          <m:sSub>
+                            <m:sSubPr>
+                              <m:ctrlPr>
+                                <a:rPr kumimoji="1" lang="en-US" altLang="ja-JP" sz="1800" b="0" i="1" smtClean="0">
+                                  <a:latin typeface="Cambria Math" panose="02040503050406030204" pitchFamily="18" charset="0"/>
+                                </a:rPr>
+                              </m:ctrlPr>
+                            </m:sSubPr>
+                            <m:e>
+                              <m:r>
+                                <a:rPr kumimoji="1" lang="en-US" altLang="ja-JP" sz="1800" b="0" i="1" smtClean="0">
+                                  <a:latin typeface="Cambria Math" panose="02040503050406030204" pitchFamily="18" charset="0"/>
+                                </a:rPr>
+                                <m:t>𝑘</m:t>
+                              </m:r>
+                            </m:e>
+                            <m:sub>
+                              <m:r>
+                                <a:rPr kumimoji="1" lang="en-US" altLang="ja-JP" sz="1800" b="0" i="1" smtClean="0">
+                                  <a:latin typeface="Cambria Math" panose="02040503050406030204" pitchFamily="18" charset="0"/>
+                                </a:rPr>
+                                <m:t>𝑣</m:t>
+                              </m:r>
+                              <m:r>
+                                <a:rPr kumimoji="1" lang="en-US" altLang="ja-JP" sz="1800" b="0" i="1" smtClean="0">
+                                  <a:latin typeface="Cambria Math" panose="02040503050406030204" pitchFamily="18" charset="0"/>
+                                </a:rPr>
+                                <m:t>4</m:t>
+                              </m:r>
+                            </m:sub>
+                          </m:sSub>
+                        </m:e>
+                      </m:d>
+                      <m:r>
+                        <a:rPr kumimoji="1" lang="en-US" altLang="ja-JP" sz="1800" b="0" i="1" smtClean="0">
+                          <a:latin typeface="Cambria Math" panose="02040503050406030204" pitchFamily="18" charset="0"/>
+                          <a:ea typeface="Cambria Math" panose="02040503050406030204" pitchFamily="18" charset="0"/>
+                        </a:rPr>
+                        <m:t>∆</m:t>
+                      </m:r>
+                      <m:r>
+                        <a:rPr kumimoji="1" lang="en-US" altLang="ja-JP" sz="1800" b="0" i="1" smtClean="0">
+                          <a:latin typeface="Cambria Math" panose="02040503050406030204" pitchFamily="18" charset="0"/>
+                          <a:ea typeface="Cambria Math" panose="02040503050406030204" pitchFamily="18" charset="0"/>
+                        </a:rPr>
+                        <m:t>𝑡</m:t>
+                      </m:r>
+                    </m:oMath>
+                  </m:oMathPara>
+                </a14:m>
+                <a:endParaRPr kumimoji="1" lang="en-US" altLang="ja-JP" sz="1800" dirty="0"/>
+              </a:p>
+              <a:p>
+                <a:pPr marL="0" indent="0">
+                  <a:buNone/>
+                </a:pPr>
+                <a:endParaRPr lang="en-US" altLang="ja-JP" sz="1800" dirty="0"/>
+              </a:p>
+              <a:p>
+                <a:pPr marL="0" indent="0">
+                  <a:buNone/>
+                </a:pPr>
+                <a14:m>
+                  <m:oMathPara xmlns:m="http://schemas.openxmlformats.org/officeDocument/2006/math">
+                    <m:oMathParaPr>
+                      <m:jc m:val="centerGroup"/>
+                    </m:oMathParaPr>
+                    <m:oMath xmlns:m="http://schemas.openxmlformats.org/officeDocument/2006/math">
+                      <m:sSub>
+                        <m:sSubPr>
+                          <m:ctrlPr>
+                            <a:rPr kumimoji="1" lang="en-US" altLang="ja-JP" sz="1800" i="1" smtClean="0">
+                              <a:latin typeface="Cambria Math" panose="02040503050406030204" pitchFamily="18" charset="0"/>
+                            </a:rPr>
+                          </m:ctrlPr>
+                        </m:sSubPr>
+                        <m:e>
+                          <m:r>
+                            <a:rPr kumimoji="1" lang="en-US" altLang="ja-JP" sz="1800" b="1" i="1" smtClean="0">
+                              <a:latin typeface="Cambria Math" panose="02040503050406030204" pitchFamily="18" charset="0"/>
+                            </a:rPr>
+                            <m:t>𝒓</m:t>
+                          </m:r>
+                        </m:e>
+                        <m:sub>
+                          <m:r>
+                            <a:rPr kumimoji="1" lang="en-US" altLang="ja-JP" sz="1800" b="0" i="1" smtClean="0">
+                              <a:latin typeface="Cambria Math" panose="02040503050406030204" pitchFamily="18" charset="0"/>
+                            </a:rPr>
+                            <m:t>𝑛</m:t>
+                          </m:r>
+                          <m:r>
+                            <a:rPr kumimoji="1" lang="en-US" altLang="ja-JP" sz="1800" b="0" i="1" smtClean="0">
+                              <a:latin typeface="Cambria Math" panose="02040503050406030204" pitchFamily="18" charset="0"/>
+                            </a:rPr>
+                            <m:t>+1</m:t>
+                          </m:r>
+                        </m:sub>
+                      </m:sSub>
+                      <m:r>
+                        <a:rPr kumimoji="1" lang="en-US" altLang="ja-JP" sz="1800" b="0" i="0" smtClean="0">
+                          <a:latin typeface="Cambria Math" panose="02040503050406030204" pitchFamily="18" charset="0"/>
+                        </a:rPr>
+                        <m:t>=</m:t>
+                      </m:r>
+                      <m:sSub>
+                        <m:sSubPr>
+                          <m:ctrlPr>
+                            <a:rPr kumimoji="1" lang="en-US" altLang="ja-JP" sz="1800" b="0" i="1" smtClean="0">
+                              <a:latin typeface="Cambria Math" panose="02040503050406030204" pitchFamily="18" charset="0"/>
+                            </a:rPr>
+                          </m:ctrlPr>
+                        </m:sSubPr>
+                        <m:e>
+                          <m:r>
+                            <a:rPr kumimoji="1" lang="en-US" altLang="ja-JP" sz="1800" b="1" i="1" smtClean="0">
+                              <a:latin typeface="Cambria Math" panose="02040503050406030204" pitchFamily="18" charset="0"/>
+                            </a:rPr>
+                            <m:t>𝒓</m:t>
+                          </m:r>
+                        </m:e>
+                        <m:sub>
+                          <m:r>
+                            <a:rPr kumimoji="1" lang="en-US" altLang="ja-JP" sz="1800" b="0" i="1" smtClean="0">
+                              <a:latin typeface="Cambria Math" panose="02040503050406030204" pitchFamily="18" charset="0"/>
+                            </a:rPr>
+                            <m:t>𝑛</m:t>
+                          </m:r>
+                        </m:sub>
+                      </m:sSub>
+                      <m:r>
+                        <a:rPr kumimoji="1" lang="en-US" altLang="ja-JP" sz="1800" b="0" i="1" smtClean="0">
+                          <a:latin typeface="Cambria Math" panose="02040503050406030204" pitchFamily="18" charset="0"/>
+                        </a:rPr>
+                        <m:t>+</m:t>
+                      </m:r>
+                      <m:f>
+                        <m:fPr>
+                          <m:ctrlPr>
+                            <a:rPr kumimoji="1" lang="en-US" altLang="ja-JP" sz="1800" b="0" i="1" smtClean="0">
+                              <a:latin typeface="Cambria Math" panose="02040503050406030204" pitchFamily="18" charset="0"/>
+                            </a:rPr>
+                          </m:ctrlPr>
+                        </m:fPr>
+                        <m:num>
+                          <m:r>
+                            <a:rPr kumimoji="1" lang="en-US" altLang="ja-JP" sz="1800" b="0" i="1" smtClean="0">
+                              <a:latin typeface="Cambria Math" panose="02040503050406030204" pitchFamily="18" charset="0"/>
+                            </a:rPr>
+                            <m:t>1</m:t>
+                          </m:r>
+                        </m:num>
+                        <m:den>
+                          <m:r>
+                            <a:rPr kumimoji="1" lang="en-US" altLang="ja-JP" sz="1800" b="0" i="1" smtClean="0">
+                              <a:latin typeface="Cambria Math" panose="02040503050406030204" pitchFamily="18" charset="0"/>
+                            </a:rPr>
+                            <m:t>6</m:t>
+                          </m:r>
+                        </m:den>
+                      </m:f>
+                      <m:d>
+                        <m:dPr>
+                          <m:ctrlPr>
+                            <a:rPr kumimoji="1" lang="en-US" altLang="ja-JP" sz="1800" b="0" i="1" smtClean="0">
+                              <a:latin typeface="Cambria Math" panose="02040503050406030204" pitchFamily="18" charset="0"/>
+                            </a:rPr>
+                          </m:ctrlPr>
+                        </m:dPr>
+                        <m:e>
+                          <m:sSub>
+                            <m:sSubPr>
+                              <m:ctrlPr>
+                                <a:rPr kumimoji="1" lang="en-US" altLang="ja-JP" sz="1800" b="0" i="1" smtClean="0">
+                                  <a:latin typeface="Cambria Math" panose="02040503050406030204" pitchFamily="18" charset="0"/>
+                                </a:rPr>
+                              </m:ctrlPr>
+                            </m:sSubPr>
+                            <m:e>
+                              <m:r>
+                                <a:rPr kumimoji="1" lang="en-US" altLang="ja-JP" sz="1800" b="0" i="1" smtClean="0">
+                                  <a:latin typeface="Cambria Math" panose="02040503050406030204" pitchFamily="18" charset="0"/>
+                                </a:rPr>
+                                <m:t>𝑘</m:t>
+                              </m:r>
+                            </m:e>
+                            <m:sub>
+                              <m:r>
+                                <a:rPr kumimoji="1" lang="en-US" altLang="ja-JP" sz="1800" b="0" i="1" smtClean="0">
+                                  <a:latin typeface="Cambria Math" panose="02040503050406030204" pitchFamily="18" charset="0"/>
+                                </a:rPr>
+                                <m:t>𝑟</m:t>
+                              </m:r>
+                              <m:r>
+                                <a:rPr kumimoji="1" lang="en-US" altLang="ja-JP" sz="1800" b="0" i="1" smtClean="0">
+                                  <a:latin typeface="Cambria Math" panose="02040503050406030204" pitchFamily="18" charset="0"/>
+                                </a:rPr>
+                                <m:t>1</m:t>
+                              </m:r>
+                            </m:sub>
+                          </m:sSub>
+                          <m:r>
+                            <a:rPr kumimoji="1" lang="en-US" altLang="ja-JP" sz="1800" b="0" i="1" smtClean="0">
+                              <a:latin typeface="Cambria Math" panose="02040503050406030204" pitchFamily="18" charset="0"/>
+                            </a:rPr>
+                            <m:t>+2</m:t>
+                          </m:r>
+                          <m:sSub>
+                            <m:sSubPr>
+                              <m:ctrlPr>
+                                <a:rPr kumimoji="1" lang="en-US" altLang="ja-JP" sz="1800" b="0" i="1" smtClean="0">
+                                  <a:latin typeface="Cambria Math" panose="02040503050406030204" pitchFamily="18" charset="0"/>
+                                </a:rPr>
+                              </m:ctrlPr>
+                            </m:sSubPr>
+                            <m:e>
+                              <m:r>
+                                <a:rPr kumimoji="1" lang="en-US" altLang="ja-JP" sz="1800" b="0" i="1" smtClean="0">
+                                  <a:latin typeface="Cambria Math" panose="02040503050406030204" pitchFamily="18" charset="0"/>
+                                </a:rPr>
+                                <m:t>𝑘</m:t>
+                              </m:r>
+                            </m:e>
+                            <m:sub>
+                              <m:r>
+                                <a:rPr kumimoji="1" lang="en-US" altLang="ja-JP" sz="1800" b="0" i="1" smtClean="0">
+                                  <a:latin typeface="Cambria Math" panose="02040503050406030204" pitchFamily="18" charset="0"/>
+                                </a:rPr>
+                                <m:t>𝑟</m:t>
+                              </m:r>
+                              <m:r>
+                                <a:rPr kumimoji="1" lang="en-US" altLang="ja-JP" sz="1800" b="0" i="1" smtClean="0">
+                                  <a:latin typeface="Cambria Math" panose="02040503050406030204" pitchFamily="18" charset="0"/>
+                                </a:rPr>
+                                <m:t>2</m:t>
+                              </m:r>
+                            </m:sub>
+                          </m:sSub>
+                          <m:r>
+                            <a:rPr kumimoji="1" lang="en-US" altLang="ja-JP" sz="1800" b="0" i="1" smtClean="0">
+                              <a:latin typeface="Cambria Math" panose="02040503050406030204" pitchFamily="18" charset="0"/>
+                            </a:rPr>
+                            <m:t>+2</m:t>
+                          </m:r>
+                          <m:sSub>
+                            <m:sSubPr>
+                              <m:ctrlPr>
+                                <a:rPr kumimoji="1" lang="en-US" altLang="ja-JP" sz="1800" b="0" i="1" smtClean="0">
+                                  <a:latin typeface="Cambria Math" panose="02040503050406030204" pitchFamily="18" charset="0"/>
+                                </a:rPr>
+                              </m:ctrlPr>
+                            </m:sSubPr>
+                            <m:e>
+                              <m:r>
+                                <a:rPr kumimoji="1" lang="en-US" altLang="ja-JP" sz="1800" b="0" i="1" smtClean="0">
+                                  <a:latin typeface="Cambria Math" panose="02040503050406030204" pitchFamily="18" charset="0"/>
+                                </a:rPr>
+                                <m:t>𝑘</m:t>
+                              </m:r>
+                            </m:e>
+                            <m:sub>
+                              <m:r>
+                                <a:rPr kumimoji="1" lang="en-US" altLang="ja-JP" sz="1800" b="0" i="1" smtClean="0">
+                                  <a:latin typeface="Cambria Math" panose="02040503050406030204" pitchFamily="18" charset="0"/>
+                                </a:rPr>
+                                <m:t>𝑟</m:t>
+                              </m:r>
+                              <m:r>
+                                <a:rPr kumimoji="1" lang="en-US" altLang="ja-JP" sz="1800" b="0" i="1" smtClean="0">
+                                  <a:latin typeface="Cambria Math" panose="02040503050406030204" pitchFamily="18" charset="0"/>
+                                </a:rPr>
+                                <m:t>3</m:t>
+                              </m:r>
+                            </m:sub>
+                          </m:sSub>
+                          <m:r>
+                            <a:rPr kumimoji="1" lang="en-US" altLang="ja-JP" sz="1800" b="0" i="1" smtClean="0">
+                              <a:latin typeface="Cambria Math" panose="02040503050406030204" pitchFamily="18" charset="0"/>
+                            </a:rPr>
+                            <m:t>+</m:t>
+                          </m:r>
+                          <m:sSub>
+                            <m:sSubPr>
+                              <m:ctrlPr>
+                                <a:rPr kumimoji="1" lang="en-US" altLang="ja-JP" sz="1800" b="0" i="1" smtClean="0">
+                                  <a:latin typeface="Cambria Math" panose="02040503050406030204" pitchFamily="18" charset="0"/>
+                                </a:rPr>
+                              </m:ctrlPr>
+                            </m:sSubPr>
+                            <m:e>
+                              <m:r>
+                                <a:rPr kumimoji="1" lang="en-US" altLang="ja-JP" sz="1800" b="0" i="1" smtClean="0">
+                                  <a:latin typeface="Cambria Math" panose="02040503050406030204" pitchFamily="18" charset="0"/>
+                                </a:rPr>
+                                <m:t>𝑘</m:t>
+                              </m:r>
+                            </m:e>
+                            <m:sub>
+                              <m:r>
+                                <a:rPr kumimoji="1" lang="en-US" altLang="ja-JP" sz="1800" b="0" i="1" smtClean="0">
+                                  <a:latin typeface="Cambria Math" panose="02040503050406030204" pitchFamily="18" charset="0"/>
+                                </a:rPr>
+                                <m:t>𝑟</m:t>
+                              </m:r>
+                              <m:r>
+                                <a:rPr kumimoji="1" lang="en-US" altLang="ja-JP" sz="1800" b="0" i="1" smtClean="0">
+                                  <a:latin typeface="Cambria Math" panose="02040503050406030204" pitchFamily="18" charset="0"/>
+                                </a:rPr>
+                                <m:t>4</m:t>
+                              </m:r>
+                            </m:sub>
+                          </m:sSub>
+                        </m:e>
+                      </m:d>
+                      <m:r>
+                        <a:rPr kumimoji="1" lang="en-US" altLang="ja-JP" sz="1800" b="0" i="1" smtClean="0">
+                          <a:latin typeface="Cambria Math" panose="02040503050406030204" pitchFamily="18" charset="0"/>
+                          <a:ea typeface="Cambria Math" panose="02040503050406030204" pitchFamily="18" charset="0"/>
+                        </a:rPr>
+                        <m:t>∆</m:t>
+                      </m:r>
+                      <m:r>
+                        <a:rPr kumimoji="1" lang="en-US" altLang="ja-JP" sz="1800" b="0" i="1" smtClean="0">
+                          <a:latin typeface="Cambria Math" panose="02040503050406030204" pitchFamily="18" charset="0"/>
+                          <a:ea typeface="Cambria Math" panose="02040503050406030204" pitchFamily="18" charset="0"/>
+                        </a:rPr>
+                        <m:t>𝑡</m:t>
+                      </m:r>
+                    </m:oMath>
+                  </m:oMathPara>
+                </a14:m>
+                <a:endParaRPr kumimoji="1" lang="en-US" altLang="ja-JP" sz="1800" dirty="0"/>
+              </a:p>
+              <a:p>
+                <a:endParaRPr kumimoji="1" lang="ja-JP" altLang="en-US" dirty="0"/>
+              </a:p>
+            </p:txBody>
+          </p:sp>
+        </mc:Choice>
+        <mc:Fallback>
+          <p:sp>
+            <p:nvSpPr>
+              <p:cNvPr id="12" name="テキスト ボックス 11">
+                <a:extLst>
+                  <a:ext uri="{FF2B5EF4-FFF2-40B4-BE49-F238E27FC236}">
+                    <a16:creationId xmlns:a16="http://schemas.microsoft.com/office/drawing/2014/main" id="{9116FC03-980C-4A33-87C7-1F78F58A0DC5}"/>
+                  </a:ext>
+                </a:extLst>
+              </p:cNvPr>
+              <p:cNvSpPr txBox="1">
+                <a:spLocks noRot="1" noChangeAspect="1" noMove="1" noResize="1" noEditPoints="1" noAdjustHandles="1" noChangeArrowheads="1" noChangeShapeType="1" noTextEdit="1"/>
+              </p:cNvSpPr>
+              <p:nvPr/>
+            </p:nvSpPr>
+            <p:spPr>
+              <a:xfrm>
+                <a:off x="3200401" y="2162522"/>
+                <a:ext cx="4933950" cy="1687129"/>
+              </a:xfrm>
+              <a:prstGeom prst="rect">
+                <a:avLst/>
+              </a:prstGeom>
+              <a:blipFill>
+                <a:blip r:embed="rId7"/>
+                <a:stretch>
+                  <a:fillRect/>
+                </a:stretch>
+              </a:blipFill>
+            </p:spPr>
+            <p:txBody>
+              <a:bodyPr/>
+              <a:lstStyle/>
+              <a:p>
+                <a:r>
+                  <a:rPr lang="ja-JP" altLang="en-US">
+                    <a:noFill/>
+                  </a:rPr>
+                  <a:t> </a:t>
+                </a:r>
+              </a:p>
+            </p:txBody>
+          </p:sp>
+        </mc:Fallback>
+      </mc:AlternateContent>
     </p:spTree>
     <p:extLst>
       <p:ext uri="{BB962C8B-B14F-4D97-AF65-F5344CB8AC3E}">
-        <p14:creationId xmlns:p14="http://schemas.microsoft.com/office/powerpoint/2010/main" val="4005171099"/>
+        <p14:creationId xmlns:p14="http://schemas.microsoft.com/office/powerpoint/2010/main" val="1239435982"/>
       </p:ext>
     </p:extLst>
   </p:cSld>
@@ -6417,7 +12285,7 @@
           <p:cNvPr id="2" name="タイトル 1">
             <a:extLst>
               <a:ext uri="{FF2B5EF4-FFF2-40B4-BE49-F238E27FC236}">
-                <a16:creationId xmlns:a16="http://schemas.microsoft.com/office/drawing/2014/main" id="{06377A0F-76E0-47BF-BA71-E115BE754D23}"/>
+                <a16:creationId xmlns:a16="http://schemas.microsoft.com/office/drawing/2014/main" id="{C32D7F0D-6BD4-423D-9985-FE57949AA538}"/>
               </a:ext>
             </a:extLst>
           </p:cNvPr>
@@ -6428,24 +12296,29 @@
             <p:ph type="title"/>
           </p:nvPr>
         </p:nvSpPr>
-        <p:spPr/>
+        <p:spPr>
+          <a:xfrm>
+            <a:off x="0" y="0"/>
+            <a:ext cx="10515600" cy="1325563"/>
+          </a:xfrm>
+        </p:spPr>
         <p:txBody>
           <a:bodyPr/>
           <a:lstStyle/>
           <a:p>
             <a:r>
               <a:rPr kumimoji="1" lang="ja-JP" altLang="en-US" dirty="0"/>
-              <a:t>進捗</a:t>
+              <a:t>電場、磁場、ルンゲクッタ法のテスト</a:t>
             </a:r>
           </a:p>
         </p:txBody>
       </p:sp>
       <p:grpSp>
         <p:nvGrpSpPr>
-          <p:cNvPr id="3" name="グループ化 2">
+          <p:cNvPr id="12" name="グループ化 11">
             <a:extLst>
               <a:ext uri="{FF2B5EF4-FFF2-40B4-BE49-F238E27FC236}">
-                <a16:creationId xmlns:a16="http://schemas.microsoft.com/office/drawing/2014/main" id="{D2922C5C-C4BC-4916-BD6E-3E396ACA51B1}"/>
+                <a16:creationId xmlns:a16="http://schemas.microsoft.com/office/drawing/2014/main" id="{BC74E514-C34B-4CA3-AAFC-4E28201B6FE6}"/>
               </a:ext>
             </a:extLst>
           </p:cNvPr>
@@ -6454,54 +12327,18 @@
         </p:nvGrpSpPr>
         <p:grpSpPr>
           <a:xfrm>
-            <a:off x="0" y="1446346"/>
-            <a:ext cx="11858829" cy="4931119"/>
-            <a:chOff x="0" y="1446346"/>
-            <a:chExt cx="11858829" cy="4931119"/>
+            <a:off x="1481579" y="1994358"/>
+            <a:ext cx="9228841" cy="3928430"/>
+            <a:chOff x="838200" y="2394408"/>
+            <a:chExt cx="9228841" cy="3928430"/>
           </a:xfrm>
         </p:grpSpPr>
-        <p:pic>
-          <p:nvPicPr>
-            <p:cNvPr id="6" name="図 5" descr="グラフ&#10;&#10;自動的に生成された説明">
+        <p:sp>
+          <p:nvSpPr>
+            <p:cNvPr id="4" name="テキスト ボックス 3">
               <a:extLst>
                 <a:ext uri="{FF2B5EF4-FFF2-40B4-BE49-F238E27FC236}">
-                  <a16:creationId xmlns:a16="http://schemas.microsoft.com/office/drawing/2014/main" id="{9FBDD498-CEE5-4F70-BCD9-52D001693E68}"/>
-                </a:ext>
-              </a:extLst>
-            </p:cNvPr>
-            <p:cNvPicPr>
-              <a:picLocks noChangeAspect="1"/>
-            </p:cNvPicPr>
-            <p:nvPr/>
-          </p:nvPicPr>
-          <p:blipFill>
-            <a:blip r:embed="rId3">
-              <a:extLst>
-                <a:ext uri="{28A0092B-C50C-407E-A947-70E740481C1C}">
-                  <a14:useLocalDpi xmlns:a14="http://schemas.microsoft.com/office/drawing/2010/main" val="0"/>
-                </a:ext>
-              </a:extLst>
-            </a:blip>
-            <a:stretch>
-              <a:fillRect/>
-            </a:stretch>
-          </p:blipFill>
-          <p:spPr>
-            <a:xfrm>
-              <a:off x="0" y="1446346"/>
-              <a:ext cx="11858829" cy="4931119"/>
-            </a:xfrm>
-            <a:prstGeom prst="rect">
-              <a:avLst/>
-            </a:prstGeom>
-          </p:spPr>
-        </p:pic>
-        <p:sp>
-          <p:nvSpPr>
-            <p:cNvPr id="7" name="テキスト ボックス 6">
-              <a:extLst>
-                <a:ext uri="{FF2B5EF4-FFF2-40B4-BE49-F238E27FC236}">
-                  <a16:creationId xmlns:a16="http://schemas.microsoft.com/office/drawing/2014/main" id="{23EDACD2-EFF7-4676-8EB3-9D64D1573179}"/>
+                  <a16:creationId xmlns:a16="http://schemas.microsoft.com/office/drawing/2014/main" id="{B98C56A1-7574-4865-BCD3-4D58BAE71C54}"/>
                 </a:ext>
               </a:extLst>
             </p:cNvPr>
@@ -6510,8 +12347,8 @@
           </p:nvSpPr>
           <p:spPr>
             <a:xfrm>
-              <a:off x="1319753" y="1692832"/>
-              <a:ext cx="1404594" cy="369332"/>
+              <a:off x="838200" y="3957920"/>
+              <a:ext cx="2290713" cy="369332"/>
             </a:xfrm>
             <a:prstGeom prst="rect">
               <a:avLst/>
@@ -6525,22 +12362,18 @@
             <a:lstStyle/>
             <a:p>
               <a:r>
-                <a:rPr lang="en-US" altLang="ja-JP" dirty="0"/>
-                <a:t>20</a:t>
-              </a:r>
-              <a:r>
                 <a:rPr kumimoji="1" lang="ja-JP" altLang="en-US" dirty="0"/>
-                <a:t>価</a:t>
+                <a:t>電場のテスト　⇒　</a:t>
               </a:r>
             </a:p>
           </p:txBody>
         </p:sp>
         <p:sp>
           <p:nvSpPr>
-            <p:cNvPr id="9" name="テキスト ボックス 8">
+            <p:cNvPr id="6" name="テキスト ボックス 5">
               <a:extLst>
                 <a:ext uri="{FF2B5EF4-FFF2-40B4-BE49-F238E27FC236}">
-                  <a16:creationId xmlns:a16="http://schemas.microsoft.com/office/drawing/2014/main" id="{AD773A8D-1CB8-4C1D-A923-FD288B30F058}"/>
+                  <a16:creationId xmlns:a16="http://schemas.microsoft.com/office/drawing/2014/main" id="{3080E26F-CE66-4F94-9B9F-A2DDA2CE31F3}"/>
                 </a:ext>
               </a:extLst>
             </p:cNvPr>
@@ -6549,8 +12382,8 @@
           </p:nvSpPr>
           <p:spPr>
             <a:xfrm>
-              <a:off x="4081806" y="1690688"/>
-              <a:ext cx="1404594" cy="369332"/>
+              <a:off x="838200" y="5676507"/>
+              <a:ext cx="2073897" cy="369332"/>
             </a:xfrm>
             <a:prstGeom prst="rect">
               <a:avLst/>
@@ -6564,63 +12397,194 @@
             <a:lstStyle/>
             <a:p>
               <a:r>
-                <a:rPr kumimoji="1" lang="en-US" altLang="ja-JP" dirty="0"/>
-                <a:t>1</a:t>
+                <a:rPr lang="ja-JP" altLang="en-US" dirty="0"/>
+                <a:t>磁場</a:t>
               </a:r>
               <a:r>
                 <a:rPr kumimoji="1" lang="ja-JP" altLang="en-US" dirty="0"/>
-                <a:t>価</a:t>
+                <a:t>のテスト　⇒</a:t>
               </a:r>
             </a:p>
           </p:txBody>
         </p:sp>
-        <p:cxnSp>
-          <p:nvCxnSpPr>
-            <p:cNvPr id="11" name="直線矢印コネクタ 10">
+        <p:sp>
+          <p:nvSpPr>
+            <p:cNvPr id="7" name="テキスト ボックス 6">
               <a:extLst>
                 <a:ext uri="{FF2B5EF4-FFF2-40B4-BE49-F238E27FC236}">
-                  <a16:creationId xmlns:a16="http://schemas.microsoft.com/office/drawing/2014/main" id="{702FB98B-88E9-40BE-9D46-A7761D73C00B}"/>
+                  <a16:creationId xmlns:a16="http://schemas.microsoft.com/office/drawing/2014/main" id="{1606EC2D-41A3-4A3E-8B09-7D25EF7A1B11}"/>
                 </a:ext>
               </a:extLst>
             </p:cNvPr>
-            <p:cNvCxnSpPr>
-              <a:endCxn id="9" idx="1"/>
-            </p:cNvCxnSpPr>
+            <p:cNvSpPr txBox="1"/>
             <p:nvPr/>
-          </p:nvCxnSpPr>
+          </p:nvSpPr>
           <p:spPr>
-            <a:xfrm flipV="1">
-              <a:off x="2022050" y="1875354"/>
-              <a:ext cx="2059756" cy="2144"/>
+            <a:xfrm>
+              <a:off x="2912097" y="3957920"/>
+              <a:ext cx="7154944" cy="646331"/>
             </a:xfrm>
-            <a:prstGeom prst="straightConnector1">
+            <a:prstGeom prst="rect">
               <a:avLst/>
             </a:prstGeom>
-            <a:ln w="19050">
-              <a:headEnd type="triangle"/>
-              <a:tailEnd type="triangle"/>
-            </a:ln>
+            <a:noFill/>
           </p:spPr>
-          <p:style>
-            <a:lnRef idx="1">
-              <a:schemeClr val="dk1"/>
-            </a:lnRef>
-            <a:fillRef idx="0">
-              <a:schemeClr val="dk1"/>
-            </a:fillRef>
-            <a:effectRef idx="0">
-              <a:schemeClr val="dk1"/>
-            </a:effectRef>
-            <a:fontRef idx="minor">
-              <a:schemeClr val="tx1"/>
-            </a:fontRef>
-          </p:style>
-        </p:cxnSp>
+          <p:txBody>
+            <a:bodyPr wrap="square" rtlCol="0">
+              <a:spAutoFit/>
+            </a:bodyPr>
+            <a:lstStyle/>
+            <a:p>
+              <a:r>
+                <a:rPr kumimoji="1" lang="ja-JP" altLang="en-US" dirty="0"/>
+                <a:t>一様電場中に初速度</a:t>
+              </a:r>
+              <a:r>
+                <a:rPr kumimoji="1" lang="en-US" altLang="ja-JP" dirty="0"/>
+                <a:t>0</a:t>
+              </a:r>
+              <a:r>
+                <a:rPr kumimoji="1" lang="ja-JP" altLang="en-US" dirty="0"/>
+                <a:t>でイオンを置く。座標が</a:t>
+              </a:r>
+              <a:r>
+                <a:rPr lang="en-US" altLang="ja-JP" dirty="0"/>
+                <a:t>40</a:t>
+              </a:r>
+              <a:r>
+                <a:rPr kumimoji="1" lang="en-US" altLang="ja-JP" dirty="0"/>
+                <a:t>0mm</a:t>
+              </a:r>
+              <a:r>
+                <a:rPr kumimoji="1" lang="ja-JP" altLang="en-US" dirty="0"/>
+                <a:t>を超える</a:t>
+              </a:r>
+              <a:r>
+                <a:rPr lang="ja-JP" altLang="en-US" dirty="0"/>
+                <a:t>までの時間を比べる</a:t>
+              </a:r>
+              <a:endParaRPr kumimoji="1" lang="ja-JP" altLang="en-US" dirty="0"/>
+            </a:p>
+          </p:txBody>
+        </p:sp>
+        <p:sp>
+          <p:nvSpPr>
+            <p:cNvPr id="8" name="テキスト ボックス 7">
+              <a:extLst>
+                <a:ext uri="{FF2B5EF4-FFF2-40B4-BE49-F238E27FC236}">
+                  <a16:creationId xmlns:a16="http://schemas.microsoft.com/office/drawing/2014/main" id="{89C5408B-4E6E-4CB3-9406-193A9ADEF36F}"/>
+                </a:ext>
+              </a:extLst>
+            </p:cNvPr>
+            <p:cNvSpPr txBox="1"/>
+            <p:nvPr/>
+          </p:nvSpPr>
+          <p:spPr>
+            <a:xfrm>
+              <a:off x="838201" y="2394408"/>
+              <a:ext cx="2073896" cy="369332"/>
+            </a:xfrm>
+            <a:prstGeom prst="rect">
+              <a:avLst/>
+            </a:prstGeom>
+            <a:noFill/>
+          </p:spPr>
+          <p:txBody>
+            <a:bodyPr wrap="square" rtlCol="0">
+              <a:spAutoFit/>
+            </a:bodyPr>
+            <a:lstStyle/>
+            <a:p>
+              <a:r>
+                <a:rPr kumimoji="1" lang="ja-JP" altLang="en-US" dirty="0"/>
+                <a:t>　　方針　　　⇒</a:t>
+              </a:r>
+            </a:p>
+          </p:txBody>
+        </p:sp>
+        <p:sp>
+          <p:nvSpPr>
+            <p:cNvPr id="9" name="テキスト ボックス 8">
+              <a:extLst>
+                <a:ext uri="{FF2B5EF4-FFF2-40B4-BE49-F238E27FC236}">
+                  <a16:creationId xmlns:a16="http://schemas.microsoft.com/office/drawing/2014/main" id="{3E5A9582-9F8C-4CE4-A9C5-CC13AA0AB2F8}"/>
+                </a:ext>
+              </a:extLst>
+            </p:cNvPr>
+            <p:cNvSpPr txBox="1"/>
+            <p:nvPr/>
+          </p:nvSpPr>
+          <p:spPr>
+            <a:xfrm>
+              <a:off x="3128913" y="2394408"/>
+              <a:ext cx="6938128" cy="646331"/>
+            </a:xfrm>
+            <a:prstGeom prst="rect">
+              <a:avLst/>
+            </a:prstGeom>
+            <a:noFill/>
+          </p:spPr>
+          <p:txBody>
+            <a:bodyPr wrap="square" rtlCol="0">
+              <a:spAutoFit/>
+            </a:bodyPr>
+            <a:lstStyle/>
+            <a:p>
+              <a:r>
+                <a:rPr kumimoji="1" lang="ja-JP" altLang="en-US" dirty="0"/>
+                <a:t>ある値について、プログラムから求めた値と</a:t>
+              </a:r>
+              <a:r>
+                <a:rPr kumimoji="1" lang="en-US" altLang="ja-JP" dirty="0"/>
+                <a:t>Excel</a:t>
+              </a:r>
+              <a:r>
+                <a:rPr kumimoji="1" lang="ja-JP" altLang="en-US" dirty="0"/>
+                <a:t>で解析的に求めた値が一致することを確認する</a:t>
+              </a:r>
+            </a:p>
+          </p:txBody>
+        </p:sp>
+        <p:sp>
+          <p:nvSpPr>
+            <p:cNvPr id="11" name="テキスト ボックス 10">
+              <a:extLst>
+                <a:ext uri="{FF2B5EF4-FFF2-40B4-BE49-F238E27FC236}">
+                  <a16:creationId xmlns:a16="http://schemas.microsoft.com/office/drawing/2014/main" id="{6AAA3C92-648B-4BF1-9F1D-5891DC2E7A89}"/>
+                </a:ext>
+              </a:extLst>
+            </p:cNvPr>
+            <p:cNvSpPr txBox="1"/>
+            <p:nvPr/>
+          </p:nvSpPr>
+          <p:spPr>
+            <a:xfrm>
+              <a:off x="2912097" y="5676507"/>
+              <a:ext cx="7154944" cy="646331"/>
+            </a:xfrm>
+            <a:prstGeom prst="rect">
+              <a:avLst/>
+            </a:prstGeom>
+            <a:noFill/>
+          </p:spPr>
+          <p:txBody>
+            <a:bodyPr wrap="square" rtlCol="0">
+              <a:spAutoFit/>
+            </a:bodyPr>
+            <a:lstStyle/>
+            <a:p>
+              <a:r>
+                <a:rPr kumimoji="1" lang="ja-JP" altLang="en-US" dirty="0"/>
+                <a:t>一様磁場中に円運動するように初速度を与えたイオンを置く。円の半径を比べる</a:t>
+              </a:r>
+            </a:p>
+          </p:txBody>
+        </p:sp>
       </p:grpSp>
     </p:spTree>
     <p:extLst>
       <p:ext uri="{BB962C8B-B14F-4D97-AF65-F5344CB8AC3E}">
-        <p14:creationId xmlns:p14="http://schemas.microsoft.com/office/powerpoint/2010/main" val="2497012554"/>
+        <p14:creationId xmlns:p14="http://schemas.microsoft.com/office/powerpoint/2010/main" val="534339761"/>
       </p:ext>
     </p:extLst>
   </p:cSld>
@@ -6915,7 +12879,35 @@
       </a:bgFillStyleLst>
     </a:fmtScheme>
   </a:themeElements>
-  <a:objectDefaults/>
+  <a:objectDefaults>
+    <a:spDef>
+      <a:spPr>
+        <a:noFill/>
+      </a:spPr>
+      <a:bodyPr rtlCol="0" anchor="ctr"/>
+      <a:lstStyle>
+        <a:defPPr algn="ctr">
+          <a:defRPr kumimoji="1"/>
+        </a:defPPr>
+      </a:lstStyle>
+      <a:style>
+        <a:lnRef idx="2">
+          <a:schemeClr val="accent1">
+            <a:shade val="50000"/>
+          </a:schemeClr>
+        </a:lnRef>
+        <a:fillRef idx="1">
+          <a:schemeClr val="accent1"/>
+        </a:fillRef>
+        <a:effectRef idx="0">
+          <a:schemeClr val="accent1"/>
+        </a:effectRef>
+        <a:fontRef idx="minor">
+          <a:schemeClr val="lt1"/>
+        </a:fontRef>
+      </a:style>
+    </a:spDef>
+  </a:objectDefaults>
   <a:extraClrSchemeLst/>
   <a:extLst>
     <a:ext uri="{05A4C25C-085E-4340-85A3-A5531E510DB2}">

--- a/docs/中間発表.pptx
+++ b/docs/中間発表.pptx
@@ -5,7 +5,7 @@
     <p:sldMasterId id="2147483738" r:id="rId1"/>
   </p:sldMasterIdLst>
   <p:notesMasterIdLst>
-    <p:notesMasterId r:id="rId19"/>
+    <p:notesMasterId r:id="rId20"/>
   </p:notesMasterIdLst>
   <p:sldIdLst>
     <p:sldId id="256" r:id="rId2"/>
@@ -15,16 +15,17 @@
     <p:sldId id="258" r:id="rId6"/>
     <p:sldId id="263" r:id="rId7"/>
     <p:sldId id="264" r:id="rId8"/>
-    <p:sldId id="272" r:id="rId9"/>
-    <p:sldId id="269" r:id="rId10"/>
-    <p:sldId id="270" r:id="rId11"/>
-    <p:sldId id="271" r:id="rId12"/>
-    <p:sldId id="265" r:id="rId13"/>
-    <p:sldId id="268" r:id="rId14"/>
-    <p:sldId id="259" r:id="rId15"/>
-    <p:sldId id="261" r:id="rId16"/>
-    <p:sldId id="260" r:id="rId17"/>
-    <p:sldId id="262" r:id="rId18"/>
+    <p:sldId id="273" r:id="rId9"/>
+    <p:sldId id="272" r:id="rId10"/>
+    <p:sldId id="269" r:id="rId11"/>
+    <p:sldId id="270" r:id="rId12"/>
+    <p:sldId id="271" r:id="rId13"/>
+    <p:sldId id="265" r:id="rId14"/>
+    <p:sldId id="268" r:id="rId15"/>
+    <p:sldId id="259" r:id="rId16"/>
+    <p:sldId id="261" r:id="rId17"/>
+    <p:sldId id="260" r:id="rId18"/>
+    <p:sldId id="262" r:id="rId19"/>
   </p:sldIdLst>
   <p:sldSz cx="12192000" cy="6858000"/>
   <p:notesSz cx="6858000" cy="9144000"/>
@@ -667,7 +668,7 @@
           <a:p>
             <a:fld id="{54FC74C9-A3B3-42D0-9EC6-DE7CEAAF28CE}" type="slidenum">
               <a:rPr kumimoji="1" lang="ja-JP" altLang="en-US" smtClean="0"/>
-              <a:t>17</a:t>
+              <a:t>18</a:t>
             </a:fld>
             <a:endParaRPr kumimoji="1" lang="ja-JP" altLang="en-US"/>
           </a:p>
@@ -1197,7 +1198,7 @@
           <a:p>
             <a:fld id="{54FC74C9-A3B3-42D0-9EC6-DE7CEAAF28CE}" type="slidenum">
               <a:rPr kumimoji="1" lang="ja-JP" altLang="en-US" smtClean="0"/>
-              <a:t>12</a:t>
+              <a:t>13</a:t>
             </a:fld>
             <a:endParaRPr kumimoji="1" lang="ja-JP" altLang="en-US"/>
           </a:p>
@@ -1281,7 +1282,7 @@
           <a:p>
             <a:fld id="{54FC74C9-A3B3-42D0-9EC6-DE7CEAAF28CE}" type="slidenum">
               <a:rPr kumimoji="1" lang="ja-JP" altLang="en-US" smtClean="0"/>
-              <a:t>13</a:t>
+              <a:t>14</a:t>
             </a:fld>
             <a:endParaRPr kumimoji="1" lang="ja-JP" altLang="en-US"/>
           </a:p>
@@ -1368,7 +1369,7 @@
           <a:p>
             <a:fld id="{54FC74C9-A3B3-42D0-9EC6-DE7CEAAF28CE}" type="slidenum">
               <a:rPr kumimoji="1" lang="ja-JP" altLang="en-US" smtClean="0"/>
-              <a:t>14</a:t>
+              <a:t>15</a:t>
             </a:fld>
             <a:endParaRPr kumimoji="1" lang="ja-JP" altLang="en-US"/>
           </a:p>
@@ -4998,6 +4999,337 @@
           <a:chExt cx="0" cy="0"/>
         </a:xfrm>
       </p:grpSpPr>
+      <p:sp>
+        <p:nvSpPr>
+          <p:cNvPr id="2" name="タイトル 1">
+            <a:extLst>
+              <a:ext uri="{FF2B5EF4-FFF2-40B4-BE49-F238E27FC236}">
+                <a16:creationId xmlns:a16="http://schemas.microsoft.com/office/drawing/2014/main" id="{C32D7F0D-6BD4-423D-9985-FE57949AA538}"/>
+              </a:ext>
+            </a:extLst>
+          </p:cNvPr>
+          <p:cNvSpPr>
+            <a:spLocks noGrp="1"/>
+          </p:cNvSpPr>
+          <p:nvPr>
+            <p:ph type="title"/>
+          </p:nvPr>
+        </p:nvSpPr>
+        <p:spPr>
+          <a:xfrm>
+            <a:off x="0" y="0"/>
+            <a:ext cx="10515600" cy="1325563"/>
+          </a:xfrm>
+        </p:spPr>
+        <p:txBody>
+          <a:bodyPr/>
+          <a:lstStyle/>
+          <a:p>
+            <a:r>
+              <a:rPr kumimoji="1" lang="ja-JP" altLang="en-US" dirty="0"/>
+              <a:t>電場、磁場、ルンゲクッタ法のテスト</a:t>
+            </a:r>
+          </a:p>
+        </p:txBody>
+      </p:sp>
+      <p:grpSp>
+        <p:nvGrpSpPr>
+          <p:cNvPr id="12" name="グループ化 11">
+            <a:extLst>
+              <a:ext uri="{FF2B5EF4-FFF2-40B4-BE49-F238E27FC236}">
+                <a16:creationId xmlns:a16="http://schemas.microsoft.com/office/drawing/2014/main" id="{BC74E514-C34B-4CA3-AAFC-4E28201B6FE6}"/>
+              </a:ext>
+            </a:extLst>
+          </p:cNvPr>
+          <p:cNvGrpSpPr/>
+          <p:nvPr/>
+        </p:nvGrpSpPr>
+        <p:grpSpPr>
+          <a:xfrm>
+            <a:off x="1481579" y="1994358"/>
+            <a:ext cx="9228841" cy="3928430"/>
+            <a:chOff x="838200" y="2394408"/>
+            <a:chExt cx="9228841" cy="3928430"/>
+          </a:xfrm>
+        </p:grpSpPr>
+        <p:sp>
+          <p:nvSpPr>
+            <p:cNvPr id="4" name="テキスト ボックス 3">
+              <a:extLst>
+                <a:ext uri="{FF2B5EF4-FFF2-40B4-BE49-F238E27FC236}">
+                  <a16:creationId xmlns:a16="http://schemas.microsoft.com/office/drawing/2014/main" id="{B98C56A1-7574-4865-BCD3-4D58BAE71C54}"/>
+                </a:ext>
+              </a:extLst>
+            </p:cNvPr>
+            <p:cNvSpPr txBox="1"/>
+            <p:nvPr/>
+          </p:nvSpPr>
+          <p:spPr>
+            <a:xfrm>
+              <a:off x="838200" y="3957920"/>
+              <a:ext cx="2290713" cy="369332"/>
+            </a:xfrm>
+            <a:prstGeom prst="rect">
+              <a:avLst/>
+            </a:prstGeom>
+            <a:noFill/>
+          </p:spPr>
+          <p:txBody>
+            <a:bodyPr wrap="square" rtlCol="0">
+              <a:spAutoFit/>
+            </a:bodyPr>
+            <a:lstStyle/>
+            <a:p>
+              <a:r>
+                <a:rPr kumimoji="1" lang="ja-JP" altLang="en-US" dirty="0"/>
+                <a:t>電場のテスト　⇒　</a:t>
+              </a:r>
+            </a:p>
+          </p:txBody>
+        </p:sp>
+        <p:sp>
+          <p:nvSpPr>
+            <p:cNvPr id="6" name="テキスト ボックス 5">
+              <a:extLst>
+                <a:ext uri="{FF2B5EF4-FFF2-40B4-BE49-F238E27FC236}">
+                  <a16:creationId xmlns:a16="http://schemas.microsoft.com/office/drawing/2014/main" id="{3080E26F-CE66-4F94-9B9F-A2DDA2CE31F3}"/>
+                </a:ext>
+              </a:extLst>
+            </p:cNvPr>
+            <p:cNvSpPr txBox="1"/>
+            <p:nvPr/>
+          </p:nvSpPr>
+          <p:spPr>
+            <a:xfrm>
+              <a:off x="838200" y="5676507"/>
+              <a:ext cx="2073897" cy="369332"/>
+            </a:xfrm>
+            <a:prstGeom prst="rect">
+              <a:avLst/>
+            </a:prstGeom>
+            <a:noFill/>
+          </p:spPr>
+          <p:txBody>
+            <a:bodyPr wrap="square" rtlCol="0">
+              <a:spAutoFit/>
+            </a:bodyPr>
+            <a:lstStyle/>
+            <a:p>
+              <a:r>
+                <a:rPr lang="ja-JP" altLang="en-US" dirty="0"/>
+                <a:t>磁場</a:t>
+              </a:r>
+              <a:r>
+                <a:rPr kumimoji="1" lang="ja-JP" altLang="en-US" dirty="0"/>
+                <a:t>のテスト　⇒</a:t>
+              </a:r>
+            </a:p>
+          </p:txBody>
+        </p:sp>
+        <p:sp>
+          <p:nvSpPr>
+            <p:cNvPr id="7" name="テキスト ボックス 6">
+              <a:extLst>
+                <a:ext uri="{FF2B5EF4-FFF2-40B4-BE49-F238E27FC236}">
+                  <a16:creationId xmlns:a16="http://schemas.microsoft.com/office/drawing/2014/main" id="{1606EC2D-41A3-4A3E-8B09-7D25EF7A1B11}"/>
+                </a:ext>
+              </a:extLst>
+            </p:cNvPr>
+            <p:cNvSpPr txBox="1"/>
+            <p:nvPr/>
+          </p:nvSpPr>
+          <p:spPr>
+            <a:xfrm>
+              <a:off x="2912097" y="3957920"/>
+              <a:ext cx="7154944" cy="646331"/>
+            </a:xfrm>
+            <a:prstGeom prst="rect">
+              <a:avLst/>
+            </a:prstGeom>
+            <a:noFill/>
+          </p:spPr>
+          <p:txBody>
+            <a:bodyPr wrap="square" rtlCol="0">
+              <a:spAutoFit/>
+            </a:bodyPr>
+            <a:lstStyle/>
+            <a:p>
+              <a:r>
+                <a:rPr kumimoji="1" lang="ja-JP" altLang="en-US" dirty="0"/>
+                <a:t>一様電場中に初速度</a:t>
+              </a:r>
+              <a:r>
+                <a:rPr kumimoji="1" lang="en-US" altLang="ja-JP" dirty="0"/>
+                <a:t>0</a:t>
+              </a:r>
+              <a:r>
+                <a:rPr kumimoji="1" lang="ja-JP" altLang="en-US" dirty="0"/>
+                <a:t>でイオンを置く。座標が</a:t>
+              </a:r>
+              <a:r>
+                <a:rPr lang="en-US" altLang="ja-JP" dirty="0"/>
+                <a:t>40</a:t>
+              </a:r>
+              <a:r>
+                <a:rPr kumimoji="1" lang="en-US" altLang="ja-JP" dirty="0"/>
+                <a:t>0mm</a:t>
+              </a:r>
+              <a:r>
+                <a:rPr kumimoji="1" lang="ja-JP" altLang="en-US" dirty="0"/>
+                <a:t>を超える</a:t>
+              </a:r>
+              <a:r>
+                <a:rPr lang="ja-JP" altLang="en-US" dirty="0"/>
+                <a:t>までの時間を比べる</a:t>
+              </a:r>
+              <a:endParaRPr kumimoji="1" lang="ja-JP" altLang="en-US" dirty="0"/>
+            </a:p>
+          </p:txBody>
+        </p:sp>
+        <p:sp>
+          <p:nvSpPr>
+            <p:cNvPr id="8" name="テキスト ボックス 7">
+              <a:extLst>
+                <a:ext uri="{FF2B5EF4-FFF2-40B4-BE49-F238E27FC236}">
+                  <a16:creationId xmlns:a16="http://schemas.microsoft.com/office/drawing/2014/main" id="{89C5408B-4E6E-4CB3-9406-193A9ADEF36F}"/>
+                </a:ext>
+              </a:extLst>
+            </p:cNvPr>
+            <p:cNvSpPr txBox="1"/>
+            <p:nvPr/>
+          </p:nvSpPr>
+          <p:spPr>
+            <a:xfrm>
+              <a:off x="838201" y="2394408"/>
+              <a:ext cx="2073896" cy="369332"/>
+            </a:xfrm>
+            <a:prstGeom prst="rect">
+              <a:avLst/>
+            </a:prstGeom>
+            <a:noFill/>
+          </p:spPr>
+          <p:txBody>
+            <a:bodyPr wrap="square" rtlCol="0">
+              <a:spAutoFit/>
+            </a:bodyPr>
+            <a:lstStyle/>
+            <a:p>
+              <a:r>
+                <a:rPr kumimoji="1" lang="ja-JP" altLang="en-US" dirty="0"/>
+                <a:t>　　方針　　　⇒</a:t>
+              </a:r>
+            </a:p>
+          </p:txBody>
+        </p:sp>
+        <p:sp>
+          <p:nvSpPr>
+            <p:cNvPr id="9" name="テキスト ボックス 8">
+              <a:extLst>
+                <a:ext uri="{FF2B5EF4-FFF2-40B4-BE49-F238E27FC236}">
+                  <a16:creationId xmlns:a16="http://schemas.microsoft.com/office/drawing/2014/main" id="{3E5A9582-9F8C-4CE4-A9C5-CC13AA0AB2F8}"/>
+                </a:ext>
+              </a:extLst>
+            </p:cNvPr>
+            <p:cNvSpPr txBox="1"/>
+            <p:nvPr/>
+          </p:nvSpPr>
+          <p:spPr>
+            <a:xfrm>
+              <a:off x="3128913" y="2394408"/>
+              <a:ext cx="6938128" cy="646331"/>
+            </a:xfrm>
+            <a:prstGeom prst="rect">
+              <a:avLst/>
+            </a:prstGeom>
+            <a:noFill/>
+          </p:spPr>
+          <p:txBody>
+            <a:bodyPr wrap="square" rtlCol="0">
+              <a:spAutoFit/>
+            </a:bodyPr>
+            <a:lstStyle/>
+            <a:p>
+              <a:r>
+                <a:rPr kumimoji="1" lang="ja-JP" altLang="en-US" dirty="0"/>
+                <a:t>ある値について、プログラムから求めた値と</a:t>
+              </a:r>
+              <a:r>
+                <a:rPr kumimoji="1" lang="en-US" altLang="ja-JP" dirty="0"/>
+                <a:t>Excel</a:t>
+              </a:r>
+              <a:r>
+                <a:rPr kumimoji="1" lang="ja-JP" altLang="en-US" dirty="0"/>
+                <a:t>で解析的に求めた値が一致することを確認する</a:t>
+              </a:r>
+            </a:p>
+          </p:txBody>
+        </p:sp>
+        <p:sp>
+          <p:nvSpPr>
+            <p:cNvPr id="11" name="テキスト ボックス 10">
+              <a:extLst>
+                <a:ext uri="{FF2B5EF4-FFF2-40B4-BE49-F238E27FC236}">
+                  <a16:creationId xmlns:a16="http://schemas.microsoft.com/office/drawing/2014/main" id="{6AAA3C92-648B-4BF1-9F1D-5891DC2E7A89}"/>
+                </a:ext>
+              </a:extLst>
+            </p:cNvPr>
+            <p:cNvSpPr txBox="1"/>
+            <p:nvPr/>
+          </p:nvSpPr>
+          <p:spPr>
+            <a:xfrm>
+              <a:off x="2912097" y="5676507"/>
+              <a:ext cx="7154944" cy="646331"/>
+            </a:xfrm>
+            <a:prstGeom prst="rect">
+              <a:avLst/>
+            </a:prstGeom>
+            <a:noFill/>
+          </p:spPr>
+          <p:txBody>
+            <a:bodyPr wrap="square" rtlCol="0">
+              <a:spAutoFit/>
+            </a:bodyPr>
+            <a:lstStyle/>
+            <a:p>
+              <a:r>
+                <a:rPr kumimoji="1" lang="ja-JP" altLang="en-US" dirty="0"/>
+                <a:t>一様磁場中に円運動するように初速度を与えたイオンを置く。円の半径を比べる</a:t>
+              </a:r>
+            </a:p>
+          </p:txBody>
+        </p:sp>
+      </p:grpSp>
+    </p:spTree>
+    <p:extLst>
+      <p:ext uri="{BB962C8B-B14F-4D97-AF65-F5344CB8AC3E}">
+        <p14:creationId xmlns:p14="http://schemas.microsoft.com/office/powerpoint/2010/main" val="534339761"/>
+      </p:ext>
+    </p:extLst>
+  </p:cSld>
+  <p:clrMapOvr>
+    <a:masterClrMapping/>
+  </p:clrMapOvr>
+</p:sld>
+</file>
+
+<file path=ppt/slides/slide11.xml><?xml version="1.0" encoding="utf-8"?>
+<p:sld xmlns:a="http://schemas.openxmlformats.org/drawingml/2006/main" xmlns:r="http://schemas.openxmlformats.org/officeDocument/2006/relationships" xmlns:p="http://schemas.openxmlformats.org/presentationml/2006/main">
+  <p:cSld>
+    <p:spTree>
+      <p:nvGrpSpPr>
+        <p:cNvPr id="1" name=""/>
+        <p:cNvGrpSpPr/>
+        <p:nvPr/>
+      </p:nvGrpSpPr>
+      <p:grpSpPr>
+        <a:xfrm>
+          <a:off x="0" y="0"/>
+          <a:ext cx="0" cy="0"/>
+          <a:chOff x="0" y="0"/>
+          <a:chExt cx="0" cy="0"/>
+        </a:xfrm>
+      </p:grpSpPr>
       <p:pic>
         <p:nvPicPr>
           <p:cNvPr id="9" name="図 8" descr="グラフ, 棒グラフ&#10;&#10;自動的に生成された説明">
@@ -5122,7 +5454,7 @@
 </p:sld>
 </file>
 
-<file path=ppt/slides/slide11.xml><?xml version="1.0" encoding="utf-8"?>
+<file path=ppt/slides/slide12.xml><?xml version="1.0" encoding="utf-8"?>
 <p:sld xmlns:a="http://schemas.openxmlformats.org/drawingml/2006/main" xmlns:r="http://schemas.openxmlformats.org/officeDocument/2006/relationships" xmlns:p="http://schemas.openxmlformats.org/presentationml/2006/main">
   <p:cSld>
     <p:spTree>
@@ -5263,7 +5595,7 @@
 </p:sld>
 </file>
 
-<file path=ppt/slides/slide12.xml><?xml version="1.0" encoding="utf-8"?>
+<file path=ppt/slides/slide13.xml><?xml version="1.0" encoding="utf-8"?>
 <p:sld xmlns:a="http://schemas.openxmlformats.org/drawingml/2006/main" xmlns:r="http://schemas.openxmlformats.org/officeDocument/2006/relationships" xmlns:p="http://schemas.openxmlformats.org/presentationml/2006/main">
   <p:cSld>
     <p:spTree>
@@ -5347,7 +5679,7 @@
 </p:sld>
 </file>
 
-<file path=ppt/slides/slide13.xml><?xml version="1.0" encoding="utf-8"?>
+<file path=ppt/slides/slide14.xml><?xml version="1.0" encoding="utf-8"?>
 <p:sld xmlns:a="http://schemas.openxmlformats.org/drawingml/2006/main" xmlns:r="http://schemas.openxmlformats.org/officeDocument/2006/relationships" xmlns:p="http://schemas.openxmlformats.org/presentationml/2006/main">
   <p:cSld>
     <p:spTree>
@@ -5642,7 +5974,7 @@
 </p:sld>
 </file>
 
-<file path=ppt/slides/slide14.xml><?xml version="1.0" encoding="utf-8"?>
+<file path=ppt/slides/slide15.xml><?xml version="1.0" encoding="utf-8"?>
 <p:sld xmlns:a="http://schemas.openxmlformats.org/drawingml/2006/main" xmlns:r="http://schemas.openxmlformats.org/officeDocument/2006/relationships" xmlns:p="http://schemas.openxmlformats.org/presentationml/2006/main">
   <p:cSld>
     <p:spTree>
@@ -5888,7 +6220,7 @@
 </p:sld>
 </file>
 
-<file path=ppt/slides/slide15.xml><?xml version="1.0" encoding="utf-8"?>
+<file path=ppt/slides/slide16.xml><?xml version="1.0" encoding="utf-8"?>
 <p:sld xmlns:a="http://schemas.openxmlformats.org/drawingml/2006/main" xmlns:r="http://schemas.openxmlformats.org/officeDocument/2006/relationships" xmlns:p="http://schemas.openxmlformats.org/presentationml/2006/main">
   <p:cSld>
     <p:spTree>
@@ -6173,7 +6505,7 @@
 </p:sld>
 </file>
 
-<file path=ppt/slides/slide16.xml><?xml version="1.0" encoding="utf-8"?>
+<file path=ppt/slides/slide17.xml><?xml version="1.0" encoding="utf-8"?>
 <p:sld xmlns:a="http://schemas.openxmlformats.org/drawingml/2006/main" xmlns:r="http://schemas.openxmlformats.org/officeDocument/2006/relationships" xmlns:p="http://schemas.openxmlformats.org/presentationml/2006/main">
   <p:cSld>
     <p:spTree>
@@ -6319,7 +6651,7 @@
 </p:sld>
 </file>
 
-<file path=ppt/slides/slide17.xml><?xml version="1.0" encoding="utf-8"?>
+<file path=ppt/slides/slide18.xml><?xml version="1.0" encoding="utf-8"?>
 <p:sld xmlns:a="http://schemas.openxmlformats.org/drawingml/2006/main" xmlns:r="http://schemas.openxmlformats.org/officeDocument/2006/relationships" xmlns:p="http://schemas.openxmlformats.org/presentationml/2006/main">
   <p:cSld>
     <p:spTree>
@@ -8042,8 +8374,8 @@
           </a:p>
         </p:txBody>
       </p:sp>
-      <mc:AlternateContent xmlns:mc="http://schemas.openxmlformats.org/markup-compatibility/2006">
-        <mc:Choice xmlns:a14="http://schemas.microsoft.com/office/drawing/2010/main" Requires="a14">
+      <mc:AlternateContent xmlns:mc="http://schemas.openxmlformats.org/markup-compatibility/2006" xmlns:a14="http://schemas.microsoft.com/office/drawing/2010/main">
+        <mc:Choice Requires="a14">
           <p:sp>
             <p:nvSpPr>
               <p:cNvPr id="5" name="テキスト ボックス 4">
@@ -8072,6 +8404,7 @@
               </a:bodyPr>
               <a:lstStyle/>
               <a:p>
+                <a:pPr/>
                 <a14:m>
                   <m:oMathPara xmlns:m="http://schemas.openxmlformats.org/officeDocument/2006/math">
                     <m:oMathParaPr>
@@ -8158,7 +8491,7 @@
             </p:txBody>
           </p:sp>
         </mc:Choice>
-        <mc:Fallback>
+        <mc:Fallback xmlns="">
           <p:sp>
             <p:nvSpPr>
               <p:cNvPr id="5" name="テキスト ボックス 4">
@@ -8203,8 +8536,8 @@
           </p:sp>
         </mc:Fallback>
       </mc:AlternateContent>
-      <mc:AlternateContent xmlns:mc="http://schemas.openxmlformats.org/markup-compatibility/2006">
-        <mc:Choice xmlns:a14="http://schemas.microsoft.com/office/drawing/2010/main" Requires="a14">
+      <mc:AlternateContent xmlns:mc="http://schemas.openxmlformats.org/markup-compatibility/2006" xmlns:a14="http://schemas.microsoft.com/office/drawing/2010/main">
+        <mc:Choice Requires="a14">
           <p:sp>
             <p:nvSpPr>
               <p:cNvPr id="7" name="コンテンツ プレースホルダー 2">
@@ -9257,7 +9590,7 @@
             </p:txBody>
           </p:sp>
         </mc:Choice>
-        <mc:Fallback>
+        <mc:Fallback xmlns="">
           <p:sp>
             <p:nvSpPr>
               <p:cNvPr id="7" name="コンテンツ プレースホルダー 2">
@@ -9413,8 +9746,139 @@
           <a:chExt cx="0" cy="0"/>
         </a:xfrm>
       </p:grpSpPr>
-      <mc:AlternateContent xmlns:mc="http://schemas.openxmlformats.org/markup-compatibility/2006">
-        <mc:Choice xmlns:a14="http://schemas.microsoft.com/office/drawing/2010/main" Requires="a14">
+      <p:sp>
+        <p:nvSpPr>
+          <p:cNvPr id="2" name="タイトル 1">
+            <a:extLst>
+              <a:ext uri="{FF2B5EF4-FFF2-40B4-BE49-F238E27FC236}">
+                <a16:creationId xmlns:a16="http://schemas.microsoft.com/office/drawing/2014/main" id="{D262B912-DBB3-406B-B33F-0AD67122DF82}"/>
+              </a:ext>
+            </a:extLst>
+          </p:cNvPr>
+          <p:cNvSpPr>
+            <a:spLocks noGrp="1"/>
+          </p:cNvSpPr>
+          <p:nvPr>
+            <p:ph type="title"/>
+          </p:nvPr>
+        </p:nvSpPr>
+        <p:spPr>
+          <a:xfrm>
+            <a:off x="0" y="0"/>
+            <a:ext cx="10515600" cy="1325563"/>
+          </a:xfrm>
+        </p:spPr>
+        <p:txBody>
+          <a:bodyPr/>
+          <a:lstStyle/>
+          <a:p>
+            <a:r>
+              <a:rPr kumimoji="1" lang="ja-JP" altLang="en-US" dirty="0"/>
+              <a:t>計算方法の比較</a:t>
+            </a:r>
+          </a:p>
+        </p:txBody>
+      </p:sp>
+      <p:pic>
+        <p:nvPicPr>
+          <p:cNvPr id="5" name="図 4" descr="グラフ, 折れ線グラフ&#10;&#10;自動的に生成された説明">
+            <a:extLst>
+              <a:ext uri="{FF2B5EF4-FFF2-40B4-BE49-F238E27FC236}">
+                <a16:creationId xmlns:a16="http://schemas.microsoft.com/office/drawing/2014/main" id="{B83D4F89-6002-48B1-B9E6-56695D50DF55}"/>
+              </a:ext>
+            </a:extLst>
+          </p:cNvPr>
+          <p:cNvPicPr>
+            <a:picLocks noChangeAspect="1"/>
+          </p:cNvPicPr>
+          <p:nvPr/>
+        </p:nvPicPr>
+        <p:blipFill>
+          <a:blip r:embed="rId2">
+            <a:extLst>
+              <a:ext uri="{28A0092B-C50C-407E-A947-70E740481C1C}">
+                <a14:useLocalDpi xmlns:a14="http://schemas.microsoft.com/office/drawing/2010/main" val="0"/>
+              </a:ext>
+            </a:extLst>
+          </a:blip>
+          <a:stretch>
+            <a:fillRect/>
+          </a:stretch>
+        </p:blipFill>
+        <p:spPr>
+          <a:xfrm>
+            <a:off x="418288" y="1043289"/>
+            <a:ext cx="6050605" cy="5739177"/>
+          </a:xfrm>
+          <a:prstGeom prst="rect">
+            <a:avLst/>
+          </a:prstGeom>
+        </p:spPr>
+      </p:pic>
+      <p:sp>
+        <p:nvSpPr>
+          <p:cNvPr id="6" name="テキスト ボックス 5">
+            <a:extLst>
+              <a:ext uri="{FF2B5EF4-FFF2-40B4-BE49-F238E27FC236}">
+                <a16:creationId xmlns:a16="http://schemas.microsoft.com/office/drawing/2014/main" id="{DB32CE42-B9AD-424D-817B-CEF7CDE296F4}"/>
+              </a:ext>
+            </a:extLst>
+          </p:cNvPr>
+          <p:cNvSpPr txBox="1"/>
+          <p:nvPr/>
+        </p:nvSpPr>
+        <p:spPr>
+          <a:xfrm>
+            <a:off x="5510719" y="2971800"/>
+            <a:ext cx="914400" cy="914400"/>
+          </a:xfrm>
+          <a:prstGeom prst="rect">
+            <a:avLst/>
+          </a:prstGeom>
+          <a:noFill/>
+        </p:spPr>
+        <p:txBody>
+          <a:bodyPr wrap="square" rtlCol="0">
+            <a:spAutoFit/>
+          </a:bodyPr>
+          <a:lstStyle/>
+          <a:p>
+            <a:endParaRPr kumimoji="1" lang="ja-JP" altLang="en-US"/>
+          </a:p>
+        </p:txBody>
+      </p:sp>
+    </p:spTree>
+    <p:extLst>
+      <p:ext uri="{BB962C8B-B14F-4D97-AF65-F5344CB8AC3E}">
+        <p14:creationId xmlns:p14="http://schemas.microsoft.com/office/powerpoint/2010/main" val="2235334957"/>
+      </p:ext>
+    </p:extLst>
+  </p:cSld>
+  <p:clrMapOvr>
+    <a:masterClrMapping/>
+  </p:clrMapOvr>
+</p:sld>
+</file>
+
+<file path=ppt/slides/slide9.xml><?xml version="1.0" encoding="utf-8"?>
+<p:sld xmlns:a="http://schemas.openxmlformats.org/drawingml/2006/main" xmlns:r="http://schemas.openxmlformats.org/officeDocument/2006/relationships" xmlns:p="http://schemas.openxmlformats.org/presentationml/2006/main">
+  <p:cSld>
+    <p:spTree>
+      <p:nvGrpSpPr>
+        <p:cNvPr id="1" name=""/>
+        <p:cNvGrpSpPr/>
+        <p:nvPr/>
+      </p:nvGrpSpPr>
+      <p:grpSpPr>
+        <a:xfrm>
+          <a:off x="0" y="0"/>
+          <a:ext cx="0" cy="0"/>
+          <a:chOff x="0" y="0"/>
+          <a:chExt cx="0" cy="0"/>
+        </a:xfrm>
+      </p:grpSpPr>
+      <mc:AlternateContent xmlns:mc="http://schemas.openxmlformats.org/markup-compatibility/2006" xmlns:a14="http://schemas.microsoft.com/office/drawing/2010/main">
+        <mc:Choice Requires="a14">
           <p:sp>
             <p:nvSpPr>
               <p:cNvPr id="4" name="コンテンツ プレースホルダー 2">
@@ -9732,13 +10196,7 @@
                         <a:rPr kumimoji="1" lang="en-US" altLang="ja-JP" sz="1800" b="0" i="1" smtClean="0">
                           <a:latin typeface="Cambria Math" panose="02040503050406030204" pitchFamily="18" charset="0"/>
                         </a:rPr>
-                        <m:t>=</m:t>
-                      </m:r>
-                      <m:r>
-                        <a:rPr kumimoji="1" lang="en-US" altLang="ja-JP" sz="1800" b="0" i="1" smtClean="0">
-                          <a:latin typeface="Cambria Math" panose="02040503050406030204" pitchFamily="18" charset="0"/>
-                        </a:rPr>
-                        <m:t> </m:t>
+                        <m:t>= </m:t>
                       </m:r>
                       <m:sSub>
                         <m:sSubPr>
@@ -10184,7 +10642,7 @@
             </p:txBody>
           </p:sp>
         </mc:Choice>
-        <mc:Fallback>
+        <mc:Fallback xmlns="">
           <p:sp>
             <p:nvSpPr>
               <p:cNvPr id="4" name="コンテンツ プレースホルダー 2">
@@ -10228,8 +10686,8 @@
           </p:sp>
         </mc:Fallback>
       </mc:AlternateContent>
-      <mc:AlternateContent xmlns:mc="http://schemas.openxmlformats.org/markup-compatibility/2006">
-        <mc:Choice xmlns:a14="http://schemas.microsoft.com/office/drawing/2010/main" Requires="a14">
+      <mc:AlternateContent xmlns:mc="http://schemas.openxmlformats.org/markup-compatibility/2006" xmlns:a14="http://schemas.microsoft.com/office/drawing/2010/main">
+        <mc:Choice Requires="a14">
           <p:sp>
             <p:nvSpPr>
               <p:cNvPr id="6" name="テキスト ボックス 5">
@@ -10369,7 +10827,7 @@
             </p:txBody>
           </p:sp>
         </mc:Choice>
-        <mc:Fallback>
+        <mc:Fallback xmlns="">
           <p:sp>
             <p:nvSpPr>
               <p:cNvPr id="6" name="テキスト ボックス 5">
@@ -10444,8 +10902,8 @@
           </a:prstGeom>
         </p:spPr>
       </p:pic>
-      <mc:AlternateContent xmlns:mc="http://schemas.openxmlformats.org/markup-compatibility/2006">
-        <mc:Choice xmlns:a14="http://schemas.microsoft.com/office/drawing/2010/main" Requires="a14">
+      <mc:AlternateContent xmlns:mc="http://schemas.openxmlformats.org/markup-compatibility/2006" xmlns:a14="http://schemas.microsoft.com/office/drawing/2010/main">
+        <mc:Choice Requires="a14">
           <p:sp>
             <p:nvSpPr>
               <p:cNvPr id="10" name="テキスト ボックス 9">
@@ -10585,7 +11043,7 @@
             </p:txBody>
           </p:sp>
         </mc:Choice>
-        <mc:Fallback>
+        <mc:Fallback xmlns="">
           <p:sp>
             <p:nvSpPr>
               <p:cNvPr id="10" name="テキスト ボックス 9">
@@ -10630,8 +11088,8 @@
           </p:sp>
         </mc:Fallback>
       </mc:AlternateContent>
-      <mc:AlternateContent xmlns:mc="http://schemas.openxmlformats.org/markup-compatibility/2006">
-        <mc:Choice xmlns:a14="http://schemas.microsoft.com/office/drawing/2010/main" Requires="a14">
+      <mc:AlternateContent xmlns:mc="http://schemas.openxmlformats.org/markup-compatibility/2006" xmlns:a14="http://schemas.microsoft.com/office/drawing/2010/main">
+        <mc:Choice Requires="a14">
           <p:sp>
             <p:nvSpPr>
               <p:cNvPr id="11" name="テキスト ボックス 10">
@@ -11569,7 +12027,7 @@
             </p:txBody>
           </p:sp>
         </mc:Choice>
-        <mc:Fallback>
+        <mc:Fallback xmlns="">
           <p:sp>
             <p:nvSpPr>
               <p:cNvPr id="11" name="テキスト ボックス 10">
@@ -11614,8 +12072,8 @@
           </p:sp>
         </mc:Fallback>
       </mc:AlternateContent>
-      <mc:AlternateContent xmlns:mc="http://schemas.openxmlformats.org/markup-compatibility/2006">
-        <mc:Choice xmlns:a14="http://schemas.microsoft.com/office/drawing/2010/main" Requires="a14">
+      <mc:AlternateContent xmlns:mc="http://schemas.openxmlformats.org/markup-compatibility/2006" xmlns:a14="http://schemas.microsoft.com/office/drawing/2010/main">
+        <mc:Choice Requires="a14">
           <p:sp>
             <p:nvSpPr>
               <p:cNvPr id="12" name="テキスト ボックス 11">
@@ -12205,7 +12663,7 @@
             </p:txBody>
           </p:sp>
         </mc:Choice>
-        <mc:Fallback>
+        <mc:Fallback xmlns="">
           <p:sp>
             <p:nvSpPr>
               <p:cNvPr id="12" name="テキスト ボックス 11">
@@ -12254,337 +12712,6 @@
     <p:extLst>
       <p:ext uri="{BB962C8B-B14F-4D97-AF65-F5344CB8AC3E}">
         <p14:creationId xmlns:p14="http://schemas.microsoft.com/office/powerpoint/2010/main" val="1239435982"/>
-      </p:ext>
-    </p:extLst>
-  </p:cSld>
-  <p:clrMapOvr>
-    <a:masterClrMapping/>
-  </p:clrMapOvr>
-</p:sld>
-</file>
-
-<file path=ppt/slides/slide9.xml><?xml version="1.0" encoding="utf-8"?>
-<p:sld xmlns:a="http://schemas.openxmlformats.org/drawingml/2006/main" xmlns:r="http://schemas.openxmlformats.org/officeDocument/2006/relationships" xmlns:p="http://schemas.openxmlformats.org/presentationml/2006/main">
-  <p:cSld>
-    <p:spTree>
-      <p:nvGrpSpPr>
-        <p:cNvPr id="1" name=""/>
-        <p:cNvGrpSpPr/>
-        <p:nvPr/>
-      </p:nvGrpSpPr>
-      <p:grpSpPr>
-        <a:xfrm>
-          <a:off x="0" y="0"/>
-          <a:ext cx="0" cy="0"/>
-          <a:chOff x="0" y="0"/>
-          <a:chExt cx="0" cy="0"/>
-        </a:xfrm>
-      </p:grpSpPr>
-      <p:sp>
-        <p:nvSpPr>
-          <p:cNvPr id="2" name="タイトル 1">
-            <a:extLst>
-              <a:ext uri="{FF2B5EF4-FFF2-40B4-BE49-F238E27FC236}">
-                <a16:creationId xmlns:a16="http://schemas.microsoft.com/office/drawing/2014/main" id="{C32D7F0D-6BD4-423D-9985-FE57949AA538}"/>
-              </a:ext>
-            </a:extLst>
-          </p:cNvPr>
-          <p:cNvSpPr>
-            <a:spLocks noGrp="1"/>
-          </p:cNvSpPr>
-          <p:nvPr>
-            <p:ph type="title"/>
-          </p:nvPr>
-        </p:nvSpPr>
-        <p:spPr>
-          <a:xfrm>
-            <a:off x="0" y="0"/>
-            <a:ext cx="10515600" cy="1325563"/>
-          </a:xfrm>
-        </p:spPr>
-        <p:txBody>
-          <a:bodyPr/>
-          <a:lstStyle/>
-          <a:p>
-            <a:r>
-              <a:rPr kumimoji="1" lang="ja-JP" altLang="en-US" dirty="0"/>
-              <a:t>電場、磁場、ルンゲクッタ法のテスト</a:t>
-            </a:r>
-          </a:p>
-        </p:txBody>
-      </p:sp>
-      <p:grpSp>
-        <p:nvGrpSpPr>
-          <p:cNvPr id="12" name="グループ化 11">
-            <a:extLst>
-              <a:ext uri="{FF2B5EF4-FFF2-40B4-BE49-F238E27FC236}">
-                <a16:creationId xmlns:a16="http://schemas.microsoft.com/office/drawing/2014/main" id="{BC74E514-C34B-4CA3-AAFC-4E28201B6FE6}"/>
-              </a:ext>
-            </a:extLst>
-          </p:cNvPr>
-          <p:cNvGrpSpPr/>
-          <p:nvPr/>
-        </p:nvGrpSpPr>
-        <p:grpSpPr>
-          <a:xfrm>
-            <a:off x="1481579" y="1994358"/>
-            <a:ext cx="9228841" cy="3928430"/>
-            <a:chOff x="838200" y="2394408"/>
-            <a:chExt cx="9228841" cy="3928430"/>
-          </a:xfrm>
-        </p:grpSpPr>
-        <p:sp>
-          <p:nvSpPr>
-            <p:cNvPr id="4" name="テキスト ボックス 3">
-              <a:extLst>
-                <a:ext uri="{FF2B5EF4-FFF2-40B4-BE49-F238E27FC236}">
-                  <a16:creationId xmlns:a16="http://schemas.microsoft.com/office/drawing/2014/main" id="{B98C56A1-7574-4865-BCD3-4D58BAE71C54}"/>
-                </a:ext>
-              </a:extLst>
-            </p:cNvPr>
-            <p:cNvSpPr txBox="1"/>
-            <p:nvPr/>
-          </p:nvSpPr>
-          <p:spPr>
-            <a:xfrm>
-              <a:off x="838200" y="3957920"/>
-              <a:ext cx="2290713" cy="369332"/>
-            </a:xfrm>
-            <a:prstGeom prst="rect">
-              <a:avLst/>
-            </a:prstGeom>
-            <a:noFill/>
-          </p:spPr>
-          <p:txBody>
-            <a:bodyPr wrap="square" rtlCol="0">
-              <a:spAutoFit/>
-            </a:bodyPr>
-            <a:lstStyle/>
-            <a:p>
-              <a:r>
-                <a:rPr kumimoji="1" lang="ja-JP" altLang="en-US" dirty="0"/>
-                <a:t>電場のテスト　⇒　</a:t>
-              </a:r>
-            </a:p>
-          </p:txBody>
-        </p:sp>
-        <p:sp>
-          <p:nvSpPr>
-            <p:cNvPr id="6" name="テキスト ボックス 5">
-              <a:extLst>
-                <a:ext uri="{FF2B5EF4-FFF2-40B4-BE49-F238E27FC236}">
-                  <a16:creationId xmlns:a16="http://schemas.microsoft.com/office/drawing/2014/main" id="{3080E26F-CE66-4F94-9B9F-A2DDA2CE31F3}"/>
-                </a:ext>
-              </a:extLst>
-            </p:cNvPr>
-            <p:cNvSpPr txBox="1"/>
-            <p:nvPr/>
-          </p:nvSpPr>
-          <p:spPr>
-            <a:xfrm>
-              <a:off x="838200" y="5676507"/>
-              <a:ext cx="2073897" cy="369332"/>
-            </a:xfrm>
-            <a:prstGeom prst="rect">
-              <a:avLst/>
-            </a:prstGeom>
-            <a:noFill/>
-          </p:spPr>
-          <p:txBody>
-            <a:bodyPr wrap="square" rtlCol="0">
-              <a:spAutoFit/>
-            </a:bodyPr>
-            <a:lstStyle/>
-            <a:p>
-              <a:r>
-                <a:rPr lang="ja-JP" altLang="en-US" dirty="0"/>
-                <a:t>磁場</a:t>
-              </a:r>
-              <a:r>
-                <a:rPr kumimoji="1" lang="ja-JP" altLang="en-US" dirty="0"/>
-                <a:t>のテスト　⇒</a:t>
-              </a:r>
-            </a:p>
-          </p:txBody>
-        </p:sp>
-        <p:sp>
-          <p:nvSpPr>
-            <p:cNvPr id="7" name="テキスト ボックス 6">
-              <a:extLst>
-                <a:ext uri="{FF2B5EF4-FFF2-40B4-BE49-F238E27FC236}">
-                  <a16:creationId xmlns:a16="http://schemas.microsoft.com/office/drawing/2014/main" id="{1606EC2D-41A3-4A3E-8B09-7D25EF7A1B11}"/>
-                </a:ext>
-              </a:extLst>
-            </p:cNvPr>
-            <p:cNvSpPr txBox="1"/>
-            <p:nvPr/>
-          </p:nvSpPr>
-          <p:spPr>
-            <a:xfrm>
-              <a:off x="2912097" y="3957920"/>
-              <a:ext cx="7154944" cy="646331"/>
-            </a:xfrm>
-            <a:prstGeom prst="rect">
-              <a:avLst/>
-            </a:prstGeom>
-            <a:noFill/>
-          </p:spPr>
-          <p:txBody>
-            <a:bodyPr wrap="square" rtlCol="0">
-              <a:spAutoFit/>
-            </a:bodyPr>
-            <a:lstStyle/>
-            <a:p>
-              <a:r>
-                <a:rPr kumimoji="1" lang="ja-JP" altLang="en-US" dirty="0"/>
-                <a:t>一様電場中に初速度</a:t>
-              </a:r>
-              <a:r>
-                <a:rPr kumimoji="1" lang="en-US" altLang="ja-JP" dirty="0"/>
-                <a:t>0</a:t>
-              </a:r>
-              <a:r>
-                <a:rPr kumimoji="1" lang="ja-JP" altLang="en-US" dirty="0"/>
-                <a:t>でイオンを置く。座標が</a:t>
-              </a:r>
-              <a:r>
-                <a:rPr lang="en-US" altLang="ja-JP" dirty="0"/>
-                <a:t>40</a:t>
-              </a:r>
-              <a:r>
-                <a:rPr kumimoji="1" lang="en-US" altLang="ja-JP" dirty="0"/>
-                <a:t>0mm</a:t>
-              </a:r>
-              <a:r>
-                <a:rPr kumimoji="1" lang="ja-JP" altLang="en-US" dirty="0"/>
-                <a:t>を超える</a:t>
-              </a:r>
-              <a:r>
-                <a:rPr lang="ja-JP" altLang="en-US" dirty="0"/>
-                <a:t>までの時間を比べる</a:t>
-              </a:r>
-              <a:endParaRPr kumimoji="1" lang="ja-JP" altLang="en-US" dirty="0"/>
-            </a:p>
-          </p:txBody>
-        </p:sp>
-        <p:sp>
-          <p:nvSpPr>
-            <p:cNvPr id="8" name="テキスト ボックス 7">
-              <a:extLst>
-                <a:ext uri="{FF2B5EF4-FFF2-40B4-BE49-F238E27FC236}">
-                  <a16:creationId xmlns:a16="http://schemas.microsoft.com/office/drawing/2014/main" id="{89C5408B-4E6E-4CB3-9406-193A9ADEF36F}"/>
-                </a:ext>
-              </a:extLst>
-            </p:cNvPr>
-            <p:cNvSpPr txBox="1"/>
-            <p:nvPr/>
-          </p:nvSpPr>
-          <p:spPr>
-            <a:xfrm>
-              <a:off x="838201" y="2394408"/>
-              <a:ext cx="2073896" cy="369332"/>
-            </a:xfrm>
-            <a:prstGeom prst="rect">
-              <a:avLst/>
-            </a:prstGeom>
-            <a:noFill/>
-          </p:spPr>
-          <p:txBody>
-            <a:bodyPr wrap="square" rtlCol="0">
-              <a:spAutoFit/>
-            </a:bodyPr>
-            <a:lstStyle/>
-            <a:p>
-              <a:r>
-                <a:rPr kumimoji="1" lang="ja-JP" altLang="en-US" dirty="0"/>
-                <a:t>　　方針　　　⇒</a:t>
-              </a:r>
-            </a:p>
-          </p:txBody>
-        </p:sp>
-        <p:sp>
-          <p:nvSpPr>
-            <p:cNvPr id="9" name="テキスト ボックス 8">
-              <a:extLst>
-                <a:ext uri="{FF2B5EF4-FFF2-40B4-BE49-F238E27FC236}">
-                  <a16:creationId xmlns:a16="http://schemas.microsoft.com/office/drawing/2014/main" id="{3E5A9582-9F8C-4CE4-A9C5-CC13AA0AB2F8}"/>
-                </a:ext>
-              </a:extLst>
-            </p:cNvPr>
-            <p:cNvSpPr txBox="1"/>
-            <p:nvPr/>
-          </p:nvSpPr>
-          <p:spPr>
-            <a:xfrm>
-              <a:off x="3128913" y="2394408"/>
-              <a:ext cx="6938128" cy="646331"/>
-            </a:xfrm>
-            <a:prstGeom prst="rect">
-              <a:avLst/>
-            </a:prstGeom>
-            <a:noFill/>
-          </p:spPr>
-          <p:txBody>
-            <a:bodyPr wrap="square" rtlCol="0">
-              <a:spAutoFit/>
-            </a:bodyPr>
-            <a:lstStyle/>
-            <a:p>
-              <a:r>
-                <a:rPr kumimoji="1" lang="ja-JP" altLang="en-US" dirty="0"/>
-                <a:t>ある値について、プログラムから求めた値と</a:t>
-              </a:r>
-              <a:r>
-                <a:rPr kumimoji="1" lang="en-US" altLang="ja-JP" dirty="0"/>
-                <a:t>Excel</a:t>
-              </a:r>
-              <a:r>
-                <a:rPr kumimoji="1" lang="ja-JP" altLang="en-US" dirty="0"/>
-                <a:t>で解析的に求めた値が一致することを確認する</a:t>
-              </a:r>
-            </a:p>
-          </p:txBody>
-        </p:sp>
-        <p:sp>
-          <p:nvSpPr>
-            <p:cNvPr id="11" name="テキスト ボックス 10">
-              <a:extLst>
-                <a:ext uri="{FF2B5EF4-FFF2-40B4-BE49-F238E27FC236}">
-                  <a16:creationId xmlns:a16="http://schemas.microsoft.com/office/drawing/2014/main" id="{6AAA3C92-648B-4BF1-9F1D-5891DC2E7A89}"/>
-                </a:ext>
-              </a:extLst>
-            </p:cNvPr>
-            <p:cNvSpPr txBox="1"/>
-            <p:nvPr/>
-          </p:nvSpPr>
-          <p:spPr>
-            <a:xfrm>
-              <a:off x="2912097" y="5676507"/>
-              <a:ext cx="7154944" cy="646331"/>
-            </a:xfrm>
-            <a:prstGeom prst="rect">
-              <a:avLst/>
-            </a:prstGeom>
-            <a:noFill/>
-          </p:spPr>
-          <p:txBody>
-            <a:bodyPr wrap="square" rtlCol="0">
-              <a:spAutoFit/>
-            </a:bodyPr>
-            <a:lstStyle/>
-            <a:p>
-              <a:r>
-                <a:rPr kumimoji="1" lang="ja-JP" altLang="en-US" dirty="0"/>
-                <a:t>一様磁場中に円運動するように初速度を与えたイオンを置く。円の半径を比べる</a:t>
-              </a:r>
-            </a:p>
-          </p:txBody>
-        </p:sp>
-      </p:grpSp>
-    </p:spTree>
-    <p:extLst>
-      <p:ext uri="{BB962C8B-B14F-4D97-AF65-F5344CB8AC3E}">
-        <p14:creationId xmlns:p14="http://schemas.microsoft.com/office/powerpoint/2010/main" val="534339761"/>
       </p:ext>
     </p:extLst>
   </p:cSld>

--- a/docs/中間発表.pptx
+++ b/docs/中間発表.pptx
@@ -5,7 +5,7 @@
     <p:sldMasterId id="2147483738" r:id="rId1"/>
   </p:sldMasterIdLst>
   <p:notesMasterIdLst>
-    <p:notesMasterId r:id="rId20"/>
+    <p:notesMasterId r:id="rId21"/>
   </p:notesMasterIdLst>
   <p:sldIdLst>
     <p:sldId id="256" r:id="rId2"/>
@@ -19,13 +19,14 @@
     <p:sldId id="272" r:id="rId10"/>
     <p:sldId id="269" r:id="rId11"/>
     <p:sldId id="270" r:id="rId12"/>
-    <p:sldId id="271" r:id="rId13"/>
-    <p:sldId id="265" r:id="rId14"/>
-    <p:sldId id="268" r:id="rId15"/>
-    <p:sldId id="259" r:id="rId16"/>
-    <p:sldId id="261" r:id="rId17"/>
-    <p:sldId id="260" r:id="rId18"/>
-    <p:sldId id="262" r:id="rId19"/>
+    <p:sldId id="274" r:id="rId13"/>
+    <p:sldId id="271" r:id="rId14"/>
+    <p:sldId id="265" r:id="rId15"/>
+    <p:sldId id="268" r:id="rId16"/>
+    <p:sldId id="259" r:id="rId17"/>
+    <p:sldId id="261" r:id="rId18"/>
+    <p:sldId id="260" r:id="rId19"/>
+    <p:sldId id="262" r:id="rId20"/>
   </p:sldIdLst>
   <p:sldSz cx="12192000" cy="6858000"/>
   <p:notesSz cx="6858000" cy="9144000"/>
@@ -668,7 +669,7 @@
           <a:p>
             <a:fld id="{54FC74C9-A3B3-42D0-9EC6-DE7CEAAF28CE}" type="slidenum">
               <a:rPr kumimoji="1" lang="ja-JP" altLang="en-US" smtClean="0"/>
-              <a:t>18</a:t>
+              <a:t>19</a:t>
             </a:fld>
             <a:endParaRPr kumimoji="1" lang="ja-JP" altLang="en-US"/>
           </a:p>
@@ -1198,7 +1199,7 @@
           <a:p>
             <a:fld id="{54FC74C9-A3B3-42D0-9EC6-DE7CEAAF28CE}" type="slidenum">
               <a:rPr kumimoji="1" lang="ja-JP" altLang="en-US" smtClean="0"/>
-              <a:t>13</a:t>
+              <a:t>14</a:t>
             </a:fld>
             <a:endParaRPr kumimoji="1" lang="ja-JP" altLang="en-US"/>
           </a:p>
@@ -1282,7 +1283,7 @@
           <a:p>
             <a:fld id="{54FC74C9-A3B3-42D0-9EC6-DE7CEAAF28CE}" type="slidenum">
               <a:rPr kumimoji="1" lang="ja-JP" altLang="en-US" smtClean="0"/>
-              <a:t>14</a:t>
+              <a:t>15</a:t>
             </a:fld>
             <a:endParaRPr kumimoji="1" lang="ja-JP" altLang="en-US"/>
           </a:p>
@@ -1369,7 +1370,7 @@
           <a:p>
             <a:fld id="{54FC74C9-A3B3-42D0-9EC6-DE7CEAAF28CE}" type="slidenum">
               <a:rPr kumimoji="1" lang="ja-JP" altLang="en-US" smtClean="0"/>
-              <a:t>15</a:t>
+              <a:t>16</a:t>
             </a:fld>
             <a:endParaRPr kumimoji="1" lang="ja-JP" altLang="en-US"/>
           </a:p>
@@ -5441,6 +5442,122 @@
           </a:fontRef>
         </p:style>
       </p:cxnSp>
+      <mc:AlternateContent xmlns:mc="http://schemas.openxmlformats.org/markup-compatibility/2006">
+        <mc:Choice xmlns:a14="http://schemas.microsoft.com/office/drawing/2010/main" Requires="a14">
+          <p:sp>
+            <p:nvSpPr>
+              <p:cNvPr id="3" name="テキスト ボックス 2">
+                <a:extLst>
+                  <a:ext uri="{FF2B5EF4-FFF2-40B4-BE49-F238E27FC236}">
+                    <a16:creationId xmlns:a16="http://schemas.microsoft.com/office/drawing/2014/main" id="{933BBF90-E96F-48AF-B389-DE7AC4C96F7E}"/>
+                  </a:ext>
+                </a:extLst>
+              </p:cNvPr>
+              <p:cNvSpPr txBox="1"/>
+              <p:nvPr/>
+            </p:nvSpPr>
+            <p:spPr>
+              <a:xfrm>
+                <a:off x="7645137" y="1734532"/>
+                <a:ext cx="4091233" cy="646331"/>
+              </a:xfrm>
+              <a:prstGeom prst="rect">
+                <a:avLst/>
+              </a:prstGeom>
+              <a:noFill/>
+            </p:spPr>
+            <p:txBody>
+              <a:bodyPr wrap="square" rtlCol="0">
+                <a:spAutoFit/>
+              </a:bodyPr>
+              <a:lstStyle/>
+              <a:p>
+                <a:r>
+                  <a:rPr kumimoji="1" lang="ja-JP" altLang="en-US" dirty="0"/>
+                  <a:t>刻み幅を</a:t>
+                </a:r>
+                <a14:m>
+                  <m:oMath xmlns:m="http://schemas.openxmlformats.org/officeDocument/2006/math">
+                    <m:sSup>
+                      <m:sSupPr>
+                        <m:ctrlPr>
+                          <a:rPr kumimoji="1" lang="en-US" altLang="ja-JP" i="1" smtClean="0">
+                            <a:latin typeface="Cambria Math" panose="02040503050406030204" pitchFamily="18" charset="0"/>
+                          </a:rPr>
+                        </m:ctrlPr>
+                      </m:sSupPr>
+                      <m:e>
+                        <m:r>
+                          <a:rPr kumimoji="1" lang="en-US" altLang="ja-JP" b="0" i="1" smtClean="0">
+                            <a:latin typeface="Cambria Math" panose="02040503050406030204" pitchFamily="18" charset="0"/>
+                          </a:rPr>
+                          <m:t>10</m:t>
+                        </m:r>
+                      </m:e>
+                      <m:sup>
+                        <m:r>
+                          <a:rPr kumimoji="1" lang="en-US" altLang="ja-JP" b="0" i="1" smtClean="0">
+                            <a:latin typeface="Cambria Math" panose="02040503050406030204" pitchFamily="18" charset="0"/>
+                          </a:rPr>
+                          <m:t>−9</m:t>
+                        </m:r>
+                      </m:sup>
+                    </m:sSup>
+                  </m:oMath>
+                </a14:m>
+                <a:r>
+                  <a:rPr kumimoji="1" lang="ja-JP" altLang="en-US" dirty="0"/>
+                  <a:t>に設定しているため、この結果は妥当である</a:t>
+                </a:r>
+              </a:p>
+            </p:txBody>
+          </p:sp>
+        </mc:Choice>
+        <mc:Fallback>
+          <p:sp>
+            <p:nvSpPr>
+              <p:cNvPr id="3" name="テキスト ボックス 2">
+                <a:extLst>
+                  <a:ext uri="{FF2B5EF4-FFF2-40B4-BE49-F238E27FC236}">
+                    <a16:creationId xmlns:a16="http://schemas.microsoft.com/office/drawing/2014/main" id="{933BBF90-E96F-48AF-B389-DE7AC4C96F7E}"/>
+                  </a:ext>
+                </a:extLst>
+              </p:cNvPr>
+              <p:cNvSpPr txBox="1">
+                <a:spLocks noRot="1" noChangeAspect="1" noMove="1" noResize="1" noEditPoints="1" noAdjustHandles="1" noChangeArrowheads="1" noChangeShapeType="1" noTextEdit="1"/>
+              </p:cNvSpPr>
+              <p:nvPr/>
+            </p:nvSpPr>
+            <p:spPr>
+              <a:xfrm>
+                <a:off x="7645137" y="1734532"/>
+                <a:ext cx="4091233" cy="646331"/>
+              </a:xfrm>
+              <a:prstGeom prst="rect">
+                <a:avLst/>
+              </a:prstGeom>
+              <a:blipFill>
+                <a:blip r:embed="rId3"/>
+                <a:stretch>
+                  <a:fillRect l="-1192" t="-4717" r="-1341" b="-14151"/>
+                </a:stretch>
+              </a:blipFill>
+            </p:spPr>
+            <p:txBody>
+              <a:bodyPr/>
+              <a:lstStyle/>
+              <a:p>
+                <a:r>
+                  <a:rPr lang="ja-JP" altLang="en-US">
+                    <a:noFill/>
+                  </a:rPr>
+                  <a:t> </a:t>
+                </a:r>
+              </a:p>
+            </p:txBody>
+          </p:sp>
+        </mc:Fallback>
+      </mc:AlternateContent>
     </p:spTree>
     <p:extLst>
       <p:ext uri="{BB962C8B-B14F-4D97-AF65-F5344CB8AC3E}">
@@ -5455,6 +5572,1150 @@
 </file>
 
 <file path=ppt/slides/slide12.xml><?xml version="1.0" encoding="utf-8"?>
+<p:sld xmlns:a="http://schemas.openxmlformats.org/drawingml/2006/main" xmlns:r="http://schemas.openxmlformats.org/officeDocument/2006/relationships" xmlns:p="http://schemas.openxmlformats.org/presentationml/2006/main">
+  <p:cSld>
+    <p:spTree>
+      <p:nvGrpSpPr>
+        <p:cNvPr id="1" name=""/>
+        <p:cNvGrpSpPr/>
+        <p:nvPr/>
+      </p:nvGrpSpPr>
+      <p:grpSpPr>
+        <a:xfrm>
+          <a:off x="0" y="0"/>
+          <a:ext cx="0" cy="0"/>
+          <a:chOff x="0" y="0"/>
+          <a:chExt cx="0" cy="0"/>
+        </a:xfrm>
+      </p:grpSpPr>
+      <p:sp>
+        <p:nvSpPr>
+          <p:cNvPr id="4" name="タイトル 3">
+            <a:extLst>
+              <a:ext uri="{FF2B5EF4-FFF2-40B4-BE49-F238E27FC236}">
+                <a16:creationId xmlns:a16="http://schemas.microsoft.com/office/drawing/2014/main" id="{2AC9B9E5-EE83-43E2-81AE-95DB9881858D}"/>
+              </a:ext>
+            </a:extLst>
+          </p:cNvPr>
+          <p:cNvSpPr>
+            <a:spLocks noGrp="1"/>
+          </p:cNvSpPr>
+          <p:nvPr>
+            <p:ph type="title"/>
+          </p:nvPr>
+        </p:nvSpPr>
+        <p:spPr>
+          <a:xfrm>
+            <a:off x="0" y="5555"/>
+            <a:ext cx="10515600" cy="1325563"/>
+          </a:xfrm>
+        </p:spPr>
+        <p:txBody>
+          <a:bodyPr/>
+          <a:lstStyle/>
+          <a:p>
+            <a:r>
+              <a:rPr lang="ja-JP" altLang="en-US" dirty="0"/>
+              <a:t>磁場のテスト　半径の求め方</a:t>
+            </a:r>
+          </a:p>
+        </p:txBody>
+      </p:sp>
+      <p:sp>
+        <p:nvSpPr>
+          <p:cNvPr id="5" name="テキスト プレースホルダー 4">
+            <a:extLst>
+              <a:ext uri="{FF2B5EF4-FFF2-40B4-BE49-F238E27FC236}">
+                <a16:creationId xmlns:a16="http://schemas.microsoft.com/office/drawing/2014/main" id="{448BB872-2F9D-4EB8-990F-7E8128D5C34F}"/>
+              </a:ext>
+            </a:extLst>
+          </p:cNvPr>
+          <p:cNvSpPr>
+            <a:spLocks noGrp="1"/>
+          </p:cNvSpPr>
+          <p:nvPr>
+            <p:ph type="body" idx="1"/>
+          </p:nvPr>
+        </p:nvSpPr>
+        <p:spPr>
+          <a:xfrm>
+            <a:off x="274180" y="1269207"/>
+            <a:ext cx="5157787" cy="823912"/>
+          </a:xfrm>
+        </p:spPr>
+        <p:txBody>
+          <a:bodyPr/>
+          <a:lstStyle/>
+          <a:p>
+            <a:r>
+              <a:rPr lang="ja-JP" altLang="en-US" dirty="0"/>
+              <a:t>プログラム</a:t>
+            </a:r>
+          </a:p>
+        </p:txBody>
+      </p:sp>
+      <p:sp>
+        <p:nvSpPr>
+          <p:cNvPr id="7" name="テキスト プレースホルダー 6">
+            <a:extLst>
+              <a:ext uri="{FF2B5EF4-FFF2-40B4-BE49-F238E27FC236}">
+                <a16:creationId xmlns:a16="http://schemas.microsoft.com/office/drawing/2014/main" id="{06F159B4-4141-4F14-9406-20CF3FBA4A13}"/>
+              </a:ext>
+            </a:extLst>
+          </p:cNvPr>
+          <p:cNvSpPr>
+            <a:spLocks noGrp="1"/>
+          </p:cNvSpPr>
+          <p:nvPr>
+            <p:ph type="body" sz="quarter" idx="3"/>
+          </p:nvPr>
+        </p:nvSpPr>
+        <p:spPr>
+          <a:xfrm>
+            <a:off x="6734632" y="1269207"/>
+            <a:ext cx="5183188" cy="823912"/>
+          </a:xfrm>
+        </p:spPr>
+        <p:txBody>
+          <a:bodyPr/>
+          <a:lstStyle/>
+          <a:p>
+            <a:r>
+              <a:rPr lang="en-US" altLang="ja-JP" dirty="0"/>
+              <a:t>Excel</a:t>
+            </a:r>
+            <a:endParaRPr lang="ja-JP" altLang="en-US" dirty="0"/>
+          </a:p>
+        </p:txBody>
+      </p:sp>
+      <mc:AlternateContent xmlns:mc="http://schemas.openxmlformats.org/markup-compatibility/2006">
+        <mc:Choice xmlns:a14="http://schemas.microsoft.com/office/drawing/2010/main" Requires="a14">
+          <p:sp>
+            <p:nvSpPr>
+              <p:cNvPr id="9" name="テキスト ボックス 8">
+                <a:extLst>
+                  <a:ext uri="{FF2B5EF4-FFF2-40B4-BE49-F238E27FC236}">
+                    <a16:creationId xmlns:a16="http://schemas.microsoft.com/office/drawing/2014/main" id="{C560EE94-85C9-4732-88C7-170A5DCF8774}"/>
+                  </a:ext>
+                </a:extLst>
+              </p:cNvPr>
+              <p:cNvSpPr txBox="1"/>
+              <p:nvPr/>
+            </p:nvSpPr>
+            <p:spPr>
+              <a:xfrm>
+                <a:off x="7196160" y="3412394"/>
+                <a:ext cx="898323" cy="521489"/>
+              </a:xfrm>
+              <a:prstGeom prst="rect">
+                <a:avLst/>
+              </a:prstGeom>
+              <a:noFill/>
+            </p:spPr>
+            <p:txBody>
+              <a:bodyPr wrap="none" lIns="0" tIns="0" rIns="0" bIns="0" rtlCol="0">
+                <a:spAutoFit/>
+              </a:bodyPr>
+              <a:lstStyle/>
+              <a:p>
+                <a14:m>
+                  <m:oMathPara xmlns:m="http://schemas.openxmlformats.org/officeDocument/2006/math">
+                    <m:oMathParaPr>
+                      <m:jc m:val="centerGroup"/>
+                    </m:oMathParaPr>
+                    <m:oMath xmlns:m="http://schemas.openxmlformats.org/officeDocument/2006/math">
+                      <m:r>
+                        <a:rPr kumimoji="1" lang="en-US" altLang="ja-JP" b="0" i="1" smtClean="0">
+                          <a:latin typeface="Cambria Math" panose="02040503050406030204" pitchFamily="18" charset="0"/>
+                        </a:rPr>
+                        <m:t>𝑅</m:t>
+                      </m:r>
+                      <m:r>
+                        <a:rPr kumimoji="1" lang="en-US" altLang="ja-JP" b="0" i="1" smtClean="0">
+                          <a:latin typeface="Cambria Math" panose="02040503050406030204" pitchFamily="18" charset="0"/>
+                        </a:rPr>
+                        <m:t>= </m:t>
+                      </m:r>
+                      <m:f>
+                        <m:fPr>
+                          <m:ctrlPr>
+                            <a:rPr kumimoji="1" lang="en-US" altLang="ja-JP" i="1" smtClean="0">
+                              <a:latin typeface="Cambria Math" panose="02040503050406030204" pitchFamily="18" charset="0"/>
+                            </a:rPr>
+                          </m:ctrlPr>
+                        </m:fPr>
+                        <m:num>
+                          <m:r>
+                            <a:rPr kumimoji="1" lang="en-US" altLang="ja-JP" b="0" i="1" smtClean="0">
+                              <a:latin typeface="Cambria Math" panose="02040503050406030204" pitchFamily="18" charset="0"/>
+                            </a:rPr>
+                            <m:t>𝑚𝑣</m:t>
+                          </m:r>
+                        </m:num>
+                        <m:den>
+                          <m:r>
+                            <a:rPr kumimoji="1" lang="en-US" altLang="ja-JP" b="0" i="1" smtClean="0">
+                              <a:latin typeface="Cambria Math" panose="02040503050406030204" pitchFamily="18" charset="0"/>
+                            </a:rPr>
+                            <m:t>𝑞𝐵</m:t>
+                          </m:r>
+                        </m:den>
+                      </m:f>
+                    </m:oMath>
+                  </m:oMathPara>
+                </a14:m>
+                <a:endParaRPr kumimoji="1" lang="ja-JP" altLang="en-US" dirty="0"/>
+              </a:p>
+            </p:txBody>
+          </p:sp>
+        </mc:Choice>
+        <mc:Fallback>
+          <p:sp>
+            <p:nvSpPr>
+              <p:cNvPr id="9" name="テキスト ボックス 8">
+                <a:extLst>
+                  <a:ext uri="{FF2B5EF4-FFF2-40B4-BE49-F238E27FC236}">
+                    <a16:creationId xmlns:a16="http://schemas.microsoft.com/office/drawing/2014/main" id="{C560EE94-85C9-4732-88C7-170A5DCF8774}"/>
+                  </a:ext>
+                </a:extLst>
+              </p:cNvPr>
+              <p:cNvSpPr txBox="1">
+                <a:spLocks noRot="1" noChangeAspect="1" noMove="1" noResize="1" noEditPoints="1" noAdjustHandles="1" noChangeArrowheads="1" noChangeShapeType="1" noTextEdit="1"/>
+              </p:cNvSpPr>
+              <p:nvPr/>
+            </p:nvSpPr>
+            <p:spPr>
+              <a:xfrm>
+                <a:off x="7196160" y="3412394"/>
+                <a:ext cx="898323" cy="521489"/>
+              </a:xfrm>
+              <a:prstGeom prst="rect">
+                <a:avLst/>
+              </a:prstGeom>
+              <a:blipFill>
+                <a:blip r:embed="rId2"/>
+                <a:stretch>
+                  <a:fillRect/>
+                </a:stretch>
+              </a:blipFill>
+            </p:spPr>
+            <p:txBody>
+              <a:bodyPr/>
+              <a:lstStyle/>
+              <a:p>
+                <a:r>
+                  <a:rPr lang="ja-JP" altLang="en-US">
+                    <a:noFill/>
+                  </a:rPr>
+                  <a:t> </a:t>
+                </a:r>
+              </a:p>
+            </p:txBody>
+          </p:sp>
+        </mc:Fallback>
+      </mc:AlternateContent>
+      <p:sp>
+        <p:nvSpPr>
+          <p:cNvPr id="10" name="テキスト ボックス 9">
+            <a:extLst>
+              <a:ext uri="{FF2B5EF4-FFF2-40B4-BE49-F238E27FC236}">
+                <a16:creationId xmlns:a16="http://schemas.microsoft.com/office/drawing/2014/main" id="{8CB860FD-AF23-4CBA-8B6F-7A71611C3B99}"/>
+              </a:ext>
+            </a:extLst>
+          </p:cNvPr>
+          <p:cNvSpPr txBox="1"/>
+          <p:nvPr/>
+        </p:nvSpPr>
+        <p:spPr>
+          <a:xfrm>
+            <a:off x="6202835" y="2429591"/>
+            <a:ext cx="4458879" cy="646331"/>
+          </a:xfrm>
+          <a:prstGeom prst="rect">
+            <a:avLst/>
+          </a:prstGeom>
+          <a:noFill/>
+        </p:spPr>
+        <p:txBody>
+          <a:bodyPr wrap="square" rtlCol="0">
+            <a:spAutoFit/>
+          </a:bodyPr>
+          <a:lstStyle/>
+          <a:p>
+            <a:r>
+              <a:rPr lang="ja-JP" altLang="en-US" dirty="0"/>
+              <a:t>運動方程式を解析的に解いて、その結果からローレンツ力による円運動の半径は、</a:t>
+            </a:r>
+            <a:endParaRPr kumimoji="1" lang="ja-JP" altLang="en-US" dirty="0"/>
+          </a:p>
+        </p:txBody>
+      </p:sp>
+      <p:sp>
+        <p:nvSpPr>
+          <p:cNvPr id="11" name="テキスト ボックス 10">
+            <a:extLst>
+              <a:ext uri="{FF2B5EF4-FFF2-40B4-BE49-F238E27FC236}">
+                <a16:creationId xmlns:a16="http://schemas.microsoft.com/office/drawing/2014/main" id="{B69CC5A6-4E34-4403-B67A-3157027068D7}"/>
+              </a:ext>
+            </a:extLst>
+          </p:cNvPr>
+          <p:cNvSpPr txBox="1"/>
+          <p:nvPr/>
+        </p:nvSpPr>
+        <p:spPr>
+          <a:xfrm>
+            <a:off x="6297105" y="4174395"/>
+            <a:ext cx="4458879" cy="369332"/>
+          </a:xfrm>
+          <a:prstGeom prst="rect">
+            <a:avLst/>
+          </a:prstGeom>
+          <a:noFill/>
+        </p:spPr>
+        <p:txBody>
+          <a:bodyPr wrap="square" rtlCol="0">
+            <a:spAutoFit/>
+          </a:bodyPr>
+          <a:lstStyle/>
+          <a:p>
+            <a:r>
+              <a:rPr kumimoji="1" lang="ja-JP" altLang="en-US" dirty="0"/>
+              <a:t>で求められる。</a:t>
+            </a:r>
+          </a:p>
+        </p:txBody>
+      </p:sp>
+      <mc:AlternateContent xmlns:mc="http://schemas.openxmlformats.org/markup-compatibility/2006">
+        <mc:Choice xmlns:a14="http://schemas.microsoft.com/office/drawing/2010/main" Requires="a14">
+          <p:sp>
+            <p:nvSpPr>
+              <p:cNvPr id="12" name="テキスト ボックス 11">
+                <a:extLst>
+                  <a:ext uri="{FF2B5EF4-FFF2-40B4-BE49-F238E27FC236}">
+                    <a16:creationId xmlns:a16="http://schemas.microsoft.com/office/drawing/2014/main" id="{7456EFDF-D3A1-4A96-ACB0-01A6DAE4D2CF}"/>
+                  </a:ext>
+                </a:extLst>
+              </p:cNvPr>
+              <p:cNvSpPr txBox="1"/>
+              <p:nvPr/>
+            </p:nvSpPr>
+            <p:spPr>
+              <a:xfrm>
+                <a:off x="515338" y="2327735"/>
+                <a:ext cx="5533534" cy="3416320"/>
+              </a:xfrm>
+              <a:prstGeom prst="rect">
+                <a:avLst/>
+              </a:prstGeom>
+              <a:noFill/>
+            </p:spPr>
+            <p:txBody>
+              <a:bodyPr wrap="square" rtlCol="0">
+                <a:spAutoFit/>
+              </a:bodyPr>
+              <a:lstStyle/>
+              <a:p>
+                <a:r>
+                  <a:rPr kumimoji="1" lang="ja-JP" altLang="en-US" dirty="0"/>
+                  <a:t>①</a:t>
+                </a:r>
+                <a:r>
+                  <a:rPr kumimoji="1" lang="en-US" altLang="ja-JP" dirty="0"/>
+                  <a:t>4</a:t>
+                </a:r>
+                <a:r>
+                  <a:rPr kumimoji="1" lang="ja-JP" altLang="en-US" dirty="0"/>
+                  <a:t>次のルンゲクッタ法で運動方程式を解く</a:t>
+                </a:r>
+                <a:endParaRPr kumimoji="1" lang="en-US" altLang="ja-JP" dirty="0"/>
+              </a:p>
+              <a:p>
+                <a:endParaRPr lang="en-US" altLang="ja-JP" dirty="0"/>
+              </a:p>
+              <a:p>
+                <a:endParaRPr kumimoji="1" lang="en-US" altLang="ja-JP" dirty="0"/>
+              </a:p>
+              <a:p>
+                <a:r>
+                  <a:rPr lang="ja-JP" altLang="en-US" dirty="0"/>
+                  <a:t>②ルンゲクッタ法の終了条件は</a:t>
+                </a:r>
+                <a:r>
+                  <a:rPr lang="en-US" altLang="ja-JP" dirty="0"/>
+                  <a:t>2</a:t>
+                </a:r>
+                <a:r>
+                  <a:rPr lang="ja-JP" altLang="en-US" dirty="0"/>
+                  <a:t>周を超えたとき</a:t>
+                </a:r>
+                <a:endParaRPr lang="en-US" altLang="ja-JP" dirty="0"/>
+              </a:p>
+              <a:p>
+                <a:endParaRPr lang="en-US" altLang="ja-JP" dirty="0"/>
+              </a:p>
+              <a:p>
+                <a:r>
+                  <a:rPr kumimoji="1" lang="ja-JP" altLang="en-US" dirty="0"/>
+                  <a:t>③座標の平均をとって、円の中心</a:t>
+                </a:r>
+                <a14:m>
+                  <m:oMath xmlns:m="http://schemas.openxmlformats.org/officeDocument/2006/math">
+                    <m:d>
+                      <m:dPr>
+                        <m:ctrlPr>
+                          <a:rPr kumimoji="1" lang="en-US" altLang="ja-JP" b="0" i="1" smtClean="0">
+                            <a:latin typeface="Cambria Math" panose="02040503050406030204" pitchFamily="18" charset="0"/>
+                          </a:rPr>
+                        </m:ctrlPr>
+                      </m:dPr>
+                      <m:e>
+                        <m:sSub>
+                          <m:sSubPr>
+                            <m:ctrlPr>
+                              <a:rPr kumimoji="1" lang="en-US" altLang="ja-JP" b="0" i="1" smtClean="0">
+                                <a:latin typeface="Cambria Math" panose="02040503050406030204" pitchFamily="18" charset="0"/>
+                              </a:rPr>
+                            </m:ctrlPr>
+                          </m:sSubPr>
+                          <m:e>
+                            <m:r>
+                              <a:rPr kumimoji="1" lang="en-US" altLang="ja-JP" b="0" i="1" smtClean="0">
+                                <a:latin typeface="Cambria Math" panose="02040503050406030204" pitchFamily="18" charset="0"/>
+                              </a:rPr>
+                              <m:t>𝑥</m:t>
+                            </m:r>
+                          </m:e>
+                          <m:sub>
+                            <m:r>
+                              <a:rPr kumimoji="1" lang="en-US" altLang="ja-JP" b="0" i="1" smtClean="0">
+                                <a:latin typeface="Cambria Math" panose="02040503050406030204" pitchFamily="18" charset="0"/>
+                              </a:rPr>
+                              <m:t>𝑐</m:t>
+                            </m:r>
+                          </m:sub>
+                        </m:sSub>
+                        <m:r>
+                          <a:rPr kumimoji="1" lang="en-US" altLang="ja-JP" b="0" i="1" smtClean="0">
+                            <a:latin typeface="Cambria Math" panose="02040503050406030204" pitchFamily="18" charset="0"/>
+                          </a:rPr>
+                          <m:t>,</m:t>
+                        </m:r>
+                        <m:sSub>
+                          <m:sSubPr>
+                            <m:ctrlPr>
+                              <a:rPr kumimoji="1" lang="en-US" altLang="ja-JP" b="0" i="1" smtClean="0">
+                                <a:latin typeface="Cambria Math" panose="02040503050406030204" pitchFamily="18" charset="0"/>
+                              </a:rPr>
+                            </m:ctrlPr>
+                          </m:sSubPr>
+                          <m:e>
+                            <m:r>
+                              <a:rPr kumimoji="1" lang="en-US" altLang="ja-JP" b="0" i="1" smtClean="0">
+                                <a:latin typeface="Cambria Math" panose="02040503050406030204" pitchFamily="18" charset="0"/>
+                              </a:rPr>
+                              <m:t>𝑦</m:t>
+                            </m:r>
+                          </m:e>
+                          <m:sub>
+                            <m:r>
+                              <a:rPr kumimoji="1" lang="en-US" altLang="ja-JP" b="0" i="1" smtClean="0">
+                                <a:latin typeface="Cambria Math" panose="02040503050406030204" pitchFamily="18" charset="0"/>
+                              </a:rPr>
+                              <m:t>𝑐</m:t>
+                            </m:r>
+                          </m:sub>
+                        </m:sSub>
+                      </m:e>
+                    </m:d>
+                  </m:oMath>
+                </a14:m>
+                <a:r>
+                  <a:rPr kumimoji="1" lang="ja-JP" altLang="en-US" dirty="0"/>
+                  <a:t>を求める</a:t>
+                </a:r>
+                <a:endParaRPr kumimoji="1" lang="en-US" altLang="ja-JP" dirty="0"/>
+              </a:p>
+              <a:p>
+                <a:endParaRPr kumimoji="1" lang="en-US" altLang="ja-JP" dirty="0"/>
+              </a:p>
+              <a:p>
+                <a:endParaRPr lang="en-US" altLang="ja-JP" dirty="0"/>
+              </a:p>
+              <a:p>
+                <a:endParaRPr kumimoji="1" lang="en-US" altLang="ja-JP" dirty="0"/>
+              </a:p>
+              <a:p>
+                <a:endParaRPr lang="en-US" altLang="ja-JP" dirty="0"/>
+              </a:p>
+              <a:p>
+                <a:r>
+                  <a:rPr lang="ja-JP" altLang="en-US" dirty="0"/>
+                  <a:t>④各点と円の中心の距離を計算し、その平均値を円の半径とする</a:t>
+                </a:r>
+                <a:endParaRPr kumimoji="1" lang="ja-JP" altLang="en-US" dirty="0"/>
+              </a:p>
+            </p:txBody>
+          </p:sp>
+        </mc:Choice>
+        <mc:Fallback>
+          <p:sp>
+            <p:nvSpPr>
+              <p:cNvPr id="12" name="テキスト ボックス 11">
+                <a:extLst>
+                  <a:ext uri="{FF2B5EF4-FFF2-40B4-BE49-F238E27FC236}">
+                    <a16:creationId xmlns:a16="http://schemas.microsoft.com/office/drawing/2014/main" id="{7456EFDF-D3A1-4A96-ACB0-01A6DAE4D2CF}"/>
+                  </a:ext>
+                </a:extLst>
+              </p:cNvPr>
+              <p:cNvSpPr txBox="1">
+                <a:spLocks noRot="1" noChangeAspect="1" noMove="1" noResize="1" noEditPoints="1" noAdjustHandles="1" noChangeArrowheads="1" noChangeShapeType="1" noTextEdit="1"/>
+              </p:cNvSpPr>
+              <p:nvPr/>
+            </p:nvSpPr>
+            <p:spPr>
+              <a:xfrm>
+                <a:off x="515338" y="2327735"/>
+                <a:ext cx="5533534" cy="3416320"/>
+              </a:xfrm>
+              <a:prstGeom prst="rect">
+                <a:avLst/>
+              </a:prstGeom>
+              <a:blipFill>
+                <a:blip r:embed="rId3"/>
+                <a:stretch>
+                  <a:fillRect l="-992" t="-1071" b="-1964"/>
+                </a:stretch>
+              </a:blipFill>
+            </p:spPr>
+            <p:txBody>
+              <a:bodyPr/>
+              <a:lstStyle/>
+              <a:p>
+                <a:r>
+                  <a:rPr lang="ja-JP" altLang="en-US">
+                    <a:noFill/>
+                  </a:rPr>
+                  <a:t> </a:t>
+                </a:r>
+              </a:p>
+            </p:txBody>
+          </p:sp>
+        </mc:Fallback>
+      </mc:AlternateContent>
+      <mc:AlternateContent xmlns:mc="http://schemas.openxmlformats.org/markup-compatibility/2006">
+        <mc:Choice xmlns:a14="http://schemas.microsoft.com/office/drawing/2010/main" Requires="a14">
+          <p:sp>
+            <p:nvSpPr>
+              <p:cNvPr id="13" name="テキスト ボックス 12">
+                <a:extLst>
+                  <a:ext uri="{FF2B5EF4-FFF2-40B4-BE49-F238E27FC236}">
+                    <a16:creationId xmlns:a16="http://schemas.microsoft.com/office/drawing/2014/main" id="{FFC24670-048E-41F9-89D7-794ECC4984CC}"/>
+                  </a:ext>
+                </a:extLst>
+              </p:cNvPr>
+              <p:cNvSpPr txBox="1"/>
+              <p:nvPr/>
+            </p:nvSpPr>
+            <p:spPr>
+              <a:xfrm>
+                <a:off x="911816" y="2629162"/>
+                <a:ext cx="4021352" cy="646331"/>
+              </a:xfrm>
+              <a:prstGeom prst="rect">
+                <a:avLst/>
+              </a:prstGeom>
+              <a:noFill/>
+            </p:spPr>
+            <p:txBody>
+              <a:bodyPr wrap="square" rtlCol="0">
+                <a:spAutoFit/>
+              </a:bodyPr>
+              <a:lstStyle/>
+              <a:p>
+                <a14:m>
+                  <m:oMathPara xmlns:m="http://schemas.openxmlformats.org/officeDocument/2006/math">
+                    <m:oMathParaPr>
+                      <m:jc m:val="centerGroup"/>
+                    </m:oMathParaPr>
+                    <m:oMath xmlns:m="http://schemas.openxmlformats.org/officeDocument/2006/math">
+                      <m:r>
+                        <a:rPr kumimoji="1" lang="en-US" altLang="ja-JP" b="0" i="1" smtClean="0">
+                          <a:latin typeface="Cambria Math" panose="02040503050406030204" pitchFamily="18" charset="0"/>
+                        </a:rPr>
+                        <m:t>𝑟</m:t>
+                      </m:r>
+                      <m:r>
+                        <a:rPr kumimoji="1" lang="en-US" altLang="ja-JP" b="0" i="1" smtClean="0">
+                          <a:latin typeface="Cambria Math" panose="02040503050406030204" pitchFamily="18" charset="0"/>
+                        </a:rPr>
+                        <m:t>= </m:t>
+                      </m:r>
+                      <m:d>
+                        <m:dPr>
+                          <m:begChr m:val="["/>
+                          <m:endChr m:val="]"/>
+                          <m:ctrlPr>
+                            <a:rPr kumimoji="1" lang="en-US" altLang="ja-JP" b="0" i="1" smtClean="0">
+                              <a:latin typeface="Cambria Math" panose="02040503050406030204" pitchFamily="18" charset="0"/>
+                            </a:rPr>
+                          </m:ctrlPr>
+                        </m:dPr>
+                        <m:e>
+                          <m:d>
+                            <m:dPr>
+                              <m:ctrlPr>
+                                <a:rPr kumimoji="1" lang="en-US" altLang="ja-JP" b="0" i="1" smtClean="0">
+                                  <a:latin typeface="Cambria Math" panose="02040503050406030204" pitchFamily="18" charset="0"/>
+                                </a:rPr>
+                              </m:ctrlPr>
+                            </m:dPr>
+                            <m:e>
+                              <m:sSub>
+                                <m:sSubPr>
+                                  <m:ctrlPr>
+                                    <a:rPr kumimoji="1" lang="en-US" altLang="ja-JP" b="0" i="1" smtClean="0">
+                                      <a:latin typeface="Cambria Math" panose="02040503050406030204" pitchFamily="18" charset="0"/>
+                                    </a:rPr>
+                                  </m:ctrlPr>
+                                </m:sSubPr>
+                                <m:e>
+                                  <m:r>
+                                    <a:rPr kumimoji="1" lang="en-US" altLang="ja-JP" b="0" i="1" smtClean="0">
+                                      <a:latin typeface="Cambria Math" panose="02040503050406030204" pitchFamily="18" charset="0"/>
+                                    </a:rPr>
+                                    <m:t>𝑥</m:t>
+                                  </m:r>
+                                </m:e>
+                                <m:sub>
+                                  <m:r>
+                                    <a:rPr kumimoji="1" lang="en-US" altLang="ja-JP" b="0" i="1" smtClean="0">
+                                      <a:latin typeface="Cambria Math" panose="02040503050406030204" pitchFamily="18" charset="0"/>
+                                    </a:rPr>
+                                    <m:t>0</m:t>
+                                  </m:r>
+                                </m:sub>
+                              </m:sSub>
+                              <m:r>
+                                <a:rPr kumimoji="1" lang="en-US" altLang="ja-JP" b="0" i="1" smtClean="0">
+                                  <a:latin typeface="Cambria Math" panose="02040503050406030204" pitchFamily="18" charset="0"/>
+                                </a:rPr>
+                                <m:t>,</m:t>
+                              </m:r>
+                              <m:sSub>
+                                <m:sSubPr>
+                                  <m:ctrlPr>
+                                    <a:rPr kumimoji="1" lang="en-US" altLang="ja-JP" b="0" i="1" smtClean="0">
+                                      <a:latin typeface="Cambria Math" panose="02040503050406030204" pitchFamily="18" charset="0"/>
+                                    </a:rPr>
+                                  </m:ctrlPr>
+                                </m:sSubPr>
+                                <m:e>
+                                  <m:r>
+                                    <a:rPr kumimoji="1" lang="en-US" altLang="ja-JP" b="0" i="1" smtClean="0">
+                                      <a:latin typeface="Cambria Math" panose="02040503050406030204" pitchFamily="18" charset="0"/>
+                                    </a:rPr>
+                                    <m:t>𝑦</m:t>
+                                  </m:r>
+                                </m:e>
+                                <m:sub>
+                                  <m:r>
+                                    <a:rPr kumimoji="1" lang="en-US" altLang="ja-JP" b="0" i="1" smtClean="0">
+                                      <a:latin typeface="Cambria Math" panose="02040503050406030204" pitchFamily="18" charset="0"/>
+                                    </a:rPr>
+                                    <m:t>0</m:t>
+                                  </m:r>
+                                </m:sub>
+                              </m:sSub>
+                            </m:e>
+                          </m:d>
+                          <m:r>
+                            <a:rPr kumimoji="1" lang="en-US" altLang="ja-JP" b="0" i="1" smtClean="0">
+                              <a:latin typeface="Cambria Math" panose="02040503050406030204" pitchFamily="18" charset="0"/>
+                            </a:rPr>
+                            <m:t>,</m:t>
+                          </m:r>
+                          <m:d>
+                            <m:dPr>
+                              <m:ctrlPr>
+                                <a:rPr kumimoji="1" lang="en-US" altLang="ja-JP" b="0" i="1" smtClean="0">
+                                  <a:latin typeface="Cambria Math" panose="02040503050406030204" pitchFamily="18" charset="0"/>
+                                </a:rPr>
+                              </m:ctrlPr>
+                            </m:dPr>
+                            <m:e>
+                              <m:sSub>
+                                <m:sSubPr>
+                                  <m:ctrlPr>
+                                    <a:rPr kumimoji="1" lang="en-US" altLang="ja-JP" b="0" i="1" smtClean="0">
+                                      <a:latin typeface="Cambria Math" panose="02040503050406030204" pitchFamily="18" charset="0"/>
+                                    </a:rPr>
+                                  </m:ctrlPr>
+                                </m:sSubPr>
+                                <m:e>
+                                  <m:r>
+                                    <a:rPr kumimoji="1" lang="en-US" altLang="ja-JP" b="0" i="1" smtClean="0">
+                                      <a:latin typeface="Cambria Math" panose="02040503050406030204" pitchFamily="18" charset="0"/>
+                                    </a:rPr>
+                                    <m:t>𝑥</m:t>
+                                  </m:r>
+                                </m:e>
+                                <m:sub>
+                                  <m:r>
+                                    <a:rPr kumimoji="1" lang="en-US" altLang="ja-JP" b="0" i="1" smtClean="0">
+                                      <a:latin typeface="Cambria Math" panose="02040503050406030204" pitchFamily="18" charset="0"/>
+                                    </a:rPr>
+                                    <m:t>1</m:t>
+                                  </m:r>
+                                </m:sub>
+                              </m:sSub>
+                              <m:r>
+                                <a:rPr kumimoji="1" lang="en-US" altLang="ja-JP" b="0" i="1" smtClean="0">
+                                  <a:latin typeface="Cambria Math" panose="02040503050406030204" pitchFamily="18" charset="0"/>
+                                </a:rPr>
+                                <m:t>,</m:t>
+                              </m:r>
+                              <m:sSub>
+                                <m:sSubPr>
+                                  <m:ctrlPr>
+                                    <a:rPr kumimoji="1" lang="en-US" altLang="ja-JP" b="0" i="1" smtClean="0">
+                                      <a:latin typeface="Cambria Math" panose="02040503050406030204" pitchFamily="18" charset="0"/>
+                                    </a:rPr>
+                                  </m:ctrlPr>
+                                </m:sSubPr>
+                                <m:e>
+                                  <m:r>
+                                    <a:rPr kumimoji="1" lang="en-US" altLang="ja-JP" b="0" i="1" smtClean="0">
+                                      <a:latin typeface="Cambria Math" panose="02040503050406030204" pitchFamily="18" charset="0"/>
+                                    </a:rPr>
+                                    <m:t>𝑦</m:t>
+                                  </m:r>
+                                </m:e>
+                                <m:sub>
+                                  <m:r>
+                                    <a:rPr kumimoji="1" lang="en-US" altLang="ja-JP" b="0" i="1" smtClean="0">
+                                      <a:latin typeface="Cambria Math" panose="02040503050406030204" pitchFamily="18" charset="0"/>
+                                    </a:rPr>
+                                    <m:t>1</m:t>
+                                  </m:r>
+                                </m:sub>
+                              </m:sSub>
+                            </m:e>
+                          </m:d>
+                          <m:r>
+                            <a:rPr kumimoji="1" lang="en-US" altLang="ja-JP" b="0" i="1" smtClean="0">
+                              <a:latin typeface="Cambria Math" panose="02040503050406030204" pitchFamily="18" charset="0"/>
+                            </a:rPr>
+                            <m:t>,…(</m:t>
+                          </m:r>
+                          <m:sSub>
+                            <m:sSubPr>
+                              <m:ctrlPr>
+                                <a:rPr lang="en-US" altLang="ja-JP" i="1">
+                                  <a:latin typeface="Cambria Math" panose="02040503050406030204" pitchFamily="18" charset="0"/>
+                                </a:rPr>
+                              </m:ctrlPr>
+                            </m:sSubPr>
+                            <m:e>
+                              <m:r>
+                                <a:rPr lang="en-US" altLang="ja-JP" i="1">
+                                  <a:latin typeface="Cambria Math" panose="02040503050406030204" pitchFamily="18" charset="0"/>
+                                </a:rPr>
+                                <m:t>𝑥</m:t>
+                              </m:r>
+                            </m:e>
+                            <m:sub>
+                              <m:r>
+                                <a:rPr lang="en-US" altLang="ja-JP" b="0" i="1" smtClean="0">
+                                  <a:latin typeface="Cambria Math" panose="02040503050406030204" pitchFamily="18" charset="0"/>
+                                </a:rPr>
+                                <m:t>𝑛</m:t>
+                              </m:r>
+                            </m:sub>
+                          </m:sSub>
+                          <m:r>
+                            <a:rPr lang="en-US" altLang="ja-JP" i="1">
+                              <a:latin typeface="Cambria Math" panose="02040503050406030204" pitchFamily="18" charset="0"/>
+                            </a:rPr>
+                            <m:t>,</m:t>
+                          </m:r>
+                          <m:sSub>
+                            <m:sSubPr>
+                              <m:ctrlPr>
+                                <a:rPr lang="en-US" altLang="ja-JP" i="1">
+                                  <a:latin typeface="Cambria Math" panose="02040503050406030204" pitchFamily="18" charset="0"/>
+                                </a:rPr>
+                              </m:ctrlPr>
+                            </m:sSubPr>
+                            <m:e>
+                              <m:r>
+                                <a:rPr lang="en-US" altLang="ja-JP" i="1">
+                                  <a:latin typeface="Cambria Math" panose="02040503050406030204" pitchFamily="18" charset="0"/>
+                                </a:rPr>
+                                <m:t>𝑦</m:t>
+                              </m:r>
+                            </m:e>
+                            <m:sub>
+                              <m:r>
+                                <a:rPr lang="en-US" altLang="ja-JP" b="0" i="1" smtClean="0">
+                                  <a:latin typeface="Cambria Math" panose="02040503050406030204" pitchFamily="18" charset="0"/>
+                                </a:rPr>
+                                <m:t>𝑛</m:t>
+                              </m:r>
+                            </m:sub>
+                          </m:sSub>
+                          <m:r>
+                            <a:rPr kumimoji="1" lang="en-US" altLang="ja-JP" b="0" i="1" smtClean="0">
+                              <a:latin typeface="Cambria Math" panose="02040503050406030204" pitchFamily="18" charset="0"/>
+                            </a:rPr>
+                            <m:t>) </m:t>
+                          </m:r>
+                        </m:e>
+                      </m:d>
+                    </m:oMath>
+                  </m:oMathPara>
+                </a14:m>
+                <a:endParaRPr kumimoji="1" lang="en-US" altLang="ja-JP" dirty="0"/>
+              </a:p>
+              <a:p>
+                <a:endParaRPr kumimoji="1" lang="ja-JP" altLang="en-US" dirty="0"/>
+              </a:p>
+            </p:txBody>
+          </p:sp>
+        </mc:Choice>
+        <mc:Fallback>
+          <p:sp>
+            <p:nvSpPr>
+              <p:cNvPr id="13" name="テキスト ボックス 12">
+                <a:extLst>
+                  <a:ext uri="{FF2B5EF4-FFF2-40B4-BE49-F238E27FC236}">
+                    <a16:creationId xmlns:a16="http://schemas.microsoft.com/office/drawing/2014/main" id="{FFC24670-048E-41F9-89D7-794ECC4984CC}"/>
+                  </a:ext>
+                </a:extLst>
+              </p:cNvPr>
+              <p:cNvSpPr txBox="1">
+                <a:spLocks noRot="1" noChangeAspect="1" noMove="1" noResize="1" noEditPoints="1" noAdjustHandles="1" noChangeArrowheads="1" noChangeShapeType="1" noTextEdit="1"/>
+              </p:cNvSpPr>
+              <p:nvPr/>
+            </p:nvSpPr>
+            <p:spPr>
+              <a:xfrm>
+                <a:off x="911816" y="2629162"/>
+                <a:ext cx="4021352" cy="646331"/>
+              </a:xfrm>
+              <a:prstGeom prst="rect">
+                <a:avLst/>
+              </a:prstGeom>
+              <a:blipFill>
+                <a:blip r:embed="rId4"/>
+                <a:stretch>
+                  <a:fillRect/>
+                </a:stretch>
+              </a:blipFill>
+            </p:spPr>
+            <p:txBody>
+              <a:bodyPr/>
+              <a:lstStyle/>
+              <a:p>
+                <a:r>
+                  <a:rPr lang="ja-JP" altLang="en-US">
+                    <a:noFill/>
+                  </a:rPr>
+                  <a:t> </a:t>
+                </a:r>
+              </a:p>
+            </p:txBody>
+          </p:sp>
+        </mc:Fallback>
+      </mc:AlternateContent>
+      <mc:AlternateContent xmlns:mc="http://schemas.openxmlformats.org/markup-compatibility/2006">
+        <mc:Choice xmlns:a14="http://schemas.microsoft.com/office/drawing/2010/main" Requires="a14">
+          <p:sp>
+            <p:nvSpPr>
+              <p:cNvPr id="14" name="テキスト ボックス 13">
+                <a:extLst>
+                  <a:ext uri="{FF2B5EF4-FFF2-40B4-BE49-F238E27FC236}">
+                    <a16:creationId xmlns:a16="http://schemas.microsoft.com/office/drawing/2014/main" id="{7F6A6764-9159-4460-BC0E-5FEDB02011EF}"/>
+                  </a:ext>
+                </a:extLst>
+              </p:cNvPr>
+              <p:cNvSpPr txBox="1"/>
+              <p:nvPr/>
+            </p:nvSpPr>
+            <p:spPr>
+              <a:xfrm>
+                <a:off x="1622456" y="4080505"/>
+                <a:ext cx="2600071" cy="756426"/>
+              </a:xfrm>
+              <a:prstGeom prst="rect">
+                <a:avLst/>
+              </a:prstGeom>
+              <a:noFill/>
+            </p:spPr>
+            <p:txBody>
+              <a:bodyPr wrap="none" lIns="0" tIns="0" rIns="0" bIns="0" rtlCol="0">
+                <a:spAutoFit/>
+              </a:bodyPr>
+              <a:lstStyle/>
+              <a:p>
+                <a14:m>
+                  <m:oMathPara xmlns:m="http://schemas.openxmlformats.org/officeDocument/2006/math">
+                    <m:oMathParaPr>
+                      <m:jc m:val="centerGroup"/>
+                    </m:oMathParaPr>
+                    <m:oMath xmlns:m="http://schemas.openxmlformats.org/officeDocument/2006/math">
+                      <m:sSub>
+                        <m:sSubPr>
+                          <m:ctrlPr>
+                            <a:rPr kumimoji="1" lang="en-US" altLang="ja-JP" i="1" smtClean="0">
+                              <a:latin typeface="Cambria Math" panose="02040503050406030204" pitchFamily="18" charset="0"/>
+                            </a:rPr>
+                          </m:ctrlPr>
+                        </m:sSubPr>
+                        <m:e>
+                          <m:r>
+                            <a:rPr kumimoji="1" lang="en-US" altLang="ja-JP" b="0" i="1" smtClean="0">
+                              <a:latin typeface="Cambria Math" panose="02040503050406030204" pitchFamily="18" charset="0"/>
+                            </a:rPr>
+                            <m:t>𝑥</m:t>
+                          </m:r>
+                        </m:e>
+                        <m:sub>
+                          <m:r>
+                            <a:rPr kumimoji="1" lang="en-US" altLang="ja-JP" b="0" i="1" smtClean="0">
+                              <a:latin typeface="Cambria Math" panose="02040503050406030204" pitchFamily="18" charset="0"/>
+                            </a:rPr>
+                            <m:t>𝑐</m:t>
+                          </m:r>
+                        </m:sub>
+                      </m:sSub>
+                      <m:r>
+                        <a:rPr kumimoji="1" lang="en-US" altLang="ja-JP" b="0" i="1" smtClean="0">
+                          <a:latin typeface="Cambria Math" panose="02040503050406030204" pitchFamily="18" charset="0"/>
+                        </a:rPr>
+                        <m:t>= </m:t>
+                      </m:r>
+                      <m:nary>
+                        <m:naryPr>
+                          <m:chr m:val="∑"/>
+                          <m:ctrlPr>
+                            <a:rPr kumimoji="1" lang="en-US" altLang="ja-JP" b="0" i="1" smtClean="0">
+                              <a:latin typeface="Cambria Math" panose="02040503050406030204" pitchFamily="18" charset="0"/>
+                            </a:rPr>
+                          </m:ctrlPr>
+                        </m:naryPr>
+                        <m:sub>
+                          <m:r>
+                            <a:rPr kumimoji="1" lang="en-US" altLang="ja-JP" b="0" i="1" smtClean="0">
+                              <a:latin typeface="Cambria Math" panose="02040503050406030204" pitchFamily="18" charset="0"/>
+                            </a:rPr>
+                            <m:t>𝑖</m:t>
+                          </m:r>
+                          <m:r>
+                            <a:rPr kumimoji="1" lang="en-US" altLang="ja-JP" b="0" i="1" smtClean="0">
+                              <a:latin typeface="Cambria Math" panose="02040503050406030204" pitchFamily="18" charset="0"/>
+                            </a:rPr>
+                            <m:t>=0</m:t>
+                          </m:r>
+                        </m:sub>
+                        <m:sup>
+                          <m:r>
+                            <a:rPr kumimoji="1" lang="en-US" altLang="ja-JP" b="0" i="1" smtClean="0">
+                              <a:latin typeface="Cambria Math" panose="02040503050406030204" pitchFamily="18" charset="0"/>
+                            </a:rPr>
+                            <m:t>𝑛</m:t>
+                          </m:r>
+                        </m:sup>
+                        <m:e>
+                          <m:sSub>
+                            <m:sSubPr>
+                              <m:ctrlPr>
+                                <a:rPr kumimoji="1" lang="en-US" altLang="ja-JP" b="0" i="1" smtClean="0">
+                                  <a:latin typeface="Cambria Math" panose="02040503050406030204" pitchFamily="18" charset="0"/>
+                                </a:rPr>
+                              </m:ctrlPr>
+                            </m:sSubPr>
+                            <m:e>
+                              <m:r>
+                                <a:rPr kumimoji="1" lang="en-US" altLang="ja-JP" b="0" i="1" smtClean="0">
+                                  <a:latin typeface="Cambria Math" panose="02040503050406030204" pitchFamily="18" charset="0"/>
+                                </a:rPr>
+                                <m:t>𝑥</m:t>
+                              </m:r>
+                            </m:e>
+                            <m:sub>
+                              <m:r>
+                                <a:rPr kumimoji="1" lang="en-US" altLang="ja-JP" b="0" i="1" smtClean="0">
+                                  <a:latin typeface="Cambria Math" panose="02040503050406030204" pitchFamily="18" charset="0"/>
+                                </a:rPr>
+                                <m:t>𝑖</m:t>
+                              </m:r>
+                            </m:sub>
+                          </m:sSub>
+                        </m:e>
+                      </m:nary>
+                      <m:r>
+                        <a:rPr kumimoji="1" lang="en-US" altLang="ja-JP" b="0" i="1" smtClean="0">
+                          <a:latin typeface="Cambria Math" panose="02040503050406030204" pitchFamily="18" charset="0"/>
+                        </a:rPr>
+                        <m:t>  ,</m:t>
+                      </m:r>
+                      <m:sSub>
+                        <m:sSubPr>
+                          <m:ctrlPr>
+                            <a:rPr lang="en-US" altLang="ja-JP" i="1">
+                              <a:latin typeface="Cambria Math" panose="02040503050406030204" pitchFamily="18" charset="0"/>
+                            </a:rPr>
+                          </m:ctrlPr>
+                        </m:sSubPr>
+                        <m:e>
+                          <m:r>
+                            <a:rPr lang="en-US" altLang="ja-JP" b="0" i="1" smtClean="0">
+                              <a:latin typeface="Cambria Math" panose="02040503050406030204" pitchFamily="18" charset="0"/>
+                            </a:rPr>
+                            <m:t>𝑦</m:t>
+                          </m:r>
+                        </m:e>
+                        <m:sub>
+                          <m:r>
+                            <a:rPr lang="en-US" altLang="ja-JP" i="1">
+                              <a:latin typeface="Cambria Math" panose="02040503050406030204" pitchFamily="18" charset="0"/>
+                            </a:rPr>
+                            <m:t>𝑐</m:t>
+                          </m:r>
+                        </m:sub>
+                      </m:sSub>
+                      <m:r>
+                        <a:rPr lang="en-US" altLang="ja-JP" i="1">
+                          <a:latin typeface="Cambria Math" panose="02040503050406030204" pitchFamily="18" charset="0"/>
+                        </a:rPr>
+                        <m:t>= </m:t>
+                      </m:r>
+                      <m:nary>
+                        <m:naryPr>
+                          <m:chr m:val="∑"/>
+                          <m:ctrlPr>
+                            <a:rPr lang="en-US" altLang="ja-JP" i="1">
+                              <a:latin typeface="Cambria Math" panose="02040503050406030204" pitchFamily="18" charset="0"/>
+                            </a:rPr>
+                          </m:ctrlPr>
+                        </m:naryPr>
+                        <m:sub>
+                          <m:r>
+                            <a:rPr lang="en-US" altLang="ja-JP" i="1">
+                              <a:latin typeface="Cambria Math" panose="02040503050406030204" pitchFamily="18" charset="0"/>
+                            </a:rPr>
+                            <m:t>𝑖</m:t>
+                          </m:r>
+                          <m:r>
+                            <a:rPr lang="en-US" altLang="ja-JP" i="1">
+                              <a:latin typeface="Cambria Math" panose="02040503050406030204" pitchFamily="18" charset="0"/>
+                            </a:rPr>
+                            <m:t>=0</m:t>
+                          </m:r>
+                        </m:sub>
+                        <m:sup>
+                          <m:r>
+                            <a:rPr lang="en-US" altLang="ja-JP" i="1">
+                              <a:latin typeface="Cambria Math" panose="02040503050406030204" pitchFamily="18" charset="0"/>
+                            </a:rPr>
+                            <m:t>𝑛</m:t>
+                          </m:r>
+                        </m:sup>
+                        <m:e>
+                          <m:sSub>
+                            <m:sSubPr>
+                              <m:ctrlPr>
+                                <a:rPr lang="en-US" altLang="ja-JP" i="1">
+                                  <a:latin typeface="Cambria Math" panose="02040503050406030204" pitchFamily="18" charset="0"/>
+                                </a:rPr>
+                              </m:ctrlPr>
+                            </m:sSubPr>
+                            <m:e>
+                              <m:r>
+                                <a:rPr lang="en-US" altLang="ja-JP" b="0" i="1" smtClean="0">
+                                  <a:latin typeface="Cambria Math" panose="02040503050406030204" pitchFamily="18" charset="0"/>
+                                </a:rPr>
+                                <m:t>𝑦</m:t>
+                              </m:r>
+                            </m:e>
+                            <m:sub>
+                              <m:r>
+                                <a:rPr lang="en-US" altLang="ja-JP" i="1">
+                                  <a:latin typeface="Cambria Math" panose="02040503050406030204" pitchFamily="18" charset="0"/>
+                                </a:rPr>
+                                <m:t>𝑖</m:t>
+                              </m:r>
+                            </m:sub>
+                          </m:sSub>
+                        </m:e>
+                      </m:nary>
+                    </m:oMath>
+                  </m:oMathPara>
+                </a14:m>
+                <a:endParaRPr kumimoji="1" lang="ja-JP" altLang="en-US" dirty="0"/>
+              </a:p>
+            </p:txBody>
+          </p:sp>
+        </mc:Choice>
+        <mc:Fallback>
+          <p:sp>
+            <p:nvSpPr>
+              <p:cNvPr id="14" name="テキスト ボックス 13">
+                <a:extLst>
+                  <a:ext uri="{FF2B5EF4-FFF2-40B4-BE49-F238E27FC236}">
+                    <a16:creationId xmlns:a16="http://schemas.microsoft.com/office/drawing/2014/main" id="{7F6A6764-9159-4460-BC0E-5FEDB02011EF}"/>
+                  </a:ext>
+                </a:extLst>
+              </p:cNvPr>
+              <p:cNvSpPr txBox="1">
+                <a:spLocks noRot="1" noChangeAspect="1" noMove="1" noResize="1" noEditPoints="1" noAdjustHandles="1" noChangeArrowheads="1" noChangeShapeType="1" noTextEdit="1"/>
+              </p:cNvSpPr>
+              <p:nvPr/>
+            </p:nvSpPr>
+            <p:spPr>
+              <a:xfrm>
+                <a:off x="1622456" y="4080505"/>
+                <a:ext cx="2600071" cy="756426"/>
+              </a:xfrm>
+              <a:prstGeom prst="rect">
+                <a:avLst/>
+              </a:prstGeom>
+              <a:blipFill>
+                <a:blip r:embed="rId5"/>
+                <a:stretch>
+                  <a:fillRect/>
+                </a:stretch>
+              </a:blipFill>
+            </p:spPr>
+            <p:txBody>
+              <a:bodyPr/>
+              <a:lstStyle/>
+              <a:p>
+                <a:r>
+                  <a:rPr lang="ja-JP" altLang="en-US">
+                    <a:noFill/>
+                  </a:rPr>
+                  <a:t> </a:t>
+                </a:r>
+              </a:p>
+            </p:txBody>
+          </p:sp>
+        </mc:Fallback>
+      </mc:AlternateContent>
+    </p:spTree>
+    <p:extLst>
+      <p:ext uri="{BB962C8B-B14F-4D97-AF65-F5344CB8AC3E}">
+        <p14:creationId xmlns:p14="http://schemas.microsoft.com/office/powerpoint/2010/main" val="961574731"/>
+      </p:ext>
+    </p:extLst>
+  </p:cSld>
+  <p:clrMapOvr>
+    <a:masterClrMapping/>
+  </p:clrMapOvr>
+</p:sld>
+</file>
+
+<file path=ppt/slides/slide13.xml><?xml version="1.0" encoding="utf-8"?>
 <p:sld xmlns:a="http://schemas.openxmlformats.org/drawingml/2006/main" xmlns:r="http://schemas.openxmlformats.org/officeDocument/2006/relationships" xmlns:p="http://schemas.openxmlformats.org/presentationml/2006/main">
   <p:cSld>
     <p:spTree>
@@ -5595,7 +6856,7 @@
 </p:sld>
 </file>
 
-<file path=ppt/slides/slide13.xml><?xml version="1.0" encoding="utf-8"?>
+<file path=ppt/slides/slide14.xml><?xml version="1.0" encoding="utf-8"?>
 <p:sld xmlns:a="http://schemas.openxmlformats.org/drawingml/2006/main" xmlns:r="http://schemas.openxmlformats.org/officeDocument/2006/relationships" xmlns:p="http://schemas.openxmlformats.org/presentationml/2006/main">
   <p:cSld>
     <p:spTree>
@@ -5679,7 +6940,7 @@
 </p:sld>
 </file>
 
-<file path=ppt/slides/slide14.xml><?xml version="1.0" encoding="utf-8"?>
+<file path=ppt/slides/slide15.xml><?xml version="1.0" encoding="utf-8"?>
 <p:sld xmlns:a="http://schemas.openxmlformats.org/drawingml/2006/main" xmlns:r="http://schemas.openxmlformats.org/officeDocument/2006/relationships" xmlns:p="http://schemas.openxmlformats.org/presentationml/2006/main">
   <p:cSld>
     <p:spTree>
@@ -5974,7 +7235,7 @@
 </p:sld>
 </file>
 
-<file path=ppt/slides/slide15.xml><?xml version="1.0" encoding="utf-8"?>
+<file path=ppt/slides/slide16.xml><?xml version="1.0" encoding="utf-8"?>
 <p:sld xmlns:a="http://schemas.openxmlformats.org/drawingml/2006/main" xmlns:r="http://schemas.openxmlformats.org/officeDocument/2006/relationships" xmlns:p="http://schemas.openxmlformats.org/presentationml/2006/main">
   <p:cSld>
     <p:spTree>
@@ -6220,7 +7481,7 @@
 </p:sld>
 </file>
 
-<file path=ppt/slides/slide16.xml><?xml version="1.0" encoding="utf-8"?>
+<file path=ppt/slides/slide17.xml><?xml version="1.0" encoding="utf-8"?>
 <p:sld xmlns:a="http://schemas.openxmlformats.org/drawingml/2006/main" xmlns:r="http://schemas.openxmlformats.org/officeDocument/2006/relationships" xmlns:p="http://schemas.openxmlformats.org/presentationml/2006/main">
   <p:cSld>
     <p:spTree>
@@ -6505,7 +7766,7 @@
 </p:sld>
 </file>
 
-<file path=ppt/slides/slide17.xml><?xml version="1.0" encoding="utf-8"?>
+<file path=ppt/slides/slide18.xml><?xml version="1.0" encoding="utf-8"?>
 <p:sld xmlns:a="http://schemas.openxmlformats.org/drawingml/2006/main" xmlns:r="http://schemas.openxmlformats.org/officeDocument/2006/relationships" xmlns:p="http://schemas.openxmlformats.org/presentationml/2006/main">
   <p:cSld>
     <p:spTree>
@@ -6651,7 +7912,7 @@
 </p:sld>
 </file>
 
-<file path=ppt/slides/slide18.xml><?xml version="1.0" encoding="utf-8"?>
+<file path=ppt/slides/slide19.xml><?xml version="1.0" encoding="utf-8"?>
 <p:sld xmlns:a="http://schemas.openxmlformats.org/drawingml/2006/main" xmlns:r="http://schemas.openxmlformats.org/officeDocument/2006/relationships" xmlns:p="http://schemas.openxmlformats.org/presentationml/2006/main">
   <p:cSld>
     <p:spTree>
@@ -8330,7 +9591,15 @@
           <a:p>
             <a:r>
               <a:rPr kumimoji="1" lang="ja-JP" altLang="en-US" dirty="0"/>
-              <a:t>運動計算　ルンゲクッタ法</a:t>
+              <a:t>運動計算　</a:t>
+            </a:r>
+            <a:r>
+              <a:rPr kumimoji="1" lang="en-US" altLang="ja-JP" dirty="0"/>
+              <a:t>4</a:t>
+            </a:r>
+            <a:r>
+              <a:rPr kumimoji="1" lang="ja-JP" altLang="en-US" dirty="0"/>
+              <a:t>次のルンゲクッタ法</a:t>
             </a:r>
           </a:p>
         </p:txBody>
@@ -9844,6 +11113,60 @@
           <a:lstStyle/>
           <a:p>
             <a:endParaRPr kumimoji="1" lang="ja-JP" altLang="en-US"/>
+          </a:p>
+        </p:txBody>
+      </p:sp>
+      <p:sp>
+        <p:nvSpPr>
+          <p:cNvPr id="3" name="テキスト ボックス 2">
+            <a:extLst>
+              <a:ext uri="{FF2B5EF4-FFF2-40B4-BE49-F238E27FC236}">
+                <a16:creationId xmlns:a16="http://schemas.microsoft.com/office/drawing/2014/main" id="{42C7FBD1-4168-410D-91C8-EB4C3B4823DA}"/>
+              </a:ext>
+            </a:extLst>
+          </p:cNvPr>
+          <p:cNvSpPr txBox="1"/>
+          <p:nvPr/>
+        </p:nvSpPr>
+        <p:spPr>
+          <a:xfrm>
+            <a:off x="7371760" y="1325563"/>
+            <a:ext cx="4487159" cy="923330"/>
+          </a:xfrm>
+          <a:prstGeom prst="rect">
+            <a:avLst/>
+          </a:prstGeom>
+          <a:noFill/>
+        </p:spPr>
+        <p:txBody>
+          <a:bodyPr wrap="square" rtlCol="0">
+            <a:spAutoFit/>
+          </a:bodyPr>
+          <a:lstStyle/>
+          <a:p>
+            <a:r>
+              <a:rPr lang="en-US" altLang="ja-JP" dirty="0"/>
+              <a:t>4</a:t>
+            </a:r>
+            <a:r>
+              <a:rPr lang="ja-JP" altLang="en-US" dirty="0"/>
+              <a:t>次のルンゲクッタ法を採用した理由：</a:t>
+            </a:r>
+            <a:endParaRPr lang="en-US" altLang="ja-JP" dirty="0"/>
+          </a:p>
+          <a:p>
+            <a:r>
+              <a:rPr kumimoji="1" lang="ja-JP" altLang="en-US" dirty="0"/>
+              <a:t>精度が高い</a:t>
+            </a:r>
+            <a:endParaRPr kumimoji="1" lang="en-US" altLang="ja-JP" dirty="0"/>
+          </a:p>
+          <a:p>
+            <a:r>
+              <a:rPr lang="ja-JP" altLang="en-US" dirty="0"/>
+              <a:t>シンプルで実装しやすい</a:t>
+            </a:r>
+            <a:endParaRPr kumimoji="1" lang="en-US" altLang="ja-JP" dirty="0"/>
           </a:p>
         </p:txBody>
       </p:sp>

--- a/docs/中間発表.pptx
+++ b/docs/中間発表.pptx
@@ -5,28 +5,29 @@
     <p:sldMasterId id="2147483738" r:id="rId1"/>
   </p:sldMasterIdLst>
   <p:notesMasterIdLst>
-    <p:notesMasterId r:id="rId21"/>
+    <p:notesMasterId r:id="rId22"/>
   </p:notesMasterIdLst>
   <p:sldIdLst>
     <p:sldId id="256" r:id="rId2"/>
     <p:sldId id="267" r:id="rId3"/>
     <p:sldId id="266" r:id="rId4"/>
-    <p:sldId id="257" r:id="rId5"/>
-    <p:sldId id="258" r:id="rId6"/>
-    <p:sldId id="263" r:id="rId7"/>
-    <p:sldId id="264" r:id="rId8"/>
-    <p:sldId id="273" r:id="rId9"/>
-    <p:sldId id="272" r:id="rId10"/>
-    <p:sldId id="269" r:id="rId11"/>
-    <p:sldId id="270" r:id="rId12"/>
-    <p:sldId id="274" r:id="rId13"/>
-    <p:sldId id="271" r:id="rId14"/>
-    <p:sldId id="265" r:id="rId15"/>
-    <p:sldId id="268" r:id="rId16"/>
-    <p:sldId id="259" r:id="rId17"/>
-    <p:sldId id="261" r:id="rId18"/>
-    <p:sldId id="260" r:id="rId19"/>
-    <p:sldId id="262" r:id="rId20"/>
+    <p:sldId id="276" r:id="rId5"/>
+    <p:sldId id="257" r:id="rId6"/>
+    <p:sldId id="275" r:id="rId7"/>
+    <p:sldId id="258" r:id="rId8"/>
+    <p:sldId id="264" r:id="rId9"/>
+    <p:sldId id="273" r:id="rId10"/>
+    <p:sldId id="272" r:id="rId11"/>
+    <p:sldId id="269" r:id="rId12"/>
+    <p:sldId id="277" r:id="rId13"/>
+    <p:sldId id="270" r:id="rId14"/>
+    <p:sldId id="274" r:id="rId15"/>
+    <p:sldId id="271" r:id="rId16"/>
+    <p:sldId id="268" r:id="rId17"/>
+    <p:sldId id="259" r:id="rId18"/>
+    <p:sldId id="261" r:id="rId19"/>
+    <p:sldId id="260" r:id="rId20"/>
+    <p:sldId id="262" r:id="rId21"/>
   </p:sldIdLst>
   <p:sldSz cx="12192000" cy="6858000"/>
   <p:notesSz cx="6858000" cy="9144000"/>
@@ -669,7 +670,7 @@
           <a:p>
             <a:fld id="{54FC74C9-A3B3-42D0-9EC6-DE7CEAAF28CE}" type="slidenum">
               <a:rPr kumimoji="1" lang="ja-JP" altLang="en-US" smtClean="0"/>
-              <a:t>19</a:t>
+              <a:t>20</a:t>
             </a:fld>
             <a:endParaRPr kumimoji="1" lang="ja-JP" altLang="en-US"/>
           </a:p>
@@ -821,7 +822,7 @@
           <a:p>
             <a:r>
               <a:rPr kumimoji="1" lang="ja-JP" altLang="en-US" dirty="0"/>
-              <a:t>何をシミュレーションするのか、全体の流れを視覚的に伝えたい。</a:t>
+              <a:t>ちょうどいい画像思いつかん</a:t>
             </a:r>
           </a:p>
         </p:txBody>
@@ -852,7 +853,7 @@
     </p:spTree>
     <p:extLst>
       <p:ext uri="{BB962C8B-B14F-4D97-AF65-F5344CB8AC3E}">
-        <p14:creationId xmlns:p14="http://schemas.microsoft.com/office/powerpoint/2010/main" val="540404762"/>
+        <p14:creationId xmlns:p14="http://schemas.microsoft.com/office/powerpoint/2010/main" val="1443177317"/>
       </p:ext>
     </p:extLst>
   </p:cSld>
@@ -908,7 +909,7 @@
           <a:p>
             <a:r>
               <a:rPr kumimoji="1" lang="ja-JP" altLang="en-US" dirty="0"/>
-              <a:t>シミュレーションの流れを説明。</a:t>
+              <a:t>何をシミュレーションするのか、全体の流れを視覚的に伝えたい。</a:t>
             </a:r>
           </a:p>
         </p:txBody>
@@ -939,7 +940,7 @@
     </p:spTree>
     <p:extLst>
       <p:ext uri="{BB962C8B-B14F-4D97-AF65-F5344CB8AC3E}">
-        <p14:creationId xmlns:p14="http://schemas.microsoft.com/office/powerpoint/2010/main" val="1622991078"/>
+        <p14:creationId xmlns:p14="http://schemas.microsoft.com/office/powerpoint/2010/main" val="540404762"/>
       </p:ext>
     </p:extLst>
   </p:cSld>
@@ -995,7 +996,7 @@
           <a:p>
             <a:r>
               <a:rPr kumimoji="1" lang="ja-JP" altLang="en-US" dirty="0"/>
-              <a:t>軽く触れる程度でいいかも。　→　書かんでいいかも</a:t>
+              <a:t>何をシミュレーションするのか、全体の流れを視覚的に伝えたい。</a:t>
             </a:r>
           </a:p>
         </p:txBody>
@@ -1026,7 +1027,7 @@
     </p:spTree>
     <p:extLst>
       <p:ext uri="{BB962C8B-B14F-4D97-AF65-F5344CB8AC3E}">
-        <p14:creationId xmlns:p14="http://schemas.microsoft.com/office/powerpoint/2010/main" val="1871160809"/>
+        <p14:creationId xmlns:p14="http://schemas.microsoft.com/office/powerpoint/2010/main" val="2198973498"/>
       </p:ext>
     </p:extLst>
   </p:cSld>
@@ -1082,7 +1083,7 @@
           <a:p>
             <a:r>
               <a:rPr kumimoji="1" lang="ja-JP" altLang="en-US" dirty="0"/>
-              <a:t>具体的な計算方法とともに、感覚的に理解できるようにかみ砕いて説明したい。</a:t>
+              <a:t>シミュレーションの流れを説明。</a:t>
             </a:r>
           </a:p>
         </p:txBody>
@@ -1113,7 +1114,7 @@
     </p:spTree>
     <p:extLst>
       <p:ext uri="{BB962C8B-B14F-4D97-AF65-F5344CB8AC3E}">
-        <p14:creationId xmlns:p14="http://schemas.microsoft.com/office/powerpoint/2010/main" val="2097994152"/>
+        <p14:creationId xmlns:p14="http://schemas.microsoft.com/office/powerpoint/2010/main" val="1622991078"/>
       </p:ext>
     </p:extLst>
   </p:cSld>
@@ -1169,15 +1170,7 @@
           <a:p>
             <a:r>
               <a:rPr kumimoji="1" lang="ja-JP" altLang="en-US" dirty="0"/>
-              <a:t>同時プロット、３</a:t>
-            </a:r>
-            <a:r>
-              <a:rPr kumimoji="1" lang="en-US" altLang="ja-JP" dirty="0"/>
-              <a:t>D</a:t>
-            </a:r>
-            <a:r>
-              <a:rPr kumimoji="1" lang="ja-JP" altLang="en-US" dirty="0"/>
-              <a:t>プロット、ベクトル表示は説明するとして、途中経過を言うか否か。言わなくていいとは思っている。　→いらない気がする</a:t>
+              <a:t>具体的な計算方法とともに、感覚的に理解できるようにかみ砕いて説明したい。</a:t>
             </a:r>
           </a:p>
         </p:txBody>
@@ -1199,7 +1192,7 @@
           <a:p>
             <a:fld id="{54FC74C9-A3B3-42D0-9EC6-DE7CEAAF28CE}" type="slidenum">
               <a:rPr kumimoji="1" lang="ja-JP" altLang="en-US" smtClean="0"/>
-              <a:t>14</a:t>
+              <a:t>8</a:t>
             </a:fld>
             <a:endParaRPr kumimoji="1" lang="ja-JP" altLang="en-US"/>
           </a:p>
@@ -1208,7 +1201,7 @@
     </p:spTree>
     <p:extLst>
       <p:ext uri="{BB962C8B-B14F-4D97-AF65-F5344CB8AC3E}">
-        <p14:creationId xmlns:p14="http://schemas.microsoft.com/office/powerpoint/2010/main" val="3845150362"/>
+        <p14:creationId xmlns:p14="http://schemas.microsoft.com/office/powerpoint/2010/main" val="2097994152"/>
       </p:ext>
     </p:extLst>
   </p:cSld>
@@ -1283,7 +1276,7 @@
           <a:p>
             <a:fld id="{54FC74C9-A3B3-42D0-9EC6-DE7CEAAF28CE}" type="slidenum">
               <a:rPr kumimoji="1" lang="ja-JP" altLang="en-US" smtClean="0"/>
-              <a:t>15</a:t>
+              <a:t>16</a:t>
             </a:fld>
             <a:endParaRPr kumimoji="1" lang="ja-JP" altLang="en-US"/>
           </a:p>
@@ -1370,7 +1363,7 @@
           <a:p>
             <a:fld id="{54FC74C9-A3B3-42D0-9EC6-DE7CEAAF28CE}" type="slidenum">
               <a:rPr kumimoji="1" lang="ja-JP" altLang="en-US" smtClean="0"/>
-              <a:t>16</a:t>
+              <a:t>17</a:t>
             </a:fld>
             <a:endParaRPr kumimoji="1" lang="ja-JP" altLang="en-US"/>
           </a:p>
@@ -5000,6 +4993,2891 @@
           <a:chExt cx="0" cy="0"/>
         </a:xfrm>
       </p:grpSpPr>
+      <mc:AlternateContent xmlns:mc="http://schemas.openxmlformats.org/markup-compatibility/2006">
+        <mc:Choice xmlns:a14="http://schemas.microsoft.com/office/drawing/2010/main" Requires="a14">
+          <p:sp>
+            <p:nvSpPr>
+              <p:cNvPr id="4" name="コンテンツ プレースホルダー 2">
+                <a:extLst>
+                  <a:ext uri="{FF2B5EF4-FFF2-40B4-BE49-F238E27FC236}">
+                    <a16:creationId xmlns:a16="http://schemas.microsoft.com/office/drawing/2014/main" id="{775550CC-164E-4BA6-B653-5521DEE38F7E}"/>
+                  </a:ext>
+                </a:extLst>
+              </p:cNvPr>
+              <p:cNvSpPr>
+                <a:spLocks noGrp="1"/>
+              </p:cNvSpPr>
+              <p:nvPr>
+                <p:ph idx="1"/>
+              </p:nvPr>
+            </p:nvSpPr>
+            <p:spPr>
+              <a:xfrm>
+                <a:off x="0" y="4042534"/>
+                <a:ext cx="6096000" cy="2781299"/>
+              </a:xfrm>
+            </p:spPr>
+            <p:txBody>
+              <a:bodyPr>
+                <a:normAutofit/>
+              </a:bodyPr>
+              <a:lstStyle/>
+              <a:p>
+                <a:pPr marL="0" indent="0">
+                  <a:buNone/>
+                </a:pPr>
+                <a14:m>
+                  <m:oMathPara xmlns:m="http://schemas.openxmlformats.org/officeDocument/2006/math">
+                    <m:oMathParaPr>
+                      <m:jc m:val="centerGroup"/>
+                    </m:oMathParaPr>
+                    <m:oMath xmlns:m="http://schemas.openxmlformats.org/officeDocument/2006/math">
+                      <m:sSub>
+                        <m:sSubPr>
+                          <m:ctrlPr>
+                            <a:rPr kumimoji="1" lang="en-US" altLang="ja-JP" sz="1800" i="1" smtClean="0">
+                              <a:latin typeface="Cambria Math" panose="02040503050406030204" pitchFamily="18" charset="0"/>
+                            </a:rPr>
+                          </m:ctrlPr>
+                        </m:sSubPr>
+                        <m:e>
+                          <m:r>
+                            <a:rPr kumimoji="1" lang="en-US" altLang="ja-JP" sz="1800" b="0" i="1" smtClean="0">
+                              <a:latin typeface="Cambria Math" panose="02040503050406030204" pitchFamily="18" charset="0"/>
+                            </a:rPr>
+                            <m:t>𝑘</m:t>
+                          </m:r>
+                        </m:e>
+                        <m:sub>
+                          <m:r>
+                            <a:rPr kumimoji="1" lang="en-US" altLang="ja-JP" sz="1800" b="0" i="1" smtClean="0">
+                              <a:latin typeface="Cambria Math" panose="02040503050406030204" pitchFamily="18" charset="0"/>
+                            </a:rPr>
+                            <m:t>𝑟</m:t>
+                          </m:r>
+                          <m:r>
+                            <a:rPr kumimoji="1" lang="en-US" altLang="ja-JP" sz="1800" b="0" i="1" smtClean="0">
+                              <a:latin typeface="Cambria Math" panose="02040503050406030204" pitchFamily="18" charset="0"/>
+                            </a:rPr>
+                            <m:t>1</m:t>
+                          </m:r>
+                        </m:sub>
+                      </m:sSub>
+                      <m:r>
+                        <a:rPr kumimoji="1" lang="en-US" altLang="ja-JP" sz="1800" b="0" i="1" smtClean="0">
+                          <a:latin typeface="Cambria Math" panose="02040503050406030204" pitchFamily="18" charset="0"/>
+                        </a:rPr>
+                        <m:t>=</m:t>
+                      </m:r>
+                      <m:sSub>
+                        <m:sSubPr>
+                          <m:ctrlPr>
+                            <a:rPr kumimoji="1" lang="en-US" altLang="ja-JP" sz="1800" b="0" i="1" smtClean="0">
+                              <a:latin typeface="Cambria Math" panose="02040503050406030204" pitchFamily="18" charset="0"/>
+                            </a:rPr>
+                          </m:ctrlPr>
+                        </m:sSubPr>
+                        <m:e>
+                          <m:r>
+                            <a:rPr kumimoji="1" lang="en-US" altLang="ja-JP" sz="1800" b="1" i="1" smtClean="0">
+                              <a:latin typeface="Cambria Math" panose="02040503050406030204" pitchFamily="18" charset="0"/>
+                            </a:rPr>
+                            <m:t>𝒗</m:t>
+                          </m:r>
+                        </m:e>
+                        <m:sub>
+                          <m:r>
+                            <a:rPr kumimoji="1" lang="en-US" altLang="ja-JP" sz="1800" b="0" i="1" smtClean="0">
+                              <a:latin typeface="Cambria Math" panose="02040503050406030204" pitchFamily="18" charset="0"/>
+                            </a:rPr>
+                            <m:t>𝑛</m:t>
+                          </m:r>
+                        </m:sub>
+                      </m:sSub>
+                    </m:oMath>
+                  </m:oMathPara>
+                </a14:m>
+                <a:endParaRPr lang="en-US" altLang="ja-JP" sz="1800" dirty="0"/>
+              </a:p>
+              <a:p>
+                <a:pPr marL="0" indent="0">
+                  <a:buNone/>
+                </a:pPr>
+                <a:endParaRPr kumimoji="1" lang="en-US" altLang="ja-JP" sz="1800" dirty="0"/>
+              </a:p>
+              <a:p>
+                <a:pPr marL="0" indent="0">
+                  <a:buNone/>
+                </a:pPr>
+                <a14:m>
+                  <m:oMathPara xmlns:m="http://schemas.openxmlformats.org/officeDocument/2006/math">
+                    <m:oMathParaPr>
+                      <m:jc m:val="centerGroup"/>
+                    </m:oMathParaPr>
+                    <m:oMath xmlns:m="http://schemas.openxmlformats.org/officeDocument/2006/math">
+                      <m:sSub>
+                        <m:sSubPr>
+                          <m:ctrlPr>
+                            <a:rPr kumimoji="1" lang="en-US" altLang="ja-JP" sz="1800" i="1" smtClean="0">
+                              <a:latin typeface="Cambria Math" panose="02040503050406030204" pitchFamily="18" charset="0"/>
+                            </a:rPr>
+                          </m:ctrlPr>
+                        </m:sSubPr>
+                        <m:e>
+                          <m:r>
+                            <a:rPr kumimoji="1" lang="en-US" altLang="ja-JP" sz="1800" b="0" i="1" smtClean="0">
+                              <a:latin typeface="Cambria Math" panose="02040503050406030204" pitchFamily="18" charset="0"/>
+                            </a:rPr>
+                            <m:t>𝑘</m:t>
+                          </m:r>
+                        </m:e>
+                        <m:sub>
+                          <m:r>
+                            <a:rPr kumimoji="1" lang="en-US" altLang="ja-JP" sz="1800" b="0" i="1" smtClean="0">
+                              <a:latin typeface="Cambria Math" panose="02040503050406030204" pitchFamily="18" charset="0"/>
+                            </a:rPr>
+                            <m:t>𝑟</m:t>
+                          </m:r>
+                          <m:r>
+                            <a:rPr kumimoji="1" lang="en-US" altLang="ja-JP" sz="1800" b="0" i="1" smtClean="0">
+                              <a:latin typeface="Cambria Math" panose="02040503050406030204" pitchFamily="18" charset="0"/>
+                            </a:rPr>
+                            <m:t>2</m:t>
+                          </m:r>
+                        </m:sub>
+                      </m:sSub>
+                      <m:r>
+                        <a:rPr kumimoji="1" lang="en-US" altLang="ja-JP" sz="1800" b="0" i="1" smtClean="0">
+                          <a:latin typeface="Cambria Math" panose="02040503050406030204" pitchFamily="18" charset="0"/>
+                        </a:rPr>
+                        <m:t>= </m:t>
+                      </m:r>
+                      <m:sSub>
+                        <m:sSubPr>
+                          <m:ctrlPr>
+                            <a:rPr kumimoji="1" lang="en-US" altLang="ja-JP" sz="1800" b="0" i="1" smtClean="0">
+                              <a:latin typeface="Cambria Math" panose="02040503050406030204" pitchFamily="18" charset="0"/>
+                            </a:rPr>
+                          </m:ctrlPr>
+                        </m:sSubPr>
+                        <m:e>
+                          <m:r>
+                            <a:rPr kumimoji="1" lang="en-US" altLang="ja-JP" sz="1800" b="1" i="1" smtClean="0">
+                              <a:latin typeface="Cambria Math" panose="02040503050406030204" pitchFamily="18" charset="0"/>
+                            </a:rPr>
+                            <m:t>𝒗</m:t>
+                          </m:r>
+                        </m:e>
+                        <m:sub>
+                          <m:r>
+                            <a:rPr kumimoji="1" lang="en-US" altLang="ja-JP" sz="1800" b="0" i="1" smtClean="0">
+                              <a:latin typeface="Cambria Math" panose="02040503050406030204" pitchFamily="18" charset="0"/>
+                            </a:rPr>
+                            <m:t>𝑛</m:t>
+                          </m:r>
+                        </m:sub>
+                      </m:sSub>
+                      <m:r>
+                        <a:rPr kumimoji="1" lang="en-US" altLang="ja-JP" sz="1800" b="0" i="1" smtClean="0">
+                          <a:latin typeface="Cambria Math" panose="02040503050406030204" pitchFamily="18" charset="0"/>
+                        </a:rPr>
+                        <m:t>+ </m:t>
+                      </m:r>
+                      <m:sSub>
+                        <m:sSubPr>
+                          <m:ctrlPr>
+                            <a:rPr lang="en-US" altLang="ja-JP" sz="1800" i="1">
+                              <a:latin typeface="Cambria Math" panose="02040503050406030204" pitchFamily="18" charset="0"/>
+                            </a:rPr>
+                          </m:ctrlPr>
+                        </m:sSubPr>
+                        <m:e>
+                          <m:r>
+                            <a:rPr lang="en-US" altLang="ja-JP" sz="1800" i="1">
+                              <a:latin typeface="Cambria Math" panose="02040503050406030204" pitchFamily="18" charset="0"/>
+                            </a:rPr>
+                            <m:t>𝑘</m:t>
+                          </m:r>
+                        </m:e>
+                        <m:sub>
+                          <m:r>
+                            <a:rPr lang="en-US" altLang="ja-JP" sz="1800" i="1">
+                              <a:latin typeface="Cambria Math" panose="02040503050406030204" pitchFamily="18" charset="0"/>
+                            </a:rPr>
+                            <m:t>𝑣</m:t>
+                          </m:r>
+                          <m:r>
+                            <a:rPr lang="en-US" altLang="ja-JP" sz="1800" i="1">
+                              <a:latin typeface="Cambria Math" panose="02040503050406030204" pitchFamily="18" charset="0"/>
+                            </a:rPr>
+                            <m:t>1</m:t>
+                          </m:r>
+                        </m:sub>
+                      </m:sSub>
+                      <m:f>
+                        <m:fPr>
+                          <m:ctrlPr>
+                            <a:rPr lang="en-US" altLang="ja-JP" sz="1800" i="1">
+                              <a:latin typeface="Cambria Math" panose="02040503050406030204" pitchFamily="18" charset="0"/>
+                            </a:rPr>
+                          </m:ctrlPr>
+                        </m:fPr>
+                        <m:num>
+                          <m:r>
+                            <a:rPr lang="en-US" altLang="ja-JP" sz="1800" i="1">
+                              <a:latin typeface="Cambria Math" panose="02040503050406030204" pitchFamily="18" charset="0"/>
+                              <a:ea typeface="Cambria Math" panose="02040503050406030204" pitchFamily="18" charset="0"/>
+                            </a:rPr>
+                            <m:t>∆</m:t>
+                          </m:r>
+                          <m:r>
+                            <a:rPr lang="en-US" altLang="ja-JP" sz="1800" i="1">
+                              <a:latin typeface="Cambria Math" panose="02040503050406030204" pitchFamily="18" charset="0"/>
+                              <a:ea typeface="Cambria Math" panose="02040503050406030204" pitchFamily="18" charset="0"/>
+                            </a:rPr>
+                            <m:t>𝑡</m:t>
+                          </m:r>
+                        </m:num>
+                        <m:den>
+                          <m:r>
+                            <a:rPr lang="en-US" altLang="ja-JP" sz="1800" i="1">
+                              <a:latin typeface="Cambria Math" panose="02040503050406030204" pitchFamily="18" charset="0"/>
+                            </a:rPr>
+                            <m:t>2</m:t>
+                          </m:r>
+                        </m:den>
+                      </m:f>
+                    </m:oMath>
+                  </m:oMathPara>
+                </a14:m>
+                <a:endParaRPr lang="en-US" altLang="ja-JP" sz="1800" dirty="0"/>
+              </a:p>
+              <a:p>
+                <a:pPr marL="0" indent="0">
+                  <a:buNone/>
+                </a:pPr>
+                <a:endParaRPr lang="en-US" altLang="ja-JP" sz="1800" dirty="0"/>
+              </a:p>
+              <a:p>
+                <a:pPr marL="0" indent="0">
+                  <a:buNone/>
+                </a:pPr>
+                <a14:m>
+                  <m:oMathPara xmlns:m="http://schemas.openxmlformats.org/officeDocument/2006/math">
+                    <m:oMathParaPr>
+                      <m:jc m:val="centerGroup"/>
+                    </m:oMathParaPr>
+                    <m:oMath xmlns:m="http://schemas.openxmlformats.org/officeDocument/2006/math">
+                      <m:sSub>
+                        <m:sSubPr>
+                          <m:ctrlPr>
+                            <a:rPr kumimoji="1" lang="en-US" altLang="ja-JP" sz="1800" i="1" smtClean="0">
+                              <a:latin typeface="Cambria Math" panose="02040503050406030204" pitchFamily="18" charset="0"/>
+                            </a:rPr>
+                          </m:ctrlPr>
+                        </m:sSubPr>
+                        <m:e>
+                          <m:r>
+                            <a:rPr kumimoji="1" lang="en-US" altLang="ja-JP" sz="1800" b="0" i="1" smtClean="0">
+                              <a:latin typeface="Cambria Math" panose="02040503050406030204" pitchFamily="18" charset="0"/>
+                            </a:rPr>
+                            <m:t>𝑘</m:t>
+                          </m:r>
+                        </m:e>
+                        <m:sub>
+                          <m:r>
+                            <a:rPr kumimoji="1" lang="en-US" altLang="ja-JP" sz="1800" b="0" i="1" smtClean="0">
+                              <a:latin typeface="Cambria Math" panose="02040503050406030204" pitchFamily="18" charset="0"/>
+                            </a:rPr>
+                            <m:t>𝑟</m:t>
+                          </m:r>
+                          <m:r>
+                            <a:rPr kumimoji="1" lang="en-US" altLang="ja-JP" sz="1800" b="0" i="1" smtClean="0">
+                              <a:latin typeface="Cambria Math" panose="02040503050406030204" pitchFamily="18" charset="0"/>
+                            </a:rPr>
+                            <m:t>3</m:t>
+                          </m:r>
+                        </m:sub>
+                      </m:sSub>
+                      <m:r>
+                        <a:rPr kumimoji="1" lang="en-US" altLang="ja-JP" sz="1800" b="0" i="1" smtClean="0">
+                          <a:latin typeface="Cambria Math" panose="02040503050406030204" pitchFamily="18" charset="0"/>
+                        </a:rPr>
+                        <m:t>= </m:t>
+                      </m:r>
+                      <m:sSub>
+                        <m:sSubPr>
+                          <m:ctrlPr>
+                            <a:rPr lang="en-US" altLang="ja-JP" sz="1800" i="1">
+                              <a:latin typeface="Cambria Math" panose="02040503050406030204" pitchFamily="18" charset="0"/>
+                            </a:rPr>
+                          </m:ctrlPr>
+                        </m:sSubPr>
+                        <m:e>
+                          <m:r>
+                            <a:rPr lang="en-US" altLang="ja-JP" sz="1800" b="1" i="1">
+                              <a:latin typeface="Cambria Math" panose="02040503050406030204" pitchFamily="18" charset="0"/>
+                            </a:rPr>
+                            <m:t>𝒗</m:t>
+                          </m:r>
+                        </m:e>
+                        <m:sub>
+                          <m:r>
+                            <a:rPr lang="en-US" altLang="ja-JP" sz="1800" i="1">
+                              <a:latin typeface="Cambria Math" panose="02040503050406030204" pitchFamily="18" charset="0"/>
+                            </a:rPr>
+                            <m:t>𝑛</m:t>
+                          </m:r>
+                        </m:sub>
+                      </m:sSub>
+                      <m:r>
+                        <a:rPr lang="en-US" altLang="ja-JP" sz="1800" i="1">
+                          <a:latin typeface="Cambria Math" panose="02040503050406030204" pitchFamily="18" charset="0"/>
+                        </a:rPr>
+                        <m:t>+ </m:t>
+                      </m:r>
+                      <m:sSub>
+                        <m:sSubPr>
+                          <m:ctrlPr>
+                            <a:rPr lang="en-US" altLang="ja-JP" sz="1800" i="1">
+                              <a:latin typeface="Cambria Math" panose="02040503050406030204" pitchFamily="18" charset="0"/>
+                            </a:rPr>
+                          </m:ctrlPr>
+                        </m:sSubPr>
+                        <m:e>
+                          <m:r>
+                            <a:rPr lang="en-US" altLang="ja-JP" sz="1800" i="1">
+                              <a:latin typeface="Cambria Math" panose="02040503050406030204" pitchFamily="18" charset="0"/>
+                            </a:rPr>
+                            <m:t>𝑘</m:t>
+                          </m:r>
+                        </m:e>
+                        <m:sub>
+                          <m:r>
+                            <a:rPr lang="en-US" altLang="ja-JP" sz="1800" i="1">
+                              <a:latin typeface="Cambria Math" panose="02040503050406030204" pitchFamily="18" charset="0"/>
+                            </a:rPr>
+                            <m:t>𝑣</m:t>
+                          </m:r>
+                          <m:r>
+                            <a:rPr lang="en-US" altLang="ja-JP" sz="1800" b="0" i="1" smtClean="0">
+                              <a:latin typeface="Cambria Math" panose="02040503050406030204" pitchFamily="18" charset="0"/>
+                            </a:rPr>
+                            <m:t>2</m:t>
+                          </m:r>
+                        </m:sub>
+                      </m:sSub>
+                      <m:f>
+                        <m:fPr>
+                          <m:ctrlPr>
+                            <a:rPr lang="en-US" altLang="ja-JP" sz="1800" i="1">
+                              <a:latin typeface="Cambria Math" panose="02040503050406030204" pitchFamily="18" charset="0"/>
+                            </a:rPr>
+                          </m:ctrlPr>
+                        </m:fPr>
+                        <m:num>
+                          <m:r>
+                            <a:rPr lang="en-US" altLang="ja-JP" sz="1800" i="1">
+                              <a:latin typeface="Cambria Math" panose="02040503050406030204" pitchFamily="18" charset="0"/>
+                              <a:ea typeface="Cambria Math" panose="02040503050406030204" pitchFamily="18" charset="0"/>
+                            </a:rPr>
+                            <m:t>∆</m:t>
+                          </m:r>
+                          <m:r>
+                            <a:rPr lang="en-US" altLang="ja-JP" sz="1800" i="1">
+                              <a:latin typeface="Cambria Math" panose="02040503050406030204" pitchFamily="18" charset="0"/>
+                              <a:ea typeface="Cambria Math" panose="02040503050406030204" pitchFamily="18" charset="0"/>
+                            </a:rPr>
+                            <m:t>𝑡</m:t>
+                          </m:r>
+                        </m:num>
+                        <m:den>
+                          <m:r>
+                            <a:rPr lang="en-US" altLang="ja-JP" sz="1800" i="1">
+                              <a:latin typeface="Cambria Math" panose="02040503050406030204" pitchFamily="18" charset="0"/>
+                            </a:rPr>
+                            <m:t>2</m:t>
+                          </m:r>
+                        </m:den>
+                      </m:f>
+                    </m:oMath>
+                  </m:oMathPara>
+                </a14:m>
+                <a:endParaRPr lang="en-US" altLang="ja-JP" sz="1800" dirty="0"/>
+              </a:p>
+              <a:p>
+                <a:pPr marL="0" indent="0">
+                  <a:buNone/>
+                </a:pPr>
+                <a:endParaRPr lang="en-US" altLang="ja-JP" sz="1800" dirty="0"/>
+              </a:p>
+              <a:p>
+                <a:pPr marL="0" indent="0">
+                  <a:buNone/>
+                </a:pPr>
+                <a14:m>
+                  <m:oMathPara xmlns:m="http://schemas.openxmlformats.org/officeDocument/2006/math">
+                    <m:oMathParaPr>
+                      <m:jc m:val="centerGroup"/>
+                    </m:oMathParaPr>
+                    <m:oMath xmlns:m="http://schemas.openxmlformats.org/officeDocument/2006/math">
+                      <m:sSub>
+                        <m:sSubPr>
+                          <m:ctrlPr>
+                            <a:rPr lang="en-US" altLang="ja-JP" sz="1800" i="1">
+                              <a:latin typeface="Cambria Math" panose="02040503050406030204" pitchFamily="18" charset="0"/>
+                            </a:rPr>
+                          </m:ctrlPr>
+                        </m:sSubPr>
+                        <m:e>
+                          <m:r>
+                            <a:rPr lang="en-US" altLang="ja-JP" sz="1800" i="1">
+                              <a:latin typeface="Cambria Math" panose="02040503050406030204" pitchFamily="18" charset="0"/>
+                            </a:rPr>
+                            <m:t>𝑘</m:t>
+                          </m:r>
+                        </m:e>
+                        <m:sub>
+                          <m:r>
+                            <a:rPr lang="en-US" altLang="ja-JP" sz="1800" i="1">
+                              <a:latin typeface="Cambria Math" panose="02040503050406030204" pitchFamily="18" charset="0"/>
+                            </a:rPr>
+                            <m:t>𝑟</m:t>
+                          </m:r>
+                          <m:r>
+                            <a:rPr lang="en-US" altLang="ja-JP" sz="1800" i="1">
+                              <a:latin typeface="Cambria Math" panose="02040503050406030204" pitchFamily="18" charset="0"/>
+                            </a:rPr>
+                            <m:t>4</m:t>
+                          </m:r>
+                        </m:sub>
+                      </m:sSub>
+                      <m:r>
+                        <a:rPr lang="en-US" altLang="ja-JP" sz="1800" i="1">
+                          <a:latin typeface="Cambria Math" panose="02040503050406030204" pitchFamily="18" charset="0"/>
+                        </a:rPr>
+                        <m:t>=</m:t>
+                      </m:r>
+                      <m:sSub>
+                        <m:sSubPr>
+                          <m:ctrlPr>
+                            <a:rPr lang="en-US" altLang="ja-JP" sz="1800" i="1">
+                              <a:latin typeface="Cambria Math" panose="02040503050406030204" pitchFamily="18" charset="0"/>
+                            </a:rPr>
+                          </m:ctrlPr>
+                        </m:sSubPr>
+                        <m:e>
+                          <m:r>
+                            <a:rPr lang="en-US" altLang="ja-JP" sz="1800" b="1" i="1">
+                              <a:latin typeface="Cambria Math" panose="02040503050406030204" pitchFamily="18" charset="0"/>
+                            </a:rPr>
+                            <m:t>𝒗</m:t>
+                          </m:r>
+                        </m:e>
+                        <m:sub>
+                          <m:r>
+                            <a:rPr lang="en-US" altLang="ja-JP" sz="1800" i="1">
+                              <a:latin typeface="Cambria Math" panose="02040503050406030204" pitchFamily="18" charset="0"/>
+                            </a:rPr>
+                            <m:t>𝑛</m:t>
+                          </m:r>
+                        </m:sub>
+                      </m:sSub>
+                      <m:r>
+                        <a:rPr lang="en-US" altLang="ja-JP" sz="1800" i="1">
+                          <a:latin typeface="Cambria Math" panose="02040503050406030204" pitchFamily="18" charset="0"/>
+                        </a:rPr>
+                        <m:t>+ </m:t>
+                      </m:r>
+                      <m:sSub>
+                        <m:sSubPr>
+                          <m:ctrlPr>
+                            <a:rPr lang="en-US" altLang="ja-JP" sz="1800" i="1">
+                              <a:latin typeface="Cambria Math" panose="02040503050406030204" pitchFamily="18" charset="0"/>
+                            </a:rPr>
+                          </m:ctrlPr>
+                        </m:sSubPr>
+                        <m:e>
+                          <m:r>
+                            <a:rPr lang="en-US" altLang="ja-JP" sz="1800" i="1">
+                              <a:latin typeface="Cambria Math" panose="02040503050406030204" pitchFamily="18" charset="0"/>
+                            </a:rPr>
+                            <m:t>𝑘</m:t>
+                          </m:r>
+                        </m:e>
+                        <m:sub>
+                          <m:r>
+                            <a:rPr lang="en-US" altLang="ja-JP" sz="1800" i="1">
+                              <a:latin typeface="Cambria Math" panose="02040503050406030204" pitchFamily="18" charset="0"/>
+                            </a:rPr>
+                            <m:t>𝑣</m:t>
+                          </m:r>
+                          <m:r>
+                            <a:rPr lang="en-US" altLang="ja-JP" sz="1800" i="1">
+                              <a:latin typeface="Cambria Math" panose="02040503050406030204" pitchFamily="18" charset="0"/>
+                            </a:rPr>
+                            <m:t>3</m:t>
+                          </m:r>
+                        </m:sub>
+                      </m:sSub>
+                      <m:r>
+                        <a:rPr lang="en-US" altLang="ja-JP" sz="1800" i="1">
+                          <a:latin typeface="Cambria Math" panose="02040503050406030204" pitchFamily="18" charset="0"/>
+                          <a:ea typeface="Cambria Math" panose="02040503050406030204" pitchFamily="18" charset="0"/>
+                        </a:rPr>
+                        <m:t>∆</m:t>
+                      </m:r>
+                      <m:r>
+                        <a:rPr lang="en-US" altLang="ja-JP" sz="1800" i="1">
+                          <a:latin typeface="Cambria Math" panose="02040503050406030204" pitchFamily="18" charset="0"/>
+                          <a:ea typeface="Cambria Math" panose="02040503050406030204" pitchFamily="18" charset="0"/>
+                        </a:rPr>
+                        <m:t>𝑡</m:t>
+                      </m:r>
+                    </m:oMath>
+                  </m:oMathPara>
+                </a14:m>
+                <a:endParaRPr lang="en-US" altLang="ja-JP" sz="1800" dirty="0"/>
+              </a:p>
+              <a:p>
+                <a:pPr marL="0" indent="0">
+                  <a:buNone/>
+                </a:pPr>
+                <a:endParaRPr lang="en-US" altLang="ja-JP" sz="1800" dirty="0"/>
+              </a:p>
+            </p:txBody>
+          </p:sp>
+        </mc:Choice>
+        <mc:Fallback>
+          <p:sp>
+            <p:nvSpPr>
+              <p:cNvPr id="4" name="コンテンツ プレースホルダー 2">
+                <a:extLst>
+                  <a:ext uri="{FF2B5EF4-FFF2-40B4-BE49-F238E27FC236}">
+                    <a16:creationId xmlns:a16="http://schemas.microsoft.com/office/drawing/2014/main" id="{775550CC-164E-4BA6-B653-5521DEE38F7E}"/>
+                  </a:ext>
+                </a:extLst>
+              </p:cNvPr>
+              <p:cNvSpPr>
+                <a:spLocks noGrp="1" noRot="1" noChangeAspect="1" noMove="1" noResize="1" noEditPoints="1" noAdjustHandles="1" noChangeArrowheads="1" noChangeShapeType="1" noTextEdit="1"/>
+              </p:cNvSpPr>
+              <p:nvPr>
+                <p:ph idx="1"/>
+              </p:nvPr>
+            </p:nvSpPr>
+            <p:spPr>
+              <a:xfrm>
+                <a:off x="0" y="4042534"/>
+                <a:ext cx="6096000" cy="2781299"/>
+              </a:xfrm>
+              <a:blipFill>
+                <a:blip r:embed="rId2"/>
+                <a:stretch>
+                  <a:fillRect/>
+                </a:stretch>
+              </a:blipFill>
+            </p:spPr>
+            <p:txBody>
+              <a:bodyPr/>
+              <a:lstStyle/>
+              <a:p>
+                <a:r>
+                  <a:rPr lang="ja-JP" altLang="en-US">
+                    <a:noFill/>
+                  </a:rPr>
+                  <a:t> </a:t>
+                </a:r>
+              </a:p>
+            </p:txBody>
+          </p:sp>
+        </mc:Fallback>
+      </mc:AlternateContent>
+      <mc:AlternateContent xmlns:mc="http://schemas.openxmlformats.org/markup-compatibility/2006">
+        <mc:Choice xmlns:a14="http://schemas.microsoft.com/office/drawing/2010/main" Requires="a14">
+          <p:sp>
+            <p:nvSpPr>
+              <p:cNvPr id="6" name="テキスト ボックス 5">
+                <a:extLst>
+                  <a:ext uri="{FF2B5EF4-FFF2-40B4-BE49-F238E27FC236}">
+                    <a16:creationId xmlns:a16="http://schemas.microsoft.com/office/drawing/2014/main" id="{5E9A606C-4A20-4C66-9639-02EAB573501F}"/>
+                  </a:ext>
+                </a:extLst>
+              </p:cNvPr>
+              <p:cNvSpPr txBox="1"/>
+              <p:nvPr/>
+            </p:nvSpPr>
+            <p:spPr>
+              <a:xfrm>
+                <a:off x="3200401" y="158025"/>
+                <a:ext cx="2395678" cy="1172244"/>
+              </a:xfrm>
+              <a:prstGeom prst="rect">
+                <a:avLst/>
+              </a:prstGeom>
+              <a:noFill/>
+            </p:spPr>
+            <p:txBody>
+              <a:bodyPr wrap="square" rtlCol="0">
+                <a:spAutoFit/>
+              </a:bodyPr>
+              <a:lstStyle/>
+              <a:p>
+                <a:pPr/>
+                <a14:m>
+                  <m:oMathPara xmlns:m="http://schemas.openxmlformats.org/officeDocument/2006/math">
+                    <m:oMathParaPr>
+                      <m:jc m:val="centerGroup"/>
+                    </m:oMathParaPr>
+                    <m:oMath xmlns:m="http://schemas.openxmlformats.org/officeDocument/2006/math">
+                      <m:f>
+                        <m:fPr>
+                          <m:ctrlPr>
+                            <a:rPr kumimoji="1" lang="en-US" altLang="ja-JP" i="1" smtClean="0">
+                              <a:latin typeface="Cambria Math" panose="02040503050406030204" pitchFamily="18" charset="0"/>
+                            </a:rPr>
+                          </m:ctrlPr>
+                        </m:fPr>
+                        <m:num>
+                          <m:r>
+                            <a:rPr kumimoji="1" lang="en-US" altLang="ja-JP" i="1" smtClean="0">
+                              <a:latin typeface="Cambria Math" panose="02040503050406030204" pitchFamily="18" charset="0"/>
+                            </a:rPr>
+                            <m:t>𝑑</m:t>
+                          </m:r>
+                          <m:r>
+                            <a:rPr kumimoji="1" lang="en-US" altLang="ja-JP" b="1" i="1" smtClean="0">
+                              <a:latin typeface="Cambria Math" panose="02040503050406030204" pitchFamily="18" charset="0"/>
+                            </a:rPr>
+                            <m:t>𝒗</m:t>
+                          </m:r>
+                        </m:num>
+                        <m:den>
+                          <m:r>
+                            <a:rPr kumimoji="1" lang="en-US" altLang="ja-JP" i="1" smtClean="0">
+                              <a:latin typeface="Cambria Math" panose="02040503050406030204" pitchFamily="18" charset="0"/>
+                            </a:rPr>
+                            <m:t>𝑑</m:t>
+                          </m:r>
+                          <m:r>
+                            <a:rPr kumimoji="1" lang="en-US" altLang="ja-JP" b="0" i="1" smtClean="0">
+                              <a:latin typeface="Cambria Math" panose="02040503050406030204" pitchFamily="18" charset="0"/>
+                            </a:rPr>
+                            <m:t>𝑡</m:t>
+                          </m:r>
+                        </m:den>
+                      </m:f>
+                      <m:r>
+                        <a:rPr kumimoji="1" lang="en-US" altLang="ja-JP" b="0" i="1" smtClean="0">
+                          <a:latin typeface="Cambria Math" panose="02040503050406030204" pitchFamily="18" charset="0"/>
+                        </a:rPr>
+                        <m:t>=</m:t>
+                      </m:r>
+                      <m:r>
+                        <a:rPr kumimoji="1" lang="en-US" altLang="ja-JP" b="1" i="1" smtClean="0">
+                          <a:latin typeface="Cambria Math" panose="02040503050406030204" pitchFamily="18" charset="0"/>
+                        </a:rPr>
+                        <m:t>𝒇</m:t>
+                      </m:r>
+                      <m:d>
+                        <m:dPr>
+                          <m:ctrlPr>
+                            <a:rPr kumimoji="1" lang="en-US" altLang="ja-JP" b="0" i="1" smtClean="0">
+                              <a:latin typeface="Cambria Math" panose="02040503050406030204" pitchFamily="18" charset="0"/>
+                            </a:rPr>
+                          </m:ctrlPr>
+                        </m:dPr>
+                        <m:e>
+                          <m:r>
+                            <a:rPr kumimoji="1" lang="en-US" altLang="ja-JP" b="1" i="1" smtClean="0">
+                              <a:latin typeface="Cambria Math" panose="02040503050406030204" pitchFamily="18" charset="0"/>
+                            </a:rPr>
+                            <m:t>𝒗</m:t>
+                          </m:r>
+                          <m:r>
+                            <a:rPr kumimoji="1" lang="en-US" altLang="ja-JP" b="0" i="1" smtClean="0">
+                              <a:latin typeface="Cambria Math" panose="02040503050406030204" pitchFamily="18" charset="0"/>
+                            </a:rPr>
+                            <m:t>,</m:t>
+                          </m:r>
+                          <m:r>
+                            <a:rPr kumimoji="1" lang="en-US" altLang="ja-JP" b="1" i="1" smtClean="0">
+                              <a:latin typeface="Cambria Math" panose="02040503050406030204" pitchFamily="18" charset="0"/>
+                            </a:rPr>
+                            <m:t>𝒓</m:t>
+                          </m:r>
+                          <m:r>
+                            <a:rPr kumimoji="1" lang="en-US" altLang="ja-JP" b="0" i="1" smtClean="0">
+                              <a:latin typeface="Cambria Math" panose="02040503050406030204" pitchFamily="18" charset="0"/>
+                            </a:rPr>
+                            <m:t>,</m:t>
+                          </m:r>
+                          <m:r>
+                            <a:rPr kumimoji="1" lang="en-US" altLang="ja-JP" b="0" i="1" smtClean="0">
+                              <a:latin typeface="Cambria Math" panose="02040503050406030204" pitchFamily="18" charset="0"/>
+                            </a:rPr>
+                            <m:t>𝑡</m:t>
+                          </m:r>
+                        </m:e>
+                      </m:d>
+                      <m:r>
+                        <a:rPr kumimoji="1" lang="en-US" altLang="ja-JP" b="0" i="1" smtClean="0">
+                          <a:latin typeface="Cambria Math" panose="02040503050406030204" pitchFamily="18" charset="0"/>
+                        </a:rPr>
+                        <m:t>             ,</m:t>
+                      </m:r>
+                    </m:oMath>
+                  </m:oMathPara>
+                </a14:m>
+                <a:endParaRPr kumimoji="1" lang="en-US" altLang="ja-JP" b="0" dirty="0"/>
+              </a:p>
+              <a:p>
+                <a:endParaRPr kumimoji="1" lang="en-US" altLang="ja-JP" dirty="0"/>
+              </a:p>
+              <a:p>
+                <a:endParaRPr kumimoji="1" lang="ja-JP" altLang="en-US" dirty="0"/>
+              </a:p>
+            </p:txBody>
+          </p:sp>
+        </mc:Choice>
+        <mc:Fallback>
+          <p:sp>
+            <p:nvSpPr>
+              <p:cNvPr id="6" name="テキスト ボックス 5">
+                <a:extLst>
+                  <a:ext uri="{FF2B5EF4-FFF2-40B4-BE49-F238E27FC236}">
+                    <a16:creationId xmlns:a16="http://schemas.microsoft.com/office/drawing/2014/main" id="{5E9A606C-4A20-4C66-9639-02EAB573501F}"/>
+                  </a:ext>
+                </a:extLst>
+              </p:cNvPr>
+              <p:cNvSpPr txBox="1">
+                <a:spLocks noRot="1" noChangeAspect="1" noMove="1" noResize="1" noEditPoints="1" noAdjustHandles="1" noChangeArrowheads="1" noChangeShapeType="1" noTextEdit="1"/>
+              </p:cNvSpPr>
+              <p:nvPr/>
+            </p:nvSpPr>
+            <p:spPr>
+              <a:xfrm>
+                <a:off x="3200401" y="158025"/>
+                <a:ext cx="2395678" cy="1172244"/>
+              </a:xfrm>
+              <a:prstGeom prst="rect">
+                <a:avLst/>
+              </a:prstGeom>
+              <a:blipFill>
+                <a:blip r:embed="rId3"/>
+                <a:stretch>
+                  <a:fillRect/>
+                </a:stretch>
+              </a:blipFill>
+            </p:spPr>
+            <p:txBody>
+              <a:bodyPr/>
+              <a:lstStyle/>
+              <a:p>
+                <a:r>
+                  <a:rPr lang="ja-JP" altLang="en-US">
+                    <a:noFill/>
+                  </a:rPr>
+                  <a:t> </a:t>
+                </a:r>
+              </a:p>
+            </p:txBody>
+          </p:sp>
+        </mc:Fallback>
+      </mc:AlternateContent>
+      <p:pic>
+        <p:nvPicPr>
+          <p:cNvPr id="8" name="図 7">
+            <a:extLst>
+              <a:ext uri="{FF2B5EF4-FFF2-40B4-BE49-F238E27FC236}">
+                <a16:creationId xmlns:a16="http://schemas.microsoft.com/office/drawing/2014/main" id="{D4CD659B-7464-4AE7-A37A-FE60E1C14A54}"/>
+              </a:ext>
+            </a:extLst>
+          </p:cNvPr>
+          <p:cNvPicPr>
+            <a:picLocks noChangeAspect="1"/>
+          </p:cNvPicPr>
+          <p:nvPr/>
+        </p:nvPicPr>
+        <p:blipFill>
+          <a:blip r:embed="rId4"/>
+          <a:stretch>
+            <a:fillRect/>
+          </a:stretch>
+        </p:blipFill>
+        <p:spPr>
+          <a:xfrm rot="5400000">
+            <a:off x="4937659" y="777132"/>
+            <a:ext cx="883997" cy="1432684"/>
+          </a:xfrm>
+          <a:prstGeom prst="rect">
+            <a:avLst/>
+          </a:prstGeom>
+        </p:spPr>
+      </p:pic>
+      <mc:AlternateContent xmlns:mc="http://schemas.openxmlformats.org/markup-compatibility/2006">
+        <mc:Choice xmlns:a14="http://schemas.microsoft.com/office/drawing/2010/main" Requires="a14">
+          <p:sp>
+            <p:nvSpPr>
+              <p:cNvPr id="10" name="テキスト ボックス 9">
+                <a:extLst>
+                  <a:ext uri="{FF2B5EF4-FFF2-40B4-BE49-F238E27FC236}">
+                    <a16:creationId xmlns:a16="http://schemas.microsoft.com/office/drawing/2014/main" id="{AFBB71BD-AAE5-41F9-BCBF-1FB3222D7237}"/>
+                  </a:ext>
+                </a:extLst>
+              </p:cNvPr>
+              <p:cNvSpPr txBox="1"/>
+              <p:nvPr/>
+            </p:nvSpPr>
+            <p:spPr>
+              <a:xfrm>
+                <a:off x="5934074" y="158025"/>
+                <a:ext cx="1994925" cy="1172244"/>
+              </a:xfrm>
+              <a:prstGeom prst="rect">
+                <a:avLst/>
+              </a:prstGeom>
+              <a:noFill/>
+            </p:spPr>
+            <p:txBody>
+              <a:bodyPr wrap="square" rtlCol="0">
+                <a:spAutoFit/>
+              </a:bodyPr>
+              <a:lstStyle/>
+              <a:p>
+                <a:pPr/>
+                <a14:m>
+                  <m:oMathPara xmlns:m="http://schemas.openxmlformats.org/officeDocument/2006/math">
+                    <m:oMathParaPr>
+                      <m:jc m:val="centerGroup"/>
+                    </m:oMathParaPr>
+                    <m:oMath xmlns:m="http://schemas.openxmlformats.org/officeDocument/2006/math">
+                      <m:f>
+                        <m:fPr>
+                          <m:ctrlPr>
+                            <a:rPr kumimoji="1" lang="en-US" altLang="ja-JP" i="1" smtClean="0">
+                              <a:latin typeface="Cambria Math" panose="02040503050406030204" pitchFamily="18" charset="0"/>
+                            </a:rPr>
+                          </m:ctrlPr>
+                        </m:fPr>
+                        <m:num>
+                          <m:r>
+                            <a:rPr kumimoji="1" lang="en-US" altLang="ja-JP" i="1" smtClean="0">
+                              <a:latin typeface="Cambria Math" panose="02040503050406030204" pitchFamily="18" charset="0"/>
+                            </a:rPr>
+                            <m:t>𝑑</m:t>
+                          </m:r>
+                          <m:r>
+                            <a:rPr kumimoji="1" lang="en-US" altLang="ja-JP" b="1" i="1" smtClean="0">
+                              <a:latin typeface="Cambria Math" panose="02040503050406030204" pitchFamily="18" charset="0"/>
+                            </a:rPr>
+                            <m:t>𝒓</m:t>
+                          </m:r>
+                        </m:num>
+                        <m:den>
+                          <m:r>
+                            <a:rPr kumimoji="1" lang="en-US" altLang="ja-JP" i="1" smtClean="0">
+                              <a:latin typeface="Cambria Math" panose="02040503050406030204" pitchFamily="18" charset="0"/>
+                            </a:rPr>
+                            <m:t>𝑑</m:t>
+                          </m:r>
+                          <m:r>
+                            <a:rPr kumimoji="1" lang="en-US" altLang="ja-JP" b="0" i="1" smtClean="0">
+                              <a:latin typeface="Cambria Math" panose="02040503050406030204" pitchFamily="18" charset="0"/>
+                            </a:rPr>
+                            <m:t>𝑡</m:t>
+                          </m:r>
+                        </m:den>
+                      </m:f>
+                      <m:r>
+                        <a:rPr kumimoji="1" lang="en-US" altLang="ja-JP" b="0" i="1" smtClean="0">
+                          <a:latin typeface="Cambria Math" panose="02040503050406030204" pitchFamily="18" charset="0"/>
+                        </a:rPr>
+                        <m:t>=</m:t>
+                      </m:r>
+                      <m:r>
+                        <a:rPr kumimoji="1" lang="en-US" altLang="ja-JP" b="1" i="1" smtClean="0">
+                          <a:latin typeface="Cambria Math" panose="02040503050406030204" pitchFamily="18" charset="0"/>
+                        </a:rPr>
+                        <m:t>𝒗</m:t>
+                      </m:r>
+                      <m:d>
+                        <m:dPr>
+                          <m:ctrlPr>
+                            <a:rPr kumimoji="1" lang="en-US" altLang="ja-JP" b="0" i="1" smtClean="0">
+                              <a:latin typeface="Cambria Math" panose="02040503050406030204" pitchFamily="18" charset="0"/>
+                            </a:rPr>
+                          </m:ctrlPr>
+                        </m:dPr>
+                        <m:e>
+                          <m:r>
+                            <a:rPr kumimoji="1" lang="en-US" altLang="ja-JP" b="1" i="1" smtClean="0">
+                              <a:latin typeface="Cambria Math" panose="02040503050406030204" pitchFamily="18" charset="0"/>
+                            </a:rPr>
+                            <m:t>𝒗</m:t>
+                          </m:r>
+                          <m:r>
+                            <a:rPr kumimoji="1" lang="en-US" altLang="ja-JP" b="0" i="1" smtClean="0">
+                              <a:latin typeface="Cambria Math" panose="02040503050406030204" pitchFamily="18" charset="0"/>
+                            </a:rPr>
+                            <m:t>,</m:t>
+                          </m:r>
+                          <m:r>
+                            <a:rPr kumimoji="1" lang="en-US" altLang="ja-JP" b="1" i="1" smtClean="0">
+                              <a:latin typeface="Cambria Math" panose="02040503050406030204" pitchFamily="18" charset="0"/>
+                            </a:rPr>
+                            <m:t>𝒓</m:t>
+                          </m:r>
+                          <m:r>
+                            <a:rPr kumimoji="1" lang="en-US" altLang="ja-JP" b="0" i="1" smtClean="0">
+                              <a:latin typeface="Cambria Math" panose="02040503050406030204" pitchFamily="18" charset="0"/>
+                            </a:rPr>
+                            <m:t>,</m:t>
+                          </m:r>
+                          <m:r>
+                            <a:rPr kumimoji="1" lang="en-US" altLang="ja-JP" b="0" i="1" smtClean="0">
+                              <a:latin typeface="Cambria Math" panose="02040503050406030204" pitchFamily="18" charset="0"/>
+                            </a:rPr>
+                            <m:t>𝑡</m:t>
+                          </m:r>
+                        </m:e>
+                      </m:d>
+                    </m:oMath>
+                  </m:oMathPara>
+                </a14:m>
+                <a:endParaRPr kumimoji="1" lang="en-US" altLang="ja-JP" b="0" dirty="0"/>
+              </a:p>
+              <a:p>
+                <a:endParaRPr kumimoji="1" lang="en-US" altLang="ja-JP" dirty="0"/>
+              </a:p>
+              <a:p>
+                <a:endParaRPr kumimoji="1" lang="ja-JP" altLang="en-US" dirty="0"/>
+              </a:p>
+            </p:txBody>
+          </p:sp>
+        </mc:Choice>
+        <mc:Fallback>
+          <p:sp>
+            <p:nvSpPr>
+              <p:cNvPr id="10" name="テキスト ボックス 9">
+                <a:extLst>
+                  <a:ext uri="{FF2B5EF4-FFF2-40B4-BE49-F238E27FC236}">
+                    <a16:creationId xmlns:a16="http://schemas.microsoft.com/office/drawing/2014/main" id="{AFBB71BD-AAE5-41F9-BCBF-1FB3222D7237}"/>
+                  </a:ext>
+                </a:extLst>
+              </p:cNvPr>
+              <p:cNvSpPr txBox="1">
+                <a:spLocks noRot="1" noChangeAspect="1" noMove="1" noResize="1" noEditPoints="1" noAdjustHandles="1" noChangeArrowheads="1" noChangeShapeType="1" noTextEdit="1"/>
+              </p:cNvSpPr>
+              <p:nvPr/>
+            </p:nvSpPr>
+            <p:spPr>
+              <a:xfrm>
+                <a:off x="5934074" y="158025"/>
+                <a:ext cx="1994925" cy="1172244"/>
+              </a:xfrm>
+              <a:prstGeom prst="rect">
+                <a:avLst/>
+              </a:prstGeom>
+              <a:blipFill>
+                <a:blip r:embed="rId5"/>
+                <a:stretch>
+                  <a:fillRect/>
+                </a:stretch>
+              </a:blipFill>
+            </p:spPr>
+            <p:txBody>
+              <a:bodyPr/>
+              <a:lstStyle/>
+              <a:p>
+                <a:r>
+                  <a:rPr lang="ja-JP" altLang="en-US">
+                    <a:noFill/>
+                  </a:rPr>
+                  <a:t> </a:t>
+                </a:r>
+              </a:p>
+            </p:txBody>
+          </p:sp>
+        </mc:Fallback>
+      </mc:AlternateContent>
+      <mc:AlternateContent xmlns:mc="http://schemas.openxmlformats.org/markup-compatibility/2006">
+        <mc:Choice xmlns:a14="http://schemas.microsoft.com/office/drawing/2010/main" Requires="a14">
+          <p:sp>
+            <p:nvSpPr>
+              <p:cNvPr id="11" name="テキスト ボックス 10">
+                <a:extLst>
+                  <a:ext uri="{FF2B5EF4-FFF2-40B4-BE49-F238E27FC236}">
+                    <a16:creationId xmlns:a16="http://schemas.microsoft.com/office/drawing/2014/main" id="{3CD5CD9B-4F65-4619-80D3-99113AD422F7}"/>
+                  </a:ext>
+                </a:extLst>
+              </p:cNvPr>
+              <p:cNvSpPr txBox="1"/>
+              <p:nvPr/>
+            </p:nvSpPr>
+            <p:spPr>
+              <a:xfrm>
+                <a:off x="5517762" y="3972148"/>
+                <a:ext cx="5553074" cy="2722027"/>
+              </a:xfrm>
+              <a:prstGeom prst="rect">
+                <a:avLst/>
+              </a:prstGeom>
+              <a:noFill/>
+            </p:spPr>
+            <p:txBody>
+              <a:bodyPr wrap="square" rtlCol="0">
+                <a:spAutoFit/>
+              </a:bodyPr>
+              <a:lstStyle/>
+              <a:p>
+                <a:pPr marL="0" indent="0">
+                  <a:buNone/>
+                </a:pPr>
+                <a14:m>
+                  <m:oMathPara xmlns:m="http://schemas.openxmlformats.org/officeDocument/2006/math">
+                    <m:oMathParaPr>
+                      <m:jc m:val="centerGroup"/>
+                    </m:oMathParaPr>
+                    <m:oMath xmlns:m="http://schemas.openxmlformats.org/officeDocument/2006/math">
+                      <m:sSub>
+                        <m:sSubPr>
+                          <m:ctrlPr>
+                            <a:rPr kumimoji="1" lang="en-US" altLang="ja-JP" sz="1800" i="1" smtClean="0">
+                              <a:latin typeface="Cambria Math" panose="02040503050406030204" pitchFamily="18" charset="0"/>
+                            </a:rPr>
+                          </m:ctrlPr>
+                        </m:sSubPr>
+                        <m:e>
+                          <m:r>
+                            <a:rPr kumimoji="1" lang="en-US" altLang="ja-JP" sz="1800" b="0" i="1" smtClean="0">
+                              <a:latin typeface="Cambria Math" panose="02040503050406030204" pitchFamily="18" charset="0"/>
+                            </a:rPr>
+                            <m:t>𝑘</m:t>
+                          </m:r>
+                        </m:e>
+                        <m:sub>
+                          <m:r>
+                            <a:rPr kumimoji="1" lang="en-US" altLang="ja-JP" sz="1800" b="0" i="1" smtClean="0">
+                              <a:latin typeface="Cambria Math" panose="02040503050406030204" pitchFamily="18" charset="0"/>
+                            </a:rPr>
+                            <m:t>𝑣</m:t>
+                          </m:r>
+                          <m:r>
+                            <a:rPr kumimoji="1" lang="en-US" altLang="ja-JP" sz="1800" b="0" i="1" smtClean="0">
+                              <a:latin typeface="Cambria Math" panose="02040503050406030204" pitchFamily="18" charset="0"/>
+                            </a:rPr>
+                            <m:t>1</m:t>
+                          </m:r>
+                        </m:sub>
+                      </m:sSub>
+                      <m:r>
+                        <a:rPr kumimoji="1" lang="en-US" altLang="ja-JP" sz="1800" b="0" i="1" smtClean="0">
+                          <a:latin typeface="Cambria Math" panose="02040503050406030204" pitchFamily="18" charset="0"/>
+                        </a:rPr>
+                        <m:t>=</m:t>
+                      </m:r>
+                      <m:r>
+                        <a:rPr kumimoji="1" lang="en-US" altLang="ja-JP" sz="1800" b="0" i="1" smtClean="0">
+                          <a:latin typeface="Cambria Math" panose="02040503050406030204" pitchFamily="18" charset="0"/>
+                        </a:rPr>
+                        <m:t>𝑓</m:t>
+                      </m:r>
+                      <m:d>
+                        <m:dPr>
+                          <m:ctrlPr>
+                            <a:rPr kumimoji="1" lang="en-US" altLang="ja-JP" sz="1800" b="0" i="1" smtClean="0">
+                              <a:latin typeface="Cambria Math" panose="02040503050406030204" pitchFamily="18" charset="0"/>
+                            </a:rPr>
+                          </m:ctrlPr>
+                        </m:dPr>
+                        <m:e>
+                          <m:sSub>
+                            <m:sSubPr>
+                              <m:ctrlPr>
+                                <a:rPr kumimoji="1" lang="en-US" altLang="ja-JP" sz="1800" b="0" i="1" smtClean="0">
+                                  <a:latin typeface="Cambria Math" panose="02040503050406030204" pitchFamily="18" charset="0"/>
+                                </a:rPr>
+                              </m:ctrlPr>
+                            </m:sSubPr>
+                            <m:e>
+                              <m:r>
+                                <a:rPr kumimoji="1" lang="en-US" altLang="ja-JP" sz="1800" b="1" i="1" smtClean="0">
+                                  <a:latin typeface="Cambria Math" panose="02040503050406030204" pitchFamily="18" charset="0"/>
+                                </a:rPr>
+                                <m:t>𝒗</m:t>
+                              </m:r>
+                            </m:e>
+                            <m:sub>
+                              <m:r>
+                                <a:rPr kumimoji="1" lang="en-US" altLang="ja-JP" sz="1800" b="0" i="1" smtClean="0">
+                                  <a:latin typeface="Cambria Math" panose="02040503050406030204" pitchFamily="18" charset="0"/>
+                                </a:rPr>
+                                <m:t>𝑛</m:t>
+                              </m:r>
+                            </m:sub>
+                          </m:sSub>
+                          <m:r>
+                            <a:rPr kumimoji="1" lang="en-US" altLang="ja-JP" sz="1800" b="0" i="1" smtClean="0">
+                              <a:latin typeface="Cambria Math" panose="02040503050406030204" pitchFamily="18" charset="0"/>
+                            </a:rPr>
+                            <m:t>,</m:t>
+                          </m:r>
+                          <m:sSub>
+                            <m:sSubPr>
+                              <m:ctrlPr>
+                                <a:rPr kumimoji="1" lang="en-US" altLang="ja-JP" sz="1800" b="0" i="1" smtClean="0">
+                                  <a:latin typeface="Cambria Math" panose="02040503050406030204" pitchFamily="18" charset="0"/>
+                                </a:rPr>
+                              </m:ctrlPr>
+                            </m:sSubPr>
+                            <m:e>
+                              <m:r>
+                                <a:rPr kumimoji="1" lang="en-US" altLang="ja-JP" sz="1800" b="1" i="1" smtClean="0">
+                                  <a:latin typeface="Cambria Math" panose="02040503050406030204" pitchFamily="18" charset="0"/>
+                                </a:rPr>
+                                <m:t>𝒓</m:t>
+                              </m:r>
+                            </m:e>
+                            <m:sub>
+                              <m:r>
+                                <a:rPr kumimoji="1" lang="en-US" altLang="ja-JP" sz="1800" b="0" i="1" smtClean="0">
+                                  <a:latin typeface="Cambria Math" panose="02040503050406030204" pitchFamily="18" charset="0"/>
+                                </a:rPr>
+                                <m:t>𝑛</m:t>
+                              </m:r>
+                            </m:sub>
+                          </m:sSub>
+                          <m:r>
+                            <a:rPr kumimoji="1" lang="en-US" altLang="ja-JP" sz="1800" b="0" i="1" smtClean="0">
+                              <a:latin typeface="Cambria Math" panose="02040503050406030204" pitchFamily="18" charset="0"/>
+                            </a:rPr>
+                            <m:t>,</m:t>
+                          </m:r>
+                          <m:sSub>
+                            <m:sSubPr>
+                              <m:ctrlPr>
+                                <a:rPr kumimoji="1" lang="en-US" altLang="ja-JP" sz="1800" b="0" i="1" smtClean="0">
+                                  <a:latin typeface="Cambria Math" panose="02040503050406030204" pitchFamily="18" charset="0"/>
+                                </a:rPr>
+                              </m:ctrlPr>
+                            </m:sSubPr>
+                            <m:e>
+                              <m:r>
+                                <a:rPr kumimoji="1" lang="en-US" altLang="ja-JP" sz="1800" b="0" i="1" smtClean="0">
+                                  <a:latin typeface="Cambria Math" panose="02040503050406030204" pitchFamily="18" charset="0"/>
+                                </a:rPr>
+                                <m:t>𝑡</m:t>
+                              </m:r>
+                            </m:e>
+                            <m:sub>
+                              <m:r>
+                                <a:rPr kumimoji="1" lang="en-US" altLang="ja-JP" sz="1800" b="0" i="1" smtClean="0">
+                                  <a:latin typeface="Cambria Math" panose="02040503050406030204" pitchFamily="18" charset="0"/>
+                                </a:rPr>
+                                <m:t>𝑛</m:t>
+                              </m:r>
+                            </m:sub>
+                          </m:sSub>
+                        </m:e>
+                      </m:d>
+                    </m:oMath>
+                  </m:oMathPara>
+                </a14:m>
+                <a:endParaRPr lang="en-US" altLang="ja-JP" sz="1800" dirty="0"/>
+              </a:p>
+              <a:p>
+                <a:pPr marL="0" indent="0">
+                  <a:buNone/>
+                </a:pPr>
+                <a:endParaRPr lang="en-US" altLang="ja-JP" dirty="0"/>
+              </a:p>
+              <a:p>
+                <a:pPr marL="0" indent="0">
+                  <a:buNone/>
+                </a:pPr>
+                <a14:m>
+                  <m:oMathPara xmlns:m="http://schemas.openxmlformats.org/officeDocument/2006/math">
+                    <m:oMathParaPr>
+                      <m:jc m:val="centerGroup"/>
+                    </m:oMathParaPr>
+                    <m:oMath xmlns:m="http://schemas.openxmlformats.org/officeDocument/2006/math">
+                      <m:sSub>
+                        <m:sSubPr>
+                          <m:ctrlPr>
+                            <a:rPr kumimoji="1" lang="en-US" altLang="ja-JP" sz="1800" i="1" smtClean="0">
+                              <a:latin typeface="Cambria Math" panose="02040503050406030204" pitchFamily="18" charset="0"/>
+                            </a:rPr>
+                          </m:ctrlPr>
+                        </m:sSubPr>
+                        <m:e>
+                          <m:r>
+                            <a:rPr kumimoji="1" lang="en-US" altLang="ja-JP" sz="1800" b="0" i="1" smtClean="0">
+                              <a:latin typeface="Cambria Math" panose="02040503050406030204" pitchFamily="18" charset="0"/>
+                            </a:rPr>
+                            <m:t>𝑘</m:t>
+                          </m:r>
+                        </m:e>
+                        <m:sub>
+                          <m:r>
+                            <a:rPr kumimoji="1" lang="en-US" altLang="ja-JP" sz="1800" b="0" i="1" smtClean="0">
+                              <a:latin typeface="Cambria Math" panose="02040503050406030204" pitchFamily="18" charset="0"/>
+                            </a:rPr>
+                            <m:t>𝑣</m:t>
+                          </m:r>
+                          <m:r>
+                            <a:rPr kumimoji="1" lang="en-US" altLang="ja-JP" sz="1800" b="0" i="1" smtClean="0">
+                              <a:latin typeface="Cambria Math" panose="02040503050406030204" pitchFamily="18" charset="0"/>
+                            </a:rPr>
+                            <m:t>2</m:t>
+                          </m:r>
+                        </m:sub>
+                      </m:sSub>
+                      <m:r>
+                        <a:rPr kumimoji="1" lang="en-US" altLang="ja-JP" sz="1800" b="0" i="1" smtClean="0">
+                          <a:latin typeface="Cambria Math" panose="02040503050406030204" pitchFamily="18" charset="0"/>
+                        </a:rPr>
+                        <m:t>=</m:t>
+                      </m:r>
+                      <m:r>
+                        <a:rPr lang="en-US" altLang="ja-JP" sz="1800" i="1">
+                          <a:latin typeface="Cambria Math" panose="02040503050406030204" pitchFamily="18" charset="0"/>
+                        </a:rPr>
+                        <m:t>𝑓</m:t>
+                      </m:r>
+                      <m:d>
+                        <m:dPr>
+                          <m:ctrlPr>
+                            <a:rPr lang="en-US" altLang="ja-JP" sz="1800" i="1">
+                              <a:latin typeface="Cambria Math" panose="02040503050406030204" pitchFamily="18" charset="0"/>
+                            </a:rPr>
+                          </m:ctrlPr>
+                        </m:dPr>
+                        <m:e>
+                          <m:sSub>
+                            <m:sSubPr>
+                              <m:ctrlPr>
+                                <a:rPr lang="en-US" altLang="ja-JP" sz="1800" i="1">
+                                  <a:latin typeface="Cambria Math" panose="02040503050406030204" pitchFamily="18" charset="0"/>
+                                </a:rPr>
+                              </m:ctrlPr>
+                            </m:sSubPr>
+                            <m:e>
+                              <m:r>
+                                <a:rPr lang="en-US" altLang="ja-JP" sz="1800" b="1" i="1" smtClean="0">
+                                  <a:latin typeface="Cambria Math" panose="02040503050406030204" pitchFamily="18" charset="0"/>
+                                </a:rPr>
+                                <m:t>𝒗</m:t>
+                              </m:r>
+                            </m:e>
+                            <m:sub>
+                              <m:r>
+                                <a:rPr lang="en-US" altLang="ja-JP" sz="1800" b="0" i="1" smtClean="0">
+                                  <a:latin typeface="Cambria Math" panose="02040503050406030204" pitchFamily="18" charset="0"/>
+                                </a:rPr>
+                                <m:t>𝑛</m:t>
+                              </m:r>
+                            </m:sub>
+                          </m:sSub>
+                          <m:r>
+                            <a:rPr lang="en-US" altLang="ja-JP" sz="1800" b="0" i="1" smtClean="0">
+                              <a:latin typeface="Cambria Math" panose="02040503050406030204" pitchFamily="18" charset="0"/>
+                            </a:rPr>
+                            <m:t>+</m:t>
+                          </m:r>
+                          <m:sSub>
+                            <m:sSubPr>
+                              <m:ctrlPr>
+                                <a:rPr lang="en-US" altLang="ja-JP" sz="1800" b="0" i="1" smtClean="0">
+                                  <a:latin typeface="Cambria Math" panose="02040503050406030204" pitchFamily="18" charset="0"/>
+                                </a:rPr>
+                              </m:ctrlPr>
+                            </m:sSubPr>
+                            <m:e>
+                              <m:r>
+                                <a:rPr lang="en-US" altLang="ja-JP" sz="1800" b="0" i="1" smtClean="0">
+                                  <a:latin typeface="Cambria Math" panose="02040503050406030204" pitchFamily="18" charset="0"/>
+                                </a:rPr>
+                                <m:t>𝑘</m:t>
+                              </m:r>
+                            </m:e>
+                            <m:sub>
+                              <m:r>
+                                <a:rPr lang="en-US" altLang="ja-JP" sz="1800" b="0" i="1" smtClean="0">
+                                  <a:latin typeface="Cambria Math" panose="02040503050406030204" pitchFamily="18" charset="0"/>
+                                </a:rPr>
+                                <m:t>𝑣</m:t>
+                              </m:r>
+                              <m:r>
+                                <a:rPr lang="en-US" altLang="ja-JP" sz="1800" b="0" i="1" smtClean="0">
+                                  <a:latin typeface="Cambria Math" panose="02040503050406030204" pitchFamily="18" charset="0"/>
+                                </a:rPr>
+                                <m:t>1</m:t>
+                              </m:r>
+                            </m:sub>
+                          </m:sSub>
+                          <m:f>
+                            <m:fPr>
+                              <m:ctrlPr>
+                                <a:rPr lang="en-US" altLang="ja-JP" sz="1800" b="0" i="1" smtClean="0">
+                                  <a:latin typeface="Cambria Math" panose="02040503050406030204" pitchFamily="18" charset="0"/>
+                                </a:rPr>
+                              </m:ctrlPr>
+                            </m:fPr>
+                            <m:num>
+                              <m:r>
+                                <a:rPr lang="en-US" altLang="ja-JP" sz="1800" i="1">
+                                  <a:latin typeface="Cambria Math" panose="02040503050406030204" pitchFamily="18" charset="0"/>
+                                  <a:ea typeface="Cambria Math" panose="02040503050406030204" pitchFamily="18" charset="0"/>
+                                </a:rPr>
+                                <m:t>∆</m:t>
+                              </m:r>
+                              <m:r>
+                                <a:rPr lang="en-US" altLang="ja-JP" sz="1800" b="0" i="1" smtClean="0">
+                                  <a:latin typeface="Cambria Math" panose="02040503050406030204" pitchFamily="18" charset="0"/>
+                                  <a:ea typeface="Cambria Math" panose="02040503050406030204" pitchFamily="18" charset="0"/>
+                                </a:rPr>
+                                <m:t>𝑡</m:t>
+                              </m:r>
+                            </m:num>
+                            <m:den>
+                              <m:r>
+                                <a:rPr lang="en-US" altLang="ja-JP" sz="1800" b="0" i="1" smtClean="0">
+                                  <a:latin typeface="Cambria Math" panose="02040503050406030204" pitchFamily="18" charset="0"/>
+                                </a:rPr>
+                                <m:t>2</m:t>
+                              </m:r>
+                            </m:den>
+                          </m:f>
+                          <m:r>
+                            <a:rPr lang="en-US" altLang="ja-JP" sz="1800" i="1">
+                              <a:latin typeface="Cambria Math" panose="02040503050406030204" pitchFamily="18" charset="0"/>
+                            </a:rPr>
+                            <m:t>,</m:t>
+                          </m:r>
+                          <m:sSub>
+                            <m:sSubPr>
+                              <m:ctrlPr>
+                                <a:rPr lang="en-US" altLang="ja-JP" sz="1800" i="1">
+                                  <a:latin typeface="Cambria Math" panose="02040503050406030204" pitchFamily="18" charset="0"/>
+                                </a:rPr>
+                              </m:ctrlPr>
+                            </m:sSubPr>
+                            <m:e>
+                              <m:r>
+                                <a:rPr lang="en-US" altLang="ja-JP" sz="1800" b="1" i="1" smtClean="0">
+                                  <a:latin typeface="Cambria Math" panose="02040503050406030204" pitchFamily="18" charset="0"/>
+                                </a:rPr>
+                                <m:t>𝒓</m:t>
+                              </m:r>
+                            </m:e>
+                            <m:sub>
+                              <m:r>
+                                <a:rPr lang="en-US" altLang="ja-JP" sz="1800" i="1">
+                                  <a:latin typeface="Cambria Math" panose="02040503050406030204" pitchFamily="18" charset="0"/>
+                                </a:rPr>
+                                <m:t>𝑛</m:t>
+                              </m:r>
+                            </m:sub>
+                          </m:sSub>
+                          <m:r>
+                            <a:rPr lang="en-US" altLang="ja-JP" sz="1800" i="1">
+                              <a:latin typeface="Cambria Math" panose="02040503050406030204" pitchFamily="18" charset="0"/>
+                            </a:rPr>
+                            <m:t>+</m:t>
+                          </m:r>
+                          <m:sSub>
+                            <m:sSubPr>
+                              <m:ctrlPr>
+                                <a:rPr lang="en-US" altLang="ja-JP" sz="1800" i="1">
+                                  <a:latin typeface="Cambria Math" panose="02040503050406030204" pitchFamily="18" charset="0"/>
+                                </a:rPr>
+                              </m:ctrlPr>
+                            </m:sSubPr>
+                            <m:e>
+                              <m:r>
+                                <a:rPr lang="en-US" altLang="ja-JP" sz="1800" i="1">
+                                  <a:latin typeface="Cambria Math" panose="02040503050406030204" pitchFamily="18" charset="0"/>
+                                </a:rPr>
+                                <m:t>𝑘</m:t>
+                              </m:r>
+                            </m:e>
+                            <m:sub>
+                              <m:r>
+                                <a:rPr lang="en-US" altLang="ja-JP" sz="1800" b="0" i="1" smtClean="0">
+                                  <a:latin typeface="Cambria Math" panose="02040503050406030204" pitchFamily="18" charset="0"/>
+                                </a:rPr>
+                                <m:t>𝑟</m:t>
+                              </m:r>
+                              <m:r>
+                                <a:rPr lang="en-US" altLang="ja-JP" sz="1800" i="1">
+                                  <a:latin typeface="Cambria Math" panose="02040503050406030204" pitchFamily="18" charset="0"/>
+                                </a:rPr>
+                                <m:t>1</m:t>
+                              </m:r>
+                            </m:sub>
+                          </m:sSub>
+                          <m:f>
+                            <m:fPr>
+                              <m:ctrlPr>
+                                <a:rPr lang="en-US" altLang="ja-JP" sz="1800" i="1">
+                                  <a:latin typeface="Cambria Math" panose="02040503050406030204" pitchFamily="18" charset="0"/>
+                                </a:rPr>
+                              </m:ctrlPr>
+                            </m:fPr>
+                            <m:num>
+                              <m:r>
+                                <a:rPr lang="en-US" altLang="ja-JP" sz="1800" i="1">
+                                  <a:latin typeface="Cambria Math" panose="02040503050406030204" pitchFamily="18" charset="0"/>
+                                  <a:ea typeface="Cambria Math" panose="02040503050406030204" pitchFamily="18" charset="0"/>
+                                </a:rPr>
+                                <m:t>∆</m:t>
+                              </m:r>
+                              <m:r>
+                                <a:rPr lang="en-US" altLang="ja-JP" sz="1800" i="1">
+                                  <a:latin typeface="Cambria Math" panose="02040503050406030204" pitchFamily="18" charset="0"/>
+                                  <a:ea typeface="Cambria Math" panose="02040503050406030204" pitchFamily="18" charset="0"/>
+                                </a:rPr>
+                                <m:t>𝑡</m:t>
+                              </m:r>
+                            </m:num>
+                            <m:den>
+                              <m:r>
+                                <a:rPr lang="en-US" altLang="ja-JP" sz="1800" i="1">
+                                  <a:latin typeface="Cambria Math" panose="02040503050406030204" pitchFamily="18" charset="0"/>
+                                </a:rPr>
+                                <m:t>2</m:t>
+                              </m:r>
+                            </m:den>
+                          </m:f>
+                          <m:r>
+                            <a:rPr lang="en-US" altLang="ja-JP" sz="1800" b="0" i="1" smtClean="0">
+                              <a:latin typeface="Cambria Math" panose="02040503050406030204" pitchFamily="18" charset="0"/>
+                            </a:rPr>
+                            <m:t>,</m:t>
+                          </m:r>
+                          <m:sSub>
+                            <m:sSubPr>
+                              <m:ctrlPr>
+                                <a:rPr lang="en-US" altLang="ja-JP" sz="1800" i="1">
+                                  <a:latin typeface="Cambria Math" panose="02040503050406030204" pitchFamily="18" charset="0"/>
+                                </a:rPr>
+                              </m:ctrlPr>
+                            </m:sSubPr>
+                            <m:e>
+                              <m:r>
+                                <a:rPr lang="en-US" altLang="ja-JP" sz="1800" b="0" i="1" smtClean="0">
+                                  <a:latin typeface="Cambria Math" panose="02040503050406030204" pitchFamily="18" charset="0"/>
+                                </a:rPr>
+                                <m:t>𝑡</m:t>
+                              </m:r>
+                            </m:e>
+                            <m:sub>
+                              <m:r>
+                                <a:rPr lang="en-US" altLang="ja-JP" sz="1800" i="1">
+                                  <a:latin typeface="Cambria Math" panose="02040503050406030204" pitchFamily="18" charset="0"/>
+                                </a:rPr>
+                                <m:t>𝑛</m:t>
+                              </m:r>
+                            </m:sub>
+                          </m:sSub>
+                          <m:r>
+                            <a:rPr lang="en-US" altLang="ja-JP" sz="1800" i="1">
+                              <a:latin typeface="Cambria Math" panose="02040503050406030204" pitchFamily="18" charset="0"/>
+                            </a:rPr>
+                            <m:t>+</m:t>
+                          </m:r>
+                          <m:f>
+                            <m:fPr>
+                              <m:ctrlPr>
+                                <a:rPr lang="en-US" altLang="ja-JP" sz="1800" i="1">
+                                  <a:latin typeface="Cambria Math" panose="02040503050406030204" pitchFamily="18" charset="0"/>
+                                </a:rPr>
+                              </m:ctrlPr>
+                            </m:fPr>
+                            <m:num>
+                              <m:r>
+                                <a:rPr lang="en-US" altLang="ja-JP" sz="1800" i="1">
+                                  <a:latin typeface="Cambria Math" panose="02040503050406030204" pitchFamily="18" charset="0"/>
+                                  <a:ea typeface="Cambria Math" panose="02040503050406030204" pitchFamily="18" charset="0"/>
+                                </a:rPr>
+                                <m:t>∆</m:t>
+                              </m:r>
+                              <m:r>
+                                <a:rPr lang="en-US" altLang="ja-JP" sz="1800" b="0" i="1" smtClean="0">
+                                  <a:latin typeface="Cambria Math" panose="02040503050406030204" pitchFamily="18" charset="0"/>
+                                  <a:ea typeface="Cambria Math" panose="02040503050406030204" pitchFamily="18" charset="0"/>
+                                </a:rPr>
+                                <m:t>𝑡</m:t>
+                              </m:r>
+                            </m:num>
+                            <m:den>
+                              <m:r>
+                                <a:rPr lang="en-US" altLang="ja-JP" sz="1800" i="1">
+                                  <a:latin typeface="Cambria Math" panose="02040503050406030204" pitchFamily="18" charset="0"/>
+                                </a:rPr>
+                                <m:t>2</m:t>
+                              </m:r>
+                            </m:den>
+                          </m:f>
+                        </m:e>
+                      </m:d>
+                    </m:oMath>
+                  </m:oMathPara>
+                </a14:m>
+                <a:endParaRPr lang="en-US" altLang="ja-JP" sz="1800" dirty="0"/>
+              </a:p>
+              <a:p>
+                <a:pPr marL="0" indent="0">
+                  <a:buNone/>
+                </a:pPr>
+                <a:endParaRPr lang="en-US" altLang="ja-JP" sz="1800" dirty="0"/>
+              </a:p>
+              <a:p>
+                <a:pPr marL="0" indent="0">
+                  <a:buNone/>
+                </a:pPr>
+                <a14:m>
+                  <m:oMathPara xmlns:m="http://schemas.openxmlformats.org/officeDocument/2006/math">
+                    <m:oMathParaPr>
+                      <m:jc m:val="centerGroup"/>
+                    </m:oMathParaPr>
+                    <m:oMath xmlns:m="http://schemas.openxmlformats.org/officeDocument/2006/math">
+                      <m:sSub>
+                        <m:sSubPr>
+                          <m:ctrlPr>
+                            <a:rPr kumimoji="1" lang="en-US" altLang="ja-JP" sz="1800" i="1" smtClean="0">
+                              <a:latin typeface="Cambria Math" panose="02040503050406030204" pitchFamily="18" charset="0"/>
+                            </a:rPr>
+                          </m:ctrlPr>
+                        </m:sSubPr>
+                        <m:e>
+                          <m:r>
+                            <a:rPr kumimoji="1" lang="en-US" altLang="ja-JP" sz="1800" b="0" i="1" smtClean="0">
+                              <a:latin typeface="Cambria Math" panose="02040503050406030204" pitchFamily="18" charset="0"/>
+                            </a:rPr>
+                            <m:t>𝑘</m:t>
+                          </m:r>
+                        </m:e>
+                        <m:sub>
+                          <m:r>
+                            <a:rPr kumimoji="1" lang="en-US" altLang="ja-JP" sz="1800" b="0" i="1" smtClean="0">
+                              <a:latin typeface="Cambria Math" panose="02040503050406030204" pitchFamily="18" charset="0"/>
+                            </a:rPr>
+                            <m:t>𝑣</m:t>
+                          </m:r>
+                          <m:r>
+                            <a:rPr kumimoji="1" lang="en-US" altLang="ja-JP" sz="1800" b="0" i="1" smtClean="0">
+                              <a:latin typeface="Cambria Math" panose="02040503050406030204" pitchFamily="18" charset="0"/>
+                            </a:rPr>
+                            <m:t>3</m:t>
+                          </m:r>
+                        </m:sub>
+                      </m:sSub>
+                      <m:r>
+                        <a:rPr kumimoji="1" lang="en-US" altLang="ja-JP" sz="1800" b="0" i="1" smtClean="0">
+                          <a:latin typeface="Cambria Math" panose="02040503050406030204" pitchFamily="18" charset="0"/>
+                        </a:rPr>
+                        <m:t>=</m:t>
+                      </m:r>
+                      <m:r>
+                        <a:rPr lang="en-US" altLang="ja-JP" sz="1800" i="1">
+                          <a:latin typeface="Cambria Math" panose="02040503050406030204" pitchFamily="18" charset="0"/>
+                        </a:rPr>
+                        <m:t>𝑓</m:t>
+                      </m:r>
+                      <m:d>
+                        <m:dPr>
+                          <m:ctrlPr>
+                            <a:rPr lang="en-US" altLang="ja-JP" sz="1800" i="1">
+                              <a:latin typeface="Cambria Math" panose="02040503050406030204" pitchFamily="18" charset="0"/>
+                            </a:rPr>
+                          </m:ctrlPr>
+                        </m:dPr>
+                        <m:e>
+                          <m:sSub>
+                            <m:sSubPr>
+                              <m:ctrlPr>
+                                <a:rPr lang="en-US" altLang="ja-JP" sz="1800" i="1">
+                                  <a:latin typeface="Cambria Math" panose="02040503050406030204" pitchFamily="18" charset="0"/>
+                                </a:rPr>
+                              </m:ctrlPr>
+                            </m:sSubPr>
+                            <m:e>
+                              <m:r>
+                                <a:rPr lang="en-US" altLang="ja-JP" sz="1800" b="1" i="1">
+                                  <a:latin typeface="Cambria Math" panose="02040503050406030204" pitchFamily="18" charset="0"/>
+                                </a:rPr>
+                                <m:t>𝒗</m:t>
+                              </m:r>
+                            </m:e>
+                            <m:sub>
+                              <m:r>
+                                <a:rPr lang="en-US" altLang="ja-JP" sz="1800" i="1">
+                                  <a:latin typeface="Cambria Math" panose="02040503050406030204" pitchFamily="18" charset="0"/>
+                                </a:rPr>
+                                <m:t>𝑛</m:t>
+                              </m:r>
+                            </m:sub>
+                          </m:sSub>
+                          <m:r>
+                            <a:rPr lang="en-US" altLang="ja-JP" sz="1800" i="1">
+                              <a:latin typeface="Cambria Math" panose="02040503050406030204" pitchFamily="18" charset="0"/>
+                            </a:rPr>
+                            <m:t>+</m:t>
+                          </m:r>
+                          <m:sSub>
+                            <m:sSubPr>
+                              <m:ctrlPr>
+                                <a:rPr lang="en-US" altLang="ja-JP" sz="1800" i="1">
+                                  <a:latin typeface="Cambria Math" panose="02040503050406030204" pitchFamily="18" charset="0"/>
+                                </a:rPr>
+                              </m:ctrlPr>
+                            </m:sSubPr>
+                            <m:e>
+                              <m:r>
+                                <a:rPr lang="en-US" altLang="ja-JP" sz="1800" i="1">
+                                  <a:latin typeface="Cambria Math" panose="02040503050406030204" pitchFamily="18" charset="0"/>
+                                </a:rPr>
+                                <m:t>𝑘</m:t>
+                              </m:r>
+                            </m:e>
+                            <m:sub>
+                              <m:r>
+                                <a:rPr lang="en-US" altLang="ja-JP" sz="1800" i="1">
+                                  <a:latin typeface="Cambria Math" panose="02040503050406030204" pitchFamily="18" charset="0"/>
+                                </a:rPr>
+                                <m:t>𝑣</m:t>
+                              </m:r>
+                              <m:r>
+                                <a:rPr lang="en-US" altLang="ja-JP" sz="1800" b="0" i="1" smtClean="0">
+                                  <a:latin typeface="Cambria Math" panose="02040503050406030204" pitchFamily="18" charset="0"/>
+                                </a:rPr>
+                                <m:t>2</m:t>
+                              </m:r>
+                            </m:sub>
+                          </m:sSub>
+                          <m:f>
+                            <m:fPr>
+                              <m:ctrlPr>
+                                <a:rPr lang="en-US" altLang="ja-JP" sz="1800" i="1">
+                                  <a:latin typeface="Cambria Math" panose="02040503050406030204" pitchFamily="18" charset="0"/>
+                                </a:rPr>
+                              </m:ctrlPr>
+                            </m:fPr>
+                            <m:num>
+                              <m:r>
+                                <a:rPr lang="en-US" altLang="ja-JP" sz="1800" i="1">
+                                  <a:latin typeface="Cambria Math" panose="02040503050406030204" pitchFamily="18" charset="0"/>
+                                  <a:ea typeface="Cambria Math" panose="02040503050406030204" pitchFamily="18" charset="0"/>
+                                </a:rPr>
+                                <m:t>∆</m:t>
+                              </m:r>
+                              <m:r>
+                                <a:rPr lang="en-US" altLang="ja-JP" sz="1800" i="1">
+                                  <a:latin typeface="Cambria Math" panose="02040503050406030204" pitchFamily="18" charset="0"/>
+                                  <a:ea typeface="Cambria Math" panose="02040503050406030204" pitchFamily="18" charset="0"/>
+                                </a:rPr>
+                                <m:t>𝑡</m:t>
+                              </m:r>
+                            </m:num>
+                            <m:den>
+                              <m:r>
+                                <a:rPr lang="en-US" altLang="ja-JP" sz="1800" i="1">
+                                  <a:latin typeface="Cambria Math" panose="02040503050406030204" pitchFamily="18" charset="0"/>
+                                </a:rPr>
+                                <m:t>2</m:t>
+                              </m:r>
+                            </m:den>
+                          </m:f>
+                          <m:r>
+                            <a:rPr lang="en-US" altLang="ja-JP" sz="1800" i="1">
+                              <a:latin typeface="Cambria Math" panose="02040503050406030204" pitchFamily="18" charset="0"/>
+                            </a:rPr>
+                            <m:t>,</m:t>
+                          </m:r>
+                          <m:r>
+                            <a:rPr lang="en-US" altLang="ja-JP" sz="1800" b="0" i="1" smtClean="0">
+                              <a:latin typeface="Cambria Math" panose="02040503050406030204" pitchFamily="18" charset="0"/>
+                            </a:rPr>
+                            <m:t> </m:t>
+                          </m:r>
+                          <m:sSub>
+                            <m:sSubPr>
+                              <m:ctrlPr>
+                                <a:rPr lang="en-US" altLang="ja-JP" sz="1800" i="1">
+                                  <a:latin typeface="Cambria Math" panose="02040503050406030204" pitchFamily="18" charset="0"/>
+                                </a:rPr>
+                              </m:ctrlPr>
+                            </m:sSubPr>
+                            <m:e>
+                              <m:r>
+                                <a:rPr lang="en-US" altLang="ja-JP" sz="1800" b="1" i="1">
+                                  <a:latin typeface="Cambria Math" panose="02040503050406030204" pitchFamily="18" charset="0"/>
+                                </a:rPr>
+                                <m:t>𝒓</m:t>
+                              </m:r>
+                            </m:e>
+                            <m:sub>
+                              <m:r>
+                                <a:rPr lang="en-US" altLang="ja-JP" sz="1800" i="1">
+                                  <a:latin typeface="Cambria Math" panose="02040503050406030204" pitchFamily="18" charset="0"/>
+                                </a:rPr>
+                                <m:t>𝑛</m:t>
+                              </m:r>
+                            </m:sub>
+                          </m:sSub>
+                          <m:r>
+                            <a:rPr lang="en-US" altLang="ja-JP" sz="1800" i="1">
+                              <a:latin typeface="Cambria Math" panose="02040503050406030204" pitchFamily="18" charset="0"/>
+                            </a:rPr>
+                            <m:t>+</m:t>
+                          </m:r>
+                          <m:sSub>
+                            <m:sSubPr>
+                              <m:ctrlPr>
+                                <a:rPr lang="en-US" altLang="ja-JP" sz="1800" i="1">
+                                  <a:latin typeface="Cambria Math" panose="02040503050406030204" pitchFamily="18" charset="0"/>
+                                </a:rPr>
+                              </m:ctrlPr>
+                            </m:sSubPr>
+                            <m:e>
+                              <m:r>
+                                <a:rPr lang="en-US" altLang="ja-JP" sz="1800" i="1">
+                                  <a:latin typeface="Cambria Math" panose="02040503050406030204" pitchFamily="18" charset="0"/>
+                                </a:rPr>
+                                <m:t>𝑘</m:t>
+                              </m:r>
+                            </m:e>
+                            <m:sub>
+                              <m:r>
+                                <a:rPr lang="en-US" altLang="ja-JP" sz="1800" i="1">
+                                  <a:latin typeface="Cambria Math" panose="02040503050406030204" pitchFamily="18" charset="0"/>
+                                </a:rPr>
+                                <m:t>𝑟</m:t>
+                              </m:r>
+                              <m:r>
+                                <a:rPr lang="en-US" altLang="ja-JP" sz="1800" b="0" i="1" smtClean="0">
+                                  <a:latin typeface="Cambria Math" panose="02040503050406030204" pitchFamily="18" charset="0"/>
+                                </a:rPr>
+                                <m:t>2</m:t>
+                              </m:r>
+                            </m:sub>
+                          </m:sSub>
+                          <m:f>
+                            <m:fPr>
+                              <m:ctrlPr>
+                                <a:rPr lang="en-US" altLang="ja-JP" sz="1800" i="1">
+                                  <a:latin typeface="Cambria Math" panose="02040503050406030204" pitchFamily="18" charset="0"/>
+                                </a:rPr>
+                              </m:ctrlPr>
+                            </m:fPr>
+                            <m:num>
+                              <m:r>
+                                <a:rPr lang="en-US" altLang="ja-JP" sz="1800" i="1">
+                                  <a:latin typeface="Cambria Math" panose="02040503050406030204" pitchFamily="18" charset="0"/>
+                                  <a:ea typeface="Cambria Math" panose="02040503050406030204" pitchFamily="18" charset="0"/>
+                                </a:rPr>
+                                <m:t>∆</m:t>
+                              </m:r>
+                              <m:r>
+                                <a:rPr lang="en-US" altLang="ja-JP" sz="1800" i="1">
+                                  <a:latin typeface="Cambria Math" panose="02040503050406030204" pitchFamily="18" charset="0"/>
+                                  <a:ea typeface="Cambria Math" panose="02040503050406030204" pitchFamily="18" charset="0"/>
+                                </a:rPr>
+                                <m:t>𝑡</m:t>
+                              </m:r>
+                            </m:num>
+                            <m:den>
+                              <m:r>
+                                <a:rPr lang="en-US" altLang="ja-JP" sz="1800" i="1">
+                                  <a:latin typeface="Cambria Math" panose="02040503050406030204" pitchFamily="18" charset="0"/>
+                                </a:rPr>
+                                <m:t>2</m:t>
+                              </m:r>
+                            </m:den>
+                          </m:f>
+                          <m:r>
+                            <a:rPr lang="en-US" altLang="ja-JP" sz="1800" i="1">
+                              <a:latin typeface="Cambria Math" panose="02040503050406030204" pitchFamily="18" charset="0"/>
+                            </a:rPr>
+                            <m:t>,</m:t>
+                          </m:r>
+                          <m:r>
+                            <a:rPr lang="en-US" altLang="ja-JP" sz="1800" b="0" i="1" smtClean="0">
+                              <a:latin typeface="Cambria Math" panose="02040503050406030204" pitchFamily="18" charset="0"/>
+                            </a:rPr>
+                            <m:t> </m:t>
+                          </m:r>
+                          <m:sSub>
+                            <m:sSubPr>
+                              <m:ctrlPr>
+                                <a:rPr lang="en-US" altLang="ja-JP" sz="1800" i="1">
+                                  <a:latin typeface="Cambria Math" panose="02040503050406030204" pitchFamily="18" charset="0"/>
+                                </a:rPr>
+                              </m:ctrlPr>
+                            </m:sSubPr>
+                            <m:e>
+                              <m:r>
+                                <a:rPr lang="en-US" altLang="ja-JP" sz="1800" i="1">
+                                  <a:latin typeface="Cambria Math" panose="02040503050406030204" pitchFamily="18" charset="0"/>
+                                </a:rPr>
+                                <m:t>𝑡</m:t>
+                              </m:r>
+                            </m:e>
+                            <m:sub>
+                              <m:r>
+                                <a:rPr lang="en-US" altLang="ja-JP" sz="1800" i="1">
+                                  <a:latin typeface="Cambria Math" panose="02040503050406030204" pitchFamily="18" charset="0"/>
+                                </a:rPr>
+                                <m:t>𝑛</m:t>
+                              </m:r>
+                            </m:sub>
+                          </m:sSub>
+                          <m:r>
+                            <a:rPr lang="en-US" altLang="ja-JP" sz="1800" i="1">
+                              <a:latin typeface="Cambria Math" panose="02040503050406030204" pitchFamily="18" charset="0"/>
+                            </a:rPr>
+                            <m:t>+</m:t>
+                          </m:r>
+                          <m:f>
+                            <m:fPr>
+                              <m:ctrlPr>
+                                <a:rPr lang="en-US" altLang="ja-JP" sz="1800" i="1">
+                                  <a:latin typeface="Cambria Math" panose="02040503050406030204" pitchFamily="18" charset="0"/>
+                                </a:rPr>
+                              </m:ctrlPr>
+                            </m:fPr>
+                            <m:num>
+                              <m:r>
+                                <a:rPr lang="en-US" altLang="ja-JP" sz="1800" i="1">
+                                  <a:latin typeface="Cambria Math" panose="02040503050406030204" pitchFamily="18" charset="0"/>
+                                  <a:ea typeface="Cambria Math" panose="02040503050406030204" pitchFamily="18" charset="0"/>
+                                </a:rPr>
+                                <m:t>∆</m:t>
+                              </m:r>
+                              <m:r>
+                                <a:rPr lang="en-US" altLang="ja-JP" sz="1800" i="1">
+                                  <a:latin typeface="Cambria Math" panose="02040503050406030204" pitchFamily="18" charset="0"/>
+                                  <a:ea typeface="Cambria Math" panose="02040503050406030204" pitchFamily="18" charset="0"/>
+                                </a:rPr>
+                                <m:t>𝑡</m:t>
+                              </m:r>
+                            </m:num>
+                            <m:den>
+                              <m:r>
+                                <a:rPr lang="en-US" altLang="ja-JP" sz="1800" i="1">
+                                  <a:latin typeface="Cambria Math" panose="02040503050406030204" pitchFamily="18" charset="0"/>
+                                </a:rPr>
+                                <m:t>2</m:t>
+                              </m:r>
+                            </m:den>
+                          </m:f>
+                        </m:e>
+                      </m:d>
+                    </m:oMath>
+                  </m:oMathPara>
+                </a14:m>
+                <a:endParaRPr kumimoji="1" lang="en-US" altLang="ja-JP" sz="1800" dirty="0"/>
+              </a:p>
+              <a:p>
+                <a:pPr marL="0" indent="0">
+                  <a:buNone/>
+                </a:pPr>
+                <a:endParaRPr lang="en-US" altLang="ja-JP" sz="1800" dirty="0"/>
+              </a:p>
+              <a:p>
+                <a:pPr marL="0" indent="0">
+                  <a:buNone/>
+                </a:pPr>
+                <a14:m>
+                  <m:oMathPara xmlns:m="http://schemas.openxmlformats.org/officeDocument/2006/math">
+                    <m:oMathParaPr>
+                      <m:jc m:val="centerGroup"/>
+                    </m:oMathParaPr>
+                    <m:oMath xmlns:m="http://schemas.openxmlformats.org/officeDocument/2006/math">
+                      <m:sSub>
+                        <m:sSubPr>
+                          <m:ctrlPr>
+                            <a:rPr kumimoji="1" lang="en-US" altLang="ja-JP" sz="1800" i="1" smtClean="0">
+                              <a:latin typeface="Cambria Math" panose="02040503050406030204" pitchFamily="18" charset="0"/>
+                            </a:rPr>
+                          </m:ctrlPr>
+                        </m:sSubPr>
+                        <m:e>
+                          <m:r>
+                            <a:rPr kumimoji="1" lang="en-US" altLang="ja-JP" sz="1800" b="0" i="1" smtClean="0">
+                              <a:latin typeface="Cambria Math" panose="02040503050406030204" pitchFamily="18" charset="0"/>
+                            </a:rPr>
+                            <m:t>𝑘</m:t>
+                          </m:r>
+                        </m:e>
+                        <m:sub>
+                          <m:r>
+                            <a:rPr kumimoji="1" lang="en-US" altLang="ja-JP" sz="1800" b="0" i="1" smtClean="0">
+                              <a:latin typeface="Cambria Math" panose="02040503050406030204" pitchFamily="18" charset="0"/>
+                            </a:rPr>
+                            <m:t>𝑣</m:t>
+                          </m:r>
+                          <m:r>
+                            <a:rPr kumimoji="1" lang="en-US" altLang="ja-JP" sz="1800" b="0" i="1" smtClean="0">
+                              <a:latin typeface="Cambria Math" panose="02040503050406030204" pitchFamily="18" charset="0"/>
+                            </a:rPr>
+                            <m:t>4</m:t>
+                          </m:r>
+                        </m:sub>
+                      </m:sSub>
+                      <m:r>
+                        <a:rPr kumimoji="1" lang="en-US" altLang="ja-JP" sz="1800" b="0" i="1" smtClean="0">
+                          <a:latin typeface="Cambria Math" panose="02040503050406030204" pitchFamily="18" charset="0"/>
+                        </a:rPr>
+                        <m:t>=</m:t>
+                      </m:r>
+                      <m:r>
+                        <a:rPr lang="en-US" altLang="ja-JP" sz="1800" i="1">
+                          <a:latin typeface="Cambria Math" panose="02040503050406030204" pitchFamily="18" charset="0"/>
+                        </a:rPr>
+                        <m:t>𝑓</m:t>
+                      </m:r>
+                      <m:d>
+                        <m:dPr>
+                          <m:ctrlPr>
+                            <a:rPr lang="en-US" altLang="ja-JP" sz="1800" i="1">
+                              <a:latin typeface="Cambria Math" panose="02040503050406030204" pitchFamily="18" charset="0"/>
+                            </a:rPr>
+                          </m:ctrlPr>
+                        </m:dPr>
+                        <m:e>
+                          <m:sSub>
+                            <m:sSubPr>
+                              <m:ctrlPr>
+                                <a:rPr lang="en-US" altLang="ja-JP" sz="1800" i="1">
+                                  <a:latin typeface="Cambria Math" panose="02040503050406030204" pitchFamily="18" charset="0"/>
+                                </a:rPr>
+                              </m:ctrlPr>
+                            </m:sSubPr>
+                            <m:e>
+                              <m:r>
+                                <a:rPr lang="en-US" altLang="ja-JP" sz="1800" b="1" i="1" smtClean="0">
+                                  <a:latin typeface="Cambria Math" panose="02040503050406030204" pitchFamily="18" charset="0"/>
+                                </a:rPr>
+                                <m:t>𝒗</m:t>
+                              </m:r>
+                            </m:e>
+                            <m:sub>
+                              <m:r>
+                                <a:rPr lang="en-US" altLang="ja-JP" sz="1800" i="1">
+                                  <a:latin typeface="Cambria Math" panose="02040503050406030204" pitchFamily="18" charset="0"/>
+                                </a:rPr>
+                                <m:t>𝑛</m:t>
+                              </m:r>
+                            </m:sub>
+                          </m:sSub>
+                          <m:r>
+                            <a:rPr lang="en-US" altLang="ja-JP" sz="1800" i="1">
+                              <a:latin typeface="Cambria Math" panose="02040503050406030204" pitchFamily="18" charset="0"/>
+                            </a:rPr>
+                            <m:t>+</m:t>
+                          </m:r>
+                          <m:sSub>
+                            <m:sSubPr>
+                              <m:ctrlPr>
+                                <a:rPr lang="en-US" altLang="ja-JP" sz="1800" i="1">
+                                  <a:latin typeface="Cambria Math" panose="02040503050406030204" pitchFamily="18" charset="0"/>
+                                </a:rPr>
+                              </m:ctrlPr>
+                            </m:sSubPr>
+                            <m:e>
+                              <m:r>
+                                <a:rPr lang="en-US" altLang="ja-JP" sz="1800" i="1">
+                                  <a:latin typeface="Cambria Math" panose="02040503050406030204" pitchFamily="18" charset="0"/>
+                                </a:rPr>
+                                <m:t>𝑘</m:t>
+                              </m:r>
+                            </m:e>
+                            <m:sub>
+                              <m:r>
+                                <a:rPr lang="en-US" altLang="ja-JP" sz="1800" b="0" i="1" smtClean="0">
+                                  <a:latin typeface="Cambria Math" panose="02040503050406030204" pitchFamily="18" charset="0"/>
+                                </a:rPr>
+                                <m:t>𝑣</m:t>
+                              </m:r>
+                              <m:r>
+                                <a:rPr lang="en-US" altLang="ja-JP" sz="1800" b="0" i="1" smtClean="0">
+                                  <a:latin typeface="Cambria Math" panose="02040503050406030204" pitchFamily="18" charset="0"/>
+                                </a:rPr>
+                                <m:t>3</m:t>
+                              </m:r>
+                            </m:sub>
+                          </m:sSub>
+                          <m:r>
+                            <a:rPr lang="en-US" altLang="ja-JP" sz="1800" i="1">
+                              <a:latin typeface="Cambria Math" panose="02040503050406030204" pitchFamily="18" charset="0"/>
+                              <a:ea typeface="Cambria Math" panose="02040503050406030204" pitchFamily="18" charset="0"/>
+                            </a:rPr>
+                            <m:t>∆</m:t>
+                          </m:r>
+                          <m:r>
+                            <a:rPr lang="en-US" altLang="ja-JP" sz="1800" b="0" i="1" smtClean="0">
+                              <a:latin typeface="Cambria Math" panose="02040503050406030204" pitchFamily="18" charset="0"/>
+                              <a:ea typeface="Cambria Math" panose="02040503050406030204" pitchFamily="18" charset="0"/>
+                            </a:rPr>
+                            <m:t>𝑡</m:t>
+                          </m:r>
+                          <m:r>
+                            <a:rPr lang="en-US" altLang="ja-JP" sz="1800" i="1">
+                              <a:latin typeface="Cambria Math" panose="02040503050406030204" pitchFamily="18" charset="0"/>
+                            </a:rPr>
+                            <m:t>,</m:t>
+                          </m:r>
+                          <m:sSub>
+                            <m:sSubPr>
+                              <m:ctrlPr>
+                                <a:rPr lang="en-US" altLang="ja-JP" sz="1800" i="1">
+                                  <a:latin typeface="Cambria Math" panose="02040503050406030204" pitchFamily="18" charset="0"/>
+                                </a:rPr>
+                              </m:ctrlPr>
+                            </m:sSubPr>
+                            <m:e>
+                              <m:r>
+                                <a:rPr lang="en-US" altLang="ja-JP" sz="1800" b="1" i="1" smtClean="0">
+                                  <a:latin typeface="Cambria Math" panose="02040503050406030204" pitchFamily="18" charset="0"/>
+                                </a:rPr>
+                                <m:t>𝒓</m:t>
+                              </m:r>
+                            </m:e>
+                            <m:sub>
+                              <m:r>
+                                <a:rPr lang="en-US" altLang="ja-JP" sz="1800" i="1">
+                                  <a:latin typeface="Cambria Math" panose="02040503050406030204" pitchFamily="18" charset="0"/>
+                                </a:rPr>
+                                <m:t>𝑛</m:t>
+                              </m:r>
+                            </m:sub>
+                          </m:sSub>
+                          <m:r>
+                            <a:rPr lang="en-US" altLang="ja-JP" sz="1800" i="1">
+                              <a:latin typeface="Cambria Math" panose="02040503050406030204" pitchFamily="18" charset="0"/>
+                            </a:rPr>
+                            <m:t>+</m:t>
+                          </m:r>
+                          <m:sSub>
+                            <m:sSubPr>
+                              <m:ctrlPr>
+                                <a:rPr lang="en-US" altLang="ja-JP" sz="1800" i="1">
+                                  <a:latin typeface="Cambria Math" panose="02040503050406030204" pitchFamily="18" charset="0"/>
+                                </a:rPr>
+                              </m:ctrlPr>
+                            </m:sSubPr>
+                            <m:e>
+                              <m:r>
+                                <a:rPr lang="en-US" altLang="ja-JP" sz="1800" i="1">
+                                  <a:latin typeface="Cambria Math" panose="02040503050406030204" pitchFamily="18" charset="0"/>
+                                </a:rPr>
+                                <m:t>𝑘</m:t>
+                              </m:r>
+                            </m:e>
+                            <m:sub>
+                              <m:r>
+                                <a:rPr lang="en-US" altLang="ja-JP" sz="1800" b="0" i="1" smtClean="0">
+                                  <a:latin typeface="Cambria Math" panose="02040503050406030204" pitchFamily="18" charset="0"/>
+                                </a:rPr>
+                                <m:t>𝑟</m:t>
+                              </m:r>
+                              <m:r>
+                                <a:rPr lang="en-US" altLang="ja-JP" sz="1800" i="1">
+                                  <a:latin typeface="Cambria Math" panose="02040503050406030204" pitchFamily="18" charset="0"/>
+                                </a:rPr>
+                                <m:t>3</m:t>
+                              </m:r>
+                            </m:sub>
+                          </m:sSub>
+                          <m:r>
+                            <a:rPr lang="en-US" altLang="ja-JP" sz="1800" i="1">
+                              <a:latin typeface="Cambria Math" panose="02040503050406030204" pitchFamily="18" charset="0"/>
+                              <a:ea typeface="Cambria Math" panose="02040503050406030204" pitchFamily="18" charset="0"/>
+                            </a:rPr>
+                            <m:t>∆</m:t>
+                          </m:r>
+                          <m:r>
+                            <a:rPr lang="en-US" altLang="ja-JP" sz="1800" i="1">
+                              <a:latin typeface="Cambria Math" panose="02040503050406030204" pitchFamily="18" charset="0"/>
+                              <a:ea typeface="Cambria Math" panose="02040503050406030204" pitchFamily="18" charset="0"/>
+                            </a:rPr>
+                            <m:t>𝑡</m:t>
+                          </m:r>
+                          <m:r>
+                            <a:rPr lang="en-US" altLang="ja-JP" sz="1800" b="0" i="1" smtClean="0">
+                              <a:latin typeface="Cambria Math" panose="02040503050406030204" pitchFamily="18" charset="0"/>
+                              <a:ea typeface="Cambria Math" panose="02040503050406030204" pitchFamily="18" charset="0"/>
+                            </a:rPr>
+                            <m:t>,</m:t>
+                          </m:r>
+                          <m:sSub>
+                            <m:sSubPr>
+                              <m:ctrlPr>
+                                <a:rPr lang="en-US" altLang="ja-JP" sz="1800" i="1">
+                                  <a:latin typeface="Cambria Math" panose="02040503050406030204" pitchFamily="18" charset="0"/>
+                                </a:rPr>
+                              </m:ctrlPr>
+                            </m:sSubPr>
+                            <m:e>
+                              <m:r>
+                                <a:rPr lang="en-US" altLang="ja-JP" sz="1800" b="0" i="1" smtClean="0">
+                                  <a:latin typeface="Cambria Math" panose="02040503050406030204" pitchFamily="18" charset="0"/>
+                                </a:rPr>
+                                <m:t>𝑡</m:t>
+                              </m:r>
+                            </m:e>
+                            <m:sub>
+                              <m:r>
+                                <a:rPr lang="en-US" altLang="ja-JP" sz="1800" i="1">
+                                  <a:latin typeface="Cambria Math" panose="02040503050406030204" pitchFamily="18" charset="0"/>
+                                </a:rPr>
+                                <m:t>𝑛</m:t>
+                              </m:r>
+                            </m:sub>
+                          </m:sSub>
+                          <m:r>
+                            <a:rPr lang="en-US" altLang="ja-JP" sz="1800" i="1">
+                              <a:latin typeface="Cambria Math" panose="02040503050406030204" pitchFamily="18" charset="0"/>
+                            </a:rPr>
+                            <m:t>+</m:t>
+                          </m:r>
+                          <m:r>
+                            <a:rPr lang="en-US" altLang="ja-JP" sz="1800" i="1">
+                              <a:latin typeface="Cambria Math" panose="02040503050406030204" pitchFamily="18" charset="0"/>
+                              <a:ea typeface="Cambria Math" panose="02040503050406030204" pitchFamily="18" charset="0"/>
+                            </a:rPr>
+                            <m:t>∆</m:t>
+                          </m:r>
+                          <m:r>
+                            <a:rPr lang="en-US" altLang="ja-JP" sz="1800" b="0" i="1" smtClean="0">
+                              <a:latin typeface="Cambria Math" panose="02040503050406030204" pitchFamily="18" charset="0"/>
+                              <a:ea typeface="Cambria Math" panose="02040503050406030204" pitchFamily="18" charset="0"/>
+                            </a:rPr>
+                            <m:t>𝑡</m:t>
+                          </m:r>
+                        </m:e>
+                      </m:d>
+                    </m:oMath>
+                  </m:oMathPara>
+                </a14:m>
+                <a:endParaRPr kumimoji="1" lang="ja-JP" altLang="en-US" dirty="0"/>
+              </a:p>
+            </p:txBody>
+          </p:sp>
+        </mc:Choice>
+        <mc:Fallback>
+          <p:sp>
+            <p:nvSpPr>
+              <p:cNvPr id="11" name="テキスト ボックス 10">
+                <a:extLst>
+                  <a:ext uri="{FF2B5EF4-FFF2-40B4-BE49-F238E27FC236}">
+                    <a16:creationId xmlns:a16="http://schemas.microsoft.com/office/drawing/2014/main" id="{3CD5CD9B-4F65-4619-80D3-99113AD422F7}"/>
+                  </a:ext>
+                </a:extLst>
+              </p:cNvPr>
+              <p:cNvSpPr txBox="1">
+                <a:spLocks noRot="1" noChangeAspect="1" noMove="1" noResize="1" noEditPoints="1" noAdjustHandles="1" noChangeArrowheads="1" noChangeShapeType="1" noTextEdit="1"/>
+              </p:cNvSpPr>
+              <p:nvPr/>
+            </p:nvSpPr>
+            <p:spPr>
+              <a:xfrm>
+                <a:off x="5517762" y="3972148"/>
+                <a:ext cx="5553074" cy="2722027"/>
+              </a:xfrm>
+              <a:prstGeom prst="rect">
+                <a:avLst/>
+              </a:prstGeom>
+              <a:blipFill>
+                <a:blip r:embed="rId6"/>
+                <a:stretch>
+                  <a:fillRect b="-897"/>
+                </a:stretch>
+              </a:blipFill>
+            </p:spPr>
+            <p:txBody>
+              <a:bodyPr/>
+              <a:lstStyle/>
+              <a:p>
+                <a:r>
+                  <a:rPr lang="ja-JP" altLang="en-US">
+                    <a:noFill/>
+                  </a:rPr>
+                  <a:t> </a:t>
+                </a:r>
+              </a:p>
+            </p:txBody>
+          </p:sp>
+        </mc:Fallback>
+      </mc:AlternateContent>
+      <mc:AlternateContent xmlns:mc="http://schemas.openxmlformats.org/markup-compatibility/2006">
+        <mc:Choice xmlns:a14="http://schemas.microsoft.com/office/drawing/2010/main" Requires="a14">
+          <p:sp>
+            <p:nvSpPr>
+              <p:cNvPr id="12" name="テキスト ボックス 11">
+                <a:extLst>
+                  <a:ext uri="{FF2B5EF4-FFF2-40B4-BE49-F238E27FC236}">
+                    <a16:creationId xmlns:a16="http://schemas.microsoft.com/office/drawing/2014/main" id="{9116FC03-980C-4A33-87C7-1F78F58A0DC5}"/>
+                  </a:ext>
+                </a:extLst>
+              </p:cNvPr>
+              <p:cNvSpPr txBox="1"/>
+              <p:nvPr/>
+            </p:nvSpPr>
+            <p:spPr>
+              <a:xfrm>
+                <a:off x="3200401" y="2162522"/>
+                <a:ext cx="4933950" cy="1833579"/>
+              </a:xfrm>
+              <a:prstGeom prst="rect">
+                <a:avLst/>
+              </a:prstGeom>
+              <a:noFill/>
+            </p:spPr>
+            <p:txBody>
+              <a:bodyPr wrap="square" rtlCol="0">
+                <a:spAutoFit/>
+              </a:bodyPr>
+              <a:lstStyle/>
+              <a:p>
+                <a:pPr marL="0" indent="0">
+                  <a:buNone/>
+                </a:pPr>
+                <a14:m>
+                  <m:oMathPara xmlns:m="http://schemas.openxmlformats.org/officeDocument/2006/math">
+                    <m:oMathParaPr>
+                      <m:jc m:val="centerGroup"/>
+                    </m:oMathParaPr>
+                    <m:oMath xmlns:m="http://schemas.openxmlformats.org/officeDocument/2006/math">
+                      <m:sSub>
+                        <m:sSubPr>
+                          <m:ctrlPr>
+                            <a:rPr kumimoji="1" lang="en-US" altLang="ja-JP" sz="2000" i="1" smtClean="0">
+                              <a:latin typeface="Cambria Math" panose="02040503050406030204" pitchFamily="18" charset="0"/>
+                            </a:rPr>
+                          </m:ctrlPr>
+                        </m:sSubPr>
+                        <m:e>
+                          <m:r>
+                            <a:rPr kumimoji="1" lang="en-US" altLang="ja-JP" sz="2000" b="1" i="1" smtClean="0">
+                              <a:latin typeface="Cambria Math" panose="02040503050406030204" pitchFamily="18" charset="0"/>
+                            </a:rPr>
+                            <m:t>𝒗</m:t>
+                          </m:r>
+                        </m:e>
+                        <m:sub>
+                          <m:r>
+                            <a:rPr kumimoji="1" lang="en-US" altLang="ja-JP" sz="2000" b="0" i="1" smtClean="0">
+                              <a:latin typeface="Cambria Math" panose="02040503050406030204" pitchFamily="18" charset="0"/>
+                            </a:rPr>
+                            <m:t>𝑛</m:t>
+                          </m:r>
+                          <m:r>
+                            <a:rPr kumimoji="1" lang="en-US" altLang="ja-JP" sz="2000" b="0" i="1" smtClean="0">
+                              <a:latin typeface="Cambria Math" panose="02040503050406030204" pitchFamily="18" charset="0"/>
+                            </a:rPr>
+                            <m:t>+1</m:t>
+                          </m:r>
+                        </m:sub>
+                      </m:sSub>
+                      <m:r>
+                        <a:rPr kumimoji="1" lang="en-US" altLang="ja-JP" sz="2000" b="0" i="0" smtClean="0">
+                          <a:latin typeface="Cambria Math" panose="02040503050406030204" pitchFamily="18" charset="0"/>
+                        </a:rPr>
+                        <m:t>=</m:t>
+                      </m:r>
+                      <m:sSub>
+                        <m:sSubPr>
+                          <m:ctrlPr>
+                            <a:rPr kumimoji="1" lang="en-US" altLang="ja-JP" sz="2000" b="0" i="1" smtClean="0">
+                              <a:latin typeface="Cambria Math" panose="02040503050406030204" pitchFamily="18" charset="0"/>
+                            </a:rPr>
+                          </m:ctrlPr>
+                        </m:sSubPr>
+                        <m:e>
+                          <m:r>
+                            <a:rPr kumimoji="1" lang="en-US" altLang="ja-JP" sz="2000" b="1" i="1" smtClean="0">
+                              <a:latin typeface="Cambria Math" panose="02040503050406030204" pitchFamily="18" charset="0"/>
+                            </a:rPr>
+                            <m:t>𝒗</m:t>
+                          </m:r>
+                        </m:e>
+                        <m:sub>
+                          <m:r>
+                            <a:rPr kumimoji="1" lang="en-US" altLang="ja-JP" sz="2000" b="0" i="1" smtClean="0">
+                              <a:latin typeface="Cambria Math" panose="02040503050406030204" pitchFamily="18" charset="0"/>
+                            </a:rPr>
+                            <m:t>𝑛</m:t>
+                          </m:r>
+                        </m:sub>
+                      </m:sSub>
+                      <m:r>
+                        <a:rPr kumimoji="1" lang="en-US" altLang="ja-JP" sz="2000" b="0" i="1" smtClean="0">
+                          <a:latin typeface="Cambria Math" panose="02040503050406030204" pitchFamily="18" charset="0"/>
+                        </a:rPr>
+                        <m:t>+</m:t>
+                      </m:r>
+                      <m:f>
+                        <m:fPr>
+                          <m:ctrlPr>
+                            <a:rPr kumimoji="1" lang="en-US" altLang="ja-JP" sz="2000" b="0" i="1" smtClean="0">
+                              <a:latin typeface="Cambria Math" panose="02040503050406030204" pitchFamily="18" charset="0"/>
+                            </a:rPr>
+                          </m:ctrlPr>
+                        </m:fPr>
+                        <m:num>
+                          <m:r>
+                            <a:rPr kumimoji="1" lang="en-US" altLang="ja-JP" sz="2000" b="0" i="1" smtClean="0">
+                              <a:latin typeface="Cambria Math" panose="02040503050406030204" pitchFamily="18" charset="0"/>
+                            </a:rPr>
+                            <m:t>1</m:t>
+                          </m:r>
+                        </m:num>
+                        <m:den>
+                          <m:r>
+                            <a:rPr kumimoji="1" lang="en-US" altLang="ja-JP" sz="2000" b="0" i="1" smtClean="0">
+                              <a:latin typeface="Cambria Math" panose="02040503050406030204" pitchFamily="18" charset="0"/>
+                            </a:rPr>
+                            <m:t>6</m:t>
+                          </m:r>
+                        </m:den>
+                      </m:f>
+                      <m:d>
+                        <m:dPr>
+                          <m:ctrlPr>
+                            <a:rPr kumimoji="1" lang="en-US" altLang="ja-JP" sz="2000" b="0" i="1" smtClean="0">
+                              <a:latin typeface="Cambria Math" panose="02040503050406030204" pitchFamily="18" charset="0"/>
+                            </a:rPr>
+                          </m:ctrlPr>
+                        </m:dPr>
+                        <m:e>
+                          <m:sSub>
+                            <m:sSubPr>
+                              <m:ctrlPr>
+                                <a:rPr kumimoji="1" lang="en-US" altLang="ja-JP" sz="2000" b="0" i="1" smtClean="0">
+                                  <a:latin typeface="Cambria Math" panose="02040503050406030204" pitchFamily="18" charset="0"/>
+                                </a:rPr>
+                              </m:ctrlPr>
+                            </m:sSubPr>
+                            <m:e>
+                              <m:r>
+                                <a:rPr kumimoji="1" lang="en-US" altLang="ja-JP" sz="2000" b="0" i="1" smtClean="0">
+                                  <a:latin typeface="Cambria Math" panose="02040503050406030204" pitchFamily="18" charset="0"/>
+                                </a:rPr>
+                                <m:t>𝑘</m:t>
+                              </m:r>
+                            </m:e>
+                            <m:sub>
+                              <m:r>
+                                <a:rPr kumimoji="1" lang="en-US" altLang="ja-JP" sz="2000" b="0" i="1" smtClean="0">
+                                  <a:latin typeface="Cambria Math" panose="02040503050406030204" pitchFamily="18" charset="0"/>
+                                </a:rPr>
+                                <m:t>𝑣</m:t>
+                              </m:r>
+                              <m:r>
+                                <a:rPr kumimoji="1" lang="en-US" altLang="ja-JP" sz="2000" b="0" i="1" smtClean="0">
+                                  <a:latin typeface="Cambria Math" panose="02040503050406030204" pitchFamily="18" charset="0"/>
+                                </a:rPr>
+                                <m:t>1</m:t>
+                              </m:r>
+                            </m:sub>
+                          </m:sSub>
+                          <m:r>
+                            <a:rPr kumimoji="1" lang="en-US" altLang="ja-JP" sz="2000" b="0" i="1" smtClean="0">
+                              <a:latin typeface="Cambria Math" panose="02040503050406030204" pitchFamily="18" charset="0"/>
+                            </a:rPr>
+                            <m:t>+2</m:t>
+                          </m:r>
+                          <m:sSub>
+                            <m:sSubPr>
+                              <m:ctrlPr>
+                                <a:rPr kumimoji="1" lang="en-US" altLang="ja-JP" sz="2000" b="0" i="1" smtClean="0">
+                                  <a:latin typeface="Cambria Math" panose="02040503050406030204" pitchFamily="18" charset="0"/>
+                                </a:rPr>
+                              </m:ctrlPr>
+                            </m:sSubPr>
+                            <m:e>
+                              <m:r>
+                                <a:rPr kumimoji="1" lang="en-US" altLang="ja-JP" sz="2000" b="0" i="1" smtClean="0">
+                                  <a:latin typeface="Cambria Math" panose="02040503050406030204" pitchFamily="18" charset="0"/>
+                                </a:rPr>
+                                <m:t>𝑘</m:t>
+                              </m:r>
+                            </m:e>
+                            <m:sub>
+                              <m:r>
+                                <a:rPr kumimoji="1" lang="en-US" altLang="ja-JP" sz="2000" b="0" i="1" smtClean="0">
+                                  <a:latin typeface="Cambria Math" panose="02040503050406030204" pitchFamily="18" charset="0"/>
+                                </a:rPr>
+                                <m:t>𝑣</m:t>
+                              </m:r>
+                              <m:r>
+                                <a:rPr kumimoji="1" lang="en-US" altLang="ja-JP" sz="2000" b="0" i="1" smtClean="0">
+                                  <a:latin typeface="Cambria Math" panose="02040503050406030204" pitchFamily="18" charset="0"/>
+                                </a:rPr>
+                                <m:t>2</m:t>
+                              </m:r>
+                            </m:sub>
+                          </m:sSub>
+                          <m:r>
+                            <a:rPr kumimoji="1" lang="en-US" altLang="ja-JP" sz="2000" b="0" i="1" smtClean="0">
+                              <a:latin typeface="Cambria Math" panose="02040503050406030204" pitchFamily="18" charset="0"/>
+                            </a:rPr>
+                            <m:t>+2</m:t>
+                          </m:r>
+                          <m:sSub>
+                            <m:sSubPr>
+                              <m:ctrlPr>
+                                <a:rPr kumimoji="1" lang="en-US" altLang="ja-JP" sz="2000" b="0" i="1" smtClean="0">
+                                  <a:latin typeface="Cambria Math" panose="02040503050406030204" pitchFamily="18" charset="0"/>
+                                </a:rPr>
+                              </m:ctrlPr>
+                            </m:sSubPr>
+                            <m:e>
+                              <m:r>
+                                <a:rPr kumimoji="1" lang="en-US" altLang="ja-JP" sz="2000" b="0" i="1" smtClean="0">
+                                  <a:latin typeface="Cambria Math" panose="02040503050406030204" pitchFamily="18" charset="0"/>
+                                </a:rPr>
+                                <m:t>𝑘</m:t>
+                              </m:r>
+                            </m:e>
+                            <m:sub>
+                              <m:r>
+                                <a:rPr kumimoji="1" lang="en-US" altLang="ja-JP" sz="2000" b="0" i="1" smtClean="0">
+                                  <a:latin typeface="Cambria Math" panose="02040503050406030204" pitchFamily="18" charset="0"/>
+                                </a:rPr>
+                                <m:t>𝑣</m:t>
+                              </m:r>
+                              <m:r>
+                                <a:rPr kumimoji="1" lang="en-US" altLang="ja-JP" sz="2000" b="0" i="1" smtClean="0">
+                                  <a:latin typeface="Cambria Math" panose="02040503050406030204" pitchFamily="18" charset="0"/>
+                                </a:rPr>
+                                <m:t>3</m:t>
+                              </m:r>
+                            </m:sub>
+                          </m:sSub>
+                          <m:r>
+                            <a:rPr kumimoji="1" lang="en-US" altLang="ja-JP" sz="2000" b="0" i="1" smtClean="0">
+                              <a:latin typeface="Cambria Math" panose="02040503050406030204" pitchFamily="18" charset="0"/>
+                            </a:rPr>
+                            <m:t>+</m:t>
+                          </m:r>
+                          <m:sSub>
+                            <m:sSubPr>
+                              <m:ctrlPr>
+                                <a:rPr kumimoji="1" lang="en-US" altLang="ja-JP" sz="2000" b="0" i="1" smtClean="0">
+                                  <a:latin typeface="Cambria Math" panose="02040503050406030204" pitchFamily="18" charset="0"/>
+                                </a:rPr>
+                              </m:ctrlPr>
+                            </m:sSubPr>
+                            <m:e>
+                              <m:r>
+                                <a:rPr kumimoji="1" lang="en-US" altLang="ja-JP" sz="2000" b="0" i="1" smtClean="0">
+                                  <a:latin typeface="Cambria Math" panose="02040503050406030204" pitchFamily="18" charset="0"/>
+                                </a:rPr>
+                                <m:t>𝑘</m:t>
+                              </m:r>
+                            </m:e>
+                            <m:sub>
+                              <m:r>
+                                <a:rPr kumimoji="1" lang="en-US" altLang="ja-JP" sz="2000" b="0" i="1" smtClean="0">
+                                  <a:latin typeface="Cambria Math" panose="02040503050406030204" pitchFamily="18" charset="0"/>
+                                </a:rPr>
+                                <m:t>𝑣</m:t>
+                              </m:r>
+                              <m:r>
+                                <a:rPr kumimoji="1" lang="en-US" altLang="ja-JP" sz="2000" b="0" i="1" smtClean="0">
+                                  <a:latin typeface="Cambria Math" panose="02040503050406030204" pitchFamily="18" charset="0"/>
+                                </a:rPr>
+                                <m:t>4</m:t>
+                              </m:r>
+                            </m:sub>
+                          </m:sSub>
+                        </m:e>
+                      </m:d>
+                      <m:r>
+                        <a:rPr kumimoji="1" lang="en-US" altLang="ja-JP" sz="2000" b="0" i="1" smtClean="0">
+                          <a:latin typeface="Cambria Math" panose="02040503050406030204" pitchFamily="18" charset="0"/>
+                          <a:ea typeface="Cambria Math" panose="02040503050406030204" pitchFamily="18" charset="0"/>
+                        </a:rPr>
+                        <m:t>∆</m:t>
+                      </m:r>
+                      <m:r>
+                        <a:rPr kumimoji="1" lang="en-US" altLang="ja-JP" sz="2000" b="0" i="1" smtClean="0">
+                          <a:latin typeface="Cambria Math" panose="02040503050406030204" pitchFamily="18" charset="0"/>
+                          <a:ea typeface="Cambria Math" panose="02040503050406030204" pitchFamily="18" charset="0"/>
+                        </a:rPr>
+                        <m:t>𝑡</m:t>
+                      </m:r>
+                    </m:oMath>
+                  </m:oMathPara>
+                </a14:m>
+                <a:endParaRPr kumimoji="1" lang="en-US" altLang="ja-JP" sz="2000" dirty="0"/>
+              </a:p>
+              <a:p>
+                <a:pPr marL="0" indent="0">
+                  <a:buNone/>
+                </a:pPr>
+                <a:endParaRPr lang="en-US" altLang="ja-JP" sz="2000" dirty="0"/>
+              </a:p>
+              <a:p>
+                <a:pPr marL="0" indent="0">
+                  <a:buNone/>
+                </a:pPr>
+                <a14:m>
+                  <m:oMathPara xmlns:m="http://schemas.openxmlformats.org/officeDocument/2006/math">
+                    <m:oMathParaPr>
+                      <m:jc m:val="centerGroup"/>
+                    </m:oMathParaPr>
+                    <m:oMath xmlns:m="http://schemas.openxmlformats.org/officeDocument/2006/math">
+                      <m:sSub>
+                        <m:sSubPr>
+                          <m:ctrlPr>
+                            <a:rPr kumimoji="1" lang="en-US" altLang="ja-JP" sz="2000" i="1" smtClean="0">
+                              <a:latin typeface="Cambria Math" panose="02040503050406030204" pitchFamily="18" charset="0"/>
+                            </a:rPr>
+                          </m:ctrlPr>
+                        </m:sSubPr>
+                        <m:e>
+                          <m:r>
+                            <a:rPr kumimoji="1" lang="en-US" altLang="ja-JP" sz="2000" b="1" i="1" smtClean="0">
+                              <a:latin typeface="Cambria Math" panose="02040503050406030204" pitchFamily="18" charset="0"/>
+                            </a:rPr>
+                            <m:t>𝒓</m:t>
+                          </m:r>
+                        </m:e>
+                        <m:sub>
+                          <m:r>
+                            <a:rPr kumimoji="1" lang="en-US" altLang="ja-JP" sz="2000" b="0" i="1" smtClean="0">
+                              <a:latin typeface="Cambria Math" panose="02040503050406030204" pitchFamily="18" charset="0"/>
+                            </a:rPr>
+                            <m:t>𝑛</m:t>
+                          </m:r>
+                          <m:r>
+                            <a:rPr kumimoji="1" lang="en-US" altLang="ja-JP" sz="2000" b="0" i="1" smtClean="0">
+                              <a:latin typeface="Cambria Math" panose="02040503050406030204" pitchFamily="18" charset="0"/>
+                            </a:rPr>
+                            <m:t>+1</m:t>
+                          </m:r>
+                        </m:sub>
+                      </m:sSub>
+                      <m:r>
+                        <a:rPr kumimoji="1" lang="en-US" altLang="ja-JP" sz="2000" b="0" i="0" smtClean="0">
+                          <a:latin typeface="Cambria Math" panose="02040503050406030204" pitchFamily="18" charset="0"/>
+                        </a:rPr>
+                        <m:t>=</m:t>
+                      </m:r>
+                      <m:sSub>
+                        <m:sSubPr>
+                          <m:ctrlPr>
+                            <a:rPr kumimoji="1" lang="en-US" altLang="ja-JP" sz="2000" b="0" i="1" smtClean="0">
+                              <a:latin typeface="Cambria Math" panose="02040503050406030204" pitchFamily="18" charset="0"/>
+                            </a:rPr>
+                          </m:ctrlPr>
+                        </m:sSubPr>
+                        <m:e>
+                          <m:r>
+                            <a:rPr kumimoji="1" lang="en-US" altLang="ja-JP" sz="2000" b="1" i="1" smtClean="0">
+                              <a:latin typeface="Cambria Math" panose="02040503050406030204" pitchFamily="18" charset="0"/>
+                            </a:rPr>
+                            <m:t>𝒓</m:t>
+                          </m:r>
+                        </m:e>
+                        <m:sub>
+                          <m:r>
+                            <a:rPr kumimoji="1" lang="en-US" altLang="ja-JP" sz="2000" b="0" i="1" smtClean="0">
+                              <a:latin typeface="Cambria Math" panose="02040503050406030204" pitchFamily="18" charset="0"/>
+                            </a:rPr>
+                            <m:t>𝑛</m:t>
+                          </m:r>
+                        </m:sub>
+                      </m:sSub>
+                      <m:r>
+                        <a:rPr kumimoji="1" lang="en-US" altLang="ja-JP" sz="2000" b="0" i="1" smtClean="0">
+                          <a:latin typeface="Cambria Math" panose="02040503050406030204" pitchFamily="18" charset="0"/>
+                        </a:rPr>
+                        <m:t>+</m:t>
+                      </m:r>
+                      <m:f>
+                        <m:fPr>
+                          <m:ctrlPr>
+                            <a:rPr kumimoji="1" lang="en-US" altLang="ja-JP" sz="2000" b="0" i="1" smtClean="0">
+                              <a:latin typeface="Cambria Math" panose="02040503050406030204" pitchFamily="18" charset="0"/>
+                            </a:rPr>
+                          </m:ctrlPr>
+                        </m:fPr>
+                        <m:num>
+                          <m:r>
+                            <a:rPr kumimoji="1" lang="en-US" altLang="ja-JP" sz="2000" b="0" i="1" smtClean="0">
+                              <a:latin typeface="Cambria Math" panose="02040503050406030204" pitchFamily="18" charset="0"/>
+                            </a:rPr>
+                            <m:t>1</m:t>
+                          </m:r>
+                        </m:num>
+                        <m:den>
+                          <m:r>
+                            <a:rPr kumimoji="1" lang="en-US" altLang="ja-JP" sz="2000" b="0" i="1" smtClean="0">
+                              <a:latin typeface="Cambria Math" panose="02040503050406030204" pitchFamily="18" charset="0"/>
+                            </a:rPr>
+                            <m:t>6</m:t>
+                          </m:r>
+                        </m:den>
+                      </m:f>
+                      <m:d>
+                        <m:dPr>
+                          <m:ctrlPr>
+                            <a:rPr kumimoji="1" lang="en-US" altLang="ja-JP" sz="2000" b="0" i="1" smtClean="0">
+                              <a:latin typeface="Cambria Math" panose="02040503050406030204" pitchFamily="18" charset="0"/>
+                            </a:rPr>
+                          </m:ctrlPr>
+                        </m:dPr>
+                        <m:e>
+                          <m:sSub>
+                            <m:sSubPr>
+                              <m:ctrlPr>
+                                <a:rPr kumimoji="1" lang="en-US" altLang="ja-JP" sz="2000" b="0" i="1" smtClean="0">
+                                  <a:latin typeface="Cambria Math" panose="02040503050406030204" pitchFamily="18" charset="0"/>
+                                </a:rPr>
+                              </m:ctrlPr>
+                            </m:sSubPr>
+                            <m:e>
+                              <m:r>
+                                <a:rPr kumimoji="1" lang="en-US" altLang="ja-JP" sz="2000" b="0" i="1" smtClean="0">
+                                  <a:latin typeface="Cambria Math" panose="02040503050406030204" pitchFamily="18" charset="0"/>
+                                </a:rPr>
+                                <m:t>𝑘</m:t>
+                              </m:r>
+                            </m:e>
+                            <m:sub>
+                              <m:r>
+                                <a:rPr kumimoji="1" lang="en-US" altLang="ja-JP" sz="2000" b="0" i="1" smtClean="0">
+                                  <a:latin typeface="Cambria Math" panose="02040503050406030204" pitchFamily="18" charset="0"/>
+                                </a:rPr>
+                                <m:t>𝑟</m:t>
+                              </m:r>
+                              <m:r>
+                                <a:rPr kumimoji="1" lang="en-US" altLang="ja-JP" sz="2000" b="0" i="1" smtClean="0">
+                                  <a:latin typeface="Cambria Math" panose="02040503050406030204" pitchFamily="18" charset="0"/>
+                                </a:rPr>
+                                <m:t>1</m:t>
+                              </m:r>
+                            </m:sub>
+                          </m:sSub>
+                          <m:r>
+                            <a:rPr kumimoji="1" lang="en-US" altLang="ja-JP" sz="2000" b="0" i="1" smtClean="0">
+                              <a:latin typeface="Cambria Math" panose="02040503050406030204" pitchFamily="18" charset="0"/>
+                            </a:rPr>
+                            <m:t>+2</m:t>
+                          </m:r>
+                          <m:sSub>
+                            <m:sSubPr>
+                              <m:ctrlPr>
+                                <a:rPr kumimoji="1" lang="en-US" altLang="ja-JP" sz="2000" b="0" i="1" smtClean="0">
+                                  <a:latin typeface="Cambria Math" panose="02040503050406030204" pitchFamily="18" charset="0"/>
+                                </a:rPr>
+                              </m:ctrlPr>
+                            </m:sSubPr>
+                            <m:e>
+                              <m:r>
+                                <a:rPr kumimoji="1" lang="en-US" altLang="ja-JP" sz="2000" b="0" i="1" smtClean="0">
+                                  <a:latin typeface="Cambria Math" panose="02040503050406030204" pitchFamily="18" charset="0"/>
+                                </a:rPr>
+                                <m:t>𝑘</m:t>
+                              </m:r>
+                            </m:e>
+                            <m:sub>
+                              <m:r>
+                                <a:rPr kumimoji="1" lang="en-US" altLang="ja-JP" sz="2000" b="0" i="1" smtClean="0">
+                                  <a:latin typeface="Cambria Math" panose="02040503050406030204" pitchFamily="18" charset="0"/>
+                                </a:rPr>
+                                <m:t>𝑟</m:t>
+                              </m:r>
+                              <m:r>
+                                <a:rPr kumimoji="1" lang="en-US" altLang="ja-JP" sz="2000" b="0" i="1" smtClean="0">
+                                  <a:latin typeface="Cambria Math" panose="02040503050406030204" pitchFamily="18" charset="0"/>
+                                </a:rPr>
+                                <m:t>2</m:t>
+                              </m:r>
+                            </m:sub>
+                          </m:sSub>
+                          <m:r>
+                            <a:rPr kumimoji="1" lang="en-US" altLang="ja-JP" sz="2000" b="0" i="1" smtClean="0">
+                              <a:latin typeface="Cambria Math" panose="02040503050406030204" pitchFamily="18" charset="0"/>
+                            </a:rPr>
+                            <m:t>+2</m:t>
+                          </m:r>
+                          <m:sSub>
+                            <m:sSubPr>
+                              <m:ctrlPr>
+                                <a:rPr kumimoji="1" lang="en-US" altLang="ja-JP" sz="2000" b="0" i="1" smtClean="0">
+                                  <a:latin typeface="Cambria Math" panose="02040503050406030204" pitchFamily="18" charset="0"/>
+                                </a:rPr>
+                              </m:ctrlPr>
+                            </m:sSubPr>
+                            <m:e>
+                              <m:r>
+                                <a:rPr kumimoji="1" lang="en-US" altLang="ja-JP" sz="2000" b="0" i="1" smtClean="0">
+                                  <a:latin typeface="Cambria Math" panose="02040503050406030204" pitchFamily="18" charset="0"/>
+                                </a:rPr>
+                                <m:t>𝑘</m:t>
+                              </m:r>
+                            </m:e>
+                            <m:sub>
+                              <m:r>
+                                <a:rPr kumimoji="1" lang="en-US" altLang="ja-JP" sz="2000" b="0" i="1" smtClean="0">
+                                  <a:latin typeface="Cambria Math" panose="02040503050406030204" pitchFamily="18" charset="0"/>
+                                </a:rPr>
+                                <m:t>𝑟</m:t>
+                              </m:r>
+                              <m:r>
+                                <a:rPr kumimoji="1" lang="en-US" altLang="ja-JP" sz="2000" b="0" i="1" smtClean="0">
+                                  <a:latin typeface="Cambria Math" panose="02040503050406030204" pitchFamily="18" charset="0"/>
+                                </a:rPr>
+                                <m:t>3</m:t>
+                              </m:r>
+                            </m:sub>
+                          </m:sSub>
+                          <m:r>
+                            <a:rPr kumimoji="1" lang="en-US" altLang="ja-JP" sz="2000" b="0" i="1" smtClean="0">
+                              <a:latin typeface="Cambria Math" panose="02040503050406030204" pitchFamily="18" charset="0"/>
+                            </a:rPr>
+                            <m:t>+</m:t>
+                          </m:r>
+                          <m:sSub>
+                            <m:sSubPr>
+                              <m:ctrlPr>
+                                <a:rPr kumimoji="1" lang="en-US" altLang="ja-JP" sz="2000" b="0" i="1" smtClean="0">
+                                  <a:latin typeface="Cambria Math" panose="02040503050406030204" pitchFamily="18" charset="0"/>
+                                </a:rPr>
+                              </m:ctrlPr>
+                            </m:sSubPr>
+                            <m:e>
+                              <m:r>
+                                <a:rPr kumimoji="1" lang="en-US" altLang="ja-JP" sz="2000" b="0" i="1" smtClean="0">
+                                  <a:latin typeface="Cambria Math" panose="02040503050406030204" pitchFamily="18" charset="0"/>
+                                </a:rPr>
+                                <m:t>𝑘</m:t>
+                              </m:r>
+                            </m:e>
+                            <m:sub>
+                              <m:r>
+                                <a:rPr kumimoji="1" lang="en-US" altLang="ja-JP" sz="2000" b="0" i="1" smtClean="0">
+                                  <a:latin typeface="Cambria Math" panose="02040503050406030204" pitchFamily="18" charset="0"/>
+                                </a:rPr>
+                                <m:t>𝑟</m:t>
+                              </m:r>
+                              <m:r>
+                                <a:rPr kumimoji="1" lang="en-US" altLang="ja-JP" sz="2000" b="0" i="1" smtClean="0">
+                                  <a:latin typeface="Cambria Math" panose="02040503050406030204" pitchFamily="18" charset="0"/>
+                                </a:rPr>
+                                <m:t>4</m:t>
+                              </m:r>
+                            </m:sub>
+                          </m:sSub>
+                        </m:e>
+                      </m:d>
+                      <m:r>
+                        <a:rPr kumimoji="1" lang="en-US" altLang="ja-JP" sz="2000" b="0" i="1" smtClean="0">
+                          <a:latin typeface="Cambria Math" panose="02040503050406030204" pitchFamily="18" charset="0"/>
+                          <a:ea typeface="Cambria Math" panose="02040503050406030204" pitchFamily="18" charset="0"/>
+                        </a:rPr>
+                        <m:t>∆</m:t>
+                      </m:r>
+                      <m:r>
+                        <a:rPr kumimoji="1" lang="en-US" altLang="ja-JP" sz="2000" b="0" i="1" smtClean="0">
+                          <a:latin typeface="Cambria Math" panose="02040503050406030204" pitchFamily="18" charset="0"/>
+                          <a:ea typeface="Cambria Math" panose="02040503050406030204" pitchFamily="18" charset="0"/>
+                        </a:rPr>
+                        <m:t>𝑡</m:t>
+                      </m:r>
+                    </m:oMath>
+                  </m:oMathPara>
+                </a14:m>
+                <a:endParaRPr kumimoji="1" lang="en-US" altLang="ja-JP" sz="2000" dirty="0"/>
+              </a:p>
+              <a:p>
+                <a:endParaRPr kumimoji="1" lang="ja-JP" altLang="en-US" dirty="0"/>
+              </a:p>
+            </p:txBody>
+          </p:sp>
+        </mc:Choice>
+        <mc:Fallback>
+          <p:sp>
+            <p:nvSpPr>
+              <p:cNvPr id="12" name="テキスト ボックス 11">
+                <a:extLst>
+                  <a:ext uri="{FF2B5EF4-FFF2-40B4-BE49-F238E27FC236}">
+                    <a16:creationId xmlns:a16="http://schemas.microsoft.com/office/drawing/2014/main" id="{9116FC03-980C-4A33-87C7-1F78F58A0DC5}"/>
+                  </a:ext>
+                </a:extLst>
+              </p:cNvPr>
+              <p:cNvSpPr txBox="1">
+                <a:spLocks noRot="1" noChangeAspect="1" noMove="1" noResize="1" noEditPoints="1" noAdjustHandles="1" noChangeArrowheads="1" noChangeShapeType="1" noTextEdit="1"/>
+              </p:cNvSpPr>
+              <p:nvPr/>
+            </p:nvSpPr>
+            <p:spPr>
+              <a:xfrm>
+                <a:off x="3200401" y="2162522"/>
+                <a:ext cx="4933950" cy="1833579"/>
+              </a:xfrm>
+              <a:prstGeom prst="rect">
+                <a:avLst/>
+              </a:prstGeom>
+              <a:blipFill>
+                <a:blip r:embed="rId7"/>
+                <a:stretch>
+                  <a:fillRect/>
+                </a:stretch>
+              </a:blipFill>
+            </p:spPr>
+            <p:txBody>
+              <a:bodyPr/>
+              <a:lstStyle/>
+              <a:p>
+                <a:r>
+                  <a:rPr lang="ja-JP" altLang="en-US">
+                    <a:noFill/>
+                  </a:rPr>
+                  <a:t> </a:t>
+                </a:r>
+              </a:p>
+            </p:txBody>
+          </p:sp>
+        </mc:Fallback>
+      </mc:AlternateContent>
+    </p:spTree>
+    <p:extLst>
+      <p:ext uri="{BB962C8B-B14F-4D97-AF65-F5344CB8AC3E}">
+        <p14:creationId xmlns:p14="http://schemas.microsoft.com/office/powerpoint/2010/main" val="1239435982"/>
+      </p:ext>
+    </p:extLst>
+  </p:cSld>
+  <p:clrMapOvr>
+    <a:masterClrMapping/>
+  </p:clrMapOvr>
+</p:sld>
+</file>
+
+<file path=ppt/slides/slide11.xml><?xml version="1.0" encoding="utf-8"?>
+<p:sld xmlns:a="http://schemas.openxmlformats.org/drawingml/2006/main" xmlns:r="http://schemas.openxmlformats.org/officeDocument/2006/relationships" xmlns:p="http://schemas.openxmlformats.org/presentationml/2006/main">
+  <p:cSld>
+    <p:spTree>
+      <p:nvGrpSpPr>
+        <p:cNvPr id="1" name=""/>
+        <p:cNvGrpSpPr/>
+        <p:nvPr/>
+      </p:nvGrpSpPr>
+      <p:grpSpPr>
+        <a:xfrm>
+          <a:off x="0" y="0"/>
+          <a:ext cx="0" cy="0"/>
+          <a:chOff x="0" y="0"/>
+          <a:chExt cx="0" cy="0"/>
+        </a:xfrm>
+      </p:grpSpPr>
       <p:sp>
         <p:nvSpPr>
           <p:cNvPr id="2" name="タイトル 1">
@@ -5314,7 +8192,565 @@
 </p:sld>
 </file>
 
-<file path=ppt/slides/slide11.xml><?xml version="1.0" encoding="utf-8"?>
+<file path=ppt/slides/slide12.xml><?xml version="1.0" encoding="utf-8"?>
+<p:sld xmlns:a="http://schemas.openxmlformats.org/drawingml/2006/main" xmlns:r="http://schemas.openxmlformats.org/officeDocument/2006/relationships" xmlns:p="http://schemas.openxmlformats.org/presentationml/2006/main">
+  <p:cSld>
+    <p:spTree>
+      <p:nvGrpSpPr>
+        <p:cNvPr id="1" name=""/>
+        <p:cNvGrpSpPr/>
+        <p:nvPr/>
+      </p:nvGrpSpPr>
+      <p:grpSpPr>
+        <a:xfrm>
+          <a:off x="0" y="0"/>
+          <a:ext cx="0" cy="0"/>
+          <a:chOff x="0" y="0"/>
+          <a:chExt cx="0" cy="0"/>
+        </a:xfrm>
+      </p:grpSpPr>
+      <p:sp>
+        <p:nvSpPr>
+          <p:cNvPr id="2" name="タイトル 1">
+            <a:extLst>
+              <a:ext uri="{FF2B5EF4-FFF2-40B4-BE49-F238E27FC236}">
+                <a16:creationId xmlns:a16="http://schemas.microsoft.com/office/drawing/2014/main" id="{C32D7F0D-6BD4-423D-9985-FE57949AA538}"/>
+              </a:ext>
+            </a:extLst>
+          </p:cNvPr>
+          <p:cNvSpPr>
+            <a:spLocks noGrp="1"/>
+          </p:cNvSpPr>
+          <p:nvPr>
+            <p:ph type="title"/>
+          </p:nvPr>
+        </p:nvSpPr>
+        <p:spPr>
+          <a:xfrm>
+            <a:off x="0" y="0"/>
+            <a:ext cx="10515600" cy="1325563"/>
+          </a:xfrm>
+        </p:spPr>
+        <p:txBody>
+          <a:bodyPr/>
+          <a:lstStyle/>
+          <a:p>
+            <a:r>
+              <a:rPr kumimoji="1" lang="ja-JP" altLang="en-US" dirty="0"/>
+              <a:t>電場のテスト</a:t>
+            </a:r>
+          </a:p>
+        </p:txBody>
+      </p:sp>
+      <p:cxnSp>
+        <p:nvCxnSpPr>
+          <p:cNvPr id="5" name="直線矢印コネクタ 4">
+            <a:extLst>
+              <a:ext uri="{FF2B5EF4-FFF2-40B4-BE49-F238E27FC236}">
+                <a16:creationId xmlns:a16="http://schemas.microsoft.com/office/drawing/2014/main" id="{71CF1211-3516-41C3-A29B-37378579E889}"/>
+              </a:ext>
+            </a:extLst>
+          </p:cNvPr>
+          <p:cNvCxnSpPr/>
+          <p:nvPr/>
+        </p:nvCxnSpPr>
+        <p:spPr>
+          <a:xfrm>
+            <a:off x="990600" y="5505450"/>
+            <a:ext cx="4105275" cy="0"/>
+          </a:xfrm>
+          <a:prstGeom prst="straightConnector1">
+            <a:avLst/>
+          </a:prstGeom>
+          <a:ln w="38100">
+            <a:solidFill>
+              <a:schemeClr val="tx1"/>
+            </a:solidFill>
+            <a:tailEnd type="triangle"/>
+          </a:ln>
+        </p:spPr>
+        <p:style>
+          <a:lnRef idx="1">
+            <a:schemeClr val="accent1"/>
+          </a:lnRef>
+          <a:fillRef idx="0">
+            <a:schemeClr val="accent1"/>
+          </a:fillRef>
+          <a:effectRef idx="0">
+            <a:schemeClr val="accent1"/>
+          </a:effectRef>
+          <a:fontRef idx="minor">
+            <a:schemeClr val="tx1"/>
+          </a:fontRef>
+        </p:style>
+      </p:cxnSp>
+      <p:cxnSp>
+        <p:nvCxnSpPr>
+          <p:cNvPr id="13" name="直線コネクタ 12">
+            <a:extLst>
+              <a:ext uri="{FF2B5EF4-FFF2-40B4-BE49-F238E27FC236}">
+                <a16:creationId xmlns:a16="http://schemas.microsoft.com/office/drawing/2014/main" id="{1E130B7A-C2F7-41CE-8F5B-B317BACC333D}"/>
+              </a:ext>
+            </a:extLst>
+          </p:cNvPr>
+          <p:cNvCxnSpPr>
+            <a:cxnSpLocks/>
+          </p:cNvCxnSpPr>
+          <p:nvPr/>
+        </p:nvCxnSpPr>
+        <p:spPr>
+          <a:xfrm>
+            <a:off x="981075" y="5376862"/>
+            <a:ext cx="0" cy="257175"/>
+          </a:xfrm>
+          <a:prstGeom prst="line">
+            <a:avLst/>
+          </a:prstGeom>
+          <a:ln w="38100">
+            <a:solidFill>
+              <a:schemeClr val="tx1"/>
+            </a:solidFill>
+          </a:ln>
+        </p:spPr>
+        <p:style>
+          <a:lnRef idx="1">
+            <a:schemeClr val="accent1"/>
+          </a:lnRef>
+          <a:fillRef idx="0">
+            <a:schemeClr val="accent1"/>
+          </a:fillRef>
+          <a:effectRef idx="0">
+            <a:schemeClr val="accent1"/>
+          </a:effectRef>
+          <a:fontRef idx="minor">
+            <a:schemeClr val="tx1"/>
+          </a:fontRef>
+        </p:style>
+      </p:cxnSp>
+      <p:cxnSp>
+        <p:nvCxnSpPr>
+          <p:cNvPr id="15" name="直線コネクタ 14">
+            <a:extLst>
+              <a:ext uri="{FF2B5EF4-FFF2-40B4-BE49-F238E27FC236}">
+                <a16:creationId xmlns:a16="http://schemas.microsoft.com/office/drawing/2014/main" id="{383D4104-5A62-46CA-9AC6-0124EA86ABFD}"/>
+              </a:ext>
+            </a:extLst>
+          </p:cNvPr>
+          <p:cNvCxnSpPr>
+            <a:cxnSpLocks/>
+          </p:cNvCxnSpPr>
+          <p:nvPr/>
+        </p:nvCxnSpPr>
+        <p:spPr>
+          <a:xfrm>
+            <a:off x="4171950" y="5376862"/>
+            <a:ext cx="0" cy="257175"/>
+          </a:xfrm>
+          <a:prstGeom prst="line">
+            <a:avLst/>
+          </a:prstGeom>
+          <a:ln w="38100">
+            <a:solidFill>
+              <a:schemeClr val="tx1"/>
+            </a:solidFill>
+          </a:ln>
+        </p:spPr>
+        <p:style>
+          <a:lnRef idx="1">
+            <a:schemeClr val="accent1"/>
+          </a:lnRef>
+          <a:fillRef idx="0">
+            <a:schemeClr val="accent1"/>
+          </a:fillRef>
+          <a:effectRef idx="0">
+            <a:schemeClr val="accent1"/>
+          </a:effectRef>
+          <a:fontRef idx="minor">
+            <a:schemeClr val="tx1"/>
+          </a:fontRef>
+        </p:style>
+      </p:cxnSp>
+      <p:sp>
+        <p:nvSpPr>
+          <p:cNvPr id="16" name="楕円 15">
+            <a:extLst>
+              <a:ext uri="{FF2B5EF4-FFF2-40B4-BE49-F238E27FC236}">
+                <a16:creationId xmlns:a16="http://schemas.microsoft.com/office/drawing/2014/main" id="{746C1C0F-0E0B-4E49-A341-5003BF24161C}"/>
+              </a:ext>
+            </a:extLst>
+          </p:cNvPr>
+          <p:cNvSpPr/>
+          <p:nvPr/>
+        </p:nvSpPr>
+        <p:spPr>
+          <a:xfrm>
+            <a:off x="814400" y="4693445"/>
+            <a:ext cx="352400" cy="390521"/>
+          </a:xfrm>
+          <a:prstGeom prst="ellipse">
+            <a:avLst/>
+          </a:prstGeom>
+        </p:spPr>
+        <p:style>
+          <a:lnRef idx="2">
+            <a:schemeClr val="accent1">
+              <a:shade val="50000"/>
+            </a:schemeClr>
+          </a:lnRef>
+          <a:fillRef idx="1">
+            <a:schemeClr val="accent1"/>
+          </a:fillRef>
+          <a:effectRef idx="0">
+            <a:schemeClr val="accent1"/>
+          </a:effectRef>
+          <a:fontRef idx="minor">
+            <a:schemeClr val="lt1"/>
+          </a:fontRef>
+        </p:style>
+        <p:txBody>
+          <a:bodyPr rtlCol="0" anchor="ctr"/>
+          <a:lstStyle/>
+          <a:p>
+            <a:pPr algn="ctr"/>
+            <a:endParaRPr kumimoji="1" lang="ja-JP" altLang="en-US"/>
+          </a:p>
+        </p:txBody>
+      </p:sp>
+      <p:sp>
+        <p:nvSpPr>
+          <p:cNvPr id="17" name="テキスト ボックス 16">
+            <a:extLst>
+              <a:ext uri="{FF2B5EF4-FFF2-40B4-BE49-F238E27FC236}">
+                <a16:creationId xmlns:a16="http://schemas.microsoft.com/office/drawing/2014/main" id="{38B12CE2-08BC-4760-94EE-E0E5CA0DAC15}"/>
+              </a:ext>
+            </a:extLst>
+          </p:cNvPr>
+          <p:cNvSpPr txBox="1"/>
+          <p:nvPr/>
+        </p:nvSpPr>
+        <p:spPr>
+          <a:xfrm>
+            <a:off x="814400" y="5807871"/>
+            <a:ext cx="647700" cy="369332"/>
+          </a:xfrm>
+          <a:prstGeom prst="rect">
+            <a:avLst/>
+          </a:prstGeom>
+          <a:noFill/>
+        </p:spPr>
+        <p:txBody>
+          <a:bodyPr wrap="square" rtlCol="0">
+            <a:spAutoFit/>
+          </a:bodyPr>
+          <a:lstStyle/>
+          <a:p>
+            <a:r>
+              <a:rPr kumimoji="1" lang="en-US" altLang="ja-JP" dirty="0"/>
+              <a:t>0</a:t>
+            </a:r>
+            <a:endParaRPr kumimoji="1" lang="ja-JP" altLang="en-US" dirty="0"/>
+          </a:p>
+        </p:txBody>
+      </p:sp>
+      <p:sp>
+        <p:nvSpPr>
+          <p:cNvPr id="19" name="テキスト ボックス 18">
+            <a:extLst>
+              <a:ext uri="{FF2B5EF4-FFF2-40B4-BE49-F238E27FC236}">
+                <a16:creationId xmlns:a16="http://schemas.microsoft.com/office/drawing/2014/main" id="{A81352B9-5ED4-4A33-8C2F-AA2B64DEFF48}"/>
+              </a:ext>
+            </a:extLst>
+          </p:cNvPr>
+          <p:cNvSpPr txBox="1"/>
+          <p:nvPr/>
+        </p:nvSpPr>
+        <p:spPr>
+          <a:xfrm>
+            <a:off x="3933825" y="5762625"/>
+            <a:ext cx="647700" cy="369332"/>
+          </a:xfrm>
+          <a:prstGeom prst="rect">
+            <a:avLst/>
+          </a:prstGeom>
+          <a:noFill/>
+        </p:spPr>
+        <p:txBody>
+          <a:bodyPr wrap="square" rtlCol="0">
+            <a:spAutoFit/>
+          </a:bodyPr>
+          <a:lstStyle/>
+          <a:p>
+            <a:r>
+              <a:rPr kumimoji="1" lang="en-US" altLang="ja-JP" dirty="0"/>
+              <a:t>0.2</a:t>
+            </a:r>
+            <a:endParaRPr kumimoji="1" lang="ja-JP" altLang="en-US" dirty="0"/>
+          </a:p>
+        </p:txBody>
+      </p:sp>
+      <p:sp>
+        <p:nvSpPr>
+          <p:cNvPr id="21" name="テキスト ボックス 20">
+            <a:extLst>
+              <a:ext uri="{FF2B5EF4-FFF2-40B4-BE49-F238E27FC236}">
+                <a16:creationId xmlns:a16="http://schemas.microsoft.com/office/drawing/2014/main" id="{ECAB01B7-F67C-4ABA-B496-0632A562FFDD}"/>
+              </a:ext>
+            </a:extLst>
+          </p:cNvPr>
+          <p:cNvSpPr txBox="1"/>
+          <p:nvPr/>
+        </p:nvSpPr>
+        <p:spPr>
+          <a:xfrm>
+            <a:off x="5310200" y="5320783"/>
+            <a:ext cx="647700" cy="369332"/>
+          </a:xfrm>
+          <a:prstGeom prst="rect">
+            <a:avLst/>
+          </a:prstGeom>
+          <a:noFill/>
+        </p:spPr>
+        <p:txBody>
+          <a:bodyPr wrap="square" rtlCol="0">
+            <a:spAutoFit/>
+          </a:bodyPr>
+          <a:lstStyle/>
+          <a:p>
+            <a:r>
+              <a:rPr lang="en-US" altLang="ja-JP" dirty="0"/>
+              <a:t>x</a:t>
+            </a:r>
+            <a:endParaRPr kumimoji="1" lang="ja-JP" altLang="en-US" dirty="0"/>
+          </a:p>
+        </p:txBody>
+      </p:sp>
+      <p:sp>
+        <p:nvSpPr>
+          <p:cNvPr id="22" name="円弧 21">
+            <a:extLst>
+              <a:ext uri="{FF2B5EF4-FFF2-40B4-BE49-F238E27FC236}">
+                <a16:creationId xmlns:a16="http://schemas.microsoft.com/office/drawing/2014/main" id="{B90B1F1E-1069-49BF-A5C2-D8A4C43BB189}"/>
+              </a:ext>
+            </a:extLst>
+          </p:cNvPr>
+          <p:cNvSpPr/>
+          <p:nvPr/>
+        </p:nvSpPr>
+        <p:spPr>
+          <a:xfrm>
+            <a:off x="2981325" y="4204581"/>
+            <a:ext cx="1190625" cy="738658"/>
+          </a:xfrm>
+          <a:prstGeom prst="arc">
+            <a:avLst>
+              <a:gd name="adj1" fmla="val 16200000"/>
+              <a:gd name="adj2" fmla="val 21564549"/>
+            </a:avLst>
+          </a:prstGeom>
+        </p:spPr>
+        <p:style>
+          <a:lnRef idx="1">
+            <a:schemeClr val="accent1"/>
+          </a:lnRef>
+          <a:fillRef idx="0">
+            <a:schemeClr val="accent1"/>
+          </a:fillRef>
+          <a:effectRef idx="0">
+            <a:schemeClr val="accent1"/>
+          </a:effectRef>
+          <a:fontRef idx="minor">
+            <a:schemeClr val="tx1"/>
+          </a:fontRef>
+        </p:style>
+        <p:txBody>
+          <a:bodyPr rtlCol="0" anchor="ctr"/>
+          <a:lstStyle/>
+          <a:p>
+            <a:pPr algn="ctr"/>
+            <a:endParaRPr kumimoji="1" lang="ja-JP" altLang="en-US"/>
+          </a:p>
+        </p:txBody>
+      </p:sp>
+      <p:sp>
+        <p:nvSpPr>
+          <p:cNvPr id="24" name="円弧 23">
+            <a:extLst>
+              <a:ext uri="{FF2B5EF4-FFF2-40B4-BE49-F238E27FC236}">
+                <a16:creationId xmlns:a16="http://schemas.microsoft.com/office/drawing/2014/main" id="{A2C075C9-8E74-4296-9194-A20FB3A1D4D6}"/>
+              </a:ext>
+            </a:extLst>
+          </p:cNvPr>
+          <p:cNvSpPr/>
+          <p:nvPr/>
+        </p:nvSpPr>
+        <p:spPr>
+          <a:xfrm>
+            <a:off x="981075" y="4204581"/>
+            <a:ext cx="1190625" cy="738658"/>
+          </a:xfrm>
+          <a:prstGeom prst="arc">
+            <a:avLst>
+              <a:gd name="adj1" fmla="val 10921968"/>
+              <a:gd name="adj2" fmla="val 16339836"/>
+            </a:avLst>
+          </a:prstGeom>
+        </p:spPr>
+        <p:style>
+          <a:lnRef idx="1">
+            <a:schemeClr val="accent1"/>
+          </a:lnRef>
+          <a:fillRef idx="0">
+            <a:schemeClr val="accent1"/>
+          </a:fillRef>
+          <a:effectRef idx="0">
+            <a:schemeClr val="accent1"/>
+          </a:effectRef>
+          <a:fontRef idx="minor">
+            <a:schemeClr val="tx1"/>
+          </a:fontRef>
+        </p:style>
+        <p:txBody>
+          <a:bodyPr rtlCol="0" anchor="ctr"/>
+          <a:lstStyle/>
+          <a:p>
+            <a:pPr algn="ctr"/>
+            <a:endParaRPr kumimoji="1" lang="ja-JP" altLang="en-US"/>
+          </a:p>
+        </p:txBody>
+      </p:sp>
+      <p:sp>
+        <p:nvSpPr>
+          <p:cNvPr id="25" name="テキスト ボックス 24">
+            <a:extLst>
+              <a:ext uri="{FF2B5EF4-FFF2-40B4-BE49-F238E27FC236}">
+                <a16:creationId xmlns:a16="http://schemas.microsoft.com/office/drawing/2014/main" id="{FCAE1952-283E-451F-988B-B8D382CC06AD}"/>
+              </a:ext>
+            </a:extLst>
+          </p:cNvPr>
+          <p:cNvSpPr txBox="1"/>
+          <p:nvPr/>
+        </p:nvSpPr>
+        <p:spPr>
+          <a:xfrm>
+            <a:off x="2300275" y="4019915"/>
+            <a:ext cx="657225" cy="369332"/>
+          </a:xfrm>
+          <a:prstGeom prst="rect">
+            <a:avLst/>
+          </a:prstGeom>
+          <a:noFill/>
+        </p:spPr>
+        <p:txBody>
+          <a:bodyPr wrap="square" rtlCol="0">
+            <a:spAutoFit/>
+          </a:bodyPr>
+          <a:lstStyle/>
+          <a:p>
+            <a:r>
+              <a:rPr kumimoji="1" lang="en-US" altLang="ja-JP" dirty="0"/>
+              <a:t>Δt</a:t>
+            </a:r>
+            <a:endParaRPr kumimoji="1" lang="ja-JP" altLang="en-US" dirty="0"/>
+          </a:p>
+        </p:txBody>
+      </p:sp>
+      <p:sp>
+        <p:nvSpPr>
+          <p:cNvPr id="27" name="矢印: 右 26">
+            <a:extLst>
+              <a:ext uri="{FF2B5EF4-FFF2-40B4-BE49-F238E27FC236}">
+                <a16:creationId xmlns:a16="http://schemas.microsoft.com/office/drawing/2014/main" id="{6C1392C7-429C-4150-99BF-A00EFB0095C3}"/>
+              </a:ext>
+            </a:extLst>
+          </p:cNvPr>
+          <p:cNvSpPr/>
+          <p:nvPr/>
+        </p:nvSpPr>
+        <p:spPr>
+          <a:xfrm>
+            <a:off x="3295680" y="3402018"/>
+            <a:ext cx="876270" cy="132985"/>
+          </a:xfrm>
+          <a:prstGeom prst="rightArrow">
+            <a:avLst/>
+          </a:prstGeom>
+          <a:noFill/>
+        </p:spPr>
+        <p:style>
+          <a:lnRef idx="2">
+            <a:schemeClr val="accent1">
+              <a:shade val="50000"/>
+            </a:schemeClr>
+          </a:lnRef>
+          <a:fillRef idx="1">
+            <a:schemeClr val="accent1"/>
+          </a:fillRef>
+          <a:effectRef idx="0">
+            <a:schemeClr val="accent1"/>
+          </a:effectRef>
+          <a:fontRef idx="minor">
+            <a:schemeClr val="lt1"/>
+          </a:fontRef>
+        </p:style>
+        <p:txBody>
+          <a:bodyPr rtlCol="0" anchor="ctr"/>
+          <a:lstStyle/>
+          <a:p>
+            <a:pPr algn="ctr"/>
+            <a:endParaRPr kumimoji="1" lang="ja-JP" altLang="en-US"/>
+          </a:p>
+        </p:txBody>
+      </p:sp>
+      <p:sp>
+        <p:nvSpPr>
+          <p:cNvPr id="28" name="テキスト ボックス 27">
+            <a:extLst>
+              <a:ext uri="{FF2B5EF4-FFF2-40B4-BE49-F238E27FC236}">
+                <a16:creationId xmlns:a16="http://schemas.microsoft.com/office/drawing/2014/main" id="{7CC09148-3FC3-4DC3-8CF2-7EEE0AC61F59}"/>
+              </a:ext>
+            </a:extLst>
+          </p:cNvPr>
+          <p:cNvSpPr txBox="1"/>
+          <p:nvPr/>
+        </p:nvSpPr>
+        <p:spPr>
+          <a:xfrm>
+            <a:off x="4010025" y="3642370"/>
+            <a:ext cx="571495" cy="369332"/>
+          </a:xfrm>
+          <a:prstGeom prst="rect">
+            <a:avLst/>
+          </a:prstGeom>
+          <a:noFill/>
+        </p:spPr>
+        <p:txBody>
+          <a:bodyPr wrap="square" rtlCol="0">
+            <a:spAutoFit/>
+          </a:bodyPr>
+          <a:lstStyle/>
+          <a:p>
+            <a:r>
+              <a:rPr kumimoji="1" lang="en-US" altLang="ja-JP" dirty="0"/>
+              <a:t>E</a:t>
+            </a:r>
+            <a:endParaRPr kumimoji="1" lang="ja-JP" altLang="en-US" dirty="0"/>
+          </a:p>
+        </p:txBody>
+      </p:sp>
+    </p:spTree>
+    <p:extLst>
+      <p:ext uri="{BB962C8B-B14F-4D97-AF65-F5344CB8AC3E}">
+        <p14:creationId xmlns:p14="http://schemas.microsoft.com/office/powerpoint/2010/main" val="1545204962"/>
+      </p:ext>
+    </p:extLst>
+  </p:cSld>
+  <p:clrMapOvr>
+    <a:masterClrMapping/>
+  </p:clrMapOvr>
+</p:sld>
+</file>
+
+<file path=ppt/slides/slide13.xml><?xml version="1.0" encoding="utf-8"?>
 <p:sld xmlns:a="http://schemas.openxmlformats.org/drawingml/2006/main" xmlns:r="http://schemas.openxmlformats.org/officeDocument/2006/relationships" xmlns:p="http://schemas.openxmlformats.org/presentationml/2006/main">
   <p:cSld>
     <p:spTree>
@@ -5442,8 +8878,8 @@
           </a:fontRef>
         </p:style>
       </p:cxnSp>
-      <mc:AlternateContent xmlns:mc="http://schemas.openxmlformats.org/markup-compatibility/2006">
-        <mc:Choice xmlns:a14="http://schemas.microsoft.com/office/drawing/2010/main" Requires="a14">
+      <mc:AlternateContent xmlns:mc="http://schemas.openxmlformats.org/markup-compatibility/2006" xmlns:a14="http://schemas.microsoft.com/office/drawing/2010/main">
+        <mc:Choice Requires="a14">
           <p:sp>
             <p:nvSpPr>
               <p:cNvPr id="3" name="テキスト ボックス 2">
@@ -5513,7 +8949,7 @@
             </p:txBody>
           </p:sp>
         </mc:Choice>
-        <mc:Fallback>
+        <mc:Fallback xmlns="">
           <p:sp>
             <p:nvSpPr>
               <p:cNvPr id="3" name="テキスト ボックス 2">
@@ -5571,7 +9007,7 @@
 </p:sld>
 </file>
 
-<file path=ppt/slides/slide12.xml><?xml version="1.0" encoding="utf-8"?>
+<file path=ppt/slides/slide14.xml><?xml version="1.0" encoding="utf-8"?>
 <p:sld xmlns:a="http://schemas.openxmlformats.org/drawingml/2006/main" xmlns:r="http://schemas.openxmlformats.org/officeDocument/2006/relationships" xmlns:p="http://schemas.openxmlformats.org/presentationml/2006/main">
   <p:cSld>
     <p:spTree>
@@ -5705,7 +9141,7 @@
             <p:spPr>
               <a:xfrm>
                 <a:off x="7196160" y="3412394"/>
-                <a:ext cx="898323" cy="521489"/>
+                <a:ext cx="2052036" cy="702244"/>
               </a:xfrm>
               <a:prstGeom prst="rect">
                 <a:avLst/>
@@ -5718,6 +9154,7 @@
               </a:bodyPr>
               <a:lstStyle/>
               <a:p>
+                <a:pPr/>
                 <a14:m>
                   <m:oMathPara xmlns:m="http://schemas.openxmlformats.org/officeDocument/2006/math">
                     <m:oMathParaPr>
@@ -5734,7 +9171,19 @@
                         <a:rPr kumimoji="1" lang="en-US" altLang="ja-JP" b="0" i="1" smtClean="0">
                           <a:latin typeface="Cambria Math" panose="02040503050406030204" pitchFamily="18" charset="0"/>
                         </a:rPr>
-                        <m:t>= </m:t>
+                        <m:t>[</m:t>
+                      </m:r>
+                      <m:r>
+                        <a:rPr kumimoji="1" lang="en-US" altLang="ja-JP" b="0" i="1" smtClean="0">
+                          <a:latin typeface="Cambria Math" panose="02040503050406030204" pitchFamily="18" charset="0"/>
+                        </a:rPr>
+                        <m:t>𝑚</m:t>
+                      </m:r>
+                      <m:r>
+                        <a:rPr kumimoji="1" lang="en-US" altLang="ja-JP" b="0" i="1" smtClean="0">
+                          <a:latin typeface="Cambria Math" panose="02040503050406030204" pitchFamily="18" charset="0"/>
+                        </a:rPr>
+                        <m:t>]= </m:t>
                       </m:r>
                       <m:f>
                         <m:fPr>
@@ -5749,7 +9198,84 @@
                             <a:rPr kumimoji="1" lang="en-US" altLang="ja-JP" b="0" i="1" smtClean="0">
                               <a:latin typeface="Cambria Math" panose="02040503050406030204" pitchFamily="18" charset="0"/>
                             </a:rPr>
-                            <m:t>𝑚𝑣</m:t>
+                            <m:t>𝑚</m:t>
+                          </m:r>
+                          <m:d>
+                            <m:dPr>
+                              <m:begChr m:val="["/>
+                              <m:endChr m:val="]"/>
+                              <m:ctrlPr>
+                                <a:rPr kumimoji="1" lang="en-US" altLang="ja-JP" b="0" smtClean="0">
+                                  <a:latin typeface="Cambria Math" panose="02040503050406030204" pitchFamily="18" charset="0"/>
+                                </a:rPr>
+                              </m:ctrlPr>
+                            </m:dPr>
+                            <m:e>
+                              <m:r>
+                                <m:rPr>
+                                  <m:sty m:val="p"/>
+                                </m:rPr>
+                                <a:rPr kumimoji="1" lang="en-US" altLang="ja-JP" b="0" i="0" smtClean="0">
+                                  <a:latin typeface="Cambria Math" panose="02040503050406030204" pitchFamily="18" charset="0"/>
+                                </a:rPr>
+                                <m:t>kg</m:t>
+                              </m:r>
+                            </m:e>
+                          </m:d>
+                          <m:r>
+                            <a:rPr kumimoji="1" lang="en-US" altLang="ja-JP" b="0" i="0" smtClean="0">
+                              <a:latin typeface="Cambria Math" panose="02040503050406030204" pitchFamily="18" charset="0"/>
+                            </a:rPr>
+                            <m:t> </m:t>
+                          </m:r>
+                          <m:r>
+                            <a:rPr kumimoji="1" lang="en-US" altLang="ja-JP" b="0" i="1" smtClean="0">
+                              <a:latin typeface="Cambria Math" panose="02040503050406030204" pitchFamily="18" charset="0"/>
+                            </a:rPr>
+                            <m:t>𝑣</m:t>
+                          </m:r>
+                          <m:r>
+                            <a:rPr kumimoji="1" lang="en-US" altLang="ja-JP" b="0" i="0" smtClean="0">
+                              <a:latin typeface="Cambria Math" panose="02040503050406030204" pitchFamily="18" charset="0"/>
+                            </a:rPr>
+                            <m:t>[</m:t>
+                          </m:r>
+                          <m:f>
+                            <m:fPr>
+                              <m:ctrlPr>
+                                <a:rPr kumimoji="1" lang="en-US" altLang="ja-JP" b="0" smtClean="0">
+                                  <a:latin typeface="Cambria Math" panose="02040503050406030204" pitchFamily="18" charset="0"/>
+                                </a:rPr>
+                              </m:ctrlPr>
+                            </m:fPr>
+                            <m:num>
+                              <m:r>
+                                <m:rPr>
+                                  <m:sty m:val="p"/>
+                                </m:rPr>
+                                <a:rPr kumimoji="1" lang="en-US" altLang="ja-JP" b="0" i="0" smtClean="0">
+                                  <a:latin typeface="Cambria Math" panose="02040503050406030204" pitchFamily="18" charset="0"/>
+                                </a:rPr>
+                                <m:t>m</m:t>
+                              </m:r>
+                            </m:num>
+                            <m:den>
+                              <m:r>
+                                <m:rPr>
+                                  <m:sty m:val="p"/>
+                                </m:rPr>
+                                <a:rPr kumimoji="1" lang="en-US" altLang="ja-JP" b="0" i="0" smtClean="0">
+                                  <a:latin typeface="Cambria Math" panose="02040503050406030204" pitchFamily="18" charset="0"/>
+                                </a:rPr>
+                                <m:t>s</m:t>
+                              </m:r>
+                            </m:den>
+                          </m:f>
+                          <m:r>
+                            <a:rPr kumimoji="1" lang="en-US" altLang="ja-JP" b="0" i="0" smtClean="0">
+                              <a:latin typeface="Cambria Math" panose="02040503050406030204" pitchFamily="18" charset="0"/>
+                            </a:rPr>
+                            <m:t>]</m:t>
                           </m:r>
                         </m:num>
                         <m:den>
@@ -5757,7 +9283,62 @@
                             <a:rPr kumimoji="1" lang="en-US" altLang="ja-JP" b="0" i="1" smtClean="0">
                               <a:latin typeface="Cambria Math" panose="02040503050406030204" pitchFamily="18" charset="0"/>
                             </a:rPr>
-                            <m:t>𝑞𝐵</m:t>
+                            <m:t>𝑞</m:t>
+                          </m:r>
+                          <m:d>
+                            <m:dPr>
+                              <m:begChr m:val="["/>
+                              <m:endChr m:val="]"/>
+                              <m:ctrlPr>
+                                <a:rPr kumimoji="1" lang="en-US" altLang="ja-JP" b="0" smtClean="0">
+                                  <a:latin typeface="Cambria Math" panose="02040503050406030204" pitchFamily="18" charset="0"/>
+                                </a:rPr>
+                              </m:ctrlPr>
+                            </m:dPr>
+                            <m:e>
+                              <m:r>
+                                <m:rPr>
+                                  <m:sty m:val="p"/>
+                                </m:rPr>
+                                <a:rPr kumimoji="1" lang="en-US" altLang="ja-JP" b="0" i="0" smtClean="0">
+                                  <a:latin typeface="Cambria Math" panose="02040503050406030204" pitchFamily="18" charset="0"/>
+                                </a:rPr>
+                                <m:t>C</m:t>
+                              </m:r>
+                            </m:e>
+                          </m:d>
+                          <m:r>
+                            <a:rPr kumimoji="1" lang="en-US" altLang="ja-JP" b="0" i="1" smtClean="0">
+                              <a:latin typeface="Cambria Math" panose="02040503050406030204" pitchFamily="18" charset="0"/>
+                            </a:rPr>
+                            <m:t> </m:t>
+                          </m:r>
+                          <m:r>
+                            <a:rPr kumimoji="1" lang="en-US" altLang="ja-JP" b="0" i="1" smtClean="0">
+                              <a:latin typeface="Cambria Math" panose="02040503050406030204" pitchFamily="18" charset="0"/>
+                            </a:rPr>
+                            <m:t>𝐵</m:t>
+                          </m:r>
+                          <m:r>
+                            <a:rPr kumimoji="1" lang="en-US" altLang="ja-JP" b="0" i="0" smtClean="0">
+                              <a:latin typeface="Cambria Math" panose="02040503050406030204" pitchFamily="18" charset="0"/>
+                            </a:rPr>
+                            <m:t>[</m:t>
+                          </m:r>
+                          <m:r>
+                            <m:rPr>
+                              <m:sty m:val="p"/>
+                            </m:rPr>
+                            <a:rPr kumimoji="1" lang="en-US" altLang="ja-JP" b="0" i="0" smtClean="0">
+                              <a:latin typeface="Cambria Math" panose="02040503050406030204" pitchFamily="18" charset="0"/>
+                            </a:rPr>
+                            <m:t>T</m:t>
+                          </m:r>
+                          <m:r>
+                            <a:rPr kumimoji="1" lang="en-US" altLang="ja-JP" b="0" i="0" smtClean="0">
+                              <a:latin typeface="Cambria Math" panose="02040503050406030204" pitchFamily="18" charset="0"/>
+                            </a:rPr>
+                            <m:t>]</m:t>
                           </m:r>
                         </m:den>
                       </m:f>
@@ -5787,7 +9368,7 @@
             <p:spPr>
               <a:xfrm>
                 <a:off x="7196160" y="3412394"/>
-                <a:ext cx="898323" cy="521489"/>
+                <a:ext cx="2052036" cy="702244"/>
               </a:xfrm>
               <a:prstGeom prst="rect">
                 <a:avLst/>
@@ -5885,8 +9466,8 @@
           </a:p>
         </p:txBody>
       </p:sp>
-      <mc:AlternateContent xmlns:mc="http://schemas.openxmlformats.org/markup-compatibility/2006">
-        <mc:Choice xmlns:a14="http://schemas.microsoft.com/office/drawing/2010/main" Requires="a14">
+      <mc:AlternateContent xmlns:mc="http://schemas.openxmlformats.org/markup-compatibility/2006" xmlns:a14="http://schemas.microsoft.com/office/drawing/2010/main">
+        <mc:Choice Requires="a14">
           <p:sp>
             <p:nvSpPr>
               <p:cNvPr id="12" name="テキスト ボックス 11">
@@ -6057,7 +9638,7 @@
             </p:txBody>
           </p:sp>
         </mc:Choice>
-        <mc:Fallback>
+        <mc:Fallback xmlns="">
           <p:sp>
             <p:nvSpPr>
               <p:cNvPr id="12" name="テキスト ボックス 11">
@@ -6102,8 +9683,8 @@
           </p:sp>
         </mc:Fallback>
       </mc:AlternateContent>
-      <mc:AlternateContent xmlns:mc="http://schemas.openxmlformats.org/markup-compatibility/2006">
-        <mc:Choice xmlns:a14="http://schemas.microsoft.com/office/drawing/2010/main" Requires="a14">
+      <mc:AlternateContent xmlns:mc="http://schemas.openxmlformats.org/markup-compatibility/2006" xmlns:a14="http://schemas.microsoft.com/office/drawing/2010/main">
+        <mc:Choice Requires="a14">
           <p:sp>
             <p:nvSpPr>
               <p:cNvPr id="13" name="テキスト ボックス 12">
@@ -6132,6 +9713,7 @@
               </a:bodyPr>
               <a:lstStyle/>
               <a:p>
+                <a:pPr/>
                 <a14:m>
                   <m:oMathPara xmlns:m="http://schemas.openxmlformats.org/officeDocument/2006/math">
                     <m:oMathParaPr>
@@ -6382,7 +9964,7 @@
             </p:txBody>
           </p:sp>
         </mc:Choice>
-        <mc:Fallback>
+        <mc:Fallback xmlns="">
           <p:sp>
             <p:nvSpPr>
               <p:cNvPr id="13" name="テキスト ボックス 12">
@@ -6444,7 +10026,7 @@
             <p:spPr>
               <a:xfrm>
                 <a:off x="1622456" y="4080505"/>
-                <a:ext cx="2600071" cy="756426"/>
+                <a:ext cx="3670236" cy="756426"/>
               </a:xfrm>
               <a:prstGeom prst="rect">
                 <a:avLst/>
@@ -6457,6 +10039,7 @@
               </a:bodyPr>
               <a:lstStyle/>
               <a:p>
+                <a:pPr/>
                 <a14:m>
                   <m:oMathPara xmlns:m="http://schemas.openxmlformats.org/officeDocument/2006/math">
                     <m:oMathParaPr>
@@ -6494,6 +10077,37 @@
                         </a:rPr>
                         <m:t>= </m:t>
                       </m:r>
+                      <m:f>
+                        <m:fPr>
+                          <m:ctrlPr>
+                            <a:rPr kumimoji="1" lang="en-US" altLang="ja-JP" b="0" i="1" smtClean="0">
+                              <a:latin typeface="Cambria Math" panose="02040503050406030204" pitchFamily="18" charset="0"/>
+                            </a:rPr>
+                          </m:ctrlPr>
+                        </m:fPr>
+                        <m:num>
+                          <m:r>
+                            <a:rPr kumimoji="1" lang="en-US" altLang="ja-JP" b="0" i="1" smtClean="0">
+                              <a:latin typeface="Cambria Math" panose="02040503050406030204" pitchFamily="18" charset="0"/>
+                            </a:rPr>
+                            <m:t>1</m:t>
+                          </m:r>
+                        </m:num>
+                        <m:den>
+                          <m:r>
+                            <a:rPr kumimoji="1" lang="en-US" altLang="ja-JP" b="0" i="1" smtClean="0">
+                              <a:latin typeface="Cambria Math" panose="02040503050406030204" pitchFamily="18" charset="0"/>
+                            </a:rPr>
+                            <m:t>𝑛</m:t>
+                          </m:r>
+                          <m:r>
+                            <a:rPr kumimoji="1" lang="en-US" altLang="ja-JP" b="0" i="1" smtClean="0">
+                              <a:latin typeface="Cambria Math" panose="02040503050406030204" pitchFamily="18" charset="0"/>
+                            </a:rPr>
+                            <m:t>+1</m:t>
+                          </m:r>
+                        </m:den>
+                      </m:f>
                       <m:nary>
                         <m:naryPr>
                           <m:chr m:val="∑"/>
@@ -6590,6 +10204,37 @@
                         </a:rPr>
                         <m:t>= </m:t>
                       </m:r>
+                      <m:f>
+                        <m:fPr>
+                          <m:ctrlPr>
+                            <a:rPr lang="en-US" altLang="ja-JP" i="1" smtClean="0">
+                              <a:latin typeface="Cambria Math" panose="02040503050406030204" pitchFamily="18" charset="0"/>
+                            </a:rPr>
+                          </m:ctrlPr>
+                        </m:fPr>
+                        <m:num>
+                          <m:r>
+                            <a:rPr lang="en-US" altLang="ja-JP" b="0" i="1" smtClean="0">
+                              <a:latin typeface="Cambria Math" panose="02040503050406030204" pitchFamily="18" charset="0"/>
+                            </a:rPr>
+                            <m:t>1</m:t>
+                          </m:r>
+                        </m:num>
+                        <m:den>
+                          <m:r>
+                            <a:rPr lang="en-US" altLang="ja-JP" b="0" i="1" smtClean="0">
+                              <a:latin typeface="Cambria Math" panose="02040503050406030204" pitchFamily="18" charset="0"/>
+                            </a:rPr>
+                            <m:t>𝑛</m:t>
+                          </m:r>
+                          <m:r>
+                            <a:rPr lang="en-US" altLang="ja-JP" b="0" i="1" smtClean="0">
+                              <a:latin typeface="Cambria Math" panose="02040503050406030204" pitchFamily="18" charset="0"/>
+                            </a:rPr>
+                            <m:t>+1</m:t>
+                          </m:r>
+                        </m:den>
+                      </m:f>
                       <m:nary>
                         <m:naryPr>
                           <m:chr m:val="∑"/>
@@ -6675,13 +10320,373 @@
             <p:spPr>
               <a:xfrm>
                 <a:off x="1622456" y="4080505"/>
-                <a:ext cx="2600071" cy="756426"/>
+                <a:ext cx="3670236" cy="756426"/>
               </a:xfrm>
               <a:prstGeom prst="rect">
                 <a:avLst/>
               </a:prstGeom>
               <a:blipFill>
                 <a:blip r:embed="rId5"/>
+                <a:stretch>
+                  <a:fillRect/>
+                </a:stretch>
+              </a:blipFill>
+            </p:spPr>
+            <p:txBody>
+              <a:bodyPr/>
+              <a:lstStyle/>
+              <a:p>
+                <a:r>
+                  <a:rPr lang="ja-JP" altLang="en-US">
+                    <a:noFill/>
+                  </a:rPr>
+                  <a:t> </a:t>
+                </a:r>
+              </a:p>
+            </p:txBody>
+          </p:sp>
+        </mc:Fallback>
+      </mc:AlternateContent>
+      <mc:AlternateContent xmlns:mc="http://schemas.openxmlformats.org/markup-compatibility/2006">
+        <mc:Choice xmlns:a14="http://schemas.microsoft.com/office/drawing/2010/main" Requires="a14">
+          <p:sp>
+            <p:nvSpPr>
+              <p:cNvPr id="2" name="テキスト ボックス 1">
+                <a:extLst>
+                  <a:ext uri="{FF2B5EF4-FFF2-40B4-BE49-F238E27FC236}">
+                    <a16:creationId xmlns:a16="http://schemas.microsoft.com/office/drawing/2014/main" id="{BC888F11-F011-4ECD-92EB-2BADAA9977B4}"/>
+                  </a:ext>
+                </a:extLst>
+              </p:cNvPr>
+              <p:cNvSpPr txBox="1"/>
+              <p:nvPr/>
+            </p:nvSpPr>
+            <p:spPr>
+              <a:xfrm>
+                <a:off x="1587564" y="5667269"/>
+                <a:ext cx="3926459" cy="756426"/>
+              </a:xfrm>
+              <a:prstGeom prst="rect">
+                <a:avLst/>
+              </a:prstGeom>
+              <a:noFill/>
+            </p:spPr>
+            <p:txBody>
+              <a:bodyPr wrap="none" lIns="0" tIns="0" rIns="0" bIns="0" rtlCol="0">
+                <a:spAutoFit/>
+              </a:bodyPr>
+              <a:lstStyle/>
+              <a:p>
+                <a:pPr/>
+                <a14:m>
+                  <m:oMathPara xmlns:m="http://schemas.openxmlformats.org/officeDocument/2006/math">
+                    <m:oMathParaPr>
+                      <m:jc m:val="centerGroup"/>
+                    </m:oMathParaPr>
+                    <m:oMath xmlns:m="http://schemas.openxmlformats.org/officeDocument/2006/math">
+                      <m:r>
+                        <a:rPr kumimoji="1" lang="en-US" altLang="ja-JP" b="0" i="1" smtClean="0">
+                          <a:latin typeface="Cambria Math" panose="02040503050406030204" pitchFamily="18" charset="0"/>
+                        </a:rPr>
+                        <m:t>𝑅</m:t>
+                      </m:r>
+                      <m:r>
+                        <a:rPr kumimoji="1" lang="en-US" altLang="ja-JP" b="0" i="1" smtClean="0">
+                          <a:latin typeface="Cambria Math" panose="02040503050406030204" pitchFamily="18" charset="0"/>
+                        </a:rPr>
+                        <m:t> = </m:t>
+                      </m:r>
+                      <m:f>
+                        <m:fPr>
+                          <m:ctrlPr>
+                            <a:rPr kumimoji="1" lang="en-US" altLang="ja-JP" b="0" i="1" smtClean="0">
+                              <a:latin typeface="Cambria Math" panose="02040503050406030204" pitchFamily="18" charset="0"/>
+                            </a:rPr>
+                          </m:ctrlPr>
+                        </m:fPr>
+                        <m:num>
+                          <m:r>
+                            <a:rPr kumimoji="1" lang="en-US" altLang="ja-JP" b="0" i="1" smtClean="0">
+                              <a:latin typeface="Cambria Math" panose="02040503050406030204" pitchFamily="18" charset="0"/>
+                            </a:rPr>
+                            <m:t>1</m:t>
+                          </m:r>
+                        </m:num>
+                        <m:den>
+                          <m:r>
+                            <a:rPr kumimoji="1" lang="en-US" altLang="ja-JP" b="0" i="1" smtClean="0">
+                              <a:latin typeface="Cambria Math" panose="02040503050406030204" pitchFamily="18" charset="0"/>
+                            </a:rPr>
+                            <m:t>𝑛</m:t>
+                          </m:r>
+                          <m:r>
+                            <a:rPr kumimoji="1" lang="en-US" altLang="ja-JP" b="0" i="1" smtClean="0">
+                              <a:latin typeface="Cambria Math" panose="02040503050406030204" pitchFamily="18" charset="0"/>
+                            </a:rPr>
+                            <m:t>+1</m:t>
+                          </m:r>
+                        </m:den>
+                      </m:f>
+                      <m:nary>
+                        <m:naryPr>
+                          <m:chr m:val="∑"/>
+                          <m:ctrlPr>
+                            <a:rPr kumimoji="1" lang="en-US" altLang="ja-JP" b="0" i="1" smtClean="0">
+                              <a:latin typeface="Cambria Math" panose="02040503050406030204" pitchFamily="18" charset="0"/>
+                            </a:rPr>
+                          </m:ctrlPr>
+                        </m:naryPr>
+                        <m:sub>
+                          <m:r>
+                            <a:rPr kumimoji="1" lang="en-US" altLang="ja-JP" b="0" i="1" smtClean="0">
+                              <a:latin typeface="Cambria Math" panose="02040503050406030204" pitchFamily="18" charset="0"/>
+                            </a:rPr>
+                            <m:t>𝑖</m:t>
+                          </m:r>
+                          <m:r>
+                            <a:rPr kumimoji="1" lang="en-US" altLang="ja-JP" b="0" i="1" smtClean="0">
+                              <a:latin typeface="Cambria Math" panose="02040503050406030204" pitchFamily="18" charset="0"/>
+                            </a:rPr>
+                            <m:t>=0</m:t>
+                          </m:r>
+                        </m:sub>
+                        <m:sup>
+                          <m:r>
+                            <a:rPr kumimoji="1" lang="en-US" altLang="ja-JP" b="0" i="1" smtClean="0">
+                              <a:latin typeface="Cambria Math" panose="02040503050406030204" pitchFamily="18" charset="0"/>
+                            </a:rPr>
+                            <m:t>𝑛</m:t>
+                          </m:r>
+                        </m:sup>
+                        <m:e>
+                          <m:rad>
+                            <m:radPr>
+                              <m:degHide m:val="on"/>
+                              <m:ctrlPr>
+                                <a:rPr kumimoji="1" lang="en-US" altLang="ja-JP" b="0" i="1" smtClean="0">
+                                  <a:latin typeface="Cambria Math" panose="02040503050406030204" pitchFamily="18" charset="0"/>
+                                </a:rPr>
+                              </m:ctrlPr>
+                            </m:radPr>
+                            <m:deg/>
+                            <m:e>
+                              <m:sSup>
+                                <m:sSupPr>
+                                  <m:ctrlPr>
+                                    <a:rPr kumimoji="1" lang="en-US" altLang="ja-JP" b="0" i="1" smtClean="0">
+                                      <a:latin typeface="Cambria Math" panose="02040503050406030204" pitchFamily="18" charset="0"/>
+                                    </a:rPr>
+                                  </m:ctrlPr>
+                                </m:sSupPr>
+                                <m:e>
+                                  <m:r>
+                                    <a:rPr kumimoji="1" lang="en-US" altLang="ja-JP" b="0" i="1" smtClean="0">
+                                      <a:latin typeface="Cambria Math" panose="02040503050406030204" pitchFamily="18" charset="0"/>
+                                    </a:rPr>
+                                    <m:t>(</m:t>
+                                  </m:r>
+                                  <m:sSub>
+                                    <m:sSubPr>
+                                      <m:ctrlPr>
+                                        <a:rPr kumimoji="1" lang="en-US" altLang="ja-JP" b="0" i="1" smtClean="0">
+                                          <a:latin typeface="Cambria Math" panose="02040503050406030204" pitchFamily="18" charset="0"/>
+                                        </a:rPr>
+                                      </m:ctrlPr>
+                                    </m:sSubPr>
+                                    <m:e>
+                                      <m:r>
+                                        <a:rPr kumimoji="1" lang="en-US" altLang="ja-JP" b="0" i="1" smtClean="0">
+                                          <a:latin typeface="Cambria Math" panose="02040503050406030204" pitchFamily="18" charset="0"/>
+                                        </a:rPr>
+                                        <m:t>𝑥</m:t>
+                                      </m:r>
+                                    </m:e>
+                                    <m:sub>
+                                      <m:r>
+                                        <a:rPr kumimoji="1" lang="en-US" altLang="ja-JP" b="0" i="1" smtClean="0">
+                                          <a:latin typeface="Cambria Math" panose="02040503050406030204" pitchFamily="18" charset="0"/>
+                                        </a:rPr>
+                                        <m:t>𝑖</m:t>
+                                      </m:r>
+                                    </m:sub>
+                                  </m:sSub>
+                                  <m:r>
+                                    <a:rPr kumimoji="1" lang="en-US" altLang="ja-JP" b="0" i="1" smtClean="0">
+                                      <a:latin typeface="Cambria Math" panose="02040503050406030204" pitchFamily="18" charset="0"/>
+                                    </a:rPr>
+                                    <m:t>−</m:t>
+                                  </m:r>
+                                  <m:sSub>
+                                    <m:sSubPr>
+                                      <m:ctrlPr>
+                                        <a:rPr kumimoji="1" lang="en-US" altLang="ja-JP" b="0" i="1" smtClean="0">
+                                          <a:latin typeface="Cambria Math" panose="02040503050406030204" pitchFamily="18" charset="0"/>
+                                        </a:rPr>
+                                      </m:ctrlPr>
+                                    </m:sSubPr>
+                                    <m:e>
+                                      <m:r>
+                                        <a:rPr kumimoji="1" lang="en-US" altLang="ja-JP" b="0" i="1" smtClean="0">
+                                          <a:latin typeface="Cambria Math" panose="02040503050406030204" pitchFamily="18" charset="0"/>
+                                        </a:rPr>
+                                        <m:t>𝑥</m:t>
+                                      </m:r>
+                                    </m:e>
+                                    <m:sub>
+                                      <m:r>
+                                        <a:rPr kumimoji="1" lang="en-US" altLang="ja-JP" b="0" i="1" smtClean="0">
+                                          <a:latin typeface="Cambria Math" panose="02040503050406030204" pitchFamily="18" charset="0"/>
+                                        </a:rPr>
+                                        <m:t>𝑐</m:t>
+                                      </m:r>
+                                    </m:sub>
+                                  </m:sSub>
+                                  <m:r>
+                                    <a:rPr kumimoji="1" lang="en-US" altLang="ja-JP" b="0" i="1" smtClean="0">
+                                      <a:latin typeface="Cambria Math" panose="02040503050406030204" pitchFamily="18" charset="0"/>
+                                    </a:rPr>
+                                    <m:t>)</m:t>
+                                  </m:r>
+                                </m:e>
+                                <m:sup>
+                                  <m:r>
+                                    <a:rPr kumimoji="1" lang="en-US" altLang="ja-JP" b="0" i="1" smtClean="0">
+                                      <a:latin typeface="Cambria Math" panose="02040503050406030204" pitchFamily="18" charset="0"/>
+                                    </a:rPr>
+                                    <m:t>2</m:t>
+                                  </m:r>
+                                </m:sup>
+                              </m:sSup>
+                              <m:r>
+                                <a:rPr kumimoji="1" lang="en-US" altLang="ja-JP" b="0" i="1" smtClean="0">
+                                  <a:latin typeface="Cambria Math" panose="02040503050406030204" pitchFamily="18" charset="0"/>
+                                </a:rPr>
+                                <m:t>+</m:t>
+                              </m:r>
+                              <m:sSup>
+                                <m:sSupPr>
+                                  <m:ctrlPr>
+                                    <a:rPr kumimoji="1" lang="en-US" altLang="ja-JP" b="0" i="1" smtClean="0">
+                                      <a:latin typeface="Cambria Math" panose="02040503050406030204" pitchFamily="18" charset="0"/>
+                                    </a:rPr>
+                                  </m:ctrlPr>
+                                </m:sSupPr>
+                                <m:e>
+                                  <m:r>
+                                    <a:rPr kumimoji="1" lang="en-US" altLang="ja-JP" b="0" i="1" smtClean="0">
+                                      <a:latin typeface="Cambria Math" panose="02040503050406030204" pitchFamily="18" charset="0"/>
+                                    </a:rPr>
+                                    <m:t>(</m:t>
+                                  </m:r>
+                                  <m:sSub>
+                                    <m:sSubPr>
+                                      <m:ctrlPr>
+                                        <a:rPr kumimoji="1" lang="en-US" altLang="ja-JP" b="0" i="1" smtClean="0">
+                                          <a:latin typeface="Cambria Math" panose="02040503050406030204" pitchFamily="18" charset="0"/>
+                                        </a:rPr>
+                                      </m:ctrlPr>
+                                    </m:sSubPr>
+                                    <m:e>
+                                      <m:r>
+                                        <a:rPr kumimoji="1" lang="en-US" altLang="ja-JP" b="0" i="1" smtClean="0">
+                                          <a:latin typeface="Cambria Math" panose="02040503050406030204" pitchFamily="18" charset="0"/>
+                                        </a:rPr>
+                                        <m:t>𝑦</m:t>
+                                      </m:r>
+                                    </m:e>
+                                    <m:sub>
+                                      <m:r>
+                                        <a:rPr kumimoji="1" lang="en-US" altLang="ja-JP" b="0" i="1" smtClean="0">
+                                          <a:latin typeface="Cambria Math" panose="02040503050406030204" pitchFamily="18" charset="0"/>
+                                        </a:rPr>
+                                        <m:t>𝑖</m:t>
+                                      </m:r>
+                                    </m:sub>
+                                  </m:sSub>
+                                  <m:r>
+                                    <a:rPr kumimoji="1" lang="en-US" altLang="ja-JP" b="0" i="1" smtClean="0">
+                                      <a:latin typeface="Cambria Math" panose="02040503050406030204" pitchFamily="18" charset="0"/>
+                                    </a:rPr>
+                                    <m:t>−</m:t>
+                                  </m:r>
+                                  <m:sSub>
+                                    <m:sSubPr>
+                                      <m:ctrlPr>
+                                        <a:rPr kumimoji="1" lang="en-US" altLang="ja-JP" b="0" i="1" smtClean="0">
+                                          <a:latin typeface="Cambria Math" panose="02040503050406030204" pitchFamily="18" charset="0"/>
+                                        </a:rPr>
+                                      </m:ctrlPr>
+                                    </m:sSubPr>
+                                    <m:e>
+                                      <m:r>
+                                        <a:rPr kumimoji="1" lang="en-US" altLang="ja-JP" b="0" i="1" smtClean="0">
+                                          <a:latin typeface="Cambria Math" panose="02040503050406030204" pitchFamily="18" charset="0"/>
+                                        </a:rPr>
+                                        <m:t>𝑦</m:t>
+                                      </m:r>
+                                    </m:e>
+                                    <m:sub>
+                                      <m:r>
+                                        <a:rPr kumimoji="1" lang="en-US" altLang="ja-JP" b="0" i="1" smtClean="0">
+                                          <a:latin typeface="Cambria Math" panose="02040503050406030204" pitchFamily="18" charset="0"/>
+                                        </a:rPr>
+                                        <m:t>𝑐</m:t>
+                                      </m:r>
+                                    </m:sub>
+                                  </m:sSub>
+                                  <m:r>
+                                    <a:rPr kumimoji="1" lang="en-US" altLang="ja-JP" b="0" i="1" smtClean="0">
+                                      <a:latin typeface="Cambria Math" panose="02040503050406030204" pitchFamily="18" charset="0"/>
+                                    </a:rPr>
+                                    <m:t>)</m:t>
+                                  </m:r>
+                                </m:e>
+                                <m:sup>
+                                  <m:r>
+                                    <a:rPr kumimoji="1" lang="en-US" altLang="ja-JP" b="0" i="1" smtClean="0">
+                                      <a:latin typeface="Cambria Math" panose="02040503050406030204" pitchFamily="18" charset="0"/>
+                                    </a:rPr>
+                                    <m:t>2</m:t>
+                                  </m:r>
+                                </m:sup>
+                              </m:sSup>
+                            </m:e>
+                          </m:rad>
+                        </m:e>
+                      </m:nary>
+                    </m:oMath>
+                  </m:oMathPara>
+                </a14:m>
+                <a:endParaRPr kumimoji="1" lang="ja-JP" altLang="en-US" dirty="0"/>
+              </a:p>
+            </p:txBody>
+          </p:sp>
+        </mc:Choice>
+        <mc:Fallback>
+          <p:sp>
+            <p:nvSpPr>
+              <p:cNvPr id="2" name="テキスト ボックス 1">
+                <a:extLst>
+                  <a:ext uri="{FF2B5EF4-FFF2-40B4-BE49-F238E27FC236}">
+                    <a16:creationId xmlns:a16="http://schemas.microsoft.com/office/drawing/2014/main" id="{BC888F11-F011-4ECD-92EB-2BADAA9977B4}"/>
+                  </a:ext>
+                </a:extLst>
+              </p:cNvPr>
+              <p:cNvSpPr txBox="1">
+                <a:spLocks noRot="1" noChangeAspect="1" noMove="1" noResize="1" noEditPoints="1" noAdjustHandles="1" noChangeArrowheads="1" noChangeShapeType="1" noTextEdit="1"/>
+              </p:cNvSpPr>
+              <p:nvPr/>
+            </p:nvSpPr>
+            <p:spPr>
+              <a:xfrm>
+                <a:off x="1587564" y="5667269"/>
+                <a:ext cx="3926459" cy="756426"/>
+              </a:xfrm>
+              <a:prstGeom prst="rect">
+                <a:avLst/>
+              </a:prstGeom>
+              <a:blipFill>
+                <a:blip r:embed="rId6"/>
                 <a:stretch>
                   <a:fillRect/>
                 </a:stretch>
@@ -6715,7 +10720,7 @@
 </p:sld>
 </file>
 
-<file path=ppt/slides/slide13.xml><?xml version="1.0" encoding="utf-8"?>
+<file path=ppt/slides/slide15.xml><?xml version="1.0" encoding="utf-8"?>
 <p:sld xmlns:a="http://schemas.openxmlformats.org/drawingml/2006/main" xmlns:r="http://schemas.openxmlformats.org/officeDocument/2006/relationships" xmlns:p="http://schemas.openxmlformats.org/presentationml/2006/main">
   <p:cSld>
     <p:spTree>
@@ -6856,91 +10861,7 @@
 </p:sld>
 </file>
 
-<file path=ppt/slides/slide14.xml><?xml version="1.0" encoding="utf-8"?>
-<p:sld xmlns:a="http://schemas.openxmlformats.org/drawingml/2006/main" xmlns:r="http://schemas.openxmlformats.org/officeDocument/2006/relationships" xmlns:p="http://schemas.openxmlformats.org/presentationml/2006/main">
-  <p:cSld>
-    <p:spTree>
-      <p:nvGrpSpPr>
-        <p:cNvPr id="1" name=""/>
-        <p:cNvGrpSpPr/>
-        <p:nvPr/>
-      </p:nvGrpSpPr>
-      <p:grpSpPr>
-        <a:xfrm>
-          <a:off x="0" y="0"/>
-          <a:ext cx="0" cy="0"/>
-          <a:chOff x="0" y="0"/>
-          <a:chExt cx="0" cy="0"/>
-        </a:xfrm>
-      </p:grpSpPr>
-      <p:sp>
-        <p:nvSpPr>
-          <p:cNvPr id="2" name="タイトル 1">
-            <a:extLst>
-              <a:ext uri="{FF2B5EF4-FFF2-40B4-BE49-F238E27FC236}">
-                <a16:creationId xmlns:a16="http://schemas.microsoft.com/office/drawing/2014/main" id="{4FE4ACD1-2AFD-4C09-B598-208C27BEFF8B}"/>
-              </a:ext>
-            </a:extLst>
-          </p:cNvPr>
-          <p:cNvSpPr>
-            <a:spLocks noGrp="1"/>
-          </p:cNvSpPr>
-          <p:nvPr>
-            <p:ph type="title"/>
-          </p:nvPr>
-        </p:nvSpPr>
-        <p:spPr/>
-        <p:txBody>
-          <a:bodyPr/>
-          <a:lstStyle/>
-          <a:p>
-            <a:r>
-              <a:rPr lang="en-US" altLang="ja-JP" dirty="0"/>
-              <a:t>output</a:t>
-            </a:r>
-            <a:endParaRPr kumimoji="1" lang="ja-JP" altLang="en-US" dirty="0"/>
-          </a:p>
-        </p:txBody>
-      </p:sp>
-      <p:sp>
-        <p:nvSpPr>
-          <p:cNvPr id="3" name="コンテンツ プレースホルダー 2">
-            <a:extLst>
-              <a:ext uri="{FF2B5EF4-FFF2-40B4-BE49-F238E27FC236}">
-                <a16:creationId xmlns:a16="http://schemas.microsoft.com/office/drawing/2014/main" id="{EC449DC5-F0FE-46DB-984E-DF48D2C2E292}"/>
-              </a:ext>
-            </a:extLst>
-          </p:cNvPr>
-          <p:cNvSpPr>
-            <a:spLocks noGrp="1"/>
-          </p:cNvSpPr>
-          <p:nvPr>
-            <p:ph idx="1"/>
-          </p:nvPr>
-        </p:nvSpPr>
-        <p:spPr/>
-        <p:txBody>
-          <a:bodyPr/>
-          <a:lstStyle/>
-          <a:p>
-            <a:endParaRPr kumimoji="1" lang="ja-JP" altLang="en-US" dirty="0"/>
-          </a:p>
-        </p:txBody>
-      </p:sp>
-    </p:spTree>
-    <p:extLst>
-      <p:ext uri="{BB962C8B-B14F-4D97-AF65-F5344CB8AC3E}">
-        <p14:creationId xmlns:p14="http://schemas.microsoft.com/office/powerpoint/2010/main" val="4005171099"/>
-      </p:ext>
-    </p:extLst>
-  </p:cSld>
-  <p:clrMapOvr>
-    <a:masterClrMapping/>
-  </p:clrMapOvr>
-</p:sld>
-</file>
-
-<file path=ppt/slides/slide15.xml><?xml version="1.0" encoding="utf-8"?>
+<file path=ppt/slides/slide16.xml><?xml version="1.0" encoding="utf-8"?>
 <p:sld xmlns:a="http://schemas.openxmlformats.org/drawingml/2006/main" xmlns:r="http://schemas.openxmlformats.org/officeDocument/2006/relationships" xmlns:p="http://schemas.openxmlformats.org/presentationml/2006/main">
   <p:cSld>
     <p:spTree>
@@ -7235,7 +11156,7 @@
 </p:sld>
 </file>
 
-<file path=ppt/slides/slide16.xml><?xml version="1.0" encoding="utf-8"?>
+<file path=ppt/slides/slide17.xml><?xml version="1.0" encoding="utf-8"?>
 <p:sld xmlns:a="http://schemas.openxmlformats.org/drawingml/2006/main" xmlns:r="http://schemas.openxmlformats.org/officeDocument/2006/relationships" xmlns:p="http://schemas.openxmlformats.org/presentationml/2006/main">
   <p:cSld>
     <p:spTree>
@@ -7252,45 +11173,6 @@
           <a:chExt cx="0" cy="0"/>
         </a:xfrm>
       </p:grpSpPr>
-      <p:pic>
-        <p:nvPicPr>
-          <p:cNvPr id="8" name="図 7">
-            <a:extLst>
-              <a:ext uri="{FF2B5EF4-FFF2-40B4-BE49-F238E27FC236}">
-                <a16:creationId xmlns:a16="http://schemas.microsoft.com/office/drawing/2014/main" id="{C5531AD9-3928-4DEC-9341-ABD698B2C9A9}"/>
-              </a:ext>
-            </a:extLst>
-          </p:cNvPr>
-          <p:cNvPicPr/>
-          <p:nvPr/>
-        </p:nvPicPr>
-        <p:blipFill>
-          <a:blip r:embed="rId3">
-            <a:extLst>
-              <a:ext uri="{28A0092B-C50C-407E-A947-70E740481C1C}">
-                <a14:useLocalDpi xmlns:a14="http://schemas.microsoft.com/office/drawing/2010/main" val="0"/>
-              </a:ext>
-            </a:extLst>
-          </a:blip>
-          <a:srcRect/>
-          <a:stretch>
-            <a:fillRect/>
-          </a:stretch>
-        </p:blipFill>
-        <p:spPr bwMode="auto">
-          <a:xfrm>
-            <a:off x="1386191" y="1321036"/>
-            <a:ext cx="9419617" cy="5445361"/>
-          </a:xfrm>
-          <a:prstGeom prst="rect">
-            <a:avLst/>
-          </a:prstGeom>
-          <a:noFill/>
-          <a:ln>
-            <a:noFill/>
-          </a:ln>
-        </p:spPr>
-      </p:pic>
       <p:sp>
         <p:nvSpPr>
           <p:cNvPr id="2" name="タイトル 1">
@@ -7325,6 +11207,41 @@
           </a:p>
         </p:txBody>
       </p:sp>
+      <p:pic>
+        <p:nvPicPr>
+          <p:cNvPr id="5" name="図 4" descr="グラフ, ヒストグラム&#10;&#10;自動的に生成された説明">
+            <a:extLst>
+              <a:ext uri="{FF2B5EF4-FFF2-40B4-BE49-F238E27FC236}">
+                <a16:creationId xmlns:a16="http://schemas.microsoft.com/office/drawing/2014/main" id="{20FAF394-4E3D-42E4-BA11-6096A415409C}"/>
+              </a:ext>
+            </a:extLst>
+          </p:cNvPr>
+          <p:cNvPicPr>
+            <a:picLocks noChangeAspect="1"/>
+          </p:cNvPicPr>
+          <p:nvPr/>
+        </p:nvPicPr>
+        <p:blipFill rotWithShape="1">
+          <a:blip r:embed="rId3">
+            <a:extLst>
+              <a:ext uri="{28A0092B-C50C-407E-A947-70E740481C1C}">
+                <a14:useLocalDpi xmlns:a14="http://schemas.microsoft.com/office/drawing/2010/main" val="0"/>
+              </a:ext>
+            </a:extLst>
+          </a:blip>
+          <a:srcRect l="4117" t="6367" r="2202" b="6934"/>
+          <a:stretch/>
+        </p:blipFill>
+        <p:spPr>
+          <a:xfrm>
+            <a:off x="1676400" y="1325563"/>
+            <a:ext cx="8808638" cy="5536964"/>
+          </a:xfrm>
+          <a:prstGeom prst="rect">
+            <a:avLst/>
+          </a:prstGeom>
+        </p:spPr>
+      </p:pic>
       <p:grpSp>
         <p:nvGrpSpPr>
           <p:cNvPr id="3" name="グループ化 2">
@@ -7481,7 +11398,7 @@
 </p:sld>
 </file>
 
-<file path=ppt/slides/slide17.xml><?xml version="1.0" encoding="utf-8"?>
+<file path=ppt/slides/slide18.xml><?xml version="1.0" encoding="utf-8"?>
 <p:sld xmlns:a="http://schemas.openxmlformats.org/drawingml/2006/main" xmlns:r="http://schemas.openxmlformats.org/officeDocument/2006/relationships" xmlns:p="http://schemas.openxmlformats.org/presentationml/2006/main">
   <p:cSld>
     <p:spTree>
@@ -7531,35 +11448,6 @@
           </a:p>
         </p:txBody>
       </p:sp>
-      <p:pic>
-        <p:nvPicPr>
-          <p:cNvPr id="5" name="図 4">
-            <a:extLst>
-              <a:ext uri="{FF2B5EF4-FFF2-40B4-BE49-F238E27FC236}">
-                <a16:creationId xmlns:a16="http://schemas.microsoft.com/office/drawing/2014/main" id="{75F1F207-6D34-4139-BA1F-766965E51F4F}"/>
-              </a:ext>
-            </a:extLst>
-          </p:cNvPr>
-          <p:cNvPicPr>
-            <a:picLocks noChangeAspect="1"/>
-          </p:cNvPicPr>
-          <p:nvPr/>
-        </p:nvPicPr>
-        <p:blipFill rotWithShape="1">
-          <a:blip r:embed="rId2"/>
-          <a:srcRect l="7910" r="60280" b="67845"/>
-          <a:stretch/>
-        </p:blipFill>
-        <p:spPr>
-          <a:xfrm>
-            <a:off x="5296157" y="1690688"/>
-            <a:ext cx="6716926" cy="2824161"/>
-          </a:xfrm>
-          <a:prstGeom prst="rect">
-            <a:avLst/>
-          </a:prstGeom>
-        </p:spPr>
-      </p:pic>
       <p:sp>
         <p:nvSpPr>
           <p:cNvPr id="6" name="テキスト ボックス 5">
@@ -7622,7 +11510,7 @@
           <p:nvPr/>
         </p:nvPicPr>
         <p:blipFill>
-          <a:blip r:embed="rId3"/>
+          <a:blip r:embed="rId2"/>
           <a:stretch>
             <a:fillRect/>
           </a:stretch>
@@ -7753,6 +11641,184 @@
           </a:p>
         </p:txBody>
       </p:sp>
+      <p:pic>
+        <p:nvPicPr>
+          <p:cNvPr id="3" name="図 2" descr="グラフ, ヒストグラム&#10;&#10;自動的に生成された説明">
+            <a:extLst>
+              <a:ext uri="{FF2B5EF4-FFF2-40B4-BE49-F238E27FC236}">
+                <a16:creationId xmlns:a16="http://schemas.microsoft.com/office/drawing/2014/main" id="{9F226337-7467-4BCB-8DFF-DC7483FFFB98}"/>
+              </a:ext>
+            </a:extLst>
+          </p:cNvPr>
+          <p:cNvPicPr>
+            <a:picLocks noChangeAspect="1"/>
+          </p:cNvPicPr>
+          <p:nvPr/>
+        </p:nvPicPr>
+        <p:blipFill rotWithShape="1">
+          <a:blip r:embed="rId3">
+            <a:extLst>
+              <a:ext uri="{28A0092B-C50C-407E-A947-70E740481C1C}">
+                <a14:useLocalDpi xmlns:a14="http://schemas.microsoft.com/office/drawing/2010/main" val="0"/>
+              </a:ext>
+            </a:extLst>
+          </a:blip>
+          <a:srcRect l="4117" t="10817" r="40374" b="70430"/>
+          <a:stretch/>
+        </p:blipFill>
+        <p:spPr>
+          <a:xfrm>
+            <a:off x="4475158" y="2068451"/>
+            <a:ext cx="6515859" cy="1495088"/>
+          </a:xfrm>
+          <a:prstGeom prst="rect">
+            <a:avLst/>
+          </a:prstGeom>
+        </p:spPr>
+      </p:pic>
+      <p:grpSp>
+        <p:nvGrpSpPr>
+          <p:cNvPr id="4" name="グループ化 3">
+            <a:extLst>
+              <a:ext uri="{FF2B5EF4-FFF2-40B4-BE49-F238E27FC236}">
+                <a16:creationId xmlns:a16="http://schemas.microsoft.com/office/drawing/2014/main" id="{0C4182E6-F7DA-48AE-BD91-40FCDA4BB23B}"/>
+              </a:ext>
+            </a:extLst>
+          </p:cNvPr>
+          <p:cNvGrpSpPr/>
+          <p:nvPr/>
+        </p:nvGrpSpPr>
+        <p:grpSpPr>
+          <a:xfrm>
+            <a:off x="5057540" y="1699119"/>
+            <a:ext cx="7229710" cy="369332"/>
+            <a:chOff x="2666765" y="956231"/>
+            <a:chExt cx="5848195" cy="369332"/>
+          </a:xfrm>
+        </p:grpSpPr>
+        <p:sp>
+          <p:nvSpPr>
+            <p:cNvPr id="20" name="テキスト ボックス 19">
+              <a:extLst>
+                <a:ext uri="{FF2B5EF4-FFF2-40B4-BE49-F238E27FC236}">
+                  <a16:creationId xmlns:a16="http://schemas.microsoft.com/office/drawing/2014/main" id="{AE2AE5EA-8D8E-437E-BF3E-3182409F872A}"/>
+                </a:ext>
+              </a:extLst>
+            </p:cNvPr>
+            <p:cNvSpPr txBox="1"/>
+            <p:nvPr/>
+          </p:nvSpPr>
+          <p:spPr>
+            <a:xfrm>
+              <a:off x="2666765" y="956231"/>
+              <a:ext cx="684145" cy="369332"/>
+            </a:xfrm>
+            <a:prstGeom prst="rect">
+              <a:avLst/>
+            </a:prstGeom>
+            <a:noFill/>
+          </p:spPr>
+          <p:txBody>
+            <a:bodyPr wrap="square" rtlCol="0">
+              <a:spAutoFit/>
+            </a:bodyPr>
+            <a:lstStyle/>
+            <a:p>
+              <a:r>
+                <a:rPr lang="en-US" altLang="ja-JP" dirty="0"/>
+                <a:t>20</a:t>
+              </a:r>
+              <a:r>
+                <a:rPr kumimoji="1" lang="ja-JP" altLang="en-US" dirty="0"/>
+                <a:t>価</a:t>
+              </a:r>
+            </a:p>
+          </p:txBody>
+        </p:sp>
+        <p:sp>
+          <p:nvSpPr>
+            <p:cNvPr id="21" name="テキスト ボックス 20">
+              <a:extLst>
+                <a:ext uri="{FF2B5EF4-FFF2-40B4-BE49-F238E27FC236}">
+                  <a16:creationId xmlns:a16="http://schemas.microsoft.com/office/drawing/2014/main" id="{30C00114-041B-409B-8EC9-84D4AC4A099C}"/>
+                </a:ext>
+              </a:extLst>
+            </p:cNvPr>
+            <p:cNvSpPr txBox="1"/>
+            <p:nvPr/>
+          </p:nvSpPr>
+          <p:spPr>
+            <a:xfrm>
+              <a:off x="7110366" y="956231"/>
+              <a:ext cx="1404594" cy="369332"/>
+            </a:xfrm>
+            <a:prstGeom prst="rect">
+              <a:avLst/>
+            </a:prstGeom>
+            <a:noFill/>
+          </p:spPr>
+          <p:txBody>
+            <a:bodyPr wrap="square" rtlCol="0">
+              <a:spAutoFit/>
+            </a:bodyPr>
+            <a:lstStyle/>
+            <a:p>
+              <a:r>
+                <a:rPr kumimoji="1" lang="en-US" altLang="ja-JP" dirty="0"/>
+                <a:t>1</a:t>
+              </a:r>
+              <a:r>
+                <a:rPr kumimoji="1" lang="ja-JP" altLang="en-US" dirty="0"/>
+                <a:t>価</a:t>
+              </a:r>
+            </a:p>
+          </p:txBody>
+        </p:sp>
+        <p:cxnSp>
+          <p:nvCxnSpPr>
+            <p:cNvPr id="22" name="直線矢印コネクタ 21">
+              <a:extLst>
+                <a:ext uri="{FF2B5EF4-FFF2-40B4-BE49-F238E27FC236}">
+                  <a16:creationId xmlns:a16="http://schemas.microsoft.com/office/drawing/2014/main" id="{E4C4658D-8FFC-4443-94C5-94F0355A9A20}"/>
+                </a:ext>
+              </a:extLst>
+            </p:cNvPr>
+            <p:cNvCxnSpPr>
+              <a:cxnSpLocks/>
+              <a:stCxn id="20" idx="3"/>
+              <a:endCxn id="21" idx="1"/>
+            </p:cNvCxnSpPr>
+            <p:nvPr/>
+          </p:nvCxnSpPr>
+          <p:spPr>
+            <a:xfrm>
+              <a:off x="3350910" y="1140897"/>
+              <a:ext cx="3759456" cy="0"/>
+            </a:xfrm>
+            <a:prstGeom prst="straightConnector1">
+              <a:avLst/>
+            </a:prstGeom>
+            <a:ln w="19050">
+              <a:headEnd type="triangle"/>
+              <a:tailEnd type="triangle"/>
+            </a:ln>
+          </p:spPr>
+          <p:style>
+            <a:lnRef idx="1">
+              <a:schemeClr val="dk1"/>
+            </a:lnRef>
+            <a:fillRef idx="0">
+              <a:schemeClr val="dk1"/>
+            </a:fillRef>
+            <a:effectRef idx="0">
+              <a:schemeClr val="dk1"/>
+            </a:effectRef>
+            <a:fontRef idx="minor">
+              <a:schemeClr val="tx1"/>
+            </a:fontRef>
+          </p:style>
+        </p:cxnSp>
+      </p:grpSp>
     </p:spTree>
     <p:extLst>
       <p:ext uri="{BB962C8B-B14F-4D97-AF65-F5344CB8AC3E}">
@@ -7766,7 +11832,7 @@
 </p:sld>
 </file>
 
-<file path=ppt/slides/slide18.xml><?xml version="1.0" encoding="utf-8"?>
+<file path=ppt/slides/slide19.xml><?xml version="1.0" encoding="utf-8"?>
 <p:sld xmlns:a="http://schemas.openxmlformats.org/drawingml/2006/main" xmlns:r="http://schemas.openxmlformats.org/officeDocument/2006/relationships" xmlns:p="http://schemas.openxmlformats.org/presentationml/2006/main">
   <p:cSld>
     <p:spTree>
@@ -7903,284 +11969,6 @@
     <p:extLst>
       <p:ext uri="{BB962C8B-B14F-4D97-AF65-F5344CB8AC3E}">
         <p14:creationId xmlns:p14="http://schemas.microsoft.com/office/powerpoint/2010/main" val="2809293443"/>
-      </p:ext>
-    </p:extLst>
-  </p:cSld>
-  <p:clrMapOvr>
-    <a:masterClrMapping/>
-  </p:clrMapOvr>
-</p:sld>
-</file>
-
-<file path=ppt/slides/slide19.xml><?xml version="1.0" encoding="utf-8"?>
-<p:sld xmlns:a="http://schemas.openxmlformats.org/drawingml/2006/main" xmlns:r="http://schemas.openxmlformats.org/officeDocument/2006/relationships" xmlns:p="http://schemas.openxmlformats.org/presentationml/2006/main">
-  <p:cSld>
-    <p:spTree>
-      <p:nvGrpSpPr>
-        <p:cNvPr id="1" name=""/>
-        <p:cNvGrpSpPr/>
-        <p:nvPr/>
-      </p:nvGrpSpPr>
-      <p:grpSpPr>
-        <a:xfrm>
-          <a:off x="0" y="0"/>
-          <a:ext cx="0" cy="0"/>
-          <a:chOff x="0" y="0"/>
-          <a:chExt cx="0" cy="0"/>
-        </a:xfrm>
-      </p:grpSpPr>
-      <p:sp>
-        <p:nvSpPr>
-          <p:cNvPr id="2" name="タイトル 1">
-            <a:extLst>
-              <a:ext uri="{FF2B5EF4-FFF2-40B4-BE49-F238E27FC236}">
-                <a16:creationId xmlns:a16="http://schemas.microsoft.com/office/drawing/2014/main" id="{8427CE5C-C84D-4731-B6E3-862A96EA5C2B}"/>
-              </a:ext>
-            </a:extLst>
-          </p:cNvPr>
-          <p:cNvSpPr>
-            <a:spLocks noGrp="1"/>
-          </p:cNvSpPr>
-          <p:nvPr>
-            <p:ph type="title"/>
-          </p:nvPr>
-        </p:nvSpPr>
-        <p:spPr>
-          <a:xfrm>
-            <a:off x="0" y="0"/>
-            <a:ext cx="10515600" cy="1325563"/>
-          </a:xfrm>
-        </p:spPr>
-        <p:txBody>
-          <a:bodyPr/>
-          <a:lstStyle/>
-          <a:p>
-            <a:r>
-              <a:rPr kumimoji="1" lang="ja-JP" altLang="en-US" dirty="0"/>
-              <a:t>シミュレーション後</a:t>
-            </a:r>
-          </a:p>
-        </p:txBody>
-      </p:sp>
-      <p:sp>
-        <p:nvSpPr>
-          <p:cNvPr id="4" name="テキスト ボックス 3">
-            <a:extLst>
-              <a:ext uri="{FF2B5EF4-FFF2-40B4-BE49-F238E27FC236}">
-                <a16:creationId xmlns:a16="http://schemas.microsoft.com/office/drawing/2014/main" id="{813983EE-4830-405B-B791-A3C3DB552BBC}"/>
-              </a:ext>
-            </a:extLst>
-          </p:cNvPr>
-          <p:cNvSpPr txBox="1"/>
-          <p:nvPr/>
-        </p:nvSpPr>
-        <p:spPr>
-          <a:xfrm>
-            <a:off x="1093509" y="1800520"/>
-            <a:ext cx="5916891" cy="369332"/>
-          </a:xfrm>
-          <a:prstGeom prst="rect">
-            <a:avLst/>
-          </a:prstGeom>
-          <a:noFill/>
-        </p:spPr>
-        <p:txBody>
-          <a:bodyPr wrap="square" rtlCol="0">
-            <a:spAutoFit/>
-          </a:bodyPr>
-          <a:lstStyle/>
-          <a:p>
-            <a:r>
-              <a:rPr lang="ja-JP" altLang="ja-JP" sz="1800" dirty="0">
-                <a:effectLst/>
-                <a:ea typeface="ＭＳ 明朝" panose="02020609040205080304" pitchFamily="17" charset="-128"/>
-                <a:cs typeface="Times New Roman" panose="02020603050405020304" pitchFamily="18" charset="0"/>
-              </a:rPr>
-              <a:t>検出方法を決定し、装置の設計、製作に移行していく</a:t>
-            </a:r>
-            <a:endParaRPr kumimoji="1" lang="ja-JP" altLang="en-US" dirty="0"/>
-          </a:p>
-        </p:txBody>
-      </p:sp>
-      <p:sp>
-        <p:nvSpPr>
-          <p:cNvPr id="5" name="テキスト ボックス 4">
-            <a:extLst>
-              <a:ext uri="{FF2B5EF4-FFF2-40B4-BE49-F238E27FC236}">
-                <a16:creationId xmlns:a16="http://schemas.microsoft.com/office/drawing/2014/main" id="{1E297969-C015-437D-B6B9-35D808AC3D89}"/>
-              </a:ext>
-            </a:extLst>
-          </p:cNvPr>
-          <p:cNvSpPr txBox="1"/>
-          <p:nvPr/>
-        </p:nvSpPr>
-        <p:spPr>
-          <a:xfrm>
-            <a:off x="980387" y="3799002"/>
-            <a:ext cx="6740165" cy="1477328"/>
-          </a:xfrm>
-          <a:prstGeom prst="rect">
-            <a:avLst/>
-          </a:prstGeom>
-          <a:noFill/>
-        </p:spPr>
-        <p:txBody>
-          <a:bodyPr wrap="square" rtlCol="0">
-            <a:spAutoFit/>
-          </a:bodyPr>
-          <a:lstStyle/>
-          <a:p>
-            <a:pPr marL="228600" algn="just"/>
-            <a:r>
-              <a:rPr kumimoji="1" lang="ja-JP" altLang="en-US" dirty="0"/>
-              <a:t>検出器の選択肢：①</a:t>
-            </a:r>
-            <a:r>
-              <a:rPr lang="en-US" altLang="ja-JP" sz="1800" kern="100" dirty="0">
-                <a:effectLst/>
-                <a:latin typeface="游明朝" panose="02020400000000000000" pitchFamily="18" charset="-128"/>
-                <a:ea typeface="ＭＳ 明朝" panose="02020609040205080304" pitchFamily="17" charset="-128"/>
-                <a:cs typeface="Times New Roman" panose="02020603050405020304" pitchFamily="18" charset="0"/>
-              </a:rPr>
-              <a:t>MCP</a:t>
-            </a:r>
-            <a:r>
-              <a:rPr lang="ja-JP" altLang="ja-JP" sz="1800" kern="100" dirty="0">
-                <a:effectLst/>
-                <a:latin typeface="游明朝" panose="02020400000000000000" pitchFamily="18" charset="-128"/>
-                <a:ea typeface="ＭＳ 明朝" panose="02020609040205080304" pitchFamily="17" charset="-128"/>
-                <a:cs typeface="Times New Roman" panose="02020603050405020304" pitchFamily="18" charset="0"/>
-              </a:rPr>
-              <a:t>の読み出し電極分割</a:t>
-            </a:r>
-            <a:endParaRPr lang="ja-JP" altLang="ja-JP" sz="1800" kern="100" dirty="0">
-              <a:effectLst/>
-              <a:latin typeface="游明朝" panose="02020400000000000000" pitchFamily="18" charset="-128"/>
-              <a:ea typeface="游明朝" panose="02020400000000000000" pitchFamily="18" charset="-128"/>
-              <a:cs typeface="Times New Roman" panose="02020603050405020304" pitchFamily="18" charset="0"/>
-            </a:endParaRPr>
-          </a:p>
-          <a:p>
-            <a:pPr marL="228600" algn="just"/>
-            <a:r>
-              <a:rPr lang="ja-JP" altLang="en-US" kern="100" dirty="0">
-                <a:latin typeface="游明朝" panose="02020400000000000000" pitchFamily="18" charset="-128"/>
-                <a:ea typeface="ＭＳ 明朝" panose="02020609040205080304" pitchFamily="17" charset="-128"/>
-                <a:cs typeface="Times New Roman" panose="02020603050405020304" pitchFamily="18" charset="0"/>
-              </a:rPr>
-              <a:t>　　　　　　　　②</a:t>
-            </a:r>
-            <a:r>
-              <a:rPr lang="en-US" altLang="ja-JP" sz="1800" kern="100" dirty="0">
-                <a:effectLst/>
-                <a:latin typeface="游明朝" panose="02020400000000000000" pitchFamily="18" charset="-128"/>
-                <a:ea typeface="ＭＳ 明朝" panose="02020609040205080304" pitchFamily="17" charset="-128"/>
-                <a:cs typeface="Times New Roman" panose="02020603050405020304" pitchFamily="18" charset="0"/>
-              </a:rPr>
-              <a:t>Si</a:t>
-            </a:r>
-            <a:r>
-              <a:rPr lang="ja-JP" altLang="ja-JP" sz="1800" kern="100" dirty="0">
-                <a:effectLst/>
-                <a:latin typeface="游明朝" panose="02020400000000000000" pitchFamily="18" charset="-128"/>
-                <a:ea typeface="ＭＳ 明朝" panose="02020609040205080304" pitchFamily="17" charset="-128"/>
-                <a:cs typeface="Times New Roman" panose="02020603050405020304" pitchFamily="18" charset="0"/>
-              </a:rPr>
-              <a:t>ストリップ検出器</a:t>
-            </a:r>
-            <a:endParaRPr lang="ja-JP" altLang="ja-JP" sz="1800" kern="100" dirty="0">
-              <a:effectLst/>
-              <a:latin typeface="游明朝" panose="02020400000000000000" pitchFamily="18" charset="-128"/>
-              <a:ea typeface="游明朝" panose="02020400000000000000" pitchFamily="18" charset="-128"/>
-              <a:cs typeface="Times New Roman" panose="02020603050405020304" pitchFamily="18" charset="0"/>
-            </a:endParaRPr>
-          </a:p>
-          <a:p>
-            <a:pPr marL="228600" algn="just"/>
-            <a:r>
-              <a:rPr lang="ja-JP" altLang="en-US" kern="100" dirty="0">
-                <a:latin typeface="游明朝" panose="02020400000000000000" pitchFamily="18" charset="-128"/>
-                <a:ea typeface="ＭＳ 明朝" panose="02020609040205080304" pitchFamily="17" charset="-128"/>
-                <a:cs typeface="Times New Roman" panose="02020603050405020304" pitchFamily="18" charset="0"/>
-              </a:rPr>
-              <a:t>　　　　　　　　③</a:t>
-            </a:r>
-            <a:r>
-              <a:rPr lang="en-US" altLang="ja-JP" sz="1800" kern="100" dirty="0">
-                <a:effectLst/>
-                <a:latin typeface="游明朝" panose="02020400000000000000" pitchFamily="18" charset="-128"/>
-                <a:ea typeface="ＭＳ 明朝" panose="02020609040205080304" pitchFamily="17" charset="-128"/>
-                <a:cs typeface="Times New Roman" panose="02020603050405020304" pitchFamily="18" charset="0"/>
-              </a:rPr>
-              <a:t>MPPC</a:t>
-            </a:r>
-            <a:endParaRPr lang="en-US" altLang="ja-JP" kern="100" dirty="0">
-              <a:latin typeface="游明朝" panose="02020400000000000000" pitchFamily="18" charset="-128"/>
-              <a:ea typeface="游明朝" panose="02020400000000000000" pitchFamily="18" charset="-128"/>
-              <a:cs typeface="Times New Roman" panose="02020603050405020304" pitchFamily="18" charset="0"/>
-            </a:endParaRPr>
-          </a:p>
-          <a:p>
-            <a:pPr marL="228600" algn="just"/>
-            <a:r>
-              <a:rPr lang="ja-JP" altLang="en-US" kern="100" dirty="0">
-                <a:latin typeface="游明朝" panose="02020400000000000000" pitchFamily="18" charset="-128"/>
-                <a:ea typeface="游明朝" panose="02020400000000000000" pitchFamily="18" charset="-128"/>
-                <a:cs typeface="Times New Roman" panose="02020603050405020304" pitchFamily="18" charset="0"/>
-              </a:rPr>
-              <a:t>　　　　　　　　</a:t>
-            </a:r>
-            <a:r>
-              <a:rPr lang="ja-JP" altLang="en-US" kern="100" dirty="0">
-                <a:latin typeface="游明朝" panose="02020400000000000000" pitchFamily="18" charset="-128"/>
-                <a:ea typeface="ＭＳ 明朝" panose="02020609040205080304" pitchFamily="17" charset="-128"/>
-                <a:cs typeface="Times New Roman" panose="02020603050405020304" pitchFamily="18" charset="0"/>
-              </a:rPr>
-              <a:t>④</a:t>
-            </a:r>
-            <a:r>
-              <a:rPr lang="ja-JP" altLang="ja-JP" sz="1800" kern="100" dirty="0">
-                <a:effectLst/>
-                <a:latin typeface="游明朝" panose="02020400000000000000" pitchFamily="18" charset="-128"/>
-                <a:ea typeface="ＭＳ 明朝" panose="02020609040205080304" pitchFamily="17" charset="-128"/>
-                <a:cs typeface="Times New Roman" panose="02020603050405020304" pitchFamily="18" charset="0"/>
-              </a:rPr>
-              <a:t>シンチレーション光の</a:t>
-            </a:r>
-            <a:r>
-              <a:rPr lang="en-US" altLang="ja-JP" sz="1800" kern="100" dirty="0">
-                <a:effectLst/>
-                <a:latin typeface="游明朝" panose="02020400000000000000" pitchFamily="18" charset="-128"/>
-                <a:ea typeface="ＭＳ 明朝" panose="02020609040205080304" pitchFamily="17" charset="-128"/>
-                <a:cs typeface="Times New Roman" panose="02020603050405020304" pitchFamily="18" charset="0"/>
-              </a:rPr>
-              <a:t>CCD</a:t>
-            </a:r>
-            <a:r>
-              <a:rPr lang="ja-JP" altLang="ja-JP" sz="1800" kern="100" dirty="0">
-                <a:effectLst/>
-                <a:latin typeface="游明朝" panose="02020400000000000000" pitchFamily="18" charset="-128"/>
-                <a:ea typeface="ＭＳ 明朝" panose="02020609040205080304" pitchFamily="17" charset="-128"/>
-                <a:cs typeface="Times New Roman" panose="02020603050405020304" pitchFamily="18" charset="0"/>
-              </a:rPr>
-              <a:t>読み出し</a:t>
-            </a:r>
-            <a:endParaRPr lang="ja-JP" altLang="ja-JP" sz="1800" kern="100" dirty="0">
-              <a:effectLst/>
-              <a:latin typeface="游明朝" panose="02020400000000000000" pitchFamily="18" charset="-128"/>
-              <a:ea typeface="游明朝" panose="02020400000000000000" pitchFamily="18" charset="-128"/>
-              <a:cs typeface="Times New Roman" panose="02020603050405020304" pitchFamily="18" charset="0"/>
-            </a:endParaRPr>
-          </a:p>
-          <a:p>
-            <a:endParaRPr kumimoji="1" lang="ja-JP" altLang="en-US" dirty="0"/>
-          </a:p>
-        </p:txBody>
-      </p:sp>
-    </p:spTree>
-    <p:extLst>
-      <p:ext uri="{BB962C8B-B14F-4D97-AF65-F5344CB8AC3E}">
-        <p14:creationId xmlns:p14="http://schemas.microsoft.com/office/powerpoint/2010/main" val="2184556959"/>
       </p:ext>
     </p:extLst>
   </p:cSld>
@@ -8639,6 +12427,284 @@
 </p:sld>
 </file>
 
+<file path=ppt/slides/slide20.xml><?xml version="1.0" encoding="utf-8"?>
+<p:sld xmlns:a="http://schemas.openxmlformats.org/drawingml/2006/main" xmlns:r="http://schemas.openxmlformats.org/officeDocument/2006/relationships" xmlns:p="http://schemas.openxmlformats.org/presentationml/2006/main">
+  <p:cSld>
+    <p:spTree>
+      <p:nvGrpSpPr>
+        <p:cNvPr id="1" name=""/>
+        <p:cNvGrpSpPr/>
+        <p:nvPr/>
+      </p:nvGrpSpPr>
+      <p:grpSpPr>
+        <a:xfrm>
+          <a:off x="0" y="0"/>
+          <a:ext cx="0" cy="0"/>
+          <a:chOff x="0" y="0"/>
+          <a:chExt cx="0" cy="0"/>
+        </a:xfrm>
+      </p:grpSpPr>
+      <p:sp>
+        <p:nvSpPr>
+          <p:cNvPr id="2" name="タイトル 1">
+            <a:extLst>
+              <a:ext uri="{FF2B5EF4-FFF2-40B4-BE49-F238E27FC236}">
+                <a16:creationId xmlns:a16="http://schemas.microsoft.com/office/drawing/2014/main" id="{8427CE5C-C84D-4731-B6E3-862A96EA5C2B}"/>
+              </a:ext>
+            </a:extLst>
+          </p:cNvPr>
+          <p:cNvSpPr>
+            <a:spLocks noGrp="1"/>
+          </p:cNvSpPr>
+          <p:nvPr>
+            <p:ph type="title"/>
+          </p:nvPr>
+        </p:nvSpPr>
+        <p:spPr>
+          <a:xfrm>
+            <a:off x="0" y="0"/>
+            <a:ext cx="10515600" cy="1325563"/>
+          </a:xfrm>
+        </p:spPr>
+        <p:txBody>
+          <a:bodyPr/>
+          <a:lstStyle/>
+          <a:p>
+            <a:r>
+              <a:rPr kumimoji="1" lang="ja-JP" altLang="en-US" dirty="0"/>
+              <a:t>シミュレーション後</a:t>
+            </a:r>
+          </a:p>
+        </p:txBody>
+      </p:sp>
+      <p:sp>
+        <p:nvSpPr>
+          <p:cNvPr id="4" name="テキスト ボックス 3">
+            <a:extLst>
+              <a:ext uri="{FF2B5EF4-FFF2-40B4-BE49-F238E27FC236}">
+                <a16:creationId xmlns:a16="http://schemas.microsoft.com/office/drawing/2014/main" id="{813983EE-4830-405B-B791-A3C3DB552BBC}"/>
+              </a:ext>
+            </a:extLst>
+          </p:cNvPr>
+          <p:cNvSpPr txBox="1"/>
+          <p:nvPr/>
+        </p:nvSpPr>
+        <p:spPr>
+          <a:xfrm>
+            <a:off x="1093509" y="1800520"/>
+            <a:ext cx="5916891" cy="369332"/>
+          </a:xfrm>
+          <a:prstGeom prst="rect">
+            <a:avLst/>
+          </a:prstGeom>
+          <a:noFill/>
+        </p:spPr>
+        <p:txBody>
+          <a:bodyPr wrap="square" rtlCol="0">
+            <a:spAutoFit/>
+          </a:bodyPr>
+          <a:lstStyle/>
+          <a:p>
+            <a:r>
+              <a:rPr lang="ja-JP" altLang="ja-JP" sz="1800" dirty="0">
+                <a:effectLst/>
+                <a:ea typeface="ＭＳ 明朝" panose="02020609040205080304" pitchFamily="17" charset="-128"/>
+                <a:cs typeface="Times New Roman" panose="02020603050405020304" pitchFamily="18" charset="0"/>
+              </a:rPr>
+              <a:t>検出方法を決定し、装置の設計、製作に移行していく</a:t>
+            </a:r>
+            <a:endParaRPr kumimoji="1" lang="ja-JP" altLang="en-US" dirty="0"/>
+          </a:p>
+        </p:txBody>
+      </p:sp>
+      <p:sp>
+        <p:nvSpPr>
+          <p:cNvPr id="5" name="テキスト ボックス 4">
+            <a:extLst>
+              <a:ext uri="{FF2B5EF4-FFF2-40B4-BE49-F238E27FC236}">
+                <a16:creationId xmlns:a16="http://schemas.microsoft.com/office/drawing/2014/main" id="{1E297969-C015-437D-B6B9-35D808AC3D89}"/>
+              </a:ext>
+            </a:extLst>
+          </p:cNvPr>
+          <p:cNvSpPr txBox="1"/>
+          <p:nvPr/>
+        </p:nvSpPr>
+        <p:spPr>
+          <a:xfrm>
+            <a:off x="980387" y="3799002"/>
+            <a:ext cx="6740165" cy="1477328"/>
+          </a:xfrm>
+          <a:prstGeom prst="rect">
+            <a:avLst/>
+          </a:prstGeom>
+          <a:noFill/>
+        </p:spPr>
+        <p:txBody>
+          <a:bodyPr wrap="square" rtlCol="0">
+            <a:spAutoFit/>
+          </a:bodyPr>
+          <a:lstStyle/>
+          <a:p>
+            <a:pPr marL="228600" algn="just"/>
+            <a:r>
+              <a:rPr kumimoji="1" lang="ja-JP" altLang="en-US" dirty="0"/>
+              <a:t>検出器の選択肢：①</a:t>
+            </a:r>
+            <a:r>
+              <a:rPr lang="en-US" altLang="ja-JP" sz="1800" kern="100" dirty="0">
+                <a:effectLst/>
+                <a:latin typeface="游明朝" panose="02020400000000000000" pitchFamily="18" charset="-128"/>
+                <a:ea typeface="ＭＳ 明朝" panose="02020609040205080304" pitchFamily="17" charset="-128"/>
+                <a:cs typeface="Times New Roman" panose="02020603050405020304" pitchFamily="18" charset="0"/>
+              </a:rPr>
+              <a:t>MCP</a:t>
+            </a:r>
+            <a:r>
+              <a:rPr lang="ja-JP" altLang="ja-JP" sz="1800" kern="100" dirty="0">
+                <a:effectLst/>
+                <a:latin typeface="游明朝" panose="02020400000000000000" pitchFamily="18" charset="-128"/>
+                <a:ea typeface="ＭＳ 明朝" panose="02020609040205080304" pitchFamily="17" charset="-128"/>
+                <a:cs typeface="Times New Roman" panose="02020603050405020304" pitchFamily="18" charset="0"/>
+              </a:rPr>
+              <a:t>の読み出し電極分割</a:t>
+            </a:r>
+            <a:endParaRPr lang="ja-JP" altLang="ja-JP" sz="1800" kern="100" dirty="0">
+              <a:effectLst/>
+              <a:latin typeface="游明朝" panose="02020400000000000000" pitchFamily="18" charset="-128"/>
+              <a:ea typeface="游明朝" panose="02020400000000000000" pitchFamily="18" charset="-128"/>
+              <a:cs typeface="Times New Roman" panose="02020603050405020304" pitchFamily="18" charset="0"/>
+            </a:endParaRPr>
+          </a:p>
+          <a:p>
+            <a:pPr marL="228600" algn="just"/>
+            <a:r>
+              <a:rPr lang="ja-JP" altLang="en-US" kern="100" dirty="0">
+                <a:latin typeface="游明朝" panose="02020400000000000000" pitchFamily="18" charset="-128"/>
+                <a:ea typeface="ＭＳ 明朝" panose="02020609040205080304" pitchFamily="17" charset="-128"/>
+                <a:cs typeface="Times New Roman" panose="02020603050405020304" pitchFamily="18" charset="0"/>
+              </a:rPr>
+              <a:t>　　　　　　　　②</a:t>
+            </a:r>
+            <a:r>
+              <a:rPr lang="en-US" altLang="ja-JP" sz="1800" kern="100" dirty="0">
+                <a:effectLst/>
+                <a:latin typeface="游明朝" panose="02020400000000000000" pitchFamily="18" charset="-128"/>
+                <a:ea typeface="ＭＳ 明朝" panose="02020609040205080304" pitchFamily="17" charset="-128"/>
+                <a:cs typeface="Times New Roman" panose="02020603050405020304" pitchFamily="18" charset="0"/>
+              </a:rPr>
+              <a:t>Si</a:t>
+            </a:r>
+            <a:r>
+              <a:rPr lang="ja-JP" altLang="ja-JP" sz="1800" kern="100" dirty="0">
+                <a:effectLst/>
+                <a:latin typeface="游明朝" panose="02020400000000000000" pitchFamily="18" charset="-128"/>
+                <a:ea typeface="ＭＳ 明朝" panose="02020609040205080304" pitchFamily="17" charset="-128"/>
+                <a:cs typeface="Times New Roman" panose="02020603050405020304" pitchFamily="18" charset="0"/>
+              </a:rPr>
+              <a:t>ストリップ検出器</a:t>
+            </a:r>
+            <a:endParaRPr lang="ja-JP" altLang="ja-JP" sz="1800" kern="100" dirty="0">
+              <a:effectLst/>
+              <a:latin typeface="游明朝" panose="02020400000000000000" pitchFamily="18" charset="-128"/>
+              <a:ea typeface="游明朝" panose="02020400000000000000" pitchFamily="18" charset="-128"/>
+              <a:cs typeface="Times New Roman" panose="02020603050405020304" pitchFamily="18" charset="0"/>
+            </a:endParaRPr>
+          </a:p>
+          <a:p>
+            <a:pPr marL="228600" algn="just"/>
+            <a:r>
+              <a:rPr lang="ja-JP" altLang="en-US" kern="100" dirty="0">
+                <a:latin typeface="游明朝" panose="02020400000000000000" pitchFamily="18" charset="-128"/>
+                <a:ea typeface="ＭＳ 明朝" panose="02020609040205080304" pitchFamily="17" charset="-128"/>
+                <a:cs typeface="Times New Roman" panose="02020603050405020304" pitchFamily="18" charset="0"/>
+              </a:rPr>
+              <a:t>　　　　　　　　③</a:t>
+            </a:r>
+            <a:r>
+              <a:rPr lang="en-US" altLang="ja-JP" sz="1800" kern="100" dirty="0">
+                <a:effectLst/>
+                <a:latin typeface="游明朝" panose="02020400000000000000" pitchFamily="18" charset="-128"/>
+                <a:ea typeface="ＭＳ 明朝" panose="02020609040205080304" pitchFamily="17" charset="-128"/>
+                <a:cs typeface="Times New Roman" panose="02020603050405020304" pitchFamily="18" charset="0"/>
+              </a:rPr>
+              <a:t>MPPC</a:t>
+            </a:r>
+            <a:endParaRPr lang="en-US" altLang="ja-JP" kern="100" dirty="0">
+              <a:latin typeface="游明朝" panose="02020400000000000000" pitchFamily="18" charset="-128"/>
+              <a:ea typeface="游明朝" panose="02020400000000000000" pitchFamily="18" charset="-128"/>
+              <a:cs typeface="Times New Roman" panose="02020603050405020304" pitchFamily="18" charset="0"/>
+            </a:endParaRPr>
+          </a:p>
+          <a:p>
+            <a:pPr marL="228600" algn="just"/>
+            <a:r>
+              <a:rPr lang="ja-JP" altLang="en-US" kern="100" dirty="0">
+                <a:latin typeface="游明朝" panose="02020400000000000000" pitchFamily="18" charset="-128"/>
+                <a:ea typeface="游明朝" panose="02020400000000000000" pitchFamily="18" charset="-128"/>
+                <a:cs typeface="Times New Roman" panose="02020603050405020304" pitchFamily="18" charset="0"/>
+              </a:rPr>
+              <a:t>　　　　　　　　</a:t>
+            </a:r>
+            <a:r>
+              <a:rPr lang="ja-JP" altLang="en-US" kern="100" dirty="0">
+                <a:latin typeface="游明朝" panose="02020400000000000000" pitchFamily="18" charset="-128"/>
+                <a:ea typeface="ＭＳ 明朝" panose="02020609040205080304" pitchFamily="17" charset="-128"/>
+                <a:cs typeface="Times New Roman" panose="02020603050405020304" pitchFamily="18" charset="0"/>
+              </a:rPr>
+              <a:t>④</a:t>
+            </a:r>
+            <a:r>
+              <a:rPr lang="ja-JP" altLang="ja-JP" sz="1800" kern="100" dirty="0">
+                <a:effectLst/>
+                <a:latin typeface="游明朝" panose="02020400000000000000" pitchFamily="18" charset="-128"/>
+                <a:ea typeface="ＭＳ 明朝" panose="02020609040205080304" pitchFamily="17" charset="-128"/>
+                <a:cs typeface="Times New Roman" panose="02020603050405020304" pitchFamily="18" charset="0"/>
+              </a:rPr>
+              <a:t>シンチレーション光の</a:t>
+            </a:r>
+            <a:r>
+              <a:rPr lang="en-US" altLang="ja-JP" sz="1800" kern="100" dirty="0">
+                <a:effectLst/>
+                <a:latin typeface="游明朝" panose="02020400000000000000" pitchFamily="18" charset="-128"/>
+                <a:ea typeface="ＭＳ 明朝" panose="02020609040205080304" pitchFamily="17" charset="-128"/>
+                <a:cs typeface="Times New Roman" panose="02020603050405020304" pitchFamily="18" charset="0"/>
+              </a:rPr>
+              <a:t>CCD</a:t>
+            </a:r>
+            <a:r>
+              <a:rPr lang="ja-JP" altLang="ja-JP" sz="1800" kern="100" dirty="0">
+                <a:effectLst/>
+                <a:latin typeface="游明朝" panose="02020400000000000000" pitchFamily="18" charset="-128"/>
+                <a:ea typeface="ＭＳ 明朝" panose="02020609040205080304" pitchFamily="17" charset="-128"/>
+                <a:cs typeface="Times New Roman" panose="02020603050405020304" pitchFamily="18" charset="0"/>
+              </a:rPr>
+              <a:t>読み出し</a:t>
+            </a:r>
+            <a:endParaRPr lang="ja-JP" altLang="ja-JP" sz="1800" kern="100" dirty="0">
+              <a:effectLst/>
+              <a:latin typeface="游明朝" panose="02020400000000000000" pitchFamily="18" charset="-128"/>
+              <a:ea typeface="游明朝" panose="02020400000000000000" pitchFamily="18" charset="-128"/>
+              <a:cs typeface="Times New Roman" panose="02020603050405020304" pitchFamily="18" charset="0"/>
+            </a:endParaRPr>
+          </a:p>
+          <a:p>
+            <a:endParaRPr kumimoji="1" lang="ja-JP" altLang="en-US" dirty="0"/>
+          </a:p>
+        </p:txBody>
+      </p:sp>
+    </p:spTree>
+    <p:extLst>
+      <p:ext uri="{BB962C8B-B14F-4D97-AF65-F5344CB8AC3E}">
+        <p14:creationId xmlns:p14="http://schemas.microsoft.com/office/powerpoint/2010/main" val="2184556959"/>
+      </p:ext>
+    </p:extLst>
+  </p:cSld>
+  <p:clrMapOvr>
+    <a:masterClrMapping/>
+  </p:clrMapOvr>
+</p:sld>
+</file>
+
 <file path=ppt/slides/slide3.xml><?xml version="1.0" encoding="utf-8"?>
 <p:sld xmlns:a="http://schemas.openxmlformats.org/drawingml/2006/main" xmlns:r="http://schemas.openxmlformats.org/officeDocument/2006/relationships" xmlns:p="http://schemas.openxmlformats.org/presentationml/2006/main">
   <p:cSld>
@@ -8685,8 +12751,12 @@
           <a:lstStyle/>
           <a:p>
             <a:r>
+              <a:rPr kumimoji="1" lang="en-US" altLang="ja-JP" sz="2400" dirty="0"/>
+              <a:t>E×B</a:t>
+            </a:r>
+            <a:r>
               <a:rPr kumimoji="1" lang="ja-JP" altLang="en-US" sz="2400" dirty="0"/>
-              <a:t>捕獲できたイオンの分析器の現状</a:t>
+              <a:t>フィルター</a:t>
             </a:r>
           </a:p>
         </p:txBody>
@@ -8731,6 +12801,35 @@
           </a:p>
         </p:txBody>
       </p:sp>
+      <p:pic>
+        <p:nvPicPr>
+          <p:cNvPr id="2" name="図 1">
+            <a:extLst>
+              <a:ext uri="{FF2B5EF4-FFF2-40B4-BE49-F238E27FC236}">
+                <a16:creationId xmlns:a16="http://schemas.microsoft.com/office/drawing/2014/main" id="{B9EFD1D6-CCD6-48F4-95B2-540AB1DB17F2}"/>
+              </a:ext>
+            </a:extLst>
+          </p:cNvPr>
+          <p:cNvPicPr>
+            <a:picLocks noChangeAspect="1"/>
+          </p:cNvPicPr>
+          <p:nvPr/>
+        </p:nvPicPr>
+        <p:blipFill rotWithShape="1">
+          <a:blip r:embed="rId3"/>
+          <a:srcRect l="22578" t="24743" r="18582" b="37181"/>
+          <a:stretch/>
+        </p:blipFill>
+        <p:spPr>
+          <a:xfrm>
+            <a:off x="1409437" y="1675614"/>
+            <a:ext cx="9634129" cy="3506772"/>
+          </a:xfrm>
+          <a:prstGeom prst="rect">
+            <a:avLst/>
+          </a:prstGeom>
+        </p:spPr>
+      </p:pic>
     </p:spTree>
     <p:extLst>
       <p:ext uri="{BB962C8B-B14F-4D97-AF65-F5344CB8AC3E}">
@@ -8745,6 +12844,112 @@
 </file>
 
 <file path=ppt/slides/slide4.xml><?xml version="1.0" encoding="utf-8"?>
+<p:sld xmlns:a="http://schemas.openxmlformats.org/drawingml/2006/main" xmlns:r="http://schemas.openxmlformats.org/officeDocument/2006/relationships" xmlns:p="http://schemas.openxmlformats.org/presentationml/2006/main">
+  <p:cSld>
+    <p:spTree>
+      <p:nvGrpSpPr>
+        <p:cNvPr id="1" name=""/>
+        <p:cNvGrpSpPr/>
+        <p:nvPr/>
+      </p:nvGrpSpPr>
+      <p:grpSpPr>
+        <a:xfrm>
+          <a:off x="0" y="0"/>
+          <a:ext cx="0" cy="0"/>
+          <a:chOff x="0" y="0"/>
+          <a:chExt cx="0" cy="0"/>
+        </a:xfrm>
+      </p:grpSpPr>
+      <p:sp>
+        <p:nvSpPr>
+          <p:cNvPr id="11" name="テキスト ボックス 10">
+            <a:extLst>
+              <a:ext uri="{FF2B5EF4-FFF2-40B4-BE49-F238E27FC236}">
+                <a16:creationId xmlns:a16="http://schemas.microsoft.com/office/drawing/2014/main" id="{22EB38E1-467E-4790-89B2-53332EE0737A}"/>
+              </a:ext>
+            </a:extLst>
+          </p:cNvPr>
+          <p:cNvSpPr txBox="1"/>
+          <p:nvPr/>
+        </p:nvSpPr>
+        <p:spPr>
+          <a:xfrm>
+            <a:off x="476547" y="781347"/>
+            <a:ext cx="6554568" cy="461665"/>
+          </a:xfrm>
+          <a:prstGeom prst="rect">
+            <a:avLst/>
+          </a:prstGeom>
+          <a:noFill/>
+        </p:spPr>
+        <p:txBody>
+          <a:bodyPr wrap="square" rtlCol="0">
+            <a:spAutoFit/>
+          </a:bodyPr>
+          <a:lstStyle/>
+          <a:p>
+            <a:r>
+              <a:rPr lang="en-US" altLang="ja-JP" sz="2400" dirty="0"/>
+              <a:t>SCRIT</a:t>
+            </a:r>
+            <a:endParaRPr kumimoji="1" lang="ja-JP" altLang="en-US" sz="2400" dirty="0"/>
+          </a:p>
+        </p:txBody>
+      </p:sp>
+      <p:sp>
+        <p:nvSpPr>
+          <p:cNvPr id="15" name="タイトル 1">
+            <a:extLst>
+              <a:ext uri="{FF2B5EF4-FFF2-40B4-BE49-F238E27FC236}">
+                <a16:creationId xmlns:a16="http://schemas.microsoft.com/office/drawing/2014/main" id="{870DFE3C-2A1C-4D76-A7C0-A868140C2C37}"/>
+              </a:ext>
+            </a:extLst>
+          </p:cNvPr>
+          <p:cNvSpPr>
+            <a:spLocks noGrp="1"/>
+          </p:cNvSpPr>
+          <p:nvPr>
+            <p:ph type="title"/>
+          </p:nvPr>
+        </p:nvSpPr>
+        <p:spPr>
+          <a:xfrm>
+            <a:off x="0" y="18256"/>
+            <a:ext cx="10515600" cy="662782"/>
+          </a:xfrm>
+        </p:spPr>
+        <p:txBody>
+          <a:bodyPr>
+            <a:normAutofit/>
+          </a:bodyPr>
+          <a:lstStyle/>
+          <a:p>
+            <a:r>
+              <a:rPr lang="en-US" altLang="ja-JP" sz="3200" dirty="0"/>
+              <a:t>1.</a:t>
+            </a:r>
+            <a:r>
+              <a:rPr lang="ja-JP" altLang="en-US" sz="3200" dirty="0"/>
+              <a:t>はじめに</a:t>
+            </a:r>
+            <a:endParaRPr kumimoji="1" lang="ja-JP" altLang="en-US" sz="3200" dirty="0"/>
+          </a:p>
+        </p:txBody>
+      </p:sp>
+    </p:spTree>
+    <p:extLst>
+      <p:ext uri="{BB962C8B-B14F-4D97-AF65-F5344CB8AC3E}">
+        <p14:creationId xmlns:p14="http://schemas.microsoft.com/office/powerpoint/2010/main" val="2102519564"/>
+      </p:ext>
+    </p:extLst>
+  </p:cSld>
+  <p:clrMapOvr>
+    <a:masterClrMapping/>
+  </p:clrMapOvr>
+</p:sld>
+</file>
+
+<file path=ppt/slides/slide5.xml><?xml version="1.0" encoding="utf-8"?>
 <p:sld xmlns:a="http://schemas.openxmlformats.org/drawingml/2006/main" xmlns:r="http://schemas.openxmlformats.org/officeDocument/2006/relationships" xmlns:p="http://schemas.openxmlformats.org/presentationml/2006/main">
   <p:cSld>
     <p:spTree>
@@ -9321,7 +13526,549 @@
 </p:sld>
 </file>
 
-<file path=ppt/slides/slide5.xml><?xml version="1.0" encoding="utf-8"?>
+<file path=ppt/slides/slide6.xml><?xml version="1.0" encoding="utf-8"?>
+<p:sld xmlns:a="http://schemas.openxmlformats.org/drawingml/2006/main" xmlns:r="http://schemas.openxmlformats.org/officeDocument/2006/relationships" xmlns:p="http://schemas.openxmlformats.org/presentationml/2006/main">
+  <p:cSld>
+    <p:spTree>
+      <p:nvGrpSpPr>
+        <p:cNvPr id="1" name=""/>
+        <p:cNvGrpSpPr/>
+        <p:nvPr/>
+      </p:nvGrpSpPr>
+      <p:grpSpPr>
+        <a:xfrm>
+          <a:off x="0" y="0"/>
+          <a:ext cx="0" cy="0"/>
+          <a:chOff x="0" y="0"/>
+          <a:chExt cx="0" cy="0"/>
+        </a:xfrm>
+      </p:grpSpPr>
+      <p:sp>
+        <p:nvSpPr>
+          <p:cNvPr id="12" name="タイトル 1">
+            <a:extLst>
+              <a:ext uri="{FF2B5EF4-FFF2-40B4-BE49-F238E27FC236}">
+                <a16:creationId xmlns:a16="http://schemas.microsoft.com/office/drawing/2014/main" id="{55D983C1-E01E-4294-8F23-02257B419F79}"/>
+              </a:ext>
+            </a:extLst>
+          </p:cNvPr>
+          <p:cNvSpPr>
+            <a:spLocks noGrp="1"/>
+          </p:cNvSpPr>
+          <p:nvPr>
+            <p:ph type="title"/>
+          </p:nvPr>
+        </p:nvSpPr>
+        <p:spPr>
+          <a:xfrm>
+            <a:off x="0" y="18256"/>
+            <a:ext cx="10515600" cy="662782"/>
+          </a:xfrm>
+        </p:spPr>
+        <p:txBody>
+          <a:bodyPr>
+            <a:normAutofit/>
+          </a:bodyPr>
+          <a:lstStyle/>
+          <a:p>
+            <a:r>
+              <a:rPr kumimoji="1" lang="en-US" altLang="ja-JP" sz="3200" dirty="0"/>
+              <a:t>2.</a:t>
+            </a:r>
+            <a:r>
+              <a:rPr kumimoji="1" lang="ja-JP" altLang="en-US" sz="3200" dirty="0"/>
+              <a:t>目的</a:t>
+            </a:r>
+          </a:p>
+        </p:txBody>
+      </p:sp>
+      <p:sp>
+        <p:nvSpPr>
+          <p:cNvPr id="18" name="フローチャート: 処理 17">
+            <a:extLst>
+              <a:ext uri="{FF2B5EF4-FFF2-40B4-BE49-F238E27FC236}">
+                <a16:creationId xmlns:a16="http://schemas.microsoft.com/office/drawing/2014/main" id="{8CFAA440-45AD-49A7-8DC1-DCED03633397}"/>
+              </a:ext>
+            </a:extLst>
+          </p:cNvPr>
+          <p:cNvSpPr/>
+          <p:nvPr/>
+        </p:nvSpPr>
+        <p:spPr>
+          <a:xfrm>
+            <a:off x="523875" y="2447925"/>
+            <a:ext cx="1323975" cy="2314575"/>
+          </a:xfrm>
+          <a:prstGeom prst="flowChartProcess">
+            <a:avLst/>
+          </a:prstGeom>
+          <a:noFill/>
+        </p:spPr>
+        <p:style>
+          <a:lnRef idx="2">
+            <a:schemeClr val="accent1">
+              <a:shade val="50000"/>
+            </a:schemeClr>
+          </a:lnRef>
+          <a:fillRef idx="1">
+            <a:schemeClr val="accent1"/>
+          </a:fillRef>
+          <a:effectRef idx="0">
+            <a:schemeClr val="accent1"/>
+          </a:effectRef>
+          <a:fontRef idx="minor">
+            <a:schemeClr val="lt1"/>
+          </a:fontRef>
+        </p:style>
+        <p:txBody>
+          <a:bodyPr vert="eaVert" rtlCol="0" anchor="ctr"/>
+          <a:lstStyle/>
+          <a:p>
+            <a:pPr algn="ctr"/>
+            <a:r>
+              <a:rPr kumimoji="1" lang="ja-JP" altLang="en-US" dirty="0">
+                <a:solidFill>
+                  <a:schemeClr val="tx1"/>
+                </a:solidFill>
+              </a:rPr>
+              <a:t>シミュレーション</a:t>
+            </a:r>
+          </a:p>
+        </p:txBody>
+      </p:sp>
+      <p:sp>
+        <p:nvSpPr>
+          <p:cNvPr id="23" name="フローチャート: 処理 22">
+            <a:extLst>
+              <a:ext uri="{FF2B5EF4-FFF2-40B4-BE49-F238E27FC236}">
+                <a16:creationId xmlns:a16="http://schemas.microsoft.com/office/drawing/2014/main" id="{A3FBC273-02EE-4775-A10E-CB687B9386D5}"/>
+              </a:ext>
+            </a:extLst>
+          </p:cNvPr>
+          <p:cNvSpPr/>
+          <p:nvPr/>
+        </p:nvSpPr>
+        <p:spPr>
+          <a:xfrm>
+            <a:off x="2978943" y="2447924"/>
+            <a:ext cx="1323975" cy="2314575"/>
+          </a:xfrm>
+          <a:prstGeom prst="flowChartProcess">
+            <a:avLst/>
+          </a:prstGeom>
+          <a:noFill/>
+        </p:spPr>
+        <p:style>
+          <a:lnRef idx="2">
+            <a:schemeClr val="accent1">
+              <a:shade val="50000"/>
+            </a:schemeClr>
+          </a:lnRef>
+          <a:fillRef idx="1">
+            <a:schemeClr val="accent1"/>
+          </a:fillRef>
+          <a:effectRef idx="0">
+            <a:schemeClr val="accent1"/>
+          </a:effectRef>
+          <a:fontRef idx="minor">
+            <a:schemeClr val="lt1"/>
+          </a:fontRef>
+        </p:style>
+        <p:txBody>
+          <a:bodyPr vert="eaVert" rtlCol="0" anchor="ctr"/>
+          <a:lstStyle/>
+          <a:p>
+            <a:pPr algn="ctr"/>
+            <a:r>
+              <a:rPr lang="ja-JP" altLang="en-US" dirty="0">
+                <a:solidFill>
+                  <a:schemeClr val="tx1"/>
+                </a:solidFill>
+              </a:rPr>
+              <a:t>装置の設計</a:t>
+            </a:r>
+            <a:endParaRPr kumimoji="1" lang="ja-JP" altLang="en-US" dirty="0">
+              <a:solidFill>
+                <a:schemeClr val="tx1"/>
+              </a:solidFill>
+            </a:endParaRPr>
+          </a:p>
+        </p:txBody>
+      </p:sp>
+      <p:sp>
+        <p:nvSpPr>
+          <p:cNvPr id="25" name="フローチャート: 処理 24">
+            <a:extLst>
+              <a:ext uri="{FF2B5EF4-FFF2-40B4-BE49-F238E27FC236}">
+                <a16:creationId xmlns:a16="http://schemas.microsoft.com/office/drawing/2014/main" id="{21C8D0C3-C019-4E66-BB36-A135CEAE97A1}"/>
+              </a:ext>
+            </a:extLst>
+          </p:cNvPr>
+          <p:cNvSpPr/>
+          <p:nvPr/>
+        </p:nvSpPr>
+        <p:spPr>
+          <a:xfrm>
+            <a:off x="5434012" y="2447924"/>
+            <a:ext cx="1323975" cy="2314575"/>
+          </a:xfrm>
+          <a:prstGeom prst="flowChartProcess">
+            <a:avLst/>
+          </a:prstGeom>
+          <a:noFill/>
+        </p:spPr>
+        <p:style>
+          <a:lnRef idx="2">
+            <a:schemeClr val="accent1">
+              <a:shade val="50000"/>
+            </a:schemeClr>
+          </a:lnRef>
+          <a:fillRef idx="1">
+            <a:schemeClr val="accent1"/>
+          </a:fillRef>
+          <a:effectRef idx="0">
+            <a:schemeClr val="accent1"/>
+          </a:effectRef>
+          <a:fontRef idx="minor">
+            <a:schemeClr val="lt1"/>
+          </a:fontRef>
+        </p:style>
+        <p:txBody>
+          <a:bodyPr vert="eaVert" rtlCol="0" anchor="ctr"/>
+          <a:lstStyle/>
+          <a:p>
+            <a:pPr algn="ctr"/>
+            <a:r>
+              <a:rPr lang="ja-JP" altLang="en-US" dirty="0">
+                <a:solidFill>
+                  <a:schemeClr val="tx1"/>
+                </a:solidFill>
+              </a:rPr>
+              <a:t>装置の製作</a:t>
+            </a:r>
+            <a:endParaRPr kumimoji="1" lang="ja-JP" altLang="en-US" dirty="0">
+              <a:solidFill>
+                <a:schemeClr val="tx1"/>
+              </a:solidFill>
+            </a:endParaRPr>
+          </a:p>
+        </p:txBody>
+      </p:sp>
+      <p:sp>
+        <p:nvSpPr>
+          <p:cNvPr id="27" name="フローチャート: 処理 26">
+            <a:extLst>
+              <a:ext uri="{FF2B5EF4-FFF2-40B4-BE49-F238E27FC236}">
+                <a16:creationId xmlns:a16="http://schemas.microsoft.com/office/drawing/2014/main" id="{B0927407-7772-471C-A86E-696D68577EF4}"/>
+              </a:ext>
+            </a:extLst>
+          </p:cNvPr>
+          <p:cNvSpPr/>
+          <p:nvPr/>
+        </p:nvSpPr>
+        <p:spPr>
+          <a:xfrm>
+            <a:off x="7889082" y="2447924"/>
+            <a:ext cx="1323975" cy="2314575"/>
+          </a:xfrm>
+          <a:prstGeom prst="flowChartProcess">
+            <a:avLst/>
+          </a:prstGeom>
+          <a:noFill/>
+        </p:spPr>
+        <p:style>
+          <a:lnRef idx="2">
+            <a:schemeClr val="accent1">
+              <a:shade val="50000"/>
+            </a:schemeClr>
+          </a:lnRef>
+          <a:fillRef idx="1">
+            <a:schemeClr val="accent1"/>
+          </a:fillRef>
+          <a:effectRef idx="0">
+            <a:schemeClr val="accent1"/>
+          </a:effectRef>
+          <a:fontRef idx="minor">
+            <a:schemeClr val="lt1"/>
+          </a:fontRef>
+        </p:style>
+        <p:txBody>
+          <a:bodyPr vert="eaVert" rtlCol="0" anchor="ctr"/>
+          <a:lstStyle/>
+          <a:p>
+            <a:pPr algn="ctr"/>
+            <a:r>
+              <a:rPr kumimoji="1" lang="ja-JP" altLang="en-US" dirty="0">
+                <a:solidFill>
+                  <a:schemeClr val="tx1"/>
+                </a:solidFill>
+              </a:rPr>
+              <a:t>測定</a:t>
+            </a:r>
+          </a:p>
+        </p:txBody>
+      </p:sp>
+      <p:sp>
+        <p:nvSpPr>
+          <p:cNvPr id="29" name="フローチャート: 処理 28">
+            <a:extLst>
+              <a:ext uri="{FF2B5EF4-FFF2-40B4-BE49-F238E27FC236}">
+                <a16:creationId xmlns:a16="http://schemas.microsoft.com/office/drawing/2014/main" id="{FF75C79A-75E5-48C4-ACD1-F5F8897C3DBC}"/>
+              </a:ext>
+            </a:extLst>
+          </p:cNvPr>
+          <p:cNvSpPr/>
+          <p:nvPr/>
+        </p:nvSpPr>
+        <p:spPr>
+          <a:xfrm>
+            <a:off x="10344150" y="2447924"/>
+            <a:ext cx="1323975" cy="2314575"/>
+          </a:xfrm>
+          <a:prstGeom prst="flowChartProcess">
+            <a:avLst/>
+          </a:prstGeom>
+          <a:noFill/>
+        </p:spPr>
+        <p:style>
+          <a:lnRef idx="2">
+            <a:schemeClr val="accent1">
+              <a:shade val="50000"/>
+            </a:schemeClr>
+          </a:lnRef>
+          <a:fillRef idx="1">
+            <a:schemeClr val="accent1"/>
+          </a:fillRef>
+          <a:effectRef idx="0">
+            <a:schemeClr val="accent1"/>
+          </a:effectRef>
+          <a:fontRef idx="minor">
+            <a:schemeClr val="lt1"/>
+          </a:fontRef>
+        </p:style>
+        <p:txBody>
+          <a:bodyPr vert="eaVert" rtlCol="0" anchor="ctr"/>
+          <a:lstStyle/>
+          <a:p>
+            <a:pPr algn="ctr"/>
+            <a:r>
+              <a:rPr lang="ja-JP" altLang="en-US" dirty="0">
+                <a:solidFill>
+                  <a:schemeClr val="tx1"/>
+                </a:solidFill>
+              </a:rPr>
+              <a:t>解析</a:t>
+            </a:r>
+            <a:endParaRPr kumimoji="1" lang="ja-JP" altLang="en-US" dirty="0">
+              <a:solidFill>
+                <a:schemeClr val="tx1"/>
+              </a:solidFill>
+            </a:endParaRPr>
+          </a:p>
+        </p:txBody>
+      </p:sp>
+      <p:sp>
+        <p:nvSpPr>
+          <p:cNvPr id="30" name="矢印: 右 29">
+            <a:extLst>
+              <a:ext uri="{FF2B5EF4-FFF2-40B4-BE49-F238E27FC236}">
+                <a16:creationId xmlns:a16="http://schemas.microsoft.com/office/drawing/2014/main" id="{33DAA5B4-0ACB-47BE-8CAB-EA5FD549EF47}"/>
+              </a:ext>
+            </a:extLst>
+          </p:cNvPr>
+          <p:cNvSpPr/>
+          <p:nvPr/>
+        </p:nvSpPr>
+        <p:spPr>
+          <a:xfrm>
+            <a:off x="2099071" y="3005136"/>
+            <a:ext cx="628650" cy="1200150"/>
+          </a:xfrm>
+          <a:prstGeom prst="rightArrow">
+            <a:avLst/>
+          </a:prstGeom>
+          <a:noFill/>
+        </p:spPr>
+        <p:style>
+          <a:lnRef idx="2">
+            <a:schemeClr val="accent1">
+              <a:shade val="50000"/>
+            </a:schemeClr>
+          </a:lnRef>
+          <a:fillRef idx="1">
+            <a:schemeClr val="accent1"/>
+          </a:fillRef>
+          <a:effectRef idx="0">
+            <a:schemeClr val="accent1"/>
+          </a:effectRef>
+          <a:fontRef idx="minor">
+            <a:schemeClr val="lt1"/>
+          </a:fontRef>
+        </p:style>
+        <p:txBody>
+          <a:bodyPr rtlCol="0" anchor="ctr"/>
+          <a:lstStyle/>
+          <a:p>
+            <a:pPr algn="ctr"/>
+            <a:endParaRPr kumimoji="1" lang="ja-JP" altLang="en-US"/>
+          </a:p>
+        </p:txBody>
+      </p:sp>
+      <p:sp>
+        <p:nvSpPr>
+          <p:cNvPr id="32" name="矢印: 右 31">
+            <a:extLst>
+              <a:ext uri="{FF2B5EF4-FFF2-40B4-BE49-F238E27FC236}">
+                <a16:creationId xmlns:a16="http://schemas.microsoft.com/office/drawing/2014/main" id="{AA578E69-600C-4FAB-8A8D-4E79882C4E7B}"/>
+              </a:ext>
+            </a:extLst>
+          </p:cNvPr>
+          <p:cNvSpPr/>
+          <p:nvPr/>
+        </p:nvSpPr>
+        <p:spPr>
+          <a:xfrm>
+            <a:off x="9464279" y="3005136"/>
+            <a:ext cx="628650" cy="1200150"/>
+          </a:xfrm>
+          <a:prstGeom prst="rightArrow">
+            <a:avLst/>
+          </a:prstGeom>
+          <a:noFill/>
+        </p:spPr>
+        <p:style>
+          <a:lnRef idx="2">
+            <a:schemeClr val="accent1">
+              <a:shade val="50000"/>
+            </a:schemeClr>
+          </a:lnRef>
+          <a:fillRef idx="1">
+            <a:schemeClr val="accent1"/>
+          </a:fillRef>
+          <a:effectRef idx="0">
+            <a:schemeClr val="accent1"/>
+          </a:effectRef>
+          <a:fontRef idx="minor">
+            <a:schemeClr val="lt1"/>
+          </a:fontRef>
+        </p:style>
+        <p:txBody>
+          <a:bodyPr rtlCol="0" anchor="ctr"/>
+          <a:lstStyle/>
+          <a:p>
+            <a:pPr algn="ctr"/>
+            <a:endParaRPr kumimoji="1" lang="ja-JP" altLang="en-US"/>
+          </a:p>
+        </p:txBody>
+      </p:sp>
+      <p:sp>
+        <p:nvSpPr>
+          <p:cNvPr id="34" name="矢印: 右 33">
+            <a:extLst>
+              <a:ext uri="{FF2B5EF4-FFF2-40B4-BE49-F238E27FC236}">
+                <a16:creationId xmlns:a16="http://schemas.microsoft.com/office/drawing/2014/main" id="{4AE66D09-A754-47CC-A32F-C663A577CFD1}"/>
+              </a:ext>
+            </a:extLst>
+          </p:cNvPr>
+          <p:cNvSpPr/>
+          <p:nvPr/>
+        </p:nvSpPr>
+        <p:spPr>
+          <a:xfrm>
+            <a:off x="7009210" y="3005136"/>
+            <a:ext cx="628650" cy="1200150"/>
+          </a:xfrm>
+          <a:prstGeom prst="rightArrow">
+            <a:avLst/>
+          </a:prstGeom>
+          <a:noFill/>
+        </p:spPr>
+        <p:style>
+          <a:lnRef idx="2">
+            <a:schemeClr val="accent1">
+              <a:shade val="50000"/>
+            </a:schemeClr>
+          </a:lnRef>
+          <a:fillRef idx="1">
+            <a:schemeClr val="accent1"/>
+          </a:fillRef>
+          <a:effectRef idx="0">
+            <a:schemeClr val="accent1"/>
+          </a:effectRef>
+          <a:fontRef idx="minor">
+            <a:schemeClr val="lt1"/>
+          </a:fontRef>
+        </p:style>
+        <p:txBody>
+          <a:bodyPr rtlCol="0" anchor="ctr"/>
+          <a:lstStyle/>
+          <a:p>
+            <a:pPr algn="ctr"/>
+            <a:endParaRPr kumimoji="1" lang="ja-JP" altLang="en-US"/>
+          </a:p>
+        </p:txBody>
+      </p:sp>
+      <p:sp>
+        <p:nvSpPr>
+          <p:cNvPr id="36" name="矢印: 右 35">
+            <a:extLst>
+              <a:ext uri="{FF2B5EF4-FFF2-40B4-BE49-F238E27FC236}">
+                <a16:creationId xmlns:a16="http://schemas.microsoft.com/office/drawing/2014/main" id="{ABD10B90-C9FB-411B-88CF-D67E6885AB9A}"/>
+              </a:ext>
+            </a:extLst>
+          </p:cNvPr>
+          <p:cNvSpPr/>
+          <p:nvPr/>
+        </p:nvSpPr>
+        <p:spPr>
+          <a:xfrm>
+            <a:off x="4557710" y="3005136"/>
+            <a:ext cx="628650" cy="1200150"/>
+          </a:xfrm>
+          <a:prstGeom prst="rightArrow">
+            <a:avLst/>
+          </a:prstGeom>
+          <a:noFill/>
+        </p:spPr>
+        <p:style>
+          <a:lnRef idx="2">
+            <a:schemeClr val="accent1">
+              <a:shade val="50000"/>
+            </a:schemeClr>
+          </a:lnRef>
+          <a:fillRef idx="1">
+            <a:schemeClr val="accent1"/>
+          </a:fillRef>
+          <a:effectRef idx="0">
+            <a:schemeClr val="accent1"/>
+          </a:effectRef>
+          <a:fontRef idx="minor">
+            <a:schemeClr val="lt1"/>
+          </a:fontRef>
+        </p:style>
+        <p:txBody>
+          <a:bodyPr rtlCol="0" anchor="ctr"/>
+          <a:lstStyle/>
+          <a:p>
+            <a:pPr algn="ctr"/>
+            <a:endParaRPr kumimoji="1" lang="ja-JP" altLang="en-US"/>
+          </a:p>
+        </p:txBody>
+      </p:sp>
+    </p:spTree>
+    <p:extLst>
+      <p:ext uri="{BB962C8B-B14F-4D97-AF65-F5344CB8AC3E}">
+        <p14:creationId xmlns:p14="http://schemas.microsoft.com/office/powerpoint/2010/main" val="1214451427"/>
+      </p:ext>
+    </p:extLst>
+  </p:cSld>
+  <p:clrMapOvr>
+    <a:masterClrMapping/>
+  </p:clrMapOvr>
+</p:sld>
+</file>
+
+<file path=ppt/slides/slide7.xml><?xml version="1.0" encoding="utf-8"?>
 <p:sld xmlns:a="http://schemas.openxmlformats.org/drawingml/2006/main" xmlns:r="http://schemas.openxmlformats.org/officeDocument/2006/relationships" xmlns:p="http://schemas.openxmlformats.org/presentationml/2006/main">
   <p:cSld>
     <p:spTree>
@@ -9451,102 +14198,7 @@
 </p:sld>
 </file>
 
-<file path=ppt/slides/slide6.xml><?xml version="1.0" encoding="utf-8"?>
-<p:sld xmlns:a="http://schemas.openxmlformats.org/drawingml/2006/main" xmlns:r="http://schemas.openxmlformats.org/officeDocument/2006/relationships" xmlns:p="http://schemas.openxmlformats.org/presentationml/2006/main">
-  <p:cSld>
-    <p:spTree>
-      <p:nvGrpSpPr>
-        <p:cNvPr id="1" name=""/>
-        <p:cNvGrpSpPr/>
-        <p:nvPr/>
-      </p:nvGrpSpPr>
-      <p:grpSpPr>
-        <a:xfrm>
-          <a:off x="0" y="0"/>
-          <a:ext cx="0" cy="0"/>
-          <a:chOff x="0" y="0"/>
-          <a:chExt cx="0" cy="0"/>
-        </a:xfrm>
-      </p:grpSpPr>
-      <p:sp>
-        <p:nvSpPr>
-          <p:cNvPr id="2" name="タイトル 1">
-            <a:extLst>
-              <a:ext uri="{FF2B5EF4-FFF2-40B4-BE49-F238E27FC236}">
-                <a16:creationId xmlns:a16="http://schemas.microsoft.com/office/drawing/2014/main" id="{F25E3B86-ADED-4895-AFAF-D678EF1AF5EF}"/>
-              </a:ext>
-            </a:extLst>
-          </p:cNvPr>
-          <p:cNvSpPr>
-            <a:spLocks noGrp="1"/>
-          </p:cNvSpPr>
-          <p:nvPr>
-            <p:ph type="title"/>
-          </p:nvPr>
-        </p:nvSpPr>
-        <p:spPr/>
-        <p:txBody>
-          <a:bodyPr/>
-          <a:lstStyle/>
-          <a:p>
-            <a:r>
-              <a:rPr kumimoji="1" lang="en-US" altLang="ja-JP" dirty="0"/>
-              <a:t>input</a:t>
-            </a:r>
-            <a:endParaRPr kumimoji="1" lang="ja-JP" altLang="en-US" dirty="0"/>
-          </a:p>
-        </p:txBody>
-      </p:sp>
-      <p:sp>
-        <p:nvSpPr>
-          <p:cNvPr id="3" name="コンテンツ プレースホルダー 2">
-            <a:extLst>
-              <a:ext uri="{FF2B5EF4-FFF2-40B4-BE49-F238E27FC236}">
-                <a16:creationId xmlns:a16="http://schemas.microsoft.com/office/drawing/2014/main" id="{D816E7D0-4F67-4E4D-8A2B-FF8DC3A5C9E1}"/>
-              </a:ext>
-            </a:extLst>
-          </p:cNvPr>
-          <p:cNvSpPr>
-            <a:spLocks noGrp="1"/>
-          </p:cNvSpPr>
-          <p:nvPr>
-            <p:ph idx="1"/>
-          </p:nvPr>
-        </p:nvSpPr>
-        <p:spPr/>
-        <p:txBody>
-          <a:bodyPr/>
-          <a:lstStyle/>
-          <a:p>
-            <a:r>
-              <a:rPr kumimoji="1" lang="ja-JP" altLang="en-US" dirty="0"/>
-              <a:t>初期値を保持するファイルとして</a:t>
-            </a:r>
-            <a:r>
-              <a:rPr kumimoji="1" lang="en-US" altLang="ja-JP" dirty="0"/>
-              <a:t>Json</a:t>
-            </a:r>
-            <a:r>
-              <a:rPr kumimoji="1" lang="ja-JP" altLang="en-US" dirty="0"/>
-              <a:t>を用いた</a:t>
-            </a:r>
-          </a:p>
-        </p:txBody>
-      </p:sp>
-    </p:spTree>
-    <p:extLst>
-      <p:ext uri="{BB962C8B-B14F-4D97-AF65-F5344CB8AC3E}">
-        <p14:creationId xmlns:p14="http://schemas.microsoft.com/office/powerpoint/2010/main" val="4289354201"/>
-      </p:ext>
-    </p:extLst>
-  </p:cSld>
-  <p:clrMapOvr>
-    <a:masterClrMapping/>
-  </p:clrMapOvr>
-</p:sld>
-</file>
-
-<file path=ppt/slides/slide7.xml><?xml version="1.0" encoding="utf-8"?>
+<file path=ppt/slides/slide8.xml><?xml version="1.0" encoding="utf-8"?>
 <p:sld xmlns:a="http://schemas.openxmlformats.org/drawingml/2006/main" xmlns:r="http://schemas.openxmlformats.org/officeDocument/2006/relationships" xmlns:p="http://schemas.openxmlformats.org/presentationml/2006/main">
   <p:cSld>
     <p:spTree>
@@ -10933,58 +15585,6 @@
           </a:prstGeom>
         </p:spPr>
       </p:pic>
-      <p:sp>
-        <p:nvSpPr>
-          <p:cNvPr id="10" name="テキスト ボックス 9">
-            <a:extLst>
-              <a:ext uri="{FF2B5EF4-FFF2-40B4-BE49-F238E27FC236}">
-                <a16:creationId xmlns:a16="http://schemas.microsoft.com/office/drawing/2014/main" id="{86120F95-B7A3-4806-82FA-D43951913C06}"/>
-              </a:ext>
-            </a:extLst>
-          </p:cNvPr>
-          <p:cNvSpPr txBox="1"/>
-          <p:nvPr/>
-        </p:nvSpPr>
-        <p:spPr>
-          <a:xfrm>
-            <a:off x="1541111" y="5153261"/>
-            <a:ext cx="4199813" cy="923330"/>
-          </a:xfrm>
-          <a:prstGeom prst="rect">
-            <a:avLst/>
-          </a:prstGeom>
-          <a:noFill/>
-        </p:spPr>
-        <p:txBody>
-          <a:bodyPr wrap="square" rtlCol="0">
-            <a:spAutoFit/>
-          </a:bodyPr>
-          <a:lstStyle/>
-          <a:p>
-            <a:pPr algn="ctr"/>
-            <a:r>
-              <a:rPr kumimoji="1" lang="ja-JP" altLang="en-US" dirty="0"/>
-              <a:t>連立ならば、同時進行させればいい</a:t>
-            </a:r>
-            <a:endParaRPr kumimoji="1" lang="en-US" altLang="ja-JP" dirty="0"/>
-          </a:p>
-          <a:p>
-            <a:pPr algn="ctr"/>
-            <a:r>
-              <a:rPr lang="ja-JP" altLang="en-US" dirty="0"/>
-              <a:t>＋</a:t>
-            </a:r>
-            <a:endParaRPr lang="en-US" altLang="ja-JP" dirty="0"/>
-          </a:p>
-          <a:p>
-            <a:pPr algn="ctr"/>
-            <a:r>
-              <a:rPr kumimoji="1" lang="ja-JP" altLang="en-US" dirty="0"/>
-              <a:t>行列のまま代入するだけでいい</a:t>
-            </a:r>
-          </a:p>
-        </p:txBody>
-      </p:sp>
     </p:spTree>
     <p:extLst>
       <p:ext uri="{BB962C8B-B14F-4D97-AF65-F5344CB8AC3E}">
@@ -10998,7 +15598,7 @@
 </p:sld>
 </file>
 
-<file path=ppt/slides/slide8.xml><?xml version="1.0" encoding="utf-8"?>
+<file path=ppt/slides/slide9.xml><?xml version="1.0" encoding="utf-8"?>
 <p:sld xmlns:a="http://schemas.openxmlformats.org/drawingml/2006/main" xmlns:r="http://schemas.openxmlformats.org/officeDocument/2006/relationships" xmlns:p="http://schemas.openxmlformats.org/presentationml/2006/main">
   <p:cSld>
     <p:spTree>
@@ -11170,2871 +15770,116 @@
           </a:p>
         </p:txBody>
       </p:sp>
+      <p:sp>
+        <p:nvSpPr>
+          <p:cNvPr id="4" name="テキスト ボックス 3">
+            <a:extLst>
+              <a:ext uri="{FF2B5EF4-FFF2-40B4-BE49-F238E27FC236}">
+                <a16:creationId xmlns:a16="http://schemas.microsoft.com/office/drawing/2014/main" id="{D73A6D39-F983-45C4-85BE-BAA2C0A396E1}"/>
+              </a:ext>
+            </a:extLst>
+          </p:cNvPr>
+          <p:cNvSpPr txBox="1"/>
+          <p:nvPr/>
+        </p:nvSpPr>
+        <p:spPr>
+          <a:xfrm>
+            <a:off x="6425119" y="6167298"/>
+            <a:ext cx="5779827" cy="261610"/>
+          </a:xfrm>
+          <a:prstGeom prst="rect">
+            <a:avLst/>
+          </a:prstGeom>
+          <a:noFill/>
+        </p:spPr>
+        <p:txBody>
+          <a:bodyPr wrap="square" rtlCol="0">
+            <a:spAutoFit/>
+          </a:bodyPr>
+          <a:lstStyle/>
+          <a:p>
+            <a:r>
+              <a:rPr lang="ja-JP" altLang="en-US" sz="1100" dirty="0"/>
+              <a:t>出典（</a:t>
+            </a:r>
+            <a:r>
+              <a:rPr lang="en-US" altLang="ja-JP" sz="1100" dirty="0"/>
+              <a:t> </a:t>
+            </a:r>
+            <a:r>
+              <a:rPr lang="en-US" altLang="ja-JP" sz="1100" dirty="0">
+                <a:hlinkClick r:id="rId3"/>
+              </a:rPr>
+              <a:t>https://automatic-browsing.com/2020/02/28</a:t>
+            </a:r>
+            <a:r>
+              <a:rPr lang="en-US" altLang="ja-JP" sz="1100" dirty="0"/>
+              <a:t> </a:t>
+            </a:r>
+            <a:r>
+              <a:rPr lang="ja-JP" altLang="en-US" sz="1100" dirty="0"/>
+              <a:t>）</a:t>
+            </a:r>
+            <a:endParaRPr kumimoji="1" lang="ja-JP" altLang="en-US" sz="1100" dirty="0"/>
+          </a:p>
+        </p:txBody>
+      </p:sp>
+      <p:sp>
+        <p:nvSpPr>
+          <p:cNvPr id="9" name="テキスト ボックス 8">
+            <a:extLst>
+              <a:ext uri="{FF2B5EF4-FFF2-40B4-BE49-F238E27FC236}">
+                <a16:creationId xmlns:a16="http://schemas.microsoft.com/office/drawing/2014/main" id="{B42BC2C4-149E-4DC7-AA07-845FCCD7F06A}"/>
+              </a:ext>
+            </a:extLst>
+          </p:cNvPr>
+          <p:cNvSpPr txBox="1"/>
+          <p:nvPr/>
+        </p:nvSpPr>
+        <p:spPr>
+          <a:xfrm>
+            <a:off x="7215125" y="2989547"/>
+            <a:ext cx="4199813" cy="923330"/>
+          </a:xfrm>
+          <a:prstGeom prst="rect">
+            <a:avLst/>
+          </a:prstGeom>
+          <a:noFill/>
+        </p:spPr>
+        <p:txBody>
+          <a:bodyPr wrap="square" rtlCol="0">
+            <a:spAutoFit/>
+          </a:bodyPr>
+          <a:lstStyle/>
+          <a:p>
+            <a:pPr algn="ctr"/>
+            <a:r>
+              <a:rPr kumimoji="1" lang="ja-JP" altLang="en-US" dirty="0"/>
+              <a:t>連立ならば、同時進行させればいい</a:t>
+            </a:r>
+            <a:endParaRPr kumimoji="1" lang="en-US" altLang="ja-JP" dirty="0"/>
+          </a:p>
+          <a:p>
+            <a:pPr algn="ctr"/>
+            <a:r>
+              <a:rPr lang="ja-JP" altLang="en-US" dirty="0"/>
+              <a:t>＋</a:t>
+            </a:r>
+            <a:endParaRPr lang="en-US" altLang="ja-JP" dirty="0"/>
+          </a:p>
+          <a:p>
+            <a:pPr algn="ctr"/>
+            <a:r>
+              <a:rPr kumimoji="1" lang="ja-JP" altLang="en-US" dirty="0"/>
+              <a:t>行列のまま代入するだけでいい</a:t>
+            </a:r>
+          </a:p>
+        </p:txBody>
+      </p:sp>
     </p:spTree>
     <p:extLst>
       <p:ext uri="{BB962C8B-B14F-4D97-AF65-F5344CB8AC3E}">
         <p14:creationId xmlns:p14="http://schemas.microsoft.com/office/powerpoint/2010/main" val="2235334957"/>
-      </p:ext>
-    </p:extLst>
-  </p:cSld>
-  <p:clrMapOvr>
-    <a:masterClrMapping/>
-  </p:clrMapOvr>
-</p:sld>
-</file>
-
-<file path=ppt/slides/slide9.xml><?xml version="1.0" encoding="utf-8"?>
-<p:sld xmlns:a="http://schemas.openxmlformats.org/drawingml/2006/main" xmlns:r="http://schemas.openxmlformats.org/officeDocument/2006/relationships" xmlns:p="http://schemas.openxmlformats.org/presentationml/2006/main">
-  <p:cSld>
-    <p:spTree>
-      <p:nvGrpSpPr>
-        <p:cNvPr id="1" name=""/>
-        <p:cNvGrpSpPr/>
-        <p:nvPr/>
-      </p:nvGrpSpPr>
-      <p:grpSpPr>
-        <a:xfrm>
-          <a:off x="0" y="0"/>
-          <a:ext cx="0" cy="0"/>
-          <a:chOff x="0" y="0"/>
-          <a:chExt cx="0" cy="0"/>
-        </a:xfrm>
-      </p:grpSpPr>
-      <mc:AlternateContent xmlns:mc="http://schemas.openxmlformats.org/markup-compatibility/2006" xmlns:a14="http://schemas.microsoft.com/office/drawing/2010/main">
-        <mc:Choice Requires="a14">
-          <p:sp>
-            <p:nvSpPr>
-              <p:cNvPr id="4" name="コンテンツ プレースホルダー 2">
-                <a:extLst>
-                  <a:ext uri="{FF2B5EF4-FFF2-40B4-BE49-F238E27FC236}">
-                    <a16:creationId xmlns:a16="http://schemas.microsoft.com/office/drawing/2014/main" id="{775550CC-164E-4BA6-B653-5521DEE38F7E}"/>
-                  </a:ext>
-                </a:extLst>
-              </p:cNvPr>
-              <p:cNvSpPr>
-                <a:spLocks noGrp="1"/>
-              </p:cNvSpPr>
-              <p:nvPr>
-                <p:ph idx="1"/>
-              </p:nvPr>
-            </p:nvSpPr>
-            <p:spPr>
-              <a:xfrm>
-                <a:off x="0" y="4042534"/>
-                <a:ext cx="6096000" cy="2781299"/>
-              </a:xfrm>
-            </p:spPr>
-            <p:txBody>
-              <a:bodyPr>
-                <a:normAutofit/>
-              </a:bodyPr>
-              <a:lstStyle/>
-              <a:p>
-                <a:pPr marL="0" indent="0">
-                  <a:buNone/>
-                </a:pPr>
-                <a14:m>
-                  <m:oMathPara xmlns:m="http://schemas.openxmlformats.org/officeDocument/2006/math">
-                    <m:oMathParaPr>
-                      <m:jc m:val="centerGroup"/>
-                    </m:oMathParaPr>
-                    <m:oMath xmlns:m="http://schemas.openxmlformats.org/officeDocument/2006/math">
-                      <m:sSub>
-                        <m:sSubPr>
-                          <m:ctrlPr>
-                            <a:rPr kumimoji="1" lang="en-US" altLang="ja-JP" sz="1800" i="1" smtClean="0">
-                              <a:latin typeface="Cambria Math" panose="02040503050406030204" pitchFamily="18" charset="0"/>
-                            </a:rPr>
-                          </m:ctrlPr>
-                        </m:sSubPr>
-                        <m:e>
-                          <m:r>
-                            <a:rPr kumimoji="1" lang="en-US" altLang="ja-JP" sz="1800" b="0" i="1" smtClean="0">
-                              <a:latin typeface="Cambria Math" panose="02040503050406030204" pitchFamily="18" charset="0"/>
-                            </a:rPr>
-                            <m:t>𝑘</m:t>
-                          </m:r>
-                        </m:e>
-                        <m:sub>
-                          <m:r>
-                            <a:rPr kumimoji="1" lang="en-US" altLang="ja-JP" sz="1800" b="0" i="1" smtClean="0">
-                              <a:latin typeface="Cambria Math" panose="02040503050406030204" pitchFamily="18" charset="0"/>
-                            </a:rPr>
-                            <m:t>𝑟</m:t>
-                          </m:r>
-                          <m:r>
-                            <a:rPr kumimoji="1" lang="en-US" altLang="ja-JP" sz="1800" b="0" i="1" smtClean="0">
-                              <a:latin typeface="Cambria Math" panose="02040503050406030204" pitchFamily="18" charset="0"/>
-                            </a:rPr>
-                            <m:t>1</m:t>
-                          </m:r>
-                        </m:sub>
-                      </m:sSub>
-                      <m:r>
-                        <a:rPr kumimoji="1" lang="en-US" altLang="ja-JP" sz="1800" b="0" i="1" smtClean="0">
-                          <a:latin typeface="Cambria Math" panose="02040503050406030204" pitchFamily="18" charset="0"/>
-                        </a:rPr>
-                        <m:t>=</m:t>
-                      </m:r>
-                      <m:sSub>
-                        <m:sSubPr>
-                          <m:ctrlPr>
-                            <a:rPr kumimoji="1" lang="en-US" altLang="ja-JP" sz="1800" b="0" i="1" smtClean="0">
-                              <a:latin typeface="Cambria Math" panose="02040503050406030204" pitchFamily="18" charset="0"/>
-                            </a:rPr>
-                          </m:ctrlPr>
-                        </m:sSubPr>
-                        <m:e>
-                          <m:r>
-                            <a:rPr kumimoji="1" lang="en-US" altLang="ja-JP" sz="1800" b="0" i="1" smtClean="0">
-                              <a:latin typeface="Cambria Math" panose="02040503050406030204" pitchFamily="18" charset="0"/>
-                            </a:rPr>
-                            <m:t>𝑣</m:t>
-                          </m:r>
-                        </m:e>
-                        <m:sub>
-                          <m:r>
-                            <a:rPr kumimoji="1" lang="en-US" altLang="ja-JP" sz="1800" b="0" i="1" smtClean="0">
-                              <a:latin typeface="Cambria Math" panose="02040503050406030204" pitchFamily="18" charset="0"/>
-                            </a:rPr>
-                            <m:t>𝑛</m:t>
-                          </m:r>
-                        </m:sub>
-                      </m:sSub>
-                    </m:oMath>
-                  </m:oMathPara>
-                </a14:m>
-                <a:endParaRPr kumimoji="1" lang="en-US" altLang="ja-JP" sz="1800" dirty="0"/>
-              </a:p>
-              <a:p>
-                <a:pPr marL="0" indent="0">
-                  <a:buNone/>
-                </a:pPr>
-                <a:endParaRPr lang="en-US" altLang="ja-JP" sz="1800" dirty="0"/>
-              </a:p>
-              <a:p>
-                <a:pPr marL="0" indent="0">
-                  <a:buNone/>
-                </a:pPr>
-                <a14:m>
-                  <m:oMathPara xmlns:m="http://schemas.openxmlformats.org/officeDocument/2006/math">
-                    <m:oMathParaPr>
-                      <m:jc m:val="centerGroup"/>
-                    </m:oMathParaPr>
-                    <m:oMath xmlns:m="http://schemas.openxmlformats.org/officeDocument/2006/math">
-                      <m:sSub>
-                        <m:sSubPr>
-                          <m:ctrlPr>
-                            <a:rPr kumimoji="1" lang="en-US" altLang="ja-JP" sz="1800" i="1" smtClean="0">
-                              <a:latin typeface="Cambria Math" panose="02040503050406030204" pitchFamily="18" charset="0"/>
-                            </a:rPr>
-                          </m:ctrlPr>
-                        </m:sSubPr>
-                        <m:e>
-                          <m:r>
-                            <a:rPr kumimoji="1" lang="en-US" altLang="ja-JP" sz="1800" b="0" i="1" smtClean="0">
-                              <a:latin typeface="Cambria Math" panose="02040503050406030204" pitchFamily="18" charset="0"/>
-                            </a:rPr>
-                            <m:t>𝑘</m:t>
-                          </m:r>
-                        </m:e>
-                        <m:sub>
-                          <m:r>
-                            <a:rPr kumimoji="1" lang="en-US" altLang="ja-JP" sz="1800" b="0" i="1" smtClean="0">
-                              <a:latin typeface="Cambria Math" panose="02040503050406030204" pitchFamily="18" charset="0"/>
-                            </a:rPr>
-                            <m:t>𝑣</m:t>
-                          </m:r>
-                          <m:r>
-                            <a:rPr kumimoji="1" lang="en-US" altLang="ja-JP" sz="1800" b="0" i="1" smtClean="0">
-                              <a:latin typeface="Cambria Math" panose="02040503050406030204" pitchFamily="18" charset="0"/>
-                            </a:rPr>
-                            <m:t>1</m:t>
-                          </m:r>
-                        </m:sub>
-                      </m:sSub>
-                      <m:r>
-                        <a:rPr kumimoji="1" lang="en-US" altLang="ja-JP" sz="1800" b="0" i="1" smtClean="0">
-                          <a:latin typeface="Cambria Math" panose="02040503050406030204" pitchFamily="18" charset="0"/>
-                        </a:rPr>
-                        <m:t>=</m:t>
-                      </m:r>
-                      <m:r>
-                        <a:rPr kumimoji="1" lang="en-US" altLang="ja-JP" sz="1800" b="0" i="1" smtClean="0">
-                          <a:latin typeface="Cambria Math" panose="02040503050406030204" pitchFamily="18" charset="0"/>
-                        </a:rPr>
-                        <m:t>𝑓</m:t>
-                      </m:r>
-                      <m:d>
-                        <m:dPr>
-                          <m:ctrlPr>
-                            <a:rPr kumimoji="1" lang="en-US" altLang="ja-JP" sz="1800" b="0" i="1" smtClean="0">
-                              <a:latin typeface="Cambria Math" panose="02040503050406030204" pitchFamily="18" charset="0"/>
-                            </a:rPr>
-                          </m:ctrlPr>
-                        </m:dPr>
-                        <m:e>
-                          <m:sSub>
-                            <m:sSubPr>
-                              <m:ctrlPr>
-                                <a:rPr kumimoji="1" lang="en-US" altLang="ja-JP" sz="1800" b="0" i="1" smtClean="0">
-                                  <a:latin typeface="Cambria Math" panose="02040503050406030204" pitchFamily="18" charset="0"/>
-                                </a:rPr>
-                              </m:ctrlPr>
-                            </m:sSubPr>
-                            <m:e>
-                              <m:r>
-                                <a:rPr kumimoji="1" lang="en-US" altLang="ja-JP" sz="1800" b="1" i="1" smtClean="0">
-                                  <a:latin typeface="Cambria Math" panose="02040503050406030204" pitchFamily="18" charset="0"/>
-                                </a:rPr>
-                                <m:t>𝒗</m:t>
-                              </m:r>
-                            </m:e>
-                            <m:sub>
-                              <m:r>
-                                <a:rPr kumimoji="1" lang="en-US" altLang="ja-JP" sz="1800" b="0" i="1" smtClean="0">
-                                  <a:latin typeface="Cambria Math" panose="02040503050406030204" pitchFamily="18" charset="0"/>
-                                </a:rPr>
-                                <m:t>𝑛</m:t>
-                              </m:r>
-                            </m:sub>
-                          </m:sSub>
-                          <m:r>
-                            <a:rPr kumimoji="1" lang="en-US" altLang="ja-JP" sz="1800" b="0" i="1" smtClean="0">
-                              <a:latin typeface="Cambria Math" panose="02040503050406030204" pitchFamily="18" charset="0"/>
-                            </a:rPr>
-                            <m:t>,</m:t>
-                          </m:r>
-                          <m:sSub>
-                            <m:sSubPr>
-                              <m:ctrlPr>
-                                <a:rPr kumimoji="1" lang="en-US" altLang="ja-JP" sz="1800" b="0" i="1" smtClean="0">
-                                  <a:latin typeface="Cambria Math" panose="02040503050406030204" pitchFamily="18" charset="0"/>
-                                </a:rPr>
-                              </m:ctrlPr>
-                            </m:sSubPr>
-                            <m:e>
-                              <m:r>
-                                <a:rPr kumimoji="1" lang="en-US" altLang="ja-JP" sz="1800" b="0" i="1" smtClean="0">
-                                  <a:latin typeface="Cambria Math" panose="02040503050406030204" pitchFamily="18" charset="0"/>
-                                </a:rPr>
-                                <m:t>𝑟</m:t>
-                              </m:r>
-                            </m:e>
-                            <m:sub>
-                              <m:r>
-                                <a:rPr kumimoji="1" lang="en-US" altLang="ja-JP" sz="1800" b="0" i="1" smtClean="0">
-                                  <a:latin typeface="Cambria Math" panose="02040503050406030204" pitchFamily="18" charset="0"/>
-                                </a:rPr>
-                                <m:t>𝑛</m:t>
-                              </m:r>
-                            </m:sub>
-                          </m:sSub>
-                          <m:r>
-                            <a:rPr kumimoji="1" lang="en-US" altLang="ja-JP" sz="1800" b="0" i="1" smtClean="0">
-                              <a:latin typeface="Cambria Math" panose="02040503050406030204" pitchFamily="18" charset="0"/>
-                            </a:rPr>
-                            <m:t>,</m:t>
-                          </m:r>
-                          <m:sSub>
-                            <m:sSubPr>
-                              <m:ctrlPr>
-                                <a:rPr kumimoji="1" lang="en-US" altLang="ja-JP" sz="1800" b="0" i="1" smtClean="0">
-                                  <a:latin typeface="Cambria Math" panose="02040503050406030204" pitchFamily="18" charset="0"/>
-                                </a:rPr>
-                              </m:ctrlPr>
-                            </m:sSubPr>
-                            <m:e>
-                              <m:r>
-                                <a:rPr kumimoji="1" lang="en-US" altLang="ja-JP" sz="1800" b="0" i="1" smtClean="0">
-                                  <a:latin typeface="Cambria Math" panose="02040503050406030204" pitchFamily="18" charset="0"/>
-                                </a:rPr>
-                                <m:t>𝑡</m:t>
-                              </m:r>
-                            </m:e>
-                            <m:sub>
-                              <m:r>
-                                <a:rPr kumimoji="1" lang="en-US" altLang="ja-JP" sz="1800" b="0" i="1" smtClean="0">
-                                  <a:latin typeface="Cambria Math" panose="02040503050406030204" pitchFamily="18" charset="0"/>
-                                </a:rPr>
-                                <m:t>𝑛</m:t>
-                              </m:r>
-                            </m:sub>
-                          </m:sSub>
-                        </m:e>
-                      </m:d>
-                    </m:oMath>
-                  </m:oMathPara>
-                </a14:m>
-                <a:endParaRPr kumimoji="1" lang="en-US" altLang="ja-JP" sz="1800" dirty="0"/>
-              </a:p>
-              <a:p>
-                <a:pPr marL="0" indent="0">
-                  <a:buNone/>
-                </a:pPr>
-                <a:endParaRPr kumimoji="1" lang="en-US" altLang="ja-JP" sz="1800" dirty="0"/>
-              </a:p>
-              <a:p>
-                <a:pPr marL="0" indent="0">
-                  <a:buNone/>
-                </a:pPr>
-                <a14:m>
-                  <m:oMathPara xmlns:m="http://schemas.openxmlformats.org/officeDocument/2006/math">
-                    <m:oMathParaPr>
-                      <m:jc m:val="centerGroup"/>
-                    </m:oMathParaPr>
-                    <m:oMath xmlns:m="http://schemas.openxmlformats.org/officeDocument/2006/math">
-                      <m:sSub>
-                        <m:sSubPr>
-                          <m:ctrlPr>
-                            <a:rPr kumimoji="1" lang="en-US" altLang="ja-JP" sz="1800" i="1" smtClean="0">
-                              <a:latin typeface="Cambria Math" panose="02040503050406030204" pitchFamily="18" charset="0"/>
-                            </a:rPr>
-                          </m:ctrlPr>
-                        </m:sSubPr>
-                        <m:e>
-                          <m:r>
-                            <a:rPr kumimoji="1" lang="en-US" altLang="ja-JP" sz="1800" b="0" i="1" smtClean="0">
-                              <a:latin typeface="Cambria Math" panose="02040503050406030204" pitchFamily="18" charset="0"/>
-                            </a:rPr>
-                            <m:t>𝑘</m:t>
-                          </m:r>
-                        </m:e>
-                        <m:sub>
-                          <m:r>
-                            <a:rPr kumimoji="1" lang="en-US" altLang="ja-JP" sz="1800" b="0" i="1" smtClean="0">
-                              <a:latin typeface="Cambria Math" panose="02040503050406030204" pitchFamily="18" charset="0"/>
-                            </a:rPr>
-                            <m:t>𝑟</m:t>
-                          </m:r>
-                          <m:r>
-                            <a:rPr kumimoji="1" lang="en-US" altLang="ja-JP" sz="1800" b="0" i="1" smtClean="0">
-                              <a:latin typeface="Cambria Math" panose="02040503050406030204" pitchFamily="18" charset="0"/>
-                            </a:rPr>
-                            <m:t>2</m:t>
-                          </m:r>
-                        </m:sub>
-                      </m:sSub>
-                      <m:r>
-                        <a:rPr kumimoji="1" lang="en-US" altLang="ja-JP" sz="1800" b="0" i="1" smtClean="0">
-                          <a:latin typeface="Cambria Math" panose="02040503050406030204" pitchFamily="18" charset="0"/>
-                        </a:rPr>
-                        <m:t>= </m:t>
-                      </m:r>
-                      <m:sSub>
-                        <m:sSubPr>
-                          <m:ctrlPr>
-                            <a:rPr kumimoji="1" lang="en-US" altLang="ja-JP" sz="1800" b="0" i="1" smtClean="0">
-                              <a:latin typeface="Cambria Math" panose="02040503050406030204" pitchFamily="18" charset="0"/>
-                            </a:rPr>
-                          </m:ctrlPr>
-                        </m:sSubPr>
-                        <m:e>
-                          <m:r>
-                            <a:rPr kumimoji="1" lang="en-US" altLang="ja-JP" sz="1800" b="0" i="1" smtClean="0">
-                              <a:latin typeface="Cambria Math" panose="02040503050406030204" pitchFamily="18" charset="0"/>
-                            </a:rPr>
-                            <m:t>𝑣</m:t>
-                          </m:r>
-                        </m:e>
-                        <m:sub>
-                          <m:r>
-                            <a:rPr kumimoji="1" lang="en-US" altLang="ja-JP" sz="1800" b="0" i="1" smtClean="0">
-                              <a:latin typeface="Cambria Math" panose="02040503050406030204" pitchFamily="18" charset="0"/>
-                            </a:rPr>
-                            <m:t>𝑛</m:t>
-                          </m:r>
-                        </m:sub>
-                      </m:sSub>
-                      <m:r>
-                        <a:rPr kumimoji="1" lang="en-US" altLang="ja-JP" sz="1800" b="0" i="1" smtClean="0">
-                          <a:latin typeface="Cambria Math" panose="02040503050406030204" pitchFamily="18" charset="0"/>
-                        </a:rPr>
-                        <m:t>+ </m:t>
-                      </m:r>
-                      <m:sSub>
-                        <m:sSubPr>
-                          <m:ctrlPr>
-                            <a:rPr lang="en-US" altLang="ja-JP" sz="1800" i="1">
-                              <a:latin typeface="Cambria Math" panose="02040503050406030204" pitchFamily="18" charset="0"/>
-                            </a:rPr>
-                          </m:ctrlPr>
-                        </m:sSubPr>
-                        <m:e>
-                          <m:r>
-                            <a:rPr lang="en-US" altLang="ja-JP" sz="1800" i="1">
-                              <a:latin typeface="Cambria Math" panose="02040503050406030204" pitchFamily="18" charset="0"/>
-                            </a:rPr>
-                            <m:t>𝑘</m:t>
-                          </m:r>
-                        </m:e>
-                        <m:sub>
-                          <m:r>
-                            <a:rPr lang="en-US" altLang="ja-JP" sz="1800" i="1">
-                              <a:latin typeface="Cambria Math" panose="02040503050406030204" pitchFamily="18" charset="0"/>
-                            </a:rPr>
-                            <m:t>𝑣</m:t>
-                          </m:r>
-                          <m:r>
-                            <a:rPr lang="en-US" altLang="ja-JP" sz="1800" i="1">
-                              <a:latin typeface="Cambria Math" panose="02040503050406030204" pitchFamily="18" charset="0"/>
-                            </a:rPr>
-                            <m:t>1</m:t>
-                          </m:r>
-                        </m:sub>
-                      </m:sSub>
-                      <m:f>
-                        <m:fPr>
-                          <m:ctrlPr>
-                            <a:rPr lang="en-US" altLang="ja-JP" sz="1800" i="1">
-                              <a:latin typeface="Cambria Math" panose="02040503050406030204" pitchFamily="18" charset="0"/>
-                            </a:rPr>
-                          </m:ctrlPr>
-                        </m:fPr>
-                        <m:num>
-                          <m:r>
-                            <a:rPr lang="en-US" altLang="ja-JP" sz="1800" i="1">
-                              <a:latin typeface="Cambria Math" panose="02040503050406030204" pitchFamily="18" charset="0"/>
-                              <a:ea typeface="Cambria Math" panose="02040503050406030204" pitchFamily="18" charset="0"/>
-                            </a:rPr>
-                            <m:t>∆</m:t>
-                          </m:r>
-                          <m:r>
-                            <a:rPr lang="en-US" altLang="ja-JP" sz="1800" i="1">
-                              <a:latin typeface="Cambria Math" panose="02040503050406030204" pitchFamily="18" charset="0"/>
-                              <a:ea typeface="Cambria Math" panose="02040503050406030204" pitchFamily="18" charset="0"/>
-                            </a:rPr>
-                            <m:t>𝑡</m:t>
-                          </m:r>
-                        </m:num>
-                        <m:den>
-                          <m:r>
-                            <a:rPr lang="en-US" altLang="ja-JP" sz="1800" i="1">
-                              <a:latin typeface="Cambria Math" panose="02040503050406030204" pitchFamily="18" charset="0"/>
-                            </a:rPr>
-                            <m:t>2</m:t>
-                          </m:r>
-                        </m:den>
-                      </m:f>
-                    </m:oMath>
-                  </m:oMathPara>
-                </a14:m>
-                <a:endParaRPr lang="en-US" altLang="ja-JP" sz="1800" dirty="0"/>
-              </a:p>
-              <a:p>
-                <a:pPr marL="0" indent="0">
-                  <a:buNone/>
-                </a:pPr>
-                <a:endParaRPr lang="en-US" altLang="ja-JP" sz="1800" dirty="0"/>
-              </a:p>
-              <a:p>
-                <a:pPr marL="0" indent="0">
-                  <a:buNone/>
-                </a:pPr>
-                <a14:m>
-                  <m:oMathPara xmlns:m="http://schemas.openxmlformats.org/officeDocument/2006/math">
-                    <m:oMathParaPr>
-                      <m:jc m:val="centerGroup"/>
-                    </m:oMathParaPr>
-                    <m:oMath xmlns:m="http://schemas.openxmlformats.org/officeDocument/2006/math">
-                      <m:sSub>
-                        <m:sSubPr>
-                          <m:ctrlPr>
-                            <a:rPr kumimoji="1" lang="en-US" altLang="ja-JP" sz="1800" i="1" smtClean="0">
-                              <a:latin typeface="Cambria Math" panose="02040503050406030204" pitchFamily="18" charset="0"/>
-                            </a:rPr>
-                          </m:ctrlPr>
-                        </m:sSubPr>
-                        <m:e>
-                          <m:r>
-                            <a:rPr kumimoji="1" lang="en-US" altLang="ja-JP" sz="1800" b="0" i="1" smtClean="0">
-                              <a:latin typeface="Cambria Math" panose="02040503050406030204" pitchFamily="18" charset="0"/>
-                            </a:rPr>
-                            <m:t>𝑘</m:t>
-                          </m:r>
-                        </m:e>
-                        <m:sub>
-                          <m:r>
-                            <a:rPr kumimoji="1" lang="en-US" altLang="ja-JP" sz="1800" b="0" i="1" smtClean="0">
-                              <a:latin typeface="Cambria Math" panose="02040503050406030204" pitchFamily="18" charset="0"/>
-                            </a:rPr>
-                            <m:t>𝑣</m:t>
-                          </m:r>
-                          <m:r>
-                            <a:rPr kumimoji="1" lang="en-US" altLang="ja-JP" sz="1800" b="0" i="1" smtClean="0">
-                              <a:latin typeface="Cambria Math" panose="02040503050406030204" pitchFamily="18" charset="0"/>
-                            </a:rPr>
-                            <m:t>2</m:t>
-                          </m:r>
-                        </m:sub>
-                      </m:sSub>
-                      <m:r>
-                        <a:rPr kumimoji="1" lang="en-US" altLang="ja-JP" sz="1800" b="0" i="1" smtClean="0">
-                          <a:latin typeface="Cambria Math" panose="02040503050406030204" pitchFamily="18" charset="0"/>
-                        </a:rPr>
-                        <m:t>=</m:t>
-                      </m:r>
-                      <m:r>
-                        <a:rPr lang="en-US" altLang="ja-JP" sz="1800" i="1">
-                          <a:latin typeface="Cambria Math" panose="02040503050406030204" pitchFamily="18" charset="0"/>
-                        </a:rPr>
-                        <m:t>𝑓</m:t>
-                      </m:r>
-                      <m:d>
-                        <m:dPr>
-                          <m:ctrlPr>
-                            <a:rPr lang="en-US" altLang="ja-JP" sz="1800" i="1">
-                              <a:latin typeface="Cambria Math" panose="02040503050406030204" pitchFamily="18" charset="0"/>
-                            </a:rPr>
-                          </m:ctrlPr>
-                        </m:dPr>
-                        <m:e>
-                          <m:sSub>
-                            <m:sSubPr>
-                              <m:ctrlPr>
-                                <a:rPr lang="en-US" altLang="ja-JP" sz="1800" i="1">
-                                  <a:latin typeface="Cambria Math" panose="02040503050406030204" pitchFamily="18" charset="0"/>
-                                </a:rPr>
-                              </m:ctrlPr>
-                            </m:sSubPr>
-                            <m:e>
-                              <m:r>
-                                <a:rPr lang="en-US" altLang="ja-JP" sz="1800" b="1" i="1" smtClean="0">
-                                  <a:latin typeface="Cambria Math" panose="02040503050406030204" pitchFamily="18" charset="0"/>
-                                </a:rPr>
-                                <m:t>𝒗</m:t>
-                              </m:r>
-                            </m:e>
-                            <m:sub>
-                              <m:r>
-                                <a:rPr lang="en-US" altLang="ja-JP" sz="1800" b="0" i="1" smtClean="0">
-                                  <a:latin typeface="Cambria Math" panose="02040503050406030204" pitchFamily="18" charset="0"/>
-                                </a:rPr>
-                                <m:t>𝑛</m:t>
-                              </m:r>
-                            </m:sub>
-                          </m:sSub>
-                          <m:r>
-                            <a:rPr lang="en-US" altLang="ja-JP" sz="1800" b="0" i="1" smtClean="0">
-                              <a:latin typeface="Cambria Math" panose="02040503050406030204" pitchFamily="18" charset="0"/>
-                            </a:rPr>
-                            <m:t>+</m:t>
-                          </m:r>
-                          <m:sSub>
-                            <m:sSubPr>
-                              <m:ctrlPr>
-                                <a:rPr lang="en-US" altLang="ja-JP" sz="1800" b="0" i="1" smtClean="0">
-                                  <a:latin typeface="Cambria Math" panose="02040503050406030204" pitchFamily="18" charset="0"/>
-                                </a:rPr>
-                              </m:ctrlPr>
-                            </m:sSubPr>
-                            <m:e>
-                              <m:r>
-                                <a:rPr lang="en-US" altLang="ja-JP" sz="1800" b="0" i="1" smtClean="0">
-                                  <a:latin typeface="Cambria Math" panose="02040503050406030204" pitchFamily="18" charset="0"/>
-                                </a:rPr>
-                                <m:t>𝑘</m:t>
-                              </m:r>
-                            </m:e>
-                            <m:sub>
-                              <m:r>
-                                <a:rPr lang="en-US" altLang="ja-JP" sz="1800" b="0" i="1" smtClean="0">
-                                  <a:latin typeface="Cambria Math" panose="02040503050406030204" pitchFamily="18" charset="0"/>
-                                </a:rPr>
-                                <m:t>𝑣</m:t>
-                              </m:r>
-                              <m:r>
-                                <a:rPr lang="en-US" altLang="ja-JP" sz="1800" b="0" i="1" smtClean="0">
-                                  <a:latin typeface="Cambria Math" panose="02040503050406030204" pitchFamily="18" charset="0"/>
-                                </a:rPr>
-                                <m:t>1</m:t>
-                              </m:r>
-                            </m:sub>
-                          </m:sSub>
-                          <m:f>
-                            <m:fPr>
-                              <m:ctrlPr>
-                                <a:rPr lang="en-US" altLang="ja-JP" sz="1800" b="0" i="1" smtClean="0">
-                                  <a:latin typeface="Cambria Math" panose="02040503050406030204" pitchFamily="18" charset="0"/>
-                                </a:rPr>
-                              </m:ctrlPr>
-                            </m:fPr>
-                            <m:num>
-                              <m:r>
-                                <a:rPr lang="en-US" altLang="ja-JP" sz="1800" i="1">
-                                  <a:latin typeface="Cambria Math" panose="02040503050406030204" pitchFamily="18" charset="0"/>
-                                  <a:ea typeface="Cambria Math" panose="02040503050406030204" pitchFamily="18" charset="0"/>
-                                </a:rPr>
-                                <m:t>∆</m:t>
-                              </m:r>
-                              <m:r>
-                                <a:rPr lang="en-US" altLang="ja-JP" sz="1800" b="0" i="1" smtClean="0">
-                                  <a:latin typeface="Cambria Math" panose="02040503050406030204" pitchFamily="18" charset="0"/>
-                                  <a:ea typeface="Cambria Math" panose="02040503050406030204" pitchFamily="18" charset="0"/>
-                                </a:rPr>
-                                <m:t>𝑡</m:t>
-                              </m:r>
-                            </m:num>
-                            <m:den>
-                              <m:r>
-                                <a:rPr lang="en-US" altLang="ja-JP" sz="1800" b="0" i="1" smtClean="0">
-                                  <a:latin typeface="Cambria Math" panose="02040503050406030204" pitchFamily="18" charset="0"/>
-                                </a:rPr>
-                                <m:t>2</m:t>
-                              </m:r>
-                            </m:den>
-                          </m:f>
-                          <m:r>
-                            <a:rPr lang="en-US" altLang="ja-JP" sz="1800" i="1">
-                              <a:latin typeface="Cambria Math" panose="02040503050406030204" pitchFamily="18" charset="0"/>
-                            </a:rPr>
-                            <m:t>,</m:t>
-                          </m:r>
-                          <m:sSub>
-                            <m:sSubPr>
-                              <m:ctrlPr>
-                                <a:rPr lang="en-US" altLang="ja-JP" sz="1800" i="1">
-                                  <a:latin typeface="Cambria Math" panose="02040503050406030204" pitchFamily="18" charset="0"/>
-                                </a:rPr>
-                              </m:ctrlPr>
-                            </m:sSubPr>
-                            <m:e>
-                              <m:r>
-                                <a:rPr lang="en-US" altLang="ja-JP" sz="1800" b="1" i="1" smtClean="0">
-                                  <a:latin typeface="Cambria Math" panose="02040503050406030204" pitchFamily="18" charset="0"/>
-                                </a:rPr>
-                                <m:t>𝒓</m:t>
-                              </m:r>
-                            </m:e>
-                            <m:sub>
-                              <m:r>
-                                <a:rPr lang="en-US" altLang="ja-JP" sz="1800" i="1">
-                                  <a:latin typeface="Cambria Math" panose="02040503050406030204" pitchFamily="18" charset="0"/>
-                                </a:rPr>
-                                <m:t>𝑛</m:t>
-                              </m:r>
-                            </m:sub>
-                          </m:sSub>
-                          <m:r>
-                            <a:rPr lang="en-US" altLang="ja-JP" sz="1800" i="1">
-                              <a:latin typeface="Cambria Math" panose="02040503050406030204" pitchFamily="18" charset="0"/>
-                            </a:rPr>
-                            <m:t>+</m:t>
-                          </m:r>
-                          <m:sSub>
-                            <m:sSubPr>
-                              <m:ctrlPr>
-                                <a:rPr lang="en-US" altLang="ja-JP" sz="1800" i="1">
-                                  <a:latin typeface="Cambria Math" panose="02040503050406030204" pitchFamily="18" charset="0"/>
-                                </a:rPr>
-                              </m:ctrlPr>
-                            </m:sSubPr>
-                            <m:e>
-                              <m:r>
-                                <a:rPr lang="en-US" altLang="ja-JP" sz="1800" i="1">
-                                  <a:latin typeface="Cambria Math" panose="02040503050406030204" pitchFamily="18" charset="0"/>
-                                </a:rPr>
-                                <m:t>𝑘</m:t>
-                              </m:r>
-                            </m:e>
-                            <m:sub>
-                              <m:r>
-                                <a:rPr lang="en-US" altLang="ja-JP" sz="1800" b="0" i="1" smtClean="0">
-                                  <a:latin typeface="Cambria Math" panose="02040503050406030204" pitchFamily="18" charset="0"/>
-                                </a:rPr>
-                                <m:t>𝑟</m:t>
-                              </m:r>
-                              <m:r>
-                                <a:rPr lang="en-US" altLang="ja-JP" sz="1800" i="1">
-                                  <a:latin typeface="Cambria Math" panose="02040503050406030204" pitchFamily="18" charset="0"/>
-                                </a:rPr>
-                                <m:t>1</m:t>
-                              </m:r>
-                            </m:sub>
-                          </m:sSub>
-                          <m:f>
-                            <m:fPr>
-                              <m:ctrlPr>
-                                <a:rPr lang="en-US" altLang="ja-JP" sz="1800" i="1">
-                                  <a:latin typeface="Cambria Math" panose="02040503050406030204" pitchFamily="18" charset="0"/>
-                                </a:rPr>
-                              </m:ctrlPr>
-                            </m:fPr>
-                            <m:num>
-                              <m:r>
-                                <a:rPr lang="en-US" altLang="ja-JP" sz="1800" i="1">
-                                  <a:latin typeface="Cambria Math" panose="02040503050406030204" pitchFamily="18" charset="0"/>
-                                  <a:ea typeface="Cambria Math" panose="02040503050406030204" pitchFamily="18" charset="0"/>
-                                </a:rPr>
-                                <m:t>∆</m:t>
-                              </m:r>
-                              <m:r>
-                                <a:rPr lang="en-US" altLang="ja-JP" sz="1800" i="1">
-                                  <a:latin typeface="Cambria Math" panose="02040503050406030204" pitchFamily="18" charset="0"/>
-                                  <a:ea typeface="Cambria Math" panose="02040503050406030204" pitchFamily="18" charset="0"/>
-                                </a:rPr>
-                                <m:t>𝑡</m:t>
-                              </m:r>
-                            </m:num>
-                            <m:den>
-                              <m:r>
-                                <a:rPr lang="en-US" altLang="ja-JP" sz="1800" i="1">
-                                  <a:latin typeface="Cambria Math" panose="02040503050406030204" pitchFamily="18" charset="0"/>
-                                </a:rPr>
-                                <m:t>2</m:t>
-                              </m:r>
-                            </m:den>
-                          </m:f>
-                          <m:r>
-                            <a:rPr lang="en-US" altLang="ja-JP" sz="1800" b="0" i="1" smtClean="0">
-                              <a:latin typeface="Cambria Math" panose="02040503050406030204" pitchFamily="18" charset="0"/>
-                            </a:rPr>
-                            <m:t>,</m:t>
-                          </m:r>
-                          <m:sSub>
-                            <m:sSubPr>
-                              <m:ctrlPr>
-                                <a:rPr lang="en-US" altLang="ja-JP" sz="1800" i="1">
-                                  <a:latin typeface="Cambria Math" panose="02040503050406030204" pitchFamily="18" charset="0"/>
-                                </a:rPr>
-                              </m:ctrlPr>
-                            </m:sSubPr>
-                            <m:e>
-                              <m:r>
-                                <a:rPr lang="en-US" altLang="ja-JP" sz="1800" b="0" i="1" smtClean="0">
-                                  <a:latin typeface="Cambria Math" panose="02040503050406030204" pitchFamily="18" charset="0"/>
-                                </a:rPr>
-                                <m:t>𝑡</m:t>
-                              </m:r>
-                            </m:e>
-                            <m:sub>
-                              <m:r>
-                                <a:rPr lang="en-US" altLang="ja-JP" sz="1800" i="1">
-                                  <a:latin typeface="Cambria Math" panose="02040503050406030204" pitchFamily="18" charset="0"/>
-                                </a:rPr>
-                                <m:t>𝑛</m:t>
-                              </m:r>
-                            </m:sub>
-                          </m:sSub>
-                          <m:r>
-                            <a:rPr lang="en-US" altLang="ja-JP" sz="1800" i="1">
-                              <a:latin typeface="Cambria Math" panose="02040503050406030204" pitchFamily="18" charset="0"/>
-                            </a:rPr>
-                            <m:t>+</m:t>
-                          </m:r>
-                          <m:f>
-                            <m:fPr>
-                              <m:ctrlPr>
-                                <a:rPr lang="en-US" altLang="ja-JP" sz="1800" i="1">
-                                  <a:latin typeface="Cambria Math" panose="02040503050406030204" pitchFamily="18" charset="0"/>
-                                </a:rPr>
-                              </m:ctrlPr>
-                            </m:fPr>
-                            <m:num>
-                              <m:r>
-                                <a:rPr lang="en-US" altLang="ja-JP" sz="1800" i="1">
-                                  <a:latin typeface="Cambria Math" panose="02040503050406030204" pitchFamily="18" charset="0"/>
-                                  <a:ea typeface="Cambria Math" panose="02040503050406030204" pitchFamily="18" charset="0"/>
-                                </a:rPr>
-                                <m:t>∆</m:t>
-                              </m:r>
-                              <m:r>
-                                <a:rPr lang="en-US" altLang="ja-JP" sz="1800" b="0" i="1" smtClean="0">
-                                  <a:latin typeface="Cambria Math" panose="02040503050406030204" pitchFamily="18" charset="0"/>
-                                  <a:ea typeface="Cambria Math" panose="02040503050406030204" pitchFamily="18" charset="0"/>
-                                </a:rPr>
-                                <m:t>𝑡</m:t>
-                              </m:r>
-                            </m:num>
-                            <m:den>
-                              <m:r>
-                                <a:rPr lang="en-US" altLang="ja-JP" sz="1800" i="1">
-                                  <a:latin typeface="Cambria Math" panose="02040503050406030204" pitchFamily="18" charset="0"/>
-                                </a:rPr>
-                                <m:t>2</m:t>
-                              </m:r>
-                            </m:den>
-                          </m:f>
-                        </m:e>
-                      </m:d>
-                    </m:oMath>
-                  </m:oMathPara>
-                </a14:m>
-                <a:endParaRPr lang="en-US" altLang="ja-JP" sz="1800" dirty="0"/>
-              </a:p>
-            </p:txBody>
-          </p:sp>
-        </mc:Choice>
-        <mc:Fallback xmlns="">
-          <p:sp>
-            <p:nvSpPr>
-              <p:cNvPr id="4" name="コンテンツ プレースホルダー 2">
-                <a:extLst>
-                  <a:ext uri="{FF2B5EF4-FFF2-40B4-BE49-F238E27FC236}">
-                    <a16:creationId xmlns:a16="http://schemas.microsoft.com/office/drawing/2014/main" id="{775550CC-164E-4BA6-B653-5521DEE38F7E}"/>
-                  </a:ext>
-                </a:extLst>
-              </p:cNvPr>
-              <p:cNvSpPr>
-                <a:spLocks noGrp="1" noRot="1" noChangeAspect="1" noMove="1" noResize="1" noEditPoints="1" noAdjustHandles="1" noChangeArrowheads="1" noChangeShapeType="1" noTextEdit="1"/>
-              </p:cNvSpPr>
-              <p:nvPr>
-                <p:ph idx="1"/>
-              </p:nvPr>
-            </p:nvSpPr>
-            <p:spPr>
-              <a:xfrm>
-                <a:off x="0" y="4042534"/>
-                <a:ext cx="6096000" cy="2781299"/>
-              </a:xfrm>
-              <a:blipFill>
-                <a:blip r:embed="rId2"/>
-                <a:stretch>
-                  <a:fillRect/>
-                </a:stretch>
-              </a:blipFill>
-            </p:spPr>
-            <p:txBody>
-              <a:bodyPr/>
-              <a:lstStyle/>
-              <a:p>
-                <a:r>
-                  <a:rPr lang="ja-JP" altLang="en-US">
-                    <a:noFill/>
-                  </a:rPr>
-                  <a:t> </a:t>
-                </a:r>
-              </a:p>
-            </p:txBody>
-          </p:sp>
-        </mc:Fallback>
-      </mc:AlternateContent>
-      <mc:AlternateContent xmlns:mc="http://schemas.openxmlformats.org/markup-compatibility/2006" xmlns:a14="http://schemas.microsoft.com/office/drawing/2010/main">
-        <mc:Choice Requires="a14">
-          <p:sp>
-            <p:nvSpPr>
-              <p:cNvPr id="6" name="テキスト ボックス 5">
-                <a:extLst>
-                  <a:ext uri="{FF2B5EF4-FFF2-40B4-BE49-F238E27FC236}">
-                    <a16:creationId xmlns:a16="http://schemas.microsoft.com/office/drawing/2014/main" id="{5E9A606C-4A20-4C66-9639-02EAB573501F}"/>
-                  </a:ext>
-                </a:extLst>
-              </p:cNvPr>
-              <p:cNvSpPr txBox="1"/>
-              <p:nvPr/>
-            </p:nvSpPr>
-            <p:spPr>
-              <a:xfrm>
-                <a:off x="2306424" y="159892"/>
-                <a:ext cx="3789576" cy="1172244"/>
-              </a:xfrm>
-              <a:prstGeom prst="rect">
-                <a:avLst/>
-              </a:prstGeom>
-              <a:noFill/>
-            </p:spPr>
-            <p:txBody>
-              <a:bodyPr wrap="square" rtlCol="0">
-                <a:spAutoFit/>
-              </a:bodyPr>
-              <a:lstStyle/>
-              <a:p>
-                <a:pPr/>
-                <a14:m>
-                  <m:oMathPara xmlns:m="http://schemas.openxmlformats.org/officeDocument/2006/math">
-                    <m:oMathParaPr>
-                      <m:jc m:val="centerGroup"/>
-                    </m:oMathParaPr>
-                    <m:oMath xmlns:m="http://schemas.openxmlformats.org/officeDocument/2006/math">
-                      <m:f>
-                        <m:fPr>
-                          <m:ctrlPr>
-                            <a:rPr kumimoji="1" lang="en-US" altLang="ja-JP" i="1" smtClean="0">
-                              <a:latin typeface="Cambria Math" panose="02040503050406030204" pitchFamily="18" charset="0"/>
-                            </a:rPr>
-                          </m:ctrlPr>
-                        </m:fPr>
-                        <m:num>
-                          <m:r>
-                            <a:rPr kumimoji="1" lang="en-US" altLang="ja-JP" i="1" smtClean="0">
-                              <a:latin typeface="Cambria Math" panose="02040503050406030204" pitchFamily="18" charset="0"/>
-                            </a:rPr>
-                            <m:t>𝑑</m:t>
-                          </m:r>
-                          <m:r>
-                            <a:rPr kumimoji="1" lang="en-US" altLang="ja-JP" b="0" i="1" smtClean="0">
-                              <a:latin typeface="Cambria Math" panose="02040503050406030204" pitchFamily="18" charset="0"/>
-                            </a:rPr>
-                            <m:t>𝑣</m:t>
-                          </m:r>
-                        </m:num>
-                        <m:den>
-                          <m:r>
-                            <a:rPr kumimoji="1" lang="en-US" altLang="ja-JP" i="1" smtClean="0">
-                              <a:latin typeface="Cambria Math" panose="02040503050406030204" pitchFamily="18" charset="0"/>
-                            </a:rPr>
-                            <m:t>𝑑</m:t>
-                          </m:r>
-                          <m:r>
-                            <a:rPr kumimoji="1" lang="en-US" altLang="ja-JP" b="0" i="1" smtClean="0">
-                              <a:latin typeface="Cambria Math" panose="02040503050406030204" pitchFamily="18" charset="0"/>
-                            </a:rPr>
-                            <m:t>𝑡</m:t>
-                          </m:r>
-                        </m:den>
-                      </m:f>
-                      <m:r>
-                        <a:rPr kumimoji="1" lang="en-US" altLang="ja-JP" b="0" i="1" smtClean="0">
-                          <a:latin typeface="Cambria Math" panose="02040503050406030204" pitchFamily="18" charset="0"/>
-                        </a:rPr>
-                        <m:t>=</m:t>
-                      </m:r>
-                      <m:r>
-                        <a:rPr kumimoji="1" lang="en-US" altLang="ja-JP" b="0" i="1" smtClean="0">
-                          <a:latin typeface="Cambria Math" panose="02040503050406030204" pitchFamily="18" charset="0"/>
-                        </a:rPr>
-                        <m:t>𝑓</m:t>
-                      </m:r>
-                      <m:d>
-                        <m:dPr>
-                          <m:ctrlPr>
-                            <a:rPr kumimoji="1" lang="en-US" altLang="ja-JP" b="0" i="1" smtClean="0">
-                              <a:latin typeface="Cambria Math" panose="02040503050406030204" pitchFamily="18" charset="0"/>
-                            </a:rPr>
-                          </m:ctrlPr>
-                        </m:dPr>
-                        <m:e>
-                          <m:r>
-                            <a:rPr kumimoji="1" lang="en-US" altLang="ja-JP" b="0" i="1" smtClean="0">
-                              <a:latin typeface="Cambria Math" panose="02040503050406030204" pitchFamily="18" charset="0"/>
-                            </a:rPr>
-                            <m:t>𝑣</m:t>
-                          </m:r>
-                          <m:r>
-                            <a:rPr kumimoji="1" lang="en-US" altLang="ja-JP" b="0" i="1" smtClean="0">
-                              <a:latin typeface="Cambria Math" panose="02040503050406030204" pitchFamily="18" charset="0"/>
-                            </a:rPr>
-                            <m:t>,</m:t>
-                          </m:r>
-                          <m:r>
-                            <a:rPr kumimoji="1" lang="en-US" altLang="ja-JP" b="0" i="1" smtClean="0">
-                              <a:latin typeface="Cambria Math" panose="02040503050406030204" pitchFamily="18" charset="0"/>
-                            </a:rPr>
-                            <m:t>𝑟</m:t>
-                          </m:r>
-                          <m:r>
-                            <a:rPr kumimoji="1" lang="en-US" altLang="ja-JP" b="0" i="1" smtClean="0">
-                              <a:latin typeface="Cambria Math" panose="02040503050406030204" pitchFamily="18" charset="0"/>
-                            </a:rPr>
-                            <m:t>,</m:t>
-                          </m:r>
-                          <m:r>
-                            <a:rPr kumimoji="1" lang="en-US" altLang="ja-JP" b="0" i="1" smtClean="0">
-                              <a:latin typeface="Cambria Math" panose="02040503050406030204" pitchFamily="18" charset="0"/>
-                            </a:rPr>
-                            <m:t>𝑡</m:t>
-                          </m:r>
-                        </m:e>
-                      </m:d>
-                    </m:oMath>
-                  </m:oMathPara>
-                </a14:m>
-                <a:endParaRPr kumimoji="1" lang="en-US" altLang="ja-JP" b="0" dirty="0"/>
-              </a:p>
-              <a:p>
-                <a:endParaRPr kumimoji="1" lang="en-US" altLang="ja-JP" dirty="0"/>
-              </a:p>
-              <a:p>
-                <a:endParaRPr kumimoji="1" lang="ja-JP" altLang="en-US" dirty="0"/>
-              </a:p>
-            </p:txBody>
-          </p:sp>
-        </mc:Choice>
-        <mc:Fallback xmlns="">
-          <p:sp>
-            <p:nvSpPr>
-              <p:cNvPr id="6" name="テキスト ボックス 5">
-                <a:extLst>
-                  <a:ext uri="{FF2B5EF4-FFF2-40B4-BE49-F238E27FC236}">
-                    <a16:creationId xmlns:a16="http://schemas.microsoft.com/office/drawing/2014/main" id="{5E9A606C-4A20-4C66-9639-02EAB573501F}"/>
-                  </a:ext>
-                </a:extLst>
-              </p:cNvPr>
-              <p:cNvSpPr txBox="1">
-                <a:spLocks noRot="1" noChangeAspect="1" noMove="1" noResize="1" noEditPoints="1" noAdjustHandles="1" noChangeArrowheads="1" noChangeShapeType="1" noTextEdit="1"/>
-              </p:cNvSpPr>
-              <p:nvPr/>
-            </p:nvSpPr>
-            <p:spPr>
-              <a:xfrm>
-                <a:off x="2306424" y="159892"/>
-                <a:ext cx="3789576" cy="1172244"/>
-              </a:xfrm>
-              <a:prstGeom prst="rect">
-                <a:avLst/>
-              </a:prstGeom>
-              <a:blipFill>
-                <a:blip r:embed="rId3"/>
-                <a:stretch>
-                  <a:fillRect/>
-                </a:stretch>
-              </a:blipFill>
-            </p:spPr>
-            <p:txBody>
-              <a:bodyPr/>
-              <a:lstStyle/>
-              <a:p>
-                <a:r>
-                  <a:rPr lang="ja-JP" altLang="en-US">
-                    <a:noFill/>
-                  </a:rPr>
-                  <a:t> </a:t>
-                </a:r>
-              </a:p>
-            </p:txBody>
-          </p:sp>
-        </mc:Fallback>
-      </mc:AlternateContent>
-      <p:pic>
-        <p:nvPicPr>
-          <p:cNvPr id="8" name="図 7">
-            <a:extLst>
-              <a:ext uri="{FF2B5EF4-FFF2-40B4-BE49-F238E27FC236}">
-                <a16:creationId xmlns:a16="http://schemas.microsoft.com/office/drawing/2014/main" id="{D4CD659B-7464-4AE7-A37A-FE60E1C14A54}"/>
-              </a:ext>
-            </a:extLst>
-          </p:cNvPr>
-          <p:cNvPicPr>
-            <a:picLocks noChangeAspect="1"/>
-          </p:cNvPicPr>
-          <p:nvPr/>
-        </p:nvPicPr>
-        <p:blipFill>
-          <a:blip r:embed="rId4"/>
-          <a:stretch>
-            <a:fillRect/>
-          </a:stretch>
-        </p:blipFill>
-        <p:spPr>
-          <a:xfrm rot="5400000">
-            <a:off x="4937659" y="777132"/>
-            <a:ext cx="883997" cy="1432684"/>
-          </a:xfrm>
-          <a:prstGeom prst="rect">
-            <a:avLst/>
-          </a:prstGeom>
-        </p:spPr>
-      </p:pic>
-      <mc:AlternateContent xmlns:mc="http://schemas.openxmlformats.org/markup-compatibility/2006" xmlns:a14="http://schemas.microsoft.com/office/drawing/2010/main">
-        <mc:Choice Requires="a14">
-          <p:sp>
-            <p:nvSpPr>
-              <p:cNvPr id="10" name="テキスト ボックス 9">
-                <a:extLst>
-                  <a:ext uri="{FF2B5EF4-FFF2-40B4-BE49-F238E27FC236}">
-                    <a16:creationId xmlns:a16="http://schemas.microsoft.com/office/drawing/2014/main" id="{AFBB71BD-AAE5-41F9-BCBF-1FB3222D7237}"/>
-                  </a:ext>
-                </a:extLst>
-              </p:cNvPr>
-              <p:cNvSpPr txBox="1"/>
-              <p:nvPr/>
-            </p:nvSpPr>
-            <p:spPr>
-              <a:xfrm>
-                <a:off x="4977624" y="163825"/>
-                <a:ext cx="3789576" cy="1172244"/>
-              </a:xfrm>
-              <a:prstGeom prst="rect">
-                <a:avLst/>
-              </a:prstGeom>
-              <a:noFill/>
-            </p:spPr>
-            <p:txBody>
-              <a:bodyPr wrap="square" rtlCol="0">
-                <a:spAutoFit/>
-              </a:bodyPr>
-              <a:lstStyle/>
-              <a:p>
-                <a:pPr/>
-                <a14:m>
-                  <m:oMathPara xmlns:m="http://schemas.openxmlformats.org/officeDocument/2006/math">
-                    <m:oMathParaPr>
-                      <m:jc m:val="centerGroup"/>
-                    </m:oMathParaPr>
-                    <m:oMath xmlns:m="http://schemas.openxmlformats.org/officeDocument/2006/math">
-                      <m:f>
-                        <m:fPr>
-                          <m:ctrlPr>
-                            <a:rPr kumimoji="1" lang="en-US" altLang="ja-JP" i="1" smtClean="0">
-                              <a:latin typeface="Cambria Math" panose="02040503050406030204" pitchFamily="18" charset="0"/>
-                            </a:rPr>
-                          </m:ctrlPr>
-                        </m:fPr>
-                        <m:num>
-                          <m:r>
-                            <a:rPr kumimoji="1" lang="en-US" altLang="ja-JP" i="1" smtClean="0">
-                              <a:latin typeface="Cambria Math" panose="02040503050406030204" pitchFamily="18" charset="0"/>
-                            </a:rPr>
-                            <m:t>𝑑</m:t>
-                          </m:r>
-                          <m:r>
-                            <a:rPr kumimoji="1" lang="en-US" altLang="ja-JP" b="0" i="1" smtClean="0">
-                              <a:latin typeface="Cambria Math" panose="02040503050406030204" pitchFamily="18" charset="0"/>
-                            </a:rPr>
-                            <m:t>𝑟</m:t>
-                          </m:r>
-                        </m:num>
-                        <m:den>
-                          <m:r>
-                            <a:rPr kumimoji="1" lang="en-US" altLang="ja-JP" i="1" smtClean="0">
-                              <a:latin typeface="Cambria Math" panose="02040503050406030204" pitchFamily="18" charset="0"/>
-                            </a:rPr>
-                            <m:t>𝑑</m:t>
-                          </m:r>
-                          <m:r>
-                            <a:rPr kumimoji="1" lang="en-US" altLang="ja-JP" b="0" i="1" smtClean="0">
-                              <a:latin typeface="Cambria Math" panose="02040503050406030204" pitchFamily="18" charset="0"/>
-                            </a:rPr>
-                            <m:t>𝑡</m:t>
-                          </m:r>
-                        </m:den>
-                      </m:f>
-                      <m:r>
-                        <a:rPr kumimoji="1" lang="en-US" altLang="ja-JP" b="0" i="1" smtClean="0">
-                          <a:latin typeface="Cambria Math" panose="02040503050406030204" pitchFamily="18" charset="0"/>
-                        </a:rPr>
-                        <m:t>=</m:t>
-                      </m:r>
-                      <m:r>
-                        <a:rPr kumimoji="1" lang="en-US" altLang="ja-JP" b="0" i="1" smtClean="0">
-                          <a:latin typeface="Cambria Math" panose="02040503050406030204" pitchFamily="18" charset="0"/>
-                        </a:rPr>
-                        <m:t>𝑣</m:t>
-                      </m:r>
-                      <m:d>
-                        <m:dPr>
-                          <m:ctrlPr>
-                            <a:rPr kumimoji="1" lang="en-US" altLang="ja-JP" b="0" i="1" smtClean="0">
-                              <a:latin typeface="Cambria Math" panose="02040503050406030204" pitchFamily="18" charset="0"/>
-                            </a:rPr>
-                          </m:ctrlPr>
-                        </m:dPr>
-                        <m:e>
-                          <m:r>
-                            <a:rPr kumimoji="1" lang="en-US" altLang="ja-JP" b="0" i="1" smtClean="0">
-                              <a:latin typeface="Cambria Math" panose="02040503050406030204" pitchFamily="18" charset="0"/>
-                            </a:rPr>
-                            <m:t>𝑣</m:t>
-                          </m:r>
-                          <m:r>
-                            <a:rPr kumimoji="1" lang="en-US" altLang="ja-JP" b="0" i="1" smtClean="0">
-                              <a:latin typeface="Cambria Math" panose="02040503050406030204" pitchFamily="18" charset="0"/>
-                            </a:rPr>
-                            <m:t>,</m:t>
-                          </m:r>
-                          <m:r>
-                            <a:rPr kumimoji="1" lang="en-US" altLang="ja-JP" b="0" i="1" smtClean="0">
-                              <a:latin typeface="Cambria Math" panose="02040503050406030204" pitchFamily="18" charset="0"/>
-                            </a:rPr>
-                            <m:t>𝑟</m:t>
-                          </m:r>
-                          <m:r>
-                            <a:rPr kumimoji="1" lang="en-US" altLang="ja-JP" b="0" i="1" smtClean="0">
-                              <a:latin typeface="Cambria Math" panose="02040503050406030204" pitchFamily="18" charset="0"/>
-                            </a:rPr>
-                            <m:t>,</m:t>
-                          </m:r>
-                          <m:r>
-                            <a:rPr kumimoji="1" lang="en-US" altLang="ja-JP" b="0" i="1" smtClean="0">
-                              <a:latin typeface="Cambria Math" panose="02040503050406030204" pitchFamily="18" charset="0"/>
-                            </a:rPr>
-                            <m:t>𝑡</m:t>
-                          </m:r>
-                        </m:e>
-                      </m:d>
-                    </m:oMath>
-                  </m:oMathPara>
-                </a14:m>
-                <a:endParaRPr kumimoji="1" lang="en-US" altLang="ja-JP" b="0" dirty="0"/>
-              </a:p>
-              <a:p>
-                <a:endParaRPr kumimoji="1" lang="en-US" altLang="ja-JP" dirty="0"/>
-              </a:p>
-              <a:p>
-                <a:endParaRPr kumimoji="1" lang="ja-JP" altLang="en-US" dirty="0"/>
-              </a:p>
-            </p:txBody>
-          </p:sp>
-        </mc:Choice>
-        <mc:Fallback xmlns="">
-          <p:sp>
-            <p:nvSpPr>
-              <p:cNvPr id="10" name="テキスト ボックス 9">
-                <a:extLst>
-                  <a:ext uri="{FF2B5EF4-FFF2-40B4-BE49-F238E27FC236}">
-                    <a16:creationId xmlns:a16="http://schemas.microsoft.com/office/drawing/2014/main" id="{AFBB71BD-AAE5-41F9-BCBF-1FB3222D7237}"/>
-                  </a:ext>
-                </a:extLst>
-              </p:cNvPr>
-              <p:cNvSpPr txBox="1">
-                <a:spLocks noRot="1" noChangeAspect="1" noMove="1" noResize="1" noEditPoints="1" noAdjustHandles="1" noChangeArrowheads="1" noChangeShapeType="1" noTextEdit="1"/>
-              </p:cNvSpPr>
-              <p:nvPr/>
-            </p:nvSpPr>
-            <p:spPr>
-              <a:xfrm>
-                <a:off x="4977624" y="163825"/>
-                <a:ext cx="3789576" cy="1172244"/>
-              </a:xfrm>
-              <a:prstGeom prst="rect">
-                <a:avLst/>
-              </a:prstGeom>
-              <a:blipFill>
-                <a:blip r:embed="rId5"/>
-                <a:stretch>
-                  <a:fillRect/>
-                </a:stretch>
-              </a:blipFill>
-            </p:spPr>
-            <p:txBody>
-              <a:bodyPr/>
-              <a:lstStyle/>
-              <a:p>
-                <a:r>
-                  <a:rPr lang="ja-JP" altLang="en-US">
-                    <a:noFill/>
-                  </a:rPr>
-                  <a:t> </a:t>
-                </a:r>
-              </a:p>
-            </p:txBody>
-          </p:sp>
-        </mc:Fallback>
-      </mc:AlternateContent>
-      <mc:AlternateContent xmlns:mc="http://schemas.openxmlformats.org/markup-compatibility/2006" xmlns:a14="http://schemas.microsoft.com/office/drawing/2010/main">
-        <mc:Choice Requires="a14">
-          <p:sp>
-            <p:nvSpPr>
-              <p:cNvPr id="11" name="テキスト ボックス 10">
-                <a:extLst>
-                  <a:ext uri="{FF2B5EF4-FFF2-40B4-BE49-F238E27FC236}">
-                    <a16:creationId xmlns:a16="http://schemas.microsoft.com/office/drawing/2014/main" id="{3CD5CD9B-4F65-4619-80D3-99113AD422F7}"/>
-                  </a:ext>
-                </a:extLst>
-              </p:cNvPr>
-              <p:cNvSpPr txBox="1"/>
-              <p:nvPr/>
-            </p:nvSpPr>
-            <p:spPr>
-              <a:xfrm>
-                <a:off x="5536812" y="4042534"/>
-                <a:ext cx="5553074" cy="2618281"/>
-              </a:xfrm>
-              <a:prstGeom prst="rect">
-                <a:avLst/>
-              </a:prstGeom>
-              <a:noFill/>
-            </p:spPr>
-            <p:txBody>
-              <a:bodyPr wrap="square" rtlCol="0">
-                <a:spAutoFit/>
-              </a:bodyPr>
-              <a:lstStyle/>
-              <a:p>
-                <a:pPr marL="0" indent="0">
-                  <a:buNone/>
-                </a:pPr>
-                <a14:m>
-                  <m:oMathPara xmlns:m="http://schemas.openxmlformats.org/officeDocument/2006/math">
-                    <m:oMathParaPr>
-                      <m:jc m:val="centerGroup"/>
-                    </m:oMathParaPr>
-                    <m:oMath xmlns:m="http://schemas.openxmlformats.org/officeDocument/2006/math">
-                      <m:sSub>
-                        <m:sSubPr>
-                          <m:ctrlPr>
-                            <a:rPr kumimoji="1" lang="en-US" altLang="ja-JP" sz="1800" i="1" smtClean="0">
-                              <a:latin typeface="Cambria Math" panose="02040503050406030204" pitchFamily="18" charset="0"/>
-                            </a:rPr>
-                          </m:ctrlPr>
-                        </m:sSubPr>
-                        <m:e>
-                          <m:r>
-                            <a:rPr kumimoji="1" lang="en-US" altLang="ja-JP" sz="1800" b="0" i="1" smtClean="0">
-                              <a:latin typeface="Cambria Math" panose="02040503050406030204" pitchFamily="18" charset="0"/>
-                            </a:rPr>
-                            <m:t>𝑘</m:t>
-                          </m:r>
-                        </m:e>
-                        <m:sub>
-                          <m:r>
-                            <a:rPr kumimoji="1" lang="en-US" altLang="ja-JP" sz="1800" b="0" i="1" smtClean="0">
-                              <a:latin typeface="Cambria Math" panose="02040503050406030204" pitchFamily="18" charset="0"/>
-                            </a:rPr>
-                            <m:t>𝑟</m:t>
-                          </m:r>
-                          <m:r>
-                            <a:rPr kumimoji="1" lang="en-US" altLang="ja-JP" sz="1800" b="0" i="1" smtClean="0">
-                              <a:latin typeface="Cambria Math" panose="02040503050406030204" pitchFamily="18" charset="0"/>
-                            </a:rPr>
-                            <m:t>3</m:t>
-                          </m:r>
-                        </m:sub>
-                      </m:sSub>
-                      <m:r>
-                        <a:rPr kumimoji="1" lang="en-US" altLang="ja-JP" sz="1800" b="0" i="1" smtClean="0">
-                          <a:latin typeface="Cambria Math" panose="02040503050406030204" pitchFamily="18" charset="0"/>
-                        </a:rPr>
-                        <m:t>= </m:t>
-                      </m:r>
-                      <m:sSub>
-                        <m:sSubPr>
-                          <m:ctrlPr>
-                            <a:rPr lang="en-US" altLang="ja-JP" sz="1800" i="1">
-                              <a:latin typeface="Cambria Math" panose="02040503050406030204" pitchFamily="18" charset="0"/>
-                            </a:rPr>
-                          </m:ctrlPr>
-                        </m:sSubPr>
-                        <m:e>
-                          <m:r>
-                            <a:rPr lang="en-US" altLang="ja-JP" sz="1800" i="1">
-                              <a:latin typeface="Cambria Math" panose="02040503050406030204" pitchFamily="18" charset="0"/>
-                            </a:rPr>
-                            <m:t>𝑣</m:t>
-                          </m:r>
-                        </m:e>
-                        <m:sub>
-                          <m:r>
-                            <a:rPr lang="en-US" altLang="ja-JP" sz="1800" i="1">
-                              <a:latin typeface="Cambria Math" panose="02040503050406030204" pitchFamily="18" charset="0"/>
-                            </a:rPr>
-                            <m:t>𝑛</m:t>
-                          </m:r>
-                        </m:sub>
-                      </m:sSub>
-                      <m:r>
-                        <a:rPr lang="en-US" altLang="ja-JP" sz="1800" i="1">
-                          <a:latin typeface="Cambria Math" panose="02040503050406030204" pitchFamily="18" charset="0"/>
-                        </a:rPr>
-                        <m:t>+ </m:t>
-                      </m:r>
-                      <m:sSub>
-                        <m:sSubPr>
-                          <m:ctrlPr>
-                            <a:rPr lang="en-US" altLang="ja-JP" sz="1800" i="1">
-                              <a:latin typeface="Cambria Math" panose="02040503050406030204" pitchFamily="18" charset="0"/>
-                            </a:rPr>
-                          </m:ctrlPr>
-                        </m:sSubPr>
-                        <m:e>
-                          <m:r>
-                            <a:rPr lang="en-US" altLang="ja-JP" sz="1800" i="1">
-                              <a:latin typeface="Cambria Math" panose="02040503050406030204" pitchFamily="18" charset="0"/>
-                            </a:rPr>
-                            <m:t>𝑘</m:t>
-                          </m:r>
-                        </m:e>
-                        <m:sub>
-                          <m:r>
-                            <a:rPr lang="en-US" altLang="ja-JP" sz="1800" i="1">
-                              <a:latin typeface="Cambria Math" panose="02040503050406030204" pitchFamily="18" charset="0"/>
-                            </a:rPr>
-                            <m:t>𝑣</m:t>
-                          </m:r>
-                          <m:r>
-                            <a:rPr lang="en-US" altLang="ja-JP" sz="1800" b="0" i="1" smtClean="0">
-                              <a:latin typeface="Cambria Math" panose="02040503050406030204" pitchFamily="18" charset="0"/>
-                            </a:rPr>
-                            <m:t>2</m:t>
-                          </m:r>
-                        </m:sub>
-                      </m:sSub>
-                      <m:f>
-                        <m:fPr>
-                          <m:ctrlPr>
-                            <a:rPr lang="en-US" altLang="ja-JP" sz="1800" i="1">
-                              <a:latin typeface="Cambria Math" panose="02040503050406030204" pitchFamily="18" charset="0"/>
-                            </a:rPr>
-                          </m:ctrlPr>
-                        </m:fPr>
-                        <m:num>
-                          <m:r>
-                            <a:rPr lang="en-US" altLang="ja-JP" sz="1800" i="1">
-                              <a:latin typeface="Cambria Math" panose="02040503050406030204" pitchFamily="18" charset="0"/>
-                              <a:ea typeface="Cambria Math" panose="02040503050406030204" pitchFamily="18" charset="0"/>
-                            </a:rPr>
-                            <m:t>∆</m:t>
-                          </m:r>
-                          <m:r>
-                            <a:rPr lang="en-US" altLang="ja-JP" sz="1800" i="1">
-                              <a:latin typeface="Cambria Math" panose="02040503050406030204" pitchFamily="18" charset="0"/>
-                              <a:ea typeface="Cambria Math" panose="02040503050406030204" pitchFamily="18" charset="0"/>
-                            </a:rPr>
-                            <m:t>𝑡</m:t>
-                          </m:r>
-                        </m:num>
-                        <m:den>
-                          <m:r>
-                            <a:rPr lang="en-US" altLang="ja-JP" sz="1800" i="1">
-                              <a:latin typeface="Cambria Math" panose="02040503050406030204" pitchFamily="18" charset="0"/>
-                            </a:rPr>
-                            <m:t>2</m:t>
-                          </m:r>
-                        </m:den>
-                      </m:f>
-                    </m:oMath>
-                  </m:oMathPara>
-                </a14:m>
-                <a:endParaRPr kumimoji="1" lang="en-US" altLang="ja-JP" sz="1800" dirty="0"/>
-              </a:p>
-              <a:p>
-                <a:pPr marL="0" indent="0">
-                  <a:buNone/>
-                </a:pPr>
-                <a:endParaRPr lang="en-US" altLang="ja-JP" sz="1800" dirty="0"/>
-              </a:p>
-              <a:p>
-                <a:pPr marL="0" indent="0">
-                  <a:buNone/>
-                </a:pPr>
-                <a14:m>
-                  <m:oMathPara xmlns:m="http://schemas.openxmlformats.org/officeDocument/2006/math">
-                    <m:oMathParaPr>
-                      <m:jc m:val="centerGroup"/>
-                    </m:oMathParaPr>
-                    <m:oMath xmlns:m="http://schemas.openxmlformats.org/officeDocument/2006/math">
-                      <m:sSub>
-                        <m:sSubPr>
-                          <m:ctrlPr>
-                            <a:rPr kumimoji="1" lang="en-US" altLang="ja-JP" sz="1800" i="1" smtClean="0">
-                              <a:latin typeface="Cambria Math" panose="02040503050406030204" pitchFamily="18" charset="0"/>
-                            </a:rPr>
-                          </m:ctrlPr>
-                        </m:sSubPr>
-                        <m:e>
-                          <m:r>
-                            <a:rPr kumimoji="1" lang="en-US" altLang="ja-JP" sz="1800" b="0" i="1" smtClean="0">
-                              <a:latin typeface="Cambria Math" panose="02040503050406030204" pitchFamily="18" charset="0"/>
-                            </a:rPr>
-                            <m:t>𝑘</m:t>
-                          </m:r>
-                        </m:e>
-                        <m:sub>
-                          <m:r>
-                            <a:rPr kumimoji="1" lang="en-US" altLang="ja-JP" sz="1800" b="0" i="1" smtClean="0">
-                              <a:latin typeface="Cambria Math" panose="02040503050406030204" pitchFamily="18" charset="0"/>
-                            </a:rPr>
-                            <m:t>𝑣</m:t>
-                          </m:r>
-                          <m:r>
-                            <a:rPr kumimoji="1" lang="en-US" altLang="ja-JP" sz="1800" b="0" i="1" smtClean="0">
-                              <a:latin typeface="Cambria Math" panose="02040503050406030204" pitchFamily="18" charset="0"/>
-                            </a:rPr>
-                            <m:t>3</m:t>
-                          </m:r>
-                        </m:sub>
-                      </m:sSub>
-                      <m:r>
-                        <a:rPr kumimoji="1" lang="en-US" altLang="ja-JP" sz="1800" b="0" i="1" smtClean="0">
-                          <a:latin typeface="Cambria Math" panose="02040503050406030204" pitchFamily="18" charset="0"/>
-                        </a:rPr>
-                        <m:t>=</m:t>
-                      </m:r>
-                      <m:r>
-                        <a:rPr lang="en-US" altLang="ja-JP" sz="1800" i="1">
-                          <a:latin typeface="Cambria Math" panose="02040503050406030204" pitchFamily="18" charset="0"/>
-                        </a:rPr>
-                        <m:t>𝑓</m:t>
-                      </m:r>
-                      <m:d>
-                        <m:dPr>
-                          <m:ctrlPr>
-                            <a:rPr lang="en-US" altLang="ja-JP" sz="1800" i="1">
-                              <a:latin typeface="Cambria Math" panose="02040503050406030204" pitchFamily="18" charset="0"/>
-                            </a:rPr>
-                          </m:ctrlPr>
-                        </m:dPr>
-                        <m:e>
-                          <m:sSub>
-                            <m:sSubPr>
-                              <m:ctrlPr>
-                                <a:rPr lang="en-US" altLang="ja-JP" sz="1800" i="1">
-                                  <a:latin typeface="Cambria Math" panose="02040503050406030204" pitchFamily="18" charset="0"/>
-                                </a:rPr>
-                              </m:ctrlPr>
-                            </m:sSubPr>
-                            <m:e>
-                              <m:r>
-                                <a:rPr lang="en-US" altLang="ja-JP" sz="1800" b="1" i="1">
-                                  <a:latin typeface="Cambria Math" panose="02040503050406030204" pitchFamily="18" charset="0"/>
-                                </a:rPr>
-                                <m:t>𝒗</m:t>
-                              </m:r>
-                            </m:e>
-                            <m:sub>
-                              <m:r>
-                                <a:rPr lang="en-US" altLang="ja-JP" sz="1800" i="1">
-                                  <a:latin typeface="Cambria Math" panose="02040503050406030204" pitchFamily="18" charset="0"/>
-                                </a:rPr>
-                                <m:t>𝑛</m:t>
-                              </m:r>
-                            </m:sub>
-                          </m:sSub>
-                          <m:r>
-                            <a:rPr lang="en-US" altLang="ja-JP" sz="1800" i="1">
-                              <a:latin typeface="Cambria Math" panose="02040503050406030204" pitchFamily="18" charset="0"/>
-                            </a:rPr>
-                            <m:t>+</m:t>
-                          </m:r>
-                          <m:sSub>
-                            <m:sSubPr>
-                              <m:ctrlPr>
-                                <a:rPr lang="en-US" altLang="ja-JP" sz="1800" i="1">
-                                  <a:latin typeface="Cambria Math" panose="02040503050406030204" pitchFamily="18" charset="0"/>
-                                </a:rPr>
-                              </m:ctrlPr>
-                            </m:sSubPr>
-                            <m:e>
-                              <m:r>
-                                <a:rPr lang="en-US" altLang="ja-JP" sz="1800" i="1">
-                                  <a:latin typeface="Cambria Math" panose="02040503050406030204" pitchFamily="18" charset="0"/>
-                                </a:rPr>
-                                <m:t>𝑘</m:t>
-                              </m:r>
-                            </m:e>
-                            <m:sub>
-                              <m:r>
-                                <a:rPr lang="en-US" altLang="ja-JP" sz="1800" i="1">
-                                  <a:latin typeface="Cambria Math" panose="02040503050406030204" pitchFamily="18" charset="0"/>
-                                </a:rPr>
-                                <m:t>𝑣</m:t>
-                              </m:r>
-                              <m:r>
-                                <a:rPr lang="en-US" altLang="ja-JP" sz="1800" b="0" i="1" smtClean="0">
-                                  <a:latin typeface="Cambria Math" panose="02040503050406030204" pitchFamily="18" charset="0"/>
-                                </a:rPr>
-                                <m:t>2</m:t>
-                              </m:r>
-                            </m:sub>
-                          </m:sSub>
-                          <m:f>
-                            <m:fPr>
-                              <m:ctrlPr>
-                                <a:rPr lang="en-US" altLang="ja-JP" sz="1800" i="1">
-                                  <a:latin typeface="Cambria Math" panose="02040503050406030204" pitchFamily="18" charset="0"/>
-                                </a:rPr>
-                              </m:ctrlPr>
-                            </m:fPr>
-                            <m:num>
-                              <m:r>
-                                <a:rPr lang="en-US" altLang="ja-JP" sz="1800" i="1">
-                                  <a:latin typeface="Cambria Math" panose="02040503050406030204" pitchFamily="18" charset="0"/>
-                                  <a:ea typeface="Cambria Math" panose="02040503050406030204" pitchFamily="18" charset="0"/>
-                                </a:rPr>
-                                <m:t>∆</m:t>
-                              </m:r>
-                              <m:r>
-                                <a:rPr lang="en-US" altLang="ja-JP" sz="1800" i="1">
-                                  <a:latin typeface="Cambria Math" panose="02040503050406030204" pitchFamily="18" charset="0"/>
-                                  <a:ea typeface="Cambria Math" panose="02040503050406030204" pitchFamily="18" charset="0"/>
-                                </a:rPr>
-                                <m:t>𝑡</m:t>
-                              </m:r>
-                            </m:num>
-                            <m:den>
-                              <m:r>
-                                <a:rPr lang="en-US" altLang="ja-JP" sz="1800" i="1">
-                                  <a:latin typeface="Cambria Math" panose="02040503050406030204" pitchFamily="18" charset="0"/>
-                                </a:rPr>
-                                <m:t>2</m:t>
-                              </m:r>
-                            </m:den>
-                          </m:f>
-                          <m:r>
-                            <a:rPr lang="en-US" altLang="ja-JP" sz="1800" i="1">
-                              <a:latin typeface="Cambria Math" panose="02040503050406030204" pitchFamily="18" charset="0"/>
-                            </a:rPr>
-                            <m:t>,</m:t>
-                          </m:r>
-                          <m:sSub>
-                            <m:sSubPr>
-                              <m:ctrlPr>
-                                <a:rPr lang="en-US" altLang="ja-JP" sz="1800" i="1">
-                                  <a:latin typeface="Cambria Math" panose="02040503050406030204" pitchFamily="18" charset="0"/>
-                                </a:rPr>
-                              </m:ctrlPr>
-                            </m:sSubPr>
-                            <m:e>
-                              <m:r>
-                                <a:rPr lang="en-US" altLang="ja-JP" sz="1800" b="1" i="1">
-                                  <a:latin typeface="Cambria Math" panose="02040503050406030204" pitchFamily="18" charset="0"/>
-                                </a:rPr>
-                                <m:t>𝒓</m:t>
-                              </m:r>
-                            </m:e>
-                            <m:sub>
-                              <m:r>
-                                <a:rPr lang="en-US" altLang="ja-JP" sz="1800" i="1">
-                                  <a:latin typeface="Cambria Math" panose="02040503050406030204" pitchFamily="18" charset="0"/>
-                                </a:rPr>
-                                <m:t>𝑛</m:t>
-                              </m:r>
-                            </m:sub>
-                          </m:sSub>
-                          <m:r>
-                            <a:rPr lang="en-US" altLang="ja-JP" sz="1800" i="1">
-                              <a:latin typeface="Cambria Math" panose="02040503050406030204" pitchFamily="18" charset="0"/>
-                            </a:rPr>
-                            <m:t>+</m:t>
-                          </m:r>
-                          <m:sSub>
-                            <m:sSubPr>
-                              <m:ctrlPr>
-                                <a:rPr lang="en-US" altLang="ja-JP" sz="1800" i="1">
-                                  <a:latin typeface="Cambria Math" panose="02040503050406030204" pitchFamily="18" charset="0"/>
-                                </a:rPr>
-                              </m:ctrlPr>
-                            </m:sSubPr>
-                            <m:e>
-                              <m:r>
-                                <a:rPr lang="en-US" altLang="ja-JP" sz="1800" i="1">
-                                  <a:latin typeface="Cambria Math" panose="02040503050406030204" pitchFamily="18" charset="0"/>
-                                </a:rPr>
-                                <m:t>𝑘</m:t>
-                              </m:r>
-                            </m:e>
-                            <m:sub>
-                              <m:r>
-                                <a:rPr lang="en-US" altLang="ja-JP" sz="1800" i="1">
-                                  <a:latin typeface="Cambria Math" panose="02040503050406030204" pitchFamily="18" charset="0"/>
-                                </a:rPr>
-                                <m:t>𝑟</m:t>
-                              </m:r>
-                              <m:r>
-                                <a:rPr lang="en-US" altLang="ja-JP" sz="1800" b="0" i="1" smtClean="0">
-                                  <a:latin typeface="Cambria Math" panose="02040503050406030204" pitchFamily="18" charset="0"/>
-                                </a:rPr>
-                                <m:t>2</m:t>
-                              </m:r>
-                            </m:sub>
-                          </m:sSub>
-                          <m:f>
-                            <m:fPr>
-                              <m:ctrlPr>
-                                <a:rPr lang="en-US" altLang="ja-JP" sz="1800" i="1">
-                                  <a:latin typeface="Cambria Math" panose="02040503050406030204" pitchFamily="18" charset="0"/>
-                                </a:rPr>
-                              </m:ctrlPr>
-                            </m:fPr>
-                            <m:num>
-                              <m:r>
-                                <a:rPr lang="en-US" altLang="ja-JP" sz="1800" i="1">
-                                  <a:latin typeface="Cambria Math" panose="02040503050406030204" pitchFamily="18" charset="0"/>
-                                  <a:ea typeface="Cambria Math" panose="02040503050406030204" pitchFamily="18" charset="0"/>
-                                </a:rPr>
-                                <m:t>∆</m:t>
-                              </m:r>
-                              <m:r>
-                                <a:rPr lang="en-US" altLang="ja-JP" sz="1800" i="1">
-                                  <a:latin typeface="Cambria Math" panose="02040503050406030204" pitchFamily="18" charset="0"/>
-                                  <a:ea typeface="Cambria Math" panose="02040503050406030204" pitchFamily="18" charset="0"/>
-                                </a:rPr>
-                                <m:t>𝑡</m:t>
-                              </m:r>
-                            </m:num>
-                            <m:den>
-                              <m:r>
-                                <a:rPr lang="en-US" altLang="ja-JP" sz="1800" i="1">
-                                  <a:latin typeface="Cambria Math" panose="02040503050406030204" pitchFamily="18" charset="0"/>
-                                </a:rPr>
-                                <m:t>2</m:t>
-                              </m:r>
-                            </m:den>
-                          </m:f>
-                          <m:r>
-                            <a:rPr lang="en-US" altLang="ja-JP" sz="1800" i="1">
-                              <a:latin typeface="Cambria Math" panose="02040503050406030204" pitchFamily="18" charset="0"/>
-                            </a:rPr>
-                            <m:t>,</m:t>
-                          </m:r>
-                          <m:sSub>
-                            <m:sSubPr>
-                              <m:ctrlPr>
-                                <a:rPr lang="en-US" altLang="ja-JP" sz="1800" i="1">
-                                  <a:latin typeface="Cambria Math" panose="02040503050406030204" pitchFamily="18" charset="0"/>
-                                </a:rPr>
-                              </m:ctrlPr>
-                            </m:sSubPr>
-                            <m:e>
-                              <m:r>
-                                <a:rPr lang="en-US" altLang="ja-JP" sz="1800" i="1">
-                                  <a:latin typeface="Cambria Math" panose="02040503050406030204" pitchFamily="18" charset="0"/>
-                                </a:rPr>
-                                <m:t>𝑡</m:t>
-                              </m:r>
-                            </m:e>
-                            <m:sub>
-                              <m:r>
-                                <a:rPr lang="en-US" altLang="ja-JP" sz="1800" i="1">
-                                  <a:latin typeface="Cambria Math" panose="02040503050406030204" pitchFamily="18" charset="0"/>
-                                </a:rPr>
-                                <m:t>𝑛</m:t>
-                              </m:r>
-                            </m:sub>
-                          </m:sSub>
-                          <m:r>
-                            <a:rPr lang="en-US" altLang="ja-JP" sz="1800" i="1">
-                              <a:latin typeface="Cambria Math" panose="02040503050406030204" pitchFamily="18" charset="0"/>
-                            </a:rPr>
-                            <m:t>+</m:t>
-                          </m:r>
-                          <m:f>
-                            <m:fPr>
-                              <m:ctrlPr>
-                                <a:rPr lang="en-US" altLang="ja-JP" sz="1800" i="1">
-                                  <a:latin typeface="Cambria Math" panose="02040503050406030204" pitchFamily="18" charset="0"/>
-                                </a:rPr>
-                              </m:ctrlPr>
-                            </m:fPr>
-                            <m:num>
-                              <m:r>
-                                <a:rPr lang="en-US" altLang="ja-JP" sz="1800" i="1">
-                                  <a:latin typeface="Cambria Math" panose="02040503050406030204" pitchFamily="18" charset="0"/>
-                                  <a:ea typeface="Cambria Math" panose="02040503050406030204" pitchFamily="18" charset="0"/>
-                                </a:rPr>
-                                <m:t>∆</m:t>
-                              </m:r>
-                              <m:r>
-                                <a:rPr lang="en-US" altLang="ja-JP" sz="1800" i="1">
-                                  <a:latin typeface="Cambria Math" panose="02040503050406030204" pitchFamily="18" charset="0"/>
-                                  <a:ea typeface="Cambria Math" panose="02040503050406030204" pitchFamily="18" charset="0"/>
-                                </a:rPr>
-                                <m:t>𝑡</m:t>
-                              </m:r>
-                            </m:num>
-                            <m:den>
-                              <m:r>
-                                <a:rPr lang="en-US" altLang="ja-JP" sz="1800" i="1">
-                                  <a:latin typeface="Cambria Math" panose="02040503050406030204" pitchFamily="18" charset="0"/>
-                                </a:rPr>
-                                <m:t>2</m:t>
-                              </m:r>
-                            </m:den>
-                          </m:f>
-                        </m:e>
-                      </m:d>
-                    </m:oMath>
-                  </m:oMathPara>
-                </a14:m>
-                <a:endParaRPr kumimoji="1" lang="en-US" altLang="ja-JP" sz="1800" dirty="0"/>
-              </a:p>
-              <a:p>
-                <a:pPr marL="0" indent="0">
-                  <a:buNone/>
-                </a:pPr>
-                <a:endParaRPr kumimoji="1" lang="en-US" altLang="ja-JP" sz="1800" dirty="0"/>
-              </a:p>
-              <a:p>
-                <a:pPr marL="0" indent="0">
-                  <a:buNone/>
-                </a:pPr>
-                <a14:m>
-                  <m:oMathPara xmlns:m="http://schemas.openxmlformats.org/officeDocument/2006/math">
-                    <m:oMathParaPr>
-                      <m:jc m:val="centerGroup"/>
-                    </m:oMathParaPr>
-                    <m:oMath xmlns:m="http://schemas.openxmlformats.org/officeDocument/2006/math">
-                      <m:sSub>
-                        <m:sSubPr>
-                          <m:ctrlPr>
-                            <a:rPr kumimoji="1" lang="en-US" altLang="ja-JP" sz="1800" i="1" smtClean="0">
-                              <a:latin typeface="Cambria Math" panose="02040503050406030204" pitchFamily="18" charset="0"/>
-                            </a:rPr>
-                          </m:ctrlPr>
-                        </m:sSubPr>
-                        <m:e>
-                          <m:r>
-                            <a:rPr kumimoji="1" lang="en-US" altLang="ja-JP" sz="1800" b="0" i="1" smtClean="0">
-                              <a:latin typeface="Cambria Math" panose="02040503050406030204" pitchFamily="18" charset="0"/>
-                            </a:rPr>
-                            <m:t>𝑘</m:t>
-                          </m:r>
-                        </m:e>
-                        <m:sub>
-                          <m:r>
-                            <a:rPr kumimoji="1" lang="en-US" altLang="ja-JP" sz="1800" b="0" i="1" smtClean="0">
-                              <a:latin typeface="Cambria Math" panose="02040503050406030204" pitchFamily="18" charset="0"/>
-                            </a:rPr>
-                            <m:t>𝑟</m:t>
-                          </m:r>
-                          <m:r>
-                            <a:rPr kumimoji="1" lang="en-US" altLang="ja-JP" sz="1800" b="0" i="1" smtClean="0">
-                              <a:latin typeface="Cambria Math" panose="02040503050406030204" pitchFamily="18" charset="0"/>
-                            </a:rPr>
-                            <m:t>4</m:t>
-                          </m:r>
-                        </m:sub>
-                      </m:sSub>
-                      <m:r>
-                        <a:rPr kumimoji="1" lang="en-US" altLang="ja-JP" sz="1800" b="0" i="1" smtClean="0">
-                          <a:latin typeface="Cambria Math" panose="02040503050406030204" pitchFamily="18" charset="0"/>
-                        </a:rPr>
-                        <m:t>=</m:t>
-                      </m:r>
-                      <m:sSub>
-                        <m:sSubPr>
-                          <m:ctrlPr>
-                            <a:rPr lang="en-US" altLang="ja-JP" sz="1800" i="1">
-                              <a:latin typeface="Cambria Math" panose="02040503050406030204" pitchFamily="18" charset="0"/>
-                            </a:rPr>
-                          </m:ctrlPr>
-                        </m:sSubPr>
-                        <m:e>
-                          <m:r>
-                            <a:rPr lang="en-US" altLang="ja-JP" sz="1800" i="1">
-                              <a:latin typeface="Cambria Math" panose="02040503050406030204" pitchFamily="18" charset="0"/>
-                            </a:rPr>
-                            <m:t>𝑣</m:t>
-                          </m:r>
-                        </m:e>
-                        <m:sub>
-                          <m:r>
-                            <a:rPr lang="en-US" altLang="ja-JP" sz="1800" i="1">
-                              <a:latin typeface="Cambria Math" panose="02040503050406030204" pitchFamily="18" charset="0"/>
-                            </a:rPr>
-                            <m:t>𝑛</m:t>
-                          </m:r>
-                        </m:sub>
-                      </m:sSub>
-                      <m:r>
-                        <a:rPr lang="en-US" altLang="ja-JP" sz="1800" i="1">
-                          <a:latin typeface="Cambria Math" panose="02040503050406030204" pitchFamily="18" charset="0"/>
-                        </a:rPr>
-                        <m:t>+ </m:t>
-                      </m:r>
-                      <m:sSub>
-                        <m:sSubPr>
-                          <m:ctrlPr>
-                            <a:rPr lang="en-US" altLang="ja-JP" sz="1800" i="1">
-                              <a:latin typeface="Cambria Math" panose="02040503050406030204" pitchFamily="18" charset="0"/>
-                            </a:rPr>
-                          </m:ctrlPr>
-                        </m:sSubPr>
-                        <m:e>
-                          <m:r>
-                            <a:rPr lang="en-US" altLang="ja-JP" sz="1800" i="1">
-                              <a:latin typeface="Cambria Math" panose="02040503050406030204" pitchFamily="18" charset="0"/>
-                            </a:rPr>
-                            <m:t>𝑘</m:t>
-                          </m:r>
-                        </m:e>
-                        <m:sub>
-                          <m:r>
-                            <a:rPr lang="en-US" altLang="ja-JP" sz="1800" i="1">
-                              <a:latin typeface="Cambria Math" panose="02040503050406030204" pitchFamily="18" charset="0"/>
-                            </a:rPr>
-                            <m:t>𝑣</m:t>
-                          </m:r>
-                          <m:r>
-                            <a:rPr lang="en-US" altLang="ja-JP" sz="1800" b="0" i="1" smtClean="0">
-                              <a:latin typeface="Cambria Math" panose="02040503050406030204" pitchFamily="18" charset="0"/>
-                            </a:rPr>
-                            <m:t>3</m:t>
-                          </m:r>
-                        </m:sub>
-                      </m:sSub>
-                      <m:r>
-                        <a:rPr lang="en-US" altLang="ja-JP" sz="1800" i="1">
-                          <a:latin typeface="Cambria Math" panose="02040503050406030204" pitchFamily="18" charset="0"/>
-                          <a:ea typeface="Cambria Math" panose="02040503050406030204" pitchFamily="18" charset="0"/>
-                        </a:rPr>
-                        <m:t>∆</m:t>
-                      </m:r>
-                      <m:r>
-                        <a:rPr lang="en-US" altLang="ja-JP" sz="1800" i="1">
-                          <a:latin typeface="Cambria Math" panose="02040503050406030204" pitchFamily="18" charset="0"/>
-                          <a:ea typeface="Cambria Math" panose="02040503050406030204" pitchFamily="18" charset="0"/>
-                        </a:rPr>
-                        <m:t>𝑡</m:t>
-                      </m:r>
-                    </m:oMath>
-                  </m:oMathPara>
-                </a14:m>
-                <a:endParaRPr kumimoji="1" lang="en-US" altLang="ja-JP" sz="1800" dirty="0"/>
-              </a:p>
-              <a:p>
-                <a:pPr marL="0" indent="0">
-                  <a:buNone/>
-                </a:pPr>
-                <a:endParaRPr lang="en-US" altLang="ja-JP" sz="1800" dirty="0"/>
-              </a:p>
-              <a:p>
-                <a:pPr marL="0" indent="0">
-                  <a:buNone/>
-                </a:pPr>
-                <a14:m>
-                  <m:oMathPara xmlns:m="http://schemas.openxmlformats.org/officeDocument/2006/math">
-                    <m:oMathParaPr>
-                      <m:jc m:val="centerGroup"/>
-                    </m:oMathParaPr>
-                    <m:oMath xmlns:m="http://schemas.openxmlformats.org/officeDocument/2006/math">
-                      <m:sSub>
-                        <m:sSubPr>
-                          <m:ctrlPr>
-                            <a:rPr kumimoji="1" lang="en-US" altLang="ja-JP" sz="1800" i="1" smtClean="0">
-                              <a:latin typeface="Cambria Math" panose="02040503050406030204" pitchFamily="18" charset="0"/>
-                            </a:rPr>
-                          </m:ctrlPr>
-                        </m:sSubPr>
-                        <m:e>
-                          <m:r>
-                            <a:rPr kumimoji="1" lang="en-US" altLang="ja-JP" sz="1800" b="0" i="1" smtClean="0">
-                              <a:latin typeface="Cambria Math" panose="02040503050406030204" pitchFamily="18" charset="0"/>
-                            </a:rPr>
-                            <m:t>𝑘</m:t>
-                          </m:r>
-                        </m:e>
-                        <m:sub>
-                          <m:r>
-                            <a:rPr kumimoji="1" lang="en-US" altLang="ja-JP" sz="1800" b="0" i="1" smtClean="0">
-                              <a:latin typeface="Cambria Math" panose="02040503050406030204" pitchFamily="18" charset="0"/>
-                            </a:rPr>
-                            <m:t>𝑣</m:t>
-                          </m:r>
-                          <m:r>
-                            <a:rPr kumimoji="1" lang="en-US" altLang="ja-JP" sz="1800" b="0" i="1" smtClean="0">
-                              <a:latin typeface="Cambria Math" panose="02040503050406030204" pitchFamily="18" charset="0"/>
-                            </a:rPr>
-                            <m:t>4</m:t>
-                          </m:r>
-                        </m:sub>
-                      </m:sSub>
-                      <m:r>
-                        <a:rPr kumimoji="1" lang="en-US" altLang="ja-JP" sz="1800" b="0" i="1" smtClean="0">
-                          <a:latin typeface="Cambria Math" panose="02040503050406030204" pitchFamily="18" charset="0"/>
-                        </a:rPr>
-                        <m:t>=</m:t>
-                      </m:r>
-                      <m:r>
-                        <a:rPr lang="en-US" altLang="ja-JP" sz="1800" i="1">
-                          <a:latin typeface="Cambria Math" panose="02040503050406030204" pitchFamily="18" charset="0"/>
-                        </a:rPr>
-                        <m:t>𝑓</m:t>
-                      </m:r>
-                      <m:d>
-                        <m:dPr>
-                          <m:ctrlPr>
-                            <a:rPr lang="en-US" altLang="ja-JP" sz="1800" i="1">
-                              <a:latin typeface="Cambria Math" panose="02040503050406030204" pitchFamily="18" charset="0"/>
-                            </a:rPr>
-                          </m:ctrlPr>
-                        </m:dPr>
-                        <m:e>
-                          <m:sSub>
-                            <m:sSubPr>
-                              <m:ctrlPr>
-                                <a:rPr lang="en-US" altLang="ja-JP" sz="1800" i="1">
-                                  <a:latin typeface="Cambria Math" panose="02040503050406030204" pitchFamily="18" charset="0"/>
-                                </a:rPr>
-                              </m:ctrlPr>
-                            </m:sSubPr>
-                            <m:e>
-                              <m:r>
-                                <a:rPr lang="en-US" altLang="ja-JP" sz="1800" b="1" i="1" smtClean="0">
-                                  <a:latin typeface="Cambria Math" panose="02040503050406030204" pitchFamily="18" charset="0"/>
-                                </a:rPr>
-                                <m:t>𝒗</m:t>
-                              </m:r>
-                            </m:e>
-                            <m:sub>
-                              <m:r>
-                                <a:rPr lang="en-US" altLang="ja-JP" sz="1800" i="1">
-                                  <a:latin typeface="Cambria Math" panose="02040503050406030204" pitchFamily="18" charset="0"/>
-                                </a:rPr>
-                                <m:t>𝑛</m:t>
-                              </m:r>
-                            </m:sub>
-                          </m:sSub>
-                          <m:r>
-                            <a:rPr lang="en-US" altLang="ja-JP" sz="1800" i="1">
-                              <a:latin typeface="Cambria Math" panose="02040503050406030204" pitchFamily="18" charset="0"/>
-                            </a:rPr>
-                            <m:t>+</m:t>
-                          </m:r>
-                          <m:sSub>
-                            <m:sSubPr>
-                              <m:ctrlPr>
-                                <a:rPr lang="en-US" altLang="ja-JP" sz="1800" i="1">
-                                  <a:latin typeface="Cambria Math" panose="02040503050406030204" pitchFamily="18" charset="0"/>
-                                </a:rPr>
-                              </m:ctrlPr>
-                            </m:sSubPr>
-                            <m:e>
-                              <m:r>
-                                <a:rPr lang="en-US" altLang="ja-JP" sz="1800" i="1">
-                                  <a:latin typeface="Cambria Math" panose="02040503050406030204" pitchFamily="18" charset="0"/>
-                                </a:rPr>
-                                <m:t>𝑘</m:t>
-                              </m:r>
-                            </m:e>
-                            <m:sub>
-                              <m:r>
-                                <a:rPr lang="en-US" altLang="ja-JP" sz="1800" b="0" i="1" smtClean="0">
-                                  <a:latin typeface="Cambria Math" panose="02040503050406030204" pitchFamily="18" charset="0"/>
-                                </a:rPr>
-                                <m:t>𝑣</m:t>
-                              </m:r>
-                              <m:r>
-                                <a:rPr lang="en-US" altLang="ja-JP" sz="1800" b="0" i="1" smtClean="0">
-                                  <a:latin typeface="Cambria Math" panose="02040503050406030204" pitchFamily="18" charset="0"/>
-                                </a:rPr>
-                                <m:t>3</m:t>
-                              </m:r>
-                            </m:sub>
-                          </m:sSub>
-                          <m:r>
-                            <a:rPr lang="en-US" altLang="ja-JP" sz="1800" i="1">
-                              <a:latin typeface="Cambria Math" panose="02040503050406030204" pitchFamily="18" charset="0"/>
-                              <a:ea typeface="Cambria Math" panose="02040503050406030204" pitchFamily="18" charset="0"/>
-                            </a:rPr>
-                            <m:t>∆</m:t>
-                          </m:r>
-                          <m:r>
-                            <a:rPr lang="en-US" altLang="ja-JP" sz="1800" b="0" i="1" smtClean="0">
-                              <a:latin typeface="Cambria Math" panose="02040503050406030204" pitchFamily="18" charset="0"/>
-                              <a:ea typeface="Cambria Math" panose="02040503050406030204" pitchFamily="18" charset="0"/>
-                            </a:rPr>
-                            <m:t>𝑡</m:t>
-                          </m:r>
-                          <m:r>
-                            <a:rPr lang="en-US" altLang="ja-JP" sz="1800" i="1">
-                              <a:latin typeface="Cambria Math" panose="02040503050406030204" pitchFamily="18" charset="0"/>
-                            </a:rPr>
-                            <m:t>,</m:t>
-                          </m:r>
-                          <m:sSub>
-                            <m:sSubPr>
-                              <m:ctrlPr>
-                                <a:rPr lang="en-US" altLang="ja-JP" sz="1800" i="1">
-                                  <a:latin typeface="Cambria Math" panose="02040503050406030204" pitchFamily="18" charset="0"/>
-                                </a:rPr>
-                              </m:ctrlPr>
-                            </m:sSubPr>
-                            <m:e>
-                              <m:r>
-                                <a:rPr lang="en-US" altLang="ja-JP" sz="1800" b="1" i="1" smtClean="0">
-                                  <a:latin typeface="Cambria Math" panose="02040503050406030204" pitchFamily="18" charset="0"/>
-                                </a:rPr>
-                                <m:t>𝒓</m:t>
-                              </m:r>
-                            </m:e>
-                            <m:sub>
-                              <m:r>
-                                <a:rPr lang="en-US" altLang="ja-JP" sz="1800" i="1">
-                                  <a:latin typeface="Cambria Math" panose="02040503050406030204" pitchFamily="18" charset="0"/>
-                                </a:rPr>
-                                <m:t>𝑛</m:t>
-                              </m:r>
-                            </m:sub>
-                          </m:sSub>
-                          <m:r>
-                            <a:rPr lang="en-US" altLang="ja-JP" sz="1800" i="1">
-                              <a:latin typeface="Cambria Math" panose="02040503050406030204" pitchFamily="18" charset="0"/>
-                            </a:rPr>
-                            <m:t>+</m:t>
-                          </m:r>
-                          <m:sSub>
-                            <m:sSubPr>
-                              <m:ctrlPr>
-                                <a:rPr lang="en-US" altLang="ja-JP" sz="1800" i="1">
-                                  <a:latin typeface="Cambria Math" panose="02040503050406030204" pitchFamily="18" charset="0"/>
-                                </a:rPr>
-                              </m:ctrlPr>
-                            </m:sSubPr>
-                            <m:e>
-                              <m:r>
-                                <a:rPr lang="en-US" altLang="ja-JP" sz="1800" i="1">
-                                  <a:latin typeface="Cambria Math" panose="02040503050406030204" pitchFamily="18" charset="0"/>
-                                </a:rPr>
-                                <m:t>𝑘</m:t>
-                              </m:r>
-                            </m:e>
-                            <m:sub>
-                              <m:r>
-                                <a:rPr lang="en-US" altLang="ja-JP" sz="1800" b="0" i="1" smtClean="0">
-                                  <a:latin typeface="Cambria Math" panose="02040503050406030204" pitchFamily="18" charset="0"/>
-                                </a:rPr>
-                                <m:t>𝑟</m:t>
-                              </m:r>
-                              <m:r>
-                                <a:rPr lang="en-US" altLang="ja-JP" sz="1800" i="1">
-                                  <a:latin typeface="Cambria Math" panose="02040503050406030204" pitchFamily="18" charset="0"/>
-                                </a:rPr>
-                                <m:t>3</m:t>
-                              </m:r>
-                            </m:sub>
-                          </m:sSub>
-                          <m:r>
-                            <a:rPr lang="en-US" altLang="ja-JP" sz="1800" i="1">
-                              <a:latin typeface="Cambria Math" panose="02040503050406030204" pitchFamily="18" charset="0"/>
-                              <a:ea typeface="Cambria Math" panose="02040503050406030204" pitchFamily="18" charset="0"/>
-                            </a:rPr>
-                            <m:t>∆</m:t>
-                          </m:r>
-                          <m:r>
-                            <a:rPr lang="en-US" altLang="ja-JP" sz="1800" i="1">
-                              <a:latin typeface="Cambria Math" panose="02040503050406030204" pitchFamily="18" charset="0"/>
-                              <a:ea typeface="Cambria Math" panose="02040503050406030204" pitchFamily="18" charset="0"/>
-                            </a:rPr>
-                            <m:t>𝑡</m:t>
-                          </m:r>
-                          <m:r>
-                            <a:rPr lang="en-US" altLang="ja-JP" sz="1800" b="0" i="1" smtClean="0">
-                              <a:latin typeface="Cambria Math" panose="02040503050406030204" pitchFamily="18" charset="0"/>
-                              <a:ea typeface="Cambria Math" panose="02040503050406030204" pitchFamily="18" charset="0"/>
-                            </a:rPr>
-                            <m:t>,</m:t>
-                          </m:r>
-                          <m:sSub>
-                            <m:sSubPr>
-                              <m:ctrlPr>
-                                <a:rPr lang="en-US" altLang="ja-JP" sz="1800" i="1">
-                                  <a:latin typeface="Cambria Math" panose="02040503050406030204" pitchFamily="18" charset="0"/>
-                                </a:rPr>
-                              </m:ctrlPr>
-                            </m:sSubPr>
-                            <m:e>
-                              <m:r>
-                                <a:rPr lang="en-US" altLang="ja-JP" sz="1800" b="0" i="1" smtClean="0">
-                                  <a:latin typeface="Cambria Math" panose="02040503050406030204" pitchFamily="18" charset="0"/>
-                                </a:rPr>
-                                <m:t>𝑡</m:t>
-                              </m:r>
-                            </m:e>
-                            <m:sub>
-                              <m:r>
-                                <a:rPr lang="en-US" altLang="ja-JP" sz="1800" i="1">
-                                  <a:latin typeface="Cambria Math" panose="02040503050406030204" pitchFamily="18" charset="0"/>
-                                </a:rPr>
-                                <m:t>𝑛</m:t>
-                              </m:r>
-                            </m:sub>
-                          </m:sSub>
-                          <m:r>
-                            <a:rPr lang="en-US" altLang="ja-JP" sz="1800" i="1">
-                              <a:latin typeface="Cambria Math" panose="02040503050406030204" pitchFamily="18" charset="0"/>
-                            </a:rPr>
-                            <m:t>+</m:t>
-                          </m:r>
-                          <m:r>
-                            <a:rPr lang="en-US" altLang="ja-JP" sz="1800" i="1">
-                              <a:latin typeface="Cambria Math" panose="02040503050406030204" pitchFamily="18" charset="0"/>
-                              <a:ea typeface="Cambria Math" panose="02040503050406030204" pitchFamily="18" charset="0"/>
-                            </a:rPr>
-                            <m:t>∆</m:t>
-                          </m:r>
-                          <m:r>
-                            <a:rPr lang="en-US" altLang="ja-JP" sz="1800" b="0" i="1" smtClean="0">
-                              <a:latin typeface="Cambria Math" panose="02040503050406030204" pitchFamily="18" charset="0"/>
-                              <a:ea typeface="Cambria Math" panose="02040503050406030204" pitchFamily="18" charset="0"/>
-                            </a:rPr>
-                            <m:t>𝑡</m:t>
-                          </m:r>
-                        </m:e>
-                      </m:d>
-                    </m:oMath>
-                  </m:oMathPara>
-                </a14:m>
-                <a:endParaRPr kumimoji="1" lang="ja-JP" altLang="en-US" dirty="0"/>
-              </a:p>
-            </p:txBody>
-          </p:sp>
-        </mc:Choice>
-        <mc:Fallback xmlns="">
-          <p:sp>
-            <p:nvSpPr>
-              <p:cNvPr id="11" name="テキスト ボックス 10">
-                <a:extLst>
-                  <a:ext uri="{FF2B5EF4-FFF2-40B4-BE49-F238E27FC236}">
-                    <a16:creationId xmlns:a16="http://schemas.microsoft.com/office/drawing/2014/main" id="{3CD5CD9B-4F65-4619-80D3-99113AD422F7}"/>
-                  </a:ext>
-                </a:extLst>
-              </p:cNvPr>
-              <p:cNvSpPr txBox="1">
-                <a:spLocks noRot="1" noChangeAspect="1" noMove="1" noResize="1" noEditPoints="1" noAdjustHandles="1" noChangeArrowheads="1" noChangeShapeType="1" noTextEdit="1"/>
-              </p:cNvSpPr>
-              <p:nvPr/>
-            </p:nvSpPr>
-            <p:spPr>
-              <a:xfrm>
-                <a:off x="5536812" y="4042534"/>
-                <a:ext cx="5553074" cy="2618281"/>
-              </a:xfrm>
-              <a:prstGeom prst="rect">
-                <a:avLst/>
-              </a:prstGeom>
-              <a:blipFill>
-                <a:blip r:embed="rId6"/>
-                <a:stretch>
-                  <a:fillRect b="-930"/>
-                </a:stretch>
-              </a:blipFill>
-            </p:spPr>
-            <p:txBody>
-              <a:bodyPr/>
-              <a:lstStyle/>
-              <a:p>
-                <a:r>
-                  <a:rPr lang="ja-JP" altLang="en-US">
-                    <a:noFill/>
-                  </a:rPr>
-                  <a:t> </a:t>
-                </a:r>
-              </a:p>
-            </p:txBody>
-          </p:sp>
-        </mc:Fallback>
-      </mc:AlternateContent>
-      <mc:AlternateContent xmlns:mc="http://schemas.openxmlformats.org/markup-compatibility/2006" xmlns:a14="http://schemas.microsoft.com/office/drawing/2010/main">
-        <mc:Choice Requires="a14">
-          <p:sp>
-            <p:nvSpPr>
-              <p:cNvPr id="12" name="テキスト ボックス 11">
-                <a:extLst>
-                  <a:ext uri="{FF2B5EF4-FFF2-40B4-BE49-F238E27FC236}">
-                    <a16:creationId xmlns:a16="http://schemas.microsoft.com/office/drawing/2014/main" id="{9116FC03-980C-4A33-87C7-1F78F58A0DC5}"/>
-                  </a:ext>
-                </a:extLst>
-              </p:cNvPr>
-              <p:cNvSpPr txBox="1"/>
-              <p:nvPr/>
-            </p:nvSpPr>
-            <p:spPr>
-              <a:xfrm>
-                <a:off x="3200401" y="2162522"/>
-                <a:ext cx="4933950" cy="1687129"/>
-              </a:xfrm>
-              <a:prstGeom prst="rect">
-                <a:avLst/>
-              </a:prstGeom>
-              <a:noFill/>
-            </p:spPr>
-            <p:txBody>
-              <a:bodyPr wrap="square" rtlCol="0">
-                <a:spAutoFit/>
-              </a:bodyPr>
-              <a:lstStyle/>
-              <a:p>
-                <a:pPr marL="0" indent="0">
-                  <a:buNone/>
-                </a:pPr>
-                <a14:m>
-                  <m:oMathPara xmlns:m="http://schemas.openxmlformats.org/officeDocument/2006/math">
-                    <m:oMathParaPr>
-                      <m:jc m:val="centerGroup"/>
-                    </m:oMathParaPr>
-                    <m:oMath xmlns:m="http://schemas.openxmlformats.org/officeDocument/2006/math">
-                      <m:sSub>
-                        <m:sSubPr>
-                          <m:ctrlPr>
-                            <a:rPr kumimoji="1" lang="en-US" altLang="ja-JP" sz="1800" i="1" smtClean="0">
-                              <a:latin typeface="Cambria Math" panose="02040503050406030204" pitchFamily="18" charset="0"/>
-                            </a:rPr>
-                          </m:ctrlPr>
-                        </m:sSubPr>
-                        <m:e>
-                          <m:r>
-                            <a:rPr kumimoji="1" lang="en-US" altLang="ja-JP" sz="1800" b="1" i="1" smtClean="0">
-                              <a:latin typeface="Cambria Math" panose="02040503050406030204" pitchFamily="18" charset="0"/>
-                            </a:rPr>
-                            <m:t>𝒗</m:t>
-                          </m:r>
-                        </m:e>
-                        <m:sub>
-                          <m:r>
-                            <a:rPr kumimoji="1" lang="en-US" altLang="ja-JP" sz="1800" b="0" i="1" smtClean="0">
-                              <a:latin typeface="Cambria Math" panose="02040503050406030204" pitchFamily="18" charset="0"/>
-                            </a:rPr>
-                            <m:t>𝑛</m:t>
-                          </m:r>
-                          <m:r>
-                            <a:rPr kumimoji="1" lang="en-US" altLang="ja-JP" sz="1800" b="0" i="1" smtClean="0">
-                              <a:latin typeface="Cambria Math" panose="02040503050406030204" pitchFamily="18" charset="0"/>
-                            </a:rPr>
-                            <m:t>+1</m:t>
-                          </m:r>
-                        </m:sub>
-                      </m:sSub>
-                      <m:r>
-                        <a:rPr kumimoji="1" lang="en-US" altLang="ja-JP" sz="1800" b="0" i="0" smtClean="0">
-                          <a:latin typeface="Cambria Math" panose="02040503050406030204" pitchFamily="18" charset="0"/>
-                        </a:rPr>
-                        <m:t>=</m:t>
-                      </m:r>
-                      <m:sSub>
-                        <m:sSubPr>
-                          <m:ctrlPr>
-                            <a:rPr kumimoji="1" lang="en-US" altLang="ja-JP" sz="1800" b="0" i="1" smtClean="0">
-                              <a:latin typeface="Cambria Math" panose="02040503050406030204" pitchFamily="18" charset="0"/>
-                            </a:rPr>
-                          </m:ctrlPr>
-                        </m:sSubPr>
-                        <m:e>
-                          <m:r>
-                            <a:rPr kumimoji="1" lang="en-US" altLang="ja-JP" sz="1800" b="1" i="1" smtClean="0">
-                              <a:latin typeface="Cambria Math" panose="02040503050406030204" pitchFamily="18" charset="0"/>
-                            </a:rPr>
-                            <m:t>𝒗</m:t>
-                          </m:r>
-                        </m:e>
-                        <m:sub>
-                          <m:r>
-                            <a:rPr kumimoji="1" lang="en-US" altLang="ja-JP" sz="1800" b="0" i="1" smtClean="0">
-                              <a:latin typeface="Cambria Math" panose="02040503050406030204" pitchFamily="18" charset="0"/>
-                            </a:rPr>
-                            <m:t>𝑛</m:t>
-                          </m:r>
-                        </m:sub>
-                      </m:sSub>
-                      <m:r>
-                        <a:rPr kumimoji="1" lang="en-US" altLang="ja-JP" sz="1800" b="0" i="1" smtClean="0">
-                          <a:latin typeface="Cambria Math" panose="02040503050406030204" pitchFamily="18" charset="0"/>
-                        </a:rPr>
-                        <m:t>+</m:t>
-                      </m:r>
-                      <m:f>
-                        <m:fPr>
-                          <m:ctrlPr>
-                            <a:rPr kumimoji="1" lang="en-US" altLang="ja-JP" sz="1800" b="0" i="1" smtClean="0">
-                              <a:latin typeface="Cambria Math" panose="02040503050406030204" pitchFamily="18" charset="0"/>
-                            </a:rPr>
-                          </m:ctrlPr>
-                        </m:fPr>
-                        <m:num>
-                          <m:r>
-                            <a:rPr kumimoji="1" lang="en-US" altLang="ja-JP" sz="1800" b="0" i="1" smtClean="0">
-                              <a:latin typeface="Cambria Math" panose="02040503050406030204" pitchFamily="18" charset="0"/>
-                            </a:rPr>
-                            <m:t>1</m:t>
-                          </m:r>
-                        </m:num>
-                        <m:den>
-                          <m:r>
-                            <a:rPr kumimoji="1" lang="en-US" altLang="ja-JP" sz="1800" b="0" i="1" smtClean="0">
-                              <a:latin typeface="Cambria Math" panose="02040503050406030204" pitchFamily="18" charset="0"/>
-                            </a:rPr>
-                            <m:t>6</m:t>
-                          </m:r>
-                        </m:den>
-                      </m:f>
-                      <m:d>
-                        <m:dPr>
-                          <m:ctrlPr>
-                            <a:rPr kumimoji="1" lang="en-US" altLang="ja-JP" sz="1800" b="0" i="1" smtClean="0">
-                              <a:latin typeface="Cambria Math" panose="02040503050406030204" pitchFamily="18" charset="0"/>
-                            </a:rPr>
-                          </m:ctrlPr>
-                        </m:dPr>
-                        <m:e>
-                          <m:sSub>
-                            <m:sSubPr>
-                              <m:ctrlPr>
-                                <a:rPr kumimoji="1" lang="en-US" altLang="ja-JP" sz="1800" b="0" i="1" smtClean="0">
-                                  <a:latin typeface="Cambria Math" panose="02040503050406030204" pitchFamily="18" charset="0"/>
-                                </a:rPr>
-                              </m:ctrlPr>
-                            </m:sSubPr>
-                            <m:e>
-                              <m:r>
-                                <a:rPr kumimoji="1" lang="en-US" altLang="ja-JP" sz="1800" b="0" i="1" smtClean="0">
-                                  <a:latin typeface="Cambria Math" panose="02040503050406030204" pitchFamily="18" charset="0"/>
-                                </a:rPr>
-                                <m:t>𝑘</m:t>
-                              </m:r>
-                            </m:e>
-                            <m:sub>
-                              <m:r>
-                                <a:rPr kumimoji="1" lang="en-US" altLang="ja-JP" sz="1800" b="0" i="1" smtClean="0">
-                                  <a:latin typeface="Cambria Math" panose="02040503050406030204" pitchFamily="18" charset="0"/>
-                                </a:rPr>
-                                <m:t>𝑣</m:t>
-                              </m:r>
-                              <m:r>
-                                <a:rPr kumimoji="1" lang="en-US" altLang="ja-JP" sz="1800" b="0" i="1" smtClean="0">
-                                  <a:latin typeface="Cambria Math" panose="02040503050406030204" pitchFamily="18" charset="0"/>
-                                </a:rPr>
-                                <m:t>1</m:t>
-                              </m:r>
-                            </m:sub>
-                          </m:sSub>
-                          <m:r>
-                            <a:rPr kumimoji="1" lang="en-US" altLang="ja-JP" sz="1800" b="0" i="1" smtClean="0">
-                              <a:latin typeface="Cambria Math" panose="02040503050406030204" pitchFamily="18" charset="0"/>
-                            </a:rPr>
-                            <m:t>+2</m:t>
-                          </m:r>
-                          <m:sSub>
-                            <m:sSubPr>
-                              <m:ctrlPr>
-                                <a:rPr kumimoji="1" lang="en-US" altLang="ja-JP" sz="1800" b="0" i="1" smtClean="0">
-                                  <a:latin typeface="Cambria Math" panose="02040503050406030204" pitchFamily="18" charset="0"/>
-                                </a:rPr>
-                              </m:ctrlPr>
-                            </m:sSubPr>
-                            <m:e>
-                              <m:r>
-                                <a:rPr kumimoji="1" lang="en-US" altLang="ja-JP" sz="1800" b="0" i="1" smtClean="0">
-                                  <a:latin typeface="Cambria Math" panose="02040503050406030204" pitchFamily="18" charset="0"/>
-                                </a:rPr>
-                                <m:t>𝑘</m:t>
-                              </m:r>
-                            </m:e>
-                            <m:sub>
-                              <m:r>
-                                <a:rPr kumimoji="1" lang="en-US" altLang="ja-JP" sz="1800" b="0" i="1" smtClean="0">
-                                  <a:latin typeface="Cambria Math" panose="02040503050406030204" pitchFamily="18" charset="0"/>
-                                </a:rPr>
-                                <m:t>𝑣</m:t>
-                              </m:r>
-                              <m:r>
-                                <a:rPr kumimoji="1" lang="en-US" altLang="ja-JP" sz="1800" b="0" i="1" smtClean="0">
-                                  <a:latin typeface="Cambria Math" panose="02040503050406030204" pitchFamily="18" charset="0"/>
-                                </a:rPr>
-                                <m:t>2</m:t>
-                              </m:r>
-                            </m:sub>
-                          </m:sSub>
-                          <m:r>
-                            <a:rPr kumimoji="1" lang="en-US" altLang="ja-JP" sz="1800" b="0" i="1" smtClean="0">
-                              <a:latin typeface="Cambria Math" panose="02040503050406030204" pitchFamily="18" charset="0"/>
-                            </a:rPr>
-                            <m:t>+2</m:t>
-                          </m:r>
-                          <m:sSub>
-                            <m:sSubPr>
-                              <m:ctrlPr>
-                                <a:rPr kumimoji="1" lang="en-US" altLang="ja-JP" sz="1800" b="0" i="1" smtClean="0">
-                                  <a:latin typeface="Cambria Math" panose="02040503050406030204" pitchFamily="18" charset="0"/>
-                                </a:rPr>
-                              </m:ctrlPr>
-                            </m:sSubPr>
-                            <m:e>
-                              <m:r>
-                                <a:rPr kumimoji="1" lang="en-US" altLang="ja-JP" sz="1800" b="0" i="1" smtClean="0">
-                                  <a:latin typeface="Cambria Math" panose="02040503050406030204" pitchFamily="18" charset="0"/>
-                                </a:rPr>
-                                <m:t>𝑘</m:t>
-                              </m:r>
-                            </m:e>
-                            <m:sub>
-                              <m:r>
-                                <a:rPr kumimoji="1" lang="en-US" altLang="ja-JP" sz="1800" b="0" i="1" smtClean="0">
-                                  <a:latin typeface="Cambria Math" panose="02040503050406030204" pitchFamily="18" charset="0"/>
-                                </a:rPr>
-                                <m:t>𝑣</m:t>
-                              </m:r>
-                              <m:r>
-                                <a:rPr kumimoji="1" lang="en-US" altLang="ja-JP" sz="1800" b="0" i="1" smtClean="0">
-                                  <a:latin typeface="Cambria Math" panose="02040503050406030204" pitchFamily="18" charset="0"/>
-                                </a:rPr>
-                                <m:t>3</m:t>
-                              </m:r>
-                            </m:sub>
-                          </m:sSub>
-                          <m:r>
-                            <a:rPr kumimoji="1" lang="en-US" altLang="ja-JP" sz="1800" b="0" i="1" smtClean="0">
-                              <a:latin typeface="Cambria Math" panose="02040503050406030204" pitchFamily="18" charset="0"/>
-                            </a:rPr>
-                            <m:t>+</m:t>
-                          </m:r>
-                          <m:sSub>
-                            <m:sSubPr>
-                              <m:ctrlPr>
-                                <a:rPr kumimoji="1" lang="en-US" altLang="ja-JP" sz="1800" b="0" i="1" smtClean="0">
-                                  <a:latin typeface="Cambria Math" panose="02040503050406030204" pitchFamily="18" charset="0"/>
-                                </a:rPr>
-                              </m:ctrlPr>
-                            </m:sSubPr>
-                            <m:e>
-                              <m:r>
-                                <a:rPr kumimoji="1" lang="en-US" altLang="ja-JP" sz="1800" b="0" i="1" smtClean="0">
-                                  <a:latin typeface="Cambria Math" panose="02040503050406030204" pitchFamily="18" charset="0"/>
-                                </a:rPr>
-                                <m:t>𝑘</m:t>
-                              </m:r>
-                            </m:e>
-                            <m:sub>
-                              <m:r>
-                                <a:rPr kumimoji="1" lang="en-US" altLang="ja-JP" sz="1800" b="0" i="1" smtClean="0">
-                                  <a:latin typeface="Cambria Math" panose="02040503050406030204" pitchFamily="18" charset="0"/>
-                                </a:rPr>
-                                <m:t>𝑣</m:t>
-                              </m:r>
-                              <m:r>
-                                <a:rPr kumimoji="1" lang="en-US" altLang="ja-JP" sz="1800" b="0" i="1" smtClean="0">
-                                  <a:latin typeface="Cambria Math" panose="02040503050406030204" pitchFamily="18" charset="0"/>
-                                </a:rPr>
-                                <m:t>4</m:t>
-                              </m:r>
-                            </m:sub>
-                          </m:sSub>
-                        </m:e>
-                      </m:d>
-                      <m:r>
-                        <a:rPr kumimoji="1" lang="en-US" altLang="ja-JP" sz="1800" b="0" i="1" smtClean="0">
-                          <a:latin typeface="Cambria Math" panose="02040503050406030204" pitchFamily="18" charset="0"/>
-                          <a:ea typeface="Cambria Math" panose="02040503050406030204" pitchFamily="18" charset="0"/>
-                        </a:rPr>
-                        <m:t>∆</m:t>
-                      </m:r>
-                      <m:r>
-                        <a:rPr kumimoji="1" lang="en-US" altLang="ja-JP" sz="1800" b="0" i="1" smtClean="0">
-                          <a:latin typeface="Cambria Math" panose="02040503050406030204" pitchFamily="18" charset="0"/>
-                          <a:ea typeface="Cambria Math" panose="02040503050406030204" pitchFamily="18" charset="0"/>
-                        </a:rPr>
-                        <m:t>𝑡</m:t>
-                      </m:r>
-                    </m:oMath>
-                  </m:oMathPara>
-                </a14:m>
-                <a:endParaRPr kumimoji="1" lang="en-US" altLang="ja-JP" sz="1800" dirty="0"/>
-              </a:p>
-              <a:p>
-                <a:pPr marL="0" indent="0">
-                  <a:buNone/>
-                </a:pPr>
-                <a:endParaRPr lang="en-US" altLang="ja-JP" sz="1800" dirty="0"/>
-              </a:p>
-              <a:p>
-                <a:pPr marL="0" indent="0">
-                  <a:buNone/>
-                </a:pPr>
-                <a14:m>
-                  <m:oMathPara xmlns:m="http://schemas.openxmlformats.org/officeDocument/2006/math">
-                    <m:oMathParaPr>
-                      <m:jc m:val="centerGroup"/>
-                    </m:oMathParaPr>
-                    <m:oMath xmlns:m="http://schemas.openxmlformats.org/officeDocument/2006/math">
-                      <m:sSub>
-                        <m:sSubPr>
-                          <m:ctrlPr>
-                            <a:rPr kumimoji="1" lang="en-US" altLang="ja-JP" sz="1800" i="1" smtClean="0">
-                              <a:latin typeface="Cambria Math" panose="02040503050406030204" pitchFamily="18" charset="0"/>
-                            </a:rPr>
-                          </m:ctrlPr>
-                        </m:sSubPr>
-                        <m:e>
-                          <m:r>
-                            <a:rPr kumimoji="1" lang="en-US" altLang="ja-JP" sz="1800" b="1" i="1" smtClean="0">
-                              <a:latin typeface="Cambria Math" panose="02040503050406030204" pitchFamily="18" charset="0"/>
-                            </a:rPr>
-                            <m:t>𝒓</m:t>
-                          </m:r>
-                        </m:e>
-                        <m:sub>
-                          <m:r>
-                            <a:rPr kumimoji="1" lang="en-US" altLang="ja-JP" sz="1800" b="0" i="1" smtClean="0">
-                              <a:latin typeface="Cambria Math" panose="02040503050406030204" pitchFamily="18" charset="0"/>
-                            </a:rPr>
-                            <m:t>𝑛</m:t>
-                          </m:r>
-                          <m:r>
-                            <a:rPr kumimoji="1" lang="en-US" altLang="ja-JP" sz="1800" b="0" i="1" smtClean="0">
-                              <a:latin typeface="Cambria Math" panose="02040503050406030204" pitchFamily="18" charset="0"/>
-                            </a:rPr>
-                            <m:t>+1</m:t>
-                          </m:r>
-                        </m:sub>
-                      </m:sSub>
-                      <m:r>
-                        <a:rPr kumimoji="1" lang="en-US" altLang="ja-JP" sz="1800" b="0" i="0" smtClean="0">
-                          <a:latin typeface="Cambria Math" panose="02040503050406030204" pitchFamily="18" charset="0"/>
-                        </a:rPr>
-                        <m:t>=</m:t>
-                      </m:r>
-                      <m:sSub>
-                        <m:sSubPr>
-                          <m:ctrlPr>
-                            <a:rPr kumimoji="1" lang="en-US" altLang="ja-JP" sz="1800" b="0" i="1" smtClean="0">
-                              <a:latin typeface="Cambria Math" panose="02040503050406030204" pitchFamily="18" charset="0"/>
-                            </a:rPr>
-                          </m:ctrlPr>
-                        </m:sSubPr>
-                        <m:e>
-                          <m:r>
-                            <a:rPr kumimoji="1" lang="en-US" altLang="ja-JP" sz="1800" b="1" i="1" smtClean="0">
-                              <a:latin typeface="Cambria Math" panose="02040503050406030204" pitchFamily="18" charset="0"/>
-                            </a:rPr>
-                            <m:t>𝒓</m:t>
-                          </m:r>
-                        </m:e>
-                        <m:sub>
-                          <m:r>
-                            <a:rPr kumimoji="1" lang="en-US" altLang="ja-JP" sz="1800" b="0" i="1" smtClean="0">
-                              <a:latin typeface="Cambria Math" panose="02040503050406030204" pitchFamily="18" charset="0"/>
-                            </a:rPr>
-                            <m:t>𝑛</m:t>
-                          </m:r>
-                        </m:sub>
-                      </m:sSub>
-                      <m:r>
-                        <a:rPr kumimoji="1" lang="en-US" altLang="ja-JP" sz="1800" b="0" i="1" smtClean="0">
-                          <a:latin typeface="Cambria Math" panose="02040503050406030204" pitchFamily="18" charset="0"/>
-                        </a:rPr>
-                        <m:t>+</m:t>
-                      </m:r>
-                      <m:f>
-                        <m:fPr>
-                          <m:ctrlPr>
-                            <a:rPr kumimoji="1" lang="en-US" altLang="ja-JP" sz="1800" b="0" i="1" smtClean="0">
-                              <a:latin typeface="Cambria Math" panose="02040503050406030204" pitchFamily="18" charset="0"/>
-                            </a:rPr>
-                          </m:ctrlPr>
-                        </m:fPr>
-                        <m:num>
-                          <m:r>
-                            <a:rPr kumimoji="1" lang="en-US" altLang="ja-JP" sz="1800" b="0" i="1" smtClean="0">
-                              <a:latin typeface="Cambria Math" panose="02040503050406030204" pitchFamily="18" charset="0"/>
-                            </a:rPr>
-                            <m:t>1</m:t>
-                          </m:r>
-                        </m:num>
-                        <m:den>
-                          <m:r>
-                            <a:rPr kumimoji="1" lang="en-US" altLang="ja-JP" sz="1800" b="0" i="1" smtClean="0">
-                              <a:latin typeface="Cambria Math" panose="02040503050406030204" pitchFamily="18" charset="0"/>
-                            </a:rPr>
-                            <m:t>6</m:t>
-                          </m:r>
-                        </m:den>
-                      </m:f>
-                      <m:d>
-                        <m:dPr>
-                          <m:ctrlPr>
-                            <a:rPr kumimoji="1" lang="en-US" altLang="ja-JP" sz="1800" b="0" i="1" smtClean="0">
-                              <a:latin typeface="Cambria Math" panose="02040503050406030204" pitchFamily="18" charset="0"/>
-                            </a:rPr>
-                          </m:ctrlPr>
-                        </m:dPr>
-                        <m:e>
-                          <m:sSub>
-                            <m:sSubPr>
-                              <m:ctrlPr>
-                                <a:rPr kumimoji="1" lang="en-US" altLang="ja-JP" sz="1800" b="0" i="1" smtClean="0">
-                                  <a:latin typeface="Cambria Math" panose="02040503050406030204" pitchFamily="18" charset="0"/>
-                                </a:rPr>
-                              </m:ctrlPr>
-                            </m:sSubPr>
-                            <m:e>
-                              <m:r>
-                                <a:rPr kumimoji="1" lang="en-US" altLang="ja-JP" sz="1800" b="0" i="1" smtClean="0">
-                                  <a:latin typeface="Cambria Math" panose="02040503050406030204" pitchFamily="18" charset="0"/>
-                                </a:rPr>
-                                <m:t>𝑘</m:t>
-                              </m:r>
-                            </m:e>
-                            <m:sub>
-                              <m:r>
-                                <a:rPr kumimoji="1" lang="en-US" altLang="ja-JP" sz="1800" b="0" i="1" smtClean="0">
-                                  <a:latin typeface="Cambria Math" panose="02040503050406030204" pitchFamily="18" charset="0"/>
-                                </a:rPr>
-                                <m:t>𝑟</m:t>
-                              </m:r>
-                              <m:r>
-                                <a:rPr kumimoji="1" lang="en-US" altLang="ja-JP" sz="1800" b="0" i="1" smtClean="0">
-                                  <a:latin typeface="Cambria Math" panose="02040503050406030204" pitchFamily="18" charset="0"/>
-                                </a:rPr>
-                                <m:t>1</m:t>
-                              </m:r>
-                            </m:sub>
-                          </m:sSub>
-                          <m:r>
-                            <a:rPr kumimoji="1" lang="en-US" altLang="ja-JP" sz="1800" b="0" i="1" smtClean="0">
-                              <a:latin typeface="Cambria Math" panose="02040503050406030204" pitchFamily="18" charset="0"/>
-                            </a:rPr>
-                            <m:t>+2</m:t>
-                          </m:r>
-                          <m:sSub>
-                            <m:sSubPr>
-                              <m:ctrlPr>
-                                <a:rPr kumimoji="1" lang="en-US" altLang="ja-JP" sz="1800" b="0" i="1" smtClean="0">
-                                  <a:latin typeface="Cambria Math" panose="02040503050406030204" pitchFamily="18" charset="0"/>
-                                </a:rPr>
-                              </m:ctrlPr>
-                            </m:sSubPr>
-                            <m:e>
-                              <m:r>
-                                <a:rPr kumimoji="1" lang="en-US" altLang="ja-JP" sz="1800" b="0" i="1" smtClean="0">
-                                  <a:latin typeface="Cambria Math" panose="02040503050406030204" pitchFamily="18" charset="0"/>
-                                </a:rPr>
-                                <m:t>𝑘</m:t>
-                              </m:r>
-                            </m:e>
-                            <m:sub>
-                              <m:r>
-                                <a:rPr kumimoji="1" lang="en-US" altLang="ja-JP" sz="1800" b="0" i="1" smtClean="0">
-                                  <a:latin typeface="Cambria Math" panose="02040503050406030204" pitchFamily="18" charset="0"/>
-                                </a:rPr>
-                                <m:t>𝑟</m:t>
-                              </m:r>
-                              <m:r>
-                                <a:rPr kumimoji="1" lang="en-US" altLang="ja-JP" sz="1800" b="0" i="1" smtClean="0">
-                                  <a:latin typeface="Cambria Math" panose="02040503050406030204" pitchFamily="18" charset="0"/>
-                                </a:rPr>
-                                <m:t>2</m:t>
-                              </m:r>
-                            </m:sub>
-                          </m:sSub>
-                          <m:r>
-                            <a:rPr kumimoji="1" lang="en-US" altLang="ja-JP" sz="1800" b="0" i="1" smtClean="0">
-                              <a:latin typeface="Cambria Math" panose="02040503050406030204" pitchFamily="18" charset="0"/>
-                            </a:rPr>
-                            <m:t>+2</m:t>
-                          </m:r>
-                          <m:sSub>
-                            <m:sSubPr>
-                              <m:ctrlPr>
-                                <a:rPr kumimoji="1" lang="en-US" altLang="ja-JP" sz="1800" b="0" i="1" smtClean="0">
-                                  <a:latin typeface="Cambria Math" panose="02040503050406030204" pitchFamily="18" charset="0"/>
-                                </a:rPr>
-                              </m:ctrlPr>
-                            </m:sSubPr>
-                            <m:e>
-                              <m:r>
-                                <a:rPr kumimoji="1" lang="en-US" altLang="ja-JP" sz="1800" b="0" i="1" smtClean="0">
-                                  <a:latin typeface="Cambria Math" panose="02040503050406030204" pitchFamily="18" charset="0"/>
-                                </a:rPr>
-                                <m:t>𝑘</m:t>
-                              </m:r>
-                            </m:e>
-                            <m:sub>
-                              <m:r>
-                                <a:rPr kumimoji="1" lang="en-US" altLang="ja-JP" sz="1800" b="0" i="1" smtClean="0">
-                                  <a:latin typeface="Cambria Math" panose="02040503050406030204" pitchFamily="18" charset="0"/>
-                                </a:rPr>
-                                <m:t>𝑟</m:t>
-                              </m:r>
-                              <m:r>
-                                <a:rPr kumimoji="1" lang="en-US" altLang="ja-JP" sz="1800" b="0" i="1" smtClean="0">
-                                  <a:latin typeface="Cambria Math" panose="02040503050406030204" pitchFamily="18" charset="0"/>
-                                </a:rPr>
-                                <m:t>3</m:t>
-                              </m:r>
-                            </m:sub>
-                          </m:sSub>
-                          <m:r>
-                            <a:rPr kumimoji="1" lang="en-US" altLang="ja-JP" sz="1800" b="0" i="1" smtClean="0">
-                              <a:latin typeface="Cambria Math" panose="02040503050406030204" pitchFamily="18" charset="0"/>
-                            </a:rPr>
-                            <m:t>+</m:t>
-                          </m:r>
-                          <m:sSub>
-                            <m:sSubPr>
-                              <m:ctrlPr>
-                                <a:rPr kumimoji="1" lang="en-US" altLang="ja-JP" sz="1800" b="0" i="1" smtClean="0">
-                                  <a:latin typeface="Cambria Math" panose="02040503050406030204" pitchFamily="18" charset="0"/>
-                                </a:rPr>
-                              </m:ctrlPr>
-                            </m:sSubPr>
-                            <m:e>
-                              <m:r>
-                                <a:rPr kumimoji="1" lang="en-US" altLang="ja-JP" sz="1800" b="0" i="1" smtClean="0">
-                                  <a:latin typeface="Cambria Math" panose="02040503050406030204" pitchFamily="18" charset="0"/>
-                                </a:rPr>
-                                <m:t>𝑘</m:t>
-                              </m:r>
-                            </m:e>
-                            <m:sub>
-                              <m:r>
-                                <a:rPr kumimoji="1" lang="en-US" altLang="ja-JP" sz="1800" b="0" i="1" smtClean="0">
-                                  <a:latin typeface="Cambria Math" panose="02040503050406030204" pitchFamily="18" charset="0"/>
-                                </a:rPr>
-                                <m:t>𝑟</m:t>
-                              </m:r>
-                              <m:r>
-                                <a:rPr kumimoji="1" lang="en-US" altLang="ja-JP" sz="1800" b="0" i="1" smtClean="0">
-                                  <a:latin typeface="Cambria Math" panose="02040503050406030204" pitchFamily="18" charset="0"/>
-                                </a:rPr>
-                                <m:t>4</m:t>
-                              </m:r>
-                            </m:sub>
-                          </m:sSub>
-                        </m:e>
-                      </m:d>
-                      <m:r>
-                        <a:rPr kumimoji="1" lang="en-US" altLang="ja-JP" sz="1800" b="0" i="1" smtClean="0">
-                          <a:latin typeface="Cambria Math" panose="02040503050406030204" pitchFamily="18" charset="0"/>
-                          <a:ea typeface="Cambria Math" panose="02040503050406030204" pitchFamily="18" charset="0"/>
-                        </a:rPr>
-                        <m:t>∆</m:t>
-                      </m:r>
-                      <m:r>
-                        <a:rPr kumimoji="1" lang="en-US" altLang="ja-JP" sz="1800" b="0" i="1" smtClean="0">
-                          <a:latin typeface="Cambria Math" panose="02040503050406030204" pitchFamily="18" charset="0"/>
-                          <a:ea typeface="Cambria Math" panose="02040503050406030204" pitchFamily="18" charset="0"/>
-                        </a:rPr>
-                        <m:t>𝑡</m:t>
-                      </m:r>
-                    </m:oMath>
-                  </m:oMathPara>
-                </a14:m>
-                <a:endParaRPr kumimoji="1" lang="en-US" altLang="ja-JP" sz="1800" dirty="0"/>
-              </a:p>
-              <a:p>
-                <a:endParaRPr kumimoji="1" lang="ja-JP" altLang="en-US" dirty="0"/>
-              </a:p>
-            </p:txBody>
-          </p:sp>
-        </mc:Choice>
-        <mc:Fallback xmlns="">
-          <p:sp>
-            <p:nvSpPr>
-              <p:cNvPr id="12" name="テキスト ボックス 11">
-                <a:extLst>
-                  <a:ext uri="{FF2B5EF4-FFF2-40B4-BE49-F238E27FC236}">
-                    <a16:creationId xmlns:a16="http://schemas.microsoft.com/office/drawing/2014/main" id="{9116FC03-980C-4A33-87C7-1F78F58A0DC5}"/>
-                  </a:ext>
-                </a:extLst>
-              </p:cNvPr>
-              <p:cNvSpPr txBox="1">
-                <a:spLocks noRot="1" noChangeAspect="1" noMove="1" noResize="1" noEditPoints="1" noAdjustHandles="1" noChangeArrowheads="1" noChangeShapeType="1" noTextEdit="1"/>
-              </p:cNvSpPr>
-              <p:nvPr/>
-            </p:nvSpPr>
-            <p:spPr>
-              <a:xfrm>
-                <a:off x="3200401" y="2162522"/>
-                <a:ext cx="4933950" cy="1687129"/>
-              </a:xfrm>
-              <a:prstGeom prst="rect">
-                <a:avLst/>
-              </a:prstGeom>
-              <a:blipFill>
-                <a:blip r:embed="rId7"/>
-                <a:stretch>
-                  <a:fillRect/>
-                </a:stretch>
-              </a:blipFill>
-            </p:spPr>
-            <p:txBody>
-              <a:bodyPr/>
-              <a:lstStyle/>
-              <a:p>
-                <a:r>
-                  <a:rPr lang="ja-JP" altLang="en-US">
-                    <a:noFill/>
-                  </a:rPr>
-                  <a:t> </a:t>
-                </a:r>
-              </a:p>
-            </p:txBody>
-          </p:sp>
-        </mc:Fallback>
-      </mc:AlternateContent>
-    </p:spTree>
-    <p:extLst>
-      <p:ext uri="{BB962C8B-B14F-4D97-AF65-F5344CB8AC3E}">
-        <p14:creationId xmlns:p14="http://schemas.microsoft.com/office/powerpoint/2010/main" val="1239435982"/>
       </p:ext>
     </p:extLst>
   </p:cSld>

--- a/docs/中間発表.pptx
+++ b/docs/中間発表.pptx
@@ -4993,8 +4993,8 @@
           <a:chExt cx="0" cy="0"/>
         </a:xfrm>
       </p:grpSpPr>
-      <mc:AlternateContent xmlns:mc="http://schemas.openxmlformats.org/markup-compatibility/2006">
-        <mc:Choice xmlns:a14="http://schemas.microsoft.com/office/drawing/2010/main" Requires="a14">
+      <mc:AlternateContent xmlns:mc="http://schemas.openxmlformats.org/markup-compatibility/2006" xmlns:a14="http://schemas.microsoft.com/office/drawing/2010/main">
+        <mc:Choice Requires="a14">
           <p:sp>
             <p:nvSpPr>
               <p:cNvPr id="4" name="コンテンツ プレースホルダー 2">
@@ -5548,7 +5548,7 @@
             </p:txBody>
           </p:sp>
         </mc:Choice>
-        <mc:Fallback>
+        <mc:Fallback xmlns="">
           <p:sp>
             <p:nvSpPr>
               <p:cNvPr id="4" name="コンテンツ プレースホルダー 2">
@@ -5592,8 +5592,8 @@
           </p:sp>
         </mc:Fallback>
       </mc:AlternateContent>
-      <mc:AlternateContent xmlns:mc="http://schemas.openxmlformats.org/markup-compatibility/2006">
-        <mc:Choice xmlns:a14="http://schemas.microsoft.com/office/drawing/2010/main" Requires="a14">
+      <mc:AlternateContent xmlns:mc="http://schemas.openxmlformats.org/markup-compatibility/2006" xmlns:a14="http://schemas.microsoft.com/office/drawing/2010/main">
+        <mc:Choice Requires="a14">
           <p:sp>
             <p:nvSpPr>
               <p:cNvPr id="6" name="テキスト ボックス 5">
@@ -5739,7 +5739,7 @@
             </p:txBody>
           </p:sp>
         </mc:Choice>
-        <mc:Fallback>
+        <mc:Fallback xmlns="">
           <p:sp>
             <p:nvSpPr>
               <p:cNvPr id="6" name="テキスト ボックス 5">
@@ -5814,8 +5814,8 @@
           </a:prstGeom>
         </p:spPr>
       </p:pic>
-      <mc:AlternateContent xmlns:mc="http://schemas.openxmlformats.org/markup-compatibility/2006">
-        <mc:Choice xmlns:a14="http://schemas.microsoft.com/office/drawing/2010/main" Requires="a14">
+      <mc:AlternateContent xmlns:mc="http://schemas.openxmlformats.org/markup-compatibility/2006" xmlns:a14="http://schemas.microsoft.com/office/drawing/2010/main">
+        <mc:Choice Requires="a14">
           <p:sp>
             <p:nvSpPr>
               <p:cNvPr id="10" name="テキスト ボックス 9">
@@ -5955,7 +5955,7 @@
             </p:txBody>
           </p:sp>
         </mc:Choice>
-        <mc:Fallback>
+        <mc:Fallback xmlns="">
           <p:sp>
             <p:nvSpPr>
               <p:cNvPr id="10" name="テキスト ボックス 9">
@@ -6000,8 +6000,8 @@
           </p:sp>
         </mc:Fallback>
       </mc:AlternateContent>
-      <mc:AlternateContent xmlns:mc="http://schemas.openxmlformats.org/markup-compatibility/2006">
-        <mc:Choice xmlns:a14="http://schemas.microsoft.com/office/drawing/2010/main" Requires="a14">
+      <mc:AlternateContent xmlns:mc="http://schemas.openxmlformats.org/markup-compatibility/2006" xmlns:a14="http://schemas.microsoft.com/office/drawing/2010/main">
+        <mc:Choice Requires="a14">
           <p:sp>
             <p:nvSpPr>
               <p:cNvPr id="11" name="テキスト ボックス 10">
@@ -7167,7 +7167,7 @@
             </p:txBody>
           </p:sp>
         </mc:Choice>
-        <mc:Fallback>
+        <mc:Fallback xmlns="">
           <p:sp>
             <p:nvSpPr>
               <p:cNvPr id="11" name="テキスト ボックス 10">
@@ -7212,8 +7212,8 @@
           </p:sp>
         </mc:Fallback>
       </mc:AlternateContent>
-      <mc:AlternateContent xmlns:mc="http://schemas.openxmlformats.org/markup-compatibility/2006">
-        <mc:Choice xmlns:a14="http://schemas.microsoft.com/office/drawing/2010/main" Requires="a14">
+      <mc:AlternateContent xmlns:mc="http://schemas.openxmlformats.org/markup-compatibility/2006" xmlns:a14="http://schemas.microsoft.com/office/drawing/2010/main">
+        <mc:Choice Requires="a14">
           <p:sp>
             <p:nvSpPr>
               <p:cNvPr id="12" name="テキスト ボックス 11">
@@ -7803,7 +7803,7 @@
             </p:txBody>
           </p:sp>
         </mc:Choice>
-        <mc:Fallback>
+        <mc:Fallback xmlns="">
           <p:sp>
             <p:nvSpPr>
               <p:cNvPr id="12" name="テキスト ボックス 11">
@@ -9124,8 +9124,8 @@
           </a:p>
         </p:txBody>
       </p:sp>
-      <mc:AlternateContent xmlns:mc="http://schemas.openxmlformats.org/markup-compatibility/2006">
-        <mc:Choice xmlns:a14="http://schemas.microsoft.com/office/drawing/2010/main" Requires="a14">
+      <mc:AlternateContent xmlns:mc="http://schemas.openxmlformats.org/markup-compatibility/2006" xmlns:a14="http://schemas.microsoft.com/office/drawing/2010/main">
+        <mc:Choice Requires="a14">
           <p:sp>
             <p:nvSpPr>
               <p:cNvPr id="9" name="テキスト ボックス 8">
@@ -9205,7 +9205,7 @@
                               <m:begChr m:val="["/>
                               <m:endChr m:val="]"/>
                               <m:ctrlPr>
-                                <a:rPr kumimoji="1" lang="en-US" altLang="ja-JP" b="0" smtClean="0">
+                                <a:rPr kumimoji="1" lang="en-US" altLang="ja-JP" b="0" i="1" smtClean="0">
                                   <a:latin typeface="Cambria Math" panose="02040503050406030204" pitchFamily="18" charset="0"/>
                                 </a:rPr>
                               </m:ctrlPr>
@@ -9243,7 +9243,7 @@
                           <m:f>
                             <m:fPr>
                               <m:ctrlPr>
-                                <a:rPr kumimoji="1" lang="en-US" altLang="ja-JP" b="0" smtClean="0">
+                                <a:rPr kumimoji="1" lang="en-US" altLang="ja-JP" b="0" i="1" smtClean="0">
                                   <a:latin typeface="Cambria Math" panose="02040503050406030204" pitchFamily="18" charset="0"/>
                                 </a:rPr>
                               </m:ctrlPr>
@@ -9290,7 +9290,7 @@
                               <m:begChr m:val="["/>
                               <m:endChr m:val="]"/>
                               <m:ctrlPr>
-                                <a:rPr kumimoji="1" lang="en-US" altLang="ja-JP" b="0" smtClean="0">
+                                <a:rPr kumimoji="1" lang="en-US" altLang="ja-JP" b="0" i="1" smtClean="0">
                                   <a:latin typeface="Cambria Math" panose="02040503050406030204" pitchFamily="18" charset="0"/>
                                 </a:rPr>
                               </m:ctrlPr>
@@ -9350,7 +9350,7 @@
             </p:txBody>
           </p:sp>
         </mc:Choice>
-        <mc:Fallback>
+        <mc:Fallback xmlns="">
           <p:sp>
             <p:nvSpPr>
               <p:cNvPr id="9" name="テキスト ボックス 8">
@@ -10009,8 +10009,8 @@
           </p:sp>
         </mc:Fallback>
       </mc:AlternateContent>
-      <mc:AlternateContent xmlns:mc="http://schemas.openxmlformats.org/markup-compatibility/2006">
-        <mc:Choice xmlns:a14="http://schemas.microsoft.com/office/drawing/2010/main" Requires="a14">
+      <mc:AlternateContent xmlns:mc="http://schemas.openxmlformats.org/markup-compatibility/2006" xmlns:a14="http://schemas.microsoft.com/office/drawing/2010/main">
+        <mc:Choice Requires="a14">
           <p:sp>
             <p:nvSpPr>
               <p:cNvPr id="14" name="テキスト ボックス 13">
@@ -10302,7 +10302,7 @@
             </p:txBody>
           </p:sp>
         </mc:Choice>
-        <mc:Fallback>
+        <mc:Fallback xmlns="">
           <p:sp>
             <p:nvSpPr>
               <p:cNvPr id="14" name="テキスト ボックス 13">
@@ -10347,8 +10347,8 @@
           </p:sp>
         </mc:Fallback>
       </mc:AlternateContent>
-      <mc:AlternateContent xmlns:mc="http://schemas.openxmlformats.org/markup-compatibility/2006">
-        <mc:Choice xmlns:a14="http://schemas.microsoft.com/office/drawing/2010/main" Requires="a14">
+      <mc:AlternateContent xmlns:mc="http://schemas.openxmlformats.org/markup-compatibility/2006" xmlns:a14="http://schemas.microsoft.com/office/drawing/2010/main">
+        <mc:Choice Requires="a14">
           <p:sp>
             <p:nvSpPr>
               <p:cNvPr id="2" name="テキスト ボックス 1">
@@ -10662,7 +10662,7 @@
             </p:txBody>
           </p:sp>
         </mc:Choice>
-        <mc:Fallback>
+        <mc:Fallback xmlns="">
           <p:sp>
             <p:nvSpPr>
               <p:cNvPr id="2" name="テキスト ボックス 1">
@@ -13513,6 +13513,1182 @@
           </a:p>
         </p:txBody>
       </p:sp>
+      <p:grpSp>
+        <p:nvGrpSpPr>
+          <p:cNvPr id="17" name="グループ化 16">
+            <a:extLst>
+              <a:ext uri="{FF2B5EF4-FFF2-40B4-BE49-F238E27FC236}">
+                <a16:creationId xmlns:a16="http://schemas.microsoft.com/office/drawing/2014/main" id="{A1BB7E97-A99D-46FB-B78A-ED29592EDB9D}"/>
+              </a:ext>
+            </a:extLst>
+          </p:cNvPr>
+          <p:cNvGrpSpPr/>
+          <p:nvPr/>
+        </p:nvGrpSpPr>
+        <p:grpSpPr>
+          <a:xfrm>
+            <a:off x="149448" y="974844"/>
+            <a:ext cx="8372491" cy="4236362"/>
+            <a:chOff x="3511192" y="1801530"/>
+            <a:chExt cx="8372491" cy="4236362"/>
+          </a:xfrm>
+        </p:grpSpPr>
+        <p:cxnSp>
+          <p:nvCxnSpPr>
+            <p:cNvPr id="18" name="直線矢印コネクタ 17">
+              <a:extLst>
+                <a:ext uri="{FF2B5EF4-FFF2-40B4-BE49-F238E27FC236}">
+                  <a16:creationId xmlns:a16="http://schemas.microsoft.com/office/drawing/2014/main" id="{76D5DA4F-3401-49A2-A79E-87A026A9B215}"/>
+                </a:ext>
+              </a:extLst>
+            </p:cNvPr>
+            <p:cNvCxnSpPr>
+              <a:cxnSpLocks/>
+            </p:cNvCxnSpPr>
+            <p:nvPr/>
+          </p:nvCxnSpPr>
+          <p:spPr>
+            <a:xfrm>
+              <a:off x="4248116" y="4404216"/>
+              <a:ext cx="3832194" cy="0"/>
+            </a:xfrm>
+            <a:prstGeom prst="straightConnector1">
+              <a:avLst/>
+            </a:prstGeom>
+            <a:ln>
+              <a:tailEnd type="triangle"/>
+            </a:ln>
+          </p:spPr>
+          <p:style>
+            <a:lnRef idx="1">
+              <a:schemeClr val="accent1"/>
+            </a:lnRef>
+            <a:fillRef idx="0">
+              <a:schemeClr val="accent1"/>
+            </a:fillRef>
+            <a:effectRef idx="0">
+              <a:schemeClr val="accent1"/>
+            </a:effectRef>
+            <a:fontRef idx="minor">
+              <a:schemeClr val="tx1"/>
+            </a:fontRef>
+          </p:style>
+        </p:cxnSp>
+        <p:cxnSp>
+          <p:nvCxnSpPr>
+            <p:cNvPr id="19" name="コネクタ: 曲線 18">
+              <a:extLst>
+                <a:ext uri="{FF2B5EF4-FFF2-40B4-BE49-F238E27FC236}">
+                  <a16:creationId xmlns:a16="http://schemas.microsoft.com/office/drawing/2014/main" id="{26C3B288-1E01-4174-8C09-C8300EF03D45}"/>
+                </a:ext>
+              </a:extLst>
+            </p:cNvPr>
+            <p:cNvCxnSpPr>
+              <a:cxnSpLocks/>
+              <a:stCxn id="30" idx="6"/>
+              <a:endCxn id="33" idx="1"/>
+            </p:cNvCxnSpPr>
+            <p:nvPr/>
+          </p:nvCxnSpPr>
+          <p:spPr>
+            <a:xfrm>
+              <a:off x="6248417" y="2558850"/>
+              <a:ext cx="2096335" cy="1845368"/>
+            </a:xfrm>
+            <a:prstGeom prst="curvedConnector3">
+              <a:avLst>
+                <a:gd name="adj1" fmla="val 50000"/>
+              </a:avLst>
+            </a:prstGeom>
+            <a:ln w="19050">
+              <a:solidFill>
+                <a:schemeClr val="accent4"/>
+              </a:solidFill>
+              <a:tailEnd type="triangle"/>
+            </a:ln>
+          </p:spPr>
+          <p:style>
+            <a:lnRef idx="1">
+              <a:schemeClr val="accent1"/>
+            </a:lnRef>
+            <a:fillRef idx="0">
+              <a:schemeClr val="accent1"/>
+            </a:fillRef>
+            <a:effectRef idx="0">
+              <a:schemeClr val="accent1"/>
+            </a:effectRef>
+            <a:fontRef idx="minor">
+              <a:schemeClr val="tx1"/>
+            </a:fontRef>
+          </p:style>
+        </p:cxnSp>
+        <p:sp>
+          <p:nvSpPr>
+            <p:cNvPr id="22" name="正方形/長方形 21">
+              <a:extLst>
+                <a:ext uri="{FF2B5EF4-FFF2-40B4-BE49-F238E27FC236}">
+                  <a16:creationId xmlns:a16="http://schemas.microsoft.com/office/drawing/2014/main" id="{3D37861B-4696-4B36-869C-2AC63734072C}"/>
+                </a:ext>
+              </a:extLst>
+            </p:cNvPr>
+            <p:cNvSpPr/>
+            <p:nvPr/>
+          </p:nvSpPr>
+          <p:spPr>
+            <a:xfrm>
+              <a:off x="3511192" y="1801530"/>
+              <a:ext cx="3832193" cy="3489650"/>
+            </a:xfrm>
+            <a:prstGeom prst="rect">
+              <a:avLst/>
+            </a:prstGeom>
+            <a:noFill/>
+            <a:ln/>
+          </p:spPr>
+          <p:style>
+            <a:lnRef idx="2">
+              <a:schemeClr val="dk1"/>
+            </a:lnRef>
+            <a:fillRef idx="1">
+              <a:schemeClr val="lt1"/>
+            </a:fillRef>
+            <a:effectRef idx="0">
+              <a:schemeClr val="dk1"/>
+            </a:effectRef>
+            <a:fontRef idx="minor">
+              <a:schemeClr val="dk1"/>
+            </a:fontRef>
+          </p:style>
+          <p:txBody>
+            <a:bodyPr rtlCol="0" anchor="ctr"/>
+            <a:lstStyle/>
+            <a:p>
+              <a:pPr algn="ctr"/>
+              <a:endParaRPr kumimoji="1" lang="en-US" altLang="ja-JP" dirty="0"/>
+            </a:p>
+            <a:p>
+              <a:pPr algn="ctr"/>
+              <a:endParaRPr lang="en-US" altLang="ja-JP" dirty="0"/>
+            </a:p>
+            <a:p>
+              <a:pPr algn="ctr"/>
+              <a:endParaRPr kumimoji="1" lang="en-US" altLang="ja-JP" dirty="0"/>
+            </a:p>
+            <a:p>
+              <a:pPr algn="ctr"/>
+              <a:endParaRPr lang="en-US" altLang="ja-JP" dirty="0"/>
+            </a:p>
+            <a:p>
+              <a:pPr algn="ctr"/>
+              <a:endParaRPr kumimoji="1" lang="en-US" altLang="ja-JP" dirty="0"/>
+            </a:p>
+            <a:p>
+              <a:pPr algn="ctr"/>
+              <a:endParaRPr lang="en-US" altLang="ja-JP" dirty="0"/>
+            </a:p>
+            <a:p>
+              <a:pPr algn="ctr"/>
+              <a:endParaRPr kumimoji="1" lang="en-US" altLang="ja-JP" dirty="0"/>
+            </a:p>
+            <a:p>
+              <a:pPr algn="ctr"/>
+              <a:endParaRPr lang="en-US" altLang="ja-JP" dirty="0"/>
+            </a:p>
+            <a:p>
+              <a:pPr algn="ctr"/>
+              <a:endParaRPr kumimoji="1" lang="en-US" altLang="ja-JP" dirty="0"/>
+            </a:p>
+            <a:p>
+              <a:pPr algn="ctr"/>
+              <a:endParaRPr lang="en-US" altLang="ja-JP" dirty="0"/>
+            </a:p>
+            <a:p>
+              <a:pPr algn="ctr"/>
+              <a:endParaRPr kumimoji="1" lang="en-US" altLang="ja-JP" dirty="0"/>
+            </a:p>
+            <a:p>
+              <a:pPr algn="ctr"/>
+              <a:endParaRPr lang="en-US" altLang="ja-JP" dirty="0"/>
+            </a:p>
+            <a:p>
+              <a:pPr algn="ctr"/>
+              <a:r>
+                <a:rPr kumimoji="1" lang="en-US" altLang="ja-JP" dirty="0"/>
+                <a:t>SCRIT</a:t>
+              </a:r>
+              <a:endParaRPr kumimoji="1" lang="ja-JP" altLang="en-US" dirty="0"/>
+            </a:p>
+          </p:txBody>
+        </p:sp>
+        <p:cxnSp>
+          <p:nvCxnSpPr>
+            <p:cNvPr id="23" name="直線コネクタ 22">
+              <a:extLst>
+                <a:ext uri="{FF2B5EF4-FFF2-40B4-BE49-F238E27FC236}">
+                  <a16:creationId xmlns:a16="http://schemas.microsoft.com/office/drawing/2014/main" id="{89142B8F-3168-4997-810E-63F150A04B4F}"/>
+                </a:ext>
+              </a:extLst>
+            </p:cNvPr>
+            <p:cNvCxnSpPr>
+              <a:cxnSpLocks/>
+            </p:cNvCxnSpPr>
+            <p:nvPr/>
+          </p:nvCxnSpPr>
+          <p:spPr>
+            <a:xfrm flipV="1">
+              <a:off x="4329483" y="2376096"/>
+              <a:ext cx="231755" cy="2028122"/>
+            </a:xfrm>
+            <a:prstGeom prst="line">
+              <a:avLst/>
+            </a:prstGeom>
+          </p:spPr>
+          <p:style>
+            <a:lnRef idx="1">
+              <a:schemeClr val="accent1"/>
+            </a:lnRef>
+            <a:fillRef idx="0">
+              <a:schemeClr val="accent1"/>
+            </a:fillRef>
+            <a:effectRef idx="0">
+              <a:schemeClr val="accent1"/>
+            </a:effectRef>
+            <a:fontRef idx="minor">
+              <a:schemeClr val="tx1"/>
+            </a:fontRef>
+          </p:style>
+        </p:cxnSp>
+        <p:cxnSp>
+          <p:nvCxnSpPr>
+            <p:cNvPr id="24" name="直線コネクタ 23">
+              <a:extLst>
+                <a:ext uri="{FF2B5EF4-FFF2-40B4-BE49-F238E27FC236}">
+                  <a16:creationId xmlns:a16="http://schemas.microsoft.com/office/drawing/2014/main" id="{47127484-BC45-4E38-A5D6-52319DB4E84A}"/>
+                </a:ext>
+              </a:extLst>
+            </p:cNvPr>
+            <p:cNvCxnSpPr>
+              <a:cxnSpLocks/>
+            </p:cNvCxnSpPr>
+            <p:nvPr/>
+          </p:nvCxnSpPr>
+          <p:spPr>
+            <a:xfrm flipH="1" flipV="1">
+              <a:off x="6591414" y="2716152"/>
+              <a:ext cx="212830" cy="1688064"/>
+            </a:xfrm>
+            <a:prstGeom prst="line">
+              <a:avLst/>
+            </a:prstGeom>
+          </p:spPr>
+          <p:style>
+            <a:lnRef idx="1">
+              <a:schemeClr val="accent1"/>
+            </a:lnRef>
+            <a:fillRef idx="0">
+              <a:schemeClr val="accent1"/>
+            </a:fillRef>
+            <a:effectRef idx="0">
+              <a:schemeClr val="accent1"/>
+            </a:effectRef>
+            <a:fontRef idx="minor">
+              <a:schemeClr val="tx1"/>
+            </a:fontRef>
+          </p:style>
+        </p:cxnSp>
+        <p:cxnSp>
+          <p:nvCxnSpPr>
+            <p:cNvPr id="25" name="直線コネクタ 24">
+              <a:extLst>
+                <a:ext uri="{FF2B5EF4-FFF2-40B4-BE49-F238E27FC236}">
+                  <a16:creationId xmlns:a16="http://schemas.microsoft.com/office/drawing/2014/main" id="{1A7E0877-D15B-43E4-B9E0-B59115F88426}"/>
+                </a:ext>
+              </a:extLst>
+            </p:cNvPr>
+            <p:cNvCxnSpPr>
+              <a:cxnSpLocks/>
+            </p:cNvCxnSpPr>
+            <p:nvPr/>
+          </p:nvCxnSpPr>
+          <p:spPr>
+            <a:xfrm>
+              <a:off x="6342324" y="2397624"/>
+              <a:ext cx="185404" cy="0"/>
+            </a:xfrm>
+            <a:prstGeom prst="line">
+              <a:avLst/>
+            </a:prstGeom>
+            <a:ln>
+              <a:prstDash val="dash"/>
+            </a:ln>
+          </p:spPr>
+          <p:style>
+            <a:lnRef idx="1">
+              <a:schemeClr val="accent1"/>
+            </a:lnRef>
+            <a:fillRef idx="0">
+              <a:schemeClr val="accent1"/>
+            </a:fillRef>
+            <a:effectRef idx="0">
+              <a:schemeClr val="accent1"/>
+            </a:effectRef>
+            <a:fontRef idx="minor">
+              <a:schemeClr val="tx1"/>
+            </a:fontRef>
+          </p:style>
+        </p:cxnSp>
+        <p:cxnSp>
+          <p:nvCxnSpPr>
+            <p:cNvPr id="26" name="直線コネクタ 25">
+              <a:extLst>
+                <a:ext uri="{FF2B5EF4-FFF2-40B4-BE49-F238E27FC236}">
+                  <a16:creationId xmlns:a16="http://schemas.microsoft.com/office/drawing/2014/main" id="{847BAE71-9D85-49DD-A7FA-AF94094D4D42}"/>
+                </a:ext>
+              </a:extLst>
+            </p:cNvPr>
+            <p:cNvCxnSpPr>
+              <a:cxnSpLocks/>
+            </p:cNvCxnSpPr>
+            <p:nvPr/>
+          </p:nvCxnSpPr>
+          <p:spPr>
+            <a:xfrm flipV="1">
+              <a:off x="4848615" y="2716152"/>
+              <a:ext cx="1742799" cy="2"/>
+            </a:xfrm>
+            <a:prstGeom prst="line">
+              <a:avLst/>
+            </a:prstGeom>
+          </p:spPr>
+          <p:style>
+            <a:lnRef idx="1">
+              <a:schemeClr val="accent1"/>
+            </a:lnRef>
+            <a:fillRef idx="0">
+              <a:schemeClr val="accent1"/>
+            </a:fillRef>
+            <a:effectRef idx="0">
+              <a:schemeClr val="accent1"/>
+            </a:effectRef>
+            <a:fontRef idx="minor">
+              <a:schemeClr val="tx1"/>
+            </a:fontRef>
+          </p:style>
+        </p:cxnSp>
+        <p:cxnSp>
+          <p:nvCxnSpPr>
+            <p:cNvPr id="27" name="直線コネクタ 26">
+              <a:extLst>
+                <a:ext uri="{FF2B5EF4-FFF2-40B4-BE49-F238E27FC236}">
+                  <a16:creationId xmlns:a16="http://schemas.microsoft.com/office/drawing/2014/main" id="{8E9761EF-B954-464F-9A8A-BC5F3FB9FC91}"/>
+                </a:ext>
+              </a:extLst>
+            </p:cNvPr>
+            <p:cNvCxnSpPr>
+              <a:cxnSpLocks/>
+            </p:cNvCxnSpPr>
+            <p:nvPr/>
+          </p:nvCxnSpPr>
+          <p:spPr>
+            <a:xfrm flipH="1" flipV="1">
+              <a:off x="4746643" y="2376095"/>
+              <a:ext cx="101972" cy="340058"/>
+            </a:xfrm>
+            <a:prstGeom prst="line">
+              <a:avLst/>
+            </a:prstGeom>
+          </p:spPr>
+          <p:style>
+            <a:lnRef idx="1">
+              <a:schemeClr val="accent1"/>
+            </a:lnRef>
+            <a:fillRef idx="0">
+              <a:schemeClr val="accent1"/>
+            </a:fillRef>
+            <a:effectRef idx="0">
+              <a:schemeClr val="accent1"/>
+            </a:effectRef>
+            <a:fontRef idx="minor">
+              <a:schemeClr val="tx1"/>
+            </a:fontRef>
+          </p:style>
+        </p:cxnSp>
+        <p:cxnSp>
+          <p:nvCxnSpPr>
+            <p:cNvPr id="28" name="直線矢印コネクタ 27">
+              <a:extLst>
+                <a:ext uri="{FF2B5EF4-FFF2-40B4-BE49-F238E27FC236}">
+                  <a16:creationId xmlns:a16="http://schemas.microsoft.com/office/drawing/2014/main" id="{A4010BC6-DF46-4B77-BD39-02F45597BBCE}"/>
+                </a:ext>
+              </a:extLst>
+            </p:cNvPr>
+            <p:cNvCxnSpPr>
+              <a:cxnSpLocks/>
+            </p:cNvCxnSpPr>
+            <p:nvPr/>
+          </p:nvCxnSpPr>
+          <p:spPr>
+            <a:xfrm flipV="1">
+              <a:off x="4248116" y="2046851"/>
+              <a:ext cx="0" cy="2357366"/>
+            </a:xfrm>
+            <a:prstGeom prst="straightConnector1">
+              <a:avLst/>
+            </a:prstGeom>
+            <a:ln>
+              <a:tailEnd type="triangle"/>
+            </a:ln>
+          </p:spPr>
+          <p:style>
+            <a:lnRef idx="1">
+              <a:schemeClr val="accent1"/>
+            </a:lnRef>
+            <a:fillRef idx="0">
+              <a:schemeClr val="accent1"/>
+            </a:fillRef>
+            <a:effectRef idx="0">
+              <a:schemeClr val="accent1"/>
+            </a:effectRef>
+            <a:fontRef idx="minor">
+              <a:schemeClr val="tx1"/>
+            </a:fontRef>
+          </p:style>
+        </p:cxnSp>
+        <p:sp>
+          <p:nvSpPr>
+            <p:cNvPr id="29" name="テキスト ボックス 28">
+              <a:extLst>
+                <a:ext uri="{FF2B5EF4-FFF2-40B4-BE49-F238E27FC236}">
+                  <a16:creationId xmlns:a16="http://schemas.microsoft.com/office/drawing/2014/main" id="{D4288F9F-14C1-492B-AE90-2A9E2B651956}"/>
+                </a:ext>
+              </a:extLst>
+            </p:cNvPr>
+            <p:cNvSpPr txBox="1"/>
+            <p:nvPr/>
+          </p:nvSpPr>
+          <p:spPr>
+            <a:xfrm>
+              <a:off x="3592558" y="2575340"/>
+              <a:ext cx="697317" cy="307777"/>
+            </a:xfrm>
+            <a:prstGeom prst="rect">
+              <a:avLst/>
+            </a:prstGeom>
+            <a:noFill/>
+          </p:spPr>
+          <p:txBody>
+            <a:bodyPr wrap="square" rtlCol="0">
+              <a:spAutoFit/>
+            </a:bodyPr>
+            <a:lstStyle/>
+            <a:p>
+              <a:r>
+                <a:rPr kumimoji="1" lang="en-US" altLang="ja-JP" sz="1400" dirty="0"/>
+                <a:t>10keV</a:t>
+              </a:r>
+              <a:endParaRPr kumimoji="1" lang="ja-JP" altLang="en-US" sz="1400" dirty="0"/>
+            </a:p>
+          </p:txBody>
+        </p:sp>
+        <p:sp>
+          <p:nvSpPr>
+            <p:cNvPr id="30" name="楕円 29">
+              <a:extLst>
+                <a:ext uri="{FF2B5EF4-FFF2-40B4-BE49-F238E27FC236}">
+                  <a16:creationId xmlns:a16="http://schemas.microsoft.com/office/drawing/2014/main" id="{C277FBD1-F1F8-435B-9255-E0FC784C6A39}"/>
+                </a:ext>
+              </a:extLst>
+            </p:cNvPr>
+            <p:cNvSpPr/>
+            <p:nvPr/>
+          </p:nvSpPr>
+          <p:spPr>
+            <a:xfrm>
+              <a:off x="4848615" y="2454489"/>
+              <a:ext cx="1399802" cy="208721"/>
+            </a:xfrm>
+            <a:prstGeom prst="ellipse">
+              <a:avLst/>
+            </a:prstGeom>
+            <a:solidFill>
+              <a:schemeClr val="accent4"/>
+            </a:solidFill>
+            <a:ln>
+              <a:noFill/>
+            </a:ln>
+          </p:spPr>
+          <p:style>
+            <a:lnRef idx="2">
+              <a:schemeClr val="accent1">
+                <a:shade val="50000"/>
+              </a:schemeClr>
+            </a:lnRef>
+            <a:fillRef idx="1">
+              <a:schemeClr val="accent1"/>
+            </a:fillRef>
+            <a:effectRef idx="0">
+              <a:schemeClr val="accent1"/>
+            </a:effectRef>
+            <a:fontRef idx="minor">
+              <a:schemeClr val="lt1"/>
+            </a:fontRef>
+          </p:style>
+          <p:txBody>
+            <a:bodyPr rtlCol="0" anchor="ctr"/>
+            <a:lstStyle/>
+            <a:p>
+              <a:pPr algn="ctr"/>
+              <a:endParaRPr kumimoji="1" lang="ja-JP" altLang="en-US"/>
+            </a:p>
+          </p:txBody>
+        </p:sp>
+        <p:cxnSp>
+          <p:nvCxnSpPr>
+            <p:cNvPr id="31" name="直線コネクタ 30">
+              <a:extLst>
+                <a:ext uri="{FF2B5EF4-FFF2-40B4-BE49-F238E27FC236}">
+                  <a16:creationId xmlns:a16="http://schemas.microsoft.com/office/drawing/2014/main" id="{7136562C-833E-43B4-80CD-026AEDECFFB0}"/>
+                </a:ext>
+              </a:extLst>
+            </p:cNvPr>
+            <p:cNvCxnSpPr>
+              <a:cxnSpLocks/>
+            </p:cNvCxnSpPr>
+            <p:nvPr/>
+          </p:nvCxnSpPr>
+          <p:spPr>
+            <a:xfrm flipH="1">
+              <a:off x="4248116" y="2716152"/>
+              <a:ext cx="600500" cy="0"/>
+            </a:xfrm>
+            <a:prstGeom prst="line">
+              <a:avLst/>
+            </a:prstGeom>
+            <a:ln>
+              <a:prstDash val="dash"/>
+            </a:ln>
+          </p:spPr>
+          <p:style>
+            <a:lnRef idx="1">
+              <a:schemeClr val="accent1"/>
+            </a:lnRef>
+            <a:fillRef idx="0">
+              <a:schemeClr val="accent1"/>
+            </a:fillRef>
+            <a:effectRef idx="0">
+              <a:schemeClr val="accent1"/>
+            </a:effectRef>
+            <a:fontRef idx="minor">
+              <a:schemeClr val="tx1"/>
+            </a:fontRef>
+          </p:style>
+        </p:cxnSp>
+        <p:sp>
+          <p:nvSpPr>
+            <p:cNvPr id="32" name="正方形/長方形 31">
+              <a:extLst>
+                <a:ext uri="{FF2B5EF4-FFF2-40B4-BE49-F238E27FC236}">
+                  <a16:creationId xmlns:a16="http://schemas.microsoft.com/office/drawing/2014/main" id="{D43DA231-644E-4076-A1D0-38AE37CE3313}"/>
+                </a:ext>
+              </a:extLst>
+            </p:cNvPr>
+            <p:cNvSpPr/>
+            <p:nvPr/>
+          </p:nvSpPr>
+          <p:spPr>
+            <a:xfrm>
+              <a:off x="7343385" y="3526972"/>
+              <a:ext cx="4161245" cy="1764208"/>
+            </a:xfrm>
+            <a:prstGeom prst="rect">
+              <a:avLst/>
+            </a:prstGeom>
+            <a:noFill/>
+            <a:ln/>
+          </p:spPr>
+          <p:style>
+            <a:lnRef idx="2">
+              <a:schemeClr val="dk1"/>
+            </a:lnRef>
+            <a:fillRef idx="1">
+              <a:schemeClr val="lt1"/>
+            </a:fillRef>
+            <a:effectRef idx="0">
+              <a:schemeClr val="dk1"/>
+            </a:effectRef>
+            <a:fontRef idx="minor">
+              <a:schemeClr val="dk1"/>
+            </a:fontRef>
+          </p:style>
+          <p:txBody>
+            <a:bodyPr rtlCol="0" anchor="ctr"/>
+            <a:lstStyle/>
+            <a:p>
+              <a:pPr algn="ctr"/>
+              <a:endParaRPr kumimoji="1" lang="en-US" altLang="ja-JP" dirty="0"/>
+            </a:p>
+            <a:p>
+              <a:pPr algn="ctr"/>
+              <a:endParaRPr kumimoji="1" lang="en-US" altLang="ja-JP" dirty="0"/>
+            </a:p>
+            <a:p>
+              <a:pPr algn="ctr"/>
+              <a:endParaRPr kumimoji="1" lang="en-US" altLang="ja-JP" dirty="0"/>
+            </a:p>
+            <a:p>
+              <a:pPr algn="ctr"/>
+              <a:endParaRPr kumimoji="1" lang="en-US" altLang="ja-JP" dirty="0"/>
+            </a:p>
+            <a:p>
+              <a:pPr algn="ctr"/>
+              <a:endParaRPr lang="en-US" altLang="ja-JP" dirty="0"/>
+            </a:p>
+            <a:p>
+              <a:pPr algn="ctr"/>
+              <a:r>
+                <a:rPr kumimoji="1" lang="ja-JP" altLang="en-US" dirty="0"/>
+                <a:t>　　　検出器</a:t>
+              </a:r>
+            </a:p>
+          </p:txBody>
+        </p:sp>
+        <p:sp>
+          <p:nvSpPr>
+            <p:cNvPr id="33" name="正方形/長方形 32">
+              <a:extLst>
+                <a:ext uri="{FF2B5EF4-FFF2-40B4-BE49-F238E27FC236}">
+                  <a16:creationId xmlns:a16="http://schemas.microsoft.com/office/drawing/2014/main" id="{01E8843F-6A9B-4563-9C0A-8E5ABD49847D}"/>
+                </a:ext>
+              </a:extLst>
+            </p:cNvPr>
+            <p:cNvSpPr/>
+            <p:nvPr/>
+          </p:nvSpPr>
+          <p:spPr>
+            <a:xfrm>
+              <a:off x="8344752" y="4063655"/>
+              <a:ext cx="1236484" cy="681125"/>
+            </a:xfrm>
+            <a:prstGeom prst="rect">
+              <a:avLst/>
+            </a:prstGeom>
+            <a:noFill/>
+          </p:spPr>
+          <p:style>
+            <a:lnRef idx="2">
+              <a:schemeClr val="accent1">
+                <a:shade val="50000"/>
+              </a:schemeClr>
+            </a:lnRef>
+            <a:fillRef idx="1">
+              <a:schemeClr val="accent1"/>
+            </a:fillRef>
+            <a:effectRef idx="0">
+              <a:schemeClr val="accent1"/>
+            </a:effectRef>
+            <a:fontRef idx="minor">
+              <a:schemeClr val="lt1"/>
+            </a:fontRef>
+          </p:style>
+          <p:txBody>
+            <a:bodyPr rtlCol="0" anchor="ctr"/>
+            <a:lstStyle/>
+            <a:p>
+              <a:pPr algn="ctr"/>
+              <a:r>
+                <a:rPr lang="en-US" altLang="ja-JP" dirty="0">
+                  <a:solidFill>
+                    <a:schemeClr val="tx1"/>
+                  </a:solidFill>
+                </a:rPr>
+                <a:t>E×B</a:t>
+              </a:r>
+            </a:p>
+            <a:p>
+              <a:pPr algn="ctr"/>
+              <a:r>
+                <a:rPr lang="ja-JP" altLang="en-US" dirty="0">
+                  <a:solidFill>
+                    <a:schemeClr val="tx1"/>
+                  </a:solidFill>
+                </a:rPr>
+                <a:t>フィルタ</a:t>
+              </a:r>
+              <a:endParaRPr lang="en-US" altLang="ja-JP" dirty="0">
+                <a:solidFill>
+                  <a:schemeClr val="tx1"/>
+                </a:solidFill>
+              </a:endParaRPr>
+            </a:p>
+          </p:txBody>
+        </p:sp>
+        <p:sp>
+          <p:nvSpPr>
+            <p:cNvPr id="34" name="二等辺三角形 33">
+              <a:extLst>
+                <a:ext uri="{FF2B5EF4-FFF2-40B4-BE49-F238E27FC236}">
+                  <a16:creationId xmlns:a16="http://schemas.microsoft.com/office/drawing/2014/main" id="{E13CC9BC-A801-4354-867A-992DB35D8158}"/>
+                </a:ext>
+              </a:extLst>
+            </p:cNvPr>
+            <p:cNvSpPr/>
+            <p:nvPr/>
+          </p:nvSpPr>
+          <p:spPr>
+            <a:xfrm rot="16200000">
+              <a:off x="9623877" y="3913706"/>
+              <a:ext cx="895739" cy="981019"/>
+            </a:xfrm>
+            <a:prstGeom prst="triangle">
+              <a:avLst>
+                <a:gd name="adj" fmla="val 50000"/>
+              </a:avLst>
+            </a:prstGeom>
+            <a:gradFill flip="none" rotWithShape="1">
+              <a:gsLst>
+                <a:gs pos="0">
+                  <a:schemeClr val="accent4">
+                    <a:alpha val="49000"/>
+                  </a:schemeClr>
+                </a:gs>
+                <a:gs pos="100000">
+                  <a:schemeClr val="accent2"/>
+                </a:gs>
+              </a:gsLst>
+              <a:lin ang="10800000" scaled="1"/>
+              <a:tileRect/>
+            </a:gradFill>
+            <a:ln>
+              <a:solidFill>
+                <a:schemeClr val="bg1"/>
+              </a:solidFill>
+            </a:ln>
+          </p:spPr>
+          <p:style>
+            <a:lnRef idx="2">
+              <a:schemeClr val="accent1">
+                <a:shade val="50000"/>
+              </a:schemeClr>
+            </a:lnRef>
+            <a:fillRef idx="1">
+              <a:schemeClr val="accent1"/>
+            </a:fillRef>
+            <a:effectRef idx="0">
+              <a:schemeClr val="accent1"/>
+            </a:effectRef>
+            <a:fontRef idx="minor">
+              <a:schemeClr val="lt1"/>
+            </a:fontRef>
+          </p:style>
+          <p:txBody>
+            <a:bodyPr rtlCol="0" anchor="ctr"/>
+            <a:lstStyle/>
+            <a:p>
+              <a:pPr algn="ctr"/>
+              <a:endParaRPr kumimoji="1" lang="ja-JP" altLang="en-US"/>
+            </a:p>
+          </p:txBody>
+        </p:sp>
+        <p:sp>
+          <p:nvSpPr>
+            <p:cNvPr id="35" name="正方形/長方形 34">
+              <a:extLst>
+                <a:ext uri="{FF2B5EF4-FFF2-40B4-BE49-F238E27FC236}">
+                  <a16:creationId xmlns:a16="http://schemas.microsoft.com/office/drawing/2014/main" id="{A1BF4C60-67D1-4D83-A83C-41357E41EA8D}"/>
+                </a:ext>
+              </a:extLst>
+            </p:cNvPr>
+            <p:cNvSpPr/>
+            <p:nvPr/>
+          </p:nvSpPr>
+          <p:spPr>
+            <a:xfrm>
+              <a:off x="10562256" y="3676261"/>
+              <a:ext cx="942374" cy="1483568"/>
+            </a:xfrm>
+            <a:prstGeom prst="rect">
+              <a:avLst/>
+            </a:prstGeom>
+            <a:noFill/>
+            <a:ln>
+              <a:solidFill>
+                <a:schemeClr val="tx1"/>
+              </a:solidFill>
+            </a:ln>
+          </p:spPr>
+          <p:style>
+            <a:lnRef idx="2">
+              <a:schemeClr val="accent1">
+                <a:shade val="50000"/>
+              </a:schemeClr>
+            </a:lnRef>
+            <a:fillRef idx="1">
+              <a:schemeClr val="accent1"/>
+            </a:fillRef>
+            <a:effectRef idx="0">
+              <a:schemeClr val="accent1"/>
+            </a:effectRef>
+            <a:fontRef idx="minor">
+              <a:schemeClr val="lt1"/>
+            </a:fontRef>
+          </p:style>
+          <p:txBody>
+            <a:bodyPr rtlCol="0" anchor="ctr"/>
+            <a:lstStyle/>
+            <a:p>
+              <a:pPr algn="ctr"/>
+              <a:r>
+                <a:rPr kumimoji="1" lang="ja-JP" altLang="en-US" dirty="0">
+                  <a:solidFill>
+                    <a:schemeClr val="tx1"/>
+                  </a:solidFill>
+                </a:rPr>
+                <a:t>チャンネルトロン</a:t>
+              </a:r>
+            </a:p>
+          </p:txBody>
+        </p:sp>
+        <p:cxnSp>
+          <p:nvCxnSpPr>
+            <p:cNvPr id="36" name="直線コネクタ 35">
+              <a:extLst>
+                <a:ext uri="{FF2B5EF4-FFF2-40B4-BE49-F238E27FC236}">
+                  <a16:creationId xmlns:a16="http://schemas.microsoft.com/office/drawing/2014/main" id="{6DA37428-CBA4-4CB1-BF47-5A96C047F590}"/>
+                </a:ext>
+              </a:extLst>
+            </p:cNvPr>
+            <p:cNvCxnSpPr>
+              <a:cxnSpLocks/>
+            </p:cNvCxnSpPr>
+            <p:nvPr/>
+          </p:nvCxnSpPr>
+          <p:spPr>
+            <a:xfrm flipH="1" flipV="1">
+              <a:off x="6535794" y="2397625"/>
+              <a:ext cx="52161" cy="318527"/>
+            </a:xfrm>
+            <a:prstGeom prst="line">
+              <a:avLst/>
+            </a:prstGeom>
+            <a:ln>
+              <a:prstDash val="dash"/>
+            </a:ln>
+          </p:spPr>
+          <p:style>
+            <a:lnRef idx="1">
+              <a:schemeClr val="accent1"/>
+            </a:lnRef>
+            <a:fillRef idx="0">
+              <a:schemeClr val="accent1"/>
+            </a:fillRef>
+            <a:effectRef idx="0">
+              <a:schemeClr val="accent1"/>
+            </a:effectRef>
+            <a:fontRef idx="minor">
+              <a:schemeClr val="tx1"/>
+            </a:fontRef>
+          </p:style>
+        </p:cxnSp>
+        <p:cxnSp>
+          <p:nvCxnSpPr>
+            <p:cNvPr id="37" name="直線コネクタ 36">
+              <a:extLst>
+                <a:ext uri="{FF2B5EF4-FFF2-40B4-BE49-F238E27FC236}">
+                  <a16:creationId xmlns:a16="http://schemas.microsoft.com/office/drawing/2014/main" id="{BC4CF45F-8D34-4367-AF46-C1593F1B3058}"/>
+                </a:ext>
+              </a:extLst>
+            </p:cNvPr>
+            <p:cNvCxnSpPr>
+              <a:cxnSpLocks/>
+            </p:cNvCxnSpPr>
+            <p:nvPr/>
+          </p:nvCxnSpPr>
+          <p:spPr>
+            <a:xfrm flipV="1">
+              <a:off x="6251876" y="2397626"/>
+              <a:ext cx="90448" cy="331602"/>
+            </a:xfrm>
+            <a:prstGeom prst="line">
+              <a:avLst/>
+            </a:prstGeom>
+            <a:ln>
+              <a:prstDash val="dash"/>
+            </a:ln>
+          </p:spPr>
+          <p:style>
+            <a:lnRef idx="1">
+              <a:schemeClr val="accent1"/>
+            </a:lnRef>
+            <a:fillRef idx="0">
+              <a:schemeClr val="accent1"/>
+            </a:fillRef>
+            <a:effectRef idx="0">
+              <a:schemeClr val="accent1"/>
+            </a:effectRef>
+            <a:fontRef idx="minor">
+              <a:schemeClr val="tx1"/>
+            </a:fontRef>
+          </p:style>
+        </p:cxnSp>
+        <p:cxnSp>
+          <p:nvCxnSpPr>
+            <p:cNvPr id="38" name="直線コネクタ 37">
+              <a:extLst>
+                <a:ext uri="{FF2B5EF4-FFF2-40B4-BE49-F238E27FC236}">
+                  <a16:creationId xmlns:a16="http://schemas.microsoft.com/office/drawing/2014/main" id="{40097BC8-9D1F-4B3F-A560-81C33FED4082}"/>
+                </a:ext>
+              </a:extLst>
+            </p:cNvPr>
+            <p:cNvCxnSpPr>
+              <a:cxnSpLocks/>
+            </p:cNvCxnSpPr>
+            <p:nvPr/>
+          </p:nvCxnSpPr>
+          <p:spPr>
+            <a:xfrm>
+              <a:off x="4561239" y="2376095"/>
+              <a:ext cx="185404" cy="0"/>
+            </a:xfrm>
+            <a:prstGeom prst="line">
+              <a:avLst/>
+            </a:prstGeom>
+            <a:ln>
+              <a:prstDash val="solid"/>
+            </a:ln>
+          </p:spPr>
+          <p:style>
+            <a:lnRef idx="1">
+              <a:schemeClr val="accent1"/>
+            </a:lnRef>
+            <a:fillRef idx="0">
+              <a:schemeClr val="accent1"/>
+            </a:fillRef>
+            <a:effectRef idx="0">
+              <a:schemeClr val="accent1"/>
+            </a:effectRef>
+            <a:fontRef idx="minor">
+              <a:schemeClr val="tx1"/>
+            </a:fontRef>
+          </p:style>
+        </p:cxnSp>
+        <p:sp>
+          <p:nvSpPr>
+            <p:cNvPr id="39" name="吹き出し: 左矢印 38">
+              <a:extLst>
+                <a:ext uri="{FF2B5EF4-FFF2-40B4-BE49-F238E27FC236}">
+                  <a16:creationId xmlns:a16="http://schemas.microsoft.com/office/drawing/2014/main" id="{CB0D1BFE-1C82-4595-AC55-1D93E34A533F}"/>
+                </a:ext>
+              </a:extLst>
+            </p:cNvPr>
+            <p:cNvSpPr/>
+            <p:nvPr/>
+          </p:nvSpPr>
+          <p:spPr>
+            <a:xfrm>
+              <a:off x="6662177" y="2311468"/>
+              <a:ext cx="3176284" cy="404683"/>
+            </a:xfrm>
+            <a:prstGeom prst="leftArrowCallout">
+              <a:avLst>
+                <a:gd name="adj1" fmla="val 25000"/>
+                <a:gd name="adj2" fmla="val 25000"/>
+                <a:gd name="adj3" fmla="val 25000"/>
+                <a:gd name="adj4" fmla="val 80643"/>
+              </a:avLst>
+            </a:prstGeom>
+          </p:spPr>
+          <p:style>
+            <a:lnRef idx="2">
+              <a:schemeClr val="accent1">
+                <a:shade val="50000"/>
+              </a:schemeClr>
+            </a:lnRef>
+            <a:fillRef idx="1">
+              <a:schemeClr val="accent1"/>
+            </a:fillRef>
+            <a:effectRef idx="0">
+              <a:schemeClr val="accent1"/>
+            </a:effectRef>
+            <a:fontRef idx="minor">
+              <a:schemeClr val="lt1"/>
+            </a:fontRef>
+          </p:style>
+          <p:txBody>
+            <a:bodyPr rtlCol="0" anchor="ctr"/>
+            <a:lstStyle/>
+            <a:p>
+              <a:pPr algn="ctr"/>
+              <a:r>
+                <a:rPr kumimoji="1" lang="ja-JP" altLang="en-US" dirty="0"/>
+                <a:t>①片側の山がなくなる</a:t>
+              </a:r>
+            </a:p>
+          </p:txBody>
+        </p:sp>
+        <p:sp>
+          <p:nvSpPr>
+            <p:cNvPr id="40" name="吹き出し: 左矢印 39">
+              <a:extLst>
+                <a:ext uri="{FF2B5EF4-FFF2-40B4-BE49-F238E27FC236}">
+                  <a16:creationId xmlns:a16="http://schemas.microsoft.com/office/drawing/2014/main" id="{A601BF65-BACC-4160-9FE1-B6638B1C5F22}"/>
+                </a:ext>
+              </a:extLst>
+            </p:cNvPr>
+            <p:cNvSpPr/>
+            <p:nvPr/>
+          </p:nvSpPr>
+          <p:spPr>
+            <a:xfrm>
+              <a:off x="7246758" y="2867041"/>
+              <a:ext cx="4020240" cy="404683"/>
+            </a:xfrm>
+            <a:prstGeom prst="leftArrowCallout">
+              <a:avLst>
+                <a:gd name="adj1" fmla="val 25000"/>
+                <a:gd name="adj2" fmla="val 25000"/>
+                <a:gd name="adj3" fmla="val 25000"/>
+                <a:gd name="adj4" fmla="val 80643"/>
+              </a:avLst>
+            </a:prstGeom>
+          </p:spPr>
+          <p:style>
+            <a:lnRef idx="2">
+              <a:schemeClr val="accent1">
+                <a:shade val="50000"/>
+              </a:schemeClr>
+            </a:lnRef>
+            <a:fillRef idx="1">
+              <a:schemeClr val="accent1"/>
+            </a:fillRef>
+            <a:effectRef idx="0">
+              <a:schemeClr val="accent1"/>
+            </a:effectRef>
+            <a:fontRef idx="minor">
+              <a:schemeClr val="lt1"/>
+            </a:fontRef>
+          </p:style>
+          <p:txBody>
+            <a:bodyPr rtlCol="0" anchor="ctr"/>
+            <a:lstStyle/>
+            <a:p>
+              <a:pPr algn="ctr"/>
+              <a:r>
+                <a:rPr lang="ja-JP" altLang="en-US" dirty="0"/>
+                <a:t>②ポテンシャルで加速される</a:t>
+              </a:r>
+              <a:endParaRPr kumimoji="1" lang="ja-JP" altLang="en-US" dirty="0"/>
+            </a:p>
+          </p:txBody>
+        </p:sp>
+        <p:sp>
+          <p:nvSpPr>
+            <p:cNvPr id="41" name="吹き出し: 上矢印 40">
+              <a:extLst>
+                <a:ext uri="{FF2B5EF4-FFF2-40B4-BE49-F238E27FC236}">
+                  <a16:creationId xmlns:a16="http://schemas.microsoft.com/office/drawing/2014/main" id="{A1E2FD41-519E-43F6-A6CE-DBD294B1337C}"/>
+                </a:ext>
+              </a:extLst>
+            </p:cNvPr>
+            <p:cNvSpPr/>
+            <p:nvPr/>
+          </p:nvSpPr>
+          <p:spPr>
+            <a:xfrm>
+              <a:off x="7823085" y="4792824"/>
+              <a:ext cx="1758151" cy="1245068"/>
+            </a:xfrm>
+            <a:prstGeom prst="upArrowCallout">
+              <a:avLst>
+                <a:gd name="adj1" fmla="val 21206"/>
+                <a:gd name="adj2" fmla="val 15745"/>
+                <a:gd name="adj3" fmla="val 13419"/>
+                <a:gd name="adj4" fmla="val 54120"/>
+              </a:avLst>
+            </a:prstGeom>
+          </p:spPr>
+          <p:style>
+            <a:lnRef idx="2">
+              <a:schemeClr val="accent1">
+                <a:shade val="50000"/>
+              </a:schemeClr>
+            </a:lnRef>
+            <a:fillRef idx="1">
+              <a:schemeClr val="accent1"/>
+            </a:fillRef>
+            <a:effectRef idx="0">
+              <a:schemeClr val="accent1"/>
+            </a:effectRef>
+            <a:fontRef idx="minor">
+              <a:schemeClr val="lt1"/>
+            </a:fontRef>
+          </p:style>
+          <p:txBody>
+            <a:bodyPr rtlCol="0" anchor="ctr"/>
+            <a:lstStyle/>
+            <a:p>
+              <a:pPr algn="ctr"/>
+              <a:r>
+                <a:rPr kumimoji="1" lang="ja-JP" altLang="en-US" dirty="0"/>
+                <a:t>③速度で分解</a:t>
+              </a:r>
+            </a:p>
+          </p:txBody>
+        </p:sp>
+        <p:sp>
+          <p:nvSpPr>
+            <p:cNvPr id="42" name="吹き出し: 上矢印 41">
+              <a:extLst>
+                <a:ext uri="{FF2B5EF4-FFF2-40B4-BE49-F238E27FC236}">
+                  <a16:creationId xmlns:a16="http://schemas.microsoft.com/office/drawing/2014/main" id="{3E3E7458-59F6-42A0-A7F2-3E89FA056F4E}"/>
+                </a:ext>
+              </a:extLst>
+            </p:cNvPr>
+            <p:cNvSpPr/>
+            <p:nvPr/>
+          </p:nvSpPr>
+          <p:spPr>
+            <a:xfrm>
+              <a:off x="10125532" y="5161926"/>
+              <a:ext cx="1758151" cy="875966"/>
+            </a:xfrm>
+            <a:prstGeom prst="upArrowCallout">
+              <a:avLst>
+                <a:gd name="adj1" fmla="val 17575"/>
+                <a:gd name="adj2" fmla="val 15745"/>
+                <a:gd name="adj3" fmla="val 22496"/>
+                <a:gd name="adj4" fmla="val 66828"/>
+              </a:avLst>
+            </a:prstGeom>
+          </p:spPr>
+          <p:style>
+            <a:lnRef idx="2">
+              <a:schemeClr val="accent1">
+                <a:shade val="50000"/>
+              </a:schemeClr>
+            </a:lnRef>
+            <a:fillRef idx="1">
+              <a:schemeClr val="accent1"/>
+            </a:fillRef>
+            <a:effectRef idx="0">
+              <a:schemeClr val="accent1"/>
+            </a:effectRef>
+            <a:fontRef idx="minor">
+              <a:schemeClr val="lt1"/>
+            </a:fontRef>
+          </p:style>
+          <p:txBody>
+            <a:bodyPr rtlCol="0" anchor="ctr"/>
+            <a:lstStyle/>
+            <a:p>
+              <a:pPr algn="ctr"/>
+              <a:r>
+                <a:rPr kumimoji="1" lang="ja-JP" altLang="en-US" dirty="0"/>
+                <a:t>③到達位置でシグナル</a:t>
+              </a:r>
+            </a:p>
+          </p:txBody>
+        </p:sp>
+      </p:grpSp>
     </p:spTree>
     <p:extLst>
       <p:ext uri="{BB962C8B-B14F-4D97-AF65-F5344CB8AC3E}">

--- a/docs/中間発表.pptx
+++ b/docs/中間発表.pptx
@@ -5,7 +5,7 @@
     <p:sldMasterId id="2147483738" r:id="rId1"/>
   </p:sldMasterIdLst>
   <p:notesMasterIdLst>
-    <p:notesMasterId r:id="rId22"/>
+    <p:notesMasterId r:id="rId21"/>
   </p:notesMasterIdLst>
   <p:sldIdLst>
     <p:sldId id="256" r:id="rId2"/>
@@ -18,16 +18,15 @@
     <p:sldId id="273" r:id="rId9"/>
     <p:sldId id="272" r:id="rId10"/>
     <p:sldId id="280" r:id="rId11"/>
-    <p:sldId id="269" r:id="rId12"/>
-    <p:sldId id="277" r:id="rId13"/>
-    <p:sldId id="270" r:id="rId14"/>
-    <p:sldId id="274" r:id="rId15"/>
-    <p:sldId id="271" r:id="rId16"/>
-    <p:sldId id="268" r:id="rId17"/>
-    <p:sldId id="259" r:id="rId18"/>
-    <p:sldId id="261" r:id="rId19"/>
-    <p:sldId id="260" r:id="rId20"/>
-    <p:sldId id="262" r:id="rId21"/>
+    <p:sldId id="277" r:id="rId12"/>
+    <p:sldId id="270" r:id="rId13"/>
+    <p:sldId id="274" r:id="rId14"/>
+    <p:sldId id="271" r:id="rId15"/>
+    <p:sldId id="268" r:id="rId16"/>
+    <p:sldId id="259" r:id="rId17"/>
+    <p:sldId id="261" r:id="rId18"/>
+    <p:sldId id="260" r:id="rId19"/>
+    <p:sldId id="262" r:id="rId20"/>
   </p:sldIdLst>
   <p:sldSz cx="12192000" cy="6858000"/>
   <p:notesSz cx="6858000" cy="9144000"/>
@@ -219,7 +218,7 @@
           <a:p>
             <a:fld id="{CE120EBB-8C6C-4DEA-8F69-236F8EB798F4}" type="datetimeFigureOut">
               <a:rPr kumimoji="1" lang="ja-JP" altLang="en-US" smtClean="0"/>
-              <a:t>2020/10/2</a:t>
+              <a:t>2020/10/4</a:t>
             </a:fld>
             <a:endParaRPr kumimoji="1" lang="ja-JP" altLang="en-US"/>
           </a:p>
@@ -649,7 +648,10 @@
           <a:bodyPr/>
           <a:lstStyle/>
           <a:p>
-            <a:endParaRPr kumimoji="1" lang="ja-JP" altLang="en-US" dirty="0"/>
+            <a:r>
+              <a:rPr kumimoji="1" lang="ja-JP" altLang="en-US" dirty="0"/>
+              <a:t>現状どこまで進んでいるか。結果だけ紹介して、改善策は次のスライドから。</a:t>
+            </a:r>
           </a:p>
         </p:txBody>
       </p:sp>
@@ -679,7 +681,7 @@
     </p:spTree>
     <p:extLst>
       <p:ext uri="{BB962C8B-B14F-4D97-AF65-F5344CB8AC3E}">
-        <p14:creationId xmlns:p14="http://schemas.microsoft.com/office/powerpoint/2010/main" val="1163046550"/>
+        <p14:creationId xmlns:p14="http://schemas.microsoft.com/office/powerpoint/2010/main" val="786945491"/>
       </p:ext>
     </p:extLst>
   </p:cSld>
@@ -733,10 +735,7 @@
           <a:bodyPr/>
           <a:lstStyle/>
           <a:p>
-            <a:r>
-              <a:rPr kumimoji="1" lang="ja-JP" altLang="en-US" dirty="0"/>
-              <a:t>現状どこまで進んでいるか。結果だけ紹介して、改善策は次のスライドから。</a:t>
-            </a:r>
+            <a:endParaRPr kumimoji="1" lang="ja-JP" altLang="en-US" dirty="0"/>
           </a:p>
         </p:txBody>
       </p:sp>
@@ -757,91 +756,7 @@
           <a:p>
             <a:fld id="{54FC74C9-A3B3-42D0-9EC6-DE7CEAAF28CE}" type="slidenum">
               <a:rPr kumimoji="1" lang="ja-JP" altLang="en-US" smtClean="0"/>
-              <a:t>17</a:t>
-            </a:fld>
-            <a:endParaRPr kumimoji="1" lang="ja-JP" altLang="en-US"/>
-          </a:p>
-        </p:txBody>
-      </p:sp>
-    </p:spTree>
-    <p:extLst>
-      <p:ext uri="{BB962C8B-B14F-4D97-AF65-F5344CB8AC3E}">
-        <p14:creationId xmlns:p14="http://schemas.microsoft.com/office/powerpoint/2010/main" val="786945491"/>
-      </p:ext>
-    </p:extLst>
-  </p:cSld>
-  <p:clrMapOvr>
-    <a:masterClrMapping/>
-  </p:clrMapOvr>
-</p:notes>
-</file>
-
-<file path=ppt/notesSlides/notesSlide12.xml><?xml version="1.0" encoding="utf-8"?>
-<p:notes xmlns:a="http://schemas.openxmlformats.org/drawingml/2006/main" xmlns:r="http://schemas.openxmlformats.org/officeDocument/2006/relationships" xmlns:p="http://schemas.openxmlformats.org/presentationml/2006/main">
-  <p:cSld>
-    <p:spTree>
-      <p:nvGrpSpPr>
-        <p:cNvPr id="1" name=""/>
-        <p:cNvGrpSpPr/>
-        <p:nvPr/>
-      </p:nvGrpSpPr>
-      <p:grpSpPr>
-        <a:xfrm>
-          <a:off x="0" y="0"/>
-          <a:ext cx="0" cy="0"/>
-          <a:chOff x="0" y="0"/>
-          <a:chExt cx="0" cy="0"/>
-        </a:xfrm>
-      </p:grpSpPr>
-      <p:sp>
-        <p:nvSpPr>
-          <p:cNvPr id="2" name="スライド イメージ プレースホルダー 1"/>
-          <p:cNvSpPr>
-            <a:spLocks noGrp="1" noRot="1" noChangeAspect="1"/>
-          </p:cNvSpPr>
-          <p:nvPr>
-            <p:ph type="sldImg"/>
-          </p:nvPr>
-        </p:nvSpPr>
-        <p:spPr/>
-      </p:sp>
-      <p:sp>
-        <p:nvSpPr>
-          <p:cNvPr id="3" name="ノート プレースホルダー 2"/>
-          <p:cNvSpPr>
-            <a:spLocks noGrp="1"/>
-          </p:cNvSpPr>
-          <p:nvPr>
-            <p:ph type="body" idx="1"/>
-          </p:nvPr>
-        </p:nvSpPr>
-        <p:spPr/>
-        <p:txBody>
-          <a:bodyPr/>
-          <a:lstStyle/>
-          <a:p>
-            <a:endParaRPr kumimoji="1" lang="ja-JP" altLang="en-US" dirty="0"/>
-          </a:p>
-        </p:txBody>
-      </p:sp>
-      <p:sp>
-        <p:nvSpPr>
-          <p:cNvPr id="4" name="スライド番号プレースホルダー 3"/>
-          <p:cNvSpPr>
-            <a:spLocks noGrp="1"/>
-          </p:cNvSpPr>
-          <p:nvPr>
-            <p:ph type="sldNum" sz="quarter" idx="5"/>
-          </p:nvPr>
-        </p:nvSpPr>
-        <p:spPr/>
-        <p:txBody>
-          <a:bodyPr/>
-          <a:lstStyle/>
-          <a:p>
-            <a:fld id="{54FC74C9-A3B3-42D0-9EC6-DE7CEAAF28CE}" type="slidenum">
-              <a:rPr kumimoji="1" lang="ja-JP" altLang="en-US" smtClean="0"/>
-              <a:t>20</a:t>
+              <a:t>19</a:t>
             </a:fld>
             <a:endParaRPr kumimoji="1" lang="ja-JP" altLang="en-US"/>
           </a:p>
@@ -1525,7 +1440,7 @@
           <a:p>
             <a:fld id="{54FC74C9-A3B3-42D0-9EC6-DE7CEAAF28CE}" type="slidenum">
               <a:rPr kumimoji="1" lang="ja-JP" altLang="en-US" smtClean="0"/>
-              <a:t>11</a:t>
+              <a:t>15</a:t>
             </a:fld>
             <a:endParaRPr kumimoji="1" lang="ja-JP" altLang="en-US"/>
           </a:p>
@@ -1534,7 +1449,7 @@
     </p:spTree>
     <p:extLst>
       <p:ext uri="{BB962C8B-B14F-4D97-AF65-F5344CB8AC3E}">
-        <p14:creationId xmlns:p14="http://schemas.microsoft.com/office/powerpoint/2010/main" val="2238500400"/>
+        <p14:creationId xmlns:p14="http://schemas.microsoft.com/office/powerpoint/2010/main" val="1163046550"/>
       </p:ext>
     </p:extLst>
   </p:cSld>
@@ -1691,7 +1606,7 @@
           <a:p>
             <a:fld id="{E96D9F0A-2578-410E-B32A-F089453602AE}" type="datetimeFigureOut">
               <a:rPr kumimoji="1" lang="ja-JP" altLang="en-US" smtClean="0"/>
-              <a:t>2020/10/2</a:t>
+              <a:t>2020/10/4</a:t>
             </a:fld>
             <a:endParaRPr kumimoji="1" lang="ja-JP" altLang="en-US"/>
           </a:p>
@@ -1921,7 +1836,7 @@
           <a:p>
             <a:fld id="{E96D9F0A-2578-410E-B32A-F089453602AE}" type="datetimeFigureOut">
               <a:rPr kumimoji="1" lang="ja-JP" altLang="en-US" smtClean="0"/>
-              <a:t>2020/10/2</a:t>
+              <a:t>2020/10/4</a:t>
             </a:fld>
             <a:endParaRPr kumimoji="1" lang="ja-JP" altLang="en-US"/>
           </a:p>
@@ -2161,7 +2076,7 @@
           <a:p>
             <a:fld id="{E96D9F0A-2578-410E-B32A-F089453602AE}" type="datetimeFigureOut">
               <a:rPr kumimoji="1" lang="ja-JP" altLang="en-US" smtClean="0"/>
-              <a:t>2020/10/2</a:t>
+              <a:t>2020/10/4</a:t>
             </a:fld>
             <a:endParaRPr kumimoji="1" lang="ja-JP" altLang="en-US"/>
           </a:p>
@@ -2391,7 +2306,7 @@
           <a:p>
             <a:fld id="{E96D9F0A-2578-410E-B32A-F089453602AE}" type="datetimeFigureOut">
               <a:rPr kumimoji="1" lang="ja-JP" altLang="en-US" smtClean="0"/>
-              <a:t>2020/10/2</a:t>
+              <a:t>2020/10/4</a:t>
             </a:fld>
             <a:endParaRPr kumimoji="1" lang="ja-JP" altLang="en-US"/>
           </a:p>
@@ -2666,7 +2581,7 @@
           <a:p>
             <a:fld id="{E96D9F0A-2578-410E-B32A-F089453602AE}" type="datetimeFigureOut">
               <a:rPr kumimoji="1" lang="ja-JP" altLang="en-US" smtClean="0"/>
-              <a:t>2020/10/2</a:t>
+              <a:t>2020/10/4</a:t>
             </a:fld>
             <a:endParaRPr kumimoji="1" lang="ja-JP" altLang="en-US"/>
           </a:p>
@@ -2995,7 +2910,7 @@
           <a:p>
             <a:fld id="{E96D9F0A-2578-410E-B32A-F089453602AE}" type="datetimeFigureOut">
               <a:rPr kumimoji="1" lang="ja-JP" altLang="en-US" smtClean="0"/>
-              <a:t>2020/10/2</a:t>
+              <a:t>2020/10/4</a:t>
             </a:fld>
             <a:endParaRPr kumimoji="1" lang="ja-JP" altLang="en-US"/>
           </a:p>
@@ -3471,7 +3386,7 @@
           <a:p>
             <a:fld id="{E96D9F0A-2578-410E-B32A-F089453602AE}" type="datetimeFigureOut">
               <a:rPr kumimoji="1" lang="ja-JP" altLang="en-US" smtClean="0"/>
-              <a:t>2020/10/2</a:t>
+              <a:t>2020/10/4</a:t>
             </a:fld>
             <a:endParaRPr kumimoji="1" lang="ja-JP" altLang="en-US"/>
           </a:p>
@@ -3612,7 +3527,7 @@
           <a:p>
             <a:fld id="{E96D9F0A-2578-410E-B32A-F089453602AE}" type="datetimeFigureOut">
               <a:rPr kumimoji="1" lang="ja-JP" altLang="en-US" smtClean="0"/>
-              <a:t>2020/10/2</a:t>
+              <a:t>2020/10/4</a:t>
             </a:fld>
             <a:endParaRPr kumimoji="1" lang="ja-JP" altLang="en-US"/>
           </a:p>
@@ -3725,7 +3640,7 @@
           <a:p>
             <a:fld id="{E96D9F0A-2578-410E-B32A-F089453602AE}" type="datetimeFigureOut">
               <a:rPr kumimoji="1" lang="ja-JP" altLang="en-US" smtClean="0"/>
-              <a:t>2020/10/2</a:t>
+              <a:t>2020/10/4</a:t>
             </a:fld>
             <a:endParaRPr kumimoji="1" lang="ja-JP" altLang="en-US"/>
           </a:p>
@@ -4068,7 +3983,7 @@
           <a:p>
             <a:fld id="{E96D9F0A-2578-410E-B32A-F089453602AE}" type="datetimeFigureOut">
               <a:rPr kumimoji="1" lang="ja-JP" altLang="en-US" smtClean="0"/>
-              <a:t>2020/10/2</a:t>
+              <a:t>2020/10/4</a:t>
             </a:fld>
             <a:endParaRPr kumimoji="1" lang="ja-JP" altLang="en-US"/>
           </a:p>
@@ -4356,7 +4271,7 @@
           <a:p>
             <a:fld id="{E96D9F0A-2578-410E-B32A-F089453602AE}" type="datetimeFigureOut">
               <a:rPr kumimoji="1" lang="ja-JP" altLang="en-US" smtClean="0"/>
-              <a:t>2020/10/2</a:t>
+              <a:t>2020/10/4</a:t>
             </a:fld>
             <a:endParaRPr kumimoji="1" lang="ja-JP" altLang="en-US"/>
           </a:p>
@@ -4629,7 +4544,7 @@
           <a:p>
             <a:fld id="{E96D9F0A-2578-410E-B32A-F089453602AE}" type="datetimeFigureOut">
               <a:rPr kumimoji="1" lang="ja-JP" altLang="en-US" smtClean="0"/>
-              <a:t>2020/10/2</a:t>
+              <a:t>2020/10/4</a:t>
             </a:fld>
             <a:endParaRPr kumimoji="1" lang="ja-JP" altLang="en-US"/>
           </a:p>
@@ -5659,47 +5574,12 @@
           <a:chExt cx="0" cy="0"/>
         </a:xfrm>
       </p:grpSpPr>
-      <p:sp>
-        <p:nvSpPr>
-          <p:cNvPr id="2" name="タイトル 1">
+      <p:grpSp>
+        <p:nvGrpSpPr>
+          <p:cNvPr id="55" name="グループ化 54">
             <a:extLst>
               <a:ext uri="{FF2B5EF4-FFF2-40B4-BE49-F238E27FC236}">
-                <a16:creationId xmlns:a16="http://schemas.microsoft.com/office/drawing/2014/main" id="{C32D7F0D-6BD4-423D-9985-FE57949AA538}"/>
-              </a:ext>
-            </a:extLst>
-          </p:cNvPr>
-          <p:cNvSpPr>
-            <a:spLocks noGrp="1"/>
-          </p:cNvSpPr>
-          <p:nvPr>
-            <p:ph type="title"/>
-          </p:nvPr>
-        </p:nvSpPr>
-        <p:spPr>
-          <a:xfrm>
-            <a:off x="563571" y="513845"/>
-            <a:ext cx="4126727" cy="698366"/>
-          </a:xfrm>
-        </p:spPr>
-        <p:txBody>
-          <a:bodyPr>
-            <a:normAutofit/>
-          </a:bodyPr>
-          <a:lstStyle/>
-          <a:p>
-            <a:r>
-              <a:rPr kumimoji="1" lang="ja-JP" altLang="en-US" sz="1800" dirty="0"/>
-              <a:t>電場、磁場、ルンゲクッタ法のテスト</a:t>
-            </a:r>
-          </a:p>
-        </p:txBody>
-      </p:sp>
-      <p:grpSp>
-        <p:nvGrpSpPr>
-          <p:cNvPr id="12" name="グループ化 11">
-            <a:extLst>
-              <a:ext uri="{FF2B5EF4-FFF2-40B4-BE49-F238E27FC236}">
-                <a16:creationId xmlns:a16="http://schemas.microsoft.com/office/drawing/2014/main" id="{BC74E514-C34B-4CA3-AAFC-4E28201B6FE6}"/>
+                <a16:creationId xmlns:a16="http://schemas.microsoft.com/office/drawing/2014/main" id="{4A4FF266-67D8-46E3-A2E2-912E85B36A2C}"/>
               </a:ext>
             </a:extLst>
           </p:cNvPr>
@@ -5708,18 +5588,117 @@
         </p:nvGrpSpPr>
         <p:grpSpPr>
           <a:xfrm>
-            <a:off x="1481579" y="1707800"/>
-            <a:ext cx="9228841" cy="3928430"/>
-            <a:chOff x="838200" y="2394408"/>
-            <a:chExt cx="9228841" cy="3928430"/>
+            <a:off x="6490370" y="1830811"/>
+            <a:ext cx="5430792" cy="5079813"/>
+            <a:chOff x="6363092" y="912724"/>
+            <a:chExt cx="5430792" cy="5079813"/>
           </a:xfrm>
         </p:grpSpPr>
         <p:sp>
           <p:nvSpPr>
-            <p:cNvPr id="4" name="テキスト ボックス 3">
+            <p:cNvPr id="18" name="楕円 17">
               <a:extLst>
                 <a:ext uri="{FF2B5EF4-FFF2-40B4-BE49-F238E27FC236}">
-                  <a16:creationId xmlns:a16="http://schemas.microsoft.com/office/drawing/2014/main" id="{B98C56A1-7574-4865-BCD3-4D58BAE71C54}"/>
+                  <a16:creationId xmlns:a16="http://schemas.microsoft.com/office/drawing/2014/main" id="{C503ECD4-AAD2-4E8B-884F-530BC47A9EBD}"/>
+                </a:ext>
+              </a:extLst>
+            </p:cNvPr>
+            <p:cNvSpPr/>
+            <p:nvPr/>
+          </p:nvSpPr>
+          <p:spPr>
+            <a:xfrm>
+              <a:off x="8992815" y="2282217"/>
+              <a:ext cx="352400" cy="390521"/>
+            </a:xfrm>
+            <a:prstGeom prst="ellipse">
+              <a:avLst/>
+            </a:prstGeom>
+          </p:spPr>
+          <p:style>
+            <a:lnRef idx="2">
+              <a:schemeClr val="accent1">
+                <a:shade val="50000"/>
+              </a:schemeClr>
+            </a:lnRef>
+            <a:fillRef idx="1">
+              <a:schemeClr val="accent1"/>
+            </a:fillRef>
+            <a:effectRef idx="0">
+              <a:schemeClr val="accent1"/>
+            </a:effectRef>
+            <a:fontRef idx="minor">
+              <a:schemeClr val="lt1"/>
+            </a:fontRef>
+          </p:style>
+          <p:txBody>
+            <a:bodyPr rtlCol="0" anchor="ctr"/>
+            <a:lstStyle/>
+            <a:p>
+              <a:pPr algn="ctr"/>
+              <a:endParaRPr kumimoji="1" lang="ja-JP" altLang="en-US" dirty="0"/>
+            </a:p>
+          </p:txBody>
+        </p:sp>
+        <p:sp>
+          <p:nvSpPr>
+            <p:cNvPr id="4" name="楕円 3">
+              <a:extLst>
+                <a:ext uri="{FF2B5EF4-FFF2-40B4-BE49-F238E27FC236}">
+                  <a16:creationId xmlns:a16="http://schemas.microsoft.com/office/drawing/2014/main" id="{706F47F2-EEAF-46AA-AD49-C0125EB729C8}"/>
+                </a:ext>
+              </a:extLst>
+            </p:cNvPr>
+            <p:cNvSpPr/>
+            <p:nvPr/>
+          </p:nvSpPr>
+          <p:spPr>
+            <a:xfrm>
+              <a:off x="7090851" y="2607492"/>
+              <a:ext cx="294099" cy="361553"/>
+            </a:xfrm>
+            <a:prstGeom prst="ellipse">
+              <a:avLst/>
+            </a:prstGeom>
+          </p:spPr>
+          <p:style>
+            <a:lnRef idx="2">
+              <a:schemeClr val="dk1"/>
+            </a:lnRef>
+            <a:fillRef idx="1">
+              <a:schemeClr val="lt1"/>
+            </a:fillRef>
+            <a:effectRef idx="0">
+              <a:schemeClr val="dk1"/>
+            </a:effectRef>
+            <a:fontRef idx="minor">
+              <a:schemeClr val="dk1"/>
+            </a:fontRef>
+          </p:style>
+          <p:txBody>
+            <a:bodyPr rtlCol="0" anchor="ctr"/>
+            <a:lstStyle/>
+            <a:p>
+              <a:pPr algn="ctr"/>
+              <a:r>
+                <a:rPr kumimoji="1" lang="ja-JP" altLang="en-US" sz="1200" dirty="0">
+                  <a:ln>
+                    <a:solidFill>
+                      <a:schemeClr val="tx1"/>
+                    </a:solidFill>
+                  </a:ln>
+                </a:rPr>
+                <a:t>・</a:t>
+              </a:r>
+            </a:p>
+          </p:txBody>
+        </p:sp>
+        <p:sp>
+          <p:nvSpPr>
+            <p:cNvPr id="7" name="テキスト ボックス 6">
+              <a:extLst>
+                <a:ext uri="{FF2B5EF4-FFF2-40B4-BE49-F238E27FC236}">
+                  <a16:creationId xmlns:a16="http://schemas.microsoft.com/office/drawing/2014/main" id="{6F9F9978-CBA1-4B78-BEF5-D2500B6F4A27}"/>
                 </a:ext>
               </a:extLst>
             </p:cNvPr>
@@ -5728,8 +5707,1044 @@
           </p:nvSpPr>
           <p:spPr>
             <a:xfrm>
-              <a:off x="838200" y="3957920"/>
-              <a:ext cx="2290713" cy="369332"/>
+              <a:off x="7286922" y="2329956"/>
+              <a:ext cx="475632" cy="369332"/>
+            </a:xfrm>
+            <a:prstGeom prst="rect">
+              <a:avLst/>
+            </a:prstGeom>
+            <a:noFill/>
+          </p:spPr>
+          <p:txBody>
+            <a:bodyPr wrap="square" rtlCol="0">
+              <a:spAutoFit/>
+            </a:bodyPr>
+            <a:lstStyle/>
+            <a:p>
+              <a:r>
+                <a:rPr kumimoji="1" lang="en-US" altLang="ja-JP" dirty="0"/>
+                <a:t>B</a:t>
+              </a:r>
+            </a:p>
+          </p:txBody>
+        </p:sp>
+        <p:cxnSp>
+          <p:nvCxnSpPr>
+            <p:cNvPr id="20" name="直線矢印コネクタ 19">
+              <a:extLst>
+                <a:ext uri="{FF2B5EF4-FFF2-40B4-BE49-F238E27FC236}">
+                  <a16:creationId xmlns:a16="http://schemas.microsoft.com/office/drawing/2014/main" id="{846457B3-EED0-4335-8DE0-51591235F115}"/>
+                </a:ext>
+              </a:extLst>
+            </p:cNvPr>
+            <p:cNvCxnSpPr/>
+            <p:nvPr/>
+          </p:nvCxnSpPr>
+          <p:spPr>
+            <a:xfrm>
+              <a:off x="6757769" y="5505450"/>
+              <a:ext cx="4105275" cy="0"/>
+            </a:xfrm>
+            <a:prstGeom prst="straightConnector1">
+              <a:avLst/>
+            </a:prstGeom>
+            <a:ln w="38100">
+              <a:solidFill>
+                <a:schemeClr val="tx1"/>
+              </a:solidFill>
+              <a:tailEnd type="triangle"/>
+            </a:ln>
+          </p:spPr>
+          <p:style>
+            <a:lnRef idx="1">
+              <a:schemeClr val="accent1"/>
+            </a:lnRef>
+            <a:fillRef idx="0">
+              <a:schemeClr val="accent1"/>
+            </a:fillRef>
+            <a:effectRef idx="0">
+              <a:schemeClr val="accent1"/>
+            </a:effectRef>
+            <a:fontRef idx="minor">
+              <a:schemeClr val="tx1"/>
+            </a:fontRef>
+          </p:style>
+        </p:cxnSp>
+        <p:cxnSp>
+          <p:nvCxnSpPr>
+            <p:cNvPr id="23" name="直線矢印コネクタ 22">
+              <a:extLst>
+                <a:ext uri="{FF2B5EF4-FFF2-40B4-BE49-F238E27FC236}">
+                  <a16:creationId xmlns:a16="http://schemas.microsoft.com/office/drawing/2014/main" id="{E8655704-B04E-44B7-A5E2-92364BFE203C}"/>
+                </a:ext>
+              </a:extLst>
+            </p:cNvPr>
+            <p:cNvCxnSpPr>
+              <a:cxnSpLocks/>
+            </p:cNvCxnSpPr>
+            <p:nvPr/>
+          </p:nvCxnSpPr>
+          <p:spPr>
+            <a:xfrm flipV="1">
+              <a:off x="6757769" y="2205872"/>
+              <a:ext cx="0" cy="3299578"/>
+            </a:xfrm>
+            <a:prstGeom prst="straightConnector1">
+              <a:avLst/>
+            </a:prstGeom>
+            <a:ln w="38100">
+              <a:solidFill>
+                <a:schemeClr val="tx1"/>
+              </a:solidFill>
+              <a:tailEnd type="triangle"/>
+            </a:ln>
+          </p:spPr>
+          <p:style>
+            <a:lnRef idx="1">
+              <a:schemeClr val="accent1"/>
+            </a:lnRef>
+            <a:fillRef idx="0">
+              <a:schemeClr val="accent1"/>
+            </a:fillRef>
+            <a:effectRef idx="0">
+              <a:schemeClr val="accent1"/>
+            </a:effectRef>
+            <a:fontRef idx="minor">
+              <a:schemeClr val="tx1"/>
+            </a:fontRef>
+          </p:style>
+        </p:cxnSp>
+        <p:sp>
+          <p:nvSpPr>
+            <p:cNvPr id="9" name="テキスト ボックス 8">
+              <a:extLst>
+                <a:ext uri="{FF2B5EF4-FFF2-40B4-BE49-F238E27FC236}">
+                  <a16:creationId xmlns:a16="http://schemas.microsoft.com/office/drawing/2014/main" id="{E2BC309D-9573-4A7B-B2F2-BC4300DA241F}"/>
+                </a:ext>
+              </a:extLst>
+            </p:cNvPr>
+            <p:cNvSpPr txBox="1"/>
+            <p:nvPr/>
+          </p:nvSpPr>
+          <p:spPr>
+            <a:xfrm>
+              <a:off x="10994109" y="5623205"/>
+              <a:ext cx="433631" cy="369332"/>
+            </a:xfrm>
+            <a:prstGeom prst="rect">
+              <a:avLst/>
+            </a:prstGeom>
+            <a:noFill/>
+          </p:spPr>
+          <p:txBody>
+            <a:bodyPr wrap="square" rtlCol="0">
+              <a:spAutoFit/>
+            </a:bodyPr>
+            <a:lstStyle/>
+            <a:p>
+              <a:r>
+                <a:rPr lang="en-US" altLang="ja-JP" dirty="0"/>
+                <a:t>x</a:t>
+              </a:r>
+              <a:endParaRPr kumimoji="1" lang="ja-JP" altLang="en-US" dirty="0"/>
+            </a:p>
+          </p:txBody>
+        </p:sp>
+        <p:sp>
+          <p:nvSpPr>
+            <p:cNvPr id="10" name="テキスト ボックス 9">
+              <a:extLst>
+                <a:ext uri="{FF2B5EF4-FFF2-40B4-BE49-F238E27FC236}">
+                  <a16:creationId xmlns:a16="http://schemas.microsoft.com/office/drawing/2014/main" id="{2D3C0521-D881-4BF8-A548-79434836DFC7}"/>
+                </a:ext>
+              </a:extLst>
+            </p:cNvPr>
+            <p:cNvSpPr txBox="1"/>
+            <p:nvPr/>
+          </p:nvSpPr>
+          <p:spPr>
+            <a:xfrm>
+              <a:off x="6363092" y="1816058"/>
+              <a:ext cx="486244" cy="369332"/>
+            </a:xfrm>
+            <a:prstGeom prst="rect">
+              <a:avLst/>
+            </a:prstGeom>
+            <a:noFill/>
+          </p:spPr>
+          <p:txBody>
+            <a:bodyPr wrap="square" rtlCol="0">
+              <a:spAutoFit/>
+            </a:bodyPr>
+            <a:lstStyle/>
+            <a:p>
+              <a:r>
+                <a:rPr lang="en-US" altLang="ja-JP" dirty="0"/>
+                <a:t>y </a:t>
+              </a:r>
+              <a:endParaRPr kumimoji="1" lang="ja-JP" altLang="en-US" dirty="0"/>
+            </a:p>
+          </p:txBody>
+        </p:sp>
+        <p:sp>
+          <p:nvSpPr>
+            <p:cNvPr id="11" name="楕円 10">
+              <a:extLst>
+                <a:ext uri="{FF2B5EF4-FFF2-40B4-BE49-F238E27FC236}">
+                  <a16:creationId xmlns:a16="http://schemas.microsoft.com/office/drawing/2014/main" id="{2423C6F9-3C9C-4F6E-85EB-29858BFEDE46}"/>
+                </a:ext>
+              </a:extLst>
+            </p:cNvPr>
+            <p:cNvSpPr/>
+            <p:nvPr/>
+          </p:nvSpPr>
+          <p:spPr>
+            <a:xfrm>
+              <a:off x="7620001" y="2477477"/>
+              <a:ext cx="3088638" cy="2768974"/>
+            </a:xfrm>
+            <a:prstGeom prst="ellipse">
+              <a:avLst/>
+            </a:prstGeom>
+            <a:noFill/>
+          </p:spPr>
+          <p:style>
+            <a:lnRef idx="2">
+              <a:schemeClr val="accent1">
+                <a:shade val="50000"/>
+              </a:schemeClr>
+            </a:lnRef>
+            <a:fillRef idx="1">
+              <a:schemeClr val="accent1"/>
+            </a:fillRef>
+            <a:effectRef idx="0">
+              <a:schemeClr val="accent1"/>
+            </a:effectRef>
+            <a:fontRef idx="minor">
+              <a:schemeClr val="lt1"/>
+            </a:fontRef>
+          </p:style>
+          <p:txBody>
+            <a:bodyPr rtlCol="0" anchor="ctr"/>
+            <a:lstStyle/>
+            <a:p>
+              <a:pPr algn="ctr"/>
+              <a:endParaRPr kumimoji="1" lang="ja-JP" altLang="en-US"/>
+            </a:p>
+          </p:txBody>
+        </p:sp>
+        <p:cxnSp>
+          <p:nvCxnSpPr>
+            <p:cNvPr id="14" name="直線コネクタ 13">
+              <a:extLst>
+                <a:ext uri="{FF2B5EF4-FFF2-40B4-BE49-F238E27FC236}">
+                  <a16:creationId xmlns:a16="http://schemas.microsoft.com/office/drawing/2014/main" id="{C7C30AB5-2049-4A13-A557-FB6FCDE81667}"/>
+                </a:ext>
+              </a:extLst>
+            </p:cNvPr>
+            <p:cNvCxnSpPr>
+              <a:cxnSpLocks/>
+              <a:stCxn id="33" idx="0"/>
+              <a:endCxn id="11" idx="6"/>
+            </p:cNvCxnSpPr>
+            <p:nvPr/>
+          </p:nvCxnSpPr>
+          <p:spPr>
+            <a:xfrm>
+              <a:off x="9165292" y="3840044"/>
+              <a:ext cx="1543347" cy="21920"/>
+            </a:xfrm>
+            <a:prstGeom prst="line">
+              <a:avLst/>
+            </a:prstGeom>
+          </p:spPr>
+          <p:style>
+            <a:lnRef idx="1">
+              <a:schemeClr val="accent1"/>
+            </a:lnRef>
+            <a:fillRef idx="0">
+              <a:schemeClr val="accent1"/>
+            </a:fillRef>
+            <a:effectRef idx="0">
+              <a:schemeClr val="accent1"/>
+            </a:effectRef>
+            <a:fontRef idx="minor">
+              <a:schemeClr val="tx1"/>
+            </a:fontRef>
+          </p:style>
+        </p:cxnSp>
+        <p:sp>
+          <p:nvSpPr>
+            <p:cNvPr id="33" name="円弧 32">
+              <a:extLst>
+                <a:ext uri="{FF2B5EF4-FFF2-40B4-BE49-F238E27FC236}">
+                  <a16:creationId xmlns:a16="http://schemas.microsoft.com/office/drawing/2014/main" id="{9812CC85-B854-41B8-B5A2-C6874E9DC2F9}"/>
+                </a:ext>
+              </a:extLst>
+            </p:cNvPr>
+            <p:cNvSpPr/>
+            <p:nvPr/>
+          </p:nvSpPr>
+          <p:spPr>
+            <a:xfrm>
+              <a:off x="9164320" y="3491810"/>
+              <a:ext cx="1190625" cy="738658"/>
+            </a:xfrm>
+            <a:prstGeom prst="arc">
+              <a:avLst>
+                <a:gd name="adj1" fmla="val 10921968"/>
+                <a:gd name="adj2" fmla="val 12945205"/>
+              </a:avLst>
+            </a:prstGeom>
+          </p:spPr>
+          <p:style>
+            <a:lnRef idx="1">
+              <a:schemeClr val="accent1"/>
+            </a:lnRef>
+            <a:fillRef idx="0">
+              <a:schemeClr val="accent1"/>
+            </a:fillRef>
+            <a:effectRef idx="0">
+              <a:schemeClr val="accent1"/>
+            </a:effectRef>
+            <a:fontRef idx="minor">
+              <a:schemeClr val="tx1"/>
+            </a:fontRef>
+          </p:style>
+          <p:txBody>
+            <a:bodyPr rtlCol="0" anchor="ctr"/>
+            <a:lstStyle/>
+            <a:p>
+              <a:pPr algn="ctr"/>
+              <a:endParaRPr kumimoji="1" lang="ja-JP" altLang="en-US"/>
+            </a:p>
+          </p:txBody>
+        </p:sp>
+        <p:sp>
+          <p:nvSpPr>
+            <p:cNvPr id="37" name="円弧 36">
+              <a:extLst>
+                <a:ext uri="{FF2B5EF4-FFF2-40B4-BE49-F238E27FC236}">
+                  <a16:creationId xmlns:a16="http://schemas.microsoft.com/office/drawing/2014/main" id="{9F6864A7-788E-4574-882A-6FD804BD3627}"/>
+                </a:ext>
+              </a:extLst>
+            </p:cNvPr>
+            <p:cNvSpPr/>
+            <p:nvPr/>
+          </p:nvSpPr>
+          <p:spPr>
+            <a:xfrm>
+              <a:off x="9491546" y="3486332"/>
+              <a:ext cx="1190625" cy="738658"/>
+            </a:xfrm>
+            <a:prstGeom prst="arc">
+              <a:avLst>
+                <a:gd name="adj1" fmla="val 19670061"/>
+                <a:gd name="adj2" fmla="val 21564549"/>
+              </a:avLst>
+            </a:prstGeom>
+          </p:spPr>
+          <p:style>
+            <a:lnRef idx="1">
+              <a:schemeClr val="accent1"/>
+            </a:lnRef>
+            <a:fillRef idx="0">
+              <a:schemeClr val="accent1"/>
+            </a:fillRef>
+            <a:effectRef idx="0">
+              <a:schemeClr val="accent1"/>
+            </a:effectRef>
+            <a:fontRef idx="minor">
+              <a:schemeClr val="tx1"/>
+            </a:fontRef>
+          </p:style>
+          <p:txBody>
+            <a:bodyPr rtlCol="0" anchor="ctr"/>
+            <a:lstStyle/>
+            <a:p>
+              <a:pPr algn="ctr"/>
+              <a:endParaRPr kumimoji="1" lang="ja-JP" altLang="en-US"/>
+            </a:p>
+          </p:txBody>
+        </p:sp>
+        <p:sp>
+          <p:nvSpPr>
+            <p:cNvPr id="40" name="テキスト ボックス 39">
+              <a:extLst>
+                <a:ext uri="{FF2B5EF4-FFF2-40B4-BE49-F238E27FC236}">
+                  <a16:creationId xmlns:a16="http://schemas.microsoft.com/office/drawing/2014/main" id="{38997EC5-482A-42C7-BAD8-FAB35A95923D}"/>
+                </a:ext>
+              </a:extLst>
+            </p:cNvPr>
+            <p:cNvSpPr txBox="1"/>
+            <p:nvPr/>
+          </p:nvSpPr>
+          <p:spPr>
+            <a:xfrm>
+              <a:off x="9759632" y="3366190"/>
+              <a:ext cx="378928" cy="369332"/>
+            </a:xfrm>
+            <a:prstGeom prst="rect">
+              <a:avLst/>
+            </a:prstGeom>
+            <a:noFill/>
+          </p:spPr>
+          <p:txBody>
+            <a:bodyPr wrap="square" rtlCol="0">
+              <a:spAutoFit/>
+            </a:bodyPr>
+            <a:lstStyle/>
+            <a:p>
+              <a:r>
+                <a:rPr lang="en-US" altLang="ja-JP" dirty="0"/>
+                <a:t>r</a:t>
+              </a:r>
+              <a:endParaRPr kumimoji="1" lang="ja-JP" altLang="en-US" dirty="0"/>
+            </a:p>
+          </p:txBody>
+        </p:sp>
+        <mc:AlternateContent xmlns:mc="http://schemas.openxmlformats.org/markup-compatibility/2006">
+          <mc:Choice xmlns:a14="http://schemas.microsoft.com/office/drawing/2010/main" Requires="a14">
+            <p:sp>
+              <p:nvSpPr>
+                <p:cNvPr id="46" name="テキスト ボックス 45">
+                  <a:extLst>
+                    <a:ext uri="{FF2B5EF4-FFF2-40B4-BE49-F238E27FC236}">
+                      <a16:creationId xmlns:a16="http://schemas.microsoft.com/office/drawing/2014/main" id="{747BB94C-F837-4557-8815-0FDEA84EEC7B}"/>
+                    </a:ext>
+                  </a:extLst>
+                </p:cNvPr>
+                <p:cNvSpPr txBox="1"/>
+                <p:nvPr/>
+              </p:nvSpPr>
+              <p:spPr>
+                <a:xfrm>
+                  <a:off x="6795377" y="912724"/>
+                  <a:ext cx="1598194" cy="555793"/>
+                </a:xfrm>
+                <a:prstGeom prst="rect">
+                  <a:avLst/>
+                </a:prstGeom>
+                <a:noFill/>
+              </p:spPr>
+              <p:txBody>
+                <a:bodyPr wrap="none" lIns="0" tIns="0" rIns="0" bIns="0" rtlCol="0">
+                  <a:spAutoFit/>
+                </a:bodyPr>
+                <a:lstStyle/>
+                <a:p>
+                  <a:pPr/>
+                  <a14:m>
+                    <m:oMathPara xmlns:m="http://schemas.openxmlformats.org/officeDocument/2006/math">
+                      <m:oMathParaPr>
+                        <m:jc m:val="centerGroup"/>
+                      </m:oMathParaPr>
+                      <m:oMath xmlns:m="http://schemas.openxmlformats.org/officeDocument/2006/math">
+                        <m:f>
+                          <m:fPr>
+                            <m:ctrlPr>
+                              <a:rPr kumimoji="1" lang="en-US" altLang="ja-JP" b="0" i="1" smtClean="0">
+                                <a:latin typeface="Cambria Math" panose="02040503050406030204" pitchFamily="18" charset="0"/>
+                              </a:rPr>
+                            </m:ctrlPr>
+                          </m:fPr>
+                          <m:num>
+                            <m:sSup>
+                              <m:sSupPr>
+                                <m:ctrlPr>
+                                  <a:rPr kumimoji="1" lang="en-US" altLang="ja-JP" b="0" i="1" smtClean="0">
+                                    <a:latin typeface="Cambria Math" panose="02040503050406030204" pitchFamily="18" charset="0"/>
+                                  </a:rPr>
+                                </m:ctrlPr>
+                              </m:sSupPr>
+                              <m:e>
+                                <m:r>
+                                  <a:rPr kumimoji="1" lang="en-US" altLang="ja-JP" b="0" i="1" smtClean="0">
+                                    <a:latin typeface="Cambria Math" panose="02040503050406030204" pitchFamily="18" charset="0"/>
+                                  </a:rPr>
+                                  <m:t>𝑑</m:t>
+                                </m:r>
+                              </m:e>
+                              <m:sup>
+                                <m:r>
+                                  <a:rPr kumimoji="1" lang="en-US" altLang="ja-JP" b="0" i="1" smtClean="0">
+                                    <a:latin typeface="Cambria Math" panose="02040503050406030204" pitchFamily="18" charset="0"/>
+                                  </a:rPr>
+                                  <m:t>2</m:t>
+                                </m:r>
+                              </m:sup>
+                            </m:sSup>
+                            <m:r>
+                              <a:rPr kumimoji="1" lang="en-US" altLang="ja-JP" b="1" i="1" smtClean="0">
+                                <a:latin typeface="Cambria Math" panose="02040503050406030204" pitchFamily="18" charset="0"/>
+                              </a:rPr>
+                              <m:t>𝒓</m:t>
+                            </m:r>
+                          </m:num>
+                          <m:den>
+                            <m:sSup>
+                              <m:sSupPr>
+                                <m:ctrlPr>
+                                  <a:rPr kumimoji="1" lang="en-US" altLang="ja-JP" b="0" i="1" smtClean="0">
+                                    <a:latin typeface="Cambria Math" panose="02040503050406030204" pitchFamily="18" charset="0"/>
+                                  </a:rPr>
+                                </m:ctrlPr>
+                              </m:sSupPr>
+                              <m:e>
+                                <m:r>
+                                  <a:rPr kumimoji="1" lang="en-US" altLang="ja-JP" b="0" i="1" smtClean="0">
+                                    <a:latin typeface="Cambria Math" panose="02040503050406030204" pitchFamily="18" charset="0"/>
+                                  </a:rPr>
+                                  <m:t>𝑑𝑡</m:t>
+                                </m:r>
+                              </m:e>
+                              <m:sup>
+                                <m:r>
+                                  <a:rPr kumimoji="1" lang="en-US" altLang="ja-JP" b="0" i="1" smtClean="0">
+                                    <a:latin typeface="Cambria Math" panose="02040503050406030204" pitchFamily="18" charset="0"/>
+                                  </a:rPr>
+                                  <m:t>2</m:t>
+                                </m:r>
+                              </m:sup>
+                            </m:sSup>
+                          </m:den>
+                        </m:f>
+                        <m:r>
+                          <a:rPr kumimoji="1" lang="en-US" altLang="ja-JP" b="0" i="1" smtClean="0">
+                            <a:latin typeface="Cambria Math" panose="02040503050406030204" pitchFamily="18" charset="0"/>
+                          </a:rPr>
+                          <m:t>= </m:t>
+                        </m:r>
+                        <m:f>
+                          <m:fPr>
+                            <m:ctrlPr>
+                              <a:rPr kumimoji="1" lang="en-US" altLang="ja-JP" b="0" i="1" smtClean="0">
+                                <a:latin typeface="Cambria Math" panose="02040503050406030204" pitchFamily="18" charset="0"/>
+                              </a:rPr>
+                            </m:ctrlPr>
+                          </m:fPr>
+                          <m:num>
+                            <m:r>
+                              <a:rPr kumimoji="1" lang="en-US" altLang="ja-JP" b="0" i="1" smtClean="0">
+                                <a:latin typeface="Cambria Math" panose="02040503050406030204" pitchFamily="18" charset="0"/>
+                              </a:rPr>
+                              <m:t>𝑞</m:t>
+                            </m:r>
+                          </m:num>
+                          <m:den>
+                            <m:r>
+                              <a:rPr kumimoji="1" lang="en-US" altLang="ja-JP" b="0" i="1" smtClean="0">
+                                <a:latin typeface="Cambria Math" panose="02040503050406030204" pitchFamily="18" charset="0"/>
+                              </a:rPr>
+                              <m:t>𝑚</m:t>
+                            </m:r>
+                          </m:den>
+                        </m:f>
+                        <m:r>
+                          <a:rPr kumimoji="1" lang="en-US" altLang="ja-JP" b="1" i="1" smtClean="0">
+                            <a:latin typeface="Cambria Math" panose="02040503050406030204" pitchFamily="18" charset="0"/>
+                          </a:rPr>
+                          <m:t>𝒗</m:t>
+                        </m:r>
+                        <m:r>
+                          <a:rPr kumimoji="1" lang="en-US" altLang="ja-JP" b="0" i="1" smtClean="0">
+                            <a:latin typeface="Cambria Math" panose="02040503050406030204" pitchFamily="18" charset="0"/>
+                            <a:ea typeface="Cambria Math" panose="02040503050406030204" pitchFamily="18" charset="0"/>
+                          </a:rPr>
+                          <m:t>×</m:t>
+                        </m:r>
+                        <m:r>
+                          <a:rPr kumimoji="1" lang="en-US" altLang="ja-JP" b="1" i="1" smtClean="0">
+                            <a:latin typeface="Cambria Math" panose="02040503050406030204" pitchFamily="18" charset="0"/>
+                            <a:ea typeface="Cambria Math" panose="02040503050406030204" pitchFamily="18" charset="0"/>
+                          </a:rPr>
+                          <m:t>𝑩</m:t>
+                        </m:r>
+                      </m:oMath>
+                    </m:oMathPara>
+                  </a14:m>
+                  <a:endParaRPr kumimoji="1" lang="ja-JP" altLang="en-US" b="1" dirty="0"/>
+                </a:p>
+              </p:txBody>
+            </p:sp>
+          </mc:Choice>
+          <mc:Fallback>
+            <p:sp>
+              <p:nvSpPr>
+                <p:cNvPr id="46" name="テキスト ボックス 45">
+                  <a:extLst>
+                    <a:ext uri="{FF2B5EF4-FFF2-40B4-BE49-F238E27FC236}">
+                      <a16:creationId xmlns:a16="http://schemas.microsoft.com/office/drawing/2014/main" id="{747BB94C-F837-4557-8815-0FDEA84EEC7B}"/>
+                    </a:ext>
+                  </a:extLst>
+                </p:cNvPr>
+                <p:cNvSpPr txBox="1">
+                  <a:spLocks noRot="1" noChangeAspect="1" noMove="1" noResize="1" noEditPoints="1" noAdjustHandles="1" noChangeArrowheads="1" noChangeShapeType="1" noTextEdit="1"/>
+                </p:cNvSpPr>
+                <p:nvPr/>
+              </p:nvSpPr>
+              <p:spPr>
+                <a:xfrm>
+                  <a:off x="6795377" y="912724"/>
+                  <a:ext cx="1598194" cy="555793"/>
+                </a:xfrm>
+                <a:prstGeom prst="rect">
+                  <a:avLst/>
+                </a:prstGeom>
+                <a:blipFill>
+                  <a:blip r:embed="rId2"/>
+                  <a:stretch>
+                    <a:fillRect/>
+                  </a:stretch>
+                </a:blipFill>
+              </p:spPr>
+              <p:txBody>
+                <a:bodyPr/>
+                <a:lstStyle/>
+                <a:p>
+                  <a:r>
+                    <a:rPr lang="ja-JP" altLang="en-US">
+                      <a:noFill/>
+                    </a:rPr>
+                    <a:t> </a:t>
+                  </a:r>
+                </a:p>
+              </p:txBody>
+            </p:sp>
+          </mc:Fallback>
+        </mc:AlternateContent>
+        <mc:AlternateContent xmlns:mc="http://schemas.openxmlformats.org/markup-compatibility/2006">
+          <mc:Choice xmlns:a14="http://schemas.microsoft.com/office/drawing/2010/main" Requires="a14">
+            <p:sp>
+              <p:nvSpPr>
+                <p:cNvPr id="49" name="テキスト ボックス 48">
+                  <a:extLst>
+                    <a:ext uri="{FF2B5EF4-FFF2-40B4-BE49-F238E27FC236}">
+                      <a16:creationId xmlns:a16="http://schemas.microsoft.com/office/drawing/2014/main" id="{A2C0D51A-13B8-4999-B148-02BE50F4E563}"/>
+                    </a:ext>
+                  </a:extLst>
+                </p:cNvPr>
+                <p:cNvSpPr txBox="1"/>
+                <p:nvPr/>
+              </p:nvSpPr>
+              <p:spPr>
+                <a:xfrm>
+                  <a:off x="10378103" y="934527"/>
+                  <a:ext cx="969881" cy="521489"/>
+                </a:xfrm>
+                <a:prstGeom prst="rect">
+                  <a:avLst/>
+                </a:prstGeom>
+                <a:noFill/>
+              </p:spPr>
+              <p:txBody>
+                <a:bodyPr wrap="none" lIns="0" tIns="0" rIns="0" bIns="0" rtlCol="0">
+                  <a:spAutoFit/>
+                </a:bodyPr>
+                <a:lstStyle/>
+                <a:p>
+                  <a:pPr/>
+                  <a14:m>
+                    <m:oMathPara xmlns:m="http://schemas.openxmlformats.org/officeDocument/2006/math">
+                      <m:oMathParaPr>
+                        <m:jc m:val="centerGroup"/>
+                      </m:oMathParaPr>
+                      <m:oMath xmlns:m="http://schemas.openxmlformats.org/officeDocument/2006/math">
+                        <m:r>
+                          <a:rPr lang="en-US" altLang="ja-JP" b="1" i="1" smtClean="0">
+                            <a:latin typeface="Cambria Math" panose="02040503050406030204" pitchFamily="18" charset="0"/>
+                          </a:rPr>
+                          <m:t>𝒓</m:t>
+                        </m:r>
+                        <m:r>
+                          <a:rPr lang="en-US" altLang="ja-JP" b="0" i="1" smtClean="0">
+                            <a:latin typeface="Cambria Math" panose="02040503050406030204" pitchFamily="18" charset="0"/>
+                          </a:rPr>
+                          <m:t> </m:t>
+                        </m:r>
+                        <m:r>
+                          <a:rPr kumimoji="1" lang="en-US" altLang="ja-JP" b="0" i="1" smtClean="0">
+                            <a:latin typeface="Cambria Math" panose="02040503050406030204" pitchFamily="18" charset="0"/>
+                          </a:rPr>
+                          <m:t>=</m:t>
+                        </m:r>
+                        <m:f>
+                          <m:fPr>
+                            <m:ctrlPr>
+                              <a:rPr kumimoji="1" lang="en-US" altLang="ja-JP" b="0" i="1" smtClean="0">
+                                <a:latin typeface="Cambria Math" panose="02040503050406030204" pitchFamily="18" charset="0"/>
+                              </a:rPr>
+                            </m:ctrlPr>
+                          </m:fPr>
+                          <m:num>
+                            <m:r>
+                              <a:rPr kumimoji="1" lang="en-US" altLang="ja-JP" b="0" i="1" smtClean="0">
+                                <a:latin typeface="Cambria Math" panose="02040503050406030204" pitchFamily="18" charset="0"/>
+                              </a:rPr>
+                              <m:t>𝑚</m:t>
+                            </m:r>
+                            <m:sSub>
+                              <m:sSubPr>
+                                <m:ctrlPr>
+                                  <a:rPr kumimoji="1" lang="en-US" altLang="ja-JP" b="0" i="1" smtClean="0">
+                                    <a:latin typeface="Cambria Math" panose="02040503050406030204" pitchFamily="18" charset="0"/>
+                                  </a:rPr>
+                                </m:ctrlPr>
+                              </m:sSubPr>
+                              <m:e>
+                                <m:r>
+                                  <a:rPr kumimoji="1" lang="en-US" altLang="ja-JP" b="0" i="1" smtClean="0">
+                                    <a:latin typeface="Cambria Math" panose="02040503050406030204" pitchFamily="18" charset="0"/>
+                                  </a:rPr>
+                                  <m:t>𝑣</m:t>
+                                </m:r>
+                              </m:e>
+                              <m:sub>
+                                <m:r>
+                                  <a:rPr kumimoji="1" lang="en-US" altLang="ja-JP" b="0" i="1" smtClean="0">
+                                    <a:latin typeface="Cambria Math" panose="02040503050406030204" pitchFamily="18" charset="0"/>
+                                  </a:rPr>
+                                  <m:t>0</m:t>
+                                </m:r>
+                              </m:sub>
+                            </m:sSub>
+                          </m:num>
+                          <m:den>
+                            <m:r>
+                              <a:rPr kumimoji="1" lang="en-US" altLang="ja-JP" b="0" i="1" smtClean="0">
+                                <a:latin typeface="Cambria Math" panose="02040503050406030204" pitchFamily="18" charset="0"/>
+                              </a:rPr>
+                              <m:t>𝑞𝐵</m:t>
+                            </m:r>
+                          </m:den>
+                        </m:f>
+                      </m:oMath>
+                    </m:oMathPara>
+                  </a14:m>
+                  <a:endParaRPr kumimoji="1" lang="ja-JP" altLang="en-US" dirty="0"/>
+                </a:p>
+              </p:txBody>
+            </p:sp>
+          </mc:Choice>
+          <mc:Fallback>
+            <p:sp>
+              <p:nvSpPr>
+                <p:cNvPr id="49" name="テキスト ボックス 48">
+                  <a:extLst>
+                    <a:ext uri="{FF2B5EF4-FFF2-40B4-BE49-F238E27FC236}">
+                      <a16:creationId xmlns:a16="http://schemas.microsoft.com/office/drawing/2014/main" id="{A2C0D51A-13B8-4999-B148-02BE50F4E563}"/>
+                    </a:ext>
+                  </a:extLst>
+                </p:cNvPr>
+                <p:cNvSpPr txBox="1">
+                  <a:spLocks noRot="1" noChangeAspect="1" noMove="1" noResize="1" noEditPoints="1" noAdjustHandles="1" noChangeArrowheads="1" noChangeShapeType="1" noTextEdit="1"/>
+                </p:cNvSpPr>
+                <p:nvPr/>
+              </p:nvSpPr>
+              <p:spPr>
+                <a:xfrm>
+                  <a:off x="10378103" y="934527"/>
+                  <a:ext cx="969881" cy="521489"/>
+                </a:xfrm>
+                <a:prstGeom prst="rect">
+                  <a:avLst/>
+                </a:prstGeom>
+                <a:blipFill>
+                  <a:blip r:embed="rId3"/>
+                  <a:stretch>
+                    <a:fillRect/>
+                  </a:stretch>
+                </a:blipFill>
+              </p:spPr>
+              <p:txBody>
+                <a:bodyPr/>
+                <a:lstStyle/>
+                <a:p>
+                  <a:r>
+                    <a:rPr lang="ja-JP" altLang="en-US">
+                      <a:noFill/>
+                    </a:rPr>
+                    <a:t> </a:t>
+                  </a:r>
+                </a:p>
+              </p:txBody>
+            </p:sp>
+          </mc:Fallback>
+        </mc:AlternateContent>
+        <mc:AlternateContent xmlns:mc="http://schemas.openxmlformats.org/markup-compatibility/2006">
+          <mc:Choice xmlns:a14="http://schemas.microsoft.com/office/drawing/2010/main" Requires="a14">
+            <p:sp>
+              <p:nvSpPr>
+                <p:cNvPr id="51" name="テキスト ボックス 50">
+                  <a:extLst>
+                    <a:ext uri="{FF2B5EF4-FFF2-40B4-BE49-F238E27FC236}">
+                      <a16:creationId xmlns:a16="http://schemas.microsoft.com/office/drawing/2014/main" id="{55BA5A70-C76F-4ECB-AE85-0F52990A4765}"/>
+                    </a:ext>
+                  </a:extLst>
+                </p:cNvPr>
+                <p:cNvSpPr txBox="1"/>
+                <p:nvPr/>
+              </p:nvSpPr>
+              <p:spPr>
+                <a:xfrm>
+                  <a:off x="9863868" y="1929868"/>
+                  <a:ext cx="1930016" cy="622350"/>
+                </a:xfrm>
+                <a:prstGeom prst="rect">
+                  <a:avLst/>
+                </a:prstGeom>
+                <a:noFill/>
+              </p:spPr>
+              <p:txBody>
+                <a:bodyPr wrap="none" lIns="0" tIns="0" rIns="0" bIns="0" rtlCol="0">
+                  <a:spAutoFit/>
+                </a:bodyPr>
+                <a:lstStyle/>
+                <a:p>
+                  <a:pPr/>
+                  <a14:m>
+                    <m:oMathPara xmlns:m="http://schemas.openxmlformats.org/officeDocument/2006/math">
+                      <m:oMathParaPr>
+                        <m:jc m:val="centerGroup"/>
+                      </m:oMathParaPr>
+                      <m:oMath xmlns:m="http://schemas.openxmlformats.org/officeDocument/2006/math">
+                        <m:sSub>
+                          <m:sSubPr>
+                            <m:ctrlPr>
+                              <a:rPr lang="en-US" altLang="ja-JP" b="1" i="1" smtClean="0">
+                                <a:latin typeface="Cambria Math" panose="02040503050406030204" pitchFamily="18" charset="0"/>
+                              </a:rPr>
+                            </m:ctrlPr>
+                          </m:sSubPr>
+                          <m:e>
+                            <m:r>
+                              <a:rPr lang="en-US" altLang="ja-JP" b="1" i="1" smtClean="0">
+                                <a:latin typeface="Cambria Math" panose="02040503050406030204" pitchFamily="18" charset="0"/>
+                              </a:rPr>
+                              <m:t>𝒗</m:t>
+                            </m:r>
+                          </m:e>
+                          <m:sub>
+                            <m:r>
+                              <a:rPr lang="en-US" altLang="ja-JP" b="1" i="1" smtClean="0">
+                                <a:latin typeface="Cambria Math" panose="02040503050406030204" pitchFamily="18" charset="0"/>
+                              </a:rPr>
+                              <m:t>𝟎</m:t>
+                            </m:r>
+                          </m:sub>
+                        </m:sSub>
+                        <m:r>
+                          <a:rPr lang="en-US" altLang="ja-JP" b="0" i="1" smtClean="0">
+                            <a:latin typeface="Cambria Math" panose="02040503050406030204" pitchFamily="18" charset="0"/>
+                          </a:rPr>
+                          <m:t>=</m:t>
+                        </m:r>
+                        <m:d>
+                          <m:dPr>
+                            <m:ctrlPr>
+                              <a:rPr lang="en-US" altLang="ja-JP" b="0" i="1" smtClean="0">
+                                <a:latin typeface="Cambria Math" panose="02040503050406030204" pitchFamily="18" charset="0"/>
+                              </a:rPr>
+                            </m:ctrlPr>
+                          </m:dPr>
+                          <m:e>
+                            <m:f>
+                              <m:fPr>
+                                <m:type m:val="noBar"/>
+                                <m:ctrlPr>
+                                  <a:rPr lang="en-US" altLang="ja-JP" b="0" i="1" smtClean="0">
+                                    <a:latin typeface="Cambria Math" panose="02040503050406030204" pitchFamily="18" charset="0"/>
+                                  </a:rPr>
+                                </m:ctrlPr>
+                              </m:fPr>
+                              <m:num>
+                                <m:sSub>
+                                  <m:sSubPr>
+                                    <m:ctrlPr>
+                                      <a:rPr lang="en-US" altLang="ja-JP" b="0" i="1" smtClean="0">
+                                        <a:latin typeface="Cambria Math" panose="02040503050406030204" pitchFamily="18" charset="0"/>
+                                      </a:rPr>
+                                    </m:ctrlPr>
+                                  </m:sSubPr>
+                                  <m:e>
+                                    <m:r>
+                                      <a:rPr lang="en-US" altLang="ja-JP" b="0" i="1" smtClean="0">
+                                        <a:latin typeface="Cambria Math" panose="02040503050406030204" pitchFamily="18" charset="0"/>
+                                      </a:rPr>
+                                      <m:t>𝑣</m:t>
+                                    </m:r>
+                                  </m:e>
+                                  <m:sub>
+                                    <m:r>
+                                      <a:rPr lang="en-US" altLang="ja-JP" b="0" i="1" smtClean="0">
+                                        <a:latin typeface="Cambria Math" panose="02040503050406030204" pitchFamily="18" charset="0"/>
+                                      </a:rPr>
+                                      <m:t>𝑥</m:t>
+                                    </m:r>
+                                  </m:sub>
+                                </m:sSub>
+                              </m:num>
+                              <m:den>
+                                <m:sSub>
+                                  <m:sSubPr>
+                                    <m:ctrlPr>
+                                      <a:rPr lang="en-US" altLang="ja-JP" b="0" i="1" smtClean="0">
+                                        <a:latin typeface="Cambria Math" panose="02040503050406030204" pitchFamily="18" charset="0"/>
+                                      </a:rPr>
+                                    </m:ctrlPr>
+                                  </m:sSubPr>
+                                  <m:e>
+                                    <m:r>
+                                      <a:rPr lang="en-US" altLang="ja-JP" b="0" i="1" smtClean="0">
+                                        <a:latin typeface="Cambria Math" panose="02040503050406030204" pitchFamily="18" charset="0"/>
+                                      </a:rPr>
+                                      <m:t>𝑣</m:t>
+                                    </m:r>
+                                  </m:e>
+                                  <m:sub>
+                                    <m:r>
+                                      <a:rPr lang="en-US" altLang="ja-JP" b="0" i="1" smtClean="0">
+                                        <a:latin typeface="Cambria Math" panose="02040503050406030204" pitchFamily="18" charset="0"/>
+                                      </a:rPr>
+                                      <m:t>𝑦</m:t>
+                                    </m:r>
+                                  </m:sub>
+                                </m:sSub>
+                              </m:den>
+                            </m:f>
+                          </m:e>
+                        </m:d>
+                        <m:r>
+                          <a:rPr lang="en-US" altLang="ja-JP" b="0" i="1" smtClean="0">
+                            <a:latin typeface="Cambria Math" panose="02040503050406030204" pitchFamily="18" charset="0"/>
+                          </a:rPr>
+                          <m:t>=</m:t>
+                        </m:r>
+                        <m:d>
+                          <m:dPr>
+                            <m:ctrlPr>
+                              <a:rPr lang="en-US" altLang="ja-JP" b="0" i="1" smtClean="0">
+                                <a:latin typeface="Cambria Math" panose="02040503050406030204" pitchFamily="18" charset="0"/>
+                              </a:rPr>
+                            </m:ctrlPr>
+                          </m:dPr>
+                          <m:e>
+                            <m:f>
+                              <m:fPr>
+                                <m:type m:val="noBar"/>
+                                <m:ctrlPr>
+                                  <a:rPr lang="en-US" altLang="ja-JP" b="0" i="1" smtClean="0">
+                                    <a:latin typeface="Cambria Math" panose="02040503050406030204" pitchFamily="18" charset="0"/>
+                                  </a:rPr>
+                                </m:ctrlPr>
+                              </m:fPr>
+                              <m:num>
+                                <m:sSub>
+                                  <m:sSubPr>
+                                    <m:ctrlPr>
+                                      <a:rPr lang="en-US" altLang="ja-JP" b="0" i="1" smtClean="0">
+                                        <a:latin typeface="Cambria Math" panose="02040503050406030204" pitchFamily="18" charset="0"/>
+                                      </a:rPr>
+                                    </m:ctrlPr>
+                                  </m:sSubPr>
+                                  <m:e>
+                                    <m:r>
+                                      <a:rPr lang="en-US" altLang="ja-JP" b="0" i="1" smtClean="0">
+                                        <a:latin typeface="Cambria Math" panose="02040503050406030204" pitchFamily="18" charset="0"/>
+                                      </a:rPr>
+                                      <m:t>𝑣</m:t>
+                                    </m:r>
+                                  </m:e>
+                                  <m:sub>
+                                    <m:r>
+                                      <a:rPr lang="en-US" altLang="ja-JP" b="0" i="1" smtClean="0">
+                                        <a:latin typeface="Cambria Math" panose="02040503050406030204" pitchFamily="18" charset="0"/>
+                                      </a:rPr>
+                                      <m:t>0</m:t>
+                                    </m:r>
+                                  </m:sub>
+                                </m:sSub>
+                              </m:num>
+                              <m:den>
+                                <m:r>
+                                  <a:rPr lang="en-US" altLang="ja-JP" b="0" i="1" smtClean="0">
+                                    <a:latin typeface="Cambria Math" panose="02040503050406030204" pitchFamily="18" charset="0"/>
+                                  </a:rPr>
+                                  <m:t>0</m:t>
+                                </m:r>
+                              </m:den>
+                            </m:f>
+                          </m:e>
+                        </m:d>
+                      </m:oMath>
+                    </m:oMathPara>
+                  </a14:m>
+                  <a:endParaRPr kumimoji="1" lang="ja-JP" altLang="en-US" dirty="0"/>
+                </a:p>
+              </p:txBody>
+            </p:sp>
+          </mc:Choice>
+          <mc:Fallback>
+            <p:sp>
+              <p:nvSpPr>
+                <p:cNvPr id="51" name="テキスト ボックス 50">
+                  <a:extLst>
+                    <a:ext uri="{FF2B5EF4-FFF2-40B4-BE49-F238E27FC236}">
+                      <a16:creationId xmlns:a16="http://schemas.microsoft.com/office/drawing/2014/main" id="{55BA5A70-C76F-4ECB-AE85-0F52990A4765}"/>
+                    </a:ext>
+                  </a:extLst>
+                </p:cNvPr>
+                <p:cNvSpPr txBox="1">
+                  <a:spLocks noRot="1" noChangeAspect="1" noMove="1" noResize="1" noEditPoints="1" noAdjustHandles="1" noChangeArrowheads="1" noChangeShapeType="1" noTextEdit="1"/>
+                </p:cNvSpPr>
+                <p:nvPr/>
+              </p:nvSpPr>
+              <p:spPr>
+                <a:xfrm>
+                  <a:off x="9863868" y="1929868"/>
+                  <a:ext cx="1930016" cy="622350"/>
+                </a:xfrm>
+                <a:prstGeom prst="rect">
+                  <a:avLst/>
+                </a:prstGeom>
+                <a:blipFill>
+                  <a:blip r:embed="rId4"/>
+                  <a:stretch>
+                    <a:fillRect b="-980"/>
+                  </a:stretch>
+                </a:blipFill>
+              </p:spPr>
+              <p:txBody>
+                <a:bodyPr/>
+                <a:lstStyle/>
+                <a:p>
+                  <a:r>
+                    <a:rPr lang="ja-JP" altLang="en-US">
+                      <a:noFill/>
+                    </a:rPr>
+                    <a:t> </a:t>
+                  </a:r>
+                </a:p>
+              </p:txBody>
+            </p:sp>
+          </mc:Fallback>
+        </mc:AlternateContent>
+        <p:sp>
+          <p:nvSpPr>
+            <p:cNvPr id="52" name="テキスト ボックス 51">
+              <a:extLst>
+                <a:ext uri="{FF2B5EF4-FFF2-40B4-BE49-F238E27FC236}">
+                  <a16:creationId xmlns:a16="http://schemas.microsoft.com/office/drawing/2014/main" id="{6443A12D-4C85-4F1C-8AED-D2BE9B182B61}"/>
+                </a:ext>
+              </a:extLst>
+            </p:cNvPr>
+            <p:cNvSpPr txBox="1"/>
+            <p:nvPr/>
+          </p:nvSpPr>
+          <p:spPr>
+            <a:xfrm>
+              <a:off x="8928412" y="1000889"/>
+              <a:ext cx="1126268" cy="369332"/>
             </a:xfrm>
             <a:prstGeom prst="rect">
               <a:avLst/>
@@ -5744,17 +6759,212 @@
             <a:p>
               <a:r>
                 <a:rPr kumimoji="1" lang="ja-JP" altLang="en-US" dirty="0"/>
-                <a:t>電場のテスト　⇒　</a:t>
+                <a:t>のとき、</a:t>
               </a:r>
+            </a:p>
+          </p:txBody>
+        </p:sp>
+      </p:grpSp>
+      <p:grpSp>
+        <p:nvGrpSpPr>
+          <p:cNvPr id="56" name="グループ化 55">
+            <a:extLst>
+              <a:ext uri="{FF2B5EF4-FFF2-40B4-BE49-F238E27FC236}">
+                <a16:creationId xmlns:a16="http://schemas.microsoft.com/office/drawing/2014/main" id="{CD7E5500-E567-4501-82C4-E91CE24C147A}"/>
+              </a:ext>
+            </a:extLst>
+          </p:cNvPr>
+          <p:cNvGrpSpPr/>
+          <p:nvPr/>
+        </p:nvGrpSpPr>
+        <p:grpSpPr>
+          <a:xfrm>
+            <a:off x="588314" y="2429105"/>
+            <a:ext cx="5548692" cy="4098901"/>
+            <a:chOff x="814400" y="2078302"/>
+            <a:chExt cx="5548692" cy="4098901"/>
+          </a:xfrm>
+        </p:grpSpPr>
+        <p:cxnSp>
+          <p:nvCxnSpPr>
+            <p:cNvPr id="5" name="直線矢印コネクタ 4">
+              <a:extLst>
+                <a:ext uri="{FF2B5EF4-FFF2-40B4-BE49-F238E27FC236}">
+                  <a16:creationId xmlns:a16="http://schemas.microsoft.com/office/drawing/2014/main" id="{71CF1211-3516-41C3-A29B-37378579E889}"/>
+                </a:ext>
+              </a:extLst>
+            </p:cNvPr>
+            <p:cNvCxnSpPr/>
+            <p:nvPr/>
+          </p:nvCxnSpPr>
+          <p:spPr>
+            <a:xfrm>
+              <a:off x="990600" y="5505450"/>
+              <a:ext cx="4105275" cy="0"/>
+            </a:xfrm>
+            <a:prstGeom prst="straightConnector1">
+              <a:avLst/>
+            </a:prstGeom>
+            <a:ln w="38100">
+              <a:solidFill>
+                <a:schemeClr val="tx1"/>
+              </a:solidFill>
+              <a:tailEnd type="triangle"/>
+            </a:ln>
+          </p:spPr>
+          <p:style>
+            <a:lnRef idx="1">
+              <a:schemeClr val="accent1"/>
+            </a:lnRef>
+            <a:fillRef idx="0">
+              <a:schemeClr val="accent1"/>
+            </a:fillRef>
+            <a:effectRef idx="0">
+              <a:schemeClr val="accent1"/>
+            </a:effectRef>
+            <a:fontRef idx="minor">
+              <a:schemeClr val="tx1"/>
+            </a:fontRef>
+          </p:style>
+        </p:cxnSp>
+        <p:cxnSp>
+          <p:nvCxnSpPr>
+            <p:cNvPr id="13" name="直線コネクタ 12">
+              <a:extLst>
+                <a:ext uri="{FF2B5EF4-FFF2-40B4-BE49-F238E27FC236}">
+                  <a16:creationId xmlns:a16="http://schemas.microsoft.com/office/drawing/2014/main" id="{1E130B7A-C2F7-41CE-8F5B-B317BACC333D}"/>
+                </a:ext>
+              </a:extLst>
+            </p:cNvPr>
+            <p:cNvCxnSpPr>
+              <a:cxnSpLocks/>
+            </p:cNvCxnSpPr>
+            <p:nvPr/>
+          </p:nvCxnSpPr>
+          <p:spPr>
+            <a:xfrm>
+              <a:off x="981075" y="5376862"/>
+              <a:ext cx="0" cy="257175"/>
+            </a:xfrm>
+            <a:prstGeom prst="line">
+              <a:avLst/>
+            </a:prstGeom>
+            <a:ln w="38100">
+              <a:solidFill>
+                <a:schemeClr val="tx1"/>
+              </a:solidFill>
+            </a:ln>
+          </p:spPr>
+          <p:style>
+            <a:lnRef idx="1">
+              <a:schemeClr val="accent1"/>
+            </a:lnRef>
+            <a:fillRef idx="0">
+              <a:schemeClr val="accent1"/>
+            </a:fillRef>
+            <a:effectRef idx="0">
+              <a:schemeClr val="accent1"/>
+            </a:effectRef>
+            <a:fontRef idx="minor">
+              <a:schemeClr val="tx1"/>
+            </a:fontRef>
+          </p:style>
+        </p:cxnSp>
+        <p:cxnSp>
+          <p:nvCxnSpPr>
+            <p:cNvPr id="15" name="直線コネクタ 14">
+              <a:extLst>
+                <a:ext uri="{FF2B5EF4-FFF2-40B4-BE49-F238E27FC236}">
+                  <a16:creationId xmlns:a16="http://schemas.microsoft.com/office/drawing/2014/main" id="{383D4104-5A62-46CA-9AC6-0124EA86ABFD}"/>
+                </a:ext>
+              </a:extLst>
+            </p:cNvPr>
+            <p:cNvCxnSpPr>
+              <a:cxnSpLocks/>
+            </p:cNvCxnSpPr>
+            <p:nvPr/>
+          </p:nvCxnSpPr>
+          <p:spPr>
+            <a:xfrm>
+              <a:off x="4171950" y="5376862"/>
+              <a:ext cx="0" cy="257175"/>
+            </a:xfrm>
+            <a:prstGeom prst="line">
+              <a:avLst/>
+            </a:prstGeom>
+            <a:ln w="38100">
+              <a:solidFill>
+                <a:schemeClr val="tx1"/>
+              </a:solidFill>
+            </a:ln>
+          </p:spPr>
+          <p:style>
+            <a:lnRef idx="1">
+              <a:schemeClr val="accent1"/>
+            </a:lnRef>
+            <a:fillRef idx="0">
+              <a:schemeClr val="accent1"/>
+            </a:fillRef>
+            <a:effectRef idx="0">
+              <a:schemeClr val="accent1"/>
+            </a:effectRef>
+            <a:fontRef idx="minor">
+              <a:schemeClr val="tx1"/>
+            </a:fontRef>
+          </p:style>
+        </p:cxnSp>
+        <p:sp>
+          <p:nvSpPr>
+            <p:cNvPr id="16" name="楕円 15">
+              <a:extLst>
+                <a:ext uri="{FF2B5EF4-FFF2-40B4-BE49-F238E27FC236}">
+                  <a16:creationId xmlns:a16="http://schemas.microsoft.com/office/drawing/2014/main" id="{746C1C0F-0E0B-4E49-A341-5003BF24161C}"/>
+                </a:ext>
+              </a:extLst>
+            </p:cNvPr>
+            <p:cNvSpPr/>
+            <p:nvPr/>
+          </p:nvSpPr>
+          <p:spPr>
+            <a:xfrm>
+              <a:off x="814400" y="4693445"/>
+              <a:ext cx="352400" cy="390521"/>
+            </a:xfrm>
+            <a:prstGeom prst="ellipse">
+              <a:avLst/>
+            </a:prstGeom>
+          </p:spPr>
+          <p:style>
+            <a:lnRef idx="2">
+              <a:schemeClr val="accent1">
+                <a:shade val="50000"/>
+              </a:schemeClr>
+            </a:lnRef>
+            <a:fillRef idx="1">
+              <a:schemeClr val="accent1"/>
+            </a:fillRef>
+            <a:effectRef idx="0">
+              <a:schemeClr val="accent1"/>
+            </a:effectRef>
+            <a:fontRef idx="minor">
+              <a:schemeClr val="lt1"/>
+            </a:fontRef>
+          </p:style>
+          <p:txBody>
+            <a:bodyPr rtlCol="0" anchor="ctr"/>
+            <a:lstStyle/>
+            <a:p>
+              <a:pPr algn="ctr"/>
+              <a:endParaRPr kumimoji="1" lang="ja-JP" altLang="en-US"/>
             </a:p>
           </p:txBody>
         </p:sp>
         <p:sp>
           <p:nvSpPr>
-            <p:cNvPr id="6" name="テキスト ボックス 5">
+            <p:cNvPr id="17" name="テキスト ボックス 16">
               <a:extLst>
                 <a:ext uri="{FF2B5EF4-FFF2-40B4-BE49-F238E27FC236}">
-                  <a16:creationId xmlns:a16="http://schemas.microsoft.com/office/drawing/2014/main" id="{3080E26F-CE66-4F94-9B9F-A2DDA2CE31F3}"/>
+                  <a16:creationId xmlns:a16="http://schemas.microsoft.com/office/drawing/2014/main" id="{38B12CE2-08BC-4760-94EE-E0E5CA0DAC15}"/>
                 </a:ext>
               </a:extLst>
             </p:cNvPr>
@@ -5763,8 +6973,8 @@
           </p:nvSpPr>
           <p:spPr>
             <a:xfrm>
-              <a:off x="838200" y="5676507"/>
-              <a:ext cx="2073897" cy="369332"/>
+              <a:off x="814400" y="5807871"/>
+              <a:ext cx="647700" cy="369332"/>
             </a:xfrm>
             <a:prstGeom prst="rect">
               <a:avLst/>
@@ -5778,22 +6988,19 @@
             <a:lstStyle/>
             <a:p>
               <a:r>
-                <a:rPr lang="ja-JP" altLang="en-US" dirty="0"/>
-                <a:t>磁場</a:t>
+                <a:rPr kumimoji="1" lang="en-US" altLang="ja-JP" dirty="0"/>
+                <a:t>0</a:t>
               </a:r>
-              <a:r>
-                <a:rPr kumimoji="1" lang="ja-JP" altLang="en-US" dirty="0"/>
-                <a:t>のテスト　⇒</a:t>
-              </a:r>
+              <a:endParaRPr kumimoji="1" lang="ja-JP" altLang="en-US" dirty="0"/>
             </a:p>
           </p:txBody>
         </p:sp>
         <p:sp>
           <p:nvSpPr>
-            <p:cNvPr id="7" name="テキスト ボックス 6">
+            <p:cNvPr id="21" name="テキスト ボックス 20">
               <a:extLst>
                 <a:ext uri="{FF2B5EF4-FFF2-40B4-BE49-F238E27FC236}">
-                  <a16:creationId xmlns:a16="http://schemas.microsoft.com/office/drawing/2014/main" id="{1606EC2D-41A3-4A3E-8B09-7D25EF7A1B11}"/>
+                  <a16:creationId xmlns:a16="http://schemas.microsoft.com/office/drawing/2014/main" id="{ECAB01B7-F67C-4ABA-B496-0632A562FFDD}"/>
                 </a:ext>
               </a:extLst>
             </p:cNvPr>
@@ -5802,8 +7009,761 @@
           </p:nvSpPr>
           <p:spPr>
             <a:xfrm>
-              <a:off x="2912097" y="3957920"/>
-              <a:ext cx="7154944" cy="646331"/>
+              <a:off x="5310199" y="5320783"/>
+              <a:ext cx="1052893" cy="369332"/>
+            </a:xfrm>
+            <a:prstGeom prst="rect">
+              <a:avLst/>
+            </a:prstGeom>
+            <a:noFill/>
+          </p:spPr>
+          <p:txBody>
+            <a:bodyPr wrap="square" rtlCol="0">
+              <a:spAutoFit/>
+            </a:bodyPr>
+            <a:lstStyle/>
+            <a:p>
+              <a:r>
+                <a:rPr lang="en-US" altLang="ja-JP" dirty="0"/>
+                <a:t>x </a:t>
+              </a:r>
+              <a:endParaRPr kumimoji="1" lang="ja-JP" altLang="en-US" dirty="0"/>
+            </a:p>
+          </p:txBody>
+        </p:sp>
+        <p:sp>
+          <p:nvSpPr>
+            <p:cNvPr id="22" name="円弧 21">
+              <a:extLst>
+                <a:ext uri="{FF2B5EF4-FFF2-40B4-BE49-F238E27FC236}">
+                  <a16:creationId xmlns:a16="http://schemas.microsoft.com/office/drawing/2014/main" id="{B90B1F1E-1069-49BF-A5C2-D8A4C43BB189}"/>
+                </a:ext>
+              </a:extLst>
+            </p:cNvPr>
+            <p:cNvSpPr/>
+            <p:nvPr/>
+          </p:nvSpPr>
+          <p:spPr>
+            <a:xfrm>
+              <a:off x="2981325" y="4204581"/>
+              <a:ext cx="1190625" cy="738658"/>
+            </a:xfrm>
+            <a:prstGeom prst="arc">
+              <a:avLst>
+                <a:gd name="adj1" fmla="val 17579524"/>
+                <a:gd name="adj2" fmla="val 21564549"/>
+              </a:avLst>
+            </a:prstGeom>
+          </p:spPr>
+          <p:style>
+            <a:lnRef idx="1">
+              <a:schemeClr val="accent1"/>
+            </a:lnRef>
+            <a:fillRef idx="0">
+              <a:schemeClr val="accent1"/>
+            </a:fillRef>
+            <a:effectRef idx="0">
+              <a:schemeClr val="accent1"/>
+            </a:effectRef>
+            <a:fontRef idx="minor">
+              <a:schemeClr val="tx1"/>
+            </a:fontRef>
+          </p:style>
+          <p:txBody>
+            <a:bodyPr rtlCol="0" anchor="ctr"/>
+            <a:lstStyle/>
+            <a:p>
+              <a:pPr algn="ctr"/>
+              <a:endParaRPr kumimoji="1" lang="ja-JP" altLang="en-US"/>
+            </a:p>
+          </p:txBody>
+        </p:sp>
+        <p:sp>
+          <p:nvSpPr>
+            <p:cNvPr id="24" name="円弧 23">
+              <a:extLst>
+                <a:ext uri="{FF2B5EF4-FFF2-40B4-BE49-F238E27FC236}">
+                  <a16:creationId xmlns:a16="http://schemas.microsoft.com/office/drawing/2014/main" id="{A2C075C9-8E74-4296-9194-A20FB3A1D4D6}"/>
+                </a:ext>
+              </a:extLst>
+            </p:cNvPr>
+            <p:cNvSpPr/>
+            <p:nvPr/>
+          </p:nvSpPr>
+          <p:spPr>
+            <a:xfrm>
+              <a:off x="981075" y="4204581"/>
+              <a:ext cx="1190625" cy="738658"/>
+            </a:xfrm>
+            <a:prstGeom prst="arc">
+              <a:avLst>
+                <a:gd name="adj1" fmla="val 10921968"/>
+                <a:gd name="adj2" fmla="val 14447510"/>
+              </a:avLst>
+            </a:prstGeom>
+          </p:spPr>
+          <p:style>
+            <a:lnRef idx="1">
+              <a:schemeClr val="accent1"/>
+            </a:lnRef>
+            <a:fillRef idx="0">
+              <a:schemeClr val="accent1"/>
+            </a:fillRef>
+            <a:effectRef idx="0">
+              <a:schemeClr val="accent1"/>
+            </a:effectRef>
+            <a:fontRef idx="minor">
+              <a:schemeClr val="tx1"/>
+            </a:fontRef>
+          </p:style>
+          <p:txBody>
+            <a:bodyPr rtlCol="0" anchor="ctr"/>
+            <a:lstStyle/>
+            <a:p>
+              <a:pPr algn="ctr"/>
+              <a:endParaRPr kumimoji="1" lang="ja-JP" altLang="en-US"/>
+            </a:p>
+          </p:txBody>
+        </p:sp>
+        <p:sp>
+          <p:nvSpPr>
+            <p:cNvPr id="25" name="テキスト ボックス 24">
+              <a:extLst>
+                <a:ext uri="{FF2B5EF4-FFF2-40B4-BE49-F238E27FC236}">
+                  <a16:creationId xmlns:a16="http://schemas.microsoft.com/office/drawing/2014/main" id="{FCAE1952-283E-451F-988B-B8D382CC06AD}"/>
+                </a:ext>
+              </a:extLst>
+            </p:cNvPr>
+            <p:cNvSpPr txBox="1"/>
+            <p:nvPr/>
+          </p:nvSpPr>
+          <p:spPr>
+            <a:xfrm>
+              <a:off x="2300275" y="4019915"/>
+              <a:ext cx="657225" cy="369332"/>
+            </a:xfrm>
+            <a:prstGeom prst="rect">
+              <a:avLst/>
+            </a:prstGeom>
+            <a:noFill/>
+          </p:spPr>
+          <p:txBody>
+            <a:bodyPr wrap="square" rtlCol="0">
+              <a:spAutoFit/>
+            </a:bodyPr>
+            <a:lstStyle/>
+            <a:p>
+              <a:r>
+                <a:rPr kumimoji="1" lang="en-US" altLang="ja-JP" dirty="0"/>
+                <a:t>Δt</a:t>
+              </a:r>
+              <a:endParaRPr kumimoji="1" lang="ja-JP" altLang="en-US" dirty="0"/>
+            </a:p>
+          </p:txBody>
+        </p:sp>
+        <p:sp>
+          <p:nvSpPr>
+            <p:cNvPr id="27" name="矢印: 右 26">
+              <a:extLst>
+                <a:ext uri="{FF2B5EF4-FFF2-40B4-BE49-F238E27FC236}">
+                  <a16:creationId xmlns:a16="http://schemas.microsoft.com/office/drawing/2014/main" id="{6C1392C7-429C-4150-99BF-A00EFB0095C3}"/>
+                </a:ext>
+              </a:extLst>
+            </p:cNvPr>
+            <p:cNvSpPr/>
+            <p:nvPr/>
+          </p:nvSpPr>
+          <p:spPr>
+            <a:xfrm>
+              <a:off x="3295680" y="3402018"/>
+              <a:ext cx="876270" cy="132985"/>
+            </a:xfrm>
+            <a:prstGeom prst="rightArrow">
+              <a:avLst/>
+            </a:prstGeom>
+            <a:noFill/>
+          </p:spPr>
+          <p:style>
+            <a:lnRef idx="2">
+              <a:schemeClr val="accent1">
+                <a:shade val="50000"/>
+              </a:schemeClr>
+            </a:lnRef>
+            <a:fillRef idx="1">
+              <a:schemeClr val="accent1"/>
+            </a:fillRef>
+            <a:effectRef idx="0">
+              <a:schemeClr val="accent1"/>
+            </a:effectRef>
+            <a:fontRef idx="minor">
+              <a:schemeClr val="lt1"/>
+            </a:fontRef>
+          </p:style>
+          <p:txBody>
+            <a:bodyPr rtlCol="0" anchor="ctr"/>
+            <a:lstStyle/>
+            <a:p>
+              <a:pPr algn="ctr"/>
+              <a:endParaRPr kumimoji="1" lang="ja-JP" altLang="en-US"/>
+            </a:p>
+          </p:txBody>
+        </p:sp>
+        <p:sp>
+          <p:nvSpPr>
+            <p:cNvPr id="28" name="テキスト ボックス 27">
+              <a:extLst>
+                <a:ext uri="{FF2B5EF4-FFF2-40B4-BE49-F238E27FC236}">
+                  <a16:creationId xmlns:a16="http://schemas.microsoft.com/office/drawing/2014/main" id="{7CC09148-3FC3-4DC3-8CF2-7EEE0AC61F59}"/>
+                </a:ext>
+              </a:extLst>
+            </p:cNvPr>
+            <p:cNvSpPr txBox="1"/>
+            <p:nvPr/>
+          </p:nvSpPr>
+          <p:spPr>
+            <a:xfrm>
+              <a:off x="4010025" y="3642370"/>
+              <a:ext cx="571495" cy="369332"/>
+            </a:xfrm>
+            <a:prstGeom prst="rect">
+              <a:avLst/>
+            </a:prstGeom>
+            <a:noFill/>
+          </p:spPr>
+          <p:txBody>
+            <a:bodyPr wrap="square" rtlCol="0">
+              <a:spAutoFit/>
+            </a:bodyPr>
+            <a:lstStyle/>
+            <a:p>
+              <a:r>
+                <a:rPr kumimoji="1" lang="en-US" altLang="ja-JP" dirty="0"/>
+                <a:t>E</a:t>
+              </a:r>
+              <a:endParaRPr kumimoji="1" lang="ja-JP" altLang="en-US" dirty="0"/>
+            </a:p>
+          </p:txBody>
+        </p:sp>
+        <mc:AlternateContent xmlns:mc="http://schemas.openxmlformats.org/markup-compatibility/2006">
+          <mc:Choice xmlns:a14="http://schemas.microsoft.com/office/drawing/2010/main" Requires="a14">
+            <p:sp>
+              <p:nvSpPr>
+                <p:cNvPr id="42" name="テキスト ボックス 41">
+                  <a:extLst>
+                    <a:ext uri="{FF2B5EF4-FFF2-40B4-BE49-F238E27FC236}">
+                      <a16:creationId xmlns:a16="http://schemas.microsoft.com/office/drawing/2014/main" id="{0A2EBD03-F25C-448B-AA78-95E00FAF31D9}"/>
+                    </a:ext>
+                  </a:extLst>
+                </p:cNvPr>
+                <p:cNvSpPr txBox="1"/>
+                <p:nvPr/>
+              </p:nvSpPr>
+              <p:spPr>
+                <a:xfrm>
+                  <a:off x="3212320" y="2078302"/>
+                  <a:ext cx="1379160" cy="818366"/>
+                </a:xfrm>
+                <a:prstGeom prst="rect">
+                  <a:avLst/>
+                </a:prstGeom>
+                <a:noFill/>
+              </p:spPr>
+              <p:txBody>
+                <a:bodyPr wrap="none" lIns="0" tIns="0" rIns="0" bIns="0" rtlCol="0">
+                  <a:spAutoFit/>
+                </a:bodyPr>
+                <a:lstStyle/>
+                <a:p>
+                  <a14:m>
+                    <m:oMathPara xmlns:m="http://schemas.openxmlformats.org/officeDocument/2006/math">
+                      <m:oMathParaPr>
+                        <m:jc m:val="centerGroup"/>
+                      </m:oMathParaPr>
+                      <m:oMath xmlns:m="http://schemas.openxmlformats.org/officeDocument/2006/math">
+                        <m:r>
+                          <a:rPr kumimoji="1" lang="ja-JP" altLang="en-US" i="1" smtClean="0">
+                            <a:latin typeface="Cambria Math" panose="02040503050406030204" pitchFamily="18" charset="0"/>
+                          </a:rPr>
+                          <m:t>∆</m:t>
+                        </m:r>
+                        <m:r>
+                          <a:rPr kumimoji="1" lang="en-US" altLang="ja-JP" b="0" i="1" smtClean="0">
+                            <a:latin typeface="Cambria Math" panose="02040503050406030204" pitchFamily="18" charset="0"/>
+                          </a:rPr>
+                          <m:t>𝑡</m:t>
+                        </m:r>
+                        <m:r>
+                          <a:rPr kumimoji="1" lang="en-US" altLang="ja-JP" b="0" i="1" smtClean="0">
+                            <a:latin typeface="Cambria Math" panose="02040503050406030204" pitchFamily="18" charset="0"/>
+                          </a:rPr>
+                          <m:t>= </m:t>
+                        </m:r>
+                        <m:rad>
+                          <m:radPr>
+                            <m:degHide m:val="on"/>
+                            <m:ctrlPr>
+                              <a:rPr kumimoji="1" lang="en-US" altLang="ja-JP" b="0" i="1" smtClean="0">
+                                <a:latin typeface="Cambria Math" panose="02040503050406030204" pitchFamily="18" charset="0"/>
+                              </a:rPr>
+                            </m:ctrlPr>
+                          </m:radPr>
+                          <m:deg/>
+                          <m:e>
+                            <m:f>
+                              <m:fPr>
+                                <m:ctrlPr>
+                                  <a:rPr kumimoji="1" lang="en-US" altLang="ja-JP" b="0" i="1" smtClean="0">
+                                    <a:latin typeface="Cambria Math" panose="02040503050406030204" pitchFamily="18" charset="0"/>
+                                  </a:rPr>
+                                </m:ctrlPr>
+                              </m:fPr>
+                              <m:num>
+                                <m:r>
+                                  <a:rPr kumimoji="1" lang="en-US" altLang="ja-JP" b="0" i="1" smtClean="0">
+                                    <a:latin typeface="Cambria Math" panose="02040503050406030204" pitchFamily="18" charset="0"/>
+                                  </a:rPr>
+                                  <m:t>2</m:t>
+                                </m:r>
+                                <m:r>
+                                  <a:rPr kumimoji="1" lang="en-US" altLang="ja-JP" b="0" i="1" smtClean="0">
+                                    <a:latin typeface="Cambria Math" panose="02040503050406030204" pitchFamily="18" charset="0"/>
+                                  </a:rPr>
+                                  <m:t>𝑚</m:t>
+                                </m:r>
+                                <m:sSub>
+                                  <m:sSubPr>
+                                    <m:ctrlPr>
+                                      <a:rPr kumimoji="1" lang="en-US" altLang="ja-JP" b="0" i="1" smtClean="0">
+                                        <a:latin typeface="Cambria Math" panose="02040503050406030204" pitchFamily="18" charset="0"/>
+                                      </a:rPr>
+                                    </m:ctrlPr>
+                                  </m:sSubPr>
+                                  <m:e>
+                                    <m:r>
+                                      <a:rPr kumimoji="1" lang="en-US" altLang="ja-JP" b="0" i="1" smtClean="0">
+                                        <a:latin typeface="Cambria Math" panose="02040503050406030204" pitchFamily="18" charset="0"/>
+                                      </a:rPr>
+                                      <m:t>𝑥</m:t>
+                                    </m:r>
+                                  </m:e>
+                                  <m:sub>
+                                    <m:r>
+                                      <a:rPr kumimoji="1" lang="en-US" altLang="ja-JP" b="0" i="1" smtClean="0">
+                                        <a:latin typeface="Cambria Math" panose="02040503050406030204" pitchFamily="18" charset="0"/>
+                                      </a:rPr>
+                                      <m:t>1</m:t>
+                                    </m:r>
+                                  </m:sub>
+                                </m:sSub>
+                              </m:num>
+                              <m:den>
+                                <m:r>
+                                  <a:rPr kumimoji="1" lang="en-US" altLang="ja-JP" b="0" i="1" smtClean="0">
+                                    <a:latin typeface="Cambria Math" panose="02040503050406030204" pitchFamily="18" charset="0"/>
+                                  </a:rPr>
+                                  <m:t>𝑞𝐸</m:t>
+                                </m:r>
+                              </m:den>
+                            </m:f>
+                          </m:e>
+                        </m:rad>
+                      </m:oMath>
+                    </m:oMathPara>
+                  </a14:m>
+                  <a:endParaRPr kumimoji="1" lang="ja-JP" altLang="en-US" dirty="0"/>
+                </a:p>
+              </p:txBody>
+            </p:sp>
+          </mc:Choice>
+          <mc:Fallback>
+            <p:sp>
+              <p:nvSpPr>
+                <p:cNvPr id="42" name="テキスト ボックス 41">
+                  <a:extLst>
+                    <a:ext uri="{FF2B5EF4-FFF2-40B4-BE49-F238E27FC236}">
+                      <a16:creationId xmlns:a16="http://schemas.microsoft.com/office/drawing/2014/main" id="{0A2EBD03-F25C-448B-AA78-95E00FAF31D9}"/>
+                    </a:ext>
+                  </a:extLst>
+                </p:cNvPr>
+                <p:cNvSpPr txBox="1">
+                  <a:spLocks noRot="1" noChangeAspect="1" noMove="1" noResize="1" noEditPoints="1" noAdjustHandles="1" noChangeArrowheads="1" noChangeShapeType="1" noTextEdit="1"/>
+                </p:cNvSpPr>
+                <p:nvPr/>
+              </p:nvSpPr>
+              <p:spPr>
+                <a:xfrm>
+                  <a:off x="3212320" y="2078302"/>
+                  <a:ext cx="1379160" cy="818366"/>
+                </a:xfrm>
+                <a:prstGeom prst="rect">
+                  <a:avLst/>
+                </a:prstGeom>
+                <a:blipFill>
+                  <a:blip r:embed="rId5"/>
+                  <a:stretch>
+                    <a:fillRect/>
+                  </a:stretch>
+                </a:blipFill>
+              </p:spPr>
+              <p:txBody>
+                <a:bodyPr/>
+                <a:lstStyle/>
+                <a:p>
+                  <a:r>
+                    <a:rPr lang="ja-JP" altLang="en-US">
+                      <a:noFill/>
+                    </a:rPr>
+                    <a:t> </a:t>
+                  </a:r>
+                </a:p>
+              </p:txBody>
+            </p:sp>
+          </mc:Fallback>
+        </mc:AlternateContent>
+        <mc:AlternateContent xmlns:mc="http://schemas.openxmlformats.org/markup-compatibility/2006">
+          <mc:Choice xmlns:a14="http://schemas.microsoft.com/office/drawing/2010/main" Requires="a14">
+            <p:sp>
+              <p:nvSpPr>
+                <p:cNvPr id="44" name="テキスト ボックス 43">
+                  <a:extLst>
+                    <a:ext uri="{FF2B5EF4-FFF2-40B4-BE49-F238E27FC236}">
+                      <a16:creationId xmlns:a16="http://schemas.microsoft.com/office/drawing/2014/main" id="{8EEA6AEC-524E-477F-AAD5-6163E0FF25D8}"/>
+                    </a:ext>
+                  </a:extLst>
+                </p:cNvPr>
+                <p:cNvSpPr txBox="1"/>
+                <p:nvPr/>
+              </p:nvSpPr>
+              <p:spPr>
+                <a:xfrm>
+                  <a:off x="814400" y="2199580"/>
+                  <a:ext cx="1074846" cy="555793"/>
+                </a:xfrm>
+                <a:prstGeom prst="rect">
+                  <a:avLst/>
+                </a:prstGeom>
+                <a:noFill/>
+              </p:spPr>
+              <p:txBody>
+                <a:bodyPr wrap="none" lIns="0" tIns="0" rIns="0" bIns="0" rtlCol="0">
+                  <a:spAutoFit/>
+                </a:bodyPr>
+                <a:lstStyle/>
+                <a:p>
+                  <a:pPr/>
+                  <a14:m>
+                    <m:oMathPara xmlns:m="http://schemas.openxmlformats.org/officeDocument/2006/math">
+                      <m:oMathParaPr>
+                        <m:jc m:val="centerGroup"/>
+                      </m:oMathParaPr>
+                      <m:oMath xmlns:m="http://schemas.openxmlformats.org/officeDocument/2006/math">
+                        <m:f>
+                          <m:fPr>
+                            <m:ctrlPr>
+                              <a:rPr kumimoji="1" lang="en-US" altLang="ja-JP" b="0" i="1" smtClean="0">
+                                <a:latin typeface="Cambria Math" panose="02040503050406030204" pitchFamily="18" charset="0"/>
+                              </a:rPr>
+                            </m:ctrlPr>
+                          </m:fPr>
+                          <m:num>
+                            <m:sSup>
+                              <m:sSupPr>
+                                <m:ctrlPr>
+                                  <a:rPr kumimoji="1" lang="en-US" altLang="ja-JP" b="0" i="1" smtClean="0">
+                                    <a:latin typeface="Cambria Math" panose="02040503050406030204" pitchFamily="18" charset="0"/>
+                                  </a:rPr>
+                                </m:ctrlPr>
+                              </m:sSupPr>
+                              <m:e>
+                                <m:r>
+                                  <a:rPr kumimoji="1" lang="en-US" altLang="ja-JP" b="0" i="1" smtClean="0">
+                                    <a:latin typeface="Cambria Math" panose="02040503050406030204" pitchFamily="18" charset="0"/>
+                                  </a:rPr>
+                                  <m:t>𝑑</m:t>
+                                </m:r>
+                              </m:e>
+                              <m:sup>
+                                <m:r>
+                                  <a:rPr kumimoji="1" lang="en-US" altLang="ja-JP" b="0" i="1" smtClean="0">
+                                    <a:latin typeface="Cambria Math" panose="02040503050406030204" pitchFamily="18" charset="0"/>
+                                  </a:rPr>
+                                  <m:t>2</m:t>
+                                </m:r>
+                              </m:sup>
+                            </m:sSup>
+                            <m:r>
+                              <a:rPr kumimoji="1" lang="en-US" altLang="ja-JP" b="0" i="1" smtClean="0">
+                                <a:latin typeface="Cambria Math" panose="02040503050406030204" pitchFamily="18" charset="0"/>
+                              </a:rPr>
+                              <m:t>𝑥</m:t>
+                            </m:r>
+                          </m:num>
+                          <m:den>
+                            <m:sSup>
+                              <m:sSupPr>
+                                <m:ctrlPr>
+                                  <a:rPr kumimoji="1" lang="en-US" altLang="ja-JP" b="0" i="1" smtClean="0">
+                                    <a:latin typeface="Cambria Math" panose="02040503050406030204" pitchFamily="18" charset="0"/>
+                                  </a:rPr>
+                                </m:ctrlPr>
+                              </m:sSupPr>
+                              <m:e>
+                                <m:r>
+                                  <a:rPr kumimoji="1" lang="en-US" altLang="ja-JP" b="0" i="1" smtClean="0">
+                                    <a:latin typeface="Cambria Math" panose="02040503050406030204" pitchFamily="18" charset="0"/>
+                                  </a:rPr>
+                                  <m:t>𝑑𝑡</m:t>
+                                </m:r>
+                              </m:e>
+                              <m:sup>
+                                <m:r>
+                                  <a:rPr kumimoji="1" lang="en-US" altLang="ja-JP" b="0" i="1" smtClean="0">
+                                    <a:latin typeface="Cambria Math" panose="02040503050406030204" pitchFamily="18" charset="0"/>
+                                  </a:rPr>
+                                  <m:t>2</m:t>
+                                </m:r>
+                              </m:sup>
+                            </m:sSup>
+                          </m:den>
+                        </m:f>
+                        <m:r>
+                          <a:rPr kumimoji="1" lang="en-US" altLang="ja-JP" b="0" i="1" smtClean="0">
+                            <a:latin typeface="Cambria Math" panose="02040503050406030204" pitchFamily="18" charset="0"/>
+                          </a:rPr>
+                          <m:t>= </m:t>
+                        </m:r>
+                        <m:f>
+                          <m:fPr>
+                            <m:ctrlPr>
+                              <a:rPr kumimoji="1" lang="en-US" altLang="ja-JP" b="0" i="1" smtClean="0">
+                                <a:latin typeface="Cambria Math" panose="02040503050406030204" pitchFamily="18" charset="0"/>
+                              </a:rPr>
+                            </m:ctrlPr>
+                          </m:fPr>
+                          <m:num>
+                            <m:r>
+                              <a:rPr kumimoji="1" lang="en-US" altLang="ja-JP" b="0" i="1" smtClean="0">
+                                <a:latin typeface="Cambria Math" panose="02040503050406030204" pitchFamily="18" charset="0"/>
+                              </a:rPr>
+                              <m:t>𝑞𝐸</m:t>
+                            </m:r>
+                          </m:num>
+                          <m:den>
+                            <m:r>
+                              <a:rPr kumimoji="1" lang="en-US" altLang="ja-JP" b="0" i="1" smtClean="0">
+                                <a:latin typeface="Cambria Math" panose="02040503050406030204" pitchFamily="18" charset="0"/>
+                              </a:rPr>
+                              <m:t>𝑚</m:t>
+                            </m:r>
+                          </m:den>
+                        </m:f>
+                      </m:oMath>
+                    </m:oMathPara>
+                  </a14:m>
+                  <a:endParaRPr kumimoji="1" lang="ja-JP" altLang="en-US" dirty="0"/>
+                </a:p>
+              </p:txBody>
+            </p:sp>
+          </mc:Choice>
+          <mc:Fallback>
+            <p:sp>
+              <p:nvSpPr>
+                <p:cNvPr id="44" name="テキスト ボックス 43">
+                  <a:extLst>
+                    <a:ext uri="{FF2B5EF4-FFF2-40B4-BE49-F238E27FC236}">
+                      <a16:creationId xmlns:a16="http://schemas.microsoft.com/office/drawing/2014/main" id="{8EEA6AEC-524E-477F-AAD5-6163E0FF25D8}"/>
+                    </a:ext>
+                  </a:extLst>
+                </p:cNvPr>
+                <p:cNvSpPr txBox="1">
+                  <a:spLocks noRot="1" noChangeAspect="1" noMove="1" noResize="1" noEditPoints="1" noAdjustHandles="1" noChangeArrowheads="1" noChangeShapeType="1" noTextEdit="1"/>
+                </p:cNvSpPr>
+                <p:nvPr/>
+              </p:nvSpPr>
+              <p:spPr>
+                <a:xfrm>
+                  <a:off x="814400" y="2199580"/>
+                  <a:ext cx="1074846" cy="555793"/>
+                </a:xfrm>
+                <a:prstGeom prst="rect">
+                  <a:avLst/>
+                </a:prstGeom>
+                <a:blipFill>
+                  <a:blip r:embed="rId6"/>
+                  <a:stretch>
+                    <a:fillRect/>
+                  </a:stretch>
+                </a:blipFill>
+              </p:spPr>
+              <p:txBody>
+                <a:bodyPr/>
+                <a:lstStyle/>
+                <a:p>
+                  <a:r>
+                    <a:rPr lang="ja-JP" altLang="en-US">
+                      <a:noFill/>
+                    </a:rPr>
+                    <a:t> </a:t>
+                  </a:r>
+                </a:p>
+              </p:txBody>
+            </p:sp>
+          </mc:Fallback>
+        </mc:AlternateContent>
+        <mc:AlternateContent xmlns:mc="http://schemas.openxmlformats.org/markup-compatibility/2006">
+          <mc:Choice xmlns:a14="http://schemas.microsoft.com/office/drawing/2010/main" Requires="a14">
+            <p:sp>
+              <p:nvSpPr>
+                <p:cNvPr id="47" name="テキスト ボックス 46">
+                  <a:extLst>
+                    <a:ext uri="{FF2B5EF4-FFF2-40B4-BE49-F238E27FC236}">
+                      <a16:creationId xmlns:a16="http://schemas.microsoft.com/office/drawing/2014/main" id="{7091398D-5395-4BBD-A271-662A8F5AEAB3}"/>
+                    </a:ext>
+                  </a:extLst>
+                </p:cNvPr>
+                <p:cNvSpPr txBox="1"/>
+                <p:nvPr/>
+              </p:nvSpPr>
+              <p:spPr>
+                <a:xfrm>
+                  <a:off x="3392391" y="5900204"/>
+                  <a:ext cx="1578509" cy="276999"/>
+                </a:xfrm>
+                <a:prstGeom prst="rect">
+                  <a:avLst/>
+                </a:prstGeom>
+                <a:noFill/>
+              </p:spPr>
+              <p:txBody>
+                <a:bodyPr wrap="none" lIns="0" tIns="0" rIns="0" bIns="0" rtlCol="0">
+                  <a:spAutoFit/>
+                </a:bodyPr>
+                <a:lstStyle/>
+                <a:p>
+                  <a14:m>
+                    <m:oMathPara xmlns:m="http://schemas.openxmlformats.org/officeDocument/2006/math">
+                      <m:oMathParaPr>
+                        <m:jc m:val="centerGroup"/>
+                      </m:oMathParaPr>
+                      <m:oMath xmlns:m="http://schemas.openxmlformats.org/officeDocument/2006/math">
+                        <m:sSub>
+                          <m:sSubPr>
+                            <m:ctrlPr>
+                              <a:rPr kumimoji="1" lang="en-US" altLang="ja-JP" smtClean="0">
+                                <a:latin typeface="Cambria Math" panose="02040503050406030204" pitchFamily="18" charset="0"/>
+                              </a:rPr>
+                            </m:ctrlPr>
+                          </m:sSubPr>
+                          <m:e>
+                            <m:r>
+                              <m:rPr>
+                                <m:sty m:val="p"/>
+                              </m:rPr>
+                              <a:rPr kumimoji="1" lang="en-US" altLang="ja-JP" b="0" i="0" smtClean="0">
+                                <a:latin typeface="Cambria Math" panose="02040503050406030204" pitchFamily="18" charset="0"/>
+                              </a:rPr>
+                              <m:t>x</m:t>
+                            </m:r>
+                          </m:e>
+                          <m:sub>
+                            <m:r>
+                              <a:rPr kumimoji="1" lang="en-US" altLang="ja-JP" b="0" i="0" smtClean="0">
+                                <a:latin typeface="Cambria Math" panose="02040503050406030204" pitchFamily="18" charset="0"/>
+                              </a:rPr>
+                              <m:t>1</m:t>
+                            </m:r>
+                          </m:sub>
+                        </m:sSub>
+                        <m:r>
+                          <a:rPr kumimoji="1" lang="en-US" altLang="ja-JP" b="0" i="0" smtClean="0">
+                            <a:latin typeface="Cambria Math" panose="02040503050406030204" pitchFamily="18" charset="0"/>
+                          </a:rPr>
+                          <m:t>=200 [</m:t>
+                        </m:r>
+                        <m:r>
+                          <m:rPr>
+                            <m:sty m:val="p"/>
+                          </m:rPr>
+                          <a:rPr kumimoji="1" lang="en-US" altLang="ja-JP" b="0" i="0" smtClean="0">
+                            <a:latin typeface="Cambria Math" panose="02040503050406030204" pitchFamily="18" charset="0"/>
+                          </a:rPr>
+                          <m:t>mm</m:t>
+                        </m:r>
+                        <m:r>
+                          <a:rPr kumimoji="1" lang="en-US" altLang="ja-JP" b="0" i="0" smtClean="0">
+                            <a:latin typeface="Cambria Math" panose="02040503050406030204" pitchFamily="18" charset="0"/>
+                          </a:rPr>
+                          <m:t>]</m:t>
+                        </m:r>
+                      </m:oMath>
+                    </m:oMathPara>
+                  </a14:m>
+                  <a:endParaRPr kumimoji="1" lang="ja-JP" altLang="en-US" dirty="0"/>
+                </a:p>
+              </p:txBody>
+            </p:sp>
+          </mc:Choice>
+          <mc:Fallback>
+            <p:sp>
+              <p:nvSpPr>
+                <p:cNvPr id="47" name="テキスト ボックス 46">
+                  <a:extLst>
+                    <a:ext uri="{FF2B5EF4-FFF2-40B4-BE49-F238E27FC236}">
+                      <a16:creationId xmlns:a16="http://schemas.microsoft.com/office/drawing/2014/main" id="{7091398D-5395-4BBD-A271-662A8F5AEAB3}"/>
+                    </a:ext>
+                  </a:extLst>
+                </p:cNvPr>
+                <p:cNvSpPr txBox="1">
+                  <a:spLocks noRot="1" noChangeAspect="1" noMove="1" noResize="1" noEditPoints="1" noAdjustHandles="1" noChangeArrowheads="1" noChangeShapeType="1" noTextEdit="1"/>
+                </p:cNvSpPr>
+                <p:nvPr/>
+              </p:nvSpPr>
+              <p:spPr>
+                <a:xfrm>
+                  <a:off x="3392391" y="5900204"/>
+                  <a:ext cx="1578509" cy="276999"/>
+                </a:xfrm>
+                <a:prstGeom prst="rect">
+                  <a:avLst/>
+                </a:prstGeom>
+                <a:blipFill>
+                  <a:blip r:embed="rId7"/>
+                  <a:stretch>
+                    <a:fillRect l="-1158" t="-2174" r="-4633" b="-36957"/>
+                  </a:stretch>
+                </a:blipFill>
+              </p:spPr>
+              <p:txBody>
+                <a:bodyPr/>
+                <a:lstStyle/>
+                <a:p>
+                  <a:r>
+                    <a:rPr lang="ja-JP" altLang="en-US">
+                      <a:noFill/>
+                    </a:rPr>
+                    <a:t> </a:t>
+                  </a:r>
+                </a:p>
+              </p:txBody>
+            </p:sp>
+          </mc:Fallback>
+        </mc:AlternateContent>
+        <p:sp>
+          <p:nvSpPr>
+            <p:cNvPr id="54" name="テキスト ボックス 53">
+              <a:extLst>
+                <a:ext uri="{FF2B5EF4-FFF2-40B4-BE49-F238E27FC236}">
+                  <a16:creationId xmlns:a16="http://schemas.microsoft.com/office/drawing/2014/main" id="{1FDF6B1D-F53C-47FD-9BF4-1F524CA6FE84}"/>
+                </a:ext>
+              </a:extLst>
+            </p:cNvPr>
+            <p:cNvSpPr txBox="1"/>
+            <p:nvPr/>
+          </p:nvSpPr>
+          <p:spPr>
+            <a:xfrm>
+              <a:off x="2110672" y="2367552"/>
+              <a:ext cx="1126268" cy="369332"/>
             </a:xfrm>
             <a:prstGeom prst="rect">
               <a:avLst/>
@@ -5818,137 +7778,7 @@
             <a:p>
               <a:r>
                 <a:rPr kumimoji="1" lang="ja-JP" altLang="en-US" dirty="0"/>
-                <a:t>一様電場中に初速度</a:t>
-              </a:r>
-              <a:r>
-                <a:rPr kumimoji="1" lang="en-US" altLang="ja-JP" dirty="0"/>
-                <a:t>0</a:t>
-              </a:r>
-              <a:r>
-                <a:rPr kumimoji="1" lang="ja-JP" altLang="en-US" dirty="0"/>
-                <a:t>でイオンを置く。座標が</a:t>
-              </a:r>
-              <a:r>
-                <a:rPr lang="en-US" altLang="ja-JP" dirty="0"/>
-                <a:t>40</a:t>
-              </a:r>
-              <a:r>
-                <a:rPr kumimoji="1" lang="en-US" altLang="ja-JP" dirty="0"/>
-                <a:t>0mm</a:t>
-              </a:r>
-              <a:r>
-                <a:rPr kumimoji="1" lang="ja-JP" altLang="en-US" dirty="0"/>
-                <a:t>を超える</a:t>
-              </a:r>
-              <a:r>
-                <a:rPr lang="ja-JP" altLang="en-US" dirty="0"/>
-                <a:t>までの時間を比べる</a:t>
-              </a:r>
-              <a:endParaRPr kumimoji="1" lang="ja-JP" altLang="en-US" dirty="0"/>
-            </a:p>
-          </p:txBody>
-        </p:sp>
-        <p:sp>
-          <p:nvSpPr>
-            <p:cNvPr id="8" name="テキスト ボックス 7">
-              <a:extLst>
-                <a:ext uri="{FF2B5EF4-FFF2-40B4-BE49-F238E27FC236}">
-                  <a16:creationId xmlns:a16="http://schemas.microsoft.com/office/drawing/2014/main" id="{89C5408B-4E6E-4CB3-9406-193A9ADEF36F}"/>
-                </a:ext>
-              </a:extLst>
-            </p:cNvPr>
-            <p:cNvSpPr txBox="1"/>
-            <p:nvPr/>
-          </p:nvSpPr>
-          <p:spPr>
-            <a:xfrm>
-              <a:off x="838201" y="2394408"/>
-              <a:ext cx="2073896" cy="369332"/>
-            </a:xfrm>
-            <a:prstGeom prst="rect">
-              <a:avLst/>
-            </a:prstGeom>
-            <a:noFill/>
-          </p:spPr>
-          <p:txBody>
-            <a:bodyPr wrap="square" rtlCol="0">
-              <a:spAutoFit/>
-            </a:bodyPr>
-            <a:lstStyle/>
-            <a:p>
-              <a:r>
-                <a:rPr kumimoji="1" lang="ja-JP" altLang="en-US" dirty="0"/>
-                <a:t>　　方針　　　⇒</a:t>
-              </a:r>
-            </a:p>
-          </p:txBody>
-        </p:sp>
-        <p:sp>
-          <p:nvSpPr>
-            <p:cNvPr id="9" name="テキスト ボックス 8">
-              <a:extLst>
-                <a:ext uri="{FF2B5EF4-FFF2-40B4-BE49-F238E27FC236}">
-                  <a16:creationId xmlns:a16="http://schemas.microsoft.com/office/drawing/2014/main" id="{3E5A9582-9F8C-4CE4-A9C5-CC13AA0AB2F8}"/>
-                </a:ext>
-              </a:extLst>
-            </p:cNvPr>
-            <p:cNvSpPr txBox="1"/>
-            <p:nvPr/>
-          </p:nvSpPr>
-          <p:spPr>
-            <a:xfrm>
-              <a:off x="3128913" y="2394408"/>
-              <a:ext cx="6938128" cy="646331"/>
-            </a:xfrm>
-            <a:prstGeom prst="rect">
-              <a:avLst/>
-            </a:prstGeom>
-            <a:noFill/>
-          </p:spPr>
-          <p:txBody>
-            <a:bodyPr wrap="square" rtlCol="0">
-              <a:spAutoFit/>
-            </a:bodyPr>
-            <a:lstStyle/>
-            <a:p>
-              <a:r>
-                <a:rPr kumimoji="1" lang="ja-JP" altLang="en-US" dirty="0"/>
-                <a:t>ある値について、プログラムから求めた値と解析的に求めた値が一致することを確認する</a:t>
-              </a:r>
-            </a:p>
-          </p:txBody>
-        </p:sp>
-        <p:sp>
-          <p:nvSpPr>
-            <p:cNvPr id="11" name="テキスト ボックス 10">
-              <a:extLst>
-                <a:ext uri="{FF2B5EF4-FFF2-40B4-BE49-F238E27FC236}">
-                  <a16:creationId xmlns:a16="http://schemas.microsoft.com/office/drawing/2014/main" id="{6AAA3C92-648B-4BF1-9F1D-5891DC2E7A89}"/>
-                </a:ext>
-              </a:extLst>
-            </p:cNvPr>
-            <p:cNvSpPr txBox="1"/>
-            <p:nvPr/>
-          </p:nvSpPr>
-          <p:spPr>
-            <a:xfrm>
-              <a:off x="2912097" y="5676507"/>
-              <a:ext cx="7154944" cy="646331"/>
-            </a:xfrm>
-            <a:prstGeom prst="rect">
-              <a:avLst/>
-            </a:prstGeom>
-            <a:noFill/>
-          </p:spPr>
-          <p:txBody>
-            <a:bodyPr wrap="square" rtlCol="0">
-              <a:spAutoFit/>
-            </a:bodyPr>
-            <a:lstStyle/>
-            <a:p>
-              <a:r>
-                <a:rPr kumimoji="1" lang="ja-JP" altLang="en-US" dirty="0"/>
-                <a:t>一様磁場中に円運動するように初速度を与えたイオンを置く。円の半径を比べる</a:t>
+                <a:t>のとき、</a:t>
               </a:r>
             </a:p>
           </p:txBody>
@@ -5956,10 +7786,10 @@
       </p:grpSp>
       <p:sp>
         <p:nvSpPr>
-          <p:cNvPr id="3" name="タイトル 1">
+          <p:cNvPr id="60" name="タイトル 1">
             <a:extLst>
               <a:ext uri="{FF2B5EF4-FFF2-40B4-BE49-F238E27FC236}">
-                <a16:creationId xmlns:a16="http://schemas.microsoft.com/office/drawing/2014/main" id="{EACE3920-FFA5-4C8A-84FE-E646721FAB52}"/>
+                <a16:creationId xmlns:a16="http://schemas.microsoft.com/office/drawing/2014/main" id="{40613449-4E77-4FE1-9EC4-C9FE9C20A703}"/>
               </a:ext>
             </a:extLst>
           </p:cNvPr>
@@ -6012,249 +7842,12 @@
           </a:p>
         </p:txBody>
       </p:sp>
-    </p:spTree>
-    <p:extLst>
-      <p:ext uri="{BB962C8B-B14F-4D97-AF65-F5344CB8AC3E}">
-        <p14:creationId xmlns:p14="http://schemas.microsoft.com/office/powerpoint/2010/main" val="534339761"/>
-      </p:ext>
-    </p:extLst>
-  </p:cSld>
-  <p:clrMapOvr>
-    <a:masterClrMapping/>
-  </p:clrMapOvr>
-</p:sld>
-</file>
-
-<file path=ppt/slides/slide12.xml><?xml version="1.0" encoding="utf-8"?>
-<p:sld xmlns:a="http://schemas.openxmlformats.org/drawingml/2006/main" xmlns:r="http://schemas.openxmlformats.org/officeDocument/2006/relationships" xmlns:p="http://schemas.openxmlformats.org/presentationml/2006/main">
-  <p:cSld>
-    <p:spTree>
-      <p:nvGrpSpPr>
-        <p:cNvPr id="1" name=""/>
-        <p:cNvGrpSpPr/>
-        <p:nvPr/>
-      </p:nvGrpSpPr>
-      <p:grpSpPr>
-        <a:xfrm>
-          <a:off x="0" y="0"/>
-          <a:ext cx="0" cy="0"/>
-          <a:chOff x="0" y="0"/>
-          <a:chExt cx="0" cy="0"/>
-        </a:xfrm>
-      </p:grpSpPr>
       <p:sp>
         <p:nvSpPr>
-          <p:cNvPr id="2" name="タイトル 1">
+          <p:cNvPr id="61" name="テキスト ボックス 60">
             <a:extLst>
               <a:ext uri="{FF2B5EF4-FFF2-40B4-BE49-F238E27FC236}">
-                <a16:creationId xmlns:a16="http://schemas.microsoft.com/office/drawing/2014/main" id="{C32D7F0D-6BD4-423D-9985-FE57949AA538}"/>
-              </a:ext>
-            </a:extLst>
-          </p:cNvPr>
-          <p:cNvSpPr>
-            <a:spLocks noGrp="1"/>
-          </p:cNvSpPr>
-          <p:nvPr>
-            <p:ph type="title"/>
-          </p:nvPr>
-        </p:nvSpPr>
-        <p:spPr>
-          <a:xfrm>
-            <a:off x="0" y="0"/>
-            <a:ext cx="10515600" cy="1325563"/>
-          </a:xfrm>
-        </p:spPr>
-        <p:txBody>
-          <a:bodyPr/>
-          <a:lstStyle/>
-          <a:p>
-            <a:r>
-              <a:rPr kumimoji="1" lang="ja-JP" altLang="en-US" dirty="0"/>
-              <a:t>電場のテスト</a:t>
-            </a:r>
-          </a:p>
-        </p:txBody>
-      </p:sp>
-      <p:cxnSp>
-        <p:nvCxnSpPr>
-          <p:cNvPr id="5" name="直線矢印コネクタ 4">
-            <a:extLst>
-              <a:ext uri="{FF2B5EF4-FFF2-40B4-BE49-F238E27FC236}">
-                <a16:creationId xmlns:a16="http://schemas.microsoft.com/office/drawing/2014/main" id="{71CF1211-3516-41C3-A29B-37378579E889}"/>
-              </a:ext>
-            </a:extLst>
-          </p:cNvPr>
-          <p:cNvCxnSpPr/>
-          <p:nvPr/>
-        </p:nvCxnSpPr>
-        <p:spPr>
-          <a:xfrm>
-            <a:off x="990600" y="5505450"/>
-            <a:ext cx="4105275" cy="0"/>
-          </a:xfrm>
-          <a:prstGeom prst="straightConnector1">
-            <a:avLst/>
-          </a:prstGeom>
-          <a:ln w="38100">
-            <a:solidFill>
-              <a:schemeClr val="tx1"/>
-            </a:solidFill>
-            <a:tailEnd type="triangle"/>
-          </a:ln>
-        </p:spPr>
-        <p:style>
-          <a:lnRef idx="1">
-            <a:schemeClr val="accent1"/>
-          </a:lnRef>
-          <a:fillRef idx="0">
-            <a:schemeClr val="accent1"/>
-          </a:fillRef>
-          <a:effectRef idx="0">
-            <a:schemeClr val="accent1"/>
-          </a:effectRef>
-          <a:fontRef idx="minor">
-            <a:schemeClr val="tx1"/>
-          </a:fontRef>
-        </p:style>
-      </p:cxnSp>
-      <p:cxnSp>
-        <p:nvCxnSpPr>
-          <p:cNvPr id="13" name="直線コネクタ 12">
-            <a:extLst>
-              <a:ext uri="{FF2B5EF4-FFF2-40B4-BE49-F238E27FC236}">
-                <a16:creationId xmlns:a16="http://schemas.microsoft.com/office/drawing/2014/main" id="{1E130B7A-C2F7-41CE-8F5B-B317BACC333D}"/>
-              </a:ext>
-            </a:extLst>
-          </p:cNvPr>
-          <p:cNvCxnSpPr>
-            <a:cxnSpLocks/>
-          </p:cNvCxnSpPr>
-          <p:nvPr/>
-        </p:nvCxnSpPr>
-        <p:spPr>
-          <a:xfrm>
-            <a:off x="981075" y="5376862"/>
-            <a:ext cx="0" cy="257175"/>
-          </a:xfrm>
-          <a:prstGeom prst="line">
-            <a:avLst/>
-          </a:prstGeom>
-          <a:ln w="38100">
-            <a:solidFill>
-              <a:schemeClr val="tx1"/>
-            </a:solidFill>
-          </a:ln>
-        </p:spPr>
-        <p:style>
-          <a:lnRef idx="1">
-            <a:schemeClr val="accent1"/>
-          </a:lnRef>
-          <a:fillRef idx="0">
-            <a:schemeClr val="accent1"/>
-          </a:fillRef>
-          <a:effectRef idx="0">
-            <a:schemeClr val="accent1"/>
-          </a:effectRef>
-          <a:fontRef idx="minor">
-            <a:schemeClr val="tx1"/>
-          </a:fontRef>
-        </p:style>
-      </p:cxnSp>
-      <p:cxnSp>
-        <p:nvCxnSpPr>
-          <p:cNvPr id="15" name="直線コネクタ 14">
-            <a:extLst>
-              <a:ext uri="{FF2B5EF4-FFF2-40B4-BE49-F238E27FC236}">
-                <a16:creationId xmlns:a16="http://schemas.microsoft.com/office/drawing/2014/main" id="{383D4104-5A62-46CA-9AC6-0124EA86ABFD}"/>
-              </a:ext>
-            </a:extLst>
-          </p:cNvPr>
-          <p:cNvCxnSpPr>
-            <a:cxnSpLocks/>
-          </p:cNvCxnSpPr>
-          <p:nvPr/>
-        </p:nvCxnSpPr>
-        <p:spPr>
-          <a:xfrm>
-            <a:off x="4171950" y="5376862"/>
-            <a:ext cx="0" cy="257175"/>
-          </a:xfrm>
-          <a:prstGeom prst="line">
-            <a:avLst/>
-          </a:prstGeom>
-          <a:ln w="38100">
-            <a:solidFill>
-              <a:schemeClr val="tx1"/>
-            </a:solidFill>
-          </a:ln>
-        </p:spPr>
-        <p:style>
-          <a:lnRef idx="1">
-            <a:schemeClr val="accent1"/>
-          </a:lnRef>
-          <a:fillRef idx="0">
-            <a:schemeClr val="accent1"/>
-          </a:fillRef>
-          <a:effectRef idx="0">
-            <a:schemeClr val="accent1"/>
-          </a:effectRef>
-          <a:fontRef idx="minor">
-            <a:schemeClr val="tx1"/>
-          </a:fontRef>
-        </p:style>
-      </p:cxnSp>
-      <p:sp>
-        <p:nvSpPr>
-          <p:cNvPr id="16" name="楕円 15">
-            <a:extLst>
-              <a:ext uri="{FF2B5EF4-FFF2-40B4-BE49-F238E27FC236}">
-                <a16:creationId xmlns:a16="http://schemas.microsoft.com/office/drawing/2014/main" id="{746C1C0F-0E0B-4E49-A341-5003BF24161C}"/>
-              </a:ext>
-            </a:extLst>
-          </p:cNvPr>
-          <p:cNvSpPr/>
-          <p:nvPr/>
-        </p:nvSpPr>
-        <p:spPr>
-          <a:xfrm>
-            <a:off x="814400" y="4693445"/>
-            <a:ext cx="352400" cy="390521"/>
-          </a:xfrm>
-          <a:prstGeom prst="ellipse">
-            <a:avLst/>
-          </a:prstGeom>
-        </p:spPr>
-        <p:style>
-          <a:lnRef idx="2">
-            <a:schemeClr val="accent1">
-              <a:shade val="50000"/>
-            </a:schemeClr>
-          </a:lnRef>
-          <a:fillRef idx="1">
-            <a:schemeClr val="accent1"/>
-          </a:fillRef>
-          <a:effectRef idx="0">
-            <a:schemeClr val="accent1"/>
-          </a:effectRef>
-          <a:fontRef idx="minor">
-            <a:schemeClr val="lt1"/>
-          </a:fontRef>
-        </p:style>
-        <p:txBody>
-          <a:bodyPr rtlCol="0" anchor="ctr"/>
-          <a:lstStyle/>
-          <a:p>
-            <a:pPr algn="ctr"/>
-            <a:endParaRPr kumimoji="1" lang="ja-JP" altLang="en-US"/>
-          </a:p>
-        </p:txBody>
-      </p:sp>
-      <p:sp>
-        <p:nvSpPr>
-          <p:cNvPr id="17" name="テキスト ボックス 16">
-            <a:extLst>
-              <a:ext uri="{FF2B5EF4-FFF2-40B4-BE49-F238E27FC236}">
-                <a16:creationId xmlns:a16="http://schemas.microsoft.com/office/drawing/2014/main" id="{38B12CE2-08BC-4760-94EE-E0E5CA0DAC15}"/>
+                <a16:creationId xmlns:a16="http://schemas.microsoft.com/office/drawing/2014/main" id="{E824DECD-C5FB-413F-B6FD-9CE29A48E4E7}"/>
               </a:ext>
             </a:extLst>
           </p:cNvPr>
@@ -6263,8 +7856,8 @@
         </p:nvSpPr>
         <p:spPr>
           <a:xfrm>
-            <a:off x="814400" y="5807871"/>
-            <a:ext cx="647700" cy="369332"/>
+            <a:off x="1564640" y="1128233"/>
+            <a:ext cx="2692400" cy="369332"/>
           </a:xfrm>
           <a:prstGeom prst="rect">
             <a:avLst/>
@@ -6278,19 +7871,18 @@
           <a:lstStyle/>
           <a:p>
             <a:r>
-              <a:rPr kumimoji="1" lang="en-US" altLang="ja-JP" dirty="0"/>
-              <a:t>0</a:t>
-            </a:r>
-            <a:endParaRPr kumimoji="1" lang="ja-JP" altLang="en-US" dirty="0"/>
+              <a:rPr kumimoji="1" lang="ja-JP" altLang="en-US" dirty="0"/>
+              <a:t>電場のテストの方針</a:t>
+            </a:r>
           </a:p>
         </p:txBody>
       </p:sp>
       <p:sp>
         <p:nvSpPr>
-          <p:cNvPr id="19" name="テキスト ボックス 18">
+          <p:cNvPr id="63" name="テキスト ボックス 62">
             <a:extLst>
               <a:ext uri="{FF2B5EF4-FFF2-40B4-BE49-F238E27FC236}">
-                <a16:creationId xmlns:a16="http://schemas.microsoft.com/office/drawing/2014/main" id="{A81352B9-5ED4-4A33-8C2F-AA2B64DEFF48}"/>
+                <a16:creationId xmlns:a16="http://schemas.microsoft.com/office/drawing/2014/main" id="{22EC2C37-1F5B-41D6-B594-F460A6ED8335}"/>
               </a:ext>
             </a:extLst>
           </p:cNvPr>
@@ -6299,8 +7891,8 @@
         </p:nvSpPr>
         <p:spPr>
           <a:xfrm>
-            <a:off x="3933825" y="5762625"/>
-            <a:ext cx="647700" cy="369332"/>
+            <a:off x="8082954" y="1148080"/>
+            <a:ext cx="2692400" cy="369332"/>
           </a:xfrm>
           <a:prstGeom prst="rect">
             <a:avLst/>
@@ -6314,259 +7906,9 @@
           <a:lstStyle/>
           <a:p>
             <a:r>
-              <a:rPr kumimoji="1" lang="en-US" altLang="ja-JP" dirty="0"/>
-              <a:t>0.2</a:t>
-            </a:r>
-            <a:endParaRPr kumimoji="1" lang="ja-JP" altLang="en-US" dirty="0"/>
-          </a:p>
-        </p:txBody>
-      </p:sp>
-      <p:sp>
-        <p:nvSpPr>
-          <p:cNvPr id="21" name="テキスト ボックス 20">
-            <a:extLst>
-              <a:ext uri="{FF2B5EF4-FFF2-40B4-BE49-F238E27FC236}">
-                <a16:creationId xmlns:a16="http://schemas.microsoft.com/office/drawing/2014/main" id="{ECAB01B7-F67C-4ABA-B496-0632A562FFDD}"/>
-              </a:ext>
-            </a:extLst>
-          </p:cNvPr>
-          <p:cNvSpPr txBox="1"/>
-          <p:nvPr/>
-        </p:nvSpPr>
-        <p:spPr>
-          <a:xfrm>
-            <a:off x="5310200" y="5320783"/>
-            <a:ext cx="647700" cy="369332"/>
-          </a:xfrm>
-          <a:prstGeom prst="rect">
-            <a:avLst/>
-          </a:prstGeom>
-          <a:noFill/>
-        </p:spPr>
-        <p:txBody>
-          <a:bodyPr wrap="square" rtlCol="0">
-            <a:spAutoFit/>
-          </a:bodyPr>
-          <a:lstStyle/>
-          <a:p>
-            <a:r>
-              <a:rPr lang="en-US" altLang="ja-JP" dirty="0"/>
-              <a:t>x</a:t>
-            </a:r>
-            <a:endParaRPr kumimoji="1" lang="ja-JP" altLang="en-US" dirty="0"/>
-          </a:p>
-        </p:txBody>
-      </p:sp>
-      <p:sp>
-        <p:nvSpPr>
-          <p:cNvPr id="22" name="円弧 21">
-            <a:extLst>
-              <a:ext uri="{FF2B5EF4-FFF2-40B4-BE49-F238E27FC236}">
-                <a16:creationId xmlns:a16="http://schemas.microsoft.com/office/drawing/2014/main" id="{B90B1F1E-1069-49BF-A5C2-D8A4C43BB189}"/>
-              </a:ext>
-            </a:extLst>
-          </p:cNvPr>
-          <p:cNvSpPr/>
-          <p:nvPr/>
-        </p:nvSpPr>
-        <p:spPr>
-          <a:xfrm>
-            <a:off x="2981325" y="4204581"/>
-            <a:ext cx="1190625" cy="738658"/>
-          </a:xfrm>
-          <a:prstGeom prst="arc">
-            <a:avLst>
-              <a:gd name="adj1" fmla="val 16200000"/>
-              <a:gd name="adj2" fmla="val 21564549"/>
-            </a:avLst>
-          </a:prstGeom>
-        </p:spPr>
-        <p:style>
-          <a:lnRef idx="1">
-            <a:schemeClr val="accent1"/>
-          </a:lnRef>
-          <a:fillRef idx="0">
-            <a:schemeClr val="accent1"/>
-          </a:fillRef>
-          <a:effectRef idx="0">
-            <a:schemeClr val="accent1"/>
-          </a:effectRef>
-          <a:fontRef idx="minor">
-            <a:schemeClr val="tx1"/>
-          </a:fontRef>
-        </p:style>
-        <p:txBody>
-          <a:bodyPr rtlCol="0" anchor="ctr"/>
-          <a:lstStyle/>
-          <a:p>
-            <a:pPr algn="ctr"/>
-            <a:endParaRPr kumimoji="1" lang="ja-JP" altLang="en-US"/>
-          </a:p>
-        </p:txBody>
-      </p:sp>
-      <p:sp>
-        <p:nvSpPr>
-          <p:cNvPr id="24" name="円弧 23">
-            <a:extLst>
-              <a:ext uri="{FF2B5EF4-FFF2-40B4-BE49-F238E27FC236}">
-                <a16:creationId xmlns:a16="http://schemas.microsoft.com/office/drawing/2014/main" id="{A2C075C9-8E74-4296-9194-A20FB3A1D4D6}"/>
-              </a:ext>
-            </a:extLst>
-          </p:cNvPr>
-          <p:cNvSpPr/>
-          <p:nvPr/>
-        </p:nvSpPr>
-        <p:spPr>
-          <a:xfrm>
-            <a:off x="981075" y="4204581"/>
-            <a:ext cx="1190625" cy="738658"/>
-          </a:xfrm>
-          <a:prstGeom prst="arc">
-            <a:avLst>
-              <a:gd name="adj1" fmla="val 10921968"/>
-              <a:gd name="adj2" fmla="val 16339836"/>
-            </a:avLst>
-          </a:prstGeom>
-        </p:spPr>
-        <p:style>
-          <a:lnRef idx="1">
-            <a:schemeClr val="accent1"/>
-          </a:lnRef>
-          <a:fillRef idx="0">
-            <a:schemeClr val="accent1"/>
-          </a:fillRef>
-          <a:effectRef idx="0">
-            <a:schemeClr val="accent1"/>
-          </a:effectRef>
-          <a:fontRef idx="minor">
-            <a:schemeClr val="tx1"/>
-          </a:fontRef>
-        </p:style>
-        <p:txBody>
-          <a:bodyPr rtlCol="0" anchor="ctr"/>
-          <a:lstStyle/>
-          <a:p>
-            <a:pPr algn="ctr"/>
-            <a:endParaRPr kumimoji="1" lang="ja-JP" altLang="en-US"/>
-          </a:p>
-        </p:txBody>
-      </p:sp>
-      <p:sp>
-        <p:nvSpPr>
-          <p:cNvPr id="25" name="テキスト ボックス 24">
-            <a:extLst>
-              <a:ext uri="{FF2B5EF4-FFF2-40B4-BE49-F238E27FC236}">
-                <a16:creationId xmlns:a16="http://schemas.microsoft.com/office/drawing/2014/main" id="{FCAE1952-283E-451F-988B-B8D382CC06AD}"/>
-              </a:ext>
-            </a:extLst>
-          </p:cNvPr>
-          <p:cNvSpPr txBox="1"/>
-          <p:nvPr/>
-        </p:nvSpPr>
-        <p:spPr>
-          <a:xfrm>
-            <a:off x="2300275" y="4019915"/>
-            <a:ext cx="657225" cy="369332"/>
-          </a:xfrm>
-          <a:prstGeom prst="rect">
-            <a:avLst/>
-          </a:prstGeom>
-          <a:noFill/>
-        </p:spPr>
-        <p:txBody>
-          <a:bodyPr wrap="square" rtlCol="0">
-            <a:spAutoFit/>
-          </a:bodyPr>
-          <a:lstStyle/>
-          <a:p>
-            <a:r>
-              <a:rPr kumimoji="1" lang="en-US" altLang="ja-JP" dirty="0"/>
-              <a:t>Δt</a:t>
-            </a:r>
-            <a:endParaRPr kumimoji="1" lang="ja-JP" altLang="en-US" dirty="0"/>
-          </a:p>
-        </p:txBody>
-      </p:sp>
-      <p:sp>
-        <p:nvSpPr>
-          <p:cNvPr id="27" name="矢印: 右 26">
-            <a:extLst>
-              <a:ext uri="{FF2B5EF4-FFF2-40B4-BE49-F238E27FC236}">
-                <a16:creationId xmlns:a16="http://schemas.microsoft.com/office/drawing/2014/main" id="{6C1392C7-429C-4150-99BF-A00EFB0095C3}"/>
-              </a:ext>
-            </a:extLst>
-          </p:cNvPr>
-          <p:cNvSpPr/>
-          <p:nvPr/>
-        </p:nvSpPr>
-        <p:spPr>
-          <a:xfrm>
-            <a:off x="3295680" y="3402018"/>
-            <a:ext cx="876270" cy="132985"/>
-          </a:xfrm>
-          <a:prstGeom prst="rightArrow">
-            <a:avLst/>
-          </a:prstGeom>
-          <a:noFill/>
-        </p:spPr>
-        <p:style>
-          <a:lnRef idx="2">
-            <a:schemeClr val="accent1">
-              <a:shade val="50000"/>
-            </a:schemeClr>
-          </a:lnRef>
-          <a:fillRef idx="1">
-            <a:schemeClr val="accent1"/>
-          </a:fillRef>
-          <a:effectRef idx="0">
-            <a:schemeClr val="accent1"/>
-          </a:effectRef>
-          <a:fontRef idx="minor">
-            <a:schemeClr val="lt1"/>
-          </a:fontRef>
-        </p:style>
-        <p:txBody>
-          <a:bodyPr rtlCol="0" anchor="ctr"/>
-          <a:lstStyle/>
-          <a:p>
-            <a:pPr algn="ctr"/>
-            <a:endParaRPr kumimoji="1" lang="ja-JP" altLang="en-US"/>
-          </a:p>
-        </p:txBody>
-      </p:sp>
-      <p:sp>
-        <p:nvSpPr>
-          <p:cNvPr id="28" name="テキスト ボックス 27">
-            <a:extLst>
-              <a:ext uri="{FF2B5EF4-FFF2-40B4-BE49-F238E27FC236}">
-                <a16:creationId xmlns:a16="http://schemas.microsoft.com/office/drawing/2014/main" id="{7CC09148-3FC3-4DC3-8CF2-7EEE0AC61F59}"/>
-              </a:ext>
-            </a:extLst>
-          </p:cNvPr>
-          <p:cNvSpPr txBox="1"/>
-          <p:nvPr/>
-        </p:nvSpPr>
-        <p:spPr>
-          <a:xfrm>
-            <a:off x="4010025" y="3642370"/>
-            <a:ext cx="571495" cy="369332"/>
-          </a:xfrm>
-          <a:prstGeom prst="rect">
-            <a:avLst/>
-          </a:prstGeom>
-          <a:noFill/>
-        </p:spPr>
-        <p:txBody>
-          <a:bodyPr wrap="square" rtlCol="0">
-            <a:spAutoFit/>
-          </a:bodyPr>
-          <a:lstStyle/>
-          <a:p>
-            <a:r>
-              <a:rPr kumimoji="1" lang="en-US" altLang="ja-JP" dirty="0"/>
-              <a:t>E</a:t>
-            </a:r>
-            <a:endParaRPr kumimoji="1" lang="ja-JP" altLang="en-US" dirty="0"/>
+              <a:rPr kumimoji="1" lang="ja-JP" altLang="en-US" dirty="0"/>
+              <a:t>磁場のテストの方針</a:t>
+            </a:r>
           </a:p>
         </p:txBody>
       </p:sp>
@@ -6583,7 +7925,7 @@
 </p:sld>
 </file>
 
-<file path=ppt/slides/slide13.xml><?xml version="1.0" encoding="utf-8"?>
+<file path=ppt/slides/slide12.xml><?xml version="1.0" encoding="utf-8"?>
 <p:sld xmlns:a="http://schemas.openxmlformats.org/drawingml/2006/main" xmlns:r="http://schemas.openxmlformats.org/officeDocument/2006/relationships" xmlns:p="http://schemas.openxmlformats.org/presentationml/2006/main">
   <p:cSld>
     <p:spTree>
@@ -6635,39 +7977,6 @@
           </a:prstGeom>
         </p:spPr>
       </p:pic>
-      <p:sp>
-        <p:nvSpPr>
-          <p:cNvPr id="2" name="タイトル 1">
-            <a:extLst>
-              <a:ext uri="{FF2B5EF4-FFF2-40B4-BE49-F238E27FC236}">
-                <a16:creationId xmlns:a16="http://schemas.microsoft.com/office/drawing/2014/main" id="{D8B36686-885C-4948-B2E9-45D724E7C195}"/>
-              </a:ext>
-            </a:extLst>
-          </p:cNvPr>
-          <p:cNvSpPr>
-            <a:spLocks noGrp="1"/>
-          </p:cNvSpPr>
-          <p:nvPr>
-            <p:ph type="title"/>
-          </p:nvPr>
-        </p:nvSpPr>
-        <p:spPr>
-          <a:xfrm>
-            <a:off x="0" y="0"/>
-            <a:ext cx="10515600" cy="1325563"/>
-          </a:xfrm>
-        </p:spPr>
-        <p:txBody>
-          <a:bodyPr/>
-          <a:lstStyle/>
-          <a:p>
-            <a:r>
-              <a:rPr kumimoji="1" lang="ja-JP" altLang="en-US" dirty="0"/>
-              <a:t>電場のテスト結果</a:t>
-            </a:r>
-          </a:p>
-        </p:txBody>
-      </p:sp>
       <p:cxnSp>
         <p:nvCxnSpPr>
           <p:cNvPr id="6" name="直線コネクタ 5">
@@ -6827,6 +8136,45 @@
           </p:sp>
         </mc:Fallback>
       </mc:AlternateContent>
+      <p:sp>
+        <p:nvSpPr>
+          <p:cNvPr id="7" name="テキスト ボックス 6">
+            <a:extLst>
+              <a:ext uri="{FF2B5EF4-FFF2-40B4-BE49-F238E27FC236}">
+                <a16:creationId xmlns:a16="http://schemas.microsoft.com/office/drawing/2014/main" id="{77CF5430-0E39-46A4-B633-1A27C10657F2}"/>
+              </a:ext>
+            </a:extLst>
+          </p:cNvPr>
+          <p:cNvSpPr txBox="1"/>
+          <p:nvPr/>
+        </p:nvSpPr>
+        <p:spPr>
+          <a:xfrm>
+            <a:off x="304800" y="366259"/>
+            <a:ext cx="8006080" cy="461665"/>
+          </a:xfrm>
+          <a:prstGeom prst="rect">
+            <a:avLst/>
+          </a:prstGeom>
+          <a:noFill/>
+        </p:spPr>
+        <p:txBody>
+          <a:bodyPr wrap="square" rtlCol="0">
+            <a:spAutoFit/>
+          </a:bodyPr>
+          <a:lstStyle/>
+          <a:p>
+            <a:r>
+              <a:rPr lang="ja-JP" altLang="en-US" sz="2400" dirty="0"/>
+              <a:t>電場</a:t>
+            </a:r>
+            <a:r>
+              <a:rPr kumimoji="1" lang="ja-JP" altLang="en-US" sz="2400" dirty="0"/>
+              <a:t>のテスト結果</a:t>
+            </a:r>
+          </a:p>
+        </p:txBody>
+      </p:sp>
     </p:spTree>
     <p:extLst>
       <p:ext uri="{BB962C8B-B14F-4D97-AF65-F5344CB8AC3E}">
@@ -6840,7 +8188,7 @@
 </p:sld>
 </file>
 
-<file path=ppt/slides/slide14.xml><?xml version="1.0" encoding="utf-8"?>
+<file path=ppt/slides/slide13.xml><?xml version="1.0" encoding="utf-8"?>
 <p:sld xmlns:a="http://schemas.openxmlformats.org/drawingml/2006/main" xmlns:r="http://schemas.openxmlformats.org/officeDocument/2006/relationships" xmlns:p="http://schemas.openxmlformats.org/presentationml/2006/main">
   <p:cSld>
     <p:spTree>
@@ -6857,39 +8205,6 @@
           <a:chExt cx="0" cy="0"/>
         </a:xfrm>
       </p:grpSpPr>
-      <p:sp>
-        <p:nvSpPr>
-          <p:cNvPr id="4" name="タイトル 3">
-            <a:extLst>
-              <a:ext uri="{FF2B5EF4-FFF2-40B4-BE49-F238E27FC236}">
-                <a16:creationId xmlns:a16="http://schemas.microsoft.com/office/drawing/2014/main" id="{2AC9B9E5-EE83-43E2-81AE-95DB9881858D}"/>
-              </a:ext>
-            </a:extLst>
-          </p:cNvPr>
-          <p:cNvSpPr>
-            <a:spLocks noGrp="1"/>
-          </p:cNvSpPr>
-          <p:nvPr>
-            <p:ph type="title"/>
-          </p:nvPr>
-        </p:nvSpPr>
-        <p:spPr>
-          <a:xfrm>
-            <a:off x="0" y="5555"/>
-            <a:ext cx="10515600" cy="1325563"/>
-          </a:xfrm>
-        </p:spPr>
-        <p:txBody>
-          <a:bodyPr/>
-          <a:lstStyle/>
-          <a:p>
-            <a:r>
-              <a:rPr lang="ja-JP" altLang="en-US" dirty="0"/>
-              <a:t>磁場のテスト　半径の求め方</a:t>
-            </a:r>
-          </a:p>
-        </p:txBody>
-      </p:sp>
       <p:sp>
         <p:nvSpPr>
           <p:cNvPr id="5" name="テキスト プレースホルダー 4">
@@ -6913,11 +8228,13 @@
           </a:xfrm>
         </p:spPr>
         <p:txBody>
-          <a:bodyPr/>
+          <a:bodyPr>
+            <a:normAutofit/>
+          </a:bodyPr>
           <a:lstStyle/>
           <a:p>
             <a:r>
-              <a:rPr lang="ja-JP" altLang="en-US" dirty="0"/>
+              <a:rPr lang="ja-JP" altLang="en-US" sz="2000" dirty="0"/>
               <a:t>プログラム</a:t>
             </a:r>
           </a:p>
@@ -6946,14 +8263,16 @@
           </a:xfrm>
         </p:spPr>
         <p:txBody>
-          <a:bodyPr/>
+          <a:bodyPr>
+            <a:normAutofit/>
+          </a:bodyPr>
           <a:lstStyle/>
           <a:p>
             <a:r>
-              <a:rPr lang="en-US" altLang="ja-JP" dirty="0"/>
+              <a:rPr lang="en-US" altLang="ja-JP" sz="2000" dirty="0"/>
               <a:t>Excel</a:t>
             </a:r>
-            <a:endParaRPr lang="ja-JP" altLang="en-US" dirty="0"/>
+            <a:endParaRPr lang="ja-JP" altLang="en-US" sz="2000" dirty="0"/>
           </a:p>
         </p:txBody>
       </p:sp>
@@ -8540,6 +9859,100 @@
           </p:sp>
         </mc:Fallback>
       </mc:AlternateContent>
+      <p:sp>
+        <p:nvSpPr>
+          <p:cNvPr id="3" name="タイトル 1">
+            <a:extLst>
+              <a:ext uri="{FF2B5EF4-FFF2-40B4-BE49-F238E27FC236}">
+                <a16:creationId xmlns:a16="http://schemas.microsoft.com/office/drawing/2014/main" id="{CE03783E-057E-43F1-9EB8-4E9426EB6B59}"/>
+              </a:ext>
+            </a:extLst>
+          </p:cNvPr>
+          <p:cNvSpPr txBox="1">
+            <a:spLocks/>
+          </p:cNvSpPr>
+          <p:nvPr/>
+        </p:nvSpPr>
+        <p:spPr>
+          <a:xfrm>
+            <a:off x="0" y="18256"/>
+            <a:ext cx="10515600" cy="662782"/>
+          </a:xfrm>
+          <a:prstGeom prst="rect">
+            <a:avLst/>
+          </a:prstGeom>
+        </p:spPr>
+        <p:txBody>
+          <a:bodyPr vert="horz" lIns="91440" tIns="45720" rIns="91440" bIns="45720" rtlCol="0" anchor="ctr">
+            <a:normAutofit/>
+          </a:bodyPr>
+          <a:lstStyle>
+            <a:lvl1pPr algn="l" defTabSz="914400" rtl="0" eaLnBrk="1" latinLnBrk="0" hangingPunct="1">
+              <a:lnSpc>
+                <a:spcPct val="90000"/>
+              </a:lnSpc>
+              <a:spcBef>
+                <a:spcPct val="0"/>
+              </a:spcBef>
+              <a:buNone/>
+              <a:defRPr kumimoji="1" sz="4400" kern="1200">
+                <a:solidFill>
+                  <a:schemeClr val="tx1"/>
+                </a:solidFill>
+                <a:latin typeface="+mj-lt"/>
+                <a:ea typeface="+mj-ea"/>
+                <a:cs typeface="+mj-cs"/>
+              </a:defRPr>
+            </a:lvl1pPr>
+          </a:lstStyle>
+          <a:p>
+            <a:r>
+              <a:rPr lang="en-US" altLang="ja-JP" sz="3200" dirty="0"/>
+              <a:t>3.</a:t>
+            </a:r>
+            <a:r>
+              <a:rPr lang="ja-JP" altLang="en-US" sz="3200" dirty="0"/>
+              <a:t>進捗</a:t>
+            </a:r>
+          </a:p>
+        </p:txBody>
+      </p:sp>
+      <p:sp>
+        <p:nvSpPr>
+          <p:cNvPr id="16" name="テキスト ボックス 15">
+            <a:extLst>
+              <a:ext uri="{FF2B5EF4-FFF2-40B4-BE49-F238E27FC236}">
+                <a16:creationId xmlns:a16="http://schemas.microsoft.com/office/drawing/2014/main" id="{A2A45221-BA31-400E-8A08-36CFEB3EDC3B}"/>
+              </a:ext>
+            </a:extLst>
+          </p:cNvPr>
+          <p:cNvSpPr txBox="1"/>
+          <p:nvPr/>
+        </p:nvSpPr>
+        <p:spPr>
+          <a:xfrm>
+            <a:off x="274180" y="1076033"/>
+            <a:ext cx="10007740" cy="523220"/>
+          </a:xfrm>
+          <a:prstGeom prst="rect">
+            <a:avLst/>
+          </a:prstGeom>
+          <a:noFill/>
+        </p:spPr>
+        <p:txBody>
+          <a:bodyPr wrap="square" rtlCol="0">
+            <a:spAutoFit/>
+          </a:bodyPr>
+          <a:lstStyle/>
+          <a:p>
+            <a:r>
+              <a:rPr lang="ja-JP" altLang="en-US" sz="2800" dirty="0"/>
+              <a:t>磁場のテスト　半径の求め方</a:t>
+            </a:r>
+            <a:endParaRPr kumimoji="1" lang="ja-JP" altLang="en-US" sz="2800" dirty="0"/>
+          </a:p>
+        </p:txBody>
+      </p:sp>
     </p:spTree>
     <p:extLst>
       <p:ext uri="{BB962C8B-B14F-4D97-AF65-F5344CB8AC3E}">
@@ -8553,7 +9966,7 @@
 </p:sld>
 </file>
 
-<file path=ppt/slides/slide15.xml><?xml version="1.0" encoding="utf-8"?>
+<file path=ppt/slides/slide14.xml><?xml version="1.0" encoding="utf-8"?>
 <p:sld xmlns:a="http://schemas.openxmlformats.org/drawingml/2006/main" xmlns:r="http://schemas.openxmlformats.org/officeDocument/2006/relationships" xmlns:p="http://schemas.openxmlformats.org/presentationml/2006/main">
   <p:cSld>
     <p:spTree>
@@ -8570,39 +9983,6 @@
           <a:chExt cx="0" cy="0"/>
         </a:xfrm>
       </p:grpSpPr>
-      <p:sp>
-        <p:nvSpPr>
-          <p:cNvPr id="2" name="タイトル 1">
-            <a:extLst>
-              <a:ext uri="{FF2B5EF4-FFF2-40B4-BE49-F238E27FC236}">
-                <a16:creationId xmlns:a16="http://schemas.microsoft.com/office/drawing/2014/main" id="{B168BFA6-2070-486D-B8DE-DF363FB34128}"/>
-              </a:ext>
-            </a:extLst>
-          </p:cNvPr>
-          <p:cNvSpPr>
-            <a:spLocks noGrp="1"/>
-          </p:cNvSpPr>
-          <p:nvPr>
-            <p:ph type="title"/>
-          </p:nvPr>
-        </p:nvSpPr>
-        <p:spPr>
-          <a:xfrm>
-            <a:off x="0" y="0"/>
-            <a:ext cx="10515600" cy="1325563"/>
-          </a:xfrm>
-        </p:spPr>
-        <p:txBody>
-          <a:bodyPr/>
-          <a:lstStyle/>
-          <a:p>
-            <a:r>
-              <a:rPr kumimoji="1" lang="ja-JP" altLang="en-US" dirty="0"/>
-              <a:t>磁場のテスト結果</a:t>
-            </a:r>
-          </a:p>
-        </p:txBody>
-      </p:sp>
       <p:pic>
         <p:nvPicPr>
           <p:cNvPr id="5" name="図 4" descr="グラフィカル ユーザー インターフェイス&#10;&#10;自動的に生成された説明">
@@ -8681,10 +10061,606 @@
           </a:fontRef>
         </p:style>
       </p:cxnSp>
+      <p:sp>
+        <p:nvSpPr>
+          <p:cNvPr id="9" name="テキスト ボックス 8">
+            <a:extLst>
+              <a:ext uri="{FF2B5EF4-FFF2-40B4-BE49-F238E27FC236}">
+                <a16:creationId xmlns:a16="http://schemas.microsoft.com/office/drawing/2014/main" id="{AFC3F9E7-84F7-40A3-9F99-48FA5C5506EE}"/>
+              </a:ext>
+            </a:extLst>
+          </p:cNvPr>
+          <p:cNvSpPr txBox="1"/>
+          <p:nvPr/>
+        </p:nvSpPr>
+        <p:spPr>
+          <a:xfrm>
+            <a:off x="304800" y="366259"/>
+            <a:ext cx="8006080" cy="461665"/>
+          </a:xfrm>
+          <a:prstGeom prst="rect">
+            <a:avLst/>
+          </a:prstGeom>
+          <a:noFill/>
+        </p:spPr>
+        <p:txBody>
+          <a:bodyPr wrap="square" rtlCol="0">
+            <a:spAutoFit/>
+          </a:bodyPr>
+          <a:lstStyle/>
+          <a:p>
+            <a:r>
+              <a:rPr kumimoji="1" lang="ja-JP" altLang="en-US" sz="2400" dirty="0"/>
+              <a:t>磁場のテスト結果</a:t>
+            </a:r>
+          </a:p>
+        </p:txBody>
+      </p:sp>
     </p:spTree>
     <p:extLst>
       <p:ext uri="{BB962C8B-B14F-4D97-AF65-F5344CB8AC3E}">
         <p14:creationId xmlns:p14="http://schemas.microsoft.com/office/powerpoint/2010/main" val="3707471709"/>
+      </p:ext>
+    </p:extLst>
+  </p:cSld>
+  <p:clrMapOvr>
+    <a:masterClrMapping/>
+  </p:clrMapOvr>
+</p:sld>
+</file>
+
+<file path=ppt/slides/slide15.xml><?xml version="1.0" encoding="utf-8"?>
+<p:sld xmlns:a="http://schemas.openxmlformats.org/drawingml/2006/main" xmlns:r="http://schemas.openxmlformats.org/officeDocument/2006/relationships" xmlns:p="http://schemas.openxmlformats.org/presentationml/2006/main">
+  <p:cSld>
+    <p:spTree>
+      <p:nvGrpSpPr>
+        <p:cNvPr id="1" name=""/>
+        <p:cNvGrpSpPr/>
+        <p:nvPr/>
+      </p:nvGrpSpPr>
+      <p:grpSpPr>
+        <a:xfrm>
+          <a:off x="0" y="0"/>
+          <a:ext cx="0" cy="0"/>
+          <a:chOff x="0" y="0"/>
+          <a:chExt cx="0" cy="0"/>
+        </a:xfrm>
+      </p:grpSpPr>
+      <p:sp>
+        <p:nvSpPr>
+          <p:cNvPr id="6" name="テキスト ボックス 5">
+            <a:extLst>
+              <a:ext uri="{FF2B5EF4-FFF2-40B4-BE49-F238E27FC236}">
+                <a16:creationId xmlns:a16="http://schemas.microsoft.com/office/drawing/2014/main" id="{11C1712D-772C-420B-AB31-F4E370D565E6}"/>
+              </a:ext>
+            </a:extLst>
+          </p:cNvPr>
+          <p:cNvSpPr txBox="1"/>
+          <p:nvPr/>
+        </p:nvSpPr>
+        <p:spPr>
+          <a:xfrm>
+            <a:off x="0" y="1997839"/>
+            <a:ext cx="1970202" cy="2862322"/>
+          </a:xfrm>
+          <a:prstGeom prst="rect">
+            <a:avLst/>
+          </a:prstGeom>
+          <a:noFill/>
+        </p:spPr>
+        <p:txBody>
+          <a:bodyPr wrap="square" rtlCol="0">
+            <a:spAutoFit/>
+          </a:bodyPr>
+          <a:lstStyle/>
+          <a:p>
+            <a:r>
+              <a:rPr lang="ja-JP" altLang="en-US" sz="2000" dirty="0"/>
+              <a:t>電場、磁場　⇒</a:t>
+            </a:r>
+            <a:endParaRPr lang="en-US" altLang="ja-JP" sz="2000" dirty="0"/>
+          </a:p>
+          <a:p>
+            <a:r>
+              <a:rPr lang="ja-JP" altLang="en-US" sz="2000" dirty="0"/>
+              <a:t>　</a:t>
+            </a:r>
+            <a:endParaRPr lang="en-US" altLang="ja-JP" sz="2000" dirty="0"/>
+          </a:p>
+          <a:p>
+            <a:endParaRPr lang="en-US" altLang="ja-JP" sz="2000" dirty="0"/>
+          </a:p>
+          <a:p>
+            <a:endParaRPr lang="en-US" altLang="ja-JP" sz="2000" dirty="0"/>
+          </a:p>
+          <a:p>
+            <a:endParaRPr lang="en-US" altLang="ja-JP" sz="2000" dirty="0"/>
+          </a:p>
+          <a:p>
+            <a:r>
+              <a:rPr lang="ja-JP" altLang="en-US" sz="2000" dirty="0"/>
+              <a:t>入射イオン　⇒</a:t>
+            </a:r>
+            <a:endParaRPr lang="en-US" altLang="ja-JP" sz="2000" dirty="0"/>
+          </a:p>
+          <a:p>
+            <a:endParaRPr lang="en-US" altLang="ja-JP" sz="2000" dirty="0"/>
+          </a:p>
+          <a:p>
+            <a:r>
+              <a:rPr lang="ja-JP" altLang="en-US" sz="2000" dirty="0"/>
+              <a:t>　</a:t>
+            </a:r>
+            <a:endParaRPr kumimoji="1" lang="en-US" altLang="ja-JP" sz="2000" dirty="0"/>
+          </a:p>
+          <a:p>
+            <a:r>
+              <a:rPr lang="ja-JP" altLang="en-US" sz="2000" dirty="0"/>
+              <a:t>　初速度　　⇒　</a:t>
+            </a:r>
+            <a:endParaRPr kumimoji="1" lang="en-US" altLang="ja-JP" sz="2000" dirty="0"/>
+          </a:p>
+        </p:txBody>
+      </p:sp>
+      <p:sp>
+        <p:nvSpPr>
+          <p:cNvPr id="7" name="テキスト ボックス 6">
+            <a:extLst>
+              <a:ext uri="{FF2B5EF4-FFF2-40B4-BE49-F238E27FC236}">
+                <a16:creationId xmlns:a16="http://schemas.microsoft.com/office/drawing/2014/main" id="{7B9AA92B-0A86-411B-8D33-D0CB2A5E47BD}"/>
+              </a:ext>
+            </a:extLst>
+          </p:cNvPr>
+          <p:cNvSpPr txBox="1"/>
+          <p:nvPr/>
+        </p:nvSpPr>
+        <p:spPr>
+          <a:xfrm>
+            <a:off x="1970202" y="1997839"/>
+            <a:ext cx="3563332" cy="3170099"/>
+          </a:xfrm>
+          <a:prstGeom prst="rect">
+            <a:avLst/>
+          </a:prstGeom>
+          <a:noFill/>
+        </p:spPr>
+        <p:txBody>
+          <a:bodyPr wrap="square" rtlCol="0">
+            <a:spAutoFit/>
+          </a:bodyPr>
+          <a:lstStyle/>
+          <a:p>
+            <a:r>
+              <a:rPr lang="en-US" altLang="ja-JP" sz="2000" dirty="0"/>
+              <a:t>150mm×100mm</a:t>
+            </a:r>
+            <a:r>
+              <a:rPr lang="ja-JP" altLang="en-US" sz="2000" dirty="0"/>
+              <a:t>の範囲内に一様電場、一様磁場</a:t>
+            </a:r>
+            <a:endParaRPr lang="en-US" altLang="ja-JP" sz="2000" dirty="0"/>
+          </a:p>
+          <a:p>
+            <a:r>
+              <a:rPr lang="ja-JP" altLang="en-US" sz="2000" dirty="0"/>
+              <a:t>電場：</a:t>
+            </a:r>
+            <a:r>
+              <a:rPr lang="en-US" altLang="ja-JP" sz="2000" dirty="0"/>
+              <a:t>15000[V/m]</a:t>
+            </a:r>
+          </a:p>
+          <a:p>
+            <a:r>
+              <a:rPr lang="ja-JP" altLang="en-US" sz="2000" dirty="0"/>
+              <a:t>磁場：</a:t>
+            </a:r>
+            <a:r>
+              <a:rPr lang="en-US" altLang="ja-JP" sz="2000" dirty="0"/>
+              <a:t>0.099[T]</a:t>
+            </a:r>
+          </a:p>
+          <a:p>
+            <a:endParaRPr lang="en-US" altLang="ja-JP" sz="2000" dirty="0"/>
+          </a:p>
+          <a:p>
+            <a:r>
+              <a:rPr lang="ja-JP" altLang="en-US" sz="2000" dirty="0"/>
+              <a:t>種類：質量数</a:t>
+            </a:r>
+            <a:r>
+              <a:rPr lang="en-US" altLang="ja-JP" sz="2000" dirty="0"/>
+              <a:t>132</a:t>
+            </a:r>
+            <a:r>
+              <a:rPr lang="ja-JP" altLang="en-US" sz="2000" dirty="0"/>
+              <a:t>の</a:t>
+            </a:r>
+            <a:r>
+              <a:rPr lang="en-US" altLang="ja-JP" sz="2000" dirty="0"/>
+              <a:t>Sn</a:t>
+            </a:r>
+            <a:r>
+              <a:rPr lang="ja-JP" altLang="en-US" sz="2000" dirty="0"/>
+              <a:t>イオン</a:t>
+            </a:r>
+            <a:endParaRPr lang="en-US" altLang="ja-JP" sz="2000" dirty="0"/>
+          </a:p>
+          <a:p>
+            <a:r>
+              <a:rPr kumimoji="1" lang="ja-JP" altLang="en-US" sz="2000" dirty="0"/>
+              <a:t>価数</a:t>
+            </a:r>
+            <a:r>
+              <a:rPr lang="ja-JP" altLang="en-US" sz="2000" dirty="0"/>
+              <a:t>：</a:t>
+            </a:r>
+            <a:r>
+              <a:rPr lang="en-US" altLang="ja-JP" sz="2000" dirty="0"/>
+              <a:t>1</a:t>
+            </a:r>
+            <a:r>
+              <a:rPr lang="ja-JP" altLang="en-US" sz="2000" dirty="0"/>
+              <a:t>価～</a:t>
+            </a:r>
+            <a:r>
+              <a:rPr lang="en-US" altLang="ja-JP" sz="2000" dirty="0"/>
+              <a:t>20</a:t>
+            </a:r>
+            <a:r>
+              <a:rPr lang="ja-JP" altLang="en-US" sz="2000" dirty="0"/>
+              <a:t>価</a:t>
+            </a:r>
+            <a:endParaRPr lang="en-US" altLang="ja-JP" sz="2000" dirty="0"/>
+          </a:p>
+          <a:p>
+            <a:endParaRPr kumimoji="1" lang="en-US" altLang="ja-JP" sz="2000" dirty="0"/>
+          </a:p>
+          <a:p>
+            <a:r>
+              <a:rPr lang="en-US" altLang="ja-JP" sz="2000" dirty="0"/>
+              <a:t>10keV</a:t>
+            </a:r>
+            <a:r>
+              <a:rPr lang="ja-JP" altLang="en-US" sz="2000" dirty="0"/>
+              <a:t>のポテンシャルから計算された値</a:t>
+            </a:r>
+            <a:endParaRPr kumimoji="1" lang="ja-JP" altLang="en-US" sz="2000" dirty="0"/>
+          </a:p>
+        </p:txBody>
+      </p:sp>
+      <mc:AlternateContent xmlns:mc="http://schemas.openxmlformats.org/markup-compatibility/2006">
+        <mc:Choice xmlns:a14="http://schemas.microsoft.com/office/drawing/2010/main" Requires="a14">
+          <p:sp>
+            <p:nvSpPr>
+              <p:cNvPr id="4" name="テキスト ボックス 3">
+                <a:extLst>
+                  <a:ext uri="{FF2B5EF4-FFF2-40B4-BE49-F238E27FC236}">
+                    <a16:creationId xmlns:a16="http://schemas.microsoft.com/office/drawing/2014/main" id="{3C717D4B-4E3C-47FA-AE3C-ACBA1A7BE736}"/>
+                  </a:ext>
+                </a:extLst>
+              </p:cNvPr>
+              <p:cNvSpPr txBox="1"/>
+              <p:nvPr/>
+            </p:nvSpPr>
+            <p:spPr>
+              <a:xfrm>
+                <a:off x="1970202" y="5167938"/>
+                <a:ext cx="4080283" cy="518604"/>
+              </a:xfrm>
+              <a:prstGeom prst="rect">
+                <a:avLst/>
+              </a:prstGeom>
+              <a:noFill/>
+            </p:spPr>
+            <p:txBody>
+              <a:bodyPr wrap="none" lIns="0" tIns="0" rIns="0" bIns="0" rtlCol="0">
+                <a:spAutoFit/>
+              </a:bodyPr>
+              <a:lstStyle/>
+              <a:p>
+                <a14:m>
+                  <m:oMathPara xmlns:m="http://schemas.openxmlformats.org/officeDocument/2006/math">
+                    <m:oMathParaPr>
+                      <m:jc m:val="centerGroup"/>
+                    </m:oMathParaPr>
+                    <m:oMath xmlns:m="http://schemas.openxmlformats.org/officeDocument/2006/math">
+                      <m:r>
+                        <a:rPr kumimoji="1" lang="en-US" altLang="ja-JP" b="0" i="1" smtClean="0">
+                          <a:latin typeface="Cambria Math" panose="02040503050406030204" pitchFamily="18" charset="0"/>
+                        </a:rPr>
+                        <m:t>10</m:t>
+                      </m:r>
+                      <m:d>
+                        <m:dPr>
+                          <m:begChr m:val="["/>
+                          <m:endChr m:val="]"/>
+                          <m:ctrlPr>
+                            <a:rPr kumimoji="1" lang="en-US" altLang="ja-JP" b="0" smtClean="0">
+                              <a:latin typeface="Cambria Math" panose="02040503050406030204" pitchFamily="18" charset="0"/>
+                            </a:rPr>
+                          </m:ctrlPr>
+                        </m:dPr>
+                        <m:e>
+                          <m:r>
+                            <m:rPr>
+                              <m:sty m:val="p"/>
+                            </m:rPr>
+                            <a:rPr kumimoji="1" lang="en-US" altLang="ja-JP" b="0" i="0" smtClean="0">
+                              <a:latin typeface="Cambria Math" panose="02040503050406030204" pitchFamily="18" charset="0"/>
+                            </a:rPr>
+                            <m:t>keV</m:t>
+                          </m:r>
+                        </m:e>
+                      </m:d>
+                      <m:r>
+                        <a:rPr kumimoji="1" lang="en-US" altLang="ja-JP" b="0" i="0" smtClean="0">
+                          <a:latin typeface="Cambria Math" panose="02040503050406030204" pitchFamily="18" charset="0"/>
+                        </a:rPr>
+                        <m:t>=</m:t>
+                      </m:r>
+                      <m:r>
+                        <a:rPr kumimoji="1" lang="en-US" altLang="ja-JP" b="0" i="1" smtClean="0">
+                          <a:latin typeface="Cambria Math" panose="02040503050406030204" pitchFamily="18" charset="0"/>
+                        </a:rPr>
+                        <m:t>1.6</m:t>
+                      </m:r>
+                      <m:r>
+                        <a:rPr kumimoji="1" lang="en-US" altLang="ja-JP" b="0" i="1" smtClean="0">
+                          <a:latin typeface="Cambria Math" panose="02040503050406030204" pitchFamily="18" charset="0"/>
+                          <a:ea typeface="Cambria Math" panose="02040503050406030204" pitchFamily="18" charset="0"/>
+                        </a:rPr>
+                        <m:t>×</m:t>
+                      </m:r>
+                      <m:sSup>
+                        <m:sSupPr>
+                          <m:ctrlPr>
+                            <a:rPr kumimoji="1" lang="en-US" altLang="ja-JP" b="0" i="1" smtClean="0">
+                              <a:latin typeface="Cambria Math" panose="02040503050406030204" pitchFamily="18" charset="0"/>
+                              <a:ea typeface="Cambria Math" panose="02040503050406030204" pitchFamily="18" charset="0"/>
+                            </a:rPr>
+                          </m:ctrlPr>
+                        </m:sSupPr>
+                        <m:e>
+                          <m:r>
+                            <a:rPr kumimoji="1" lang="en-US" altLang="ja-JP" b="0" i="1" smtClean="0">
+                              <a:latin typeface="Cambria Math" panose="02040503050406030204" pitchFamily="18" charset="0"/>
+                              <a:ea typeface="Cambria Math" panose="02040503050406030204" pitchFamily="18" charset="0"/>
+                            </a:rPr>
+                            <m:t>10</m:t>
+                          </m:r>
+                        </m:e>
+                        <m:sup>
+                          <m:r>
+                            <a:rPr kumimoji="1" lang="en-US" altLang="ja-JP" b="0" i="1" smtClean="0">
+                              <a:latin typeface="Cambria Math" panose="02040503050406030204" pitchFamily="18" charset="0"/>
+                              <a:ea typeface="Cambria Math" panose="02040503050406030204" pitchFamily="18" charset="0"/>
+                            </a:rPr>
+                            <m:t>−19</m:t>
+                          </m:r>
+                        </m:sup>
+                      </m:sSup>
+                      <m:r>
+                        <a:rPr kumimoji="1" lang="en-US" altLang="ja-JP" b="0" i="1" smtClean="0">
+                          <a:latin typeface="Cambria Math" panose="02040503050406030204" pitchFamily="18" charset="0"/>
+                          <a:ea typeface="Cambria Math" panose="02040503050406030204" pitchFamily="18" charset="0"/>
+                        </a:rPr>
+                        <m:t>×10</m:t>
+                      </m:r>
+                      <m:d>
+                        <m:dPr>
+                          <m:begChr m:val="["/>
+                          <m:endChr m:val="]"/>
+                          <m:ctrlPr>
+                            <a:rPr kumimoji="1" lang="en-US" altLang="ja-JP" b="0" smtClean="0">
+                              <a:latin typeface="Cambria Math" panose="02040503050406030204" pitchFamily="18" charset="0"/>
+                              <a:ea typeface="Cambria Math" panose="02040503050406030204" pitchFamily="18" charset="0"/>
+                            </a:rPr>
+                          </m:ctrlPr>
+                        </m:dPr>
+                        <m:e>
+                          <m:r>
+                            <m:rPr>
+                              <m:sty m:val="p"/>
+                            </m:rPr>
+                            <a:rPr kumimoji="1" lang="en-US" altLang="ja-JP" b="0" i="0" smtClean="0">
+                              <a:latin typeface="Cambria Math" panose="02040503050406030204" pitchFamily="18" charset="0"/>
+                              <a:ea typeface="Cambria Math" panose="02040503050406030204" pitchFamily="18" charset="0"/>
+                            </a:rPr>
+                            <m:t>J</m:t>
+                          </m:r>
+                        </m:e>
+                      </m:d>
+                      <m:r>
+                        <a:rPr kumimoji="1" lang="en-US" altLang="ja-JP" b="0" i="1" smtClean="0">
+                          <a:latin typeface="Cambria Math" panose="02040503050406030204" pitchFamily="18" charset="0"/>
+                          <a:ea typeface="Cambria Math" panose="02040503050406030204" pitchFamily="18" charset="0"/>
+                        </a:rPr>
+                        <m:t>=</m:t>
+                      </m:r>
+                      <m:r>
+                        <a:rPr kumimoji="1" lang="en-US" altLang="ja-JP" b="0" i="1" smtClean="0">
+                          <a:latin typeface="Cambria Math" panose="02040503050406030204" pitchFamily="18" charset="0"/>
+                        </a:rPr>
+                        <m:t> </m:t>
+                      </m:r>
+                      <m:f>
+                        <m:fPr>
+                          <m:ctrlPr>
+                            <a:rPr kumimoji="1" lang="en-US" altLang="ja-JP" b="0" i="1" smtClean="0">
+                              <a:latin typeface="Cambria Math" panose="02040503050406030204" pitchFamily="18" charset="0"/>
+                            </a:rPr>
+                          </m:ctrlPr>
+                        </m:fPr>
+                        <m:num>
+                          <m:r>
+                            <a:rPr kumimoji="1" lang="en-US" altLang="ja-JP" b="0" i="1" smtClean="0">
+                              <a:latin typeface="Cambria Math" panose="02040503050406030204" pitchFamily="18" charset="0"/>
+                            </a:rPr>
+                            <m:t>1</m:t>
+                          </m:r>
+                        </m:num>
+                        <m:den>
+                          <m:r>
+                            <a:rPr kumimoji="1" lang="en-US" altLang="ja-JP" b="0" i="1" smtClean="0">
+                              <a:latin typeface="Cambria Math" panose="02040503050406030204" pitchFamily="18" charset="0"/>
+                            </a:rPr>
+                            <m:t>2</m:t>
+                          </m:r>
+                        </m:den>
+                      </m:f>
+                      <m:r>
+                        <a:rPr kumimoji="1" lang="en-US" altLang="ja-JP" b="0" i="1" smtClean="0">
+                          <a:latin typeface="Cambria Math" panose="02040503050406030204" pitchFamily="18" charset="0"/>
+                        </a:rPr>
+                        <m:t>𝑚</m:t>
+                      </m:r>
+                      <m:sSup>
+                        <m:sSupPr>
+                          <m:ctrlPr>
+                            <a:rPr kumimoji="1" lang="en-US" altLang="ja-JP" b="0" i="1" smtClean="0">
+                              <a:latin typeface="Cambria Math" panose="02040503050406030204" pitchFamily="18" charset="0"/>
+                            </a:rPr>
+                          </m:ctrlPr>
+                        </m:sSupPr>
+                        <m:e>
+                          <m:r>
+                            <a:rPr kumimoji="1" lang="en-US" altLang="ja-JP" b="0" i="1" smtClean="0">
+                              <a:latin typeface="Cambria Math" panose="02040503050406030204" pitchFamily="18" charset="0"/>
+                            </a:rPr>
+                            <m:t> </m:t>
+                          </m:r>
+                          <m:r>
+                            <a:rPr kumimoji="1" lang="en-US" altLang="ja-JP" b="0" i="1" smtClean="0">
+                              <a:latin typeface="Cambria Math" panose="02040503050406030204" pitchFamily="18" charset="0"/>
+                            </a:rPr>
+                            <m:t>𝑣</m:t>
+                          </m:r>
+                        </m:e>
+                        <m:sup>
+                          <m:r>
+                            <a:rPr kumimoji="1" lang="en-US" altLang="ja-JP" b="0" i="1" smtClean="0">
+                              <a:latin typeface="Cambria Math" panose="02040503050406030204" pitchFamily="18" charset="0"/>
+                            </a:rPr>
+                            <m:t>2</m:t>
+                          </m:r>
+                        </m:sup>
+                      </m:sSup>
+                    </m:oMath>
+                  </m:oMathPara>
+                </a14:m>
+                <a:endParaRPr kumimoji="1" lang="ja-JP" altLang="en-US" dirty="0"/>
+              </a:p>
+            </p:txBody>
+          </p:sp>
+        </mc:Choice>
+        <mc:Fallback>
+          <p:sp>
+            <p:nvSpPr>
+              <p:cNvPr id="4" name="テキスト ボックス 3">
+                <a:extLst>
+                  <a:ext uri="{FF2B5EF4-FFF2-40B4-BE49-F238E27FC236}">
+                    <a16:creationId xmlns:a16="http://schemas.microsoft.com/office/drawing/2014/main" id="{3C717D4B-4E3C-47FA-AE3C-ACBA1A7BE736}"/>
+                  </a:ext>
+                </a:extLst>
+              </p:cNvPr>
+              <p:cNvSpPr txBox="1">
+                <a:spLocks noRot="1" noChangeAspect="1" noMove="1" noResize="1" noEditPoints="1" noAdjustHandles="1" noChangeArrowheads="1" noChangeShapeType="1" noTextEdit="1"/>
+              </p:cNvSpPr>
+              <p:nvPr/>
+            </p:nvSpPr>
+            <p:spPr>
+              <a:xfrm>
+                <a:off x="1970202" y="5167938"/>
+                <a:ext cx="4080283" cy="518604"/>
+              </a:xfrm>
+              <a:prstGeom prst="rect">
+                <a:avLst/>
+              </a:prstGeom>
+              <a:blipFill>
+                <a:blip r:embed="rId3"/>
+                <a:stretch>
+                  <a:fillRect/>
+                </a:stretch>
+              </a:blipFill>
+            </p:spPr>
+            <p:txBody>
+              <a:bodyPr/>
+              <a:lstStyle/>
+              <a:p>
+                <a:r>
+                  <a:rPr lang="ja-JP" altLang="en-US">
+                    <a:noFill/>
+                  </a:rPr>
+                  <a:t> </a:t>
+                </a:r>
+              </a:p>
+            </p:txBody>
+          </p:sp>
+        </mc:Fallback>
+      </mc:AlternateContent>
+      <p:sp>
+        <p:nvSpPr>
+          <p:cNvPr id="10" name="タイトル 1">
+            <a:extLst>
+              <a:ext uri="{FF2B5EF4-FFF2-40B4-BE49-F238E27FC236}">
+                <a16:creationId xmlns:a16="http://schemas.microsoft.com/office/drawing/2014/main" id="{13872B6D-D5F2-44D7-877E-897A69003583}"/>
+              </a:ext>
+            </a:extLst>
+          </p:cNvPr>
+          <p:cNvSpPr txBox="1">
+            <a:spLocks/>
+          </p:cNvSpPr>
+          <p:nvPr/>
+        </p:nvSpPr>
+        <p:spPr>
+          <a:xfrm>
+            <a:off x="0" y="18256"/>
+            <a:ext cx="10515600" cy="662782"/>
+          </a:xfrm>
+          <a:prstGeom prst="rect">
+            <a:avLst/>
+          </a:prstGeom>
+        </p:spPr>
+        <p:txBody>
+          <a:bodyPr vert="horz" lIns="91440" tIns="45720" rIns="91440" bIns="45720" rtlCol="0" anchor="ctr">
+            <a:normAutofit/>
+          </a:bodyPr>
+          <a:lstStyle>
+            <a:lvl1pPr algn="l" defTabSz="914400" rtl="0" eaLnBrk="1" latinLnBrk="0" hangingPunct="1">
+              <a:lnSpc>
+                <a:spcPct val="90000"/>
+              </a:lnSpc>
+              <a:spcBef>
+                <a:spcPct val="0"/>
+              </a:spcBef>
+              <a:buNone/>
+              <a:defRPr kumimoji="1" sz="4400" kern="1200">
+                <a:solidFill>
+                  <a:schemeClr val="tx1"/>
+                </a:solidFill>
+                <a:latin typeface="+mj-lt"/>
+                <a:ea typeface="+mj-ea"/>
+                <a:cs typeface="+mj-cs"/>
+              </a:defRPr>
+            </a:lvl1pPr>
+          </a:lstStyle>
+          <a:p>
+            <a:r>
+              <a:rPr lang="en-US" altLang="ja-JP" sz="3200" dirty="0"/>
+              <a:t>3.</a:t>
+            </a:r>
+            <a:r>
+              <a:rPr lang="ja-JP" altLang="en-US" sz="3200" dirty="0"/>
+              <a:t>進捗</a:t>
+            </a:r>
+          </a:p>
+        </p:txBody>
+      </p:sp>
+    </p:spTree>
+    <p:extLst>
+      <p:ext uri="{BB962C8B-B14F-4D97-AF65-F5344CB8AC3E}">
+        <p14:creationId xmlns:p14="http://schemas.microsoft.com/office/powerpoint/2010/main" val="3602367315"/>
       </p:ext>
     </p:extLst>
   </p:cSld>
@@ -8711,306 +10687,6 @@
           <a:chExt cx="0" cy="0"/>
         </a:xfrm>
       </p:grpSpPr>
-      <p:sp>
-        <p:nvSpPr>
-          <p:cNvPr id="2" name="タイトル 1">
-            <a:extLst>
-              <a:ext uri="{FF2B5EF4-FFF2-40B4-BE49-F238E27FC236}">
-                <a16:creationId xmlns:a16="http://schemas.microsoft.com/office/drawing/2014/main" id="{C3895112-EE63-4012-830F-E28C049C4824}"/>
-              </a:ext>
-            </a:extLst>
-          </p:cNvPr>
-          <p:cNvSpPr>
-            <a:spLocks noGrp="1"/>
-          </p:cNvSpPr>
-          <p:nvPr>
-            <p:ph type="title"/>
-          </p:nvPr>
-        </p:nvSpPr>
-        <p:spPr>
-          <a:xfrm>
-            <a:off x="0" y="0"/>
-            <a:ext cx="10515600" cy="1325563"/>
-          </a:xfrm>
-        </p:spPr>
-        <p:txBody>
-          <a:bodyPr/>
-          <a:lstStyle/>
-          <a:p>
-            <a:r>
-              <a:rPr kumimoji="1" lang="ja-JP" altLang="en-US" dirty="0"/>
-              <a:t>初期条件</a:t>
-            </a:r>
-          </a:p>
-        </p:txBody>
-      </p:sp>
-      <p:sp>
-        <p:nvSpPr>
-          <p:cNvPr id="6" name="テキスト ボックス 5">
-            <a:extLst>
-              <a:ext uri="{FF2B5EF4-FFF2-40B4-BE49-F238E27FC236}">
-                <a16:creationId xmlns:a16="http://schemas.microsoft.com/office/drawing/2014/main" id="{11C1712D-772C-420B-AB31-F4E370D565E6}"/>
-              </a:ext>
-            </a:extLst>
-          </p:cNvPr>
-          <p:cNvSpPr txBox="1"/>
-          <p:nvPr/>
-        </p:nvSpPr>
-        <p:spPr>
-          <a:xfrm>
-            <a:off x="0" y="2412620"/>
-            <a:ext cx="1970202" cy="2862322"/>
-          </a:xfrm>
-          <a:prstGeom prst="rect">
-            <a:avLst/>
-          </a:prstGeom>
-          <a:noFill/>
-        </p:spPr>
-        <p:txBody>
-          <a:bodyPr wrap="square" rtlCol="0">
-            <a:spAutoFit/>
-          </a:bodyPr>
-          <a:lstStyle/>
-          <a:p>
-            <a:r>
-              <a:rPr lang="ja-JP" altLang="en-US" sz="2000" dirty="0"/>
-              <a:t>電場、磁場　⇒</a:t>
-            </a:r>
-            <a:endParaRPr lang="en-US" altLang="ja-JP" sz="2000" dirty="0"/>
-          </a:p>
-          <a:p>
-            <a:r>
-              <a:rPr lang="ja-JP" altLang="en-US" sz="2000" dirty="0"/>
-              <a:t>　</a:t>
-            </a:r>
-            <a:endParaRPr lang="en-US" altLang="ja-JP" sz="2000" dirty="0"/>
-          </a:p>
-          <a:p>
-            <a:endParaRPr lang="en-US" altLang="ja-JP" sz="2000" dirty="0"/>
-          </a:p>
-          <a:p>
-            <a:endParaRPr lang="en-US" altLang="ja-JP" sz="2000" dirty="0"/>
-          </a:p>
-          <a:p>
-            <a:endParaRPr lang="en-US" altLang="ja-JP" sz="2000" dirty="0"/>
-          </a:p>
-          <a:p>
-            <a:r>
-              <a:rPr lang="ja-JP" altLang="en-US" sz="2000" dirty="0"/>
-              <a:t>入射イオン　⇒</a:t>
-            </a:r>
-            <a:endParaRPr lang="en-US" altLang="ja-JP" sz="2000" dirty="0"/>
-          </a:p>
-          <a:p>
-            <a:endParaRPr lang="en-US" altLang="ja-JP" sz="2000" dirty="0"/>
-          </a:p>
-          <a:p>
-            <a:r>
-              <a:rPr lang="ja-JP" altLang="en-US" sz="2000" dirty="0"/>
-              <a:t>　</a:t>
-            </a:r>
-            <a:endParaRPr kumimoji="1" lang="en-US" altLang="ja-JP" sz="2000" dirty="0"/>
-          </a:p>
-          <a:p>
-            <a:r>
-              <a:rPr lang="ja-JP" altLang="en-US" sz="2000" dirty="0"/>
-              <a:t>　初速度　　⇒　</a:t>
-            </a:r>
-            <a:endParaRPr kumimoji="1" lang="en-US" altLang="ja-JP" sz="2000" dirty="0"/>
-          </a:p>
-        </p:txBody>
-      </p:sp>
-      <p:sp>
-        <p:nvSpPr>
-          <p:cNvPr id="7" name="テキスト ボックス 6">
-            <a:extLst>
-              <a:ext uri="{FF2B5EF4-FFF2-40B4-BE49-F238E27FC236}">
-                <a16:creationId xmlns:a16="http://schemas.microsoft.com/office/drawing/2014/main" id="{7B9AA92B-0A86-411B-8D33-D0CB2A5E47BD}"/>
-              </a:ext>
-            </a:extLst>
-          </p:cNvPr>
-          <p:cNvSpPr txBox="1"/>
-          <p:nvPr/>
-        </p:nvSpPr>
-        <p:spPr>
-          <a:xfrm>
-            <a:off x="1970202" y="2412620"/>
-            <a:ext cx="3563332" cy="3170099"/>
-          </a:xfrm>
-          <a:prstGeom prst="rect">
-            <a:avLst/>
-          </a:prstGeom>
-          <a:noFill/>
-        </p:spPr>
-        <p:txBody>
-          <a:bodyPr wrap="square" rtlCol="0">
-            <a:spAutoFit/>
-          </a:bodyPr>
-          <a:lstStyle/>
-          <a:p>
-            <a:r>
-              <a:rPr lang="en-US" altLang="ja-JP" sz="2000" dirty="0"/>
-              <a:t>150mm×100mm</a:t>
-            </a:r>
-            <a:r>
-              <a:rPr lang="ja-JP" altLang="en-US" sz="2000" dirty="0"/>
-              <a:t>の範囲内に一様電場、一様磁場</a:t>
-            </a:r>
-            <a:endParaRPr lang="en-US" altLang="ja-JP" sz="2000" dirty="0"/>
-          </a:p>
-          <a:p>
-            <a:r>
-              <a:rPr lang="ja-JP" altLang="en-US" sz="2000" dirty="0"/>
-              <a:t>電場：</a:t>
-            </a:r>
-            <a:r>
-              <a:rPr lang="en-US" altLang="ja-JP" sz="2000" dirty="0"/>
-              <a:t>15000[V/m]</a:t>
-            </a:r>
-          </a:p>
-          <a:p>
-            <a:r>
-              <a:rPr lang="ja-JP" altLang="en-US" sz="2000" dirty="0"/>
-              <a:t>磁場：</a:t>
-            </a:r>
-            <a:r>
-              <a:rPr lang="en-US" altLang="ja-JP" sz="2000" dirty="0"/>
-              <a:t>0.099[T]</a:t>
-            </a:r>
-          </a:p>
-          <a:p>
-            <a:endParaRPr lang="en-US" altLang="ja-JP" sz="2000" dirty="0"/>
-          </a:p>
-          <a:p>
-            <a:r>
-              <a:rPr lang="ja-JP" altLang="en-US" sz="2000" dirty="0"/>
-              <a:t>種類：質量数</a:t>
-            </a:r>
-            <a:r>
-              <a:rPr lang="en-US" altLang="ja-JP" sz="2000" dirty="0"/>
-              <a:t>132</a:t>
-            </a:r>
-            <a:r>
-              <a:rPr lang="ja-JP" altLang="en-US" sz="2000" dirty="0"/>
-              <a:t>の</a:t>
-            </a:r>
-            <a:r>
-              <a:rPr lang="en-US" altLang="ja-JP" sz="2000" dirty="0"/>
-              <a:t>Sn</a:t>
-            </a:r>
-            <a:r>
-              <a:rPr lang="ja-JP" altLang="en-US" sz="2000" dirty="0"/>
-              <a:t>イオン</a:t>
-            </a:r>
-            <a:endParaRPr lang="en-US" altLang="ja-JP" sz="2000" dirty="0"/>
-          </a:p>
-          <a:p>
-            <a:r>
-              <a:rPr kumimoji="1" lang="ja-JP" altLang="en-US" sz="2000" dirty="0"/>
-              <a:t>価数</a:t>
-            </a:r>
-            <a:r>
-              <a:rPr lang="ja-JP" altLang="en-US" sz="2000" dirty="0"/>
-              <a:t>：</a:t>
-            </a:r>
-            <a:r>
-              <a:rPr lang="en-US" altLang="ja-JP" sz="2000" dirty="0"/>
-              <a:t>1</a:t>
-            </a:r>
-            <a:r>
-              <a:rPr lang="ja-JP" altLang="en-US" sz="2000" dirty="0"/>
-              <a:t>価～</a:t>
-            </a:r>
-            <a:r>
-              <a:rPr lang="en-US" altLang="ja-JP" sz="2000" dirty="0"/>
-              <a:t>20</a:t>
-            </a:r>
-            <a:r>
-              <a:rPr lang="ja-JP" altLang="en-US" sz="2000" dirty="0"/>
-              <a:t>価</a:t>
-            </a:r>
-            <a:endParaRPr lang="en-US" altLang="ja-JP" sz="2000" dirty="0"/>
-          </a:p>
-          <a:p>
-            <a:endParaRPr kumimoji="1" lang="en-US" altLang="ja-JP" sz="2000" dirty="0"/>
-          </a:p>
-          <a:p>
-            <a:r>
-              <a:rPr lang="en-US" altLang="ja-JP" sz="2000" dirty="0"/>
-              <a:t>10keV</a:t>
-            </a:r>
-            <a:r>
-              <a:rPr lang="ja-JP" altLang="en-US" sz="2000" dirty="0"/>
-              <a:t>のポテンシャルから計算された値</a:t>
-            </a:r>
-            <a:endParaRPr kumimoji="1" lang="ja-JP" altLang="en-US" sz="2000" dirty="0"/>
-          </a:p>
-        </p:txBody>
-      </p:sp>
-    </p:spTree>
-    <p:extLst>
-      <p:ext uri="{BB962C8B-B14F-4D97-AF65-F5344CB8AC3E}">
-        <p14:creationId xmlns:p14="http://schemas.microsoft.com/office/powerpoint/2010/main" val="3602367315"/>
-      </p:ext>
-    </p:extLst>
-  </p:cSld>
-  <p:clrMapOvr>
-    <a:masterClrMapping/>
-  </p:clrMapOvr>
-</p:sld>
-</file>
-
-<file path=ppt/slides/slide17.xml><?xml version="1.0" encoding="utf-8"?>
-<p:sld xmlns:a="http://schemas.openxmlformats.org/drawingml/2006/main" xmlns:r="http://schemas.openxmlformats.org/officeDocument/2006/relationships" xmlns:p="http://schemas.openxmlformats.org/presentationml/2006/main">
-  <p:cSld>
-    <p:spTree>
-      <p:nvGrpSpPr>
-        <p:cNvPr id="1" name=""/>
-        <p:cNvGrpSpPr/>
-        <p:nvPr/>
-      </p:nvGrpSpPr>
-      <p:grpSpPr>
-        <a:xfrm>
-          <a:off x="0" y="0"/>
-          <a:ext cx="0" cy="0"/>
-          <a:chOff x="0" y="0"/>
-          <a:chExt cx="0" cy="0"/>
-        </a:xfrm>
-      </p:grpSpPr>
-      <p:sp>
-        <p:nvSpPr>
-          <p:cNvPr id="2" name="タイトル 1">
-            <a:extLst>
-              <a:ext uri="{FF2B5EF4-FFF2-40B4-BE49-F238E27FC236}">
-                <a16:creationId xmlns:a16="http://schemas.microsoft.com/office/drawing/2014/main" id="{06377A0F-76E0-47BF-BA71-E115BE754D23}"/>
-              </a:ext>
-            </a:extLst>
-          </p:cNvPr>
-          <p:cNvSpPr>
-            <a:spLocks noGrp="1"/>
-          </p:cNvSpPr>
-          <p:nvPr>
-            <p:ph type="title"/>
-          </p:nvPr>
-        </p:nvSpPr>
-        <p:spPr>
-          <a:xfrm>
-            <a:off x="0" y="0"/>
-            <a:ext cx="10515600" cy="1325563"/>
-          </a:xfrm>
-        </p:spPr>
-        <p:txBody>
-          <a:bodyPr/>
-          <a:lstStyle/>
-          <a:p>
-            <a:r>
-              <a:rPr lang="ja-JP" altLang="en-US" dirty="0"/>
-              <a:t>シミュレーション結果</a:t>
-            </a:r>
-            <a:endParaRPr kumimoji="1" lang="ja-JP" altLang="en-US" dirty="0"/>
-          </a:p>
-        </p:txBody>
-      </p:sp>
       <p:pic>
         <p:nvPicPr>
           <p:cNvPr id="5" name="図 4" descr="グラフ, ヒストグラム&#10;&#10;自動的に生成された説明">
@@ -9189,6 +10865,64 @@
           </p:style>
         </p:cxnSp>
       </p:grpSp>
+      <p:sp>
+        <p:nvSpPr>
+          <p:cNvPr id="8" name="タイトル 1">
+            <a:extLst>
+              <a:ext uri="{FF2B5EF4-FFF2-40B4-BE49-F238E27FC236}">
+                <a16:creationId xmlns:a16="http://schemas.microsoft.com/office/drawing/2014/main" id="{3919A414-E73D-4518-BB06-4E4289C9B87F}"/>
+              </a:ext>
+            </a:extLst>
+          </p:cNvPr>
+          <p:cNvSpPr txBox="1">
+            <a:spLocks/>
+          </p:cNvSpPr>
+          <p:nvPr/>
+        </p:nvSpPr>
+        <p:spPr>
+          <a:xfrm>
+            <a:off x="0" y="18256"/>
+            <a:ext cx="10515600" cy="662782"/>
+          </a:xfrm>
+          <a:prstGeom prst="rect">
+            <a:avLst/>
+          </a:prstGeom>
+        </p:spPr>
+        <p:txBody>
+          <a:bodyPr vert="horz" lIns="91440" tIns="45720" rIns="91440" bIns="45720" rtlCol="0" anchor="ctr">
+            <a:normAutofit/>
+          </a:bodyPr>
+          <a:lstStyle>
+            <a:lvl1pPr algn="l" defTabSz="914400" rtl="0" eaLnBrk="1" latinLnBrk="0" hangingPunct="1">
+              <a:lnSpc>
+                <a:spcPct val="90000"/>
+              </a:lnSpc>
+              <a:spcBef>
+                <a:spcPct val="0"/>
+              </a:spcBef>
+              <a:buNone/>
+              <a:defRPr kumimoji="1" sz="4400" kern="1200">
+                <a:solidFill>
+                  <a:schemeClr val="tx1"/>
+                </a:solidFill>
+                <a:latin typeface="+mj-lt"/>
+                <a:ea typeface="+mj-ea"/>
+                <a:cs typeface="+mj-cs"/>
+              </a:defRPr>
+            </a:lvl1pPr>
+          </a:lstStyle>
+          <a:p>
+            <a:r>
+              <a:rPr lang="en-US" altLang="ja-JP" sz="3200" dirty="0"/>
+              <a:t>3.</a:t>
+            </a:r>
+            <a:r>
+              <a:rPr lang="ja-JP" altLang="en-US" sz="3200" dirty="0"/>
+              <a:t>進捗</a:t>
+            </a:r>
+          </a:p>
+        </p:txBody>
+      </p:sp>
     </p:spTree>
     <p:extLst>
       <p:ext uri="{BB962C8B-B14F-4D97-AF65-F5344CB8AC3E}">
@@ -9202,7 +10936,7 @@
 </p:sld>
 </file>
 
-<file path=ppt/slides/slide18.xml><?xml version="1.0" encoding="utf-8"?>
+<file path=ppt/slides/slide17.xml><?xml version="1.0" encoding="utf-8"?>
 <p:sld xmlns:a="http://schemas.openxmlformats.org/drawingml/2006/main" xmlns:r="http://schemas.openxmlformats.org/officeDocument/2006/relationships" xmlns:p="http://schemas.openxmlformats.org/presentationml/2006/main">
   <p:cSld>
     <p:spTree>
@@ -9219,39 +10953,6 @@
           <a:chExt cx="0" cy="0"/>
         </a:xfrm>
       </p:grpSpPr>
-      <p:sp>
-        <p:nvSpPr>
-          <p:cNvPr id="2" name="タイトル 1">
-            <a:extLst>
-              <a:ext uri="{FF2B5EF4-FFF2-40B4-BE49-F238E27FC236}">
-                <a16:creationId xmlns:a16="http://schemas.microsoft.com/office/drawing/2014/main" id="{C38A0B81-CF8A-4895-89BC-4945BF821BEF}"/>
-              </a:ext>
-            </a:extLst>
-          </p:cNvPr>
-          <p:cNvSpPr>
-            <a:spLocks noGrp="1"/>
-          </p:cNvSpPr>
-          <p:nvPr>
-            <p:ph type="title"/>
-          </p:nvPr>
-        </p:nvSpPr>
-        <p:spPr>
-          <a:xfrm>
-            <a:off x="0" y="0"/>
-            <a:ext cx="10515600" cy="1325563"/>
-          </a:xfrm>
-        </p:spPr>
-        <p:txBody>
-          <a:bodyPr/>
-          <a:lstStyle/>
-          <a:p>
-            <a:r>
-              <a:rPr kumimoji="1" lang="ja-JP" altLang="en-US" dirty="0"/>
-              <a:t>展望　初期設定</a:t>
-            </a:r>
-          </a:p>
-        </p:txBody>
-      </p:sp>
       <p:sp>
         <p:nvSpPr>
           <p:cNvPr id="6" name="テキスト ボックス 5">
@@ -9623,6 +11324,99 @@
           </p:style>
         </p:cxnSp>
       </p:grpSp>
+      <p:sp>
+        <p:nvSpPr>
+          <p:cNvPr id="10" name="タイトル 1">
+            <a:extLst>
+              <a:ext uri="{FF2B5EF4-FFF2-40B4-BE49-F238E27FC236}">
+                <a16:creationId xmlns:a16="http://schemas.microsoft.com/office/drawing/2014/main" id="{EB3602B6-A1E7-4330-ADA8-B98D28B45CC4}"/>
+              </a:ext>
+            </a:extLst>
+          </p:cNvPr>
+          <p:cNvSpPr txBox="1">
+            <a:spLocks/>
+          </p:cNvSpPr>
+          <p:nvPr/>
+        </p:nvSpPr>
+        <p:spPr>
+          <a:xfrm>
+            <a:off x="0" y="18256"/>
+            <a:ext cx="10515600" cy="662782"/>
+          </a:xfrm>
+          <a:prstGeom prst="rect">
+            <a:avLst/>
+          </a:prstGeom>
+        </p:spPr>
+        <p:txBody>
+          <a:bodyPr vert="horz" lIns="91440" tIns="45720" rIns="91440" bIns="45720" rtlCol="0" anchor="ctr">
+            <a:normAutofit/>
+          </a:bodyPr>
+          <a:lstStyle>
+            <a:lvl1pPr algn="l" defTabSz="914400" rtl="0" eaLnBrk="1" latinLnBrk="0" hangingPunct="1">
+              <a:lnSpc>
+                <a:spcPct val="90000"/>
+              </a:lnSpc>
+              <a:spcBef>
+                <a:spcPct val="0"/>
+              </a:spcBef>
+              <a:buNone/>
+              <a:defRPr kumimoji="1" sz="4400" kern="1200">
+                <a:solidFill>
+                  <a:schemeClr val="tx1"/>
+                </a:solidFill>
+                <a:latin typeface="+mj-lt"/>
+                <a:ea typeface="+mj-ea"/>
+                <a:cs typeface="+mj-cs"/>
+              </a:defRPr>
+            </a:lvl1pPr>
+          </a:lstStyle>
+          <a:p>
+            <a:r>
+              <a:rPr lang="en-US" altLang="ja-JP" sz="3200" dirty="0"/>
+              <a:t>4.</a:t>
+            </a:r>
+            <a:r>
+              <a:rPr lang="ja-JP" altLang="en-US" sz="3200" dirty="0"/>
+              <a:t>展望</a:t>
+            </a:r>
+          </a:p>
+        </p:txBody>
+      </p:sp>
+      <p:sp>
+        <p:nvSpPr>
+          <p:cNvPr id="12" name="テキスト ボックス 11">
+            <a:extLst>
+              <a:ext uri="{FF2B5EF4-FFF2-40B4-BE49-F238E27FC236}">
+                <a16:creationId xmlns:a16="http://schemas.microsoft.com/office/drawing/2014/main" id="{DB33619D-69C1-4C9B-B522-9B75E1CBBA43}"/>
+              </a:ext>
+            </a:extLst>
+          </p:cNvPr>
+          <p:cNvSpPr txBox="1"/>
+          <p:nvPr/>
+        </p:nvSpPr>
+        <p:spPr>
+          <a:xfrm>
+            <a:off x="489597" y="1025803"/>
+            <a:ext cx="3964196" cy="461665"/>
+          </a:xfrm>
+          <a:prstGeom prst="rect">
+            <a:avLst/>
+          </a:prstGeom>
+          <a:noFill/>
+        </p:spPr>
+        <p:txBody>
+          <a:bodyPr wrap="square" rtlCol="0">
+            <a:spAutoFit/>
+          </a:bodyPr>
+          <a:lstStyle/>
+          <a:p>
+            <a:r>
+              <a:rPr kumimoji="1" lang="ja-JP" altLang="en-US" sz="2400" dirty="0"/>
+              <a:t>初期条件について</a:t>
+            </a:r>
+          </a:p>
+        </p:txBody>
+      </p:sp>
     </p:spTree>
     <p:extLst>
       <p:ext uri="{BB962C8B-B14F-4D97-AF65-F5344CB8AC3E}">
@@ -9636,7 +11430,7 @@
 </p:sld>
 </file>
 
-<file path=ppt/slides/slide19.xml><?xml version="1.0" encoding="utf-8"?>
+<file path=ppt/slides/slide18.xml><?xml version="1.0" encoding="utf-8"?>
 <p:sld xmlns:a="http://schemas.openxmlformats.org/drawingml/2006/main" xmlns:r="http://schemas.openxmlformats.org/officeDocument/2006/relationships" xmlns:p="http://schemas.openxmlformats.org/presentationml/2006/main">
   <p:cSld>
     <p:spTree>
@@ -9653,83 +11447,6 @@
           <a:chExt cx="0" cy="0"/>
         </a:xfrm>
       </p:grpSpPr>
-      <p:sp>
-        <p:nvSpPr>
-          <p:cNvPr id="2" name="タイトル 1">
-            <a:extLst>
-              <a:ext uri="{FF2B5EF4-FFF2-40B4-BE49-F238E27FC236}">
-                <a16:creationId xmlns:a16="http://schemas.microsoft.com/office/drawing/2014/main" id="{F2702505-D70F-41E1-AE7F-A5752453F7AD}"/>
-              </a:ext>
-            </a:extLst>
-          </p:cNvPr>
-          <p:cNvSpPr>
-            <a:spLocks noGrp="1"/>
-          </p:cNvSpPr>
-          <p:nvPr>
-            <p:ph type="title"/>
-          </p:nvPr>
-        </p:nvSpPr>
-        <p:spPr>
-          <a:xfrm>
-            <a:off x="0" y="18255"/>
-            <a:ext cx="10515600" cy="1325563"/>
-          </a:xfrm>
-        </p:spPr>
-        <p:txBody>
-          <a:bodyPr/>
-          <a:lstStyle/>
-          <a:p>
-            <a:r>
-              <a:rPr kumimoji="1" lang="ja-JP" altLang="en-US" dirty="0"/>
-              <a:t>展望</a:t>
-            </a:r>
-          </a:p>
-        </p:txBody>
-      </p:sp>
-      <p:sp>
-        <p:nvSpPr>
-          <p:cNvPr id="3" name="コンテンツ プレースホルダー 2">
-            <a:extLst>
-              <a:ext uri="{FF2B5EF4-FFF2-40B4-BE49-F238E27FC236}">
-                <a16:creationId xmlns:a16="http://schemas.microsoft.com/office/drawing/2014/main" id="{6B423193-A369-4705-9F75-A1F404D8119C}"/>
-              </a:ext>
-            </a:extLst>
-          </p:cNvPr>
-          <p:cNvSpPr>
-            <a:spLocks noGrp="1"/>
-          </p:cNvSpPr>
-          <p:nvPr>
-            <p:ph idx="1"/>
-          </p:nvPr>
-        </p:nvSpPr>
-        <p:spPr>
-          <a:xfrm>
-            <a:off x="838200" y="1825625"/>
-            <a:ext cx="4601066" cy="4351338"/>
-          </a:xfrm>
-        </p:spPr>
-        <p:txBody>
-          <a:bodyPr/>
-          <a:lstStyle/>
-          <a:p>
-            <a:r>
-              <a:rPr kumimoji="1" lang="ja-JP" altLang="en-US" dirty="0"/>
-              <a:t>電場をラプラス方程式を解いて求めた</a:t>
-            </a:r>
-            <a:endParaRPr kumimoji="1" lang="en-US" altLang="ja-JP" dirty="0"/>
-          </a:p>
-          <a:p>
-            <a:endParaRPr kumimoji="1" lang="en-US" altLang="ja-JP" dirty="0"/>
-          </a:p>
-          <a:p>
-            <a:r>
-              <a:rPr lang="ja-JP" altLang="en-US" dirty="0"/>
-              <a:t>磁場も同様に計算していく</a:t>
-            </a:r>
-            <a:endParaRPr kumimoji="1" lang="ja-JP" altLang="en-US" dirty="0"/>
-          </a:p>
-        </p:txBody>
-      </p:sp>
       <p:pic>
         <p:nvPicPr>
           <p:cNvPr id="4" name="図 3">
@@ -9769,10 +11486,1707 @@
           </a:ln>
         </p:spPr>
       </p:pic>
+      <p:sp>
+        <p:nvSpPr>
+          <p:cNvPr id="8" name="タイトル 1">
+            <a:extLst>
+              <a:ext uri="{FF2B5EF4-FFF2-40B4-BE49-F238E27FC236}">
+                <a16:creationId xmlns:a16="http://schemas.microsoft.com/office/drawing/2014/main" id="{8CFF8EE2-158C-49B7-8C84-C88424AD3F9F}"/>
+              </a:ext>
+            </a:extLst>
+          </p:cNvPr>
+          <p:cNvSpPr txBox="1">
+            <a:spLocks/>
+          </p:cNvSpPr>
+          <p:nvPr/>
+        </p:nvSpPr>
+        <p:spPr>
+          <a:xfrm>
+            <a:off x="0" y="18256"/>
+            <a:ext cx="10515600" cy="662782"/>
+          </a:xfrm>
+          <a:prstGeom prst="rect">
+            <a:avLst/>
+          </a:prstGeom>
+        </p:spPr>
+        <p:txBody>
+          <a:bodyPr vert="horz" lIns="91440" tIns="45720" rIns="91440" bIns="45720" rtlCol="0" anchor="ctr">
+            <a:normAutofit/>
+          </a:bodyPr>
+          <a:lstStyle>
+            <a:lvl1pPr algn="l" defTabSz="914400" rtl="0" eaLnBrk="1" latinLnBrk="0" hangingPunct="1">
+              <a:lnSpc>
+                <a:spcPct val="90000"/>
+              </a:lnSpc>
+              <a:spcBef>
+                <a:spcPct val="0"/>
+              </a:spcBef>
+              <a:buNone/>
+              <a:defRPr kumimoji="1" sz="4400" kern="1200">
+                <a:solidFill>
+                  <a:schemeClr val="tx1"/>
+                </a:solidFill>
+                <a:latin typeface="+mj-lt"/>
+                <a:ea typeface="+mj-ea"/>
+                <a:cs typeface="+mj-cs"/>
+              </a:defRPr>
+            </a:lvl1pPr>
+          </a:lstStyle>
+          <a:p>
+            <a:r>
+              <a:rPr lang="en-US" altLang="ja-JP" sz="3200" dirty="0"/>
+              <a:t>4.</a:t>
+            </a:r>
+            <a:r>
+              <a:rPr lang="ja-JP" altLang="en-US" sz="3200" dirty="0"/>
+              <a:t>展望</a:t>
+            </a:r>
+          </a:p>
+        </p:txBody>
+      </p:sp>
+      <p:sp>
+        <p:nvSpPr>
+          <p:cNvPr id="10" name="テキスト ボックス 9">
+            <a:extLst>
+              <a:ext uri="{FF2B5EF4-FFF2-40B4-BE49-F238E27FC236}">
+                <a16:creationId xmlns:a16="http://schemas.microsoft.com/office/drawing/2014/main" id="{09D97372-75A3-4B48-B51E-7536FA45C56F}"/>
+              </a:ext>
+            </a:extLst>
+          </p:cNvPr>
+          <p:cNvSpPr txBox="1"/>
+          <p:nvPr/>
+        </p:nvSpPr>
+        <p:spPr>
+          <a:xfrm>
+            <a:off x="489597" y="980342"/>
+            <a:ext cx="3964196" cy="461665"/>
+          </a:xfrm>
+          <a:prstGeom prst="rect">
+            <a:avLst/>
+          </a:prstGeom>
+          <a:noFill/>
+        </p:spPr>
+        <p:txBody>
+          <a:bodyPr wrap="square" rtlCol="0">
+            <a:spAutoFit/>
+          </a:bodyPr>
+          <a:lstStyle/>
+          <a:p>
+            <a:r>
+              <a:rPr lang="ja-JP" altLang="en-US" sz="2400" dirty="0"/>
+              <a:t>電場と磁場</a:t>
+            </a:r>
+            <a:r>
+              <a:rPr kumimoji="1" lang="ja-JP" altLang="en-US" sz="2400" dirty="0"/>
+              <a:t>について</a:t>
+            </a:r>
+          </a:p>
+        </p:txBody>
+      </p:sp>
+      <p:sp>
+        <p:nvSpPr>
+          <p:cNvPr id="13" name="テキスト ボックス 12">
+            <a:extLst>
+              <a:ext uri="{FF2B5EF4-FFF2-40B4-BE49-F238E27FC236}">
+                <a16:creationId xmlns:a16="http://schemas.microsoft.com/office/drawing/2014/main" id="{DEDD9986-6F23-47F0-84C1-0BB9A4ADC71D}"/>
+              </a:ext>
+            </a:extLst>
+          </p:cNvPr>
+          <p:cNvSpPr txBox="1"/>
+          <p:nvPr/>
+        </p:nvSpPr>
+        <p:spPr>
+          <a:xfrm>
+            <a:off x="531135" y="3830320"/>
+            <a:ext cx="1940560" cy="369332"/>
+          </a:xfrm>
+          <a:prstGeom prst="rect">
+            <a:avLst/>
+          </a:prstGeom>
+          <a:noFill/>
+        </p:spPr>
+        <p:txBody>
+          <a:bodyPr wrap="square" rtlCol="0">
+            <a:spAutoFit/>
+          </a:bodyPr>
+          <a:lstStyle/>
+          <a:p>
+            <a:r>
+              <a:rPr kumimoji="1" lang="ja-JP" altLang="en-US" dirty="0"/>
+              <a:t>ラプラス方程式</a:t>
+            </a:r>
+          </a:p>
+        </p:txBody>
+      </p:sp>
+      <mc:AlternateContent xmlns:mc="http://schemas.openxmlformats.org/markup-compatibility/2006">
+        <mc:Choice xmlns:a14="http://schemas.microsoft.com/office/drawing/2010/main" Requires="a14">
+          <p:sp>
+            <p:nvSpPr>
+              <p:cNvPr id="14" name="テキスト ボックス 13">
+                <a:extLst>
+                  <a:ext uri="{FF2B5EF4-FFF2-40B4-BE49-F238E27FC236}">
+                    <a16:creationId xmlns:a16="http://schemas.microsoft.com/office/drawing/2014/main" id="{B8A452F5-4964-4318-A379-CFA188585E3C}"/>
+                  </a:ext>
+                </a:extLst>
+              </p:cNvPr>
+              <p:cNvSpPr txBox="1"/>
+              <p:nvPr/>
+            </p:nvSpPr>
+            <p:spPr>
+              <a:xfrm>
+                <a:off x="489597" y="2001520"/>
+                <a:ext cx="1691553" cy="276999"/>
+              </a:xfrm>
+              <a:prstGeom prst="rect">
+                <a:avLst/>
+              </a:prstGeom>
+              <a:noFill/>
+            </p:spPr>
+            <p:txBody>
+              <a:bodyPr wrap="none" lIns="0" tIns="0" rIns="0" bIns="0" rtlCol="0">
+                <a:spAutoFit/>
+              </a:bodyPr>
+              <a:lstStyle/>
+              <a:p>
+                <a14:m>
+                  <m:oMathPara xmlns:m="http://schemas.openxmlformats.org/officeDocument/2006/math">
+                    <m:oMathParaPr>
+                      <m:jc m:val="centerGroup"/>
+                    </m:oMathParaPr>
+                    <m:oMath xmlns:m="http://schemas.openxmlformats.org/officeDocument/2006/math">
+                      <m:r>
+                        <a:rPr kumimoji="1" lang="en-US" altLang="ja-JP" b="0" i="1" smtClean="0">
+                          <a:latin typeface="Cambria Math" panose="02040503050406030204" pitchFamily="18" charset="0"/>
+                        </a:rPr>
+                        <m:t>𝐸</m:t>
+                      </m:r>
+                      <m:r>
+                        <a:rPr kumimoji="1" lang="en-US" altLang="ja-JP" b="0" i="1" smtClean="0">
+                          <a:latin typeface="Cambria Math" panose="02040503050406030204" pitchFamily="18" charset="0"/>
+                        </a:rPr>
+                        <m:t>=−</m:t>
+                      </m:r>
+                      <m:r>
+                        <m:rPr>
+                          <m:sty m:val="p"/>
+                        </m:rPr>
+                        <a:rPr kumimoji="1" lang="ja-JP" altLang="en-US" i="1" smtClean="0">
+                          <a:latin typeface="Cambria Math" panose="02040503050406030204" pitchFamily="18" charset="0"/>
+                        </a:rPr>
+                        <m:t>∇</m:t>
+                      </m:r>
+                      <m:r>
+                        <a:rPr kumimoji="1" lang="ja-JP" altLang="en-US" i="1" smtClean="0">
+                          <a:latin typeface="Cambria Math" panose="02040503050406030204" pitchFamily="18" charset="0"/>
+                        </a:rPr>
+                        <m:t>𝜙</m:t>
+                      </m:r>
+                      <m:d>
+                        <m:dPr>
+                          <m:ctrlPr>
+                            <a:rPr kumimoji="1" lang="en-US" altLang="ja-JP" b="0" i="0" smtClean="0">
+                              <a:latin typeface="Cambria Math" panose="02040503050406030204" pitchFamily="18" charset="0"/>
+                            </a:rPr>
+                          </m:ctrlPr>
+                        </m:dPr>
+                        <m:e>
+                          <m:r>
+                            <m:rPr>
+                              <m:sty m:val="p"/>
+                            </m:rPr>
+                            <a:rPr kumimoji="1" lang="en-US" altLang="ja-JP" b="0" i="0" smtClean="0">
+                              <a:latin typeface="Cambria Math" panose="02040503050406030204" pitchFamily="18" charset="0"/>
+                            </a:rPr>
+                            <m:t>x</m:t>
+                          </m:r>
+                          <m:r>
+                            <a:rPr kumimoji="1" lang="en-US" altLang="ja-JP" b="0" i="0" smtClean="0">
+                              <a:latin typeface="Cambria Math" panose="02040503050406030204" pitchFamily="18" charset="0"/>
+                            </a:rPr>
+                            <m:t>,</m:t>
+                          </m:r>
+                          <m:r>
+                            <m:rPr>
+                              <m:sty m:val="p"/>
+                            </m:rPr>
+                            <a:rPr kumimoji="1" lang="en-US" altLang="ja-JP" b="0" i="0" smtClean="0">
+                              <a:latin typeface="Cambria Math" panose="02040503050406030204" pitchFamily="18" charset="0"/>
+                            </a:rPr>
+                            <m:t>y</m:t>
+                          </m:r>
+                          <m:r>
+                            <a:rPr kumimoji="1" lang="en-US" altLang="ja-JP" b="0" i="0" smtClean="0">
+                              <a:latin typeface="Cambria Math" panose="02040503050406030204" pitchFamily="18" charset="0"/>
+                            </a:rPr>
+                            <m:t>,</m:t>
+                          </m:r>
+                          <m:r>
+                            <m:rPr>
+                              <m:sty m:val="p"/>
+                            </m:rPr>
+                            <a:rPr kumimoji="1" lang="en-US" altLang="ja-JP" b="0" i="0" smtClean="0">
+                              <a:latin typeface="Cambria Math" panose="02040503050406030204" pitchFamily="18" charset="0"/>
+                            </a:rPr>
+                            <m:t>z</m:t>
+                          </m:r>
+                        </m:e>
+                      </m:d>
+                    </m:oMath>
+                  </m:oMathPara>
+                </a14:m>
+                <a:endParaRPr kumimoji="1" lang="ja-JP" altLang="en-US" dirty="0"/>
+              </a:p>
+            </p:txBody>
+          </p:sp>
+        </mc:Choice>
+        <mc:Fallback>
+          <p:sp>
+            <p:nvSpPr>
+              <p:cNvPr id="14" name="テキスト ボックス 13">
+                <a:extLst>
+                  <a:ext uri="{FF2B5EF4-FFF2-40B4-BE49-F238E27FC236}">
+                    <a16:creationId xmlns:a16="http://schemas.microsoft.com/office/drawing/2014/main" id="{B8A452F5-4964-4318-A379-CFA188585E3C}"/>
+                  </a:ext>
+                </a:extLst>
+              </p:cNvPr>
+              <p:cNvSpPr txBox="1">
+                <a:spLocks noRot="1" noChangeAspect="1" noMove="1" noResize="1" noEditPoints="1" noAdjustHandles="1" noChangeArrowheads="1" noChangeShapeType="1" noTextEdit="1"/>
+              </p:cNvSpPr>
+              <p:nvPr/>
+            </p:nvSpPr>
+            <p:spPr>
+              <a:xfrm>
+                <a:off x="489597" y="2001520"/>
+                <a:ext cx="1691553" cy="276999"/>
+              </a:xfrm>
+              <a:prstGeom prst="rect">
+                <a:avLst/>
+              </a:prstGeom>
+              <a:blipFill>
+                <a:blip r:embed="rId3"/>
+                <a:stretch>
+                  <a:fillRect l="-2158" b="-32609"/>
+                </a:stretch>
+              </a:blipFill>
+            </p:spPr>
+            <p:txBody>
+              <a:bodyPr/>
+              <a:lstStyle/>
+              <a:p>
+                <a:r>
+                  <a:rPr lang="ja-JP" altLang="en-US">
+                    <a:noFill/>
+                  </a:rPr>
+                  <a:t> </a:t>
+                </a:r>
+              </a:p>
+            </p:txBody>
+          </p:sp>
+        </mc:Fallback>
+      </mc:AlternateContent>
+      <mc:AlternateContent xmlns:mc="http://schemas.openxmlformats.org/markup-compatibility/2006">
+        <mc:Choice xmlns:a14="http://schemas.microsoft.com/office/drawing/2010/main" Requires="a14">
+          <p:sp>
+            <p:nvSpPr>
+              <p:cNvPr id="15" name="テキスト ボックス 14">
+                <a:extLst>
+                  <a:ext uri="{FF2B5EF4-FFF2-40B4-BE49-F238E27FC236}">
+                    <a16:creationId xmlns:a16="http://schemas.microsoft.com/office/drawing/2014/main" id="{CCF2641E-820D-45E7-BAAF-1D05DAA00F02}"/>
+                  </a:ext>
+                </a:extLst>
+              </p:cNvPr>
+              <p:cNvSpPr txBox="1"/>
+              <p:nvPr/>
+            </p:nvSpPr>
+            <p:spPr>
+              <a:xfrm>
+                <a:off x="734984" y="2733127"/>
+                <a:ext cx="1200778" cy="521361"/>
+              </a:xfrm>
+              <a:prstGeom prst="rect">
+                <a:avLst/>
+              </a:prstGeom>
+              <a:noFill/>
+            </p:spPr>
+            <p:txBody>
+              <a:bodyPr wrap="none" lIns="0" tIns="0" rIns="0" bIns="0" rtlCol="0">
+                <a:spAutoFit/>
+              </a:bodyPr>
+              <a:lstStyle/>
+              <a:p>
+                <a14:m>
+                  <m:oMathPara xmlns:m="http://schemas.openxmlformats.org/officeDocument/2006/math">
+                    <m:oMathParaPr>
+                      <m:jc m:val="centerGroup"/>
+                    </m:oMathParaPr>
+                    <m:oMath xmlns:m="http://schemas.openxmlformats.org/officeDocument/2006/math">
+                      <m:r>
+                        <m:rPr>
+                          <m:sty m:val="p"/>
+                        </m:rPr>
+                        <a:rPr kumimoji="1" lang="ja-JP" altLang="en-US" i="1" smtClean="0">
+                          <a:latin typeface="Cambria Math" panose="02040503050406030204" pitchFamily="18" charset="0"/>
+                        </a:rPr>
+                        <m:t>∇</m:t>
+                      </m:r>
+                      <m:r>
+                        <a:rPr lang="ja-JP" altLang="en-US" i="1">
+                          <a:latin typeface="Cambria Math" panose="02040503050406030204" pitchFamily="18" charset="0"/>
+                        </a:rPr>
+                        <m:t>・</m:t>
+                      </m:r>
+                      <m:r>
+                        <a:rPr lang="en-US" altLang="ja-JP" b="0" i="1" smtClean="0">
+                          <a:latin typeface="Cambria Math" panose="02040503050406030204" pitchFamily="18" charset="0"/>
+                        </a:rPr>
+                        <m:t>𝐸</m:t>
+                      </m:r>
+                      <m:r>
+                        <a:rPr kumimoji="1" lang="en-US" altLang="ja-JP" b="0" i="1" smtClean="0">
+                          <a:latin typeface="Cambria Math" panose="02040503050406030204" pitchFamily="18" charset="0"/>
+                        </a:rPr>
+                        <m:t> = </m:t>
+                      </m:r>
+                      <m:f>
+                        <m:fPr>
+                          <m:ctrlPr>
+                            <a:rPr kumimoji="1" lang="en-US" altLang="ja-JP" b="0" i="1" smtClean="0">
+                              <a:latin typeface="Cambria Math" panose="02040503050406030204" pitchFamily="18" charset="0"/>
+                            </a:rPr>
+                          </m:ctrlPr>
+                        </m:fPr>
+                        <m:num>
+                          <m:r>
+                            <a:rPr kumimoji="1" lang="ja-JP" altLang="en-US" b="0" i="1" smtClean="0">
+                              <a:latin typeface="Cambria Math" panose="02040503050406030204" pitchFamily="18" charset="0"/>
+                            </a:rPr>
+                            <m:t>𝜌</m:t>
+                          </m:r>
+                        </m:num>
+                        <m:den>
+                          <m:sSub>
+                            <m:sSubPr>
+                              <m:ctrlPr>
+                                <a:rPr kumimoji="1" lang="en-US" altLang="ja-JP" b="0" i="1" smtClean="0">
+                                  <a:latin typeface="Cambria Math" panose="02040503050406030204" pitchFamily="18" charset="0"/>
+                                </a:rPr>
+                              </m:ctrlPr>
+                            </m:sSubPr>
+                            <m:e>
+                              <m:r>
+                                <a:rPr kumimoji="1" lang="ja-JP" altLang="en-US" b="0" i="1" smtClean="0">
+                                  <a:latin typeface="Cambria Math" panose="02040503050406030204" pitchFamily="18" charset="0"/>
+                                </a:rPr>
+                                <m:t>𝜀</m:t>
+                              </m:r>
+                            </m:e>
+                            <m:sub>
+                              <m:r>
+                                <a:rPr kumimoji="1" lang="en-US" altLang="ja-JP" b="0" i="1" smtClean="0">
+                                  <a:latin typeface="Cambria Math" panose="02040503050406030204" pitchFamily="18" charset="0"/>
+                                </a:rPr>
+                                <m:t>0</m:t>
+                              </m:r>
+                            </m:sub>
+                          </m:sSub>
+                        </m:den>
+                      </m:f>
+                    </m:oMath>
+                  </m:oMathPara>
+                </a14:m>
+                <a:endParaRPr kumimoji="1" lang="ja-JP" altLang="en-US" dirty="0"/>
+              </a:p>
+            </p:txBody>
+          </p:sp>
+        </mc:Choice>
+        <mc:Fallback>
+          <p:sp>
+            <p:nvSpPr>
+              <p:cNvPr id="15" name="テキスト ボックス 14">
+                <a:extLst>
+                  <a:ext uri="{FF2B5EF4-FFF2-40B4-BE49-F238E27FC236}">
+                    <a16:creationId xmlns:a16="http://schemas.microsoft.com/office/drawing/2014/main" id="{CCF2641E-820D-45E7-BAAF-1D05DAA00F02}"/>
+                  </a:ext>
+                </a:extLst>
+              </p:cNvPr>
+              <p:cNvSpPr txBox="1">
+                <a:spLocks noRot="1" noChangeAspect="1" noMove="1" noResize="1" noEditPoints="1" noAdjustHandles="1" noChangeArrowheads="1" noChangeShapeType="1" noTextEdit="1"/>
+              </p:cNvSpPr>
+              <p:nvPr/>
+            </p:nvSpPr>
+            <p:spPr>
+              <a:xfrm>
+                <a:off x="734984" y="2733127"/>
+                <a:ext cx="1200778" cy="521361"/>
+              </a:xfrm>
+              <a:prstGeom prst="rect">
+                <a:avLst/>
+              </a:prstGeom>
+              <a:blipFill>
+                <a:blip r:embed="rId4"/>
+                <a:stretch>
+                  <a:fillRect/>
+                </a:stretch>
+              </a:blipFill>
+            </p:spPr>
+            <p:txBody>
+              <a:bodyPr/>
+              <a:lstStyle/>
+              <a:p>
+                <a:r>
+                  <a:rPr lang="ja-JP" altLang="en-US">
+                    <a:noFill/>
+                  </a:rPr>
+                  <a:t> </a:t>
+                </a:r>
+              </a:p>
+            </p:txBody>
+          </p:sp>
+        </mc:Fallback>
+      </mc:AlternateContent>
+      <mc:AlternateContent xmlns:mc="http://schemas.openxmlformats.org/markup-compatibility/2006">
+        <mc:Choice xmlns:a14="http://schemas.microsoft.com/office/drawing/2010/main" Requires="a14">
+          <p:sp>
+            <p:nvSpPr>
+              <p:cNvPr id="16" name="テキスト ボックス 15">
+                <a:extLst>
+                  <a:ext uri="{FF2B5EF4-FFF2-40B4-BE49-F238E27FC236}">
+                    <a16:creationId xmlns:a16="http://schemas.microsoft.com/office/drawing/2014/main" id="{021D2DF9-750E-4420-AC9D-97C32856297F}"/>
+                  </a:ext>
+                </a:extLst>
+              </p:cNvPr>
+              <p:cNvSpPr txBox="1"/>
+              <p:nvPr/>
+            </p:nvSpPr>
+            <p:spPr>
+              <a:xfrm>
+                <a:off x="4532812" y="2278518"/>
+                <a:ext cx="1574214" cy="521361"/>
+              </a:xfrm>
+              <a:prstGeom prst="rect">
+                <a:avLst/>
+              </a:prstGeom>
+              <a:noFill/>
+            </p:spPr>
+            <p:txBody>
+              <a:bodyPr wrap="none" lIns="0" tIns="0" rIns="0" bIns="0" rtlCol="0">
+                <a:spAutoFit/>
+              </a:bodyPr>
+              <a:lstStyle/>
+              <a:p>
+                <a14:m>
+                  <m:oMathPara xmlns:m="http://schemas.openxmlformats.org/officeDocument/2006/math">
+                    <m:oMathParaPr>
+                      <m:jc m:val="centerGroup"/>
+                    </m:oMathParaPr>
+                    <m:oMath xmlns:m="http://schemas.openxmlformats.org/officeDocument/2006/math">
+                      <m:r>
+                        <m:rPr>
+                          <m:sty m:val="p"/>
+                        </m:rPr>
+                        <a:rPr kumimoji="1" lang="el-GR" altLang="ja-JP" i="1" smtClean="0">
+                          <a:latin typeface="Cambria Math" panose="02040503050406030204" pitchFamily="18" charset="0"/>
+                          <a:ea typeface="Cambria Math" panose="02040503050406030204" pitchFamily="18" charset="0"/>
+                        </a:rPr>
+                        <m:t>Δ</m:t>
+                      </m:r>
+                      <m:r>
+                        <a:rPr lang="ja-JP" altLang="en-US" i="1">
+                          <a:latin typeface="Cambria Math" panose="02040503050406030204" pitchFamily="18" charset="0"/>
+                        </a:rPr>
+                        <m:t>𝜙</m:t>
+                      </m:r>
+                      <m:d>
+                        <m:dPr>
+                          <m:ctrlPr>
+                            <a:rPr lang="en-US" altLang="ja-JP" i="1">
+                              <a:latin typeface="Cambria Math" panose="02040503050406030204" pitchFamily="18" charset="0"/>
+                            </a:rPr>
+                          </m:ctrlPr>
+                        </m:dPr>
+                        <m:e>
+                          <m:r>
+                            <m:rPr>
+                              <m:sty m:val="p"/>
+                            </m:rPr>
+                            <a:rPr lang="en-US" altLang="ja-JP">
+                              <a:latin typeface="Cambria Math" panose="02040503050406030204" pitchFamily="18" charset="0"/>
+                            </a:rPr>
+                            <m:t>x</m:t>
+                          </m:r>
+                          <m:r>
+                            <a:rPr lang="en-US" altLang="ja-JP">
+                              <a:latin typeface="Cambria Math" panose="02040503050406030204" pitchFamily="18" charset="0"/>
+                            </a:rPr>
+                            <m:t>,</m:t>
+                          </m:r>
+                          <m:r>
+                            <m:rPr>
+                              <m:sty m:val="p"/>
+                            </m:rPr>
+                            <a:rPr lang="en-US" altLang="ja-JP">
+                              <a:latin typeface="Cambria Math" panose="02040503050406030204" pitchFamily="18" charset="0"/>
+                            </a:rPr>
+                            <m:t>y</m:t>
+                          </m:r>
+                          <m:r>
+                            <a:rPr lang="en-US" altLang="ja-JP">
+                              <a:latin typeface="Cambria Math" panose="02040503050406030204" pitchFamily="18" charset="0"/>
+                            </a:rPr>
+                            <m:t>,</m:t>
+                          </m:r>
+                          <m:r>
+                            <m:rPr>
+                              <m:sty m:val="p"/>
+                            </m:rPr>
+                            <a:rPr lang="en-US" altLang="ja-JP">
+                              <a:latin typeface="Cambria Math" panose="02040503050406030204" pitchFamily="18" charset="0"/>
+                            </a:rPr>
+                            <m:t>z</m:t>
+                          </m:r>
+                        </m:e>
+                      </m:d>
+                      <m:r>
+                        <a:rPr lang="en-US" altLang="ja-JP" b="0" i="0" smtClean="0">
+                          <a:latin typeface="Cambria Math" panose="02040503050406030204" pitchFamily="18" charset="0"/>
+                        </a:rPr>
+                        <m:t>=</m:t>
+                      </m:r>
+                      <m:f>
+                        <m:fPr>
+                          <m:ctrlPr>
+                            <a:rPr lang="en-US" altLang="ja-JP" i="1">
+                              <a:latin typeface="Cambria Math" panose="02040503050406030204" pitchFamily="18" charset="0"/>
+                            </a:rPr>
+                          </m:ctrlPr>
+                        </m:fPr>
+                        <m:num>
+                          <m:r>
+                            <a:rPr lang="ja-JP" altLang="en-US" i="1">
+                              <a:latin typeface="Cambria Math" panose="02040503050406030204" pitchFamily="18" charset="0"/>
+                            </a:rPr>
+                            <m:t>𝜌</m:t>
+                          </m:r>
+                        </m:num>
+                        <m:den>
+                          <m:sSub>
+                            <m:sSubPr>
+                              <m:ctrlPr>
+                                <a:rPr lang="en-US" altLang="ja-JP" i="1">
+                                  <a:latin typeface="Cambria Math" panose="02040503050406030204" pitchFamily="18" charset="0"/>
+                                </a:rPr>
+                              </m:ctrlPr>
+                            </m:sSubPr>
+                            <m:e>
+                              <m:r>
+                                <a:rPr lang="ja-JP" altLang="en-US" i="1">
+                                  <a:latin typeface="Cambria Math" panose="02040503050406030204" pitchFamily="18" charset="0"/>
+                                </a:rPr>
+                                <m:t>𝜀</m:t>
+                              </m:r>
+                            </m:e>
+                            <m:sub>
+                              <m:r>
+                                <a:rPr lang="en-US" altLang="ja-JP" i="1">
+                                  <a:latin typeface="Cambria Math" panose="02040503050406030204" pitchFamily="18" charset="0"/>
+                                </a:rPr>
+                                <m:t>0</m:t>
+                              </m:r>
+                            </m:sub>
+                          </m:sSub>
+                        </m:den>
+                      </m:f>
+                    </m:oMath>
+                  </m:oMathPara>
+                </a14:m>
+                <a:endParaRPr kumimoji="1" lang="ja-JP" altLang="en-US" dirty="0"/>
+              </a:p>
+            </p:txBody>
+          </p:sp>
+        </mc:Choice>
+        <mc:Fallback>
+          <p:sp>
+            <p:nvSpPr>
+              <p:cNvPr id="16" name="テキスト ボックス 15">
+                <a:extLst>
+                  <a:ext uri="{FF2B5EF4-FFF2-40B4-BE49-F238E27FC236}">
+                    <a16:creationId xmlns:a16="http://schemas.microsoft.com/office/drawing/2014/main" id="{021D2DF9-750E-4420-AC9D-97C32856297F}"/>
+                  </a:ext>
+                </a:extLst>
+              </p:cNvPr>
+              <p:cNvSpPr txBox="1">
+                <a:spLocks noRot="1" noChangeAspect="1" noMove="1" noResize="1" noEditPoints="1" noAdjustHandles="1" noChangeArrowheads="1" noChangeShapeType="1" noTextEdit="1"/>
+              </p:cNvSpPr>
+              <p:nvPr/>
+            </p:nvSpPr>
+            <p:spPr>
+              <a:xfrm>
+                <a:off x="4532812" y="2278518"/>
+                <a:ext cx="1574214" cy="521361"/>
+              </a:xfrm>
+              <a:prstGeom prst="rect">
+                <a:avLst/>
+              </a:prstGeom>
+              <a:blipFill>
+                <a:blip r:embed="rId5"/>
+                <a:stretch>
+                  <a:fillRect b="-1176"/>
+                </a:stretch>
+              </a:blipFill>
+            </p:spPr>
+            <p:txBody>
+              <a:bodyPr/>
+              <a:lstStyle/>
+              <a:p>
+                <a:r>
+                  <a:rPr lang="ja-JP" altLang="en-US">
+                    <a:noFill/>
+                  </a:rPr>
+                  <a:t> </a:t>
+                </a:r>
+              </a:p>
+            </p:txBody>
+          </p:sp>
+        </mc:Fallback>
+      </mc:AlternateContent>
+      <p:sp>
+        <p:nvSpPr>
+          <p:cNvPr id="17" name="テキスト ボックス 16">
+            <a:extLst>
+              <a:ext uri="{FF2B5EF4-FFF2-40B4-BE49-F238E27FC236}">
+                <a16:creationId xmlns:a16="http://schemas.microsoft.com/office/drawing/2014/main" id="{2B191D67-8F5D-4C14-9374-64D7E2ADF3DD}"/>
+              </a:ext>
+            </a:extLst>
+          </p:cNvPr>
+          <p:cNvSpPr txBox="1"/>
+          <p:nvPr/>
+        </p:nvSpPr>
+        <p:spPr>
+          <a:xfrm>
+            <a:off x="1949528" y="2993007"/>
+            <a:ext cx="1463040" cy="307777"/>
+          </a:xfrm>
+          <a:prstGeom prst="rect">
+            <a:avLst/>
+          </a:prstGeom>
+          <a:noFill/>
+        </p:spPr>
+        <p:txBody>
+          <a:bodyPr wrap="square" rtlCol="0">
+            <a:spAutoFit/>
+          </a:bodyPr>
+          <a:lstStyle/>
+          <a:p>
+            <a:r>
+              <a:rPr kumimoji="1" lang="ja-JP" altLang="en-US" sz="1400" dirty="0"/>
+              <a:t>ガウスの法則</a:t>
+            </a:r>
+          </a:p>
+        </p:txBody>
+      </p:sp>
+      <mc:AlternateContent xmlns:mc="http://schemas.openxmlformats.org/markup-compatibility/2006">
+        <mc:Choice xmlns:a14="http://schemas.microsoft.com/office/drawing/2010/main" Requires="a14">
+          <p:sp>
+            <p:nvSpPr>
+              <p:cNvPr id="19" name="テキスト ボックス 18">
+                <a:extLst>
+                  <a:ext uri="{FF2B5EF4-FFF2-40B4-BE49-F238E27FC236}">
+                    <a16:creationId xmlns:a16="http://schemas.microsoft.com/office/drawing/2014/main" id="{BBEEF375-FDC1-43B7-8B4A-9147C14ECC6C}"/>
+                  </a:ext>
+                </a:extLst>
+              </p:cNvPr>
+              <p:cNvSpPr txBox="1"/>
+              <p:nvPr/>
+            </p:nvSpPr>
+            <p:spPr>
+              <a:xfrm>
+                <a:off x="531135" y="4498641"/>
+                <a:ext cx="2065020" cy="369332"/>
+              </a:xfrm>
+              <a:prstGeom prst="rect">
+                <a:avLst/>
+              </a:prstGeom>
+              <a:noFill/>
+            </p:spPr>
+            <p:txBody>
+              <a:bodyPr wrap="square">
+                <a:spAutoFit/>
+              </a:bodyPr>
+              <a:lstStyle/>
+              <a:p>
+                <a:pPr/>
+                <a14:m>
+                  <m:oMathPara xmlns:m="http://schemas.openxmlformats.org/officeDocument/2006/math">
+                    <m:oMathParaPr>
+                      <m:jc m:val="centerGroup"/>
+                    </m:oMathParaPr>
+                    <m:oMath xmlns:m="http://schemas.openxmlformats.org/officeDocument/2006/math">
+                      <m:r>
+                        <m:rPr>
+                          <m:sty m:val="p"/>
+                        </m:rPr>
+                        <a:rPr kumimoji="1" lang="el-GR" altLang="ja-JP" i="1" smtClean="0">
+                          <a:latin typeface="Cambria Math" panose="02040503050406030204" pitchFamily="18" charset="0"/>
+                          <a:ea typeface="Cambria Math" panose="02040503050406030204" pitchFamily="18" charset="0"/>
+                        </a:rPr>
+                        <m:t>Δ</m:t>
+                      </m:r>
+                      <m:r>
+                        <a:rPr lang="ja-JP" altLang="en-US" i="1">
+                          <a:latin typeface="Cambria Math" panose="02040503050406030204" pitchFamily="18" charset="0"/>
+                        </a:rPr>
+                        <m:t>𝜙</m:t>
+                      </m:r>
+                      <m:d>
+                        <m:dPr>
+                          <m:ctrlPr>
+                            <a:rPr lang="en-US" altLang="ja-JP" i="1">
+                              <a:latin typeface="Cambria Math" panose="02040503050406030204" pitchFamily="18" charset="0"/>
+                            </a:rPr>
+                          </m:ctrlPr>
+                        </m:dPr>
+                        <m:e>
+                          <m:r>
+                            <m:rPr>
+                              <m:sty m:val="p"/>
+                            </m:rPr>
+                            <a:rPr lang="en-US" altLang="ja-JP">
+                              <a:latin typeface="Cambria Math" panose="02040503050406030204" pitchFamily="18" charset="0"/>
+                            </a:rPr>
+                            <m:t>x</m:t>
+                          </m:r>
+                          <m:r>
+                            <a:rPr lang="en-US" altLang="ja-JP">
+                              <a:latin typeface="Cambria Math" panose="02040503050406030204" pitchFamily="18" charset="0"/>
+                            </a:rPr>
+                            <m:t>,</m:t>
+                          </m:r>
+                          <m:r>
+                            <m:rPr>
+                              <m:sty m:val="p"/>
+                            </m:rPr>
+                            <a:rPr lang="en-US" altLang="ja-JP">
+                              <a:latin typeface="Cambria Math" panose="02040503050406030204" pitchFamily="18" charset="0"/>
+                            </a:rPr>
+                            <m:t>y</m:t>
+                          </m:r>
+                          <m:r>
+                            <a:rPr lang="en-US" altLang="ja-JP">
+                              <a:latin typeface="Cambria Math" panose="02040503050406030204" pitchFamily="18" charset="0"/>
+                            </a:rPr>
+                            <m:t>,</m:t>
+                          </m:r>
+                          <m:r>
+                            <m:rPr>
+                              <m:sty m:val="p"/>
+                            </m:rPr>
+                            <a:rPr lang="en-US" altLang="ja-JP">
+                              <a:latin typeface="Cambria Math" panose="02040503050406030204" pitchFamily="18" charset="0"/>
+                            </a:rPr>
+                            <m:t>z</m:t>
+                          </m:r>
+                        </m:e>
+                      </m:d>
+                      <m:r>
+                        <a:rPr lang="en-US" altLang="ja-JP" b="0" i="0" smtClean="0">
+                          <a:latin typeface="Cambria Math" panose="02040503050406030204" pitchFamily="18" charset="0"/>
+                        </a:rPr>
+                        <m:t>=</m:t>
+                      </m:r>
+                      <m:r>
+                        <a:rPr lang="en-US" altLang="ja-JP" b="0" i="0" smtClean="0">
+                          <a:latin typeface="Cambria Math" panose="02040503050406030204" pitchFamily="18" charset="0"/>
+                        </a:rPr>
+                        <m:t>0</m:t>
+                      </m:r>
+                    </m:oMath>
+                  </m:oMathPara>
+                </a14:m>
+                <a:endParaRPr kumimoji="1" lang="ja-JP" altLang="en-US" dirty="0"/>
+              </a:p>
+            </p:txBody>
+          </p:sp>
+        </mc:Choice>
+        <mc:Fallback>
+          <p:sp>
+            <p:nvSpPr>
+              <p:cNvPr id="19" name="テキスト ボックス 18">
+                <a:extLst>
+                  <a:ext uri="{FF2B5EF4-FFF2-40B4-BE49-F238E27FC236}">
+                    <a16:creationId xmlns:a16="http://schemas.microsoft.com/office/drawing/2014/main" id="{BBEEF375-FDC1-43B7-8B4A-9147C14ECC6C}"/>
+                  </a:ext>
+                </a:extLst>
+              </p:cNvPr>
+              <p:cNvSpPr txBox="1">
+                <a:spLocks noRot="1" noChangeAspect="1" noMove="1" noResize="1" noEditPoints="1" noAdjustHandles="1" noChangeArrowheads="1" noChangeShapeType="1" noTextEdit="1"/>
+              </p:cNvSpPr>
+              <p:nvPr/>
+            </p:nvSpPr>
+            <p:spPr>
+              <a:xfrm>
+                <a:off x="531135" y="4498641"/>
+                <a:ext cx="2065020" cy="369332"/>
+              </a:xfrm>
+              <a:prstGeom prst="rect">
+                <a:avLst/>
+              </a:prstGeom>
+              <a:blipFill>
+                <a:blip r:embed="rId6"/>
+                <a:stretch>
+                  <a:fillRect b="-11475"/>
+                </a:stretch>
+              </a:blipFill>
+            </p:spPr>
+            <p:txBody>
+              <a:bodyPr/>
+              <a:lstStyle/>
+              <a:p>
+                <a:r>
+                  <a:rPr lang="ja-JP" altLang="en-US">
+                    <a:noFill/>
+                  </a:rPr>
+                  <a:t> </a:t>
+                </a:r>
+              </a:p>
+            </p:txBody>
+          </p:sp>
+        </mc:Fallback>
+      </mc:AlternateContent>
+      <p:sp>
+        <p:nvSpPr>
+          <p:cNvPr id="20" name="矢印: 右 19">
+            <a:extLst>
+              <a:ext uri="{FF2B5EF4-FFF2-40B4-BE49-F238E27FC236}">
+                <a16:creationId xmlns:a16="http://schemas.microsoft.com/office/drawing/2014/main" id="{6C23665E-F4D0-41FF-9736-2DBF82796EE5}"/>
+              </a:ext>
+            </a:extLst>
+          </p:cNvPr>
+          <p:cNvSpPr/>
+          <p:nvPr/>
+        </p:nvSpPr>
+        <p:spPr>
+          <a:xfrm>
+            <a:off x="3609295" y="2140019"/>
+            <a:ext cx="613235" cy="985520"/>
+          </a:xfrm>
+          <a:prstGeom prst="rightArrow">
+            <a:avLst/>
+          </a:prstGeom>
+          <a:noFill/>
+        </p:spPr>
+        <p:style>
+          <a:lnRef idx="2">
+            <a:schemeClr val="accent1">
+              <a:shade val="50000"/>
+            </a:schemeClr>
+          </a:lnRef>
+          <a:fillRef idx="1">
+            <a:schemeClr val="accent1"/>
+          </a:fillRef>
+          <a:effectRef idx="0">
+            <a:schemeClr val="accent1"/>
+          </a:effectRef>
+          <a:fontRef idx="minor">
+            <a:schemeClr val="lt1"/>
+          </a:fontRef>
+        </p:style>
+        <p:txBody>
+          <a:bodyPr rtlCol="0" anchor="ctr"/>
+          <a:lstStyle/>
+          <a:p>
+            <a:pPr algn="ctr"/>
+            <a:endParaRPr kumimoji="1" lang="ja-JP" altLang="en-US"/>
+          </a:p>
+        </p:txBody>
+      </p:sp>
+      <p:sp>
+        <p:nvSpPr>
+          <p:cNvPr id="21" name="テキスト ボックス 20">
+            <a:extLst>
+              <a:ext uri="{FF2B5EF4-FFF2-40B4-BE49-F238E27FC236}">
+                <a16:creationId xmlns:a16="http://schemas.microsoft.com/office/drawing/2014/main" id="{B68D13C1-8CA2-4F5E-AE3F-3E692AB4179E}"/>
+              </a:ext>
+            </a:extLst>
+          </p:cNvPr>
+          <p:cNvSpPr txBox="1"/>
+          <p:nvPr/>
+        </p:nvSpPr>
+        <p:spPr>
+          <a:xfrm>
+            <a:off x="493310" y="5259696"/>
+            <a:ext cx="4891490" cy="369332"/>
+          </a:xfrm>
+          <a:prstGeom prst="rect">
+            <a:avLst/>
+          </a:prstGeom>
+          <a:noFill/>
+        </p:spPr>
+        <p:txBody>
+          <a:bodyPr wrap="square" rtlCol="0">
+            <a:spAutoFit/>
+          </a:bodyPr>
+          <a:lstStyle/>
+          <a:p>
+            <a:r>
+              <a:rPr kumimoji="1" lang="ja-JP" altLang="en-US" dirty="0"/>
+              <a:t>これを</a:t>
+            </a:r>
+            <a:r>
+              <a:rPr kumimoji="1" lang="en-US" altLang="ja-JP" dirty="0"/>
+              <a:t>2</a:t>
+            </a:r>
+            <a:r>
+              <a:rPr kumimoji="1" lang="ja-JP" altLang="en-US" dirty="0"/>
+              <a:t>次元について考えて、離散化すると、</a:t>
+            </a:r>
+          </a:p>
+        </p:txBody>
+      </p:sp>
+      <mc:AlternateContent xmlns:mc="http://schemas.openxmlformats.org/markup-compatibility/2006">
+        <mc:Choice xmlns:a14="http://schemas.microsoft.com/office/drawing/2010/main" Requires="a14">
+          <p:sp>
+            <p:nvSpPr>
+              <p:cNvPr id="22" name="テキスト ボックス 21">
+                <a:extLst>
+                  <a:ext uri="{FF2B5EF4-FFF2-40B4-BE49-F238E27FC236}">
+                    <a16:creationId xmlns:a16="http://schemas.microsoft.com/office/drawing/2014/main" id="{7EE025A3-8116-4B6C-8024-974E1198870A}"/>
+                  </a:ext>
+                </a:extLst>
+              </p:cNvPr>
+              <p:cNvSpPr txBox="1"/>
+              <p:nvPr/>
+            </p:nvSpPr>
+            <p:spPr>
+              <a:xfrm>
+                <a:off x="1171097" y="5763357"/>
+                <a:ext cx="5723362" cy="391133"/>
+              </a:xfrm>
+              <a:prstGeom prst="rect">
+                <a:avLst/>
+              </a:prstGeom>
+              <a:noFill/>
+            </p:spPr>
+            <p:txBody>
+              <a:bodyPr wrap="none" lIns="0" tIns="0" rIns="0" bIns="0" rtlCol="0">
+                <a:spAutoFit/>
+              </a:bodyPr>
+              <a:lstStyle/>
+              <a:p>
+                <a14:m>
+                  <m:oMath xmlns:m="http://schemas.openxmlformats.org/officeDocument/2006/math">
+                    <m:r>
+                      <a:rPr lang="ja-JP" altLang="en-US" i="1" smtClean="0">
+                        <a:latin typeface="Cambria Math" panose="02040503050406030204" pitchFamily="18" charset="0"/>
+                      </a:rPr>
+                      <m:t>𝜙</m:t>
+                    </m:r>
+                    <m:d>
+                      <m:dPr>
+                        <m:ctrlPr>
+                          <a:rPr lang="en-US" altLang="ja-JP" i="1">
+                            <a:latin typeface="Cambria Math" panose="02040503050406030204" pitchFamily="18" charset="0"/>
+                          </a:rPr>
+                        </m:ctrlPr>
+                      </m:dPr>
+                      <m:e>
+                        <m:r>
+                          <m:rPr>
+                            <m:sty m:val="p"/>
+                          </m:rPr>
+                          <a:rPr lang="en-US" altLang="ja-JP" b="0" i="0" smtClean="0">
+                            <a:latin typeface="Cambria Math" panose="02040503050406030204" pitchFamily="18" charset="0"/>
+                          </a:rPr>
+                          <m:t>i</m:t>
+                        </m:r>
+                        <m:r>
+                          <a:rPr lang="en-US" altLang="ja-JP">
+                            <a:latin typeface="Cambria Math" panose="02040503050406030204" pitchFamily="18" charset="0"/>
+                          </a:rPr>
+                          <m:t>,</m:t>
+                        </m:r>
+                        <m:r>
+                          <a:rPr lang="en-US" altLang="ja-JP" b="0" i="1" smtClean="0">
+                            <a:latin typeface="Cambria Math" panose="02040503050406030204" pitchFamily="18" charset="0"/>
+                          </a:rPr>
+                          <m:t>𝑗</m:t>
+                        </m:r>
+                      </m:e>
+                    </m:d>
+                    <m:r>
+                      <a:rPr lang="en-US" altLang="ja-JP" b="0" i="1" smtClean="0">
+                        <a:latin typeface="Cambria Math" panose="02040503050406030204" pitchFamily="18" charset="0"/>
+                      </a:rPr>
+                      <m:t>= </m:t>
+                    </m:r>
+                    <m:f>
+                      <m:fPr>
+                        <m:ctrlPr>
+                          <a:rPr lang="en-US" altLang="ja-JP" b="0" i="1" smtClean="0">
+                            <a:latin typeface="Cambria Math" panose="02040503050406030204" pitchFamily="18" charset="0"/>
+                          </a:rPr>
+                        </m:ctrlPr>
+                      </m:fPr>
+                      <m:num>
+                        <m:r>
+                          <a:rPr lang="en-US" altLang="ja-JP" b="0" i="1" smtClean="0">
+                            <a:latin typeface="Cambria Math" panose="02040503050406030204" pitchFamily="18" charset="0"/>
+                          </a:rPr>
+                          <m:t>1</m:t>
+                        </m:r>
+                      </m:num>
+                      <m:den>
+                        <m:r>
+                          <a:rPr lang="en-US" altLang="ja-JP" b="0" i="1" smtClean="0">
+                            <a:latin typeface="Cambria Math" panose="02040503050406030204" pitchFamily="18" charset="0"/>
+                          </a:rPr>
+                          <m:t>4</m:t>
+                        </m:r>
+                      </m:den>
+                    </m:f>
+                    <m:r>
+                      <a:rPr lang="en-US" altLang="ja-JP" b="0" i="1" smtClean="0">
+                        <a:latin typeface="Cambria Math" panose="02040503050406030204" pitchFamily="18" charset="0"/>
+                      </a:rPr>
+                      <m:t>(</m:t>
+                    </m:r>
+                    <m:r>
+                      <a:rPr lang="ja-JP" altLang="en-US" i="1">
+                        <a:latin typeface="Cambria Math" panose="02040503050406030204" pitchFamily="18" charset="0"/>
+                      </a:rPr>
+                      <m:t>𝜙</m:t>
+                    </m:r>
+                    <m:d>
+                      <m:dPr>
+                        <m:ctrlPr>
+                          <a:rPr lang="en-US" altLang="ja-JP" i="1">
+                            <a:latin typeface="Cambria Math" panose="02040503050406030204" pitchFamily="18" charset="0"/>
+                          </a:rPr>
+                        </m:ctrlPr>
+                      </m:dPr>
+                      <m:e>
+                        <m:r>
+                          <m:rPr>
+                            <m:sty m:val="p"/>
+                          </m:rPr>
+                          <a:rPr lang="en-US" altLang="ja-JP" b="0" i="0" smtClean="0">
+                            <a:latin typeface="Cambria Math" panose="02040503050406030204" pitchFamily="18" charset="0"/>
+                          </a:rPr>
+                          <m:t>i</m:t>
+                        </m:r>
+                        <m:r>
+                          <a:rPr lang="en-US" altLang="ja-JP" b="0" i="0" smtClean="0">
+                            <a:latin typeface="Cambria Math" panose="02040503050406030204" pitchFamily="18" charset="0"/>
+                          </a:rPr>
+                          <m:t>+</m:t>
+                        </m:r>
+                        <m:r>
+                          <m:rPr>
+                            <m:sty m:val="p"/>
+                          </m:rPr>
+                          <a:rPr lang="el-GR" altLang="ja-JP" b="0" i="1" smtClean="0">
+                            <a:latin typeface="Cambria Math" panose="02040503050406030204" pitchFamily="18" charset="0"/>
+                            <a:ea typeface="Cambria Math" panose="02040503050406030204" pitchFamily="18" charset="0"/>
+                          </a:rPr>
+                          <m:t>δ</m:t>
+                        </m:r>
+                        <m:r>
+                          <a:rPr lang="en-US" altLang="ja-JP">
+                            <a:latin typeface="Cambria Math" panose="02040503050406030204" pitchFamily="18" charset="0"/>
+                          </a:rPr>
+                          <m:t>,</m:t>
+                        </m:r>
+                        <m:r>
+                          <a:rPr lang="en-US" altLang="ja-JP" b="0" i="1" smtClean="0">
+                            <a:latin typeface="Cambria Math" panose="02040503050406030204" pitchFamily="18" charset="0"/>
+                          </a:rPr>
+                          <m:t>𝑗</m:t>
+                        </m:r>
+                      </m:e>
+                    </m:d>
+                  </m:oMath>
+                </a14:m>
+                <a:r>
+                  <a:rPr kumimoji="1" lang="en-US" altLang="ja-JP" dirty="0"/>
+                  <a:t>+</a:t>
+                </a:r>
+                <a14:m>
+                  <m:oMath xmlns:m="http://schemas.openxmlformats.org/officeDocument/2006/math">
+                    <m:r>
+                      <a:rPr lang="ja-JP" altLang="en-US" i="1">
+                        <a:latin typeface="Cambria Math" panose="02040503050406030204" pitchFamily="18" charset="0"/>
+                      </a:rPr>
+                      <m:t>𝜙</m:t>
+                    </m:r>
+                    <m:d>
+                      <m:dPr>
+                        <m:ctrlPr>
+                          <a:rPr lang="en-US" altLang="ja-JP" i="1">
+                            <a:latin typeface="Cambria Math" panose="02040503050406030204" pitchFamily="18" charset="0"/>
+                          </a:rPr>
+                        </m:ctrlPr>
+                      </m:dPr>
+                      <m:e>
+                        <m:r>
+                          <m:rPr>
+                            <m:sty m:val="p"/>
+                          </m:rPr>
+                          <a:rPr lang="en-US" altLang="ja-JP">
+                            <a:latin typeface="Cambria Math" panose="02040503050406030204" pitchFamily="18" charset="0"/>
+                          </a:rPr>
+                          <m:t>i</m:t>
+                        </m:r>
+                        <m:r>
+                          <a:rPr lang="en-US" altLang="ja-JP" b="0" i="1" smtClean="0">
+                            <a:latin typeface="Cambria Math" panose="02040503050406030204" pitchFamily="18" charset="0"/>
+                          </a:rPr>
+                          <m:t>−</m:t>
+                        </m:r>
+                        <m:r>
+                          <m:rPr>
+                            <m:sty m:val="p"/>
+                          </m:rPr>
+                          <a:rPr lang="el-GR" altLang="ja-JP" i="1">
+                            <a:latin typeface="Cambria Math" panose="02040503050406030204" pitchFamily="18" charset="0"/>
+                            <a:ea typeface="Cambria Math" panose="02040503050406030204" pitchFamily="18" charset="0"/>
+                          </a:rPr>
+                          <m:t>δ</m:t>
+                        </m:r>
+                        <m:r>
+                          <a:rPr lang="en-US" altLang="ja-JP">
+                            <a:latin typeface="Cambria Math" panose="02040503050406030204" pitchFamily="18" charset="0"/>
+                          </a:rPr>
+                          <m:t>,</m:t>
+                        </m:r>
+                        <m:r>
+                          <a:rPr lang="en-US" altLang="ja-JP" i="1">
+                            <a:latin typeface="Cambria Math" panose="02040503050406030204" pitchFamily="18" charset="0"/>
+                          </a:rPr>
+                          <m:t>𝑗</m:t>
+                        </m:r>
+                      </m:e>
+                    </m:d>
+                  </m:oMath>
+                </a14:m>
+                <a:r>
+                  <a:rPr kumimoji="1" lang="en-US" altLang="ja-JP" dirty="0"/>
+                  <a:t>+</a:t>
+                </a:r>
+                <a14:m>
+                  <m:oMath xmlns:m="http://schemas.openxmlformats.org/officeDocument/2006/math">
+                    <m:r>
+                      <a:rPr lang="ja-JP" altLang="en-US" i="1">
+                        <a:latin typeface="Cambria Math" panose="02040503050406030204" pitchFamily="18" charset="0"/>
+                      </a:rPr>
+                      <m:t>𝜙</m:t>
+                    </m:r>
+                    <m:d>
+                      <m:dPr>
+                        <m:ctrlPr>
+                          <a:rPr lang="en-US" altLang="ja-JP" i="1">
+                            <a:latin typeface="Cambria Math" panose="02040503050406030204" pitchFamily="18" charset="0"/>
+                          </a:rPr>
+                        </m:ctrlPr>
+                      </m:dPr>
+                      <m:e>
+                        <m:r>
+                          <m:rPr>
+                            <m:sty m:val="p"/>
+                          </m:rPr>
+                          <a:rPr lang="en-US" altLang="ja-JP">
+                            <a:latin typeface="Cambria Math" panose="02040503050406030204" pitchFamily="18" charset="0"/>
+                          </a:rPr>
+                          <m:t>i</m:t>
+                        </m:r>
+                        <m:r>
+                          <a:rPr lang="en-US" altLang="ja-JP">
+                            <a:latin typeface="Cambria Math" panose="02040503050406030204" pitchFamily="18" charset="0"/>
+                          </a:rPr>
+                          <m:t>,</m:t>
+                        </m:r>
+                        <m:r>
+                          <a:rPr lang="en-US" altLang="ja-JP" i="1">
+                            <a:latin typeface="Cambria Math" panose="02040503050406030204" pitchFamily="18" charset="0"/>
+                          </a:rPr>
+                          <m:t>𝑗</m:t>
+                        </m:r>
+                        <m:r>
+                          <a:rPr lang="en-US" altLang="ja-JP">
+                            <a:latin typeface="Cambria Math" panose="02040503050406030204" pitchFamily="18" charset="0"/>
+                          </a:rPr>
+                          <m:t>+</m:t>
+                        </m:r>
+                        <m:r>
+                          <m:rPr>
+                            <m:sty m:val="p"/>
+                          </m:rPr>
+                          <a:rPr lang="el-GR" altLang="ja-JP" i="1">
+                            <a:latin typeface="Cambria Math" panose="02040503050406030204" pitchFamily="18" charset="0"/>
+                            <a:ea typeface="Cambria Math" panose="02040503050406030204" pitchFamily="18" charset="0"/>
+                          </a:rPr>
+                          <m:t>δ</m:t>
+                        </m:r>
+                      </m:e>
+                    </m:d>
+                  </m:oMath>
+                </a14:m>
+                <a:r>
+                  <a:rPr kumimoji="1" lang="en-US" altLang="ja-JP" dirty="0"/>
+                  <a:t>+</a:t>
+                </a:r>
+                <a14:m>
+                  <m:oMath xmlns:m="http://schemas.openxmlformats.org/officeDocument/2006/math">
+                    <m:r>
+                      <a:rPr lang="ja-JP" altLang="en-US" i="1">
+                        <a:latin typeface="Cambria Math" panose="02040503050406030204" pitchFamily="18" charset="0"/>
+                      </a:rPr>
+                      <m:t>𝜙</m:t>
+                    </m:r>
+                    <m:d>
+                      <m:dPr>
+                        <m:ctrlPr>
+                          <a:rPr lang="en-US" altLang="ja-JP" i="1">
+                            <a:latin typeface="Cambria Math" panose="02040503050406030204" pitchFamily="18" charset="0"/>
+                          </a:rPr>
+                        </m:ctrlPr>
+                      </m:dPr>
+                      <m:e>
+                        <m:r>
+                          <m:rPr>
+                            <m:sty m:val="p"/>
+                          </m:rPr>
+                          <a:rPr lang="en-US" altLang="ja-JP">
+                            <a:latin typeface="Cambria Math" panose="02040503050406030204" pitchFamily="18" charset="0"/>
+                          </a:rPr>
+                          <m:t>i</m:t>
+                        </m:r>
+                        <m:r>
+                          <a:rPr lang="en-US" altLang="ja-JP">
+                            <a:latin typeface="Cambria Math" panose="02040503050406030204" pitchFamily="18" charset="0"/>
+                          </a:rPr>
+                          <m:t>,</m:t>
+                        </m:r>
+                        <m:r>
+                          <a:rPr lang="en-US" altLang="ja-JP" i="1">
+                            <a:latin typeface="Cambria Math" panose="02040503050406030204" pitchFamily="18" charset="0"/>
+                          </a:rPr>
+                          <m:t>𝑗</m:t>
+                        </m:r>
+                        <m:r>
+                          <a:rPr lang="en-US" altLang="ja-JP" b="0" i="0" smtClean="0">
+                            <a:latin typeface="Cambria Math" panose="02040503050406030204" pitchFamily="18" charset="0"/>
+                          </a:rPr>
+                          <m:t>−</m:t>
+                        </m:r>
+                        <m:r>
+                          <m:rPr>
+                            <m:sty m:val="p"/>
+                          </m:rPr>
+                          <a:rPr lang="el-GR" altLang="ja-JP" i="1">
+                            <a:latin typeface="Cambria Math" panose="02040503050406030204" pitchFamily="18" charset="0"/>
+                            <a:ea typeface="Cambria Math" panose="02040503050406030204" pitchFamily="18" charset="0"/>
+                          </a:rPr>
+                          <m:t>δ</m:t>
+                        </m:r>
+                      </m:e>
+                    </m:d>
+                  </m:oMath>
+                </a14:m>
+                <a:r>
+                  <a:rPr kumimoji="1" lang="en-US" altLang="ja-JP" dirty="0"/>
+                  <a:t>)</a:t>
+                </a:r>
+                <a:endParaRPr kumimoji="1" lang="ja-JP" altLang="en-US" dirty="0"/>
+              </a:p>
+            </p:txBody>
+          </p:sp>
+        </mc:Choice>
+        <mc:Fallback>
+          <p:sp>
+            <p:nvSpPr>
+              <p:cNvPr id="22" name="テキスト ボックス 21">
+                <a:extLst>
+                  <a:ext uri="{FF2B5EF4-FFF2-40B4-BE49-F238E27FC236}">
+                    <a16:creationId xmlns:a16="http://schemas.microsoft.com/office/drawing/2014/main" id="{7EE025A3-8116-4B6C-8024-974E1198870A}"/>
+                  </a:ext>
+                </a:extLst>
+              </p:cNvPr>
+              <p:cNvSpPr txBox="1">
+                <a:spLocks noRot="1" noChangeAspect="1" noMove="1" noResize="1" noEditPoints="1" noAdjustHandles="1" noChangeArrowheads="1" noChangeShapeType="1" noTextEdit="1"/>
+              </p:cNvSpPr>
+              <p:nvPr/>
+            </p:nvSpPr>
+            <p:spPr>
+              <a:xfrm>
+                <a:off x="1171097" y="5763357"/>
+                <a:ext cx="5723362" cy="391133"/>
+              </a:xfrm>
+              <a:prstGeom prst="rect">
+                <a:avLst/>
+              </a:prstGeom>
+              <a:blipFill>
+                <a:blip r:embed="rId7"/>
+                <a:stretch>
+                  <a:fillRect l="-1810" t="-3077" r="-2023" b="-23077"/>
+                </a:stretch>
+              </a:blipFill>
+            </p:spPr>
+            <p:txBody>
+              <a:bodyPr/>
+              <a:lstStyle/>
+              <a:p>
+                <a:r>
+                  <a:rPr lang="ja-JP" altLang="en-US">
+                    <a:noFill/>
+                  </a:rPr>
+                  <a:t> </a:t>
+                </a:r>
+              </a:p>
+            </p:txBody>
+          </p:sp>
+        </mc:Fallback>
+      </mc:AlternateContent>
     </p:spTree>
     <p:extLst>
       <p:ext uri="{BB962C8B-B14F-4D97-AF65-F5344CB8AC3E}">
         <p14:creationId xmlns:p14="http://schemas.microsoft.com/office/powerpoint/2010/main" val="2809293443"/>
+      </p:ext>
+    </p:extLst>
+  </p:cSld>
+  <p:clrMapOvr>
+    <a:masterClrMapping/>
+  </p:clrMapOvr>
+</p:sld>
+</file>
+
+<file path=ppt/slides/slide19.xml><?xml version="1.0" encoding="utf-8"?>
+<p:sld xmlns:a="http://schemas.openxmlformats.org/drawingml/2006/main" xmlns:r="http://schemas.openxmlformats.org/officeDocument/2006/relationships" xmlns:p="http://schemas.openxmlformats.org/presentationml/2006/main">
+  <p:cSld>
+    <p:spTree>
+      <p:nvGrpSpPr>
+        <p:cNvPr id="1" name=""/>
+        <p:cNvGrpSpPr/>
+        <p:nvPr/>
+      </p:nvGrpSpPr>
+      <p:grpSpPr>
+        <a:xfrm>
+          <a:off x="0" y="0"/>
+          <a:ext cx="0" cy="0"/>
+          <a:chOff x="0" y="0"/>
+          <a:chExt cx="0" cy="0"/>
+        </a:xfrm>
+      </p:grpSpPr>
+      <p:sp>
+        <p:nvSpPr>
+          <p:cNvPr id="4" name="テキスト ボックス 3">
+            <a:extLst>
+              <a:ext uri="{FF2B5EF4-FFF2-40B4-BE49-F238E27FC236}">
+                <a16:creationId xmlns:a16="http://schemas.microsoft.com/office/drawing/2014/main" id="{813983EE-4830-405B-B791-A3C3DB552BBC}"/>
+              </a:ext>
+            </a:extLst>
+          </p:cNvPr>
+          <p:cNvSpPr txBox="1"/>
+          <p:nvPr/>
+        </p:nvSpPr>
+        <p:spPr>
+          <a:xfrm>
+            <a:off x="1093509" y="1800520"/>
+            <a:ext cx="5916891" cy="369332"/>
+          </a:xfrm>
+          <a:prstGeom prst="rect">
+            <a:avLst/>
+          </a:prstGeom>
+          <a:noFill/>
+        </p:spPr>
+        <p:txBody>
+          <a:bodyPr wrap="square" rtlCol="0">
+            <a:spAutoFit/>
+          </a:bodyPr>
+          <a:lstStyle/>
+          <a:p>
+            <a:r>
+              <a:rPr lang="ja-JP" altLang="ja-JP" sz="1800" dirty="0">
+                <a:effectLst/>
+                <a:ea typeface="ＭＳ 明朝" panose="02020609040205080304" pitchFamily="17" charset="-128"/>
+                <a:cs typeface="Times New Roman" panose="02020603050405020304" pitchFamily="18" charset="0"/>
+              </a:rPr>
+              <a:t>検出方法を決定し、装置の設計、製作に移行していく</a:t>
+            </a:r>
+            <a:endParaRPr kumimoji="1" lang="ja-JP" altLang="en-US" dirty="0"/>
+          </a:p>
+        </p:txBody>
+      </p:sp>
+      <p:sp>
+        <p:nvSpPr>
+          <p:cNvPr id="5" name="テキスト ボックス 4">
+            <a:extLst>
+              <a:ext uri="{FF2B5EF4-FFF2-40B4-BE49-F238E27FC236}">
+                <a16:creationId xmlns:a16="http://schemas.microsoft.com/office/drawing/2014/main" id="{1E297969-C015-437D-B6B9-35D808AC3D89}"/>
+              </a:ext>
+            </a:extLst>
+          </p:cNvPr>
+          <p:cNvSpPr txBox="1"/>
+          <p:nvPr/>
+        </p:nvSpPr>
+        <p:spPr>
+          <a:xfrm>
+            <a:off x="980387" y="3799002"/>
+            <a:ext cx="6740165" cy="1477328"/>
+          </a:xfrm>
+          <a:prstGeom prst="rect">
+            <a:avLst/>
+          </a:prstGeom>
+          <a:noFill/>
+        </p:spPr>
+        <p:txBody>
+          <a:bodyPr wrap="square" rtlCol="0">
+            <a:spAutoFit/>
+          </a:bodyPr>
+          <a:lstStyle/>
+          <a:p>
+            <a:pPr marL="228600" algn="just"/>
+            <a:r>
+              <a:rPr kumimoji="1" lang="ja-JP" altLang="en-US" dirty="0"/>
+              <a:t>検出器の選択肢：①</a:t>
+            </a:r>
+            <a:r>
+              <a:rPr lang="en-US" altLang="ja-JP" sz="1800" kern="100" dirty="0">
+                <a:effectLst/>
+                <a:latin typeface="游明朝" panose="02020400000000000000" pitchFamily="18" charset="-128"/>
+                <a:ea typeface="ＭＳ 明朝" panose="02020609040205080304" pitchFamily="17" charset="-128"/>
+                <a:cs typeface="Times New Roman" panose="02020603050405020304" pitchFamily="18" charset="0"/>
+              </a:rPr>
+              <a:t>MCP</a:t>
+            </a:r>
+            <a:r>
+              <a:rPr lang="ja-JP" altLang="ja-JP" sz="1800" kern="100" dirty="0">
+                <a:effectLst/>
+                <a:latin typeface="游明朝" panose="02020400000000000000" pitchFamily="18" charset="-128"/>
+                <a:ea typeface="ＭＳ 明朝" panose="02020609040205080304" pitchFamily="17" charset="-128"/>
+                <a:cs typeface="Times New Roman" panose="02020603050405020304" pitchFamily="18" charset="0"/>
+              </a:rPr>
+              <a:t>の読み出し電極分割</a:t>
+            </a:r>
+            <a:endParaRPr lang="ja-JP" altLang="ja-JP" sz="1800" kern="100" dirty="0">
+              <a:effectLst/>
+              <a:latin typeface="游明朝" panose="02020400000000000000" pitchFamily="18" charset="-128"/>
+              <a:ea typeface="游明朝" panose="02020400000000000000" pitchFamily="18" charset="-128"/>
+              <a:cs typeface="Times New Roman" panose="02020603050405020304" pitchFamily="18" charset="0"/>
+            </a:endParaRPr>
+          </a:p>
+          <a:p>
+            <a:pPr marL="228600" algn="just"/>
+            <a:r>
+              <a:rPr lang="ja-JP" altLang="en-US" kern="100" dirty="0">
+                <a:latin typeface="游明朝" panose="02020400000000000000" pitchFamily="18" charset="-128"/>
+                <a:ea typeface="ＭＳ 明朝" panose="02020609040205080304" pitchFamily="17" charset="-128"/>
+                <a:cs typeface="Times New Roman" panose="02020603050405020304" pitchFamily="18" charset="0"/>
+              </a:rPr>
+              <a:t>　　　　　　　　②</a:t>
+            </a:r>
+            <a:r>
+              <a:rPr lang="en-US" altLang="ja-JP" sz="1800" kern="100" dirty="0">
+                <a:effectLst/>
+                <a:latin typeface="游明朝" panose="02020400000000000000" pitchFamily="18" charset="-128"/>
+                <a:ea typeface="ＭＳ 明朝" panose="02020609040205080304" pitchFamily="17" charset="-128"/>
+                <a:cs typeface="Times New Roman" panose="02020603050405020304" pitchFamily="18" charset="0"/>
+              </a:rPr>
+              <a:t>Si</a:t>
+            </a:r>
+            <a:r>
+              <a:rPr lang="ja-JP" altLang="ja-JP" sz="1800" kern="100" dirty="0">
+                <a:effectLst/>
+                <a:latin typeface="游明朝" panose="02020400000000000000" pitchFamily="18" charset="-128"/>
+                <a:ea typeface="ＭＳ 明朝" panose="02020609040205080304" pitchFamily="17" charset="-128"/>
+                <a:cs typeface="Times New Roman" panose="02020603050405020304" pitchFamily="18" charset="0"/>
+              </a:rPr>
+              <a:t>ストリップ検出器</a:t>
+            </a:r>
+            <a:endParaRPr lang="ja-JP" altLang="ja-JP" sz="1800" kern="100" dirty="0">
+              <a:effectLst/>
+              <a:latin typeface="游明朝" panose="02020400000000000000" pitchFamily="18" charset="-128"/>
+              <a:ea typeface="游明朝" panose="02020400000000000000" pitchFamily="18" charset="-128"/>
+              <a:cs typeface="Times New Roman" panose="02020603050405020304" pitchFamily="18" charset="0"/>
+            </a:endParaRPr>
+          </a:p>
+          <a:p>
+            <a:pPr marL="228600" algn="just"/>
+            <a:r>
+              <a:rPr lang="ja-JP" altLang="en-US" kern="100" dirty="0">
+                <a:latin typeface="游明朝" panose="02020400000000000000" pitchFamily="18" charset="-128"/>
+                <a:ea typeface="ＭＳ 明朝" panose="02020609040205080304" pitchFamily="17" charset="-128"/>
+                <a:cs typeface="Times New Roman" panose="02020603050405020304" pitchFamily="18" charset="0"/>
+              </a:rPr>
+              <a:t>　　　　　　　　③</a:t>
+            </a:r>
+            <a:r>
+              <a:rPr lang="en-US" altLang="ja-JP" sz="1800" kern="100" dirty="0">
+                <a:effectLst/>
+                <a:latin typeface="游明朝" panose="02020400000000000000" pitchFamily="18" charset="-128"/>
+                <a:ea typeface="ＭＳ 明朝" panose="02020609040205080304" pitchFamily="17" charset="-128"/>
+                <a:cs typeface="Times New Roman" panose="02020603050405020304" pitchFamily="18" charset="0"/>
+              </a:rPr>
+              <a:t>MPPC</a:t>
+            </a:r>
+            <a:endParaRPr lang="en-US" altLang="ja-JP" kern="100" dirty="0">
+              <a:latin typeface="游明朝" panose="02020400000000000000" pitchFamily="18" charset="-128"/>
+              <a:ea typeface="游明朝" panose="02020400000000000000" pitchFamily="18" charset="-128"/>
+              <a:cs typeface="Times New Roman" panose="02020603050405020304" pitchFamily="18" charset="0"/>
+            </a:endParaRPr>
+          </a:p>
+          <a:p>
+            <a:pPr marL="228600" algn="just"/>
+            <a:r>
+              <a:rPr lang="ja-JP" altLang="en-US" kern="100" dirty="0">
+                <a:latin typeface="游明朝" panose="02020400000000000000" pitchFamily="18" charset="-128"/>
+                <a:ea typeface="游明朝" panose="02020400000000000000" pitchFamily="18" charset="-128"/>
+                <a:cs typeface="Times New Roman" panose="02020603050405020304" pitchFamily="18" charset="0"/>
+              </a:rPr>
+              <a:t>　　　　　　　　</a:t>
+            </a:r>
+            <a:r>
+              <a:rPr lang="ja-JP" altLang="en-US" kern="100" dirty="0">
+                <a:latin typeface="游明朝" panose="02020400000000000000" pitchFamily="18" charset="-128"/>
+                <a:ea typeface="ＭＳ 明朝" panose="02020609040205080304" pitchFamily="17" charset="-128"/>
+                <a:cs typeface="Times New Roman" panose="02020603050405020304" pitchFamily="18" charset="0"/>
+              </a:rPr>
+              <a:t>④</a:t>
+            </a:r>
+            <a:r>
+              <a:rPr lang="ja-JP" altLang="ja-JP" sz="1800" kern="100" dirty="0">
+                <a:effectLst/>
+                <a:latin typeface="游明朝" panose="02020400000000000000" pitchFamily="18" charset="-128"/>
+                <a:ea typeface="ＭＳ 明朝" panose="02020609040205080304" pitchFamily="17" charset="-128"/>
+                <a:cs typeface="Times New Roman" panose="02020603050405020304" pitchFamily="18" charset="0"/>
+              </a:rPr>
+              <a:t>シンチレーション光の</a:t>
+            </a:r>
+            <a:r>
+              <a:rPr lang="en-US" altLang="ja-JP" sz="1800" kern="100" dirty="0">
+                <a:effectLst/>
+                <a:latin typeface="游明朝" panose="02020400000000000000" pitchFamily="18" charset="-128"/>
+                <a:ea typeface="ＭＳ 明朝" panose="02020609040205080304" pitchFamily="17" charset="-128"/>
+                <a:cs typeface="Times New Roman" panose="02020603050405020304" pitchFamily="18" charset="0"/>
+              </a:rPr>
+              <a:t>CCD</a:t>
+            </a:r>
+            <a:r>
+              <a:rPr lang="ja-JP" altLang="ja-JP" sz="1800" kern="100" dirty="0">
+                <a:effectLst/>
+                <a:latin typeface="游明朝" panose="02020400000000000000" pitchFamily="18" charset="-128"/>
+                <a:ea typeface="ＭＳ 明朝" panose="02020609040205080304" pitchFamily="17" charset="-128"/>
+                <a:cs typeface="Times New Roman" panose="02020603050405020304" pitchFamily="18" charset="0"/>
+              </a:rPr>
+              <a:t>読み出し</a:t>
+            </a:r>
+            <a:endParaRPr lang="ja-JP" altLang="ja-JP" sz="1800" kern="100" dirty="0">
+              <a:effectLst/>
+              <a:latin typeface="游明朝" panose="02020400000000000000" pitchFamily="18" charset="-128"/>
+              <a:ea typeface="游明朝" panose="02020400000000000000" pitchFamily="18" charset="-128"/>
+              <a:cs typeface="Times New Roman" panose="02020603050405020304" pitchFamily="18" charset="0"/>
+            </a:endParaRPr>
+          </a:p>
+          <a:p>
+            <a:endParaRPr kumimoji="1" lang="ja-JP" altLang="en-US" dirty="0"/>
+          </a:p>
+        </p:txBody>
+      </p:sp>
+      <p:sp>
+        <p:nvSpPr>
+          <p:cNvPr id="8" name="タイトル 1">
+            <a:extLst>
+              <a:ext uri="{FF2B5EF4-FFF2-40B4-BE49-F238E27FC236}">
+                <a16:creationId xmlns:a16="http://schemas.microsoft.com/office/drawing/2014/main" id="{623554C6-80B6-4DDB-AF84-379E767BE101}"/>
+              </a:ext>
+            </a:extLst>
+          </p:cNvPr>
+          <p:cNvSpPr txBox="1">
+            <a:spLocks/>
+          </p:cNvSpPr>
+          <p:nvPr/>
+        </p:nvSpPr>
+        <p:spPr>
+          <a:xfrm>
+            <a:off x="0" y="18256"/>
+            <a:ext cx="10515600" cy="662782"/>
+          </a:xfrm>
+          <a:prstGeom prst="rect">
+            <a:avLst/>
+          </a:prstGeom>
+        </p:spPr>
+        <p:txBody>
+          <a:bodyPr vert="horz" lIns="91440" tIns="45720" rIns="91440" bIns="45720" rtlCol="0" anchor="ctr">
+            <a:normAutofit/>
+          </a:bodyPr>
+          <a:lstStyle>
+            <a:lvl1pPr algn="l" defTabSz="914400" rtl="0" eaLnBrk="1" latinLnBrk="0" hangingPunct="1">
+              <a:lnSpc>
+                <a:spcPct val="90000"/>
+              </a:lnSpc>
+              <a:spcBef>
+                <a:spcPct val="0"/>
+              </a:spcBef>
+              <a:buNone/>
+              <a:defRPr kumimoji="1" sz="4400" kern="1200">
+                <a:solidFill>
+                  <a:schemeClr val="tx1"/>
+                </a:solidFill>
+                <a:latin typeface="+mj-lt"/>
+                <a:ea typeface="+mj-ea"/>
+                <a:cs typeface="+mj-cs"/>
+              </a:defRPr>
+            </a:lvl1pPr>
+          </a:lstStyle>
+          <a:p>
+            <a:r>
+              <a:rPr lang="en-US" altLang="ja-JP" sz="3200" dirty="0"/>
+              <a:t>4.</a:t>
+            </a:r>
+            <a:r>
+              <a:rPr lang="ja-JP" altLang="en-US" sz="3200" dirty="0"/>
+              <a:t>展望</a:t>
+            </a:r>
+          </a:p>
+        </p:txBody>
+      </p:sp>
+      <p:sp>
+        <p:nvSpPr>
+          <p:cNvPr id="10" name="テキスト ボックス 9">
+            <a:extLst>
+              <a:ext uri="{FF2B5EF4-FFF2-40B4-BE49-F238E27FC236}">
+                <a16:creationId xmlns:a16="http://schemas.microsoft.com/office/drawing/2014/main" id="{BFAC0B04-3FDE-4E45-B2A3-E3956F968D2D}"/>
+              </a:ext>
+            </a:extLst>
+          </p:cNvPr>
+          <p:cNvSpPr txBox="1"/>
+          <p:nvPr/>
+        </p:nvSpPr>
+        <p:spPr>
+          <a:xfrm>
+            <a:off x="489596" y="980342"/>
+            <a:ext cx="4366883" cy="461665"/>
+          </a:xfrm>
+          <a:prstGeom prst="rect">
+            <a:avLst/>
+          </a:prstGeom>
+          <a:noFill/>
+        </p:spPr>
+        <p:txBody>
+          <a:bodyPr wrap="square" rtlCol="0">
+            <a:spAutoFit/>
+          </a:bodyPr>
+          <a:lstStyle/>
+          <a:p>
+            <a:r>
+              <a:rPr kumimoji="1" lang="ja-JP" altLang="en-US" sz="2400" dirty="0"/>
+              <a:t>シミュレーション後について</a:t>
+            </a:r>
+          </a:p>
+        </p:txBody>
+      </p:sp>
+    </p:spTree>
+    <p:extLst>
+      <p:ext uri="{BB962C8B-B14F-4D97-AF65-F5344CB8AC3E}">
+        <p14:creationId xmlns:p14="http://schemas.microsoft.com/office/powerpoint/2010/main" val="2184556959"/>
       </p:ext>
     </p:extLst>
   </p:cSld>
@@ -10265,284 +13679,6 @@
     <p:extLst>
       <p:ext uri="{BB962C8B-B14F-4D97-AF65-F5344CB8AC3E}">
         <p14:creationId xmlns:p14="http://schemas.microsoft.com/office/powerpoint/2010/main" val="1202225180"/>
-      </p:ext>
-    </p:extLst>
-  </p:cSld>
-  <p:clrMapOvr>
-    <a:masterClrMapping/>
-  </p:clrMapOvr>
-</p:sld>
-</file>
-
-<file path=ppt/slides/slide20.xml><?xml version="1.0" encoding="utf-8"?>
-<p:sld xmlns:a="http://schemas.openxmlformats.org/drawingml/2006/main" xmlns:r="http://schemas.openxmlformats.org/officeDocument/2006/relationships" xmlns:p="http://schemas.openxmlformats.org/presentationml/2006/main">
-  <p:cSld>
-    <p:spTree>
-      <p:nvGrpSpPr>
-        <p:cNvPr id="1" name=""/>
-        <p:cNvGrpSpPr/>
-        <p:nvPr/>
-      </p:nvGrpSpPr>
-      <p:grpSpPr>
-        <a:xfrm>
-          <a:off x="0" y="0"/>
-          <a:ext cx="0" cy="0"/>
-          <a:chOff x="0" y="0"/>
-          <a:chExt cx="0" cy="0"/>
-        </a:xfrm>
-      </p:grpSpPr>
-      <p:sp>
-        <p:nvSpPr>
-          <p:cNvPr id="2" name="タイトル 1">
-            <a:extLst>
-              <a:ext uri="{FF2B5EF4-FFF2-40B4-BE49-F238E27FC236}">
-                <a16:creationId xmlns:a16="http://schemas.microsoft.com/office/drawing/2014/main" id="{8427CE5C-C84D-4731-B6E3-862A96EA5C2B}"/>
-              </a:ext>
-            </a:extLst>
-          </p:cNvPr>
-          <p:cNvSpPr>
-            <a:spLocks noGrp="1"/>
-          </p:cNvSpPr>
-          <p:nvPr>
-            <p:ph type="title"/>
-          </p:nvPr>
-        </p:nvSpPr>
-        <p:spPr>
-          <a:xfrm>
-            <a:off x="0" y="0"/>
-            <a:ext cx="10515600" cy="1325563"/>
-          </a:xfrm>
-        </p:spPr>
-        <p:txBody>
-          <a:bodyPr/>
-          <a:lstStyle/>
-          <a:p>
-            <a:r>
-              <a:rPr kumimoji="1" lang="ja-JP" altLang="en-US" dirty="0"/>
-              <a:t>シミュレーション後</a:t>
-            </a:r>
-          </a:p>
-        </p:txBody>
-      </p:sp>
-      <p:sp>
-        <p:nvSpPr>
-          <p:cNvPr id="4" name="テキスト ボックス 3">
-            <a:extLst>
-              <a:ext uri="{FF2B5EF4-FFF2-40B4-BE49-F238E27FC236}">
-                <a16:creationId xmlns:a16="http://schemas.microsoft.com/office/drawing/2014/main" id="{813983EE-4830-405B-B791-A3C3DB552BBC}"/>
-              </a:ext>
-            </a:extLst>
-          </p:cNvPr>
-          <p:cNvSpPr txBox="1"/>
-          <p:nvPr/>
-        </p:nvSpPr>
-        <p:spPr>
-          <a:xfrm>
-            <a:off x="1093509" y="1800520"/>
-            <a:ext cx="5916891" cy="369332"/>
-          </a:xfrm>
-          <a:prstGeom prst="rect">
-            <a:avLst/>
-          </a:prstGeom>
-          <a:noFill/>
-        </p:spPr>
-        <p:txBody>
-          <a:bodyPr wrap="square" rtlCol="0">
-            <a:spAutoFit/>
-          </a:bodyPr>
-          <a:lstStyle/>
-          <a:p>
-            <a:r>
-              <a:rPr lang="ja-JP" altLang="ja-JP" sz="1800" dirty="0">
-                <a:effectLst/>
-                <a:ea typeface="ＭＳ 明朝" panose="02020609040205080304" pitchFamily="17" charset="-128"/>
-                <a:cs typeface="Times New Roman" panose="02020603050405020304" pitchFamily="18" charset="0"/>
-              </a:rPr>
-              <a:t>検出方法を決定し、装置の設計、製作に移行していく</a:t>
-            </a:r>
-            <a:endParaRPr kumimoji="1" lang="ja-JP" altLang="en-US" dirty="0"/>
-          </a:p>
-        </p:txBody>
-      </p:sp>
-      <p:sp>
-        <p:nvSpPr>
-          <p:cNvPr id="5" name="テキスト ボックス 4">
-            <a:extLst>
-              <a:ext uri="{FF2B5EF4-FFF2-40B4-BE49-F238E27FC236}">
-                <a16:creationId xmlns:a16="http://schemas.microsoft.com/office/drawing/2014/main" id="{1E297969-C015-437D-B6B9-35D808AC3D89}"/>
-              </a:ext>
-            </a:extLst>
-          </p:cNvPr>
-          <p:cNvSpPr txBox="1"/>
-          <p:nvPr/>
-        </p:nvSpPr>
-        <p:spPr>
-          <a:xfrm>
-            <a:off x="980387" y="3799002"/>
-            <a:ext cx="6740165" cy="1477328"/>
-          </a:xfrm>
-          <a:prstGeom prst="rect">
-            <a:avLst/>
-          </a:prstGeom>
-          <a:noFill/>
-        </p:spPr>
-        <p:txBody>
-          <a:bodyPr wrap="square" rtlCol="0">
-            <a:spAutoFit/>
-          </a:bodyPr>
-          <a:lstStyle/>
-          <a:p>
-            <a:pPr marL="228600" algn="just"/>
-            <a:r>
-              <a:rPr kumimoji="1" lang="ja-JP" altLang="en-US" dirty="0"/>
-              <a:t>検出器の選択肢：①</a:t>
-            </a:r>
-            <a:r>
-              <a:rPr lang="en-US" altLang="ja-JP" sz="1800" kern="100" dirty="0">
-                <a:effectLst/>
-                <a:latin typeface="游明朝" panose="02020400000000000000" pitchFamily="18" charset="-128"/>
-                <a:ea typeface="ＭＳ 明朝" panose="02020609040205080304" pitchFamily="17" charset="-128"/>
-                <a:cs typeface="Times New Roman" panose="02020603050405020304" pitchFamily="18" charset="0"/>
-              </a:rPr>
-              <a:t>MCP</a:t>
-            </a:r>
-            <a:r>
-              <a:rPr lang="ja-JP" altLang="ja-JP" sz="1800" kern="100" dirty="0">
-                <a:effectLst/>
-                <a:latin typeface="游明朝" panose="02020400000000000000" pitchFamily="18" charset="-128"/>
-                <a:ea typeface="ＭＳ 明朝" panose="02020609040205080304" pitchFamily="17" charset="-128"/>
-                <a:cs typeface="Times New Roman" panose="02020603050405020304" pitchFamily="18" charset="0"/>
-              </a:rPr>
-              <a:t>の読み出し電極分割</a:t>
-            </a:r>
-            <a:endParaRPr lang="ja-JP" altLang="ja-JP" sz="1800" kern="100" dirty="0">
-              <a:effectLst/>
-              <a:latin typeface="游明朝" panose="02020400000000000000" pitchFamily="18" charset="-128"/>
-              <a:ea typeface="游明朝" panose="02020400000000000000" pitchFamily="18" charset="-128"/>
-              <a:cs typeface="Times New Roman" panose="02020603050405020304" pitchFamily="18" charset="0"/>
-            </a:endParaRPr>
-          </a:p>
-          <a:p>
-            <a:pPr marL="228600" algn="just"/>
-            <a:r>
-              <a:rPr lang="ja-JP" altLang="en-US" kern="100" dirty="0">
-                <a:latin typeface="游明朝" panose="02020400000000000000" pitchFamily="18" charset="-128"/>
-                <a:ea typeface="ＭＳ 明朝" panose="02020609040205080304" pitchFamily="17" charset="-128"/>
-                <a:cs typeface="Times New Roman" panose="02020603050405020304" pitchFamily="18" charset="0"/>
-              </a:rPr>
-              <a:t>　　　　　　　　②</a:t>
-            </a:r>
-            <a:r>
-              <a:rPr lang="en-US" altLang="ja-JP" sz="1800" kern="100" dirty="0">
-                <a:effectLst/>
-                <a:latin typeface="游明朝" panose="02020400000000000000" pitchFamily="18" charset="-128"/>
-                <a:ea typeface="ＭＳ 明朝" panose="02020609040205080304" pitchFamily="17" charset="-128"/>
-                <a:cs typeface="Times New Roman" panose="02020603050405020304" pitchFamily="18" charset="0"/>
-              </a:rPr>
-              <a:t>Si</a:t>
-            </a:r>
-            <a:r>
-              <a:rPr lang="ja-JP" altLang="ja-JP" sz="1800" kern="100" dirty="0">
-                <a:effectLst/>
-                <a:latin typeface="游明朝" panose="02020400000000000000" pitchFamily="18" charset="-128"/>
-                <a:ea typeface="ＭＳ 明朝" panose="02020609040205080304" pitchFamily="17" charset="-128"/>
-                <a:cs typeface="Times New Roman" panose="02020603050405020304" pitchFamily="18" charset="0"/>
-              </a:rPr>
-              <a:t>ストリップ検出器</a:t>
-            </a:r>
-            <a:endParaRPr lang="ja-JP" altLang="ja-JP" sz="1800" kern="100" dirty="0">
-              <a:effectLst/>
-              <a:latin typeface="游明朝" panose="02020400000000000000" pitchFamily="18" charset="-128"/>
-              <a:ea typeface="游明朝" panose="02020400000000000000" pitchFamily="18" charset="-128"/>
-              <a:cs typeface="Times New Roman" panose="02020603050405020304" pitchFamily="18" charset="0"/>
-            </a:endParaRPr>
-          </a:p>
-          <a:p>
-            <a:pPr marL="228600" algn="just"/>
-            <a:r>
-              <a:rPr lang="ja-JP" altLang="en-US" kern="100" dirty="0">
-                <a:latin typeface="游明朝" panose="02020400000000000000" pitchFamily="18" charset="-128"/>
-                <a:ea typeface="ＭＳ 明朝" panose="02020609040205080304" pitchFamily="17" charset="-128"/>
-                <a:cs typeface="Times New Roman" panose="02020603050405020304" pitchFamily="18" charset="0"/>
-              </a:rPr>
-              <a:t>　　　　　　　　③</a:t>
-            </a:r>
-            <a:r>
-              <a:rPr lang="en-US" altLang="ja-JP" sz="1800" kern="100" dirty="0">
-                <a:effectLst/>
-                <a:latin typeface="游明朝" panose="02020400000000000000" pitchFamily="18" charset="-128"/>
-                <a:ea typeface="ＭＳ 明朝" panose="02020609040205080304" pitchFamily="17" charset="-128"/>
-                <a:cs typeface="Times New Roman" panose="02020603050405020304" pitchFamily="18" charset="0"/>
-              </a:rPr>
-              <a:t>MPPC</a:t>
-            </a:r>
-            <a:endParaRPr lang="en-US" altLang="ja-JP" kern="100" dirty="0">
-              <a:latin typeface="游明朝" panose="02020400000000000000" pitchFamily="18" charset="-128"/>
-              <a:ea typeface="游明朝" panose="02020400000000000000" pitchFamily="18" charset="-128"/>
-              <a:cs typeface="Times New Roman" panose="02020603050405020304" pitchFamily="18" charset="0"/>
-            </a:endParaRPr>
-          </a:p>
-          <a:p>
-            <a:pPr marL="228600" algn="just"/>
-            <a:r>
-              <a:rPr lang="ja-JP" altLang="en-US" kern="100" dirty="0">
-                <a:latin typeface="游明朝" panose="02020400000000000000" pitchFamily="18" charset="-128"/>
-                <a:ea typeface="游明朝" panose="02020400000000000000" pitchFamily="18" charset="-128"/>
-                <a:cs typeface="Times New Roman" panose="02020603050405020304" pitchFamily="18" charset="0"/>
-              </a:rPr>
-              <a:t>　　　　　　　　</a:t>
-            </a:r>
-            <a:r>
-              <a:rPr lang="ja-JP" altLang="en-US" kern="100" dirty="0">
-                <a:latin typeface="游明朝" panose="02020400000000000000" pitchFamily="18" charset="-128"/>
-                <a:ea typeface="ＭＳ 明朝" panose="02020609040205080304" pitchFamily="17" charset="-128"/>
-                <a:cs typeface="Times New Roman" panose="02020603050405020304" pitchFamily="18" charset="0"/>
-              </a:rPr>
-              <a:t>④</a:t>
-            </a:r>
-            <a:r>
-              <a:rPr lang="ja-JP" altLang="ja-JP" sz="1800" kern="100" dirty="0">
-                <a:effectLst/>
-                <a:latin typeface="游明朝" panose="02020400000000000000" pitchFamily="18" charset="-128"/>
-                <a:ea typeface="ＭＳ 明朝" panose="02020609040205080304" pitchFamily="17" charset="-128"/>
-                <a:cs typeface="Times New Roman" panose="02020603050405020304" pitchFamily="18" charset="0"/>
-              </a:rPr>
-              <a:t>シンチレーション光の</a:t>
-            </a:r>
-            <a:r>
-              <a:rPr lang="en-US" altLang="ja-JP" sz="1800" kern="100" dirty="0">
-                <a:effectLst/>
-                <a:latin typeface="游明朝" panose="02020400000000000000" pitchFamily="18" charset="-128"/>
-                <a:ea typeface="ＭＳ 明朝" panose="02020609040205080304" pitchFamily="17" charset="-128"/>
-                <a:cs typeface="Times New Roman" panose="02020603050405020304" pitchFamily="18" charset="0"/>
-              </a:rPr>
-              <a:t>CCD</a:t>
-            </a:r>
-            <a:r>
-              <a:rPr lang="ja-JP" altLang="ja-JP" sz="1800" kern="100" dirty="0">
-                <a:effectLst/>
-                <a:latin typeface="游明朝" panose="02020400000000000000" pitchFamily="18" charset="-128"/>
-                <a:ea typeface="ＭＳ 明朝" panose="02020609040205080304" pitchFamily="17" charset="-128"/>
-                <a:cs typeface="Times New Roman" panose="02020603050405020304" pitchFamily="18" charset="0"/>
-              </a:rPr>
-              <a:t>読み出し</a:t>
-            </a:r>
-            <a:endParaRPr lang="ja-JP" altLang="ja-JP" sz="1800" kern="100" dirty="0">
-              <a:effectLst/>
-              <a:latin typeface="游明朝" panose="02020400000000000000" pitchFamily="18" charset="-128"/>
-              <a:ea typeface="游明朝" panose="02020400000000000000" pitchFamily="18" charset="-128"/>
-              <a:cs typeface="Times New Roman" panose="02020603050405020304" pitchFamily="18" charset="0"/>
-            </a:endParaRPr>
-          </a:p>
-          <a:p>
-            <a:endParaRPr kumimoji="1" lang="ja-JP" altLang="en-US" dirty="0"/>
-          </a:p>
-        </p:txBody>
-      </p:sp>
-    </p:spTree>
-    <p:extLst>
-      <p:ext uri="{BB962C8B-B14F-4D97-AF65-F5344CB8AC3E}">
-        <p14:creationId xmlns:p14="http://schemas.microsoft.com/office/powerpoint/2010/main" val="2184556959"/>
       </p:ext>
     </p:extLst>
   </p:cSld>
@@ -12562,7 +15698,7 @@
             <a:lstStyle/>
             <a:p>
               <a:pPr algn="ctr"/>
-              <a:endParaRPr kumimoji="1" lang="ja-JP" altLang="en-US"/>
+              <a:endParaRPr kumimoji="1" lang="ja-JP" altLang="en-US" dirty="0"/>
             </a:p>
           </p:txBody>
         </p:sp>
@@ -13647,8 +16783,8 @@
           </a:p>
         </p:txBody>
       </p:sp>
-      <mc:AlternateContent xmlns:mc="http://schemas.openxmlformats.org/markup-compatibility/2006">
-        <mc:Choice xmlns:a14="http://schemas.microsoft.com/office/drawing/2010/main" Requires="a14">
+      <mc:AlternateContent xmlns:mc="http://schemas.openxmlformats.org/markup-compatibility/2006" xmlns:a14="http://schemas.microsoft.com/office/drawing/2010/main">
+        <mc:Choice Requires="a14">
           <p:sp>
             <p:nvSpPr>
               <p:cNvPr id="7" name="コンテンツ プレースホルダー 2">
@@ -14713,7 +17849,7 @@
             </p:txBody>
           </p:sp>
         </mc:Choice>
-        <mc:Fallback>
+        <mc:Fallback xmlns="">
           <p:sp>
             <p:nvSpPr>
               <p:cNvPr id="7" name="コンテンツ プレースホルダー 2">
@@ -14835,8 +17971,8 @@
             <a:chExt cx="3211135" cy="1077229"/>
           </a:xfrm>
         </p:grpSpPr>
-        <mc:AlternateContent xmlns:mc="http://schemas.openxmlformats.org/markup-compatibility/2006">
-          <mc:Choice xmlns:a14="http://schemas.microsoft.com/office/drawing/2010/main" Requires="a14">
+        <mc:AlternateContent xmlns:mc="http://schemas.openxmlformats.org/markup-compatibility/2006" xmlns:a14="http://schemas.microsoft.com/office/drawing/2010/main">
+          <mc:Choice Requires="a14">
             <p:sp>
               <p:nvSpPr>
                 <p:cNvPr id="5" name="テキスト ボックス 4">
@@ -14865,7 +18001,6 @@
                 </a:bodyPr>
                 <a:lstStyle/>
                 <a:p>
-                  <a:pPr/>
                   <a14:m>
                     <m:oMath xmlns:m="http://schemas.openxmlformats.org/officeDocument/2006/math">
                       <m:f>
@@ -14944,7 +18079,7 @@
               </p:txBody>
             </p:sp>
           </mc:Choice>
-          <mc:Fallback>
+          <mc:Fallback xmlns="">
             <p:sp>
               <p:nvSpPr>
                 <p:cNvPr id="5" name="テキスト ボックス 4">
@@ -15037,8 +18172,8 @@
             </a:p>
           </p:txBody>
         </p:sp>
-        <mc:AlternateContent xmlns:mc="http://schemas.openxmlformats.org/markup-compatibility/2006">
-          <mc:Choice xmlns:a14="http://schemas.microsoft.com/office/drawing/2010/main" Requires="a14">
+        <mc:AlternateContent xmlns:mc="http://schemas.openxmlformats.org/markup-compatibility/2006" xmlns:a14="http://schemas.microsoft.com/office/drawing/2010/main">
+          <mc:Choice Requires="a14">
             <p:sp>
               <p:nvSpPr>
                 <p:cNvPr id="219" name="テキスト ボックス 218">
@@ -15240,7 +18375,7 @@
               </p:txBody>
             </p:sp>
           </mc:Choice>
-          <mc:Fallback>
+          <mc:Fallback xmlns="">
             <p:sp>
               <p:nvSpPr>
                 <p:cNvPr id="219" name="テキスト ボックス 218">
@@ -15286,8 +18421,8 @@
           </mc:Fallback>
         </mc:AlternateContent>
       </p:grpSp>
-      <mc:AlternateContent xmlns:mc="http://schemas.openxmlformats.org/markup-compatibility/2006">
-        <mc:Choice xmlns:a14="http://schemas.microsoft.com/office/drawing/2010/main" Requires="a14">
+      <mc:AlternateContent xmlns:mc="http://schemas.openxmlformats.org/markup-compatibility/2006" xmlns:a14="http://schemas.microsoft.com/office/drawing/2010/main">
+        <mc:Choice Requires="a14">
           <p:sp>
             <p:nvSpPr>
               <p:cNvPr id="217" name="テキスト ボックス 216">
@@ -15394,7 +18529,7 @@
             </p:txBody>
           </p:sp>
         </mc:Choice>
-        <mc:Fallback>
+        <mc:Fallback xmlns="">
           <p:sp>
             <p:nvSpPr>
               <p:cNvPr id="217" name="テキスト ボックス 216">
@@ -15439,8 +18574,8 @@
           </p:sp>
         </mc:Fallback>
       </mc:AlternateContent>
-      <mc:AlternateContent xmlns:mc="http://schemas.openxmlformats.org/markup-compatibility/2006">
-        <mc:Choice xmlns:a14="http://schemas.microsoft.com/office/drawing/2010/main" Requires="a14">
+      <mc:AlternateContent xmlns:mc="http://schemas.openxmlformats.org/markup-compatibility/2006" xmlns:a14="http://schemas.microsoft.com/office/drawing/2010/main">
+        <mc:Choice Requires="a14">
           <p:sp>
             <p:nvSpPr>
               <p:cNvPr id="218" name="テキスト ボックス 217">
@@ -15547,7 +18682,7 @@
             </p:txBody>
           </p:sp>
         </mc:Choice>
-        <mc:Fallback>
+        <mc:Fallback xmlns="">
           <p:sp>
             <p:nvSpPr>
               <p:cNvPr id="218" name="テキスト ボックス 217">
@@ -15640,8 +18775,8 @@
           </a:p>
         </p:txBody>
       </p:sp>
-      <mc:AlternateContent xmlns:mc="http://schemas.openxmlformats.org/markup-compatibility/2006">
-        <mc:Choice xmlns:a14="http://schemas.microsoft.com/office/drawing/2010/main" Requires="a14">
+      <mc:AlternateContent xmlns:mc="http://schemas.openxmlformats.org/markup-compatibility/2006" xmlns:a14="http://schemas.microsoft.com/office/drawing/2010/main">
+        <mc:Choice Requires="a14">
           <p:sp>
             <p:nvSpPr>
               <p:cNvPr id="223" name="テキスト ボックス 222">
@@ -16150,13 +19285,7 @@
                         <a:rPr kumimoji="1" lang="en-US" altLang="ja-JP" sz="1800" b="0" i="1" smtClean="0">
                           <a:latin typeface="Cambria Math" panose="02040503050406030204" pitchFamily="18" charset="0"/>
                         </a:rPr>
-                        <m:t>+</m:t>
-                      </m:r>
-                      <m:r>
-                        <a:rPr kumimoji="1" lang="en-US" altLang="ja-JP" sz="1800" b="0" i="1" smtClean="0">
-                          <a:latin typeface="Cambria Math" panose="02040503050406030204" pitchFamily="18" charset="0"/>
-                        </a:rPr>
-                        <m:t>(</m:t>
+                        <m:t>+(</m:t>
                       </m:r>
                       <m:sSub>
                         <m:sSubPr>
@@ -16228,7 +19357,7 @@
             </p:txBody>
           </p:sp>
         </mc:Choice>
-        <mc:Fallback>
+        <mc:Fallback xmlns="">
           <p:sp>
             <p:nvSpPr>
               <p:cNvPr id="223" name="テキスト ボックス 222">
@@ -16570,8 +19699,8 @@
           </a:p>
         </p:txBody>
       </p:sp>
-      <mc:AlternateContent xmlns:mc="http://schemas.openxmlformats.org/markup-compatibility/2006">
-        <mc:Choice xmlns:a14="http://schemas.microsoft.com/office/drawing/2010/main" Requires="a14">
+      <mc:AlternateContent xmlns:mc="http://schemas.openxmlformats.org/markup-compatibility/2006" xmlns:a14="http://schemas.microsoft.com/office/drawing/2010/main">
+        <mc:Choice Requires="a14">
           <p:sp>
             <p:nvSpPr>
               <p:cNvPr id="10" name="テキスト ボックス 9">
@@ -16761,7 +19890,7 @@
             </p:txBody>
           </p:sp>
         </mc:Choice>
-        <mc:Fallback>
+        <mc:Fallback xmlns="">
           <p:sp>
             <p:nvSpPr>
               <p:cNvPr id="10" name="テキスト ボックス 9">
@@ -16929,8 +20058,8 @@
           <a:chExt cx="0" cy="0"/>
         </a:xfrm>
       </p:grpSpPr>
-      <mc:AlternateContent xmlns:mc="http://schemas.openxmlformats.org/markup-compatibility/2006">
-        <mc:Choice xmlns:a14="http://schemas.microsoft.com/office/drawing/2010/main" Requires="a14">
+      <mc:AlternateContent xmlns:mc="http://schemas.openxmlformats.org/markup-compatibility/2006" xmlns:a14="http://schemas.microsoft.com/office/drawing/2010/main">
+        <mc:Choice Requires="a14">
           <p:sp>
             <p:nvSpPr>
               <p:cNvPr id="4" name="コンテンツ プレースホルダー 2">
@@ -17484,7 +20613,7 @@
             </p:txBody>
           </p:sp>
         </mc:Choice>
-        <mc:Fallback>
+        <mc:Fallback xmlns="">
           <p:sp>
             <p:nvSpPr>
               <p:cNvPr id="4" name="コンテンツ プレースホルダー 2">
@@ -17528,8 +20657,8 @@
           </p:sp>
         </mc:Fallback>
       </mc:AlternateContent>
-      <mc:AlternateContent xmlns:mc="http://schemas.openxmlformats.org/markup-compatibility/2006">
-        <mc:Choice xmlns:a14="http://schemas.microsoft.com/office/drawing/2010/main" Requires="a14">
+      <mc:AlternateContent xmlns:mc="http://schemas.openxmlformats.org/markup-compatibility/2006" xmlns:a14="http://schemas.microsoft.com/office/drawing/2010/main">
+        <mc:Choice Requires="a14">
           <p:sp>
             <p:nvSpPr>
               <p:cNvPr id="6" name="テキスト ボックス 5">
@@ -17558,7 +20687,6 @@
               </a:bodyPr>
               <a:lstStyle/>
               <a:p>
-                <a:pPr/>
                 <a14:m>
                   <m:oMath xmlns:m="http://schemas.openxmlformats.org/officeDocument/2006/math">
                     <m:f>
@@ -17752,7 +20880,7 @@
             </p:txBody>
           </p:sp>
         </mc:Choice>
-        <mc:Fallback>
+        <mc:Fallback xmlns="">
           <p:sp>
             <p:nvSpPr>
               <p:cNvPr id="6" name="テキスト ボックス 5">
@@ -17825,7 +20953,6 @@
           </a:bodyPr>
           <a:lstStyle/>
           <a:p>
-            <a:pPr/>
             <a:endParaRPr kumimoji="1" lang="en-US" altLang="ja-JP" b="0" dirty="0"/>
           </a:p>
           <a:p>
@@ -17836,8 +20963,8 @@
           </a:p>
         </p:txBody>
       </p:sp>
-      <mc:AlternateContent xmlns:mc="http://schemas.openxmlformats.org/markup-compatibility/2006">
-        <mc:Choice xmlns:a14="http://schemas.microsoft.com/office/drawing/2010/main" Requires="a14">
+      <mc:AlternateContent xmlns:mc="http://schemas.openxmlformats.org/markup-compatibility/2006" xmlns:a14="http://schemas.microsoft.com/office/drawing/2010/main">
+        <mc:Choice Requires="a14">
           <p:sp>
             <p:nvSpPr>
               <p:cNvPr id="11" name="テキスト ボックス 10">
@@ -19003,7 +22130,7 @@
             </p:txBody>
           </p:sp>
         </mc:Choice>
-        <mc:Fallback>
+        <mc:Fallback xmlns="">
           <p:sp>
             <p:nvSpPr>
               <p:cNvPr id="11" name="テキスト ボックス 10">
@@ -19048,8 +22175,8 @@
           </p:sp>
         </mc:Fallback>
       </mc:AlternateContent>
-      <mc:AlternateContent xmlns:mc="http://schemas.openxmlformats.org/markup-compatibility/2006">
-        <mc:Choice xmlns:a14="http://schemas.microsoft.com/office/drawing/2010/main" Requires="a14">
+      <mc:AlternateContent xmlns:mc="http://schemas.openxmlformats.org/markup-compatibility/2006" xmlns:a14="http://schemas.microsoft.com/office/drawing/2010/main">
+        <mc:Choice Requires="a14">
           <p:sp>
             <p:nvSpPr>
               <p:cNvPr id="12" name="テキスト ボックス 11">
@@ -19636,7 +22763,7 @@
             </p:txBody>
           </p:sp>
         </mc:Choice>
-        <mc:Fallback>
+        <mc:Fallback xmlns="">
           <p:sp>
             <p:nvSpPr>
               <p:cNvPr id="12" name="テキスト ボックス 11">

--- a/docs/中間発表.pptx
+++ b/docs/中間発表.pptx
@@ -6103,8 +6103,8 @@
             </a:p>
           </p:txBody>
         </p:sp>
-        <mc:AlternateContent xmlns:mc="http://schemas.openxmlformats.org/markup-compatibility/2006">
-          <mc:Choice xmlns:a14="http://schemas.microsoft.com/office/drawing/2010/main" Requires="a14">
+        <mc:AlternateContent xmlns:mc="http://schemas.openxmlformats.org/markup-compatibility/2006" xmlns:a14="http://schemas.microsoft.com/office/drawing/2010/main">
+          <mc:Choice Requires="a14">
             <p:sp>
               <p:nvSpPr>
                 <p:cNvPr id="46" name="テキスト ボックス 45">
@@ -6268,7 +6268,7 @@
               </p:txBody>
             </p:sp>
           </mc:Choice>
-          <mc:Fallback>
+          <mc:Fallback xmlns="">
             <p:sp>
               <p:nvSpPr>
                 <p:cNvPr id="46" name="テキスト ボックス 45">
@@ -6313,8 +6313,8 @@
             </p:sp>
           </mc:Fallback>
         </mc:AlternateContent>
-        <mc:AlternateContent xmlns:mc="http://schemas.openxmlformats.org/markup-compatibility/2006">
-          <mc:Choice xmlns:a14="http://schemas.microsoft.com/office/drawing/2010/main" Requires="a14">
+        <mc:AlternateContent xmlns:mc="http://schemas.openxmlformats.org/markup-compatibility/2006" xmlns:a14="http://schemas.microsoft.com/office/drawing/2010/main">
+          <mc:Choice Requires="a14">
             <p:sp>
               <p:nvSpPr>
                 <p:cNvPr id="49" name="テキスト ボックス 48">
@@ -6426,7 +6426,7 @@
               </p:txBody>
             </p:sp>
           </mc:Choice>
-          <mc:Fallback>
+          <mc:Fallback xmlns="">
             <p:sp>
               <p:nvSpPr>
                 <p:cNvPr id="49" name="テキスト ボックス 48">
@@ -6471,8 +6471,8 @@
             </p:sp>
           </mc:Fallback>
         </mc:AlternateContent>
-        <mc:AlternateContent xmlns:mc="http://schemas.openxmlformats.org/markup-compatibility/2006">
-          <mc:Choice xmlns:a14="http://schemas.microsoft.com/office/drawing/2010/main" Requires="a14">
+        <mc:AlternateContent xmlns:mc="http://schemas.openxmlformats.org/markup-compatibility/2006" xmlns:a14="http://schemas.microsoft.com/office/drawing/2010/main">
+          <mc:Choice Requires="a14">
             <p:sp>
               <p:nvSpPr>
                 <p:cNvPr id="51" name="テキスト ボックス 50">
@@ -6684,7 +6684,7 @@
               </p:txBody>
             </p:sp>
           </mc:Choice>
-          <mc:Fallback>
+          <mc:Fallback xmlns="">
             <p:sp>
               <p:nvSpPr>
                 <p:cNvPr id="51" name="テキスト ボックス 50">
@@ -7244,8 +7244,8 @@
             </a:p>
           </p:txBody>
         </p:sp>
-        <mc:AlternateContent xmlns:mc="http://schemas.openxmlformats.org/markup-compatibility/2006">
-          <mc:Choice xmlns:a14="http://schemas.microsoft.com/office/drawing/2010/main" Requires="a14">
+        <mc:AlternateContent xmlns:mc="http://schemas.openxmlformats.org/markup-compatibility/2006" xmlns:a14="http://schemas.microsoft.com/office/drawing/2010/main">
+          <mc:Choice Requires="a14">
             <p:sp>
               <p:nvSpPr>
                 <p:cNvPr id="42" name="テキスト ボックス 41">
@@ -7274,6 +7274,7 @@
                 </a:bodyPr>
                 <a:lstStyle/>
                 <a:p>
+                  <a:pPr/>
                   <a14:m>
                     <m:oMathPara xmlns:m="http://schemas.openxmlformats.org/officeDocument/2006/math">
                       <m:oMathParaPr>
@@ -7375,7 +7376,7 @@
               </p:txBody>
             </p:sp>
           </mc:Choice>
-          <mc:Fallback>
+          <mc:Fallback xmlns="">
             <p:sp>
               <p:nvSpPr>
                 <p:cNvPr id="42" name="テキスト ボックス 41">
@@ -7420,8 +7421,8 @@
             </p:sp>
           </mc:Fallback>
         </mc:AlternateContent>
-        <mc:AlternateContent xmlns:mc="http://schemas.openxmlformats.org/markup-compatibility/2006">
-          <mc:Choice xmlns:a14="http://schemas.microsoft.com/office/drawing/2010/main" Requires="a14">
+        <mc:AlternateContent xmlns:mc="http://schemas.openxmlformats.org/markup-compatibility/2006" xmlns:a14="http://schemas.microsoft.com/office/drawing/2010/main">
+          <mc:Choice Requires="a14">
             <p:sp>
               <p:nvSpPr>
                 <p:cNvPr id="44" name="テキスト ボックス 43">
@@ -7565,7 +7566,7 @@
               </p:txBody>
             </p:sp>
           </mc:Choice>
-          <mc:Fallback>
+          <mc:Fallback xmlns="">
             <p:sp>
               <p:nvSpPr>
                 <p:cNvPr id="44" name="テキスト ボックス 43">
@@ -7610,8 +7611,8 @@
             </p:sp>
           </mc:Fallback>
         </mc:AlternateContent>
-        <mc:AlternateContent xmlns:mc="http://schemas.openxmlformats.org/markup-compatibility/2006">
-          <mc:Choice xmlns:a14="http://schemas.microsoft.com/office/drawing/2010/main" Requires="a14">
+        <mc:AlternateContent xmlns:mc="http://schemas.openxmlformats.org/markup-compatibility/2006" xmlns:a14="http://schemas.microsoft.com/office/drawing/2010/main">
+          <mc:Choice Requires="a14">
             <p:sp>
               <p:nvSpPr>
                 <p:cNvPr id="47" name="テキスト ボックス 46">
@@ -7640,6 +7641,7 @@
                 </a:bodyPr>
                 <a:lstStyle/>
                 <a:p>
+                  <a:pPr/>
                   <a14:m>
                     <m:oMathPara xmlns:m="http://schemas.openxmlformats.org/officeDocument/2006/math">
                       <m:oMathParaPr>
@@ -7649,7 +7651,7 @@
                         <m:sSub>
                           <m:sSubPr>
                             <m:ctrlPr>
-                              <a:rPr kumimoji="1" lang="en-US" altLang="ja-JP" smtClean="0">
+                              <a:rPr kumimoji="1" lang="en-US" altLang="ja-JP" i="1" smtClean="0">
                                 <a:latin typeface="Cambria Math" panose="02040503050406030204" pitchFamily="18" charset="0"/>
                               </a:rPr>
                             </m:ctrlPr>
@@ -7703,7 +7705,7 @@
               </p:txBody>
             </p:sp>
           </mc:Choice>
-          <mc:Fallback>
+          <mc:Fallback xmlns="">
             <p:sp>
               <p:nvSpPr>
                 <p:cNvPr id="47" name="テキスト ボックス 46">
@@ -10126,6 +10128,205 @@
           <a:chExt cx="0" cy="0"/>
         </a:xfrm>
       </p:grpSpPr>
+      <p:grpSp>
+        <p:nvGrpSpPr>
+          <p:cNvPr id="8" name="グループ化 7">
+            <a:extLst>
+              <a:ext uri="{FF2B5EF4-FFF2-40B4-BE49-F238E27FC236}">
+                <a16:creationId xmlns:a16="http://schemas.microsoft.com/office/drawing/2014/main" id="{430390C0-73EC-4020-BD0B-8E74F65E1129}"/>
+              </a:ext>
+            </a:extLst>
+          </p:cNvPr>
+          <p:cNvGrpSpPr/>
+          <p:nvPr/>
+        </p:nvGrpSpPr>
+        <p:grpSpPr>
+          <a:xfrm>
+            <a:off x="5533534" y="1040912"/>
+            <a:ext cx="6620759" cy="4645630"/>
+            <a:chOff x="1676400" y="1091640"/>
+            <a:chExt cx="8808638" cy="5770887"/>
+          </a:xfrm>
+        </p:grpSpPr>
+        <p:pic>
+          <p:nvPicPr>
+            <p:cNvPr id="9" name="図 8" descr="グラフ, ヒストグラム&#10;&#10;自動的に生成された説明">
+              <a:extLst>
+                <a:ext uri="{FF2B5EF4-FFF2-40B4-BE49-F238E27FC236}">
+                  <a16:creationId xmlns:a16="http://schemas.microsoft.com/office/drawing/2014/main" id="{193535A8-5260-42A2-B9CB-B243A292349D}"/>
+                </a:ext>
+              </a:extLst>
+            </p:cNvPr>
+            <p:cNvPicPr>
+              <a:picLocks noChangeAspect="1"/>
+            </p:cNvPicPr>
+            <p:nvPr/>
+          </p:nvPicPr>
+          <p:blipFill rotWithShape="1">
+            <a:blip r:embed="rId3">
+              <a:extLst>
+                <a:ext uri="{28A0092B-C50C-407E-A947-70E740481C1C}">
+                  <a14:useLocalDpi xmlns:a14="http://schemas.microsoft.com/office/drawing/2010/main" val="0"/>
+                </a:ext>
+              </a:extLst>
+            </a:blip>
+            <a:srcRect l="4117" t="6367" r="2202" b="6934"/>
+            <a:stretch/>
+          </p:blipFill>
+          <p:spPr>
+            <a:xfrm>
+              <a:off x="1676400" y="1325563"/>
+              <a:ext cx="8808638" cy="5536964"/>
+            </a:xfrm>
+            <a:prstGeom prst="rect">
+              <a:avLst/>
+            </a:prstGeom>
+          </p:spPr>
+        </p:pic>
+        <p:grpSp>
+          <p:nvGrpSpPr>
+            <p:cNvPr id="11" name="グループ化 10">
+              <a:extLst>
+                <a:ext uri="{FF2B5EF4-FFF2-40B4-BE49-F238E27FC236}">
+                  <a16:creationId xmlns:a16="http://schemas.microsoft.com/office/drawing/2014/main" id="{79116C81-FA4D-475F-8C36-37EA7F270D40}"/>
+                </a:ext>
+              </a:extLst>
+            </p:cNvPr>
+            <p:cNvGrpSpPr/>
+            <p:nvPr/>
+          </p:nvGrpSpPr>
+          <p:grpSpPr>
+            <a:xfrm>
+              <a:off x="1877073" y="1091640"/>
+              <a:ext cx="6131908" cy="458792"/>
+              <a:chOff x="753938" y="1648102"/>
+              <a:chExt cx="6131908" cy="458792"/>
+            </a:xfrm>
+          </p:grpSpPr>
+          <p:sp>
+            <p:nvSpPr>
+              <p:cNvPr id="12" name="テキスト ボックス 11">
+                <a:extLst>
+                  <a:ext uri="{FF2B5EF4-FFF2-40B4-BE49-F238E27FC236}">
+                    <a16:creationId xmlns:a16="http://schemas.microsoft.com/office/drawing/2014/main" id="{F292EA38-BB80-4BB4-AD9B-81DCD34B8A52}"/>
+                  </a:ext>
+                </a:extLst>
+              </p:cNvPr>
+              <p:cNvSpPr txBox="1"/>
+              <p:nvPr/>
+            </p:nvSpPr>
+            <p:spPr>
+              <a:xfrm>
+                <a:off x="753938" y="1648102"/>
+                <a:ext cx="1024519" cy="458792"/>
+              </a:xfrm>
+              <a:prstGeom prst="rect">
+                <a:avLst/>
+              </a:prstGeom>
+              <a:noFill/>
+            </p:spPr>
+            <p:txBody>
+              <a:bodyPr wrap="square" rtlCol="0">
+                <a:spAutoFit/>
+              </a:bodyPr>
+              <a:lstStyle/>
+              <a:p>
+                <a:r>
+                  <a:rPr lang="en-US" altLang="ja-JP" dirty="0"/>
+                  <a:t>20</a:t>
+                </a:r>
+                <a:r>
+                  <a:rPr kumimoji="1" lang="ja-JP" altLang="en-US" dirty="0"/>
+                  <a:t>価</a:t>
+                </a:r>
+              </a:p>
+            </p:txBody>
+          </p:sp>
+          <p:sp>
+            <p:nvSpPr>
+              <p:cNvPr id="13" name="テキスト ボックス 12">
+                <a:extLst>
+                  <a:ext uri="{FF2B5EF4-FFF2-40B4-BE49-F238E27FC236}">
+                    <a16:creationId xmlns:a16="http://schemas.microsoft.com/office/drawing/2014/main" id="{D7A51E86-79C8-4FDE-BFD8-ED0C9AB852F6}"/>
+                  </a:ext>
+                </a:extLst>
+              </p:cNvPr>
+              <p:cNvSpPr txBox="1"/>
+              <p:nvPr/>
+            </p:nvSpPr>
+            <p:spPr>
+              <a:xfrm>
+                <a:off x="5481252" y="1692832"/>
+                <a:ext cx="1404594" cy="369332"/>
+              </a:xfrm>
+              <a:prstGeom prst="rect">
+                <a:avLst/>
+              </a:prstGeom>
+              <a:noFill/>
+            </p:spPr>
+            <p:txBody>
+              <a:bodyPr wrap="square" rtlCol="0">
+                <a:spAutoFit/>
+              </a:bodyPr>
+              <a:lstStyle/>
+              <a:p>
+                <a:r>
+                  <a:rPr kumimoji="1" lang="en-US" altLang="ja-JP" dirty="0"/>
+                  <a:t>1</a:t>
+                </a:r>
+                <a:r>
+                  <a:rPr kumimoji="1" lang="ja-JP" altLang="en-US" dirty="0"/>
+                  <a:t>価</a:t>
+                </a:r>
+              </a:p>
+            </p:txBody>
+          </p:sp>
+          <p:cxnSp>
+            <p:nvCxnSpPr>
+              <p:cNvPr id="14" name="直線矢印コネクタ 13">
+                <a:extLst>
+                  <a:ext uri="{FF2B5EF4-FFF2-40B4-BE49-F238E27FC236}">
+                    <a16:creationId xmlns:a16="http://schemas.microsoft.com/office/drawing/2014/main" id="{F5E5738F-C8D4-4F6C-9164-3DF7824C7DAA}"/>
+                  </a:ext>
+                </a:extLst>
+              </p:cNvPr>
+              <p:cNvCxnSpPr>
+                <a:cxnSpLocks/>
+                <a:stCxn id="12" idx="3"/>
+                <a:endCxn id="13" idx="1"/>
+              </p:cNvCxnSpPr>
+              <p:nvPr/>
+            </p:nvCxnSpPr>
+            <p:spPr>
+              <a:xfrm>
+                <a:off x="1778457" y="1877499"/>
+                <a:ext cx="3702795" cy="0"/>
+              </a:xfrm>
+              <a:prstGeom prst="straightConnector1">
+                <a:avLst/>
+              </a:prstGeom>
+              <a:ln w="19050">
+                <a:headEnd type="triangle"/>
+                <a:tailEnd type="triangle"/>
+              </a:ln>
+            </p:spPr>
+            <p:style>
+              <a:lnRef idx="1">
+                <a:schemeClr val="dk1"/>
+              </a:lnRef>
+              <a:fillRef idx="0">
+                <a:schemeClr val="dk1"/>
+              </a:fillRef>
+              <a:effectRef idx="0">
+                <a:schemeClr val="dk1"/>
+              </a:effectRef>
+              <a:fontRef idx="minor">
+                <a:schemeClr val="tx1"/>
+              </a:fontRef>
+            </p:style>
+          </p:cxnSp>
+        </p:grpSp>
+      </p:grpSp>
       <p:sp>
         <p:nvSpPr>
           <p:cNvPr id="6" name="テキスト ボックス 5">
@@ -10141,7 +10342,7 @@
         <p:spPr>
           <a:xfrm>
             <a:off x="0" y="1997839"/>
-            <a:ext cx="1970202" cy="2862322"/>
+            <a:ext cx="1970202" cy="3170099"/>
           </a:xfrm>
           <a:prstGeom prst="rect">
             <a:avLst/>
@@ -10191,6 +10392,9 @@
               <a:rPr lang="ja-JP" altLang="en-US" sz="2000" dirty="0"/>
               <a:t>　</a:t>
             </a:r>
+            <a:endParaRPr lang="en-US" altLang="ja-JP" sz="2000" dirty="0"/>
+          </a:p>
+          <a:p>
             <a:endParaRPr kumimoji="1" lang="en-US" altLang="ja-JP" sz="2000" dirty="0"/>
           </a:p>
           <a:p>
@@ -10217,7 +10421,7 @@
         <p:spPr>
           <a:xfrm>
             <a:off x="1970202" y="1997839"/>
-            <a:ext cx="3563332" cy="3170099"/>
+            <a:ext cx="3563332" cy="3477875"/>
           </a:xfrm>
           <a:prstGeom prst="rect">
             <a:avLst/>
@@ -10312,6 +10516,9 @@
               <a:t>価</a:t>
             </a:r>
             <a:endParaRPr lang="en-US" altLang="ja-JP" sz="2000" dirty="0"/>
+          </a:p>
+          <a:p>
+            <a:endParaRPr kumimoji="1" lang="en-US" altLang="ja-JP" sz="2000" dirty="0"/>
           </a:p>
           <a:p>
             <a:endParaRPr kumimoji="1" lang="en-US" altLang="ja-JP" sz="2000" dirty="0"/>
@@ -10345,7 +10552,7 @@
             </p:nvSpPr>
             <p:spPr>
               <a:xfrm>
-                <a:off x="1970202" y="5167938"/>
+                <a:off x="1970202" y="5427240"/>
                 <a:ext cx="4080283" cy="518604"/>
               </a:xfrm>
               <a:prstGeom prst="rect">
@@ -10359,6 +10566,7 @@
               </a:bodyPr>
               <a:lstStyle/>
               <a:p>
+                <a:pPr/>
                 <a14:m>
                   <m:oMathPara xmlns:m="http://schemas.openxmlformats.org/officeDocument/2006/math">
                     <m:oMathParaPr>
@@ -10376,7 +10584,7 @@
                           <m:begChr m:val="["/>
                           <m:endChr m:val="]"/>
                           <m:ctrlPr>
-                            <a:rPr kumimoji="1" lang="en-US" altLang="ja-JP" b="0" smtClean="0">
+                            <a:rPr kumimoji="1" lang="en-US" altLang="ja-JP" b="0" i="1" smtClean="0">
                               <a:latin typeface="Cambria Math" panose="02040503050406030204" pitchFamily="18" charset="0"/>
                             </a:rPr>
                           </m:ctrlPr>
@@ -10452,7 +10660,7 @@
                           <m:begChr m:val="["/>
                           <m:endChr m:val="]"/>
                           <m:ctrlPr>
-                            <a:rPr kumimoji="1" lang="en-US" altLang="ja-JP" b="0" smtClean="0">
+                            <a:rPr kumimoji="1" lang="en-US" altLang="ja-JP" b="0" i="1" smtClean="0">
                               <a:latin typeface="Cambria Math" panose="02040503050406030204" pitchFamily="18" charset="0"/>
                               <a:ea typeface="Cambria Math" panose="02040503050406030204" pitchFamily="18" charset="0"/>
                             </a:rPr>
@@ -10571,14 +10779,14 @@
             </p:nvSpPr>
             <p:spPr>
               <a:xfrm>
-                <a:off x="1970202" y="5167938"/>
+                <a:off x="1970202" y="5427240"/>
                 <a:ext cx="4080283" cy="518604"/>
               </a:xfrm>
               <a:prstGeom prst="rect">
                 <a:avLst/>
               </a:prstGeom>
               <a:blipFill>
-                <a:blip r:embed="rId3"/>
+                <a:blip r:embed="rId4"/>
                 <a:stretch>
                   <a:fillRect/>
                 </a:stretch>
@@ -10687,47 +10895,12 @@
           <a:chExt cx="0" cy="0"/>
         </a:xfrm>
       </p:grpSpPr>
-      <p:pic>
-        <p:nvPicPr>
-          <p:cNvPr id="5" name="図 4" descr="グラフ, ヒストグラム&#10;&#10;自動的に生成された説明">
+      <p:grpSp>
+        <p:nvGrpSpPr>
+          <p:cNvPr id="2" name="グループ化 1">
             <a:extLst>
               <a:ext uri="{FF2B5EF4-FFF2-40B4-BE49-F238E27FC236}">
-                <a16:creationId xmlns:a16="http://schemas.microsoft.com/office/drawing/2014/main" id="{20FAF394-4E3D-42E4-BA11-6096A415409C}"/>
-              </a:ext>
-            </a:extLst>
-          </p:cNvPr>
-          <p:cNvPicPr>
-            <a:picLocks noChangeAspect="1"/>
-          </p:cNvPicPr>
-          <p:nvPr/>
-        </p:nvPicPr>
-        <p:blipFill rotWithShape="1">
-          <a:blip r:embed="rId3">
-            <a:extLst>
-              <a:ext uri="{28A0092B-C50C-407E-A947-70E740481C1C}">
-                <a14:useLocalDpi xmlns:a14="http://schemas.microsoft.com/office/drawing/2010/main" val="0"/>
-              </a:ext>
-            </a:extLst>
-          </a:blip>
-          <a:srcRect l="4117" t="6367" r="2202" b="6934"/>
-          <a:stretch/>
-        </p:blipFill>
-        <p:spPr>
-          <a:xfrm>
-            <a:off x="1676400" y="1325563"/>
-            <a:ext cx="8808638" cy="5536964"/>
-          </a:xfrm>
-          <a:prstGeom prst="rect">
-            <a:avLst/>
-          </a:prstGeom>
-        </p:spPr>
-      </p:pic>
-      <p:grpSp>
-        <p:nvGrpSpPr>
-          <p:cNvPr id="3" name="グループ化 2">
-            <a:extLst>
-              <a:ext uri="{FF2B5EF4-FFF2-40B4-BE49-F238E27FC236}">
-                <a16:creationId xmlns:a16="http://schemas.microsoft.com/office/drawing/2014/main" id="{D2922C5C-C4BC-4916-BD6E-3E396ACA51B1}"/>
+                <a16:creationId xmlns:a16="http://schemas.microsoft.com/office/drawing/2014/main" id="{375346D9-7AF3-4BBD-BE43-3867D184A4A1}"/>
               </a:ext>
             </a:extLst>
           </p:cNvPr>
@@ -10736,134 +10909,190 @@
         </p:nvGrpSpPr>
         <p:grpSpPr>
           <a:xfrm>
-            <a:off x="2160786" y="1136370"/>
-            <a:ext cx="5848195" cy="369332"/>
-            <a:chOff x="1037651" y="1692832"/>
-            <a:chExt cx="5848195" cy="369332"/>
+            <a:off x="1676400" y="1136370"/>
+            <a:ext cx="8808638" cy="5726157"/>
+            <a:chOff x="1676400" y="1136370"/>
+            <a:chExt cx="8808638" cy="5726157"/>
           </a:xfrm>
         </p:grpSpPr>
-        <p:sp>
-          <p:nvSpPr>
-            <p:cNvPr id="7" name="テキスト ボックス 6">
+        <p:pic>
+          <p:nvPicPr>
+            <p:cNvPr id="5" name="図 4" descr="グラフ, ヒストグラム&#10;&#10;自動的に生成された説明">
               <a:extLst>
                 <a:ext uri="{FF2B5EF4-FFF2-40B4-BE49-F238E27FC236}">
-                  <a16:creationId xmlns:a16="http://schemas.microsoft.com/office/drawing/2014/main" id="{23EDACD2-EFF7-4676-8EB3-9D64D1573179}"/>
+                  <a16:creationId xmlns:a16="http://schemas.microsoft.com/office/drawing/2014/main" id="{20FAF394-4E3D-42E4-BA11-6096A415409C}"/>
                 </a:ext>
               </a:extLst>
             </p:cNvPr>
-            <p:cNvSpPr txBox="1"/>
+            <p:cNvPicPr>
+              <a:picLocks noChangeAspect="1"/>
+            </p:cNvPicPr>
             <p:nvPr/>
-          </p:nvSpPr>
+          </p:nvPicPr>
+          <p:blipFill rotWithShape="1">
+            <a:blip r:embed="rId3">
+              <a:extLst>
+                <a:ext uri="{28A0092B-C50C-407E-A947-70E740481C1C}">
+                  <a14:useLocalDpi xmlns:a14="http://schemas.microsoft.com/office/drawing/2010/main" val="0"/>
+                </a:ext>
+              </a:extLst>
+            </a:blip>
+            <a:srcRect l="4117" t="6367" r="2202" b="6934"/>
+            <a:stretch/>
+          </p:blipFill>
           <p:spPr>
             <a:xfrm>
-              <a:off x="1037651" y="1692832"/>
-              <a:ext cx="684145" cy="369332"/>
+              <a:off x="1676400" y="1325563"/>
+              <a:ext cx="8808638" cy="5536964"/>
             </a:xfrm>
             <a:prstGeom prst="rect">
               <a:avLst/>
             </a:prstGeom>
-            <a:noFill/>
           </p:spPr>
-          <p:txBody>
-            <a:bodyPr wrap="square" rtlCol="0">
-              <a:spAutoFit/>
-            </a:bodyPr>
-            <a:lstStyle/>
-            <a:p>
-              <a:r>
-                <a:rPr lang="en-US" altLang="ja-JP" dirty="0"/>
-                <a:t>20</a:t>
-              </a:r>
-              <a:r>
-                <a:rPr kumimoji="1" lang="ja-JP" altLang="en-US" dirty="0"/>
-                <a:t>価</a:t>
-              </a:r>
-            </a:p>
-          </p:txBody>
-        </p:sp>
-        <p:sp>
-          <p:nvSpPr>
-            <p:cNvPr id="9" name="テキスト ボックス 8">
+        </p:pic>
+        <p:grpSp>
+          <p:nvGrpSpPr>
+            <p:cNvPr id="3" name="グループ化 2">
               <a:extLst>
                 <a:ext uri="{FF2B5EF4-FFF2-40B4-BE49-F238E27FC236}">
-                  <a16:creationId xmlns:a16="http://schemas.microsoft.com/office/drawing/2014/main" id="{AD773A8D-1CB8-4C1D-A923-FD288B30F058}"/>
+                  <a16:creationId xmlns:a16="http://schemas.microsoft.com/office/drawing/2014/main" id="{D2922C5C-C4BC-4916-BD6E-3E396ACA51B1}"/>
                 </a:ext>
               </a:extLst>
             </p:cNvPr>
-            <p:cNvSpPr txBox="1"/>
+            <p:cNvGrpSpPr/>
             <p:nvPr/>
-          </p:nvSpPr>
-          <p:spPr>
+          </p:nvGrpSpPr>
+          <p:grpSpPr>
             <a:xfrm>
-              <a:off x="5481252" y="1692832"/>
-              <a:ext cx="1404594" cy="369332"/>
+              <a:off x="2160786" y="1136370"/>
+              <a:ext cx="5848195" cy="369332"/>
+              <a:chOff x="1037651" y="1692832"/>
+              <a:chExt cx="5848195" cy="369332"/>
             </a:xfrm>
-            <a:prstGeom prst="rect">
-              <a:avLst/>
-            </a:prstGeom>
-            <a:noFill/>
-          </p:spPr>
-          <p:txBody>
-            <a:bodyPr wrap="square" rtlCol="0">
-              <a:spAutoFit/>
-            </a:bodyPr>
-            <a:lstStyle/>
-            <a:p>
-              <a:r>
-                <a:rPr kumimoji="1" lang="en-US" altLang="ja-JP" dirty="0"/>
-                <a:t>1</a:t>
-              </a:r>
-              <a:r>
-                <a:rPr kumimoji="1" lang="ja-JP" altLang="en-US" dirty="0"/>
-                <a:t>価</a:t>
-              </a:r>
-            </a:p>
-          </p:txBody>
-        </p:sp>
-        <p:cxnSp>
-          <p:nvCxnSpPr>
-            <p:cNvPr id="11" name="直線矢印コネクタ 10">
-              <a:extLst>
-                <a:ext uri="{FF2B5EF4-FFF2-40B4-BE49-F238E27FC236}">
-                  <a16:creationId xmlns:a16="http://schemas.microsoft.com/office/drawing/2014/main" id="{702FB98B-88E9-40BE-9D46-A7761D73C00B}"/>
-                </a:ext>
-              </a:extLst>
-            </p:cNvPr>
-            <p:cNvCxnSpPr>
-              <a:cxnSpLocks/>
-              <a:stCxn id="7" idx="3"/>
-              <a:endCxn id="9" idx="1"/>
-            </p:cNvCxnSpPr>
-            <p:nvPr/>
-          </p:nvCxnSpPr>
-          <p:spPr>
-            <a:xfrm>
-              <a:off x="1721796" y="1877498"/>
-              <a:ext cx="3759456" cy="0"/>
-            </a:xfrm>
-            <a:prstGeom prst="straightConnector1">
-              <a:avLst/>
-            </a:prstGeom>
-            <a:ln w="19050">
-              <a:headEnd type="triangle"/>
-              <a:tailEnd type="triangle"/>
-            </a:ln>
-          </p:spPr>
-          <p:style>
-            <a:lnRef idx="1">
-              <a:schemeClr val="dk1"/>
-            </a:lnRef>
-            <a:fillRef idx="0">
-              <a:schemeClr val="dk1"/>
-            </a:fillRef>
-            <a:effectRef idx="0">
-              <a:schemeClr val="dk1"/>
-            </a:effectRef>
-            <a:fontRef idx="minor">
-              <a:schemeClr val="tx1"/>
-            </a:fontRef>
-          </p:style>
-        </p:cxnSp>
+          </p:grpSpPr>
+          <p:sp>
+            <p:nvSpPr>
+              <p:cNvPr id="7" name="テキスト ボックス 6">
+                <a:extLst>
+                  <a:ext uri="{FF2B5EF4-FFF2-40B4-BE49-F238E27FC236}">
+                    <a16:creationId xmlns:a16="http://schemas.microsoft.com/office/drawing/2014/main" id="{23EDACD2-EFF7-4676-8EB3-9D64D1573179}"/>
+                  </a:ext>
+                </a:extLst>
+              </p:cNvPr>
+              <p:cNvSpPr txBox="1"/>
+              <p:nvPr/>
+            </p:nvSpPr>
+            <p:spPr>
+              <a:xfrm>
+                <a:off x="1037651" y="1692832"/>
+                <a:ext cx="684145" cy="369332"/>
+              </a:xfrm>
+              <a:prstGeom prst="rect">
+                <a:avLst/>
+              </a:prstGeom>
+              <a:noFill/>
+            </p:spPr>
+            <p:txBody>
+              <a:bodyPr wrap="square" rtlCol="0">
+                <a:spAutoFit/>
+              </a:bodyPr>
+              <a:lstStyle/>
+              <a:p>
+                <a:r>
+                  <a:rPr lang="en-US" altLang="ja-JP" dirty="0"/>
+                  <a:t>20</a:t>
+                </a:r>
+                <a:r>
+                  <a:rPr kumimoji="1" lang="ja-JP" altLang="en-US" dirty="0"/>
+                  <a:t>価</a:t>
+                </a:r>
+              </a:p>
+            </p:txBody>
+          </p:sp>
+          <p:sp>
+            <p:nvSpPr>
+              <p:cNvPr id="9" name="テキスト ボックス 8">
+                <a:extLst>
+                  <a:ext uri="{FF2B5EF4-FFF2-40B4-BE49-F238E27FC236}">
+                    <a16:creationId xmlns:a16="http://schemas.microsoft.com/office/drawing/2014/main" id="{AD773A8D-1CB8-4C1D-A923-FD288B30F058}"/>
+                  </a:ext>
+                </a:extLst>
+              </p:cNvPr>
+              <p:cNvSpPr txBox="1"/>
+              <p:nvPr/>
+            </p:nvSpPr>
+            <p:spPr>
+              <a:xfrm>
+                <a:off x="5481252" y="1692832"/>
+                <a:ext cx="1404594" cy="369332"/>
+              </a:xfrm>
+              <a:prstGeom prst="rect">
+                <a:avLst/>
+              </a:prstGeom>
+              <a:noFill/>
+            </p:spPr>
+            <p:txBody>
+              <a:bodyPr wrap="square" rtlCol="0">
+                <a:spAutoFit/>
+              </a:bodyPr>
+              <a:lstStyle/>
+              <a:p>
+                <a:r>
+                  <a:rPr kumimoji="1" lang="en-US" altLang="ja-JP" dirty="0"/>
+                  <a:t>1</a:t>
+                </a:r>
+                <a:r>
+                  <a:rPr kumimoji="1" lang="ja-JP" altLang="en-US" dirty="0"/>
+                  <a:t>価</a:t>
+                </a:r>
+              </a:p>
+            </p:txBody>
+          </p:sp>
+          <p:cxnSp>
+            <p:nvCxnSpPr>
+              <p:cNvPr id="11" name="直線矢印コネクタ 10">
+                <a:extLst>
+                  <a:ext uri="{FF2B5EF4-FFF2-40B4-BE49-F238E27FC236}">
+                    <a16:creationId xmlns:a16="http://schemas.microsoft.com/office/drawing/2014/main" id="{702FB98B-88E9-40BE-9D46-A7761D73C00B}"/>
+                  </a:ext>
+                </a:extLst>
+              </p:cNvPr>
+              <p:cNvCxnSpPr>
+                <a:cxnSpLocks/>
+                <a:stCxn id="7" idx="3"/>
+                <a:endCxn id="9" idx="1"/>
+              </p:cNvCxnSpPr>
+              <p:nvPr/>
+            </p:nvCxnSpPr>
+            <p:spPr>
+              <a:xfrm>
+                <a:off x="1721796" y="1877498"/>
+                <a:ext cx="3759456" cy="0"/>
+              </a:xfrm>
+              <a:prstGeom prst="straightConnector1">
+                <a:avLst/>
+              </a:prstGeom>
+              <a:ln w="19050">
+                <a:headEnd type="triangle"/>
+                <a:tailEnd type="triangle"/>
+              </a:ln>
+            </p:spPr>
+            <p:style>
+              <a:lnRef idx="1">
+                <a:schemeClr val="dk1"/>
+              </a:lnRef>
+              <a:fillRef idx="0">
+                <a:schemeClr val="dk1"/>
+              </a:fillRef>
+              <a:effectRef idx="0">
+                <a:schemeClr val="dk1"/>
+              </a:effectRef>
+              <a:fontRef idx="minor">
+                <a:schemeClr val="tx1"/>
+              </a:fontRef>
+            </p:style>
+          </p:cxnSp>
+        </p:grpSp>
       </p:grpSp>
       <p:sp>
         <p:nvSpPr>
@@ -11044,7 +11273,7 @@
         </p:nvSpPr>
         <p:spPr>
           <a:xfrm>
-            <a:off x="1093344" y="1884016"/>
+            <a:off x="838200" y="1882245"/>
             <a:ext cx="3365570" cy="923330"/>
           </a:xfrm>
           <a:prstGeom prst="rect">
@@ -11146,47 +11375,12 @@
           </a:p>
         </p:txBody>
       </p:sp>
-      <p:pic>
-        <p:nvPicPr>
-          <p:cNvPr id="3" name="図 2" descr="グラフ, ヒストグラム&#10;&#10;自動的に生成された説明">
+      <p:grpSp>
+        <p:nvGrpSpPr>
+          <p:cNvPr id="2" name="グループ化 1">
             <a:extLst>
               <a:ext uri="{FF2B5EF4-FFF2-40B4-BE49-F238E27FC236}">
-                <a16:creationId xmlns:a16="http://schemas.microsoft.com/office/drawing/2014/main" id="{9F226337-7467-4BCB-8DFF-DC7483FFFB98}"/>
-              </a:ext>
-            </a:extLst>
-          </p:cNvPr>
-          <p:cNvPicPr>
-            <a:picLocks noChangeAspect="1"/>
-          </p:cNvPicPr>
-          <p:nvPr/>
-        </p:nvPicPr>
-        <p:blipFill rotWithShape="1">
-          <a:blip r:embed="rId3">
-            <a:extLst>
-              <a:ext uri="{28A0092B-C50C-407E-A947-70E740481C1C}">
-                <a14:useLocalDpi xmlns:a14="http://schemas.microsoft.com/office/drawing/2010/main" val="0"/>
-              </a:ext>
-            </a:extLst>
-          </a:blip>
-          <a:srcRect l="4117" t="10817" r="40374" b="70430"/>
-          <a:stretch/>
-        </p:blipFill>
-        <p:spPr>
-          <a:xfrm>
-            <a:off x="4475158" y="2068451"/>
-            <a:ext cx="6515859" cy="1495088"/>
-          </a:xfrm>
-          <a:prstGeom prst="rect">
-            <a:avLst/>
-          </a:prstGeom>
-        </p:spPr>
-      </p:pic>
-      <p:grpSp>
-        <p:nvGrpSpPr>
-          <p:cNvPr id="4" name="グループ化 3">
-            <a:extLst>
-              <a:ext uri="{FF2B5EF4-FFF2-40B4-BE49-F238E27FC236}">
-                <a16:creationId xmlns:a16="http://schemas.microsoft.com/office/drawing/2014/main" id="{0C4182E6-F7DA-48AE-BD91-40FCDA4BB23B}"/>
+                <a16:creationId xmlns:a16="http://schemas.microsoft.com/office/drawing/2014/main" id="{80E51B27-61EC-4878-9E50-AF97E3857B0B}"/>
               </a:ext>
             </a:extLst>
           </p:cNvPr>
@@ -11195,134 +11389,190 @@
         </p:nvGrpSpPr>
         <p:grpSpPr>
           <a:xfrm>
-            <a:off x="5057540" y="1699119"/>
-            <a:ext cx="7229710" cy="369332"/>
-            <a:chOff x="2666765" y="956231"/>
-            <a:chExt cx="5848195" cy="369332"/>
+            <a:off x="3591611" y="1699119"/>
+            <a:ext cx="10086682" cy="2608930"/>
+            <a:chOff x="4475158" y="1699119"/>
+            <a:chExt cx="7812093" cy="1864420"/>
           </a:xfrm>
         </p:grpSpPr>
-        <p:sp>
-          <p:nvSpPr>
-            <p:cNvPr id="20" name="テキスト ボックス 19">
+        <p:pic>
+          <p:nvPicPr>
+            <p:cNvPr id="3" name="図 2" descr="グラフ, ヒストグラム&#10;&#10;自動的に生成された説明">
               <a:extLst>
                 <a:ext uri="{FF2B5EF4-FFF2-40B4-BE49-F238E27FC236}">
-                  <a16:creationId xmlns:a16="http://schemas.microsoft.com/office/drawing/2014/main" id="{AE2AE5EA-8D8E-437E-BF3E-3182409F872A}"/>
+                  <a16:creationId xmlns:a16="http://schemas.microsoft.com/office/drawing/2014/main" id="{9F226337-7467-4BCB-8DFF-DC7483FFFB98}"/>
                 </a:ext>
               </a:extLst>
             </p:cNvPr>
-            <p:cNvSpPr txBox="1"/>
+            <p:cNvPicPr>
+              <a:picLocks noChangeAspect="1"/>
+            </p:cNvPicPr>
             <p:nvPr/>
-          </p:nvSpPr>
+          </p:nvPicPr>
+          <p:blipFill rotWithShape="1">
+            <a:blip r:embed="rId3">
+              <a:extLst>
+                <a:ext uri="{28A0092B-C50C-407E-A947-70E740481C1C}">
+                  <a14:useLocalDpi xmlns:a14="http://schemas.microsoft.com/office/drawing/2010/main" val="0"/>
+                </a:ext>
+              </a:extLst>
+            </a:blip>
+            <a:srcRect l="4117" t="10817" r="40374" b="70430"/>
+            <a:stretch/>
+          </p:blipFill>
           <p:spPr>
             <a:xfrm>
-              <a:off x="2666765" y="956231"/>
-              <a:ext cx="684145" cy="369332"/>
+              <a:off x="4475158" y="2068451"/>
+              <a:ext cx="6515859" cy="1495088"/>
             </a:xfrm>
             <a:prstGeom prst="rect">
               <a:avLst/>
             </a:prstGeom>
-            <a:noFill/>
           </p:spPr>
-          <p:txBody>
-            <a:bodyPr wrap="square" rtlCol="0">
-              <a:spAutoFit/>
-            </a:bodyPr>
-            <a:lstStyle/>
-            <a:p>
-              <a:r>
-                <a:rPr lang="en-US" altLang="ja-JP" dirty="0"/>
-                <a:t>20</a:t>
-              </a:r>
-              <a:r>
-                <a:rPr kumimoji="1" lang="ja-JP" altLang="en-US" dirty="0"/>
-                <a:t>価</a:t>
-              </a:r>
-            </a:p>
-          </p:txBody>
-        </p:sp>
-        <p:sp>
-          <p:nvSpPr>
-            <p:cNvPr id="21" name="テキスト ボックス 20">
+        </p:pic>
+        <p:grpSp>
+          <p:nvGrpSpPr>
+            <p:cNvPr id="4" name="グループ化 3">
               <a:extLst>
                 <a:ext uri="{FF2B5EF4-FFF2-40B4-BE49-F238E27FC236}">
-                  <a16:creationId xmlns:a16="http://schemas.microsoft.com/office/drawing/2014/main" id="{30C00114-041B-409B-8EC9-84D4AC4A099C}"/>
+                  <a16:creationId xmlns:a16="http://schemas.microsoft.com/office/drawing/2014/main" id="{0C4182E6-F7DA-48AE-BD91-40FCDA4BB23B}"/>
                 </a:ext>
               </a:extLst>
             </p:cNvPr>
-            <p:cNvSpPr txBox="1"/>
+            <p:cNvGrpSpPr/>
             <p:nvPr/>
-          </p:nvSpPr>
-          <p:spPr>
+          </p:nvGrpSpPr>
+          <p:grpSpPr>
             <a:xfrm>
-              <a:off x="7110366" y="956231"/>
-              <a:ext cx="1404594" cy="369332"/>
+              <a:off x="5086744" y="1699119"/>
+              <a:ext cx="7200507" cy="369332"/>
+              <a:chOff x="2690388" y="956231"/>
+              <a:chExt cx="5824572" cy="369332"/>
             </a:xfrm>
-            <a:prstGeom prst="rect">
-              <a:avLst/>
-            </a:prstGeom>
-            <a:noFill/>
-          </p:spPr>
-          <p:txBody>
-            <a:bodyPr wrap="square" rtlCol="0">
-              <a:spAutoFit/>
-            </a:bodyPr>
-            <a:lstStyle/>
-            <a:p>
-              <a:r>
-                <a:rPr kumimoji="1" lang="en-US" altLang="ja-JP" dirty="0"/>
-                <a:t>1</a:t>
-              </a:r>
-              <a:r>
-                <a:rPr kumimoji="1" lang="ja-JP" altLang="en-US" dirty="0"/>
-                <a:t>価</a:t>
-              </a:r>
-            </a:p>
-          </p:txBody>
-        </p:sp>
-        <p:cxnSp>
-          <p:nvCxnSpPr>
-            <p:cNvPr id="22" name="直線矢印コネクタ 21">
-              <a:extLst>
-                <a:ext uri="{FF2B5EF4-FFF2-40B4-BE49-F238E27FC236}">
-                  <a16:creationId xmlns:a16="http://schemas.microsoft.com/office/drawing/2014/main" id="{E4C4658D-8FFC-4443-94C5-94F0355A9A20}"/>
-                </a:ext>
-              </a:extLst>
-            </p:cNvPr>
-            <p:cNvCxnSpPr>
-              <a:cxnSpLocks/>
-              <a:stCxn id="20" idx="3"/>
-              <a:endCxn id="21" idx="1"/>
-            </p:cNvCxnSpPr>
-            <p:nvPr/>
-          </p:nvCxnSpPr>
-          <p:spPr>
-            <a:xfrm>
-              <a:off x="3350910" y="1140897"/>
-              <a:ext cx="3759456" cy="0"/>
-            </a:xfrm>
-            <a:prstGeom prst="straightConnector1">
-              <a:avLst/>
-            </a:prstGeom>
-            <a:ln w="19050">
-              <a:headEnd type="triangle"/>
-              <a:tailEnd type="triangle"/>
-            </a:ln>
-          </p:spPr>
-          <p:style>
-            <a:lnRef idx="1">
-              <a:schemeClr val="dk1"/>
-            </a:lnRef>
-            <a:fillRef idx="0">
-              <a:schemeClr val="dk1"/>
-            </a:fillRef>
-            <a:effectRef idx="0">
-              <a:schemeClr val="dk1"/>
-            </a:effectRef>
-            <a:fontRef idx="minor">
-              <a:schemeClr val="tx1"/>
-            </a:fontRef>
-          </p:style>
-        </p:cxnSp>
+          </p:grpSpPr>
+          <p:sp>
+            <p:nvSpPr>
+              <p:cNvPr id="20" name="テキスト ボックス 19">
+                <a:extLst>
+                  <a:ext uri="{FF2B5EF4-FFF2-40B4-BE49-F238E27FC236}">
+                    <a16:creationId xmlns:a16="http://schemas.microsoft.com/office/drawing/2014/main" id="{AE2AE5EA-8D8E-437E-BF3E-3182409F872A}"/>
+                  </a:ext>
+                </a:extLst>
+              </p:cNvPr>
+              <p:cNvSpPr txBox="1"/>
+              <p:nvPr/>
+            </p:nvSpPr>
+            <p:spPr>
+              <a:xfrm>
+                <a:off x="2690388" y="1022580"/>
+                <a:ext cx="485658" cy="263936"/>
+              </a:xfrm>
+              <a:prstGeom prst="rect">
+                <a:avLst/>
+              </a:prstGeom>
+              <a:noFill/>
+            </p:spPr>
+            <p:txBody>
+              <a:bodyPr wrap="square" rtlCol="0">
+                <a:spAutoFit/>
+              </a:bodyPr>
+              <a:lstStyle/>
+              <a:p>
+                <a:r>
+                  <a:rPr lang="en-US" altLang="ja-JP" dirty="0"/>
+                  <a:t>20</a:t>
+                </a:r>
+                <a:r>
+                  <a:rPr kumimoji="1" lang="ja-JP" altLang="en-US" dirty="0"/>
+                  <a:t>価</a:t>
+                </a:r>
+              </a:p>
+            </p:txBody>
+          </p:sp>
+          <p:sp>
+            <p:nvSpPr>
+              <p:cNvPr id="21" name="テキスト ボックス 20">
+                <a:extLst>
+                  <a:ext uri="{FF2B5EF4-FFF2-40B4-BE49-F238E27FC236}">
+                    <a16:creationId xmlns:a16="http://schemas.microsoft.com/office/drawing/2014/main" id="{30C00114-041B-409B-8EC9-84D4AC4A099C}"/>
+                  </a:ext>
+                </a:extLst>
+              </p:cNvPr>
+              <p:cNvSpPr txBox="1"/>
+              <p:nvPr/>
+            </p:nvSpPr>
+            <p:spPr>
+              <a:xfrm>
+                <a:off x="7110366" y="956231"/>
+                <a:ext cx="1404594" cy="369332"/>
+              </a:xfrm>
+              <a:prstGeom prst="rect">
+                <a:avLst/>
+              </a:prstGeom>
+              <a:noFill/>
+            </p:spPr>
+            <p:txBody>
+              <a:bodyPr wrap="square" rtlCol="0">
+                <a:spAutoFit/>
+              </a:bodyPr>
+              <a:lstStyle/>
+              <a:p>
+                <a:r>
+                  <a:rPr kumimoji="1" lang="en-US" altLang="ja-JP" dirty="0"/>
+                  <a:t>1</a:t>
+                </a:r>
+                <a:r>
+                  <a:rPr kumimoji="1" lang="ja-JP" altLang="en-US" dirty="0"/>
+                  <a:t>価</a:t>
+                </a:r>
+              </a:p>
+            </p:txBody>
+          </p:sp>
+          <p:cxnSp>
+            <p:nvCxnSpPr>
+              <p:cNvPr id="22" name="直線矢印コネクタ 21">
+                <a:extLst>
+                  <a:ext uri="{FF2B5EF4-FFF2-40B4-BE49-F238E27FC236}">
+                    <a16:creationId xmlns:a16="http://schemas.microsoft.com/office/drawing/2014/main" id="{E4C4658D-8FFC-4443-94C5-94F0355A9A20}"/>
+                  </a:ext>
+                </a:extLst>
+              </p:cNvPr>
+              <p:cNvCxnSpPr>
+                <a:cxnSpLocks/>
+                <a:stCxn id="20" idx="3"/>
+                <a:endCxn id="21" idx="1"/>
+              </p:cNvCxnSpPr>
+              <p:nvPr/>
+            </p:nvCxnSpPr>
+            <p:spPr>
+              <a:xfrm flipV="1">
+                <a:off x="3176046" y="1140897"/>
+                <a:ext cx="3934320" cy="13652"/>
+              </a:xfrm>
+              <a:prstGeom prst="straightConnector1">
+                <a:avLst/>
+              </a:prstGeom>
+              <a:ln w="19050">
+                <a:headEnd type="triangle"/>
+                <a:tailEnd type="triangle"/>
+              </a:ln>
+            </p:spPr>
+            <p:style>
+              <a:lnRef idx="1">
+                <a:schemeClr val="dk1"/>
+              </a:lnRef>
+              <a:fillRef idx="0">
+                <a:schemeClr val="dk1"/>
+              </a:fillRef>
+              <a:effectRef idx="0">
+                <a:schemeClr val="dk1"/>
+              </a:effectRef>
+              <a:fontRef idx="minor">
+                <a:schemeClr val="tx1"/>
+              </a:fontRef>
+            </p:style>
+          </p:cxnSp>
+        </p:grpSp>
       </p:grpSp>
       <p:sp>
         <p:nvSpPr>
@@ -11558,7 +11808,7 @@
         </p:nvSpPr>
         <p:spPr>
           <a:xfrm>
-            <a:off x="489597" y="980342"/>
+            <a:off x="199052" y="979538"/>
             <a:ext cx="3964196" cy="461665"/>
           </a:xfrm>
           <a:prstGeom prst="rect">
@@ -11597,8 +11847,8 @@
         </p:nvSpPr>
         <p:spPr>
           <a:xfrm>
-            <a:off x="531135" y="3830320"/>
-            <a:ext cx="1940560" cy="369332"/>
+            <a:off x="655594" y="4219028"/>
+            <a:ext cx="2975041" cy="369332"/>
           </a:xfrm>
           <a:prstGeom prst="rect">
             <a:avLst/>
@@ -11613,7 +11863,7 @@
           <a:p>
             <a:r>
               <a:rPr kumimoji="1" lang="ja-JP" altLang="en-US" dirty="0"/>
-              <a:t>ラプラス方程式</a:t>
+              <a:t>＜ラプラス方程式＞</a:t>
             </a:r>
           </a:p>
         </p:txBody>
@@ -11634,7 +11884,7 @@
             </p:nvSpPr>
             <p:spPr>
               <a:xfrm>
-                <a:off x="489597" y="2001520"/>
+                <a:off x="1080975" y="2055275"/>
                 <a:ext cx="1691553" cy="276999"/>
               </a:xfrm>
               <a:prstGeom prst="rect">
@@ -11648,6 +11898,7 @@
               </a:bodyPr>
               <a:lstStyle/>
               <a:p>
+                <a:pPr/>
                 <a14:m>
                   <m:oMathPara xmlns:m="http://schemas.openxmlformats.org/officeDocument/2006/math">
                     <m:oMathParaPr>
@@ -11684,7 +11935,7 @@
                       <m:d>
                         <m:dPr>
                           <m:ctrlPr>
-                            <a:rPr kumimoji="1" lang="en-US" altLang="ja-JP" b="0" i="0" smtClean="0">
+                            <a:rPr kumimoji="1" lang="en-US" altLang="ja-JP" b="0" i="1" smtClean="0">
                               <a:latin typeface="Cambria Math" panose="02040503050406030204" pitchFamily="18" charset="0"/>
                             </a:rPr>
                           </m:ctrlPr>
@@ -11756,7 +12007,7 @@
             </p:nvSpPr>
             <p:spPr>
               <a:xfrm>
-                <a:off x="489597" y="2001520"/>
+                <a:off x="1080975" y="2055275"/>
                 <a:ext cx="1691553" cy="276999"/>
               </a:xfrm>
               <a:prstGeom prst="rect">
@@ -11800,7 +12051,7 @@
             </p:nvSpPr>
             <p:spPr>
               <a:xfrm>
-                <a:off x="734984" y="2733127"/>
+                <a:off x="1082105" y="2734950"/>
                 <a:ext cx="1200778" cy="521361"/>
               </a:xfrm>
               <a:prstGeom prst="rect">
@@ -11814,6 +12065,7 @@
               </a:bodyPr>
               <a:lstStyle/>
               <a:p>
+                <a:pPr/>
                 <a14:m>
                   <m:oMathPara xmlns:m="http://schemas.openxmlformats.org/officeDocument/2006/math">
                     <m:oMathParaPr>
@@ -11916,7 +12168,7 @@
             </p:nvSpPr>
             <p:spPr>
               <a:xfrm>
-                <a:off x="734984" y="2733127"/>
+                <a:off x="1082105" y="2734950"/>
                 <a:ext cx="1200778" cy="521361"/>
               </a:xfrm>
               <a:prstGeom prst="rect">
@@ -11960,7 +12212,7 @@
             </p:nvSpPr>
             <p:spPr>
               <a:xfrm>
-                <a:off x="4532812" y="2278518"/>
+                <a:off x="4714824" y="2328860"/>
                 <a:ext cx="1574214" cy="521361"/>
               </a:xfrm>
               <a:prstGeom prst="rect">
@@ -11974,6 +12226,7 @@
               </a:bodyPr>
               <a:lstStyle/>
               <a:p>
+                <a:pPr/>
                 <a14:m>
                   <m:oMathPara xmlns:m="http://schemas.openxmlformats.org/officeDocument/2006/math">
                     <m:oMathParaPr>
@@ -12121,7 +12374,7 @@
             </p:nvSpPr>
             <p:spPr>
               <a:xfrm>
-                <a:off x="4532812" y="2278518"/>
+                <a:off x="4714824" y="2328860"/>
                 <a:ext cx="1574214" cy="521361"/>
               </a:xfrm>
               <a:prstGeom prst="rect">
@@ -12130,7 +12383,7 @@
               <a:blipFill>
                 <a:blip r:embed="rId5"/>
                 <a:stretch>
-                  <a:fillRect b="-1176"/>
+                  <a:fillRect/>
                 </a:stretch>
               </a:blipFill>
             </p:spPr>
@@ -12163,8 +12416,8 @@
         </p:nvSpPr>
         <p:spPr>
           <a:xfrm>
-            <a:off x="1949528" y="2993007"/>
-            <a:ext cx="1463040" cy="307777"/>
+            <a:off x="2356197" y="2905605"/>
+            <a:ext cx="1274439" cy="307777"/>
           </a:xfrm>
           <a:prstGeom prst="rect">
             <a:avLst/>
@@ -12200,7 +12453,7 @@
             </p:nvSpPr>
             <p:spPr>
               <a:xfrm>
-                <a:off x="531135" y="4498641"/>
+                <a:off x="874035" y="4720713"/>
                 <a:ext cx="2065020" cy="369332"/>
               </a:xfrm>
               <a:prstGeom prst="rect">
@@ -12291,13 +12544,7 @@
                         <a:rPr lang="en-US" altLang="ja-JP" b="0" i="0" smtClean="0">
                           <a:latin typeface="Cambria Math" panose="02040503050406030204" pitchFamily="18" charset="0"/>
                         </a:rPr>
-                        <m:t>=</m:t>
-                      </m:r>
-                      <m:r>
-                        <a:rPr lang="en-US" altLang="ja-JP" b="0" i="0" smtClean="0">
-                          <a:latin typeface="Cambria Math" panose="02040503050406030204" pitchFamily="18" charset="0"/>
-                        </a:rPr>
-                        <m:t>0</m:t>
+                        <m:t>=0</m:t>
                       </m:r>
                     </m:oMath>
                   </m:oMathPara>
@@ -12324,7 +12571,7 @@
             </p:nvSpPr>
             <p:spPr>
               <a:xfrm>
-                <a:off x="531135" y="4498641"/>
+                <a:off x="874035" y="4720713"/>
                 <a:ext cx="2065020" cy="369332"/>
               </a:xfrm>
               <a:prstGeom prst="rect">
@@ -12366,7 +12613,7 @@
         </p:nvSpPr>
         <p:spPr>
           <a:xfrm>
-            <a:off x="3609295" y="2140019"/>
+            <a:off x="3796883" y="2097524"/>
             <a:ext cx="613235" cy="985520"/>
           </a:xfrm>
           <a:prstGeom prst="rightArrow">
@@ -12413,7 +12660,7 @@
         </p:nvSpPr>
         <p:spPr>
           <a:xfrm>
-            <a:off x="493310" y="5259696"/>
+            <a:off x="948097" y="5254180"/>
             <a:ext cx="4891490" cy="369332"/>
           </a:xfrm>
           <a:prstGeom prst="rect">
@@ -12458,7 +12705,7 @@
             </p:nvSpPr>
             <p:spPr>
               <a:xfrm>
-                <a:off x="1171097" y="5763357"/>
+                <a:off x="1241819" y="5761381"/>
                 <a:ext cx="5723362" cy="391133"/>
               </a:xfrm>
               <a:prstGeom prst="rect">
@@ -12817,7 +13064,7 @@
             </p:nvSpPr>
             <p:spPr>
               <a:xfrm>
-                <a:off x="1171097" y="5763357"/>
+                <a:off x="1241819" y="5761381"/>
                 <a:ext cx="5723362" cy="391133"/>
               </a:xfrm>
               <a:prstGeom prst="rect">
@@ -12826,7 +13073,7 @@
               <a:blipFill>
                 <a:blip r:embed="rId7"/>
                 <a:stretch>
-                  <a:fillRect l="-1810" t="-3077" r="-2023" b="-23077"/>
+                  <a:fillRect l="-1917" t="-3125" r="-1917" b="-25000"/>
                 </a:stretch>
               </a:blipFill>
             </p:spPr>
@@ -12845,6 +13092,45 @@
           </p:sp>
         </mc:Fallback>
       </mc:AlternateContent>
+      <p:sp>
+        <p:nvSpPr>
+          <p:cNvPr id="2" name="テキスト ボックス 1">
+            <a:extLst>
+              <a:ext uri="{FF2B5EF4-FFF2-40B4-BE49-F238E27FC236}">
+                <a16:creationId xmlns:a16="http://schemas.microsoft.com/office/drawing/2014/main" id="{BE38C3A9-C7E0-4978-887D-9C4DC65B36CB}"/>
+              </a:ext>
+            </a:extLst>
+          </p:cNvPr>
+          <p:cNvSpPr txBox="1"/>
+          <p:nvPr/>
+        </p:nvSpPr>
+        <p:spPr>
+          <a:xfrm>
+            <a:off x="655595" y="1563573"/>
+            <a:ext cx="2690920" cy="369332"/>
+          </a:xfrm>
+          <a:prstGeom prst="rect">
+            <a:avLst/>
+          </a:prstGeom>
+          <a:noFill/>
+        </p:spPr>
+        <p:txBody>
+          <a:bodyPr wrap="square" rtlCol="0">
+            <a:spAutoFit/>
+          </a:bodyPr>
+          <a:lstStyle/>
+          <a:p>
+            <a:r>
+              <a:rPr lang="ja-JP" altLang="en-US" dirty="0"/>
+              <a:t>＜ポアソン</a:t>
+            </a:r>
+            <a:r>
+              <a:rPr kumimoji="1" lang="ja-JP" altLang="en-US" dirty="0"/>
+              <a:t>方程式＞</a:t>
+            </a:r>
+          </a:p>
+        </p:txBody>
+      </p:sp>
     </p:spTree>
     <p:extLst>
       <p:ext uri="{BB962C8B-B14F-4D97-AF65-F5344CB8AC3E}">
@@ -16762,7 +17048,7 @@
         <p:spPr>
           <a:xfrm>
             <a:off x="7901180" y="1403624"/>
-            <a:ext cx="2738923" cy="369332"/>
+            <a:ext cx="3513984" cy="369332"/>
           </a:xfrm>
           <a:prstGeom prst="rect">
             <a:avLst/>
@@ -16776,8 +17062,12 @@
           <a:lstStyle/>
           <a:p>
             <a:r>
+              <a:rPr kumimoji="1" lang="en-US" altLang="ja-JP" dirty="0"/>
+              <a:t>4</a:t>
+            </a:r>
+            <a:r>
               <a:rPr kumimoji="1" lang="ja-JP" altLang="en-US" dirty="0"/>
-              <a:t>ルンゲクッタ法の公式：</a:t>
+              <a:t>次のルンゲクッタ法の公式：</a:t>
             </a:r>
             <a:endParaRPr kumimoji="1" lang="en-US" altLang="ja-JP" dirty="0"/>
           </a:p>

--- a/docs/中間発表.pptx
+++ b/docs/中間発表.pptx
@@ -218,7 +218,7 @@
           <a:p>
             <a:fld id="{CE120EBB-8C6C-4DEA-8F69-236F8EB798F4}" type="datetimeFigureOut">
               <a:rPr kumimoji="1" lang="ja-JP" altLang="en-US" smtClean="0"/>
-              <a:t>2020/10/4</a:t>
+              <a:t>2020/10/5</a:t>
             </a:fld>
             <a:endParaRPr kumimoji="1" lang="ja-JP" altLang="en-US"/>
           </a:p>
@@ -1606,7 +1606,7 @@
           <a:p>
             <a:fld id="{E96D9F0A-2578-410E-B32A-F089453602AE}" type="datetimeFigureOut">
               <a:rPr kumimoji="1" lang="ja-JP" altLang="en-US" smtClean="0"/>
-              <a:t>2020/10/4</a:t>
+              <a:t>2020/10/5</a:t>
             </a:fld>
             <a:endParaRPr kumimoji="1" lang="ja-JP" altLang="en-US"/>
           </a:p>
@@ -1836,7 +1836,7 @@
           <a:p>
             <a:fld id="{E96D9F0A-2578-410E-B32A-F089453602AE}" type="datetimeFigureOut">
               <a:rPr kumimoji="1" lang="ja-JP" altLang="en-US" smtClean="0"/>
-              <a:t>2020/10/4</a:t>
+              <a:t>2020/10/5</a:t>
             </a:fld>
             <a:endParaRPr kumimoji="1" lang="ja-JP" altLang="en-US"/>
           </a:p>
@@ -2076,7 +2076,7 @@
           <a:p>
             <a:fld id="{E96D9F0A-2578-410E-B32A-F089453602AE}" type="datetimeFigureOut">
               <a:rPr kumimoji="1" lang="ja-JP" altLang="en-US" smtClean="0"/>
-              <a:t>2020/10/4</a:t>
+              <a:t>2020/10/5</a:t>
             </a:fld>
             <a:endParaRPr kumimoji="1" lang="ja-JP" altLang="en-US"/>
           </a:p>
@@ -2306,7 +2306,7 @@
           <a:p>
             <a:fld id="{E96D9F0A-2578-410E-B32A-F089453602AE}" type="datetimeFigureOut">
               <a:rPr kumimoji="1" lang="ja-JP" altLang="en-US" smtClean="0"/>
-              <a:t>2020/10/4</a:t>
+              <a:t>2020/10/5</a:t>
             </a:fld>
             <a:endParaRPr kumimoji="1" lang="ja-JP" altLang="en-US"/>
           </a:p>
@@ -2581,7 +2581,7 @@
           <a:p>
             <a:fld id="{E96D9F0A-2578-410E-B32A-F089453602AE}" type="datetimeFigureOut">
               <a:rPr kumimoji="1" lang="ja-JP" altLang="en-US" smtClean="0"/>
-              <a:t>2020/10/4</a:t>
+              <a:t>2020/10/5</a:t>
             </a:fld>
             <a:endParaRPr kumimoji="1" lang="ja-JP" altLang="en-US"/>
           </a:p>
@@ -2910,7 +2910,7 @@
           <a:p>
             <a:fld id="{E96D9F0A-2578-410E-B32A-F089453602AE}" type="datetimeFigureOut">
               <a:rPr kumimoji="1" lang="ja-JP" altLang="en-US" smtClean="0"/>
-              <a:t>2020/10/4</a:t>
+              <a:t>2020/10/5</a:t>
             </a:fld>
             <a:endParaRPr kumimoji="1" lang="ja-JP" altLang="en-US"/>
           </a:p>
@@ -3386,7 +3386,7 @@
           <a:p>
             <a:fld id="{E96D9F0A-2578-410E-B32A-F089453602AE}" type="datetimeFigureOut">
               <a:rPr kumimoji="1" lang="ja-JP" altLang="en-US" smtClean="0"/>
-              <a:t>2020/10/4</a:t>
+              <a:t>2020/10/5</a:t>
             </a:fld>
             <a:endParaRPr kumimoji="1" lang="ja-JP" altLang="en-US"/>
           </a:p>
@@ -3527,7 +3527,7 @@
           <a:p>
             <a:fld id="{E96D9F0A-2578-410E-B32A-F089453602AE}" type="datetimeFigureOut">
               <a:rPr kumimoji="1" lang="ja-JP" altLang="en-US" smtClean="0"/>
-              <a:t>2020/10/4</a:t>
+              <a:t>2020/10/5</a:t>
             </a:fld>
             <a:endParaRPr kumimoji="1" lang="ja-JP" altLang="en-US"/>
           </a:p>
@@ -3640,7 +3640,7 @@
           <a:p>
             <a:fld id="{E96D9F0A-2578-410E-B32A-F089453602AE}" type="datetimeFigureOut">
               <a:rPr kumimoji="1" lang="ja-JP" altLang="en-US" smtClean="0"/>
-              <a:t>2020/10/4</a:t>
+              <a:t>2020/10/5</a:t>
             </a:fld>
             <a:endParaRPr kumimoji="1" lang="ja-JP" altLang="en-US"/>
           </a:p>
@@ -3983,7 +3983,7 @@
           <a:p>
             <a:fld id="{E96D9F0A-2578-410E-B32A-F089453602AE}" type="datetimeFigureOut">
               <a:rPr kumimoji="1" lang="ja-JP" altLang="en-US" smtClean="0"/>
-              <a:t>2020/10/4</a:t>
+              <a:t>2020/10/5</a:t>
             </a:fld>
             <a:endParaRPr kumimoji="1" lang="ja-JP" altLang="en-US"/>
           </a:p>
@@ -4271,7 +4271,7 @@
           <a:p>
             <a:fld id="{E96D9F0A-2578-410E-B32A-F089453602AE}" type="datetimeFigureOut">
               <a:rPr kumimoji="1" lang="ja-JP" altLang="en-US" smtClean="0"/>
-              <a:t>2020/10/4</a:t>
+              <a:t>2020/10/5</a:t>
             </a:fld>
             <a:endParaRPr kumimoji="1" lang="ja-JP" altLang="en-US"/>
           </a:p>
@@ -4544,7 +4544,7 @@
           <a:p>
             <a:fld id="{E96D9F0A-2578-410E-B32A-F089453602AE}" type="datetimeFigureOut">
               <a:rPr kumimoji="1" lang="ja-JP" altLang="en-US" smtClean="0"/>
-              <a:t>2020/10/4</a:t>
+              <a:t>2020/10/5</a:t>
             </a:fld>
             <a:endParaRPr kumimoji="1" lang="ja-JP" altLang="en-US"/>
           </a:p>
@@ -5574,2218 +5574,2176 @@
           <a:chExt cx="0" cy="0"/>
         </a:xfrm>
       </p:grpSpPr>
-      <p:grpSp>
-        <p:nvGrpSpPr>
-          <p:cNvPr id="55" name="グループ化 54">
+      <p:sp>
+        <p:nvSpPr>
+          <p:cNvPr id="18" name="楕円 17">
             <a:extLst>
               <a:ext uri="{FF2B5EF4-FFF2-40B4-BE49-F238E27FC236}">
-                <a16:creationId xmlns:a16="http://schemas.microsoft.com/office/drawing/2014/main" id="{4A4FF266-67D8-46E3-A2E2-912E85B36A2C}"/>
+                <a16:creationId xmlns:a16="http://schemas.microsoft.com/office/drawing/2014/main" id="{C503ECD4-AAD2-4E8B-884F-530BC47A9EBD}"/>
               </a:ext>
             </a:extLst>
           </p:cNvPr>
-          <p:cNvGrpSpPr/>
+          <p:cNvSpPr/>
           <p:nvPr/>
-        </p:nvGrpSpPr>
-        <p:grpSpPr>
+        </p:nvSpPr>
+        <p:spPr>
           <a:xfrm>
-            <a:off x="6490370" y="1830811"/>
-            <a:ext cx="5430792" cy="5079813"/>
-            <a:chOff x="6363092" y="912724"/>
-            <a:chExt cx="5430792" cy="5079813"/>
+            <a:off x="9120093" y="3200304"/>
+            <a:ext cx="352400" cy="390521"/>
           </a:xfrm>
-        </p:grpSpPr>
-        <p:sp>
-          <p:nvSpPr>
-            <p:cNvPr id="18" name="楕円 17">
-              <a:extLst>
-                <a:ext uri="{FF2B5EF4-FFF2-40B4-BE49-F238E27FC236}">
-                  <a16:creationId xmlns:a16="http://schemas.microsoft.com/office/drawing/2014/main" id="{C503ECD4-AAD2-4E8B-884F-530BC47A9EBD}"/>
-                </a:ext>
-              </a:extLst>
-            </p:cNvPr>
-            <p:cNvSpPr/>
-            <p:nvPr/>
-          </p:nvSpPr>
-          <p:spPr>
-            <a:xfrm>
-              <a:off x="8992815" y="2282217"/>
-              <a:ext cx="352400" cy="390521"/>
-            </a:xfrm>
-            <a:prstGeom prst="ellipse">
-              <a:avLst/>
-            </a:prstGeom>
-          </p:spPr>
-          <p:style>
-            <a:lnRef idx="2">
-              <a:schemeClr val="accent1">
-                <a:shade val="50000"/>
-              </a:schemeClr>
-            </a:lnRef>
-            <a:fillRef idx="1">
-              <a:schemeClr val="accent1"/>
-            </a:fillRef>
-            <a:effectRef idx="0">
-              <a:schemeClr val="accent1"/>
-            </a:effectRef>
-            <a:fontRef idx="minor">
-              <a:schemeClr val="lt1"/>
-            </a:fontRef>
-          </p:style>
-          <p:txBody>
-            <a:bodyPr rtlCol="0" anchor="ctr"/>
-            <a:lstStyle/>
-            <a:p>
-              <a:pPr algn="ctr"/>
-              <a:endParaRPr kumimoji="1" lang="ja-JP" altLang="en-US" dirty="0"/>
-            </a:p>
-          </p:txBody>
-        </p:sp>
-        <p:sp>
-          <p:nvSpPr>
-            <p:cNvPr id="4" name="楕円 3">
-              <a:extLst>
-                <a:ext uri="{FF2B5EF4-FFF2-40B4-BE49-F238E27FC236}">
-                  <a16:creationId xmlns:a16="http://schemas.microsoft.com/office/drawing/2014/main" id="{706F47F2-EEAF-46AA-AD49-C0125EB729C8}"/>
-                </a:ext>
-              </a:extLst>
-            </p:cNvPr>
-            <p:cNvSpPr/>
-            <p:nvPr/>
-          </p:nvSpPr>
-          <p:spPr>
-            <a:xfrm>
-              <a:off x="7090851" y="2607492"/>
-              <a:ext cx="294099" cy="361553"/>
-            </a:xfrm>
-            <a:prstGeom prst="ellipse">
-              <a:avLst/>
-            </a:prstGeom>
-          </p:spPr>
-          <p:style>
-            <a:lnRef idx="2">
-              <a:schemeClr val="dk1"/>
-            </a:lnRef>
-            <a:fillRef idx="1">
-              <a:schemeClr val="lt1"/>
-            </a:fillRef>
-            <a:effectRef idx="0">
-              <a:schemeClr val="dk1"/>
-            </a:effectRef>
-            <a:fontRef idx="minor">
-              <a:schemeClr val="dk1"/>
-            </a:fontRef>
-          </p:style>
-          <p:txBody>
-            <a:bodyPr rtlCol="0" anchor="ctr"/>
-            <a:lstStyle/>
-            <a:p>
-              <a:pPr algn="ctr"/>
-              <a:r>
-                <a:rPr kumimoji="1" lang="ja-JP" altLang="en-US" sz="1200" dirty="0">
-                  <a:ln>
-                    <a:solidFill>
-                      <a:schemeClr val="tx1"/>
-                    </a:solidFill>
-                  </a:ln>
-                </a:rPr>
-                <a:t>・</a:t>
-              </a:r>
-            </a:p>
-          </p:txBody>
-        </p:sp>
-        <p:sp>
-          <p:nvSpPr>
-            <p:cNvPr id="7" name="テキスト ボックス 6">
-              <a:extLst>
-                <a:ext uri="{FF2B5EF4-FFF2-40B4-BE49-F238E27FC236}">
-                  <a16:creationId xmlns:a16="http://schemas.microsoft.com/office/drawing/2014/main" id="{6F9F9978-CBA1-4B78-BEF5-D2500B6F4A27}"/>
-                </a:ext>
-              </a:extLst>
-            </p:cNvPr>
-            <p:cNvSpPr txBox="1"/>
-            <p:nvPr/>
-          </p:nvSpPr>
-          <p:spPr>
-            <a:xfrm>
-              <a:off x="7286922" y="2329956"/>
-              <a:ext cx="475632" cy="369332"/>
-            </a:xfrm>
-            <a:prstGeom prst="rect">
-              <a:avLst/>
-            </a:prstGeom>
-            <a:noFill/>
-          </p:spPr>
-          <p:txBody>
-            <a:bodyPr wrap="square" rtlCol="0">
-              <a:spAutoFit/>
-            </a:bodyPr>
-            <a:lstStyle/>
-            <a:p>
-              <a:r>
-                <a:rPr kumimoji="1" lang="en-US" altLang="ja-JP" dirty="0"/>
-                <a:t>B</a:t>
-              </a:r>
-            </a:p>
-          </p:txBody>
-        </p:sp>
-        <p:cxnSp>
-          <p:nvCxnSpPr>
-            <p:cNvPr id="20" name="直線矢印コネクタ 19">
-              <a:extLst>
-                <a:ext uri="{FF2B5EF4-FFF2-40B4-BE49-F238E27FC236}">
-                  <a16:creationId xmlns:a16="http://schemas.microsoft.com/office/drawing/2014/main" id="{846457B3-EED0-4335-8DE0-51591235F115}"/>
-                </a:ext>
-              </a:extLst>
-            </p:cNvPr>
-            <p:cNvCxnSpPr/>
-            <p:nvPr/>
-          </p:nvCxnSpPr>
-          <p:spPr>
-            <a:xfrm>
-              <a:off x="6757769" y="5505450"/>
-              <a:ext cx="4105275" cy="0"/>
-            </a:xfrm>
-            <a:prstGeom prst="straightConnector1">
-              <a:avLst/>
-            </a:prstGeom>
-            <a:ln w="38100">
-              <a:solidFill>
-                <a:schemeClr val="tx1"/>
-              </a:solidFill>
-              <a:tailEnd type="triangle"/>
-            </a:ln>
-          </p:spPr>
-          <p:style>
-            <a:lnRef idx="1">
-              <a:schemeClr val="accent1"/>
-            </a:lnRef>
-            <a:fillRef idx="0">
-              <a:schemeClr val="accent1"/>
-            </a:fillRef>
-            <a:effectRef idx="0">
-              <a:schemeClr val="accent1"/>
-            </a:effectRef>
-            <a:fontRef idx="minor">
-              <a:schemeClr val="tx1"/>
-            </a:fontRef>
-          </p:style>
-        </p:cxnSp>
-        <p:cxnSp>
-          <p:nvCxnSpPr>
-            <p:cNvPr id="23" name="直線矢印コネクタ 22">
-              <a:extLst>
-                <a:ext uri="{FF2B5EF4-FFF2-40B4-BE49-F238E27FC236}">
-                  <a16:creationId xmlns:a16="http://schemas.microsoft.com/office/drawing/2014/main" id="{E8655704-B04E-44B7-A5E2-92364BFE203C}"/>
-                </a:ext>
-              </a:extLst>
-            </p:cNvPr>
-            <p:cNvCxnSpPr>
-              <a:cxnSpLocks/>
-            </p:cNvCxnSpPr>
-            <p:nvPr/>
-          </p:nvCxnSpPr>
-          <p:spPr>
-            <a:xfrm flipV="1">
-              <a:off x="6757769" y="2205872"/>
-              <a:ext cx="0" cy="3299578"/>
-            </a:xfrm>
-            <a:prstGeom prst="straightConnector1">
-              <a:avLst/>
-            </a:prstGeom>
-            <a:ln w="38100">
-              <a:solidFill>
-                <a:schemeClr val="tx1"/>
-              </a:solidFill>
-              <a:tailEnd type="triangle"/>
-            </a:ln>
-          </p:spPr>
-          <p:style>
-            <a:lnRef idx="1">
-              <a:schemeClr val="accent1"/>
-            </a:lnRef>
-            <a:fillRef idx="0">
-              <a:schemeClr val="accent1"/>
-            </a:fillRef>
-            <a:effectRef idx="0">
-              <a:schemeClr val="accent1"/>
-            </a:effectRef>
-            <a:fontRef idx="minor">
-              <a:schemeClr val="tx1"/>
-            </a:fontRef>
-          </p:style>
-        </p:cxnSp>
-        <p:sp>
-          <p:nvSpPr>
-            <p:cNvPr id="9" name="テキスト ボックス 8">
-              <a:extLst>
-                <a:ext uri="{FF2B5EF4-FFF2-40B4-BE49-F238E27FC236}">
-                  <a16:creationId xmlns:a16="http://schemas.microsoft.com/office/drawing/2014/main" id="{E2BC309D-9573-4A7B-B2F2-BC4300DA241F}"/>
-                </a:ext>
-              </a:extLst>
-            </p:cNvPr>
-            <p:cNvSpPr txBox="1"/>
-            <p:nvPr/>
-          </p:nvSpPr>
-          <p:spPr>
-            <a:xfrm>
-              <a:off x="10994109" y="5623205"/>
-              <a:ext cx="433631" cy="369332"/>
-            </a:xfrm>
-            <a:prstGeom prst="rect">
-              <a:avLst/>
-            </a:prstGeom>
-            <a:noFill/>
-          </p:spPr>
-          <p:txBody>
-            <a:bodyPr wrap="square" rtlCol="0">
-              <a:spAutoFit/>
-            </a:bodyPr>
-            <a:lstStyle/>
-            <a:p>
-              <a:r>
-                <a:rPr lang="en-US" altLang="ja-JP" dirty="0"/>
-                <a:t>x</a:t>
-              </a:r>
-              <a:endParaRPr kumimoji="1" lang="ja-JP" altLang="en-US" dirty="0"/>
-            </a:p>
-          </p:txBody>
-        </p:sp>
-        <p:sp>
-          <p:nvSpPr>
-            <p:cNvPr id="10" name="テキスト ボックス 9">
-              <a:extLst>
-                <a:ext uri="{FF2B5EF4-FFF2-40B4-BE49-F238E27FC236}">
-                  <a16:creationId xmlns:a16="http://schemas.microsoft.com/office/drawing/2014/main" id="{2D3C0521-D881-4BF8-A548-79434836DFC7}"/>
-                </a:ext>
-              </a:extLst>
-            </p:cNvPr>
-            <p:cNvSpPr txBox="1"/>
-            <p:nvPr/>
-          </p:nvSpPr>
-          <p:spPr>
-            <a:xfrm>
-              <a:off x="6363092" y="1816058"/>
-              <a:ext cx="486244" cy="369332"/>
-            </a:xfrm>
-            <a:prstGeom prst="rect">
-              <a:avLst/>
-            </a:prstGeom>
-            <a:noFill/>
-          </p:spPr>
-          <p:txBody>
-            <a:bodyPr wrap="square" rtlCol="0">
-              <a:spAutoFit/>
-            </a:bodyPr>
-            <a:lstStyle/>
-            <a:p>
-              <a:r>
-                <a:rPr lang="en-US" altLang="ja-JP" dirty="0"/>
-                <a:t>y </a:t>
-              </a:r>
-              <a:endParaRPr kumimoji="1" lang="ja-JP" altLang="en-US" dirty="0"/>
-            </a:p>
-          </p:txBody>
-        </p:sp>
-        <p:sp>
-          <p:nvSpPr>
-            <p:cNvPr id="11" name="楕円 10">
-              <a:extLst>
-                <a:ext uri="{FF2B5EF4-FFF2-40B4-BE49-F238E27FC236}">
-                  <a16:creationId xmlns:a16="http://schemas.microsoft.com/office/drawing/2014/main" id="{2423C6F9-3C9C-4F6E-85EB-29858BFEDE46}"/>
-                </a:ext>
-              </a:extLst>
-            </p:cNvPr>
-            <p:cNvSpPr/>
-            <p:nvPr/>
-          </p:nvSpPr>
-          <p:spPr>
-            <a:xfrm>
-              <a:off x="7620001" y="2477477"/>
-              <a:ext cx="3088638" cy="2768974"/>
-            </a:xfrm>
-            <a:prstGeom prst="ellipse">
-              <a:avLst/>
-            </a:prstGeom>
-            <a:noFill/>
-          </p:spPr>
-          <p:style>
-            <a:lnRef idx="2">
-              <a:schemeClr val="accent1">
-                <a:shade val="50000"/>
-              </a:schemeClr>
-            </a:lnRef>
-            <a:fillRef idx="1">
-              <a:schemeClr val="accent1"/>
-            </a:fillRef>
-            <a:effectRef idx="0">
-              <a:schemeClr val="accent1"/>
-            </a:effectRef>
-            <a:fontRef idx="minor">
-              <a:schemeClr val="lt1"/>
-            </a:fontRef>
-          </p:style>
-          <p:txBody>
-            <a:bodyPr rtlCol="0" anchor="ctr"/>
-            <a:lstStyle/>
-            <a:p>
-              <a:pPr algn="ctr"/>
-              <a:endParaRPr kumimoji="1" lang="ja-JP" altLang="en-US"/>
-            </a:p>
-          </p:txBody>
-        </p:sp>
-        <p:cxnSp>
-          <p:nvCxnSpPr>
-            <p:cNvPr id="14" name="直線コネクタ 13">
-              <a:extLst>
-                <a:ext uri="{FF2B5EF4-FFF2-40B4-BE49-F238E27FC236}">
-                  <a16:creationId xmlns:a16="http://schemas.microsoft.com/office/drawing/2014/main" id="{C7C30AB5-2049-4A13-A557-FB6FCDE81667}"/>
-                </a:ext>
-              </a:extLst>
-            </p:cNvPr>
-            <p:cNvCxnSpPr>
-              <a:cxnSpLocks/>
-              <a:stCxn id="33" idx="0"/>
-              <a:endCxn id="11" idx="6"/>
-            </p:cNvCxnSpPr>
-            <p:nvPr/>
-          </p:nvCxnSpPr>
-          <p:spPr>
-            <a:xfrm>
-              <a:off x="9165292" y="3840044"/>
-              <a:ext cx="1543347" cy="21920"/>
-            </a:xfrm>
-            <a:prstGeom prst="line">
-              <a:avLst/>
-            </a:prstGeom>
-          </p:spPr>
-          <p:style>
-            <a:lnRef idx="1">
-              <a:schemeClr val="accent1"/>
-            </a:lnRef>
-            <a:fillRef idx="0">
-              <a:schemeClr val="accent1"/>
-            </a:fillRef>
-            <a:effectRef idx="0">
-              <a:schemeClr val="accent1"/>
-            </a:effectRef>
-            <a:fontRef idx="minor">
-              <a:schemeClr val="tx1"/>
-            </a:fontRef>
-          </p:style>
-        </p:cxnSp>
-        <p:sp>
-          <p:nvSpPr>
-            <p:cNvPr id="33" name="円弧 32">
-              <a:extLst>
-                <a:ext uri="{FF2B5EF4-FFF2-40B4-BE49-F238E27FC236}">
-                  <a16:creationId xmlns:a16="http://schemas.microsoft.com/office/drawing/2014/main" id="{9812CC85-B854-41B8-B5A2-C6874E9DC2F9}"/>
-                </a:ext>
-              </a:extLst>
-            </p:cNvPr>
-            <p:cNvSpPr/>
-            <p:nvPr/>
-          </p:nvSpPr>
-          <p:spPr>
-            <a:xfrm>
-              <a:off x="9164320" y="3491810"/>
-              <a:ext cx="1190625" cy="738658"/>
-            </a:xfrm>
-            <a:prstGeom prst="arc">
-              <a:avLst>
-                <a:gd name="adj1" fmla="val 10921968"/>
-                <a:gd name="adj2" fmla="val 12945205"/>
-              </a:avLst>
-            </a:prstGeom>
-          </p:spPr>
-          <p:style>
-            <a:lnRef idx="1">
-              <a:schemeClr val="accent1"/>
-            </a:lnRef>
-            <a:fillRef idx="0">
-              <a:schemeClr val="accent1"/>
-            </a:fillRef>
-            <a:effectRef idx="0">
-              <a:schemeClr val="accent1"/>
-            </a:effectRef>
-            <a:fontRef idx="minor">
-              <a:schemeClr val="tx1"/>
-            </a:fontRef>
-          </p:style>
-          <p:txBody>
-            <a:bodyPr rtlCol="0" anchor="ctr"/>
-            <a:lstStyle/>
-            <a:p>
-              <a:pPr algn="ctr"/>
-              <a:endParaRPr kumimoji="1" lang="ja-JP" altLang="en-US"/>
-            </a:p>
-          </p:txBody>
-        </p:sp>
-        <p:sp>
-          <p:nvSpPr>
-            <p:cNvPr id="37" name="円弧 36">
-              <a:extLst>
-                <a:ext uri="{FF2B5EF4-FFF2-40B4-BE49-F238E27FC236}">
-                  <a16:creationId xmlns:a16="http://schemas.microsoft.com/office/drawing/2014/main" id="{9F6864A7-788E-4574-882A-6FD804BD3627}"/>
-                </a:ext>
-              </a:extLst>
-            </p:cNvPr>
-            <p:cNvSpPr/>
-            <p:nvPr/>
-          </p:nvSpPr>
-          <p:spPr>
-            <a:xfrm>
-              <a:off x="9491546" y="3486332"/>
-              <a:ext cx="1190625" cy="738658"/>
-            </a:xfrm>
-            <a:prstGeom prst="arc">
-              <a:avLst>
-                <a:gd name="adj1" fmla="val 19670061"/>
-                <a:gd name="adj2" fmla="val 21564549"/>
-              </a:avLst>
-            </a:prstGeom>
-          </p:spPr>
-          <p:style>
-            <a:lnRef idx="1">
-              <a:schemeClr val="accent1"/>
-            </a:lnRef>
-            <a:fillRef idx="0">
-              <a:schemeClr val="accent1"/>
-            </a:fillRef>
-            <a:effectRef idx="0">
-              <a:schemeClr val="accent1"/>
-            </a:effectRef>
-            <a:fontRef idx="minor">
-              <a:schemeClr val="tx1"/>
-            </a:fontRef>
-          </p:style>
-          <p:txBody>
-            <a:bodyPr rtlCol="0" anchor="ctr"/>
-            <a:lstStyle/>
-            <a:p>
-              <a:pPr algn="ctr"/>
-              <a:endParaRPr kumimoji="1" lang="ja-JP" altLang="en-US"/>
-            </a:p>
-          </p:txBody>
-        </p:sp>
-        <p:sp>
-          <p:nvSpPr>
-            <p:cNvPr id="40" name="テキスト ボックス 39">
-              <a:extLst>
-                <a:ext uri="{FF2B5EF4-FFF2-40B4-BE49-F238E27FC236}">
-                  <a16:creationId xmlns:a16="http://schemas.microsoft.com/office/drawing/2014/main" id="{38997EC5-482A-42C7-BAD8-FAB35A95923D}"/>
-                </a:ext>
-              </a:extLst>
-            </p:cNvPr>
-            <p:cNvSpPr txBox="1"/>
-            <p:nvPr/>
-          </p:nvSpPr>
-          <p:spPr>
-            <a:xfrm>
-              <a:off x="9759632" y="3366190"/>
-              <a:ext cx="378928" cy="369332"/>
-            </a:xfrm>
-            <a:prstGeom prst="rect">
-              <a:avLst/>
-            </a:prstGeom>
-            <a:noFill/>
-          </p:spPr>
-          <p:txBody>
-            <a:bodyPr wrap="square" rtlCol="0">
-              <a:spAutoFit/>
-            </a:bodyPr>
-            <a:lstStyle/>
-            <a:p>
-              <a:r>
-                <a:rPr lang="en-US" altLang="ja-JP" dirty="0"/>
-                <a:t>r</a:t>
-              </a:r>
-              <a:endParaRPr kumimoji="1" lang="ja-JP" altLang="en-US" dirty="0"/>
-            </a:p>
-          </p:txBody>
-        </p:sp>
-        <mc:AlternateContent xmlns:mc="http://schemas.openxmlformats.org/markup-compatibility/2006" xmlns:a14="http://schemas.microsoft.com/office/drawing/2010/main">
-          <mc:Choice Requires="a14">
-            <p:sp>
-              <p:nvSpPr>
-                <p:cNvPr id="46" name="テキスト ボックス 45">
-                  <a:extLst>
-                    <a:ext uri="{FF2B5EF4-FFF2-40B4-BE49-F238E27FC236}">
-                      <a16:creationId xmlns:a16="http://schemas.microsoft.com/office/drawing/2014/main" id="{747BB94C-F837-4557-8815-0FDEA84EEC7B}"/>
-                    </a:ext>
-                  </a:extLst>
-                </p:cNvPr>
-                <p:cNvSpPr txBox="1"/>
-                <p:nvPr/>
-              </p:nvSpPr>
-              <p:spPr>
-                <a:xfrm>
-                  <a:off x="6795377" y="912724"/>
-                  <a:ext cx="1598194" cy="555793"/>
-                </a:xfrm>
-                <a:prstGeom prst="rect">
-                  <a:avLst/>
-                </a:prstGeom>
-                <a:noFill/>
-              </p:spPr>
-              <p:txBody>
-                <a:bodyPr wrap="none" lIns="0" tIns="0" rIns="0" bIns="0" rtlCol="0">
-                  <a:spAutoFit/>
-                </a:bodyPr>
-                <a:lstStyle/>
-                <a:p>
-                  <a:pPr/>
-                  <a14:m>
-                    <m:oMathPara xmlns:m="http://schemas.openxmlformats.org/officeDocument/2006/math">
-                      <m:oMathParaPr>
-                        <m:jc m:val="centerGroup"/>
-                      </m:oMathParaPr>
-                      <m:oMath xmlns:m="http://schemas.openxmlformats.org/officeDocument/2006/math">
-                        <m:f>
-                          <m:fPr>
-                            <m:ctrlPr>
-                              <a:rPr kumimoji="1" lang="en-US" altLang="ja-JP" b="0" i="1" smtClean="0">
-                                <a:latin typeface="Cambria Math" panose="02040503050406030204" pitchFamily="18" charset="0"/>
-                              </a:rPr>
-                            </m:ctrlPr>
-                          </m:fPr>
-                          <m:num>
-                            <m:sSup>
-                              <m:sSupPr>
-                                <m:ctrlPr>
-                                  <a:rPr kumimoji="1" lang="en-US" altLang="ja-JP" b="0" i="1" smtClean="0">
-                                    <a:latin typeface="Cambria Math" panose="02040503050406030204" pitchFamily="18" charset="0"/>
-                                  </a:rPr>
-                                </m:ctrlPr>
-                              </m:sSupPr>
-                              <m:e>
-                                <m:r>
-                                  <a:rPr kumimoji="1" lang="en-US" altLang="ja-JP" b="0" i="1" smtClean="0">
-                                    <a:latin typeface="Cambria Math" panose="02040503050406030204" pitchFamily="18" charset="0"/>
-                                  </a:rPr>
-                                  <m:t>𝑑</m:t>
-                                </m:r>
-                              </m:e>
-                              <m:sup>
-                                <m:r>
-                                  <a:rPr kumimoji="1" lang="en-US" altLang="ja-JP" b="0" i="1" smtClean="0">
-                                    <a:latin typeface="Cambria Math" panose="02040503050406030204" pitchFamily="18" charset="0"/>
-                                  </a:rPr>
-                                  <m:t>2</m:t>
-                                </m:r>
-                              </m:sup>
-                            </m:sSup>
-                            <m:r>
-                              <a:rPr kumimoji="1" lang="en-US" altLang="ja-JP" b="1" i="1" smtClean="0">
-                                <a:latin typeface="Cambria Math" panose="02040503050406030204" pitchFamily="18" charset="0"/>
-                              </a:rPr>
-                              <m:t>𝒓</m:t>
-                            </m:r>
-                          </m:num>
-                          <m:den>
-                            <m:sSup>
-                              <m:sSupPr>
-                                <m:ctrlPr>
-                                  <a:rPr kumimoji="1" lang="en-US" altLang="ja-JP" b="0" i="1" smtClean="0">
-                                    <a:latin typeface="Cambria Math" panose="02040503050406030204" pitchFamily="18" charset="0"/>
-                                  </a:rPr>
-                                </m:ctrlPr>
-                              </m:sSupPr>
-                              <m:e>
-                                <m:r>
-                                  <a:rPr kumimoji="1" lang="en-US" altLang="ja-JP" b="0" i="1" smtClean="0">
-                                    <a:latin typeface="Cambria Math" panose="02040503050406030204" pitchFamily="18" charset="0"/>
-                                  </a:rPr>
-                                  <m:t>𝑑𝑡</m:t>
-                                </m:r>
-                              </m:e>
-                              <m:sup>
-                                <m:r>
-                                  <a:rPr kumimoji="1" lang="en-US" altLang="ja-JP" b="0" i="1" smtClean="0">
-                                    <a:latin typeface="Cambria Math" panose="02040503050406030204" pitchFamily="18" charset="0"/>
-                                  </a:rPr>
-                                  <m:t>2</m:t>
-                                </m:r>
-                              </m:sup>
-                            </m:sSup>
-                          </m:den>
-                        </m:f>
-                        <m:r>
-                          <a:rPr kumimoji="1" lang="en-US" altLang="ja-JP" b="0" i="1" smtClean="0">
-                            <a:latin typeface="Cambria Math" panose="02040503050406030204" pitchFamily="18" charset="0"/>
-                          </a:rPr>
-                          <m:t>= </m:t>
-                        </m:r>
-                        <m:f>
-                          <m:fPr>
-                            <m:ctrlPr>
-                              <a:rPr kumimoji="1" lang="en-US" altLang="ja-JP" b="0" i="1" smtClean="0">
-                                <a:latin typeface="Cambria Math" panose="02040503050406030204" pitchFamily="18" charset="0"/>
-                              </a:rPr>
-                            </m:ctrlPr>
-                          </m:fPr>
-                          <m:num>
-                            <m:r>
-                              <a:rPr kumimoji="1" lang="en-US" altLang="ja-JP" b="0" i="1" smtClean="0">
-                                <a:latin typeface="Cambria Math" panose="02040503050406030204" pitchFamily="18" charset="0"/>
-                              </a:rPr>
-                              <m:t>𝑞</m:t>
-                            </m:r>
-                          </m:num>
-                          <m:den>
-                            <m:r>
-                              <a:rPr kumimoji="1" lang="en-US" altLang="ja-JP" b="0" i="1" smtClean="0">
-                                <a:latin typeface="Cambria Math" panose="02040503050406030204" pitchFamily="18" charset="0"/>
-                              </a:rPr>
-                              <m:t>𝑚</m:t>
-                            </m:r>
-                          </m:den>
-                        </m:f>
-                        <m:r>
-                          <a:rPr kumimoji="1" lang="en-US" altLang="ja-JP" b="1" i="1" smtClean="0">
-                            <a:latin typeface="Cambria Math" panose="02040503050406030204" pitchFamily="18" charset="0"/>
-                          </a:rPr>
-                          <m:t>𝒗</m:t>
-                        </m:r>
-                        <m:r>
-                          <a:rPr kumimoji="1" lang="en-US" altLang="ja-JP" b="0" i="1" smtClean="0">
-                            <a:latin typeface="Cambria Math" panose="02040503050406030204" pitchFamily="18" charset="0"/>
-                            <a:ea typeface="Cambria Math" panose="02040503050406030204" pitchFamily="18" charset="0"/>
-                          </a:rPr>
-                          <m:t>×</m:t>
-                        </m:r>
-                        <m:r>
-                          <a:rPr kumimoji="1" lang="en-US" altLang="ja-JP" b="1" i="1" smtClean="0">
-                            <a:latin typeface="Cambria Math" panose="02040503050406030204" pitchFamily="18" charset="0"/>
-                            <a:ea typeface="Cambria Math" panose="02040503050406030204" pitchFamily="18" charset="0"/>
-                          </a:rPr>
-                          <m:t>𝑩</m:t>
-                        </m:r>
-                      </m:oMath>
-                    </m:oMathPara>
-                  </a14:m>
-                  <a:endParaRPr kumimoji="1" lang="ja-JP" altLang="en-US" b="1" dirty="0"/>
-                </a:p>
-              </p:txBody>
-            </p:sp>
-          </mc:Choice>
-          <mc:Fallback xmlns="">
-            <p:sp>
-              <p:nvSpPr>
-                <p:cNvPr id="46" name="テキスト ボックス 45">
-                  <a:extLst>
-                    <a:ext uri="{FF2B5EF4-FFF2-40B4-BE49-F238E27FC236}">
-                      <a16:creationId xmlns:a16="http://schemas.microsoft.com/office/drawing/2014/main" id="{747BB94C-F837-4557-8815-0FDEA84EEC7B}"/>
-                    </a:ext>
-                  </a:extLst>
-                </p:cNvPr>
-                <p:cNvSpPr txBox="1">
-                  <a:spLocks noRot="1" noChangeAspect="1" noMove="1" noResize="1" noEditPoints="1" noAdjustHandles="1" noChangeArrowheads="1" noChangeShapeType="1" noTextEdit="1"/>
-                </p:cNvSpPr>
-                <p:nvPr/>
-              </p:nvSpPr>
-              <p:spPr>
-                <a:xfrm>
-                  <a:off x="6795377" y="912724"/>
-                  <a:ext cx="1598194" cy="555793"/>
-                </a:xfrm>
-                <a:prstGeom prst="rect">
-                  <a:avLst/>
-                </a:prstGeom>
-                <a:blipFill>
-                  <a:blip r:embed="rId2"/>
-                  <a:stretch>
-                    <a:fillRect/>
-                  </a:stretch>
-                </a:blipFill>
-              </p:spPr>
-              <p:txBody>
-                <a:bodyPr/>
-                <a:lstStyle/>
-                <a:p>
-                  <a:r>
-                    <a:rPr lang="ja-JP" altLang="en-US">
-                      <a:noFill/>
-                    </a:rPr>
-                    <a:t> </a:t>
-                  </a:r>
-                </a:p>
-              </p:txBody>
-            </p:sp>
-          </mc:Fallback>
-        </mc:AlternateContent>
-        <mc:AlternateContent xmlns:mc="http://schemas.openxmlformats.org/markup-compatibility/2006" xmlns:a14="http://schemas.microsoft.com/office/drawing/2010/main">
-          <mc:Choice Requires="a14">
-            <p:sp>
-              <p:nvSpPr>
-                <p:cNvPr id="49" name="テキスト ボックス 48">
-                  <a:extLst>
-                    <a:ext uri="{FF2B5EF4-FFF2-40B4-BE49-F238E27FC236}">
-                      <a16:creationId xmlns:a16="http://schemas.microsoft.com/office/drawing/2014/main" id="{A2C0D51A-13B8-4999-B148-02BE50F4E563}"/>
-                    </a:ext>
-                  </a:extLst>
-                </p:cNvPr>
-                <p:cNvSpPr txBox="1"/>
-                <p:nvPr/>
-              </p:nvSpPr>
-              <p:spPr>
-                <a:xfrm>
-                  <a:off x="10378103" y="934527"/>
-                  <a:ext cx="969881" cy="521489"/>
-                </a:xfrm>
-                <a:prstGeom prst="rect">
-                  <a:avLst/>
-                </a:prstGeom>
-                <a:noFill/>
-              </p:spPr>
-              <p:txBody>
-                <a:bodyPr wrap="none" lIns="0" tIns="0" rIns="0" bIns="0" rtlCol="0">
-                  <a:spAutoFit/>
-                </a:bodyPr>
-                <a:lstStyle/>
-                <a:p>
-                  <a:pPr/>
-                  <a14:m>
-                    <m:oMathPara xmlns:m="http://schemas.openxmlformats.org/officeDocument/2006/math">
-                      <m:oMathParaPr>
-                        <m:jc m:val="centerGroup"/>
-                      </m:oMathParaPr>
-                      <m:oMath xmlns:m="http://schemas.openxmlformats.org/officeDocument/2006/math">
-                        <m:r>
-                          <a:rPr lang="en-US" altLang="ja-JP" b="1" i="1" smtClean="0">
-                            <a:latin typeface="Cambria Math" panose="02040503050406030204" pitchFamily="18" charset="0"/>
-                          </a:rPr>
-                          <m:t>𝒓</m:t>
-                        </m:r>
-                        <m:r>
-                          <a:rPr lang="en-US" altLang="ja-JP" b="0" i="1" smtClean="0">
-                            <a:latin typeface="Cambria Math" panose="02040503050406030204" pitchFamily="18" charset="0"/>
-                          </a:rPr>
-                          <m:t> </m:t>
-                        </m:r>
-                        <m:r>
-                          <a:rPr kumimoji="1" lang="en-US" altLang="ja-JP" b="0" i="1" smtClean="0">
-                            <a:latin typeface="Cambria Math" panose="02040503050406030204" pitchFamily="18" charset="0"/>
-                          </a:rPr>
-                          <m:t>=</m:t>
-                        </m:r>
-                        <m:f>
-                          <m:fPr>
-                            <m:ctrlPr>
-                              <a:rPr kumimoji="1" lang="en-US" altLang="ja-JP" b="0" i="1" smtClean="0">
-                                <a:latin typeface="Cambria Math" panose="02040503050406030204" pitchFamily="18" charset="0"/>
-                              </a:rPr>
-                            </m:ctrlPr>
-                          </m:fPr>
-                          <m:num>
-                            <m:r>
-                              <a:rPr kumimoji="1" lang="en-US" altLang="ja-JP" b="0" i="1" smtClean="0">
-                                <a:latin typeface="Cambria Math" panose="02040503050406030204" pitchFamily="18" charset="0"/>
-                              </a:rPr>
-                              <m:t>𝑚</m:t>
-                            </m:r>
-                            <m:sSub>
-                              <m:sSubPr>
-                                <m:ctrlPr>
-                                  <a:rPr kumimoji="1" lang="en-US" altLang="ja-JP" b="0" i="1" smtClean="0">
-                                    <a:latin typeface="Cambria Math" panose="02040503050406030204" pitchFamily="18" charset="0"/>
-                                  </a:rPr>
-                                </m:ctrlPr>
-                              </m:sSubPr>
-                              <m:e>
-                                <m:r>
-                                  <a:rPr kumimoji="1" lang="en-US" altLang="ja-JP" b="0" i="1" smtClean="0">
-                                    <a:latin typeface="Cambria Math" panose="02040503050406030204" pitchFamily="18" charset="0"/>
-                                  </a:rPr>
-                                  <m:t>𝑣</m:t>
-                                </m:r>
-                              </m:e>
-                              <m:sub>
-                                <m:r>
-                                  <a:rPr kumimoji="1" lang="en-US" altLang="ja-JP" b="0" i="1" smtClean="0">
-                                    <a:latin typeface="Cambria Math" panose="02040503050406030204" pitchFamily="18" charset="0"/>
-                                  </a:rPr>
-                                  <m:t>0</m:t>
-                                </m:r>
-                              </m:sub>
-                            </m:sSub>
-                          </m:num>
-                          <m:den>
-                            <m:r>
-                              <a:rPr kumimoji="1" lang="en-US" altLang="ja-JP" b="0" i="1" smtClean="0">
-                                <a:latin typeface="Cambria Math" panose="02040503050406030204" pitchFamily="18" charset="0"/>
-                              </a:rPr>
-                              <m:t>𝑞𝐵</m:t>
-                            </m:r>
-                          </m:den>
-                        </m:f>
-                      </m:oMath>
-                    </m:oMathPara>
-                  </a14:m>
-                  <a:endParaRPr kumimoji="1" lang="ja-JP" altLang="en-US" dirty="0"/>
-                </a:p>
-              </p:txBody>
-            </p:sp>
-          </mc:Choice>
-          <mc:Fallback xmlns="">
-            <p:sp>
-              <p:nvSpPr>
-                <p:cNvPr id="49" name="テキスト ボックス 48">
-                  <a:extLst>
-                    <a:ext uri="{FF2B5EF4-FFF2-40B4-BE49-F238E27FC236}">
-                      <a16:creationId xmlns:a16="http://schemas.microsoft.com/office/drawing/2014/main" id="{A2C0D51A-13B8-4999-B148-02BE50F4E563}"/>
-                    </a:ext>
-                  </a:extLst>
-                </p:cNvPr>
-                <p:cNvSpPr txBox="1">
-                  <a:spLocks noRot="1" noChangeAspect="1" noMove="1" noResize="1" noEditPoints="1" noAdjustHandles="1" noChangeArrowheads="1" noChangeShapeType="1" noTextEdit="1"/>
-                </p:cNvSpPr>
-                <p:nvPr/>
-              </p:nvSpPr>
-              <p:spPr>
-                <a:xfrm>
-                  <a:off x="10378103" y="934527"/>
-                  <a:ext cx="969881" cy="521489"/>
-                </a:xfrm>
-                <a:prstGeom prst="rect">
-                  <a:avLst/>
-                </a:prstGeom>
-                <a:blipFill>
-                  <a:blip r:embed="rId3"/>
-                  <a:stretch>
-                    <a:fillRect/>
-                  </a:stretch>
-                </a:blipFill>
-              </p:spPr>
-              <p:txBody>
-                <a:bodyPr/>
-                <a:lstStyle/>
-                <a:p>
-                  <a:r>
-                    <a:rPr lang="ja-JP" altLang="en-US">
-                      <a:noFill/>
-                    </a:rPr>
-                    <a:t> </a:t>
-                  </a:r>
-                </a:p>
-              </p:txBody>
-            </p:sp>
-          </mc:Fallback>
-        </mc:AlternateContent>
-        <mc:AlternateContent xmlns:mc="http://schemas.openxmlformats.org/markup-compatibility/2006" xmlns:a14="http://schemas.microsoft.com/office/drawing/2010/main">
-          <mc:Choice Requires="a14">
-            <p:sp>
-              <p:nvSpPr>
-                <p:cNvPr id="51" name="テキスト ボックス 50">
-                  <a:extLst>
-                    <a:ext uri="{FF2B5EF4-FFF2-40B4-BE49-F238E27FC236}">
-                      <a16:creationId xmlns:a16="http://schemas.microsoft.com/office/drawing/2014/main" id="{55BA5A70-C76F-4ECB-AE85-0F52990A4765}"/>
-                    </a:ext>
-                  </a:extLst>
-                </p:cNvPr>
-                <p:cNvSpPr txBox="1"/>
-                <p:nvPr/>
-              </p:nvSpPr>
-              <p:spPr>
-                <a:xfrm>
-                  <a:off x="9863868" y="1929868"/>
-                  <a:ext cx="1930016" cy="622350"/>
-                </a:xfrm>
-                <a:prstGeom prst="rect">
-                  <a:avLst/>
-                </a:prstGeom>
-                <a:noFill/>
-              </p:spPr>
-              <p:txBody>
-                <a:bodyPr wrap="none" lIns="0" tIns="0" rIns="0" bIns="0" rtlCol="0">
-                  <a:spAutoFit/>
-                </a:bodyPr>
-                <a:lstStyle/>
-                <a:p>
-                  <a:pPr/>
-                  <a14:m>
-                    <m:oMathPara xmlns:m="http://schemas.openxmlformats.org/officeDocument/2006/math">
-                      <m:oMathParaPr>
-                        <m:jc m:val="centerGroup"/>
-                      </m:oMathParaPr>
-                      <m:oMath xmlns:m="http://schemas.openxmlformats.org/officeDocument/2006/math">
-                        <m:sSub>
-                          <m:sSubPr>
-                            <m:ctrlPr>
-                              <a:rPr lang="en-US" altLang="ja-JP" b="1" i="1" smtClean="0">
-                                <a:latin typeface="Cambria Math" panose="02040503050406030204" pitchFamily="18" charset="0"/>
-                              </a:rPr>
-                            </m:ctrlPr>
-                          </m:sSubPr>
-                          <m:e>
-                            <m:r>
-                              <a:rPr lang="en-US" altLang="ja-JP" b="1" i="1" smtClean="0">
-                                <a:latin typeface="Cambria Math" panose="02040503050406030204" pitchFamily="18" charset="0"/>
-                              </a:rPr>
-                              <m:t>𝒗</m:t>
-                            </m:r>
-                          </m:e>
-                          <m:sub>
-                            <m:r>
-                              <a:rPr lang="en-US" altLang="ja-JP" b="1" i="1" smtClean="0">
-                                <a:latin typeface="Cambria Math" panose="02040503050406030204" pitchFamily="18" charset="0"/>
-                              </a:rPr>
-                              <m:t>𝟎</m:t>
-                            </m:r>
-                          </m:sub>
-                        </m:sSub>
-                        <m:r>
-                          <a:rPr lang="en-US" altLang="ja-JP" b="0" i="1" smtClean="0">
-                            <a:latin typeface="Cambria Math" panose="02040503050406030204" pitchFamily="18" charset="0"/>
-                          </a:rPr>
-                          <m:t>=</m:t>
-                        </m:r>
-                        <m:d>
-                          <m:dPr>
-                            <m:ctrlPr>
-                              <a:rPr lang="en-US" altLang="ja-JP" b="0" i="1" smtClean="0">
-                                <a:latin typeface="Cambria Math" panose="02040503050406030204" pitchFamily="18" charset="0"/>
-                              </a:rPr>
-                            </m:ctrlPr>
-                          </m:dPr>
-                          <m:e>
-                            <m:f>
-                              <m:fPr>
-                                <m:type m:val="noBar"/>
-                                <m:ctrlPr>
-                                  <a:rPr lang="en-US" altLang="ja-JP" b="0" i="1" smtClean="0">
-                                    <a:latin typeface="Cambria Math" panose="02040503050406030204" pitchFamily="18" charset="0"/>
-                                  </a:rPr>
-                                </m:ctrlPr>
-                              </m:fPr>
-                              <m:num>
-                                <m:sSub>
-                                  <m:sSubPr>
-                                    <m:ctrlPr>
-                                      <a:rPr lang="en-US" altLang="ja-JP" b="0" i="1" smtClean="0">
-                                        <a:latin typeface="Cambria Math" panose="02040503050406030204" pitchFamily="18" charset="0"/>
-                                      </a:rPr>
-                                    </m:ctrlPr>
-                                  </m:sSubPr>
-                                  <m:e>
-                                    <m:r>
-                                      <a:rPr lang="en-US" altLang="ja-JP" b="0" i="1" smtClean="0">
-                                        <a:latin typeface="Cambria Math" panose="02040503050406030204" pitchFamily="18" charset="0"/>
-                                      </a:rPr>
-                                      <m:t>𝑣</m:t>
-                                    </m:r>
-                                  </m:e>
-                                  <m:sub>
-                                    <m:r>
-                                      <a:rPr lang="en-US" altLang="ja-JP" b="0" i="1" smtClean="0">
-                                        <a:latin typeface="Cambria Math" panose="02040503050406030204" pitchFamily="18" charset="0"/>
-                                      </a:rPr>
-                                      <m:t>𝑥</m:t>
-                                    </m:r>
-                                  </m:sub>
-                                </m:sSub>
-                              </m:num>
-                              <m:den>
-                                <m:sSub>
-                                  <m:sSubPr>
-                                    <m:ctrlPr>
-                                      <a:rPr lang="en-US" altLang="ja-JP" b="0" i="1" smtClean="0">
-                                        <a:latin typeface="Cambria Math" panose="02040503050406030204" pitchFamily="18" charset="0"/>
-                                      </a:rPr>
-                                    </m:ctrlPr>
-                                  </m:sSubPr>
-                                  <m:e>
-                                    <m:r>
-                                      <a:rPr lang="en-US" altLang="ja-JP" b="0" i="1" smtClean="0">
-                                        <a:latin typeface="Cambria Math" panose="02040503050406030204" pitchFamily="18" charset="0"/>
-                                      </a:rPr>
-                                      <m:t>𝑣</m:t>
-                                    </m:r>
-                                  </m:e>
-                                  <m:sub>
-                                    <m:r>
-                                      <a:rPr lang="en-US" altLang="ja-JP" b="0" i="1" smtClean="0">
-                                        <a:latin typeface="Cambria Math" panose="02040503050406030204" pitchFamily="18" charset="0"/>
-                                      </a:rPr>
-                                      <m:t>𝑦</m:t>
-                                    </m:r>
-                                  </m:sub>
-                                </m:sSub>
-                              </m:den>
-                            </m:f>
-                          </m:e>
-                        </m:d>
-                        <m:r>
-                          <a:rPr lang="en-US" altLang="ja-JP" b="0" i="1" smtClean="0">
-                            <a:latin typeface="Cambria Math" panose="02040503050406030204" pitchFamily="18" charset="0"/>
-                          </a:rPr>
-                          <m:t>=</m:t>
-                        </m:r>
-                        <m:d>
-                          <m:dPr>
-                            <m:ctrlPr>
-                              <a:rPr lang="en-US" altLang="ja-JP" b="0" i="1" smtClean="0">
-                                <a:latin typeface="Cambria Math" panose="02040503050406030204" pitchFamily="18" charset="0"/>
-                              </a:rPr>
-                            </m:ctrlPr>
-                          </m:dPr>
-                          <m:e>
-                            <m:f>
-                              <m:fPr>
-                                <m:type m:val="noBar"/>
-                                <m:ctrlPr>
-                                  <a:rPr lang="en-US" altLang="ja-JP" b="0" i="1" smtClean="0">
-                                    <a:latin typeface="Cambria Math" panose="02040503050406030204" pitchFamily="18" charset="0"/>
-                                  </a:rPr>
-                                </m:ctrlPr>
-                              </m:fPr>
-                              <m:num>
-                                <m:sSub>
-                                  <m:sSubPr>
-                                    <m:ctrlPr>
-                                      <a:rPr lang="en-US" altLang="ja-JP" b="0" i="1" smtClean="0">
-                                        <a:latin typeface="Cambria Math" panose="02040503050406030204" pitchFamily="18" charset="0"/>
-                                      </a:rPr>
-                                    </m:ctrlPr>
-                                  </m:sSubPr>
-                                  <m:e>
-                                    <m:r>
-                                      <a:rPr lang="en-US" altLang="ja-JP" b="0" i="1" smtClean="0">
-                                        <a:latin typeface="Cambria Math" panose="02040503050406030204" pitchFamily="18" charset="0"/>
-                                      </a:rPr>
-                                      <m:t>𝑣</m:t>
-                                    </m:r>
-                                  </m:e>
-                                  <m:sub>
-                                    <m:r>
-                                      <a:rPr lang="en-US" altLang="ja-JP" b="0" i="1" smtClean="0">
-                                        <a:latin typeface="Cambria Math" panose="02040503050406030204" pitchFamily="18" charset="0"/>
-                                      </a:rPr>
-                                      <m:t>0</m:t>
-                                    </m:r>
-                                  </m:sub>
-                                </m:sSub>
-                              </m:num>
-                              <m:den>
-                                <m:r>
-                                  <a:rPr lang="en-US" altLang="ja-JP" b="0" i="1" smtClean="0">
-                                    <a:latin typeface="Cambria Math" panose="02040503050406030204" pitchFamily="18" charset="0"/>
-                                  </a:rPr>
-                                  <m:t>0</m:t>
-                                </m:r>
-                              </m:den>
-                            </m:f>
-                          </m:e>
-                        </m:d>
-                      </m:oMath>
-                    </m:oMathPara>
-                  </a14:m>
-                  <a:endParaRPr kumimoji="1" lang="ja-JP" altLang="en-US" dirty="0"/>
-                </a:p>
-              </p:txBody>
-            </p:sp>
-          </mc:Choice>
-          <mc:Fallback xmlns="">
-            <p:sp>
-              <p:nvSpPr>
-                <p:cNvPr id="51" name="テキスト ボックス 50">
-                  <a:extLst>
-                    <a:ext uri="{FF2B5EF4-FFF2-40B4-BE49-F238E27FC236}">
-                      <a16:creationId xmlns:a16="http://schemas.microsoft.com/office/drawing/2014/main" id="{55BA5A70-C76F-4ECB-AE85-0F52990A4765}"/>
-                    </a:ext>
-                  </a:extLst>
-                </p:cNvPr>
-                <p:cNvSpPr txBox="1">
-                  <a:spLocks noRot="1" noChangeAspect="1" noMove="1" noResize="1" noEditPoints="1" noAdjustHandles="1" noChangeArrowheads="1" noChangeShapeType="1" noTextEdit="1"/>
-                </p:cNvSpPr>
-                <p:nvPr/>
-              </p:nvSpPr>
-              <p:spPr>
-                <a:xfrm>
-                  <a:off x="9863868" y="1929868"/>
-                  <a:ext cx="1930016" cy="622350"/>
-                </a:xfrm>
-                <a:prstGeom prst="rect">
-                  <a:avLst/>
-                </a:prstGeom>
-                <a:blipFill>
-                  <a:blip r:embed="rId4"/>
-                  <a:stretch>
-                    <a:fillRect b="-980"/>
-                  </a:stretch>
-                </a:blipFill>
-              </p:spPr>
-              <p:txBody>
-                <a:bodyPr/>
-                <a:lstStyle/>
-                <a:p>
-                  <a:r>
-                    <a:rPr lang="ja-JP" altLang="en-US">
-                      <a:noFill/>
-                    </a:rPr>
-                    <a:t> </a:t>
-                  </a:r>
-                </a:p>
-              </p:txBody>
-            </p:sp>
-          </mc:Fallback>
-        </mc:AlternateContent>
-        <p:sp>
-          <p:nvSpPr>
-            <p:cNvPr id="52" name="テキスト ボックス 51">
-              <a:extLst>
-                <a:ext uri="{FF2B5EF4-FFF2-40B4-BE49-F238E27FC236}">
-                  <a16:creationId xmlns:a16="http://schemas.microsoft.com/office/drawing/2014/main" id="{6443A12D-4C85-4F1C-8AED-D2BE9B182B61}"/>
-                </a:ext>
-              </a:extLst>
-            </p:cNvPr>
-            <p:cNvSpPr txBox="1"/>
-            <p:nvPr/>
-          </p:nvSpPr>
-          <p:spPr>
-            <a:xfrm>
-              <a:off x="8928412" y="1000889"/>
-              <a:ext cx="1126268" cy="369332"/>
-            </a:xfrm>
-            <a:prstGeom prst="rect">
-              <a:avLst/>
-            </a:prstGeom>
-            <a:noFill/>
-          </p:spPr>
-          <p:txBody>
-            <a:bodyPr wrap="square" rtlCol="0">
-              <a:spAutoFit/>
-            </a:bodyPr>
-            <a:lstStyle/>
-            <a:p>
-              <a:r>
-                <a:rPr kumimoji="1" lang="ja-JP" altLang="en-US" dirty="0"/>
-                <a:t>のとき、</a:t>
-              </a:r>
-            </a:p>
-          </p:txBody>
-        </p:sp>
-      </p:grpSp>
-      <p:grpSp>
-        <p:nvGrpSpPr>
-          <p:cNvPr id="56" name="グループ化 55">
+          <a:prstGeom prst="ellipse">
+            <a:avLst/>
+          </a:prstGeom>
+        </p:spPr>
+        <p:style>
+          <a:lnRef idx="2">
+            <a:schemeClr val="accent1">
+              <a:shade val="50000"/>
+            </a:schemeClr>
+          </a:lnRef>
+          <a:fillRef idx="1">
+            <a:schemeClr val="accent1"/>
+          </a:fillRef>
+          <a:effectRef idx="0">
+            <a:schemeClr val="accent1"/>
+          </a:effectRef>
+          <a:fontRef idx="minor">
+            <a:schemeClr val="lt1"/>
+          </a:fontRef>
+        </p:style>
+        <p:txBody>
+          <a:bodyPr rtlCol="0" anchor="ctr"/>
+          <a:lstStyle/>
+          <a:p>
+            <a:pPr algn="ctr"/>
+            <a:endParaRPr kumimoji="1" lang="ja-JP" altLang="en-US" dirty="0"/>
+          </a:p>
+        </p:txBody>
+      </p:sp>
+      <p:sp>
+        <p:nvSpPr>
+          <p:cNvPr id="4" name="楕円 3">
             <a:extLst>
               <a:ext uri="{FF2B5EF4-FFF2-40B4-BE49-F238E27FC236}">
-                <a16:creationId xmlns:a16="http://schemas.microsoft.com/office/drawing/2014/main" id="{CD7E5500-E567-4501-82C4-E91CE24C147A}"/>
+                <a16:creationId xmlns:a16="http://schemas.microsoft.com/office/drawing/2014/main" id="{706F47F2-EEAF-46AA-AD49-C0125EB729C8}"/>
               </a:ext>
             </a:extLst>
           </p:cNvPr>
-          <p:cNvGrpSpPr/>
+          <p:cNvSpPr/>
           <p:nvPr/>
-        </p:nvGrpSpPr>
-        <p:grpSpPr>
+        </p:nvSpPr>
+        <p:spPr>
           <a:xfrm>
-            <a:off x="588314" y="2429105"/>
-            <a:ext cx="5548692" cy="4098901"/>
-            <a:chOff x="814400" y="2078302"/>
-            <a:chExt cx="5548692" cy="4098901"/>
+            <a:off x="7218129" y="3525579"/>
+            <a:ext cx="294099" cy="361553"/>
           </a:xfrm>
-        </p:grpSpPr>
-        <p:cxnSp>
-          <p:nvCxnSpPr>
-            <p:cNvPr id="5" name="直線矢印コネクタ 4">
-              <a:extLst>
-                <a:ext uri="{FF2B5EF4-FFF2-40B4-BE49-F238E27FC236}">
-                  <a16:creationId xmlns:a16="http://schemas.microsoft.com/office/drawing/2014/main" id="{71CF1211-3516-41C3-A29B-37378579E889}"/>
-                </a:ext>
-              </a:extLst>
-            </p:cNvPr>
-            <p:cNvCxnSpPr/>
-            <p:nvPr/>
-          </p:nvCxnSpPr>
-          <p:spPr>
-            <a:xfrm>
-              <a:off x="990600" y="5505450"/>
-              <a:ext cx="4105275" cy="0"/>
-            </a:xfrm>
-            <a:prstGeom prst="straightConnector1">
-              <a:avLst/>
-            </a:prstGeom>
-            <a:ln w="38100">
-              <a:solidFill>
-                <a:schemeClr val="tx1"/>
-              </a:solidFill>
-              <a:tailEnd type="triangle"/>
-            </a:ln>
-          </p:spPr>
-          <p:style>
-            <a:lnRef idx="1">
-              <a:schemeClr val="accent1"/>
-            </a:lnRef>
-            <a:fillRef idx="0">
-              <a:schemeClr val="accent1"/>
-            </a:fillRef>
-            <a:effectRef idx="0">
-              <a:schemeClr val="accent1"/>
-            </a:effectRef>
-            <a:fontRef idx="minor">
+          <a:prstGeom prst="ellipse">
+            <a:avLst/>
+          </a:prstGeom>
+        </p:spPr>
+        <p:style>
+          <a:lnRef idx="2">
+            <a:schemeClr val="dk1"/>
+          </a:lnRef>
+          <a:fillRef idx="1">
+            <a:schemeClr val="lt1"/>
+          </a:fillRef>
+          <a:effectRef idx="0">
+            <a:schemeClr val="dk1"/>
+          </a:effectRef>
+          <a:fontRef idx="minor">
+            <a:schemeClr val="dk1"/>
+          </a:fontRef>
+        </p:style>
+        <p:txBody>
+          <a:bodyPr rtlCol="0" anchor="ctr"/>
+          <a:lstStyle/>
+          <a:p>
+            <a:pPr algn="ctr"/>
+            <a:r>
+              <a:rPr kumimoji="1" lang="ja-JP" altLang="en-US" sz="1200" dirty="0">
+                <a:ln>
+                  <a:solidFill>
+                    <a:schemeClr val="tx1"/>
+                  </a:solidFill>
+                </a:ln>
+              </a:rPr>
+              <a:t>・</a:t>
+            </a:r>
+          </a:p>
+        </p:txBody>
+      </p:sp>
+      <p:sp>
+        <p:nvSpPr>
+          <p:cNvPr id="7" name="テキスト ボックス 6">
+            <a:extLst>
+              <a:ext uri="{FF2B5EF4-FFF2-40B4-BE49-F238E27FC236}">
+                <a16:creationId xmlns:a16="http://schemas.microsoft.com/office/drawing/2014/main" id="{6F9F9978-CBA1-4B78-BEF5-D2500B6F4A27}"/>
+              </a:ext>
+            </a:extLst>
+          </p:cNvPr>
+          <p:cNvSpPr txBox="1"/>
+          <p:nvPr/>
+        </p:nvSpPr>
+        <p:spPr>
+          <a:xfrm>
+            <a:off x="7414200" y="3248043"/>
+            <a:ext cx="475632" cy="369332"/>
+          </a:xfrm>
+          <a:prstGeom prst="rect">
+            <a:avLst/>
+          </a:prstGeom>
+          <a:noFill/>
+        </p:spPr>
+        <p:txBody>
+          <a:bodyPr wrap="square" rtlCol="0">
+            <a:spAutoFit/>
+          </a:bodyPr>
+          <a:lstStyle/>
+          <a:p>
+            <a:r>
+              <a:rPr kumimoji="1" lang="en-US" altLang="ja-JP" dirty="0"/>
+              <a:t>B</a:t>
+            </a:r>
+          </a:p>
+        </p:txBody>
+      </p:sp>
+      <p:cxnSp>
+        <p:nvCxnSpPr>
+          <p:cNvPr id="20" name="直線矢印コネクタ 19">
+            <a:extLst>
+              <a:ext uri="{FF2B5EF4-FFF2-40B4-BE49-F238E27FC236}">
+                <a16:creationId xmlns:a16="http://schemas.microsoft.com/office/drawing/2014/main" id="{846457B3-EED0-4335-8DE0-51591235F115}"/>
+              </a:ext>
+            </a:extLst>
+          </p:cNvPr>
+          <p:cNvCxnSpPr/>
+          <p:nvPr/>
+        </p:nvCxnSpPr>
+        <p:spPr>
+          <a:xfrm>
+            <a:off x="6885047" y="6423537"/>
+            <a:ext cx="4105275" cy="0"/>
+          </a:xfrm>
+          <a:prstGeom prst="straightConnector1">
+            <a:avLst/>
+          </a:prstGeom>
+          <a:ln w="38100">
+            <a:solidFill>
               <a:schemeClr val="tx1"/>
-            </a:fontRef>
-          </p:style>
-        </p:cxnSp>
-        <p:cxnSp>
-          <p:nvCxnSpPr>
-            <p:cNvPr id="13" name="直線コネクタ 12">
-              <a:extLst>
-                <a:ext uri="{FF2B5EF4-FFF2-40B4-BE49-F238E27FC236}">
-                  <a16:creationId xmlns:a16="http://schemas.microsoft.com/office/drawing/2014/main" id="{1E130B7A-C2F7-41CE-8F5B-B317BACC333D}"/>
-                </a:ext>
-              </a:extLst>
-            </p:cNvPr>
-            <p:cNvCxnSpPr>
-              <a:cxnSpLocks/>
-            </p:cNvCxnSpPr>
-            <p:nvPr/>
-          </p:nvCxnSpPr>
-          <p:spPr>
-            <a:xfrm>
-              <a:off x="981075" y="5376862"/>
-              <a:ext cx="0" cy="257175"/>
-            </a:xfrm>
-            <a:prstGeom prst="line">
-              <a:avLst/>
-            </a:prstGeom>
-            <a:ln w="38100">
-              <a:solidFill>
-                <a:schemeClr val="tx1"/>
-              </a:solidFill>
-            </a:ln>
-          </p:spPr>
-          <p:style>
-            <a:lnRef idx="1">
-              <a:schemeClr val="accent1"/>
-            </a:lnRef>
-            <a:fillRef idx="0">
-              <a:schemeClr val="accent1"/>
-            </a:fillRef>
-            <a:effectRef idx="0">
-              <a:schemeClr val="accent1"/>
-            </a:effectRef>
-            <a:fontRef idx="minor">
+            </a:solidFill>
+            <a:tailEnd type="triangle"/>
+          </a:ln>
+        </p:spPr>
+        <p:style>
+          <a:lnRef idx="1">
+            <a:schemeClr val="accent1"/>
+          </a:lnRef>
+          <a:fillRef idx="0">
+            <a:schemeClr val="accent1"/>
+          </a:fillRef>
+          <a:effectRef idx="0">
+            <a:schemeClr val="accent1"/>
+          </a:effectRef>
+          <a:fontRef idx="minor">
+            <a:schemeClr val="tx1"/>
+          </a:fontRef>
+        </p:style>
+      </p:cxnSp>
+      <p:cxnSp>
+        <p:nvCxnSpPr>
+          <p:cNvPr id="23" name="直線矢印コネクタ 22">
+            <a:extLst>
+              <a:ext uri="{FF2B5EF4-FFF2-40B4-BE49-F238E27FC236}">
+                <a16:creationId xmlns:a16="http://schemas.microsoft.com/office/drawing/2014/main" id="{E8655704-B04E-44B7-A5E2-92364BFE203C}"/>
+              </a:ext>
+            </a:extLst>
+          </p:cNvPr>
+          <p:cNvCxnSpPr>
+            <a:cxnSpLocks/>
+          </p:cNvCxnSpPr>
+          <p:nvPr/>
+        </p:nvCxnSpPr>
+        <p:spPr>
+          <a:xfrm flipV="1">
+            <a:off x="6885047" y="3123959"/>
+            <a:ext cx="0" cy="3299578"/>
+          </a:xfrm>
+          <a:prstGeom prst="straightConnector1">
+            <a:avLst/>
+          </a:prstGeom>
+          <a:ln w="38100">
+            <a:solidFill>
               <a:schemeClr val="tx1"/>
-            </a:fontRef>
-          </p:style>
-        </p:cxnSp>
-        <p:cxnSp>
-          <p:nvCxnSpPr>
-            <p:cNvPr id="15" name="直線コネクタ 14">
-              <a:extLst>
-                <a:ext uri="{FF2B5EF4-FFF2-40B4-BE49-F238E27FC236}">
-                  <a16:creationId xmlns:a16="http://schemas.microsoft.com/office/drawing/2014/main" id="{383D4104-5A62-46CA-9AC6-0124EA86ABFD}"/>
-                </a:ext>
-              </a:extLst>
-            </p:cNvPr>
-            <p:cNvCxnSpPr>
-              <a:cxnSpLocks/>
-            </p:cNvCxnSpPr>
-            <p:nvPr/>
-          </p:nvCxnSpPr>
-          <p:spPr>
-            <a:xfrm>
-              <a:off x="4171950" y="5376862"/>
-              <a:ext cx="0" cy="257175"/>
-            </a:xfrm>
-            <a:prstGeom prst="line">
-              <a:avLst/>
-            </a:prstGeom>
-            <a:ln w="38100">
-              <a:solidFill>
-                <a:schemeClr val="tx1"/>
-              </a:solidFill>
-            </a:ln>
-          </p:spPr>
-          <p:style>
-            <a:lnRef idx="1">
-              <a:schemeClr val="accent1"/>
-            </a:lnRef>
-            <a:fillRef idx="0">
-              <a:schemeClr val="accent1"/>
-            </a:fillRef>
-            <a:effectRef idx="0">
-              <a:schemeClr val="accent1"/>
-            </a:effectRef>
-            <a:fontRef idx="minor">
+            </a:solidFill>
+            <a:tailEnd type="triangle"/>
+          </a:ln>
+        </p:spPr>
+        <p:style>
+          <a:lnRef idx="1">
+            <a:schemeClr val="accent1"/>
+          </a:lnRef>
+          <a:fillRef idx="0">
+            <a:schemeClr val="accent1"/>
+          </a:fillRef>
+          <a:effectRef idx="0">
+            <a:schemeClr val="accent1"/>
+          </a:effectRef>
+          <a:fontRef idx="minor">
+            <a:schemeClr val="tx1"/>
+          </a:fontRef>
+        </p:style>
+      </p:cxnSp>
+      <p:sp>
+        <p:nvSpPr>
+          <p:cNvPr id="9" name="テキスト ボックス 8">
+            <a:extLst>
+              <a:ext uri="{FF2B5EF4-FFF2-40B4-BE49-F238E27FC236}">
+                <a16:creationId xmlns:a16="http://schemas.microsoft.com/office/drawing/2014/main" id="{E2BC309D-9573-4A7B-B2F2-BC4300DA241F}"/>
+              </a:ext>
+            </a:extLst>
+          </p:cNvPr>
+          <p:cNvSpPr txBox="1"/>
+          <p:nvPr/>
+        </p:nvSpPr>
+        <p:spPr>
+          <a:xfrm>
+            <a:off x="11121387" y="6541292"/>
+            <a:ext cx="433631" cy="369332"/>
+          </a:xfrm>
+          <a:prstGeom prst="rect">
+            <a:avLst/>
+          </a:prstGeom>
+          <a:noFill/>
+        </p:spPr>
+        <p:txBody>
+          <a:bodyPr wrap="square" rtlCol="0">
+            <a:spAutoFit/>
+          </a:bodyPr>
+          <a:lstStyle/>
+          <a:p>
+            <a:r>
+              <a:rPr lang="en-US" altLang="ja-JP" dirty="0"/>
+              <a:t>x</a:t>
+            </a:r>
+            <a:endParaRPr kumimoji="1" lang="ja-JP" altLang="en-US" dirty="0"/>
+          </a:p>
+        </p:txBody>
+      </p:sp>
+      <p:sp>
+        <p:nvSpPr>
+          <p:cNvPr id="10" name="テキスト ボックス 9">
+            <a:extLst>
+              <a:ext uri="{FF2B5EF4-FFF2-40B4-BE49-F238E27FC236}">
+                <a16:creationId xmlns:a16="http://schemas.microsoft.com/office/drawing/2014/main" id="{2D3C0521-D881-4BF8-A548-79434836DFC7}"/>
+              </a:ext>
+            </a:extLst>
+          </p:cNvPr>
+          <p:cNvSpPr txBox="1"/>
+          <p:nvPr/>
+        </p:nvSpPr>
+        <p:spPr>
+          <a:xfrm>
+            <a:off x="6490370" y="2734145"/>
+            <a:ext cx="486244" cy="369332"/>
+          </a:xfrm>
+          <a:prstGeom prst="rect">
+            <a:avLst/>
+          </a:prstGeom>
+          <a:noFill/>
+        </p:spPr>
+        <p:txBody>
+          <a:bodyPr wrap="square" rtlCol="0">
+            <a:spAutoFit/>
+          </a:bodyPr>
+          <a:lstStyle/>
+          <a:p>
+            <a:r>
+              <a:rPr lang="en-US" altLang="ja-JP" dirty="0"/>
+              <a:t>y </a:t>
+            </a:r>
+            <a:endParaRPr kumimoji="1" lang="ja-JP" altLang="en-US" dirty="0"/>
+          </a:p>
+        </p:txBody>
+      </p:sp>
+      <p:sp>
+        <p:nvSpPr>
+          <p:cNvPr id="11" name="楕円 10">
+            <a:extLst>
+              <a:ext uri="{FF2B5EF4-FFF2-40B4-BE49-F238E27FC236}">
+                <a16:creationId xmlns:a16="http://schemas.microsoft.com/office/drawing/2014/main" id="{2423C6F9-3C9C-4F6E-85EB-29858BFEDE46}"/>
+              </a:ext>
+            </a:extLst>
+          </p:cNvPr>
+          <p:cNvSpPr/>
+          <p:nvPr/>
+        </p:nvSpPr>
+        <p:spPr>
+          <a:xfrm>
+            <a:off x="7747279" y="3395564"/>
+            <a:ext cx="3088638" cy="2768974"/>
+          </a:xfrm>
+          <a:prstGeom prst="ellipse">
+            <a:avLst/>
+          </a:prstGeom>
+          <a:noFill/>
+        </p:spPr>
+        <p:style>
+          <a:lnRef idx="2">
+            <a:schemeClr val="accent1">
+              <a:shade val="50000"/>
+            </a:schemeClr>
+          </a:lnRef>
+          <a:fillRef idx="1">
+            <a:schemeClr val="accent1"/>
+          </a:fillRef>
+          <a:effectRef idx="0">
+            <a:schemeClr val="accent1"/>
+          </a:effectRef>
+          <a:fontRef idx="minor">
+            <a:schemeClr val="lt1"/>
+          </a:fontRef>
+        </p:style>
+        <p:txBody>
+          <a:bodyPr rtlCol="0" anchor="ctr"/>
+          <a:lstStyle/>
+          <a:p>
+            <a:pPr algn="ctr"/>
+            <a:endParaRPr kumimoji="1" lang="ja-JP" altLang="en-US"/>
+          </a:p>
+        </p:txBody>
+      </p:sp>
+      <p:cxnSp>
+        <p:nvCxnSpPr>
+          <p:cNvPr id="14" name="直線コネクタ 13">
+            <a:extLst>
+              <a:ext uri="{FF2B5EF4-FFF2-40B4-BE49-F238E27FC236}">
+                <a16:creationId xmlns:a16="http://schemas.microsoft.com/office/drawing/2014/main" id="{C7C30AB5-2049-4A13-A557-FB6FCDE81667}"/>
+              </a:ext>
+            </a:extLst>
+          </p:cNvPr>
+          <p:cNvCxnSpPr>
+            <a:cxnSpLocks/>
+            <a:stCxn id="33" idx="0"/>
+            <a:endCxn id="11" idx="6"/>
+          </p:cNvCxnSpPr>
+          <p:nvPr/>
+        </p:nvCxnSpPr>
+        <p:spPr>
+          <a:xfrm>
+            <a:off x="9292570" y="4758131"/>
+            <a:ext cx="1543347" cy="21920"/>
+          </a:xfrm>
+          <a:prstGeom prst="line">
+            <a:avLst/>
+          </a:prstGeom>
+        </p:spPr>
+        <p:style>
+          <a:lnRef idx="1">
+            <a:schemeClr val="accent1"/>
+          </a:lnRef>
+          <a:fillRef idx="0">
+            <a:schemeClr val="accent1"/>
+          </a:fillRef>
+          <a:effectRef idx="0">
+            <a:schemeClr val="accent1"/>
+          </a:effectRef>
+          <a:fontRef idx="minor">
+            <a:schemeClr val="tx1"/>
+          </a:fontRef>
+        </p:style>
+      </p:cxnSp>
+      <p:sp>
+        <p:nvSpPr>
+          <p:cNvPr id="33" name="円弧 32">
+            <a:extLst>
+              <a:ext uri="{FF2B5EF4-FFF2-40B4-BE49-F238E27FC236}">
+                <a16:creationId xmlns:a16="http://schemas.microsoft.com/office/drawing/2014/main" id="{9812CC85-B854-41B8-B5A2-C6874E9DC2F9}"/>
+              </a:ext>
+            </a:extLst>
+          </p:cNvPr>
+          <p:cNvSpPr/>
+          <p:nvPr/>
+        </p:nvSpPr>
+        <p:spPr>
+          <a:xfrm>
+            <a:off x="9291598" y="4409897"/>
+            <a:ext cx="1190625" cy="738658"/>
+          </a:xfrm>
+          <a:prstGeom prst="arc">
+            <a:avLst>
+              <a:gd name="adj1" fmla="val 10921968"/>
+              <a:gd name="adj2" fmla="val 12945205"/>
+            </a:avLst>
+          </a:prstGeom>
+        </p:spPr>
+        <p:style>
+          <a:lnRef idx="1">
+            <a:schemeClr val="accent1"/>
+          </a:lnRef>
+          <a:fillRef idx="0">
+            <a:schemeClr val="accent1"/>
+          </a:fillRef>
+          <a:effectRef idx="0">
+            <a:schemeClr val="accent1"/>
+          </a:effectRef>
+          <a:fontRef idx="minor">
+            <a:schemeClr val="tx1"/>
+          </a:fontRef>
+        </p:style>
+        <p:txBody>
+          <a:bodyPr rtlCol="0" anchor="ctr"/>
+          <a:lstStyle/>
+          <a:p>
+            <a:pPr algn="ctr"/>
+            <a:endParaRPr kumimoji="1" lang="ja-JP" altLang="en-US"/>
+          </a:p>
+        </p:txBody>
+      </p:sp>
+      <p:sp>
+        <p:nvSpPr>
+          <p:cNvPr id="37" name="円弧 36">
+            <a:extLst>
+              <a:ext uri="{FF2B5EF4-FFF2-40B4-BE49-F238E27FC236}">
+                <a16:creationId xmlns:a16="http://schemas.microsoft.com/office/drawing/2014/main" id="{9F6864A7-788E-4574-882A-6FD804BD3627}"/>
+              </a:ext>
+            </a:extLst>
+          </p:cNvPr>
+          <p:cNvSpPr/>
+          <p:nvPr/>
+        </p:nvSpPr>
+        <p:spPr>
+          <a:xfrm>
+            <a:off x="9618824" y="4404419"/>
+            <a:ext cx="1190625" cy="738658"/>
+          </a:xfrm>
+          <a:prstGeom prst="arc">
+            <a:avLst>
+              <a:gd name="adj1" fmla="val 19670061"/>
+              <a:gd name="adj2" fmla="val 21564549"/>
+            </a:avLst>
+          </a:prstGeom>
+        </p:spPr>
+        <p:style>
+          <a:lnRef idx="1">
+            <a:schemeClr val="accent1"/>
+          </a:lnRef>
+          <a:fillRef idx="0">
+            <a:schemeClr val="accent1"/>
+          </a:fillRef>
+          <a:effectRef idx="0">
+            <a:schemeClr val="accent1"/>
+          </a:effectRef>
+          <a:fontRef idx="minor">
+            <a:schemeClr val="tx1"/>
+          </a:fontRef>
+        </p:style>
+        <p:txBody>
+          <a:bodyPr rtlCol="0" anchor="ctr"/>
+          <a:lstStyle/>
+          <a:p>
+            <a:pPr algn="ctr"/>
+            <a:endParaRPr kumimoji="1" lang="ja-JP" altLang="en-US"/>
+          </a:p>
+        </p:txBody>
+      </p:sp>
+      <p:sp>
+        <p:nvSpPr>
+          <p:cNvPr id="40" name="テキスト ボックス 39">
+            <a:extLst>
+              <a:ext uri="{FF2B5EF4-FFF2-40B4-BE49-F238E27FC236}">
+                <a16:creationId xmlns:a16="http://schemas.microsoft.com/office/drawing/2014/main" id="{38997EC5-482A-42C7-BAD8-FAB35A95923D}"/>
+              </a:ext>
+            </a:extLst>
+          </p:cNvPr>
+          <p:cNvSpPr txBox="1"/>
+          <p:nvPr/>
+        </p:nvSpPr>
+        <p:spPr>
+          <a:xfrm>
+            <a:off x="9886910" y="4284277"/>
+            <a:ext cx="378928" cy="369332"/>
+          </a:xfrm>
+          <a:prstGeom prst="rect">
+            <a:avLst/>
+          </a:prstGeom>
+          <a:noFill/>
+        </p:spPr>
+        <p:txBody>
+          <a:bodyPr wrap="square" rtlCol="0">
+            <a:spAutoFit/>
+          </a:bodyPr>
+          <a:lstStyle/>
+          <a:p>
+            <a:r>
+              <a:rPr lang="en-US" altLang="ja-JP" dirty="0"/>
+              <a:t>r</a:t>
+            </a:r>
+            <a:endParaRPr kumimoji="1" lang="ja-JP" altLang="en-US" dirty="0"/>
+          </a:p>
+        </p:txBody>
+      </p:sp>
+      <mc:AlternateContent xmlns:mc="http://schemas.openxmlformats.org/markup-compatibility/2006">
+        <mc:Choice xmlns:a14="http://schemas.microsoft.com/office/drawing/2010/main" Requires="a14">
+          <p:sp>
+            <p:nvSpPr>
+              <p:cNvPr id="46" name="テキスト ボックス 45">
+                <a:extLst>
+                  <a:ext uri="{FF2B5EF4-FFF2-40B4-BE49-F238E27FC236}">
+                    <a16:creationId xmlns:a16="http://schemas.microsoft.com/office/drawing/2014/main" id="{747BB94C-F837-4557-8815-0FDEA84EEC7B}"/>
+                  </a:ext>
+                </a:extLst>
+              </p:cNvPr>
+              <p:cNvSpPr txBox="1"/>
+              <p:nvPr/>
+            </p:nvSpPr>
+            <p:spPr>
+              <a:xfrm>
+                <a:off x="6922655" y="1830811"/>
+                <a:ext cx="1598194" cy="555793"/>
+              </a:xfrm>
+              <a:prstGeom prst="rect">
+                <a:avLst/>
+              </a:prstGeom>
+              <a:noFill/>
+            </p:spPr>
+            <p:txBody>
+              <a:bodyPr wrap="none" lIns="0" tIns="0" rIns="0" bIns="0" rtlCol="0">
+                <a:spAutoFit/>
+              </a:bodyPr>
+              <a:lstStyle/>
+              <a:p>
+                <a:pPr/>
+                <a14:m>
+                  <m:oMathPara xmlns:m="http://schemas.openxmlformats.org/officeDocument/2006/math">
+                    <m:oMathParaPr>
+                      <m:jc m:val="centerGroup"/>
+                    </m:oMathParaPr>
+                    <m:oMath xmlns:m="http://schemas.openxmlformats.org/officeDocument/2006/math">
+                      <m:f>
+                        <m:fPr>
+                          <m:ctrlPr>
+                            <a:rPr kumimoji="1" lang="en-US" altLang="ja-JP" b="0" i="1" smtClean="0">
+                              <a:latin typeface="Cambria Math" panose="02040503050406030204" pitchFamily="18" charset="0"/>
+                            </a:rPr>
+                          </m:ctrlPr>
+                        </m:fPr>
+                        <m:num>
+                          <m:sSup>
+                            <m:sSupPr>
+                              <m:ctrlPr>
+                                <a:rPr kumimoji="1" lang="en-US" altLang="ja-JP" b="0" i="1" smtClean="0">
+                                  <a:latin typeface="Cambria Math" panose="02040503050406030204" pitchFamily="18" charset="0"/>
+                                </a:rPr>
+                              </m:ctrlPr>
+                            </m:sSupPr>
+                            <m:e>
+                              <m:r>
+                                <a:rPr kumimoji="1" lang="en-US" altLang="ja-JP" b="0" i="1" smtClean="0">
+                                  <a:latin typeface="Cambria Math" panose="02040503050406030204" pitchFamily="18" charset="0"/>
+                                </a:rPr>
+                                <m:t>𝑑</m:t>
+                              </m:r>
+                            </m:e>
+                            <m:sup>
+                              <m:r>
+                                <a:rPr kumimoji="1" lang="en-US" altLang="ja-JP" b="0" i="1" smtClean="0">
+                                  <a:latin typeface="Cambria Math" panose="02040503050406030204" pitchFamily="18" charset="0"/>
+                                </a:rPr>
+                                <m:t>2</m:t>
+                              </m:r>
+                            </m:sup>
+                          </m:sSup>
+                          <m:r>
+                            <a:rPr kumimoji="1" lang="en-US" altLang="ja-JP" b="1" i="1" smtClean="0">
+                              <a:latin typeface="Cambria Math" panose="02040503050406030204" pitchFamily="18" charset="0"/>
+                            </a:rPr>
+                            <m:t>𝒓</m:t>
+                          </m:r>
+                        </m:num>
+                        <m:den>
+                          <m:sSup>
+                            <m:sSupPr>
+                              <m:ctrlPr>
+                                <a:rPr kumimoji="1" lang="en-US" altLang="ja-JP" b="0" i="1" smtClean="0">
+                                  <a:latin typeface="Cambria Math" panose="02040503050406030204" pitchFamily="18" charset="0"/>
+                                </a:rPr>
+                              </m:ctrlPr>
+                            </m:sSupPr>
+                            <m:e>
+                              <m:r>
+                                <a:rPr kumimoji="1" lang="en-US" altLang="ja-JP" b="0" i="1" smtClean="0">
+                                  <a:latin typeface="Cambria Math" panose="02040503050406030204" pitchFamily="18" charset="0"/>
+                                </a:rPr>
+                                <m:t>𝑑𝑡</m:t>
+                              </m:r>
+                            </m:e>
+                            <m:sup>
+                              <m:r>
+                                <a:rPr kumimoji="1" lang="en-US" altLang="ja-JP" b="0" i="1" smtClean="0">
+                                  <a:latin typeface="Cambria Math" panose="02040503050406030204" pitchFamily="18" charset="0"/>
+                                </a:rPr>
+                                <m:t>2</m:t>
+                              </m:r>
+                            </m:sup>
+                          </m:sSup>
+                        </m:den>
+                      </m:f>
+                      <m:r>
+                        <a:rPr kumimoji="1" lang="en-US" altLang="ja-JP" b="0" i="1" smtClean="0">
+                          <a:latin typeface="Cambria Math" panose="02040503050406030204" pitchFamily="18" charset="0"/>
+                        </a:rPr>
+                        <m:t>= </m:t>
+                      </m:r>
+                      <m:f>
+                        <m:fPr>
+                          <m:ctrlPr>
+                            <a:rPr kumimoji="1" lang="en-US" altLang="ja-JP" b="0" i="1" smtClean="0">
+                              <a:latin typeface="Cambria Math" panose="02040503050406030204" pitchFamily="18" charset="0"/>
+                            </a:rPr>
+                          </m:ctrlPr>
+                        </m:fPr>
+                        <m:num>
+                          <m:r>
+                            <a:rPr kumimoji="1" lang="en-US" altLang="ja-JP" b="0" i="1" smtClean="0">
+                              <a:latin typeface="Cambria Math" panose="02040503050406030204" pitchFamily="18" charset="0"/>
+                            </a:rPr>
+                            <m:t>𝑞</m:t>
+                          </m:r>
+                        </m:num>
+                        <m:den>
+                          <m:r>
+                            <a:rPr kumimoji="1" lang="en-US" altLang="ja-JP" b="0" i="1" smtClean="0">
+                              <a:latin typeface="Cambria Math" panose="02040503050406030204" pitchFamily="18" charset="0"/>
+                            </a:rPr>
+                            <m:t>𝑚</m:t>
+                          </m:r>
+                        </m:den>
+                      </m:f>
+                      <m:r>
+                        <a:rPr kumimoji="1" lang="en-US" altLang="ja-JP" b="1" i="1" smtClean="0">
+                          <a:latin typeface="Cambria Math" panose="02040503050406030204" pitchFamily="18" charset="0"/>
+                        </a:rPr>
+                        <m:t>𝒗</m:t>
+                      </m:r>
+                      <m:r>
+                        <a:rPr kumimoji="1" lang="en-US" altLang="ja-JP" b="0" i="1" smtClean="0">
+                          <a:latin typeface="Cambria Math" panose="02040503050406030204" pitchFamily="18" charset="0"/>
+                          <a:ea typeface="Cambria Math" panose="02040503050406030204" pitchFamily="18" charset="0"/>
+                        </a:rPr>
+                        <m:t>×</m:t>
+                      </m:r>
+                      <m:r>
+                        <a:rPr kumimoji="1" lang="en-US" altLang="ja-JP" b="1" i="1" smtClean="0">
+                          <a:latin typeface="Cambria Math" panose="02040503050406030204" pitchFamily="18" charset="0"/>
+                          <a:ea typeface="Cambria Math" panose="02040503050406030204" pitchFamily="18" charset="0"/>
+                        </a:rPr>
+                        <m:t>𝑩</m:t>
+                      </m:r>
+                    </m:oMath>
+                  </m:oMathPara>
+                </a14:m>
+                <a:endParaRPr kumimoji="1" lang="ja-JP" altLang="en-US" b="1" dirty="0"/>
+              </a:p>
+            </p:txBody>
+          </p:sp>
+        </mc:Choice>
+        <mc:Fallback>
+          <p:sp>
+            <p:nvSpPr>
+              <p:cNvPr id="46" name="テキスト ボックス 45">
+                <a:extLst>
+                  <a:ext uri="{FF2B5EF4-FFF2-40B4-BE49-F238E27FC236}">
+                    <a16:creationId xmlns:a16="http://schemas.microsoft.com/office/drawing/2014/main" id="{747BB94C-F837-4557-8815-0FDEA84EEC7B}"/>
+                  </a:ext>
+                </a:extLst>
+              </p:cNvPr>
+              <p:cNvSpPr txBox="1">
+                <a:spLocks noRot="1" noChangeAspect="1" noMove="1" noResize="1" noEditPoints="1" noAdjustHandles="1" noChangeArrowheads="1" noChangeShapeType="1" noTextEdit="1"/>
+              </p:cNvSpPr>
+              <p:nvPr/>
+            </p:nvSpPr>
+            <p:spPr>
+              <a:xfrm>
+                <a:off x="6922655" y="1830811"/>
+                <a:ext cx="1598194" cy="555793"/>
+              </a:xfrm>
+              <a:prstGeom prst="rect">
+                <a:avLst/>
+              </a:prstGeom>
+              <a:blipFill>
+                <a:blip r:embed="rId2"/>
+                <a:stretch>
+                  <a:fillRect/>
+                </a:stretch>
+              </a:blipFill>
+            </p:spPr>
+            <p:txBody>
+              <a:bodyPr/>
+              <a:lstStyle/>
+              <a:p>
+                <a:r>
+                  <a:rPr lang="ja-JP" altLang="en-US">
+                    <a:noFill/>
+                  </a:rPr>
+                  <a:t> </a:t>
+                </a:r>
+              </a:p>
+            </p:txBody>
+          </p:sp>
+        </mc:Fallback>
+      </mc:AlternateContent>
+      <mc:AlternateContent xmlns:mc="http://schemas.openxmlformats.org/markup-compatibility/2006">
+        <mc:Choice xmlns:a14="http://schemas.microsoft.com/office/drawing/2010/main" Requires="a14">
+          <p:sp>
+            <p:nvSpPr>
+              <p:cNvPr id="49" name="テキスト ボックス 48">
+                <a:extLst>
+                  <a:ext uri="{FF2B5EF4-FFF2-40B4-BE49-F238E27FC236}">
+                    <a16:creationId xmlns:a16="http://schemas.microsoft.com/office/drawing/2014/main" id="{A2C0D51A-13B8-4999-B148-02BE50F4E563}"/>
+                  </a:ext>
+                </a:extLst>
+              </p:cNvPr>
+              <p:cNvSpPr txBox="1"/>
+              <p:nvPr/>
+            </p:nvSpPr>
+            <p:spPr>
+              <a:xfrm>
+                <a:off x="10505381" y="1852614"/>
+                <a:ext cx="969881" cy="521489"/>
+              </a:xfrm>
+              <a:prstGeom prst="rect">
+                <a:avLst/>
+              </a:prstGeom>
+              <a:noFill/>
+            </p:spPr>
+            <p:txBody>
+              <a:bodyPr wrap="none" lIns="0" tIns="0" rIns="0" bIns="0" rtlCol="0">
+                <a:spAutoFit/>
+              </a:bodyPr>
+              <a:lstStyle/>
+              <a:p>
+                <a:pPr/>
+                <a14:m>
+                  <m:oMathPara xmlns:m="http://schemas.openxmlformats.org/officeDocument/2006/math">
+                    <m:oMathParaPr>
+                      <m:jc m:val="centerGroup"/>
+                    </m:oMathParaPr>
+                    <m:oMath xmlns:m="http://schemas.openxmlformats.org/officeDocument/2006/math">
+                      <m:r>
+                        <a:rPr lang="en-US" altLang="ja-JP" b="1" i="1" smtClean="0">
+                          <a:latin typeface="Cambria Math" panose="02040503050406030204" pitchFamily="18" charset="0"/>
+                        </a:rPr>
+                        <m:t>𝒓</m:t>
+                      </m:r>
+                      <m:r>
+                        <a:rPr lang="en-US" altLang="ja-JP" b="0" i="1" smtClean="0">
+                          <a:latin typeface="Cambria Math" panose="02040503050406030204" pitchFamily="18" charset="0"/>
+                        </a:rPr>
+                        <m:t> </m:t>
+                      </m:r>
+                      <m:r>
+                        <a:rPr kumimoji="1" lang="en-US" altLang="ja-JP" b="0" i="1" smtClean="0">
+                          <a:latin typeface="Cambria Math" panose="02040503050406030204" pitchFamily="18" charset="0"/>
+                        </a:rPr>
+                        <m:t>=</m:t>
+                      </m:r>
+                      <m:f>
+                        <m:fPr>
+                          <m:ctrlPr>
+                            <a:rPr kumimoji="1" lang="en-US" altLang="ja-JP" b="0" i="1" smtClean="0">
+                              <a:latin typeface="Cambria Math" panose="02040503050406030204" pitchFamily="18" charset="0"/>
+                            </a:rPr>
+                          </m:ctrlPr>
+                        </m:fPr>
+                        <m:num>
+                          <m:r>
+                            <a:rPr kumimoji="1" lang="en-US" altLang="ja-JP" b="0" i="1" smtClean="0">
+                              <a:latin typeface="Cambria Math" panose="02040503050406030204" pitchFamily="18" charset="0"/>
+                            </a:rPr>
+                            <m:t>𝑚</m:t>
+                          </m:r>
+                          <m:sSub>
+                            <m:sSubPr>
+                              <m:ctrlPr>
+                                <a:rPr kumimoji="1" lang="en-US" altLang="ja-JP" b="0" i="1" smtClean="0">
+                                  <a:latin typeface="Cambria Math" panose="02040503050406030204" pitchFamily="18" charset="0"/>
+                                </a:rPr>
+                              </m:ctrlPr>
+                            </m:sSubPr>
+                            <m:e>
+                              <m:r>
+                                <a:rPr kumimoji="1" lang="en-US" altLang="ja-JP" b="0" i="1" smtClean="0">
+                                  <a:latin typeface="Cambria Math" panose="02040503050406030204" pitchFamily="18" charset="0"/>
+                                </a:rPr>
+                                <m:t>𝑣</m:t>
+                              </m:r>
+                            </m:e>
+                            <m:sub>
+                              <m:r>
+                                <a:rPr kumimoji="1" lang="en-US" altLang="ja-JP" b="0" i="1" smtClean="0">
+                                  <a:latin typeface="Cambria Math" panose="02040503050406030204" pitchFamily="18" charset="0"/>
+                                </a:rPr>
+                                <m:t>0</m:t>
+                              </m:r>
+                            </m:sub>
+                          </m:sSub>
+                        </m:num>
+                        <m:den>
+                          <m:r>
+                            <a:rPr kumimoji="1" lang="en-US" altLang="ja-JP" b="0" i="1" smtClean="0">
+                              <a:latin typeface="Cambria Math" panose="02040503050406030204" pitchFamily="18" charset="0"/>
+                            </a:rPr>
+                            <m:t>𝑞𝐵</m:t>
+                          </m:r>
+                        </m:den>
+                      </m:f>
+                    </m:oMath>
+                  </m:oMathPara>
+                </a14:m>
+                <a:endParaRPr kumimoji="1" lang="ja-JP" altLang="en-US" dirty="0"/>
+              </a:p>
+            </p:txBody>
+          </p:sp>
+        </mc:Choice>
+        <mc:Fallback>
+          <p:sp>
+            <p:nvSpPr>
+              <p:cNvPr id="49" name="テキスト ボックス 48">
+                <a:extLst>
+                  <a:ext uri="{FF2B5EF4-FFF2-40B4-BE49-F238E27FC236}">
+                    <a16:creationId xmlns:a16="http://schemas.microsoft.com/office/drawing/2014/main" id="{A2C0D51A-13B8-4999-B148-02BE50F4E563}"/>
+                  </a:ext>
+                </a:extLst>
+              </p:cNvPr>
+              <p:cNvSpPr txBox="1">
+                <a:spLocks noRot="1" noChangeAspect="1" noMove="1" noResize="1" noEditPoints="1" noAdjustHandles="1" noChangeArrowheads="1" noChangeShapeType="1" noTextEdit="1"/>
+              </p:cNvSpPr>
+              <p:nvPr/>
+            </p:nvSpPr>
+            <p:spPr>
+              <a:xfrm>
+                <a:off x="10505381" y="1852614"/>
+                <a:ext cx="969881" cy="521489"/>
+              </a:xfrm>
+              <a:prstGeom prst="rect">
+                <a:avLst/>
+              </a:prstGeom>
+              <a:blipFill>
+                <a:blip r:embed="rId3"/>
+                <a:stretch>
+                  <a:fillRect/>
+                </a:stretch>
+              </a:blipFill>
+            </p:spPr>
+            <p:txBody>
+              <a:bodyPr/>
+              <a:lstStyle/>
+              <a:p>
+                <a:r>
+                  <a:rPr lang="ja-JP" altLang="en-US">
+                    <a:noFill/>
+                  </a:rPr>
+                  <a:t> </a:t>
+                </a:r>
+              </a:p>
+            </p:txBody>
+          </p:sp>
+        </mc:Fallback>
+      </mc:AlternateContent>
+      <mc:AlternateContent xmlns:mc="http://schemas.openxmlformats.org/markup-compatibility/2006">
+        <mc:Choice xmlns:a14="http://schemas.microsoft.com/office/drawing/2010/main" Requires="a14">
+          <p:sp>
+            <p:nvSpPr>
+              <p:cNvPr id="51" name="テキスト ボックス 50">
+                <a:extLst>
+                  <a:ext uri="{FF2B5EF4-FFF2-40B4-BE49-F238E27FC236}">
+                    <a16:creationId xmlns:a16="http://schemas.microsoft.com/office/drawing/2014/main" id="{55BA5A70-C76F-4ECB-AE85-0F52990A4765}"/>
+                  </a:ext>
+                </a:extLst>
+              </p:cNvPr>
+              <p:cNvSpPr txBox="1"/>
+              <p:nvPr/>
+            </p:nvSpPr>
+            <p:spPr>
+              <a:xfrm>
+                <a:off x="9824231" y="2762780"/>
+                <a:ext cx="1930016" cy="622350"/>
+              </a:xfrm>
+              <a:prstGeom prst="rect">
+                <a:avLst/>
+              </a:prstGeom>
+              <a:noFill/>
+            </p:spPr>
+            <p:txBody>
+              <a:bodyPr wrap="none" lIns="0" tIns="0" rIns="0" bIns="0" rtlCol="0">
+                <a:spAutoFit/>
+              </a:bodyPr>
+              <a:lstStyle/>
+              <a:p>
+                <a:pPr/>
+                <a14:m>
+                  <m:oMathPara xmlns:m="http://schemas.openxmlformats.org/officeDocument/2006/math">
+                    <m:oMathParaPr>
+                      <m:jc m:val="centerGroup"/>
+                    </m:oMathParaPr>
+                    <m:oMath xmlns:m="http://schemas.openxmlformats.org/officeDocument/2006/math">
+                      <m:sSub>
+                        <m:sSubPr>
+                          <m:ctrlPr>
+                            <a:rPr lang="en-US" altLang="ja-JP" b="1" i="1" smtClean="0">
+                              <a:latin typeface="Cambria Math" panose="02040503050406030204" pitchFamily="18" charset="0"/>
+                            </a:rPr>
+                          </m:ctrlPr>
+                        </m:sSubPr>
+                        <m:e>
+                          <m:r>
+                            <a:rPr lang="en-US" altLang="ja-JP" b="1" i="1" smtClean="0">
+                              <a:latin typeface="Cambria Math" panose="02040503050406030204" pitchFamily="18" charset="0"/>
+                            </a:rPr>
+                            <m:t>𝒗</m:t>
+                          </m:r>
+                        </m:e>
+                        <m:sub>
+                          <m:r>
+                            <a:rPr lang="en-US" altLang="ja-JP" b="1" i="1" smtClean="0">
+                              <a:latin typeface="Cambria Math" panose="02040503050406030204" pitchFamily="18" charset="0"/>
+                            </a:rPr>
+                            <m:t>𝟎</m:t>
+                          </m:r>
+                        </m:sub>
+                      </m:sSub>
+                      <m:r>
+                        <a:rPr lang="en-US" altLang="ja-JP" b="0" i="1" smtClean="0">
+                          <a:latin typeface="Cambria Math" panose="02040503050406030204" pitchFamily="18" charset="0"/>
+                        </a:rPr>
+                        <m:t>=</m:t>
+                      </m:r>
+                      <m:d>
+                        <m:dPr>
+                          <m:ctrlPr>
+                            <a:rPr lang="en-US" altLang="ja-JP" b="0" i="1" smtClean="0">
+                              <a:latin typeface="Cambria Math" panose="02040503050406030204" pitchFamily="18" charset="0"/>
+                            </a:rPr>
+                          </m:ctrlPr>
+                        </m:dPr>
+                        <m:e>
+                          <m:f>
+                            <m:fPr>
+                              <m:type m:val="noBar"/>
+                              <m:ctrlPr>
+                                <a:rPr lang="en-US" altLang="ja-JP" b="0" i="1" smtClean="0">
+                                  <a:latin typeface="Cambria Math" panose="02040503050406030204" pitchFamily="18" charset="0"/>
+                                </a:rPr>
+                              </m:ctrlPr>
+                            </m:fPr>
+                            <m:num>
+                              <m:sSub>
+                                <m:sSubPr>
+                                  <m:ctrlPr>
+                                    <a:rPr lang="en-US" altLang="ja-JP" b="0" i="1" smtClean="0">
+                                      <a:latin typeface="Cambria Math" panose="02040503050406030204" pitchFamily="18" charset="0"/>
+                                    </a:rPr>
+                                  </m:ctrlPr>
+                                </m:sSubPr>
+                                <m:e>
+                                  <m:r>
+                                    <a:rPr lang="en-US" altLang="ja-JP" b="0" i="1" smtClean="0">
+                                      <a:latin typeface="Cambria Math" panose="02040503050406030204" pitchFamily="18" charset="0"/>
+                                    </a:rPr>
+                                    <m:t>𝑣</m:t>
+                                  </m:r>
+                                </m:e>
+                                <m:sub>
+                                  <m:r>
+                                    <a:rPr lang="en-US" altLang="ja-JP" b="0" i="1" smtClean="0">
+                                      <a:latin typeface="Cambria Math" panose="02040503050406030204" pitchFamily="18" charset="0"/>
+                                    </a:rPr>
+                                    <m:t>𝑥</m:t>
+                                  </m:r>
+                                </m:sub>
+                              </m:sSub>
+                            </m:num>
+                            <m:den>
+                              <m:sSub>
+                                <m:sSubPr>
+                                  <m:ctrlPr>
+                                    <a:rPr lang="en-US" altLang="ja-JP" b="0" i="1" smtClean="0">
+                                      <a:latin typeface="Cambria Math" panose="02040503050406030204" pitchFamily="18" charset="0"/>
+                                    </a:rPr>
+                                  </m:ctrlPr>
+                                </m:sSubPr>
+                                <m:e>
+                                  <m:r>
+                                    <a:rPr lang="en-US" altLang="ja-JP" b="0" i="1" smtClean="0">
+                                      <a:latin typeface="Cambria Math" panose="02040503050406030204" pitchFamily="18" charset="0"/>
+                                    </a:rPr>
+                                    <m:t>𝑣</m:t>
+                                  </m:r>
+                                </m:e>
+                                <m:sub>
+                                  <m:r>
+                                    <a:rPr lang="en-US" altLang="ja-JP" b="0" i="1" smtClean="0">
+                                      <a:latin typeface="Cambria Math" panose="02040503050406030204" pitchFamily="18" charset="0"/>
+                                    </a:rPr>
+                                    <m:t>𝑦</m:t>
+                                  </m:r>
+                                </m:sub>
+                              </m:sSub>
+                            </m:den>
+                          </m:f>
+                        </m:e>
+                      </m:d>
+                      <m:r>
+                        <a:rPr lang="en-US" altLang="ja-JP" b="0" i="1" smtClean="0">
+                          <a:latin typeface="Cambria Math" panose="02040503050406030204" pitchFamily="18" charset="0"/>
+                        </a:rPr>
+                        <m:t>=</m:t>
+                      </m:r>
+                      <m:d>
+                        <m:dPr>
+                          <m:ctrlPr>
+                            <a:rPr lang="en-US" altLang="ja-JP" b="0" i="1" smtClean="0">
+                              <a:latin typeface="Cambria Math" panose="02040503050406030204" pitchFamily="18" charset="0"/>
+                            </a:rPr>
+                          </m:ctrlPr>
+                        </m:dPr>
+                        <m:e>
+                          <m:f>
+                            <m:fPr>
+                              <m:type m:val="noBar"/>
+                              <m:ctrlPr>
+                                <a:rPr lang="en-US" altLang="ja-JP" b="0" i="1" smtClean="0">
+                                  <a:latin typeface="Cambria Math" panose="02040503050406030204" pitchFamily="18" charset="0"/>
+                                </a:rPr>
+                              </m:ctrlPr>
+                            </m:fPr>
+                            <m:num>
+                              <m:sSub>
+                                <m:sSubPr>
+                                  <m:ctrlPr>
+                                    <a:rPr lang="en-US" altLang="ja-JP" b="0" i="1" smtClean="0">
+                                      <a:latin typeface="Cambria Math" panose="02040503050406030204" pitchFamily="18" charset="0"/>
+                                    </a:rPr>
+                                  </m:ctrlPr>
+                                </m:sSubPr>
+                                <m:e>
+                                  <m:r>
+                                    <a:rPr lang="en-US" altLang="ja-JP" b="0" i="1" smtClean="0">
+                                      <a:latin typeface="Cambria Math" panose="02040503050406030204" pitchFamily="18" charset="0"/>
+                                    </a:rPr>
+                                    <m:t>𝑣</m:t>
+                                  </m:r>
+                                </m:e>
+                                <m:sub>
+                                  <m:r>
+                                    <a:rPr lang="en-US" altLang="ja-JP" b="0" i="1" smtClean="0">
+                                      <a:latin typeface="Cambria Math" panose="02040503050406030204" pitchFamily="18" charset="0"/>
+                                    </a:rPr>
+                                    <m:t>0</m:t>
+                                  </m:r>
+                                </m:sub>
+                              </m:sSub>
+                            </m:num>
+                            <m:den>
+                              <m:r>
+                                <a:rPr lang="en-US" altLang="ja-JP" b="0" i="1" smtClean="0">
+                                  <a:latin typeface="Cambria Math" panose="02040503050406030204" pitchFamily="18" charset="0"/>
+                                </a:rPr>
+                                <m:t>0</m:t>
+                              </m:r>
+                            </m:den>
+                          </m:f>
+                        </m:e>
+                      </m:d>
+                    </m:oMath>
+                  </m:oMathPara>
+                </a14:m>
+                <a:endParaRPr kumimoji="1" lang="ja-JP" altLang="en-US" dirty="0"/>
+              </a:p>
+            </p:txBody>
+          </p:sp>
+        </mc:Choice>
+        <mc:Fallback>
+          <p:sp>
+            <p:nvSpPr>
+              <p:cNvPr id="51" name="テキスト ボックス 50">
+                <a:extLst>
+                  <a:ext uri="{FF2B5EF4-FFF2-40B4-BE49-F238E27FC236}">
+                    <a16:creationId xmlns:a16="http://schemas.microsoft.com/office/drawing/2014/main" id="{55BA5A70-C76F-4ECB-AE85-0F52990A4765}"/>
+                  </a:ext>
+                </a:extLst>
+              </p:cNvPr>
+              <p:cNvSpPr txBox="1">
+                <a:spLocks noRot="1" noChangeAspect="1" noMove="1" noResize="1" noEditPoints="1" noAdjustHandles="1" noChangeArrowheads="1" noChangeShapeType="1" noTextEdit="1"/>
+              </p:cNvSpPr>
+              <p:nvPr/>
+            </p:nvSpPr>
+            <p:spPr>
+              <a:xfrm>
+                <a:off x="9824231" y="2762780"/>
+                <a:ext cx="1930016" cy="622350"/>
+              </a:xfrm>
+              <a:prstGeom prst="rect">
+                <a:avLst/>
+              </a:prstGeom>
+              <a:blipFill>
+                <a:blip r:embed="rId4"/>
+                <a:stretch>
+                  <a:fillRect b="-980"/>
+                </a:stretch>
+              </a:blipFill>
+            </p:spPr>
+            <p:txBody>
+              <a:bodyPr/>
+              <a:lstStyle/>
+              <a:p>
+                <a:r>
+                  <a:rPr lang="ja-JP" altLang="en-US">
+                    <a:noFill/>
+                  </a:rPr>
+                  <a:t> </a:t>
+                </a:r>
+              </a:p>
+            </p:txBody>
+          </p:sp>
+        </mc:Fallback>
+      </mc:AlternateContent>
+      <p:sp>
+        <p:nvSpPr>
+          <p:cNvPr id="52" name="テキスト ボックス 51">
+            <a:extLst>
+              <a:ext uri="{FF2B5EF4-FFF2-40B4-BE49-F238E27FC236}">
+                <a16:creationId xmlns:a16="http://schemas.microsoft.com/office/drawing/2014/main" id="{6443A12D-4C85-4F1C-8AED-D2BE9B182B61}"/>
+              </a:ext>
+            </a:extLst>
+          </p:cNvPr>
+          <p:cNvSpPr txBox="1"/>
+          <p:nvPr/>
+        </p:nvSpPr>
+        <p:spPr>
+          <a:xfrm>
+            <a:off x="9055690" y="1918976"/>
+            <a:ext cx="1126268" cy="369332"/>
+          </a:xfrm>
+          <a:prstGeom prst="rect">
+            <a:avLst/>
+          </a:prstGeom>
+          <a:noFill/>
+        </p:spPr>
+        <p:txBody>
+          <a:bodyPr wrap="square" rtlCol="0">
+            <a:spAutoFit/>
+          </a:bodyPr>
+          <a:lstStyle/>
+          <a:p>
+            <a:r>
+              <a:rPr kumimoji="1" lang="ja-JP" altLang="en-US" dirty="0"/>
+              <a:t>のとき、</a:t>
+            </a:r>
+          </a:p>
+        </p:txBody>
+      </p:sp>
+      <p:cxnSp>
+        <p:nvCxnSpPr>
+          <p:cNvPr id="5" name="直線矢印コネクタ 4">
+            <a:extLst>
+              <a:ext uri="{FF2B5EF4-FFF2-40B4-BE49-F238E27FC236}">
+                <a16:creationId xmlns:a16="http://schemas.microsoft.com/office/drawing/2014/main" id="{71CF1211-3516-41C3-A29B-37378579E889}"/>
+              </a:ext>
+            </a:extLst>
+          </p:cNvPr>
+          <p:cNvCxnSpPr/>
+          <p:nvPr/>
+        </p:nvCxnSpPr>
+        <p:spPr>
+          <a:xfrm>
+            <a:off x="764514" y="5856253"/>
+            <a:ext cx="4105275" cy="0"/>
+          </a:xfrm>
+          <a:prstGeom prst="straightConnector1">
+            <a:avLst/>
+          </a:prstGeom>
+          <a:ln w="38100">
+            <a:solidFill>
               <a:schemeClr val="tx1"/>
-            </a:fontRef>
-          </p:style>
-        </p:cxnSp>
-        <p:sp>
-          <p:nvSpPr>
-            <p:cNvPr id="16" name="楕円 15">
-              <a:extLst>
-                <a:ext uri="{FF2B5EF4-FFF2-40B4-BE49-F238E27FC236}">
-                  <a16:creationId xmlns:a16="http://schemas.microsoft.com/office/drawing/2014/main" id="{746C1C0F-0E0B-4E49-A341-5003BF24161C}"/>
-                </a:ext>
-              </a:extLst>
-            </p:cNvPr>
-            <p:cNvSpPr/>
-            <p:nvPr/>
-          </p:nvSpPr>
-          <p:spPr>
-            <a:xfrm>
-              <a:off x="814400" y="4693445"/>
-              <a:ext cx="352400" cy="390521"/>
-            </a:xfrm>
-            <a:prstGeom prst="ellipse">
-              <a:avLst/>
-            </a:prstGeom>
-          </p:spPr>
-          <p:style>
-            <a:lnRef idx="2">
-              <a:schemeClr val="accent1">
-                <a:shade val="50000"/>
-              </a:schemeClr>
-            </a:lnRef>
-            <a:fillRef idx="1">
-              <a:schemeClr val="accent1"/>
-            </a:fillRef>
-            <a:effectRef idx="0">
-              <a:schemeClr val="accent1"/>
-            </a:effectRef>
-            <a:fontRef idx="minor">
-              <a:schemeClr val="lt1"/>
-            </a:fontRef>
-          </p:style>
-          <p:txBody>
-            <a:bodyPr rtlCol="0" anchor="ctr"/>
-            <a:lstStyle/>
-            <a:p>
-              <a:pPr algn="ctr"/>
-              <a:endParaRPr kumimoji="1" lang="ja-JP" altLang="en-US"/>
-            </a:p>
-          </p:txBody>
-        </p:sp>
-        <p:sp>
-          <p:nvSpPr>
-            <p:cNvPr id="17" name="テキスト ボックス 16">
-              <a:extLst>
-                <a:ext uri="{FF2B5EF4-FFF2-40B4-BE49-F238E27FC236}">
-                  <a16:creationId xmlns:a16="http://schemas.microsoft.com/office/drawing/2014/main" id="{38B12CE2-08BC-4760-94EE-E0E5CA0DAC15}"/>
-                </a:ext>
-              </a:extLst>
-            </p:cNvPr>
-            <p:cNvSpPr txBox="1"/>
-            <p:nvPr/>
-          </p:nvSpPr>
-          <p:spPr>
-            <a:xfrm>
-              <a:off x="814400" y="5807871"/>
-              <a:ext cx="647700" cy="369332"/>
-            </a:xfrm>
-            <a:prstGeom prst="rect">
-              <a:avLst/>
-            </a:prstGeom>
-            <a:noFill/>
-          </p:spPr>
-          <p:txBody>
-            <a:bodyPr wrap="square" rtlCol="0">
-              <a:spAutoFit/>
-            </a:bodyPr>
-            <a:lstStyle/>
-            <a:p>
-              <a:r>
-                <a:rPr kumimoji="1" lang="en-US" altLang="ja-JP" dirty="0"/>
-                <a:t>0</a:t>
-              </a:r>
-              <a:endParaRPr kumimoji="1" lang="ja-JP" altLang="en-US" dirty="0"/>
-            </a:p>
-          </p:txBody>
-        </p:sp>
-        <p:sp>
-          <p:nvSpPr>
-            <p:cNvPr id="21" name="テキスト ボックス 20">
-              <a:extLst>
-                <a:ext uri="{FF2B5EF4-FFF2-40B4-BE49-F238E27FC236}">
-                  <a16:creationId xmlns:a16="http://schemas.microsoft.com/office/drawing/2014/main" id="{ECAB01B7-F67C-4ABA-B496-0632A562FFDD}"/>
-                </a:ext>
-              </a:extLst>
-            </p:cNvPr>
-            <p:cNvSpPr txBox="1"/>
-            <p:nvPr/>
-          </p:nvSpPr>
-          <p:spPr>
-            <a:xfrm>
-              <a:off x="5310199" y="5320783"/>
-              <a:ext cx="1052893" cy="369332"/>
-            </a:xfrm>
-            <a:prstGeom prst="rect">
-              <a:avLst/>
-            </a:prstGeom>
-            <a:noFill/>
-          </p:spPr>
-          <p:txBody>
-            <a:bodyPr wrap="square" rtlCol="0">
-              <a:spAutoFit/>
-            </a:bodyPr>
-            <a:lstStyle/>
-            <a:p>
-              <a:r>
-                <a:rPr lang="en-US" altLang="ja-JP" dirty="0"/>
-                <a:t>x </a:t>
-              </a:r>
-              <a:endParaRPr kumimoji="1" lang="ja-JP" altLang="en-US" dirty="0"/>
-            </a:p>
-          </p:txBody>
-        </p:sp>
-        <p:sp>
-          <p:nvSpPr>
-            <p:cNvPr id="22" name="円弧 21">
-              <a:extLst>
-                <a:ext uri="{FF2B5EF4-FFF2-40B4-BE49-F238E27FC236}">
-                  <a16:creationId xmlns:a16="http://schemas.microsoft.com/office/drawing/2014/main" id="{B90B1F1E-1069-49BF-A5C2-D8A4C43BB189}"/>
-                </a:ext>
-              </a:extLst>
-            </p:cNvPr>
-            <p:cNvSpPr/>
-            <p:nvPr/>
-          </p:nvSpPr>
-          <p:spPr>
-            <a:xfrm>
-              <a:off x="2981325" y="4204581"/>
-              <a:ext cx="1190625" cy="738658"/>
-            </a:xfrm>
-            <a:prstGeom prst="arc">
-              <a:avLst>
-                <a:gd name="adj1" fmla="val 17579524"/>
-                <a:gd name="adj2" fmla="val 21564549"/>
-              </a:avLst>
-            </a:prstGeom>
-          </p:spPr>
-          <p:style>
-            <a:lnRef idx="1">
-              <a:schemeClr val="accent1"/>
-            </a:lnRef>
-            <a:fillRef idx="0">
-              <a:schemeClr val="accent1"/>
-            </a:fillRef>
-            <a:effectRef idx="0">
-              <a:schemeClr val="accent1"/>
-            </a:effectRef>
-            <a:fontRef idx="minor">
+            </a:solidFill>
+            <a:tailEnd type="triangle"/>
+          </a:ln>
+        </p:spPr>
+        <p:style>
+          <a:lnRef idx="1">
+            <a:schemeClr val="accent1"/>
+          </a:lnRef>
+          <a:fillRef idx="0">
+            <a:schemeClr val="accent1"/>
+          </a:fillRef>
+          <a:effectRef idx="0">
+            <a:schemeClr val="accent1"/>
+          </a:effectRef>
+          <a:fontRef idx="minor">
+            <a:schemeClr val="tx1"/>
+          </a:fontRef>
+        </p:style>
+      </p:cxnSp>
+      <p:cxnSp>
+        <p:nvCxnSpPr>
+          <p:cNvPr id="13" name="直線コネクタ 12">
+            <a:extLst>
+              <a:ext uri="{FF2B5EF4-FFF2-40B4-BE49-F238E27FC236}">
+                <a16:creationId xmlns:a16="http://schemas.microsoft.com/office/drawing/2014/main" id="{1E130B7A-C2F7-41CE-8F5B-B317BACC333D}"/>
+              </a:ext>
+            </a:extLst>
+          </p:cNvPr>
+          <p:cNvCxnSpPr>
+            <a:cxnSpLocks/>
+          </p:cNvCxnSpPr>
+          <p:nvPr/>
+        </p:nvCxnSpPr>
+        <p:spPr>
+          <a:xfrm>
+            <a:off x="754989" y="5727665"/>
+            <a:ext cx="0" cy="257175"/>
+          </a:xfrm>
+          <a:prstGeom prst="line">
+            <a:avLst/>
+          </a:prstGeom>
+          <a:ln w="38100">
+            <a:solidFill>
               <a:schemeClr val="tx1"/>
-            </a:fontRef>
-          </p:style>
-          <p:txBody>
-            <a:bodyPr rtlCol="0" anchor="ctr"/>
-            <a:lstStyle/>
-            <a:p>
-              <a:pPr algn="ctr"/>
-              <a:endParaRPr kumimoji="1" lang="ja-JP" altLang="en-US"/>
-            </a:p>
-          </p:txBody>
-        </p:sp>
-        <p:sp>
-          <p:nvSpPr>
-            <p:cNvPr id="24" name="円弧 23">
-              <a:extLst>
-                <a:ext uri="{FF2B5EF4-FFF2-40B4-BE49-F238E27FC236}">
-                  <a16:creationId xmlns:a16="http://schemas.microsoft.com/office/drawing/2014/main" id="{A2C075C9-8E74-4296-9194-A20FB3A1D4D6}"/>
-                </a:ext>
-              </a:extLst>
-            </p:cNvPr>
-            <p:cNvSpPr/>
-            <p:nvPr/>
-          </p:nvSpPr>
-          <p:spPr>
-            <a:xfrm>
-              <a:off x="981075" y="4204581"/>
-              <a:ext cx="1190625" cy="738658"/>
-            </a:xfrm>
-            <a:prstGeom prst="arc">
-              <a:avLst>
-                <a:gd name="adj1" fmla="val 10921968"/>
-                <a:gd name="adj2" fmla="val 14447510"/>
-              </a:avLst>
-            </a:prstGeom>
-          </p:spPr>
-          <p:style>
-            <a:lnRef idx="1">
-              <a:schemeClr val="accent1"/>
-            </a:lnRef>
-            <a:fillRef idx="0">
-              <a:schemeClr val="accent1"/>
-            </a:fillRef>
-            <a:effectRef idx="0">
-              <a:schemeClr val="accent1"/>
-            </a:effectRef>
-            <a:fontRef idx="minor">
+            </a:solidFill>
+          </a:ln>
+        </p:spPr>
+        <p:style>
+          <a:lnRef idx="1">
+            <a:schemeClr val="accent1"/>
+          </a:lnRef>
+          <a:fillRef idx="0">
+            <a:schemeClr val="accent1"/>
+          </a:fillRef>
+          <a:effectRef idx="0">
+            <a:schemeClr val="accent1"/>
+          </a:effectRef>
+          <a:fontRef idx="minor">
+            <a:schemeClr val="tx1"/>
+          </a:fontRef>
+        </p:style>
+      </p:cxnSp>
+      <p:cxnSp>
+        <p:nvCxnSpPr>
+          <p:cNvPr id="15" name="直線コネクタ 14">
+            <a:extLst>
+              <a:ext uri="{FF2B5EF4-FFF2-40B4-BE49-F238E27FC236}">
+                <a16:creationId xmlns:a16="http://schemas.microsoft.com/office/drawing/2014/main" id="{383D4104-5A62-46CA-9AC6-0124EA86ABFD}"/>
+              </a:ext>
+            </a:extLst>
+          </p:cNvPr>
+          <p:cNvCxnSpPr>
+            <a:cxnSpLocks/>
+          </p:cNvCxnSpPr>
+          <p:nvPr/>
+        </p:nvCxnSpPr>
+        <p:spPr>
+          <a:xfrm>
+            <a:off x="3945864" y="5727665"/>
+            <a:ext cx="0" cy="257175"/>
+          </a:xfrm>
+          <a:prstGeom prst="line">
+            <a:avLst/>
+          </a:prstGeom>
+          <a:ln w="38100">
+            <a:solidFill>
               <a:schemeClr val="tx1"/>
-            </a:fontRef>
-          </p:style>
-          <p:txBody>
-            <a:bodyPr rtlCol="0" anchor="ctr"/>
-            <a:lstStyle/>
-            <a:p>
-              <a:pPr algn="ctr"/>
-              <a:endParaRPr kumimoji="1" lang="ja-JP" altLang="en-US"/>
-            </a:p>
-          </p:txBody>
-        </p:sp>
-        <p:sp>
-          <p:nvSpPr>
-            <p:cNvPr id="25" name="テキスト ボックス 24">
-              <a:extLst>
-                <a:ext uri="{FF2B5EF4-FFF2-40B4-BE49-F238E27FC236}">
-                  <a16:creationId xmlns:a16="http://schemas.microsoft.com/office/drawing/2014/main" id="{FCAE1952-283E-451F-988B-B8D382CC06AD}"/>
-                </a:ext>
-              </a:extLst>
-            </p:cNvPr>
-            <p:cNvSpPr txBox="1"/>
-            <p:nvPr/>
-          </p:nvSpPr>
-          <p:spPr>
-            <a:xfrm>
-              <a:off x="2300275" y="4019915"/>
-              <a:ext cx="657225" cy="369332"/>
-            </a:xfrm>
-            <a:prstGeom prst="rect">
-              <a:avLst/>
-            </a:prstGeom>
-            <a:noFill/>
-          </p:spPr>
-          <p:txBody>
-            <a:bodyPr wrap="square" rtlCol="0">
-              <a:spAutoFit/>
-            </a:bodyPr>
-            <a:lstStyle/>
-            <a:p>
-              <a:r>
-                <a:rPr kumimoji="1" lang="en-US" altLang="ja-JP" dirty="0"/>
-                <a:t>Δt</a:t>
-              </a:r>
-              <a:endParaRPr kumimoji="1" lang="ja-JP" altLang="en-US" dirty="0"/>
-            </a:p>
-          </p:txBody>
-        </p:sp>
-        <p:sp>
-          <p:nvSpPr>
-            <p:cNvPr id="27" name="矢印: 右 26">
-              <a:extLst>
-                <a:ext uri="{FF2B5EF4-FFF2-40B4-BE49-F238E27FC236}">
-                  <a16:creationId xmlns:a16="http://schemas.microsoft.com/office/drawing/2014/main" id="{6C1392C7-429C-4150-99BF-A00EFB0095C3}"/>
-                </a:ext>
-              </a:extLst>
-            </p:cNvPr>
-            <p:cNvSpPr/>
-            <p:nvPr/>
-          </p:nvSpPr>
-          <p:spPr>
-            <a:xfrm>
-              <a:off x="3295680" y="3402018"/>
-              <a:ext cx="876270" cy="132985"/>
-            </a:xfrm>
-            <a:prstGeom prst="rightArrow">
-              <a:avLst/>
-            </a:prstGeom>
-            <a:noFill/>
-          </p:spPr>
-          <p:style>
-            <a:lnRef idx="2">
-              <a:schemeClr val="accent1">
-                <a:shade val="50000"/>
-              </a:schemeClr>
-            </a:lnRef>
-            <a:fillRef idx="1">
-              <a:schemeClr val="accent1"/>
-            </a:fillRef>
-            <a:effectRef idx="0">
-              <a:schemeClr val="accent1"/>
-            </a:effectRef>
-            <a:fontRef idx="minor">
-              <a:schemeClr val="lt1"/>
-            </a:fontRef>
-          </p:style>
-          <p:txBody>
-            <a:bodyPr rtlCol="0" anchor="ctr"/>
-            <a:lstStyle/>
-            <a:p>
-              <a:pPr algn="ctr"/>
-              <a:endParaRPr kumimoji="1" lang="ja-JP" altLang="en-US"/>
-            </a:p>
-          </p:txBody>
-        </p:sp>
-        <p:sp>
-          <p:nvSpPr>
-            <p:cNvPr id="28" name="テキスト ボックス 27">
-              <a:extLst>
-                <a:ext uri="{FF2B5EF4-FFF2-40B4-BE49-F238E27FC236}">
-                  <a16:creationId xmlns:a16="http://schemas.microsoft.com/office/drawing/2014/main" id="{7CC09148-3FC3-4DC3-8CF2-7EEE0AC61F59}"/>
-                </a:ext>
-              </a:extLst>
-            </p:cNvPr>
-            <p:cNvSpPr txBox="1"/>
-            <p:nvPr/>
-          </p:nvSpPr>
-          <p:spPr>
-            <a:xfrm>
-              <a:off x="4010025" y="3642370"/>
-              <a:ext cx="571495" cy="369332"/>
-            </a:xfrm>
-            <a:prstGeom prst="rect">
-              <a:avLst/>
-            </a:prstGeom>
-            <a:noFill/>
-          </p:spPr>
-          <p:txBody>
-            <a:bodyPr wrap="square" rtlCol="0">
-              <a:spAutoFit/>
-            </a:bodyPr>
-            <a:lstStyle/>
-            <a:p>
-              <a:r>
-                <a:rPr kumimoji="1" lang="en-US" altLang="ja-JP" dirty="0"/>
-                <a:t>E</a:t>
-              </a:r>
-              <a:endParaRPr kumimoji="1" lang="ja-JP" altLang="en-US" dirty="0"/>
-            </a:p>
-          </p:txBody>
-        </p:sp>
-        <mc:AlternateContent xmlns:mc="http://schemas.openxmlformats.org/markup-compatibility/2006" xmlns:a14="http://schemas.microsoft.com/office/drawing/2010/main">
-          <mc:Choice Requires="a14">
-            <p:sp>
-              <p:nvSpPr>
-                <p:cNvPr id="42" name="テキスト ボックス 41">
-                  <a:extLst>
-                    <a:ext uri="{FF2B5EF4-FFF2-40B4-BE49-F238E27FC236}">
-                      <a16:creationId xmlns:a16="http://schemas.microsoft.com/office/drawing/2014/main" id="{0A2EBD03-F25C-448B-AA78-95E00FAF31D9}"/>
-                    </a:ext>
-                  </a:extLst>
-                </p:cNvPr>
-                <p:cNvSpPr txBox="1"/>
-                <p:nvPr/>
-              </p:nvSpPr>
-              <p:spPr>
-                <a:xfrm>
-                  <a:off x="3212320" y="2078302"/>
-                  <a:ext cx="1379160" cy="818366"/>
-                </a:xfrm>
-                <a:prstGeom prst="rect">
-                  <a:avLst/>
-                </a:prstGeom>
-                <a:noFill/>
-              </p:spPr>
-              <p:txBody>
-                <a:bodyPr wrap="none" lIns="0" tIns="0" rIns="0" bIns="0" rtlCol="0">
-                  <a:spAutoFit/>
-                </a:bodyPr>
-                <a:lstStyle/>
-                <a:p>
-                  <a:pPr/>
-                  <a14:m>
-                    <m:oMathPara xmlns:m="http://schemas.openxmlformats.org/officeDocument/2006/math">
-                      <m:oMathParaPr>
-                        <m:jc m:val="centerGroup"/>
-                      </m:oMathParaPr>
-                      <m:oMath xmlns:m="http://schemas.openxmlformats.org/officeDocument/2006/math">
-                        <m:r>
-                          <a:rPr kumimoji="1" lang="ja-JP" altLang="en-US" i="1" smtClean="0">
-                            <a:latin typeface="Cambria Math" panose="02040503050406030204" pitchFamily="18" charset="0"/>
-                          </a:rPr>
-                          <m:t>∆</m:t>
-                        </m:r>
-                        <m:r>
-                          <a:rPr kumimoji="1" lang="en-US" altLang="ja-JP" b="0" i="1" smtClean="0">
-                            <a:latin typeface="Cambria Math" panose="02040503050406030204" pitchFamily="18" charset="0"/>
-                          </a:rPr>
-                          <m:t>𝑡</m:t>
-                        </m:r>
-                        <m:r>
-                          <a:rPr kumimoji="1" lang="en-US" altLang="ja-JP" b="0" i="1" smtClean="0">
-                            <a:latin typeface="Cambria Math" panose="02040503050406030204" pitchFamily="18" charset="0"/>
-                          </a:rPr>
-                          <m:t>= </m:t>
-                        </m:r>
-                        <m:rad>
-                          <m:radPr>
-                            <m:degHide m:val="on"/>
-                            <m:ctrlPr>
-                              <a:rPr kumimoji="1" lang="en-US" altLang="ja-JP" b="0" i="1" smtClean="0">
-                                <a:latin typeface="Cambria Math" panose="02040503050406030204" pitchFamily="18" charset="0"/>
-                              </a:rPr>
-                            </m:ctrlPr>
-                          </m:radPr>
-                          <m:deg/>
-                          <m:e>
-                            <m:f>
-                              <m:fPr>
-                                <m:ctrlPr>
-                                  <a:rPr kumimoji="1" lang="en-US" altLang="ja-JP" b="0" i="1" smtClean="0">
-                                    <a:latin typeface="Cambria Math" panose="02040503050406030204" pitchFamily="18" charset="0"/>
-                                  </a:rPr>
-                                </m:ctrlPr>
-                              </m:fPr>
-                              <m:num>
-                                <m:r>
-                                  <a:rPr kumimoji="1" lang="en-US" altLang="ja-JP" b="0" i="1" smtClean="0">
-                                    <a:latin typeface="Cambria Math" panose="02040503050406030204" pitchFamily="18" charset="0"/>
-                                  </a:rPr>
-                                  <m:t>2</m:t>
-                                </m:r>
-                                <m:r>
-                                  <a:rPr kumimoji="1" lang="en-US" altLang="ja-JP" b="0" i="1" smtClean="0">
-                                    <a:latin typeface="Cambria Math" panose="02040503050406030204" pitchFamily="18" charset="0"/>
-                                  </a:rPr>
-                                  <m:t>𝑚</m:t>
-                                </m:r>
-                                <m:sSub>
-                                  <m:sSubPr>
-                                    <m:ctrlPr>
-                                      <a:rPr kumimoji="1" lang="en-US" altLang="ja-JP" b="0" i="1" smtClean="0">
-                                        <a:latin typeface="Cambria Math" panose="02040503050406030204" pitchFamily="18" charset="0"/>
-                                      </a:rPr>
-                                    </m:ctrlPr>
-                                  </m:sSubPr>
-                                  <m:e>
-                                    <m:r>
-                                      <a:rPr kumimoji="1" lang="en-US" altLang="ja-JP" b="0" i="1" smtClean="0">
-                                        <a:latin typeface="Cambria Math" panose="02040503050406030204" pitchFamily="18" charset="0"/>
-                                      </a:rPr>
-                                      <m:t>𝑥</m:t>
-                                    </m:r>
-                                  </m:e>
-                                  <m:sub>
-                                    <m:r>
-                                      <a:rPr kumimoji="1" lang="en-US" altLang="ja-JP" b="0" i="1" smtClean="0">
-                                        <a:latin typeface="Cambria Math" panose="02040503050406030204" pitchFamily="18" charset="0"/>
-                                      </a:rPr>
-                                      <m:t>1</m:t>
-                                    </m:r>
-                                  </m:sub>
-                                </m:sSub>
-                              </m:num>
-                              <m:den>
-                                <m:r>
-                                  <a:rPr kumimoji="1" lang="en-US" altLang="ja-JP" b="0" i="1" smtClean="0">
-                                    <a:latin typeface="Cambria Math" panose="02040503050406030204" pitchFamily="18" charset="0"/>
-                                  </a:rPr>
-                                  <m:t>𝑞𝐸</m:t>
-                                </m:r>
-                              </m:den>
-                            </m:f>
-                          </m:e>
-                        </m:rad>
-                      </m:oMath>
-                    </m:oMathPara>
-                  </a14:m>
-                  <a:endParaRPr kumimoji="1" lang="ja-JP" altLang="en-US" dirty="0"/>
-                </a:p>
-              </p:txBody>
-            </p:sp>
-          </mc:Choice>
-          <mc:Fallback xmlns="">
-            <p:sp>
-              <p:nvSpPr>
-                <p:cNvPr id="42" name="テキスト ボックス 41">
-                  <a:extLst>
-                    <a:ext uri="{FF2B5EF4-FFF2-40B4-BE49-F238E27FC236}">
-                      <a16:creationId xmlns:a16="http://schemas.microsoft.com/office/drawing/2014/main" id="{0A2EBD03-F25C-448B-AA78-95E00FAF31D9}"/>
-                    </a:ext>
-                  </a:extLst>
-                </p:cNvPr>
-                <p:cNvSpPr txBox="1">
-                  <a:spLocks noRot="1" noChangeAspect="1" noMove="1" noResize="1" noEditPoints="1" noAdjustHandles="1" noChangeArrowheads="1" noChangeShapeType="1" noTextEdit="1"/>
-                </p:cNvSpPr>
-                <p:nvPr/>
-              </p:nvSpPr>
-              <p:spPr>
-                <a:xfrm>
-                  <a:off x="3212320" y="2078302"/>
-                  <a:ext cx="1379160" cy="818366"/>
-                </a:xfrm>
-                <a:prstGeom prst="rect">
-                  <a:avLst/>
-                </a:prstGeom>
-                <a:blipFill>
-                  <a:blip r:embed="rId5"/>
-                  <a:stretch>
-                    <a:fillRect/>
-                  </a:stretch>
-                </a:blipFill>
-              </p:spPr>
-              <p:txBody>
-                <a:bodyPr/>
-                <a:lstStyle/>
-                <a:p>
-                  <a:r>
-                    <a:rPr lang="ja-JP" altLang="en-US">
-                      <a:noFill/>
-                    </a:rPr>
-                    <a:t> </a:t>
-                  </a:r>
-                </a:p>
-              </p:txBody>
-            </p:sp>
-          </mc:Fallback>
-        </mc:AlternateContent>
-        <mc:AlternateContent xmlns:mc="http://schemas.openxmlformats.org/markup-compatibility/2006" xmlns:a14="http://schemas.microsoft.com/office/drawing/2010/main">
-          <mc:Choice Requires="a14">
-            <p:sp>
-              <p:nvSpPr>
-                <p:cNvPr id="44" name="テキスト ボックス 43">
-                  <a:extLst>
-                    <a:ext uri="{FF2B5EF4-FFF2-40B4-BE49-F238E27FC236}">
-                      <a16:creationId xmlns:a16="http://schemas.microsoft.com/office/drawing/2014/main" id="{8EEA6AEC-524E-477F-AAD5-6163E0FF25D8}"/>
-                    </a:ext>
-                  </a:extLst>
-                </p:cNvPr>
-                <p:cNvSpPr txBox="1"/>
-                <p:nvPr/>
-              </p:nvSpPr>
-              <p:spPr>
-                <a:xfrm>
-                  <a:off x="814400" y="2199580"/>
-                  <a:ext cx="1074846" cy="555793"/>
-                </a:xfrm>
-                <a:prstGeom prst="rect">
-                  <a:avLst/>
-                </a:prstGeom>
-                <a:noFill/>
-              </p:spPr>
-              <p:txBody>
-                <a:bodyPr wrap="none" lIns="0" tIns="0" rIns="0" bIns="0" rtlCol="0">
-                  <a:spAutoFit/>
-                </a:bodyPr>
-                <a:lstStyle/>
-                <a:p>
-                  <a:pPr/>
-                  <a14:m>
-                    <m:oMathPara xmlns:m="http://schemas.openxmlformats.org/officeDocument/2006/math">
-                      <m:oMathParaPr>
-                        <m:jc m:val="centerGroup"/>
-                      </m:oMathParaPr>
-                      <m:oMath xmlns:m="http://schemas.openxmlformats.org/officeDocument/2006/math">
-                        <m:f>
-                          <m:fPr>
-                            <m:ctrlPr>
-                              <a:rPr kumimoji="1" lang="en-US" altLang="ja-JP" b="0" i="1" smtClean="0">
-                                <a:latin typeface="Cambria Math" panose="02040503050406030204" pitchFamily="18" charset="0"/>
-                              </a:rPr>
-                            </m:ctrlPr>
-                          </m:fPr>
-                          <m:num>
-                            <m:sSup>
-                              <m:sSupPr>
-                                <m:ctrlPr>
-                                  <a:rPr kumimoji="1" lang="en-US" altLang="ja-JP" b="0" i="1" smtClean="0">
-                                    <a:latin typeface="Cambria Math" panose="02040503050406030204" pitchFamily="18" charset="0"/>
-                                  </a:rPr>
-                                </m:ctrlPr>
-                              </m:sSupPr>
-                              <m:e>
-                                <m:r>
-                                  <a:rPr kumimoji="1" lang="en-US" altLang="ja-JP" b="0" i="1" smtClean="0">
-                                    <a:latin typeface="Cambria Math" panose="02040503050406030204" pitchFamily="18" charset="0"/>
-                                  </a:rPr>
-                                  <m:t>𝑑</m:t>
-                                </m:r>
-                              </m:e>
-                              <m:sup>
-                                <m:r>
-                                  <a:rPr kumimoji="1" lang="en-US" altLang="ja-JP" b="0" i="1" smtClean="0">
-                                    <a:latin typeface="Cambria Math" panose="02040503050406030204" pitchFamily="18" charset="0"/>
-                                  </a:rPr>
-                                  <m:t>2</m:t>
-                                </m:r>
-                              </m:sup>
-                            </m:sSup>
-                            <m:r>
-                              <a:rPr kumimoji="1" lang="en-US" altLang="ja-JP" b="0" i="1" smtClean="0">
-                                <a:latin typeface="Cambria Math" panose="02040503050406030204" pitchFamily="18" charset="0"/>
-                              </a:rPr>
-                              <m:t>𝑥</m:t>
-                            </m:r>
-                          </m:num>
-                          <m:den>
-                            <m:sSup>
-                              <m:sSupPr>
-                                <m:ctrlPr>
-                                  <a:rPr kumimoji="1" lang="en-US" altLang="ja-JP" b="0" i="1" smtClean="0">
-                                    <a:latin typeface="Cambria Math" panose="02040503050406030204" pitchFamily="18" charset="0"/>
-                                  </a:rPr>
-                                </m:ctrlPr>
-                              </m:sSupPr>
-                              <m:e>
-                                <m:r>
-                                  <a:rPr kumimoji="1" lang="en-US" altLang="ja-JP" b="0" i="1" smtClean="0">
-                                    <a:latin typeface="Cambria Math" panose="02040503050406030204" pitchFamily="18" charset="0"/>
-                                  </a:rPr>
-                                  <m:t>𝑑𝑡</m:t>
-                                </m:r>
-                              </m:e>
-                              <m:sup>
-                                <m:r>
-                                  <a:rPr kumimoji="1" lang="en-US" altLang="ja-JP" b="0" i="1" smtClean="0">
-                                    <a:latin typeface="Cambria Math" panose="02040503050406030204" pitchFamily="18" charset="0"/>
-                                  </a:rPr>
-                                  <m:t>2</m:t>
-                                </m:r>
-                              </m:sup>
-                            </m:sSup>
-                          </m:den>
-                        </m:f>
-                        <m:r>
-                          <a:rPr kumimoji="1" lang="en-US" altLang="ja-JP" b="0" i="1" smtClean="0">
-                            <a:latin typeface="Cambria Math" panose="02040503050406030204" pitchFamily="18" charset="0"/>
-                          </a:rPr>
-                          <m:t>= </m:t>
-                        </m:r>
-                        <m:f>
-                          <m:fPr>
-                            <m:ctrlPr>
-                              <a:rPr kumimoji="1" lang="en-US" altLang="ja-JP" b="0" i="1" smtClean="0">
-                                <a:latin typeface="Cambria Math" panose="02040503050406030204" pitchFamily="18" charset="0"/>
-                              </a:rPr>
-                            </m:ctrlPr>
-                          </m:fPr>
-                          <m:num>
-                            <m:r>
-                              <a:rPr kumimoji="1" lang="en-US" altLang="ja-JP" b="0" i="1" smtClean="0">
-                                <a:latin typeface="Cambria Math" panose="02040503050406030204" pitchFamily="18" charset="0"/>
-                              </a:rPr>
-                              <m:t>𝑞𝐸</m:t>
-                            </m:r>
-                          </m:num>
-                          <m:den>
-                            <m:r>
-                              <a:rPr kumimoji="1" lang="en-US" altLang="ja-JP" b="0" i="1" smtClean="0">
-                                <a:latin typeface="Cambria Math" panose="02040503050406030204" pitchFamily="18" charset="0"/>
-                              </a:rPr>
-                              <m:t>𝑚</m:t>
-                            </m:r>
-                          </m:den>
-                        </m:f>
-                      </m:oMath>
-                    </m:oMathPara>
-                  </a14:m>
-                  <a:endParaRPr kumimoji="1" lang="ja-JP" altLang="en-US" dirty="0"/>
-                </a:p>
-              </p:txBody>
-            </p:sp>
-          </mc:Choice>
-          <mc:Fallback xmlns="">
-            <p:sp>
-              <p:nvSpPr>
-                <p:cNvPr id="44" name="テキスト ボックス 43">
-                  <a:extLst>
-                    <a:ext uri="{FF2B5EF4-FFF2-40B4-BE49-F238E27FC236}">
-                      <a16:creationId xmlns:a16="http://schemas.microsoft.com/office/drawing/2014/main" id="{8EEA6AEC-524E-477F-AAD5-6163E0FF25D8}"/>
-                    </a:ext>
-                  </a:extLst>
-                </p:cNvPr>
-                <p:cNvSpPr txBox="1">
-                  <a:spLocks noRot="1" noChangeAspect="1" noMove="1" noResize="1" noEditPoints="1" noAdjustHandles="1" noChangeArrowheads="1" noChangeShapeType="1" noTextEdit="1"/>
-                </p:cNvSpPr>
-                <p:nvPr/>
-              </p:nvSpPr>
-              <p:spPr>
-                <a:xfrm>
-                  <a:off x="814400" y="2199580"/>
-                  <a:ext cx="1074846" cy="555793"/>
-                </a:xfrm>
-                <a:prstGeom prst="rect">
-                  <a:avLst/>
-                </a:prstGeom>
-                <a:blipFill>
-                  <a:blip r:embed="rId6"/>
-                  <a:stretch>
-                    <a:fillRect/>
-                  </a:stretch>
-                </a:blipFill>
-              </p:spPr>
-              <p:txBody>
-                <a:bodyPr/>
-                <a:lstStyle/>
-                <a:p>
-                  <a:r>
-                    <a:rPr lang="ja-JP" altLang="en-US">
-                      <a:noFill/>
-                    </a:rPr>
-                    <a:t> </a:t>
-                  </a:r>
-                </a:p>
-              </p:txBody>
-            </p:sp>
-          </mc:Fallback>
-        </mc:AlternateContent>
-        <mc:AlternateContent xmlns:mc="http://schemas.openxmlformats.org/markup-compatibility/2006" xmlns:a14="http://schemas.microsoft.com/office/drawing/2010/main">
-          <mc:Choice Requires="a14">
-            <p:sp>
-              <p:nvSpPr>
-                <p:cNvPr id="47" name="テキスト ボックス 46">
-                  <a:extLst>
-                    <a:ext uri="{FF2B5EF4-FFF2-40B4-BE49-F238E27FC236}">
-                      <a16:creationId xmlns:a16="http://schemas.microsoft.com/office/drawing/2014/main" id="{7091398D-5395-4BBD-A271-662A8F5AEAB3}"/>
-                    </a:ext>
-                  </a:extLst>
-                </p:cNvPr>
-                <p:cNvSpPr txBox="1"/>
-                <p:nvPr/>
-              </p:nvSpPr>
-              <p:spPr>
-                <a:xfrm>
-                  <a:off x="3392391" y="5900204"/>
-                  <a:ext cx="1578509" cy="276999"/>
-                </a:xfrm>
-                <a:prstGeom prst="rect">
-                  <a:avLst/>
-                </a:prstGeom>
-                <a:noFill/>
-              </p:spPr>
-              <p:txBody>
-                <a:bodyPr wrap="none" lIns="0" tIns="0" rIns="0" bIns="0" rtlCol="0">
-                  <a:spAutoFit/>
-                </a:bodyPr>
-                <a:lstStyle/>
-                <a:p>
-                  <a:pPr/>
-                  <a14:m>
-                    <m:oMathPara xmlns:m="http://schemas.openxmlformats.org/officeDocument/2006/math">
-                      <m:oMathParaPr>
-                        <m:jc m:val="centerGroup"/>
-                      </m:oMathParaPr>
-                      <m:oMath xmlns:m="http://schemas.openxmlformats.org/officeDocument/2006/math">
-                        <m:sSub>
-                          <m:sSubPr>
-                            <m:ctrlPr>
-                              <a:rPr kumimoji="1" lang="en-US" altLang="ja-JP" i="1" smtClean="0">
-                                <a:latin typeface="Cambria Math" panose="02040503050406030204" pitchFamily="18" charset="0"/>
-                              </a:rPr>
-                            </m:ctrlPr>
-                          </m:sSubPr>
-                          <m:e>
-                            <m:r>
-                              <m:rPr>
-                                <m:sty m:val="p"/>
-                              </m:rPr>
-                              <a:rPr kumimoji="1" lang="en-US" altLang="ja-JP" b="0" i="0" smtClean="0">
-                                <a:latin typeface="Cambria Math" panose="02040503050406030204" pitchFamily="18" charset="0"/>
-                              </a:rPr>
-                              <m:t>x</m:t>
-                            </m:r>
-                          </m:e>
-                          <m:sub>
-                            <m:r>
-                              <a:rPr kumimoji="1" lang="en-US" altLang="ja-JP" b="0" i="0" smtClean="0">
-                                <a:latin typeface="Cambria Math" panose="02040503050406030204" pitchFamily="18" charset="0"/>
-                              </a:rPr>
-                              <m:t>1</m:t>
-                            </m:r>
-                          </m:sub>
-                        </m:sSub>
-                        <m:r>
-                          <a:rPr kumimoji="1" lang="en-US" altLang="ja-JP" b="0" i="0" smtClean="0">
-                            <a:latin typeface="Cambria Math" panose="02040503050406030204" pitchFamily="18" charset="0"/>
-                          </a:rPr>
-                          <m:t>=200 [</m:t>
-                        </m:r>
-                        <m:r>
-                          <m:rPr>
-                            <m:sty m:val="p"/>
-                          </m:rPr>
-                          <a:rPr kumimoji="1" lang="en-US" altLang="ja-JP" b="0" i="0" smtClean="0">
-                            <a:latin typeface="Cambria Math" panose="02040503050406030204" pitchFamily="18" charset="0"/>
-                          </a:rPr>
-                          <m:t>mm</m:t>
-                        </m:r>
-                        <m:r>
-                          <a:rPr kumimoji="1" lang="en-US" altLang="ja-JP" b="0" i="0" smtClean="0">
-                            <a:latin typeface="Cambria Math" panose="02040503050406030204" pitchFamily="18" charset="0"/>
-                          </a:rPr>
-                          <m:t>]</m:t>
-                        </m:r>
-                      </m:oMath>
-                    </m:oMathPara>
-                  </a14:m>
-                  <a:endParaRPr kumimoji="1" lang="ja-JP" altLang="en-US" dirty="0"/>
-                </a:p>
-              </p:txBody>
-            </p:sp>
-          </mc:Choice>
-          <mc:Fallback xmlns="">
-            <p:sp>
-              <p:nvSpPr>
-                <p:cNvPr id="47" name="テキスト ボックス 46">
-                  <a:extLst>
-                    <a:ext uri="{FF2B5EF4-FFF2-40B4-BE49-F238E27FC236}">
-                      <a16:creationId xmlns:a16="http://schemas.microsoft.com/office/drawing/2014/main" id="{7091398D-5395-4BBD-A271-662A8F5AEAB3}"/>
-                    </a:ext>
-                  </a:extLst>
-                </p:cNvPr>
-                <p:cNvSpPr txBox="1">
-                  <a:spLocks noRot="1" noChangeAspect="1" noMove="1" noResize="1" noEditPoints="1" noAdjustHandles="1" noChangeArrowheads="1" noChangeShapeType="1" noTextEdit="1"/>
-                </p:cNvSpPr>
-                <p:nvPr/>
-              </p:nvSpPr>
-              <p:spPr>
-                <a:xfrm>
-                  <a:off x="3392391" y="5900204"/>
-                  <a:ext cx="1578509" cy="276999"/>
-                </a:xfrm>
-                <a:prstGeom prst="rect">
-                  <a:avLst/>
-                </a:prstGeom>
-                <a:blipFill>
-                  <a:blip r:embed="rId7"/>
-                  <a:stretch>
-                    <a:fillRect l="-1158" t="-2174" r="-4633" b="-36957"/>
-                  </a:stretch>
-                </a:blipFill>
-              </p:spPr>
-              <p:txBody>
-                <a:bodyPr/>
-                <a:lstStyle/>
-                <a:p>
-                  <a:r>
-                    <a:rPr lang="ja-JP" altLang="en-US">
-                      <a:noFill/>
-                    </a:rPr>
-                    <a:t> </a:t>
-                  </a:r>
-                </a:p>
-              </p:txBody>
-            </p:sp>
-          </mc:Fallback>
-        </mc:AlternateContent>
-        <p:sp>
-          <p:nvSpPr>
-            <p:cNvPr id="54" name="テキスト ボックス 53">
-              <a:extLst>
-                <a:ext uri="{FF2B5EF4-FFF2-40B4-BE49-F238E27FC236}">
-                  <a16:creationId xmlns:a16="http://schemas.microsoft.com/office/drawing/2014/main" id="{1FDF6B1D-F53C-47FD-9BF4-1F524CA6FE84}"/>
-                </a:ext>
-              </a:extLst>
-            </p:cNvPr>
-            <p:cNvSpPr txBox="1"/>
-            <p:nvPr/>
-          </p:nvSpPr>
-          <p:spPr>
-            <a:xfrm>
-              <a:off x="2110672" y="2367552"/>
-              <a:ext cx="1126268" cy="369332"/>
-            </a:xfrm>
-            <a:prstGeom prst="rect">
-              <a:avLst/>
-            </a:prstGeom>
-            <a:noFill/>
-          </p:spPr>
-          <p:txBody>
-            <a:bodyPr wrap="square" rtlCol="0">
-              <a:spAutoFit/>
-            </a:bodyPr>
-            <a:lstStyle/>
-            <a:p>
-              <a:r>
-                <a:rPr kumimoji="1" lang="ja-JP" altLang="en-US" dirty="0"/>
-                <a:t>のとき、</a:t>
-              </a:r>
-            </a:p>
-          </p:txBody>
-        </p:sp>
-      </p:grpSp>
+            </a:solidFill>
+          </a:ln>
+        </p:spPr>
+        <p:style>
+          <a:lnRef idx="1">
+            <a:schemeClr val="accent1"/>
+          </a:lnRef>
+          <a:fillRef idx="0">
+            <a:schemeClr val="accent1"/>
+          </a:fillRef>
+          <a:effectRef idx="0">
+            <a:schemeClr val="accent1"/>
+          </a:effectRef>
+          <a:fontRef idx="minor">
+            <a:schemeClr val="tx1"/>
+          </a:fontRef>
+        </p:style>
+      </p:cxnSp>
+      <p:sp>
+        <p:nvSpPr>
+          <p:cNvPr id="16" name="楕円 15">
+            <a:extLst>
+              <a:ext uri="{FF2B5EF4-FFF2-40B4-BE49-F238E27FC236}">
+                <a16:creationId xmlns:a16="http://schemas.microsoft.com/office/drawing/2014/main" id="{746C1C0F-0E0B-4E49-A341-5003BF24161C}"/>
+              </a:ext>
+            </a:extLst>
+          </p:cNvPr>
+          <p:cNvSpPr/>
+          <p:nvPr/>
+        </p:nvSpPr>
+        <p:spPr>
+          <a:xfrm>
+            <a:off x="588314" y="5044248"/>
+            <a:ext cx="352400" cy="390521"/>
+          </a:xfrm>
+          <a:prstGeom prst="ellipse">
+            <a:avLst/>
+          </a:prstGeom>
+        </p:spPr>
+        <p:style>
+          <a:lnRef idx="2">
+            <a:schemeClr val="accent1">
+              <a:shade val="50000"/>
+            </a:schemeClr>
+          </a:lnRef>
+          <a:fillRef idx="1">
+            <a:schemeClr val="accent1"/>
+          </a:fillRef>
+          <a:effectRef idx="0">
+            <a:schemeClr val="accent1"/>
+          </a:effectRef>
+          <a:fontRef idx="minor">
+            <a:schemeClr val="lt1"/>
+          </a:fontRef>
+        </p:style>
+        <p:txBody>
+          <a:bodyPr rtlCol="0" anchor="ctr"/>
+          <a:lstStyle/>
+          <a:p>
+            <a:pPr algn="ctr"/>
+            <a:endParaRPr kumimoji="1" lang="ja-JP" altLang="en-US"/>
+          </a:p>
+        </p:txBody>
+      </p:sp>
+      <p:sp>
+        <p:nvSpPr>
+          <p:cNvPr id="17" name="テキスト ボックス 16">
+            <a:extLst>
+              <a:ext uri="{FF2B5EF4-FFF2-40B4-BE49-F238E27FC236}">
+                <a16:creationId xmlns:a16="http://schemas.microsoft.com/office/drawing/2014/main" id="{38B12CE2-08BC-4760-94EE-E0E5CA0DAC15}"/>
+              </a:ext>
+            </a:extLst>
+          </p:cNvPr>
+          <p:cNvSpPr txBox="1"/>
+          <p:nvPr/>
+        </p:nvSpPr>
+        <p:spPr>
+          <a:xfrm>
+            <a:off x="588314" y="6158674"/>
+            <a:ext cx="647700" cy="369332"/>
+          </a:xfrm>
+          <a:prstGeom prst="rect">
+            <a:avLst/>
+          </a:prstGeom>
+          <a:noFill/>
+        </p:spPr>
+        <p:txBody>
+          <a:bodyPr wrap="square" rtlCol="0">
+            <a:spAutoFit/>
+          </a:bodyPr>
+          <a:lstStyle/>
+          <a:p>
+            <a:r>
+              <a:rPr kumimoji="1" lang="en-US" altLang="ja-JP" dirty="0"/>
+              <a:t>0</a:t>
+            </a:r>
+            <a:endParaRPr kumimoji="1" lang="ja-JP" altLang="en-US" dirty="0"/>
+          </a:p>
+        </p:txBody>
+      </p:sp>
+      <p:sp>
+        <p:nvSpPr>
+          <p:cNvPr id="21" name="テキスト ボックス 20">
+            <a:extLst>
+              <a:ext uri="{FF2B5EF4-FFF2-40B4-BE49-F238E27FC236}">
+                <a16:creationId xmlns:a16="http://schemas.microsoft.com/office/drawing/2014/main" id="{ECAB01B7-F67C-4ABA-B496-0632A562FFDD}"/>
+              </a:ext>
+            </a:extLst>
+          </p:cNvPr>
+          <p:cNvSpPr txBox="1"/>
+          <p:nvPr/>
+        </p:nvSpPr>
+        <p:spPr>
+          <a:xfrm>
+            <a:off x="5084113" y="5671586"/>
+            <a:ext cx="1052893" cy="369332"/>
+          </a:xfrm>
+          <a:prstGeom prst="rect">
+            <a:avLst/>
+          </a:prstGeom>
+          <a:noFill/>
+        </p:spPr>
+        <p:txBody>
+          <a:bodyPr wrap="square" rtlCol="0">
+            <a:spAutoFit/>
+          </a:bodyPr>
+          <a:lstStyle/>
+          <a:p>
+            <a:r>
+              <a:rPr lang="en-US" altLang="ja-JP" dirty="0"/>
+              <a:t>x </a:t>
+            </a:r>
+            <a:endParaRPr kumimoji="1" lang="ja-JP" altLang="en-US" dirty="0"/>
+          </a:p>
+        </p:txBody>
+      </p:sp>
+      <p:sp>
+        <p:nvSpPr>
+          <p:cNvPr id="22" name="円弧 21">
+            <a:extLst>
+              <a:ext uri="{FF2B5EF4-FFF2-40B4-BE49-F238E27FC236}">
+                <a16:creationId xmlns:a16="http://schemas.microsoft.com/office/drawing/2014/main" id="{B90B1F1E-1069-49BF-A5C2-D8A4C43BB189}"/>
+              </a:ext>
+            </a:extLst>
+          </p:cNvPr>
+          <p:cNvSpPr/>
+          <p:nvPr/>
+        </p:nvSpPr>
+        <p:spPr>
+          <a:xfrm>
+            <a:off x="2755239" y="4555384"/>
+            <a:ext cx="1190625" cy="738658"/>
+          </a:xfrm>
+          <a:prstGeom prst="arc">
+            <a:avLst>
+              <a:gd name="adj1" fmla="val 17579524"/>
+              <a:gd name="adj2" fmla="val 21564549"/>
+            </a:avLst>
+          </a:prstGeom>
+        </p:spPr>
+        <p:style>
+          <a:lnRef idx="1">
+            <a:schemeClr val="accent1"/>
+          </a:lnRef>
+          <a:fillRef idx="0">
+            <a:schemeClr val="accent1"/>
+          </a:fillRef>
+          <a:effectRef idx="0">
+            <a:schemeClr val="accent1"/>
+          </a:effectRef>
+          <a:fontRef idx="minor">
+            <a:schemeClr val="tx1"/>
+          </a:fontRef>
+        </p:style>
+        <p:txBody>
+          <a:bodyPr rtlCol="0" anchor="ctr"/>
+          <a:lstStyle/>
+          <a:p>
+            <a:pPr algn="ctr"/>
+            <a:endParaRPr kumimoji="1" lang="ja-JP" altLang="en-US"/>
+          </a:p>
+        </p:txBody>
+      </p:sp>
+      <p:sp>
+        <p:nvSpPr>
+          <p:cNvPr id="24" name="円弧 23">
+            <a:extLst>
+              <a:ext uri="{FF2B5EF4-FFF2-40B4-BE49-F238E27FC236}">
+                <a16:creationId xmlns:a16="http://schemas.microsoft.com/office/drawing/2014/main" id="{A2C075C9-8E74-4296-9194-A20FB3A1D4D6}"/>
+              </a:ext>
+            </a:extLst>
+          </p:cNvPr>
+          <p:cNvSpPr/>
+          <p:nvPr/>
+        </p:nvSpPr>
+        <p:spPr>
+          <a:xfrm>
+            <a:off x="754989" y="4555384"/>
+            <a:ext cx="1190625" cy="738658"/>
+          </a:xfrm>
+          <a:prstGeom prst="arc">
+            <a:avLst>
+              <a:gd name="adj1" fmla="val 10921968"/>
+              <a:gd name="adj2" fmla="val 14447510"/>
+            </a:avLst>
+          </a:prstGeom>
+        </p:spPr>
+        <p:style>
+          <a:lnRef idx="1">
+            <a:schemeClr val="accent1"/>
+          </a:lnRef>
+          <a:fillRef idx="0">
+            <a:schemeClr val="accent1"/>
+          </a:fillRef>
+          <a:effectRef idx="0">
+            <a:schemeClr val="accent1"/>
+          </a:effectRef>
+          <a:fontRef idx="minor">
+            <a:schemeClr val="tx1"/>
+          </a:fontRef>
+        </p:style>
+        <p:txBody>
+          <a:bodyPr rtlCol="0" anchor="ctr"/>
+          <a:lstStyle/>
+          <a:p>
+            <a:pPr algn="ctr"/>
+            <a:endParaRPr kumimoji="1" lang="ja-JP" altLang="en-US"/>
+          </a:p>
+        </p:txBody>
+      </p:sp>
+      <p:sp>
+        <p:nvSpPr>
+          <p:cNvPr id="25" name="テキスト ボックス 24">
+            <a:extLst>
+              <a:ext uri="{FF2B5EF4-FFF2-40B4-BE49-F238E27FC236}">
+                <a16:creationId xmlns:a16="http://schemas.microsoft.com/office/drawing/2014/main" id="{FCAE1952-283E-451F-988B-B8D382CC06AD}"/>
+              </a:ext>
+            </a:extLst>
+          </p:cNvPr>
+          <p:cNvSpPr txBox="1"/>
+          <p:nvPr/>
+        </p:nvSpPr>
+        <p:spPr>
+          <a:xfrm>
+            <a:off x="2074189" y="4370718"/>
+            <a:ext cx="657225" cy="369332"/>
+          </a:xfrm>
+          <a:prstGeom prst="rect">
+            <a:avLst/>
+          </a:prstGeom>
+          <a:noFill/>
+        </p:spPr>
+        <p:txBody>
+          <a:bodyPr wrap="square" rtlCol="0">
+            <a:spAutoFit/>
+          </a:bodyPr>
+          <a:lstStyle/>
+          <a:p>
+            <a:r>
+              <a:rPr kumimoji="1" lang="en-US" altLang="ja-JP" dirty="0"/>
+              <a:t>Δt</a:t>
+            </a:r>
+            <a:endParaRPr kumimoji="1" lang="ja-JP" altLang="en-US" dirty="0"/>
+          </a:p>
+        </p:txBody>
+      </p:sp>
+      <p:sp>
+        <p:nvSpPr>
+          <p:cNvPr id="27" name="矢印: 右 26">
+            <a:extLst>
+              <a:ext uri="{FF2B5EF4-FFF2-40B4-BE49-F238E27FC236}">
+                <a16:creationId xmlns:a16="http://schemas.microsoft.com/office/drawing/2014/main" id="{6C1392C7-429C-4150-99BF-A00EFB0095C3}"/>
+              </a:ext>
+            </a:extLst>
+          </p:cNvPr>
+          <p:cNvSpPr/>
+          <p:nvPr/>
+        </p:nvSpPr>
+        <p:spPr>
+          <a:xfrm>
+            <a:off x="3069594" y="3752821"/>
+            <a:ext cx="876270" cy="132985"/>
+          </a:xfrm>
+          <a:prstGeom prst="rightArrow">
+            <a:avLst/>
+          </a:prstGeom>
+          <a:noFill/>
+        </p:spPr>
+        <p:style>
+          <a:lnRef idx="2">
+            <a:schemeClr val="accent1">
+              <a:shade val="50000"/>
+            </a:schemeClr>
+          </a:lnRef>
+          <a:fillRef idx="1">
+            <a:schemeClr val="accent1"/>
+          </a:fillRef>
+          <a:effectRef idx="0">
+            <a:schemeClr val="accent1"/>
+          </a:effectRef>
+          <a:fontRef idx="minor">
+            <a:schemeClr val="lt1"/>
+          </a:fontRef>
+        </p:style>
+        <p:txBody>
+          <a:bodyPr rtlCol="0" anchor="ctr"/>
+          <a:lstStyle/>
+          <a:p>
+            <a:pPr algn="ctr"/>
+            <a:endParaRPr kumimoji="1" lang="ja-JP" altLang="en-US"/>
+          </a:p>
+        </p:txBody>
+      </p:sp>
+      <p:sp>
+        <p:nvSpPr>
+          <p:cNvPr id="28" name="テキスト ボックス 27">
+            <a:extLst>
+              <a:ext uri="{FF2B5EF4-FFF2-40B4-BE49-F238E27FC236}">
+                <a16:creationId xmlns:a16="http://schemas.microsoft.com/office/drawing/2014/main" id="{7CC09148-3FC3-4DC3-8CF2-7EEE0AC61F59}"/>
+              </a:ext>
+            </a:extLst>
+          </p:cNvPr>
+          <p:cNvSpPr txBox="1"/>
+          <p:nvPr/>
+        </p:nvSpPr>
+        <p:spPr>
+          <a:xfrm>
+            <a:off x="3783939" y="3993173"/>
+            <a:ext cx="571495" cy="369332"/>
+          </a:xfrm>
+          <a:prstGeom prst="rect">
+            <a:avLst/>
+          </a:prstGeom>
+          <a:noFill/>
+        </p:spPr>
+        <p:txBody>
+          <a:bodyPr wrap="square" rtlCol="0">
+            <a:spAutoFit/>
+          </a:bodyPr>
+          <a:lstStyle/>
+          <a:p>
+            <a:r>
+              <a:rPr kumimoji="1" lang="en-US" altLang="ja-JP" dirty="0"/>
+              <a:t>E</a:t>
+            </a:r>
+            <a:endParaRPr kumimoji="1" lang="ja-JP" altLang="en-US" dirty="0"/>
+          </a:p>
+        </p:txBody>
+      </p:sp>
+      <mc:AlternateContent xmlns:mc="http://schemas.openxmlformats.org/markup-compatibility/2006">
+        <mc:Choice xmlns:a14="http://schemas.microsoft.com/office/drawing/2010/main" Requires="a14">
+          <p:sp>
+            <p:nvSpPr>
+              <p:cNvPr id="42" name="テキスト ボックス 41">
+                <a:extLst>
+                  <a:ext uri="{FF2B5EF4-FFF2-40B4-BE49-F238E27FC236}">
+                    <a16:creationId xmlns:a16="http://schemas.microsoft.com/office/drawing/2014/main" id="{0A2EBD03-F25C-448B-AA78-95E00FAF31D9}"/>
+                  </a:ext>
+                </a:extLst>
+              </p:cNvPr>
+              <p:cNvSpPr txBox="1"/>
+              <p:nvPr/>
+            </p:nvSpPr>
+            <p:spPr>
+              <a:xfrm>
+                <a:off x="2986234" y="2429105"/>
+                <a:ext cx="1379160" cy="818366"/>
+              </a:xfrm>
+              <a:prstGeom prst="rect">
+                <a:avLst/>
+              </a:prstGeom>
+              <a:noFill/>
+            </p:spPr>
+            <p:txBody>
+              <a:bodyPr wrap="none" lIns="0" tIns="0" rIns="0" bIns="0" rtlCol="0">
+                <a:spAutoFit/>
+              </a:bodyPr>
+              <a:lstStyle/>
+              <a:p>
+                <a:pPr/>
+                <a14:m>
+                  <m:oMathPara xmlns:m="http://schemas.openxmlformats.org/officeDocument/2006/math">
+                    <m:oMathParaPr>
+                      <m:jc m:val="centerGroup"/>
+                    </m:oMathParaPr>
+                    <m:oMath xmlns:m="http://schemas.openxmlformats.org/officeDocument/2006/math">
+                      <m:r>
+                        <a:rPr kumimoji="1" lang="ja-JP" altLang="en-US" i="1" smtClean="0">
+                          <a:latin typeface="Cambria Math" panose="02040503050406030204" pitchFamily="18" charset="0"/>
+                        </a:rPr>
+                        <m:t>∆</m:t>
+                      </m:r>
+                      <m:r>
+                        <a:rPr kumimoji="1" lang="en-US" altLang="ja-JP" b="0" i="1" smtClean="0">
+                          <a:latin typeface="Cambria Math" panose="02040503050406030204" pitchFamily="18" charset="0"/>
+                        </a:rPr>
+                        <m:t>𝑡</m:t>
+                      </m:r>
+                      <m:r>
+                        <a:rPr kumimoji="1" lang="en-US" altLang="ja-JP" b="0" i="1" smtClean="0">
+                          <a:latin typeface="Cambria Math" panose="02040503050406030204" pitchFamily="18" charset="0"/>
+                        </a:rPr>
+                        <m:t>= </m:t>
+                      </m:r>
+                      <m:rad>
+                        <m:radPr>
+                          <m:degHide m:val="on"/>
+                          <m:ctrlPr>
+                            <a:rPr kumimoji="1" lang="en-US" altLang="ja-JP" b="0" i="1" smtClean="0">
+                              <a:latin typeface="Cambria Math" panose="02040503050406030204" pitchFamily="18" charset="0"/>
+                            </a:rPr>
+                          </m:ctrlPr>
+                        </m:radPr>
+                        <m:deg/>
+                        <m:e>
+                          <m:f>
+                            <m:fPr>
+                              <m:ctrlPr>
+                                <a:rPr kumimoji="1" lang="en-US" altLang="ja-JP" b="0" i="1" smtClean="0">
+                                  <a:latin typeface="Cambria Math" panose="02040503050406030204" pitchFamily="18" charset="0"/>
+                                </a:rPr>
+                              </m:ctrlPr>
+                            </m:fPr>
+                            <m:num>
+                              <m:r>
+                                <a:rPr kumimoji="1" lang="en-US" altLang="ja-JP" b="0" i="1" smtClean="0">
+                                  <a:latin typeface="Cambria Math" panose="02040503050406030204" pitchFamily="18" charset="0"/>
+                                </a:rPr>
+                                <m:t>2</m:t>
+                              </m:r>
+                              <m:r>
+                                <a:rPr kumimoji="1" lang="en-US" altLang="ja-JP" b="0" i="1" smtClean="0">
+                                  <a:latin typeface="Cambria Math" panose="02040503050406030204" pitchFamily="18" charset="0"/>
+                                </a:rPr>
+                                <m:t>𝑚</m:t>
+                              </m:r>
+                              <m:sSub>
+                                <m:sSubPr>
+                                  <m:ctrlPr>
+                                    <a:rPr kumimoji="1" lang="en-US" altLang="ja-JP" b="0" i="1" smtClean="0">
+                                      <a:latin typeface="Cambria Math" panose="02040503050406030204" pitchFamily="18" charset="0"/>
+                                    </a:rPr>
+                                  </m:ctrlPr>
+                                </m:sSubPr>
+                                <m:e>
+                                  <m:r>
+                                    <a:rPr kumimoji="1" lang="en-US" altLang="ja-JP" b="0" i="1" smtClean="0">
+                                      <a:latin typeface="Cambria Math" panose="02040503050406030204" pitchFamily="18" charset="0"/>
+                                    </a:rPr>
+                                    <m:t>𝑥</m:t>
+                                  </m:r>
+                                </m:e>
+                                <m:sub>
+                                  <m:r>
+                                    <a:rPr kumimoji="1" lang="en-US" altLang="ja-JP" b="0" i="1" smtClean="0">
+                                      <a:latin typeface="Cambria Math" panose="02040503050406030204" pitchFamily="18" charset="0"/>
+                                    </a:rPr>
+                                    <m:t>1</m:t>
+                                  </m:r>
+                                </m:sub>
+                              </m:sSub>
+                            </m:num>
+                            <m:den>
+                              <m:r>
+                                <a:rPr kumimoji="1" lang="en-US" altLang="ja-JP" b="0" i="1" smtClean="0">
+                                  <a:latin typeface="Cambria Math" panose="02040503050406030204" pitchFamily="18" charset="0"/>
+                                </a:rPr>
+                                <m:t>𝑞𝐸</m:t>
+                              </m:r>
+                            </m:den>
+                          </m:f>
+                        </m:e>
+                      </m:rad>
+                    </m:oMath>
+                  </m:oMathPara>
+                </a14:m>
+                <a:endParaRPr kumimoji="1" lang="ja-JP" altLang="en-US" dirty="0"/>
+              </a:p>
+            </p:txBody>
+          </p:sp>
+        </mc:Choice>
+        <mc:Fallback>
+          <p:sp>
+            <p:nvSpPr>
+              <p:cNvPr id="42" name="テキスト ボックス 41">
+                <a:extLst>
+                  <a:ext uri="{FF2B5EF4-FFF2-40B4-BE49-F238E27FC236}">
+                    <a16:creationId xmlns:a16="http://schemas.microsoft.com/office/drawing/2014/main" id="{0A2EBD03-F25C-448B-AA78-95E00FAF31D9}"/>
+                  </a:ext>
+                </a:extLst>
+              </p:cNvPr>
+              <p:cNvSpPr txBox="1">
+                <a:spLocks noRot="1" noChangeAspect="1" noMove="1" noResize="1" noEditPoints="1" noAdjustHandles="1" noChangeArrowheads="1" noChangeShapeType="1" noTextEdit="1"/>
+              </p:cNvSpPr>
+              <p:nvPr/>
+            </p:nvSpPr>
+            <p:spPr>
+              <a:xfrm>
+                <a:off x="2986234" y="2429105"/>
+                <a:ext cx="1379160" cy="818366"/>
+              </a:xfrm>
+              <a:prstGeom prst="rect">
+                <a:avLst/>
+              </a:prstGeom>
+              <a:blipFill>
+                <a:blip r:embed="rId5"/>
+                <a:stretch>
+                  <a:fillRect/>
+                </a:stretch>
+              </a:blipFill>
+            </p:spPr>
+            <p:txBody>
+              <a:bodyPr/>
+              <a:lstStyle/>
+              <a:p>
+                <a:r>
+                  <a:rPr lang="ja-JP" altLang="en-US">
+                    <a:noFill/>
+                  </a:rPr>
+                  <a:t> </a:t>
+                </a:r>
+              </a:p>
+            </p:txBody>
+          </p:sp>
+        </mc:Fallback>
+      </mc:AlternateContent>
+      <mc:AlternateContent xmlns:mc="http://schemas.openxmlformats.org/markup-compatibility/2006">
+        <mc:Choice xmlns:a14="http://schemas.microsoft.com/office/drawing/2010/main" Requires="a14">
+          <p:sp>
+            <p:nvSpPr>
+              <p:cNvPr id="44" name="テキスト ボックス 43">
+                <a:extLst>
+                  <a:ext uri="{FF2B5EF4-FFF2-40B4-BE49-F238E27FC236}">
+                    <a16:creationId xmlns:a16="http://schemas.microsoft.com/office/drawing/2014/main" id="{8EEA6AEC-524E-477F-AAD5-6163E0FF25D8}"/>
+                  </a:ext>
+                </a:extLst>
+              </p:cNvPr>
+              <p:cNvSpPr txBox="1"/>
+              <p:nvPr/>
+            </p:nvSpPr>
+            <p:spPr>
+              <a:xfrm>
+                <a:off x="588314" y="2550383"/>
+                <a:ext cx="1074846" cy="555793"/>
+              </a:xfrm>
+              <a:prstGeom prst="rect">
+                <a:avLst/>
+              </a:prstGeom>
+              <a:noFill/>
+            </p:spPr>
+            <p:txBody>
+              <a:bodyPr wrap="none" lIns="0" tIns="0" rIns="0" bIns="0" rtlCol="0">
+                <a:spAutoFit/>
+              </a:bodyPr>
+              <a:lstStyle/>
+              <a:p>
+                <a:pPr/>
+                <a14:m>
+                  <m:oMathPara xmlns:m="http://schemas.openxmlformats.org/officeDocument/2006/math">
+                    <m:oMathParaPr>
+                      <m:jc m:val="centerGroup"/>
+                    </m:oMathParaPr>
+                    <m:oMath xmlns:m="http://schemas.openxmlformats.org/officeDocument/2006/math">
+                      <m:f>
+                        <m:fPr>
+                          <m:ctrlPr>
+                            <a:rPr kumimoji="1" lang="en-US" altLang="ja-JP" b="0" i="1" smtClean="0">
+                              <a:latin typeface="Cambria Math" panose="02040503050406030204" pitchFamily="18" charset="0"/>
+                            </a:rPr>
+                          </m:ctrlPr>
+                        </m:fPr>
+                        <m:num>
+                          <m:sSup>
+                            <m:sSupPr>
+                              <m:ctrlPr>
+                                <a:rPr kumimoji="1" lang="en-US" altLang="ja-JP" b="0" i="1" smtClean="0">
+                                  <a:latin typeface="Cambria Math" panose="02040503050406030204" pitchFamily="18" charset="0"/>
+                                </a:rPr>
+                              </m:ctrlPr>
+                            </m:sSupPr>
+                            <m:e>
+                              <m:r>
+                                <a:rPr kumimoji="1" lang="en-US" altLang="ja-JP" b="0" i="1" smtClean="0">
+                                  <a:latin typeface="Cambria Math" panose="02040503050406030204" pitchFamily="18" charset="0"/>
+                                </a:rPr>
+                                <m:t>𝑑</m:t>
+                              </m:r>
+                            </m:e>
+                            <m:sup>
+                              <m:r>
+                                <a:rPr kumimoji="1" lang="en-US" altLang="ja-JP" b="0" i="1" smtClean="0">
+                                  <a:latin typeface="Cambria Math" panose="02040503050406030204" pitchFamily="18" charset="0"/>
+                                </a:rPr>
+                                <m:t>2</m:t>
+                              </m:r>
+                            </m:sup>
+                          </m:sSup>
+                          <m:r>
+                            <a:rPr kumimoji="1" lang="en-US" altLang="ja-JP" b="0" i="1" smtClean="0">
+                              <a:latin typeface="Cambria Math" panose="02040503050406030204" pitchFamily="18" charset="0"/>
+                            </a:rPr>
+                            <m:t>𝑥</m:t>
+                          </m:r>
+                        </m:num>
+                        <m:den>
+                          <m:sSup>
+                            <m:sSupPr>
+                              <m:ctrlPr>
+                                <a:rPr kumimoji="1" lang="en-US" altLang="ja-JP" b="0" i="1" smtClean="0">
+                                  <a:latin typeface="Cambria Math" panose="02040503050406030204" pitchFamily="18" charset="0"/>
+                                </a:rPr>
+                              </m:ctrlPr>
+                            </m:sSupPr>
+                            <m:e>
+                              <m:r>
+                                <a:rPr kumimoji="1" lang="en-US" altLang="ja-JP" b="0" i="1" smtClean="0">
+                                  <a:latin typeface="Cambria Math" panose="02040503050406030204" pitchFamily="18" charset="0"/>
+                                </a:rPr>
+                                <m:t>𝑑𝑡</m:t>
+                              </m:r>
+                            </m:e>
+                            <m:sup>
+                              <m:r>
+                                <a:rPr kumimoji="1" lang="en-US" altLang="ja-JP" b="0" i="1" smtClean="0">
+                                  <a:latin typeface="Cambria Math" panose="02040503050406030204" pitchFamily="18" charset="0"/>
+                                </a:rPr>
+                                <m:t>2</m:t>
+                              </m:r>
+                            </m:sup>
+                          </m:sSup>
+                        </m:den>
+                      </m:f>
+                      <m:r>
+                        <a:rPr kumimoji="1" lang="en-US" altLang="ja-JP" b="0" i="1" smtClean="0">
+                          <a:latin typeface="Cambria Math" panose="02040503050406030204" pitchFamily="18" charset="0"/>
+                        </a:rPr>
+                        <m:t>= </m:t>
+                      </m:r>
+                      <m:f>
+                        <m:fPr>
+                          <m:ctrlPr>
+                            <a:rPr kumimoji="1" lang="en-US" altLang="ja-JP" b="0" i="1" smtClean="0">
+                              <a:latin typeface="Cambria Math" panose="02040503050406030204" pitchFamily="18" charset="0"/>
+                            </a:rPr>
+                          </m:ctrlPr>
+                        </m:fPr>
+                        <m:num>
+                          <m:r>
+                            <a:rPr kumimoji="1" lang="en-US" altLang="ja-JP" b="0" i="1" smtClean="0">
+                              <a:latin typeface="Cambria Math" panose="02040503050406030204" pitchFamily="18" charset="0"/>
+                            </a:rPr>
+                            <m:t>𝑞𝐸</m:t>
+                          </m:r>
+                        </m:num>
+                        <m:den>
+                          <m:r>
+                            <a:rPr kumimoji="1" lang="en-US" altLang="ja-JP" b="0" i="1" smtClean="0">
+                              <a:latin typeface="Cambria Math" panose="02040503050406030204" pitchFamily="18" charset="0"/>
+                            </a:rPr>
+                            <m:t>𝑚</m:t>
+                          </m:r>
+                        </m:den>
+                      </m:f>
+                    </m:oMath>
+                  </m:oMathPara>
+                </a14:m>
+                <a:endParaRPr kumimoji="1" lang="ja-JP" altLang="en-US" dirty="0"/>
+              </a:p>
+            </p:txBody>
+          </p:sp>
+        </mc:Choice>
+        <mc:Fallback>
+          <p:sp>
+            <p:nvSpPr>
+              <p:cNvPr id="44" name="テキスト ボックス 43">
+                <a:extLst>
+                  <a:ext uri="{FF2B5EF4-FFF2-40B4-BE49-F238E27FC236}">
+                    <a16:creationId xmlns:a16="http://schemas.microsoft.com/office/drawing/2014/main" id="{8EEA6AEC-524E-477F-AAD5-6163E0FF25D8}"/>
+                  </a:ext>
+                </a:extLst>
+              </p:cNvPr>
+              <p:cNvSpPr txBox="1">
+                <a:spLocks noRot="1" noChangeAspect="1" noMove="1" noResize="1" noEditPoints="1" noAdjustHandles="1" noChangeArrowheads="1" noChangeShapeType="1" noTextEdit="1"/>
+              </p:cNvSpPr>
+              <p:nvPr/>
+            </p:nvSpPr>
+            <p:spPr>
+              <a:xfrm>
+                <a:off x="588314" y="2550383"/>
+                <a:ext cx="1074846" cy="555793"/>
+              </a:xfrm>
+              <a:prstGeom prst="rect">
+                <a:avLst/>
+              </a:prstGeom>
+              <a:blipFill>
+                <a:blip r:embed="rId6"/>
+                <a:stretch>
+                  <a:fillRect/>
+                </a:stretch>
+              </a:blipFill>
+            </p:spPr>
+            <p:txBody>
+              <a:bodyPr/>
+              <a:lstStyle/>
+              <a:p>
+                <a:r>
+                  <a:rPr lang="ja-JP" altLang="en-US">
+                    <a:noFill/>
+                  </a:rPr>
+                  <a:t> </a:t>
+                </a:r>
+              </a:p>
+            </p:txBody>
+          </p:sp>
+        </mc:Fallback>
+      </mc:AlternateContent>
+      <mc:AlternateContent xmlns:mc="http://schemas.openxmlformats.org/markup-compatibility/2006">
+        <mc:Choice xmlns:a14="http://schemas.microsoft.com/office/drawing/2010/main" Requires="a14">
+          <p:sp>
+            <p:nvSpPr>
+              <p:cNvPr id="47" name="テキスト ボックス 46">
+                <a:extLst>
+                  <a:ext uri="{FF2B5EF4-FFF2-40B4-BE49-F238E27FC236}">
+                    <a16:creationId xmlns:a16="http://schemas.microsoft.com/office/drawing/2014/main" id="{7091398D-5395-4BBD-A271-662A8F5AEAB3}"/>
+                  </a:ext>
+                </a:extLst>
+              </p:cNvPr>
+              <p:cNvSpPr txBox="1"/>
+              <p:nvPr/>
+            </p:nvSpPr>
+            <p:spPr>
+              <a:xfrm>
+                <a:off x="3166305" y="6251007"/>
+                <a:ext cx="1578509" cy="276999"/>
+              </a:xfrm>
+              <a:prstGeom prst="rect">
+                <a:avLst/>
+              </a:prstGeom>
+              <a:noFill/>
+            </p:spPr>
+            <p:txBody>
+              <a:bodyPr wrap="none" lIns="0" tIns="0" rIns="0" bIns="0" rtlCol="0">
+                <a:spAutoFit/>
+              </a:bodyPr>
+              <a:lstStyle/>
+              <a:p>
+                <a:pPr/>
+                <a14:m>
+                  <m:oMathPara xmlns:m="http://schemas.openxmlformats.org/officeDocument/2006/math">
+                    <m:oMathParaPr>
+                      <m:jc m:val="centerGroup"/>
+                    </m:oMathParaPr>
+                    <m:oMath xmlns:m="http://schemas.openxmlformats.org/officeDocument/2006/math">
+                      <m:sSub>
+                        <m:sSubPr>
+                          <m:ctrlPr>
+                            <a:rPr kumimoji="1" lang="en-US" altLang="ja-JP" i="1" smtClean="0">
+                              <a:latin typeface="Cambria Math" panose="02040503050406030204" pitchFamily="18" charset="0"/>
+                            </a:rPr>
+                          </m:ctrlPr>
+                        </m:sSubPr>
+                        <m:e>
+                          <m:r>
+                            <m:rPr>
+                              <m:sty m:val="p"/>
+                            </m:rPr>
+                            <a:rPr kumimoji="1" lang="en-US" altLang="ja-JP" b="0" i="0" smtClean="0">
+                              <a:latin typeface="Cambria Math" panose="02040503050406030204" pitchFamily="18" charset="0"/>
+                            </a:rPr>
+                            <m:t>x</m:t>
+                          </m:r>
+                        </m:e>
+                        <m:sub>
+                          <m:r>
+                            <a:rPr kumimoji="1" lang="en-US" altLang="ja-JP" b="0" i="0" smtClean="0">
+                              <a:latin typeface="Cambria Math" panose="02040503050406030204" pitchFamily="18" charset="0"/>
+                            </a:rPr>
+                            <m:t>1</m:t>
+                          </m:r>
+                        </m:sub>
+                      </m:sSub>
+                      <m:r>
+                        <a:rPr kumimoji="1" lang="en-US" altLang="ja-JP" b="0" i="0" smtClean="0">
+                          <a:latin typeface="Cambria Math" panose="02040503050406030204" pitchFamily="18" charset="0"/>
+                        </a:rPr>
+                        <m:t>=200 [</m:t>
+                      </m:r>
+                      <m:r>
+                        <m:rPr>
+                          <m:sty m:val="p"/>
+                        </m:rPr>
+                        <a:rPr kumimoji="1" lang="en-US" altLang="ja-JP" b="0" i="0" smtClean="0">
+                          <a:latin typeface="Cambria Math" panose="02040503050406030204" pitchFamily="18" charset="0"/>
+                        </a:rPr>
+                        <m:t>mm</m:t>
+                      </m:r>
+                      <m:r>
+                        <a:rPr kumimoji="1" lang="en-US" altLang="ja-JP" b="0" i="0" smtClean="0">
+                          <a:latin typeface="Cambria Math" panose="02040503050406030204" pitchFamily="18" charset="0"/>
+                        </a:rPr>
+                        <m:t>]</m:t>
+                      </m:r>
+                    </m:oMath>
+                  </m:oMathPara>
+                </a14:m>
+                <a:endParaRPr kumimoji="1" lang="ja-JP" altLang="en-US" dirty="0"/>
+              </a:p>
+            </p:txBody>
+          </p:sp>
+        </mc:Choice>
+        <mc:Fallback>
+          <p:sp>
+            <p:nvSpPr>
+              <p:cNvPr id="47" name="テキスト ボックス 46">
+                <a:extLst>
+                  <a:ext uri="{FF2B5EF4-FFF2-40B4-BE49-F238E27FC236}">
+                    <a16:creationId xmlns:a16="http://schemas.microsoft.com/office/drawing/2014/main" id="{7091398D-5395-4BBD-A271-662A8F5AEAB3}"/>
+                  </a:ext>
+                </a:extLst>
+              </p:cNvPr>
+              <p:cNvSpPr txBox="1">
+                <a:spLocks noRot="1" noChangeAspect="1" noMove="1" noResize="1" noEditPoints="1" noAdjustHandles="1" noChangeArrowheads="1" noChangeShapeType="1" noTextEdit="1"/>
+              </p:cNvSpPr>
+              <p:nvPr/>
+            </p:nvSpPr>
+            <p:spPr>
+              <a:xfrm>
+                <a:off x="3166305" y="6251007"/>
+                <a:ext cx="1578509" cy="276999"/>
+              </a:xfrm>
+              <a:prstGeom prst="rect">
+                <a:avLst/>
+              </a:prstGeom>
+              <a:blipFill>
+                <a:blip r:embed="rId7"/>
+                <a:stretch>
+                  <a:fillRect l="-1158" t="-2174" r="-4633" b="-36957"/>
+                </a:stretch>
+              </a:blipFill>
+            </p:spPr>
+            <p:txBody>
+              <a:bodyPr/>
+              <a:lstStyle/>
+              <a:p>
+                <a:r>
+                  <a:rPr lang="ja-JP" altLang="en-US">
+                    <a:noFill/>
+                  </a:rPr>
+                  <a:t> </a:t>
+                </a:r>
+              </a:p>
+            </p:txBody>
+          </p:sp>
+        </mc:Fallback>
+      </mc:AlternateContent>
+      <p:sp>
+        <p:nvSpPr>
+          <p:cNvPr id="54" name="テキスト ボックス 53">
+            <a:extLst>
+              <a:ext uri="{FF2B5EF4-FFF2-40B4-BE49-F238E27FC236}">
+                <a16:creationId xmlns:a16="http://schemas.microsoft.com/office/drawing/2014/main" id="{1FDF6B1D-F53C-47FD-9BF4-1F524CA6FE84}"/>
+              </a:ext>
+            </a:extLst>
+          </p:cNvPr>
+          <p:cNvSpPr txBox="1"/>
+          <p:nvPr/>
+        </p:nvSpPr>
+        <p:spPr>
+          <a:xfrm>
+            <a:off x="1884586" y="2718355"/>
+            <a:ext cx="1126268" cy="369332"/>
+          </a:xfrm>
+          <a:prstGeom prst="rect">
+            <a:avLst/>
+          </a:prstGeom>
+          <a:noFill/>
+        </p:spPr>
+        <p:txBody>
+          <a:bodyPr wrap="square" rtlCol="0">
+            <a:spAutoFit/>
+          </a:bodyPr>
+          <a:lstStyle/>
+          <a:p>
+            <a:r>
+              <a:rPr kumimoji="1" lang="ja-JP" altLang="en-US" dirty="0"/>
+              <a:t>のとき、</a:t>
+            </a:r>
+          </a:p>
+        </p:txBody>
+      </p:sp>
       <p:sp>
         <p:nvSpPr>
           <p:cNvPr id="60" name="タイトル 1">
@@ -7914,6 +7872,47 @@
           </a:p>
         </p:txBody>
       </p:sp>
+      <p:cxnSp>
+        <p:nvCxnSpPr>
+          <p:cNvPr id="41" name="直線矢印コネクタ 40">
+            <a:extLst>
+              <a:ext uri="{FF2B5EF4-FFF2-40B4-BE49-F238E27FC236}">
+                <a16:creationId xmlns:a16="http://schemas.microsoft.com/office/drawing/2014/main" id="{E1C94CA0-72B9-4CE2-A4C8-B85644FD0062}"/>
+              </a:ext>
+            </a:extLst>
+          </p:cNvPr>
+          <p:cNvCxnSpPr>
+            <a:cxnSpLocks/>
+          </p:cNvCxnSpPr>
+          <p:nvPr/>
+        </p:nvCxnSpPr>
+        <p:spPr>
+          <a:xfrm>
+            <a:off x="8972269" y="3073955"/>
+            <a:ext cx="646555" cy="0"/>
+          </a:xfrm>
+          <a:prstGeom prst="straightConnector1">
+            <a:avLst/>
+          </a:prstGeom>
+          <a:ln w="12700">
+            <a:tailEnd type="triangle"/>
+          </a:ln>
+        </p:spPr>
+        <p:style>
+          <a:lnRef idx="1">
+            <a:schemeClr val="accent1"/>
+          </a:lnRef>
+          <a:fillRef idx="0">
+            <a:schemeClr val="accent1"/>
+          </a:fillRef>
+          <a:effectRef idx="0">
+            <a:schemeClr val="accent1"/>
+          </a:effectRef>
+          <a:fontRef idx="minor">
+            <a:schemeClr val="tx1"/>
+          </a:fontRef>
+        </p:style>
+      </p:cxnSp>
     </p:spTree>
     <p:extLst>
       <p:ext uri="{BB962C8B-B14F-4D97-AF65-F5344CB8AC3E}">
@@ -7924,6 +7923,152 @@
   <p:clrMapOvr>
     <a:masterClrMapping/>
   </p:clrMapOvr>
+  <p:timing>
+    <p:tnLst>
+      <p:par>
+        <p:cTn id="1" dur="indefinite" restart="never" nodeType="tmRoot">
+          <p:childTnLst>
+            <p:seq concurrent="1" nextAc="seek">
+              <p:cTn id="2" dur="indefinite" nodeType="mainSeq">
+                <p:childTnLst>
+                  <p:par>
+                    <p:cTn id="3" fill="hold">
+                      <p:stCondLst>
+                        <p:cond delay="indefinite"/>
+                      </p:stCondLst>
+                      <p:childTnLst>
+                        <p:par>
+                          <p:cTn id="4" fill="hold">
+                            <p:stCondLst>
+                              <p:cond delay="0"/>
+                            </p:stCondLst>
+                            <p:childTnLst>
+                              <p:par>
+                                <p:cTn id="5" presetID="42" presetClass="path" presetSubtype="0" accel="50000" decel="50000" fill="hold" grpId="0" nodeType="clickEffect">
+                                  <p:stCondLst>
+                                    <p:cond delay="0"/>
+                                  </p:stCondLst>
+                                  <p:childTnLst>
+                                    <p:animMotion origin="layout" path="M -4.16667E-7 1.11111E-6 L 0.26094 0.00185 " pathEditMode="relative" rAng="0" ptsTypes="AA">
+                                      <p:cBhvr>
+                                        <p:cTn id="6" dur="2000" fill="hold"/>
+                                        <p:tgtEl>
+                                          <p:spTgt spid="16"/>
+                                        </p:tgtEl>
+                                        <p:attrNameLst>
+                                          <p:attrName>ppt_x</p:attrName>
+                                          <p:attrName>ppt_y</p:attrName>
+                                        </p:attrNameLst>
+                                      </p:cBhvr>
+                                      <p:rCtr x="13047" y="93"/>
+                                    </p:animMotion>
+                                  </p:childTnLst>
+                                </p:cTn>
+                              </p:par>
+                            </p:childTnLst>
+                          </p:cTn>
+                        </p:par>
+                      </p:childTnLst>
+                    </p:cTn>
+                  </p:par>
+                  <p:par>
+                    <p:cTn id="7" fill="hold">
+                      <p:stCondLst>
+                        <p:cond delay="indefinite"/>
+                      </p:stCondLst>
+                      <p:childTnLst>
+                        <p:par>
+                          <p:cTn id="8" fill="hold">
+                            <p:stCondLst>
+                              <p:cond delay="0"/>
+                            </p:stCondLst>
+                            <p:childTnLst>
+                              <p:par>
+                                <p:cTn id="9" presetID="1" presetClass="path" presetSubtype="0" accel="50000" fill="hold" grpId="0" nodeType="clickEffect">
+                                  <p:stCondLst>
+                                    <p:cond delay="0"/>
+                                  </p:stCondLst>
+                                  <p:childTnLst>
+                                    <p:animMotion origin="layout" path="M 1.11022E-16 1.11111E-6 C 0.06901 1.11111E-6 0.125 0.09074 0.125 0.20255 C 0.125 0.31435 0.06901 0.40532 1.11022E-16 0.40532 C -0.06901 0.40532 -0.125 0.31435 -0.125 0.20255 C -0.125 0.09074 -0.06901 1.11111E-6 1.11022E-16 1.11111E-6 Z " pathEditMode="fixed" rAng="0" ptsTypes="AAAAA">
+                                      <p:cBhvr>
+                                        <p:cTn id="10" dur="2000" fill="hold"/>
+                                        <p:tgtEl>
+                                          <p:spTgt spid="18"/>
+                                        </p:tgtEl>
+                                        <p:attrNameLst>
+                                          <p:attrName>ppt_x</p:attrName>
+                                          <p:attrName>ppt_y</p:attrName>
+                                        </p:attrNameLst>
+                                      </p:cBhvr>
+                                      <p:rCtr x="0" y="20255"/>
+                                    </p:animMotion>
+                                  </p:childTnLst>
+                                </p:cTn>
+                              </p:par>
+                            </p:childTnLst>
+                          </p:cTn>
+                        </p:par>
+                        <p:par>
+                          <p:cTn id="11" fill="hold">
+                            <p:stCondLst>
+                              <p:cond delay="2000"/>
+                            </p:stCondLst>
+                            <p:childTnLst>
+                              <p:par>
+                                <p:cTn id="12" presetID="1" presetClass="path" presetSubtype="0" fill="hold" grpId="1" nodeType="afterEffect">
+                                  <p:stCondLst>
+                                    <p:cond delay="0"/>
+                                  </p:stCondLst>
+                                  <p:childTnLst>
+                                    <p:animMotion origin="layout" path="M 1.11022E-16 1.11111E-6 C 0.06901 1.11111E-6 0.125 0.09074 0.125 0.20255 C 0.125 0.31435 0.06901 0.40532 1.11022E-16 0.40532 C -0.06901 0.40532 -0.125 0.31435 -0.125 0.20255 C -0.125 0.09074 -0.06901 1.11111E-6 1.11022E-16 1.11111E-6 Z " pathEditMode="fixed" rAng="0" ptsTypes="AAAAA">
+                                      <p:cBhvr>
+                                        <p:cTn id="13" dur="2000" fill="hold"/>
+                                        <p:tgtEl>
+                                          <p:spTgt spid="18"/>
+                                        </p:tgtEl>
+                                        <p:attrNameLst>
+                                          <p:attrName>ppt_x</p:attrName>
+                                          <p:attrName>ppt_y</p:attrName>
+                                        </p:attrNameLst>
+                                      </p:cBhvr>
+                                      <p:rCtr x="0" y="20255"/>
+                                    </p:animMotion>
+                                  </p:childTnLst>
+                                </p:cTn>
+                              </p:par>
+                            </p:childTnLst>
+                          </p:cTn>
+                        </p:par>
+                      </p:childTnLst>
+                    </p:cTn>
+                  </p:par>
+                </p:childTnLst>
+              </p:cTn>
+              <p:prevCondLst>
+                <p:cond evt="onPrev" delay="0">
+                  <p:tgtEl>
+                    <p:sldTgt/>
+                  </p:tgtEl>
+                </p:cond>
+              </p:prevCondLst>
+              <p:nextCondLst>
+                <p:cond evt="onNext" delay="0">
+                  <p:tgtEl>
+                    <p:sldTgt/>
+                  </p:tgtEl>
+                </p:cond>
+              </p:nextCondLst>
+            </p:seq>
+          </p:childTnLst>
+        </p:cTn>
+      </p:par>
+    </p:tnLst>
+    <p:bldLst>
+      <p:bldP spid="18" grpId="0" animBg="1"/>
+      <p:bldP spid="18" grpId="1" animBg="1"/>
+      <p:bldP spid="16" grpId="0" animBg="1"/>
+    </p:bldLst>
+  </p:timing>
 </p:sld>
 </file>
 
@@ -10536,8 +10681,8 @@
           </a:p>
         </p:txBody>
       </p:sp>
-      <mc:AlternateContent xmlns:mc="http://schemas.openxmlformats.org/markup-compatibility/2006">
-        <mc:Choice xmlns:a14="http://schemas.microsoft.com/office/drawing/2010/main" Requires="a14">
+      <mc:AlternateContent xmlns:mc="http://schemas.openxmlformats.org/markup-compatibility/2006" xmlns:a14="http://schemas.microsoft.com/office/drawing/2010/main">
+        <mc:Choice Requires="a14">
           <p:sp>
             <p:nvSpPr>
               <p:cNvPr id="4" name="テキスト ボックス 3">
@@ -10762,7 +10907,7 @@
             </p:txBody>
           </p:sp>
         </mc:Choice>
-        <mc:Fallback>
+        <mc:Fallback xmlns="">
           <p:sp>
             <p:nvSpPr>
               <p:cNvPr id="4" name="テキスト ボックス 3">
@@ -11868,8 +12013,8 @@
           </a:p>
         </p:txBody>
       </p:sp>
-      <mc:AlternateContent xmlns:mc="http://schemas.openxmlformats.org/markup-compatibility/2006">
-        <mc:Choice xmlns:a14="http://schemas.microsoft.com/office/drawing/2010/main" Requires="a14">
+      <mc:AlternateContent xmlns:mc="http://schemas.openxmlformats.org/markup-compatibility/2006" xmlns:a14="http://schemas.microsoft.com/office/drawing/2010/main">
+        <mc:Choice Requires="a14">
           <p:sp>
             <p:nvSpPr>
               <p:cNvPr id="14" name="テキスト ボックス 13">
@@ -11990,7 +12135,7 @@
             </p:txBody>
           </p:sp>
         </mc:Choice>
-        <mc:Fallback>
+        <mc:Fallback xmlns="">
           <p:sp>
             <p:nvSpPr>
               <p:cNvPr id="14" name="テキスト ボックス 13">
@@ -12035,8 +12180,8 @@
           </p:sp>
         </mc:Fallback>
       </mc:AlternateContent>
-      <mc:AlternateContent xmlns:mc="http://schemas.openxmlformats.org/markup-compatibility/2006">
-        <mc:Choice xmlns:a14="http://schemas.microsoft.com/office/drawing/2010/main" Requires="a14">
+      <mc:AlternateContent xmlns:mc="http://schemas.openxmlformats.org/markup-compatibility/2006" xmlns:a14="http://schemas.microsoft.com/office/drawing/2010/main">
+        <mc:Choice Requires="a14">
           <p:sp>
             <p:nvSpPr>
               <p:cNvPr id="15" name="テキスト ボックス 14">
@@ -12151,7 +12296,7 @@
             </p:txBody>
           </p:sp>
         </mc:Choice>
-        <mc:Fallback>
+        <mc:Fallback xmlns="">
           <p:sp>
             <p:nvSpPr>
               <p:cNvPr id="15" name="テキスト ボックス 14">
@@ -12196,8 +12341,8 @@
           </p:sp>
         </mc:Fallback>
       </mc:AlternateContent>
-      <mc:AlternateContent xmlns:mc="http://schemas.openxmlformats.org/markup-compatibility/2006">
-        <mc:Choice xmlns:a14="http://schemas.microsoft.com/office/drawing/2010/main" Requires="a14">
+      <mc:AlternateContent xmlns:mc="http://schemas.openxmlformats.org/markup-compatibility/2006" xmlns:a14="http://schemas.microsoft.com/office/drawing/2010/main">
+        <mc:Choice Requires="a14">
           <p:sp>
             <p:nvSpPr>
               <p:cNvPr id="16" name="テキスト ボックス 15">
@@ -12357,7 +12502,7 @@
             </p:txBody>
           </p:sp>
         </mc:Choice>
-        <mc:Fallback>
+        <mc:Fallback xmlns="">
           <p:sp>
             <p:nvSpPr>
               <p:cNvPr id="16" name="テキスト ボックス 15">
@@ -12437,8 +12582,8 @@
           </a:p>
         </p:txBody>
       </p:sp>
-      <mc:AlternateContent xmlns:mc="http://schemas.openxmlformats.org/markup-compatibility/2006">
-        <mc:Choice xmlns:a14="http://schemas.microsoft.com/office/drawing/2010/main" Requires="a14">
+      <mc:AlternateContent xmlns:mc="http://schemas.openxmlformats.org/markup-compatibility/2006" xmlns:a14="http://schemas.microsoft.com/office/drawing/2010/main">
+        <mc:Choice Requires="a14">
           <p:sp>
             <p:nvSpPr>
               <p:cNvPr id="19" name="テキスト ボックス 18">
@@ -12554,7 +12699,7 @@
             </p:txBody>
           </p:sp>
         </mc:Choice>
-        <mc:Fallback>
+        <mc:Fallback xmlns="">
           <p:sp>
             <p:nvSpPr>
               <p:cNvPr id="19" name="テキスト ボックス 18">
@@ -12689,8 +12834,8 @@
           </a:p>
         </p:txBody>
       </p:sp>
-      <mc:AlternateContent xmlns:mc="http://schemas.openxmlformats.org/markup-compatibility/2006">
-        <mc:Choice xmlns:a14="http://schemas.microsoft.com/office/drawing/2010/main" Requires="a14">
+      <mc:AlternateContent xmlns:mc="http://schemas.openxmlformats.org/markup-compatibility/2006" xmlns:a14="http://schemas.microsoft.com/office/drawing/2010/main">
+        <mc:Choice Requires="a14">
           <p:sp>
             <p:nvSpPr>
               <p:cNvPr id="22" name="テキスト ボックス 21">
@@ -13047,7 +13192,7 @@
             </p:txBody>
           </p:sp>
         </mc:Choice>
-        <mc:Fallback>
+        <mc:Fallback xmlns="">
           <p:sp>
             <p:nvSpPr>
               <p:cNvPr id="22" name="テキスト ボックス 21">
@@ -20947,8 +21092,8 @@
           </p:sp>
         </mc:Fallback>
       </mc:AlternateContent>
-      <mc:AlternateContent xmlns:mc="http://schemas.openxmlformats.org/markup-compatibility/2006" xmlns:a14="http://schemas.microsoft.com/office/drawing/2010/main">
-        <mc:Choice Requires="a14">
+      <mc:AlternateContent xmlns:mc="http://schemas.openxmlformats.org/markup-compatibility/2006">
+        <mc:Choice xmlns:a14="http://schemas.microsoft.com/office/drawing/2010/main" Requires="a14">
           <p:sp>
             <p:nvSpPr>
               <p:cNvPr id="6" name="テキスト ボックス 5">
@@ -21113,10 +21258,10 @@
                       <m:t>=</m:t>
                     </m:r>
                     <m:r>
-                      <a:rPr lang="en-US" altLang="ja-JP" b="1" i="1">
+                      <a:rPr lang="en-US" altLang="ja-JP" b="1" i="1" smtClean="0">
                         <a:latin typeface="Cambria Math" panose="02040503050406030204" pitchFamily="18" charset="0"/>
                       </a:rPr>
-                      <m:t>𝒗</m:t>
+                      <m:t>𝑽</m:t>
                     </m:r>
                     <m:d>
                       <m:dPr>
@@ -21159,6 +21304,18 @@
                         </m:r>
                       </m:e>
                     </m:d>
+                    <m:r>
+                      <a:rPr lang="en-US" altLang="ja-JP" b="0" i="1" smtClean="0">
+                        <a:latin typeface="Cambria Math" panose="02040503050406030204" pitchFamily="18" charset="0"/>
+                      </a:rPr>
+                      <m:t>=</m:t>
+                    </m:r>
+                    <m:r>
+                      <a:rPr lang="en-US" altLang="ja-JP" b="1" i="1" smtClean="0">
+                        <a:latin typeface="Cambria Math" panose="02040503050406030204" pitchFamily="18" charset="0"/>
+                      </a:rPr>
+                      <m:t>𝒗</m:t>
+                    </m:r>
                   </m:oMath>
                 </a14:m>
                 <a:r>
@@ -21170,7 +21327,7 @@
             </p:txBody>
           </p:sp>
         </mc:Choice>
-        <mc:Fallback xmlns="">
+        <mc:Fallback>
           <p:sp>
             <p:nvSpPr>
               <p:cNvPr id="6" name="テキスト ボックス 5">

--- a/docs/中間発表.pptx
+++ b/docs/中間発表.pptx
@@ -5,7 +5,7 @@
     <p:sldMasterId id="2147483738" r:id="rId1"/>
   </p:sldMasterIdLst>
   <p:notesMasterIdLst>
-    <p:notesMasterId r:id="rId21"/>
+    <p:notesMasterId r:id="rId20"/>
   </p:notesMasterIdLst>
   <p:sldIdLst>
     <p:sldId id="256" r:id="rId2"/>
@@ -23,10 +23,9 @@
     <p:sldId id="274" r:id="rId14"/>
     <p:sldId id="271" r:id="rId15"/>
     <p:sldId id="268" r:id="rId16"/>
-    <p:sldId id="259" r:id="rId17"/>
-    <p:sldId id="261" r:id="rId18"/>
-    <p:sldId id="260" r:id="rId19"/>
-    <p:sldId id="262" r:id="rId20"/>
+    <p:sldId id="261" r:id="rId17"/>
+    <p:sldId id="260" r:id="rId18"/>
+    <p:sldId id="262" r:id="rId19"/>
   </p:sldIdLst>
   <p:sldSz cx="12192000" cy="6858000"/>
   <p:notesSz cx="6858000" cy="9144000"/>
@@ -218,7 +217,7 @@
           <a:p>
             <a:fld id="{CE120EBB-8C6C-4DEA-8F69-236F8EB798F4}" type="datetimeFigureOut">
               <a:rPr kumimoji="1" lang="ja-JP" altLang="en-US" smtClean="0"/>
-              <a:t>2020/10/5</a:t>
+              <a:t>2020/10/6</a:t>
             </a:fld>
             <a:endParaRPr kumimoji="1" lang="ja-JP" altLang="en-US"/>
           </a:p>
@@ -648,10 +647,7 @@
           <a:bodyPr/>
           <a:lstStyle/>
           <a:p>
-            <a:r>
-              <a:rPr kumimoji="1" lang="ja-JP" altLang="en-US" dirty="0"/>
-              <a:t>現状どこまで進んでいるか。結果だけ紹介して、改善策は次のスライドから。</a:t>
-            </a:r>
+            <a:endParaRPr kumimoji="1" lang="ja-JP" altLang="en-US" dirty="0"/>
           </a:p>
         </p:txBody>
       </p:sp>
@@ -672,91 +668,7 @@
           <a:p>
             <a:fld id="{54FC74C9-A3B3-42D0-9EC6-DE7CEAAF28CE}" type="slidenum">
               <a:rPr kumimoji="1" lang="ja-JP" altLang="en-US" smtClean="0"/>
-              <a:t>16</a:t>
-            </a:fld>
-            <a:endParaRPr kumimoji="1" lang="ja-JP" altLang="en-US"/>
-          </a:p>
-        </p:txBody>
-      </p:sp>
-    </p:spTree>
-    <p:extLst>
-      <p:ext uri="{BB962C8B-B14F-4D97-AF65-F5344CB8AC3E}">
-        <p14:creationId xmlns:p14="http://schemas.microsoft.com/office/powerpoint/2010/main" val="786945491"/>
-      </p:ext>
-    </p:extLst>
-  </p:cSld>
-  <p:clrMapOvr>
-    <a:masterClrMapping/>
-  </p:clrMapOvr>
-</p:notes>
-</file>
-
-<file path=ppt/notesSlides/notesSlide11.xml><?xml version="1.0" encoding="utf-8"?>
-<p:notes xmlns:a="http://schemas.openxmlformats.org/drawingml/2006/main" xmlns:r="http://schemas.openxmlformats.org/officeDocument/2006/relationships" xmlns:p="http://schemas.openxmlformats.org/presentationml/2006/main">
-  <p:cSld>
-    <p:spTree>
-      <p:nvGrpSpPr>
-        <p:cNvPr id="1" name=""/>
-        <p:cNvGrpSpPr/>
-        <p:nvPr/>
-      </p:nvGrpSpPr>
-      <p:grpSpPr>
-        <a:xfrm>
-          <a:off x="0" y="0"/>
-          <a:ext cx="0" cy="0"/>
-          <a:chOff x="0" y="0"/>
-          <a:chExt cx="0" cy="0"/>
-        </a:xfrm>
-      </p:grpSpPr>
-      <p:sp>
-        <p:nvSpPr>
-          <p:cNvPr id="2" name="スライド イメージ プレースホルダー 1"/>
-          <p:cNvSpPr>
-            <a:spLocks noGrp="1" noRot="1" noChangeAspect="1"/>
-          </p:cNvSpPr>
-          <p:nvPr>
-            <p:ph type="sldImg"/>
-          </p:nvPr>
-        </p:nvSpPr>
-        <p:spPr/>
-      </p:sp>
-      <p:sp>
-        <p:nvSpPr>
-          <p:cNvPr id="3" name="ノート プレースホルダー 2"/>
-          <p:cNvSpPr>
-            <a:spLocks noGrp="1"/>
-          </p:cNvSpPr>
-          <p:nvPr>
-            <p:ph type="body" idx="1"/>
-          </p:nvPr>
-        </p:nvSpPr>
-        <p:spPr/>
-        <p:txBody>
-          <a:bodyPr/>
-          <a:lstStyle/>
-          <a:p>
-            <a:endParaRPr kumimoji="1" lang="ja-JP" altLang="en-US" dirty="0"/>
-          </a:p>
-        </p:txBody>
-      </p:sp>
-      <p:sp>
-        <p:nvSpPr>
-          <p:cNvPr id="4" name="スライド番号プレースホルダー 3"/>
-          <p:cNvSpPr>
-            <a:spLocks noGrp="1"/>
-          </p:cNvSpPr>
-          <p:nvPr>
-            <p:ph type="sldNum" sz="quarter" idx="5"/>
-          </p:nvPr>
-        </p:nvSpPr>
-        <p:spPr/>
-        <p:txBody>
-          <a:bodyPr/>
-          <a:lstStyle/>
-          <a:p>
-            <a:fld id="{54FC74C9-A3B3-42D0-9EC6-DE7CEAAF28CE}" type="slidenum">
-              <a:rPr kumimoji="1" lang="ja-JP" altLang="en-US" smtClean="0"/>
-              <a:t>19</a:t>
+              <a:t>18</a:t>
             </a:fld>
             <a:endParaRPr kumimoji="1" lang="ja-JP" altLang="en-US"/>
           </a:p>
@@ -1606,7 +1518,7 @@
           <a:p>
             <a:fld id="{E96D9F0A-2578-410E-B32A-F089453602AE}" type="datetimeFigureOut">
               <a:rPr kumimoji="1" lang="ja-JP" altLang="en-US" smtClean="0"/>
-              <a:t>2020/10/5</a:t>
+              <a:t>2020/10/6</a:t>
             </a:fld>
             <a:endParaRPr kumimoji="1" lang="ja-JP" altLang="en-US"/>
           </a:p>
@@ -1836,7 +1748,7 @@
           <a:p>
             <a:fld id="{E96D9F0A-2578-410E-B32A-F089453602AE}" type="datetimeFigureOut">
               <a:rPr kumimoji="1" lang="ja-JP" altLang="en-US" smtClean="0"/>
-              <a:t>2020/10/5</a:t>
+              <a:t>2020/10/6</a:t>
             </a:fld>
             <a:endParaRPr kumimoji="1" lang="ja-JP" altLang="en-US"/>
           </a:p>
@@ -2076,7 +1988,7 @@
           <a:p>
             <a:fld id="{E96D9F0A-2578-410E-B32A-F089453602AE}" type="datetimeFigureOut">
               <a:rPr kumimoji="1" lang="ja-JP" altLang="en-US" smtClean="0"/>
-              <a:t>2020/10/5</a:t>
+              <a:t>2020/10/6</a:t>
             </a:fld>
             <a:endParaRPr kumimoji="1" lang="ja-JP" altLang="en-US"/>
           </a:p>
@@ -2306,7 +2218,7 @@
           <a:p>
             <a:fld id="{E96D9F0A-2578-410E-B32A-F089453602AE}" type="datetimeFigureOut">
               <a:rPr kumimoji="1" lang="ja-JP" altLang="en-US" smtClean="0"/>
-              <a:t>2020/10/5</a:t>
+              <a:t>2020/10/6</a:t>
             </a:fld>
             <a:endParaRPr kumimoji="1" lang="ja-JP" altLang="en-US"/>
           </a:p>
@@ -2581,7 +2493,7 @@
           <a:p>
             <a:fld id="{E96D9F0A-2578-410E-B32A-F089453602AE}" type="datetimeFigureOut">
               <a:rPr kumimoji="1" lang="ja-JP" altLang="en-US" smtClean="0"/>
-              <a:t>2020/10/5</a:t>
+              <a:t>2020/10/6</a:t>
             </a:fld>
             <a:endParaRPr kumimoji="1" lang="ja-JP" altLang="en-US"/>
           </a:p>
@@ -2910,7 +2822,7 @@
           <a:p>
             <a:fld id="{E96D9F0A-2578-410E-B32A-F089453602AE}" type="datetimeFigureOut">
               <a:rPr kumimoji="1" lang="ja-JP" altLang="en-US" smtClean="0"/>
-              <a:t>2020/10/5</a:t>
+              <a:t>2020/10/6</a:t>
             </a:fld>
             <a:endParaRPr kumimoji="1" lang="ja-JP" altLang="en-US"/>
           </a:p>
@@ -3386,7 +3298,7 @@
           <a:p>
             <a:fld id="{E96D9F0A-2578-410E-B32A-F089453602AE}" type="datetimeFigureOut">
               <a:rPr kumimoji="1" lang="ja-JP" altLang="en-US" smtClean="0"/>
-              <a:t>2020/10/5</a:t>
+              <a:t>2020/10/6</a:t>
             </a:fld>
             <a:endParaRPr kumimoji="1" lang="ja-JP" altLang="en-US"/>
           </a:p>
@@ -3527,7 +3439,7 @@
           <a:p>
             <a:fld id="{E96D9F0A-2578-410E-B32A-F089453602AE}" type="datetimeFigureOut">
               <a:rPr kumimoji="1" lang="ja-JP" altLang="en-US" smtClean="0"/>
-              <a:t>2020/10/5</a:t>
+              <a:t>2020/10/6</a:t>
             </a:fld>
             <a:endParaRPr kumimoji="1" lang="ja-JP" altLang="en-US"/>
           </a:p>
@@ -3640,7 +3552,7 @@
           <a:p>
             <a:fld id="{E96D9F0A-2578-410E-B32A-F089453602AE}" type="datetimeFigureOut">
               <a:rPr kumimoji="1" lang="ja-JP" altLang="en-US" smtClean="0"/>
-              <a:t>2020/10/5</a:t>
+              <a:t>2020/10/6</a:t>
             </a:fld>
             <a:endParaRPr kumimoji="1" lang="ja-JP" altLang="en-US"/>
           </a:p>
@@ -3983,7 +3895,7 @@
           <a:p>
             <a:fld id="{E96D9F0A-2578-410E-B32A-F089453602AE}" type="datetimeFigureOut">
               <a:rPr kumimoji="1" lang="ja-JP" altLang="en-US" smtClean="0"/>
-              <a:t>2020/10/5</a:t>
+              <a:t>2020/10/6</a:t>
             </a:fld>
             <a:endParaRPr kumimoji="1" lang="ja-JP" altLang="en-US"/>
           </a:p>
@@ -4271,7 +4183,7 @@
           <a:p>
             <a:fld id="{E96D9F0A-2578-410E-B32A-F089453602AE}" type="datetimeFigureOut">
               <a:rPr kumimoji="1" lang="ja-JP" altLang="en-US" smtClean="0"/>
-              <a:t>2020/10/5</a:t>
+              <a:t>2020/10/6</a:t>
             </a:fld>
             <a:endParaRPr kumimoji="1" lang="ja-JP" altLang="en-US"/>
           </a:p>
@@ -4544,7 +4456,7 @@
           <a:p>
             <a:fld id="{E96D9F0A-2578-410E-B32A-F089453602AE}" type="datetimeFigureOut">
               <a:rPr kumimoji="1" lang="ja-JP" altLang="en-US" smtClean="0"/>
-              <a:t>2020/10/5</a:t>
+              <a:t>2020/10/6</a:t>
             </a:fld>
             <a:endParaRPr kumimoji="1" lang="ja-JP" altLang="en-US"/>
           </a:p>
@@ -5860,7 +5772,7 @@
           <a:p>
             <a:r>
               <a:rPr lang="en-US" altLang="ja-JP" dirty="0"/>
-              <a:t>y </a:t>
+              <a:t>z </a:t>
             </a:r>
             <a:endParaRPr kumimoji="1" lang="ja-JP" altLang="en-US" dirty="0"/>
           </a:p>
@@ -6083,8 +5995,8 @@
           </a:p>
         </p:txBody>
       </p:sp>
-      <mc:AlternateContent xmlns:mc="http://schemas.openxmlformats.org/markup-compatibility/2006">
-        <mc:Choice xmlns:a14="http://schemas.microsoft.com/office/drawing/2010/main" Requires="a14">
+      <mc:AlternateContent xmlns:mc="http://schemas.openxmlformats.org/markup-compatibility/2006" xmlns:a14="http://schemas.microsoft.com/office/drawing/2010/main">
+        <mc:Choice Requires="a14">
           <p:sp>
             <p:nvSpPr>
               <p:cNvPr id="46" name="テキスト ボックス 45">
@@ -6248,7 +6160,7 @@
             </p:txBody>
           </p:sp>
         </mc:Choice>
-        <mc:Fallback>
+        <mc:Fallback xmlns="">
           <p:sp>
             <p:nvSpPr>
               <p:cNvPr id="46" name="テキスト ボックス 45">
@@ -6331,22 +6243,16 @@
                     </m:oMathParaPr>
                     <m:oMath xmlns:m="http://schemas.openxmlformats.org/officeDocument/2006/math">
                       <m:r>
-                        <a:rPr lang="en-US" altLang="ja-JP" b="1" i="1" smtClean="0">
+                        <a:rPr lang="en-US" altLang="ja-JP" b="0" i="1" smtClean="0">
                           <a:latin typeface="Cambria Math" panose="02040503050406030204" pitchFamily="18" charset="0"/>
                         </a:rPr>
-                        <m:t>𝒓</m:t>
+                        <m:t>𝑟</m:t>
                       </m:r>
                       <m:r>
                         <a:rPr lang="en-US" altLang="ja-JP" b="0" i="1" smtClean="0">
                           <a:latin typeface="Cambria Math" panose="02040503050406030204" pitchFamily="18" charset="0"/>
                         </a:rPr>
-                        <m:t> </m:t>
-                      </m:r>
-                      <m:r>
-                        <a:rPr kumimoji="1" lang="en-US" altLang="ja-JP" b="0" i="1" smtClean="0">
-                          <a:latin typeface="Cambria Math" panose="02040503050406030204" pitchFamily="18" charset="0"/>
-                        </a:rPr>
-                        <m:t>=</m:t>
+                        <m:t> =</m:t>
                       </m:r>
                       <m:f>
                         <m:fPr>
@@ -6586,7 +6492,7 @@
                                     <a:rPr lang="en-US" altLang="ja-JP" b="0" i="1" smtClean="0">
                                       <a:latin typeface="Cambria Math" panose="02040503050406030204" pitchFamily="18" charset="0"/>
                                     </a:rPr>
-                                    <m:t>𝑦</m:t>
+                                    <m:t>𝑧</m:t>
                                   </m:r>
                                 </m:sub>
                               </m:sSub>
@@ -6690,7 +6596,7 @@
               <a:blipFill>
                 <a:blip r:embed="rId4"/>
                 <a:stretch>
-                  <a:fillRect b="-980"/>
+                  <a:fillRect/>
                 </a:stretch>
               </a:blipFill>
             </p:spPr>
@@ -6983,8 +6889,8 @@
           <a:lstStyle/>
           <a:p>
             <a:r>
-              <a:rPr lang="en-US" altLang="ja-JP" dirty="0"/>
-              <a:t>x </a:t>
+              <a:rPr kumimoji="1" lang="en-US" altLang="ja-JP" dirty="0"/>
+              <a:t>z</a:t>
             </a:r>
             <a:endParaRPr kumimoji="1" lang="ja-JP" altLang="en-US" dirty="0"/>
           </a:p>
@@ -7220,7 +7126,7 @@
             <p:spPr>
               <a:xfrm>
                 <a:off x="2986234" y="2429105"/>
-                <a:ext cx="1379160" cy="818366"/>
+                <a:ext cx="1364541" cy="818366"/>
               </a:xfrm>
               <a:prstGeom prst="rect">
                 <a:avLst/>
@@ -7303,7 +7209,7 @@
                                     <a:rPr kumimoji="1" lang="en-US" altLang="ja-JP" b="0" i="1" smtClean="0">
                                       <a:latin typeface="Cambria Math" panose="02040503050406030204" pitchFamily="18" charset="0"/>
                                     </a:rPr>
-                                    <m:t>𝑥</m:t>
+                                    <m:t>𝑧</m:t>
                                   </m:r>
                                 </m:e>
                                 <m:sub>
@@ -7353,7 +7259,7 @@
             <p:spPr>
               <a:xfrm>
                 <a:off x="2986234" y="2429105"/>
-                <a:ext cx="1379160" cy="818366"/>
+                <a:ext cx="1364541" cy="818366"/>
               </a:xfrm>
               <a:prstGeom prst="rect">
                 <a:avLst/>
@@ -7455,7 +7361,7 @@
                             <a:rPr kumimoji="1" lang="en-US" altLang="ja-JP" b="0" i="1" smtClean="0">
                               <a:latin typeface="Cambria Math" panose="02040503050406030204" pitchFamily="18" charset="0"/>
                             </a:rPr>
-                            <m:t>𝑥</m:t>
+                            <m:t>𝑧</m:t>
                           </m:r>
                         </m:num>
                         <m:den>
@@ -7587,7 +7493,7 @@
             <p:spPr>
               <a:xfrm>
                 <a:off x="3166305" y="6251007"/>
-                <a:ext cx="1578509" cy="276999"/>
+                <a:ext cx="1554335" cy="276999"/>
               </a:xfrm>
               <a:prstGeom prst="rect">
                 <a:avLst/>
@@ -7623,7 +7529,7 @@
                             <a:rPr kumimoji="1" lang="en-US" altLang="ja-JP" b="0" i="0" smtClean="0">
                               <a:latin typeface="Cambria Math" panose="02040503050406030204" pitchFamily="18" charset="0"/>
                             </a:rPr>
-                            <m:t>x</m:t>
+                            <m:t>z</m:t>
                           </m:r>
                         </m:e>
                         <m:sub>
@@ -7682,7 +7588,7 @@
             <p:spPr>
               <a:xfrm>
                 <a:off x="3166305" y="6251007"/>
-                <a:ext cx="1578509" cy="276999"/>
+                <a:ext cx="1554335" cy="276999"/>
               </a:xfrm>
               <a:prstGeom prst="rect">
                 <a:avLst/>
@@ -7690,7 +7596,7 @@
               <a:blipFill>
                 <a:blip r:embed="rId7"/>
                 <a:stretch>
-                  <a:fillRect l="-1158" t="-2174" r="-4633" b="-36957"/>
+                  <a:fillRect l="-1176" t="-2174" r="-5098" b="-36957"/>
                 </a:stretch>
               </a:blipFill>
             </p:spPr>
@@ -7923,152 +7829,6 @@
   <p:clrMapOvr>
     <a:masterClrMapping/>
   </p:clrMapOvr>
-  <p:timing>
-    <p:tnLst>
-      <p:par>
-        <p:cTn id="1" dur="indefinite" restart="never" nodeType="tmRoot">
-          <p:childTnLst>
-            <p:seq concurrent="1" nextAc="seek">
-              <p:cTn id="2" dur="indefinite" nodeType="mainSeq">
-                <p:childTnLst>
-                  <p:par>
-                    <p:cTn id="3" fill="hold">
-                      <p:stCondLst>
-                        <p:cond delay="indefinite"/>
-                      </p:stCondLst>
-                      <p:childTnLst>
-                        <p:par>
-                          <p:cTn id="4" fill="hold">
-                            <p:stCondLst>
-                              <p:cond delay="0"/>
-                            </p:stCondLst>
-                            <p:childTnLst>
-                              <p:par>
-                                <p:cTn id="5" presetID="42" presetClass="path" presetSubtype="0" accel="50000" decel="50000" fill="hold" grpId="0" nodeType="clickEffect">
-                                  <p:stCondLst>
-                                    <p:cond delay="0"/>
-                                  </p:stCondLst>
-                                  <p:childTnLst>
-                                    <p:animMotion origin="layout" path="M -4.16667E-7 1.11111E-6 L 0.26094 0.00185 " pathEditMode="relative" rAng="0" ptsTypes="AA">
-                                      <p:cBhvr>
-                                        <p:cTn id="6" dur="2000" fill="hold"/>
-                                        <p:tgtEl>
-                                          <p:spTgt spid="16"/>
-                                        </p:tgtEl>
-                                        <p:attrNameLst>
-                                          <p:attrName>ppt_x</p:attrName>
-                                          <p:attrName>ppt_y</p:attrName>
-                                        </p:attrNameLst>
-                                      </p:cBhvr>
-                                      <p:rCtr x="13047" y="93"/>
-                                    </p:animMotion>
-                                  </p:childTnLst>
-                                </p:cTn>
-                              </p:par>
-                            </p:childTnLst>
-                          </p:cTn>
-                        </p:par>
-                      </p:childTnLst>
-                    </p:cTn>
-                  </p:par>
-                  <p:par>
-                    <p:cTn id="7" fill="hold">
-                      <p:stCondLst>
-                        <p:cond delay="indefinite"/>
-                      </p:stCondLst>
-                      <p:childTnLst>
-                        <p:par>
-                          <p:cTn id="8" fill="hold">
-                            <p:stCondLst>
-                              <p:cond delay="0"/>
-                            </p:stCondLst>
-                            <p:childTnLst>
-                              <p:par>
-                                <p:cTn id="9" presetID="1" presetClass="path" presetSubtype="0" accel="50000" fill="hold" grpId="0" nodeType="clickEffect">
-                                  <p:stCondLst>
-                                    <p:cond delay="0"/>
-                                  </p:stCondLst>
-                                  <p:childTnLst>
-                                    <p:animMotion origin="layout" path="M 1.11022E-16 1.11111E-6 C 0.06901 1.11111E-6 0.125 0.09074 0.125 0.20255 C 0.125 0.31435 0.06901 0.40532 1.11022E-16 0.40532 C -0.06901 0.40532 -0.125 0.31435 -0.125 0.20255 C -0.125 0.09074 -0.06901 1.11111E-6 1.11022E-16 1.11111E-6 Z " pathEditMode="fixed" rAng="0" ptsTypes="AAAAA">
-                                      <p:cBhvr>
-                                        <p:cTn id="10" dur="2000" fill="hold"/>
-                                        <p:tgtEl>
-                                          <p:spTgt spid="18"/>
-                                        </p:tgtEl>
-                                        <p:attrNameLst>
-                                          <p:attrName>ppt_x</p:attrName>
-                                          <p:attrName>ppt_y</p:attrName>
-                                        </p:attrNameLst>
-                                      </p:cBhvr>
-                                      <p:rCtr x="0" y="20255"/>
-                                    </p:animMotion>
-                                  </p:childTnLst>
-                                </p:cTn>
-                              </p:par>
-                            </p:childTnLst>
-                          </p:cTn>
-                        </p:par>
-                        <p:par>
-                          <p:cTn id="11" fill="hold">
-                            <p:stCondLst>
-                              <p:cond delay="2000"/>
-                            </p:stCondLst>
-                            <p:childTnLst>
-                              <p:par>
-                                <p:cTn id="12" presetID="1" presetClass="path" presetSubtype="0" fill="hold" grpId="1" nodeType="afterEffect">
-                                  <p:stCondLst>
-                                    <p:cond delay="0"/>
-                                  </p:stCondLst>
-                                  <p:childTnLst>
-                                    <p:animMotion origin="layout" path="M 1.11022E-16 1.11111E-6 C 0.06901 1.11111E-6 0.125 0.09074 0.125 0.20255 C 0.125 0.31435 0.06901 0.40532 1.11022E-16 0.40532 C -0.06901 0.40532 -0.125 0.31435 -0.125 0.20255 C -0.125 0.09074 -0.06901 1.11111E-6 1.11022E-16 1.11111E-6 Z " pathEditMode="fixed" rAng="0" ptsTypes="AAAAA">
-                                      <p:cBhvr>
-                                        <p:cTn id="13" dur="2000" fill="hold"/>
-                                        <p:tgtEl>
-                                          <p:spTgt spid="18"/>
-                                        </p:tgtEl>
-                                        <p:attrNameLst>
-                                          <p:attrName>ppt_x</p:attrName>
-                                          <p:attrName>ppt_y</p:attrName>
-                                        </p:attrNameLst>
-                                      </p:cBhvr>
-                                      <p:rCtr x="0" y="20255"/>
-                                    </p:animMotion>
-                                  </p:childTnLst>
-                                </p:cTn>
-                              </p:par>
-                            </p:childTnLst>
-                          </p:cTn>
-                        </p:par>
-                      </p:childTnLst>
-                    </p:cTn>
-                  </p:par>
-                </p:childTnLst>
-              </p:cTn>
-              <p:prevCondLst>
-                <p:cond evt="onPrev" delay="0">
-                  <p:tgtEl>
-                    <p:sldTgt/>
-                  </p:tgtEl>
-                </p:cond>
-              </p:prevCondLst>
-              <p:nextCondLst>
-                <p:cond evt="onNext" delay="0">
-                  <p:tgtEl>
-                    <p:sldTgt/>
-                  </p:tgtEl>
-                </p:cond>
-              </p:nextCondLst>
-            </p:seq>
-          </p:childTnLst>
-        </p:cTn>
-      </p:par>
-    </p:tnLst>
-    <p:bldLst>
-      <p:bldP spid="18" grpId="0" animBg="1"/>
-      <p:bldP spid="18" grpId="1" animBg="1"/>
-      <p:bldP spid="16" grpId="0" animBg="1"/>
-    </p:bldLst>
-  </p:timing>
 </p:sld>
 </file>
 
@@ -8111,13 +7871,13 @@
               </a:ext>
             </a:extLst>
           </a:blip>
-          <a:srcRect t="6166" r="66366" b="41396"/>
+          <a:srcRect l="1" t="6166" r="65791" b="41396"/>
           <a:stretch/>
         </p:blipFill>
         <p:spPr>
           <a:xfrm>
             <a:off x="-1" y="1187785"/>
-            <a:ext cx="6948025" cy="5670216"/>
+            <a:ext cx="7066724" cy="5670216"/>
           </a:xfrm>
           <a:prstGeom prst="rect">
             <a:avLst/>
@@ -8167,14 +7927,148 @@
           </a:fontRef>
         </p:style>
       </p:cxnSp>
-      <mc:AlternateContent xmlns:mc="http://schemas.openxmlformats.org/markup-compatibility/2006" xmlns:a14="http://schemas.microsoft.com/office/drawing/2010/main">
-        <mc:Choice Requires="a14">
+      <p:sp>
+        <p:nvSpPr>
+          <p:cNvPr id="7" name="テキスト ボックス 6">
+            <a:extLst>
+              <a:ext uri="{FF2B5EF4-FFF2-40B4-BE49-F238E27FC236}">
+                <a16:creationId xmlns:a16="http://schemas.microsoft.com/office/drawing/2014/main" id="{77CF5430-0E39-46A4-B633-1A27C10657F2}"/>
+              </a:ext>
+            </a:extLst>
+          </p:cNvPr>
+          <p:cNvSpPr txBox="1"/>
+          <p:nvPr/>
+        </p:nvSpPr>
+        <p:spPr>
+          <a:xfrm>
+            <a:off x="304800" y="286746"/>
+            <a:ext cx="8006080" cy="461665"/>
+          </a:xfrm>
+          <a:prstGeom prst="rect">
+            <a:avLst/>
+          </a:prstGeom>
+          <a:noFill/>
+        </p:spPr>
+        <p:txBody>
+          <a:bodyPr wrap="square" rtlCol="0">
+            <a:spAutoFit/>
+          </a:bodyPr>
+          <a:lstStyle/>
+          <a:p>
+            <a:r>
+              <a:rPr lang="ja-JP" altLang="en-US" sz="2400" dirty="0"/>
+              <a:t>電場</a:t>
+            </a:r>
+            <a:r>
+              <a:rPr kumimoji="1" lang="ja-JP" altLang="en-US" sz="2400" dirty="0"/>
+              <a:t>のテスト結果</a:t>
+            </a:r>
+          </a:p>
+        </p:txBody>
+      </p:sp>
+      <p:sp>
+        <p:nvSpPr>
+          <p:cNvPr id="2" name="テキスト ボックス 1">
+            <a:extLst>
+              <a:ext uri="{FF2B5EF4-FFF2-40B4-BE49-F238E27FC236}">
+                <a16:creationId xmlns:a16="http://schemas.microsoft.com/office/drawing/2014/main" id="{0BB895EE-5ED4-4E36-BB26-8F964C757763}"/>
+              </a:ext>
+            </a:extLst>
+          </p:cNvPr>
+          <p:cNvSpPr txBox="1"/>
+          <p:nvPr/>
+        </p:nvSpPr>
+        <p:spPr>
+          <a:xfrm>
+            <a:off x="7484165" y="1318988"/>
+            <a:ext cx="4333461" cy="5355312"/>
+          </a:xfrm>
+          <a:prstGeom prst="rect">
+            <a:avLst/>
+          </a:prstGeom>
+          <a:noFill/>
+          <a:ln w="19050">
+            <a:solidFill>
+              <a:schemeClr val="tx1"/>
+            </a:solidFill>
+          </a:ln>
+        </p:spPr>
+        <p:txBody>
+          <a:bodyPr wrap="square" rtlCol="0">
+            <a:spAutoFit/>
+          </a:bodyPr>
+          <a:lstStyle/>
+          <a:p>
+            <a:r>
+              <a:rPr kumimoji="1" lang="ja-JP" altLang="en-US" dirty="0"/>
+              <a:t>設定と初期条件</a:t>
+            </a:r>
+            <a:endParaRPr kumimoji="1" lang="en-US" altLang="ja-JP" dirty="0"/>
+          </a:p>
+          <a:p>
+            <a:endParaRPr lang="en-US" altLang="ja-JP" dirty="0"/>
+          </a:p>
+          <a:p>
+            <a:endParaRPr kumimoji="1" lang="en-US" altLang="ja-JP" dirty="0"/>
+          </a:p>
+          <a:p>
+            <a:endParaRPr lang="en-US" altLang="ja-JP" dirty="0"/>
+          </a:p>
+          <a:p>
+            <a:endParaRPr kumimoji="1" lang="en-US" altLang="ja-JP" dirty="0"/>
+          </a:p>
+          <a:p>
+            <a:endParaRPr lang="en-US" altLang="ja-JP" dirty="0"/>
+          </a:p>
+          <a:p>
+            <a:endParaRPr kumimoji="1" lang="en-US" altLang="ja-JP" dirty="0"/>
+          </a:p>
+          <a:p>
+            <a:endParaRPr lang="en-US" altLang="ja-JP" dirty="0"/>
+          </a:p>
+          <a:p>
+            <a:endParaRPr kumimoji="1" lang="en-US" altLang="ja-JP" dirty="0"/>
+          </a:p>
+          <a:p>
+            <a:endParaRPr lang="en-US" altLang="ja-JP" dirty="0"/>
+          </a:p>
+          <a:p>
+            <a:endParaRPr kumimoji="1" lang="en-US" altLang="ja-JP" dirty="0"/>
+          </a:p>
+          <a:p>
+            <a:endParaRPr lang="en-US" altLang="ja-JP" dirty="0"/>
+          </a:p>
+          <a:p>
+            <a:endParaRPr kumimoji="1" lang="en-US" altLang="ja-JP" dirty="0"/>
+          </a:p>
+          <a:p>
+            <a:endParaRPr lang="en-US" altLang="ja-JP" dirty="0"/>
+          </a:p>
+          <a:p>
+            <a:endParaRPr kumimoji="1" lang="en-US" altLang="ja-JP" dirty="0"/>
+          </a:p>
+          <a:p>
+            <a:endParaRPr lang="en-US" altLang="ja-JP" dirty="0"/>
+          </a:p>
+          <a:p>
+            <a:endParaRPr kumimoji="1" lang="en-US" altLang="ja-JP" dirty="0"/>
+          </a:p>
+          <a:p>
+            <a:endParaRPr kumimoji="1" lang="en-US" altLang="ja-JP" dirty="0"/>
+          </a:p>
+          <a:p>
+            <a:endParaRPr kumimoji="1" lang="en-US" altLang="ja-JP" dirty="0"/>
+          </a:p>
+        </p:txBody>
+      </p:sp>
+      <mc:AlternateContent xmlns:mc="http://schemas.openxmlformats.org/markup-compatibility/2006">
+        <mc:Choice xmlns:a14="http://schemas.microsoft.com/office/drawing/2010/main" Requires="a14">
           <p:sp>
             <p:nvSpPr>
-              <p:cNvPr id="3" name="テキスト ボックス 2">
+              <p:cNvPr id="4" name="テキスト ボックス 3">
                 <a:extLst>
                   <a:ext uri="{FF2B5EF4-FFF2-40B4-BE49-F238E27FC236}">
-                    <a16:creationId xmlns:a16="http://schemas.microsoft.com/office/drawing/2014/main" id="{933BBF90-E96F-48AF-B389-DE7AC4C96F7E}"/>
+                    <a16:creationId xmlns:a16="http://schemas.microsoft.com/office/drawing/2014/main" id="{2314BC6D-5461-4EB1-B4D4-FF9D2C51052C}"/>
                   </a:ext>
                 </a:extLst>
               </p:cNvPr>
@@ -8183,8 +8077,8 @@
             </p:nvSpPr>
             <p:spPr>
               <a:xfrm>
-                <a:off x="7645137" y="1734532"/>
-                <a:ext cx="4091233" cy="646331"/>
+                <a:off x="7692887" y="1784421"/>
+                <a:ext cx="4124739" cy="4921797"/>
               </a:xfrm>
               <a:prstGeom prst="rect">
                 <a:avLst/>
@@ -8199,52 +8093,409 @@
               <a:p>
                 <a:r>
                   <a:rPr kumimoji="1" lang="ja-JP" altLang="en-US" dirty="0"/>
-                  <a:t>刻み幅を</a:t>
+                  <a:t>電場：</a:t>
+                </a:r>
+                <a:endParaRPr kumimoji="1" lang="en-US" altLang="ja-JP" dirty="0"/>
+              </a:p>
+              <a:p>
+                <a:r>
+                  <a:rPr kumimoji="1" lang="en-US" altLang="ja-JP" dirty="0"/>
+                  <a:t>(</a:t>
+                </a:r>
+                <a:r>
+                  <a:rPr kumimoji="1" lang="en-US" altLang="ja-JP" dirty="0" err="1"/>
+                  <a:t>x,y,z</a:t>
+                </a:r>
+                <a:r>
+                  <a:rPr kumimoji="1" lang="en-US" altLang="ja-JP" dirty="0"/>
+                  <a:t>) = (-0.1,-0.1,-0.1)[m]</a:t>
+                </a:r>
+                <a:r>
+                  <a:rPr kumimoji="1" lang="ja-JP" altLang="en-US" dirty="0"/>
+                  <a:t>から</a:t>
+                </a:r>
+                <a:endParaRPr kumimoji="1" lang="en-US" altLang="ja-JP" dirty="0"/>
+              </a:p>
+              <a:p>
+                <a:r>
+                  <a:rPr kumimoji="1" lang="en-US" altLang="ja-JP" dirty="0"/>
+                  <a:t>(</a:t>
+                </a:r>
+                <a:r>
+                  <a:rPr kumimoji="1" lang="en-US" altLang="ja-JP" dirty="0" err="1"/>
+                  <a:t>x,y,z</a:t>
+                </a:r>
+                <a:r>
+                  <a:rPr kumimoji="1" lang="en-US" altLang="ja-JP" dirty="0"/>
+                  <a:t>) = (1.0,1.0,1.0)[m]</a:t>
+                </a:r>
+                <a:r>
+                  <a:rPr kumimoji="1" lang="ja-JP" altLang="en-US" dirty="0"/>
+                  <a:t>の立方体内に一様電場</a:t>
+                </a:r>
+                <a14:m>
+                  <m:oMath xmlns:m="http://schemas.openxmlformats.org/officeDocument/2006/math">
+                    <m:r>
+                      <a:rPr kumimoji="1" lang="en-US" altLang="ja-JP" b="1" i="1" smtClean="0">
+                        <a:latin typeface="Cambria Math" panose="02040503050406030204" pitchFamily="18" charset="0"/>
+                      </a:rPr>
+                      <m:t>𝑬</m:t>
+                    </m:r>
+                    <m:r>
+                      <a:rPr kumimoji="1" lang="en-US" altLang="ja-JP" b="0" i="1" smtClean="0">
+                        <a:latin typeface="Cambria Math" panose="02040503050406030204" pitchFamily="18" charset="0"/>
+                      </a:rPr>
+                      <m:t>=</m:t>
+                    </m:r>
+                    <m:d>
+                      <m:dPr>
+                        <m:ctrlPr>
+                          <a:rPr kumimoji="1" lang="en-US" altLang="ja-JP" b="0" i="1" smtClean="0">
+                            <a:latin typeface="Cambria Math" panose="02040503050406030204" pitchFamily="18" charset="0"/>
+                          </a:rPr>
+                        </m:ctrlPr>
+                      </m:dPr>
+                      <m:e>
+                        <m:r>
+                          <a:rPr kumimoji="1" lang="en-US" altLang="ja-JP" b="0" i="1" smtClean="0">
+                            <a:latin typeface="Cambria Math" panose="02040503050406030204" pitchFamily="18" charset="0"/>
+                          </a:rPr>
+                          <m:t>0,0,</m:t>
+                        </m:r>
+                        <m:r>
+                          <a:rPr kumimoji="1" lang="en-US" altLang="ja-JP" b="0" i="1" smtClean="0">
+                            <a:latin typeface="Cambria Math" panose="02040503050406030204" pitchFamily="18" charset="0"/>
+                          </a:rPr>
+                          <m:t>50</m:t>
+                        </m:r>
+                        <m:r>
+                          <a:rPr kumimoji="1" lang="en-US" altLang="ja-JP" b="0" i="1" smtClean="0">
+                            <a:latin typeface="Cambria Math" panose="02040503050406030204" pitchFamily="18" charset="0"/>
+                          </a:rPr>
+                          <m:t>0</m:t>
+                        </m:r>
+                      </m:e>
+                    </m:d>
+                    <m:r>
+                      <a:rPr kumimoji="1" lang="en-US" altLang="ja-JP" b="0" i="0" smtClean="0">
+                        <a:latin typeface="Cambria Math" panose="02040503050406030204" pitchFamily="18" charset="0"/>
+                      </a:rPr>
+                      <m:t>[</m:t>
+                    </m:r>
+                    <m:f>
+                      <m:fPr>
+                        <m:ctrlPr>
+                          <a:rPr kumimoji="1" lang="en-US" altLang="ja-JP" b="0" smtClean="0">
+                            <a:latin typeface="Cambria Math" panose="02040503050406030204" pitchFamily="18" charset="0"/>
+                          </a:rPr>
+                        </m:ctrlPr>
+                      </m:fPr>
+                      <m:num>
+                        <m:r>
+                          <m:rPr>
+                            <m:sty m:val="p"/>
+                          </m:rPr>
+                          <a:rPr kumimoji="1" lang="en-US" altLang="ja-JP" b="0" i="0" smtClean="0">
+                            <a:latin typeface="Cambria Math" panose="02040503050406030204" pitchFamily="18" charset="0"/>
+                          </a:rPr>
+                          <m:t>V</m:t>
+                        </m:r>
+                      </m:num>
+                      <m:den>
+                        <m:r>
+                          <m:rPr>
+                            <m:sty m:val="p"/>
+                          </m:rPr>
+                          <a:rPr kumimoji="1" lang="en-US" altLang="ja-JP" b="0" i="0" smtClean="0">
+                            <a:latin typeface="Cambria Math" panose="02040503050406030204" pitchFamily="18" charset="0"/>
+                          </a:rPr>
+                          <m:t>m</m:t>
+                        </m:r>
+                      </m:den>
+                    </m:f>
+                    <m:r>
+                      <a:rPr kumimoji="1" lang="en-US" altLang="ja-JP" b="0" i="0" smtClean="0">
+                        <a:latin typeface="Cambria Math" panose="02040503050406030204" pitchFamily="18" charset="0"/>
+                      </a:rPr>
+                      <m:t>]</m:t>
+                    </m:r>
+                  </m:oMath>
+                </a14:m>
+                <a:r>
+                  <a:rPr kumimoji="1" lang="ja-JP" altLang="en-US" dirty="0"/>
+                  <a:t>をかける</a:t>
+                </a:r>
+                <a:endParaRPr kumimoji="1" lang="en-US" altLang="ja-JP" dirty="0"/>
+              </a:p>
+              <a:p>
+                <a:endParaRPr lang="en-US" altLang="ja-JP" dirty="0"/>
+              </a:p>
+              <a:p>
+                <a:r>
+                  <a:rPr kumimoji="1" lang="ja-JP" altLang="en-US" dirty="0"/>
+                  <a:t>入射イオン：</a:t>
+                </a:r>
+                <a:endParaRPr kumimoji="1" lang="en-US" altLang="ja-JP" dirty="0"/>
+              </a:p>
+              <a:p>
+                <a:r>
+                  <a:rPr kumimoji="1" lang="ja-JP" altLang="en-US" dirty="0"/>
+                  <a:t>電荷</a:t>
+                </a:r>
+                <a:r>
+                  <a:rPr kumimoji="1" lang="en-US" altLang="ja-JP" dirty="0"/>
+                  <a:t>+3</a:t>
+                </a:r>
+                <a:r>
+                  <a:rPr kumimoji="1" lang="ja-JP" altLang="en-US" dirty="0"/>
+                  <a:t>のアルミニウムイオン</a:t>
                 </a:r>
                 <a14:m>
                   <m:oMath xmlns:m="http://schemas.openxmlformats.org/officeDocument/2006/math">
                     <m:sSup>
                       <m:sSupPr>
                         <m:ctrlPr>
-                          <a:rPr kumimoji="1" lang="en-US" altLang="ja-JP" i="1" smtClean="0">
+                          <a:rPr kumimoji="1" lang="en-US" altLang="ja-JP" smtClean="0">
                             <a:latin typeface="Cambria Math" panose="02040503050406030204" pitchFamily="18" charset="0"/>
                           </a:rPr>
                         </m:ctrlPr>
                       </m:sSupPr>
                       <m:e>
                         <m:r>
-                          <a:rPr kumimoji="1" lang="en-US" altLang="ja-JP" b="0" i="1" smtClean="0">
+                          <m:rPr>
+                            <m:sty m:val="p"/>
+                          </m:rPr>
+                          <a:rPr kumimoji="1" lang="en-US" altLang="ja-JP" b="0" i="0" smtClean="0">
                             <a:latin typeface="Cambria Math" panose="02040503050406030204" pitchFamily="18" charset="0"/>
                           </a:rPr>
-                          <m:t>10</m:t>
+                          <m:t>Al</m:t>
                         </m:r>
                       </m:e>
                       <m:sup>
                         <m:r>
-                          <a:rPr kumimoji="1" lang="en-US" altLang="ja-JP" b="0" i="1" smtClean="0">
+                          <a:rPr kumimoji="1" lang="en-US" altLang="ja-JP" b="0" i="0" smtClean="0">
                             <a:latin typeface="Cambria Math" panose="02040503050406030204" pitchFamily="18" charset="0"/>
                           </a:rPr>
-                          <m:t>−9</m:t>
+                          <m:t>+3</m:t>
                         </m:r>
                       </m:sup>
                     </m:sSup>
                   </m:oMath>
                 </a14:m>
+                <a:endParaRPr kumimoji="1" lang="en-US" altLang="ja-JP" dirty="0"/>
+              </a:p>
+              <a:p>
+                <a:endParaRPr kumimoji="1" lang="en-US" altLang="ja-JP" dirty="0"/>
+              </a:p>
+              <a:p>
+                <a:r>
+                  <a:rPr lang="ja-JP" altLang="en-US" dirty="0"/>
+                  <a:t>初期位置：</a:t>
+                </a:r>
+                <a:endParaRPr lang="en-US" altLang="ja-JP" dirty="0"/>
+              </a:p>
+              <a:p>
+                <a14:m>
+                  <m:oMathPara xmlns:m="http://schemas.openxmlformats.org/officeDocument/2006/math">
+                    <m:oMathParaPr>
+                      <m:jc m:val="centerGroup"/>
+                    </m:oMathParaPr>
+                    <m:oMath xmlns:m="http://schemas.openxmlformats.org/officeDocument/2006/math">
+                      <m:sSub>
+                        <m:sSubPr>
+                          <m:ctrlPr>
+                            <a:rPr kumimoji="1" lang="en-US" altLang="ja-JP" b="1" i="1" smtClean="0">
+                              <a:latin typeface="Cambria Math" panose="02040503050406030204" pitchFamily="18" charset="0"/>
+                            </a:rPr>
+                          </m:ctrlPr>
+                        </m:sSubPr>
+                        <m:e>
+                          <m:r>
+                            <a:rPr kumimoji="1" lang="en-US" altLang="ja-JP" b="1" i="1" smtClean="0">
+                              <a:latin typeface="Cambria Math" panose="02040503050406030204" pitchFamily="18" charset="0"/>
+                            </a:rPr>
+                            <m:t>𝒓</m:t>
+                          </m:r>
+                        </m:e>
+                        <m:sub>
+                          <m:r>
+                            <a:rPr kumimoji="1" lang="en-US" altLang="ja-JP" b="1" i="1" smtClean="0">
+                              <a:latin typeface="Cambria Math" panose="02040503050406030204" pitchFamily="18" charset="0"/>
+                            </a:rPr>
+                            <m:t>𝟎</m:t>
+                          </m:r>
+                        </m:sub>
+                      </m:sSub>
+                      <m:r>
+                        <a:rPr kumimoji="1" lang="en-US" altLang="ja-JP" b="0" i="1" smtClean="0">
+                          <a:latin typeface="Cambria Math" panose="02040503050406030204" pitchFamily="18" charset="0"/>
+                        </a:rPr>
+                        <m:t>=</m:t>
+                      </m:r>
+                      <m:d>
+                        <m:dPr>
+                          <m:ctrlPr>
+                            <a:rPr kumimoji="1" lang="en-US" altLang="ja-JP" b="0" i="1" smtClean="0">
+                              <a:latin typeface="Cambria Math" panose="02040503050406030204" pitchFamily="18" charset="0"/>
+                            </a:rPr>
+                          </m:ctrlPr>
+                        </m:dPr>
+                        <m:e>
+                          <m:r>
+                            <a:rPr kumimoji="1" lang="en-US" altLang="ja-JP" b="0" i="1" smtClean="0">
+                              <a:latin typeface="Cambria Math" panose="02040503050406030204" pitchFamily="18" charset="0"/>
+                            </a:rPr>
+                            <m:t>0,0,0</m:t>
+                          </m:r>
+                        </m:e>
+                      </m:d>
+                    </m:oMath>
+                  </m:oMathPara>
+                </a14:m>
+                <a:endParaRPr kumimoji="1" lang="en-US" altLang="ja-JP" b="0" dirty="0"/>
+              </a:p>
+              <a:p>
+                <a:endParaRPr kumimoji="1" lang="en-US" altLang="ja-JP" dirty="0"/>
+              </a:p>
+              <a:p>
+                <a:r>
+                  <a:rPr lang="ja-JP" altLang="en-US" dirty="0"/>
+                  <a:t>初速度：</a:t>
+                </a:r>
+                <a:endParaRPr lang="en-US" altLang="ja-JP" dirty="0"/>
+              </a:p>
+              <a:p>
+                <a14:m>
+                  <m:oMathPara xmlns:m="http://schemas.openxmlformats.org/officeDocument/2006/math">
+                    <m:oMathParaPr>
+                      <m:jc m:val="centerGroup"/>
+                    </m:oMathParaPr>
+                    <m:oMath xmlns:m="http://schemas.openxmlformats.org/officeDocument/2006/math">
+                      <m:sSub>
+                        <m:sSubPr>
+                          <m:ctrlPr>
+                            <a:rPr kumimoji="1" lang="en-US" altLang="ja-JP" b="1" i="1" smtClean="0">
+                              <a:latin typeface="Cambria Math" panose="02040503050406030204" pitchFamily="18" charset="0"/>
+                            </a:rPr>
+                          </m:ctrlPr>
+                        </m:sSubPr>
+                        <m:e>
+                          <m:r>
+                            <a:rPr kumimoji="1" lang="en-US" altLang="ja-JP" b="1" i="1" smtClean="0">
+                              <a:latin typeface="Cambria Math" panose="02040503050406030204" pitchFamily="18" charset="0"/>
+                            </a:rPr>
+                            <m:t>𝒗</m:t>
+                          </m:r>
+                        </m:e>
+                        <m:sub>
+                          <m:r>
+                            <a:rPr kumimoji="1" lang="en-US" altLang="ja-JP" b="1" i="1" smtClean="0">
+                              <a:latin typeface="Cambria Math" panose="02040503050406030204" pitchFamily="18" charset="0"/>
+                            </a:rPr>
+                            <m:t>𝟎</m:t>
+                          </m:r>
+                        </m:sub>
+                      </m:sSub>
+                      <m:r>
+                        <a:rPr kumimoji="1" lang="en-US" altLang="ja-JP" b="0" i="1" smtClean="0">
+                          <a:latin typeface="Cambria Math" panose="02040503050406030204" pitchFamily="18" charset="0"/>
+                        </a:rPr>
+                        <m:t>=</m:t>
+                      </m:r>
+                      <m:d>
+                        <m:dPr>
+                          <m:ctrlPr>
+                            <a:rPr kumimoji="1" lang="en-US" altLang="ja-JP" b="0" i="1" smtClean="0">
+                              <a:latin typeface="Cambria Math" panose="02040503050406030204" pitchFamily="18" charset="0"/>
+                            </a:rPr>
+                          </m:ctrlPr>
+                        </m:dPr>
+                        <m:e>
+                          <m:r>
+                            <a:rPr kumimoji="1" lang="en-US" altLang="ja-JP" b="0" i="1" smtClean="0">
+                              <a:latin typeface="Cambria Math" panose="02040503050406030204" pitchFamily="18" charset="0"/>
+                            </a:rPr>
+                            <m:t>0,0,0</m:t>
+                          </m:r>
+                        </m:e>
+                      </m:d>
+                    </m:oMath>
+                  </m:oMathPara>
+                </a14:m>
+                <a:endParaRPr kumimoji="1" lang="en-US" altLang="ja-JP" dirty="0"/>
+              </a:p>
+              <a:p>
+                <a:endParaRPr lang="en-US" altLang="ja-JP" dirty="0"/>
+              </a:p>
+              <a:p>
                 <a:r>
                   <a:rPr kumimoji="1" lang="ja-JP" altLang="en-US" dirty="0"/>
-                  <a:t>に設定しているため、この結果は妥当である</a:t>
+                  <a:t>刻み幅：</a:t>
                 </a:r>
+                <a:endParaRPr kumimoji="1" lang="en-US" altLang="ja-JP" dirty="0"/>
+              </a:p>
+              <a:p>
+                <a14:m>
+                  <m:oMathPara xmlns:m="http://schemas.openxmlformats.org/officeDocument/2006/math">
+                    <m:oMathParaPr>
+                      <m:jc m:val="centerGroup"/>
+                    </m:oMathParaPr>
+                    <m:oMath xmlns:m="http://schemas.openxmlformats.org/officeDocument/2006/math">
+                      <m:r>
+                        <a:rPr kumimoji="1" lang="en-US" altLang="ja-JP" b="0" i="1" smtClean="0">
+                          <a:latin typeface="Cambria Math" panose="02040503050406030204" pitchFamily="18" charset="0"/>
+                        </a:rPr>
+                        <m:t>𝑑𝑡</m:t>
+                      </m:r>
+                      <m:r>
+                        <a:rPr kumimoji="1" lang="en-US" altLang="ja-JP" b="0" i="1" smtClean="0">
+                          <a:latin typeface="Cambria Math" panose="02040503050406030204" pitchFamily="18" charset="0"/>
+                        </a:rPr>
+                        <m:t>= </m:t>
+                      </m:r>
+                      <m:sSup>
+                        <m:sSupPr>
+                          <m:ctrlPr>
+                            <a:rPr kumimoji="1" lang="en-US" altLang="ja-JP" b="0" i="1" smtClean="0">
+                              <a:latin typeface="Cambria Math" panose="02040503050406030204" pitchFamily="18" charset="0"/>
+                            </a:rPr>
+                          </m:ctrlPr>
+                        </m:sSupPr>
+                        <m:e>
+                          <m:r>
+                            <a:rPr kumimoji="1" lang="en-US" altLang="ja-JP" b="0" i="1" smtClean="0">
+                              <a:latin typeface="Cambria Math" panose="02040503050406030204" pitchFamily="18" charset="0"/>
+                            </a:rPr>
+                            <m:t>10</m:t>
+                          </m:r>
+                        </m:e>
+                        <m:sup>
+                          <m:r>
+                            <a:rPr kumimoji="1" lang="en-US" altLang="ja-JP" b="0" i="1" smtClean="0">
+                              <a:latin typeface="Cambria Math" panose="02040503050406030204" pitchFamily="18" charset="0"/>
+                            </a:rPr>
+                            <m:t>−9</m:t>
+                          </m:r>
+                        </m:sup>
+                      </m:sSup>
+                    </m:oMath>
+                  </m:oMathPara>
+                </a14:m>
+                <a:endParaRPr kumimoji="1" lang="en-US" altLang="ja-JP" b="0" dirty="0"/>
+              </a:p>
+              <a:p>
+                <a:endParaRPr kumimoji="1" lang="en-US" altLang="ja-JP" dirty="0"/>
               </a:p>
             </p:txBody>
           </p:sp>
         </mc:Choice>
-        <mc:Fallback xmlns="">
+        <mc:Fallback>
           <p:sp>
             <p:nvSpPr>
-              <p:cNvPr id="3" name="テキスト ボックス 2">
+              <p:cNvPr id="4" name="テキスト ボックス 3">
                 <a:extLst>
                   <a:ext uri="{FF2B5EF4-FFF2-40B4-BE49-F238E27FC236}">
-                    <a16:creationId xmlns:a16="http://schemas.microsoft.com/office/drawing/2014/main" id="{933BBF90-E96F-48AF-B389-DE7AC4C96F7E}"/>
+                    <a16:creationId xmlns:a16="http://schemas.microsoft.com/office/drawing/2014/main" id="{2314BC6D-5461-4EB1-B4D4-FF9D2C51052C}"/>
                   </a:ext>
                 </a:extLst>
               </p:cNvPr>
@@ -8255,8 +8506,8 @@
             </p:nvSpPr>
             <p:spPr>
               <a:xfrm>
-                <a:off x="7645137" y="1734532"/>
-                <a:ext cx="4091233" cy="646331"/>
+                <a:off x="7692887" y="1784421"/>
+                <a:ext cx="4124739" cy="4921797"/>
               </a:xfrm>
               <a:prstGeom prst="rect">
                 <a:avLst/>
@@ -8264,7 +8515,7 @@
               <a:blipFill>
                 <a:blip r:embed="rId3"/>
                 <a:stretch>
-                  <a:fillRect l="-1192" t="-4717" r="-1341" b="-14151"/>
+                  <a:fillRect l="-1329" t="-743" r="-591"/>
                 </a:stretch>
               </a:blipFill>
             </p:spPr>
@@ -8283,45 +8534,6 @@
           </p:sp>
         </mc:Fallback>
       </mc:AlternateContent>
-      <p:sp>
-        <p:nvSpPr>
-          <p:cNvPr id="7" name="テキスト ボックス 6">
-            <a:extLst>
-              <a:ext uri="{FF2B5EF4-FFF2-40B4-BE49-F238E27FC236}">
-                <a16:creationId xmlns:a16="http://schemas.microsoft.com/office/drawing/2014/main" id="{77CF5430-0E39-46A4-B633-1A27C10657F2}"/>
-              </a:ext>
-            </a:extLst>
-          </p:cNvPr>
-          <p:cNvSpPr txBox="1"/>
-          <p:nvPr/>
-        </p:nvSpPr>
-        <p:spPr>
-          <a:xfrm>
-            <a:off x="304800" y="366259"/>
-            <a:ext cx="8006080" cy="461665"/>
-          </a:xfrm>
-          <a:prstGeom prst="rect">
-            <a:avLst/>
-          </a:prstGeom>
-          <a:noFill/>
-        </p:spPr>
-        <p:txBody>
-          <a:bodyPr wrap="square" rtlCol="0">
-            <a:spAutoFit/>
-          </a:bodyPr>
-          <a:lstStyle/>
-          <a:p>
-            <a:r>
-              <a:rPr lang="ja-JP" altLang="en-US" sz="2400" dirty="0"/>
-              <a:t>電場</a:t>
-            </a:r>
-            <a:r>
-              <a:rPr kumimoji="1" lang="ja-JP" altLang="en-US" sz="2400" dirty="0"/>
-              <a:t>のテスト結果</a:t>
-            </a:r>
-          </a:p>
-        </p:txBody>
-      </p:sp>
     </p:spTree>
     <p:extLst>
       <p:ext uri="{BB962C8B-B14F-4D97-AF65-F5344CB8AC3E}">
@@ -10152,13 +10364,13 @@
               </a:ext>
             </a:extLst>
           </a:blip>
-          <a:srcRect t="19040" r="50000" b="10279"/>
+          <a:srcRect t="19040" r="52462" b="10279"/>
           <a:stretch/>
         </p:blipFill>
         <p:spPr>
           <a:xfrm>
             <a:off x="0" y="1102745"/>
-            <a:ext cx="7840494" cy="5755256"/>
+            <a:ext cx="7454348" cy="5755256"/>
           </a:xfrm>
           <a:prstGeom prst="rect">
             <a:avLst/>
@@ -10243,6 +10455,608 @@
           </a:p>
         </p:txBody>
       </p:sp>
+      <p:sp>
+        <p:nvSpPr>
+          <p:cNvPr id="2" name="テキスト ボックス 1">
+            <a:extLst>
+              <a:ext uri="{FF2B5EF4-FFF2-40B4-BE49-F238E27FC236}">
+                <a16:creationId xmlns:a16="http://schemas.microsoft.com/office/drawing/2014/main" id="{EFBDB06A-5282-450F-B332-312AD75EFCF1}"/>
+              </a:ext>
+            </a:extLst>
+          </p:cNvPr>
+          <p:cNvSpPr txBox="1"/>
+          <p:nvPr/>
+        </p:nvSpPr>
+        <p:spPr>
+          <a:xfrm>
+            <a:off x="7641712" y="1099813"/>
+            <a:ext cx="4333461" cy="5632311"/>
+          </a:xfrm>
+          <a:prstGeom prst="rect">
+            <a:avLst/>
+          </a:prstGeom>
+          <a:noFill/>
+          <a:ln w="19050">
+            <a:solidFill>
+              <a:schemeClr val="tx1"/>
+            </a:solidFill>
+          </a:ln>
+        </p:spPr>
+        <p:txBody>
+          <a:bodyPr wrap="square" rtlCol="0">
+            <a:spAutoFit/>
+          </a:bodyPr>
+          <a:lstStyle/>
+          <a:p>
+            <a:r>
+              <a:rPr kumimoji="1" lang="ja-JP" altLang="en-US" dirty="0"/>
+              <a:t>設定と初期条件</a:t>
+            </a:r>
+            <a:endParaRPr kumimoji="1" lang="en-US" altLang="ja-JP" dirty="0"/>
+          </a:p>
+          <a:p>
+            <a:endParaRPr lang="en-US" altLang="ja-JP" dirty="0"/>
+          </a:p>
+          <a:p>
+            <a:endParaRPr kumimoji="1" lang="en-US" altLang="ja-JP" dirty="0"/>
+          </a:p>
+          <a:p>
+            <a:endParaRPr lang="en-US" altLang="ja-JP" dirty="0"/>
+          </a:p>
+          <a:p>
+            <a:endParaRPr kumimoji="1" lang="en-US" altLang="ja-JP" dirty="0"/>
+          </a:p>
+          <a:p>
+            <a:endParaRPr lang="en-US" altLang="ja-JP" dirty="0"/>
+          </a:p>
+          <a:p>
+            <a:endParaRPr kumimoji="1" lang="en-US" altLang="ja-JP" dirty="0"/>
+          </a:p>
+          <a:p>
+            <a:endParaRPr lang="en-US" altLang="ja-JP" dirty="0"/>
+          </a:p>
+          <a:p>
+            <a:endParaRPr kumimoji="1" lang="en-US" altLang="ja-JP" dirty="0"/>
+          </a:p>
+          <a:p>
+            <a:endParaRPr lang="en-US" altLang="ja-JP" dirty="0"/>
+          </a:p>
+          <a:p>
+            <a:endParaRPr kumimoji="1" lang="en-US" altLang="ja-JP" dirty="0"/>
+          </a:p>
+          <a:p>
+            <a:endParaRPr lang="en-US" altLang="ja-JP" dirty="0"/>
+          </a:p>
+          <a:p>
+            <a:endParaRPr kumimoji="1" lang="en-US" altLang="ja-JP" dirty="0"/>
+          </a:p>
+          <a:p>
+            <a:endParaRPr lang="en-US" altLang="ja-JP" dirty="0"/>
+          </a:p>
+          <a:p>
+            <a:endParaRPr kumimoji="1" lang="en-US" altLang="ja-JP" dirty="0"/>
+          </a:p>
+          <a:p>
+            <a:endParaRPr kumimoji="1" lang="en-US" altLang="ja-JP" dirty="0"/>
+          </a:p>
+          <a:p>
+            <a:endParaRPr kumimoji="1" lang="en-US" altLang="ja-JP" dirty="0"/>
+          </a:p>
+          <a:p>
+            <a:endParaRPr lang="en-US" altLang="ja-JP" dirty="0"/>
+          </a:p>
+          <a:p>
+            <a:endParaRPr kumimoji="1" lang="en-US" altLang="ja-JP" dirty="0"/>
+          </a:p>
+          <a:p>
+            <a:endParaRPr kumimoji="1" lang="en-US" altLang="ja-JP" dirty="0"/>
+          </a:p>
+        </p:txBody>
+      </p:sp>
+      <mc:AlternateContent xmlns:mc="http://schemas.openxmlformats.org/markup-compatibility/2006">
+        <mc:Choice xmlns:a14="http://schemas.microsoft.com/office/drawing/2010/main" Requires="a14">
+          <p:sp>
+            <p:nvSpPr>
+              <p:cNvPr id="3" name="テキスト ボックス 2">
+                <a:extLst>
+                  <a:ext uri="{FF2B5EF4-FFF2-40B4-BE49-F238E27FC236}">
+                    <a16:creationId xmlns:a16="http://schemas.microsoft.com/office/drawing/2014/main" id="{90C9356B-C2C7-44B1-B8B1-0533B01D04E0}"/>
+                  </a:ext>
+                </a:extLst>
+              </p:cNvPr>
+              <p:cNvSpPr txBox="1"/>
+              <p:nvPr/>
+            </p:nvSpPr>
+            <p:spPr>
+              <a:xfrm>
+                <a:off x="7850434" y="1590443"/>
+                <a:ext cx="4124739" cy="5275740"/>
+              </a:xfrm>
+              <a:prstGeom prst="rect">
+                <a:avLst/>
+              </a:prstGeom>
+              <a:noFill/>
+            </p:spPr>
+            <p:txBody>
+              <a:bodyPr wrap="square" rtlCol="0">
+                <a:spAutoFit/>
+              </a:bodyPr>
+              <a:lstStyle/>
+              <a:p>
+                <a:r>
+                  <a:rPr lang="ja-JP" altLang="en-US" dirty="0"/>
+                  <a:t>磁場</a:t>
+                </a:r>
+                <a:r>
+                  <a:rPr kumimoji="1" lang="ja-JP" altLang="en-US" dirty="0"/>
+                  <a:t>：</a:t>
+                </a:r>
+                <a:endParaRPr kumimoji="1" lang="en-US" altLang="ja-JP" dirty="0"/>
+              </a:p>
+              <a:p>
+                <a:r>
+                  <a:rPr kumimoji="1" lang="en-US" altLang="ja-JP" dirty="0"/>
+                  <a:t>(</a:t>
+                </a:r>
+                <a:r>
+                  <a:rPr kumimoji="1" lang="en-US" altLang="ja-JP" dirty="0" err="1"/>
+                  <a:t>x,y,z</a:t>
+                </a:r>
+                <a:r>
+                  <a:rPr kumimoji="1" lang="en-US" altLang="ja-JP" dirty="0"/>
+                  <a:t>) = (-1000,-1000,-1000)[m]</a:t>
+                </a:r>
+                <a:r>
+                  <a:rPr kumimoji="1" lang="ja-JP" altLang="en-US" dirty="0"/>
+                  <a:t>から</a:t>
+                </a:r>
+                <a:endParaRPr kumimoji="1" lang="en-US" altLang="ja-JP" dirty="0"/>
+              </a:p>
+              <a:p>
+                <a:r>
+                  <a:rPr kumimoji="1" lang="en-US" altLang="ja-JP" dirty="0"/>
+                  <a:t>(</a:t>
+                </a:r>
+                <a:r>
+                  <a:rPr kumimoji="1" lang="en-US" altLang="ja-JP" dirty="0" err="1"/>
+                  <a:t>x,y,z</a:t>
+                </a:r>
+                <a:r>
+                  <a:rPr kumimoji="1" lang="en-US" altLang="ja-JP" dirty="0"/>
+                  <a:t>) = (1000,1000,1000)[m]</a:t>
+                </a:r>
+                <a:r>
+                  <a:rPr kumimoji="1" lang="ja-JP" altLang="en-US" dirty="0"/>
+                  <a:t>の立方体内に一様磁場</a:t>
+                </a:r>
+                <a14:m>
+                  <m:oMath xmlns:m="http://schemas.openxmlformats.org/officeDocument/2006/math">
+                    <m:r>
+                      <a:rPr kumimoji="1" lang="en-US" altLang="ja-JP" b="1" i="1" smtClean="0">
+                        <a:latin typeface="Cambria Math" panose="02040503050406030204" pitchFamily="18" charset="0"/>
+                      </a:rPr>
+                      <m:t>𝑩</m:t>
+                    </m:r>
+                    <m:r>
+                      <a:rPr kumimoji="1" lang="en-US" altLang="ja-JP" b="0" i="1" smtClean="0">
+                        <a:latin typeface="Cambria Math" panose="02040503050406030204" pitchFamily="18" charset="0"/>
+                      </a:rPr>
+                      <m:t>=</m:t>
+                    </m:r>
+                    <m:d>
+                      <m:dPr>
+                        <m:ctrlPr>
+                          <a:rPr kumimoji="1" lang="en-US" altLang="ja-JP" b="0" i="1" smtClean="0">
+                            <a:latin typeface="Cambria Math" panose="02040503050406030204" pitchFamily="18" charset="0"/>
+                          </a:rPr>
+                        </m:ctrlPr>
+                      </m:dPr>
+                      <m:e>
+                        <m:r>
+                          <a:rPr kumimoji="1" lang="en-US" altLang="ja-JP" b="0" i="1" smtClean="0">
+                            <a:latin typeface="Cambria Math" panose="02040503050406030204" pitchFamily="18" charset="0"/>
+                          </a:rPr>
+                          <m:t>0,0</m:t>
+                        </m:r>
+                        <m:r>
+                          <a:rPr kumimoji="1" lang="en-US" altLang="ja-JP" b="0" i="1" smtClean="0">
+                            <a:latin typeface="Cambria Math" panose="02040503050406030204" pitchFamily="18" charset="0"/>
+                          </a:rPr>
+                          <m:t>.0505</m:t>
+                        </m:r>
+                        <m:r>
+                          <a:rPr kumimoji="1" lang="en-US" altLang="ja-JP" b="0" i="1" smtClean="0">
+                            <a:latin typeface="Cambria Math" panose="02040503050406030204" pitchFamily="18" charset="0"/>
+                          </a:rPr>
+                          <m:t>,0</m:t>
+                        </m:r>
+                      </m:e>
+                    </m:d>
+                  </m:oMath>
+                </a14:m>
+                <a:r>
+                  <a:rPr kumimoji="1" lang="en-US" altLang="ja-JP" dirty="0"/>
+                  <a:t>[T]</a:t>
+                </a:r>
+                <a:r>
+                  <a:rPr kumimoji="1" lang="ja-JP" altLang="en-US" dirty="0"/>
+                  <a:t>をかける</a:t>
+                </a:r>
+                <a:endParaRPr kumimoji="1" lang="en-US" altLang="ja-JP" dirty="0"/>
+              </a:p>
+              <a:p>
+                <a:endParaRPr lang="en-US" altLang="ja-JP" dirty="0"/>
+              </a:p>
+              <a:p>
+                <a:r>
+                  <a:rPr kumimoji="1" lang="ja-JP" altLang="en-US" dirty="0"/>
+                  <a:t>入射イオン：</a:t>
+                </a:r>
+                <a:endParaRPr kumimoji="1" lang="en-US" altLang="ja-JP" dirty="0"/>
+              </a:p>
+              <a:p>
+                <a:r>
+                  <a:rPr kumimoji="1" lang="ja-JP" altLang="en-US" dirty="0"/>
+                  <a:t>電荷</a:t>
+                </a:r>
+                <a:r>
+                  <a:rPr kumimoji="1" lang="en-US" altLang="ja-JP" dirty="0"/>
+                  <a:t>+3</a:t>
+                </a:r>
+                <a:r>
+                  <a:rPr kumimoji="1" lang="ja-JP" altLang="en-US" dirty="0"/>
+                  <a:t>のアルミニウムイオン</a:t>
+                </a:r>
+                <a14:m>
+                  <m:oMath xmlns:m="http://schemas.openxmlformats.org/officeDocument/2006/math">
+                    <m:sSup>
+                      <m:sSupPr>
+                        <m:ctrlPr>
+                          <a:rPr kumimoji="1" lang="en-US" altLang="ja-JP" i="1" smtClean="0">
+                            <a:latin typeface="Cambria Math" panose="02040503050406030204" pitchFamily="18" charset="0"/>
+                          </a:rPr>
+                        </m:ctrlPr>
+                      </m:sSupPr>
+                      <m:e>
+                        <m:r>
+                          <m:rPr>
+                            <m:sty m:val="p"/>
+                          </m:rPr>
+                          <a:rPr kumimoji="1" lang="en-US" altLang="ja-JP" b="0" i="0" smtClean="0">
+                            <a:latin typeface="Cambria Math" panose="02040503050406030204" pitchFamily="18" charset="0"/>
+                          </a:rPr>
+                          <m:t>Al</m:t>
+                        </m:r>
+                      </m:e>
+                      <m:sup>
+                        <m:r>
+                          <a:rPr kumimoji="1" lang="en-US" altLang="ja-JP" b="0" i="0" smtClean="0">
+                            <a:latin typeface="Cambria Math" panose="02040503050406030204" pitchFamily="18" charset="0"/>
+                          </a:rPr>
+                          <m:t>+3</m:t>
+                        </m:r>
+                      </m:sup>
+                    </m:sSup>
+                  </m:oMath>
+                </a14:m>
+                <a:endParaRPr kumimoji="1" lang="en-US" altLang="ja-JP" dirty="0"/>
+              </a:p>
+              <a:p>
+                <a:endParaRPr kumimoji="1" lang="en-US" altLang="ja-JP" dirty="0"/>
+              </a:p>
+              <a:p>
+                <a:r>
+                  <a:rPr lang="ja-JP" altLang="en-US" dirty="0"/>
+                  <a:t>初期位置：</a:t>
+                </a:r>
+                <a:endParaRPr lang="en-US" altLang="ja-JP" dirty="0"/>
+              </a:p>
+              <a:p>
+                <a:pPr/>
+                <a14:m>
+                  <m:oMathPara xmlns:m="http://schemas.openxmlformats.org/officeDocument/2006/math">
+                    <m:oMathParaPr>
+                      <m:jc m:val="centerGroup"/>
+                    </m:oMathParaPr>
+                    <m:oMath xmlns:m="http://schemas.openxmlformats.org/officeDocument/2006/math">
+                      <m:sSub>
+                        <m:sSubPr>
+                          <m:ctrlPr>
+                            <a:rPr kumimoji="1" lang="en-US" altLang="ja-JP" b="1" i="1" smtClean="0">
+                              <a:latin typeface="Cambria Math" panose="02040503050406030204" pitchFamily="18" charset="0"/>
+                            </a:rPr>
+                          </m:ctrlPr>
+                        </m:sSubPr>
+                        <m:e>
+                          <m:r>
+                            <a:rPr kumimoji="1" lang="en-US" altLang="ja-JP" b="1" i="1" smtClean="0">
+                              <a:latin typeface="Cambria Math" panose="02040503050406030204" pitchFamily="18" charset="0"/>
+                            </a:rPr>
+                            <m:t>𝒓</m:t>
+                          </m:r>
+                        </m:e>
+                        <m:sub>
+                          <m:r>
+                            <a:rPr kumimoji="1" lang="en-US" altLang="ja-JP" b="1" i="1" smtClean="0">
+                              <a:latin typeface="Cambria Math" panose="02040503050406030204" pitchFamily="18" charset="0"/>
+                            </a:rPr>
+                            <m:t>𝟎</m:t>
+                          </m:r>
+                        </m:sub>
+                      </m:sSub>
+                      <m:r>
+                        <a:rPr kumimoji="1" lang="en-US" altLang="ja-JP" b="0" i="1" smtClean="0">
+                          <a:latin typeface="Cambria Math" panose="02040503050406030204" pitchFamily="18" charset="0"/>
+                        </a:rPr>
+                        <m:t>=</m:t>
+                      </m:r>
+                      <m:d>
+                        <m:dPr>
+                          <m:ctrlPr>
+                            <a:rPr kumimoji="1" lang="en-US" altLang="ja-JP" b="0" i="1" smtClean="0">
+                              <a:latin typeface="Cambria Math" panose="02040503050406030204" pitchFamily="18" charset="0"/>
+                            </a:rPr>
+                          </m:ctrlPr>
+                        </m:dPr>
+                        <m:e>
+                          <m:r>
+                            <a:rPr kumimoji="1" lang="en-US" altLang="ja-JP" b="0" i="1" smtClean="0">
+                              <a:latin typeface="Cambria Math" panose="02040503050406030204" pitchFamily="18" charset="0"/>
+                            </a:rPr>
+                            <m:t>0,0,0</m:t>
+                          </m:r>
+                        </m:e>
+                      </m:d>
+                      <m:r>
+                        <a:rPr kumimoji="1" lang="en-US" altLang="ja-JP" b="0" i="1" smtClean="0">
+                          <a:latin typeface="Cambria Math" panose="02040503050406030204" pitchFamily="18" charset="0"/>
+                        </a:rPr>
+                        <m:t>[</m:t>
+                      </m:r>
+                      <m:r>
+                        <a:rPr kumimoji="1" lang="en-US" altLang="ja-JP" b="0" i="1" smtClean="0">
+                          <a:latin typeface="Cambria Math" panose="02040503050406030204" pitchFamily="18" charset="0"/>
+                        </a:rPr>
+                        <m:t>𝑚</m:t>
+                      </m:r>
+                      <m:r>
+                        <a:rPr kumimoji="1" lang="en-US" altLang="ja-JP" b="0" i="1" smtClean="0">
+                          <a:latin typeface="Cambria Math" panose="02040503050406030204" pitchFamily="18" charset="0"/>
+                        </a:rPr>
+                        <m:t>]</m:t>
+                      </m:r>
+                    </m:oMath>
+                  </m:oMathPara>
+                </a14:m>
+                <a:endParaRPr kumimoji="1" lang="en-US" altLang="ja-JP" b="0" dirty="0"/>
+              </a:p>
+              <a:p>
+                <a:endParaRPr kumimoji="1" lang="en-US" altLang="ja-JP" dirty="0"/>
+              </a:p>
+              <a:p>
+                <a:r>
+                  <a:rPr lang="ja-JP" altLang="en-US" dirty="0"/>
+                  <a:t>初速度：</a:t>
+                </a:r>
+                <a:endParaRPr lang="en-US" altLang="ja-JP" dirty="0"/>
+              </a:p>
+              <a:p>
+                <a:pPr/>
+                <a14:m>
+                  <m:oMathPara xmlns:m="http://schemas.openxmlformats.org/officeDocument/2006/math">
+                    <m:oMathParaPr>
+                      <m:jc m:val="centerGroup"/>
+                    </m:oMathParaPr>
+                    <m:oMath xmlns:m="http://schemas.openxmlformats.org/officeDocument/2006/math">
+                      <m:sSub>
+                        <m:sSubPr>
+                          <m:ctrlPr>
+                            <a:rPr kumimoji="1" lang="en-US" altLang="ja-JP" b="1" i="1" smtClean="0">
+                              <a:latin typeface="Cambria Math" panose="02040503050406030204" pitchFamily="18" charset="0"/>
+                            </a:rPr>
+                          </m:ctrlPr>
+                        </m:sSubPr>
+                        <m:e>
+                          <m:r>
+                            <a:rPr kumimoji="1" lang="en-US" altLang="ja-JP" b="1" i="1" smtClean="0">
+                              <a:latin typeface="Cambria Math" panose="02040503050406030204" pitchFamily="18" charset="0"/>
+                            </a:rPr>
+                            <m:t>𝒗</m:t>
+                          </m:r>
+                        </m:e>
+                        <m:sub>
+                          <m:r>
+                            <a:rPr kumimoji="1" lang="en-US" altLang="ja-JP" b="1" i="1" smtClean="0">
+                              <a:latin typeface="Cambria Math" panose="02040503050406030204" pitchFamily="18" charset="0"/>
+                            </a:rPr>
+                            <m:t>𝟎</m:t>
+                          </m:r>
+                        </m:sub>
+                      </m:sSub>
+                      <m:r>
+                        <a:rPr kumimoji="1" lang="en-US" altLang="ja-JP" b="0" i="1" smtClean="0">
+                          <a:latin typeface="Cambria Math" panose="02040503050406030204" pitchFamily="18" charset="0"/>
+                        </a:rPr>
+                        <m:t>=</m:t>
+                      </m:r>
+                      <m:d>
+                        <m:dPr>
+                          <m:ctrlPr>
+                            <a:rPr kumimoji="1" lang="en-US" altLang="ja-JP" b="0" i="1" smtClean="0">
+                              <a:latin typeface="Cambria Math" panose="02040503050406030204" pitchFamily="18" charset="0"/>
+                            </a:rPr>
+                          </m:ctrlPr>
+                        </m:dPr>
+                        <m:e>
+                          <m:r>
+                            <a:rPr kumimoji="1" lang="en-US" altLang="ja-JP" b="0" i="1" smtClean="0">
+                              <a:latin typeface="Cambria Math" panose="02040503050406030204" pitchFamily="18" charset="0"/>
+                            </a:rPr>
+                            <m:t>1000</m:t>
+                          </m:r>
+                          <m:r>
+                            <a:rPr kumimoji="1" lang="en-US" altLang="ja-JP" b="0" i="1" smtClean="0">
+                              <a:latin typeface="Cambria Math" panose="02040503050406030204" pitchFamily="18" charset="0"/>
+                            </a:rPr>
+                            <m:t>0,0,0</m:t>
+                          </m:r>
+                        </m:e>
+                      </m:d>
+                      <m:r>
+                        <a:rPr kumimoji="1" lang="en-US" altLang="ja-JP" b="0" i="1" smtClean="0">
+                          <a:latin typeface="Cambria Math" panose="02040503050406030204" pitchFamily="18" charset="0"/>
+                        </a:rPr>
+                        <m:t>[</m:t>
+                      </m:r>
+                      <m:f>
+                        <m:fPr>
+                          <m:ctrlPr>
+                            <a:rPr kumimoji="1" lang="en-US" altLang="ja-JP" b="0" i="1" smtClean="0">
+                              <a:latin typeface="Cambria Math" panose="02040503050406030204" pitchFamily="18" charset="0"/>
+                            </a:rPr>
+                          </m:ctrlPr>
+                        </m:fPr>
+                        <m:num>
+                          <m:r>
+                            <a:rPr kumimoji="1" lang="en-US" altLang="ja-JP" b="0" i="1" smtClean="0">
+                              <a:latin typeface="Cambria Math" panose="02040503050406030204" pitchFamily="18" charset="0"/>
+                            </a:rPr>
+                            <m:t>𝑚</m:t>
+                          </m:r>
+                        </m:num>
+                        <m:den>
+                          <m:r>
+                            <a:rPr kumimoji="1" lang="en-US" altLang="ja-JP" b="0" i="1" smtClean="0">
+                              <a:latin typeface="Cambria Math" panose="02040503050406030204" pitchFamily="18" charset="0"/>
+                            </a:rPr>
+                            <m:t>𝑠</m:t>
+                          </m:r>
+                        </m:den>
+                      </m:f>
+                      <m:r>
+                        <a:rPr kumimoji="1" lang="en-US" altLang="ja-JP" b="0" i="1" smtClean="0">
+                          <a:latin typeface="Cambria Math" panose="02040503050406030204" pitchFamily="18" charset="0"/>
+                        </a:rPr>
+                        <m:t>]</m:t>
+                      </m:r>
+                    </m:oMath>
+                  </m:oMathPara>
+                </a14:m>
+                <a:endParaRPr kumimoji="1" lang="en-US" altLang="ja-JP" dirty="0"/>
+              </a:p>
+              <a:p>
+                <a:pPr/>
+                <a:endParaRPr kumimoji="1" lang="en-US" altLang="ja-JP" dirty="0"/>
+              </a:p>
+              <a:p>
+                <a:r>
+                  <a:rPr kumimoji="1" lang="ja-JP" altLang="en-US" dirty="0"/>
+                  <a:t>刻み幅：</a:t>
+                </a:r>
+                <a:endParaRPr kumimoji="1" lang="en-US" altLang="ja-JP" dirty="0"/>
+              </a:p>
+              <a:p>
+                <a:pPr/>
+                <a14:m>
+                  <m:oMathPara xmlns:m="http://schemas.openxmlformats.org/officeDocument/2006/math">
+                    <m:oMathParaPr>
+                      <m:jc m:val="centerGroup"/>
+                    </m:oMathParaPr>
+                    <m:oMath xmlns:m="http://schemas.openxmlformats.org/officeDocument/2006/math">
+                      <m:r>
+                        <a:rPr kumimoji="1" lang="en-US" altLang="ja-JP" b="0" i="1" smtClean="0">
+                          <a:latin typeface="Cambria Math" panose="02040503050406030204" pitchFamily="18" charset="0"/>
+                        </a:rPr>
+                        <m:t>𝑑𝑡</m:t>
+                      </m:r>
+                      <m:r>
+                        <a:rPr kumimoji="1" lang="en-US" altLang="ja-JP" b="0" i="1" smtClean="0">
+                          <a:latin typeface="Cambria Math" panose="02040503050406030204" pitchFamily="18" charset="0"/>
+                        </a:rPr>
+                        <m:t>= </m:t>
+                      </m:r>
+                      <m:sSup>
+                        <m:sSupPr>
+                          <m:ctrlPr>
+                            <a:rPr kumimoji="1" lang="en-US" altLang="ja-JP" b="0" i="1" smtClean="0">
+                              <a:latin typeface="Cambria Math" panose="02040503050406030204" pitchFamily="18" charset="0"/>
+                            </a:rPr>
+                          </m:ctrlPr>
+                        </m:sSupPr>
+                        <m:e>
+                          <m:r>
+                            <a:rPr kumimoji="1" lang="en-US" altLang="ja-JP" b="0" i="1" smtClean="0">
+                              <a:latin typeface="Cambria Math" panose="02040503050406030204" pitchFamily="18" charset="0"/>
+                            </a:rPr>
+                            <m:t>10</m:t>
+                          </m:r>
+                        </m:e>
+                        <m:sup>
+                          <m:r>
+                            <a:rPr kumimoji="1" lang="en-US" altLang="ja-JP" b="0" i="1" smtClean="0">
+                              <a:latin typeface="Cambria Math" panose="02040503050406030204" pitchFamily="18" charset="0"/>
+                            </a:rPr>
+                            <m:t>−9</m:t>
+                          </m:r>
+                        </m:sup>
+                      </m:sSup>
+                    </m:oMath>
+                  </m:oMathPara>
+                </a14:m>
+                <a:endParaRPr kumimoji="1" lang="en-US" altLang="ja-JP" b="0" dirty="0"/>
+              </a:p>
+              <a:p>
+                <a:pPr/>
+                <a:endParaRPr kumimoji="1" lang="ja-JP" altLang="en-US" dirty="0"/>
+              </a:p>
+            </p:txBody>
+          </p:sp>
+        </mc:Choice>
+        <mc:Fallback>
+          <p:sp>
+            <p:nvSpPr>
+              <p:cNvPr id="3" name="テキスト ボックス 2">
+                <a:extLst>
+                  <a:ext uri="{FF2B5EF4-FFF2-40B4-BE49-F238E27FC236}">
+                    <a16:creationId xmlns:a16="http://schemas.microsoft.com/office/drawing/2014/main" id="{90C9356B-C2C7-44B1-B8B1-0533B01D04E0}"/>
+                  </a:ext>
+                </a:extLst>
+              </p:cNvPr>
+              <p:cNvSpPr txBox="1">
+                <a:spLocks noRot="1" noChangeAspect="1" noMove="1" noResize="1" noEditPoints="1" noAdjustHandles="1" noChangeArrowheads="1" noChangeShapeType="1" noTextEdit="1"/>
+              </p:cNvSpPr>
+              <p:nvPr/>
+            </p:nvSpPr>
+            <p:spPr>
+              <a:xfrm>
+                <a:off x="7850434" y="1590443"/>
+                <a:ext cx="4124739" cy="5275740"/>
+              </a:xfrm>
+              <a:prstGeom prst="rect">
+                <a:avLst/>
+              </a:prstGeom>
+              <a:blipFill>
+                <a:blip r:embed="rId3"/>
+                <a:stretch>
+                  <a:fillRect l="-1331" t="-694"/>
+                </a:stretch>
+              </a:blipFill>
+            </p:spPr>
+            <p:txBody>
+              <a:bodyPr/>
+              <a:lstStyle/>
+              <a:p>
+                <a:r>
+                  <a:rPr lang="ja-JP" altLang="en-US">
+                    <a:noFill/>
+                  </a:rPr>
+                  <a:t> </a:t>
+                </a:r>
+              </a:p>
+            </p:txBody>
+          </p:sp>
+        </mc:Fallback>
+      </mc:AlternateContent>
     </p:spTree>
     <p:extLst>
       <p:ext uri="{BB962C8B-B14F-4D97-AF65-F5344CB8AC3E}">
@@ -11040,293 +11854,6 @@
           <a:chExt cx="0" cy="0"/>
         </a:xfrm>
       </p:grpSpPr>
-      <p:grpSp>
-        <p:nvGrpSpPr>
-          <p:cNvPr id="2" name="グループ化 1">
-            <a:extLst>
-              <a:ext uri="{FF2B5EF4-FFF2-40B4-BE49-F238E27FC236}">
-                <a16:creationId xmlns:a16="http://schemas.microsoft.com/office/drawing/2014/main" id="{375346D9-7AF3-4BBD-BE43-3867D184A4A1}"/>
-              </a:ext>
-            </a:extLst>
-          </p:cNvPr>
-          <p:cNvGrpSpPr/>
-          <p:nvPr/>
-        </p:nvGrpSpPr>
-        <p:grpSpPr>
-          <a:xfrm>
-            <a:off x="1676400" y="1136370"/>
-            <a:ext cx="8808638" cy="5726157"/>
-            <a:chOff x="1676400" y="1136370"/>
-            <a:chExt cx="8808638" cy="5726157"/>
-          </a:xfrm>
-        </p:grpSpPr>
-        <p:pic>
-          <p:nvPicPr>
-            <p:cNvPr id="5" name="図 4" descr="グラフ, ヒストグラム&#10;&#10;自動的に生成された説明">
-              <a:extLst>
-                <a:ext uri="{FF2B5EF4-FFF2-40B4-BE49-F238E27FC236}">
-                  <a16:creationId xmlns:a16="http://schemas.microsoft.com/office/drawing/2014/main" id="{20FAF394-4E3D-42E4-BA11-6096A415409C}"/>
-                </a:ext>
-              </a:extLst>
-            </p:cNvPr>
-            <p:cNvPicPr>
-              <a:picLocks noChangeAspect="1"/>
-            </p:cNvPicPr>
-            <p:nvPr/>
-          </p:nvPicPr>
-          <p:blipFill rotWithShape="1">
-            <a:blip r:embed="rId3">
-              <a:extLst>
-                <a:ext uri="{28A0092B-C50C-407E-A947-70E740481C1C}">
-                  <a14:useLocalDpi xmlns:a14="http://schemas.microsoft.com/office/drawing/2010/main" val="0"/>
-                </a:ext>
-              </a:extLst>
-            </a:blip>
-            <a:srcRect l="4117" t="6367" r="2202" b="6934"/>
-            <a:stretch/>
-          </p:blipFill>
-          <p:spPr>
-            <a:xfrm>
-              <a:off x="1676400" y="1325563"/>
-              <a:ext cx="8808638" cy="5536964"/>
-            </a:xfrm>
-            <a:prstGeom prst="rect">
-              <a:avLst/>
-            </a:prstGeom>
-          </p:spPr>
-        </p:pic>
-        <p:grpSp>
-          <p:nvGrpSpPr>
-            <p:cNvPr id="3" name="グループ化 2">
-              <a:extLst>
-                <a:ext uri="{FF2B5EF4-FFF2-40B4-BE49-F238E27FC236}">
-                  <a16:creationId xmlns:a16="http://schemas.microsoft.com/office/drawing/2014/main" id="{D2922C5C-C4BC-4916-BD6E-3E396ACA51B1}"/>
-                </a:ext>
-              </a:extLst>
-            </p:cNvPr>
-            <p:cNvGrpSpPr/>
-            <p:nvPr/>
-          </p:nvGrpSpPr>
-          <p:grpSpPr>
-            <a:xfrm>
-              <a:off x="2160786" y="1136370"/>
-              <a:ext cx="5848195" cy="369332"/>
-              <a:chOff x="1037651" y="1692832"/>
-              <a:chExt cx="5848195" cy="369332"/>
-            </a:xfrm>
-          </p:grpSpPr>
-          <p:sp>
-            <p:nvSpPr>
-              <p:cNvPr id="7" name="テキスト ボックス 6">
-                <a:extLst>
-                  <a:ext uri="{FF2B5EF4-FFF2-40B4-BE49-F238E27FC236}">
-                    <a16:creationId xmlns:a16="http://schemas.microsoft.com/office/drawing/2014/main" id="{23EDACD2-EFF7-4676-8EB3-9D64D1573179}"/>
-                  </a:ext>
-                </a:extLst>
-              </p:cNvPr>
-              <p:cNvSpPr txBox="1"/>
-              <p:nvPr/>
-            </p:nvSpPr>
-            <p:spPr>
-              <a:xfrm>
-                <a:off x="1037651" y="1692832"/>
-                <a:ext cx="684145" cy="369332"/>
-              </a:xfrm>
-              <a:prstGeom prst="rect">
-                <a:avLst/>
-              </a:prstGeom>
-              <a:noFill/>
-            </p:spPr>
-            <p:txBody>
-              <a:bodyPr wrap="square" rtlCol="0">
-                <a:spAutoFit/>
-              </a:bodyPr>
-              <a:lstStyle/>
-              <a:p>
-                <a:r>
-                  <a:rPr lang="en-US" altLang="ja-JP" dirty="0"/>
-                  <a:t>20</a:t>
-                </a:r>
-                <a:r>
-                  <a:rPr kumimoji="1" lang="ja-JP" altLang="en-US" dirty="0"/>
-                  <a:t>価</a:t>
-                </a:r>
-              </a:p>
-            </p:txBody>
-          </p:sp>
-          <p:sp>
-            <p:nvSpPr>
-              <p:cNvPr id="9" name="テキスト ボックス 8">
-                <a:extLst>
-                  <a:ext uri="{FF2B5EF4-FFF2-40B4-BE49-F238E27FC236}">
-                    <a16:creationId xmlns:a16="http://schemas.microsoft.com/office/drawing/2014/main" id="{AD773A8D-1CB8-4C1D-A923-FD288B30F058}"/>
-                  </a:ext>
-                </a:extLst>
-              </p:cNvPr>
-              <p:cNvSpPr txBox="1"/>
-              <p:nvPr/>
-            </p:nvSpPr>
-            <p:spPr>
-              <a:xfrm>
-                <a:off x="5481252" y="1692832"/>
-                <a:ext cx="1404594" cy="369332"/>
-              </a:xfrm>
-              <a:prstGeom prst="rect">
-                <a:avLst/>
-              </a:prstGeom>
-              <a:noFill/>
-            </p:spPr>
-            <p:txBody>
-              <a:bodyPr wrap="square" rtlCol="0">
-                <a:spAutoFit/>
-              </a:bodyPr>
-              <a:lstStyle/>
-              <a:p>
-                <a:r>
-                  <a:rPr kumimoji="1" lang="en-US" altLang="ja-JP" dirty="0"/>
-                  <a:t>1</a:t>
-                </a:r>
-                <a:r>
-                  <a:rPr kumimoji="1" lang="ja-JP" altLang="en-US" dirty="0"/>
-                  <a:t>価</a:t>
-                </a:r>
-              </a:p>
-            </p:txBody>
-          </p:sp>
-          <p:cxnSp>
-            <p:nvCxnSpPr>
-              <p:cNvPr id="11" name="直線矢印コネクタ 10">
-                <a:extLst>
-                  <a:ext uri="{FF2B5EF4-FFF2-40B4-BE49-F238E27FC236}">
-                    <a16:creationId xmlns:a16="http://schemas.microsoft.com/office/drawing/2014/main" id="{702FB98B-88E9-40BE-9D46-A7761D73C00B}"/>
-                  </a:ext>
-                </a:extLst>
-              </p:cNvPr>
-              <p:cNvCxnSpPr>
-                <a:cxnSpLocks/>
-                <a:stCxn id="7" idx="3"/>
-                <a:endCxn id="9" idx="1"/>
-              </p:cNvCxnSpPr>
-              <p:nvPr/>
-            </p:nvCxnSpPr>
-            <p:spPr>
-              <a:xfrm>
-                <a:off x="1721796" y="1877498"/>
-                <a:ext cx="3759456" cy="0"/>
-              </a:xfrm>
-              <a:prstGeom prst="straightConnector1">
-                <a:avLst/>
-              </a:prstGeom>
-              <a:ln w="19050">
-                <a:headEnd type="triangle"/>
-                <a:tailEnd type="triangle"/>
-              </a:ln>
-            </p:spPr>
-            <p:style>
-              <a:lnRef idx="1">
-                <a:schemeClr val="dk1"/>
-              </a:lnRef>
-              <a:fillRef idx="0">
-                <a:schemeClr val="dk1"/>
-              </a:fillRef>
-              <a:effectRef idx="0">
-                <a:schemeClr val="dk1"/>
-              </a:effectRef>
-              <a:fontRef idx="minor">
-                <a:schemeClr val="tx1"/>
-              </a:fontRef>
-            </p:style>
-          </p:cxnSp>
-        </p:grpSp>
-      </p:grpSp>
-      <p:sp>
-        <p:nvSpPr>
-          <p:cNvPr id="8" name="タイトル 1">
-            <a:extLst>
-              <a:ext uri="{FF2B5EF4-FFF2-40B4-BE49-F238E27FC236}">
-                <a16:creationId xmlns:a16="http://schemas.microsoft.com/office/drawing/2014/main" id="{3919A414-E73D-4518-BB06-4E4289C9B87F}"/>
-              </a:ext>
-            </a:extLst>
-          </p:cNvPr>
-          <p:cNvSpPr txBox="1">
-            <a:spLocks/>
-          </p:cNvSpPr>
-          <p:nvPr/>
-        </p:nvSpPr>
-        <p:spPr>
-          <a:xfrm>
-            <a:off x="0" y="18256"/>
-            <a:ext cx="10515600" cy="662782"/>
-          </a:xfrm>
-          <a:prstGeom prst="rect">
-            <a:avLst/>
-          </a:prstGeom>
-        </p:spPr>
-        <p:txBody>
-          <a:bodyPr vert="horz" lIns="91440" tIns="45720" rIns="91440" bIns="45720" rtlCol="0" anchor="ctr">
-            <a:normAutofit/>
-          </a:bodyPr>
-          <a:lstStyle>
-            <a:lvl1pPr algn="l" defTabSz="914400" rtl="0" eaLnBrk="1" latinLnBrk="0" hangingPunct="1">
-              <a:lnSpc>
-                <a:spcPct val="90000"/>
-              </a:lnSpc>
-              <a:spcBef>
-                <a:spcPct val="0"/>
-              </a:spcBef>
-              <a:buNone/>
-              <a:defRPr kumimoji="1" sz="4400" kern="1200">
-                <a:solidFill>
-                  <a:schemeClr val="tx1"/>
-                </a:solidFill>
-                <a:latin typeface="+mj-lt"/>
-                <a:ea typeface="+mj-ea"/>
-                <a:cs typeface="+mj-cs"/>
-              </a:defRPr>
-            </a:lvl1pPr>
-          </a:lstStyle>
-          <a:p>
-            <a:r>
-              <a:rPr lang="en-US" altLang="ja-JP" sz="3200" dirty="0"/>
-              <a:t>3.</a:t>
-            </a:r>
-            <a:r>
-              <a:rPr lang="ja-JP" altLang="en-US" sz="3200" dirty="0"/>
-              <a:t>進捗</a:t>
-            </a:r>
-          </a:p>
-        </p:txBody>
-      </p:sp>
-    </p:spTree>
-    <p:extLst>
-      <p:ext uri="{BB962C8B-B14F-4D97-AF65-F5344CB8AC3E}">
-        <p14:creationId xmlns:p14="http://schemas.microsoft.com/office/powerpoint/2010/main" val="2497012554"/>
-      </p:ext>
-    </p:extLst>
-  </p:cSld>
-  <p:clrMapOvr>
-    <a:masterClrMapping/>
-  </p:clrMapOvr>
-</p:sld>
-</file>
-
-<file path=ppt/slides/slide17.xml><?xml version="1.0" encoding="utf-8"?>
-<p:sld xmlns:a="http://schemas.openxmlformats.org/drawingml/2006/main" xmlns:r="http://schemas.openxmlformats.org/officeDocument/2006/relationships" xmlns:p="http://schemas.openxmlformats.org/presentationml/2006/main">
-  <p:cSld>
-    <p:spTree>
-      <p:nvGrpSpPr>
-        <p:cNvPr id="1" name=""/>
-        <p:cNvGrpSpPr/>
-        <p:nvPr/>
-      </p:nvGrpSpPr>
-      <p:grpSpPr>
-        <a:xfrm>
-          <a:off x="0" y="0"/>
-          <a:ext cx="0" cy="0"/>
-          <a:chOff x="0" y="0"/>
-          <a:chExt cx="0" cy="0"/>
-        </a:xfrm>
-      </p:grpSpPr>
       <p:sp>
         <p:nvSpPr>
           <p:cNvPr id="6" name="テキスト ボックス 5">
@@ -11341,7 +11868,7 @@
         </p:nvSpPr>
         <p:spPr>
           <a:xfrm>
-            <a:off x="838200" y="3326860"/>
+            <a:off x="698505" y="3294787"/>
             <a:ext cx="4457957" cy="646331"/>
           </a:xfrm>
           <a:prstGeom prst="rect">
@@ -11469,7 +11996,7 @@
         </p:nvSpPr>
         <p:spPr>
           <a:xfrm>
-            <a:off x="838200" y="5047013"/>
+            <a:off x="698505" y="5051608"/>
             <a:ext cx="5496612" cy="1200329"/>
           </a:xfrm>
           <a:prstGeom prst="rect">
@@ -11825,7 +12352,7 @@
 </p:sld>
 </file>
 
-<file path=ppt/slides/slide18.xml><?xml version="1.0" encoding="utf-8"?>
+<file path=ppt/slides/slide17.xml><?xml version="1.0" encoding="utf-8"?>
 <p:sld xmlns:a="http://schemas.openxmlformats.org/drawingml/2006/main" xmlns:r="http://schemas.openxmlformats.org/officeDocument/2006/relationships" xmlns:p="http://schemas.openxmlformats.org/presentationml/2006/main">
   <p:cSld>
     <p:spTree>
@@ -13289,7 +13816,7 @@
 </p:sld>
 </file>
 
-<file path=ppt/slides/slide19.xml><?xml version="1.0" encoding="utf-8"?>
+<file path=ppt/slides/slide18.xml><?xml version="1.0" encoding="utf-8"?>
 <p:sld xmlns:a="http://schemas.openxmlformats.org/drawingml/2006/main" xmlns:r="http://schemas.openxmlformats.org/officeDocument/2006/relationships" xmlns:p="http://schemas.openxmlformats.org/presentationml/2006/main">
   <p:cSld>
     <p:spTree>
@@ -15707,6 +16234,204 @@
           </a:fontRef>
         </p:style>
       </p:cxnSp>
+      <p:sp>
+        <p:nvSpPr>
+          <p:cNvPr id="2" name="テキスト ボックス 1">
+            <a:extLst>
+              <a:ext uri="{FF2B5EF4-FFF2-40B4-BE49-F238E27FC236}">
+                <a16:creationId xmlns:a16="http://schemas.microsoft.com/office/drawing/2014/main" id="{C8218B2D-15E6-4098-B29E-ED4E14DB7184}"/>
+              </a:ext>
+            </a:extLst>
+          </p:cNvPr>
+          <p:cNvSpPr txBox="1"/>
+          <p:nvPr/>
+        </p:nvSpPr>
+        <p:spPr>
+          <a:xfrm>
+            <a:off x="556201" y="681038"/>
+            <a:ext cx="2262158" cy="369332"/>
+          </a:xfrm>
+          <a:prstGeom prst="rect">
+            <a:avLst/>
+          </a:prstGeom>
+          <a:noFill/>
+        </p:spPr>
+        <p:txBody>
+          <a:bodyPr wrap="none" rtlCol="0">
+            <a:spAutoFit/>
+          </a:bodyPr>
+          <a:lstStyle/>
+          <a:p>
+            <a:r>
+              <a:rPr lang="ja-JP" altLang="en-US" dirty="0"/>
+              <a:t>現状の分析器の構造</a:t>
+            </a:r>
+            <a:endParaRPr kumimoji="1" lang="ja-JP" altLang="en-US" dirty="0"/>
+          </a:p>
+        </p:txBody>
+      </p:sp>
+      <p:sp>
+        <p:nvSpPr>
+          <p:cNvPr id="4" name="テキスト ボックス 3">
+            <a:extLst>
+              <a:ext uri="{FF2B5EF4-FFF2-40B4-BE49-F238E27FC236}">
+                <a16:creationId xmlns:a16="http://schemas.microsoft.com/office/drawing/2014/main" id="{729FAB47-B799-428F-9597-E0F195218921}"/>
+              </a:ext>
+            </a:extLst>
+          </p:cNvPr>
+          <p:cNvSpPr txBox="1"/>
+          <p:nvPr/>
+        </p:nvSpPr>
+        <p:spPr>
+          <a:xfrm>
+            <a:off x="881005" y="1251487"/>
+            <a:ext cx="2031325" cy="923330"/>
+          </a:xfrm>
+          <a:prstGeom prst="rect">
+            <a:avLst/>
+          </a:prstGeom>
+          <a:noFill/>
+        </p:spPr>
+        <p:txBody>
+          <a:bodyPr wrap="none" rtlCol="0">
+            <a:spAutoFit/>
+          </a:bodyPr>
+          <a:lstStyle/>
+          <a:p>
+            <a:r>
+              <a:rPr kumimoji="1" lang="en-US" altLang="ja-JP" dirty="0"/>
+              <a:t>E×B</a:t>
+            </a:r>
+            <a:r>
+              <a:rPr kumimoji="1" lang="ja-JP" altLang="en-US" dirty="0"/>
+              <a:t>フィルタ</a:t>
+            </a:r>
+            <a:endParaRPr kumimoji="1" lang="en-US" altLang="ja-JP" dirty="0"/>
+          </a:p>
+          <a:p>
+            <a:r>
+              <a:rPr lang="ja-JP" altLang="en-US" dirty="0"/>
+              <a:t>　　　↓</a:t>
+            </a:r>
+            <a:endParaRPr lang="en-US" altLang="ja-JP" dirty="0"/>
+          </a:p>
+          <a:p>
+            <a:r>
+              <a:rPr kumimoji="1" lang="ja-JP" altLang="en-US" dirty="0"/>
+              <a:t>チャンネルトロン</a:t>
+            </a:r>
+          </a:p>
+        </p:txBody>
+      </p:sp>
+      <p:sp>
+        <p:nvSpPr>
+          <p:cNvPr id="5" name="テキスト ボックス 4">
+            <a:extLst>
+              <a:ext uri="{FF2B5EF4-FFF2-40B4-BE49-F238E27FC236}">
+                <a16:creationId xmlns:a16="http://schemas.microsoft.com/office/drawing/2014/main" id="{AC743188-4176-40E4-AC6C-0B920CFCB155}"/>
+              </a:ext>
+            </a:extLst>
+          </p:cNvPr>
+          <p:cNvSpPr txBox="1"/>
+          <p:nvPr/>
+        </p:nvSpPr>
+        <p:spPr>
+          <a:xfrm>
+            <a:off x="891847" y="2524892"/>
+            <a:ext cx="3018775" cy="923330"/>
+          </a:xfrm>
+          <a:prstGeom prst="rect">
+            <a:avLst/>
+          </a:prstGeom>
+          <a:noFill/>
+        </p:spPr>
+        <p:txBody>
+          <a:bodyPr wrap="none" rtlCol="0">
+            <a:spAutoFit/>
+          </a:bodyPr>
+          <a:lstStyle/>
+          <a:p>
+            <a:r>
+              <a:rPr kumimoji="1" lang="ja-JP" altLang="en-US" dirty="0"/>
+              <a:t>現状の分解能</a:t>
+            </a:r>
+            <a:r>
+              <a:rPr lang="ja-JP" altLang="en-US" dirty="0"/>
+              <a:t>：</a:t>
+            </a:r>
+            <a:endParaRPr lang="en-US" altLang="ja-JP" dirty="0"/>
+          </a:p>
+          <a:p>
+            <a:r>
+              <a:rPr kumimoji="1" lang="ja-JP" altLang="en-US" dirty="0"/>
+              <a:t>チャンネルトロン　</a:t>
+            </a:r>
+            <a:r>
+              <a:rPr kumimoji="1" lang="en-US" altLang="ja-JP" dirty="0"/>
+              <a:t>5mm</a:t>
+            </a:r>
+            <a:r>
+              <a:rPr kumimoji="1" lang="ja-JP" altLang="en-US" dirty="0"/>
+              <a:t>幅</a:t>
+            </a:r>
+            <a:endParaRPr kumimoji="1" lang="en-US" altLang="ja-JP" dirty="0"/>
+          </a:p>
+          <a:p>
+            <a:r>
+              <a:rPr lang="en-US" altLang="ja-JP" dirty="0"/>
+              <a:t>1</a:t>
+            </a:r>
+            <a:r>
+              <a:rPr lang="ja-JP" altLang="en-US" dirty="0"/>
+              <a:t>価～</a:t>
+            </a:r>
+            <a:r>
+              <a:rPr lang="en-US" altLang="ja-JP" dirty="0"/>
+              <a:t>10</a:t>
+            </a:r>
+            <a:r>
+              <a:rPr lang="ja-JP" altLang="en-US" dirty="0"/>
+              <a:t>価まで</a:t>
+            </a:r>
+            <a:endParaRPr kumimoji="1" lang="en-US" altLang="ja-JP" dirty="0"/>
+          </a:p>
+        </p:txBody>
+      </p:sp>
+      <p:pic>
+        <p:nvPicPr>
+          <p:cNvPr id="7" name="図 6" descr="屋内, テーブル, 座る, カウンター が含まれている画像&#10;&#10;自動的に生成された説明">
+            <a:extLst>
+              <a:ext uri="{FF2B5EF4-FFF2-40B4-BE49-F238E27FC236}">
+                <a16:creationId xmlns:a16="http://schemas.microsoft.com/office/drawing/2014/main" id="{CA9CF4E7-2764-43F2-B6A2-A53B81BE4C78}"/>
+              </a:ext>
+            </a:extLst>
+          </p:cNvPr>
+          <p:cNvPicPr>
+            <a:picLocks noChangeAspect="1"/>
+          </p:cNvPicPr>
+          <p:nvPr/>
+        </p:nvPicPr>
+        <p:blipFill rotWithShape="1">
+          <a:blip r:embed="rId4">
+            <a:extLst>
+              <a:ext uri="{28A0092B-C50C-407E-A947-70E740481C1C}">
+                <a14:useLocalDpi xmlns:a14="http://schemas.microsoft.com/office/drawing/2010/main" val="0"/>
+              </a:ext>
+            </a:extLst>
+          </a:blip>
+          <a:srcRect l="5713" r="15829" b="32754"/>
+          <a:stretch/>
+        </p:blipFill>
+        <p:spPr>
+          <a:xfrm>
+            <a:off x="588556" y="3790277"/>
+            <a:ext cx="3714495" cy="2386685"/>
+          </a:xfrm>
+          <a:prstGeom prst="rect">
+            <a:avLst/>
+          </a:prstGeom>
+        </p:spPr>
+      </p:pic>
     </p:spTree>
     <p:extLst>
       <p:ext uri="{BB962C8B-B14F-4D97-AF65-F5344CB8AC3E}">
@@ -15790,7 +16515,7 @@
         </p:nvGrpSpPr>
         <p:grpSpPr>
           <a:xfrm>
-            <a:off x="2302506" y="1622065"/>
+            <a:off x="2560297" y="2499143"/>
             <a:ext cx="7071405" cy="2946506"/>
             <a:chOff x="520304" y="2447924"/>
             <a:chExt cx="11147821" cy="2314575"/>
@@ -16326,7 +17051,7 @@
         <p:spPr>
           <a:xfrm>
             <a:off x="3438684" y="5732127"/>
-            <a:ext cx="4801314" cy="369332"/>
+            <a:ext cx="5032147" cy="369332"/>
           </a:xfrm>
           <a:prstGeom prst="rect">
             <a:avLst/>
@@ -16341,8 +17066,79 @@
           <a:p>
             <a:r>
               <a:rPr kumimoji="1" lang="ja-JP" altLang="en-US" dirty="0"/>
-              <a:t>まずは、シミュレーションからやっていこう</a:t>
-            </a:r>
+              <a:t>まずは、シミュレーションからやっていこう！</a:t>
+            </a:r>
+          </a:p>
+        </p:txBody>
+      </p:sp>
+      <p:sp>
+        <p:nvSpPr>
+          <p:cNvPr id="3" name="テキスト ボックス 2">
+            <a:extLst>
+              <a:ext uri="{FF2B5EF4-FFF2-40B4-BE49-F238E27FC236}">
+                <a16:creationId xmlns:a16="http://schemas.microsoft.com/office/drawing/2014/main" id="{E348160F-3B54-44A6-8636-D49FADA007FB}"/>
+              </a:ext>
+            </a:extLst>
+          </p:cNvPr>
+          <p:cNvSpPr txBox="1"/>
+          <p:nvPr/>
+        </p:nvSpPr>
+        <p:spPr>
+          <a:xfrm>
+            <a:off x="1148091" y="1284844"/>
+            <a:ext cx="9895817" cy="923330"/>
+          </a:xfrm>
+          <a:prstGeom prst="rect">
+            <a:avLst/>
+          </a:prstGeom>
+          <a:noFill/>
+        </p:spPr>
+        <p:txBody>
+          <a:bodyPr wrap="square" rtlCol="0">
+            <a:spAutoFit/>
+          </a:bodyPr>
+          <a:lstStyle/>
+          <a:p>
+            <a:r>
+              <a:rPr kumimoji="1" lang="ja-JP" altLang="en-US" dirty="0"/>
+              <a:t>目標：</a:t>
+            </a:r>
+            <a:endParaRPr kumimoji="1" lang="en-US" altLang="ja-JP" dirty="0"/>
+          </a:p>
+          <a:p>
+            <a:r>
+              <a:rPr lang="en-US" altLang="ja-JP" dirty="0"/>
+              <a:t>1</a:t>
+            </a:r>
+            <a:r>
+              <a:rPr lang="ja-JP" altLang="en-US" dirty="0"/>
+              <a:t>価～</a:t>
+            </a:r>
+            <a:r>
+              <a:rPr lang="en-US" altLang="ja-JP" dirty="0"/>
+              <a:t>20</a:t>
+            </a:r>
+            <a:r>
+              <a:rPr lang="ja-JP" altLang="en-US" dirty="0"/>
+              <a:t>価の</a:t>
+            </a:r>
+            <a:r>
+              <a:rPr lang="en-US" altLang="ja-JP" dirty="0"/>
+              <a:t>132 Sn</a:t>
+            </a:r>
+            <a:r>
+              <a:rPr lang="ja-JP" altLang="en-US" dirty="0"/>
+              <a:t>イオンを入射させて分別させて、分解能を</a:t>
+            </a:r>
+            <a:r>
+              <a:rPr lang="en-US" altLang="ja-JP" dirty="0"/>
+              <a:t>5[mm]</a:t>
+            </a:r>
+            <a:r>
+              <a:rPr lang="ja-JP" altLang="en-US" dirty="0"/>
+              <a:t>以下にすることを目標とする。</a:t>
+            </a:r>
+            <a:endParaRPr kumimoji="1" lang="ja-JP" altLang="en-US" dirty="0"/>
           </a:p>
         </p:txBody>
       </p:sp>
@@ -16733,7 +17529,7 @@
           <a:lstStyle/>
           <a:p>
             <a:r>
-              <a:rPr kumimoji="1" lang="ja-JP" altLang="en-US" dirty="0"/>
+              <a:rPr kumimoji="1" lang="ja-JP" altLang="en-US" b="1" dirty="0"/>
               <a:t>利点のほうが大きいとしてシミュレーションソフトの開発を決定</a:t>
             </a:r>
           </a:p>
@@ -19886,7 +20682,7 @@
         </p:nvSpPr>
         <p:spPr>
           <a:xfrm>
-            <a:off x="3396726" y="6152963"/>
+            <a:off x="3926175" y="6215944"/>
             <a:ext cx="4339650" cy="369332"/>
           </a:xfrm>
           <a:prstGeom prst="rect">
@@ -19901,11 +20697,11 @@
           <a:lstStyle/>
           <a:p>
             <a:r>
-              <a:rPr lang="ja-JP" altLang="en-US" dirty="0"/>
+              <a:rPr lang="ja-JP" altLang="en-US" b="1" dirty="0"/>
               <a:t>式</a:t>
             </a:r>
             <a:r>
-              <a:rPr kumimoji="1" lang="ja-JP" altLang="en-US" dirty="0"/>
+              <a:rPr kumimoji="1" lang="ja-JP" altLang="en-US" b="1" dirty="0"/>
               <a:t>的にはオイラー法がシンプルで楽そう</a:t>
             </a:r>
           </a:p>
@@ -20100,7 +20896,7 @@
           <a:p>
             <a:r>
               <a:rPr lang="ja-JP" altLang="en-US" dirty="0"/>
-              <a:t>ほかのものに比べ精度がいい</a:t>
+              <a:t>①ほかのものに比べ精度がいい</a:t>
             </a:r>
           </a:p>
           <a:p>
@@ -20121,7 +20917,7 @@
           <a:p>
             <a:r>
               <a:rPr kumimoji="1" lang="ja-JP" altLang="en-US" dirty="0"/>
-              <a:t>計算式が比較的シンプル</a:t>
+              <a:t>②計算式が比較的シンプル</a:t>
             </a:r>
             <a:endParaRPr kumimoji="1" lang="en-US" altLang="ja-JP" dirty="0"/>
           </a:p>
@@ -21092,8 +21888,8 @@
           </p:sp>
         </mc:Fallback>
       </mc:AlternateContent>
-      <mc:AlternateContent xmlns:mc="http://schemas.openxmlformats.org/markup-compatibility/2006">
-        <mc:Choice xmlns:a14="http://schemas.microsoft.com/office/drawing/2010/main" Requires="a14">
+      <mc:AlternateContent xmlns:mc="http://schemas.openxmlformats.org/markup-compatibility/2006" xmlns:a14="http://schemas.microsoft.com/office/drawing/2010/main">
+        <mc:Choice Requires="a14">
           <p:sp>
             <p:nvSpPr>
               <p:cNvPr id="6" name="テキスト ボックス 5">
@@ -21327,7 +22123,7 @@
             </p:txBody>
           </p:sp>
         </mc:Choice>
-        <mc:Fallback>
+        <mc:Fallback xmlns="">
           <p:sp>
             <p:nvSpPr>
               <p:cNvPr id="6" name="テキスト ボックス 5">
@@ -22622,8 +23418,8 @@
           </p:sp>
         </mc:Fallback>
       </mc:AlternateContent>
-      <mc:AlternateContent xmlns:mc="http://schemas.openxmlformats.org/markup-compatibility/2006" xmlns:a14="http://schemas.microsoft.com/office/drawing/2010/main">
-        <mc:Choice Requires="a14">
+      <mc:AlternateContent xmlns:mc="http://schemas.openxmlformats.org/markup-compatibility/2006">
+        <mc:Choice xmlns:a14="http://schemas.microsoft.com/office/drawing/2010/main" Requires="a14">
           <p:sp>
             <p:nvSpPr>
               <p:cNvPr id="12" name="テキスト ボックス 11">
@@ -22645,6 +23441,11 @@
                 <a:avLst/>
               </a:prstGeom>
               <a:noFill/>
+              <a:ln w="19050">
+                <a:solidFill>
+                  <a:srgbClr val="FF0000"/>
+                </a:solidFill>
+              </a:ln>
             </p:spPr>
             <p:txBody>
               <a:bodyPr wrap="square" rtlCol="0">
@@ -23210,7 +24011,7 @@
             </p:txBody>
           </p:sp>
         </mc:Choice>
-        <mc:Fallback xmlns="">
+        <mc:Fallback>
           <p:sp>
             <p:nvSpPr>
               <p:cNvPr id="12" name="テキスト ボックス 11">
@@ -23239,6 +24040,11 @@
                   <a:fillRect/>
                 </a:stretch>
               </a:blipFill>
+              <a:ln w="19050">
+                <a:solidFill>
+                  <a:srgbClr val="FF0000"/>
+                </a:solidFill>
+              </a:ln>
             </p:spPr>
             <p:txBody>
               <a:bodyPr/>
@@ -23378,6 +24184,157 @@
           </a:p>
         </p:txBody>
       </p:sp>
+      <mc:AlternateContent xmlns:mc="http://schemas.openxmlformats.org/markup-compatibility/2006">
+        <mc:Choice xmlns:a14="http://schemas.microsoft.com/office/drawing/2010/main" Requires="a14">
+          <p:sp>
+            <p:nvSpPr>
+              <p:cNvPr id="7" name="テキスト ボックス 6">
+                <a:extLst>
+                  <a:ext uri="{FF2B5EF4-FFF2-40B4-BE49-F238E27FC236}">
+                    <a16:creationId xmlns:a16="http://schemas.microsoft.com/office/drawing/2014/main" id="{D45E798D-711D-4B3B-A211-5D17DB2EBF34}"/>
+                  </a:ext>
+                </a:extLst>
+              </p:cNvPr>
+              <p:cNvSpPr txBox="1"/>
+              <p:nvPr/>
+            </p:nvSpPr>
+            <p:spPr>
+              <a:xfrm>
+                <a:off x="7732644" y="5307495"/>
+                <a:ext cx="3925957" cy="646331"/>
+              </a:xfrm>
+              <a:prstGeom prst="rect">
+                <a:avLst/>
+              </a:prstGeom>
+              <a:noFill/>
+            </p:spPr>
+            <p:txBody>
+              <a:bodyPr wrap="square" rtlCol="0">
+                <a:spAutoFit/>
+              </a:bodyPr>
+              <a:lstStyle/>
+              <a:p>
+                <a14:m>
+                  <m:oMath xmlns:m="http://schemas.openxmlformats.org/officeDocument/2006/math">
+                    <m:sSub>
+                      <m:sSubPr>
+                        <m:ctrlPr>
+                          <a:rPr kumimoji="1" lang="en-US" altLang="ja-JP" i="1" smtClean="0">
+                            <a:latin typeface="Cambria Math" panose="02040503050406030204" pitchFamily="18" charset="0"/>
+                          </a:rPr>
+                        </m:ctrlPr>
+                      </m:sSubPr>
+                      <m:e>
+                        <m:r>
+                          <a:rPr kumimoji="1" lang="en-US" altLang="ja-JP" b="0" i="1" smtClean="0">
+                            <a:latin typeface="Cambria Math" panose="02040503050406030204" pitchFamily="18" charset="0"/>
+                          </a:rPr>
+                          <m:t>𝑣</m:t>
+                        </m:r>
+                      </m:e>
+                      <m:sub>
+                        <m:r>
+                          <a:rPr kumimoji="1" lang="en-US" altLang="ja-JP" b="0" i="1" smtClean="0">
+                            <a:latin typeface="Cambria Math" panose="02040503050406030204" pitchFamily="18" charset="0"/>
+                          </a:rPr>
+                          <m:t>0</m:t>
+                        </m:r>
+                      </m:sub>
+                    </m:sSub>
+                    <m:r>
+                      <a:rPr kumimoji="1" lang="en-US" altLang="ja-JP" b="0" i="1" smtClean="0">
+                        <a:latin typeface="Cambria Math" panose="02040503050406030204" pitchFamily="18" charset="0"/>
+                      </a:rPr>
+                      <m:t> , </m:t>
+                    </m:r>
+                    <m:sSub>
+                      <m:sSubPr>
+                        <m:ctrlPr>
+                          <a:rPr kumimoji="1" lang="en-US" altLang="ja-JP" b="0" i="1" smtClean="0">
+                            <a:latin typeface="Cambria Math" panose="02040503050406030204" pitchFamily="18" charset="0"/>
+                          </a:rPr>
+                        </m:ctrlPr>
+                      </m:sSubPr>
+                      <m:e>
+                        <m:r>
+                          <a:rPr kumimoji="1" lang="en-US" altLang="ja-JP" b="0" i="1" smtClean="0">
+                            <a:latin typeface="Cambria Math" panose="02040503050406030204" pitchFamily="18" charset="0"/>
+                          </a:rPr>
+                          <m:t>𝑥</m:t>
+                        </m:r>
+                      </m:e>
+                      <m:sub>
+                        <m:r>
+                          <a:rPr kumimoji="1" lang="en-US" altLang="ja-JP" b="0" i="1" smtClean="0">
+                            <a:latin typeface="Cambria Math" panose="02040503050406030204" pitchFamily="18" charset="0"/>
+                          </a:rPr>
+                          <m:t>0</m:t>
+                        </m:r>
+                      </m:sub>
+                    </m:sSub>
+                  </m:oMath>
+                </a14:m>
+                <a:r>
+                  <a:rPr kumimoji="1" lang="ja-JP" altLang="en-US" dirty="0"/>
+                  <a:t>を出発点として、終了条件を満たすまで</a:t>
+                </a:r>
+                <a:r>
+                  <a:rPr kumimoji="1" lang="en-US" altLang="ja-JP" dirty="0"/>
+                  <a:t>while</a:t>
+                </a:r>
+                <a:r>
+                  <a:rPr kumimoji="1" lang="ja-JP" altLang="en-US" dirty="0"/>
+                  <a:t>文でループさせる</a:t>
+                </a:r>
+              </a:p>
+            </p:txBody>
+          </p:sp>
+        </mc:Choice>
+        <mc:Fallback>
+          <p:sp>
+            <p:nvSpPr>
+              <p:cNvPr id="7" name="テキスト ボックス 6">
+                <a:extLst>
+                  <a:ext uri="{FF2B5EF4-FFF2-40B4-BE49-F238E27FC236}">
+                    <a16:creationId xmlns:a16="http://schemas.microsoft.com/office/drawing/2014/main" id="{D45E798D-711D-4B3B-A211-5D17DB2EBF34}"/>
+                  </a:ext>
+                </a:extLst>
+              </p:cNvPr>
+              <p:cNvSpPr txBox="1">
+                <a:spLocks noRot="1" noChangeAspect="1" noMove="1" noResize="1" noEditPoints="1" noAdjustHandles="1" noChangeArrowheads="1" noChangeShapeType="1" noTextEdit="1"/>
+              </p:cNvSpPr>
+              <p:nvPr/>
+            </p:nvSpPr>
+            <p:spPr>
+              <a:xfrm>
+                <a:off x="7732644" y="5307495"/>
+                <a:ext cx="3925957" cy="646331"/>
+              </a:xfrm>
+              <a:prstGeom prst="rect">
+                <a:avLst/>
+              </a:prstGeom>
+              <a:blipFill>
+                <a:blip r:embed="rId8"/>
+                <a:stretch>
+                  <a:fillRect l="-1240" t="-4717" b="-14151"/>
+                </a:stretch>
+              </a:blipFill>
+            </p:spPr>
+            <p:txBody>
+              <a:bodyPr/>
+              <a:lstStyle/>
+              <a:p>
+                <a:r>
+                  <a:rPr lang="ja-JP" altLang="en-US">
+                    <a:noFill/>
+                  </a:rPr>
+                  <a:t> </a:t>
+                </a:r>
+              </a:p>
+            </p:txBody>
+          </p:sp>
+        </mc:Fallback>
+      </mc:AlternateContent>
     </p:spTree>
     <p:extLst>
       <p:ext uri="{BB962C8B-B14F-4D97-AF65-F5344CB8AC3E}">

--- a/docs/中間発表.pptx
+++ b/docs/中間発表.pptx
@@ -7,6 +7,9 @@
   <p:notesMasterIdLst>
     <p:notesMasterId r:id="rId21"/>
   </p:notesMasterIdLst>
+  <p:handoutMasterIdLst>
+    <p:handoutMasterId r:id="rId22"/>
+  </p:handoutMasterIdLst>
   <p:sldIdLst>
     <p:sldId id="256" r:id="rId2"/>
     <p:sldId id="267" r:id="rId3"/>
@@ -134,6 +137,195 @@
     </p:ext>
   </p:extLst>
 </p:presentation>
+</file>
+
+<file path=ppt/handoutMasters/handoutMaster1.xml><?xml version="1.0" encoding="utf-8"?>
+<p:handoutMaster xmlns:a="http://schemas.openxmlformats.org/drawingml/2006/main" xmlns:r="http://schemas.openxmlformats.org/officeDocument/2006/relationships" xmlns:p="http://schemas.openxmlformats.org/presentationml/2006/main">
+  <p:cSld>
+    <p:bg>
+      <p:bgRef idx="1001">
+        <a:schemeClr val="bg1"/>
+      </p:bgRef>
+    </p:bg>
+    <p:spTree>
+      <p:nvGrpSpPr>
+        <p:cNvPr id="1" name=""/>
+        <p:cNvGrpSpPr/>
+        <p:nvPr/>
+      </p:nvGrpSpPr>
+      <p:grpSpPr>
+        <a:xfrm>
+          <a:off x="0" y="0"/>
+          <a:ext cx="0" cy="0"/>
+          <a:chOff x="0" y="0"/>
+          <a:chExt cx="0" cy="0"/>
+        </a:xfrm>
+      </p:grpSpPr>
+      <p:sp>
+        <p:nvSpPr>
+          <p:cNvPr id="2" name="ヘッダー プレースホルダー 1">
+            <a:extLst>
+              <a:ext uri="{FF2B5EF4-FFF2-40B4-BE49-F238E27FC236}">
+                <a16:creationId xmlns:a16="http://schemas.microsoft.com/office/drawing/2014/main" id="{EA9ED781-3305-4602-859B-F83148CD06C2}"/>
+              </a:ext>
+            </a:extLst>
+          </p:cNvPr>
+          <p:cNvSpPr>
+            <a:spLocks noGrp="1"/>
+          </p:cNvSpPr>
+          <p:nvPr>
+            <p:ph type="hdr" sz="quarter"/>
+          </p:nvPr>
+        </p:nvSpPr>
+        <p:spPr>
+          <a:xfrm>
+            <a:off x="0" y="0"/>
+            <a:ext cx="2971800" cy="458788"/>
+          </a:xfrm>
+          <a:prstGeom prst="rect">
+            <a:avLst/>
+          </a:prstGeom>
+        </p:spPr>
+        <p:txBody>
+          <a:bodyPr vert="horz" lIns="91440" tIns="45720" rIns="91440" bIns="45720" rtlCol="0"/>
+          <a:lstStyle>
+            <a:lvl1pPr algn="l">
+              <a:defRPr sz="1200"/>
+            </a:lvl1pPr>
+          </a:lstStyle>
+          <a:p>
+            <a:endParaRPr kumimoji="1" lang="ja-JP" altLang="en-US"/>
+          </a:p>
+        </p:txBody>
+      </p:sp>
+      <p:sp>
+        <p:nvSpPr>
+          <p:cNvPr id="3" name="日付プレースホルダー 2">
+            <a:extLst>
+              <a:ext uri="{FF2B5EF4-FFF2-40B4-BE49-F238E27FC236}">
+                <a16:creationId xmlns:a16="http://schemas.microsoft.com/office/drawing/2014/main" id="{21B1E87A-E8D4-4AF4-B76D-0576067C48B3}"/>
+              </a:ext>
+            </a:extLst>
+          </p:cNvPr>
+          <p:cNvSpPr>
+            <a:spLocks noGrp="1"/>
+          </p:cNvSpPr>
+          <p:nvPr>
+            <p:ph type="dt" sz="quarter" idx="1"/>
+          </p:nvPr>
+        </p:nvSpPr>
+        <p:spPr>
+          <a:xfrm>
+            <a:off x="3884613" y="0"/>
+            <a:ext cx="2971800" cy="458788"/>
+          </a:xfrm>
+          <a:prstGeom prst="rect">
+            <a:avLst/>
+          </a:prstGeom>
+        </p:spPr>
+        <p:txBody>
+          <a:bodyPr vert="horz" lIns="91440" tIns="45720" rIns="91440" bIns="45720" rtlCol="0"/>
+          <a:lstStyle>
+            <a:lvl1pPr algn="r">
+              <a:defRPr sz="1200"/>
+            </a:lvl1pPr>
+          </a:lstStyle>
+          <a:p>
+            <a:fld id="{9F9A033E-D1F1-45AD-B378-340E885A1806}" type="datetimeFigureOut">
+              <a:rPr kumimoji="1" lang="ja-JP" altLang="en-US" smtClean="0"/>
+              <a:t>2020/10/8</a:t>
+            </a:fld>
+            <a:endParaRPr kumimoji="1" lang="ja-JP" altLang="en-US"/>
+          </a:p>
+        </p:txBody>
+      </p:sp>
+      <p:sp>
+        <p:nvSpPr>
+          <p:cNvPr id="4" name="フッター プレースホルダー 3">
+            <a:extLst>
+              <a:ext uri="{FF2B5EF4-FFF2-40B4-BE49-F238E27FC236}">
+                <a16:creationId xmlns:a16="http://schemas.microsoft.com/office/drawing/2014/main" id="{601FDF70-FDCE-40F2-A7C0-95A00B73E777}"/>
+              </a:ext>
+            </a:extLst>
+          </p:cNvPr>
+          <p:cNvSpPr>
+            <a:spLocks noGrp="1"/>
+          </p:cNvSpPr>
+          <p:nvPr>
+            <p:ph type="ftr" sz="quarter" idx="2"/>
+          </p:nvPr>
+        </p:nvSpPr>
+        <p:spPr>
+          <a:xfrm>
+            <a:off x="0" y="8685213"/>
+            <a:ext cx="2971800" cy="458787"/>
+          </a:xfrm>
+          <a:prstGeom prst="rect">
+            <a:avLst/>
+          </a:prstGeom>
+        </p:spPr>
+        <p:txBody>
+          <a:bodyPr vert="horz" lIns="91440" tIns="45720" rIns="91440" bIns="45720" rtlCol="0" anchor="b"/>
+          <a:lstStyle>
+            <a:lvl1pPr algn="l">
+              <a:defRPr sz="1200"/>
+            </a:lvl1pPr>
+          </a:lstStyle>
+          <a:p>
+            <a:endParaRPr kumimoji="1" lang="ja-JP" altLang="en-US"/>
+          </a:p>
+        </p:txBody>
+      </p:sp>
+      <p:sp>
+        <p:nvSpPr>
+          <p:cNvPr id="5" name="スライド番号プレースホルダー 4">
+            <a:extLst>
+              <a:ext uri="{FF2B5EF4-FFF2-40B4-BE49-F238E27FC236}">
+                <a16:creationId xmlns:a16="http://schemas.microsoft.com/office/drawing/2014/main" id="{72748913-1F40-4584-A851-9CF25ADCF19C}"/>
+              </a:ext>
+            </a:extLst>
+          </p:cNvPr>
+          <p:cNvSpPr>
+            <a:spLocks noGrp="1"/>
+          </p:cNvSpPr>
+          <p:nvPr>
+            <p:ph type="sldNum" sz="quarter" idx="3"/>
+          </p:nvPr>
+        </p:nvSpPr>
+        <p:spPr>
+          <a:xfrm>
+            <a:off x="3884613" y="8685213"/>
+            <a:ext cx="2971800" cy="458787"/>
+          </a:xfrm>
+          <a:prstGeom prst="rect">
+            <a:avLst/>
+          </a:prstGeom>
+        </p:spPr>
+        <p:txBody>
+          <a:bodyPr vert="horz" lIns="91440" tIns="45720" rIns="91440" bIns="45720" rtlCol="0" anchor="b"/>
+          <a:lstStyle>
+            <a:lvl1pPr algn="r">
+              <a:defRPr sz="1200"/>
+            </a:lvl1pPr>
+          </a:lstStyle>
+          <a:p>
+            <a:fld id="{2FB68E98-E27D-408C-95E2-5EFC411A4335}" type="slidenum">
+              <a:rPr kumimoji="1" lang="ja-JP" altLang="en-US" smtClean="0"/>
+              <a:t>‹#›</a:t>
+            </a:fld>
+            <a:endParaRPr kumimoji="1" lang="ja-JP" altLang="en-US"/>
+          </a:p>
+        </p:txBody>
+      </p:sp>
+    </p:spTree>
+    <p:extLst>
+      <p:ext uri="{BB962C8B-B14F-4D97-AF65-F5344CB8AC3E}">
+        <p14:creationId xmlns:p14="http://schemas.microsoft.com/office/powerpoint/2010/main" val="230234938"/>
+      </p:ext>
+    </p:extLst>
+  </p:cSld>
+  <p:clrMap bg1="lt1" tx1="dk1" bg2="lt2" tx2="dk2" accent1="accent1" accent2="accent2" accent3="accent3" accent4="accent4" accent5="accent5" accent6="accent6" hlink="hlink" folHlink="folHlink"/>
+</p:handoutMaster>
 </file>
 
 <file path=ppt/notesMasters/notesMaster1.xml><?xml version="1.0" encoding="utf-8"?>
@@ -648,7 +840,10 @@
           <a:bodyPr/>
           <a:lstStyle/>
           <a:p>
-            <a:endParaRPr kumimoji="1" lang="ja-JP" altLang="en-US" dirty="0"/>
+            <a:r>
+              <a:rPr kumimoji="1" lang="ja-JP" altLang="en-US" dirty="0"/>
+              <a:t>実際の実行画面は図のとおりです。</a:t>
+            </a:r>
           </a:p>
         </p:txBody>
       </p:sp>
@@ -669,6 +864,893 @@
           <a:p>
             <a:fld id="{54FC74C9-A3B3-42D0-9EC6-DE7CEAAF28CE}" type="slidenum">
               <a:rPr kumimoji="1" lang="ja-JP" altLang="en-US" smtClean="0"/>
+              <a:t>10</a:t>
+            </a:fld>
+            <a:endParaRPr kumimoji="1" lang="ja-JP" altLang="en-US"/>
+          </a:p>
+        </p:txBody>
+      </p:sp>
+    </p:spTree>
+    <p:extLst>
+      <p:ext uri="{BB962C8B-B14F-4D97-AF65-F5344CB8AC3E}">
+        <p14:creationId xmlns:p14="http://schemas.microsoft.com/office/powerpoint/2010/main" val="4197724345"/>
+      </p:ext>
+    </p:extLst>
+  </p:cSld>
+  <p:clrMapOvr>
+    <a:masterClrMapping/>
+  </p:clrMapOvr>
+</p:notes>
+</file>
+
+<file path=ppt/notesSlides/notesSlide11.xml><?xml version="1.0" encoding="utf-8"?>
+<p:notes xmlns:a="http://schemas.openxmlformats.org/drawingml/2006/main" xmlns:r="http://schemas.openxmlformats.org/officeDocument/2006/relationships" xmlns:p="http://schemas.openxmlformats.org/presentationml/2006/main">
+  <p:cSld>
+    <p:spTree>
+      <p:nvGrpSpPr>
+        <p:cNvPr id="1" name=""/>
+        <p:cNvGrpSpPr/>
+        <p:nvPr/>
+      </p:nvGrpSpPr>
+      <p:grpSpPr>
+        <a:xfrm>
+          <a:off x="0" y="0"/>
+          <a:ext cx="0" cy="0"/>
+          <a:chOff x="0" y="0"/>
+          <a:chExt cx="0" cy="0"/>
+        </a:xfrm>
+      </p:grpSpPr>
+      <p:sp>
+        <p:nvSpPr>
+          <p:cNvPr id="2" name="スライド イメージ プレースホルダー 1"/>
+          <p:cNvSpPr>
+            <a:spLocks noGrp="1" noRot="1" noChangeAspect="1"/>
+          </p:cNvSpPr>
+          <p:nvPr>
+            <p:ph type="sldImg"/>
+          </p:nvPr>
+        </p:nvSpPr>
+        <p:spPr/>
+      </p:sp>
+      <p:sp>
+        <p:nvSpPr>
+          <p:cNvPr id="3" name="ノート プレースホルダー 2"/>
+          <p:cNvSpPr>
+            <a:spLocks noGrp="1"/>
+          </p:cNvSpPr>
+          <p:nvPr>
+            <p:ph type="body" idx="1"/>
+          </p:nvPr>
+        </p:nvSpPr>
+        <p:spPr/>
+        <p:txBody>
+          <a:bodyPr/>
+          <a:lstStyle/>
+          <a:p>
+            <a:r>
+              <a:rPr lang="ja-JP" altLang="ja-JP" sz="1800" kern="100" dirty="0">
+                <a:effectLst/>
+                <a:latin typeface="游明朝" panose="02020400000000000000" pitchFamily="18" charset="-128"/>
+                <a:ea typeface="游明朝" panose="02020400000000000000" pitchFamily="18" charset="-128"/>
+                <a:cs typeface="Times New Roman" panose="02020603050405020304" pitchFamily="18" charset="0"/>
+              </a:rPr>
+              <a:t>計算が正しいことを確認したので</a:t>
+            </a:r>
+            <a:r>
+              <a:rPr lang="ja-JP" altLang="en-US" sz="1800" kern="100" dirty="0">
+                <a:effectLst/>
+                <a:latin typeface="游明朝" panose="02020400000000000000" pitchFamily="18" charset="-128"/>
+                <a:ea typeface="游明朝" panose="02020400000000000000" pitchFamily="18" charset="-128"/>
+                <a:cs typeface="Times New Roman" panose="02020603050405020304" pitchFamily="18" charset="0"/>
+              </a:rPr>
+              <a:t>次に</a:t>
+            </a:r>
+            <a:r>
+              <a:rPr lang="ja-JP" altLang="ja-JP" sz="1800" kern="100" dirty="0">
+                <a:effectLst/>
+                <a:latin typeface="游明朝" panose="02020400000000000000" pitchFamily="18" charset="-128"/>
+                <a:ea typeface="游明朝" panose="02020400000000000000" pitchFamily="18" charset="-128"/>
+                <a:cs typeface="Times New Roman" panose="02020603050405020304" pitchFamily="18" charset="0"/>
+              </a:rPr>
+              <a:t>目標である</a:t>
+            </a:r>
+            <a:r>
+              <a:rPr lang="en-US" altLang="ja-JP" sz="1800" kern="100" dirty="0">
+                <a:effectLst/>
+                <a:latin typeface="游明朝" panose="02020400000000000000" pitchFamily="18" charset="-128"/>
+                <a:ea typeface="游明朝" panose="02020400000000000000" pitchFamily="18" charset="-128"/>
+                <a:cs typeface="Times New Roman" panose="02020603050405020304" pitchFamily="18" charset="0"/>
+              </a:rPr>
+              <a:t>Sn</a:t>
+            </a:r>
+            <a:r>
+              <a:rPr lang="ja-JP" altLang="ja-JP" sz="1800" kern="100" dirty="0">
+                <a:effectLst/>
+                <a:latin typeface="游明朝" panose="02020400000000000000" pitchFamily="18" charset="-128"/>
+                <a:ea typeface="游明朝" panose="02020400000000000000" pitchFamily="18" charset="-128"/>
+                <a:cs typeface="Times New Roman" panose="02020603050405020304" pitchFamily="18" charset="0"/>
+              </a:rPr>
+              <a:t>イオンのシミュレーションを</a:t>
+            </a:r>
+            <a:r>
+              <a:rPr lang="ja-JP" altLang="en-US" sz="1800" kern="100" dirty="0">
+                <a:effectLst/>
+                <a:latin typeface="游明朝" panose="02020400000000000000" pitchFamily="18" charset="-128"/>
+                <a:ea typeface="游明朝" panose="02020400000000000000" pitchFamily="18" charset="-128"/>
+                <a:cs typeface="Times New Roman" panose="02020603050405020304" pitchFamily="18" charset="0"/>
+              </a:rPr>
+              <a:t>左</a:t>
+            </a:r>
+            <a:r>
+              <a:rPr lang="ja-JP" altLang="ja-JP" sz="1800" kern="100" dirty="0">
+                <a:effectLst/>
+                <a:latin typeface="游明朝" panose="02020400000000000000" pitchFamily="18" charset="-128"/>
+                <a:ea typeface="游明朝" panose="02020400000000000000" pitchFamily="18" charset="-128"/>
+                <a:cs typeface="Times New Roman" panose="02020603050405020304" pitchFamily="18" charset="0"/>
+              </a:rPr>
+              <a:t>の設定で行いました。電場と磁場はそれぞれ</a:t>
+            </a:r>
+            <a:r>
+              <a:rPr lang="en-US" altLang="ja-JP" sz="1800" kern="100" dirty="0">
+                <a:effectLst/>
+                <a:latin typeface="游明朝" panose="02020400000000000000" pitchFamily="18" charset="-128"/>
+                <a:ea typeface="游明朝" panose="02020400000000000000" pitchFamily="18" charset="-128"/>
+                <a:cs typeface="Times New Roman" panose="02020603050405020304" pitchFamily="18" charset="0"/>
+              </a:rPr>
+              <a:t>E</a:t>
+            </a:r>
+            <a:r>
+              <a:rPr lang="ja-JP" altLang="ja-JP" sz="1800" kern="100" dirty="0">
+                <a:effectLst/>
+                <a:latin typeface="游明朝" panose="02020400000000000000" pitchFamily="18" charset="-128"/>
+                <a:ea typeface="游明朝" panose="02020400000000000000" pitchFamily="18" charset="-128"/>
+                <a:cs typeface="Times New Roman" panose="02020603050405020304" pitchFamily="18" charset="0"/>
+              </a:rPr>
+              <a:t>×</a:t>
+            </a:r>
+            <a:r>
+              <a:rPr lang="en-US" altLang="ja-JP" sz="1800" kern="100" dirty="0">
+                <a:effectLst/>
+                <a:latin typeface="游明朝" panose="02020400000000000000" pitchFamily="18" charset="-128"/>
+                <a:ea typeface="游明朝" panose="02020400000000000000" pitchFamily="18" charset="-128"/>
+                <a:cs typeface="Times New Roman" panose="02020603050405020304" pitchFamily="18" charset="0"/>
+              </a:rPr>
+              <a:t>B</a:t>
+            </a:r>
+            <a:r>
+              <a:rPr lang="ja-JP" altLang="ja-JP" sz="1800" kern="100" dirty="0">
+                <a:effectLst/>
+                <a:latin typeface="游明朝" panose="02020400000000000000" pitchFamily="18" charset="-128"/>
+                <a:ea typeface="游明朝" panose="02020400000000000000" pitchFamily="18" charset="-128"/>
+                <a:cs typeface="Times New Roman" panose="02020603050405020304" pitchFamily="18" charset="0"/>
+              </a:rPr>
+              <a:t>フィルタの最大電場、最大磁場を超えないで最もセパレートできる値に設定しました。初速は</a:t>
+            </a:r>
+            <a:r>
+              <a:rPr lang="en-US" altLang="ja-JP" sz="1800" kern="100" dirty="0">
+                <a:effectLst/>
+                <a:latin typeface="游明朝" panose="02020400000000000000" pitchFamily="18" charset="-128"/>
+                <a:ea typeface="游明朝" panose="02020400000000000000" pitchFamily="18" charset="-128"/>
+                <a:cs typeface="Times New Roman" panose="02020603050405020304" pitchFamily="18" charset="0"/>
+              </a:rPr>
+              <a:t>SCRIT</a:t>
+            </a:r>
+            <a:r>
+              <a:rPr lang="ja-JP" altLang="ja-JP" sz="1800" kern="100" dirty="0">
+                <a:effectLst/>
+                <a:latin typeface="游明朝" panose="02020400000000000000" pitchFamily="18" charset="-128"/>
+                <a:ea typeface="游明朝" panose="02020400000000000000" pitchFamily="18" charset="-128"/>
+                <a:cs typeface="Times New Roman" panose="02020603050405020304" pitchFamily="18" charset="0"/>
+              </a:rPr>
+              <a:t>のポテンシャルである</a:t>
+            </a:r>
+            <a:r>
+              <a:rPr lang="en-US" altLang="ja-JP" sz="1800" kern="100" dirty="0">
+                <a:effectLst/>
+                <a:latin typeface="游明朝" panose="02020400000000000000" pitchFamily="18" charset="-128"/>
+                <a:ea typeface="游明朝" panose="02020400000000000000" pitchFamily="18" charset="-128"/>
+                <a:cs typeface="Times New Roman" panose="02020603050405020304" pitchFamily="18" charset="0"/>
+              </a:rPr>
+              <a:t>10keV</a:t>
+            </a:r>
+            <a:r>
+              <a:rPr lang="ja-JP" altLang="ja-JP" sz="1800" kern="100" dirty="0">
+                <a:effectLst/>
+                <a:latin typeface="游明朝" panose="02020400000000000000" pitchFamily="18" charset="-128"/>
+                <a:ea typeface="游明朝" panose="02020400000000000000" pitchFamily="18" charset="-128"/>
+                <a:cs typeface="Times New Roman" panose="02020603050405020304" pitchFamily="18" charset="0"/>
+              </a:rPr>
+              <a:t>から運動エネルギーの公式を使って計算した値です。</a:t>
+            </a:r>
+            <a:endParaRPr lang="en-US" altLang="ja-JP" sz="1800" kern="100" dirty="0">
+              <a:effectLst/>
+              <a:latin typeface="游明朝" panose="02020400000000000000" pitchFamily="18" charset="-128"/>
+              <a:ea typeface="游明朝" panose="02020400000000000000" pitchFamily="18" charset="-128"/>
+              <a:cs typeface="Times New Roman" panose="02020603050405020304" pitchFamily="18" charset="0"/>
+            </a:endParaRPr>
+          </a:p>
+          <a:p>
+            <a:r>
+              <a:rPr lang="ja-JP" altLang="en-US" sz="1800" kern="100" dirty="0">
+                <a:latin typeface="游明朝" panose="02020400000000000000" pitchFamily="18" charset="-128"/>
+                <a:ea typeface="游明朝" panose="02020400000000000000" pitchFamily="18" charset="-128"/>
+                <a:cs typeface="Times New Roman" panose="02020603050405020304" pitchFamily="18" charset="0"/>
+              </a:rPr>
+              <a:t>結果は右図のとおりです。</a:t>
+            </a:r>
+            <a:endParaRPr lang="ja-JP" altLang="ja-JP" sz="1800" kern="100" dirty="0">
+              <a:effectLst/>
+              <a:latin typeface="游明朝" panose="02020400000000000000" pitchFamily="18" charset="-128"/>
+              <a:ea typeface="游明朝" panose="02020400000000000000" pitchFamily="18" charset="-128"/>
+              <a:cs typeface="Times New Roman" panose="02020603050405020304" pitchFamily="18" charset="0"/>
+            </a:endParaRPr>
+          </a:p>
+          <a:p>
+            <a:endParaRPr kumimoji="1" lang="ja-JP" altLang="en-US" dirty="0"/>
+          </a:p>
+        </p:txBody>
+      </p:sp>
+      <p:sp>
+        <p:nvSpPr>
+          <p:cNvPr id="4" name="スライド番号プレースホルダー 3"/>
+          <p:cNvSpPr>
+            <a:spLocks noGrp="1"/>
+          </p:cNvSpPr>
+          <p:nvPr>
+            <p:ph type="sldNum" sz="quarter" idx="5"/>
+          </p:nvPr>
+        </p:nvSpPr>
+        <p:spPr/>
+        <p:txBody>
+          <a:bodyPr/>
+          <a:lstStyle/>
+          <a:p>
+            <a:fld id="{54FC74C9-A3B3-42D0-9EC6-DE7CEAAF28CE}" type="slidenum">
+              <a:rPr kumimoji="1" lang="ja-JP" altLang="en-US" smtClean="0"/>
+              <a:t>11</a:t>
+            </a:fld>
+            <a:endParaRPr kumimoji="1" lang="ja-JP" altLang="en-US"/>
+          </a:p>
+        </p:txBody>
+      </p:sp>
+    </p:spTree>
+    <p:extLst>
+      <p:ext uri="{BB962C8B-B14F-4D97-AF65-F5344CB8AC3E}">
+        <p14:creationId xmlns:p14="http://schemas.microsoft.com/office/powerpoint/2010/main" val="1163046550"/>
+      </p:ext>
+    </p:extLst>
+  </p:cSld>
+  <p:clrMapOvr>
+    <a:masterClrMapping/>
+  </p:clrMapOvr>
+</p:notes>
+</file>
+
+<file path=ppt/notesSlides/notesSlide12.xml><?xml version="1.0" encoding="utf-8"?>
+<p:notes xmlns:a="http://schemas.openxmlformats.org/drawingml/2006/main" xmlns:r="http://schemas.openxmlformats.org/officeDocument/2006/relationships" xmlns:p="http://schemas.openxmlformats.org/presentationml/2006/main">
+  <p:cSld>
+    <p:spTree>
+      <p:nvGrpSpPr>
+        <p:cNvPr id="1" name=""/>
+        <p:cNvGrpSpPr/>
+        <p:nvPr/>
+      </p:nvGrpSpPr>
+      <p:grpSpPr>
+        <a:xfrm>
+          <a:off x="0" y="0"/>
+          <a:ext cx="0" cy="0"/>
+          <a:chOff x="0" y="0"/>
+          <a:chExt cx="0" cy="0"/>
+        </a:xfrm>
+      </p:grpSpPr>
+      <p:sp>
+        <p:nvSpPr>
+          <p:cNvPr id="2" name="スライド イメージ プレースホルダー 1"/>
+          <p:cNvSpPr>
+            <a:spLocks noGrp="1" noRot="1" noChangeAspect="1"/>
+          </p:cNvSpPr>
+          <p:nvPr>
+            <p:ph type="sldImg"/>
+          </p:nvPr>
+        </p:nvSpPr>
+        <p:spPr/>
+      </p:sp>
+      <p:sp>
+        <p:nvSpPr>
+          <p:cNvPr id="3" name="ノート プレースホルダー 2"/>
+          <p:cNvSpPr>
+            <a:spLocks noGrp="1"/>
+          </p:cNvSpPr>
+          <p:nvPr>
+            <p:ph type="body" idx="1"/>
+          </p:nvPr>
+        </p:nvSpPr>
+        <p:spPr/>
+        <p:txBody>
+          <a:bodyPr/>
+          <a:lstStyle/>
+          <a:p>
+            <a:r>
+              <a:rPr lang="ja-JP" altLang="en-US" sz="1800" kern="100" dirty="0">
+                <a:effectLst/>
+                <a:latin typeface="游明朝" panose="02020400000000000000" pitchFamily="18" charset="-128"/>
+                <a:ea typeface="游明朝" panose="02020400000000000000" pitchFamily="18" charset="-128"/>
+                <a:cs typeface="Times New Roman" panose="02020603050405020304" pitchFamily="18" charset="0"/>
+              </a:rPr>
+              <a:t>拡大した</a:t>
+            </a:r>
+            <a:r>
+              <a:rPr lang="ja-JP" altLang="ja-JP" sz="1800" kern="100" dirty="0">
+                <a:effectLst/>
+                <a:latin typeface="游明朝" panose="02020400000000000000" pitchFamily="18" charset="-128"/>
+                <a:ea typeface="游明朝" panose="02020400000000000000" pitchFamily="18" charset="-128"/>
+                <a:cs typeface="Times New Roman" panose="02020603050405020304" pitchFamily="18" charset="0"/>
+              </a:rPr>
+              <a:t>図のとおり、チャンネルトロンの開口部が</a:t>
+            </a:r>
+            <a:r>
+              <a:rPr lang="en-US" altLang="ja-JP" sz="1800" kern="100" dirty="0">
+                <a:effectLst/>
+                <a:latin typeface="游明朝" panose="02020400000000000000" pitchFamily="18" charset="-128"/>
+                <a:ea typeface="游明朝" panose="02020400000000000000" pitchFamily="18" charset="-128"/>
+                <a:cs typeface="Times New Roman" panose="02020603050405020304" pitchFamily="18" charset="0"/>
+              </a:rPr>
+              <a:t>5</a:t>
+            </a:r>
+            <a:r>
+              <a:rPr lang="ja-JP" altLang="ja-JP" sz="1800" kern="100" dirty="0">
+                <a:effectLst/>
+                <a:latin typeface="游明朝" panose="02020400000000000000" pitchFamily="18" charset="-128"/>
+                <a:ea typeface="游明朝" panose="02020400000000000000" pitchFamily="18" charset="-128"/>
+                <a:cs typeface="Times New Roman" panose="02020603050405020304" pitchFamily="18" charset="0"/>
+              </a:rPr>
+              <a:t>㎜幅なのに対して</a:t>
+            </a:r>
+            <a:r>
+              <a:rPr lang="en-US" altLang="ja-JP" sz="1800" kern="100" dirty="0">
+                <a:effectLst/>
+                <a:latin typeface="游明朝" panose="02020400000000000000" pitchFamily="18" charset="-128"/>
+                <a:ea typeface="游明朝" panose="02020400000000000000" pitchFamily="18" charset="-128"/>
+                <a:cs typeface="Times New Roman" panose="02020603050405020304" pitchFamily="18" charset="0"/>
+              </a:rPr>
+              <a:t>12</a:t>
+            </a:r>
+            <a:r>
+              <a:rPr lang="ja-JP" altLang="ja-JP" sz="1800" kern="100" dirty="0">
+                <a:effectLst/>
+                <a:latin typeface="游明朝" panose="02020400000000000000" pitchFamily="18" charset="-128"/>
+                <a:ea typeface="游明朝" panose="02020400000000000000" pitchFamily="18" charset="-128"/>
+                <a:cs typeface="Times New Roman" panose="02020603050405020304" pitchFamily="18" charset="0"/>
+              </a:rPr>
+              <a:t>価以上のイオンは</a:t>
+            </a:r>
+            <a:r>
+              <a:rPr lang="ja-JP" altLang="en-US" sz="1800" kern="100" dirty="0">
+                <a:effectLst/>
+                <a:latin typeface="游明朝" panose="02020400000000000000" pitchFamily="18" charset="-128"/>
+                <a:ea typeface="游明朝" panose="02020400000000000000" pitchFamily="18" charset="-128"/>
+                <a:cs typeface="Times New Roman" panose="02020603050405020304" pitchFamily="18" charset="0"/>
+              </a:rPr>
+              <a:t>十分にセパレートできていないという結果になりました</a:t>
+            </a:r>
+            <a:r>
+              <a:rPr lang="ja-JP" altLang="ja-JP" sz="1800" kern="100" dirty="0">
+                <a:effectLst/>
+                <a:latin typeface="游明朝" panose="02020400000000000000" pitchFamily="18" charset="-128"/>
+                <a:ea typeface="游明朝" panose="02020400000000000000" pitchFamily="18" charset="-128"/>
+                <a:cs typeface="Times New Roman" panose="02020603050405020304" pitchFamily="18" charset="0"/>
+              </a:rPr>
+              <a:t>。最大電場が小さいこと、初速が速すぎることが原因と考えられます。改善策</a:t>
+            </a:r>
+            <a:r>
+              <a:rPr lang="ja-JP" altLang="en-US" sz="1800" kern="100" dirty="0">
+                <a:latin typeface="游明朝" panose="02020400000000000000" pitchFamily="18" charset="-128"/>
+                <a:ea typeface="游明朝" panose="02020400000000000000" pitchFamily="18" charset="-128"/>
+                <a:cs typeface="Times New Roman" panose="02020603050405020304" pitchFamily="18" charset="0"/>
+              </a:rPr>
+              <a:t>として</a:t>
+            </a:r>
+            <a:r>
+              <a:rPr lang="ja-JP" altLang="ja-JP" sz="1800" kern="100" dirty="0">
+                <a:effectLst/>
+                <a:latin typeface="游明朝" panose="02020400000000000000" pitchFamily="18" charset="-128"/>
+                <a:ea typeface="游明朝" panose="02020400000000000000" pitchFamily="18" charset="-128"/>
+                <a:cs typeface="Times New Roman" panose="02020603050405020304" pitchFamily="18" charset="0"/>
+              </a:rPr>
+              <a:t>は最大電場を大きくすること、初速を遅くするために</a:t>
+            </a:r>
+            <a:r>
+              <a:rPr lang="en-US" altLang="ja-JP" sz="1800" kern="100" dirty="0">
+                <a:effectLst/>
+                <a:latin typeface="游明朝" panose="02020400000000000000" pitchFamily="18" charset="-128"/>
+                <a:ea typeface="游明朝" panose="02020400000000000000" pitchFamily="18" charset="-128"/>
+                <a:cs typeface="Times New Roman" panose="02020603050405020304" pitchFamily="18" charset="0"/>
+              </a:rPr>
+              <a:t>SCRIT</a:t>
+            </a:r>
+            <a:r>
+              <a:rPr lang="ja-JP" altLang="ja-JP" sz="1800" kern="100" dirty="0">
+                <a:effectLst/>
+                <a:latin typeface="游明朝" panose="02020400000000000000" pitchFamily="18" charset="-128"/>
+                <a:ea typeface="游明朝" panose="02020400000000000000" pitchFamily="18" charset="-128"/>
+                <a:cs typeface="Times New Roman" panose="02020603050405020304" pitchFamily="18" charset="0"/>
+              </a:rPr>
+              <a:t>のポテンシャルを小さくすること、チャンネルトロンの数を増やすこと、分布が左に偏っているため、チャンネルトロンをずらすことが挙げられます。</a:t>
+            </a:r>
+          </a:p>
+          <a:p>
+            <a:endParaRPr kumimoji="1" lang="ja-JP" altLang="en-US" dirty="0"/>
+          </a:p>
+        </p:txBody>
+      </p:sp>
+      <p:sp>
+        <p:nvSpPr>
+          <p:cNvPr id="4" name="スライド番号プレースホルダー 3"/>
+          <p:cNvSpPr>
+            <a:spLocks noGrp="1"/>
+          </p:cNvSpPr>
+          <p:nvPr>
+            <p:ph type="sldNum" sz="quarter" idx="5"/>
+          </p:nvPr>
+        </p:nvSpPr>
+        <p:spPr/>
+        <p:txBody>
+          <a:bodyPr/>
+          <a:lstStyle/>
+          <a:p>
+            <a:fld id="{54FC74C9-A3B3-42D0-9EC6-DE7CEAAF28CE}" type="slidenum">
+              <a:rPr kumimoji="1" lang="ja-JP" altLang="en-US" smtClean="0"/>
+              <a:t>12</a:t>
+            </a:fld>
+            <a:endParaRPr kumimoji="1" lang="ja-JP" altLang="en-US"/>
+          </a:p>
+        </p:txBody>
+      </p:sp>
+    </p:spTree>
+    <p:extLst>
+      <p:ext uri="{BB962C8B-B14F-4D97-AF65-F5344CB8AC3E}">
+        <p14:creationId xmlns:p14="http://schemas.microsoft.com/office/powerpoint/2010/main" val="2711372491"/>
+      </p:ext>
+    </p:extLst>
+  </p:cSld>
+  <p:clrMapOvr>
+    <a:masterClrMapping/>
+  </p:clrMapOvr>
+</p:notes>
+</file>
+
+<file path=ppt/notesSlides/notesSlide13.xml><?xml version="1.0" encoding="utf-8"?>
+<p:notes xmlns:a="http://schemas.openxmlformats.org/drawingml/2006/main" xmlns:r="http://schemas.openxmlformats.org/officeDocument/2006/relationships" xmlns:p="http://schemas.openxmlformats.org/presentationml/2006/main">
+  <p:cSld>
+    <p:spTree>
+      <p:nvGrpSpPr>
+        <p:cNvPr id="1" name=""/>
+        <p:cNvGrpSpPr/>
+        <p:nvPr/>
+      </p:nvGrpSpPr>
+      <p:grpSpPr>
+        <a:xfrm>
+          <a:off x="0" y="0"/>
+          <a:ext cx="0" cy="0"/>
+          <a:chOff x="0" y="0"/>
+          <a:chExt cx="0" cy="0"/>
+        </a:xfrm>
+      </p:grpSpPr>
+      <p:sp>
+        <p:nvSpPr>
+          <p:cNvPr id="2" name="スライド イメージ プレースホルダー 1"/>
+          <p:cNvSpPr>
+            <a:spLocks noGrp="1" noRot="1" noChangeAspect="1"/>
+          </p:cNvSpPr>
+          <p:nvPr>
+            <p:ph type="sldImg"/>
+          </p:nvPr>
+        </p:nvSpPr>
+        <p:spPr/>
+      </p:sp>
+      <p:sp>
+        <p:nvSpPr>
+          <p:cNvPr id="3" name="ノート プレースホルダー 2"/>
+          <p:cNvSpPr>
+            <a:spLocks noGrp="1"/>
+          </p:cNvSpPr>
+          <p:nvPr>
+            <p:ph type="body" idx="1"/>
+          </p:nvPr>
+        </p:nvSpPr>
+        <p:spPr/>
+        <p:txBody>
+          <a:bodyPr/>
+          <a:lstStyle/>
+          <a:p>
+            <a:r>
+              <a:rPr lang="ja-JP" altLang="ja-JP" sz="1800" kern="100" dirty="0">
+                <a:effectLst/>
+                <a:latin typeface="游明朝" panose="02020400000000000000" pitchFamily="18" charset="-128"/>
+                <a:ea typeface="游明朝" panose="02020400000000000000" pitchFamily="18" charset="-128"/>
+                <a:cs typeface="Times New Roman" panose="02020603050405020304" pitchFamily="18" charset="0"/>
+              </a:rPr>
+              <a:t>展望としてはまず電場と磁場の漏れを考慮した設定にしたいと思っています。現状の設定ではリアルなものではないので、ラプラス方程式から電場を求めるコードを書いています。右の図のようにそれらしい結果は得られているのですが、これが正しいのか判断するためのテストを行っていないのでこれからテストする予定です。電場の後は磁場も同様に計算していこうと思っています。</a:t>
+            </a:r>
+          </a:p>
+          <a:p>
+            <a:endParaRPr kumimoji="1" lang="ja-JP" altLang="en-US" dirty="0"/>
+          </a:p>
+        </p:txBody>
+      </p:sp>
+      <p:sp>
+        <p:nvSpPr>
+          <p:cNvPr id="4" name="スライド番号プレースホルダー 3"/>
+          <p:cNvSpPr>
+            <a:spLocks noGrp="1"/>
+          </p:cNvSpPr>
+          <p:nvPr>
+            <p:ph type="sldNum" sz="quarter" idx="5"/>
+          </p:nvPr>
+        </p:nvSpPr>
+        <p:spPr/>
+        <p:txBody>
+          <a:bodyPr/>
+          <a:lstStyle/>
+          <a:p>
+            <a:fld id="{54FC74C9-A3B3-42D0-9EC6-DE7CEAAF28CE}" type="slidenum">
+              <a:rPr kumimoji="1" lang="ja-JP" altLang="en-US" smtClean="0"/>
+              <a:t>13</a:t>
+            </a:fld>
+            <a:endParaRPr kumimoji="1" lang="ja-JP" altLang="en-US"/>
+          </a:p>
+        </p:txBody>
+      </p:sp>
+    </p:spTree>
+    <p:extLst>
+      <p:ext uri="{BB962C8B-B14F-4D97-AF65-F5344CB8AC3E}">
+        <p14:creationId xmlns:p14="http://schemas.microsoft.com/office/powerpoint/2010/main" val="1867466101"/>
+      </p:ext>
+    </p:extLst>
+  </p:cSld>
+  <p:clrMapOvr>
+    <a:masterClrMapping/>
+  </p:clrMapOvr>
+</p:notes>
+</file>
+
+<file path=ppt/notesSlides/notesSlide14.xml><?xml version="1.0" encoding="utf-8"?>
+<p:notes xmlns:a="http://schemas.openxmlformats.org/drawingml/2006/main" xmlns:r="http://schemas.openxmlformats.org/officeDocument/2006/relationships" xmlns:p="http://schemas.openxmlformats.org/presentationml/2006/main">
+  <p:cSld>
+    <p:spTree>
+      <p:nvGrpSpPr>
+        <p:cNvPr id="1" name=""/>
+        <p:cNvGrpSpPr/>
+        <p:nvPr/>
+      </p:nvGrpSpPr>
+      <p:grpSpPr>
+        <a:xfrm>
+          <a:off x="0" y="0"/>
+          <a:ext cx="0" cy="0"/>
+          <a:chOff x="0" y="0"/>
+          <a:chExt cx="0" cy="0"/>
+        </a:xfrm>
+      </p:grpSpPr>
+      <p:sp>
+        <p:nvSpPr>
+          <p:cNvPr id="2" name="スライド イメージ プレースホルダー 1"/>
+          <p:cNvSpPr>
+            <a:spLocks noGrp="1" noRot="1" noChangeAspect="1"/>
+          </p:cNvSpPr>
+          <p:nvPr>
+            <p:ph type="sldImg"/>
+          </p:nvPr>
+        </p:nvSpPr>
+        <p:spPr/>
+      </p:sp>
+      <p:sp>
+        <p:nvSpPr>
+          <p:cNvPr id="3" name="ノート プレースホルダー 2"/>
+          <p:cNvSpPr>
+            <a:spLocks noGrp="1"/>
+          </p:cNvSpPr>
+          <p:nvPr>
+            <p:ph type="body" idx="1"/>
+          </p:nvPr>
+        </p:nvSpPr>
+        <p:spPr/>
+        <p:txBody>
+          <a:bodyPr/>
+          <a:lstStyle/>
+          <a:p>
+            <a:r>
+              <a:rPr lang="ja-JP" altLang="en-US" sz="1800" kern="100" dirty="0">
+                <a:effectLst/>
+                <a:latin typeface="游明朝" panose="02020400000000000000" pitchFamily="18" charset="-128"/>
+                <a:ea typeface="游明朝" panose="02020400000000000000" pitchFamily="18" charset="-128"/>
+                <a:cs typeface="Times New Roman" panose="02020603050405020304" pitchFamily="18" charset="0"/>
+              </a:rPr>
+              <a:t>これまでの進捗をまとめると、電場と磁場はリアルなものではないですが、とりあえず</a:t>
+            </a:r>
+            <a:r>
+              <a:rPr lang="en-US" altLang="ja-JP" sz="1800" kern="100" dirty="0">
+                <a:latin typeface="游明朝" panose="02020400000000000000" pitchFamily="18" charset="-128"/>
+                <a:ea typeface="游明朝" panose="02020400000000000000" pitchFamily="18" charset="-128"/>
+                <a:cs typeface="Times New Roman" panose="02020603050405020304" pitchFamily="18" charset="0"/>
+              </a:rPr>
+              <a:t>Sn</a:t>
+            </a:r>
+            <a:r>
+              <a:rPr lang="ja-JP" altLang="en-US" sz="1800" kern="100" dirty="0">
+                <a:latin typeface="游明朝" panose="02020400000000000000" pitchFamily="18" charset="-128"/>
+                <a:ea typeface="游明朝" panose="02020400000000000000" pitchFamily="18" charset="-128"/>
+                <a:cs typeface="Times New Roman" panose="02020603050405020304" pitchFamily="18" charset="0"/>
+              </a:rPr>
+              <a:t>イオンのシミュレーションができたというところまでです。</a:t>
+            </a:r>
+            <a:endParaRPr lang="en-US" altLang="ja-JP" sz="1800" kern="100" dirty="0">
+              <a:effectLst/>
+              <a:latin typeface="游明朝" panose="02020400000000000000" pitchFamily="18" charset="-128"/>
+              <a:ea typeface="游明朝" panose="02020400000000000000" pitchFamily="18" charset="-128"/>
+              <a:cs typeface="Times New Roman" panose="02020603050405020304" pitchFamily="18" charset="0"/>
+            </a:endParaRPr>
+          </a:p>
+          <a:p>
+            <a:r>
+              <a:rPr lang="ja-JP" altLang="ja-JP" sz="1800" kern="100" dirty="0">
+                <a:effectLst/>
+                <a:latin typeface="游明朝" panose="02020400000000000000" pitchFamily="18" charset="-128"/>
+                <a:ea typeface="游明朝" panose="02020400000000000000" pitchFamily="18" charset="-128"/>
+                <a:cs typeface="Times New Roman" panose="02020603050405020304" pitchFamily="18" charset="0"/>
+              </a:rPr>
+              <a:t>シミュレーション後の展望としては前半に話した通り、装置の設計、製作に移行していく予定です。検出器の選択肢としてはこの</a:t>
+            </a:r>
+            <a:r>
+              <a:rPr lang="en-US" altLang="ja-JP" sz="1800" kern="100" dirty="0">
+                <a:effectLst/>
+                <a:latin typeface="游明朝" panose="02020400000000000000" pitchFamily="18" charset="-128"/>
+                <a:ea typeface="游明朝" panose="02020400000000000000" pitchFamily="18" charset="-128"/>
+                <a:cs typeface="Times New Roman" panose="02020603050405020304" pitchFamily="18" charset="0"/>
+              </a:rPr>
+              <a:t>4</a:t>
+            </a:r>
+            <a:r>
+              <a:rPr lang="ja-JP" altLang="ja-JP" sz="1800" kern="100" dirty="0">
+                <a:effectLst/>
+                <a:latin typeface="游明朝" panose="02020400000000000000" pitchFamily="18" charset="-128"/>
+                <a:ea typeface="游明朝" panose="02020400000000000000" pitchFamily="18" charset="-128"/>
+                <a:cs typeface="Times New Roman" panose="02020603050405020304" pitchFamily="18" charset="0"/>
+              </a:rPr>
+              <a:t>つ</a:t>
+            </a:r>
+            <a:r>
+              <a:rPr lang="ja-JP" altLang="en-US" sz="1800" kern="100" dirty="0">
+                <a:effectLst/>
+                <a:latin typeface="游明朝" panose="02020400000000000000" pitchFamily="18" charset="-128"/>
+                <a:ea typeface="游明朝" panose="02020400000000000000" pitchFamily="18" charset="-128"/>
+                <a:cs typeface="Times New Roman" panose="02020603050405020304" pitchFamily="18" charset="0"/>
+              </a:rPr>
+              <a:t>が挙げられますが、シンチレータ検出器を使いたいと思っています。</a:t>
+            </a:r>
+            <a:endParaRPr lang="en-US" altLang="ja-JP" sz="1800" kern="100" dirty="0">
+              <a:effectLst/>
+              <a:latin typeface="游明朝" panose="02020400000000000000" pitchFamily="18" charset="-128"/>
+              <a:ea typeface="游明朝" panose="02020400000000000000" pitchFamily="18" charset="-128"/>
+              <a:cs typeface="Times New Roman" panose="02020603050405020304" pitchFamily="18" charset="0"/>
+            </a:endParaRPr>
+          </a:p>
+          <a:p>
+            <a:endParaRPr lang="en-US" altLang="ja-JP" sz="1800" kern="100" dirty="0">
+              <a:latin typeface="游明朝" panose="02020400000000000000" pitchFamily="18" charset="-128"/>
+              <a:ea typeface="游明朝" panose="02020400000000000000" pitchFamily="18" charset="-128"/>
+              <a:cs typeface="Times New Roman" panose="02020603050405020304" pitchFamily="18" charset="0"/>
+            </a:endParaRPr>
+          </a:p>
+          <a:p>
+            <a:r>
+              <a:rPr lang="ja-JP" altLang="en-US" sz="1800" kern="100">
+                <a:effectLst/>
+                <a:latin typeface="游明朝" panose="02020400000000000000" pitchFamily="18" charset="-128"/>
+                <a:ea typeface="游明朝" panose="02020400000000000000" pitchFamily="18" charset="-128"/>
+                <a:cs typeface="Times New Roman" panose="02020603050405020304" pitchFamily="18" charset="0"/>
+              </a:rPr>
+              <a:t>以上です、ご清聴ありがとうございました。</a:t>
+            </a:r>
+            <a:endParaRPr lang="ja-JP" altLang="ja-JP" sz="1800" kern="100" dirty="0">
+              <a:effectLst/>
+              <a:latin typeface="游明朝" panose="02020400000000000000" pitchFamily="18" charset="-128"/>
+              <a:ea typeface="游明朝" panose="02020400000000000000" pitchFamily="18" charset="-128"/>
+              <a:cs typeface="Times New Roman" panose="02020603050405020304" pitchFamily="18" charset="0"/>
+            </a:endParaRPr>
+          </a:p>
+          <a:p>
+            <a:endParaRPr kumimoji="1" lang="ja-JP" altLang="en-US" dirty="0"/>
+          </a:p>
+        </p:txBody>
+      </p:sp>
+      <p:sp>
+        <p:nvSpPr>
+          <p:cNvPr id="4" name="スライド番号プレースホルダー 3"/>
+          <p:cNvSpPr>
+            <a:spLocks noGrp="1"/>
+          </p:cNvSpPr>
+          <p:nvPr>
+            <p:ph type="sldNum" sz="quarter" idx="5"/>
+          </p:nvPr>
+        </p:nvSpPr>
+        <p:spPr/>
+        <p:txBody>
+          <a:bodyPr/>
+          <a:lstStyle/>
+          <a:p>
+            <a:fld id="{54FC74C9-A3B3-42D0-9EC6-DE7CEAAF28CE}" type="slidenum">
+              <a:rPr kumimoji="1" lang="ja-JP" altLang="en-US" smtClean="0"/>
+              <a:t>14</a:t>
+            </a:fld>
+            <a:endParaRPr kumimoji="1" lang="ja-JP" altLang="en-US"/>
+          </a:p>
+        </p:txBody>
+      </p:sp>
+    </p:spTree>
+    <p:extLst>
+      <p:ext uri="{BB962C8B-B14F-4D97-AF65-F5344CB8AC3E}">
+        <p14:creationId xmlns:p14="http://schemas.microsoft.com/office/powerpoint/2010/main" val="1172141275"/>
+      </p:ext>
+    </p:extLst>
+  </p:cSld>
+  <p:clrMapOvr>
+    <a:masterClrMapping/>
+  </p:clrMapOvr>
+</p:notes>
+</file>
+
+<file path=ppt/notesSlides/notesSlide15.xml><?xml version="1.0" encoding="utf-8"?>
+<p:notes xmlns:a="http://schemas.openxmlformats.org/drawingml/2006/main" xmlns:r="http://schemas.openxmlformats.org/officeDocument/2006/relationships" xmlns:p="http://schemas.openxmlformats.org/presentationml/2006/main">
+  <p:cSld>
+    <p:spTree>
+      <p:nvGrpSpPr>
+        <p:cNvPr id="1" name=""/>
+        <p:cNvGrpSpPr/>
+        <p:nvPr/>
+      </p:nvGrpSpPr>
+      <p:grpSpPr>
+        <a:xfrm>
+          <a:off x="0" y="0"/>
+          <a:ext cx="0" cy="0"/>
+          <a:chOff x="0" y="0"/>
+          <a:chExt cx="0" cy="0"/>
+        </a:xfrm>
+      </p:grpSpPr>
+      <p:sp>
+        <p:nvSpPr>
+          <p:cNvPr id="2" name="スライド イメージ プレースホルダー 1"/>
+          <p:cNvSpPr>
+            <a:spLocks noGrp="1" noRot="1" noChangeAspect="1"/>
+          </p:cNvSpPr>
+          <p:nvPr>
+            <p:ph type="sldImg"/>
+          </p:nvPr>
+        </p:nvSpPr>
+        <p:spPr/>
+      </p:sp>
+      <p:sp>
+        <p:nvSpPr>
+          <p:cNvPr id="3" name="ノート プレースホルダー 2"/>
+          <p:cNvSpPr>
+            <a:spLocks noGrp="1"/>
+          </p:cNvSpPr>
+          <p:nvPr>
+            <p:ph type="body" idx="1"/>
+          </p:nvPr>
+        </p:nvSpPr>
+        <p:spPr/>
+        <p:txBody>
+          <a:bodyPr/>
+          <a:lstStyle/>
+          <a:p>
+            <a:r>
+              <a:rPr kumimoji="1" lang="ja-JP" altLang="en-US" dirty="0"/>
+              <a:t>具体的な計算方法とともに、感覚的に理解できるようにかみ砕いて説明したい。</a:t>
+            </a:r>
+          </a:p>
+        </p:txBody>
+      </p:sp>
+      <p:sp>
+        <p:nvSpPr>
+          <p:cNvPr id="4" name="スライド番号プレースホルダー 3"/>
+          <p:cNvSpPr>
+            <a:spLocks noGrp="1"/>
+          </p:cNvSpPr>
+          <p:nvPr>
+            <p:ph type="sldNum" sz="quarter" idx="5"/>
+          </p:nvPr>
+        </p:nvSpPr>
+        <p:spPr/>
+        <p:txBody>
+          <a:bodyPr/>
+          <a:lstStyle/>
+          <a:p>
+            <a:fld id="{54FC74C9-A3B3-42D0-9EC6-DE7CEAAF28CE}" type="slidenum">
+              <a:rPr kumimoji="1" lang="ja-JP" altLang="en-US" smtClean="0"/>
+              <a:t>15</a:t>
+            </a:fld>
+            <a:endParaRPr kumimoji="1" lang="ja-JP" altLang="en-US"/>
+          </a:p>
+        </p:txBody>
+      </p:sp>
+    </p:spTree>
+    <p:extLst>
+      <p:ext uri="{BB962C8B-B14F-4D97-AF65-F5344CB8AC3E}">
+        <p14:creationId xmlns:p14="http://schemas.microsoft.com/office/powerpoint/2010/main" val="2097994152"/>
+      </p:ext>
+    </p:extLst>
+  </p:cSld>
+  <p:clrMapOvr>
+    <a:masterClrMapping/>
+  </p:clrMapOvr>
+</p:notes>
+</file>
+
+<file path=ppt/notesSlides/notesSlide16.xml><?xml version="1.0" encoding="utf-8"?>
+<p:notes xmlns:a="http://schemas.openxmlformats.org/drawingml/2006/main" xmlns:r="http://schemas.openxmlformats.org/officeDocument/2006/relationships" xmlns:p="http://schemas.openxmlformats.org/presentationml/2006/main">
+  <p:cSld>
+    <p:spTree>
+      <p:nvGrpSpPr>
+        <p:cNvPr id="1" name=""/>
+        <p:cNvGrpSpPr/>
+        <p:nvPr/>
+      </p:nvGrpSpPr>
+      <p:grpSpPr>
+        <a:xfrm>
+          <a:off x="0" y="0"/>
+          <a:ext cx="0" cy="0"/>
+          <a:chOff x="0" y="0"/>
+          <a:chExt cx="0" cy="0"/>
+        </a:xfrm>
+      </p:grpSpPr>
+      <p:sp>
+        <p:nvSpPr>
+          <p:cNvPr id="2" name="スライド イメージ プレースホルダー 1"/>
+          <p:cNvSpPr>
+            <a:spLocks noGrp="1" noRot="1" noChangeAspect="1"/>
+          </p:cNvSpPr>
+          <p:nvPr>
+            <p:ph type="sldImg"/>
+          </p:nvPr>
+        </p:nvSpPr>
+        <p:spPr/>
+      </p:sp>
+      <p:sp>
+        <p:nvSpPr>
+          <p:cNvPr id="3" name="ノート プレースホルダー 2"/>
+          <p:cNvSpPr>
+            <a:spLocks noGrp="1"/>
+          </p:cNvSpPr>
+          <p:nvPr>
+            <p:ph type="body" idx="1"/>
+          </p:nvPr>
+        </p:nvSpPr>
+        <p:spPr/>
+        <p:txBody>
+          <a:bodyPr/>
+          <a:lstStyle/>
+          <a:p>
+            <a:endParaRPr kumimoji="1" lang="ja-JP" altLang="en-US" dirty="0"/>
+          </a:p>
+        </p:txBody>
+      </p:sp>
+      <p:sp>
+        <p:nvSpPr>
+          <p:cNvPr id="4" name="スライド番号プレースホルダー 3"/>
+          <p:cNvSpPr>
+            <a:spLocks noGrp="1"/>
+          </p:cNvSpPr>
+          <p:nvPr>
+            <p:ph type="sldNum" sz="quarter" idx="5"/>
+          </p:nvPr>
+        </p:nvSpPr>
+        <p:spPr/>
+        <p:txBody>
+          <a:bodyPr/>
+          <a:lstStyle/>
+          <a:p>
+            <a:fld id="{54FC74C9-A3B3-42D0-9EC6-DE7CEAAF28CE}" type="slidenum">
+              <a:rPr kumimoji="1" lang="ja-JP" altLang="en-US" smtClean="0"/>
               <a:t>16</a:t>
             </a:fld>
             <a:endParaRPr kumimoji="1" lang="ja-JP" altLang="en-US"/>
@@ -679,6 +1761,258 @@
     <p:extLst>
       <p:ext uri="{BB962C8B-B14F-4D97-AF65-F5344CB8AC3E}">
         <p14:creationId xmlns:p14="http://schemas.microsoft.com/office/powerpoint/2010/main" val="3539899403"/>
+      </p:ext>
+    </p:extLst>
+  </p:cSld>
+  <p:clrMapOvr>
+    <a:masterClrMapping/>
+  </p:clrMapOvr>
+</p:notes>
+</file>
+
+<file path=ppt/notesSlides/notesSlide17.xml><?xml version="1.0" encoding="utf-8"?>
+<p:notes xmlns:a="http://schemas.openxmlformats.org/drawingml/2006/main" xmlns:r="http://schemas.openxmlformats.org/officeDocument/2006/relationships" xmlns:p="http://schemas.openxmlformats.org/presentationml/2006/main">
+  <p:cSld>
+    <p:spTree>
+      <p:nvGrpSpPr>
+        <p:cNvPr id="1" name=""/>
+        <p:cNvGrpSpPr/>
+        <p:nvPr/>
+      </p:nvGrpSpPr>
+      <p:grpSpPr>
+        <a:xfrm>
+          <a:off x="0" y="0"/>
+          <a:ext cx="0" cy="0"/>
+          <a:chOff x="0" y="0"/>
+          <a:chExt cx="0" cy="0"/>
+        </a:xfrm>
+      </p:grpSpPr>
+      <p:sp>
+        <p:nvSpPr>
+          <p:cNvPr id="2" name="スライド イメージ プレースホルダー 1"/>
+          <p:cNvSpPr>
+            <a:spLocks noGrp="1" noRot="1" noChangeAspect="1"/>
+          </p:cNvSpPr>
+          <p:nvPr>
+            <p:ph type="sldImg"/>
+          </p:nvPr>
+        </p:nvSpPr>
+        <p:spPr/>
+      </p:sp>
+      <p:sp>
+        <p:nvSpPr>
+          <p:cNvPr id="3" name="ノート プレースホルダー 2"/>
+          <p:cNvSpPr>
+            <a:spLocks noGrp="1"/>
+          </p:cNvSpPr>
+          <p:nvPr>
+            <p:ph type="body" idx="1"/>
+          </p:nvPr>
+        </p:nvSpPr>
+        <p:spPr/>
+        <p:txBody>
+          <a:bodyPr/>
+          <a:lstStyle/>
+          <a:p>
+            <a:endParaRPr kumimoji="1" lang="ja-JP" altLang="en-US"/>
+          </a:p>
+        </p:txBody>
+      </p:sp>
+      <p:sp>
+        <p:nvSpPr>
+          <p:cNvPr id="4" name="スライド番号プレースホルダー 3"/>
+          <p:cNvSpPr>
+            <a:spLocks noGrp="1"/>
+          </p:cNvSpPr>
+          <p:nvPr>
+            <p:ph type="sldNum" sz="quarter" idx="5"/>
+          </p:nvPr>
+        </p:nvSpPr>
+        <p:spPr/>
+        <p:txBody>
+          <a:bodyPr/>
+          <a:lstStyle/>
+          <a:p>
+            <a:fld id="{54FC74C9-A3B3-42D0-9EC6-DE7CEAAF28CE}" type="slidenum">
+              <a:rPr kumimoji="1" lang="ja-JP" altLang="en-US" smtClean="0"/>
+              <a:t>17</a:t>
+            </a:fld>
+            <a:endParaRPr kumimoji="1" lang="ja-JP" altLang="en-US"/>
+          </a:p>
+        </p:txBody>
+      </p:sp>
+    </p:spTree>
+    <p:extLst>
+      <p:ext uri="{BB962C8B-B14F-4D97-AF65-F5344CB8AC3E}">
+        <p14:creationId xmlns:p14="http://schemas.microsoft.com/office/powerpoint/2010/main" val="3734378524"/>
+      </p:ext>
+    </p:extLst>
+  </p:cSld>
+  <p:clrMapOvr>
+    <a:masterClrMapping/>
+  </p:clrMapOvr>
+</p:notes>
+</file>
+
+<file path=ppt/notesSlides/notesSlide18.xml><?xml version="1.0" encoding="utf-8"?>
+<p:notes xmlns:a="http://schemas.openxmlformats.org/drawingml/2006/main" xmlns:r="http://schemas.openxmlformats.org/officeDocument/2006/relationships" xmlns:p="http://schemas.openxmlformats.org/presentationml/2006/main">
+  <p:cSld>
+    <p:spTree>
+      <p:nvGrpSpPr>
+        <p:cNvPr id="1" name=""/>
+        <p:cNvGrpSpPr/>
+        <p:nvPr/>
+      </p:nvGrpSpPr>
+      <p:grpSpPr>
+        <a:xfrm>
+          <a:off x="0" y="0"/>
+          <a:ext cx="0" cy="0"/>
+          <a:chOff x="0" y="0"/>
+          <a:chExt cx="0" cy="0"/>
+        </a:xfrm>
+      </p:grpSpPr>
+      <p:sp>
+        <p:nvSpPr>
+          <p:cNvPr id="2" name="スライド イメージ プレースホルダー 1"/>
+          <p:cNvSpPr>
+            <a:spLocks noGrp="1" noRot="1" noChangeAspect="1"/>
+          </p:cNvSpPr>
+          <p:nvPr>
+            <p:ph type="sldImg"/>
+          </p:nvPr>
+        </p:nvSpPr>
+        <p:spPr/>
+      </p:sp>
+      <p:sp>
+        <p:nvSpPr>
+          <p:cNvPr id="3" name="ノート プレースホルダー 2"/>
+          <p:cNvSpPr>
+            <a:spLocks noGrp="1"/>
+          </p:cNvSpPr>
+          <p:nvPr>
+            <p:ph type="body" idx="1"/>
+          </p:nvPr>
+        </p:nvSpPr>
+        <p:spPr/>
+        <p:txBody>
+          <a:bodyPr/>
+          <a:lstStyle/>
+          <a:p>
+            <a:endParaRPr kumimoji="1" lang="ja-JP" altLang="en-US"/>
+          </a:p>
+        </p:txBody>
+      </p:sp>
+      <p:sp>
+        <p:nvSpPr>
+          <p:cNvPr id="4" name="スライド番号プレースホルダー 3"/>
+          <p:cNvSpPr>
+            <a:spLocks noGrp="1"/>
+          </p:cNvSpPr>
+          <p:nvPr>
+            <p:ph type="sldNum" sz="quarter" idx="5"/>
+          </p:nvPr>
+        </p:nvSpPr>
+        <p:spPr/>
+        <p:txBody>
+          <a:bodyPr/>
+          <a:lstStyle/>
+          <a:p>
+            <a:fld id="{54FC74C9-A3B3-42D0-9EC6-DE7CEAAF28CE}" type="slidenum">
+              <a:rPr kumimoji="1" lang="ja-JP" altLang="en-US" smtClean="0"/>
+              <a:t>18</a:t>
+            </a:fld>
+            <a:endParaRPr kumimoji="1" lang="ja-JP" altLang="en-US"/>
+          </a:p>
+        </p:txBody>
+      </p:sp>
+    </p:spTree>
+    <p:extLst>
+      <p:ext uri="{BB962C8B-B14F-4D97-AF65-F5344CB8AC3E}">
+        <p14:creationId xmlns:p14="http://schemas.microsoft.com/office/powerpoint/2010/main" val="1562754282"/>
+      </p:ext>
+    </p:extLst>
+  </p:cSld>
+  <p:clrMapOvr>
+    <a:masterClrMapping/>
+  </p:clrMapOvr>
+</p:notes>
+</file>
+
+<file path=ppt/notesSlides/notesSlide19.xml><?xml version="1.0" encoding="utf-8"?>
+<p:notes xmlns:a="http://schemas.openxmlformats.org/drawingml/2006/main" xmlns:r="http://schemas.openxmlformats.org/officeDocument/2006/relationships" xmlns:p="http://schemas.openxmlformats.org/presentationml/2006/main">
+  <p:cSld>
+    <p:spTree>
+      <p:nvGrpSpPr>
+        <p:cNvPr id="1" name=""/>
+        <p:cNvGrpSpPr/>
+        <p:nvPr/>
+      </p:nvGrpSpPr>
+      <p:grpSpPr>
+        <a:xfrm>
+          <a:off x="0" y="0"/>
+          <a:ext cx="0" cy="0"/>
+          <a:chOff x="0" y="0"/>
+          <a:chExt cx="0" cy="0"/>
+        </a:xfrm>
+      </p:grpSpPr>
+      <p:sp>
+        <p:nvSpPr>
+          <p:cNvPr id="2" name="スライド イメージ プレースホルダー 1"/>
+          <p:cNvSpPr>
+            <a:spLocks noGrp="1" noRot="1" noChangeAspect="1"/>
+          </p:cNvSpPr>
+          <p:nvPr>
+            <p:ph type="sldImg"/>
+          </p:nvPr>
+        </p:nvSpPr>
+        <p:spPr/>
+      </p:sp>
+      <p:sp>
+        <p:nvSpPr>
+          <p:cNvPr id="3" name="ノート プレースホルダー 2"/>
+          <p:cNvSpPr>
+            <a:spLocks noGrp="1"/>
+          </p:cNvSpPr>
+          <p:nvPr>
+            <p:ph type="body" idx="1"/>
+          </p:nvPr>
+        </p:nvSpPr>
+        <p:spPr/>
+        <p:txBody>
+          <a:bodyPr/>
+          <a:lstStyle/>
+          <a:p>
+            <a:endParaRPr kumimoji="1" lang="ja-JP" altLang="en-US"/>
+          </a:p>
+        </p:txBody>
+      </p:sp>
+      <p:sp>
+        <p:nvSpPr>
+          <p:cNvPr id="4" name="スライド番号プレースホルダー 3"/>
+          <p:cNvSpPr>
+            <a:spLocks noGrp="1"/>
+          </p:cNvSpPr>
+          <p:nvPr>
+            <p:ph type="sldNum" sz="quarter" idx="5"/>
+          </p:nvPr>
+        </p:nvSpPr>
+        <p:spPr/>
+        <p:txBody>
+          <a:bodyPr/>
+          <a:lstStyle/>
+          <a:p>
+            <a:fld id="{54FC74C9-A3B3-42D0-9EC6-DE7CEAAF28CE}" type="slidenum">
+              <a:rPr kumimoji="1" lang="ja-JP" altLang="en-US" smtClean="0"/>
+              <a:t>19</a:t>
+            </a:fld>
+            <a:endParaRPr kumimoji="1" lang="ja-JP" altLang="en-US"/>
+          </a:p>
+        </p:txBody>
+      </p:sp>
+    </p:spTree>
+    <p:extLst>
+      <p:ext uri="{BB962C8B-B14F-4D97-AF65-F5344CB8AC3E}">
+        <p14:creationId xmlns:p14="http://schemas.microsoft.com/office/powerpoint/2010/main" val="3774808993"/>
       </p:ext>
     </p:extLst>
   </p:cSld>
@@ -732,7 +2066,7 @@
           <a:bodyPr/>
           <a:lstStyle/>
           <a:p>
-            <a:endParaRPr kumimoji="1" lang="ja-JP" altLang="en-US" dirty="0"/>
+            <a:endParaRPr kumimoji="1" lang="ja-JP" altLang="en-US"/>
           </a:p>
         </p:txBody>
       </p:sp>
@@ -753,7 +2087,7 @@
           <a:p>
             <a:fld id="{54FC74C9-A3B3-42D0-9EC6-DE7CEAAF28CE}" type="slidenum">
               <a:rPr kumimoji="1" lang="ja-JP" altLang="en-US" smtClean="0"/>
-              <a:t>3</a:t>
+              <a:t>2</a:t>
             </a:fld>
             <a:endParaRPr kumimoji="1" lang="ja-JP" altLang="en-US"/>
           </a:p>
@@ -762,7 +2096,7 @@
     </p:spTree>
     <p:extLst>
       <p:ext uri="{BB962C8B-B14F-4D97-AF65-F5344CB8AC3E}">
-        <p14:creationId xmlns:p14="http://schemas.microsoft.com/office/powerpoint/2010/main" val="540404762"/>
+        <p14:creationId xmlns:p14="http://schemas.microsoft.com/office/powerpoint/2010/main" val="3187874088"/>
       </p:ext>
     </p:extLst>
   </p:cSld>
@@ -816,10 +2150,7 @@
           <a:bodyPr/>
           <a:lstStyle/>
           <a:p>
-            <a:r>
-              <a:rPr kumimoji="1" lang="ja-JP" altLang="en-US" dirty="0"/>
-              <a:t>何をシミュレーションするのか、全体の流れを視覚的に伝えたい。</a:t>
-            </a:r>
+            <a:endParaRPr kumimoji="1" lang="ja-JP" altLang="en-US" dirty="0"/>
           </a:p>
         </p:txBody>
       </p:sp>
@@ -840,7 +2171,7 @@
           <a:p>
             <a:fld id="{54FC74C9-A3B3-42D0-9EC6-DE7CEAAF28CE}" type="slidenum">
               <a:rPr kumimoji="1" lang="ja-JP" altLang="en-US" smtClean="0"/>
-              <a:t>4</a:t>
+              <a:t>3</a:t>
             </a:fld>
             <a:endParaRPr kumimoji="1" lang="ja-JP" altLang="en-US"/>
           </a:p>
@@ -849,7 +2180,7 @@
     </p:spTree>
     <p:extLst>
       <p:ext uri="{BB962C8B-B14F-4D97-AF65-F5344CB8AC3E}">
-        <p14:creationId xmlns:p14="http://schemas.microsoft.com/office/powerpoint/2010/main" val="2198973498"/>
+        <p14:creationId xmlns:p14="http://schemas.microsoft.com/office/powerpoint/2010/main" val="540404762"/>
       </p:ext>
     </p:extLst>
   </p:cSld>
@@ -927,7 +2258,7 @@
           <a:p>
             <a:fld id="{54FC74C9-A3B3-42D0-9EC6-DE7CEAAF28CE}" type="slidenum">
               <a:rPr kumimoji="1" lang="ja-JP" altLang="en-US" smtClean="0"/>
-              <a:t>5</a:t>
+              <a:t>4</a:t>
             </a:fld>
             <a:endParaRPr kumimoji="1" lang="ja-JP" altLang="en-US"/>
           </a:p>
@@ -936,7 +2267,7 @@
     </p:spTree>
     <p:extLst>
       <p:ext uri="{BB962C8B-B14F-4D97-AF65-F5344CB8AC3E}">
-        <p14:creationId xmlns:p14="http://schemas.microsoft.com/office/powerpoint/2010/main" val="478875371"/>
+        <p14:creationId xmlns:p14="http://schemas.microsoft.com/office/powerpoint/2010/main" val="2198973498"/>
       </p:ext>
     </p:extLst>
   </p:cSld>
@@ -1014,7 +2345,7 @@
           <a:p>
             <a:fld id="{54FC74C9-A3B3-42D0-9EC6-DE7CEAAF28CE}" type="slidenum">
               <a:rPr kumimoji="1" lang="ja-JP" altLang="en-US" smtClean="0"/>
-              <a:t>6</a:t>
+              <a:t>5</a:t>
             </a:fld>
             <a:endParaRPr kumimoji="1" lang="ja-JP" altLang="en-US"/>
           </a:p>
@@ -1023,7 +2354,7 @@
     </p:spTree>
     <p:extLst>
       <p:ext uri="{BB962C8B-B14F-4D97-AF65-F5344CB8AC3E}">
-        <p14:creationId xmlns:p14="http://schemas.microsoft.com/office/powerpoint/2010/main" val="1225561128"/>
+        <p14:creationId xmlns:p14="http://schemas.microsoft.com/office/powerpoint/2010/main" val="478875371"/>
       </p:ext>
     </p:extLst>
   </p:cSld>
@@ -1077,7 +2408,10 @@
           <a:bodyPr/>
           <a:lstStyle/>
           <a:p>
-            <a:endParaRPr kumimoji="1" lang="ja-JP" altLang="en-US" dirty="0"/>
+            <a:r>
+              <a:rPr kumimoji="1" lang="ja-JP" altLang="en-US" dirty="0"/>
+              <a:t>何をシミュレーションするのか、全体の流れを視覚的に伝えたい。</a:t>
+            </a:r>
           </a:p>
         </p:txBody>
       </p:sp>
@@ -1098,7 +2432,7 @@
           <a:p>
             <a:fld id="{54FC74C9-A3B3-42D0-9EC6-DE7CEAAF28CE}" type="slidenum">
               <a:rPr kumimoji="1" lang="ja-JP" altLang="en-US" smtClean="0"/>
-              <a:t>8</a:t>
+              <a:t>6</a:t>
             </a:fld>
             <a:endParaRPr kumimoji="1" lang="ja-JP" altLang="en-US"/>
           </a:p>
@@ -1107,7 +2441,7 @@
     </p:spTree>
     <p:extLst>
       <p:ext uri="{BB962C8B-B14F-4D97-AF65-F5344CB8AC3E}">
-        <p14:creationId xmlns:p14="http://schemas.microsoft.com/office/powerpoint/2010/main" val="2294259261"/>
+        <p14:creationId xmlns:p14="http://schemas.microsoft.com/office/powerpoint/2010/main" val="1225561128"/>
       </p:ext>
     </p:extLst>
   </p:cSld>
@@ -1161,7 +2495,7 @@
           <a:bodyPr/>
           <a:lstStyle/>
           <a:p>
-            <a:endParaRPr kumimoji="1" lang="ja-JP" altLang="en-US" dirty="0"/>
+            <a:endParaRPr kumimoji="1" lang="ja-JP" altLang="en-US"/>
           </a:p>
         </p:txBody>
       </p:sp>
@@ -1182,7 +2516,7 @@
           <a:p>
             <a:fld id="{54FC74C9-A3B3-42D0-9EC6-DE7CEAAF28CE}" type="slidenum">
               <a:rPr kumimoji="1" lang="ja-JP" altLang="en-US" smtClean="0"/>
-              <a:t>11</a:t>
+              <a:t>7</a:t>
             </a:fld>
             <a:endParaRPr kumimoji="1" lang="ja-JP" altLang="en-US"/>
           </a:p>
@@ -1191,7 +2525,7 @@
     </p:spTree>
     <p:extLst>
       <p:ext uri="{BB962C8B-B14F-4D97-AF65-F5344CB8AC3E}">
-        <p14:creationId xmlns:p14="http://schemas.microsoft.com/office/powerpoint/2010/main" val="1163046550"/>
+        <p14:creationId xmlns:p14="http://schemas.microsoft.com/office/powerpoint/2010/main" val="2619029272"/>
       </p:ext>
     </p:extLst>
   </p:cSld>
@@ -1245,6 +2579,17 @@
           <a:bodyPr/>
           <a:lstStyle/>
           <a:p>
+            <a:r>
+              <a:rPr lang="ja-JP" altLang="ja-JP" sz="1800" kern="100" dirty="0">
+                <a:effectLst/>
+                <a:latin typeface="游明朝" panose="02020400000000000000" pitchFamily="18" charset="-128"/>
+                <a:ea typeface="游明朝" panose="02020400000000000000" pitchFamily="18" charset="-128"/>
+                <a:cs typeface="Times New Roman" panose="02020603050405020304" pitchFamily="18" charset="0"/>
+              </a:rPr>
+              <a:t>電場と磁場の設定は、とりあえず指定した空間内に一様電場、一様磁場をかける方法をとっています。左図は使用しているコードです。出発点と終了点で定められた直方体内に一様電場、一様磁場をかけています。</a:t>
+            </a:r>
+          </a:p>
+          <a:p>
             <a:endParaRPr kumimoji="1" lang="ja-JP" altLang="en-US" dirty="0"/>
           </a:p>
         </p:txBody>
@@ -1266,7 +2611,7 @@
           <a:p>
             <a:fld id="{54FC74C9-A3B3-42D0-9EC6-DE7CEAAF28CE}" type="slidenum">
               <a:rPr kumimoji="1" lang="ja-JP" altLang="en-US" smtClean="0"/>
-              <a:t>14</a:t>
+              <a:t>8</a:t>
             </a:fld>
             <a:endParaRPr kumimoji="1" lang="ja-JP" altLang="en-US"/>
           </a:p>
@@ -1275,7 +2620,7 @@
     </p:spTree>
     <p:extLst>
       <p:ext uri="{BB962C8B-B14F-4D97-AF65-F5344CB8AC3E}">
-        <p14:creationId xmlns:p14="http://schemas.microsoft.com/office/powerpoint/2010/main" val="1172141275"/>
+        <p14:creationId xmlns:p14="http://schemas.microsoft.com/office/powerpoint/2010/main" val="2294259261"/>
       </p:ext>
     </p:extLst>
   </p:cSld>
@@ -1330,9 +2675,143 @@
           <a:lstStyle/>
           <a:p>
             <a:r>
-              <a:rPr kumimoji="1" lang="ja-JP" altLang="en-US" dirty="0"/>
-              <a:t>具体的な計算方法とともに、感覚的に理解できるようにかみ砕いて説明したい。</a:t>
-            </a:r>
+              <a:rPr lang="ja-JP" altLang="ja-JP" sz="1800" kern="100" dirty="0">
+                <a:effectLst/>
+                <a:latin typeface="游明朝" panose="02020400000000000000" pitchFamily="18" charset="-128"/>
+                <a:ea typeface="游明朝" panose="02020400000000000000" pitchFamily="18" charset="-128"/>
+                <a:cs typeface="Times New Roman" panose="02020603050405020304" pitchFamily="18" charset="0"/>
+              </a:rPr>
+              <a:t>作ったコードが正常に動いているかのテストをしました。方針としては、解析的に求めた結果とプログラムから求めた結果が一致していることを確認します。電場に関しては、ｚ軸方向に電場をかけ、指定した座標に到達するまでの時間を比べました。磁場に関しては、</a:t>
+            </a:r>
+            <a:r>
+              <a:rPr lang="en-US" altLang="ja-JP" sz="1800" kern="100" dirty="0">
+                <a:effectLst/>
+                <a:latin typeface="游明朝" panose="02020400000000000000" pitchFamily="18" charset="-128"/>
+                <a:ea typeface="游明朝" panose="02020400000000000000" pitchFamily="18" charset="-128"/>
+                <a:cs typeface="Times New Roman" panose="02020603050405020304" pitchFamily="18" charset="0"/>
+              </a:rPr>
+              <a:t>y</a:t>
+            </a:r>
+            <a:r>
+              <a:rPr lang="ja-JP" altLang="ja-JP" sz="1800" kern="100" dirty="0">
+                <a:effectLst/>
+                <a:latin typeface="游明朝" panose="02020400000000000000" pitchFamily="18" charset="-128"/>
+                <a:ea typeface="游明朝" panose="02020400000000000000" pitchFamily="18" charset="-128"/>
+                <a:cs typeface="Times New Roman" panose="02020603050405020304" pitchFamily="18" charset="0"/>
+              </a:rPr>
+              <a:t>軸方向に磁場をかけて</a:t>
+            </a:r>
+            <a:r>
+              <a:rPr lang="en-US" altLang="ja-JP" sz="1800" kern="100" dirty="0">
+                <a:effectLst/>
+                <a:latin typeface="游明朝" panose="02020400000000000000" pitchFamily="18" charset="-128"/>
+                <a:ea typeface="游明朝" panose="02020400000000000000" pitchFamily="18" charset="-128"/>
+                <a:cs typeface="Times New Roman" panose="02020603050405020304" pitchFamily="18" charset="0"/>
+              </a:rPr>
+              <a:t>x</a:t>
+            </a:r>
+            <a:r>
+              <a:rPr lang="ja-JP" altLang="ja-JP" sz="1800" kern="100" dirty="0">
+                <a:effectLst/>
+                <a:latin typeface="游明朝" panose="02020400000000000000" pitchFamily="18" charset="-128"/>
+                <a:ea typeface="游明朝" panose="02020400000000000000" pitchFamily="18" charset="-128"/>
+                <a:cs typeface="Times New Roman" panose="02020603050405020304" pitchFamily="18" charset="0"/>
+              </a:rPr>
+              <a:t>軸方向に初速度を与えることで</a:t>
+            </a:r>
+            <a:r>
+              <a:rPr lang="en-US" altLang="ja-JP" sz="1800" kern="100" dirty="0">
+                <a:effectLst/>
+                <a:latin typeface="游明朝" panose="02020400000000000000" pitchFamily="18" charset="-128"/>
+                <a:ea typeface="游明朝" panose="02020400000000000000" pitchFamily="18" charset="-128"/>
+                <a:cs typeface="Times New Roman" panose="02020603050405020304" pitchFamily="18" charset="0"/>
+              </a:rPr>
+              <a:t>x-z</a:t>
+            </a:r>
+            <a:r>
+              <a:rPr lang="ja-JP" altLang="ja-JP" sz="1800" kern="100" dirty="0">
+                <a:effectLst/>
+                <a:latin typeface="游明朝" panose="02020400000000000000" pitchFamily="18" charset="-128"/>
+                <a:ea typeface="游明朝" panose="02020400000000000000" pitchFamily="18" charset="-128"/>
+                <a:cs typeface="Times New Roman" panose="02020603050405020304" pitchFamily="18" charset="0"/>
+              </a:rPr>
+              <a:t>平面で円運動をさせて、その半径を比べました。</a:t>
+            </a:r>
+          </a:p>
+          <a:p>
+            <a:r>
+              <a:rPr lang="ja-JP" altLang="en-US" sz="1800" dirty="0">
+                <a:effectLst/>
+                <a:ea typeface="游明朝" panose="02020400000000000000" pitchFamily="18" charset="-128"/>
+                <a:cs typeface="Times New Roman" panose="02020603050405020304" pitchFamily="18" charset="0"/>
+              </a:rPr>
+              <a:t>電場のテスト</a:t>
+            </a:r>
+            <a:r>
+              <a:rPr lang="ja-JP" altLang="ja-JP" sz="1800" dirty="0">
+                <a:effectLst/>
+                <a:ea typeface="游明朝" panose="02020400000000000000" pitchFamily="18" charset="-128"/>
+                <a:cs typeface="Times New Roman" panose="02020603050405020304" pitchFamily="18" charset="0"/>
+              </a:rPr>
+              <a:t>結果は</a:t>
+            </a:r>
+            <a:r>
+              <a:rPr lang="en-US" altLang="ja-JP" sz="1800" dirty="0">
+                <a:effectLst/>
+                <a:ea typeface="游明朝" panose="02020400000000000000" pitchFamily="18" charset="-128"/>
+                <a:cs typeface="Times New Roman" panose="02020603050405020304" pitchFamily="18" charset="0"/>
+              </a:rPr>
+              <a:t>10^-10</a:t>
+            </a:r>
+            <a:r>
+              <a:rPr lang="ja-JP" altLang="ja-JP" sz="1800" dirty="0">
+                <a:effectLst/>
+                <a:ea typeface="游明朝" panose="02020400000000000000" pitchFamily="18" charset="-128"/>
+                <a:cs typeface="Times New Roman" panose="02020603050405020304" pitchFamily="18" charset="0"/>
+              </a:rPr>
+              <a:t>の差で、刻み幅が</a:t>
+            </a:r>
+            <a:r>
+              <a:rPr lang="en-US" altLang="ja-JP" sz="1800" dirty="0">
+                <a:effectLst/>
+                <a:ea typeface="游明朝" panose="02020400000000000000" pitchFamily="18" charset="-128"/>
+                <a:cs typeface="Times New Roman" panose="02020603050405020304" pitchFamily="18" charset="0"/>
+              </a:rPr>
+              <a:t>10^-9</a:t>
+            </a:r>
+            <a:r>
+              <a:rPr lang="ja-JP" altLang="ja-JP" sz="1800" dirty="0">
+                <a:effectLst/>
+                <a:ea typeface="游明朝" panose="02020400000000000000" pitchFamily="18" charset="-128"/>
+                <a:cs typeface="Times New Roman" panose="02020603050405020304" pitchFamily="18" charset="0"/>
+              </a:rPr>
+              <a:t>であることを考慮すると、十分小さい値である</a:t>
+            </a:r>
+            <a:r>
+              <a:rPr lang="ja-JP" altLang="en-US" sz="1800" dirty="0">
+                <a:effectLst/>
+                <a:ea typeface="游明朝" panose="02020400000000000000" pitchFamily="18" charset="-128"/>
+                <a:cs typeface="Times New Roman" panose="02020603050405020304" pitchFamily="18" charset="0"/>
+              </a:rPr>
+              <a:t>と判断しました。磁場のテスト結果は</a:t>
+            </a:r>
+            <a:r>
+              <a:rPr lang="en-US" altLang="ja-JP" sz="1800" dirty="0">
+                <a:effectLst/>
+                <a:ea typeface="游明朝" panose="02020400000000000000" pitchFamily="18" charset="-128"/>
+                <a:cs typeface="Times New Roman" panose="02020603050405020304" pitchFamily="18" charset="0"/>
+              </a:rPr>
+              <a:t>10^-8</a:t>
+            </a:r>
+            <a:r>
+              <a:rPr lang="ja-JP" altLang="en-US" sz="1800" dirty="0">
+                <a:effectLst/>
+                <a:ea typeface="游明朝" panose="02020400000000000000" pitchFamily="18" charset="-128"/>
+                <a:cs typeface="Times New Roman" panose="02020603050405020304" pitchFamily="18" charset="0"/>
+              </a:rPr>
+              <a:t>の差でこの値も十分小さい値であると判断しました。</a:t>
+            </a:r>
+            <a:endParaRPr kumimoji="1" lang="ja-JP" altLang="en-US" dirty="0"/>
           </a:p>
         </p:txBody>
       </p:sp>
@@ -1353,7 +2832,7 @@
           <a:p>
             <a:fld id="{54FC74C9-A3B3-42D0-9EC6-DE7CEAAF28CE}" type="slidenum">
               <a:rPr kumimoji="1" lang="ja-JP" altLang="en-US" smtClean="0"/>
-              <a:t>15</a:t>
+              <a:t>9</a:t>
             </a:fld>
             <a:endParaRPr kumimoji="1" lang="ja-JP" altLang="en-US"/>
           </a:p>
@@ -1362,7 +2841,7 @@
     </p:spTree>
     <p:extLst>
       <p:ext uri="{BB962C8B-B14F-4D97-AF65-F5344CB8AC3E}">
-        <p14:creationId xmlns:p14="http://schemas.microsoft.com/office/powerpoint/2010/main" val="2097994152"/>
+        <p14:creationId xmlns:p14="http://schemas.microsoft.com/office/powerpoint/2010/main" val="1199423053"/>
       </p:ext>
     </p:extLst>
   </p:cSld>
@@ -4998,7 +6477,7 @@
           <p:nvPr/>
         </p:nvPicPr>
         <p:blipFill rotWithShape="1">
-          <a:blip r:embed="rId2">
+          <a:blip r:embed="rId3">
             <a:extLst>
               <a:ext uri="{28A0092B-C50C-407E-A947-70E740481C1C}">
                 <a14:useLocalDpi xmlns:a14="http://schemas.microsoft.com/office/drawing/2010/main" val="0"/>
@@ -5033,7 +6512,7 @@
           <p:nvPr/>
         </p:nvPicPr>
         <p:blipFill rotWithShape="1">
-          <a:blip r:embed="rId3">
+          <a:blip r:embed="rId4">
             <a:extLst>
               <a:ext uri="{28A0092B-C50C-407E-A947-70E740481C1C}">
                 <a14:useLocalDpi xmlns:a14="http://schemas.microsoft.com/office/drawing/2010/main" val="0"/>
@@ -6098,8 +7577,8 @@
           </a:p>
         </p:txBody>
       </p:sp>
-      <mc:AlternateContent xmlns:mc="http://schemas.openxmlformats.org/markup-compatibility/2006">
-        <mc:Choice xmlns:a14="http://schemas.microsoft.com/office/drawing/2010/main" Requires="a14">
+      <mc:AlternateContent xmlns:mc="http://schemas.openxmlformats.org/markup-compatibility/2006" xmlns:a14="http://schemas.microsoft.com/office/drawing/2010/main">
+        <mc:Choice Requires="a14">
           <p:sp>
             <p:nvSpPr>
               <p:cNvPr id="4" name="テキスト ボックス 3">
@@ -6324,7 +7803,7 @@
             </p:txBody>
           </p:sp>
         </mc:Choice>
-        <mc:Fallback>
+        <mc:Fallback xmlns="">
           <p:sp>
             <p:nvSpPr>
               <p:cNvPr id="4" name="テキスト ボックス 3">
@@ -6908,7 +8387,7 @@
           <p:nvPr/>
         </p:nvPicPr>
         <p:blipFill>
-          <a:blip r:embed="rId2"/>
+          <a:blip r:embed="rId3"/>
           <a:stretch>
             <a:fillRect/>
           </a:stretch>
@@ -7074,7 +8553,7 @@
             <p:nvPr/>
           </p:nvPicPr>
           <p:blipFill rotWithShape="1">
-            <a:blip r:embed="rId3">
+            <a:blip r:embed="rId4">
               <a:extLst>
                 <a:ext uri="{28A0092B-C50C-407E-A947-70E740481C1C}">
                   <a14:useLocalDpi xmlns:a14="http://schemas.microsoft.com/office/drawing/2010/main" val="0"/>
@@ -7374,7 +8853,7 @@
           <p:nvPr/>
         </p:nvPicPr>
         <p:blipFill>
-          <a:blip r:embed="rId2">
+          <a:blip r:embed="rId3">
             <a:extLst>
               <a:ext uri="{28A0092B-C50C-407E-A947-70E740481C1C}">
                 <a14:useLocalDpi xmlns:a14="http://schemas.microsoft.com/office/drawing/2010/main" val="0"/>
@@ -7678,7 +9157,7 @@
                 <a:avLst/>
               </a:prstGeom>
               <a:blipFill>
-                <a:blip r:embed="rId3"/>
+                <a:blip r:embed="rId4"/>
                 <a:stretch>
                   <a:fillRect l="-2158" b="-32609"/>
                 </a:stretch>
@@ -7839,7 +9318,7 @@
                 <a:avLst/>
               </a:prstGeom>
               <a:blipFill>
-                <a:blip r:embed="rId4"/>
+                <a:blip r:embed="rId5"/>
                 <a:stretch>
                   <a:fillRect/>
                 </a:stretch>
@@ -8045,7 +9524,7 @@
                 <a:avLst/>
               </a:prstGeom>
               <a:blipFill>
-                <a:blip r:embed="rId5"/>
+                <a:blip r:embed="rId6"/>
                 <a:stretch>
                   <a:fillRect/>
                 </a:stretch>
@@ -8242,7 +9721,7 @@
                 <a:avLst/>
               </a:prstGeom>
               <a:blipFill>
-                <a:blip r:embed="rId6"/>
+                <a:blip r:embed="rId7"/>
                 <a:stretch>
                   <a:fillRect b="-11475"/>
                 </a:stretch>
@@ -8735,7 +10214,7 @@
                 <a:avLst/>
               </a:prstGeom>
               <a:blipFill>
-                <a:blip r:embed="rId7"/>
+                <a:blip r:embed="rId8"/>
                 <a:stretch>
                   <a:fillRect l="-1917" t="-3125" r="-1917" b="-25000"/>
                 </a:stretch>
@@ -12208,8 +13687,8 @@
           <a:chExt cx="0" cy="0"/>
         </a:xfrm>
       </p:grpSpPr>
-      <mc:AlternateContent xmlns:mc="http://schemas.openxmlformats.org/markup-compatibility/2006">
-        <mc:Choice xmlns:a14="http://schemas.microsoft.com/office/drawing/2010/main" Requires="a14">
+      <mc:AlternateContent xmlns:mc="http://schemas.openxmlformats.org/markup-compatibility/2006" xmlns:a14="http://schemas.microsoft.com/office/drawing/2010/main">
+        <mc:Choice Requires="a14">
           <p:sp>
             <p:nvSpPr>
               <p:cNvPr id="4" name="コンテンツ プレースホルダー 2">
@@ -12763,7 +14242,7 @@
             </p:txBody>
           </p:sp>
         </mc:Choice>
-        <mc:Fallback>
+        <mc:Fallback xmlns="">
           <p:sp>
             <p:nvSpPr>
               <p:cNvPr id="4" name="コンテンツ プレースホルダー 2">
@@ -13125,8 +14604,8 @@
           </a:p>
         </p:txBody>
       </p:sp>
-      <mc:AlternateContent xmlns:mc="http://schemas.openxmlformats.org/markup-compatibility/2006">
-        <mc:Choice xmlns:a14="http://schemas.microsoft.com/office/drawing/2010/main" Requires="a14">
+      <mc:AlternateContent xmlns:mc="http://schemas.openxmlformats.org/markup-compatibility/2006" xmlns:a14="http://schemas.microsoft.com/office/drawing/2010/main">
+        <mc:Choice Requires="a14">
           <p:sp>
             <p:nvSpPr>
               <p:cNvPr id="11" name="テキスト ボックス 10">
@@ -14292,7 +15771,7 @@
             </p:txBody>
           </p:sp>
         </mc:Choice>
-        <mc:Fallback>
+        <mc:Fallback xmlns="">
           <p:sp>
             <p:nvSpPr>
               <p:cNvPr id="11" name="テキスト ボックス 10">
@@ -14337,8 +15816,8 @@
           </p:sp>
         </mc:Fallback>
       </mc:AlternateContent>
-      <mc:AlternateContent xmlns:mc="http://schemas.openxmlformats.org/markup-compatibility/2006">
-        <mc:Choice xmlns:a14="http://schemas.microsoft.com/office/drawing/2010/main" Requires="a14">
+      <mc:AlternateContent xmlns:mc="http://schemas.openxmlformats.org/markup-compatibility/2006" xmlns:a14="http://schemas.microsoft.com/office/drawing/2010/main">
+        <mc:Choice Requires="a14">
           <p:sp>
             <p:nvSpPr>
               <p:cNvPr id="12" name="テキスト ボックス 11">
@@ -14930,7 +16409,7 @@
             </p:txBody>
           </p:sp>
         </mc:Choice>
-        <mc:Fallback>
+        <mc:Fallback xmlns="">
           <p:sp>
             <p:nvSpPr>
               <p:cNvPr id="12" name="テキスト ボックス 11">
@@ -15045,8 +16524,8 @@
           </a:p>
         </p:txBody>
       </p:sp>
-      <mc:AlternateContent xmlns:mc="http://schemas.openxmlformats.org/markup-compatibility/2006">
-        <mc:Choice xmlns:a14="http://schemas.microsoft.com/office/drawing/2010/main" Requires="a14">
+      <mc:AlternateContent xmlns:mc="http://schemas.openxmlformats.org/markup-compatibility/2006" xmlns:a14="http://schemas.microsoft.com/office/drawing/2010/main">
+        <mc:Choice Requires="a14">
           <p:sp>
             <p:nvSpPr>
               <p:cNvPr id="7" name="テキスト ボックス 6">
@@ -15151,7 +16630,7 @@
             </p:txBody>
           </p:sp>
         </mc:Choice>
-        <mc:Fallback>
+        <mc:Fallback xmlns="">
           <p:sp>
             <p:nvSpPr>
               <p:cNvPr id="7" name="テキスト ボックス 6">
@@ -15605,7 +17084,7 @@
                 <a:avLst/>
               </a:prstGeom>
               <a:blipFill>
-                <a:blip r:embed="rId2"/>
+                <a:blip r:embed="rId3"/>
                 <a:stretch>
                   <a:fillRect/>
                 </a:stretch>
@@ -15893,7 +17372,7 @@
                 <a:avLst/>
               </a:prstGeom>
               <a:blipFill>
-                <a:blip r:embed="rId3"/>
+                <a:blip r:embed="rId4"/>
                 <a:stretch>
                   <a:fillRect l="-992" t="-1071" b="-1964"/>
                 </a:stretch>
@@ -16219,7 +17698,7 @@
                 <a:avLst/>
               </a:prstGeom>
               <a:blipFill>
-                <a:blip r:embed="rId4"/>
+                <a:blip r:embed="rId5"/>
                 <a:stretch>
                   <a:fillRect/>
                 </a:stretch>
@@ -16557,7 +18036,7 @@
                 <a:avLst/>
               </a:prstGeom>
               <a:blipFill>
-                <a:blip r:embed="rId5"/>
+                <a:blip r:embed="rId6"/>
                 <a:stretch>
                   <a:fillRect/>
                 </a:stretch>
@@ -16917,7 +18396,7 @@
                 <a:avLst/>
               </a:prstGeom>
               <a:blipFill>
-                <a:blip r:embed="rId6"/>
+                <a:blip r:embed="rId7"/>
                 <a:stretch>
                   <a:fillRect/>
                 </a:stretch>
@@ -17077,7 +18556,7 @@
           <p:nvPr/>
         </p:nvPicPr>
         <p:blipFill rotWithShape="1">
-          <a:blip r:embed="rId2">
+          <a:blip r:embed="rId3">
             <a:extLst>
               <a:ext uri="{28A0092B-C50C-407E-A947-70E740481C1C}">
                 <a14:useLocalDpi xmlns:a14="http://schemas.microsoft.com/office/drawing/2010/main" val="0"/>
@@ -17717,7 +19196,7 @@
                 <a:avLst/>
               </a:prstGeom>
               <a:blipFill>
-                <a:blip r:embed="rId3"/>
+                <a:blip r:embed="rId4"/>
                 <a:stretch>
                   <a:fillRect l="-1329" t="-743" r="-591"/>
                 </a:stretch>
@@ -17783,7 +19262,7 @@
           <p:nvPr/>
         </p:nvPicPr>
         <p:blipFill rotWithShape="1">
-          <a:blip r:embed="rId2">
+          <a:blip r:embed="rId3">
             <a:extLst>
               <a:ext uri="{28A0092B-C50C-407E-A947-70E740481C1C}">
                 <a14:useLocalDpi xmlns:a14="http://schemas.microsoft.com/office/drawing/2010/main" val="0"/>
@@ -18442,7 +19921,7 @@
                 <a:avLst/>
               </a:prstGeom>
               <a:blipFill>
-                <a:blip r:embed="rId3"/>
+                <a:blip r:embed="rId4"/>
                 <a:stretch>
                   <a:fillRect l="-1331" t="-694"/>
                 </a:stretch>
@@ -18548,7 +20027,7 @@
           <p:nvPr/>
         </p:nvPicPr>
         <p:blipFill>
-          <a:blip r:embed="rId2">
+          <a:blip r:embed="rId3">
             <a:extLst>
               <a:ext uri="{28A0092B-C50C-407E-A947-70E740481C1C}">
                 <a14:useLocalDpi xmlns:a14="http://schemas.microsoft.com/office/drawing/2010/main" val="0"/>
@@ -18792,7 +20271,7 @@
             </a:r>
             <a:r>
               <a:rPr lang="en-US" altLang="ja-JP" sz="1100" dirty="0">
-                <a:hlinkClick r:id="rId3"/>
+                <a:hlinkClick r:id="rId4"/>
               </a:rPr>
               <a:t>http://apollo.lns.tohoku.ac.jp/scrit/SCRIT_Sendai_J/Physics.html</a:t>
             </a:r>
@@ -22914,7 +24393,7 @@
           <p:nvPr/>
         </p:nvPicPr>
         <p:blipFill>
-          <a:blip r:embed="rId2">
+          <a:blip r:embed="rId3">
             <a:extLst>
               <a:ext uri="{28A0092B-C50C-407E-A947-70E740481C1C}">
                 <a14:useLocalDpi xmlns:a14="http://schemas.microsoft.com/office/drawing/2010/main" val="0"/>
@@ -23005,7 +24484,7 @@
             </a:r>
             <a:r>
               <a:rPr lang="en-US" altLang="ja-JP" sz="1100" dirty="0">
-                <a:hlinkClick r:id="rId3"/>
+                <a:hlinkClick r:id="rId4"/>
               </a:rPr>
               <a:t>https://automatic-browsing.com/2020/02/28</a:t>
             </a:r>
@@ -23307,7 +24786,7 @@
                 <a:avLst/>
               </a:prstGeom>
               <a:blipFill>
-                <a:blip r:embed="rId4"/>
+                <a:blip r:embed="rId5"/>
                 <a:stretch>
                   <a:fillRect l="-2703" t="-10465" b="-11628"/>
                 </a:stretch>
@@ -25490,7 +26969,7 @@
                 <a:avLst/>
               </a:prstGeom>
               <a:blipFill>
-                <a:blip r:embed="rId2"/>
+                <a:blip r:embed="rId3"/>
                 <a:stretch>
                   <a:fillRect/>
                 </a:stretch>
@@ -25642,7 +27121,7 @@
                 <a:avLst/>
               </a:prstGeom>
               <a:blipFill>
-                <a:blip r:embed="rId3"/>
+                <a:blip r:embed="rId4"/>
                 <a:stretch>
                   <a:fillRect/>
                 </a:stretch>
@@ -25900,7 +27379,7 @@
                 <a:avLst/>
               </a:prstGeom>
               <a:blipFill>
-                <a:blip r:embed="rId4"/>
+                <a:blip r:embed="rId5"/>
                 <a:stretch>
                   <a:fillRect/>
                 </a:stretch>
@@ -26571,7 +28050,7 @@
                 <a:avLst/>
               </a:prstGeom>
               <a:blipFill>
-                <a:blip r:embed="rId5"/>
+                <a:blip r:embed="rId6"/>
                 <a:stretch>
                   <a:fillRect/>
                 </a:stretch>
@@ -26761,7 +28240,7 @@
                 <a:avLst/>
               </a:prstGeom>
               <a:blipFill>
-                <a:blip r:embed="rId6"/>
+                <a:blip r:embed="rId7"/>
                 <a:stretch>
                   <a:fillRect/>
                 </a:stretch>
@@ -26900,7 +28379,7 @@
                 <a:avLst/>
               </a:prstGeom>
               <a:blipFill>
-                <a:blip r:embed="rId7"/>
+                <a:blip r:embed="rId8"/>
                 <a:stretch>
                   <a:fillRect l="-1176" t="-2174" r="-5098" b="-36957"/>
                 </a:stretch>
@@ -28143,4 +29622,299 @@
     </a:ext>
   </a:extLst>
 </a:theme>
+</file>
+
+<file path=ppt/theme/theme3.xml><?xml version="1.0" encoding="utf-8"?>
+<a:theme xmlns:a="http://schemas.openxmlformats.org/drawingml/2006/main" name="Office テーマ">
+  <a:themeElements>
+    <a:clrScheme name="Office">
+      <a:dk1>
+        <a:sysClr val="windowText" lastClr="000000"/>
+      </a:dk1>
+      <a:lt1>
+        <a:sysClr val="window" lastClr="FFFFFF"/>
+      </a:lt1>
+      <a:dk2>
+        <a:srgbClr val="44546A"/>
+      </a:dk2>
+      <a:lt2>
+        <a:srgbClr val="E7E6E6"/>
+      </a:lt2>
+      <a:accent1>
+        <a:srgbClr val="4472C4"/>
+      </a:accent1>
+      <a:accent2>
+        <a:srgbClr val="ED7D31"/>
+      </a:accent2>
+      <a:accent3>
+        <a:srgbClr val="A5A5A5"/>
+      </a:accent3>
+      <a:accent4>
+        <a:srgbClr val="FFC000"/>
+      </a:accent4>
+      <a:accent5>
+        <a:srgbClr val="5B9BD5"/>
+      </a:accent5>
+      <a:accent6>
+        <a:srgbClr val="70AD47"/>
+      </a:accent6>
+      <a:hlink>
+        <a:srgbClr val="0563C1"/>
+      </a:hlink>
+      <a:folHlink>
+        <a:srgbClr val="954F72"/>
+      </a:folHlink>
+    </a:clrScheme>
+    <a:fontScheme name="Office">
+      <a:majorFont>
+        <a:latin typeface="游ゴシック Light" panose="020F0302020204030204"/>
+        <a:ea typeface=""/>
+        <a:cs typeface=""/>
+        <a:font script="Jpan" typeface="游ゴシック Light"/>
+        <a:font script="Hang" typeface="맑은 고딕"/>
+        <a:font script="Hans" typeface="等线 Light"/>
+        <a:font script="Hant" typeface="新細明體"/>
+        <a:font script="Arab" typeface="Times New Roman"/>
+        <a:font script="Hebr" typeface="Times New Roman"/>
+        <a:font script="Thai" typeface="Angsana New"/>
+        <a:font script="Ethi" typeface="Nyala"/>
+        <a:font script="Beng" typeface="Vrinda"/>
+        <a:font script="Gujr" typeface="Shruti"/>
+        <a:font script="Khmr" typeface="MoolBoran"/>
+        <a:font script="Knda" typeface="Tunga"/>
+        <a:font script="Guru" typeface="Raavi"/>
+        <a:font script="Cans" typeface="Euphemia"/>
+        <a:font script="Cher" typeface="Plantagenet Cherokee"/>
+        <a:font script="Yiii" typeface="Microsoft Yi Baiti"/>
+        <a:font script="Tibt" typeface="Microsoft Himalaya"/>
+        <a:font script="Thaa" typeface="MV Boli"/>
+        <a:font script="Deva" typeface="Mangal"/>
+        <a:font script="Telu" typeface="Gautami"/>
+        <a:font script="Taml" typeface="Latha"/>
+        <a:font script="Syrc" typeface="Estrangelo Edessa"/>
+        <a:font script="Orya" typeface="Kalinga"/>
+        <a:font script="Mlym" typeface="Kartika"/>
+        <a:font script="Laoo" typeface="DokChampa"/>
+        <a:font script="Sinh" typeface="Iskoola Pota"/>
+        <a:font script="Mong" typeface="Mongolian Baiti"/>
+        <a:font script="Viet" typeface="Times New Roman"/>
+        <a:font script="Uigh" typeface="Microsoft Uighur"/>
+        <a:font script="Geor" typeface="Sylfaen"/>
+        <a:font script="Armn" typeface="Arial"/>
+        <a:font script="Bugi" typeface="Leelawadee UI"/>
+        <a:font script="Bopo" typeface="Microsoft JhengHei"/>
+        <a:font script="Java" typeface="Javanese Text"/>
+        <a:font script="Lisu" typeface="Segoe UI"/>
+        <a:font script="Mymr" typeface="Myanmar Text"/>
+        <a:font script="Nkoo" typeface="Ebrima"/>
+        <a:font script="Olck" typeface="Nirmala UI"/>
+        <a:font script="Osma" typeface="Ebrima"/>
+        <a:font script="Phag" typeface="Phagspa"/>
+        <a:font script="Syrn" typeface="Estrangelo Edessa"/>
+        <a:font script="Syrj" typeface="Estrangelo Edessa"/>
+        <a:font script="Syre" typeface="Estrangelo Edessa"/>
+        <a:font script="Sora" typeface="Nirmala UI"/>
+        <a:font script="Tale" typeface="Microsoft Tai Le"/>
+        <a:font script="Talu" typeface="Microsoft New Tai Lue"/>
+        <a:font script="Tfng" typeface="Ebrima"/>
+      </a:majorFont>
+      <a:minorFont>
+        <a:latin typeface="游ゴシック" panose="020F0502020204030204"/>
+        <a:ea typeface=""/>
+        <a:cs typeface=""/>
+        <a:font script="Jpan" typeface="游ゴシック"/>
+        <a:font script="Hang" typeface="맑은 고딕"/>
+        <a:font script="Hans" typeface="等线"/>
+        <a:font script="Hant" typeface="新細明體"/>
+        <a:font script="Arab" typeface="Arial"/>
+        <a:font script="Hebr" typeface="Arial"/>
+        <a:font script="Thai" typeface="Cordia New"/>
+        <a:font script="Ethi" typeface="Nyala"/>
+        <a:font script="Beng" typeface="Vrinda"/>
+        <a:font script="Gujr" typeface="Shruti"/>
+        <a:font script="Khmr" typeface="DaunPenh"/>
+        <a:font script="Knda" typeface="Tunga"/>
+        <a:font script="Guru" typeface="Raavi"/>
+        <a:font script="Cans" typeface="Euphemia"/>
+        <a:font script="Cher" typeface="Plantagenet Cherokee"/>
+        <a:font script="Yiii" typeface="Microsoft Yi Baiti"/>
+        <a:font script="Tibt" typeface="Microsoft Himalaya"/>
+        <a:font script="Thaa" typeface="MV Boli"/>
+        <a:font script="Deva" typeface="Mangal"/>
+        <a:font script="Telu" typeface="Gautami"/>
+        <a:font script="Taml" typeface="Latha"/>
+        <a:font script="Syrc" typeface="Estrangelo Edessa"/>
+        <a:font script="Orya" typeface="Kalinga"/>
+        <a:font script="Mlym" typeface="Kartika"/>
+        <a:font script="Laoo" typeface="DokChampa"/>
+        <a:font script="Sinh" typeface="Iskoola Pota"/>
+        <a:font script="Mong" typeface="Mongolian Baiti"/>
+        <a:font script="Viet" typeface="Arial"/>
+        <a:font script="Uigh" typeface="Microsoft Uighur"/>
+        <a:font script="Geor" typeface="Sylfaen"/>
+        <a:font script="Armn" typeface="Arial"/>
+        <a:font script="Bugi" typeface="Leelawadee UI"/>
+        <a:font script="Bopo" typeface="Microsoft JhengHei"/>
+        <a:font script="Java" typeface="Javanese Text"/>
+        <a:font script="Lisu" typeface="Segoe UI"/>
+        <a:font script="Mymr" typeface="Myanmar Text"/>
+        <a:font script="Nkoo" typeface="Ebrima"/>
+        <a:font script="Olck" typeface="Nirmala UI"/>
+        <a:font script="Osma" typeface="Ebrima"/>
+        <a:font script="Phag" typeface="Phagspa"/>
+        <a:font script="Syrn" typeface="Estrangelo Edessa"/>
+        <a:font script="Syrj" typeface="Estrangelo Edessa"/>
+        <a:font script="Syre" typeface="Estrangelo Edessa"/>
+        <a:font script="Sora" typeface="Nirmala UI"/>
+        <a:font script="Tale" typeface="Microsoft Tai Le"/>
+        <a:font script="Talu" typeface="Microsoft New Tai Lue"/>
+        <a:font script="Tfng" typeface="Ebrima"/>
+      </a:minorFont>
+    </a:fontScheme>
+    <a:fmtScheme name="Office">
+      <a:fillStyleLst>
+        <a:solidFill>
+          <a:schemeClr val="phClr"/>
+        </a:solidFill>
+        <a:gradFill rotWithShape="1">
+          <a:gsLst>
+            <a:gs pos="0">
+              <a:schemeClr val="phClr">
+                <a:lumMod val="110000"/>
+                <a:satMod val="105000"/>
+                <a:tint val="67000"/>
+              </a:schemeClr>
+            </a:gs>
+            <a:gs pos="50000">
+              <a:schemeClr val="phClr">
+                <a:lumMod val="105000"/>
+                <a:satMod val="103000"/>
+                <a:tint val="73000"/>
+              </a:schemeClr>
+            </a:gs>
+            <a:gs pos="100000">
+              <a:schemeClr val="phClr">
+                <a:lumMod val="105000"/>
+                <a:satMod val="109000"/>
+                <a:tint val="81000"/>
+              </a:schemeClr>
+            </a:gs>
+          </a:gsLst>
+          <a:lin ang="5400000" scaled="0"/>
+        </a:gradFill>
+        <a:gradFill rotWithShape="1">
+          <a:gsLst>
+            <a:gs pos="0">
+              <a:schemeClr val="phClr">
+                <a:satMod val="103000"/>
+                <a:lumMod val="102000"/>
+                <a:tint val="94000"/>
+              </a:schemeClr>
+            </a:gs>
+            <a:gs pos="50000">
+              <a:schemeClr val="phClr">
+                <a:satMod val="110000"/>
+                <a:lumMod val="100000"/>
+                <a:shade val="100000"/>
+              </a:schemeClr>
+            </a:gs>
+            <a:gs pos="100000">
+              <a:schemeClr val="phClr">
+                <a:lumMod val="99000"/>
+                <a:satMod val="120000"/>
+                <a:shade val="78000"/>
+              </a:schemeClr>
+            </a:gs>
+          </a:gsLst>
+          <a:lin ang="5400000" scaled="0"/>
+        </a:gradFill>
+      </a:fillStyleLst>
+      <a:lnStyleLst>
+        <a:ln w="6350" cap="flat" cmpd="sng" algn="ctr">
+          <a:solidFill>
+            <a:schemeClr val="phClr"/>
+          </a:solidFill>
+          <a:prstDash val="solid"/>
+          <a:miter lim="800000"/>
+        </a:ln>
+        <a:ln w="12700" cap="flat" cmpd="sng" algn="ctr">
+          <a:solidFill>
+            <a:schemeClr val="phClr"/>
+          </a:solidFill>
+          <a:prstDash val="solid"/>
+          <a:miter lim="800000"/>
+        </a:ln>
+        <a:ln w="19050" cap="flat" cmpd="sng" algn="ctr">
+          <a:solidFill>
+            <a:schemeClr val="phClr"/>
+          </a:solidFill>
+          <a:prstDash val="solid"/>
+          <a:miter lim="800000"/>
+        </a:ln>
+      </a:lnStyleLst>
+      <a:effectStyleLst>
+        <a:effectStyle>
+          <a:effectLst/>
+        </a:effectStyle>
+        <a:effectStyle>
+          <a:effectLst/>
+        </a:effectStyle>
+        <a:effectStyle>
+          <a:effectLst>
+            <a:outerShdw blurRad="57150" dist="19050" dir="5400000" algn="ctr" rotWithShape="0">
+              <a:srgbClr val="000000">
+                <a:alpha val="63000"/>
+              </a:srgbClr>
+            </a:outerShdw>
+          </a:effectLst>
+        </a:effectStyle>
+      </a:effectStyleLst>
+      <a:bgFillStyleLst>
+        <a:solidFill>
+          <a:schemeClr val="phClr"/>
+        </a:solidFill>
+        <a:solidFill>
+          <a:schemeClr val="phClr">
+            <a:tint val="95000"/>
+            <a:satMod val="170000"/>
+          </a:schemeClr>
+        </a:solidFill>
+        <a:gradFill rotWithShape="1">
+          <a:gsLst>
+            <a:gs pos="0">
+              <a:schemeClr val="phClr">
+                <a:tint val="93000"/>
+                <a:satMod val="150000"/>
+                <a:shade val="98000"/>
+                <a:lumMod val="102000"/>
+              </a:schemeClr>
+            </a:gs>
+            <a:gs pos="50000">
+              <a:schemeClr val="phClr">
+                <a:tint val="98000"/>
+                <a:satMod val="130000"/>
+                <a:shade val="90000"/>
+                <a:lumMod val="103000"/>
+              </a:schemeClr>
+            </a:gs>
+            <a:gs pos="100000">
+              <a:schemeClr val="phClr">
+                <a:shade val="63000"/>
+                <a:satMod val="120000"/>
+              </a:schemeClr>
+            </a:gs>
+          </a:gsLst>
+          <a:lin ang="5400000" scaled="0"/>
+        </a:gradFill>
+      </a:bgFillStyleLst>
+    </a:fmtScheme>
+  </a:themeElements>
+  <a:objectDefaults/>
+  <a:extraClrSchemeLst/>
+  <a:extLst>
+    <a:ext uri="{05A4C25C-085E-4340-85A3-A5531E510DB2}">
+      <thm15:themeFamily xmlns:thm15="http://schemas.microsoft.com/office/thememl/2012/main" name="Office Theme" id="{62F939B6-93AF-4DB8-9C6B-D6C7DFDC589F}" vid="{4A3C46E8-61CC-4603-A589-7422A47A8E4A}"/>
+    </a:ext>
+  </a:extLst>
+</a:theme>
 </file>
--- a/docs/中間発表.pptx
+++ b/docs/中間発表.pptx
@@ -26273,1380 +26273,6 @@
       </p:grpSpPr>
       <p:sp>
         <p:nvSpPr>
-          <p:cNvPr id="18" name="楕円 17">
-            <a:extLst>
-              <a:ext uri="{FF2B5EF4-FFF2-40B4-BE49-F238E27FC236}">
-                <a16:creationId xmlns:a16="http://schemas.microsoft.com/office/drawing/2014/main" id="{C503ECD4-AAD2-4E8B-884F-530BC47A9EBD}"/>
-              </a:ext>
-            </a:extLst>
-          </p:cNvPr>
-          <p:cNvSpPr/>
-          <p:nvPr/>
-        </p:nvSpPr>
-        <p:spPr>
-          <a:xfrm>
-            <a:off x="9120093" y="3200304"/>
-            <a:ext cx="352400" cy="390521"/>
-          </a:xfrm>
-          <a:prstGeom prst="ellipse">
-            <a:avLst/>
-          </a:prstGeom>
-        </p:spPr>
-        <p:style>
-          <a:lnRef idx="2">
-            <a:schemeClr val="accent1">
-              <a:shade val="50000"/>
-            </a:schemeClr>
-          </a:lnRef>
-          <a:fillRef idx="1">
-            <a:schemeClr val="accent1"/>
-          </a:fillRef>
-          <a:effectRef idx="0">
-            <a:schemeClr val="accent1"/>
-          </a:effectRef>
-          <a:fontRef idx="minor">
-            <a:schemeClr val="lt1"/>
-          </a:fontRef>
-        </p:style>
-        <p:txBody>
-          <a:bodyPr rtlCol="0" anchor="ctr"/>
-          <a:lstStyle/>
-          <a:p>
-            <a:pPr algn="ctr"/>
-            <a:endParaRPr kumimoji="1" lang="ja-JP" altLang="en-US" dirty="0"/>
-          </a:p>
-        </p:txBody>
-      </p:sp>
-      <p:sp>
-        <p:nvSpPr>
-          <p:cNvPr id="4" name="楕円 3">
-            <a:extLst>
-              <a:ext uri="{FF2B5EF4-FFF2-40B4-BE49-F238E27FC236}">
-                <a16:creationId xmlns:a16="http://schemas.microsoft.com/office/drawing/2014/main" id="{706F47F2-EEAF-46AA-AD49-C0125EB729C8}"/>
-              </a:ext>
-            </a:extLst>
-          </p:cNvPr>
-          <p:cNvSpPr/>
-          <p:nvPr/>
-        </p:nvSpPr>
-        <p:spPr>
-          <a:xfrm>
-            <a:off x="7218129" y="3525579"/>
-            <a:ext cx="294099" cy="361553"/>
-          </a:xfrm>
-          <a:prstGeom prst="ellipse">
-            <a:avLst/>
-          </a:prstGeom>
-        </p:spPr>
-        <p:style>
-          <a:lnRef idx="2">
-            <a:schemeClr val="dk1"/>
-          </a:lnRef>
-          <a:fillRef idx="1">
-            <a:schemeClr val="lt1"/>
-          </a:fillRef>
-          <a:effectRef idx="0">
-            <a:schemeClr val="dk1"/>
-          </a:effectRef>
-          <a:fontRef idx="minor">
-            <a:schemeClr val="dk1"/>
-          </a:fontRef>
-        </p:style>
-        <p:txBody>
-          <a:bodyPr rtlCol="0" anchor="ctr"/>
-          <a:lstStyle/>
-          <a:p>
-            <a:pPr algn="ctr"/>
-            <a:r>
-              <a:rPr kumimoji="1" lang="ja-JP" altLang="en-US" sz="1200" dirty="0">
-                <a:ln>
-                  <a:solidFill>
-                    <a:schemeClr val="tx1"/>
-                  </a:solidFill>
-                </a:ln>
-              </a:rPr>
-              <a:t>・</a:t>
-            </a:r>
-          </a:p>
-        </p:txBody>
-      </p:sp>
-      <p:sp>
-        <p:nvSpPr>
-          <p:cNvPr id="7" name="テキスト ボックス 6">
-            <a:extLst>
-              <a:ext uri="{FF2B5EF4-FFF2-40B4-BE49-F238E27FC236}">
-                <a16:creationId xmlns:a16="http://schemas.microsoft.com/office/drawing/2014/main" id="{6F9F9978-CBA1-4B78-BEF5-D2500B6F4A27}"/>
-              </a:ext>
-            </a:extLst>
-          </p:cNvPr>
-          <p:cNvSpPr txBox="1"/>
-          <p:nvPr/>
-        </p:nvSpPr>
-        <p:spPr>
-          <a:xfrm>
-            <a:off x="7414200" y="3248043"/>
-            <a:ext cx="475632" cy="369332"/>
-          </a:xfrm>
-          <a:prstGeom prst="rect">
-            <a:avLst/>
-          </a:prstGeom>
-          <a:noFill/>
-        </p:spPr>
-        <p:txBody>
-          <a:bodyPr wrap="square" rtlCol="0">
-            <a:spAutoFit/>
-          </a:bodyPr>
-          <a:lstStyle/>
-          <a:p>
-            <a:r>
-              <a:rPr kumimoji="1" lang="en-US" altLang="ja-JP" dirty="0"/>
-              <a:t>B</a:t>
-            </a:r>
-          </a:p>
-        </p:txBody>
-      </p:sp>
-      <p:cxnSp>
-        <p:nvCxnSpPr>
-          <p:cNvPr id="20" name="直線矢印コネクタ 19">
-            <a:extLst>
-              <a:ext uri="{FF2B5EF4-FFF2-40B4-BE49-F238E27FC236}">
-                <a16:creationId xmlns:a16="http://schemas.microsoft.com/office/drawing/2014/main" id="{846457B3-EED0-4335-8DE0-51591235F115}"/>
-              </a:ext>
-            </a:extLst>
-          </p:cNvPr>
-          <p:cNvCxnSpPr/>
-          <p:nvPr/>
-        </p:nvCxnSpPr>
-        <p:spPr>
-          <a:xfrm>
-            <a:off x="6885047" y="6423537"/>
-            <a:ext cx="4105275" cy="0"/>
-          </a:xfrm>
-          <a:prstGeom prst="straightConnector1">
-            <a:avLst/>
-          </a:prstGeom>
-          <a:ln w="38100">
-            <a:solidFill>
-              <a:schemeClr val="tx1"/>
-            </a:solidFill>
-            <a:tailEnd type="triangle"/>
-          </a:ln>
-        </p:spPr>
-        <p:style>
-          <a:lnRef idx="1">
-            <a:schemeClr val="accent1"/>
-          </a:lnRef>
-          <a:fillRef idx="0">
-            <a:schemeClr val="accent1"/>
-          </a:fillRef>
-          <a:effectRef idx="0">
-            <a:schemeClr val="accent1"/>
-          </a:effectRef>
-          <a:fontRef idx="minor">
-            <a:schemeClr val="tx1"/>
-          </a:fontRef>
-        </p:style>
-      </p:cxnSp>
-      <p:cxnSp>
-        <p:nvCxnSpPr>
-          <p:cNvPr id="23" name="直線矢印コネクタ 22">
-            <a:extLst>
-              <a:ext uri="{FF2B5EF4-FFF2-40B4-BE49-F238E27FC236}">
-                <a16:creationId xmlns:a16="http://schemas.microsoft.com/office/drawing/2014/main" id="{E8655704-B04E-44B7-A5E2-92364BFE203C}"/>
-              </a:ext>
-            </a:extLst>
-          </p:cNvPr>
-          <p:cNvCxnSpPr>
-            <a:cxnSpLocks/>
-          </p:cNvCxnSpPr>
-          <p:nvPr/>
-        </p:nvCxnSpPr>
-        <p:spPr>
-          <a:xfrm flipV="1">
-            <a:off x="6885047" y="3123959"/>
-            <a:ext cx="0" cy="3299578"/>
-          </a:xfrm>
-          <a:prstGeom prst="straightConnector1">
-            <a:avLst/>
-          </a:prstGeom>
-          <a:ln w="38100">
-            <a:solidFill>
-              <a:schemeClr val="tx1"/>
-            </a:solidFill>
-            <a:tailEnd type="triangle"/>
-          </a:ln>
-        </p:spPr>
-        <p:style>
-          <a:lnRef idx="1">
-            <a:schemeClr val="accent1"/>
-          </a:lnRef>
-          <a:fillRef idx="0">
-            <a:schemeClr val="accent1"/>
-          </a:fillRef>
-          <a:effectRef idx="0">
-            <a:schemeClr val="accent1"/>
-          </a:effectRef>
-          <a:fontRef idx="minor">
-            <a:schemeClr val="tx1"/>
-          </a:fontRef>
-        </p:style>
-      </p:cxnSp>
-      <p:sp>
-        <p:nvSpPr>
-          <p:cNvPr id="9" name="テキスト ボックス 8">
-            <a:extLst>
-              <a:ext uri="{FF2B5EF4-FFF2-40B4-BE49-F238E27FC236}">
-                <a16:creationId xmlns:a16="http://schemas.microsoft.com/office/drawing/2014/main" id="{E2BC309D-9573-4A7B-B2F2-BC4300DA241F}"/>
-              </a:ext>
-            </a:extLst>
-          </p:cNvPr>
-          <p:cNvSpPr txBox="1"/>
-          <p:nvPr/>
-        </p:nvSpPr>
-        <p:spPr>
-          <a:xfrm>
-            <a:off x="11121387" y="6541292"/>
-            <a:ext cx="433631" cy="369332"/>
-          </a:xfrm>
-          <a:prstGeom prst="rect">
-            <a:avLst/>
-          </a:prstGeom>
-          <a:noFill/>
-        </p:spPr>
-        <p:txBody>
-          <a:bodyPr wrap="square" rtlCol="0">
-            <a:spAutoFit/>
-          </a:bodyPr>
-          <a:lstStyle/>
-          <a:p>
-            <a:r>
-              <a:rPr lang="en-US" altLang="ja-JP" dirty="0"/>
-              <a:t>x</a:t>
-            </a:r>
-            <a:endParaRPr kumimoji="1" lang="ja-JP" altLang="en-US" dirty="0"/>
-          </a:p>
-        </p:txBody>
-      </p:sp>
-      <p:sp>
-        <p:nvSpPr>
-          <p:cNvPr id="10" name="テキスト ボックス 9">
-            <a:extLst>
-              <a:ext uri="{FF2B5EF4-FFF2-40B4-BE49-F238E27FC236}">
-                <a16:creationId xmlns:a16="http://schemas.microsoft.com/office/drawing/2014/main" id="{2D3C0521-D881-4BF8-A548-79434836DFC7}"/>
-              </a:ext>
-            </a:extLst>
-          </p:cNvPr>
-          <p:cNvSpPr txBox="1"/>
-          <p:nvPr/>
-        </p:nvSpPr>
-        <p:spPr>
-          <a:xfrm>
-            <a:off x="6490370" y="2734145"/>
-            <a:ext cx="486244" cy="369332"/>
-          </a:xfrm>
-          <a:prstGeom prst="rect">
-            <a:avLst/>
-          </a:prstGeom>
-          <a:noFill/>
-        </p:spPr>
-        <p:txBody>
-          <a:bodyPr wrap="square" rtlCol="0">
-            <a:spAutoFit/>
-          </a:bodyPr>
-          <a:lstStyle/>
-          <a:p>
-            <a:r>
-              <a:rPr lang="en-US" altLang="ja-JP" dirty="0"/>
-              <a:t>z </a:t>
-            </a:r>
-            <a:endParaRPr kumimoji="1" lang="ja-JP" altLang="en-US" dirty="0"/>
-          </a:p>
-        </p:txBody>
-      </p:sp>
-      <p:sp>
-        <p:nvSpPr>
-          <p:cNvPr id="11" name="楕円 10">
-            <a:extLst>
-              <a:ext uri="{FF2B5EF4-FFF2-40B4-BE49-F238E27FC236}">
-                <a16:creationId xmlns:a16="http://schemas.microsoft.com/office/drawing/2014/main" id="{2423C6F9-3C9C-4F6E-85EB-29858BFEDE46}"/>
-              </a:ext>
-            </a:extLst>
-          </p:cNvPr>
-          <p:cNvSpPr/>
-          <p:nvPr/>
-        </p:nvSpPr>
-        <p:spPr>
-          <a:xfrm>
-            <a:off x="7747279" y="3395564"/>
-            <a:ext cx="3088638" cy="2768974"/>
-          </a:xfrm>
-          <a:prstGeom prst="ellipse">
-            <a:avLst/>
-          </a:prstGeom>
-          <a:noFill/>
-        </p:spPr>
-        <p:style>
-          <a:lnRef idx="2">
-            <a:schemeClr val="accent1">
-              <a:shade val="50000"/>
-            </a:schemeClr>
-          </a:lnRef>
-          <a:fillRef idx="1">
-            <a:schemeClr val="accent1"/>
-          </a:fillRef>
-          <a:effectRef idx="0">
-            <a:schemeClr val="accent1"/>
-          </a:effectRef>
-          <a:fontRef idx="minor">
-            <a:schemeClr val="lt1"/>
-          </a:fontRef>
-        </p:style>
-        <p:txBody>
-          <a:bodyPr rtlCol="0" anchor="ctr"/>
-          <a:lstStyle/>
-          <a:p>
-            <a:pPr algn="ctr"/>
-            <a:endParaRPr kumimoji="1" lang="ja-JP" altLang="en-US"/>
-          </a:p>
-        </p:txBody>
-      </p:sp>
-      <p:cxnSp>
-        <p:nvCxnSpPr>
-          <p:cNvPr id="14" name="直線コネクタ 13">
-            <a:extLst>
-              <a:ext uri="{FF2B5EF4-FFF2-40B4-BE49-F238E27FC236}">
-                <a16:creationId xmlns:a16="http://schemas.microsoft.com/office/drawing/2014/main" id="{C7C30AB5-2049-4A13-A557-FB6FCDE81667}"/>
-              </a:ext>
-            </a:extLst>
-          </p:cNvPr>
-          <p:cNvCxnSpPr>
-            <a:cxnSpLocks/>
-            <a:stCxn id="33" idx="0"/>
-            <a:endCxn id="11" idx="6"/>
-          </p:cNvCxnSpPr>
-          <p:nvPr/>
-        </p:nvCxnSpPr>
-        <p:spPr>
-          <a:xfrm>
-            <a:off x="9292570" y="4758131"/>
-            <a:ext cx="1543347" cy="21920"/>
-          </a:xfrm>
-          <a:prstGeom prst="line">
-            <a:avLst/>
-          </a:prstGeom>
-        </p:spPr>
-        <p:style>
-          <a:lnRef idx="1">
-            <a:schemeClr val="accent1"/>
-          </a:lnRef>
-          <a:fillRef idx="0">
-            <a:schemeClr val="accent1"/>
-          </a:fillRef>
-          <a:effectRef idx="0">
-            <a:schemeClr val="accent1"/>
-          </a:effectRef>
-          <a:fontRef idx="minor">
-            <a:schemeClr val="tx1"/>
-          </a:fontRef>
-        </p:style>
-      </p:cxnSp>
-      <p:sp>
-        <p:nvSpPr>
-          <p:cNvPr id="33" name="円弧 32">
-            <a:extLst>
-              <a:ext uri="{FF2B5EF4-FFF2-40B4-BE49-F238E27FC236}">
-                <a16:creationId xmlns:a16="http://schemas.microsoft.com/office/drawing/2014/main" id="{9812CC85-B854-41B8-B5A2-C6874E9DC2F9}"/>
-              </a:ext>
-            </a:extLst>
-          </p:cNvPr>
-          <p:cNvSpPr/>
-          <p:nvPr/>
-        </p:nvSpPr>
-        <p:spPr>
-          <a:xfrm>
-            <a:off x="9291598" y="4409897"/>
-            <a:ext cx="1190625" cy="738658"/>
-          </a:xfrm>
-          <a:prstGeom prst="arc">
-            <a:avLst>
-              <a:gd name="adj1" fmla="val 10921968"/>
-              <a:gd name="adj2" fmla="val 12945205"/>
-            </a:avLst>
-          </a:prstGeom>
-        </p:spPr>
-        <p:style>
-          <a:lnRef idx="1">
-            <a:schemeClr val="accent1"/>
-          </a:lnRef>
-          <a:fillRef idx="0">
-            <a:schemeClr val="accent1"/>
-          </a:fillRef>
-          <a:effectRef idx="0">
-            <a:schemeClr val="accent1"/>
-          </a:effectRef>
-          <a:fontRef idx="minor">
-            <a:schemeClr val="tx1"/>
-          </a:fontRef>
-        </p:style>
-        <p:txBody>
-          <a:bodyPr rtlCol="0" anchor="ctr"/>
-          <a:lstStyle/>
-          <a:p>
-            <a:pPr algn="ctr"/>
-            <a:endParaRPr kumimoji="1" lang="ja-JP" altLang="en-US"/>
-          </a:p>
-        </p:txBody>
-      </p:sp>
-      <p:sp>
-        <p:nvSpPr>
-          <p:cNvPr id="37" name="円弧 36">
-            <a:extLst>
-              <a:ext uri="{FF2B5EF4-FFF2-40B4-BE49-F238E27FC236}">
-                <a16:creationId xmlns:a16="http://schemas.microsoft.com/office/drawing/2014/main" id="{9F6864A7-788E-4574-882A-6FD804BD3627}"/>
-              </a:ext>
-            </a:extLst>
-          </p:cNvPr>
-          <p:cNvSpPr/>
-          <p:nvPr/>
-        </p:nvSpPr>
-        <p:spPr>
-          <a:xfrm>
-            <a:off x="9618824" y="4404419"/>
-            <a:ext cx="1190625" cy="738658"/>
-          </a:xfrm>
-          <a:prstGeom prst="arc">
-            <a:avLst>
-              <a:gd name="adj1" fmla="val 19670061"/>
-              <a:gd name="adj2" fmla="val 21564549"/>
-            </a:avLst>
-          </a:prstGeom>
-        </p:spPr>
-        <p:style>
-          <a:lnRef idx="1">
-            <a:schemeClr val="accent1"/>
-          </a:lnRef>
-          <a:fillRef idx="0">
-            <a:schemeClr val="accent1"/>
-          </a:fillRef>
-          <a:effectRef idx="0">
-            <a:schemeClr val="accent1"/>
-          </a:effectRef>
-          <a:fontRef idx="minor">
-            <a:schemeClr val="tx1"/>
-          </a:fontRef>
-        </p:style>
-        <p:txBody>
-          <a:bodyPr rtlCol="0" anchor="ctr"/>
-          <a:lstStyle/>
-          <a:p>
-            <a:pPr algn="ctr"/>
-            <a:endParaRPr kumimoji="1" lang="ja-JP" altLang="en-US"/>
-          </a:p>
-        </p:txBody>
-      </p:sp>
-      <p:sp>
-        <p:nvSpPr>
-          <p:cNvPr id="40" name="テキスト ボックス 39">
-            <a:extLst>
-              <a:ext uri="{FF2B5EF4-FFF2-40B4-BE49-F238E27FC236}">
-                <a16:creationId xmlns:a16="http://schemas.microsoft.com/office/drawing/2014/main" id="{38997EC5-482A-42C7-BAD8-FAB35A95923D}"/>
-              </a:ext>
-            </a:extLst>
-          </p:cNvPr>
-          <p:cNvSpPr txBox="1"/>
-          <p:nvPr/>
-        </p:nvSpPr>
-        <p:spPr>
-          <a:xfrm>
-            <a:off x="9886910" y="4284277"/>
-            <a:ext cx="378928" cy="369332"/>
-          </a:xfrm>
-          <a:prstGeom prst="rect">
-            <a:avLst/>
-          </a:prstGeom>
-          <a:noFill/>
-        </p:spPr>
-        <p:txBody>
-          <a:bodyPr wrap="square" rtlCol="0">
-            <a:spAutoFit/>
-          </a:bodyPr>
-          <a:lstStyle/>
-          <a:p>
-            <a:r>
-              <a:rPr lang="en-US" altLang="ja-JP" dirty="0"/>
-              <a:t>r</a:t>
-            </a:r>
-            <a:endParaRPr kumimoji="1" lang="ja-JP" altLang="en-US" dirty="0"/>
-          </a:p>
-        </p:txBody>
-      </p:sp>
-      <mc:AlternateContent xmlns:mc="http://schemas.openxmlformats.org/markup-compatibility/2006" xmlns:a14="http://schemas.microsoft.com/office/drawing/2010/main">
-        <mc:Choice Requires="a14">
-          <p:sp>
-            <p:nvSpPr>
-              <p:cNvPr id="46" name="テキスト ボックス 45">
-                <a:extLst>
-                  <a:ext uri="{FF2B5EF4-FFF2-40B4-BE49-F238E27FC236}">
-                    <a16:creationId xmlns:a16="http://schemas.microsoft.com/office/drawing/2014/main" id="{747BB94C-F837-4557-8815-0FDEA84EEC7B}"/>
-                  </a:ext>
-                </a:extLst>
-              </p:cNvPr>
-              <p:cNvSpPr txBox="1"/>
-              <p:nvPr/>
-            </p:nvSpPr>
-            <p:spPr>
-              <a:xfrm>
-                <a:off x="6922655" y="1830811"/>
-                <a:ext cx="1598194" cy="555793"/>
-              </a:xfrm>
-              <a:prstGeom prst="rect">
-                <a:avLst/>
-              </a:prstGeom>
-              <a:noFill/>
-            </p:spPr>
-            <p:txBody>
-              <a:bodyPr wrap="none" lIns="0" tIns="0" rIns="0" bIns="0" rtlCol="0">
-                <a:spAutoFit/>
-              </a:bodyPr>
-              <a:lstStyle/>
-              <a:p>
-                <a:pPr/>
-                <a14:m>
-                  <m:oMathPara xmlns:m="http://schemas.openxmlformats.org/officeDocument/2006/math">
-                    <m:oMathParaPr>
-                      <m:jc m:val="centerGroup"/>
-                    </m:oMathParaPr>
-                    <m:oMath xmlns:m="http://schemas.openxmlformats.org/officeDocument/2006/math">
-                      <m:f>
-                        <m:fPr>
-                          <m:ctrlPr>
-                            <a:rPr kumimoji="1" lang="en-US" altLang="ja-JP" b="0" i="1" smtClean="0">
-                              <a:latin typeface="Cambria Math" panose="02040503050406030204" pitchFamily="18" charset="0"/>
-                            </a:rPr>
-                          </m:ctrlPr>
-                        </m:fPr>
-                        <m:num>
-                          <m:sSup>
-                            <m:sSupPr>
-                              <m:ctrlPr>
-                                <a:rPr kumimoji="1" lang="en-US" altLang="ja-JP" b="0" i="1" smtClean="0">
-                                  <a:latin typeface="Cambria Math" panose="02040503050406030204" pitchFamily="18" charset="0"/>
-                                </a:rPr>
-                              </m:ctrlPr>
-                            </m:sSupPr>
-                            <m:e>
-                              <m:r>
-                                <a:rPr kumimoji="1" lang="en-US" altLang="ja-JP" b="0" i="1" smtClean="0">
-                                  <a:latin typeface="Cambria Math" panose="02040503050406030204" pitchFamily="18" charset="0"/>
-                                </a:rPr>
-                                <m:t>𝑑</m:t>
-                              </m:r>
-                            </m:e>
-                            <m:sup>
-                              <m:r>
-                                <a:rPr kumimoji="1" lang="en-US" altLang="ja-JP" b="0" i="1" smtClean="0">
-                                  <a:latin typeface="Cambria Math" panose="02040503050406030204" pitchFamily="18" charset="0"/>
-                                </a:rPr>
-                                <m:t>2</m:t>
-                              </m:r>
-                            </m:sup>
-                          </m:sSup>
-                          <m:r>
-                            <a:rPr kumimoji="1" lang="en-US" altLang="ja-JP" b="1" i="1" smtClean="0">
-                              <a:latin typeface="Cambria Math" panose="02040503050406030204" pitchFamily="18" charset="0"/>
-                            </a:rPr>
-                            <m:t>𝒓</m:t>
-                          </m:r>
-                        </m:num>
-                        <m:den>
-                          <m:sSup>
-                            <m:sSupPr>
-                              <m:ctrlPr>
-                                <a:rPr kumimoji="1" lang="en-US" altLang="ja-JP" b="0" i="1" smtClean="0">
-                                  <a:latin typeface="Cambria Math" panose="02040503050406030204" pitchFamily="18" charset="0"/>
-                                </a:rPr>
-                              </m:ctrlPr>
-                            </m:sSupPr>
-                            <m:e>
-                              <m:r>
-                                <a:rPr kumimoji="1" lang="en-US" altLang="ja-JP" b="0" i="1" smtClean="0">
-                                  <a:latin typeface="Cambria Math" panose="02040503050406030204" pitchFamily="18" charset="0"/>
-                                </a:rPr>
-                                <m:t>𝑑𝑡</m:t>
-                              </m:r>
-                            </m:e>
-                            <m:sup>
-                              <m:r>
-                                <a:rPr kumimoji="1" lang="en-US" altLang="ja-JP" b="0" i="1" smtClean="0">
-                                  <a:latin typeface="Cambria Math" panose="02040503050406030204" pitchFamily="18" charset="0"/>
-                                </a:rPr>
-                                <m:t>2</m:t>
-                              </m:r>
-                            </m:sup>
-                          </m:sSup>
-                        </m:den>
-                      </m:f>
-                      <m:r>
-                        <a:rPr kumimoji="1" lang="en-US" altLang="ja-JP" b="0" i="1" smtClean="0">
-                          <a:latin typeface="Cambria Math" panose="02040503050406030204" pitchFamily="18" charset="0"/>
-                        </a:rPr>
-                        <m:t>= </m:t>
-                      </m:r>
-                      <m:f>
-                        <m:fPr>
-                          <m:ctrlPr>
-                            <a:rPr kumimoji="1" lang="en-US" altLang="ja-JP" b="0" i="1" smtClean="0">
-                              <a:latin typeface="Cambria Math" panose="02040503050406030204" pitchFamily="18" charset="0"/>
-                            </a:rPr>
-                          </m:ctrlPr>
-                        </m:fPr>
-                        <m:num>
-                          <m:r>
-                            <a:rPr kumimoji="1" lang="en-US" altLang="ja-JP" b="0" i="1" smtClean="0">
-                              <a:latin typeface="Cambria Math" panose="02040503050406030204" pitchFamily="18" charset="0"/>
-                            </a:rPr>
-                            <m:t>𝑞</m:t>
-                          </m:r>
-                        </m:num>
-                        <m:den>
-                          <m:r>
-                            <a:rPr kumimoji="1" lang="en-US" altLang="ja-JP" b="0" i="1" smtClean="0">
-                              <a:latin typeface="Cambria Math" panose="02040503050406030204" pitchFamily="18" charset="0"/>
-                            </a:rPr>
-                            <m:t>𝑚</m:t>
-                          </m:r>
-                        </m:den>
-                      </m:f>
-                      <m:r>
-                        <a:rPr kumimoji="1" lang="en-US" altLang="ja-JP" b="1" i="1" smtClean="0">
-                          <a:latin typeface="Cambria Math" panose="02040503050406030204" pitchFamily="18" charset="0"/>
-                        </a:rPr>
-                        <m:t>𝒗</m:t>
-                      </m:r>
-                      <m:r>
-                        <a:rPr kumimoji="1" lang="en-US" altLang="ja-JP" b="0" i="1" smtClean="0">
-                          <a:latin typeface="Cambria Math" panose="02040503050406030204" pitchFamily="18" charset="0"/>
-                          <a:ea typeface="Cambria Math" panose="02040503050406030204" pitchFamily="18" charset="0"/>
-                        </a:rPr>
-                        <m:t>×</m:t>
-                      </m:r>
-                      <m:r>
-                        <a:rPr kumimoji="1" lang="en-US" altLang="ja-JP" b="1" i="1" smtClean="0">
-                          <a:latin typeface="Cambria Math" panose="02040503050406030204" pitchFamily="18" charset="0"/>
-                          <a:ea typeface="Cambria Math" panose="02040503050406030204" pitchFamily="18" charset="0"/>
-                        </a:rPr>
-                        <m:t>𝑩</m:t>
-                      </m:r>
-                    </m:oMath>
-                  </m:oMathPara>
-                </a14:m>
-                <a:endParaRPr kumimoji="1" lang="ja-JP" altLang="en-US" b="1" dirty="0"/>
-              </a:p>
-            </p:txBody>
-          </p:sp>
-        </mc:Choice>
-        <mc:Fallback xmlns="">
-          <p:sp>
-            <p:nvSpPr>
-              <p:cNvPr id="46" name="テキスト ボックス 45">
-                <a:extLst>
-                  <a:ext uri="{FF2B5EF4-FFF2-40B4-BE49-F238E27FC236}">
-                    <a16:creationId xmlns:a16="http://schemas.microsoft.com/office/drawing/2014/main" id="{747BB94C-F837-4557-8815-0FDEA84EEC7B}"/>
-                  </a:ext>
-                </a:extLst>
-              </p:cNvPr>
-              <p:cNvSpPr txBox="1">
-                <a:spLocks noRot="1" noChangeAspect="1" noMove="1" noResize="1" noEditPoints="1" noAdjustHandles="1" noChangeArrowheads="1" noChangeShapeType="1" noTextEdit="1"/>
-              </p:cNvSpPr>
-              <p:nvPr/>
-            </p:nvSpPr>
-            <p:spPr>
-              <a:xfrm>
-                <a:off x="6922655" y="1830811"/>
-                <a:ext cx="1598194" cy="555793"/>
-              </a:xfrm>
-              <a:prstGeom prst="rect">
-                <a:avLst/>
-              </a:prstGeom>
-              <a:blipFill>
-                <a:blip r:embed="rId3"/>
-                <a:stretch>
-                  <a:fillRect/>
-                </a:stretch>
-              </a:blipFill>
-            </p:spPr>
-            <p:txBody>
-              <a:bodyPr/>
-              <a:lstStyle/>
-              <a:p>
-                <a:r>
-                  <a:rPr lang="ja-JP" altLang="en-US">
-                    <a:noFill/>
-                  </a:rPr>
-                  <a:t> </a:t>
-                </a:r>
-              </a:p>
-            </p:txBody>
-          </p:sp>
-        </mc:Fallback>
-      </mc:AlternateContent>
-      <mc:AlternateContent xmlns:mc="http://schemas.openxmlformats.org/markup-compatibility/2006" xmlns:a14="http://schemas.microsoft.com/office/drawing/2010/main">
-        <mc:Choice Requires="a14">
-          <p:sp>
-            <p:nvSpPr>
-              <p:cNvPr id="49" name="テキスト ボックス 48">
-                <a:extLst>
-                  <a:ext uri="{FF2B5EF4-FFF2-40B4-BE49-F238E27FC236}">
-                    <a16:creationId xmlns:a16="http://schemas.microsoft.com/office/drawing/2014/main" id="{A2C0D51A-13B8-4999-B148-02BE50F4E563}"/>
-                  </a:ext>
-                </a:extLst>
-              </p:cNvPr>
-              <p:cNvSpPr txBox="1"/>
-              <p:nvPr/>
-            </p:nvSpPr>
-            <p:spPr>
-              <a:xfrm>
-                <a:off x="10505381" y="1852614"/>
-                <a:ext cx="969881" cy="521489"/>
-              </a:xfrm>
-              <a:prstGeom prst="rect">
-                <a:avLst/>
-              </a:prstGeom>
-              <a:noFill/>
-            </p:spPr>
-            <p:txBody>
-              <a:bodyPr wrap="none" lIns="0" tIns="0" rIns="0" bIns="0" rtlCol="0">
-                <a:spAutoFit/>
-              </a:bodyPr>
-              <a:lstStyle/>
-              <a:p>
-                <a:pPr/>
-                <a14:m>
-                  <m:oMathPara xmlns:m="http://schemas.openxmlformats.org/officeDocument/2006/math">
-                    <m:oMathParaPr>
-                      <m:jc m:val="centerGroup"/>
-                    </m:oMathParaPr>
-                    <m:oMath xmlns:m="http://schemas.openxmlformats.org/officeDocument/2006/math">
-                      <m:r>
-                        <a:rPr lang="en-US" altLang="ja-JP" b="0" i="1" smtClean="0">
-                          <a:latin typeface="Cambria Math" panose="02040503050406030204" pitchFamily="18" charset="0"/>
-                        </a:rPr>
-                        <m:t>𝑟</m:t>
-                      </m:r>
-                      <m:r>
-                        <a:rPr lang="en-US" altLang="ja-JP" b="0" i="1" smtClean="0">
-                          <a:latin typeface="Cambria Math" panose="02040503050406030204" pitchFamily="18" charset="0"/>
-                        </a:rPr>
-                        <m:t> =</m:t>
-                      </m:r>
-                      <m:f>
-                        <m:fPr>
-                          <m:ctrlPr>
-                            <a:rPr kumimoji="1" lang="en-US" altLang="ja-JP" b="0" i="1" smtClean="0">
-                              <a:latin typeface="Cambria Math" panose="02040503050406030204" pitchFamily="18" charset="0"/>
-                            </a:rPr>
-                          </m:ctrlPr>
-                        </m:fPr>
-                        <m:num>
-                          <m:r>
-                            <a:rPr kumimoji="1" lang="en-US" altLang="ja-JP" b="0" i="1" smtClean="0">
-                              <a:latin typeface="Cambria Math" panose="02040503050406030204" pitchFamily="18" charset="0"/>
-                            </a:rPr>
-                            <m:t>𝑚</m:t>
-                          </m:r>
-                          <m:sSub>
-                            <m:sSubPr>
-                              <m:ctrlPr>
-                                <a:rPr kumimoji="1" lang="en-US" altLang="ja-JP" b="0" i="1" smtClean="0">
-                                  <a:latin typeface="Cambria Math" panose="02040503050406030204" pitchFamily="18" charset="0"/>
-                                </a:rPr>
-                              </m:ctrlPr>
-                            </m:sSubPr>
-                            <m:e>
-                              <m:r>
-                                <a:rPr kumimoji="1" lang="en-US" altLang="ja-JP" b="0" i="1" smtClean="0">
-                                  <a:latin typeface="Cambria Math" panose="02040503050406030204" pitchFamily="18" charset="0"/>
-                                </a:rPr>
-                                <m:t>𝑣</m:t>
-                              </m:r>
-                            </m:e>
-                            <m:sub>
-                              <m:r>
-                                <a:rPr kumimoji="1" lang="en-US" altLang="ja-JP" b="0" i="1" smtClean="0">
-                                  <a:latin typeface="Cambria Math" panose="02040503050406030204" pitchFamily="18" charset="0"/>
-                                </a:rPr>
-                                <m:t>0</m:t>
-                              </m:r>
-                            </m:sub>
-                          </m:sSub>
-                        </m:num>
-                        <m:den>
-                          <m:r>
-                            <a:rPr kumimoji="1" lang="en-US" altLang="ja-JP" b="0" i="1" smtClean="0">
-                              <a:latin typeface="Cambria Math" panose="02040503050406030204" pitchFamily="18" charset="0"/>
-                            </a:rPr>
-                            <m:t>𝑞𝐵</m:t>
-                          </m:r>
-                        </m:den>
-                      </m:f>
-                    </m:oMath>
-                  </m:oMathPara>
-                </a14:m>
-                <a:endParaRPr kumimoji="1" lang="ja-JP" altLang="en-US" dirty="0"/>
-              </a:p>
-            </p:txBody>
-          </p:sp>
-        </mc:Choice>
-        <mc:Fallback xmlns="">
-          <p:sp>
-            <p:nvSpPr>
-              <p:cNvPr id="49" name="テキスト ボックス 48">
-                <a:extLst>
-                  <a:ext uri="{FF2B5EF4-FFF2-40B4-BE49-F238E27FC236}">
-                    <a16:creationId xmlns:a16="http://schemas.microsoft.com/office/drawing/2014/main" id="{A2C0D51A-13B8-4999-B148-02BE50F4E563}"/>
-                  </a:ext>
-                </a:extLst>
-              </p:cNvPr>
-              <p:cNvSpPr txBox="1">
-                <a:spLocks noRot="1" noChangeAspect="1" noMove="1" noResize="1" noEditPoints="1" noAdjustHandles="1" noChangeArrowheads="1" noChangeShapeType="1" noTextEdit="1"/>
-              </p:cNvSpPr>
-              <p:nvPr/>
-            </p:nvSpPr>
-            <p:spPr>
-              <a:xfrm>
-                <a:off x="10505381" y="1852614"/>
-                <a:ext cx="969881" cy="521489"/>
-              </a:xfrm>
-              <a:prstGeom prst="rect">
-                <a:avLst/>
-              </a:prstGeom>
-              <a:blipFill>
-                <a:blip r:embed="rId4"/>
-                <a:stretch>
-                  <a:fillRect/>
-                </a:stretch>
-              </a:blipFill>
-            </p:spPr>
-            <p:txBody>
-              <a:bodyPr/>
-              <a:lstStyle/>
-              <a:p>
-                <a:r>
-                  <a:rPr lang="ja-JP" altLang="en-US">
-                    <a:noFill/>
-                  </a:rPr>
-                  <a:t> </a:t>
-                </a:r>
-              </a:p>
-            </p:txBody>
-          </p:sp>
-        </mc:Fallback>
-      </mc:AlternateContent>
-      <mc:AlternateContent xmlns:mc="http://schemas.openxmlformats.org/markup-compatibility/2006" xmlns:a14="http://schemas.microsoft.com/office/drawing/2010/main">
-        <mc:Choice Requires="a14">
-          <p:sp>
-            <p:nvSpPr>
-              <p:cNvPr id="51" name="テキスト ボックス 50">
-                <a:extLst>
-                  <a:ext uri="{FF2B5EF4-FFF2-40B4-BE49-F238E27FC236}">
-                    <a16:creationId xmlns:a16="http://schemas.microsoft.com/office/drawing/2014/main" id="{55BA5A70-C76F-4ECB-AE85-0F52990A4765}"/>
-                  </a:ext>
-                </a:extLst>
-              </p:cNvPr>
-              <p:cNvSpPr txBox="1"/>
-              <p:nvPr/>
-            </p:nvSpPr>
-            <p:spPr>
-              <a:xfrm>
-                <a:off x="9824231" y="2762780"/>
-                <a:ext cx="1930016" cy="622350"/>
-              </a:xfrm>
-              <a:prstGeom prst="rect">
-                <a:avLst/>
-              </a:prstGeom>
-              <a:noFill/>
-            </p:spPr>
-            <p:txBody>
-              <a:bodyPr wrap="none" lIns="0" tIns="0" rIns="0" bIns="0" rtlCol="0">
-                <a:spAutoFit/>
-              </a:bodyPr>
-              <a:lstStyle/>
-              <a:p>
-                <a:pPr/>
-                <a14:m>
-                  <m:oMathPara xmlns:m="http://schemas.openxmlformats.org/officeDocument/2006/math">
-                    <m:oMathParaPr>
-                      <m:jc m:val="centerGroup"/>
-                    </m:oMathParaPr>
-                    <m:oMath xmlns:m="http://schemas.openxmlformats.org/officeDocument/2006/math">
-                      <m:sSub>
-                        <m:sSubPr>
-                          <m:ctrlPr>
-                            <a:rPr lang="en-US" altLang="ja-JP" b="1" i="1" smtClean="0">
-                              <a:latin typeface="Cambria Math" panose="02040503050406030204" pitchFamily="18" charset="0"/>
-                            </a:rPr>
-                          </m:ctrlPr>
-                        </m:sSubPr>
-                        <m:e>
-                          <m:r>
-                            <a:rPr lang="en-US" altLang="ja-JP" b="1" i="1" smtClean="0">
-                              <a:latin typeface="Cambria Math" panose="02040503050406030204" pitchFamily="18" charset="0"/>
-                            </a:rPr>
-                            <m:t>𝒗</m:t>
-                          </m:r>
-                        </m:e>
-                        <m:sub>
-                          <m:r>
-                            <a:rPr lang="en-US" altLang="ja-JP" b="1" i="1" smtClean="0">
-                              <a:latin typeface="Cambria Math" panose="02040503050406030204" pitchFamily="18" charset="0"/>
-                            </a:rPr>
-                            <m:t>𝟎</m:t>
-                          </m:r>
-                        </m:sub>
-                      </m:sSub>
-                      <m:r>
-                        <a:rPr lang="en-US" altLang="ja-JP" b="0" i="1" smtClean="0">
-                          <a:latin typeface="Cambria Math" panose="02040503050406030204" pitchFamily="18" charset="0"/>
-                        </a:rPr>
-                        <m:t>=</m:t>
-                      </m:r>
-                      <m:d>
-                        <m:dPr>
-                          <m:ctrlPr>
-                            <a:rPr lang="en-US" altLang="ja-JP" b="0" i="1" smtClean="0">
-                              <a:latin typeface="Cambria Math" panose="02040503050406030204" pitchFamily="18" charset="0"/>
-                            </a:rPr>
-                          </m:ctrlPr>
-                        </m:dPr>
-                        <m:e>
-                          <m:f>
-                            <m:fPr>
-                              <m:type m:val="noBar"/>
-                              <m:ctrlPr>
-                                <a:rPr lang="en-US" altLang="ja-JP" b="0" i="1" smtClean="0">
-                                  <a:latin typeface="Cambria Math" panose="02040503050406030204" pitchFamily="18" charset="0"/>
-                                </a:rPr>
-                              </m:ctrlPr>
-                            </m:fPr>
-                            <m:num>
-                              <m:sSub>
-                                <m:sSubPr>
-                                  <m:ctrlPr>
-                                    <a:rPr lang="en-US" altLang="ja-JP" b="0" i="1" smtClean="0">
-                                      <a:latin typeface="Cambria Math" panose="02040503050406030204" pitchFamily="18" charset="0"/>
-                                    </a:rPr>
-                                  </m:ctrlPr>
-                                </m:sSubPr>
-                                <m:e>
-                                  <m:r>
-                                    <a:rPr lang="en-US" altLang="ja-JP" b="0" i="1" smtClean="0">
-                                      <a:latin typeface="Cambria Math" panose="02040503050406030204" pitchFamily="18" charset="0"/>
-                                    </a:rPr>
-                                    <m:t>𝑣</m:t>
-                                  </m:r>
-                                </m:e>
-                                <m:sub>
-                                  <m:r>
-                                    <a:rPr lang="en-US" altLang="ja-JP" b="0" i="1" smtClean="0">
-                                      <a:latin typeface="Cambria Math" panose="02040503050406030204" pitchFamily="18" charset="0"/>
-                                    </a:rPr>
-                                    <m:t>𝑥</m:t>
-                                  </m:r>
-                                </m:sub>
-                              </m:sSub>
-                            </m:num>
-                            <m:den>
-                              <m:sSub>
-                                <m:sSubPr>
-                                  <m:ctrlPr>
-                                    <a:rPr lang="en-US" altLang="ja-JP" b="0" i="1" smtClean="0">
-                                      <a:latin typeface="Cambria Math" panose="02040503050406030204" pitchFamily="18" charset="0"/>
-                                    </a:rPr>
-                                  </m:ctrlPr>
-                                </m:sSubPr>
-                                <m:e>
-                                  <m:r>
-                                    <a:rPr lang="en-US" altLang="ja-JP" b="0" i="1" smtClean="0">
-                                      <a:latin typeface="Cambria Math" panose="02040503050406030204" pitchFamily="18" charset="0"/>
-                                    </a:rPr>
-                                    <m:t>𝑣</m:t>
-                                  </m:r>
-                                </m:e>
-                                <m:sub>
-                                  <m:r>
-                                    <a:rPr lang="en-US" altLang="ja-JP" b="0" i="1" smtClean="0">
-                                      <a:latin typeface="Cambria Math" panose="02040503050406030204" pitchFamily="18" charset="0"/>
-                                    </a:rPr>
-                                    <m:t>𝑧</m:t>
-                                  </m:r>
-                                </m:sub>
-                              </m:sSub>
-                            </m:den>
-                          </m:f>
-                        </m:e>
-                      </m:d>
-                      <m:r>
-                        <a:rPr lang="en-US" altLang="ja-JP" b="0" i="1" smtClean="0">
-                          <a:latin typeface="Cambria Math" panose="02040503050406030204" pitchFamily="18" charset="0"/>
-                        </a:rPr>
-                        <m:t>=</m:t>
-                      </m:r>
-                      <m:d>
-                        <m:dPr>
-                          <m:ctrlPr>
-                            <a:rPr lang="en-US" altLang="ja-JP" b="0" i="1" smtClean="0">
-                              <a:latin typeface="Cambria Math" panose="02040503050406030204" pitchFamily="18" charset="0"/>
-                            </a:rPr>
-                          </m:ctrlPr>
-                        </m:dPr>
-                        <m:e>
-                          <m:f>
-                            <m:fPr>
-                              <m:type m:val="noBar"/>
-                              <m:ctrlPr>
-                                <a:rPr lang="en-US" altLang="ja-JP" b="0" i="1" smtClean="0">
-                                  <a:latin typeface="Cambria Math" panose="02040503050406030204" pitchFamily="18" charset="0"/>
-                                </a:rPr>
-                              </m:ctrlPr>
-                            </m:fPr>
-                            <m:num>
-                              <m:sSub>
-                                <m:sSubPr>
-                                  <m:ctrlPr>
-                                    <a:rPr lang="en-US" altLang="ja-JP" b="0" i="1" smtClean="0">
-                                      <a:latin typeface="Cambria Math" panose="02040503050406030204" pitchFamily="18" charset="0"/>
-                                    </a:rPr>
-                                  </m:ctrlPr>
-                                </m:sSubPr>
-                                <m:e>
-                                  <m:r>
-                                    <a:rPr lang="en-US" altLang="ja-JP" b="0" i="1" smtClean="0">
-                                      <a:latin typeface="Cambria Math" panose="02040503050406030204" pitchFamily="18" charset="0"/>
-                                    </a:rPr>
-                                    <m:t>𝑣</m:t>
-                                  </m:r>
-                                </m:e>
-                                <m:sub>
-                                  <m:r>
-                                    <a:rPr lang="en-US" altLang="ja-JP" b="0" i="1" smtClean="0">
-                                      <a:latin typeface="Cambria Math" panose="02040503050406030204" pitchFamily="18" charset="0"/>
-                                    </a:rPr>
-                                    <m:t>0</m:t>
-                                  </m:r>
-                                </m:sub>
-                              </m:sSub>
-                            </m:num>
-                            <m:den>
-                              <m:r>
-                                <a:rPr lang="en-US" altLang="ja-JP" b="0" i="1" smtClean="0">
-                                  <a:latin typeface="Cambria Math" panose="02040503050406030204" pitchFamily="18" charset="0"/>
-                                </a:rPr>
-                                <m:t>0</m:t>
-                              </m:r>
-                            </m:den>
-                          </m:f>
-                        </m:e>
-                      </m:d>
-                    </m:oMath>
-                  </m:oMathPara>
-                </a14:m>
-                <a:endParaRPr kumimoji="1" lang="ja-JP" altLang="en-US" dirty="0"/>
-              </a:p>
-            </p:txBody>
-          </p:sp>
-        </mc:Choice>
-        <mc:Fallback xmlns="">
-          <p:sp>
-            <p:nvSpPr>
-              <p:cNvPr id="51" name="テキスト ボックス 50">
-                <a:extLst>
-                  <a:ext uri="{FF2B5EF4-FFF2-40B4-BE49-F238E27FC236}">
-                    <a16:creationId xmlns:a16="http://schemas.microsoft.com/office/drawing/2014/main" id="{55BA5A70-C76F-4ECB-AE85-0F52990A4765}"/>
-                  </a:ext>
-                </a:extLst>
-              </p:cNvPr>
-              <p:cNvSpPr txBox="1">
-                <a:spLocks noRot="1" noChangeAspect="1" noMove="1" noResize="1" noEditPoints="1" noAdjustHandles="1" noChangeArrowheads="1" noChangeShapeType="1" noTextEdit="1"/>
-              </p:cNvSpPr>
-              <p:nvPr/>
-            </p:nvSpPr>
-            <p:spPr>
-              <a:xfrm>
-                <a:off x="9824231" y="2762780"/>
-                <a:ext cx="1930016" cy="622350"/>
-              </a:xfrm>
-              <a:prstGeom prst="rect">
-                <a:avLst/>
-              </a:prstGeom>
-              <a:blipFill>
-                <a:blip r:embed="rId5"/>
-                <a:stretch>
-                  <a:fillRect/>
-                </a:stretch>
-              </a:blipFill>
-            </p:spPr>
-            <p:txBody>
-              <a:bodyPr/>
-              <a:lstStyle/>
-              <a:p>
-                <a:r>
-                  <a:rPr lang="ja-JP" altLang="en-US">
-                    <a:noFill/>
-                  </a:rPr>
-                  <a:t> </a:t>
-                </a:r>
-              </a:p>
-            </p:txBody>
-          </p:sp>
-        </mc:Fallback>
-      </mc:AlternateContent>
-      <p:sp>
-        <p:nvSpPr>
-          <p:cNvPr id="52" name="テキスト ボックス 51">
-            <a:extLst>
-              <a:ext uri="{FF2B5EF4-FFF2-40B4-BE49-F238E27FC236}">
-                <a16:creationId xmlns:a16="http://schemas.microsoft.com/office/drawing/2014/main" id="{6443A12D-4C85-4F1C-8AED-D2BE9B182B61}"/>
-              </a:ext>
-            </a:extLst>
-          </p:cNvPr>
-          <p:cNvSpPr txBox="1"/>
-          <p:nvPr/>
-        </p:nvSpPr>
-        <p:spPr>
-          <a:xfrm>
-            <a:off x="9055690" y="1918976"/>
-            <a:ext cx="1126268" cy="369332"/>
-          </a:xfrm>
-          <a:prstGeom prst="rect">
-            <a:avLst/>
-          </a:prstGeom>
-          <a:noFill/>
-        </p:spPr>
-        <p:txBody>
-          <a:bodyPr wrap="square" rtlCol="0">
-            <a:spAutoFit/>
-          </a:bodyPr>
-          <a:lstStyle/>
-          <a:p>
-            <a:r>
-              <a:rPr kumimoji="1" lang="ja-JP" altLang="en-US" dirty="0"/>
-              <a:t>のとき、</a:t>
-            </a:r>
-          </a:p>
-        </p:txBody>
-      </p:sp>
-      <p:cxnSp>
-        <p:nvCxnSpPr>
-          <p:cNvPr id="5" name="直線矢印コネクタ 4">
-            <a:extLst>
-              <a:ext uri="{FF2B5EF4-FFF2-40B4-BE49-F238E27FC236}">
-                <a16:creationId xmlns:a16="http://schemas.microsoft.com/office/drawing/2014/main" id="{71CF1211-3516-41C3-A29B-37378579E889}"/>
-              </a:ext>
-            </a:extLst>
-          </p:cNvPr>
-          <p:cNvCxnSpPr/>
-          <p:nvPr/>
-        </p:nvCxnSpPr>
-        <p:spPr>
-          <a:xfrm>
-            <a:off x="764514" y="5856253"/>
-            <a:ext cx="4105275" cy="0"/>
-          </a:xfrm>
-          <a:prstGeom prst="straightConnector1">
-            <a:avLst/>
-          </a:prstGeom>
-          <a:ln w="38100">
-            <a:solidFill>
-              <a:schemeClr val="tx1"/>
-            </a:solidFill>
-            <a:tailEnd type="triangle"/>
-          </a:ln>
-        </p:spPr>
-        <p:style>
-          <a:lnRef idx="1">
-            <a:schemeClr val="accent1"/>
-          </a:lnRef>
-          <a:fillRef idx="0">
-            <a:schemeClr val="accent1"/>
-          </a:fillRef>
-          <a:effectRef idx="0">
-            <a:schemeClr val="accent1"/>
-          </a:effectRef>
-          <a:fontRef idx="minor">
-            <a:schemeClr val="tx1"/>
-          </a:fontRef>
-        </p:style>
-      </p:cxnSp>
-      <p:cxnSp>
-        <p:nvCxnSpPr>
-          <p:cNvPr id="13" name="直線コネクタ 12">
-            <a:extLst>
-              <a:ext uri="{FF2B5EF4-FFF2-40B4-BE49-F238E27FC236}">
-                <a16:creationId xmlns:a16="http://schemas.microsoft.com/office/drawing/2014/main" id="{1E130B7A-C2F7-41CE-8F5B-B317BACC333D}"/>
-              </a:ext>
-            </a:extLst>
-          </p:cNvPr>
-          <p:cNvCxnSpPr>
-            <a:cxnSpLocks/>
-          </p:cNvCxnSpPr>
-          <p:nvPr/>
-        </p:nvCxnSpPr>
-        <p:spPr>
-          <a:xfrm>
-            <a:off x="754989" y="5727665"/>
-            <a:ext cx="0" cy="257175"/>
-          </a:xfrm>
-          <a:prstGeom prst="line">
-            <a:avLst/>
-          </a:prstGeom>
-          <a:ln w="38100">
-            <a:solidFill>
-              <a:schemeClr val="tx1"/>
-            </a:solidFill>
-          </a:ln>
-        </p:spPr>
-        <p:style>
-          <a:lnRef idx="1">
-            <a:schemeClr val="accent1"/>
-          </a:lnRef>
-          <a:fillRef idx="0">
-            <a:schemeClr val="accent1"/>
-          </a:fillRef>
-          <a:effectRef idx="0">
-            <a:schemeClr val="accent1"/>
-          </a:effectRef>
-          <a:fontRef idx="minor">
-            <a:schemeClr val="tx1"/>
-          </a:fontRef>
-        </p:style>
-      </p:cxnSp>
-      <p:cxnSp>
-        <p:nvCxnSpPr>
-          <p:cNvPr id="15" name="直線コネクタ 14">
-            <a:extLst>
-              <a:ext uri="{FF2B5EF4-FFF2-40B4-BE49-F238E27FC236}">
-                <a16:creationId xmlns:a16="http://schemas.microsoft.com/office/drawing/2014/main" id="{383D4104-5A62-46CA-9AC6-0124EA86ABFD}"/>
-              </a:ext>
-            </a:extLst>
-          </p:cNvPr>
-          <p:cNvCxnSpPr>
-            <a:cxnSpLocks/>
-          </p:cNvCxnSpPr>
-          <p:nvPr/>
-        </p:nvCxnSpPr>
-        <p:spPr>
-          <a:xfrm>
-            <a:off x="3945864" y="5727665"/>
-            <a:ext cx="0" cy="257175"/>
-          </a:xfrm>
-          <a:prstGeom prst="line">
-            <a:avLst/>
-          </a:prstGeom>
-          <a:ln w="38100">
-            <a:solidFill>
-              <a:schemeClr val="tx1"/>
-            </a:solidFill>
-          </a:ln>
-        </p:spPr>
-        <p:style>
-          <a:lnRef idx="1">
-            <a:schemeClr val="accent1"/>
-          </a:lnRef>
-          <a:fillRef idx="0">
-            <a:schemeClr val="accent1"/>
-          </a:fillRef>
-          <a:effectRef idx="0">
-            <a:schemeClr val="accent1"/>
-          </a:effectRef>
-          <a:fontRef idx="minor">
-            <a:schemeClr val="tx1"/>
-          </a:fontRef>
-        </p:style>
-      </p:cxnSp>
-      <p:sp>
-        <p:nvSpPr>
-          <p:cNvPr id="16" name="楕円 15">
-            <a:extLst>
-              <a:ext uri="{FF2B5EF4-FFF2-40B4-BE49-F238E27FC236}">
-                <a16:creationId xmlns:a16="http://schemas.microsoft.com/office/drawing/2014/main" id="{746C1C0F-0E0B-4E49-A341-5003BF24161C}"/>
-              </a:ext>
-            </a:extLst>
-          </p:cNvPr>
-          <p:cNvSpPr/>
-          <p:nvPr/>
-        </p:nvSpPr>
-        <p:spPr>
-          <a:xfrm>
-            <a:off x="588314" y="5044248"/>
-            <a:ext cx="352400" cy="390521"/>
-          </a:xfrm>
-          <a:prstGeom prst="ellipse">
-            <a:avLst/>
-          </a:prstGeom>
-        </p:spPr>
-        <p:style>
-          <a:lnRef idx="2">
-            <a:schemeClr val="accent1">
-              <a:shade val="50000"/>
-            </a:schemeClr>
-          </a:lnRef>
-          <a:fillRef idx="1">
-            <a:schemeClr val="accent1"/>
-          </a:fillRef>
-          <a:effectRef idx="0">
-            <a:schemeClr val="accent1"/>
-          </a:effectRef>
-          <a:fontRef idx="minor">
-            <a:schemeClr val="lt1"/>
-          </a:fontRef>
-        </p:style>
-        <p:txBody>
-          <a:bodyPr rtlCol="0" anchor="ctr"/>
-          <a:lstStyle/>
-          <a:p>
-            <a:pPr algn="ctr"/>
-            <a:endParaRPr kumimoji="1" lang="ja-JP" altLang="en-US"/>
-          </a:p>
-        </p:txBody>
-      </p:sp>
-      <p:sp>
-        <p:nvSpPr>
-          <p:cNvPr id="17" name="テキスト ボックス 16">
-            <a:extLst>
-              <a:ext uri="{FF2B5EF4-FFF2-40B4-BE49-F238E27FC236}">
-                <a16:creationId xmlns:a16="http://schemas.microsoft.com/office/drawing/2014/main" id="{38B12CE2-08BC-4760-94EE-E0E5CA0DAC15}"/>
-              </a:ext>
-            </a:extLst>
-          </p:cNvPr>
-          <p:cNvSpPr txBox="1"/>
-          <p:nvPr/>
-        </p:nvSpPr>
-        <p:spPr>
-          <a:xfrm>
-            <a:off x="588314" y="6158674"/>
-            <a:ext cx="647700" cy="369332"/>
-          </a:xfrm>
-          <a:prstGeom prst="rect">
-            <a:avLst/>
-          </a:prstGeom>
-          <a:noFill/>
-        </p:spPr>
-        <p:txBody>
-          <a:bodyPr wrap="square" rtlCol="0">
-            <a:spAutoFit/>
-          </a:bodyPr>
-          <a:lstStyle/>
-          <a:p>
-            <a:r>
-              <a:rPr kumimoji="1" lang="en-US" altLang="ja-JP" dirty="0"/>
-              <a:t>0</a:t>
-            </a:r>
-            <a:endParaRPr kumimoji="1" lang="ja-JP" altLang="en-US" dirty="0"/>
-          </a:p>
-        </p:txBody>
-      </p:sp>
-      <p:sp>
-        <p:nvSpPr>
           <p:cNvPr id="21" name="テキスト ボックス 20">
             <a:extLst>
               <a:ext uri="{FF2B5EF4-FFF2-40B4-BE49-F238E27FC236}">
@@ -27659,7 +26285,7 @@
         </p:nvSpPr>
         <p:spPr>
           <a:xfrm>
-            <a:off x="5084113" y="5671586"/>
+            <a:off x="5335247" y="4791837"/>
             <a:ext cx="1052893" cy="369332"/>
           </a:xfrm>
           <a:prstGeom prst="rect">
@@ -27681,760 +26307,991 @@
           </a:p>
         </p:txBody>
       </p:sp>
-      <p:sp>
-        <p:nvSpPr>
-          <p:cNvPr id="22" name="円弧 21">
+      <p:grpSp>
+        <p:nvGrpSpPr>
+          <p:cNvPr id="3" name="グループ化 2">
             <a:extLst>
               <a:ext uri="{FF2B5EF4-FFF2-40B4-BE49-F238E27FC236}">
-                <a16:creationId xmlns:a16="http://schemas.microsoft.com/office/drawing/2014/main" id="{B90B1F1E-1069-49BF-A5C2-D8A4C43BB189}"/>
+                <a16:creationId xmlns:a16="http://schemas.microsoft.com/office/drawing/2014/main" id="{56E30A31-BBE1-4DD6-9375-E1B6A956EA94}"/>
               </a:ext>
             </a:extLst>
           </p:cNvPr>
-          <p:cNvSpPr/>
+          <p:cNvGrpSpPr/>
           <p:nvPr/>
-        </p:nvSpPr>
-        <p:spPr>
+        </p:nvGrpSpPr>
+        <p:grpSpPr>
           <a:xfrm>
-            <a:off x="2755239" y="4555384"/>
-            <a:ext cx="1190625" cy="738658"/>
+            <a:off x="945200" y="1549356"/>
+            <a:ext cx="4281475" cy="4098901"/>
+            <a:chOff x="588314" y="2429105"/>
+            <a:chExt cx="4281475" cy="4098901"/>
           </a:xfrm>
-          <a:prstGeom prst="arc">
-            <a:avLst>
-              <a:gd name="adj1" fmla="val 17579524"/>
-              <a:gd name="adj2" fmla="val 21564549"/>
-            </a:avLst>
-          </a:prstGeom>
-        </p:spPr>
-        <p:style>
-          <a:lnRef idx="1">
-            <a:schemeClr val="accent1"/>
-          </a:lnRef>
-          <a:fillRef idx="0">
-            <a:schemeClr val="accent1"/>
-          </a:fillRef>
-          <a:effectRef idx="0">
-            <a:schemeClr val="accent1"/>
-          </a:effectRef>
-          <a:fontRef idx="minor">
-            <a:schemeClr val="tx1"/>
-          </a:fontRef>
-        </p:style>
-        <p:txBody>
-          <a:bodyPr rtlCol="0" anchor="ctr"/>
-          <a:lstStyle/>
-          <a:p>
-            <a:pPr algn="ctr"/>
-            <a:endParaRPr kumimoji="1" lang="ja-JP" altLang="en-US"/>
-          </a:p>
-        </p:txBody>
-      </p:sp>
-      <p:sp>
-        <p:nvSpPr>
-          <p:cNvPr id="24" name="円弧 23">
-            <a:extLst>
-              <a:ext uri="{FF2B5EF4-FFF2-40B4-BE49-F238E27FC236}">
-                <a16:creationId xmlns:a16="http://schemas.microsoft.com/office/drawing/2014/main" id="{A2C075C9-8E74-4296-9194-A20FB3A1D4D6}"/>
-              </a:ext>
-            </a:extLst>
-          </p:cNvPr>
-          <p:cNvSpPr/>
-          <p:nvPr/>
-        </p:nvSpPr>
-        <p:spPr>
-          <a:xfrm>
-            <a:off x="754989" y="4555384"/>
-            <a:ext cx="1190625" cy="738658"/>
-          </a:xfrm>
-          <a:prstGeom prst="arc">
-            <a:avLst>
-              <a:gd name="adj1" fmla="val 10921968"/>
-              <a:gd name="adj2" fmla="val 14447510"/>
-            </a:avLst>
-          </a:prstGeom>
-        </p:spPr>
-        <p:style>
-          <a:lnRef idx="1">
-            <a:schemeClr val="accent1"/>
-          </a:lnRef>
-          <a:fillRef idx="0">
-            <a:schemeClr val="accent1"/>
-          </a:fillRef>
-          <a:effectRef idx="0">
-            <a:schemeClr val="accent1"/>
-          </a:effectRef>
-          <a:fontRef idx="minor">
-            <a:schemeClr val="tx1"/>
-          </a:fontRef>
-        </p:style>
-        <p:txBody>
-          <a:bodyPr rtlCol="0" anchor="ctr"/>
-          <a:lstStyle/>
-          <a:p>
-            <a:pPr algn="ctr"/>
-            <a:endParaRPr kumimoji="1" lang="ja-JP" altLang="en-US"/>
-          </a:p>
-        </p:txBody>
-      </p:sp>
-      <p:sp>
-        <p:nvSpPr>
-          <p:cNvPr id="25" name="テキスト ボックス 24">
-            <a:extLst>
-              <a:ext uri="{FF2B5EF4-FFF2-40B4-BE49-F238E27FC236}">
-                <a16:creationId xmlns:a16="http://schemas.microsoft.com/office/drawing/2014/main" id="{FCAE1952-283E-451F-988B-B8D382CC06AD}"/>
-              </a:ext>
-            </a:extLst>
-          </p:cNvPr>
-          <p:cNvSpPr txBox="1"/>
-          <p:nvPr/>
-        </p:nvSpPr>
-        <p:spPr>
-          <a:xfrm>
-            <a:off x="2074189" y="4370718"/>
-            <a:ext cx="657225" cy="369332"/>
-          </a:xfrm>
-          <a:prstGeom prst="rect">
-            <a:avLst/>
-          </a:prstGeom>
-          <a:noFill/>
-        </p:spPr>
-        <p:txBody>
-          <a:bodyPr wrap="square" rtlCol="0">
-            <a:spAutoFit/>
-          </a:bodyPr>
-          <a:lstStyle/>
-          <a:p>
-            <a:r>
-              <a:rPr kumimoji="1" lang="en-US" altLang="ja-JP" dirty="0"/>
-              <a:t>Δt</a:t>
-            </a:r>
-            <a:endParaRPr kumimoji="1" lang="ja-JP" altLang="en-US" dirty="0"/>
-          </a:p>
-        </p:txBody>
-      </p:sp>
-      <p:sp>
-        <p:nvSpPr>
-          <p:cNvPr id="27" name="矢印: 右 26">
-            <a:extLst>
-              <a:ext uri="{FF2B5EF4-FFF2-40B4-BE49-F238E27FC236}">
-                <a16:creationId xmlns:a16="http://schemas.microsoft.com/office/drawing/2014/main" id="{6C1392C7-429C-4150-99BF-A00EFB0095C3}"/>
-              </a:ext>
-            </a:extLst>
-          </p:cNvPr>
-          <p:cNvSpPr/>
-          <p:nvPr/>
-        </p:nvSpPr>
-        <p:spPr>
-          <a:xfrm>
-            <a:off x="3069594" y="3752821"/>
-            <a:ext cx="876270" cy="132985"/>
-          </a:xfrm>
-          <a:prstGeom prst="rightArrow">
-            <a:avLst/>
-          </a:prstGeom>
-          <a:noFill/>
-        </p:spPr>
-        <p:style>
-          <a:lnRef idx="2">
-            <a:schemeClr val="accent1">
-              <a:shade val="50000"/>
-            </a:schemeClr>
-          </a:lnRef>
-          <a:fillRef idx="1">
-            <a:schemeClr val="accent1"/>
-          </a:fillRef>
-          <a:effectRef idx="0">
-            <a:schemeClr val="accent1"/>
-          </a:effectRef>
-          <a:fontRef idx="minor">
-            <a:schemeClr val="lt1"/>
-          </a:fontRef>
-        </p:style>
-        <p:txBody>
-          <a:bodyPr rtlCol="0" anchor="ctr"/>
-          <a:lstStyle/>
-          <a:p>
-            <a:pPr algn="ctr"/>
-            <a:endParaRPr kumimoji="1" lang="ja-JP" altLang="en-US"/>
-          </a:p>
-        </p:txBody>
-      </p:sp>
-      <p:sp>
-        <p:nvSpPr>
-          <p:cNvPr id="28" name="テキスト ボックス 27">
-            <a:extLst>
-              <a:ext uri="{FF2B5EF4-FFF2-40B4-BE49-F238E27FC236}">
-                <a16:creationId xmlns:a16="http://schemas.microsoft.com/office/drawing/2014/main" id="{7CC09148-3FC3-4DC3-8CF2-7EEE0AC61F59}"/>
-              </a:ext>
-            </a:extLst>
-          </p:cNvPr>
-          <p:cNvSpPr txBox="1"/>
-          <p:nvPr/>
-        </p:nvSpPr>
-        <p:spPr>
-          <a:xfrm>
-            <a:off x="3783939" y="3993173"/>
-            <a:ext cx="571495" cy="369332"/>
-          </a:xfrm>
-          <a:prstGeom prst="rect">
-            <a:avLst/>
-          </a:prstGeom>
-          <a:noFill/>
-        </p:spPr>
-        <p:txBody>
-          <a:bodyPr wrap="square" rtlCol="0">
-            <a:spAutoFit/>
-          </a:bodyPr>
-          <a:lstStyle/>
-          <a:p>
-            <a:r>
-              <a:rPr kumimoji="1" lang="en-US" altLang="ja-JP" dirty="0"/>
-              <a:t>E</a:t>
-            </a:r>
-            <a:endParaRPr kumimoji="1" lang="ja-JP" altLang="en-US" dirty="0"/>
-          </a:p>
-        </p:txBody>
-      </p:sp>
-      <mc:AlternateContent xmlns:mc="http://schemas.openxmlformats.org/markup-compatibility/2006" xmlns:a14="http://schemas.microsoft.com/office/drawing/2010/main">
-        <mc:Choice Requires="a14">
-          <p:sp>
-            <p:nvSpPr>
-              <p:cNvPr id="42" name="テキスト ボックス 41">
-                <a:extLst>
-                  <a:ext uri="{FF2B5EF4-FFF2-40B4-BE49-F238E27FC236}">
-                    <a16:creationId xmlns:a16="http://schemas.microsoft.com/office/drawing/2014/main" id="{0A2EBD03-F25C-448B-AA78-95E00FAF31D9}"/>
-                  </a:ext>
-                </a:extLst>
-              </p:cNvPr>
-              <p:cNvSpPr txBox="1"/>
-              <p:nvPr/>
-            </p:nvSpPr>
-            <p:spPr>
-              <a:xfrm>
-                <a:off x="2986234" y="2429105"/>
-                <a:ext cx="1364541" cy="818366"/>
-              </a:xfrm>
-              <a:prstGeom prst="rect">
-                <a:avLst/>
-              </a:prstGeom>
-              <a:noFill/>
-            </p:spPr>
-            <p:txBody>
-              <a:bodyPr wrap="none" lIns="0" tIns="0" rIns="0" bIns="0" rtlCol="0">
-                <a:spAutoFit/>
-              </a:bodyPr>
-              <a:lstStyle/>
-              <a:p>
-                <a:pPr/>
-                <a14:m>
-                  <m:oMathPara xmlns:m="http://schemas.openxmlformats.org/officeDocument/2006/math">
-                    <m:oMathParaPr>
-                      <m:jc m:val="centerGroup"/>
-                    </m:oMathParaPr>
-                    <m:oMath xmlns:m="http://schemas.openxmlformats.org/officeDocument/2006/math">
-                      <m:r>
-                        <a:rPr kumimoji="1" lang="ja-JP" altLang="en-US" i="1" smtClean="0">
-                          <a:latin typeface="Cambria Math" panose="02040503050406030204" pitchFamily="18" charset="0"/>
-                        </a:rPr>
-                        <m:t>∆</m:t>
-                      </m:r>
-                      <m:r>
-                        <a:rPr kumimoji="1" lang="en-US" altLang="ja-JP" b="0" i="1" smtClean="0">
-                          <a:latin typeface="Cambria Math" panose="02040503050406030204" pitchFamily="18" charset="0"/>
-                        </a:rPr>
-                        <m:t>𝑡</m:t>
-                      </m:r>
-                      <m:r>
-                        <a:rPr kumimoji="1" lang="en-US" altLang="ja-JP" b="0" i="1" smtClean="0">
-                          <a:latin typeface="Cambria Math" panose="02040503050406030204" pitchFamily="18" charset="0"/>
-                        </a:rPr>
-                        <m:t>= </m:t>
-                      </m:r>
-                      <m:rad>
-                        <m:radPr>
-                          <m:degHide m:val="on"/>
-                          <m:ctrlPr>
-                            <a:rPr kumimoji="1" lang="en-US" altLang="ja-JP" b="0" i="1" smtClean="0">
-                              <a:latin typeface="Cambria Math" panose="02040503050406030204" pitchFamily="18" charset="0"/>
-                            </a:rPr>
-                          </m:ctrlPr>
-                        </m:radPr>
-                        <m:deg/>
-                        <m:e>
-                          <m:f>
-                            <m:fPr>
-                              <m:ctrlPr>
-                                <a:rPr kumimoji="1" lang="en-US" altLang="ja-JP" b="0" i="1" smtClean="0">
-                                  <a:latin typeface="Cambria Math" panose="02040503050406030204" pitchFamily="18" charset="0"/>
-                                </a:rPr>
-                              </m:ctrlPr>
-                            </m:fPr>
-                            <m:num>
-                              <m:r>
-                                <a:rPr kumimoji="1" lang="en-US" altLang="ja-JP" b="0" i="1" smtClean="0">
-                                  <a:latin typeface="Cambria Math" panose="02040503050406030204" pitchFamily="18" charset="0"/>
-                                </a:rPr>
-                                <m:t>2</m:t>
-                              </m:r>
-                              <m:r>
-                                <a:rPr kumimoji="1" lang="en-US" altLang="ja-JP" b="0" i="1" smtClean="0">
-                                  <a:latin typeface="Cambria Math" panose="02040503050406030204" pitchFamily="18" charset="0"/>
-                                </a:rPr>
-                                <m:t>𝑚</m:t>
-                              </m:r>
-                              <m:sSub>
-                                <m:sSubPr>
-                                  <m:ctrlPr>
-                                    <a:rPr kumimoji="1" lang="en-US" altLang="ja-JP" b="0" i="1" smtClean="0">
-                                      <a:latin typeface="Cambria Math" panose="02040503050406030204" pitchFamily="18" charset="0"/>
-                                    </a:rPr>
-                                  </m:ctrlPr>
-                                </m:sSubPr>
-                                <m:e>
-                                  <m:r>
-                                    <a:rPr kumimoji="1" lang="en-US" altLang="ja-JP" b="0" i="1" smtClean="0">
-                                      <a:latin typeface="Cambria Math" panose="02040503050406030204" pitchFamily="18" charset="0"/>
-                                    </a:rPr>
-                                    <m:t>𝑧</m:t>
-                                  </m:r>
-                                </m:e>
-                                <m:sub>
-                                  <m:r>
-                                    <a:rPr kumimoji="1" lang="en-US" altLang="ja-JP" b="0" i="1" smtClean="0">
-                                      <a:latin typeface="Cambria Math" panose="02040503050406030204" pitchFamily="18" charset="0"/>
-                                    </a:rPr>
-                                    <m:t>1</m:t>
-                                  </m:r>
-                                </m:sub>
-                              </m:sSub>
-                            </m:num>
-                            <m:den>
-                              <m:r>
-                                <a:rPr kumimoji="1" lang="en-US" altLang="ja-JP" b="0" i="1" smtClean="0">
-                                  <a:latin typeface="Cambria Math" panose="02040503050406030204" pitchFamily="18" charset="0"/>
-                                </a:rPr>
-                                <m:t>𝑞𝐸</m:t>
-                              </m:r>
-                            </m:den>
-                          </m:f>
-                        </m:e>
-                      </m:rad>
-                    </m:oMath>
-                  </m:oMathPara>
-                </a14:m>
-                <a:endParaRPr kumimoji="1" lang="ja-JP" altLang="en-US" dirty="0"/>
-              </a:p>
-            </p:txBody>
-          </p:sp>
-        </mc:Choice>
-        <mc:Fallback xmlns="">
-          <p:sp>
-            <p:nvSpPr>
-              <p:cNvPr id="42" name="テキスト ボックス 41">
-                <a:extLst>
-                  <a:ext uri="{FF2B5EF4-FFF2-40B4-BE49-F238E27FC236}">
-                    <a16:creationId xmlns:a16="http://schemas.microsoft.com/office/drawing/2014/main" id="{0A2EBD03-F25C-448B-AA78-95E00FAF31D9}"/>
-                  </a:ext>
-                </a:extLst>
-              </p:cNvPr>
-              <p:cNvSpPr txBox="1">
-                <a:spLocks noRot="1" noChangeAspect="1" noMove="1" noResize="1" noEditPoints="1" noAdjustHandles="1" noChangeArrowheads="1" noChangeShapeType="1" noTextEdit="1"/>
-              </p:cNvSpPr>
-              <p:nvPr/>
-            </p:nvSpPr>
-            <p:spPr>
-              <a:xfrm>
-                <a:off x="2986234" y="2429105"/>
-                <a:ext cx="1364541" cy="818366"/>
-              </a:xfrm>
-              <a:prstGeom prst="rect">
-                <a:avLst/>
-              </a:prstGeom>
-              <a:blipFill>
-                <a:blip r:embed="rId6"/>
-                <a:stretch>
-                  <a:fillRect/>
-                </a:stretch>
-              </a:blipFill>
-            </p:spPr>
-            <p:txBody>
-              <a:bodyPr/>
-              <a:lstStyle/>
-              <a:p>
-                <a:r>
-                  <a:rPr lang="ja-JP" altLang="en-US">
-                    <a:noFill/>
-                  </a:rPr>
-                  <a:t> </a:t>
-                </a:r>
-              </a:p>
-            </p:txBody>
-          </p:sp>
-        </mc:Fallback>
-      </mc:AlternateContent>
-      <mc:AlternateContent xmlns:mc="http://schemas.openxmlformats.org/markup-compatibility/2006" xmlns:a14="http://schemas.microsoft.com/office/drawing/2010/main">
-        <mc:Choice Requires="a14">
-          <p:sp>
-            <p:nvSpPr>
-              <p:cNvPr id="44" name="テキスト ボックス 43">
-                <a:extLst>
-                  <a:ext uri="{FF2B5EF4-FFF2-40B4-BE49-F238E27FC236}">
-                    <a16:creationId xmlns:a16="http://schemas.microsoft.com/office/drawing/2014/main" id="{8EEA6AEC-524E-477F-AAD5-6163E0FF25D8}"/>
-                  </a:ext>
-                </a:extLst>
-              </p:cNvPr>
-              <p:cNvSpPr txBox="1"/>
-              <p:nvPr/>
-            </p:nvSpPr>
-            <p:spPr>
-              <a:xfrm>
-                <a:off x="588314" y="2550383"/>
-                <a:ext cx="1074846" cy="555793"/>
-              </a:xfrm>
-              <a:prstGeom prst="rect">
-                <a:avLst/>
-              </a:prstGeom>
-              <a:noFill/>
-            </p:spPr>
-            <p:txBody>
-              <a:bodyPr wrap="none" lIns="0" tIns="0" rIns="0" bIns="0" rtlCol="0">
-                <a:spAutoFit/>
-              </a:bodyPr>
-              <a:lstStyle/>
-              <a:p>
-                <a:pPr/>
-                <a14:m>
-                  <m:oMathPara xmlns:m="http://schemas.openxmlformats.org/officeDocument/2006/math">
-                    <m:oMathParaPr>
-                      <m:jc m:val="centerGroup"/>
-                    </m:oMathParaPr>
-                    <m:oMath xmlns:m="http://schemas.openxmlformats.org/officeDocument/2006/math">
-                      <m:f>
-                        <m:fPr>
-                          <m:ctrlPr>
-                            <a:rPr kumimoji="1" lang="en-US" altLang="ja-JP" b="0" i="1" smtClean="0">
-                              <a:latin typeface="Cambria Math" panose="02040503050406030204" pitchFamily="18" charset="0"/>
-                            </a:rPr>
-                          </m:ctrlPr>
-                        </m:fPr>
-                        <m:num>
-                          <m:sSup>
-                            <m:sSupPr>
-                              <m:ctrlPr>
-                                <a:rPr kumimoji="1" lang="en-US" altLang="ja-JP" b="0" i="1" smtClean="0">
-                                  <a:latin typeface="Cambria Math" panose="02040503050406030204" pitchFamily="18" charset="0"/>
-                                </a:rPr>
-                              </m:ctrlPr>
-                            </m:sSupPr>
-                            <m:e>
-                              <m:r>
-                                <a:rPr kumimoji="1" lang="en-US" altLang="ja-JP" b="0" i="1" smtClean="0">
-                                  <a:latin typeface="Cambria Math" panose="02040503050406030204" pitchFamily="18" charset="0"/>
-                                </a:rPr>
-                                <m:t>𝑑</m:t>
-                              </m:r>
-                            </m:e>
-                            <m:sup>
-                              <m:r>
-                                <a:rPr kumimoji="1" lang="en-US" altLang="ja-JP" b="0" i="1" smtClean="0">
-                                  <a:latin typeface="Cambria Math" panose="02040503050406030204" pitchFamily="18" charset="0"/>
-                                </a:rPr>
-                                <m:t>2</m:t>
-                              </m:r>
-                            </m:sup>
-                          </m:sSup>
-                          <m:r>
-                            <a:rPr kumimoji="1" lang="en-US" altLang="ja-JP" b="0" i="1" smtClean="0">
-                              <a:latin typeface="Cambria Math" panose="02040503050406030204" pitchFamily="18" charset="0"/>
-                            </a:rPr>
-                            <m:t>𝑧</m:t>
-                          </m:r>
-                        </m:num>
-                        <m:den>
-                          <m:sSup>
-                            <m:sSupPr>
-                              <m:ctrlPr>
-                                <a:rPr kumimoji="1" lang="en-US" altLang="ja-JP" b="0" i="1" smtClean="0">
-                                  <a:latin typeface="Cambria Math" panose="02040503050406030204" pitchFamily="18" charset="0"/>
-                                </a:rPr>
-                              </m:ctrlPr>
-                            </m:sSupPr>
-                            <m:e>
-                              <m:r>
-                                <a:rPr kumimoji="1" lang="en-US" altLang="ja-JP" b="0" i="1" smtClean="0">
-                                  <a:latin typeface="Cambria Math" panose="02040503050406030204" pitchFamily="18" charset="0"/>
-                                </a:rPr>
-                                <m:t>𝑑𝑡</m:t>
-                              </m:r>
-                            </m:e>
-                            <m:sup>
-                              <m:r>
-                                <a:rPr kumimoji="1" lang="en-US" altLang="ja-JP" b="0" i="1" smtClean="0">
-                                  <a:latin typeface="Cambria Math" panose="02040503050406030204" pitchFamily="18" charset="0"/>
-                                </a:rPr>
-                                <m:t>2</m:t>
-                              </m:r>
-                            </m:sup>
-                          </m:sSup>
-                        </m:den>
-                      </m:f>
-                      <m:r>
-                        <a:rPr kumimoji="1" lang="en-US" altLang="ja-JP" b="0" i="1" smtClean="0">
-                          <a:latin typeface="Cambria Math" panose="02040503050406030204" pitchFamily="18" charset="0"/>
-                        </a:rPr>
-                        <m:t>= </m:t>
-                      </m:r>
-                      <m:f>
-                        <m:fPr>
-                          <m:ctrlPr>
-                            <a:rPr kumimoji="1" lang="en-US" altLang="ja-JP" b="0" i="1" smtClean="0">
-                              <a:latin typeface="Cambria Math" panose="02040503050406030204" pitchFamily="18" charset="0"/>
-                            </a:rPr>
-                          </m:ctrlPr>
-                        </m:fPr>
-                        <m:num>
-                          <m:r>
-                            <a:rPr kumimoji="1" lang="en-US" altLang="ja-JP" b="0" i="1" smtClean="0">
-                              <a:latin typeface="Cambria Math" panose="02040503050406030204" pitchFamily="18" charset="0"/>
-                            </a:rPr>
-                            <m:t>𝑞𝐸</m:t>
-                          </m:r>
-                        </m:num>
-                        <m:den>
-                          <m:r>
-                            <a:rPr kumimoji="1" lang="en-US" altLang="ja-JP" b="0" i="1" smtClean="0">
-                              <a:latin typeface="Cambria Math" panose="02040503050406030204" pitchFamily="18" charset="0"/>
-                            </a:rPr>
-                            <m:t>𝑚</m:t>
-                          </m:r>
-                        </m:den>
-                      </m:f>
-                    </m:oMath>
-                  </m:oMathPara>
-                </a14:m>
-                <a:endParaRPr kumimoji="1" lang="ja-JP" altLang="en-US" dirty="0"/>
-              </a:p>
-            </p:txBody>
-          </p:sp>
-        </mc:Choice>
-        <mc:Fallback xmlns="">
-          <p:sp>
-            <p:nvSpPr>
-              <p:cNvPr id="44" name="テキスト ボックス 43">
-                <a:extLst>
-                  <a:ext uri="{FF2B5EF4-FFF2-40B4-BE49-F238E27FC236}">
-                    <a16:creationId xmlns:a16="http://schemas.microsoft.com/office/drawing/2014/main" id="{8EEA6AEC-524E-477F-AAD5-6163E0FF25D8}"/>
-                  </a:ext>
-                </a:extLst>
-              </p:cNvPr>
-              <p:cNvSpPr txBox="1">
-                <a:spLocks noRot="1" noChangeAspect="1" noMove="1" noResize="1" noEditPoints="1" noAdjustHandles="1" noChangeArrowheads="1" noChangeShapeType="1" noTextEdit="1"/>
-              </p:cNvSpPr>
-              <p:nvPr/>
-            </p:nvSpPr>
-            <p:spPr>
-              <a:xfrm>
-                <a:off x="588314" y="2550383"/>
-                <a:ext cx="1074846" cy="555793"/>
-              </a:xfrm>
-              <a:prstGeom prst="rect">
-                <a:avLst/>
-              </a:prstGeom>
-              <a:blipFill>
-                <a:blip r:embed="rId7"/>
-                <a:stretch>
-                  <a:fillRect/>
-                </a:stretch>
-              </a:blipFill>
-            </p:spPr>
-            <p:txBody>
-              <a:bodyPr/>
-              <a:lstStyle/>
-              <a:p>
-                <a:r>
-                  <a:rPr lang="ja-JP" altLang="en-US">
-                    <a:noFill/>
-                  </a:rPr>
-                  <a:t> </a:t>
-                </a:r>
-              </a:p>
-            </p:txBody>
-          </p:sp>
-        </mc:Fallback>
-      </mc:AlternateContent>
-      <mc:AlternateContent xmlns:mc="http://schemas.openxmlformats.org/markup-compatibility/2006" xmlns:a14="http://schemas.microsoft.com/office/drawing/2010/main">
-        <mc:Choice Requires="a14">
-          <p:sp>
-            <p:nvSpPr>
-              <p:cNvPr id="47" name="テキスト ボックス 46">
-                <a:extLst>
-                  <a:ext uri="{FF2B5EF4-FFF2-40B4-BE49-F238E27FC236}">
-                    <a16:creationId xmlns:a16="http://schemas.microsoft.com/office/drawing/2014/main" id="{7091398D-5395-4BBD-A271-662A8F5AEAB3}"/>
-                  </a:ext>
-                </a:extLst>
-              </p:cNvPr>
-              <p:cNvSpPr txBox="1"/>
-              <p:nvPr/>
-            </p:nvSpPr>
-            <p:spPr>
-              <a:xfrm>
-                <a:off x="3166305" y="6251007"/>
-                <a:ext cx="1554335" cy="276999"/>
-              </a:xfrm>
-              <a:prstGeom prst="rect">
-                <a:avLst/>
-              </a:prstGeom>
-              <a:noFill/>
-            </p:spPr>
-            <p:txBody>
-              <a:bodyPr wrap="none" lIns="0" tIns="0" rIns="0" bIns="0" rtlCol="0">
-                <a:spAutoFit/>
-              </a:bodyPr>
-              <a:lstStyle/>
-              <a:p>
-                <a:pPr/>
-                <a14:m>
-                  <m:oMathPara xmlns:m="http://schemas.openxmlformats.org/officeDocument/2006/math">
-                    <m:oMathParaPr>
-                      <m:jc m:val="centerGroup"/>
-                    </m:oMathParaPr>
-                    <m:oMath xmlns:m="http://schemas.openxmlformats.org/officeDocument/2006/math">
-                      <m:sSub>
-                        <m:sSubPr>
-                          <m:ctrlPr>
-                            <a:rPr kumimoji="1" lang="en-US" altLang="ja-JP" i="1" smtClean="0">
-                              <a:latin typeface="Cambria Math" panose="02040503050406030204" pitchFamily="18" charset="0"/>
-                            </a:rPr>
-                          </m:ctrlPr>
-                        </m:sSubPr>
-                        <m:e>
-                          <m:r>
-                            <m:rPr>
-                              <m:sty m:val="p"/>
-                            </m:rPr>
-                            <a:rPr kumimoji="1" lang="en-US" altLang="ja-JP" b="0" i="0" smtClean="0">
-                              <a:latin typeface="Cambria Math" panose="02040503050406030204" pitchFamily="18" charset="0"/>
-                            </a:rPr>
-                            <m:t>z</m:t>
-                          </m:r>
-                        </m:e>
-                        <m:sub>
-                          <m:r>
-                            <a:rPr kumimoji="1" lang="en-US" altLang="ja-JP" b="0" i="0" smtClean="0">
-                              <a:latin typeface="Cambria Math" panose="02040503050406030204" pitchFamily="18" charset="0"/>
-                            </a:rPr>
-                            <m:t>1</m:t>
-                          </m:r>
-                        </m:sub>
-                      </m:sSub>
-                      <m:r>
-                        <a:rPr kumimoji="1" lang="en-US" altLang="ja-JP" b="0" i="0" smtClean="0">
-                          <a:latin typeface="Cambria Math" panose="02040503050406030204" pitchFamily="18" charset="0"/>
-                        </a:rPr>
-                        <m:t>=200 [</m:t>
-                      </m:r>
-                      <m:r>
-                        <m:rPr>
-                          <m:sty m:val="p"/>
-                        </m:rPr>
-                        <a:rPr kumimoji="1" lang="en-US" altLang="ja-JP" b="0" i="0" smtClean="0">
-                          <a:latin typeface="Cambria Math" panose="02040503050406030204" pitchFamily="18" charset="0"/>
-                        </a:rPr>
-                        <m:t>mm</m:t>
-                      </m:r>
-                      <m:r>
-                        <a:rPr kumimoji="1" lang="en-US" altLang="ja-JP" b="0" i="0" smtClean="0">
-                          <a:latin typeface="Cambria Math" panose="02040503050406030204" pitchFamily="18" charset="0"/>
-                        </a:rPr>
-                        <m:t>]</m:t>
-                      </m:r>
-                    </m:oMath>
-                  </m:oMathPara>
-                </a14:m>
-                <a:endParaRPr kumimoji="1" lang="ja-JP" altLang="en-US" dirty="0"/>
-              </a:p>
-            </p:txBody>
-          </p:sp>
-        </mc:Choice>
-        <mc:Fallback xmlns="">
-          <p:sp>
-            <p:nvSpPr>
-              <p:cNvPr id="47" name="テキスト ボックス 46">
-                <a:extLst>
-                  <a:ext uri="{FF2B5EF4-FFF2-40B4-BE49-F238E27FC236}">
-                    <a16:creationId xmlns:a16="http://schemas.microsoft.com/office/drawing/2014/main" id="{7091398D-5395-4BBD-A271-662A8F5AEAB3}"/>
-                  </a:ext>
-                </a:extLst>
-              </p:cNvPr>
-              <p:cNvSpPr txBox="1">
-                <a:spLocks noRot="1" noChangeAspect="1" noMove="1" noResize="1" noEditPoints="1" noAdjustHandles="1" noChangeArrowheads="1" noChangeShapeType="1" noTextEdit="1"/>
-              </p:cNvSpPr>
-              <p:nvPr/>
-            </p:nvSpPr>
-            <p:spPr>
-              <a:xfrm>
-                <a:off x="3166305" y="6251007"/>
-                <a:ext cx="1554335" cy="276999"/>
-              </a:xfrm>
-              <a:prstGeom prst="rect">
-                <a:avLst/>
-              </a:prstGeom>
-              <a:blipFill>
-                <a:blip r:embed="rId8"/>
-                <a:stretch>
-                  <a:fillRect l="-1176" t="-2174" r="-5098" b="-36957"/>
-                </a:stretch>
-              </a:blipFill>
-            </p:spPr>
-            <p:txBody>
-              <a:bodyPr/>
-              <a:lstStyle/>
-              <a:p>
-                <a:r>
-                  <a:rPr lang="ja-JP" altLang="en-US">
-                    <a:noFill/>
-                  </a:rPr>
-                  <a:t> </a:t>
-                </a:r>
-              </a:p>
-            </p:txBody>
-          </p:sp>
-        </mc:Fallback>
-      </mc:AlternateContent>
-      <p:sp>
-        <p:nvSpPr>
-          <p:cNvPr id="54" name="テキスト ボックス 53">
-            <a:extLst>
-              <a:ext uri="{FF2B5EF4-FFF2-40B4-BE49-F238E27FC236}">
-                <a16:creationId xmlns:a16="http://schemas.microsoft.com/office/drawing/2014/main" id="{1FDF6B1D-F53C-47FD-9BF4-1F524CA6FE84}"/>
-              </a:ext>
-            </a:extLst>
-          </p:cNvPr>
-          <p:cNvSpPr txBox="1"/>
-          <p:nvPr/>
-        </p:nvSpPr>
-        <p:spPr>
-          <a:xfrm>
-            <a:off x="1884586" y="2718355"/>
-            <a:ext cx="1126268" cy="369332"/>
-          </a:xfrm>
-          <a:prstGeom prst="rect">
-            <a:avLst/>
-          </a:prstGeom>
-          <a:noFill/>
-        </p:spPr>
-        <p:txBody>
-          <a:bodyPr wrap="square" rtlCol="0">
-            <a:spAutoFit/>
-          </a:bodyPr>
-          <a:lstStyle/>
-          <a:p>
-            <a:r>
-              <a:rPr kumimoji="1" lang="ja-JP" altLang="en-US" dirty="0"/>
-              <a:t>のとき、</a:t>
-            </a:r>
-          </a:p>
-        </p:txBody>
-      </p:sp>
+        </p:grpSpPr>
+        <p:cxnSp>
+          <p:nvCxnSpPr>
+            <p:cNvPr id="5" name="直線矢印コネクタ 4">
+              <a:extLst>
+                <a:ext uri="{FF2B5EF4-FFF2-40B4-BE49-F238E27FC236}">
+                  <a16:creationId xmlns:a16="http://schemas.microsoft.com/office/drawing/2014/main" id="{71CF1211-3516-41C3-A29B-37378579E889}"/>
+                </a:ext>
+              </a:extLst>
+            </p:cNvPr>
+            <p:cNvCxnSpPr/>
+            <p:nvPr/>
+          </p:nvCxnSpPr>
+          <p:spPr>
+            <a:xfrm>
+              <a:off x="764514" y="5856253"/>
+              <a:ext cx="4105275" cy="0"/>
+            </a:xfrm>
+            <a:prstGeom prst="straightConnector1">
+              <a:avLst/>
+            </a:prstGeom>
+            <a:ln w="38100">
+              <a:solidFill>
+                <a:schemeClr val="tx1"/>
+              </a:solidFill>
+              <a:tailEnd type="triangle"/>
+            </a:ln>
+          </p:spPr>
+          <p:style>
+            <a:lnRef idx="1">
+              <a:schemeClr val="accent1"/>
+            </a:lnRef>
+            <a:fillRef idx="0">
+              <a:schemeClr val="accent1"/>
+            </a:fillRef>
+            <a:effectRef idx="0">
+              <a:schemeClr val="accent1"/>
+            </a:effectRef>
+            <a:fontRef idx="minor">
+              <a:schemeClr val="tx1"/>
+            </a:fontRef>
+          </p:style>
+        </p:cxnSp>
+        <p:cxnSp>
+          <p:nvCxnSpPr>
+            <p:cNvPr id="13" name="直線コネクタ 12">
+              <a:extLst>
+                <a:ext uri="{FF2B5EF4-FFF2-40B4-BE49-F238E27FC236}">
+                  <a16:creationId xmlns:a16="http://schemas.microsoft.com/office/drawing/2014/main" id="{1E130B7A-C2F7-41CE-8F5B-B317BACC333D}"/>
+                </a:ext>
+              </a:extLst>
+            </p:cNvPr>
+            <p:cNvCxnSpPr>
+              <a:cxnSpLocks/>
+            </p:cNvCxnSpPr>
+            <p:nvPr/>
+          </p:nvCxnSpPr>
+          <p:spPr>
+            <a:xfrm>
+              <a:off x="754989" y="5727665"/>
+              <a:ext cx="0" cy="257175"/>
+            </a:xfrm>
+            <a:prstGeom prst="line">
+              <a:avLst/>
+            </a:prstGeom>
+            <a:ln w="38100">
+              <a:solidFill>
+                <a:schemeClr val="tx1"/>
+              </a:solidFill>
+            </a:ln>
+          </p:spPr>
+          <p:style>
+            <a:lnRef idx="1">
+              <a:schemeClr val="accent1"/>
+            </a:lnRef>
+            <a:fillRef idx="0">
+              <a:schemeClr val="accent1"/>
+            </a:fillRef>
+            <a:effectRef idx="0">
+              <a:schemeClr val="accent1"/>
+            </a:effectRef>
+            <a:fontRef idx="minor">
+              <a:schemeClr val="tx1"/>
+            </a:fontRef>
+          </p:style>
+        </p:cxnSp>
+        <p:cxnSp>
+          <p:nvCxnSpPr>
+            <p:cNvPr id="15" name="直線コネクタ 14">
+              <a:extLst>
+                <a:ext uri="{FF2B5EF4-FFF2-40B4-BE49-F238E27FC236}">
+                  <a16:creationId xmlns:a16="http://schemas.microsoft.com/office/drawing/2014/main" id="{383D4104-5A62-46CA-9AC6-0124EA86ABFD}"/>
+                </a:ext>
+              </a:extLst>
+            </p:cNvPr>
+            <p:cNvCxnSpPr>
+              <a:cxnSpLocks/>
+            </p:cNvCxnSpPr>
+            <p:nvPr/>
+          </p:nvCxnSpPr>
+          <p:spPr>
+            <a:xfrm>
+              <a:off x="3945864" y="5727665"/>
+              <a:ext cx="0" cy="257175"/>
+            </a:xfrm>
+            <a:prstGeom prst="line">
+              <a:avLst/>
+            </a:prstGeom>
+            <a:ln w="38100">
+              <a:solidFill>
+                <a:schemeClr val="tx1"/>
+              </a:solidFill>
+            </a:ln>
+          </p:spPr>
+          <p:style>
+            <a:lnRef idx="1">
+              <a:schemeClr val="accent1"/>
+            </a:lnRef>
+            <a:fillRef idx="0">
+              <a:schemeClr val="accent1"/>
+            </a:fillRef>
+            <a:effectRef idx="0">
+              <a:schemeClr val="accent1"/>
+            </a:effectRef>
+            <a:fontRef idx="minor">
+              <a:schemeClr val="tx1"/>
+            </a:fontRef>
+          </p:style>
+        </p:cxnSp>
+        <p:sp>
+          <p:nvSpPr>
+            <p:cNvPr id="16" name="楕円 15">
+              <a:extLst>
+                <a:ext uri="{FF2B5EF4-FFF2-40B4-BE49-F238E27FC236}">
+                  <a16:creationId xmlns:a16="http://schemas.microsoft.com/office/drawing/2014/main" id="{746C1C0F-0E0B-4E49-A341-5003BF24161C}"/>
+                </a:ext>
+              </a:extLst>
+            </p:cNvPr>
+            <p:cNvSpPr/>
+            <p:nvPr/>
+          </p:nvSpPr>
+          <p:spPr>
+            <a:xfrm>
+              <a:off x="588314" y="5044248"/>
+              <a:ext cx="352400" cy="390521"/>
+            </a:xfrm>
+            <a:prstGeom prst="ellipse">
+              <a:avLst/>
+            </a:prstGeom>
+          </p:spPr>
+          <p:style>
+            <a:lnRef idx="2">
+              <a:schemeClr val="accent1">
+                <a:shade val="50000"/>
+              </a:schemeClr>
+            </a:lnRef>
+            <a:fillRef idx="1">
+              <a:schemeClr val="accent1"/>
+            </a:fillRef>
+            <a:effectRef idx="0">
+              <a:schemeClr val="accent1"/>
+            </a:effectRef>
+            <a:fontRef idx="minor">
+              <a:schemeClr val="lt1"/>
+            </a:fontRef>
+          </p:style>
+          <p:txBody>
+            <a:bodyPr rtlCol="0" anchor="ctr"/>
+            <a:lstStyle/>
+            <a:p>
+              <a:pPr algn="ctr"/>
+              <a:endParaRPr kumimoji="1" lang="ja-JP" altLang="en-US"/>
+            </a:p>
+          </p:txBody>
+        </p:sp>
+        <p:sp>
+          <p:nvSpPr>
+            <p:cNvPr id="17" name="テキスト ボックス 16">
+              <a:extLst>
+                <a:ext uri="{FF2B5EF4-FFF2-40B4-BE49-F238E27FC236}">
+                  <a16:creationId xmlns:a16="http://schemas.microsoft.com/office/drawing/2014/main" id="{38B12CE2-08BC-4760-94EE-E0E5CA0DAC15}"/>
+                </a:ext>
+              </a:extLst>
+            </p:cNvPr>
+            <p:cNvSpPr txBox="1"/>
+            <p:nvPr/>
+          </p:nvSpPr>
+          <p:spPr>
+            <a:xfrm>
+              <a:off x="588314" y="6158674"/>
+              <a:ext cx="647700" cy="369332"/>
+            </a:xfrm>
+            <a:prstGeom prst="rect">
+              <a:avLst/>
+            </a:prstGeom>
+            <a:noFill/>
+          </p:spPr>
+          <p:txBody>
+            <a:bodyPr wrap="square" rtlCol="0">
+              <a:spAutoFit/>
+            </a:bodyPr>
+            <a:lstStyle/>
+            <a:p>
+              <a:r>
+                <a:rPr kumimoji="1" lang="en-US" altLang="ja-JP" dirty="0"/>
+                <a:t>0</a:t>
+              </a:r>
+              <a:endParaRPr kumimoji="1" lang="ja-JP" altLang="en-US" dirty="0"/>
+            </a:p>
+          </p:txBody>
+        </p:sp>
+        <p:sp>
+          <p:nvSpPr>
+            <p:cNvPr id="22" name="円弧 21">
+              <a:extLst>
+                <a:ext uri="{FF2B5EF4-FFF2-40B4-BE49-F238E27FC236}">
+                  <a16:creationId xmlns:a16="http://schemas.microsoft.com/office/drawing/2014/main" id="{B90B1F1E-1069-49BF-A5C2-D8A4C43BB189}"/>
+                </a:ext>
+              </a:extLst>
+            </p:cNvPr>
+            <p:cNvSpPr/>
+            <p:nvPr/>
+          </p:nvSpPr>
+          <p:spPr>
+            <a:xfrm>
+              <a:off x="2755239" y="4555384"/>
+              <a:ext cx="1190625" cy="738658"/>
+            </a:xfrm>
+            <a:prstGeom prst="arc">
+              <a:avLst>
+                <a:gd name="adj1" fmla="val 17579524"/>
+                <a:gd name="adj2" fmla="val 21564549"/>
+              </a:avLst>
+            </a:prstGeom>
+          </p:spPr>
+          <p:style>
+            <a:lnRef idx="1">
+              <a:schemeClr val="accent1"/>
+            </a:lnRef>
+            <a:fillRef idx="0">
+              <a:schemeClr val="accent1"/>
+            </a:fillRef>
+            <a:effectRef idx="0">
+              <a:schemeClr val="accent1"/>
+            </a:effectRef>
+            <a:fontRef idx="minor">
+              <a:schemeClr val="tx1"/>
+            </a:fontRef>
+          </p:style>
+          <p:txBody>
+            <a:bodyPr rtlCol="0" anchor="ctr"/>
+            <a:lstStyle/>
+            <a:p>
+              <a:pPr algn="ctr"/>
+              <a:endParaRPr kumimoji="1" lang="ja-JP" altLang="en-US"/>
+            </a:p>
+          </p:txBody>
+        </p:sp>
+        <p:sp>
+          <p:nvSpPr>
+            <p:cNvPr id="24" name="円弧 23">
+              <a:extLst>
+                <a:ext uri="{FF2B5EF4-FFF2-40B4-BE49-F238E27FC236}">
+                  <a16:creationId xmlns:a16="http://schemas.microsoft.com/office/drawing/2014/main" id="{A2C075C9-8E74-4296-9194-A20FB3A1D4D6}"/>
+                </a:ext>
+              </a:extLst>
+            </p:cNvPr>
+            <p:cNvSpPr/>
+            <p:nvPr/>
+          </p:nvSpPr>
+          <p:spPr>
+            <a:xfrm>
+              <a:off x="754989" y="4555384"/>
+              <a:ext cx="1190625" cy="738658"/>
+            </a:xfrm>
+            <a:prstGeom prst="arc">
+              <a:avLst>
+                <a:gd name="adj1" fmla="val 10921968"/>
+                <a:gd name="adj2" fmla="val 14447510"/>
+              </a:avLst>
+            </a:prstGeom>
+          </p:spPr>
+          <p:style>
+            <a:lnRef idx="1">
+              <a:schemeClr val="accent1"/>
+            </a:lnRef>
+            <a:fillRef idx="0">
+              <a:schemeClr val="accent1"/>
+            </a:fillRef>
+            <a:effectRef idx="0">
+              <a:schemeClr val="accent1"/>
+            </a:effectRef>
+            <a:fontRef idx="minor">
+              <a:schemeClr val="tx1"/>
+            </a:fontRef>
+          </p:style>
+          <p:txBody>
+            <a:bodyPr rtlCol="0" anchor="ctr"/>
+            <a:lstStyle/>
+            <a:p>
+              <a:pPr algn="ctr"/>
+              <a:endParaRPr kumimoji="1" lang="ja-JP" altLang="en-US"/>
+            </a:p>
+          </p:txBody>
+        </p:sp>
+        <p:sp>
+          <p:nvSpPr>
+            <p:cNvPr id="25" name="テキスト ボックス 24">
+              <a:extLst>
+                <a:ext uri="{FF2B5EF4-FFF2-40B4-BE49-F238E27FC236}">
+                  <a16:creationId xmlns:a16="http://schemas.microsoft.com/office/drawing/2014/main" id="{FCAE1952-283E-451F-988B-B8D382CC06AD}"/>
+                </a:ext>
+              </a:extLst>
+            </p:cNvPr>
+            <p:cNvSpPr txBox="1"/>
+            <p:nvPr/>
+          </p:nvSpPr>
+          <p:spPr>
+            <a:xfrm>
+              <a:off x="2074189" y="4370718"/>
+              <a:ext cx="657225" cy="369332"/>
+            </a:xfrm>
+            <a:prstGeom prst="rect">
+              <a:avLst/>
+            </a:prstGeom>
+            <a:noFill/>
+          </p:spPr>
+          <p:txBody>
+            <a:bodyPr wrap="square" rtlCol="0">
+              <a:spAutoFit/>
+            </a:bodyPr>
+            <a:lstStyle/>
+            <a:p>
+              <a:r>
+                <a:rPr kumimoji="1" lang="en-US" altLang="ja-JP" dirty="0"/>
+                <a:t>Δt</a:t>
+              </a:r>
+              <a:endParaRPr kumimoji="1" lang="ja-JP" altLang="en-US" dirty="0"/>
+            </a:p>
+          </p:txBody>
+        </p:sp>
+        <p:sp>
+          <p:nvSpPr>
+            <p:cNvPr id="27" name="矢印: 右 26">
+              <a:extLst>
+                <a:ext uri="{FF2B5EF4-FFF2-40B4-BE49-F238E27FC236}">
+                  <a16:creationId xmlns:a16="http://schemas.microsoft.com/office/drawing/2014/main" id="{6C1392C7-429C-4150-99BF-A00EFB0095C3}"/>
+                </a:ext>
+              </a:extLst>
+            </p:cNvPr>
+            <p:cNvSpPr/>
+            <p:nvPr/>
+          </p:nvSpPr>
+          <p:spPr>
+            <a:xfrm>
+              <a:off x="3069594" y="3752821"/>
+              <a:ext cx="876270" cy="132985"/>
+            </a:xfrm>
+            <a:prstGeom prst="rightArrow">
+              <a:avLst/>
+            </a:prstGeom>
+            <a:noFill/>
+          </p:spPr>
+          <p:style>
+            <a:lnRef idx="2">
+              <a:schemeClr val="accent1">
+                <a:shade val="50000"/>
+              </a:schemeClr>
+            </a:lnRef>
+            <a:fillRef idx="1">
+              <a:schemeClr val="accent1"/>
+            </a:fillRef>
+            <a:effectRef idx="0">
+              <a:schemeClr val="accent1"/>
+            </a:effectRef>
+            <a:fontRef idx="minor">
+              <a:schemeClr val="lt1"/>
+            </a:fontRef>
+          </p:style>
+          <p:txBody>
+            <a:bodyPr rtlCol="0" anchor="ctr"/>
+            <a:lstStyle/>
+            <a:p>
+              <a:pPr algn="ctr"/>
+              <a:endParaRPr kumimoji="1" lang="ja-JP" altLang="en-US"/>
+            </a:p>
+          </p:txBody>
+        </p:sp>
+        <p:sp>
+          <p:nvSpPr>
+            <p:cNvPr id="28" name="テキスト ボックス 27">
+              <a:extLst>
+                <a:ext uri="{FF2B5EF4-FFF2-40B4-BE49-F238E27FC236}">
+                  <a16:creationId xmlns:a16="http://schemas.microsoft.com/office/drawing/2014/main" id="{7CC09148-3FC3-4DC3-8CF2-7EEE0AC61F59}"/>
+                </a:ext>
+              </a:extLst>
+            </p:cNvPr>
+            <p:cNvSpPr txBox="1"/>
+            <p:nvPr/>
+          </p:nvSpPr>
+          <p:spPr>
+            <a:xfrm>
+              <a:off x="3783939" y="3993173"/>
+              <a:ext cx="571495" cy="369332"/>
+            </a:xfrm>
+            <a:prstGeom prst="rect">
+              <a:avLst/>
+            </a:prstGeom>
+            <a:noFill/>
+          </p:spPr>
+          <p:txBody>
+            <a:bodyPr wrap="square" rtlCol="0">
+              <a:spAutoFit/>
+            </a:bodyPr>
+            <a:lstStyle/>
+            <a:p>
+              <a:r>
+                <a:rPr kumimoji="1" lang="en-US" altLang="ja-JP" dirty="0"/>
+                <a:t>E</a:t>
+              </a:r>
+              <a:endParaRPr kumimoji="1" lang="ja-JP" altLang="en-US" dirty="0"/>
+            </a:p>
+          </p:txBody>
+        </p:sp>
+        <mc:AlternateContent xmlns:mc="http://schemas.openxmlformats.org/markup-compatibility/2006">
+          <mc:Choice xmlns:a14="http://schemas.microsoft.com/office/drawing/2010/main" Requires="a14">
+            <p:sp>
+              <p:nvSpPr>
+                <p:cNvPr id="42" name="テキスト ボックス 41">
+                  <a:extLst>
+                    <a:ext uri="{FF2B5EF4-FFF2-40B4-BE49-F238E27FC236}">
+                      <a16:creationId xmlns:a16="http://schemas.microsoft.com/office/drawing/2014/main" id="{0A2EBD03-F25C-448B-AA78-95E00FAF31D9}"/>
+                    </a:ext>
+                  </a:extLst>
+                </p:cNvPr>
+                <p:cNvSpPr txBox="1"/>
+                <p:nvPr/>
+              </p:nvSpPr>
+              <p:spPr>
+                <a:xfrm>
+                  <a:off x="2986234" y="2429105"/>
+                  <a:ext cx="1364541" cy="818366"/>
+                </a:xfrm>
+                <a:prstGeom prst="rect">
+                  <a:avLst/>
+                </a:prstGeom>
+                <a:noFill/>
+              </p:spPr>
+              <p:txBody>
+                <a:bodyPr wrap="none" lIns="0" tIns="0" rIns="0" bIns="0" rtlCol="0">
+                  <a:spAutoFit/>
+                </a:bodyPr>
+                <a:lstStyle/>
+                <a:p>
+                  <a:pPr/>
+                  <a14:m>
+                    <m:oMathPara xmlns:m="http://schemas.openxmlformats.org/officeDocument/2006/math">
+                      <m:oMathParaPr>
+                        <m:jc m:val="centerGroup"/>
+                      </m:oMathParaPr>
+                      <m:oMath xmlns:m="http://schemas.openxmlformats.org/officeDocument/2006/math">
+                        <m:r>
+                          <a:rPr kumimoji="1" lang="ja-JP" altLang="en-US" i="1" smtClean="0">
+                            <a:latin typeface="Cambria Math" panose="02040503050406030204" pitchFamily="18" charset="0"/>
+                          </a:rPr>
+                          <m:t>∆</m:t>
+                        </m:r>
+                        <m:r>
+                          <a:rPr kumimoji="1" lang="en-US" altLang="ja-JP" b="0" i="1" smtClean="0">
+                            <a:latin typeface="Cambria Math" panose="02040503050406030204" pitchFamily="18" charset="0"/>
+                          </a:rPr>
+                          <m:t>𝑡</m:t>
+                        </m:r>
+                        <m:r>
+                          <a:rPr kumimoji="1" lang="en-US" altLang="ja-JP" b="0" i="1" smtClean="0">
+                            <a:latin typeface="Cambria Math" panose="02040503050406030204" pitchFamily="18" charset="0"/>
+                          </a:rPr>
+                          <m:t>= </m:t>
+                        </m:r>
+                        <m:rad>
+                          <m:radPr>
+                            <m:degHide m:val="on"/>
+                            <m:ctrlPr>
+                              <a:rPr kumimoji="1" lang="en-US" altLang="ja-JP" b="0" i="1" smtClean="0">
+                                <a:latin typeface="Cambria Math" panose="02040503050406030204" pitchFamily="18" charset="0"/>
+                              </a:rPr>
+                            </m:ctrlPr>
+                          </m:radPr>
+                          <m:deg/>
+                          <m:e>
+                            <m:f>
+                              <m:fPr>
+                                <m:ctrlPr>
+                                  <a:rPr kumimoji="1" lang="en-US" altLang="ja-JP" b="0" i="1" smtClean="0">
+                                    <a:latin typeface="Cambria Math" panose="02040503050406030204" pitchFamily="18" charset="0"/>
+                                  </a:rPr>
+                                </m:ctrlPr>
+                              </m:fPr>
+                              <m:num>
+                                <m:r>
+                                  <a:rPr kumimoji="1" lang="en-US" altLang="ja-JP" b="0" i="1" smtClean="0">
+                                    <a:latin typeface="Cambria Math" panose="02040503050406030204" pitchFamily="18" charset="0"/>
+                                  </a:rPr>
+                                  <m:t>2</m:t>
+                                </m:r>
+                                <m:r>
+                                  <a:rPr kumimoji="1" lang="en-US" altLang="ja-JP" b="0" i="1" smtClean="0">
+                                    <a:latin typeface="Cambria Math" panose="02040503050406030204" pitchFamily="18" charset="0"/>
+                                  </a:rPr>
+                                  <m:t>𝑚</m:t>
+                                </m:r>
+                                <m:sSub>
+                                  <m:sSubPr>
+                                    <m:ctrlPr>
+                                      <a:rPr kumimoji="1" lang="en-US" altLang="ja-JP" b="0" i="1" smtClean="0">
+                                        <a:latin typeface="Cambria Math" panose="02040503050406030204" pitchFamily="18" charset="0"/>
+                                      </a:rPr>
+                                    </m:ctrlPr>
+                                  </m:sSubPr>
+                                  <m:e>
+                                    <m:r>
+                                      <a:rPr kumimoji="1" lang="en-US" altLang="ja-JP" b="0" i="1" smtClean="0">
+                                        <a:latin typeface="Cambria Math" panose="02040503050406030204" pitchFamily="18" charset="0"/>
+                                      </a:rPr>
+                                      <m:t>𝑧</m:t>
+                                    </m:r>
+                                  </m:e>
+                                  <m:sub>
+                                    <m:r>
+                                      <a:rPr kumimoji="1" lang="en-US" altLang="ja-JP" b="0" i="1" smtClean="0">
+                                        <a:latin typeface="Cambria Math" panose="02040503050406030204" pitchFamily="18" charset="0"/>
+                                      </a:rPr>
+                                      <m:t>1</m:t>
+                                    </m:r>
+                                  </m:sub>
+                                </m:sSub>
+                              </m:num>
+                              <m:den>
+                                <m:r>
+                                  <a:rPr kumimoji="1" lang="en-US" altLang="ja-JP" b="0" i="1" smtClean="0">
+                                    <a:latin typeface="Cambria Math" panose="02040503050406030204" pitchFamily="18" charset="0"/>
+                                  </a:rPr>
+                                  <m:t>𝑞𝐸</m:t>
+                                </m:r>
+                              </m:den>
+                            </m:f>
+                          </m:e>
+                        </m:rad>
+                      </m:oMath>
+                    </m:oMathPara>
+                  </a14:m>
+                  <a:endParaRPr kumimoji="1" lang="ja-JP" altLang="en-US" dirty="0"/>
+                </a:p>
+              </p:txBody>
+            </p:sp>
+          </mc:Choice>
+          <mc:Fallback>
+            <p:sp>
+              <p:nvSpPr>
+                <p:cNvPr id="42" name="テキスト ボックス 41">
+                  <a:extLst>
+                    <a:ext uri="{FF2B5EF4-FFF2-40B4-BE49-F238E27FC236}">
+                      <a16:creationId xmlns:a16="http://schemas.microsoft.com/office/drawing/2014/main" id="{0A2EBD03-F25C-448B-AA78-95E00FAF31D9}"/>
+                    </a:ext>
+                  </a:extLst>
+                </p:cNvPr>
+                <p:cNvSpPr txBox="1">
+                  <a:spLocks noRot="1" noChangeAspect="1" noMove="1" noResize="1" noEditPoints="1" noAdjustHandles="1" noChangeArrowheads="1" noChangeShapeType="1" noTextEdit="1"/>
+                </p:cNvSpPr>
+                <p:nvPr/>
+              </p:nvSpPr>
+              <p:spPr>
+                <a:xfrm>
+                  <a:off x="2986234" y="2429105"/>
+                  <a:ext cx="1364541" cy="818366"/>
+                </a:xfrm>
+                <a:prstGeom prst="rect">
+                  <a:avLst/>
+                </a:prstGeom>
+                <a:blipFill>
+                  <a:blip r:embed="rId3"/>
+                  <a:stretch>
+                    <a:fillRect b="-746"/>
+                  </a:stretch>
+                </a:blipFill>
+              </p:spPr>
+              <p:txBody>
+                <a:bodyPr/>
+                <a:lstStyle/>
+                <a:p>
+                  <a:r>
+                    <a:rPr lang="ja-JP" altLang="en-US">
+                      <a:noFill/>
+                    </a:rPr>
+                    <a:t> </a:t>
+                  </a:r>
+                </a:p>
+              </p:txBody>
+            </p:sp>
+          </mc:Fallback>
+        </mc:AlternateContent>
+        <mc:AlternateContent xmlns:mc="http://schemas.openxmlformats.org/markup-compatibility/2006">
+          <mc:Choice xmlns:a14="http://schemas.microsoft.com/office/drawing/2010/main" Requires="a14">
+            <p:sp>
+              <p:nvSpPr>
+                <p:cNvPr id="44" name="テキスト ボックス 43">
+                  <a:extLst>
+                    <a:ext uri="{FF2B5EF4-FFF2-40B4-BE49-F238E27FC236}">
+                      <a16:creationId xmlns:a16="http://schemas.microsoft.com/office/drawing/2014/main" id="{8EEA6AEC-524E-477F-AAD5-6163E0FF25D8}"/>
+                    </a:ext>
+                  </a:extLst>
+                </p:cNvPr>
+                <p:cNvSpPr txBox="1"/>
+                <p:nvPr/>
+              </p:nvSpPr>
+              <p:spPr>
+                <a:xfrm>
+                  <a:off x="588314" y="2550383"/>
+                  <a:ext cx="1074846" cy="555793"/>
+                </a:xfrm>
+                <a:prstGeom prst="rect">
+                  <a:avLst/>
+                </a:prstGeom>
+                <a:noFill/>
+              </p:spPr>
+              <p:txBody>
+                <a:bodyPr wrap="none" lIns="0" tIns="0" rIns="0" bIns="0" rtlCol="0">
+                  <a:spAutoFit/>
+                </a:bodyPr>
+                <a:lstStyle/>
+                <a:p>
+                  <a:pPr/>
+                  <a14:m>
+                    <m:oMathPara xmlns:m="http://schemas.openxmlformats.org/officeDocument/2006/math">
+                      <m:oMathParaPr>
+                        <m:jc m:val="centerGroup"/>
+                      </m:oMathParaPr>
+                      <m:oMath xmlns:m="http://schemas.openxmlformats.org/officeDocument/2006/math">
+                        <m:f>
+                          <m:fPr>
+                            <m:ctrlPr>
+                              <a:rPr kumimoji="1" lang="en-US" altLang="ja-JP" b="0" i="1" smtClean="0">
+                                <a:latin typeface="Cambria Math" panose="02040503050406030204" pitchFamily="18" charset="0"/>
+                              </a:rPr>
+                            </m:ctrlPr>
+                          </m:fPr>
+                          <m:num>
+                            <m:sSup>
+                              <m:sSupPr>
+                                <m:ctrlPr>
+                                  <a:rPr kumimoji="1" lang="en-US" altLang="ja-JP" b="0" i="1" smtClean="0">
+                                    <a:latin typeface="Cambria Math" panose="02040503050406030204" pitchFamily="18" charset="0"/>
+                                  </a:rPr>
+                                </m:ctrlPr>
+                              </m:sSupPr>
+                              <m:e>
+                                <m:r>
+                                  <a:rPr kumimoji="1" lang="en-US" altLang="ja-JP" b="0" i="1" smtClean="0">
+                                    <a:latin typeface="Cambria Math" panose="02040503050406030204" pitchFamily="18" charset="0"/>
+                                  </a:rPr>
+                                  <m:t>𝑑</m:t>
+                                </m:r>
+                              </m:e>
+                              <m:sup>
+                                <m:r>
+                                  <a:rPr kumimoji="1" lang="en-US" altLang="ja-JP" b="0" i="1" smtClean="0">
+                                    <a:latin typeface="Cambria Math" panose="02040503050406030204" pitchFamily="18" charset="0"/>
+                                  </a:rPr>
+                                  <m:t>2</m:t>
+                                </m:r>
+                              </m:sup>
+                            </m:sSup>
+                            <m:r>
+                              <a:rPr kumimoji="1" lang="en-US" altLang="ja-JP" b="0" i="1" smtClean="0">
+                                <a:latin typeface="Cambria Math" panose="02040503050406030204" pitchFamily="18" charset="0"/>
+                              </a:rPr>
+                              <m:t>𝑧</m:t>
+                            </m:r>
+                          </m:num>
+                          <m:den>
+                            <m:sSup>
+                              <m:sSupPr>
+                                <m:ctrlPr>
+                                  <a:rPr kumimoji="1" lang="en-US" altLang="ja-JP" b="0" i="1" smtClean="0">
+                                    <a:latin typeface="Cambria Math" panose="02040503050406030204" pitchFamily="18" charset="0"/>
+                                  </a:rPr>
+                                </m:ctrlPr>
+                              </m:sSupPr>
+                              <m:e>
+                                <m:r>
+                                  <a:rPr kumimoji="1" lang="en-US" altLang="ja-JP" b="0" i="1" smtClean="0">
+                                    <a:latin typeface="Cambria Math" panose="02040503050406030204" pitchFamily="18" charset="0"/>
+                                  </a:rPr>
+                                  <m:t>𝑑𝑡</m:t>
+                                </m:r>
+                              </m:e>
+                              <m:sup>
+                                <m:r>
+                                  <a:rPr kumimoji="1" lang="en-US" altLang="ja-JP" b="0" i="1" smtClean="0">
+                                    <a:latin typeface="Cambria Math" panose="02040503050406030204" pitchFamily="18" charset="0"/>
+                                  </a:rPr>
+                                  <m:t>2</m:t>
+                                </m:r>
+                              </m:sup>
+                            </m:sSup>
+                          </m:den>
+                        </m:f>
+                        <m:r>
+                          <a:rPr kumimoji="1" lang="en-US" altLang="ja-JP" b="0" i="1" smtClean="0">
+                            <a:latin typeface="Cambria Math" panose="02040503050406030204" pitchFamily="18" charset="0"/>
+                          </a:rPr>
+                          <m:t>= </m:t>
+                        </m:r>
+                        <m:f>
+                          <m:fPr>
+                            <m:ctrlPr>
+                              <a:rPr kumimoji="1" lang="en-US" altLang="ja-JP" b="0" i="1" smtClean="0">
+                                <a:latin typeface="Cambria Math" panose="02040503050406030204" pitchFamily="18" charset="0"/>
+                              </a:rPr>
+                            </m:ctrlPr>
+                          </m:fPr>
+                          <m:num>
+                            <m:r>
+                              <a:rPr kumimoji="1" lang="en-US" altLang="ja-JP" b="0" i="1" smtClean="0">
+                                <a:latin typeface="Cambria Math" panose="02040503050406030204" pitchFamily="18" charset="0"/>
+                              </a:rPr>
+                              <m:t>𝑞𝐸</m:t>
+                            </m:r>
+                          </m:num>
+                          <m:den>
+                            <m:r>
+                              <a:rPr kumimoji="1" lang="en-US" altLang="ja-JP" b="0" i="1" smtClean="0">
+                                <a:latin typeface="Cambria Math" panose="02040503050406030204" pitchFamily="18" charset="0"/>
+                              </a:rPr>
+                              <m:t>𝑚</m:t>
+                            </m:r>
+                          </m:den>
+                        </m:f>
+                      </m:oMath>
+                    </m:oMathPara>
+                  </a14:m>
+                  <a:endParaRPr kumimoji="1" lang="ja-JP" altLang="en-US" dirty="0"/>
+                </a:p>
+              </p:txBody>
+            </p:sp>
+          </mc:Choice>
+          <mc:Fallback>
+            <p:sp>
+              <p:nvSpPr>
+                <p:cNvPr id="44" name="テキスト ボックス 43">
+                  <a:extLst>
+                    <a:ext uri="{FF2B5EF4-FFF2-40B4-BE49-F238E27FC236}">
+                      <a16:creationId xmlns:a16="http://schemas.microsoft.com/office/drawing/2014/main" id="{8EEA6AEC-524E-477F-AAD5-6163E0FF25D8}"/>
+                    </a:ext>
+                  </a:extLst>
+                </p:cNvPr>
+                <p:cNvSpPr txBox="1">
+                  <a:spLocks noRot="1" noChangeAspect="1" noMove="1" noResize="1" noEditPoints="1" noAdjustHandles="1" noChangeArrowheads="1" noChangeShapeType="1" noTextEdit="1"/>
+                </p:cNvSpPr>
+                <p:nvPr/>
+              </p:nvSpPr>
+              <p:spPr>
+                <a:xfrm>
+                  <a:off x="588314" y="2550383"/>
+                  <a:ext cx="1074846" cy="555793"/>
+                </a:xfrm>
+                <a:prstGeom prst="rect">
+                  <a:avLst/>
+                </a:prstGeom>
+                <a:blipFill>
+                  <a:blip r:embed="rId4"/>
+                  <a:stretch>
+                    <a:fillRect/>
+                  </a:stretch>
+                </a:blipFill>
+              </p:spPr>
+              <p:txBody>
+                <a:bodyPr/>
+                <a:lstStyle/>
+                <a:p>
+                  <a:r>
+                    <a:rPr lang="ja-JP" altLang="en-US">
+                      <a:noFill/>
+                    </a:rPr>
+                    <a:t> </a:t>
+                  </a:r>
+                </a:p>
+              </p:txBody>
+            </p:sp>
+          </mc:Fallback>
+        </mc:AlternateContent>
+        <mc:AlternateContent xmlns:mc="http://schemas.openxmlformats.org/markup-compatibility/2006">
+          <mc:Choice xmlns:a14="http://schemas.microsoft.com/office/drawing/2010/main" Requires="a14">
+            <p:sp>
+              <p:nvSpPr>
+                <p:cNvPr id="47" name="テキスト ボックス 46">
+                  <a:extLst>
+                    <a:ext uri="{FF2B5EF4-FFF2-40B4-BE49-F238E27FC236}">
+                      <a16:creationId xmlns:a16="http://schemas.microsoft.com/office/drawing/2014/main" id="{7091398D-5395-4BBD-A271-662A8F5AEAB3}"/>
+                    </a:ext>
+                  </a:extLst>
+                </p:cNvPr>
+                <p:cNvSpPr txBox="1"/>
+                <p:nvPr/>
+              </p:nvSpPr>
+              <p:spPr>
+                <a:xfrm>
+                  <a:off x="3166305" y="6251007"/>
+                  <a:ext cx="1554335" cy="276999"/>
+                </a:xfrm>
+                <a:prstGeom prst="rect">
+                  <a:avLst/>
+                </a:prstGeom>
+                <a:noFill/>
+              </p:spPr>
+              <p:txBody>
+                <a:bodyPr wrap="none" lIns="0" tIns="0" rIns="0" bIns="0" rtlCol="0">
+                  <a:spAutoFit/>
+                </a:bodyPr>
+                <a:lstStyle/>
+                <a:p>
+                  <a:pPr/>
+                  <a14:m>
+                    <m:oMathPara xmlns:m="http://schemas.openxmlformats.org/officeDocument/2006/math">
+                      <m:oMathParaPr>
+                        <m:jc m:val="centerGroup"/>
+                      </m:oMathParaPr>
+                      <m:oMath xmlns:m="http://schemas.openxmlformats.org/officeDocument/2006/math">
+                        <m:sSub>
+                          <m:sSubPr>
+                            <m:ctrlPr>
+                              <a:rPr kumimoji="1" lang="en-US" altLang="ja-JP" i="1" smtClean="0">
+                                <a:latin typeface="Cambria Math" panose="02040503050406030204" pitchFamily="18" charset="0"/>
+                              </a:rPr>
+                            </m:ctrlPr>
+                          </m:sSubPr>
+                          <m:e>
+                            <m:r>
+                              <m:rPr>
+                                <m:sty m:val="p"/>
+                              </m:rPr>
+                              <a:rPr kumimoji="1" lang="en-US" altLang="ja-JP" b="0" i="0" smtClean="0">
+                                <a:latin typeface="Cambria Math" panose="02040503050406030204" pitchFamily="18" charset="0"/>
+                              </a:rPr>
+                              <m:t>z</m:t>
+                            </m:r>
+                          </m:e>
+                          <m:sub>
+                            <m:r>
+                              <a:rPr kumimoji="1" lang="en-US" altLang="ja-JP" b="0" i="0" smtClean="0">
+                                <a:latin typeface="Cambria Math" panose="02040503050406030204" pitchFamily="18" charset="0"/>
+                              </a:rPr>
+                              <m:t>1</m:t>
+                            </m:r>
+                          </m:sub>
+                        </m:sSub>
+                        <m:r>
+                          <a:rPr kumimoji="1" lang="en-US" altLang="ja-JP" b="0" i="0" smtClean="0">
+                            <a:latin typeface="Cambria Math" panose="02040503050406030204" pitchFamily="18" charset="0"/>
+                          </a:rPr>
+                          <m:t>=200 [</m:t>
+                        </m:r>
+                        <m:r>
+                          <m:rPr>
+                            <m:sty m:val="p"/>
+                          </m:rPr>
+                          <a:rPr kumimoji="1" lang="en-US" altLang="ja-JP" b="0" i="0" smtClean="0">
+                            <a:latin typeface="Cambria Math" panose="02040503050406030204" pitchFamily="18" charset="0"/>
+                          </a:rPr>
+                          <m:t>mm</m:t>
+                        </m:r>
+                        <m:r>
+                          <a:rPr kumimoji="1" lang="en-US" altLang="ja-JP" b="0" i="0" smtClean="0">
+                            <a:latin typeface="Cambria Math" panose="02040503050406030204" pitchFamily="18" charset="0"/>
+                          </a:rPr>
+                          <m:t>]</m:t>
+                        </m:r>
+                      </m:oMath>
+                    </m:oMathPara>
+                  </a14:m>
+                  <a:endParaRPr kumimoji="1" lang="ja-JP" altLang="en-US" dirty="0"/>
+                </a:p>
+              </p:txBody>
+            </p:sp>
+          </mc:Choice>
+          <mc:Fallback>
+            <p:sp>
+              <p:nvSpPr>
+                <p:cNvPr id="47" name="テキスト ボックス 46">
+                  <a:extLst>
+                    <a:ext uri="{FF2B5EF4-FFF2-40B4-BE49-F238E27FC236}">
+                      <a16:creationId xmlns:a16="http://schemas.microsoft.com/office/drawing/2014/main" id="{7091398D-5395-4BBD-A271-662A8F5AEAB3}"/>
+                    </a:ext>
+                  </a:extLst>
+                </p:cNvPr>
+                <p:cNvSpPr txBox="1">
+                  <a:spLocks noRot="1" noChangeAspect="1" noMove="1" noResize="1" noEditPoints="1" noAdjustHandles="1" noChangeArrowheads="1" noChangeShapeType="1" noTextEdit="1"/>
+                </p:cNvSpPr>
+                <p:nvPr/>
+              </p:nvSpPr>
+              <p:spPr>
+                <a:xfrm>
+                  <a:off x="3166305" y="6251007"/>
+                  <a:ext cx="1554335" cy="276999"/>
+                </a:xfrm>
+                <a:prstGeom prst="rect">
+                  <a:avLst/>
+                </a:prstGeom>
+                <a:blipFill>
+                  <a:blip r:embed="rId5"/>
+                  <a:stretch>
+                    <a:fillRect l="-1176" t="-2174" r="-4706" b="-36957"/>
+                  </a:stretch>
+                </a:blipFill>
+              </p:spPr>
+              <p:txBody>
+                <a:bodyPr/>
+                <a:lstStyle/>
+                <a:p>
+                  <a:r>
+                    <a:rPr lang="ja-JP" altLang="en-US">
+                      <a:noFill/>
+                    </a:rPr>
+                    <a:t> </a:t>
+                  </a:r>
+                </a:p>
+              </p:txBody>
+            </p:sp>
+          </mc:Fallback>
+        </mc:AlternateContent>
+        <p:sp>
+          <p:nvSpPr>
+            <p:cNvPr id="54" name="テキスト ボックス 53">
+              <a:extLst>
+                <a:ext uri="{FF2B5EF4-FFF2-40B4-BE49-F238E27FC236}">
+                  <a16:creationId xmlns:a16="http://schemas.microsoft.com/office/drawing/2014/main" id="{1FDF6B1D-F53C-47FD-9BF4-1F524CA6FE84}"/>
+                </a:ext>
+              </a:extLst>
+            </p:cNvPr>
+            <p:cNvSpPr txBox="1"/>
+            <p:nvPr/>
+          </p:nvSpPr>
+          <p:spPr>
+            <a:xfrm>
+              <a:off x="1884586" y="2718355"/>
+              <a:ext cx="1126268" cy="369332"/>
+            </a:xfrm>
+            <a:prstGeom prst="rect">
+              <a:avLst/>
+            </a:prstGeom>
+            <a:noFill/>
+          </p:spPr>
+          <p:txBody>
+            <a:bodyPr wrap="square" rtlCol="0">
+              <a:spAutoFit/>
+            </a:bodyPr>
+            <a:lstStyle/>
+            <a:p>
+              <a:r>
+                <a:rPr kumimoji="1" lang="ja-JP" altLang="en-US" dirty="0"/>
+                <a:t>のとき、</a:t>
+              </a:r>
+            </a:p>
+          </p:txBody>
+        </p:sp>
+      </p:grpSp>
       <p:sp>
         <p:nvSpPr>
           <p:cNvPr id="60" name="タイトル 1">
@@ -28507,7 +27364,7 @@
         </p:nvSpPr>
         <p:spPr>
           <a:xfrm>
-            <a:off x="1564640" y="1128233"/>
+            <a:off x="539274" y="1012574"/>
             <a:ext cx="2692400" cy="369332"/>
           </a:xfrm>
           <a:prstGeom prst="rect">
@@ -28542,7 +27399,7 @@
         </p:nvSpPr>
         <p:spPr>
           <a:xfrm>
-            <a:off x="8096839" y="1387039"/>
+            <a:off x="5926435" y="1012114"/>
             <a:ext cx="2692400" cy="369332"/>
           </a:xfrm>
           <a:prstGeom prst="rect">
@@ -28563,47 +27420,1253 @@
           </a:p>
         </p:txBody>
       </p:sp>
-      <p:cxnSp>
-        <p:nvCxnSpPr>
-          <p:cNvPr id="41" name="直線矢印コネクタ 40">
+      <p:grpSp>
+        <p:nvGrpSpPr>
+          <p:cNvPr id="6" name="グループ化 5">
             <a:extLst>
               <a:ext uri="{FF2B5EF4-FFF2-40B4-BE49-F238E27FC236}">
-                <a16:creationId xmlns:a16="http://schemas.microsoft.com/office/drawing/2014/main" id="{E1C94CA0-72B9-4CE2-A4C8-B85644FD0062}"/>
+                <a16:creationId xmlns:a16="http://schemas.microsoft.com/office/drawing/2014/main" id="{1A1B651D-DB51-4059-B39D-7D9C211DB228}"/>
               </a:ext>
             </a:extLst>
           </p:cNvPr>
-          <p:cNvCxnSpPr>
-            <a:cxnSpLocks/>
-          </p:cNvCxnSpPr>
+          <p:cNvGrpSpPr/>
           <p:nvPr/>
-        </p:nvCxnSpPr>
-        <p:spPr>
+        </p:nvGrpSpPr>
+        <p:grpSpPr>
           <a:xfrm>
-            <a:off x="8972269" y="3073955"/>
-            <a:ext cx="646555" cy="0"/>
+            <a:off x="6196837" y="1527553"/>
+            <a:ext cx="5178029" cy="4526094"/>
+            <a:chOff x="6652821" y="1830811"/>
+            <a:chExt cx="5178029" cy="4526094"/>
           </a:xfrm>
-          <a:prstGeom prst="straightConnector1">
-            <a:avLst/>
-          </a:prstGeom>
-          <a:ln w="12700">
-            <a:tailEnd type="triangle"/>
-          </a:ln>
-        </p:spPr>
-        <p:style>
-          <a:lnRef idx="1">
-            <a:schemeClr val="accent1"/>
-          </a:lnRef>
-          <a:fillRef idx="0">
-            <a:schemeClr val="accent1"/>
-          </a:fillRef>
-          <a:effectRef idx="0">
-            <a:schemeClr val="accent1"/>
-          </a:effectRef>
-          <a:fontRef idx="minor">
-            <a:schemeClr val="tx1"/>
-          </a:fontRef>
-        </p:style>
-      </p:cxnSp>
+        </p:grpSpPr>
+        <mc:AlternateContent xmlns:mc="http://schemas.openxmlformats.org/markup-compatibility/2006">
+          <mc:Choice xmlns:a14="http://schemas.microsoft.com/office/drawing/2010/main" Requires="a14">
+            <p:sp>
+              <p:nvSpPr>
+                <p:cNvPr id="46" name="テキスト ボックス 45">
+                  <a:extLst>
+                    <a:ext uri="{FF2B5EF4-FFF2-40B4-BE49-F238E27FC236}">
+                      <a16:creationId xmlns:a16="http://schemas.microsoft.com/office/drawing/2014/main" id="{747BB94C-F837-4557-8815-0FDEA84EEC7B}"/>
+                    </a:ext>
+                  </a:extLst>
+                </p:cNvPr>
+                <p:cNvSpPr txBox="1"/>
+                <p:nvPr/>
+              </p:nvSpPr>
+              <p:spPr>
+                <a:xfrm>
+                  <a:off x="6922655" y="1830811"/>
+                  <a:ext cx="1598194" cy="555793"/>
+                </a:xfrm>
+                <a:prstGeom prst="rect">
+                  <a:avLst/>
+                </a:prstGeom>
+                <a:noFill/>
+              </p:spPr>
+              <p:txBody>
+                <a:bodyPr wrap="none" lIns="0" tIns="0" rIns="0" bIns="0" rtlCol="0">
+                  <a:spAutoFit/>
+                </a:bodyPr>
+                <a:lstStyle/>
+                <a:p>
+                  <a:pPr/>
+                  <a14:m>
+                    <m:oMathPara xmlns:m="http://schemas.openxmlformats.org/officeDocument/2006/math">
+                      <m:oMathParaPr>
+                        <m:jc m:val="centerGroup"/>
+                      </m:oMathParaPr>
+                      <m:oMath xmlns:m="http://schemas.openxmlformats.org/officeDocument/2006/math">
+                        <m:f>
+                          <m:fPr>
+                            <m:ctrlPr>
+                              <a:rPr kumimoji="1" lang="en-US" altLang="ja-JP" b="0" i="1" smtClean="0">
+                                <a:latin typeface="Cambria Math" panose="02040503050406030204" pitchFamily="18" charset="0"/>
+                              </a:rPr>
+                            </m:ctrlPr>
+                          </m:fPr>
+                          <m:num>
+                            <m:sSup>
+                              <m:sSupPr>
+                                <m:ctrlPr>
+                                  <a:rPr kumimoji="1" lang="en-US" altLang="ja-JP" b="0" i="1" smtClean="0">
+                                    <a:latin typeface="Cambria Math" panose="02040503050406030204" pitchFamily="18" charset="0"/>
+                                  </a:rPr>
+                                </m:ctrlPr>
+                              </m:sSupPr>
+                              <m:e>
+                                <m:r>
+                                  <a:rPr kumimoji="1" lang="en-US" altLang="ja-JP" b="0" i="1" smtClean="0">
+                                    <a:latin typeface="Cambria Math" panose="02040503050406030204" pitchFamily="18" charset="0"/>
+                                  </a:rPr>
+                                  <m:t>𝑑</m:t>
+                                </m:r>
+                              </m:e>
+                              <m:sup>
+                                <m:r>
+                                  <a:rPr kumimoji="1" lang="en-US" altLang="ja-JP" b="0" i="1" smtClean="0">
+                                    <a:latin typeface="Cambria Math" panose="02040503050406030204" pitchFamily="18" charset="0"/>
+                                  </a:rPr>
+                                  <m:t>2</m:t>
+                                </m:r>
+                              </m:sup>
+                            </m:sSup>
+                            <m:r>
+                              <a:rPr kumimoji="1" lang="en-US" altLang="ja-JP" b="1" i="1" smtClean="0">
+                                <a:latin typeface="Cambria Math" panose="02040503050406030204" pitchFamily="18" charset="0"/>
+                              </a:rPr>
+                              <m:t>𝒓</m:t>
+                            </m:r>
+                          </m:num>
+                          <m:den>
+                            <m:sSup>
+                              <m:sSupPr>
+                                <m:ctrlPr>
+                                  <a:rPr kumimoji="1" lang="en-US" altLang="ja-JP" b="0" i="1" smtClean="0">
+                                    <a:latin typeface="Cambria Math" panose="02040503050406030204" pitchFamily="18" charset="0"/>
+                                  </a:rPr>
+                                </m:ctrlPr>
+                              </m:sSupPr>
+                              <m:e>
+                                <m:r>
+                                  <a:rPr kumimoji="1" lang="en-US" altLang="ja-JP" b="0" i="1" smtClean="0">
+                                    <a:latin typeface="Cambria Math" panose="02040503050406030204" pitchFamily="18" charset="0"/>
+                                  </a:rPr>
+                                  <m:t>𝑑𝑡</m:t>
+                                </m:r>
+                              </m:e>
+                              <m:sup>
+                                <m:r>
+                                  <a:rPr kumimoji="1" lang="en-US" altLang="ja-JP" b="0" i="1" smtClean="0">
+                                    <a:latin typeface="Cambria Math" panose="02040503050406030204" pitchFamily="18" charset="0"/>
+                                  </a:rPr>
+                                  <m:t>2</m:t>
+                                </m:r>
+                              </m:sup>
+                            </m:sSup>
+                          </m:den>
+                        </m:f>
+                        <m:r>
+                          <a:rPr kumimoji="1" lang="en-US" altLang="ja-JP" b="0" i="1" smtClean="0">
+                            <a:latin typeface="Cambria Math" panose="02040503050406030204" pitchFamily="18" charset="0"/>
+                          </a:rPr>
+                          <m:t>= </m:t>
+                        </m:r>
+                        <m:f>
+                          <m:fPr>
+                            <m:ctrlPr>
+                              <a:rPr kumimoji="1" lang="en-US" altLang="ja-JP" b="0" i="1" smtClean="0">
+                                <a:latin typeface="Cambria Math" panose="02040503050406030204" pitchFamily="18" charset="0"/>
+                              </a:rPr>
+                            </m:ctrlPr>
+                          </m:fPr>
+                          <m:num>
+                            <m:r>
+                              <a:rPr kumimoji="1" lang="en-US" altLang="ja-JP" b="0" i="1" smtClean="0">
+                                <a:latin typeface="Cambria Math" panose="02040503050406030204" pitchFamily="18" charset="0"/>
+                              </a:rPr>
+                              <m:t>𝑞</m:t>
+                            </m:r>
+                          </m:num>
+                          <m:den>
+                            <m:r>
+                              <a:rPr kumimoji="1" lang="en-US" altLang="ja-JP" b="0" i="1" smtClean="0">
+                                <a:latin typeface="Cambria Math" panose="02040503050406030204" pitchFamily="18" charset="0"/>
+                              </a:rPr>
+                              <m:t>𝑚</m:t>
+                            </m:r>
+                          </m:den>
+                        </m:f>
+                        <m:r>
+                          <a:rPr kumimoji="1" lang="en-US" altLang="ja-JP" b="1" i="1" smtClean="0">
+                            <a:latin typeface="Cambria Math" panose="02040503050406030204" pitchFamily="18" charset="0"/>
+                          </a:rPr>
+                          <m:t>𝒗</m:t>
+                        </m:r>
+                        <m:r>
+                          <a:rPr kumimoji="1" lang="en-US" altLang="ja-JP" b="0" i="1" smtClean="0">
+                            <a:latin typeface="Cambria Math" panose="02040503050406030204" pitchFamily="18" charset="0"/>
+                            <a:ea typeface="Cambria Math" panose="02040503050406030204" pitchFamily="18" charset="0"/>
+                          </a:rPr>
+                          <m:t>×</m:t>
+                        </m:r>
+                        <m:r>
+                          <a:rPr kumimoji="1" lang="en-US" altLang="ja-JP" b="1" i="1" smtClean="0">
+                            <a:latin typeface="Cambria Math" panose="02040503050406030204" pitchFamily="18" charset="0"/>
+                            <a:ea typeface="Cambria Math" panose="02040503050406030204" pitchFamily="18" charset="0"/>
+                          </a:rPr>
+                          <m:t>𝑩</m:t>
+                        </m:r>
+                      </m:oMath>
+                    </m:oMathPara>
+                  </a14:m>
+                  <a:endParaRPr kumimoji="1" lang="ja-JP" altLang="en-US" b="1" dirty="0"/>
+                </a:p>
+              </p:txBody>
+            </p:sp>
+          </mc:Choice>
+          <mc:Fallback>
+            <p:sp>
+              <p:nvSpPr>
+                <p:cNvPr id="46" name="テキスト ボックス 45">
+                  <a:extLst>
+                    <a:ext uri="{FF2B5EF4-FFF2-40B4-BE49-F238E27FC236}">
+                      <a16:creationId xmlns:a16="http://schemas.microsoft.com/office/drawing/2014/main" id="{747BB94C-F837-4557-8815-0FDEA84EEC7B}"/>
+                    </a:ext>
+                  </a:extLst>
+                </p:cNvPr>
+                <p:cNvSpPr txBox="1">
+                  <a:spLocks noRot="1" noChangeAspect="1" noMove="1" noResize="1" noEditPoints="1" noAdjustHandles="1" noChangeArrowheads="1" noChangeShapeType="1" noTextEdit="1"/>
+                </p:cNvSpPr>
+                <p:nvPr/>
+              </p:nvSpPr>
+              <p:spPr>
+                <a:xfrm>
+                  <a:off x="6922655" y="1830811"/>
+                  <a:ext cx="1598194" cy="555793"/>
+                </a:xfrm>
+                <a:prstGeom prst="rect">
+                  <a:avLst/>
+                </a:prstGeom>
+                <a:blipFill>
+                  <a:blip r:embed="rId6"/>
+                  <a:stretch>
+                    <a:fillRect/>
+                  </a:stretch>
+                </a:blipFill>
+              </p:spPr>
+              <p:txBody>
+                <a:bodyPr/>
+                <a:lstStyle/>
+                <a:p>
+                  <a:r>
+                    <a:rPr lang="ja-JP" altLang="en-US">
+                      <a:noFill/>
+                    </a:rPr>
+                    <a:t> </a:t>
+                  </a:r>
+                </a:p>
+              </p:txBody>
+            </p:sp>
+          </mc:Fallback>
+        </mc:AlternateContent>
+        <mc:AlternateContent xmlns:mc="http://schemas.openxmlformats.org/markup-compatibility/2006">
+          <mc:Choice xmlns:a14="http://schemas.microsoft.com/office/drawing/2010/main" Requires="a14">
+            <p:sp>
+              <p:nvSpPr>
+                <p:cNvPr id="49" name="テキスト ボックス 48">
+                  <a:extLst>
+                    <a:ext uri="{FF2B5EF4-FFF2-40B4-BE49-F238E27FC236}">
+                      <a16:creationId xmlns:a16="http://schemas.microsoft.com/office/drawing/2014/main" id="{A2C0D51A-13B8-4999-B148-02BE50F4E563}"/>
+                    </a:ext>
+                  </a:extLst>
+                </p:cNvPr>
+                <p:cNvSpPr txBox="1"/>
+                <p:nvPr/>
+              </p:nvSpPr>
+              <p:spPr>
+                <a:xfrm>
+                  <a:off x="10001703" y="1905203"/>
+                  <a:ext cx="969881" cy="521489"/>
+                </a:xfrm>
+                <a:prstGeom prst="rect">
+                  <a:avLst/>
+                </a:prstGeom>
+                <a:noFill/>
+              </p:spPr>
+              <p:txBody>
+                <a:bodyPr wrap="none" lIns="0" tIns="0" rIns="0" bIns="0" rtlCol="0">
+                  <a:spAutoFit/>
+                </a:bodyPr>
+                <a:lstStyle/>
+                <a:p>
+                  <a:pPr/>
+                  <a14:m>
+                    <m:oMathPara xmlns:m="http://schemas.openxmlformats.org/officeDocument/2006/math">
+                      <m:oMathParaPr>
+                        <m:jc m:val="centerGroup"/>
+                      </m:oMathParaPr>
+                      <m:oMath xmlns:m="http://schemas.openxmlformats.org/officeDocument/2006/math">
+                        <m:r>
+                          <a:rPr lang="en-US" altLang="ja-JP" b="0" i="1" smtClean="0">
+                            <a:latin typeface="Cambria Math" panose="02040503050406030204" pitchFamily="18" charset="0"/>
+                          </a:rPr>
+                          <m:t>𝑟</m:t>
+                        </m:r>
+                        <m:r>
+                          <a:rPr lang="en-US" altLang="ja-JP" b="0" i="1" smtClean="0">
+                            <a:latin typeface="Cambria Math" panose="02040503050406030204" pitchFamily="18" charset="0"/>
+                          </a:rPr>
+                          <m:t> =</m:t>
+                        </m:r>
+                        <m:f>
+                          <m:fPr>
+                            <m:ctrlPr>
+                              <a:rPr kumimoji="1" lang="en-US" altLang="ja-JP" b="0" i="1" smtClean="0">
+                                <a:latin typeface="Cambria Math" panose="02040503050406030204" pitchFamily="18" charset="0"/>
+                              </a:rPr>
+                            </m:ctrlPr>
+                          </m:fPr>
+                          <m:num>
+                            <m:r>
+                              <a:rPr kumimoji="1" lang="en-US" altLang="ja-JP" b="0" i="1" smtClean="0">
+                                <a:latin typeface="Cambria Math" panose="02040503050406030204" pitchFamily="18" charset="0"/>
+                              </a:rPr>
+                              <m:t>𝑚</m:t>
+                            </m:r>
+                            <m:sSub>
+                              <m:sSubPr>
+                                <m:ctrlPr>
+                                  <a:rPr kumimoji="1" lang="en-US" altLang="ja-JP" b="0" i="1" smtClean="0">
+                                    <a:latin typeface="Cambria Math" panose="02040503050406030204" pitchFamily="18" charset="0"/>
+                                  </a:rPr>
+                                </m:ctrlPr>
+                              </m:sSubPr>
+                              <m:e>
+                                <m:r>
+                                  <a:rPr kumimoji="1" lang="en-US" altLang="ja-JP" b="0" i="1" smtClean="0">
+                                    <a:latin typeface="Cambria Math" panose="02040503050406030204" pitchFamily="18" charset="0"/>
+                                  </a:rPr>
+                                  <m:t>𝑣</m:t>
+                                </m:r>
+                              </m:e>
+                              <m:sub>
+                                <m:r>
+                                  <a:rPr kumimoji="1" lang="en-US" altLang="ja-JP" b="0" i="1" smtClean="0">
+                                    <a:latin typeface="Cambria Math" panose="02040503050406030204" pitchFamily="18" charset="0"/>
+                                  </a:rPr>
+                                  <m:t>0</m:t>
+                                </m:r>
+                              </m:sub>
+                            </m:sSub>
+                          </m:num>
+                          <m:den>
+                            <m:r>
+                              <a:rPr kumimoji="1" lang="en-US" altLang="ja-JP" b="0" i="1" smtClean="0">
+                                <a:latin typeface="Cambria Math" panose="02040503050406030204" pitchFamily="18" charset="0"/>
+                              </a:rPr>
+                              <m:t>𝑞𝐵</m:t>
+                            </m:r>
+                          </m:den>
+                        </m:f>
+                      </m:oMath>
+                    </m:oMathPara>
+                  </a14:m>
+                  <a:endParaRPr kumimoji="1" lang="ja-JP" altLang="en-US" dirty="0"/>
+                </a:p>
+              </p:txBody>
+            </p:sp>
+          </mc:Choice>
+          <mc:Fallback>
+            <p:sp>
+              <p:nvSpPr>
+                <p:cNvPr id="49" name="テキスト ボックス 48">
+                  <a:extLst>
+                    <a:ext uri="{FF2B5EF4-FFF2-40B4-BE49-F238E27FC236}">
+                      <a16:creationId xmlns:a16="http://schemas.microsoft.com/office/drawing/2014/main" id="{A2C0D51A-13B8-4999-B148-02BE50F4E563}"/>
+                    </a:ext>
+                  </a:extLst>
+                </p:cNvPr>
+                <p:cNvSpPr txBox="1">
+                  <a:spLocks noRot="1" noChangeAspect="1" noMove="1" noResize="1" noEditPoints="1" noAdjustHandles="1" noChangeArrowheads="1" noChangeShapeType="1" noTextEdit="1"/>
+                </p:cNvSpPr>
+                <p:nvPr/>
+              </p:nvSpPr>
+              <p:spPr>
+                <a:xfrm>
+                  <a:off x="10001703" y="1905203"/>
+                  <a:ext cx="969881" cy="521489"/>
+                </a:xfrm>
+                <a:prstGeom prst="rect">
+                  <a:avLst/>
+                </a:prstGeom>
+                <a:blipFill>
+                  <a:blip r:embed="rId7"/>
+                  <a:stretch>
+                    <a:fillRect/>
+                  </a:stretch>
+                </a:blipFill>
+              </p:spPr>
+              <p:txBody>
+                <a:bodyPr/>
+                <a:lstStyle/>
+                <a:p>
+                  <a:r>
+                    <a:rPr lang="ja-JP" altLang="en-US">
+                      <a:noFill/>
+                    </a:rPr>
+                    <a:t> </a:t>
+                  </a:r>
+                </a:p>
+              </p:txBody>
+            </p:sp>
+          </mc:Fallback>
+        </mc:AlternateContent>
+        <p:sp>
+          <p:nvSpPr>
+            <p:cNvPr id="52" name="テキスト ボックス 51">
+              <a:extLst>
+                <a:ext uri="{FF2B5EF4-FFF2-40B4-BE49-F238E27FC236}">
+                  <a16:creationId xmlns:a16="http://schemas.microsoft.com/office/drawing/2014/main" id="{6443A12D-4C85-4F1C-8AED-D2BE9B182B61}"/>
+                </a:ext>
+              </a:extLst>
+            </p:cNvPr>
+            <p:cNvSpPr txBox="1"/>
+            <p:nvPr/>
+          </p:nvSpPr>
+          <p:spPr>
+            <a:xfrm>
+              <a:off x="8774566" y="2008895"/>
+              <a:ext cx="1126268" cy="369332"/>
+            </a:xfrm>
+            <a:prstGeom prst="rect">
+              <a:avLst/>
+            </a:prstGeom>
+            <a:noFill/>
+          </p:spPr>
+          <p:txBody>
+            <a:bodyPr wrap="square" rtlCol="0">
+              <a:spAutoFit/>
+            </a:bodyPr>
+            <a:lstStyle/>
+            <a:p>
+              <a:r>
+                <a:rPr kumimoji="1" lang="ja-JP" altLang="en-US" dirty="0"/>
+                <a:t>のとき、</a:t>
+              </a:r>
+            </a:p>
+          </p:txBody>
+        </p:sp>
+        <p:grpSp>
+          <p:nvGrpSpPr>
+            <p:cNvPr id="2" name="グループ化 1">
+              <a:extLst>
+                <a:ext uri="{FF2B5EF4-FFF2-40B4-BE49-F238E27FC236}">
+                  <a16:creationId xmlns:a16="http://schemas.microsoft.com/office/drawing/2014/main" id="{49A26259-5CE5-42BD-9D02-E38DC7F77A20}"/>
+                </a:ext>
+              </a:extLst>
+            </p:cNvPr>
+            <p:cNvGrpSpPr/>
+            <p:nvPr/>
+          </p:nvGrpSpPr>
+          <p:grpSpPr>
+            <a:xfrm>
+              <a:off x="6652821" y="2592288"/>
+              <a:ext cx="5178029" cy="3764617"/>
+              <a:chOff x="6576218" y="2843586"/>
+              <a:chExt cx="5178029" cy="3764617"/>
+            </a:xfrm>
+          </p:grpSpPr>
+          <p:sp>
+            <p:nvSpPr>
+              <p:cNvPr id="18" name="楕円 17">
+                <a:extLst>
+                  <a:ext uri="{FF2B5EF4-FFF2-40B4-BE49-F238E27FC236}">
+                    <a16:creationId xmlns:a16="http://schemas.microsoft.com/office/drawing/2014/main" id="{C503ECD4-AAD2-4E8B-884F-530BC47A9EBD}"/>
+                  </a:ext>
+                </a:extLst>
+              </p:cNvPr>
+              <p:cNvSpPr/>
+              <p:nvPr/>
+            </p:nvSpPr>
+            <p:spPr>
+              <a:xfrm>
+                <a:off x="9120093" y="3200304"/>
+                <a:ext cx="352400" cy="390521"/>
+              </a:xfrm>
+              <a:prstGeom prst="ellipse">
+                <a:avLst/>
+              </a:prstGeom>
+            </p:spPr>
+            <p:style>
+              <a:lnRef idx="2">
+                <a:schemeClr val="accent1">
+                  <a:shade val="50000"/>
+                </a:schemeClr>
+              </a:lnRef>
+              <a:fillRef idx="1">
+                <a:schemeClr val="accent1"/>
+              </a:fillRef>
+              <a:effectRef idx="0">
+                <a:schemeClr val="accent1"/>
+              </a:effectRef>
+              <a:fontRef idx="minor">
+                <a:schemeClr val="lt1"/>
+              </a:fontRef>
+            </p:style>
+            <p:txBody>
+              <a:bodyPr rtlCol="0" anchor="ctr"/>
+              <a:lstStyle/>
+              <a:p>
+                <a:pPr algn="ctr"/>
+                <a:endParaRPr kumimoji="1" lang="ja-JP" altLang="en-US" dirty="0"/>
+              </a:p>
+            </p:txBody>
+          </p:sp>
+          <p:sp>
+            <p:nvSpPr>
+              <p:cNvPr id="4" name="楕円 3">
+                <a:extLst>
+                  <a:ext uri="{FF2B5EF4-FFF2-40B4-BE49-F238E27FC236}">
+                    <a16:creationId xmlns:a16="http://schemas.microsoft.com/office/drawing/2014/main" id="{706F47F2-EEAF-46AA-AD49-C0125EB729C8}"/>
+                  </a:ext>
+                </a:extLst>
+              </p:cNvPr>
+              <p:cNvSpPr/>
+              <p:nvPr/>
+            </p:nvSpPr>
+            <p:spPr>
+              <a:xfrm>
+                <a:off x="7218129" y="3525579"/>
+                <a:ext cx="294099" cy="361553"/>
+              </a:xfrm>
+              <a:prstGeom prst="ellipse">
+                <a:avLst/>
+              </a:prstGeom>
+            </p:spPr>
+            <p:style>
+              <a:lnRef idx="2">
+                <a:schemeClr val="dk1"/>
+              </a:lnRef>
+              <a:fillRef idx="1">
+                <a:schemeClr val="lt1"/>
+              </a:fillRef>
+              <a:effectRef idx="0">
+                <a:schemeClr val="dk1"/>
+              </a:effectRef>
+              <a:fontRef idx="minor">
+                <a:schemeClr val="dk1"/>
+              </a:fontRef>
+            </p:style>
+            <p:txBody>
+              <a:bodyPr rtlCol="0" anchor="ctr"/>
+              <a:lstStyle/>
+              <a:p>
+                <a:pPr algn="ctr"/>
+                <a:r>
+                  <a:rPr kumimoji="1" lang="ja-JP" altLang="en-US" sz="1200" dirty="0">
+                    <a:ln>
+                      <a:solidFill>
+                        <a:schemeClr val="tx1"/>
+                      </a:solidFill>
+                    </a:ln>
+                  </a:rPr>
+                  <a:t>・</a:t>
+                </a:r>
+              </a:p>
+            </p:txBody>
+          </p:sp>
+          <p:sp>
+            <p:nvSpPr>
+              <p:cNvPr id="7" name="テキスト ボックス 6">
+                <a:extLst>
+                  <a:ext uri="{FF2B5EF4-FFF2-40B4-BE49-F238E27FC236}">
+                    <a16:creationId xmlns:a16="http://schemas.microsoft.com/office/drawing/2014/main" id="{6F9F9978-CBA1-4B78-BEF5-D2500B6F4A27}"/>
+                  </a:ext>
+                </a:extLst>
+              </p:cNvPr>
+              <p:cNvSpPr txBox="1"/>
+              <p:nvPr/>
+            </p:nvSpPr>
+            <p:spPr>
+              <a:xfrm>
+                <a:off x="7414200" y="3248043"/>
+                <a:ext cx="475632" cy="369332"/>
+              </a:xfrm>
+              <a:prstGeom prst="rect">
+                <a:avLst/>
+              </a:prstGeom>
+              <a:noFill/>
+            </p:spPr>
+            <p:txBody>
+              <a:bodyPr wrap="square" rtlCol="0">
+                <a:spAutoFit/>
+              </a:bodyPr>
+              <a:lstStyle/>
+              <a:p>
+                <a:r>
+                  <a:rPr kumimoji="1" lang="en-US" altLang="ja-JP" dirty="0"/>
+                  <a:t>B</a:t>
+                </a:r>
+              </a:p>
+            </p:txBody>
+          </p:sp>
+          <p:cxnSp>
+            <p:nvCxnSpPr>
+              <p:cNvPr id="20" name="直線矢印コネクタ 19">
+                <a:extLst>
+                  <a:ext uri="{FF2B5EF4-FFF2-40B4-BE49-F238E27FC236}">
+                    <a16:creationId xmlns:a16="http://schemas.microsoft.com/office/drawing/2014/main" id="{846457B3-EED0-4335-8DE0-51591235F115}"/>
+                  </a:ext>
+                </a:extLst>
+              </p:cNvPr>
+              <p:cNvCxnSpPr/>
+              <p:nvPr/>
+            </p:nvCxnSpPr>
+            <p:spPr>
+              <a:xfrm>
+                <a:off x="6885047" y="6423537"/>
+                <a:ext cx="4105275" cy="0"/>
+              </a:xfrm>
+              <a:prstGeom prst="straightConnector1">
+                <a:avLst/>
+              </a:prstGeom>
+              <a:ln w="38100">
+                <a:solidFill>
+                  <a:schemeClr val="tx1"/>
+                </a:solidFill>
+                <a:tailEnd type="triangle"/>
+              </a:ln>
+            </p:spPr>
+            <p:style>
+              <a:lnRef idx="1">
+                <a:schemeClr val="accent1"/>
+              </a:lnRef>
+              <a:fillRef idx="0">
+                <a:schemeClr val="accent1"/>
+              </a:fillRef>
+              <a:effectRef idx="0">
+                <a:schemeClr val="accent1"/>
+              </a:effectRef>
+              <a:fontRef idx="minor">
+                <a:schemeClr val="tx1"/>
+              </a:fontRef>
+            </p:style>
+          </p:cxnSp>
+          <p:cxnSp>
+            <p:nvCxnSpPr>
+              <p:cNvPr id="23" name="直線矢印コネクタ 22">
+                <a:extLst>
+                  <a:ext uri="{FF2B5EF4-FFF2-40B4-BE49-F238E27FC236}">
+                    <a16:creationId xmlns:a16="http://schemas.microsoft.com/office/drawing/2014/main" id="{E8655704-B04E-44B7-A5E2-92364BFE203C}"/>
+                  </a:ext>
+                </a:extLst>
+              </p:cNvPr>
+              <p:cNvCxnSpPr>
+                <a:cxnSpLocks/>
+              </p:cNvCxnSpPr>
+              <p:nvPr/>
+            </p:nvCxnSpPr>
+            <p:spPr>
+              <a:xfrm flipV="1">
+                <a:off x="6885047" y="3123959"/>
+                <a:ext cx="0" cy="3299578"/>
+              </a:xfrm>
+              <a:prstGeom prst="straightConnector1">
+                <a:avLst/>
+              </a:prstGeom>
+              <a:ln w="38100">
+                <a:solidFill>
+                  <a:schemeClr val="tx1"/>
+                </a:solidFill>
+                <a:tailEnd type="triangle"/>
+              </a:ln>
+            </p:spPr>
+            <p:style>
+              <a:lnRef idx="1">
+                <a:schemeClr val="accent1"/>
+              </a:lnRef>
+              <a:fillRef idx="0">
+                <a:schemeClr val="accent1"/>
+              </a:fillRef>
+              <a:effectRef idx="0">
+                <a:schemeClr val="accent1"/>
+              </a:effectRef>
+              <a:fontRef idx="minor">
+                <a:schemeClr val="tx1"/>
+              </a:fontRef>
+            </p:style>
+          </p:cxnSp>
+          <p:sp>
+            <p:nvSpPr>
+              <p:cNvPr id="9" name="テキスト ボックス 8">
+                <a:extLst>
+                  <a:ext uri="{FF2B5EF4-FFF2-40B4-BE49-F238E27FC236}">
+                    <a16:creationId xmlns:a16="http://schemas.microsoft.com/office/drawing/2014/main" id="{E2BC309D-9573-4A7B-B2F2-BC4300DA241F}"/>
+                  </a:ext>
+                </a:extLst>
+              </p:cNvPr>
+              <p:cNvSpPr txBox="1"/>
+              <p:nvPr/>
+            </p:nvSpPr>
+            <p:spPr>
+              <a:xfrm>
+                <a:off x="11042652" y="6238871"/>
+                <a:ext cx="433631" cy="369332"/>
+              </a:xfrm>
+              <a:prstGeom prst="rect">
+                <a:avLst/>
+              </a:prstGeom>
+              <a:noFill/>
+            </p:spPr>
+            <p:txBody>
+              <a:bodyPr wrap="square" rtlCol="0">
+                <a:spAutoFit/>
+              </a:bodyPr>
+              <a:lstStyle/>
+              <a:p>
+                <a:r>
+                  <a:rPr lang="en-US" altLang="ja-JP" dirty="0"/>
+                  <a:t>x</a:t>
+                </a:r>
+                <a:endParaRPr kumimoji="1" lang="ja-JP" altLang="en-US" dirty="0"/>
+              </a:p>
+            </p:txBody>
+          </p:sp>
+          <p:sp>
+            <p:nvSpPr>
+              <p:cNvPr id="10" name="テキスト ボックス 9">
+                <a:extLst>
+                  <a:ext uri="{FF2B5EF4-FFF2-40B4-BE49-F238E27FC236}">
+                    <a16:creationId xmlns:a16="http://schemas.microsoft.com/office/drawing/2014/main" id="{2D3C0521-D881-4BF8-A548-79434836DFC7}"/>
+                  </a:ext>
+                </a:extLst>
+              </p:cNvPr>
+              <p:cNvSpPr txBox="1"/>
+              <p:nvPr/>
+            </p:nvSpPr>
+            <p:spPr>
+              <a:xfrm>
+                <a:off x="6576218" y="2894949"/>
+                <a:ext cx="486244" cy="369332"/>
+              </a:xfrm>
+              <a:prstGeom prst="rect">
+                <a:avLst/>
+              </a:prstGeom>
+              <a:noFill/>
+            </p:spPr>
+            <p:txBody>
+              <a:bodyPr wrap="square" rtlCol="0">
+                <a:spAutoFit/>
+              </a:bodyPr>
+              <a:lstStyle/>
+              <a:p>
+                <a:r>
+                  <a:rPr lang="en-US" altLang="ja-JP" dirty="0"/>
+                  <a:t>z </a:t>
+                </a:r>
+                <a:endParaRPr kumimoji="1" lang="ja-JP" altLang="en-US" dirty="0"/>
+              </a:p>
+            </p:txBody>
+          </p:sp>
+          <p:sp>
+            <p:nvSpPr>
+              <p:cNvPr id="11" name="楕円 10">
+                <a:extLst>
+                  <a:ext uri="{FF2B5EF4-FFF2-40B4-BE49-F238E27FC236}">
+                    <a16:creationId xmlns:a16="http://schemas.microsoft.com/office/drawing/2014/main" id="{2423C6F9-3C9C-4F6E-85EB-29858BFEDE46}"/>
+                  </a:ext>
+                </a:extLst>
+              </p:cNvPr>
+              <p:cNvSpPr/>
+              <p:nvPr/>
+            </p:nvSpPr>
+            <p:spPr>
+              <a:xfrm>
+                <a:off x="7747279" y="3395564"/>
+                <a:ext cx="3088638" cy="2768974"/>
+              </a:xfrm>
+              <a:prstGeom prst="ellipse">
+                <a:avLst/>
+              </a:prstGeom>
+              <a:noFill/>
+            </p:spPr>
+            <p:style>
+              <a:lnRef idx="2">
+                <a:schemeClr val="accent1">
+                  <a:shade val="50000"/>
+                </a:schemeClr>
+              </a:lnRef>
+              <a:fillRef idx="1">
+                <a:schemeClr val="accent1"/>
+              </a:fillRef>
+              <a:effectRef idx="0">
+                <a:schemeClr val="accent1"/>
+              </a:effectRef>
+              <a:fontRef idx="minor">
+                <a:schemeClr val="lt1"/>
+              </a:fontRef>
+            </p:style>
+            <p:txBody>
+              <a:bodyPr rtlCol="0" anchor="ctr"/>
+              <a:lstStyle/>
+              <a:p>
+                <a:pPr algn="ctr"/>
+                <a:endParaRPr kumimoji="1" lang="ja-JP" altLang="en-US"/>
+              </a:p>
+            </p:txBody>
+          </p:sp>
+          <p:cxnSp>
+            <p:nvCxnSpPr>
+              <p:cNvPr id="14" name="直線コネクタ 13">
+                <a:extLst>
+                  <a:ext uri="{FF2B5EF4-FFF2-40B4-BE49-F238E27FC236}">
+                    <a16:creationId xmlns:a16="http://schemas.microsoft.com/office/drawing/2014/main" id="{C7C30AB5-2049-4A13-A557-FB6FCDE81667}"/>
+                  </a:ext>
+                </a:extLst>
+              </p:cNvPr>
+              <p:cNvCxnSpPr>
+                <a:cxnSpLocks/>
+                <a:stCxn id="33" idx="0"/>
+                <a:endCxn id="11" idx="6"/>
+              </p:cNvCxnSpPr>
+              <p:nvPr/>
+            </p:nvCxnSpPr>
+            <p:spPr>
+              <a:xfrm>
+                <a:off x="9292570" y="4758131"/>
+                <a:ext cx="1543347" cy="21920"/>
+              </a:xfrm>
+              <a:prstGeom prst="line">
+                <a:avLst/>
+              </a:prstGeom>
+            </p:spPr>
+            <p:style>
+              <a:lnRef idx="1">
+                <a:schemeClr val="accent1"/>
+              </a:lnRef>
+              <a:fillRef idx="0">
+                <a:schemeClr val="accent1"/>
+              </a:fillRef>
+              <a:effectRef idx="0">
+                <a:schemeClr val="accent1"/>
+              </a:effectRef>
+              <a:fontRef idx="minor">
+                <a:schemeClr val="tx1"/>
+              </a:fontRef>
+            </p:style>
+          </p:cxnSp>
+          <p:sp>
+            <p:nvSpPr>
+              <p:cNvPr id="33" name="円弧 32">
+                <a:extLst>
+                  <a:ext uri="{FF2B5EF4-FFF2-40B4-BE49-F238E27FC236}">
+                    <a16:creationId xmlns:a16="http://schemas.microsoft.com/office/drawing/2014/main" id="{9812CC85-B854-41B8-B5A2-C6874E9DC2F9}"/>
+                  </a:ext>
+                </a:extLst>
+              </p:cNvPr>
+              <p:cNvSpPr/>
+              <p:nvPr/>
+            </p:nvSpPr>
+            <p:spPr>
+              <a:xfrm>
+                <a:off x="9291598" y="4409897"/>
+                <a:ext cx="1190625" cy="738658"/>
+              </a:xfrm>
+              <a:prstGeom prst="arc">
+                <a:avLst>
+                  <a:gd name="adj1" fmla="val 10921968"/>
+                  <a:gd name="adj2" fmla="val 12945205"/>
+                </a:avLst>
+              </a:prstGeom>
+            </p:spPr>
+            <p:style>
+              <a:lnRef idx="1">
+                <a:schemeClr val="accent1"/>
+              </a:lnRef>
+              <a:fillRef idx="0">
+                <a:schemeClr val="accent1"/>
+              </a:fillRef>
+              <a:effectRef idx="0">
+                <a:schemeClr val="accent1"/>
+              </a:effectRef>
+              <a:fontRef idx="minor">
+                <a:schemeClr val="tx1"/>
+              </a:fontRef>
+            </p:style>
+            <p:txBody>
+              <a:bodyPr rtlCol="0" anchor="ctr"/>
+              <a:lstStyle/>
+              <a:p>
+                <a:pPr algn="ctr"/>
+                <a:endParaRPr kumimoji="1" lang="ja-JP" altLang="en-US"/>
+              </a:p>
+            </p:txBody>
+          </p:sp>
+          <p:sp>
+            <p:nvSpPr>
+              <p:cNvPr id="37" name="円弧 36">
+                <a:extLst>
+                  <a:ext uri="{FF2B5EF4-FFF2-40B4-BE49-F238E27FC236}">
+                    <a16:creationId xmlns:a16="http://schemas.microsoft.com/office/drawing/2014/main" id="{9F6864A7-788E-4574-882A-6FD804BD3627}"/>
+                  </a:ext>
+                </a:extLst>
+              </p:cNvPr>
+              <p:cNvSpPr/>
+              <p:nvPr/>
+            </p:nvSpPr>
+            <p:spPr>
+              <a:xfrm>
+                <a:off x="9618824" y="4404419"/>
+                <a:ext cx="1190625" cy="738658"/>
+              </a:xfrm>
+              <a:prstGeom prst="arc">
+                <a:avLst>
+                  <a:gd name="adj1" fmla="val 19670061"/>
+                  <a:gd name="adj2" fmla="val 21564549"/>
+                </a:avLst>
+              </a:prstGeom>
+            </p:spPr>
+            <p:style>
+              <a:lnRef idx="1">
+                <a:schemeClr val="accent1"/>
+              </a:lnRef>
+              <a:fillRef idx="0">
+                <a:schemeClr val="accent1"/>
+              </a:fillRef>
+              <a:effectRef idx="0">
+                <a:schemeClr val="accent1"/>
+              </a:effectRef>
+              <a:fontRef idx="minor">
+                <a:schemeClr val="tx1"/>
+              </a:fontRef>
+            </p:style>
+            <p:txBody>
+              <a:bodyPr rtlCol="0" anchor="ctr"/>
+              <a:lstStyle/>
+              <a:p>
+                <a:pPr algn="ctr"/>
+                <a:endParaRPr kumimoji="1" lang="ja-JP" altLang="en-US"/>
+              </a:p>
+            </p:txBody>
+          </p:sp>
+          <p:sp>
+            <p:nvSpPr>
+              <p:cNvPr id="40" name="テキスト ボックス 39">
+                <a:extLst>
+                  <a:ext uri="{FF2B5EF4-FFF2-40B4-BE49-F238E27FC236}">
+                    <a16:creationId xmlns:a16="http://schemas.microsoft.com/office/drawing/2014/main" id="{38997EC5-482A-42C7-BAD8-FAB35A95923D}"/>
+                  </a:ext>
+                </a:extLst>
+              </p:cNvPr>
+              <p:cNvSpPr txBox="1"/>
+              <p:nvPr/>
+            </p:nvSpPr>
+            <p:spPr>
+              <a:xfrm>
+                <a:off x="9886910" y="4284277"/>
+                <a:ext cx="378928" cy="369332"/>
+              </a:xfrm>
+              <a:prstGeom prst="rect">
+                <a:avLst/>
+              </a:prstGeom>
+              <a:noFill/>
+            </p:spPr>
+            <p:txBody>
+              <a:bodyPr wrap="square" rtlCol="0">
+                <a:spAutoFit/>
+              </a:bodyPr>
+              <a:lstStyle/>
+              <a:p>
+                <a:r>
+                  <a:rPr lang="en-US" altLang="ja-JP" dirty="0"/>
+                  <a:t>r</a:t>
+                </a:r>
+                <a:endParaRPr kumimoji="1" lang="ja-JP" altLang="en-US" dirty="0"/>
+              </a:p>
+            </p:txBody>
+          </p:sp>
+          <mc:AlternateContent xmlns:mc="http://schemas.openxmlformats.org/markup-compatibility/2006">
+            <mc:Choice xmlns:a14="http://schemas.microsoft.com/office/drawing/2010/main" Requires="a14">
+              <p:sp>
+                <p:nvSpPr>
+                  <p:cNvPr id="51" name="テキスト ボックス 50">
+                    <a:extLst>
+                      <a:ext uri="{FF2B5EF4-FFF2-40B4-BE49-F238E27FC236}">
+                        <a16:creationId xmlns:a16="http://schemas.microsoft.com/office/drawing/2014/main" id="{55BA5A70-C76F-4ECB-AE85-0F52990A4765}"/>
+                      </a:ext>
+                    </a:extLst>
+                  </p:cNvPr>
+                  <p:cNvSpPr txBox="1"/>
+                  <p:nvPr/>
+                </p:nvSpPr>
+                <p:spPr>
+                  <a:xfrm>
+                    <a:off x="9824231" y="2843586"/>
+                    <a:ext cx="1930016" cy="622350"/>
+                  </a:xfrm>
+                  <a:prstGeom prst="rect">
+                    <a:avLst/>
+                  </a:prstGeom>
+                  <a:noFill/>
+                </p:spPr>
+                <p:txBody>
+                  <a:bodyPr wrap="none" lIns="0" tIns="0" rIns="0" bIns="0" rtlCol="0">
+                    <a:spAutoFit/>
+                  </a:bodyPr>
+                  <a:lstStyle/>
+                  <a:p>
+                    <a:pPr/>
+                    <a14:m>
+                      <m:oMathPara xmlns:m="http://schemas.openxmlformats.org/officeDocument/2006/math">
+                        <m:oMathParaPr>
+                          <m:jc m:val="centerGroup"/>
+                        </m:oMathParaPr>
+                        <m:oMath xmlns:m="http://schemas.openxmlformats.org/officeDocument/2006/math">
+                          <m:sSub>
+                            <m:sSubPr>
+                              <m:ctrlPr>
+                                <a:rPr lang="en-US" altLang="ja-JP" b="1" i="1" smtClean="0">
+                                  <a:latin typeface="Cambria Math" panose="02040503050406030204" pitchFamily="18" charset="0"/>
+                                </a:rPr>
+                              </m:ctrlPr>
+                            </m:sSubPr>
+                            <m:e>
+                              <m:r>
+                                <a:rPr lang="en-US" altLang="ja-JP" b="1" i="1" smtClean="0">
+                                  <a:latin typeface="Cambria Math" panose="02040503050406030204" pitchFamily="18" charset="0"/>
+                                </a:rPr>
+                                <m:t>𝒗</m:t>
+                              </m:r>
+                            </m:e>
+                            <m:sub>
+                              <m:r>
+                                <a:rPr lang="en-US" altLang="ja-JP" b="1" i="1" smtClean="0">
+                                  <a:latin typeface="Cambria Math" panose="02040503050406030204" pitchFamily="18" charset="0"/>
+                                </a:rPr>
+                                <m:t>𝟎</m:t>
+                              </m:r>
+                            </m:sub>
+                          </m:sSub>
+                          <m:r>
+                            <a:rPr lang="en-US" altLang="ja-JP" b="0" i="1" smtClean="0">
+                              <a:latin typeface="Cambria Math" panose="02040503050406030204" pitchFamily="18" charset="0"/>
+                            </a:rPr>
+                            <m:t>=</m:t>
+                          </m:r>
+                          <m:d>
+                            <m:dPr>
+                              <m:ctrlPr>
+                                <a:rPr lang="en-US" altLang="ja-JP" b="0" i="1" smtClean="0">
+                                  <a:latin typeface="Cambria Math" panose="02040503050406030204" pitchFamily="18" charset="0"/>
+                                </a:rPr>
+                              </m:ctrlPr>
+                            </m:dPr>
+                            <m:e>
+                              <m:f>
+                                <m:fPr>
+                                  <m:type m:val="noBar"/>
+                                  <m:ctrlPr>
+                                    <a:rPr lang="en-US" altLang="ja-JP" b="0" i="1" smtClean="0">
+                                      <a:latin typeface="Cambria Math" panose="02040503050406030204" pitchFamily="18" charset="0"/>
+                                    </a:rPr>
+                                  </m:ctrlPr>
+                                </m:fPr>
+                                <m:num>
+                                  <m:sSub>
+                                    <m:sSubPr>
+                                      <m:ctrlPr>
+                                        <a:rPr lang="en-US" altLang="ja-JP" b="0" i="1" smtClean="0">
+                                          <a:latin typeface="Cambria Math" panose="02040503050406030204" pitchFamily="18" charset="0"/>
+                                        </a:rPr>
+                                      </m:ctrlPr>
+                                    </m:sSubPr>
+                                    <m:e>
+                                      <m:r>
+                                        <a:rPr lang="en-US" altLang="ja-JP" b="0" i="1" smtClean="0">
+                                          <a:latin typeface="Cambria Math" panose="02040503050406030204" pitchFamily="18" charset="0"/>
+                                        </a:rPr>
+                                        <m:t>𝑣</m:t>
+                                      </m:r>
+                                    </m:e>
+                                    <m:sub>
+                                      <m:r>
+                                        <a:rPr lang="en-US" altLang="ja-JP" b="0" i="1" smtClean="0">
+                                          <a:latin typeface="Cambria Math" panose="02040503050406030204" pitchFamily="18" charset="0"/>
+                                        </a:rPr>
+                                        <m:t>𝑥</m:t>
+                                      </m:r>
+                                    </m:sub>
+                                  </m:sSub>
+                                </m:num>
+                                <m:den>
+                                  <m:sSub>
+                                    <m:sSubPr>
+                                      <m:ctrlPr>
+                                        <a:rPr lang="en-US" altLang="ja-JP" b="0" i="1" smtClean="0">
+                                          <a:latin typeface="Cambria Math" panose="02040503050406030204" pitchFamily="18" charset="0"/>
+                                        </a:rPr>
+                                      </m:ctrlPr>
+                                    </m:sSubPr>
+                                    <m:e>
+                                      <m:r>
+                                        <a:rPr lang="en-US" altLang="ja-JP" b="0" i="1" smtClean="0">
+                                          <a:latin typeface="Cambria Math" panose="02040503050406030204" pitchFamily="18" charset="0"/>
+                                        </a:rPr>
+                                        <m:t>𝑣</m:t>
+                                      </m:r>
+                                    </m:e>
+                                    <m:sub>
+                                      <m:r>
+                                        <a:rPr lang="en-US" altLang="ja-JP" b="0" i="1" smtClean="0">
+                                          <a:latin typeface="Cambria Math" panose="02040503050406030204" pitchFamily="18" charset="0"/>
+                                        </a:rPr>
+                                        <m:t>𝑧</m:t>
+                                      </m:r>
+                                    </m:sub>
+                                  </m:sSub>
+                                </m:den>
+                              </m:f>
+                            </m:e>
+                          </m:d>
+                          <m:r>
+                            <a:rPr lang="en-US" altLang="ja-JP" b="0" i="1" smtClean="0">
+                              <a:latin typeface="Cambria Math" panose="02040503050406030204" pitchFamily="18" charset="0"/>
+                            </a:rPr>
+                            <m:t>=</m:t>
+                          </m:r>
+                          <m:d>
+                            <m:dPr>
+                              <m:ctrlPr>
+                                <a:rPr lang="en-US" altLang="ja-JP" b="0" i="1" smtClean="0">
+                                  <a:latin typeface="Cambria Math" panose="02040503050406030204" pitchFamily="18" charset="0"/>
+                                </a:rPr>
+                              </m:ctrlPr>
+                            </m:dPr>
+                            <m:e>
+                              <m:f>
+                                <m:fPr>
+                                  <m:type m:val="noBar"/>
+                                  <m:ctrlPr>
+                                    <a:rPr lang="en-US" altLang="ja-JP" b="0" i="1" smtClean="0">
+                                      <a:latin typeface="Cambria Math" panose="02040503050406030204" pitchFamily="18" charset="0"/>
+                                    </a:rPr>
+                                  </m:ctrlPr>
+                                </m:fPr>
+                                <m:num>
+                                  <m:sSub>
+                                    <m:sSubPr>
+                                      <m:ctrlPr>
+                                        <a:rPr lang="en-US" altLang="ja-JP" b="0" i="1" smtClean="0">
+                                          <a:latin typeface="Cambria Math" panose="02040503050406030204" pitchFamily="18" charset="0"/>
+                                        </a:rPr>
+                                      </m:ctrlPr>
+                                    </m:sSubPr>
+                                    <m:e>
+                                      <m:r>
+                                        <a:rPr lang="en-US" altLang="ja-JP" b="0" i="1" smtClean="0">
+                                          <a:latin typeface="Cambria Math" panose="02040503050406030204" pitchFamily="18" charset="0"/>
+                                        </a:rPr>
+                                        <m:t>𝑣</m:t>
+                                      </m:r>
+                                    </m:e>
+                                    <m:sub>
+                                      <m:r>
+                                        <a:rPr lang="en-US" altLang="ja-JP" b="0" i="1" smtClean="0">
+                                          <a:latin typeface="Cambria Math" panose="02040503050406030204" pitchFamily="18" charset="0"/>
+                                        </a:rPr>
+                                        <m:t>0</m:t>
+                                      </m:r>
+                                    </m:sub>
+                                  </m:sSub>
+                                </m:num>
+                                <m:den>
+                                  <m:r>
+                                    <a:rPr lang="en-US" altLang="ja-JP" b="0" i="1" smtClean="0">
+                                      <a:latin typeface="Cambria Math" panose="02040503050406030204" pitchFamily="18" charset="0"/>
+                                    </a:rPr>
+                                    <m:t>0</m:t>
+                                  </m:r>
+                                </m:den>
+                              </m:f>
+                            </m:e>
+                          </m:d>
+                        </m:oMath>
+                      </m:oMathPara>
+                    </a14:m>
+                    <a:endParaRPr kumimoji="1" lang="ja-JP" altLang="en-US" dirty="0"/>
+                  </a:p>
+                </p:txBody>
+              </p:sp>
+            </mc:Choice>
+            <mc:Fallback>
+              <p:sp>
+                <p:nvSpPr>
+                  <p:cNvPr id="51" name="テキスト ボックス 50">
+                    <a:extLst>
+                      <a:ext uri="{FF2B5EF4-FFF2-40B4-BE49-F238E27FC236}">
+                        <a16:creationId xmlns:a16="http://schemas.microsoft.com/office/drawing/2014/main" id="{55BA5A70-C76F-4ECB-AE85-0F52990A4765}"/>
+                      </a:ext>
+                    </a:extLst>
+                  </p:cNvPr>
+                  <p:cNvSpPr txBox="1">
+                    <a:spLocks noRot="1" noChangeAspect="1" noMove="1" noResize="1" noEditPoints="1" noAdjustHandles="1" noChangeArrowheads="1" noChangeShapeType="1" noTextEdit="1"/>
+                  </p:cNvSpPr>
+                  <p:nvPr/>
+                </p:nvSpPr>
+                <p:spPr>
+                  <a:xfrm>
+                    <a:off x="9824231" y="2843586"/>
+                    <a:ext cx="1930016" cy="622350"/>
+                  </a:xfrm>
+                  <a:prstGeom prst="rect">
+                    <a:avLst/>
+                  </a:prstGeom>
+                  <a:blipFill>
+                    <a:blip r:embed="rId8"/>
+                    <a:stretch>
+                      <a:fillRect/>
+                    </a:stretch>
+                  </a:blipFill>
+                </p:spPr>
+                <p:txBody>
+                  <a:bodyPr/>
+                  <a:lstStyle/>
+                  <a:p>
+                    <a:r>
+                      <a:rPr lang="ja-JP" altLang="en-US">
+                        <a:noFill/>
+                      </a:rPr>
+                      <a:t> </a:t>
+                    </a:r>
+                  </a:p>
+                </p:txBody>
+              </p:sp>
+            </mc:Fallback>
+          </mc:AlternateContent>
+          <p:cxnSp>
+            <p:nvCxnSpPr>
+              <p:cNvPr id="41" name="直線矢印コネクタ 40">
+                <a:extLst>
+                  <a:ext uri="{FF2B5EF4-FFF2-40B4-BE49-F238E27FC236}">
+                    <a16:creationId xmlns:a16="http://schemas.microsoft.com/office/drawing/2014/main" id="{E1C94CA0-72B9-4CE2-A4C8-B85644FD0062}"/>
+                  </a:ext>
+                </a:extLst>
+              </p:cNvPr>
+              <p:cNvCxnSpPr>
+                <a:cxnSpLocks/>
+              </p:cNvCxnSpPr>
+              <p:nvPr/>
+            </p:nvCxnSpPr>
+            <p:spPr>
+              <a:xfrm>
+                <a:off x="8972269" y="3073955"/>
+                <a:ext cx="646555" cy="0"/>
+              </a:xfrm>
+              <a:prstGeom prst="straightConnector1">
+                <a:avLst/>
+              </a:prstGeom>
+              <a:ln w="12700">
+                <a:tailEnd type="triangle"/>
+              </a:ln>
+          